--- a/libraries/Diagramm Drone.pptx
+++ b/libraries/Diagramm Drone.pptx
@@ -9,15 +9,13 @@
     <p:sldId id="263" r:id="rId3"/>
     <p:sldId id="261" r:id="rId4"/>
     <p:sldId id="262" r:id="rId5"/>
-    <p:sldId id="264" r:id="rId6"/>
-    <p:sldId id="268" r:id="rId7"/>
-    <p:sldId id="266" r:id="rId8"/>
-    <p:sldId id="260" r:id="rId9"/>
-    <p:sldId id="269" r:id="rId10"/>
-    <p:sldId id="270" r:id="rId11"/>
-    <p:sldId id="271" r:id="rId12"/>
-    <p:sldId id="272" r:id="rId13"/>
-    <p:sldId id="273" r:id="rId14"/>
+    <p:sldId id="269" r:id="rId6"/>
+    <p:sldId id="272" r:id="rId7"/>
+    <p:sldId id="270" r:id="rId8"/>
+    <p:sldId id="271" r:id="rId9"/>
+    <p:sldId id="274" r:id="rId10"/>
+    <p:sldId id="273" r:id="rId11"/>
+    <p:sldId id="260" r:id="rId12"/>
   </p:sldIdLst>
   <p:sldSz cx="12192000" cy="6858000"/>
   <p:notesSz cx="6888163" cy="10020300"/>
@@ -282,7 +280,7 @@
           <a:p>
             <a:fld id="{0717AEF8-1597-4679-8926-916E82E12B07}" type="datetimeFigureOut">
               <a:rPr lang="fr-FR" smtClean="0"/>
-              <a:t>10/03/2019</a:t>
+              <a:t>11/03/2019</a:t>
             </a:fld>
             <a:endParaRPr lang="fr-FR"/>
           </a:p>
@@ -480,7 +478,7 @@
           <a:p>
             <a:fld id="{0717AEF8-1597-4679-8926-916E82E12B07}" type="datetimeFigureOut">
               <a:rPr lang="fr-FR" smtClean="0"/>
-              <a:t>10/03/2019</a:t>
+              <a:t>11/03/2019</a:t>
             </a:fld>
             <a:endParaRPr lang="fr-FR"/>
           </a:p>
@@ -688,7 +686,7 @@
           <a:p>
             <a:fld id="{0717AEF8-1597-4679-8926-916E82E12B07}" type="datetimeFigureOut">
               <a:rPr lang="fr-FR" smtClean="0"/>
-              <a:t>10/03/2019</a:t>
+              <a:t>11/03/2019</a:t>
             </a:fld>
             <a:endParaRPr lang="fr-FR"/>
           </a:p>
@@ -886,7 +884,7 @@
           <a:p>
             <a:fld id="{0717AEF8-1597-4679-8926-916E82E12B07}" type="datetimeFigureOut">
               <a:rPr lang="fr-FR" smtClean="0"/>
-              <a:t>10/03/2019</a:t>
+              <a:t>11/03/2019</a:t>
             </a:fld>
             <a:endParaRPr lang="fr-FR"/>
           </a:p>
@@ -1161,7 +1159,7 @@
           <a:p>
             <a:fld id="{0717AEF8-1597-4679-8926-916E82E12B07}" type="datetimeFigureOut">
               <a:rPr lang="fr-FR" smtClean="0"/>
-              <a:t>10/03/2019</a:t>
+              <a:t>11/03/2019</a:t>
             </a:fld>
             <a:endParaRPr lang="fr-FR"/>
           </a:p>
@@ -1426,7 +1424,7 @@
           <a:p>
             <a:fld id="{0717AEF8-1597-4679-8926-916E82E12B07}" type="datetimeFigureOut">
               <a:rPr lang="fr-FR" smtClean="0"/>
-              <a:t>10/03/2019</a:t>
+              <a:t>11/03/2019</a:t>
             </a:fld>
             <a:endParaRPr lang="fr-FR"/>
           </a:p>
@@ -1838,7 +1836,7 @@
           <a:p>
             <a:fld id="{0717AEF8-1597-4679-8926-916E82E12B07}" type="datetimeFigureOut">
               <a:rPr lang="fr-FR" smtClean="0"/>
-              <a:t>10/03/2019</a:t>
+              <a:t>11/03/2019</a:t>
             </a:fld>
             <a:endParaRPr lang="fr-FR"/>
           </a:p>
@@ -1979,7 +1977,7 @@
           <a:p>
             <a:fld id="{0717AEF8-1597-4679-8926-916E82E12B07}" type="datetimeFigureOut">
               <a:rPr lang="fr-FR" smtClean="0"/>
-              <a:t>10/03/2019</a:t>
+              <a:t>11/03/2019</a:t>
             </a:fld>
             <a:endParaRPr lang="fr-FR"/>
           </a:p>
@@ -2092,7 +2090,7 @@
           <a:p>
             <a:fld id="{0717AEF8-1597-4679-8926-916E82E12B07}" type="datetimeFigureOut">
               <a:rPr lang="fr-FR" smtClean="0"/>
-              <a:t>10/03/2019</a:t>
+              <a:t>11/03/2019</a:t>
             </a:fld>
             <a:endParaRPr lang="fr-FR"/>
           </a:p>
@@ -2403,7 +2401,7 @@
           <a:p>
             <a:fld id="{0717AEF8-1597-4679-8926-916E82E12B07}" type="datetimeFigureOut">
               <a:rPr lang="fr-FR" smtClean="0"/>
-              <a:t>10/03/2019</a:t>
+              <a:t>11/03/2019</a:t>
             </a:fld>
             <a:endParaRPr lang="fr-FR"/>
           </a:p>
@@ -2691,7 +2689,7 @@
           <a:p>
             <a:fld id="{0717AEF8-1597-4679-8926-916E82E12B07}" type="datetimeFigureOut">
               <a:rPr lang="fr-FR" smtClean="0"/>
-              <a:t>10/03/2019</a:t>
+              <a:t>11/03/2019</a:t>
             </a:fld>
             <a:endParaRPr lang="fr-FR"/>
           </a:p>
@@ -2932,7 +2930,7 @@
           <a:p>
             <a:fld id="{0717AEF8-1597-4679-8926-916E82E12B07}" type="datetimeFigureOut">
               <a:rPr lang="fr-FR" smtClean="0"/>
-              <a:t>10/03/2019</a:t>
+              <a:t>11/03/2019</a:t>
             </a:fld>
             <a:endParaRPr lang="fr-FR"/>
           </a:p>
@@ -4789,7 +4787,7 @@
             <a:pPr algn="ctr"/>
             <a:r>
               <a:rPr lang="fr-FR" sz="1200" dirty="0"/>
-              <a:t>MPU6050</a:t>
+              <a:t>CMPS12</a:t>
             </a:r>
           </a:p>
         </p:txBody>
@@ -6459,7 +6457,7 @@
           <a:p>
             <a:r>
               <a:rPr lang="fr-FR" dirty="0"/>
-              <a:t>+3</a:t>
+              <a:t>+5</a:t>
             </a:r>
             <a:r>
               <a:rPr lang="fr-FR" sz="1200" dirty="0"/>
@@ -6532,88 +6530,6 @@
           <a:ln w="19050">
             <a:solidFill>
               <a:schemeClr val="tx1"/>
-            </a:solidFill>
-          </a:ln>
-        </p:spPr>
-        <p:style>
-          <a:lnRef idx="1">
-            <a:schemeClr val="accent1"/>
-          </a:lnRef>
-          <a:fillRef idx="0">
-            <a:schemeClr val="accent1"/>
-          </a:fillRef>
-          <a:effectRef idx="0">
-            <a:schemeClr val="accent1"/>
-          </a:effectRef>
-          <a:fontRef idx="minor">
-            <a:schemeClr val="tx1"/>
-          </a:fontRef>
-        </p:style>
-      </p:cxnSp>
-      <p:cxnSp>
-        <p:nvCxnSpPr>
-          <p:cNvPr id="174" name="Connecteur droit 173">
-            <a:extLst>
-              <a:ext uri="{FF2B5EF4-FFF2-40B4-BE49-F238E27FC236}">
-                <a16:creationId xmlns:a16="http://schemas.microsoft.com/office/drawing/2014/main" id="{37DF3497-E452-4914-B319-A441B0DEB487}"/>
-              </a:ext>
-            </a:extLst>
-          </p:cNvPr>
-          <p:cNvCxnSpPr/>
-          <p:nvPr/>
-        </p:nvCxnSpPr>
-        <p:spPr>
-          <a:xfrm flipV="1">
-            <a:off x="10402941" y="82574"/>
-            <a:ext cx="0" cy="291876"/>
-          </a:xfrm>
-          <a:prstGeom prst="line">
-            <a:avLst/>
-          </a:prstGeom>
-          <a:ln w="19050">
-            <a:solidFill>
-              <a:srgbClr val="FF0000"/>
-            </a:solidFill>
-          </a:ln>
-        </p:spPr>
-        <p:style>
-          <a:lnRef idx="1">
-            <a:schemeClr val="accent1"/>
-          </a:lnRef>
-          <a:fillRef idx="0">
-            <a:schemeClr val="accent1"/>
-          </a:fillRef>
-          <a:effectRef idx="0">
-            <a:schemeClr val="accent1"/>
-          </a:effectRef>
-          <a:fontRef idx="minor">
-            <a:schemeClr val="tx1"/>
-          </a:fontRef>
-        </p:style>
-      </p:cxnSp>
-      <p:cxnSp>
-        <p:nvCxnSpPr>
-          <p:cNvPr id="175" name="Connecteur droit 174">
-            <a:extLst>
-              <a:ext uri="{FF2B5EF4-FFF2-40B4-BE49-F238E27FC236}">
-                <a16:creationId xmlns:a16="http://schemas.microsoft.com/office/drawing/2014/main" id="{7F3F75EF-227C-4B8C-A4C7-25BE9A9DC7F5}"/>
-              </a:ext>
-            </a:extLst>
-          </p:cNvPr>
-          <p:cNvCxnSpPr/>
-          <p:nvPr/>
-        </p:nvCxnSpPr>
-        <p:spPr>
-          <a:xfrm flipV="1">
-            <a:off x="9234172" y="91164"/>
-            <a:ext cx="0" cy="291876"/>
-          </a:xfrm>
-          <a:prstGeom prst="line">
-            <a:avLst/>
-          </a:prstGeom>
-          <a:ln w="19050">
-            <a:solidFill>
-              <a:srgbClr val="FF0000"/>
             </a:solidFill>
           </a:ln>
         </p:spPr>
@@ -6655,92 +6571,6 @@
           <a:ln w="19050">
             <a:solidFill>
               <a:srgbClr val="FF0000"/>
-            </a:solidFill>
-          </a:ln>
-        </p:spPr>
-        <p:style>
-          <a:lnRef idx="1">
-            <a:schemeClr val="accent1"/>
-          </a:lnRef>
-          <a:fillRef idx="0">
-            <a:schemeClr val="accent1"/>
-          </a:fillRef>
-          <a:effectRef idx="0">
-            <a:schemeClr val="accent1"/>
-          </a:effectRef>
-          <a:fontRef idx="minor">
-            <a:schemeClr val="tx1"/>
-          </a:fontRef>
-        </p:style>
-      </p:cxnSp>
-      <p:cxnSp>
-        <p:nvCxnSpPr>
-          <p:cNvPr id="177" name="Connecteur droit 176">
-            <a:extLst>
-              <a:ext uri="{FF2B5EF4-FFF2-40B4-BE49-F238E27FC236}">
-                <a16:creationId xmlns:a16="http://schemas.microsoft.com/office/drawing/2014/main" id="{21EC946E-54DE-4627-B44D-0E3F1BFAE0EE}"/>
-              </a:ext>
-            </a:extLst>
-          </p:cNvPr>
-          <p:cNvCxnSpPr>
-            <a:cxnSpLocks/>
-          </p:cNvCxnSpPr>
-          <p:nvPr/>
-        </p:nvCxnSpPr>
-        <p:spPr>
-          <a:xfrm flipV="1">
-            <a:off x="10279328" y="276899"/>
-            <a:ext cx="0" cy="106141"/>
-          </a:xfrm>
-          <a:prstGeom prst="line">
-            <a:avLst/>
-          </a:prstGeom>
-          <a:ln w="19050">
-            <a:solidFill>
-              <a:schemeClr val="tx1"/>
-            </a:solidFill>
-          </a:ln>
-        </p:spPr>
-        <p:style>
-          <a:lnRef idx="1">
-            <a:schemeClr val="accent1"/>
-          </a:lnRef>
-          <a:fillRef idx="0">
-            <a:schemeClr val="accent1"/>
-          </a:fillRef>
-          <a:effectRef idx="0">
-            <a:schemeClr val="accent1"/>
-          </a:effectRef>
-          <a:fontRef idx="minor">
-            <a:schemeClr val="tx1"/>
-          </a:fontRef>
-        </p:style>
-      </p:cxnSp>
-      <p:cxnSp>
-        <p:nvCxnSpPr>
-          <p:cNvPr id="180" name="Connecteur droit 179">
-            <a:extLst>
-              <a:ext uri="{FF2B5EF4-FFF2-40B4-BE49-F238E27FC236}">
-                <a16:creationId xmlns:a16="http://schemas.microsoft.com/office/drawing/2014/main" id="{28A0F310-6E96-4389-B3C9-09E0581A8390}"/>
-              </a:ext>
-            </a:extLst>
-          </p:cNvPr>
-          <p:cNvCxnSpPr>
-            <a:cxnSpLocks/>
-          </p:cNvCxnSpPr>
-          <p:nvPr/>
-        </p:nvCxnSpPr>
-        <p:spPr>
-          <a:xfrm flipV="1">
-            <a:off x="9078521" y="289076"/>
-            <a:ext cx="0" cy="106141"/>
-          </a:xfrm>
-          <a:prstGeom prst="line">
-            <a:avLst/>
-          </a:prstGeom>
-          <a:ln w="19050">
-            <a:solidFill>
-              <a:schemeClr val="tx1"/>
             </a:solidFill>
           </a:ln>
         </p:spPr>
@@ -9672,95 +9502,11 @@
           <a:p>
             <a:r>
               <a:rPr lang="fr-FR" sz="800" dirty="0"/>
-              <a:t>0x69 </a:t>
-            </a:r>
-          </a:p>
-        </p:txBody>
-      </p:sp>
-      <p:cxnSp>
-        <p:nvCxnSpPr>
-          <p:cNvPr id="215" name="Connecteur droit 214">
-            <a:extLst>
-              <a:ext uri="{FF2B5EF4-FFF2-40B4-BE49-F238E27FC236}">
-                <a16:creationId xmlns:a16="http://schemas.microsoft.com/office/drawing/2014/main" id="{28F3DF8C-E4A1-40A3-A99D-830C1D7FC4F2}"/>
-              </a:ext>
-            </a:extLst>
-          </p:cNvPr>
-          <p:cNvCxnSpPr/>
-          <p:nvPr/>
-        </p:nvCxnSpPr>
-        <p:spPr>
-          <a:xfrm flipV="1">
-            <a:off x="11539012" y="89503"/>
-            <a:ext cx="0" cy="291876"/>
-          </a:xfrm>
-          <a:prstGeom prst="line">
-            <a:avLst/>
-          </a:prstGeom>
-          <a:ln w="19050">
-            <a:solidFill>
-              <a:srgbClr val="FF0000"/>
-            </a:solidFill>
-          </a:ln>
-        </p:spPr>
-        <p:style>
-          <a:lnRef idx="1">
-            <a:schemeClr val="accent1"/>
-          </a:lnRef>
-          <a:fillRef idx="0">
-            <a:schemeClr val="accent1"/>
-          </a:fillRef>
-          <a:effectRef idx="0">
-            <a:schemeClr val="accent1"/>
-          </a:effectRef>
-          <a:fontRef idx="minor">
-            <a:schemeClr val="tx1"/>
-          </a:fontRef>
-        </p:style>
-      </p:cxnSp>
-      <p:cxnSp>
-        <p:nvCxnSpPr>
-          <p:cNvPr id="216" name="Connecteur droit 215">
-            <a:extLst>
-              <a:ext uri="{FF2B5EF4-FFF2-40B4-BE49-F238E27FC236}">
-                <a16:creationId xmlns:a16="http://schemas.microsoft.com/office/drawing/2014/main" id="{5194439E-4C55-40E2-B6F7-2B654FF2A1EB}"/>
-              </a:ext>
-            </a:extLst>
-          </p:cNvPr>
-          <p:cNvCxnSpPr>
-            <a:cxnSpLocks/>
-          </p:cNvCxnSpPr>
-          <p:nvPr/>
-        </p:nvCxnSpPr>
-        <p:spPr>
-          <a:xfrm flipV="1">
-            <a:off x="11415399" y="283828"/>
-            <a:ext cx="0" cy="106141"/>
-          </a:xfrm>
-          <a:prstGeom prst="line">
-            <a:avLst/>
-          </a:prstGeom>
-          <a:ln w="19050">
-            <a:solidFill>
-              <a:schemeClr val="tx1"/>
-            </a:solidFill>
-          </a:ln>
-        </p:spPr>
-        <p:style>
-          <a:lnRef idx="1">
-            <a:schemeClr val="accent1"/>
-          </a:lnRef>
-          <a:fillRef idx="0">
-            <a:schemeClr val="accent1"/>
-          </a:fillRef>
-          <a:effectRef idx="0">
-            <a:schemeClr val="accent1"/>
-          </a:effectRef>
-          <a:fontRef idx="minor">
-            <a:schemeClr val="tx1"/>
-          </a:fontRef>
-        </p:style>
-      </p:cxnSp>
+              <a:t>0x60 </a:t>
+            </a:r>
+          </a:p>
+        </p:txBody>
+      </p:sp>
       <p:cxnSp>
         <p:nvCxnSpPr>
           <p:cNvPr id="168" name="Connecteur droit avec flèche 167">
@@ -10788,7 +10534,7 @@
           <p:cNvPr id="2" name="Titre 1">
             <a:extLst>
               <a:ext uri="{FF2B5EF4-FFF2-40B4-BE49-F238E27FC236}">
-                <a16:creationId xmlns:a16="http://schemas.microsoft.com/office/drawing/2014/main" id="{7D7887D6-7566-47C9-A25C-3F4F54D9EBDC}"/>
+                <a16:creationId xmlns:a16="http://schemas.microsoft.com/office/drawing/2014/main" id="{C3A54A01-5167-4086-A1BC-77733497AAAC}"/>
               </a:ext>
             </a:extLst>
           </p:cNvPr>
@@ -10804,9 +10550,10 @@
           <a:bodyPr/>
           <a:lstStyle/>
           <a:p>
-            <a:r>
-              <a:rPr lang="fr-FR" dirty="0"/>
-              <a:t>Drone Command (1/2)</a:t>
+            <a:pPr algn="ctr"/>
+            <a:r>
+              <a:rPr lang="en-US" dirty="0"/>
+              <a:t>Motors Rotation (2/2)</a:t>
             </a:r>
           </a:p>
         </p:txBody>
@@ -10816,7 +10563,7 @@
           <p:cNvPr id="3" name="Espace réservé du contenu 2">
             <a:extLst>
               <a:ext uri="{FF2B5EF4-FFF2-40B4-BE49-F238E27FC236}">
-                <a16:creationId xmlns:a16="http://schemas.microsoft.com/office/drawing/2014/main" id="{570C9186-32F7-45DB-A01D-E527B032981A}"/>
+                <a16:creationId xmlns:a16="http://schemas.microsoft.com/office/drawing/2014/main" id="{81AD70D4-3C34-4229-95D1-25CD0E010131}"/>
               </a:ext>
             </a:extLst>
           </p:cNvPr>
@@ -10830,207 +10577,90 @@
         <p:spPr/>
         <p:txBody>
           <a:bodyPr>
-            <a:normAutofit fontScale="55000" lnSpcReduction="20000"/>
+            <a:normAutofit fontScale="92500" lnSpcReduction="20000"/>
           </a:bodyPr>
           <a:lstStyle/>
           <a:p>
             <a:r>
-              <a:rPr lang="en-US" sz="2600" dirty="0"/>
-              <a:t>RC Command</a:t>
-            </a:r>
-          </a:p>
-          <a:p>
-            <a:pPr marL="0" indent="0">
-              <a:buNone/>
-            </a:pPr>
-            <a:r>
-              <a:rPr lang="en-US" sz="1800" dirty="0"/>
-              <a:t>for ROLL, PITCH, YAW: range [-90;+90] </a:t>
-            </a:r>
-          </a:p>
-          <a:p>
-            <a:pPr marL="0" indent="0">
-              <a:buNone/>
-            </a:pPr>
-            <a:r>
-              <a:rPr lang="en-US" sz="1800" dirty="0"/>
-              <a:t> for THROTTLE:               0 or value included in [MINPPM;MAXPPM] </a:t>
-            </a:r>
-            <a:r>
-              <a:rPr lang="fr-FR" sz="1800" dirty="0"/>
-              <a:t> </a:t>
-            </a:r>
-          </a:p>
-          <a:p>
-            <a:pPr marL="0" indent="0">
-              <a:buNone/>
-            </a:pPr>
-            <a:r>
-              <a:rPr lang="fr-FR" sz="1800" dirty="0"/>
-              <a:t>for AUX1, AUX2:            0/1</a:t>
-            </a:r>
-          </a:p>
-          <a:p>
-            <a:pPr marL="0" indent="0">
-              <a:buNone/>
-            </a:pPr>
-            <a:endParaRPr lang="fr-FR" sz="1800" dirty="0"/>
-          </a:p>
-          <a:p>
-            <a:r>
-              <a:rPr lang="en-US" sz="2600" dirty="0"/>
-              <a:t>CMPS12</a:t>
-            </a:r>
-          </a:p>
-          <a:p>
-            <a:pPr marL="0" indent="0">
-              <a:buNone/>
-            </a:pPr>
-            <a:r>
-              <a:rPr lang="en-US" sz="1800" dirty="0"/>
-              <a:t>for ROLL, PITCH: range [-90;+90] </a:t>
-            </a:r>
-          </a:p>
-          <a:p>
-            <a:pPr marL="0" indent="0">
-              <a:buNone/>
-            </a:pPr>
-            <a:endParaRPr lang="fr-FR" sz="1800" dirty="0"/>
-          </a:p>
-          <a:p>
-            <a:r>
-              <a:rPr lang="fr-FR" sz="2600" dirty="0"/>
-              <a:t>PID </a:t>
-            </a:r>
-            <a:r>
-              <a:rPr lang="fr-FR" sz="2600" dirty="0" err="1"/>
-              <a:t>computed</a:t>
-            </a:r>
-            <a:r>
-              <a:rPr lang="fr-FR" sz="2600" dirty="0"/>
-              <a:t> for Roll and Pitch </a:t>
-            </a:r>
-            <a:r>
-              <a:rPr lang="fr-FR" sz="2600" dirty="0" err="1"/>
-              <a:t>based</a:t>
-            </a:r>
-            <a:r>
-              <a:rPr lang="fr-FR" sz="2600" dirty="0"/>
-              <a:t> on RC Command vs CMPS12</a:t>
-            </a:r>
-          </a:p>
-          <a:p>
-            <a:pPr marL="0" indent="0">
-              <a:buNone/>
-            </a:pPr>
-            <a:r>
-              <a:rPr lang="da-DK" sz="1800" dirty="0"/>
-              <a:t>error =  command </a:t>
-            </a:r>
-            <a:r>
-              <a:rPr lang="da-DK" sz="1800"/>
-              <a:t>– measure =&gt; error &gt; 0 means increase command.</a:t>
-            </a:r>
-            <a:endParaRPr lang="nb-NO" sz="1800" dirty="0"/>
-          </a:p>
-          <a:p>
-            <a:pPr marL="0" indent="0">
-              <a:buNone/>
-            </a:pPr>
-            <a:r>
-              <a:rPr lang="nb-NO" sz="1900" dirty="0"/>
-              <a:t>PID = (0.6*error) + (0.1sum_error) + (0.3*delta_error)</a:t>
-            </a:r>
-          </a:p>
-          <a:p>
-            <a:pPr marL="0" indent="0">
-              <a:buNone/>
-            </a:pPr>
-            <a:endParaRPr lang="nb-NO" sz="1800" dirty="0"/>
-          </a:p>
-          <a:p>
-            <a:r>
-              <a:rPr lang="fr-FR" sz="2600" dirty="0"/>
-              <a:t>Call </a:t>
-            </a:r>
-            <a:r>
-              <a:rPr lang="fr-FR" sz="2600" dirty="0" err="1"/>
-              <a:t>MotorESC_RunMotors</a:t>
-            </a:r>
-            <a:endParaRPr lang="fr-FR" sz="2600" dirty="0"/>
-          </a:p>
-          <a:p>
-            <a:pPr marL="0" indent="0">
-              <a:buNone/>
-            </a:pPr>
-            <a:r>
-              <a:rPr lang="en-US" sz="1900" dirty="0" err="1"/>
-              <a:t>ESC_command</a:t>
-            </a:r>
-            <a:r>
-              <a:rPr lang="en-US" sz="1900" dirty="0"/>
-              <a:t>[THROTTLE] = </a:t>
-            </a:r>
-            <a:r>
-              <a:rPr lang="en-US" sz="1900" dirty="0" err="1"/>
-              <a:t>RC_command</a:t>
-            </a:r>
-            <a:r>
-              <a:rPr lang="en-US" sz="1900" dirty="0"/>
-              <a:t> Throttle</a:t>
-            </a:r>
-          </a:p>
-          <a:p>
-            <a:pPr marL="0" indent="0">
-              <a:buNone/>
-            </a:pPr>
-            <a:r>
-              <a:rPr lang="en-US" sz="1900" dirty="0" err="1"/>
-              <a:t>ESC_command</a:t>
-            </a:r>
-            <a:r>
-              <a:rPr lang="en-US" sz="1900" dirty="0"/>
-              <a:t>[ROLL]     = PID Roll</a:t>
-            </a:r>
-          </a:p>
-          <a:p>
-            <a:pPr marL="0" indent="0">
-              <a:buNone/>
-            </a:pPr>
-            <a:r>
-              <a:rPr lang="en-US" sz="1900" dirty="0" err="1"/>
-              <a:t>ESC_command</a:t>
-            </a:r>
-            <a:r>
-              <a:rPr lang="en-US" sz="1900" dirty="0"/>
-              <a:t>[PITCH]    = PID Pitch</a:t>
-            </a:r>
-          </a:p>
-          <a:p>
-            <a:pPr marL="0" indent="0">
-              <a:buNone/>
-            </a:pPr>
-            <a:r>
-              <a:rPr lang="en-US" sz="1900" dirty="0" err="1"/>
-              <a:t>ESC_command</a:t>
-            </a:r>
-            <a:r>
-              <a:rPr lang="en-US" sz="1900" dirty="0"/>
-              <a:t>[YAW]      = 0</a:t>
-            </a:r>
-          </a:p>
-          <a:p>
-            <a:pPr marL="0" indent="0">
-              <a:buNone/>
-            </a:pPr>
-            <a:endParaRPr lang="fr-FR" sz="1800" dirty="0"/>
+              <a:rPr lang="en-US" dirty="0"/>
+              <a:t>Roll: left/right side tilt.</a:t>
+            </a:r>
+          </a:p>
+          <a:p>
+            <a:pPr lvl="1"/>
+            <a:r>
+              <a:rPr lang="en-US" dirty="0"/>
+              <a:t> + tilted side right, speed 2 Right, slow 2 Left</a:t>
+            </a:r>
+          </a:p>
+          <a:p>
+            <a:pPr lvl="1"/>
+            <a:r>
+              <a:rPr lang="en-US" dirty="0"/>
+              <a:t> - left, speed 2 Left, slow 2 Right</a:t>
+            </a:r>
+          </a:p>
+          <a:p>
+            <a:endParaRPr lang="en-US" dirty="0"/>
+          </a:p>
+          <a:p>
+            <a:r>
+              <a:rPr lang="en-US" dirty="0"/>
+              <a:t>Pitch: up/down tilt.</a:t>
+            </a:r>
+          </a:p>
+          <a:p>
+            <a:pPr lvl="1"/>
+            <a:r>
+              <a:rPr lang="en-US" dirty="0"/>
+              <a:t> + tilted skyward, speed 2 Front, slow 2 Rear</a:t>
+            </a:r>
+          </a:p>
+          <a:p>
+            <a:pPr lvl="1"/>
+            <a:r>
+              <a:rPr lang="en-US" dirty="0"/>
+              <a:t> - ground, speed 2 Rear, slow 2 Front</a:t>
+            </a:r>
+          </a:p>
+          <a:p>
+            <a:pPr lvl="1"/>
+            <a:endParaRPr lang="en-US" dirty="0"/>
+          </a:p>
+          <a:p>
+            <a:pPr lvl="1"/>
+            <a:endParaRPr lang="en-US" dirty="0"/>
+          </a:p>
+          <a:p>
+            <a:r>
+              <a:rPr lang="en-US" dirty="0"/>
+              <a:t>Yaw: rotation.</a:t>
+            </a:r>
+          </a:p>
+          <a:p>
+            <a:pPr lvl="1"/>
+            <a:r>
+              <a:rPr lang="en-US" dirty="0"/>
+              <a:t> + Clockwise, speed Front Left &amp; Rear Right, slow Front Right &amp; Rear Left</a:t>
+            </a:r>
+          </a:p>
+          <a:p>
+            <a:pPr lvl="1"/>
+            <a:r>
+              <a:rPr lang="en-US" dirty="0"/>
+              <a:t> - Counter clockwise, speed Front Right &amp; Rear Left, slow Front Left &amp; Rear Right</a:t>
+            </a:r>
+          </a:p>
+          <a:p>
+            <a:pPr lvl="1"/>
+            <a:endParaRPr lang="en-US" dirty="0"/>
           </a:p>
         </p:txBody>
       </p:sp>
     </p:spTree>
     <p:extLst>
       <p:ext uri="{BB962C8B-B14F-4D97-AF65-F5344CB8AC3E}">
-        <p14:creationId xmlns:p14="http://schemas.microsoft.com/office/powerpoint/2010/main" val="1215779965"/>
+        <p14:creationId xmlns:p14="http://schemas.microsoft.com/office/powerpoint/2010/main" val="2882794799"/>
       </p:ext>
     </p:extLst>
   </p:cSld>
@@ -11079,8 +10709,12 @@
           <a:lstStyle/>
           <a:p>
             <a:r>
+              <a:rPr lang="fr-FR" dirty="0" err="1"/>
+              <a:t>Special</a:t>
+            </a:r>
+            <a:r>
               <a:rPr lang="fr-FR" dirty="0"/>
-              <a:t>Drone Command (2/2)</a:t>
+              <a:t> pins Arduino MEGA2560</a:t>
             </a:r>
           </a:p>
         </p:txBody>
@@ -11108,11 +10742,57 @@
           </a:bodyPr>
           <a:lstStyle/>
           <a:p>
-            <a:r>
-              <a:rPr lang="fr-FR" dirty="0" err="1"/>
-              <a:t>MotorESC_RunMotors</a:t>
-            </a:r>
-            <a:endParaRPr lang="fr-FR" dirty="0"/>
+            <a:pPr marL="0" indent="0">
+              <a:buNone/>
+            </a:pPr>
+            <a:r>
+              <a:rPr lang="fr-FR" sz="3500" u="sng" dirty="0"/>
+              <a:t>Interruptions</a:t>
+            </a:r>
+          </a:p>
+          <a:p>
+            <a:pPr marL="0" indent="0">
+              <a:buNone/>
+            </a:pPr>
+            <a:r>
+              <a:rPr lang="fr-FR" dirty="0"/>
+              <a:t>Pin #2 = interruption #0</a:t>
+            </a:r>
+            <a:br>
+              <a:rPr lang="fr-FR" dirty="0"/>
+            </a:br>
+            <a:r>
+              <a:rPr lang="fr-FR" dirty="0"/>
+              <a:t>Pin #3 = interruption #1</a:t>
+            </a:r>
+            <a:br>
+              <a:rPr lang="fr-FR" dirty="0"/>
+            </a:br>
+            <a:r>
+              <a:rPr lang="fr-FR" dirty="0"/>
+              <a:t>Pin #18 = interruption #5</a:t>
+            </a:r>
+            <a:br>
+              <a:rPr lang="fr-FR" dirty="0"/>
+            </a:br>
+            <a:r>
+              <a:rPr lang="fr-FR" dirty="0"/>
+              <a:t>Pin #19 = interruption #4</a:t>
+            </a:r>
+            <a:br>
+              <a:rPr lang="fr-FR" dirty="0"/>
+            </a:br>
+            <a:r>
+              <a:rPr lang="fr-FR" dirty="0"/>
+              <a:t>Pin #20 = interruption #3</a:t>
+            </a:r>
+            <a:br>
+              <a:rPr lang="fr-FR" dirty="0"/>
+            </a:br>
+            <a:r>
+              <a:rPr lang="fr-FR" dirty="0"/>
+              <a:t>Pin #21 = interruption #2</a:t>
+            </a:r>
           </a:p>
           <a:p>
             <a:pPr marL="0" indent="0">
@@ -11125,71 +10805,51 @@
               <a:buNone/>
             </a:pPr>
             <a:r>
-              <a:rPr lang="en-US" sz="2100" dirty="0"/>
-              <a:t>if </a:t>
-            </a:r>
-            <a:r>
-              <a:rPr lang="en-US" sz="2100" dirty="0" err="1"/>
-              <a:t>ESC_command</a:t>
-            </a:r>
-            <a:r>
-              <a:rPr lang="en-US" sz="2100" dirty="0"/>
-              <a:t>[THROTTLE] = 0 =&gt; Motors = MINPWM</a:t>
-            </a:r>
-            <a:endParaRPr lang="fr-FR" sz="2100" dirty="0"/>
+              <a:rPr lang="fr-FR" sz="3500" u="sng" dirty="0"/>
+              <a:t>SPI</a:t>
+            </a:r>
           </a:p>
           <a:p>
             <a:pPr marL="0" indent="0">
               <a:buNone/>
             </a:pPr>
             <a:r>
-              <a:rPr lang="fr-FR" sz="2100" dirty="0" err="1"/>
-              <a:t>else</a:t>
-            </a:r>
-            <a:r>
-              <a:rPr lang="fr-FR" sz="2100" dirty="0"/>
-              <a:t>:</a:t>
-            </a:r>
+              <a:rPr lang="fi-FI" dirty="0"/>
+              <a:t>Pin</a:t>
+            </a:r>
+            <a:r>
+              <a:rPr lang="fr-FR" dirty="0"/>
+              <a:t> #</a:t>
+            </a:r>
+            <a:r>
+              <a:rPr lang="fi-FI" dirty="0"/>
+              <a:t>10: CS</a:t>
+            </a:r>
+            <a:endParaRPr lang="fr-FR" dirty="0"/>
           </a:p>
           <a:p>
             <a:pPr marL="0" indent="0">
               <a:buNone/>
             </a:pPr>
             <a:r>
-              <a:rPr lang="fr-FR" sz="2100" dirty="0"/>
-              <a:t>PIDMIX(X,Y,Z) </a:t>
-            </a:r>
-            <a:r>
-              <a:rPr lang="fr-FR" sz="2100" dirty="0" err="1"/>
-              <a:t>ESC_command</a:t>
-            </a:r>
-            <a:r>
-              <a:rPr lang="fr-FR" sz="2100" dirty="0"/>
-              <a:t>[ROLL]*X + </a:t>
-            </a:r>
-            <a:r>
-              <a:rPr lang="fr-FR" sz="2100" dirty="0" err="1"/>
-              <a:t>ESC_command</a:t>
-            </a:r>
-            <a:r>
-              <a:rPr lang="fr-FR" sz="2100" dirty="0"/>
-              <a:t>[PITCH]*Y + </a:t>
-            </a:r>
-            <a:r>
-              <a:rPr lang="fr-FR" sz="2100" dirty="0" err="1"/>
-              <a:t>ESC_command</a:t>
-            </a:r>
-            <a:r>
-              <a:rPr lang="fr-FR" sz="2100" dirty="0"/>
-              <a:t>[YAW]*Z + </a:t>
-            </a:r>
-            <a:r>
-              <a:rPr lang="fr-FR" sz="2100" dirty="0" err="1"/>
-              <a:t>ESC_command</a:t>
-            </a:r>
-            <a:r>
-              <a:rPr lang="fr-FR" sz="2100" dirty="0"/>
-              <a:t>[THROTTLE]</a:t>
+              <a:rPr lang="fi-FI" dirty="0"/>
+              <a:t>pin</a:t>
+            </a:r>
+            <a:r>
+              <a:rPr lang="fr-FR" dirty="0"/>
+              <a:t> #</a:t>
+            </a:r>
+            <a:r>
+              <a:rPr lang="fi-FI" dirty="0"/>
+              <a:t>11-&gt;pin</a:t>
+            </a:r>
+            <a:r>
+              <a:rPr lang="fr-FR" dirty="0"/>
+              <a:t> #</a:t>
+            </a:r>
+            <a:r>
+              <a:rPr lang="fi-FI" dirty="0"/>
+              <a:t>51</a:t>
             </a:r>
           </a:p>
           <a:p>
@@ -11197,1612 +10857,58 @@
               <a:buNone/>
             </a:pPr>
             <a:r>
-              <a:rPr lang="fr-FR" sz="2100" dirty="0"/>
-              <a:t>    </a:t>
-            </a:r>
-            <a:r>
-              <a:rPr lang="fr-FR" sz="2100" dirty="0" err="1"/>
-              <a:t>motor</a:t>
-            </a:r>
-            <a:r>
-              <a:rPr lang="fr-FR" sz="2100" dirty="0"/>
-              <a:t>[0] = PIDMIX(+1,-1,-1); //Front </a:t>
-            </a:r>
-            <a:r>
-              <a:rPr lang="fr-FR" sz="2100" dirty="0" err="1"/>
-              <a:t>Left</a:t>
-            </a:r>
-            <a:endParaRPr lang="fr-FR" sz="2100" dirty="0"/>
+              <a:rPr lang="fi-FI" dirty="0"/>
+              <a:t>pin</a:t>
+            </a:r>
+            <a:r>
+              <a:rPr lang="fr-FR" dirty="0"/>
+              <a:t> #</a:t>
+            </a:r>
+            <a:r>
+              <a:rPr lang="fi-FI" dirty="0"/>
+              <a:t>12-&gt;pin</a:t>
+            </a:r>
+            <a:r>
+              <a:rPr lang="fr-FR" dirty="0"/>
+              <a:t> #</a:t>
+            </a:r>
+            <a:r>
+              <a:rPr lang="fi-FI" dirty="0"/>
+              <a:t>50</a:t>
+            </a:r>
           </a:p>
           <a:p>
             <a:pPr marL="0" indent="0">
               <a:buNone/>
             </a:pPr>
             <a:r>
-              <a:rPr lang="fr-FR" sz="2100" dirty="0"/>
-              <a:t>    </a:t>
-            </a:r>
-            <a:r>
-              <a:rPr lang="fr-FR" sz="2100" dirty="0" err="1"/>
-              <a:t>motor</a:t>
-            </a:r>
-            <a:r>
-              <a:rPr lang="fr-FR" sz="2100" dirty="0"/>
-              <a:t>[1] = PIDMIX(-1,-1,+1); //Front Right</a:t>
-            </a:r>
-          </a:p>
-          <a:p>
-            <a:pPr marL="0" indent="0">
-              <a:buNone/>
-            </a:pPr>
-            <a:r>
-              <a:rPr lang="fr-FR" sz="2100" dirty="0"/>
-              <a:t>    </a:t>
-            </a:r>
-            <a:r>
-              <a:rPr lang="fr-FR" sz="2100" dirty="0" err="1"/>
-              <a:t>motor</a:t>
-            </a:r>
-            <a:r>
-              <a:rPr lang="fr-FR" sz="2100" dirty="0"/>
-              <a:t>[2] = PIDMIX(-1,+1,-1); //</a:t>
-            </a:r>
-            <a:r>
-              <a:rPr lang="fr-FR" sz="2100" dirty="0" err="1"/>
-              <a:t>Rear</a:t>
-            </a:r>
-            <a:r>
-              <a:rPr lang="fr-FR" sz="2100" dirty="0"/>
-              <a:t> Right</a:t>
-            </a:r>
-          </a:p>
-          <a:p>
-            <a:pPr marL="0" indent="0">
-              <a:buNone/>
-            </a:pPr>
-            <a:r>
-              <a:rPr lang="fr-FR" sz="2100" dirty="0"/>
-              <a:t>    </a:t>
-            </a:r>
-            <a:r>
-              <a:rPr lang="fr-FR" sz="2100" dirty="0" err="1"/>
-              <a:t>motor</a:t>
-            </a:r>
-            <a:r>
-              <a:rPr lang="fr-FR" sz="2100" dirty="0"/>
-              <a:t>[3] = PIDMIX(+1,+1,+1); //</a:t>
-            </a:r>
-            <a:r>
-              <a:rPr lang="fr-FR" sz="2100" dirty="0" err="1"/>
-              <a:t>Rear</a:t>
-            </a:r>
-            <a:r>
-              <a:rPr lang="fr-FR" sz="2100" dirty="0"/>
-              <a:t> </a:t>
-            </a:r>
-            <a:r>
-              <a:rPr lang="fr-FR" sz="2100" dirty="0" err="1"/>
-              <a:t>Left</a:t>
-            </a:r>
-            <a:endParaRPr lang="fr-FR" sz="2100" dirty="0"/>
-          </a:p>
-          <a:p>
-            <a:pPr marL="0" indent="0">
-              <a:buNone/>
-            </a:pPr>
-            <a:r>
-              <a:rPr lang="fr-FR" sz="2100" dirty="0"/>
-              <a:t> for(i=0; i&lt; NBMOTORS; i++) {</a:t>
-            </a:r>
-          </a:p>
-          <a:p>
-            <a:pPr marL="0" indent="0">
-              <a:buNone/>
-            </a:pPr>
-            <a:r>
-              <a:rPr lang="fr-FR" sz="2100" dirty="0"/>
-              <a:t>       </a:t>
-            </a:r>
-            <a:r>
-              <a:rPr lang="fr-FR" sz="2100" dirty="0" err="1"/>
-              <a:t>motor</a:t>
-            </a:r>
-            <a:r>
-              <a:rPr lang="fr-FR" sz="2100" dirty="0"/>
-              <a:t>[i] = </a:t>
-            </a:r>
-            <a:r>
-              <a:rPr lang="fr-FR" sz="2100" dirty="0" err="1"/>
-              <a:t>map</a:t>
-            </a:r>
-            <a:r>
-              <a:rPr lang="fr-FR" sz="2100" dirty="0"/>
-              <a:t>(</a:t>
-            </a:r>
-            <a:r>
-              <a:rPr lang="fr-FR" sz="2100" dirty="0" err="1"/>
-              <a:t>motor</a:t>
-            </a:r>
-            <a:r>
-              <a:rPr lang="fr-FR" sz="2100" dirty="0"/>
-              <a:t>[i], MINPPM, MAXPPM, MINPWM, MAXPWM);</a:t>
-            </a:r>
-          </a:p>
-          <a:p>
-            <a:pPr marL="0" indent="0">
-              <a:buNone/>
-            </a:pPr>
-            <a:r>
-              <a:rPr lang="fr-FR" sz="2100" dirty="0"/>
-              <a:t>       </a:t>
-            </a:r>
-            <a:r>
-              <a:rPr lang="fr-FR" sz="2100" dirty="0" err="1"/>
-              <a:t>motor</a:t>
-            </a:r>
-            <a:r>
-              <a:rPr lang="fr-FR" sz="2100" dirty="0"/>
-              <a:t>[i] = </a:t>
-            </a:r>
-            <a:r>
-              <a:rPr lang="fr-FR" sz="2100" dirty="0" err="1"/>
-              <a:t>constrain</a:t>
-            </a:r>
-            <a:r>
-              <a:rPr lang="fr-FR" sz="2100" dirty="0"/>
-              <a:t>(</a:t>
-            </a:r>
-            <a:r>
-              <a:rPr lang="fr-FR" sz="2100" dirty="0" err="1"/>
-              <a:t>motor</a:t>
-            </a:r>
-            <a:r>
-              <a:rPr lang="fr-FR" sz="2100" dirty="0"/>
-              <a:t>[i], MINPWM, MAXPWM);</a:t>
-            </a:r>
-          </a:p>
-          <a:p>
-            <a:pPr marL="0" indent="0">
-              <a:buNone/>
-            </a:pPr>
-            <a:r>
-              <a:rPr lang="fr-FR" sz="2100" dirty="0"/>
-              <a:t>    }</a:t>
-            </a:r>
+              <a:rPr lang="fi-FI" dirty="0"/>
+              <a:t>pin</a:t>
+            </a:r>
+            <a:r>
+              <a:rPr lang="fr-FR" dirty="0"/>
+              <a:t> #</a:t>
+            </a:r>
+            <a:r>
+              <a:rPr lang="fi-FI" dirty="0"/>
+              <a:t>13-&gt;pin</a:t>
+            </a:r>
+            <a:r>
+              <a:rPr lang="fr-FR" dirty="0"/>
+              <a:t> #</a:t>
+            </a:r>
+            <a:r>
+              <a:rPr lang="fi-FI" dirty="0"/>
+              <a:t>52</a:t>
+            </a:r>
+            <a:endParaRPr lang="fr-FR" dirty="0"/>
           </a:p>
         </p:txBody>
       </p:sp>
     </p:spTree>
     <p:extLst>
       <p:ext uri="{BB962C8B-B14F-4D97-AF65-F5344CB8AC3E}">
-        <p14:creationId xmlns:p14="http://schemas.microsoft.com/office/powerpoint/2010/main" val="2221460608"/>
-      </p:ext>
-    </p:extLst>
-  </p:cSld>
-  <p:clrMapOvr>
-    <a:masterClrMapping/>
-  </p:clrMapOvr>
-</p:sld>
-</file>
-
-<file path=ppt/slides/slide12.xml><?xml version="1.0" encoding="utf-8"?>
-<p:sld xmlns:a="http://schemas.openxmlformats.org/drawingml/2006/main" xmlns:r="http://schemas.openxmlformats.org/officeDocument/2006/relationships" xmlns:p="http://schemas.openxmlformats.org/presentationml/2006/main">
-  <p:cSld>
-    <p:spTree>
-      <p:nvGrpSpPr>
-        <p:cNvPr id="1" name=""/>
-        <p:cNvGrpSpPr/>
-        <p:nvPr/>
-      </p:nvGrpSpPr>
-      <p:grpSpPr>
-        <a:xfrm>
-          <a:off x="0" y="0"/>
-          <a:ext cx="0" cy="0"/>
-          <a:chOff x="0" y="0"/>
-          <a:chExt cx="0" cy="0"/>
-        </a:xfrm>
-      </p:grpSpPr>
-      <p:sp>
-        <p:nvSpPr>
-          <p:cNvPr id="44" name="Flèche : haut 43">
-            <a:extLst>
-              <a:ext uri="{FF2B5EF4-FFF2-40B4-BE49-F238E27FC236}">
-                <a16:creationId xmlns:a16="http://schemas.microsoft.com/office/drawing/2014/main" id="{ABE59650-146B-4F70-9E7E-C25A4952A843}"/>
-              </a:ext>
-            </a:extLst>
-          </p:cNvPr>
-          <p:cNvSpPr/>
-          <p:nvPr/>
-        </p:nvSpPr>
-        <p:spPr>
-          <a:xfrm>
-            <a:off x="5844666" y="2637189"/>
-            <a:ext cx="484632" cy="978408"/>
-          </a:xfrm>
-          <a:prstGeom prst="upArrow">
-            <a:avLst/>
-          </a:prstGeom>
-        </p:spPr>
-        <p:style>
-          <a:lnRef idx="2">
-            <a:schemeClr val="accent1">
-              <a:shade val="50000"/>
-            </a:schemeClr>
-          </a:lnRef>
-          <a:fillRef idx="1">
-            <a:schemeClr val="accent1"/>
-          </a:fillRef>
-          <a:effectRef idx="0">
-            <a:schemeClr val="accent1"/>
-          </a:effectRef>
-          <a:fontRef idx="minor">
-            <a:schemeClr val="lt1"/>
-          </a:fontRef>
-        </p:style>
-        <p:txBody>
-          <a:bodyPr rtlCol="0" anchor="ctr"/>
-          <a:lstStyle/>
-          <a:p>
-            <a:pPr algn="ctr"/>
-            <a:endParaRPr lang="en-US" dirty="0"/>
-          </a:p>
-        </p:txBody>
-      </p:sp>
-      <p:sp>
-        <p:nvSpPr>
-          <p:cNvPr id="2" name="Titre 1">
-            <a:extLst>
-              <a:ext uri="{FF2B5EF4-FFF2-40B4-BE49-F238E27FC236}">
-                <a16:creationId xmlns:a16="http://schemas.microsoft.com/office/drawing/2014/main" id="{B2E95FC8-98C1-4761-96A0-FCEBFB8AD3C7}"/>
-              </a:ext>
-            </a:extLst>
-          </p:cNvPr>
-          <p:cNvSpPr>
-            <a:spLocks noGrp="1"/>
-          </p:cNvSpPr>
-          <p:nvPr>
-            <p:ph type="title"/>
-          </p:nvPr>
-        </p:nvSpPr>
-        <p:spPr>
-          <a:xfrm>
-            <a:off x="838200" y="170571"/>
-            <a:ext cx="10515600" cy="1325563"/>
-          </a:xfrm>
-        </p:spPr>
-        <p:txBody>
-          <a:bodyPr/>
-          <a:lstStyle/>
-          <a:p>
-            <a:pPr algn="ctr"/>
-            <a:r>
-              <a:rPr lang="en-US" dirty="0"/>
-              <a:t>Motors rotation (1/2)</a:t>
-            </a:r>
-          </a:p>
-        </p:txBody>
-      </p:sp>
-      <p:sp>
-        <p:nvSpPr>
-          <p:cNvPr id="7" name="Ellipse 6">
-            <a:extLst>
-              <a:ext uri="{FF2B5EF4-FFF2-40B4-BE49-F238E27FC236}">
-                <a16:creationId xmlns:a16="http://schemas.microsoft.com/office/drawing/2014/main" id="{B8F24F67-8CCD-4123-96FC-F6FE2AD5ED78}"/>
-              </a:ext>
-            </a:extLst>
-          </p:cNvPr>
-          <p:cNvSpPr/>
-          <p:nvPr/>
-        </p:nvSpPr>
-        <p:spPr>
-          <a:xfrm rot="900000">
-            <a:off x="5638800" y="3531753"/>
-            <a:ext cx="914400" cy="914400"/>
-          </a:xfrm>
-          <a:prstGeom prst="ellipse">
-            <a:avLst/>
-          </a:prstGeom>
-        </p:spPr>
-        <p:style>
-          <a:lnRef idx="2">
-            <a:schemeClr val="accent1">
-              <a:shade val="50000"/>
-            </a:schemeClr>
-          </a:lnRef>
-          <a:fillRef idx="1">
-            <a:schemeClr val="accent1"/>
-          </a:fillRef>
-          <a:effectRef idx="0">
-            <a:schemeClr val="accent1"/>
-          </a:effectRef>
-          <a:fontRef idx="minor">
-            <a:schemeClr val="lt1"/>
-          </a:fontRef>
-        </p:style>
-        <p:txBody>
-          <a:bodyPr rtlCol="0" anchor="ctr"/>
-          <a:lstStyle/>
-          <a:p>
-            <a:pPr algn="ctr"/>
-            <a:endParaRPr lang="en-US"/>
-          </a:p>
-        </p:txBody>
-      </p:sp>
-      <p:sp>
-        <p:nvSpPr>
-          <p:cNvPr id="8" name="Ellipse 7">
-            <a:extLst>
-              <a:ext uri="{FF2B5EF4-FFF2-40B4-BE49-F238E27FC236}">
-                <a16:creationId xmlns:a16="http://schemas.microsoft.com/office/drawing/2014/main" id="{B62278DF-5D35-436F-ABDC-669B9815F1C4}"/>
-              </a:ext>
-            </a:extLst>
-          </p:cNvPr>
-          <p:cNvSpPr/>
-          <p:nvPr/>
-        </p:nvSpPr>
-        <p:spPr>
-          <a:xfrm>
-            <a:off x="4183262" y="2067909"/>
-            <a:ext cx="544497" cy="510466"/>
-          </a:xfrm>
-          <a:prstGeom prst="ellipse">
-            <a:avLst/>
-          </a:prstGeom>
-          <a:solidFill>
-            <a:srgbClr val="92D050"/>
-          </a:solidFill>
-        </p:spPr>
-        <p:style>
-          <a:lnRef idx="2">
-            <a:schemeClr val="accent1">
-              <a:shade val="50000"/>
-            </a:schemeClr>
-          </a:lnRef>
-          <a:fillRef idx="1">
-            <a:schemeClr val="accent1"/>
-          </a:fillRef>
-          <a:effectRef idx="0">
-            <a:schemeClr val="accent1"/>
-          </a:effectRef>
-          <a:fontRef idx="minor">
-            <a:schemeClr val="lt1"/>
-          </a:fontRef>
-        </p:style>
-        <p:txBody>
-          <a:bodyPr rtlCol="0" anchor="ctr"/>
-          <a:lstStyle/>
-          <a:p>
-            <a:pPr algn="ctr"/>
-            <a:r>
-              <a:rPr lang="en-US" dirty="0"/>
-              <a:t>0</a:t>
-            </a:r>
-          </a:p>
-        </p:txBody>
-      </p:sp>
-      <p:sp>
-        <p:nvSpPr>
-          <p:cNvPr id="10" name="Ellipse 9">
-            <a:extLst>
-              <a:ext uri="{FF2B5EF4-FFF2-40B4-BE49-F238E27FC236}">
-                <a16:creationId xmlns:a16="http://schemas.microsoft.com/office/drawing/2014/main" id="{AAEBFEFC-EAD4-4D22-863C-F24B4195D196}"/>
-              </a:ext>
-            </a:extLst>
-          </p:cNvPr>
-          <p:cNvSpPr/>
-          <p:nvPr/>
-        </p:nvSpPr>
-        <p:spPr>
-          <a:xfrm>
-            <a:off x="7446205" y="2126723"/>
-            <a:ext cx="544497" cy="510466"/>
-          </a:xfrm>
-          <a:prstGeom prst="ellipse">
-            <a:avLst/>
-          </a:prstGeom>
-          <a:solidFill>
-            <a:srgbClr val="FF0000"/>
-          </a:solidFill>
-        </p:spPr>
-        <p:style>
-          <a:lnRef idx="2">
-            <a:schemeClr val="accent1">
-              <a:shade val="50000"/>
-            </a:schemeClr>
-          </a:lnRef>
-          <a:fillRef idx="1">
-            <a:schemeClr val="accent1"/>
-          </a:fillRef>
-          <a:effectRef idx="0">
-            <a:schemeClr val="accent1"/>
-          </a:effectRef>
-          <a:fontRef idx="minor">
-            <a:schemeClr val="lt1"/>
-          </a:fontRef>
-        </p:style>
-        <p:txBody>
-          <a:bodyPr rtlCol="0" anchor="ctr"/>
-          <a:lstStyle/>
-          <a:p>
-            <a:pPr algn="ctr"/>
-            <a:r>
-              <a:rPr lang="en-US" dirty="0"/>
-              <a:t>1</a:t>
-            </a:r>
-          </a:p>
-        </p:txBody>
-      </p:sp>
-      <p:cxnSp>
-        <p:nvCxnSpPr>
-          <p:cNvPr id="14" name="Connecteur droit 13">
-            <a:extLst>
-              <a:ext uri="{FF2B5EF4-FFF2-40B4-BE49-F238E27FC236}">
-                <a16:creationId xmlns:a16="http://schemas.microsoft.com/office/drawing/2014/main" id="{FF2D8BFF-4103-40BF-8AF7-60F4B89035AA}"/>
-              </a:ext>
-            </a:extLst>
-          </p:cNvPr>
-          <p:cNvCxnSpPr>
-            <a:cxnSpLocks/>
-          </p:cNvCxnSpPr>
-          <p:nvPr/>
-        </p:nvCxnSpPr>
-        <p:spPr>
-          <a:xfrm>
-            <a:off x="4653240" y="2519560"/>
-            <a:ext cx="2875631" cy="2923162"/>
-          </a:xfrm>
-          <a:prstGeom prst="line">
-            <a:avLst/>
-          </a:prstGeom>
-          <a:ln w="63500"/>
-        </p:spPr>
-        <p:style>
-          <a:lnRef idx="1">
-            <a:schemeClr val="accent1"/>
-          </a:lnRef>
-          <a:fillRef idx="0">
-            <a:schemeClr val="accent1"/>
-          </a:fillRef>
-          <a:effectRef idx="0">
-            <a:schemeClr val="accent1"/>
-          </a:effectRef>
-          <a:fontRef idx="minor">
-            <a:schemeClr val="tx1"/>
-          </a:fontRef>
-        </p:style>
-      </p:cxnSp>
-      <p:cxnSp>
-        <p:nvCxnSpPr>
-          <p:cNvPr id="28" name="Connecteur droit 27">
-            <a:extLst>
-              <a:ext uri="{FF2B5EF4-FFF2-40B4-BE49-F238E27FC236}">
-                <a16:creationId xmlns:a16="http://schemas.microsoft.com/office/drawing/2014/main" id="{21AE1372-AD34-4EBF-85EF-004FBD5B7A95}"/>
-              </a:ext>
-            </a:extLst>
-          </p:cNvPr>
-          <p:cNvCxnSpPr>
-            <a:cxnSpLocks/>
-          </p:cNvCxnSpPr>
-          <p:nvPr/>
-        </p:nvCxnSpPr>
-        <p:spPr>
-          <a:xfrm flipH="1">
-            <a:off x="4653240" y="2519560"/>
-            <a:ext cx="2875631" cy="2836837"/>
-          </a:xfrm>
-          <a:prstGeom prst="line">
-            <a:avLst/>
-          </a:prstGeom>
-          <a:ln w="63500"/>
-        </p:spPr>
-        <p:style>
-          <a:lnRef idx="1">
-            <a:schemeClr val="accent1"/>
-          </a:lnRef>
-          <a:fillRef idx="0">
-            <a:schemeClr val="accent1"/>
-          </a:fillRef>
-          <a:effectRef idx="0">
-            <a:schemeClr val="accent1"/>
-          </a:effectRef>
-          <a:fontRef idx="minor">
-            <a:schemeClr val="tx1"/>
-          </a:fontRef>
-        </p:style>
-      </p:cxnSp>
-      <p:sp>
-        <p:nvSpPr>
-          <p:cNvPr id="40" name="Ellipse 39">
-            <a:extLst>
-              <a:ext uri="{FF2B5EF4-FFF2-40B4-BE49-F238E27FC236}">
-                <a16:creationId xmlns:a16="http://schemas.microsoft.com/office/drawing/2014/main" id="{08D47DE9-EC4E-4EB1-A95A-5B8B687A8EF5}"/>
-              </a:ext>
-            </a:extLst>
-          </p:cNvPr>
-          <p:cNvSpPr/>
-          <p:nvPr/>
-        </p:nvSpPr>
-        <p:spPr>
-          <a:xfrm>
-            <a:off x="4183261" y="5292718"/>
-            <a:ext cx="544497" cy="510466"/>
-          </a:xfrm>
-          <a:prstGeom prst="ellipse">
-            <a:avLst/>
-          </a:prstGeom>
-          <a:solidFill>
-            <a:srgbClr val="FF0000"/>
-          </a:solidFill>
-        </p:spPr>
-        <p:style>
-          <a:lnRef idx="2">
-            <a:schemeClr val="accent1">
-              <a:shade val="50000"/>
-            </a:schemeClr>
-          </a:lnRef>
-          <a:fillRef idx="1">
-            <a:schemeClr val="accent1"/>
-          </a:fillRef>
-          <a:effectRef idx="0">
-            <a:schemeClr val="accent1"/>
-          </a:effectRef>
-          <a:fontRef idx="minor">
-            <a:schemeClr val="lt1"/>
-          </a:fontRef>
-        </p:style>
-        <p:txBody>
-          <a:bodyPr rtlCol="0" anchor="ctr"/>
-          <a:lstStyle/>
-          <a:p>
-            <a:pPr algn="ctr"/>
-            <a:r>
-              <a:rPr lang="en-US" dirty="0"/>
-              <a:t>3</a:t>
-            </a:r>
-          </a:p>
-        </p:txBody>
-      </p:sp>
-      <p:sp>
-        <p:nvSpPr>
-          <p:cNvPr id="41" name="Ellipse 40">
-            <a:extLst>
-              <a:ext uri="{FF2B5EF4-FFF2-40B4-BE49-F238E27FC236}">
-                <a16:creationId xmlns:a16="http://schemas.microsoft.com/office/drawing/2014/main" id="{29228CD3-6325-4779-BB6B-1918FF19310B}"/>
-              </a:ext>
-            </a:extLst>
-          </p:cNvPr>
-          <p:cNvSpPr/>
-          <p:nvPr/>
-        </p:nvSpPr>
-        <p:spPr>
-          <a:xfrm>
-            <a:off x="7343786" y="5410740"/>
-            <a:ext cx="544497" cy="510466"/>
-          </a:xfrm>
-          <a:prstGeom prst="ellipse">
-            <a:avLst/>
-          </a:prstGeom>
-          <a:solidFill>
-            <a:srgbClr val="92D050"/>
-          </a:solidFill>
-        </p:spPr>
-        <p:style>
-          <a:lnRef idx="2">
-            <a:schemeClr val="accent1">
-              <a:shade val="50000"/>
-            </a:schemeClr>
-          </a:lnRef>
-          <a:fillRef idx="1">
-            <a:schemeClr val="accent1"/>
-          </a:fillRef>
-          <a:effectRef idx="0">
-            <a:schemeClr val="accent1"/>
-          </a:effectRef>
-          <a:fontRef idx="minor">
-            <a:schemeClr val="lt1"/>
-          </a:fontRef>
-        </p:style>
-        <p:txBody>
-          <a:bodyPr rtlCol="0" anchor="ctr"/>
-          <a:lstStyle/>
-          <a:p>
-            <a:pPr algn="ctr"/>
-            <a:r>
-              <a:rPr lang="en-US" dirty="0"/>
-              <a:t>2</a:t>
-            </a:r>
-          </a:p>
-        </p:txBody>
-      </p:sp>
-      <p:sp>
-        <p:nvSpPr>
-          <p:cNvPr id="46" name="ZoneTexte 45">
-            <a:extLst>
-              <a:ext uri="{FF2B5EF4-FFF2-40B4-BE49-F238E27FC236}">
-                <a16:creationId xmlns:a16="http://schemas.microsoft.com/office/drawing/2014/main" id="{40220A43-09B7-42FD-84A4-B78C255269E8}"/>
-              </a:ext>
-            </a:extLst>
-          </p:cNvPr>
-          <p:cNvSpPr txBox="1"/>
-          <p:nvPr/>
-        </p:nvSpPr>
-        <p:spPr>
-          <a:xfrm>
-            <a:off x="2911152" y="2150228"/>
-            <a:ext cx="1096903" cy="369332"/>
-          </a:xfrm>
-          <a:prstGeom prst="rect">
-            <a:avLst/>
-          </a:prstGeom>
-          <a:noFill/>
-        </p:spPr>
-        <p:txBody>
-          <a:bodyPr wrap="none" rtlCol="0">
-            <a:spAutoFit/>
-          </a:bodyPr>
-          <a:lstStyle/>
-          <a:p>
-            <a:r>
-              <a:rPr lang="en-US" dirty="0"/>
-              <a:t>Front Left</a:t>
-            </a:r>
-          </a:p>
-        </p:txBody>
-      </p:sp>
-      <p:sp>
-        <p:nvSpPr>
-          <p:cNvPr id="49" name="ZoneTexte 48">
-            <a:extLst>
-              <a:ext uri="{FF2B5EF4-FFF2-40B4-BE49-F238E27FC236}">
-                <a16:creationId xmlns:a16="http://schemas.microsoft.com/office/drawing/2014/main" id="{095EFD51-1C2A-451A-81C2-EFBCB1480C05}"/>
-              </a:ext>
-            </a:extLst>
-          </p:cNvPr>
-          <p:cNvSpPr txBox="1"/>
-          <p:nvPr/>
-        </p:nvSpPr>
-        <p:spPr>
-          <a:xfrm>
-            <a:off x="2749429" y="5420853"/>
-            <a:ext cx="1023357" cy="369332"/>
-          </a:xfrm>
-          <a:prstGeom prst="rect">
-            <a:avLst/>
-          </a:prstGeom>
-          <a:noFill/>
-        </p:spPr>
-        <p:txBody>
-          <a:bodyPr wrap="none" rtlCol="0">
-            <a:spAutoFit/>
-          </a:bodyPr>
-          <a:lstStyle/>
-          <a:p>
-            <a:r>
-              <a:rPr lang="en-US" dirty="0"/>
-              <a:t>Rear Left</a:t>
-            </a:r>
-          </a:p>
-        </p:txBody>
-      </p:sp>
-      <p:sp>
-        <p:nvSpPr>
-          <p:cNvPr id="50" name="ZoneTexte 49">
-            <a:extLst>
-              <a:ext uri="{FF2B5EF4-FFF2-40B4-BE49-F238E27FC236}">
-                <a16:creationId xmlns:a16="http://schemas.microsoft.com/office/drawing/2014/main" id="{6F9FC474-7DAF-4053-81C1-51120A5EFFD0}"/>
-              </a:ext>
-            </a:extLst>
-          </p:cNvPr>
-          <p:cNvSpPr txBox="1"/>
-          <p:nvPr/>
-        </p:nvSpPr>
-        <p:spPr>
-          <a:xfrm>
-            <a:off x="8341115" y="2150228"/>
-            <a:ext cx="1221873" cy="369332"/>
-          </a:xfrm>
-          <a:prstGeom prst="rect">
-            <a:avLst/>
-          </a:prstGeom>
-          <a:noFill/>
-        </p:spPr>
-        <p:txBody>
-          <a:bodyPr wrap="none" rtlCol="0">
-            <a:spAutoFit/>
-          </a:bodyPr>
-          <a:lstStyle/>
-          <a:p>
-            <a:r>
-              <a:rPr lang="en-US" dirty="0"/>
-              <a:t>Front Right</a:t>
-            </a:r>
-          </a:p>
-        </p:txBody>
-      </p:sp>
-      <p:sp>
-        <p:nvSpPr>
-          <p:cNvPr id="51" name="ZoneTexte 50">
-            <a:extLst>
-              <a:ext uri="{FF2B5EF4-FFF2-40B4-BE49-F238E27FC236}">
-                <a16:creationId xmlns:a16="http://schemas.microsoft.com/office/drawing/2014/main" id="{817B7DC0-7D6A-4AC3-A913-D809DD87116A}"/>
-              </a:ext>
-            </a:extLst>
-          </p:cNvPr>
-          <p:cNvSpPr txBox="1"/>
-          <p:nvPr/>
-        </p:nvSpPr>
-        <p:spPr>
-          <a:xfrm>
-            <a:off x="8214878" y="5420853"/>
-            <a:ext cx="1148328" cy="369332"/>
-          </a:xfrm>
-          <a:prstGeom prst="rect">
-            <a:avLst/>
-          </a:prstGeom>
-          <a:noFill/>
-        </p:spPr>
-        <p:txBody>
-          <a:bodyPr wrap="none" rtlCol="0">
-            <a:spAutoFit/>
-          </a:bodyPr>
-          <a:lstStyle/>
-          <a:p>
-            <a:r>
-              <a:rPr lang="en-US" dirty="0"/>
-              <a:t>Rear Right</a:t>
-            </a:r>
-          </a:p>
-        </p:txBody>
-      </p:sp>
-      <p:sp>
-        <p:nvSpPr>
-          <p:cNvPr id="52" name="Flèche : courbe vers le haut 51">
-            <a:extLst>
-              <a:ext uri="{FF2B5EF4-FFF2-40B4-BE49-F238E27FC236}">
-                <a16:creationId xmlns:a16="http://schemas.microsoft.com/office/drawing/2014/main" id="{BA615E77-4049-465D-AAEF-6B19079D73A4}"/>
-              </a:ext>
-            </a:extLst>
-          </p:cNvPr>
-          <p:cNvSpPr/>
-          <p:nvPr/>
-        </p:nvSpPr>
-        <p:spPr>
-          <a:xfrm rot="10800000">
-            <a:off x="7142550" y="1832416"/>
-            <a:ext cx="1023357" cy="515646"/>
-          </a:xfrm>
-          <a:prstGeom prst="curvedUpArrow">
-            <a:avLst/>
-          </a:prstGeom>
-          <a:solidFill>
-            <a:srgbClr val="FF0000"/>
-          </a:solidFill>
-        </p:spPr>
-        <p:style>
-          <a:lnRef idx="2">
-            <a:schemeClr val="accent1">
-              <a:shade val="50000"/>
-            </a:schemeClr>
-          </a:lnRef>
-          <a:fillRef idx="1">
-            <a:schemeClr val="accent1"/>
-          </a:fillRef>
-          <a:effectRef idx="0">
-            <a:schemeClr val="accent1"/>
-          </a:effectRef>
-          <a:fontRef idx="minor">
-            <a:schemeClr val="lt1"/>
-          </a:fontRef>
-        </p:style>
-        <p:txBody>
-          <a:bodyPr rtlCol="0" anchor="ctr"/>
-          <a:lstStyle/>
-          <a:p>
-            <a:pPr algn="ctr"/>
-            <a:endParaRPr lang="en-US">
-              <a:solidFill>
-                <a:schemeClr val="tx1"/>
-              </a:solidFill>
-            </a:endParaRPr>
-          </a:p>
-        </p:txBody>
-      </p:sp>
-      <p:sp>
-        <p:nvSpPr>
-          <p:cNvPr id="53" name="Flèche : courbe vers le haut 52">
-            <a:extLst>
-              <a:ext uri="{FF2B5EF4-FFF2-40B4-BE49-F238E27FC236}">
-                <a16:creationId xmlns:a16="http://schemas.microsoft.com/office/drawing/2014/main" id="{755287AD-1977-4A4E-BD06-40951948C1FF}"/>
-              </a:ext>
-            </a:extLst>
-          </p:cNvPr>
-          <p:cNvSpPr/>
-          <p:nvPr/>
-        </p:nvSpPr>
-        <p:spPr>
-          <a:xfrm rot="10800000">
-            <a:off x="3906572" y="5010797"/>
-            <a:ext cx="1023357" cy="515646"/>
-          </a:xfrm>
-          <a:prstGeom prst="curvedUpArrow">
-            <a:avLst/>
-          </a:prstGeom>
-          <a:solidFill>
-            <a:srgbClr val="FF0000"/>
-          </a:solidFill>
-        </p:spPr>
-        <p:style>
-          <a:lnRef idx="2">
-            <a:schemeClr val="accent1">
-              <a:shade val="50000"/>
-            </a:schemeClr>
-          </a:lnRef>
-          <a:fillRef idx="1">
-            <a:schemeClr val="accent1"/>
-          </a:fillRef>
-          <a:effectRef idx="0">
-            <a:schemeClr val="accent1"/>
-          </a:effectRef>
-          <a:fontRef idx="minor">
-            <a:schemeClr val="lt1"/>
-          </a:fontRef>
-        </p:style>
-        <p:txBody>
-          <a:bodyPr rtlCol="0" anchor="ctr"/>
-          <a:lstStyle/>
-          <a:p>
-            <a:pPr algn="ctr"/>
-            <a:endParaRPr lang="en-US">
-              <a:solidFill>
-                <a:schemeClr val="tx1"/>
-              </a:solidFill>
-            </a:endParaRPr>
-          </a:p>
-        </p:txBody>
-      </p:sp>
-      <p:sp>
-        <p:nvSpPr>
-          <p:cNvPr id="54" name="Flèche : courbe vers le bas 53">
-            <a:extLst>
-              <a:ext uri="{FF2B5EF4-FFF2-40B4-BE49-F238E27FC236}">
-                <a16:creationId xmlns:a16="http://schemas.microsoft.com/office/drawing/2014/main" id="{B5D842F3-37E6-4BB7-8726-8C7E96267ABC}"/>
-              </a:ext>
-            </a:extLst>
-          </p:cNvPr>
-          <p:cNvSpPr/>
-          <p:nvPr/>
-        </p:nvSpPr>
-        <p:spPr>
-          <a:xfrm>
-            <a:off x="3934851" y="1851097"/>
-            <a:ext cx="1148328" cy="581120"/>
-          </a:xfrm>
-          <a:prstGeom prst="curvedDownArrow">
-            <a:avLst/>
-          </a:prstGeom>
-          <a:solidFill>
-            <a:srgbClr val="92D050"/>
-          </a:solidFill>
-        </p:spPr>
-        <p:style>
-          <a:lnRef idx="2">
-            <a:schemeClr val="accent1">
-              <a:shade val="50000"/>
-            </a:schemeClr>
-          </a:lnRef>
-          <a:fillRef idx="1">
-            <a:schemeClr val="accent1"/>
-          </a:fillRef>
-          <a:effectRef idx="0">
-            <a:schemeClr val="accent1"/>
-          </a:effectRef>
-          <a:fontRef idx="minor">
-            <a:schemeClr val="lt1"/>
-          </a:fontRef>
-        </p:style>
-        <p:txBody>
-          <a:bodyPr rtlCol="0" anchor="ctr"/>
-          <a:lstStyle/>
-          <a:p>
-            <a:pPr algn="ctr"/>
-            <a:endParaRPr lang="en-US">
-              <a:solidFill>
-                <a:schemeClr val="tx1"/>
-              </a:solidFill>
-            </a:endParaRPr>
-          </a:p>
-        </p:txBody>
-      </p:sp>
-      <p:sp>
-        <p:nvSpPr>
-          <p:cNvPr id="55" name="Flèche : courbe vers le bas 54">
-            <a:extLst>
-              <a:ext uri="{FF2B5EF4-FFF2-40B4-BE49-F238E27FC236}">
-                <a16:creationId xmlns:a16="http://schemas.microsoft.com/office/drawing/2014/main" id="{B4AA4226-9733-4FAA-BA3B-C290529320CB}"/>
-              </a:ext>
-            </a:extLst>
-          </p:cNvPr>
-          <p:cNvSpPr/>
-          <p:nvPr/>
-        </p:nvSpPr>
-        <p:spPr>
-          <a:xfrm>
-            <a:off x="7080065" y="5152952"/>
-            <a:ext cx="1148328" cy="581120"/>
-          </a:xfrm>
-          <a:prstGeom prst="curvedDownArrow">
-            <a:avLst/>
-          </a:prstGeom>
-          <a:solidFill>
-            <a:srgbClr val="92D050"/>
-          </a:solidFill>
-        </p:spPr>
-        <p:style>
-          <a:lnRef idx="2">
-            <a:schemeClr val="accent1">
-              <a:shade val="50000"/>
-            </a:schemeClr>
-          </a:lnRef>
-          <a:fillRef idx="1">
-            <a:schemeClr val="accent1"/>
-          </a:fillRef>
-          <a:effectRef idx="0">
-            <a:schemeClr val="accent1"/>
-          </a:effectRef>
-          <a:fontRef idx="minor">
-            <a:schemeClr val="lt1"/>
-          </a:fontRef>
-        </p:style>
-        <p:txBody>
-          <a:bodyPr rtlCol="0" anchor="ctr"/>
-          <a:lstStyle/>
-          <a:p>
-            <a:pPr algn="ctr"/>
-            <a:endParaRPr lang="en-US">
-              <a:solidFill>
-                <a:schemeClr val="tx1"/>
-              </a:solidFill>
-            </a:endParaRPr>
-          </a:p>
-        </p:txBody>
-      </p:sp>
-      <p:cxnSp>
-        <p:nvCxnSpPr>
-          <p:cNvPr id="57" name="Connecteur droit 56">
-            <a:extLst>
-              <a:ext uri="{FF2B5EF4-FFF2-40B4-BE49-F238E27FC236}">
-                <a16:creationId xmlns:a16="http://schemas.microsoft.com/office/drawing/2014/main" id="{44EFC622-3CBD-4FF4-9820-E5AF57BF5157}"/>
-              </a:ext>
-            </a:extLst>
-          </p:cNvPr>
-          <p:cNvCxnSpPr>
-            <a:cxnSpLocks/>
-            <a:stCxn id="2" idx="2"/>
-          </p:cNvCxnSpPr>
-          <p:nvPr/>
-        </p:nvCxnSpPr>
-        <p:spPr>
-          <a:xfrm flipH="1">
-            <a:off x="6086274" y="1496134"/>
-            <a:ext cx="9726" cy="4846300"/>
-          </a:xfrm>
-          <a:prstGeom prst="line">
-            <a:avLst/>
-          </a:prstGeom>
-          <a:ln w="22225">
-            <a:solidFill>
-              <a:schemeClr val="accent1"/>
-            </a:solidFill>
-            <a:prstDash val="sysDash"/>
-          </a:ln>
-        </p:spPr>
-        <p:style>
-          <a:lnRef idx="1">
-            <a:schemeClr val="accent1"/>
-          </a:lnRef>
-          <a:fillRef idx="0">
-            <a:schemeClr val="accent1"/>
-          </a:fillRef>
-          <a:effectRef idx="0">
-            <a:schemeClr val="accent1"/>
-          </a:effectRef>
-          <a:fontRef idx="minor">
-            <a:schemeClr val="tx1"/>
-          </a:fontRef>
-        </p:style>
-      </p:cxnSp>
-      <p:sp>
-        <p:nvSpPr>
-          <p:cNvPr id="64" name="Flèche : en arc 63">
-            <a:extLst>
-              <a:ext uri="{FF2B5EF4-FFF2-40B4-BE49-F238E27FC236}">
-                <a16:creationId xmlns:a16="http://schemas.microsoft.com/office/drawing/2014/main" id="{F0E98F49-E01F-441F-A775-7CF31BA5BF03}"/>
-              </a:ext>
-            </a:extLst>
-          </p:cNvPr>
-          <p:cNvSpPr/>
-          <p:nvPr/>
-        </p:nvSpPr>
-        <p:spPr>
-          <a:xfrm rot="1889557">
-            <a:off x="5582216" y="1604311"/>
-            <a:ext cx="978408" cy="978408"/>
-          </a:xfrm>
-          <a:prstGeom prst="circularArrow">
-            <a:avLst>
-              <a:gd name="adj1" fmla="val 12500"/>
-              <a:gd name="adj2" fmla="val 1142319"/>
-              <a:gd name="adj3" fmla="val 20457681"/>
-              <a:gd name="adj4" fmla="val 7348546"/>
-              <a:gd name="adj5" fmla="val 12500"/>
-            </a:avLst>
-          </a:prstGeom>
-          <a:gradFill>
-            <a:gsLst>
-              <a:gs pos="0">
-                <a:schemeClr val="accent1">
-                  <a:lumMod val="5000"/>
-                  <a:lumOff val="95000"/>
-                </a:schemeClr>
-              </a:gs>
-              <a:gs pos="74000">
-                <a:schemeClr val="accent1">
-                  <a:lumMod val="45000"/>
-                  <a:lumOff val="55000"/>
-                </a:schemeClr>
-              </a:gs>
-              <a:gs pos="83000">
-                <a:schemeClr val="accent1">
-                  <a:lumMod val="45000"/>
-                  <a:lumOff val="55000"/>
-                </a:schemeClr>
-              </a:gs>
-              <a:gs pos="100000">
-                <a:schemeClr val="accent1">
-                  <a:lumMod val="30000"/>
-                  <a:lumOff val="70000"/>
-                </a:schemeClr>
-              </a:gs>
-            </a:gsLst>
-            <a:lin ang="5400000" scaled="1"/>
-          </a:gradFill>
-          <a:ln cap="rnd"/>
-        </p:spPr>
-        <p:style>
-          <a:lnRef idx="2">
-            <a:schemeClr val="accent1">
-              <a:shade val="50000"/>
-            </a:schemeClr>
-          </a:lnRef>
-          <a:fillRef idx="1">
-            <a:schemeClr val="accent1"/>
-          </a:fillRef>
-          <a:effectRef idx="0">
-            <a:schemeClr val="accent1"/>
-          </a:effectRef>
-          <a:fontRef idx="minor">
-            <a:schemeClr val="lt1"/>
-          </a:fontRef>
-        </p:style>
-        <p:txBody>
-          <a:bodyPr rtlCol="0" anchor="ctr"/>
-          <a:lstStyle/>
-          <a:p>
-            <a:pPr algn="ctr"/>
-            <a:endParaRPr lang="en-US" dirty="0">
-              <a:solidFill>
-                <a:schemeClr val="tx1"/>
-              </a:solidFill>
-            </a:endParaRPr>
-          </a:p>
-        </p:txBody>
-      </p:sp>
-      <p:sp>
-        <p:nvSpPr>
-          <p:cNvPr id="65" name="ZoneTexte 64">
-            <a:extLst>
-              <a:ext uri="{FF2B5EF4-FFF2-40B4-BE49-F238E27FC236}">
-                <a16:creationId xmlns:a16="http://schemas.microsoft.com/office/drawing/2014/main" id="{E0E64C6E-25B7-4127-90E2-B4BD2D5B0611}"/>
-              </a:ext>
-            </a:extLst>
-          </p:cNvPr>
-          <p:cNvSpPr txBox="1"/>
-          <p:nvPr/>
-        </p:nvSpPr>
-        <p:spPr>
-          <a:xfrm>
-            <a:off x="5582874" y="2181532"/>
-            <a:ext cx="930126" cy="369332"/>
-          </a:xfrm>
-          <a:prstGeom prst="rect">
-            <a:avLst/>
-          </a:prstGeom>
-          <a:noFill/>
-        </p:spPr>
-        <p:txBody>
-          <a:bodyPr wrap="none" rtlCol="0">
-            <a:spAutoFit/>
-          </a:bodyPr>
-          <a:lstStyle/>
-          <a:p>
-            <a:r>
-              <a:rPr lang="en-US" dirty="0"/>
-              <a:t>+  Roll  -</a:t>
-            </a:r>
-          </a:p>
-        </p:txBody>
-      </p:sp>
-      <p:cxnSp>
-        <p:nvCxnSpPr>
-          <p:cNvPr id="67" name="Connecteur droit 66">
-            <a:extLst>
-              <a:ext uri="{FF2B5EF4-FFF2-40B4-BE49-F238E27FC236}">
-                <a16:creationId xmlns:a16="http://schemas.microsoft.com/office/drawing/2014/main" id="{93B3E475-E001-4631-A52C-F00D276CD885}"/>
-              </a:ext>
-            </a:extLst>
-          </p:cNvPr>
-          <p:cNvCxnSpPr>
-            <a:cxnSpLocks/>
-          </p:cNvCxnSpPr>
-          <p:nvPr/>
-        </p:nvCxnSpPr>
-        <p:spPr>
-          <a:xfrm flipH="1">
-            <a:off x="3459603" y="3988953"/>
-            <a:ext cx="5394521" cy="0"/>
-          </a:xfrm>
-          <a:prstGeom prst="line">
-            <a:avLst/>
-          </a:prstGeom>
-          <a:ln w="22225">
-            <a:solidFill>
-              <a:schemeClr val="accent1"/>
-            </a:solidFill>
-            <a:prstDash val="sysDash"/>
-          </a:ln>
-        </p:spPr>
-        <p:style>
-          <a:lnRef idx="1">
-            <a:schemeClr val="accent1"/>
-          </a:lnRef>
-          <a:fillRef idx="0">
-            <a:schemeClr val="accent1"/>
-          </a:fillRef>
-          <a:effectRef idx="0">
-            <a:schemeClr val="accent1"/>
-          </a:effectRef>
-          <a:fontRef idx="minor">
-            <a:schemeClr val="tx1"/>
-          </a:fontRef>
-        </p:style>
-      </p:cxnSp>
-      <p:sp>
-        <p:nvSpPr>
-          <p:cNvPr id="69" name="Flèche : en arc 68">
-            <a:extLst>
-              <a:ext uri="{FF2B5EF4-FFF2-40B4-BE49-F238E27FC236}">
-                <a16:creationId xmlns:a16="http://schemas.microsoft.com/office/drawing/2014/main" id="{A0A7509D-4F0D-413B-B0EE-93E91B761431}"/>
-              </a:ext>
-            </a:extLst>
-          </p:cNvPr>
-          <p:cNvSpPr/>
-          <p:nvPr/>
-        </p:nvSpPr>
-        <p:spPr>
-          <a:xfrm>
-            <a:off x="3600625" y="3448774"/>
-            <a:ext cx="978408" cy="978408"/>
-          </a:xfrm>
-          <a:prstGeom prst="circularArrow">
-            <a:avLst>
-              <a:gd name="adj1" fmla="val 12500"/>
-              <a:gd name="adj2" fmla="val 1142319"/>
-              <a:gd name="adj3" fmla="val 20457681"/>
-              <a:gd name="adj4" fmla="val 2762545"/>
-              <a:gd name="adj5" fmla="val 12500"/>
-            </a:avLst>
-          </a:prstGeom>
-          <a:gradFill>
-            <a:gsLst>
-              <a:gs pos="0">
-                <a:schemeClr val="accent1">
-                  <a:lumMod val="5000"/>
-                  <a:lumOff val="95000"/>
-                </a:schemeClr>
-              </a:gs>
-              <a:gs pos="74000">
-                <a:schemeClr val="accent1">
-                  <a:lumMod val="45000"/>
-                  <a:lumOff val="55000"/>
-                </a:schemeClr>
-              </a:gs>
-              <a:gs pos="83000">
-                <a:schemeClr val="accent1">
-                  <a:lumMod val="45000"/>
-                  <a:lumOff val="55000"/>
-                </a:schemeClr>
-              </a:gs>
-              <a:gs pos="100000">
-                <a:schemeClr val="accent1">
-                  <a:lumMod val="30000"/>
-                  <a:lumOff val="70000"/>
-                </a:schemeClr>
-              </a:gs>
-            </a:gsLst>
-            <a:lin ang="5400000" scaled="1"/>
-          </a:gradFill>
-          <a:ln cap="rnd"/>
-        </p:spPr>
-        <p:style>
-          <a:lnRef idx="2">
-            <a:schemeClr val="accent1">
-              <a:shade val="50000"/>
-            </a:schemeClr>
-          </a:lnRef>
-          <a:fillRef idx="1">
-            <a:schemeClr val="accent1"/>
-          </a:fillRef>
-          <a:effectRef idx="0">
-            <a:schemeClr val="accent1"/>
-          </a:effectRef>
-          <a:fontRef idx="minor">
-            <a:schemeClr val="lt1"/>
-          </a:fontRef>
-        </p:style>
-        <p:txBody>
-          <a:bodyPr rtlCol="0" anchor="ctr"/>
-          <a:lstStyle/>
-          <a:p>
-            <a:pPr algn="ctr"/>
-            <a:endParaRPr lang="en-US" dirty="0">
-              <a:solidFill>
-                <a:schemeClr val="tx1"/>
-              </a:solidFill>
-            </a:endParaRPr>
-          </a:p>
-        </p:txBody>
-      </p:sp>
-      <p:sp>
-        <p:nvSpPr>
-          <p:cNvPr id="70" name="ZoneTexte 69">
-            <a:extLst>
-              <a:ext uri="{FF2B5EF4-FFF2-40B4-BE49-F238E27FC236}">
-                <a16:creationId xmlns:a16="http://schemas.microsoft.com/office/drawing/2014/main" id="{0454E0DA-A088-4056-BD51-40A1FDE4D74E}"/>
-              </a:ext>
-            </a:extLst>
-          </p:cNvPr>
-          <p:cNvSpPr txBox="1"/>
-          <p:nvPr/>
-        </p:nvSpPr>
-        <p:spPr>
-          <a:xfrm>
-            <a:off x="4515161" y="3686300"/>
-            <a:ext cx="649922" cy="923330"/>
-          </a:xfrm>
-          <a:prstGeom prst="rect">
-            <a:avLst/>
-          </a:prstGeom>
-          <a:noFill/>
-        </p:spPr>
-        <p:txBody>
-          <a:bodyPr wrap="none" rtlCol="0">
-            <a:spAutoFit/>
-          </a:bodyPr>
-          <a:lstStyle/>
-          <a:p>
-            <a:r>
-              <a:rPr lang="en-US" dirty="0"/>
-              <a:t>-</a:t>
-            </a:r>
-          </a:p>
-          <a:p>
-            <a:r>
-              <a:rPr lang="en-US" dirty="0"/>
-              <a:t>Pitch</a:t>
-            </a:r>
-          </a:p>
-          <a:p>
-            <a:r>
-              <a:rPr lang="en-US" dirty="0"/>
-              <a:t>+</a:t>
-            </a:r>
-          </a:p>
-        </p:txBody>
-      </p:sp>
-      <p:sp>
-        <p:nvSpPr>
-          <p:cNvPr id="71" name="Flèche : en arc 70">
-            <a:extLst>
-              <a:ext uri="{FF2B5EF4-FFF2-40B4-BE49-F238E27FC236}">
-                <a16:creationId xmlns:a16="http://schemas.microsoft.com/office/drawing/2014/main" id="{31D90B25-69B5-4C78-AF3B-DA9B6E960148}"/>
-              </a:ext>
-            </a:extLst>
-          </p:cNvPr>
-          <p:cNvSpPr/>
-          <p:nvPr/>
-        </p:nvSpPr>
-        <p:spPr>
-          <a:xfrm rot="7603812">
-            <a:off x="6521214" y="4194690"/>
-            <a:ext cx="932059" cy="978408"/>
-          </a:xfrm>
-          <a:prstGeom prst="circularArrow">
-            <a:avLst>
-              <a:gd name="adj1" fmla="val 12500"/>
-              <a:gd name="adj2" fmla="val 1142319"/>
-              <a:gd name="adj3" fmla="val 20457681"/>
-              <a:gd name="adj4" fmla="val 8225766"/>
-              <a:gd name="adj5" fmla="val 12500"/>
-            </a:avLst>
-          </a:prstGeom>
-          <a:gradFill>
-            <a:gsLst>
-              <a:gs pos="0">
-                <a:schemeClr val="accent1">
-                  <a:lumMod val="5000"/>
-                  <a:lumOff val="95000"/>
-                </a:schemeClr>
-              </a:gs>
-              <a:gs pos="74000">
-                <a:schemeClr val="accent1">
-                  <a:lumMod val="45000"/>
-                  <a:lumOff val="55000"/>
-                </a:schemeClr>
-              </a:gs>
-              <a:gs pos="83000">
-                <a:schemeClr val="accent1">
-                  <a:lumMod val="45000"/>
-                  <a:lumOff val="55000"/>
-                </a:schemeClr>
-              </a:gs>
-              <a:gs pos="100000">
-                <a:schemeClr val="accent1">
-                  <a:lumMod val="30000"/>
-                  <a:lumOff val="70000"/>
-                </a:schemeClr>
-              </a:gs>
-            </a:gsLst>
-            <a:lin ang="5400000" scaled="1"/>
-          </a:gradFill>
-        </p:spPr>
-        <p:style>
-          <a:lnRef idx="2">
-            <a:schemeClr val="accent1">
-              <a:shade val="50000"/>
-            </a:schemeClr>
-          </a:lnRef>
-          <a:fillRef idx="1">
-            <a:schemeClr val="accent1"/>
-          </a:fillRef>
-          <a:effectRef idx="0">
-            <a:schemeClr val="accent1"/>
-          </a:effectRef>
-          <a:fontRef idx="minor">
-            <a:schemeClr val="lt1"/>
-          </a:fontRef>
-        </p:style>
-        <p:txBody>
-          <a:bodyPr rtlCol="0" anchor="ctr"/>
-          <a:lstStyle/>
-          <a:p>
-            <a:pPr algn="ctr"/>
-            <a:endParaRPr lang="en-US">
-              <a:solidFill>
-                <a:schemeClr val="tx1"/>
-              </a:solidFill>
-            </a:endParaRPr>
-          </a:p>
-        </p:txBody>
-      </p:sp>
-      <p:sp>
-        <p:nvSpPr>
-          <p:cNvPr id="72" name="ZoneTexte 71">
-            <a:extLst>
-              <a:ext uri="{FF2B5EF4-FFF2-40B4-BE49-F238E27FC236}">
-                <a16:creationId xmlns:a16="http://schemas.microsoft.com/office/drawing/2014/main" id="{1A94E448-AC4B-4BD0-959A-4FEB7F14BCCF}"/>
-              </a:ext>
-            </a:extLst>
-          </p:cNvPr>
-          <p:cNvSpPr txBox="1"/>
-          <p:nvPr/>
-        </p:nvSpPr>
-        <p:spPr>
-          <a:xfrm>
-            <a:off x="6682293" y="4111698"/>
-            <a:ext cx="555858" cy="923330"/>
-          </a:xfrm>
-          <a:prstGeom prst="rect">
-            <a:avLst/>
-          </a:prstGeom>
-          <a:noFill/>
-        </p:spPr>
-        <p:txBody>
-          <a:bodyPr wrap="none" rtlCol="0">
-            <a:spAutoFit/>
-          </a:bodyPr>
-          <a:lstStyle/>
-          <a:p>
-            <a:r>
-              <a:rPr lang="en-US" dirty="0"/>
-              <a:t>-</a:t>
-            </a:r>
-          </a:p>
-          <a:p>
-            <a:r>
-              <a:rPr lang="en-US" dirty="0"/>
-              <a:t>Yaw</a:t>
-            </a:r>
-          </a:p>
-          <a:p>
-            <a:r>
-              <a:rPr lang="en-US" dirty="0"/>
-              <a:t>+</a:t>
-            </a:r>
-          </a:p>
-        </p:txBody>
-      </p:sp>
-    </p:spTree>
-    <p:extLst>
-      <p:ext uri="{BB962C8B-B14F-4D97-AF65-F5344CB8AC3E}">
-        <p14:creationId xmlns:p14="http://schemas.microsoft.com/office/powerpoint/2010/main" val="2746821891"/>
-      </p:ext>
-    </p:extLst>
-  </p:cSld>
-  <p:clrMapOvr>
-    <a:masterClrMapping/>
-  </p:clrMapOvr>
-</p:sld>
-</file>
-
-<file path=ppt/slides/slide13.xml><?xml version="1.0" encoding="utf-8"?>
-<p:sld xmlns:a="http://schemas.openxmlformats.org/drawingml/2006/main" xmlns:r="http://schemas.openxmlformats.org/officeDocument/2006/relationships" xmlns:p="http://schemas.openxmlformats.org/presentationml/2006/main">
-  <p:cSld>
-    <p:spTree>
-      <p:nvGrpSpPr>
-        <p:cNvPr id="1" name=""/>
-        <p:cNvGrpSpPr/>
-        <p:nvPr/>
-      </p:nvGrpSpPr>
-      <p:grpSpPr>
-        <a:xfrm>
-          <a:off x="0" y="0"/>
-          <a:ext cx="0" cy="0"/>
-          <a:chOff x="0" y="0"/>
-          <a:chExt cx="0" cy="0"/>
-        </a:xfrm>
-      </p:grpSpPr>
-      <p:sp>
-        <p:nvSpPr>
-          <p:cNvPr id="2" name="Titre 1">
-            <a:extLst>
-              <a:ext uri="{FF2B5EF4-FFF2-40B4-BE49-F238E27FC236}">
-                <a16:creationId xmlns:a16="http://schemas.microsoft.com/office/drawing/2014/main" id="{C3A54A01-5167-4086-A1BC-77733497AAAC}"/>
-              </a:ext>
-            </a:extLst>
-          </p:cNvPr>
-          <p:cNvSpPr>
-            <a:spLocks noGrp="1"/>
-          </p:cNvSpPr>
-          <p:nvPr>
-            <p:ph type="title"/>
-          </p:nvPr>
-        </p:nvSpPr>
-        <p:spPr/>
-        <p:txBody>
-          <a:bodyPr/>
-          <a:lstStyle/>
-          <a:p>
-            <a:pPr algn="ctr"/>
-            <a:r>
-              <a:rPr lang="en-US" dirty="0"/>
-              <a:t>Motors Rotation (2/2)</a:t>
-            </a:r>
-          </a:p>
-        </p:txBody>
-      </p:sp>
-      <p:sp>
-        <p:nvSpPr>
-          <p:cNvPr id="3" name="Espace réservé du contenu 2">
-            <a:extLst>
-              <a:ext uri="{FF2B5EF4-FFF2-40B4-BE49-F238E27FC236}">
-                <a16:creationId xmlns:a16="http://schemas.microsoft.com/office/drawing/2014/main" id="{81AD70D4-3C34-4229-95D1-25CD0E010131}"/>
-              </a:ext>
-            </a:extLst>
-          </p:cNvPr>
-          <p:cNvSpPr>
-            <a:spLocks noGrp="1"/>
-          </p:cNvSpPr>
-          <p:nvPr>
-            <p:ph idx="1"/>
-          </p:nvPr>
-        </p:nvSpPr>
-        <p:spPr/>
-        <p:txBody>
-          <a:bodyPr>
-            <a:normAutofit fontScale="92500" lnSpcReduction="20000"/>
-          </a:bodyPr>
-          <a:lstStyle/>
-          <a:p>
-            <a:r>
-              <a:rPr lang="en-US" dirty="0"/>
-              <a:t>Roll: left/right side tilt.</a:t>
-            </a:r>
-          </a:p>
-          <a:p>
-            <a:pPr lvl="1"/>
-            <a:r>
-              <a:rPr lang="en-US" dirty="0"/>
-              <a:t> + tilted side right, speed 2 Right, slow 2 Left</a:t>
-            </a:r>
-          </a:p>
-          <a:p>
-            <a:pPr lvl="1"/>
-            <a:r>
-              <a:rPr lang="en-US" dirty="0"/>
-              <a:t> - left, speed 2 Left, slow 2 Right</a:t>
-            </a:r>
-          </a:p>
-          <a:p>
-            <a:endParaRPr lang="en-US" dirty="0"/>
-          </a:p>
-          <a:p>
-            <a:r>
-              <a:rPr lang="en-US" dirty="0"/>
-              <a:t>Pitch: up/down tilt.</a:t>
-            </a:r>
-          </a:p>
-          <a:p>
-            <a:pPr lvl="1"/>
-            <a:r>
-              <a:rPr lang="en-US" dirty="0"/>
-              <a:t> + tilted skyward, speed 2 Front, slow 2 Rear</a:t>
-            </a:r>
-          </a:p>
-          <a:p>
-            <a:pPr lvl="1"/>
-            <a:r>
-              <a:rPr lang="en-US" dirty="0"/>
-              <a:t> - ground, speed 2 Rear, slow 2 Front</a:t>
-            </a:r>
-          </a:p>
-          <a:p>
-            <a:pPr lvl="1"/>
-            <a:endParaRPr lang="en-US" dirty="0"/>
-          </a:p>
-          <a:p>
-            <a:pPr lvl="1"/>
-            <a:endParaRPr lang="en-US" dirty="0"/>
-          </a:p>
-          <a:p>
-            <a:r>
-              <a:rPr lang="en-US" dirty="0"/>
-              <a:t>Yaw: rotation.</a:t>
-            </a:r>
-          </a:p>
-          <a:p>
-            <a:pPr lvl="1"/>
-            <a:r>
-              <a:rPr lang="en-US" dirty="0"/>
-              <a:t> + Clockwise, speed Front Left &amp; Rear Right, slow Front Right &amp; Rear Left</a:t>
-            </a:r>
-          </a:p>
-          <a:p>
-            <a:pPr lvl="1"/>
-            <a:r>
-              <a:rPr lang="en-US" dirty="0"/>
-              <a:t> - Counter clockwise, speed Front Right &amp; Rear Left, slow Front Left &amp; Rear Right</a:t>
-            </a:r>
-          </a:p>
-          <a:p>
-            <a:pPr lvl="1"/>
-            <a:endParaRPr lang="en-US" dirty="0"/>
-          </a:p>
-        </p:txBody>
-      </p:sp>
-    </p:spTree>
-    <p:extLst>
-      <p:ext uri="{BB962C8B-B14F-4D97-AF65-F5344CB8AC3E}">
-        <p14:creationId xmlns:p14="http://schemas.microsoft.com/office/powerpoint/2010/main" val="2882794799"/>
+        <p14:creationId xmlns:p14="http://schemas.microsoft.com/office/powerpoint/2010/main" val="3722056244"/>
       </p:ext>
     </p:extLst>
   </p:cSld>
@@ -16076,7 +14182,7 @@
             <p:ph idx="1"/>
             <p:extLst>
               <p:ext uri="{D42A27DB-BD31-4B8C-83A1-F6EECF244321}">
-                <p14:modId xmlns:p14="http://schemas.microsoft.com/office/powerpoint/2010/main" val="2934036599"/>
+                <p14:modId xmlns:p14="http://schemas.microsoft.com/office/powerpoint/2010/main" val="2276910899"/>
               </p:ext>
             </p:extLst>
           </p:nvPr>
@@ -16894,19 +15000,11 @@
                       </a:r>
                       <a:r>
                         <a:rPr lang="fr-FR" dirty="0"/>
-                        <a:t> 1 - </a:t>
+                        <a:t> Front </a:t>
                       </a:r>
                       <a:r>
-                        <a:rPr lang="en-US" sz="1800" b="0" i="0" kern="1200" dirty="0">
-                          <a:solidFill>
-                            <a:schemeClr val="dk1"/>
-                          </a:solidFill>
-                          <a:effectLst/>
-                          <a:latin typeface="+mn-lt"/>
-                          <a:ea typeface="+mn-ea"/>
-                          <a:cs typeface="+mn-cs"/>
-                        </a:rPr>
-                        <a:t>REAR_RIGHT</a:t>
+                        <a:rPr lang="fr-FR" dirty="0" err="1"/>
+                        <a:t>Left</a:t>
                       </a:r>
                       <a:endParaRPr lang="fr-FR" dirty="0"/>
                     </a:p>
@@ -17036,7 +15134,7 @@
                       </a:r>
                       <a:r>
                         <a:rPr lang="fr-FR" dirty="0"/>
-                        <a:t> 2 - </a:t>
+                        <a:t> </a:t>
                       </a:r>
                       <a:r>
                         <a:rPr lang="en-US" sz="1800" b="0" i="0" kern="1200" dirty="0">
@@ -17048,7 +15146,7 @@
                           <a:ea typeface="+mn-ea"/>
                           <a:cs typeface="+mn-cs"/>
                         </a:rPr>
-                        <a:t>FRONT_RIGHT</a:t>
+                        <a:t>Front Right</a:t>
                       </a:r>
                       <a:endParaRPr lang="fr-FR" dirty="0"/>
                     </a:p>
@@ -17200,7 +15298,7 @@
                       </a:r>
                       <a:r>
                         <a:rPr lang="fr-FR" dirty="0"/>
-                        <a:t> 3 - </a:t>
+                        <a:t>  </a:t>
                       </a:r>
                       <a:r>
                         <a:rPr lang="en-US" sz="1800" b="0" i="0" kern="1200" dirty="0">
@@ -17212,7 +15310,7 @@
                           <a:ea typeface="+mn-ea"/>
                           <a:cs typeface="+mn-cs"/>
                         </a:rPr>
-                        <a:t>REAR_LEFT</a:t>
+                        <a:t>Rear Right</a:t>
                       </a:r>
                       <a:endParaRPr lang="fr-FR" dirty="0"/>
                     </a:p>
@@ -17360,7 +15458,7 @@
                       </a:r>
                       <a:r>
                         <a:rPr lang="fr-FR" dirty="0"/>
-                        <a:t> 4 - </a:t>
+                        <a:t> </a:t>
                       </a:r>
                       <a:r>
                         <a:rPr lang="en-US" sz="1800" b="0" i="0" kern="1200" dirty="0">
@@ -17372,7 +15470,7 @@
                           <a:ea typeface="+mn-ea"/>
                           <a:cs typeface="+mn-cs"/>
                         </a:rPr>
-                        <a:t>FRONT_LEFT</a:t>
+                        <a:t>Rear Left</a:t>
                       </a:r>
                       <a:endParaRPr lang="fr-FR" dirty="0"/>
                     </a:p>
@@ -17569,7 +15667,7 @@
             <p:ph idx="1"/>
             <p:extLst>
               <p:ext uri="{D42A27DB-BD31-4B8C-83A1-F6EECF244321}">
-                <p14:modId xmlns:p14="http://schemas.microsoft.com/office/powerpoint/2010/main" val="3105539510"/>
+                <p14:modId xmlns:p14="http://schemas.microsoft.com/office/powerpoint/2010/main" val="637914189"/>
               </p:ext>
             </p:extLst>
           </p:nvPr>
@@ -17686,7 +15784,7 @@
                       </a:r>
                       <a:r>
                         <a:rPr lang="en-US" noProof="0" dirty="0"/>
-                        <a:t>MPU6050</a:t>
+                        <a:t>CMPS12</a:t>
                       </a:r>
                     </a:p>
                   </a:txBody>
@@ -17712,7 +15810,7 @@
                     <a:p>
                       <a:r>
                         <a:rPr lang="en-US" noProof="0" dirty="0"/>
-                        <a:t>I2C 0X69 (AD0high)</a:t>
+                        <a:t>I2C 0X60</a:t>
                       </a:r>
                     </a:p>
                   </a:txBody>
@@ -17752,12 +15850,8 @@
                     <a:lstStyle/>
                     <a:p>
                       <a:r>
-                        <a:rPr lang="en-US" noProof="0" dirty="0" err="1"/>
-                        <a:t>Sd</a:t>
-                      </a:r>
-                      <a:r>
                         <a:rPr lang="en-US" noProof="0" dirty="0"/>
-                        <a:t> Card</a:t>
+                        <a:t>SD Card</a:t>
                       </a:r>
                     </a:p>
                   </a:txBody>
@@ -18964,110 +17058,10 @@
       </p:grpSpPr>
       <p:sp>
         <p:nvSpPr>
-          <p:cNvPr id="5" name="Rectangle 4">
-            <a:extLst>
-              <a:ext uri="{FF2B5EF4-FFF2-40B4-BE49-F238E27FC236}">
-                <a16:creationId xmlns:a16="http://schemas.microsoft.com/office/drawing/2014/main" id="{0F1268BC-C444-44ED-8A77-4D9E86E97815}"/>
-              </a:ext>
-            </a:extLst>
-          </p:cNvPr>
-          <p:cNvSpPr/>
-          <p:nvPr/>
-        </p:nvSpPr>
-        <p:spPr>
-          <a:xfrm>
-            <a:off x="579120" y="3876474"/>
-            <a:ext cx="11317808" cy="2728607"/>
-          </a:xfrm>
-          <a:prstGeom prst="rect">
-            <a:avLst/>
-          </a:prstGeom>
-          <a:blipFill>
-            <a:blip r:embed="rId2"/>
-            <a:tile tx="0" ty="0" sx="100000" sy="100000" flip="none" algn="tl"/>
-          </a:blipFill>
-        </p:spPr>
-        <p:style>
-          <a:lnRef idx="2">
-            <a:schemeClr val="accent1">
-              <a:shade val="50000"/>
-            </a:schemeClr>
-          </a:lnRef>
-          <a:fillRef idx="1">
-            <a:schemeClr val="accent1"/>
-          </a:fillRef>
-          <a:effectRef idx="0">
-            <a:schemeClr val="accent1"/>
-          </a:effectRef>
-          <a:fontRef idx="minor">
-            <a:schemeClr val="lt1"/>
-          </a:fontRef>
-        </p:style>
-        <p:txBody>
-          <a:bodyPr rtlCol="0" anchor="ctr"/>
-          <a:lstStyle/>
-          <a:p>
-            <a:pPr algn="ctr"/>
-            <a:endParaRPr lang="en-US"/>
-          </a:p>
-        </p:txBody>
-      </p:sp>
-      <p:sp>
-        <p:nvSpPr>
-          <p:cNvPr id="4" name="Rectangle 3">
-            <a:extLst>
-              <a:ext uri="{FF2B5EF4-FFF2-40B4-BE49-F238E27FC236}">
-                <a16:creationId xmlns:a16="http://schemas.microsoft.com/office/drawing/2014/main" id="{E15AF5CA-93FD-41AD-BF8E-15E7F94493E4}"/>
-              </a:ext>
-            </a:extLst>
-          </p:cNvPr>
-          <p:cNvSpPr/>
-          <p:nvPr/>
-        </p:nvSpPr>
-        <p:spPr>
-          <a:xfrm>
-            <a:off x="579120" y="957897"/>
-            <a:ext cx="11317808" cy="2918577"/>
-          </a:xfrm>
-          <a:prstGeom prst="rect">
-            <a:avLst/>
-          </a:prstGeom>
-          <a:blipFill>
-            <a:blip r:embed="rId3"/>
-            <a:tile tx="0" ty="0" sx="100000" sy="100000" flip="none" algn="tl"/>
-          </a:blipFill>
-        </p:spPr>
-        <p:style>
-          <a:lnRef idx="2">
-            <a:schemeClr val="accent1">
-              <a:shade val="50000"/>
-            </a:schemeClr>
-          </a:lnRef>
-          <a:fillRef idx="1">
-            <a:schemeClr val="accent1"/>
-          </a:fillRef>
-          <a:effectRef idx="0">
-            <a:schemeClr val="accent1"/>
-          </a:effectRef>
-          <a:fontRef idx="minor">
-            <a:schemeClr val="lt1"/>
-          </a:fontRef>
-        </p:style>
-        <p:txBody>
-          <a:bodyPr rtlCol="0" anchor="ctr"/>
-          <a:lstStyle/>
-          <a:p>
-            <a:pPr algn="ctr"/>
-            <a:endParaRPr lang="en-US"/>
-          </a:p>
-        </p:txBody>
-      </p:sp>
-      <p:sp>
-        <p:nvSpPr>
           <p:cNvPr id="2" name="Titre 1">
             <a:extLst>
               <a:ext uri="{FF2B5EF4-FFF2-40B4-BE49-F238E27FC236}">
-                <a16:creationId xmlns:a16="http://schemas.microsoft.com/office/drawing/2014/main" id="{B52BFAC6-4D4C-43D7-98B0-B4FBA0DB4F50}"/>
+                <a16:creationId xmlns:a16="http://schemas.microsoft.com/office/drawing/2014/main" id="{8DDCDBDF-D8CC-44B1-A599-F6FD2A53CCC8}"/>
               </a:ext>
             </a:extLst>
           </p:cNvPr>
@@ -19080,347 +17074,6 @@
         </p:nvSpPr>
         <p:spPr>
           <a:xfrm>
-            <a:off x="838199" y="365125"/>
-            <a:ext cx="10786309" cy="450215"/>
-          </a:xfrm>
-        </p:spPr>
-        <p:txBody>
-          <a:bodyPr>
-            <a:normAutofit fontScale="90000"/>
-          </a:bodyPr>
-          <a:lstStyle/>
-          <a:p>
-            <a:pPr algn="ctr"/>
-            <a:r>
-              <a:rPr lang="fr-FR" dirty="0"/>
-              <a:t>Serial IOT messages</a:t>
-            </a:r>
-          </a:p>
-        </p:txBody>
-      </p:sp>
-      <p:sp>
-        <p:nvSpPr>
-          <p:cNvPr id="3" name="Espace réservé du contenu 2">
-            <a:extLst>
-              <a:ext uri="{FF2B5EF4-FFF2-40B4-BE49-F238E27FC236}">
-                <a16:creationId xmlns:a16="http://schemas.microsoft.com/office/drawing/2014/main" id="{0C329F29-2556-4E07-A011-393CBF17953B}"/>
-              </a:ext>
-            </a:extLst>
-          </p:cNvPr>
-          <p:cNvSpPr>
-            <a:spLocks noGrp="1"/>
-          </p:cNvSpPr>
-          <p:nvPr>
-            <p:ph idx="1"/>
-          </p:nvPr>
-        </p:nvSpPr>
-        <p:spPr>
-          <a:xfrm>
-            <a:off x="579120" y="957897"/>
-            <a:ext cx="11317808" cy="5832370"/>
-          </a:xfrm>
-        </p:spPr>
-        <p:txBody>
-          <a:bodyPr>
-            <a:normAutofit/>
-          </a:bodyPr>
-          <a:lstStyle/>
-          <a:p>
-            <a:r>
-              <a:rPr lang="fr-FR" sz="3000" dirty="0"/>
-              <a:t>Server </a:t>
-            </a:r>
-            <a:r>
-              <a:rPr lang="fr-FR" sz="3000" dirty="0" err="1"/>
-              <a:t>send</a:t>
-            </a:r>
-            <a:r>
-              <a:rPr lang="fr-FR" sz="3000" dirty="0"/>
-              <a:t> the command (CMD) to the Robot</a:t>
-            </a:r>
-          </a:p>
-          <a:p>
-            <a:r>
-              <a:rPr lang="en-US" sz="1200" dirty="0" err="1"/>
-              <a:t>IOTSsend</a:t>
-            </a:r>
-            <a:r>
-              <a:rPr lang="en-US" sz="1200" dirty="0"/>
-              <a:t>(0, CMD, </a:t>
-            </a:r>
-            <a:r>
-              <a:rPr lang="en-US" sz="1200" dirty="0" err="1"/>
-              <a:t>cmd</a:t>
-            </a:r>
-            <a:r>
-              <a:rPr lang="en-US" sz="1200" dirty="0"/>
-              <a:t>, param, </a:t>
-            </a:r>
-            <a:r>
-              <a:rPr lang="en-US" sz="1200" dirty="0" err="1"/>
-              <a:t>paramlen</a:t>
-            </a:r>
-            <a:r>
-              <a:rPr lang="en-US" sz="1200" dirty="0"/>
-              <a:t>, _</a:t>
-            </a:r>
-            <a:r>
-              <a:rPr lang="en-US" sz="1200" dirty="0" err="1"/>
-              <a:t>cmdId</a:t>
-            </a:r>
-            <a:r>
-              <a:rPr lang="en-US" sz="1200" dirty="0"/>
-              <a:t>); // send the command to the Robot</a:t>
-            </a:r>
-          </a:p>
-          <a:p>
-            <a:endParaRPr lang="fr-FR" sz="1200" dirty="0"/>
-          </a:p>
-          <a:p>
-            <a:r>
-              <a:rPr lang="fr-FR" sz="3000" dirty="0"/>
-              <a:t>Robot </a:t>
-            </a:r>
-            <a:r>
-              <a:rPr lang="fr-FR" sz="3000" dirty="0" err="1"/>
-              <a:t>send</a:t>
-            </a:r>
-            <a:r>
-              <a:rPr lang="fr-FR" sz="3000" dirty="0"/>
-              <a:t> (RESP) to the Server </a:t>
-            </a:r>
-            <a:r>
-              <a:rPr lang="fr-FR" sz="3000" dirty="0" err="1"/>
-              <a:t>following</a:t>
-            </a:r>
-            <a:r>
-              <a:rPr lang="fr-FR" sz="3000" dirty="0"/>
-              <a:t> the </a:t>
-            </a:r>
-            <a:r>
-              <a:rPr lang="fr-FR" sz="3000" dirty="0" err="1"/>
-              <a:t>reception</a:t>
-            </a:r>
-            <a:r>
-              <a:rPr lang="fr-FR" sz="3000" dirty="0"/>
-              <a:t> of the command (CMD)</a:t>
-            </a:r>
-          </a:p>
-          <a:p>
-            <a:r>
-              <a:rPr lang="fr-FR" sz="1200" dirty="0" err="1"/>
-              <a:t>IOTSsend</a:t>
-            </a:r>
-            <a:r>
-              <a:rPr lang="fr-FR" sz="1200" dirty="0"/>
-              <a:t>(2, RESP_KO);</a:t>
-            </a:r>
-          </a:p>
-          <a:p>
-            <a:r>
-              <a:rPr lang="fr-FR" sz="1200" dirty="0" err="1"/>
-              <a:t>IOTSsend</a:t>
-            </a:r>
-            <a:r>
-              <a:rPr lang="fr-FR" sz="1200" dirty="0"/>
-              <a:t>(2, RESP_OK, </a:t>
-            </a:r>
-            <a:r>
-              <a:rPr lang="fr-FR" sz="1200" dirty="0" err="1"/>
-              <a:t>resp</a:t>
-            </a:r>
-            <a:r>
-              <a:rPr lang="fr-FR" sz="1200" dirty="0"/>
-              <a:t>, </a:t>
-            </a:r>
-            <a:r>
-              <a:rPr lang="fr-FR" sz="1200" dirty="0" err="1"/>
-              <a:t>resplen</a:t>
-            </a:r>
-            <a:r>
-              <a:rPr lang="fr-FR" sz="1200" dirty="0"/>
-              <a:t>, </a:t>
-            </a:r>
-            <a:r>
-              <a:rPr lang="fr-FR" sz="1200" dirty="0" err="1"/>
-              <a:t>cmdId</a:t>
-            </a:r>
-            <a:r>
-              <a:rPr lang="fr-FR" sz="1200" dirty="0"/>
-              <a:t>);</a:t>
-            </a:r>
-          </a:p>
-          <a:p>
-            <a:endParaRPr lang="fr-FR" sz="1200" dirty="0"/>
-          </a:p>
-          <a:p>
-            <a:r>
-              <a:rPr lang="fr-FR" dirty="0"/>
-              <a:t>Robot </a:t>
-            </a:r>
-            <a:r>
-              <a:rPr lang="fr-FR" dirty="0" err="1"/>
-              <a:t>send</a:t>
-            </a:r>
-            <a:r>
-              <a:rPr lang="fr-FR" dirty="0"/>
-              <a:t> INFOS and PICTURE to the Client</a:t>
-            </a:r>
-          </a:p>
-          <a:p>
-            <a:r>
-              <a:rPr lang="en-US" sz="1200" dirty="0" err="1"/>
-              <a:t>IOTSsend</a:t>
-            </a:r>
-            <a:r>
-              <a:rPr lang="en-US" sz="1200" dirty="0"/>
-              <a:t> (1, INFOS, resp, </a:t>
-            </a:r>
-            <a:r>
-              <a:rPr lang="en-US" sz="1200" dirty="0" err="1"/>
-              <a:t>resplen</a:t>
-            </a:r>
-            <a:r>
-              <a:rPr lang="en-US" sz="1200" dirty="0"/>
-              <a:t>); </a:t>
-            </a:r>
-            <a:r>
-              <a:rPr lang="fr-FR" sz="1200" dirty="0"/>
-              <a:t>the </a:t>
-            </a:r>
-            <a:r>
-              <a:rPr lang="fr-FR" sz="1200" dirty="0" err="1"/>
-              <a:t>response</a:t>
-            </a:r>
-            <a:r>
-              <a:rPr lang="fr-FR" sz="1200" dirty="0"/>
-              <a:t> </a:t>
-            </a:r>
-            <a:endParaRPr lang="en-US" sz="1200" dirty="0"/>
-          </a:p>
-          <a:p>
-            <a:r>
-              <a:rPr lang="en-US" sz="1200" dirty="0" err="1"/>
-              <a:t>IOTSsend</a:t>
-            </a:r>
-            <a:r>
-              <a:rPr lang="en-US" sz="1200" dirty="0"/>
-              <a:t>(1, PICTURE, param, </a:t>
-            </a:r>
-            <a:r>
-              <a:rPr lang="en-US" sz="1200" dirty="0" err="1"/>
-              <a:t>paramlen</a:t>
-            </a:r>
-            <a:r>
-              <a:rPr lang="en-US" sz="1200" dirty="0"/>
-              <a:t>); </a:t>
-            </a:r>
-          </a:p>
-          <a:p>
-            <a:pPr marL="0" indent="0">
-              <a:buNone/>
-            </a:pPr>
-            <a:endParaRPr lang="fr-FR" sz="1200" dirty="0"/>
-          </a:p>
-          <a:p>
-            <a:r>
-              <a:rPr lang="fr-FR" dirty="0"/>
-              <a:t>Client </a:t>
-            </a:r>
-            <a:r>
-              <a:rPr lang="fr-FR" dirty="0" err="1"/>
-              <a:t>send</a:t>
-            </a:r>
-            <a:r>
-              <a:rPr lang="fr-FR" dirty="0"/>
-              <a:t> the </a:t>
-            </a:r>
-            <a:r>
-              <a:rPr lang="fr-FR" dirty="0" err="1"/>
-              <a:t>response</a:t>
-            </a:r>
-            <a:r>
-              <a:rPr lang="fr-FR" dirty="0"/>
-              <a:t> (RESP) to the Robot </a:t>
-            </a:r>
-            <a:r>
-              <a:rPr lang="fr-FR" dirty="0" err="1"/>
-              <a:t>following</a:t>
-            </a:r>
-            <a:r>
-              <a:rPr lang="fr-FR" dirty="0"/>
-              <a:t> the </a:t>
-            </a:r>
-            <a:r>
-              <a:rPr lang="fr-FR" dirty="0" err="1"/>
-              <a:t>reception</a:t>
-            </a:r>
-            <a:r>
-              <a:rPr lang="fr-FR" dirty="0"/>
-              <a:t> of the PICTURE</a:t>
-            </a:r>
-          </a:p>
-          <a:p>
-            <a:r>
-              <a:rPr lang="en-US" sz="1200" dirty="0" err="1"/>
-              <a:t>IOTSsend</a:t>
-            </a:r>
-            <a:r>
-              <a:rPr lang="en-US" sz="1200" dirty="0"/>
-              <a:t>(0, RESP_OK);</a:t>
-            </a:r>
-            <a:endParaRPr lang="fr-FR" sz="1200" dirty="0"/>
-          </a:p>
-        </p:txBody>
-      </p:sp>
-    </p:spTree>
-    <p:extLst>
-      <p:ext uri="{BB962C8B-B14F-4D97-AF65-F5344CB8AC3E}">
-        <p14:creationId xmlns:p14="http://schemas.microsoft.com/office/powerpoint/2010/main" val="3515526819"/>
-      </p:ext>
-    </p:extLst>
-  </p:cSld>
-  <p:clrMapOvr>
-    <a:masterClrMapping/>
-  </p:clrMapOvr>
-</p:sld>
-</file>
-
-<file path=ppt/slides/slide6.xml><?xml version="1.0" encoding="utf-8"?>
-<p:sld xmlns:a="http://schemas.openxmlformats.org/drawingml/2006/main" xmlns:r="http://schemas.openxmlformats.org/officeDocument/2006/relationships" xmlns:p="http://schemas.openxmlformats.org/presentationml/2006/main">
-  <p:cSld>
-    <p:spTree>
-      <p:nvGrpSpPr>
-        <p:cNvPr id="1" name=""/>
-        <p:cNvGrpSpPr/>
-        <p:nvPr/>
-      </p:nvGrpSpPr>
-      <p:grpSpPr>
-        <a:xfrm>
-          <a:off x="0" y="0"/>
-          <a:ext cx="0" cy="0"/>
-          <a:chOff x="0" y="0"/>
-          <a:chExt cx="0" cy="0"/>
-        </a:xfrm>
-      </p:grpSpPr>
-      <p:sp>
-        <p:nvSpPr>
-          <p:cNvPr id="2" name="Titre 1">
-            <a:extLst>
-              <a:ext uri="{FF2B5EF4-FFF2-40B4-BE49-F238E27FC236}">
-                <a16:creationId xmlns:a16="http://schemas.microsoft.com/office/drawing/2014/main" id="{8DDCDBDF-D8CC-44B1-A599-F6FD2A53CCC8}"/>
-              </a:ext>
-            </a:extLst>
-          </p:cNvPr>
-          <p:cNvSpPr>
-            <a:spLocks noGrp="1"/>
-          </p:cNvSpPr>
-          <p:nvPr>
-            <p:ph type="title"/>
-          </p:nvPr>
-        </p:nvSpPr>
-        <p:spPr>
-          <a:xfrm>
             <a:off x="723900" y="190500"/>
             <a:ext cx="10515600" cy="750888"/>
           </a:xfrm>
@@ -19430,12 +17083,8 @@
           <a:lstStyle/>
           <a:p>
             <a:r>
-              <a:rPr lang="en-US" dirty="0" err="1"/>
-              <a:t>Bluetooh</a:t>
-            </a:r>
-            <a:r>
               <a:rPr lang="en-US" dirty="0"/>
-              <a:t> Commands </a:t>
+              <a:t>Motors</a:t>
             </a:r>
           </a:p>
         </p:txBody>
@@ -19456,2603 +17105,9 @@
             <p:ph idx="1"/>
             <p:extLst>
               <p:ext uri="{D42A27DB-BD31-4B8C-83A1-F6EECF244321}">
-                <p14:modId xmlns:p14="http://schemas.microsoft.com/office/powerpoint/2010/main" val="2328218016"/>
+                <p14:modId xmlns:p14="http://schemas.microsoft.com/office/powerpoint/2010/main" val="555640812"/>
               </p:ext>
             </p:extLst>
-          </p:nvPr>
-        </p:nvGraphicFramePr>
-        <p:xfrm>
-          <a:off x="723901" y="829734"/>
-          <a:ext cx="10132364" cy="5289412"/>
-        </p:xfrm>
-        <a:graphic>
-          <a:graphicData uri="http://schemas.openxmlformats.org/drawingml/2006/table">
-            <a:tbl>
-              <a:tblPr firstRow="1" bandRow="1">
-                <a:tableStyleId>{5C22544A-7EE6-4342-B048-85BDC9FD1C3A}</a:tableStyleId>
-              </a:tblPr>
-              <a:tblGrid>
-                <a:gridCol w="1727637">
-                  <a:extLst>
-                    <a:ext uri="{9D8B030D-6E8A-4147-A177-3AD203B41FA5}">
-                      <a16:colId xmlns:a16="http://schemas.microsoft.com/office/drawing/2014/main" val="141237979"/>
-                    </a:ext>
-                  </a:extLst>
-                </a:gridCol>
-                <a:gridCol w="5320862">
-                  <a:extLst>
-                    <a:ext uri="{9D8B030D-6E8A-4147-A177-3AD203B41FA5}">
-                      <a16:colId xmlns:a16="http://schemas.microsoft.com/office/drawing/2014/main" val="2232030455"/>
-                    </a:ext>
-                  </a:extLst>
-                </a:gridCol>
-                <a:gridCol w="3083865">
-                  <a:extLst>
-                    <a:ext uri="{9D8B030D-6E8A-4147-A177-3AD203B41FA5}">
-                      <a16:colId xmlns:a16="http://schemas.microsoft.com/office/drawing/2014/main" val="20002"/>
-                    </a:ext>
-                  </a:extLst>
-                </a:gridCol>
-              </a:tblGrid>
-              <a:tr h="389475">
-                <a:tc>
-                  <a:txBody>
-                    <a:bodyPr/>
-                    <a:lstStyle/>
-                    <a:p>
-                      <a:r>
-                        <a:rPr lang="fr-FR" dirty="0"/>
-                        <a:t>Commande</a:t>
-                      </a:r>
-                    </a:p>
-                  </a:txBody>
-                  <a:tcPr/>
-                </a:tc>
-                <a:tc>
-                  <a:txBody>
-                    <a:bodyPr/>
-                    <a:lstStyle/>
-                    <a:p>
-                      <a:r>
-                        <a:rPr lang="fr-FR" dirty="0" err="1"/>
-                        <a:t>Purpose</a:t>
-                      </a:r>
-                      <a:endParaRPr lang="fr-FR" dirty="0"/>
-                    </a:p>
-                  </a:txBody>
-                  <a:tcPr/>
-                </a:tc>
-                <a:tc>
-                  <a:txBody>
-                    <a:bodyPr/>
-                    <a:lstStyle/>
-                    <a:p>
-                      <a:r>
-                        <a:rPr lang="fr-FR" dirty="0"/>
-                        <a:t>BLE message</a:t>
-                      </a:r>
-                    </a:p>
-                  </a:txBody>
-                  <a:tcPr/>
-                </a:tc>
-                <a:extLst>
-                  <a:ext uri="{0D108BD9-81ED-4DB2-BD59-A6C34878D82A}">
-                    <a16:rowId xmlns:a16="http://schemas.microsoft.com/office/drawing/2014/main" val="3930063906"/>
-                  </a:ext>
-                </a:extLst>
-              </a:tr>
-              <a:tr h="388874">
-                <a:tc>
-                  <a:txBody>
-                    <a:bodyPr/>
-                    <a:lstStyle/>
-                    <a:p>
-                      <a:r>
-                        <a:rPr lang="fr-FR" dirty="0" err="1"/>
-                        <a:t>Forward</a:t>
-                      </a:r>
-                      <a:endParaRPr lang="fr-FR" dirty="0"/>
-                    </a:p>
-                  </a:txBody>
-                  <a:tcPr/>
-                </a:tc>
-                <a:tc>
-                  <a:txBody>
-                    <a:bodyPr/>
-                    <a:lstStyle/>
-                    <a:p>
-                      <a:pPr marL="0" marR="0" lvl="0" indent="0" algn="l" defTabSz="914400" rtl="0" eaLnBrk="1" fontAlgn="auto" latinLnBrk="0" hangingPunct="1">
-                        <a:lnSpc>
-                          <a:spcPct val="100000"/>
-                        </a:lnSpc>
-                        <a:spcBef>
-                          <a:spcPts val="0"/>
-                        </a:spcBef>
-                        <a:spcAft>
-                          <a:spcPts val="0"/>
-                        </a:spcAft>
-                        <a:buClrTx/>
-                        <a:buSzTx/>
-                        <a:buFontTx/>
-                        <a:buNone/>
-                        <a:tabLst/>
-                        <a:defRPr/>
-                      </a:pPr>
-                      <a:r>
-                        <a:rPr lang="fr-FR" dirty="0" err="1"/>
-                        <a:t>Run</a:t>
-                      </a:r>
-                      <a:r>
-                        <a:rPr lang="fr-FR" dirty="0"/>
-                        <a:t> </a:t>
-                      </a:r>
-                      <a:r>
-                        <a:rPr lang="fr-FR" dirty="0" err="1"/>
-                        <a:t>forward</a:t>
-                      </a:r>
-                      <a:endParaRPr lang="fr-FR" dirty="0"/>
-                    </a:p>
-                  </a:txBody>
-                  <a:tcPr/>
-                </a:tc>
-                <a:tc>
-                  <a:txBody>
-                    <a:bodyPr/>
-                    <a:lstStyle/>
-                    <a:p>
-                      <a:pPr marL="0" marR="0" lvl="0" indent="0" algn="l" defTabSz="914400" rtl="0" eaLnBrk="1" fontAlgn="auto" latinLnBrk="0" hangingPunct="1">
-                        <a:lnSpc>
-                          <a:spcPct val="100000"/>
-                        </a:lnSpc>
-                        <a:spcBef>
-                          <a:spcPts val="0"/>
-                        </a:spcBef>
-                        <a:spcAft>
-                          <a:spcPts val="0"/>
-                        </a:spcAft>
-                        <a:buClrTx/>
-                        <a:buSzTx/>
-                        <a:buFontTx/>
-                        <a:buNone/>
-                        <a:tabLst/>
-                        <a:defRPr/>
-                      </a:pPr>
-                      <a:r>
-                        <a:rPr lang="fr-FR" dirty="0"/>
-                        <a:t>CMD=START|&gt;</a:t>
-                      </a:r>
-                    </a:p>
-                  </a:txBody>
-                  <a:tcPr/>
-                </a:tc>
-                <a:extLst>
-                  <a:ext uri="{0D108BD9-81ED-4DB2-BD59-A6C34878D82A}">
-                    <a16:rowId xmlns:a16="http://schemas.microsoft.com/office/drawing/2014/main" val="3459295351"/>
-                  </a:ext>
-                </a:extLst>
-              </a:tr>
-              <a:tr h="410312">
-                <a:tc>
-                  <a:txBody>
-                    <a:bodyPr/>
-                    <a:lstStyle/>
-                    <a:p>
-                      <a:r>
-                        <a:rPr lang="fr-FR" dirty="0" err="1"/>
-                        <a:t>Left</a:t>
-                      </a:r>
-                      <a:endParaRPr lang="fr-FR" dirty="0"/>
-                    </a:p>
-                  </a:txBody>
-                  <a:tcPr/>
-                </a:tc>
-                <a:tc>
-                  <a:txBody>
-                    <a:bodyPr/>
-                    <a:lstStyle/>
-                    <a:p>
-                      <a:pPr marL="0" marR="0" lvl="0" indent="0" algn="l" defTabSz="914400" rtl="0" eaLnBrk="1" fontAlgn="auto" latinLnBrk="0" hangingPunct="1">
-                        <a:lnSpc>
-                          <a:spcPct val="100000"/>
-                        </a:lnSpc>
-                        <a:spcBef>
-                          <a:spcPts val="0"/>
-                        </a:spcBef>
-                        <a:spcAft>
-                          <a:spcPts val="0"/>
-                        </a:spcAft>
-                        <a:buClrTx/>
-                        <a:buSzTx/>
-                        <a:buFontTx/>
-                        <a:buNone/>
-                        <a:tabLst/>
-                        <a:defRPr/>
-                      </a:pPr>
-                      <a:r>
-                        <a:rPr lang="fr-FR" dirty="0" err="1"/>
-                        <a:t>Turn</a:t>
-                      </a:r>
-                      <a:r>
-                        <a:rPr lang="fr-FR" dirty="0"/>
-                        <a:t> </a:t>
-                      </a:r>
-                      <a:r>
-                        <a:rPr lang="fr-FR" dirty="0" err="1"/>
-                        <a:t>left</a:t>
-                      </a:r>
-                      <a:r>
-                        <a:rPr lang="fr-FR" dirty="0"/>
-                        <a:t> 45°</a:t>
-                      </a:r>
-                    </a:p>
-                  </a:txBody>
-                  <a:tcPr/>
-                </a:tc>
-                <a:tc>
-                  <a:txBody>
-                    <a:bodyPr/>
-                    <a:lstStyle/>
-                    <a:p>
-                      <a:pPr marL="0" marR="0" lvl="0" indent="0" algn="l" defTabSz="914400" rtl="0" eaLnBrk="1" fontAlgn="auto" latinLnBrk="0" hangingPunct="1">
-                        <a:lnSpc>
-                          <a:spcPct val="100000"/>
-                        </a:lnSpc>
-                        <a:spcBef>
-                          <a:spcPts val="0"/>
-                        </a:spcBef>
-                        <a:spcAft>
-                          <a:spcPts val="0"/>
-                        </a:spcAft>
-                        <a:buClrTx/>
-                        <a:buSzTx/>
-                        <a:buFontTx/>
-                        <a:buNone/>
-                        <a:tabLst/>
-                        <a:defRPr/>
-                      </a:pPr>
-                      <a:r>
-                        <a:rPr lang="fr-FR" dirty="0"/>
-                        <a:t>CMD=TURN|P=-45|&gt;</a:t>
-                      </a:r>
-                    </a:p>
-                  </a:txBody>
-                  <a:tcPr/>
-                </a:tc>
-                <a:extLst>
-                  <a:ext uri="{0D108BD9-81ED-4DB2-BD59-A6C34878D82A}">
-                    <a16:rowId xmlns:a16="http://schemas.microsoft.com/office/drawing/2014/main" val="11531206"/>
-                  </a:ext>
-                </a:extLst>
-              </a:tr>
-              <a:tr h="415984">
-                <a:tc>
-                  <a:txBody>
-                    <a:bodyPr/>
-                    <a:lstStyle/>
-                    <a:p>
-                      <a:r>
-                        <a:rPr lang="fr-FR" dirty="0"/>
-                        <a:t>Right</a:t>
-                      </a:r>
-                    </a:p>
-                  </a:txBody>
-                  <a:tcPr/>
-                </a:tc>
-                <a:tc>
-                  <a:txBody>
-                    <a:bodyPr/>
-                    <a:lstStyle/>
-                    <a:p>
-                      <a:pPr marL="0" marR="0" lvl="0" indent="0" algn="l" defTabSz="914400" rtl="0" eaLnBrk="1" fontAlgn="auto" latinLnBrk="0" hangingPunct="1">
-                        <a:lnSpc>
-                          <a:spcPct val="100000"/>
-                        </a:lnSpc>
-                        <a:spcBef>
-                          <a:spcPts val="0"/>
-                        </a:spcBef>
-                        <a:spcAft>
-                          <a:spcPts val="0"/>
-                        </a:spcAft>
-                        <a:buClrTx/>
-                        <a:buSzTx/>
-                        <a:buFontTx/>
-                        <a:buNone/>
-                        <a:tabLst/>
-                        <a:defRPr/>
-                      </a:pPr>
-                      <a:r>
-                        <a:rPr lang="fr-FR" dirty="0" err="1"/>
-                        <a:t>Turn</a:t>
-                      </a:r>
-                      <a:r>
-                        <a:rPr lang="fr-FR" dirty="0"/>
-                        <a:t> right 45°</a:t>
-                      </a:r>
-                    </a:p>
-                  </a:txBody>
-                  <a:tcPr/>
-                </a:tc>
-                <a:tc>
-                  <a:txBody>
-                    <a:bodyPr/>
-                    <a:lstStyle/>
-                    <a:p>
-                      <a:pPr marL="0" marR="0" lvl="0" indent="0" algn="l" defTabSz="914400" rtl="0" eaLnBrk="1" fontAlgn="auto" latinLnBrk="0" hangingPunct="1">
-                        <a:lnSpc>
-                          <a:spcPct val="100000"/>
-                        </a:lnSpc>
-                        <a:spcBef>
-                          <a:spcPts val="0"/>
-                        </a:spcBef>
-                        <a:spcAft>
-                          <a:spcPts val="0"/>
-                        </a:spcAft>
-                        <a:buClrTx/>
-                        <a:buSzTx/>
-                        <a:buFontTx/>
-                        <a:buNone/>
-                        <a:tabLst/>
-                        <a:defRPr/>
-                      </a:pPr>
-                      <a:r>
-                        <a:rPr lang="fr-FR" dirty="0"/>
-                        <a:t>CMD=TURN|P=45|&gt;</a:t>
-                      </a:r>
-                    </a:p>
-                  </a:txBody>
-                  <a:tcPr/>
-                </a:tc>
-                <a:extLst>
-                  <a:ext uri="{0D108BD9-81ED-4DB2-BD59-A6C34878D82A}">
-                    <a16:rowId xmlns:a16="http://schemas.microsoft.com/office/drawing/2014/main" val="10003"/>
-                  </a:ext>
-                </a:extLst>
-              </a:tr>
-              <a:tr h="382242">
-                <a:tc>
-                  <a:txBody>
-                    <a:bodyPr/>
-                    <a:lstStyle/>
-                    <a:p>
-                      <a:r>
-                        <a:rPr lang="fr-FR" dirty="0"/>
-                        <a:t>Stop</a:t>
-                      </a:r>
-                    </a:p>
-                  </a:txBody>
-                  <a:tcPr/>
-                </a:tc>
-                <a:tc>
-                  <a:txBody>
-                    <a:bodyPr/>
-                    <a:lstStyle/>
-                    <a:p>
-                      <a:pPr marL="0" marR="0" lvl="0" indent="0" algn="l" defTabSz="914400" rtl="0" eaLnBrk="1" fontAlgn="auto" latinLnBrk="0" hangingPunct="1">
-                        <a:lnSpc>
-                          <a:spcPct val="100000"/>
-                        </a:lnSpc>
-                        <a:spcBef>
-                          <a:spcPts val="0"/>
-                        </a:spcBef>
-                        <a:spcAft>
-                          <a:spcPts val="0"/>
-                        </a:spcAft>
-                        <a:buClrTx/>
-                        <a:buSzTx/>
-                        <a:buFontTx/>
-                        <a:buNone/>
-                        <a:tabLst/>
-                        <a:defRPr/>
-                      </a:pPr>
-                      <a:r>
-                        <a:rPr lang="fr-FR" dirty="0"/>
-                        <a:t>Stop</a:t>
-                      </a:r>
-                    </a:p>
-                  </a:txBody>
-                  <a:tcPr/>
-                </a:tc>
-                <a:tc>
-                  <a:txBody>
-                    <a:bodyPr/>
-                    <a:lstStyle/>
-                    <a:p>
-                      <a:pPr marL="0" marR="0" lvl="0" indent="0" algn="l" defTabSz="914400" rtl="0" eaLnBrk="1" fontAlgn="auto" latinLnBrk="0" hangingPunct="1">
-                        <a:lnSpc>
-                          <a:spcPct val="100000"/>
-                        </a:lnSpc>
-                        <a:spcBef>
-                          <a:spcPts val="0"/>
-                        </a:spcBef>
-                        <a:spcAft>
-                          <a:spcPts val="0"/>
-                        </a:spcAft>
-                        <a:buClrTx/>
-                        <a:buSzTx/>
-                        <a:buFontTx/>
-                        <a:buNone/>
-                        <a:tabLst/>
-                        <a:defRPr/>
-                      </a:pPr>
-                      <a:r>
-                        <a:rPr lang="fr-FR" dirty="0"/>
-                        <a:t>CMD=STOP|&gt;</a:t>
-                      </a:r>
-                    </a:p>
-                  </a:txBody>
-                  <a:tcPr/>
-                </a:tc>
-                <a:extLst>
-                  <a:ext uri="{0D108BD9-81ED-4DB2-BD59-A6C34878D82A}">
-                    <a16:rowId xmlns:a16="http://schemas.microsoft.com/office/drawing/2014/main" val="1140387248"/>
-                  </a:ext>
-                </a:extLst>
-              </a:tr>
-              <a:tr h="472966">
-                <a:tc>
-                  <a:txBody>
-                    <a:bodyPr/>
-                    <a:lstStyle/>
-                    <a:p>
-                      <a:r>
-                        <a:rPr lang="fr-FR" dirty="0"/>
-                        <a:t>Go</a:t>
-                      </a:r>
-                    </a:p>
-                  </a:txBody>
-                  <a:tcPr/>
-                </a:tc>
-                <a:tc>
-                  <a:txBody>
-                    <a:bodyPr/>
-                    <a:lstStyle/>
-                    <a:p>
-                      <a:pPr marL="0" marR="0" lvl="0" indent="0" algn="l" defTabSz="914400" rtl="0" eaLnBrk="1" fontAlgn="auto" latinLnBrk="0" hangingPunct="1">
-                        <a:lnSpc>
-                          <a:spcPct val="100000"/>
-                        </a:lnSpc>
-                        <a:spcBef>
-                          <a:spcPts val="0"/>
-                        </a:spcBef>
-                        <a:spcAft>
-                          <a:spcPts val="0"/>
-                        </a:spcAft>
-                        <a:buClrTx/>
-                        <a:buSzTx/>
-                        <a:buFontTx/>
-                        <a:buNone/>
-                        <a:tabLst/>
-                        <a:defRPr/>
-                      </a:pPr>
-                      <a:r>
-                        <a:rPr lang="fr-FR" dirty="0"/>
-                        <a:t>Go in </a:t>
-                      </a:r>
-                      <a:r>
-                        <a:rPr lang="fr-FR" dirty="0" err="1"/>
-                        <a:t>autonomous</a:t>
-                      </a:r>
-                      <a:r>
-                        <a:rPr lang="fr-FR" dirty="0"/>
-                        <a:t> mode, timeout</a:t>
-                      </a:r>
-                      <a:r>
-                        <a:rPr lang="fr-FR" baseline="0" dirty="0"/>
-                        <a:t> 20 seconds</a:t>
-                      </a:r>
-                      <a:endParaRPr lang="fr-FR" dirty="0"/>
-                    </a:p>
-                  </a:txBody>
-                  <a:tcPr/>
-                </a:tc>
-                <a:tc>
-                  <a:txBody>
-                    <a:bodyPr/>
-                    <a:lstStyle/>
-                    <a:p>
-                      <a:pPr marL="0" marR="0" lvl="0" indent="0" algn="l" defTabSz="914400" rtl="0" eaLnBrk="1" fontAlgn="auto" latinLnBrk="0" hangingPunct="1">
-                        <a:lnSpc>
-                          <a:spcPct val="100000"/>
-                        </a:lnSpc>
-                        <a:spcBef>
-                          <a:spcPts val="0"/>
-                        </a:spcBef>
-                        <a:spcAft>
-                          <a:spcPts val="0"/>
-                        </a:spcAft>
-                        <a:buClrTx/>
-                        <a:buSzTx/>
-                        <a:buFontTx/>
-                        <a:buNone/>
-                        <a:tabLst/>
-                        <a:defRPr/>
-                      </a:pPr>
-                      <a:r>
-                        <a:rPr lang="fr-FR" dirty="0"/>
-                        <a:t>CMD=GO|P=20|&gt;</a:t>
-                      </a:r>
-                    </a:p>
-                  </a:txBody>
-                  <a:tcPr/>
-                </a:tc>
-                <a:extLst>
-                  <a:ext uri="{0D108BD9-81ED-4DB2-BD59-A6C34878D82A}">
-                    <a16:rowId xmlns:a16="http://schemas.microsoft.com/office/drawing/2014/main" val="10005"/>
-                  </a:ext>
-                </a:extLst>
-              </a:tr>
-              <a:tr h="472414">
-                <a:tc>
-                  <a:txBody>
-                    <a:bodyPr/>
-                    <a:lstStyle/>
-                    <a:p>
-                      <a:r>
-                        <a:rPr lang="fr-FR" dirty="0"/>
-                        <a:t>Picture</a:t>
-                      </a:r>
-                    </a:p>
-                  </a:txBody>
-                  <a:tcPr/>
-                </a:tc>
-                <a:tc>
-                  <a:txBody>
-                    <a:bodyPr/>
-                    <a:lstStyle/>
-                    <a:p>
-                      <a:pPr marL="0" marR="0" lvl="0" indent="0" algn="l" defTabSz="914400" rtl="0" eaLnBrk="1" fontAlgn="auto" latinLnBrk="0" hangingPunct="1">
-                        <a:lnSpc>
-                          <a:spcPct val="100000"/>
-                        </a:lnSpc>
-                        <a:spcBef>
-                          <a:spcPts val="0"/>
-                        </a:spcBef>
-                        <a:spcAft>
-                          <a:spcPts val="0"/>
-                        </a:spcAft>
-                        <a:buClrTx/>
-                        <a:buSzTx/>
-                        <a:buFontTx/>
-                        <a:buNone/>
-                        <a:tabLst/>
-                        <a:defRPr/>
-                      </a:pPr>
-                      <a:r>
-                        <a:rPr lang="fr-FR" dirty="0" err="1"/>
-                        <a:t>Make</a:t>
-                      </a:r>
-                      <a:r>
-                        <a:rPr lang="fr-FR" dirty="0"/>
-                        <a:t> </a:t>
-                      </a:r>
-                      <a:r>
-                        <a:rPr lang="fr-FR" dirty="0" err="1"/>
-                        <a:t>picture</a:t>
-                      </a:r>
-                      <a:endParaRPr lang="fr-FR" dirty="0"/>
-                    </a:p>
-                  </a:txBody>
-                  <a:tcPr/>
-                </a:tc>
-                <a:tc>
-                  <a:txBody>
-                    <a:bodyPr/>
-                    <a:lstStyle/>
-                    <a:p>
-                      <a:pPr marL="0" marR="0" lvl="0" indent="0" algn="l" defTabSz="914400" rtl="0" eaLnBrk="1" fontAlgn="auto" latinLnBrk="0" hangingPunct="1">
-                        <a:lnSpc>
-                          <a:spcPct val="100000"/>
-                        </a:lnSpc>
-                        <a:spcBef>
-                          <a:spcPts val="0"/>
-                        </a:spcBef>
-                        <a:spcAft>
-                          <a:spcPts val="0"/>
-                        </a:spcAft>
-                        <a:buClrTx/>
-                        <a:buSzTx/>
-                        <a:buFontTx/>
-                        <a:buNone/>
-                        <a:tabLst/>
-                        <a:defRPr/>
-                      </a:pPr>
-                      <a:r>
-                        <a:rPr lang="fr-FR" dirty="0"/>
-                        <a:t>CMD=PICTURE|&gt;</a:t>
-                      </a:r>
-                    </a:p>
-                  </a:txBody>
-                  <a:tcPr/>
-                </a:tc>
-                <a:extLst>
-                  <a:ext uri="{0D108BD9-81ED-4DB2-BD59-A6C34878D82A}">
-                    <a16:rowId xmlns:a16="http://schemas.microsoft.com/office/drawing/2014/main" val="4031062607"/>
-                  </a:ext>
-                </a:extLst>
-              </a:tr>
-              <a:tr h="389475">
-                <a:tc>
-                  <a:txBody>
-                    <a:bodyPr/>
-                    <a:lstStyle/>
-                    <a:p>
-                      <a:r>
-                        <a:rPr lang="fr-FR" dirty="0" err="1"/>
-                        <a:t>Get</a:t>
-                      </a:r>
-                      <a:r>
-                        <a:rPr lang="fr-FR" dirty="0"/>
-                        <a:t> infos</a:t>
-                      </a:r>
-                    </a:p>
-                  </a:txBody>
-                  <a:tcPr/>
-                </a:tc>
-                <a:tc>
-                  <a:txBody>
-                    <a:bodyPr/>
-                    <a:lstStyle/>
-                    <a:p>
-                      <a:pPr marL="0" marR="0" lvl="0" indent="0" algn="l" defTabSz="914400" rtl="0" eaLnBrk="1" fontAlgn="auto" latinLnBrk="0" hangingPunct="1">
-                        <a:lnSpc>
-                          <a:spcPct val="100000"/>
-                        </a:lnSpc>
-                        <a:spcBef>
-                          <a:spcPts val="0"/>
-                        </a:spcBef>
-                        <a:spcAft>
-                          <a:spcPts val="0"/>
-                        </a:spcAft>
-                        <a:buClrTx/>
-                        <a:buSzTx/>
-                        <a:buFontTx/>
-                        <a:buNone/>
-                        <a:tabLst/>
-                        <a:defRPr/>
-                      </a:pPr>
-                      <a:r>
-                        <a:rPr lang="fr-FR" dirty="0" err="1"/>
-                        <a:t>Get</a:t>
-                      </a:r>
-                      <a:r>
-                        <a:rPr lang="fr-FR" dirty="0"/>
-                        <a:t> infos and return </a:t>
-                      </a:r>
-                      <a:r>
-                        <a:rPr lang="fr-FR" dirty="0" err="1"/>
-                        <a:t>them</a:t>
-                      </a:r>
-                      <a:endParaRPr lang="fr-FR" dirty="0"/>
-                    </a:p>
-                  </a:txBody>
-                  <a:tcPr/>
-                </a:tc>
-                <a:tc>
-                  <a:txBody>
-                    <a:bodyPr/>
-                    <a:lstStyle/>
-                    <a:p>
-                      <a:pPr marL="0" marR="0" lvl="0" indent="0" algn="l" defTabSz="914400" rtl="0" eaLnBrk="1" fontAlgn="auto" latinLnBrk="0" hangingPunct="1">
-                        <a:lnSpc>
-                          <a:spcPct val="100000"/>
-                        </a:lnSpc>
-                        <a:spcBef>
-                          <a:spcPts val="0"/>
-                        </a:spcBef>
-                        <a:spcAft>
-                          <a:spcPts val="0"/>
-                        </a:spcAft>
-                        <a:buClrTx/>
-                        <a:buSzTx/>
-                        <a:buFontTx/>
-                        <a:buNone/>
-                        <a:tabLst/>
-                        <a:defRPr/>
-                      </a:pPr>
-                      <a:r>
-                        <a:rPr lang="fr-FR" dirty="0"/>
-                        <a:t>CMD=GET_INFOS|&gt;</a:t>
-                      </a:r>
-                    </a:p>
-                  </a:txBody>
-                  <a:tcPr/>
-                </a:tc>
-                <a:extLst>
-                  <a:ext uri="{0D108BD9-81ED-4DB2-BD59-A6C34878D82A}">
-                    <a16:rowId xmlns:a16="http://schemas.microsoft.com/office/drawing/2014/main" val="3810878265"/>
-                  </a:ext>
-                </a:extLst>
-              </a:tr>
-              <a:tr h="1035379">
-                <a:tc>
-                  <a:txBody>
-                    <a:bodyPr/>
-                    <a:lstStyle/>
-                    <a:p>
-                      <a:pPr marL="0" marR="0" indent="0" algn="l" defTabSz="914400" rtl="0" eaLnBrk="1" fontAlgn="auto" latinLnBrk="0" hangingPunct="1">
-                        <a:lnSpc>
-                          <a:spcPct val="100000"/>
-                        </a:lnSpc>
-                        <a:spcBef>
-                          <a:spcPts val="0"/>
-                        </a:spcBef>
-                        <a:spcAft>
-                          <a:spcPts val="0"/>
-                        </a:spcAft>
-                        <a:buClrTx/>
-                        <a:buSzTx/>
-                        <a:buFontTx/>
-                        <a:buNone/>
-                        <a:tabLst/>
-                        <a:defRPr/>
-                      </a:pPr>
-                      <a:r>
-                        <a:rPr lang="fr-FR" dirty="0"/>
-                        <a:t>PI Communication mode</a:t>
-                      </a:r>
-                    </a:p>
-                    <a:p>
-                      <a:endParaRPr lang="fr-FR" dirty="0"/>
-                    </a:p>
-                  </a:txBody>
-                  <a:tcPr/>
-                </a:tc>
-                <a:tc>
-                  <a:txBody>
-                    <a:bodyPr/>
-                    <a:lstStyle/>
-                    <a:p>
-                      <a:pPr marL="0" marR="0" lvl="0" indent="0" algn="l" defTabSz="914400" rtl="0" eaLnBrk="1" fontAlgn="auto" latinLnBrk="0" hangingPunct="1">
-                        <a:lnSpc>
-                          <a:spcPct val="100000"/>
-                        </a:lnSpc>
-                        <a:spcBef>
-                          <a:spcPts val="0"/>
-                        </a:spcBef>
-                        <a:spcAft>
-                          <a:spcPts val="0"/>
-                        </a:spcAft>
-                        <a:buClrTx/>
-                        <a:buSzTx/>
-                        <a:buFontTx/>
-                        <a:buNone/>
-                        <a:tabLst/>
-                        <a:defRPr/>
-                      </a:pPr>
-                      <a:r>
-                        <a:rPr lang="fr-FR" dirty="0" err="1"/>
-                        <a:t>Define</a:t>
-                      </a:r>
-                      <a:r>
-                        <a:rPr lang="fr-FR" dirty="0"/>
-                        <a:t> the communication mode </a:t>
-                      </a:r>
-                      <a:r>
-                        <a:rPr lang="fr-FR" dirty="0" err="1"/>
-                        <a:t>between</a:t>
-                      </a:r>
-                      <a:r>
-                        <a:rPr lang="fr-FR" dirty="0"/>
-                        <a:t> the Robot and the </a:t>
-                      </a:r>
-                      <a:r>
-                        <a:rPr lang="fr-FR" dirty="0" err="1"/>
-                        <a:t>Raspberry</a:t>
-                      </a:r>
-                      <a:r>
-                        <a:rPr lang="fr-FR" dirty="0"/>
-                        <a:t> PI: </a:t>
-                      </a:r>
-                      <a:r>
-                        <a:rPr lang="fr-FR" dirty="0" err="1"/>
-                        <a:t>Alert</a:t>
-                      </a:r>
-                      <a:r>
-                        <a:rPr lang="fr-FR" dirty="0"/>
-                        <a:t> and Infos </a:t>
-                      </a:r>
-                      <a:r>
-                        <a:rPr lang="fr-FR" dirty="0" err="1"/>
-                        <a:t>every</a:t>
-                      </a:r>
-                      <a:r>
-                        <a:rPr lang="fr-FR" dirty="0"/>
-                        <a:t> 300 seconds</a:t>
-                      </a:r>
-                    </a:p>
-                  </a:txBody>
-                  <a:tcPr/>
-                </a:tc>
-                <a:tc>
-                  <a:txBody>
-                    <a:bodyPr/>
-                    <a:lstStyle/>
-                    <a:p>
-                      <a:pPr marL="0" marR="0" lvl="0" indent="0" algn="l" defTabSz="914400" rtl="0" eaLnBrk="1" fontAlgn="auto" latinLnBrk="0" hangingPunct="1">
-                        <a:lnSpc>
-                          <a:spcPct val="100000"/>
-                        </a:lnSpc>
-                        <a:spcBef>
-                          <a:spcPts val="0"/>
-                        </a:spcBef>
-                        <a:spcAft>
-                          <a:spcPts val="0"/>
-                        </a:spcAft>
-                        <a:buClrTx/>
-                        <a:buSzTx/>
-                        <a:buFontTx/>
-                        <a:buNone/>
-                        <a:tabLst/>
-                        <a:defRPr/>
-                      </a:pPr>
-                      <a:r>
-                        <a:rPr lang="fr-FR" dirty="0"/>
-                        <a:t>CMD=PI|P=2|300|&gt;</a:t>
-                      </a:r>
-                    </a:p>
-                    <a:p>
-                      <a:endParaRPr lang="fr-FR" dirty="0"/>
-                    </a:p>
-                  </a:txBody>
-                  <a:tcPr/>
-                </a:tc>
-                <a:extLst>
-                  <a:ext uri="{0D108BD9-81ED-4DB2-BD59-A6C34878D82A}">
-                    <a16:rowId xmlns:a16="http://schemas.microsoft.com/office/drawing/2014/main" val="10008"/>
-                  </a:ext>
-                </a:extLst>
-              </a:tr>
-              <a:tr h="389475">
-                <a:tc>
-                  <a:txBody>
-                    <a:bodyPr/>
-                    <a:lstStyle/>
-                    <a:p>
-                      <a:r>
-                        <a:rPr lang="fr-FR" dirty="0"/>
-                        <a:t>Move </a:t>
-                      </a:r>
-                      <a:r>
-                        <a:rPr lang="fr-FR" dirty="0" err="1"/>
-                        <a:t>Tilt&amp;Pan</a:t>
-                      </a:r>
-                      <a:endParaRPr lang="fr-FR" dirty="0"/>
-                    </a:p>
-                  </a:txBody>
-                  <a:tcPr/>
-                </a:tc>
-                <a:tc>
-                  <a:txBody>
-                    <a:bodyPr/>
-                    <a:lstStyle/>
-                    <a:p>
-                      <a:r>
-                        <a:rPr lang="fr-FR" dirty="0"/>
-                        <a:t>Move </a:t>
-                      </a:r>
-                      <a:r>
-                        <a:rPr lang="fr-FR" dirty="0" err="1"/>
-                        <a:t>Tilt&amp;Pan</a:t>
-                      </a:r>
-                      <a:r>
-                        <a:rPr lang="fr-FR" dirty="0"/>
-                        <a:t> </a:t>
-                      </a:r>
-                      <a:r>
-                        <a:rPr lang="fr-FR" dirty="0" err="1"/>
-                        <a:t>Horizontaly</a:t>
-                      </a:r>
-                      <a:r>
-                        <a:rPr lang="fr-FR" dirty="0"/>
-                        <a:t> and </a:t>
-                      </a:r>
-                      <a:r>
-                        <a:rPr lang="fr-FR" dirty="0" err="1"/>
-                        <a:t>Verticaly</a:t>
-                      </a:r>
-                      <a:endParaRPr lang="fr-FR" dirty="0"/>
-                    </a:p>
-                  </a:txBody>
-                  <a:tcPr/>
-                </a:tc>
-                <a:tc>
-                  <a:txBody>
-                    <a:bodyPr/>
-                    <a:lstStyle/>
-                    <a:p>
-                      <a:pPr marL="0" marR="0" lvl="0" indent="0" algn="l" defTabSz="914400" rtl="0" eaLnBrk="1" fontAlgn="auto" latinLnBrk="0" hangingPunct="1">
-                        <a:lnSpc>
-                          <a:spcPct val="100000"/>
-                        </a:lnSpc>
-                        <a:spcBef>
-                          <a:spcPts val="0"/>
-                        </a:spcBef>
-                        <a:spcAft>
-                          <a:spcPts val="0"/>
-                        </a:spcAft>
-                        <a:buClrTx/>
-                        <a:buSzTx/>
-                        <a:buFontTx/>
-                        <a:buNone/>
-                        <a:tabLst/>
-                        <a:defRPr/>
-                      </a:pPr>
-                      <a:r>
-                        <a:rPr lang="fr-FR" dirty="0"/>
-                        <a:t>CMD=M|P=</a:t>
-                      </a:r>
-                      <a:r>
-                        <a:rPr lang="fr-FR" dirty="0" err="1"/>
-                        <a:t>x|y</a:t>
-                      </a:r>
-                      <a:r>
-                        <a:rPr lang="fr-FR" dirty="0"/>
-                        <a:t>|&gt;</a:t>
-                      </a:r>
-                    </a:p>
-                  </a:txBody>
-                  <a:tcPr/>
-                </a:tc>
-                <a:extLst>
-                  <a:ext uri="{0D108BD9-81ED-4DB2-BD59-A6C34878D82A}">
-                    <a16:rowId xmlns:a16="http://schemas.microsoft.com/office/drawing/2014/main" val="3452581991"/>
-                  </a:ext>
-                </a:extLst>
-              </a:tr>
-              <a:tr h="389475">
-                <a:tc>
-                  <a:txBody>
-                    <a:bodyPr/>
-                    <a:lstStyle/>
-                    <a:p>
-                      <a:r>
-                        <a:rPr lang="fr-FR" dirty="0"/>
-                        <a:t>Test</a:t>
-                      </a:r>
-                    </a:p>
-                  </a:txBody>
-                  <a:tcPr/>
-                </a:tc>
-                <a:tc>
-                  <a:txBody>
-                    <a:bodyPr/>
-                    <a:lstStyle/>
-                    <a:p>
-                      <a:r>
-                        <a:rPr lang="fr-FR" dirty="0" err="1"/>
-                        <a:t>Send</a:t>
-                      </a:r>
-                      <a:r>
-                        <a:rPr lang="fr-FR" dirty="0"/>
-                        <a:t> a test command and check the feedback</a:t>
-                      </a:r>
-                    </a:p>
-                  </a:txBody>
-                  <a:tcPr/>
-                </a:tc>
-                <a:tc>
-                  <a:txBody>
-                    <a:bodyPr/>
-                    <a:lstStyle/>
-                    <a:p>
-                      <a:pPr marL="0" marR="0" lvl="0" indent="0" algn="l" defTabSz="914400" rtl="0" eaLnBrk="1" fontAlgn="auto" latinLnBrk="0" hangingPunct="1">
-                        <a:lnSpc>
-                          <a:spcPct val="100000"/>
-                        </a:lnSpc>
-                        <a:spcBef>
-                          <a:spcPts val="0"/>
-                        </a:spcBef>
-                        <a:spcAft>
-                          <a:spcPts val="0"/>
-                        </a:spcAft>
-                        <a:buClrTx/>
-                        <a:buSzTx/>
-                        <a:buFontTx/>
-                        <a:buNone/>
-                        <a:tabLst/>
-                        <a:defRPr/>
-                      </a:pPr>
-                      <a:r>
-                        <a:rPr lang="fr-FR" dirty="0"/>
-                        <a:t>CMD=T|P=2|1|0|3|4|&gt;</a:t>
-                      </a:r>
-                    </a:p>
-                  </a:txBody>
-                  <a:tcPr/>
-                </a:tc>
-                <a:extLst>
-                  <a:ext uri="{0D108BD9-81ED-4DB2-BD59-A6C34878D82A}">
-                    <a16:rowId xmlns:a16="http://schemas.microsoft.com/office/drawing/2014/main" val="10010"/>
-                  </a:ext>
-                </a:extLst>
-              </a:tr>
-            </a:tbl>
-          </a:graphicData>
-        </a:graphic>
-      </p:graphicFrame>
-    </p:spTree>
-    <p:extLst>
-      <p:ext uri="{BB962C8B-B14F-4D97-AF65-F5344CB8AC3E}">
-        <p14:creationId xmlns:p14="http://schemas.microsoft.com/office/powerpoint/2010/main" val="2985186838"/>
-      </p:ext>
-    </p:extLst>
-  </p:cSld>
-  <p:clrMapOvr>
-    <a:masterClrMapping/>
-  </p:clrMapOvr>
-</p:sld>
-</file>
-
-<file path=ppt/slides/slide7.xml><?xml version="1.0" encoding="utf-8"?>
-<p:sld xmlns:a="http://schemas.openxmlformats.org/drawingml/2006/main" xmlns:r="http://schemas.openxmlformats.org/officeDocument/2006/relationships" xmlns:p="http://schemas.openxmlformats.org/presentationml/2006/main">
-  <p:cSld>
-    <p:spTree>
-      <p:nvGrpSpPr>
-        <p:cNvPr id="1" name=""/>
-        <p:cNvGrpSpPr/>
-        <p:nvPr/>
-      </p:nvGrpSpPr>
-      <p:grpSpPr>
-        <a:xfrm>
-          <a:off x="0" y="0"/>
-          <a:ext cx="0" cy="0"/>
-          <a:chOff x="0" y="0"/>
-          <a:chExt cx="0" cy="0"/>
-        </a:xfrm>
-      </p:grpSpPr>
-      <p:sp>
-        <p:nvSpPr>
-          <p:cNvPr id="2" name="Titre 1">
-            <a:extLst>
-              <a:ext uri="{FF2B5EF4-FFF2-40B4-BE49-F238E27FC236}">
-                <a16:creationId xmlns:a16="http://schemas.microsoft.com/office/drawing/2014/main" id="{8DDCDBDF-D8CC-44B1-A599-F6FD2A53CCC8}"/>
-              </a:ext>
-            </a:extLst>
-          </p:cNvPr>
-          <p:cNvSpPr>
-            <a:spLocks noGrp="1"/>
-          </p:cNvSpPr>
-          <p:nvPr>
-            <p:ph type="title"/>
-          </p:nvPr>
-        </p:nvSpPr>
-        <p:spPr>
-          <a:xfrm>
-            <a:off x="723900" y="190500"/>
-            <a:ext cx="10515600" cy="750888"/>
-          </a:xfrm>
-        </p:spPr>
-        <p:txBody>
-          <a:bodyPr/>
-          <a:lstStyle/>
-          <a:p>
-            <a:r>
-              <a:rPr lang="en-US" dirty="0"/>
-              <a:t>WIFI Commands</a:t>
-            </a:r>
-          </a:p>
-        </p:txBody>
-      </p:sp>
-      <p:graphicFrame>
-        <p:nvGraphicFramePr>
-          <p:cNvPr id="4" name="Espace réservé du contenu 3">
-            <a:extLst>
-              <a:ext uri="{FF2B5EF4-FFF2-40B4-BE49-F238E27FC236}">
-                <a16:creationId xmlns:a16="http://schemas.microsoft.com/office/drawing/2014/main" id="{003D9151-9798-4FFF-84EB-CA24DBFE390D}"/>
-              </a:ext>
-            </a:extLst>
-          </p:cNvPr>
-          <p:cNvGraphicFramePr>
-            <a:graphicFrameLocks noGrp="1"/>
-          </p:cNvGraphicFramePr>
-          <p:nvPr>
-            <p:ph idx="1"/>
-            <p:extLst>
-              <p:ext uri="{D42A27DB-BD31-4B8C-83A1-F6EECF244321}">
-                <p14:modId xmlns:p14="http://schemas.microsoft.com/office/powerpoint/2010/main" val="1120469735"/>
-              </p:ext>
-            </p:extLst>
-          </p:nvPr>
-        </p:nvGraphicFramePr>
-        <p:xfrm>
-          <a:off x="723901" y="829734"/>
-          <a:ext cx="10515599" cy="5936810"/>
-        </p:xfrm>
-        <a:graphic>
-          <a:graphicData uri="http://schemas.openxmlformats.org/drawingml/2006/table">
-            <a:tbl>
-              <a:tblPr firstRow="1" bandRow="1">
-                <a:tableStyleId>{5C22544A-7EE6-4342-B048-85BDC9FD1C3A}</a:tableStyleId>
-              </a:tblPr>
-              <a:tblGrid>
-                <a:gridCol w="1885951">
-                  <a:extLst>
-                    <a:ext uri="{9D8B030D-6E8A-4147-A177-3AD203B41FA5}">
-                      <a16:colId xmlns:a16="http://schemas.microsoft.com/office/drawing/2014/main" val="141237979"/>
-                    </a:ext>
-                  </a:extLst>
-                </a:gridCol>
-                <a:gridCol w="8246413">
-                  <a:extLst>
-                    <a:ext uri="{9D8B030D-6E8A-4147-A177-3AD203B41FA5}">
-                      <a16:colId xmlns:a16="http://schemas.microsoft.com/office/drawing/2014/main" val="2232030455"/>
-                    </a:ext>
-                  </a:extLst>
-                </a:gridCol>
-                <a:gridCol w="383235">
-                  <a:extLst>
-                    <a:ext uri="{9D8B030D-6E8A-4147-A177-3AD203B41FA5}">
-                      <a16:colId xmlns:a16="http://schemas.microsoft.com/office/drawing/2014/main" val="3592764086"/>
-                    </a:ext>
-                  </a:extLst>
-                </a:gridCol>
-              </a:tblGrid>
-              <a:tr h="389475">
-                <a:tc>
-                  <a:txBody>
-                    <a:bodyPr/>
-                    <a:lstStyle/>
-                    <a:p>
-                      <a:r>
-                        <a:rPr lang="fr-FR" dirty="0"/>
-                        <a:t>Commande</a:t>
-                      </a:r>
-                    </a:p>
-                  </a:txBody>
-                  <a:tcPr/>
-                </a:tc>
-                <a:tc>
-                  <a:txBody>
-                    <a:bodyPr/>
-                    <a:lstStyle/>
-                    <a:p>
-                      <a:r>
-                        <a:rPr lang="fr-FR" dirty="0" err="1"/>
-                        <a:t>Purpose</a:t>
-                      </a:r>
-                      <a:endParaRPr lang="fr-FR" dirty="0"/>
-                    </a:p>
-                  </a:txBody>
-                  <a:tcPr/>
-                </a:tc>
-                <a:tc>
-                  <a:txBody>
-                    <a:bodyPr/>
-                    <a:lstStyle/>
-                    <a:p>
-                      <a:endParaRPr lang="fr-FR" dirty="0"/>
-                    </a:p>
-                  </a:txBody>
-                  <a:tcPr/>
-                </a:tc>
-                <a:extLst>
-                  <a:ext uri="{0D108BD9-81ED-4DB2-BD59-A6C34878D82A}">
-                    <a16:rowId xmlns:a16="http://schemas.microsoft.com/office/drawing/2014/main" val="3930063906"/>
-                  </a:ext>
-                </a:extLst>
-              </a:tr>
-              <a:tr h="672245">
-                <a:tc>
-                  <a:txBody>
-                    <a:bodyPr/>
-                    <a:lstStyle/>
-                    <a:p>
-                      <a:r>
-                        <a:rPr lang="fr-FR" dirty="0"/>
-                        <a:t>Test IOT</a:t>
-                      </a:r>
-                    </a:p>
-                  </a:txBody>
-                  <a:tcPr/>
-                </a:tc>
-                <a:tc>
-                  <a:txBody>
-                    <a:bodyPr/>
-                    <a:lstStyle/>
-                    <a:p>
-                      <a:r>
-                        <a:rPr lang="fr-FR" dirty="0" err="1"/>
-                        <a:t>Send</a:t>
-                      </a:r>
-                      <a:r>
-                        <a:rPr lang="fr-FR" dirty="0"/>
-                        <a:t> a test command and check the feedback</a:t>
-                      </a:r>
-                    </a:p>
-                  </a:txBody>
-                  <a:tcPr/>
-                </a:tc>
-                <a:tc>
-                  <a:txBody>
-                    <a:bodyPr/>
-                    <a:lstStyle/>
-                    <a:p>
-                      <a:pPr marL="285750" marR="0" lvl="0" indent="-285750" algn="l" defTabSz="914400" rtl="0" eaLnBrk="1" fontAlgn="auto" latinLnBrk="0" hangingPunct="1">
-                        <a:lnSpc>
-                          <a:spcPct val="100000"/>
-                        </a:lnSpc>
-                        <a:spcBef>
-                          <a:spcPts val="0"/>
-                        </a:spcBef>
-                        <a:spcAft>
-                          <a:spcPts val="0"/>
-                        </a:spcAft>
-                        <a:buClrTx/>
-                        <a:buSzTx/>
-                        <a:buFont typeface="Wingdings" panose="05000000000000000000" pitchFamily="2" charset="2"/>
-                        <a:buChar char="ü"/>
-                        <a:tabLst/>
-                        <a:defRPr/>
-                      </a:pPr>
-                      <a:r>
-                        <a:rPr kumimoji="0" lang="en-US" sz="1800" b="0" i="0" u="none" strike="noStrike" kern="1200" cap="none" spc="0" normalizeH="0" baseline="0" noProof="0" dirty="0">
-                          <a:ln>
-                            <a:noFill/>
-                          </a:ln>
-                          <a:solidFill>
-                            <a:srgbClr val="00B050"/>
-                          </a:solidFill>
-                          <a:effectLst/>
-                          <a:uLnTx/>
-                          <a:uFillTx/>
-                          <a:latin typeface="+mn-lt"/>
-                          <a:ea typeface="+mn-ea"/>
-                          <a:cs typeface="+mn-cs"/>
-                        </a:rPr>
-                        <a:t> </a:t>
-                      </a:r>
-                    </a:p>
-                    <a:p>
-                      <a:pPr marL="285750" marR="0" lvl="0" indent="-285750" algn="l" defTabSz="914400" rtl="0" eaLnBrk="1" fontAlgn="auto" latinLnBrk="0" hangingPunct="1">
-                        <a:lnSpc>
-                          <a:spcPct val="100000"/>
-                        </a:lnSpc>
-                        <a:spcBef>
-                          <a:spcPts val="0"/>
-                        </a:spcBef>
-                        <a:spcAft>
-                          <a:spcPts val="0"/>
-                        </a:spcAft>
-                        <a:buClrTx/>
-                        <a:buSzTx/>
-                        <a:buFont typeface="Wingdings" panose="05000000000000000000" pitchFamily="2" charset="2"/>
-                        <a:buChar char="ü"/>
-                        <a:tabLst/>
-                        <a:defRPr/>
-                      </a:pPr>
-                      <a:endParaRPr kumimoji="0" lang="en-US" sz="1800" b="0" i="0" u="none" strike="noStrike" kern="1200" cap="none" spc="0" normalizeH="0" baseline="0" noProof="0" dirty="0">
-                        <a:ln>
-                          <a:noFill/>
-                        </a:ln>
-                        <a:solidFill>
-                          <a:srgbClr val="00B050"/>
-                        </a:solidFill>
-                        <a:effectLst/>
-                        <a:uLnTx/>
-                        <a:uFillTx/>
-                        <a:latin typeface="Calibri" panose="020F0502020204030204"/>
-                        <a:ea typeface="+mn-ea"/>
-                        <a:cs typeface="+mn-cs"/>
-                      </a:endParaRPr>
-                    </a:p>
-                  </a:txBody>
-                  <a:tcPr/>
-                </a:tc>
-                <a:extLst>
-                  <a:ext uri="{0D108BD9-81ED-4DB2-BD59-A6C34878D82A}">
-                    <a16:rowId xmlns:a16="http://schemas.microsoft.com/office/drawing/2014/main" val="3459295351"/>
-                  </a:ext>
-                </a:extLst>
-              </a:tr>
-              <a:tr h="672245">
-                <a:tc>
-                  <a:txBody>
-                    <a:bodyPr/>
-                    <a:lstStyle/>
-                    <a:p>
-                      <a:r>
-                        <a:rPr lang="fr-FR" dirty="0"/>
-                        <a:t>Check </a:t>
-                      </a:r>
-                      <a:r>
-                        <a:rPr lang="fr-FR" dirty="0" err="1"/>
-                        <a:t>every</a:t>
-                      </a:r>
-                      <a:r>
-                        <a:rPr lang="fr-FR" dirty="0"/>
-                        <a:t> n sec</a:t>
-                      </a:r>
-                    </a:p>
-                  </a:txBody>
-                  <a:tcPr/>
-                </a:tc>
-                <a:tc>
-                  <a:txBody>
-                    <a:bodyPr/>
-                    <a:lstStyle/>
-                    <a:p>
-                      <a:pPr marL="0" marR="0" lvl="0" indent="0" algn="l" defTabSz="914400" rtl="0" eaLnBrk="1" fontAlgn="auto" latinLnBrk="0" hangingPunct="1">
-                        <a:lnSpc>
-                          <a:spcPct val="100000"/>
-                        </a:lnSpc>
-                        <a:spcBef>
-                          <a:spcPts val="0"/>
-                        </a:spcBef>
-                        <a:spcAft>
-                          <a:spcPts val="0"/>
-                        </a:spcAft>
-                        <a:buClrTx/>
-                        <a:buSzTx/>
-                        <a:buFontTx/>
-                        <a:buNone/>
-                        <a:tabLst/>
-                        <a:defRPr/>
-                      </a:pPr>
-                      <a:r>
-                        <a:rPr lang="fr-FR" dirty="0"/>
-                        <a:t>Check </a:t>
-                      </a:r>
-                      <a:r>
-                        <a:rPr lang="fr-FR" dirty="0" err="1"/>
-                        <a:t>every</a:t>
-                      </a:r>
-                      <a:r>
-                        <a:rPr lang="fr-FR" dirty="0"/>
-                        <a:t> n seconds</a:t>
-                      </a:r>
-                    </a:p>
-                  </a:txBody>
-                  <a:tcPr/>
-                </a:tc>
-                <a:tc>
-                  <a:txBody>
-                    <a:bodyPr/>
-                    <a:lstStyle/>
-                    <a:p>
-                      <a:pPr marL="285750" marR="0" lvl="0" indent="-285750" algn="l" defTabSz="914400" rtl="0" eaLnBrk="1" fontAlgn="auto" latinLnBrk="0" hangingPunct="1">
-                        <a:lnSpc>
-                          <a:spcPct val="100000"/>
-                        </a:lnSpc>
-                        <a:spcBef>
-                          <a:spcPts val="0"/>
-                        </a:spcBef>
-                        <a:spcAft>
-                          <a:spcPts val="0"/>
-                        </a:spcAft>
-                        <a:buClrTx/>
-                        <a:buSzTx/>
-                        <a:buFont typeface="Wingdings" panose="05000000000000000000" pitchFamily="2" charset="2"/>
-                        <a:buChar char="ü"/>
-                        <a:tabLst/>
-                        <a:defRPr/>
-                      </a:pPr>
-                      <a:r>
-                        <a:rPr kumimoji="0" lang="en-US" sz="1800" b="0" i="0" u="none" strike="noStrike" kern="1200" cap="none" spc="0" normalizeH="0" baseline="0" noProof="0" dirty="0">
-                          <a:ln>
-                            <a:noFill/>
-                          </a:ln>
-                          <a:solidFill>
-                            <a:srgbClr val="00B050"/>
-                          </a:solidFill>
-                          <a:effectLst/>
-                          <a:uLnTx/>
-                          <a:uFillTx/>
-                          <a:latin typeface="+mn-lt"/>
-                          <a:ea typeface="+mn-ea"/>
-                          <a:cs typeface="+mn-cs"/>
-                        </a:rPr>
-                        <a:t> </a:t>
-                      </a:r>
-                    </a:p>
-                  </a:txBody>
-                  <a:tcPr/>
-                </a:tc>
-                <a:extLst>
-                  <a:ext uri="{0D108BD9-81ED-4DB2-BD59-A6C34878D82A}">
-                    <a16:rowId xmlns:a16="http://schemas.microsoft.com/office/drawing/2014/main" val="11531206"/>
-                  </a:ext>
-                </a:extLst>
-              </a:tr>
-              <a:tr h="672245">
-                <a:tc>
-                  <a:txBody>
-                    <a:bodyPr/>
-                    <a:lstStyle/>
-                    <a:p>
-                      <a:r>
-                        <a:rPr lang="fr-FR" dirty="0"/>
-                        <a:t>Stop</a:t>
-                      </a:r>
-                    </a:p>
-                  </a:txBody>
-                  <a:tcPr/>
-                </a:tc>
-                <a:tc>
-                  <a:txBody>
-                    <a:bodyPr/>
-                    <a:lstStyle/>
-                    <a:p>
-                      <a:pPr marL="0" marR="0" lvl="0" indent="0" algn="l" defTabSz="914400" rtl="0" eaLnBrk="1" fontAlgn="auto" latinLnBrk="0" hangingPunct="1">
-                        <a:lnSpc>
-                          <a:spcPct val="100000"/>
-                        </a:lnSpc>
-                        <a:spcBef>
-                          <a:spcPts val="0"/>
-                        </a:spcBef>
-                        <a:spcAft>
-                          <a:spcPts val="0"/>
-                        </a:spcAft>
-                        <a:buClrTx/>
-                        <a:buSzTx/>
-                        <a:buFontTx/>
-                        <a:buNone/>
-                        <a:tabLst/>
-                        <a:defRPr/>
-                      </a:pPr>
-                      <a:r>
-                        <a:rPr lang="fr-FR" dirty="0"/>
-                        <a:t>Stop</a:t>
-                      </a:r>
-                    </a:p>
-                  </a:txBody>
-                  <a:tcPr/>
-                </a:tc>
-                <a:tc>
-                  <a:txBody>
-                    <a:bodyPr/>
-                    <a:lstStyle/>
-                    <a:p>
-                      <a:pPr marL="285750" marR="0" lvl="0" indent="-285750" algn="l" defTabSz="914400" rtl="0" eaLnBrk="1" fontAlgn="auto" latinLnBrk="0" hangingPunct="1">
-                        <a:lnSpc>
-                          <a:spcPct val="100000"/>
-                        </a:lnSpc>
-                        <a:spcBef>
-                          <a:spcPts val="0"/>
-                        </a:spcBef>
-                        <a:spcAft>
-                          <a:spcPts val="0"/>
-                        </a:spcAft>
-                        <a:buClrTx/>
-                        <a:buSzTx/>
-                        <a:buFont typeface="Wingdings" panose="05000000000000000000" pitchFamily="2" charset="2"/>
-                        <a:buChar char="ü"/>
-                        <a:tabLst/>
-                        <a:defRPr/>
-                      </a:pPr>
-                      <a:r>
-                        <a:rPr kumimoji="0" lang="en-US" sz="1800" b="0" i="0" u="none" strike="noStrike" kern="1200" cap="none" spc="0" normalizeH="0" baseline="0" noProof="0" dirty="0">
-                          <a:ln>
-                            <a:noFill/>
-                          </a:ln>
-                          <a:solidFill>
-                            <a:srgbClr val="00B050"/>
-                          </a:solidFill>
-                          <a:effectLst/>
-                          <a:uLnTx/>
-                          <a:uFillTx/>
-                          <a:latin typeface="+mn-lt"/>
-                          <a:ea typeface="+mn-ea"/>
-                          <a:cs typeface="+mn-cs"/>
-                        </a:rPr>
-                        <a:t> </a:t>
-                      </a:r>
-                    </a:p>
-                    <a:p>
-                      <a:pPr marL="285750" marR="0" lvl="0" indent="-285750" algn="l" defTabSz="914400" rtl="0" eaLnBrk="1" fontAlgn="auto" latinLnBrk="0" hangingPunct="1">
-                        <a:lnSpc>
-                          <a:spcPct val="100000"/>
-                        </a:lnSpc>
-                        <a:spcBef>
-                          <a:spcPts val="0"/>
-                        </a:spcBef>
-                        <a:spcAft>
-                          <a:spcPts val="0"/>
-                        </a:spcAft>
-                        <a:buClrTx/>
-                        <a:buSzTx/>
-                        <a:buFont typeface="Wingdings" panose="05000000000000000000" pitchFamily="2" charset="2"/>
-                        <a:buChar char="ü"/>
-                        <a:tabLst/>
-                        <a:defRPr/>
-                      </a:pPr>
-                      <a:endParaRPr kumimoji="0" lang="en-US" sz="1800" b="0" i="0" u="none" strike="noStrike" kern="1200" cap="none" spc="0" normalizeH="0" baseline="0" noProof="0" dirty="0">
-                        <a:ln>
-                          <a:noFill/>
-                        </a:ln>
-                        <a:solidFill>
-                          <a:srgbClr val="00B050"/>
-                        </a:solidFill>
-                        <a:effectLst/>
-                        <a:uLnTx/>
-                        <a:uFillTx/>
-                        <a:latin typeface="+mn-lt"/>
-                        <a:ea typeface="+mn-ea"/>
-                        <a:cs typeface="+mn-cs"/>
-                      </a:endParaRPr>
-                    </a:p>
-                  </a:txBody>
-                  <a:tcPr/>
-                </a:tc>
-                <a:extLst>
-                  <a:ext uri="{0D108BD9-81ED-4DB2-BD59-A6C34878D82A}">
-                    <a16:rowId xmlns:a16="http://schemas.microsoft.com/office/drawing/2014/main" val="1140387248"/>
-                  </a:ext>
-                </a:extLst>
-              </a:tr>
-              <a:tr h="672245">
-                <a:tc>
-                  <a:txBody>
-                    <a:bodyPr/>
-                    <a:lstStyle/>
-                    <a:p>
-                      <a:r>
-                        <a:rPr lang="fr-FR" dirty="0"/>
-                        <a:t>Picture</a:t>
-                      </a:r>
-                    </a:p>
-                  </a:txBody>
-                  <a:tcPr/>
-                </a:tc>
-                <a:tc>
-                  <a:txBody>
-                    <a:bodyPr/>
-                    <a:lstStyle/>
-                    <a:p>
-                      <a:pPr marL="0" marR="0" lvl="0" indent="0" algn="l" defTabSz="914400" rtl="0" eaLnBrk="1" fontAlgn="auto" latinLnBrk="0" hangingPunct="1">
-                        <a:lnSpc>
-                          <a:spcPct val="100000"/>
-                        </a:lnSpc>
-                        <a:spcBef>
-                          <a:spcPts val="0"/>
-                        </a:spcBef>
-                        <a:spcAft>
-                          <a:spcPts val="0"/>
-                        </a:spcAft>
-                        <a:buClrTx/>
-                        <a:buSzTx/>
-                        <a:buFontTx/>
-                        <a:buNone/>
-                        <a:tabLst/>
-                        <a:defRPr/>
-                      </a:pPr>
-                      <a:r>
-                        <a:rPr lang="fr-FR" dirty="0" err="1"/>
-                        <a:t>Make</a:t>
-                      </a:r>
-                      <a:r>
-                        <a:rPr lang="fr-FR" dirty="0"/>
-                        <a:t> </a:t>
-                      </a:r>
-                      <a:r>
-                        <a:rPr lang="fr-FR" dirty="0" err="1"/>
-                        <a:t>picture</a:t>
-                      </a:r>
-                      <a:r>
-                        <a:rPr lang="fr-FR" dirty="0"/>
-                        <a:t> and return the </a:t>
-                      </a:r>
-                      <a:r>
-                        <a:rPr lang="fr-FR" dirty="0" err="1"/>
-                        <a:t>picture</a:t>
-                      </a:r>
-                      <a:r>
-                        <a:rPr lang="fr-FR" dirty="0"/>
-                        <a:t> </a:t>
-                      </a:r>
-                      <a:r>
-                        <a:rPr lang="fr-FR" dirty="0" err="1"/>
-                        <a:t>number</a:t>
-                      </a:r>
-                      <a:endParaRPr lang="fr-FR" dirty="0"/>
-                    </a:p>
-                  </a:txBody>
-                  <a:tcPr/>
-                </a:tc>
-                <a:tc>
-                  <a:txBody>
-                    <a:bodyPr/>
-                    <a:lstStyle/>
-                    <a:p>
-                      <a:pPr marL="285750" marR="0" lvl="0" indent="-285750" algn="l" defTabSz="914400" rtl="0" eaLnBrk="1" fontAlgn="auto" latinLnBrk="0" hangingPunct="1">
-                        <a:lnSpc>
-                          <a:spcPct val="100000"/>
-                        </a:lnSpc>
-                        <a:spcBef>
-                          <a:spcPts val="0"/>
-                        </a:spcBef>
-                        <a:spcAft>
-                          <a:spcPts val="0"/>
-                        </a:spcAft>
-                        <a:buClrTx/>
-                        <a:buSzTx/>
-                        <a:buFont typeface="Wingdings" panose="05000000000000000000" pitchFamily="2" charset="2"/>
-                        <a:buChar char="ü"/>
-                        <a:tabLst/>
-                        <a:defRPr/>
-                      </a:pPr>
-                      <a:r>
-                        <a:rPr kumimoji="0" lang="en-US" sz="1800" b="0" i="0" u="none" strike="noStrike" kern="1200" cap="none" spc="0" normalizeH="0" baseline="0" noProof="0" dirty="0">
-                          <a:ln>
-                            <a:noFill/>
-                          </a:ln>
-                          <a:solidFill>
-                            <a:srgbClr val="00B050"/>
-                          </a:solidFill>
-                          <a:effectLst/>
-                          <a:uLnTx/>
-                          <a:uFillTx/>
-                          <a:latin typeface="+mn-lt"/>
-                          <a:ea typeface="+mn-ea"/>
-                          <a:cs typeface="+mn-cs"/>
-                        </a:rPr>
-                        <a:t> </a:t>
-                      </a:r>
-                    </a:p>
-                    <a:p>
-                      <a:pPr marL="285750" marR="0" lvl="0" indent="-285750" algn="l" defTabSz="914400" rtl="0" eaLnBrk="1" fontAlgn="auto" latinLnBrk="0" hangingPunct="1">
-                        <a:lnSpc>
-                          <a:spcPct val="100000"/>
-                        </a:lnSpc>
-                        <a:spcBef>
-                          <a:spcPts val="0"/>
-                        </a:spcBef>
-                        <a:spcAft>
-                          <a:spcPts val="0"/>
-                        </a:spcAft>
-                        <a:buClrTx/>
-                        <a:buSzTx/>
-                        <a:buFont typeface="Wingdings" panose="05000000000000000000" pitchFamily="2" charset="2"/>
-                        <a:buChar char="ü"/>
-                        <a:tabLst/>
-                        <a:defRPr/>
-                      </a:pPr>
-                      <a:endParaRPr kumimoji="0" lang="en-US" sz="1800" b="0" i="0" u="none" strike="noStrike" kern="1200" cap="none" spc="0" normalizeH="0" baseline="0" noProof="0" dirty="0">
-                        <a:ln>
-                          <a:noFill/>
-                        </a:ln>
-                        <a:solidFill>
-                          <a:srgbClr val="00B050"/>
-                        </a:solidFill>
-                        <a:effectLst/>
-                        <a:uLnTx/>
-                        <a:uFillTx/>
-                        <a:latin typeface="+mn-lt"/>
-                        <a:ea typeface="+mn-ea"/>
-                        <a:cs typeface="+mn-cs"/>
-                      </a:endParaRPr>
-                    </a:p>
-                  </a:txBody>
-                  <a:tcPr/>
-                </a:tc>
-                <a:extLst>
-                  <a:ext uri="{0D108BD9-81ED-4DB2-BD59-A6C34878D82A}">
-                    <a16:rowId xmlns:a16="http://schemas.microsoft.com/office/drawing/2014/main" val="4031062607"/>
-                  </a:ext>
-                </a:extLst>
-              </a:tr>
-              <a:tr h="389475">
-                <a:tc>
-                  <a:txBody>
-                    <a:bodyPr/>
-                    <a:lstStyle/>
-                    <a:p>
-                      <a:r>
-                        <a:rPr lang="fr-FR" dirty="0"/>
-                        <a:t>Move </a:t>
-                      </a:r>
-                      <a:r>
-                        <a:rPr lang="fr-FR" dirty="0" err="1"/>
-                        <a:t>Tilt&amp;Pan</a:t>
-                      </a:r>
-                      <a:endParaRPr lang="fr-FR" dirty="0"/>
-                    </a:p>
-                  </a:txBody>
-                  <a:tcPr/>
-                </a:tc>
-                <a:tc>
-                  <a:txBody>
-                    <a:bodyPr/>
-                    <a:lstStyle/>
-                    <a:p>
-                      <a:r>
-                        <a:rPr lang="fr-FR" dirty="0"/>
-                        <a:t>Move </a:t>
-                      </a:r>
-                      <a:r>
-                        <a:rPr lang="fr-FR" dirty="0" err="1"/>
-                        <a:t>Tilt&amp;Pan</a:t>
-                      </a:r>
-                      <a:r>
-                        <a:rPr lang="fr-FR" dirty="0"/>
-                        <a:t> </a:t>
-                      </a:r>
-                      <a:r>
-                        <a:rPr lang="fr-FR" dirty="0" err="1"/>
-                        <a:t>Horizontaly</a:t>
-                      </a:r>
-                      <a:r>
-                        <a:rPr lang="fr-FR" dirty="0"/>
-                        <a:t> and </a:t>
-                      </a:r>
-                      <a:r>
-                        <a:rPr lang="fr-FR" dirty="0" err="1"/>
-                        <a:t>Verticaly</a:t>
-                      </a:r>
-                      <a:endParaRPr lang="fr-FR" dirty="0"/>
-                    </a:p>
-                  </a:txBody>
-                  <a:tcPr/>
-                </a:tc>
-                <a:tc>
-                  <a:txBody>
-                    <a:bodyPr/>
-                    <a:lstStyle/>
-                    <a:p>
-                      <a:pPr marL="285750" marR="0" lvl="0" indent="-285750" algn="l" defTabSz="914400" rtl="0" eaLnBrk="1" fontAlgn="auto" latinLnBrk="0" hangingPunct="1">
-                        <a:lnSpc>
-                          <a:spcPct val="100000"/>
-                        </a:lnSpc>
-                        <a:spcBef>
-                          <a:spcPts val="0"/>
-                        </a:spcBef>
-                        <a:spcAft>
-                          <a:spcPts val="0"/>
-                        </a:spcAft>
-                        <a:buClrTx/>
-                        <a:buSzTx/>
-                        <a:buFont typeface="Wingdings" panose="05000000000000000000" pitchFamily="2" charset="2"/>
-                        <a:buChar char="ü"/>
-                        <a:tabLst/>
-                        <a:defRPr/>
-                      </a:pPr>
-                      <a:r>
-                        <a:rPr kumimoji="0" lang="en-US" sz="1800" b="0" i="0" u="none" strike="noStrike" kern="1200" cap="none" spc="0" normalizeH="0" baseline="0" noProof="0" dirty="0">
-                          <a:ln>
-                            <a:noFill/>
-                          </a:ln>
-                          <a:solidFill>
-                            <a:srgbClr val="00B050"/>
-                          </a:solidFill>
-                          <a:effectLst/>
-                          <a:uLnTx/>
-                          <a:uFillTx/>
-                          <a:latin typeface="+mn-lt"/>
-                          <a:ea typeface="+mn-ea"/>
-                          <a:cs typeface="+mn-cs"/>
-                        </a:rPr>
-                        <a:t> </a:t>
-                      </a:r>
-                    </a:p>
-                    <a:p>
-                      <a:pPr marL="285750" marR="0" lvl="0" indent="-285750" algn="l" defTabSz="914400" rtl="0" eaLnBrk="1" fontAlgn="auto" latinLnBrk="0" hangingPunct="1">
-                        <a:lnSpc>
-                          <a:spcPct val="100000"/>
-                        </a:lnSpc>
-                        <a:spcBef>
-                          <a:spcPts val="0"/>
-                        </a:spcBef>
-                        <a:spcAft>
-                          <a:spcPts val="0"/>
-                        </a:spcAft>
-                        <a:buClrTx/>
-                        <a:buSzTx/>
-                        <a:buFont typeface="Wingdings" panose="05000000000000000000" pitchFamily="2" charset="2"/>
-                        <a:buChar char="ü"/>
-                        <a:tabLst/>
-                        <a:defRPr/>
-                      </a:pPr>
-                      <a:endParaRPr kumimoji="0" lang="en-US" sz="1800" b="0" i="0" u="none" strike="noStrike" kern="1200" cap="none" spc="0" normalizeH="0" baseline="0" noProof="0" dirty="0">
-                        <a:ln>
-                          <a:noFill/>
-                        </a:ln>
-                        <a:solidFill>
-                          <a:srgbClr val="00B050"/>
-                        </a:solidFill>
-                        <a:effectLst/>
-                        <a:uLnTx/>
-                        <a:uFillTx/>
-                        <a:latin typeface="+mn-lt"/>
-                        <a:ea typeface="+mn-ea"/>
-                        <a:cs typeface="+mn-cs"/>
-                      </a:endParaRPr>
-                    </a:p>
-                  </a:txBody>
-                  <a:tcPr/>
-                </a:tc>
-                <a:extLst>
-                  <a:ext uri="{0D108BD9-81ED-4DB2-BD59-A6C34878D82A}">
-                    <a16:rowId xmlns:a16="http://schemas.microsoft.com/office/drawing/2014/main" val="3810878265"/>
-                  </a:ext>
-                </a:extLst>
-              </a:tr>
-              <a:tr h="389475">
-                <a:tc>
-                  <a:txBody>
-                    <a:bodyPr/>
-                    <a:lstStyle/>
-                    <a:p>
-                      <a:r>
-                        <a:rPr lang="fr-FR" dirty="0"/>
-                        <a:t>Check </a:t>
-                      </a:r>
-                      <a:r>
-                        <a:rPr lang="fr-FR" dirty="0" err="1"/>
-                        <a:t>around</a:t>
-                      </a:r>
-                      <a:endParaRPr lang="fr-FR" dirty="0"/>
-                    </a:p>
-                  </a:txBody>
-                  <a:tcPr/>
-                </a:tc>
-                <a:tc>
-                  <a:txBody>
-                    <a:bodyPr/>
-                    <a:lstStyle/>
-                    <a:p>
-                      <a:pPr marL="0" marR="0" lvl="0" indent="0" algn="l" defTabSz="914400" rtl="0" eaLnBrk="1" fontAlgn="auto" latinLnBrk="0" hangingPunct="1">
-                        <a:lnSpc>
-                          <a:spcPct val="100000"/>
-                        </a:lnSpc>
-                        <a:spcBef>
-                          <a:spcPts val="0"/>
-                        </a:spcBef>
-                        <a:spcAft>
-                          <a:spcPts val="0"/>
-                        </a:spcAft>
-                        <a:buClrTx/>
-                        <a:buSzTx/>
-                        <a:buFontTx/>
-                        <a:buNone/>
-                        <a:tabLst/>
-                        <a:defRPr/>
-                      </a:pPr>
-                      <a:r>
-                        <a:rPr lang="fr-FR" dirty="0"/>
-                        <a:t>Check if </a:t>
-                      </a:r>
-                      <a:r>
-                        <a:rPr lang="fr-FR" dirty="0" err="1"/>
-                        <a:t>there</a:t>
-                      </a:r>
-                      <a:r>
-                        <a:rPr lang="fr-FR" dirty="0"/>
-                        <a:t> </a:t>
-                      </a:r>
-                      <a:r>
-                        <a:rPr lang="fr-FR" dirty="0" err="1"/>
-                        <a:t>is</a:t>
-                      </a:r>
-                      <a:r>
-                        <a:rPr lang="fr-FR" dirty="0"/>
-                        <a:t> an obstacle and return the </a:t>
-                      </a:r>
-                      <a:r>
-                        <a:rPr lang="fr-FR" dirty="0" err="1"/>
-                        <a:t>result</a:t>
-                      </a:r>
-                      <a:endParaRPr lang="fr-FR" dirty="0"/>
-                    </a:p>
-                  </a:txBody>
-                  <a:tcPr/>
-                </a:tc>
-                <a:tc>
-                  <a:txBody>
-                    <a:bodyPr/>
-                    <a:lstStyle/>
-                    <a:p>
-                      <a:pPr marL="285750" marR="0" lvl="0" indent="-285750" algn="l" defTabSz="914400" rtl="0" eaLnBrk="1" fontAlgn="auto" latinLnBrk="0" hangingPunct="1">
-                        <a:lnSpc>
-                          <a:spcPct val="100000"/>
-                        </a:lnSpc>
-                        <a:spcBef>
-                          <a:spcPts val="0"/>
-                        </a:spcBef>
-                        <a:spcAft>
-                          <a:spcPts val="0"/>
-                        </a:spcAft>
-                        <a:buClrTx/>
-                        <a:buSzTx/>
-                        <a:buFont typeface="Wingdings" panose="05000000000000000000" pitchFamily="2" charset="2"/>
-                        <a:buChar char="ü"/>
-                        <a:tabLst/>
-                        <a:defRPr/>
-                      </a:pPr>
-                      <a:r>
-                        <a:rPr kumimoji="0" lang="en-US" sz="1800" b="0" i="0" u="none" strike="noStrike" kern="1200" cap="none" spc="0" normalizeH="0" baseline="0" noProof="0" dirty="0">
-                          <a:ln>
-                            <a:noFill/>
-                          </a:ln>
-                          <a:solidFill>
-                            <a:srgbClr val="00B050"/>
-                          </a:solidFill>
-                          <a:effectLst/>
-                          <a:uLnTx/>
-                          <a:uFillTx/>
-                          <a:latin typeface="+mn-lt"/>
-                          <a:ea typeface="+mn-ea"/>
-                          <a:cs typeface="+mn-cs"/>
-                        </a:rPr>
-                        <a:t> </a:t>
-                      </a:r>
-                    </a:p>
-                    <a:p>
-                      <a:pPr marL="285750" marR="0" lvl="0" indent="-285750" algn="l" defTabSz="914400" rtl="0" eaLnBrk="1" fontAlgn="auto" latinLnBrk="0" hangingPunct="1">
-                        <a:lnSpc>
-                          <a:spcPct val="100000"/>
-                        </a:lnSpc>
-                        <a:spcBef>
-                          <a:spcPts val="0"/>
-                        </a:spcBef>
-                        <a:spcAft>
-                          <a:spcPts val="0"/>
-                        </a:spcAft>
-                        <a:buClrTx/>
-                        <a:buSzTx/>
-                        <a:buFont typeface="Wingdings" panose="05000000000000000000" pitchFamily="2" charset="2"/>
-                        <a:buChar char="ü"/>
-                        <a:tabLst/>
-                        <a:defRPr/>
-                      </a:pPr>
-                      <a:endParaRPr kumimoji="0" lang="en-US" sz="1800" b="0" i="0" u="none" strike="noStrike" kern="1200" cap="none" spc="0" normalizeH="0" baseline="0" noProof="0" dirty="0">
-                        <a:ln>
-                          <a:noFill/>
-                        </a:ln>
-                        <a:solidFill>
-                          <a:srgbClr val="00B050"/>
-                        </a:solidFill>
-                        <a:effectLst/>
-                        <a:uLnTx/>
-                        <a:uFillTx/>
-                        <a:latin typeface="+mn-lt"/>
-                        <a:ea typeface="+mn-ea"/>
-                        <a:cs typeface="+mn-cs"/>
-                      </a:endParaRPr>
-                    </a:p>
-                  </a:txBody>
-                  <a:tcPr/>
-                </a:tc>
-                <a:extLst>
-                  <a:ext uri="{0D108BD9-81ED-4DB2-BD59-A6C34878D82A}">
-                    <a16:rowId xmlns:a16="http://schemas.microsoft.com/office/drawing/2014/main" val="3452581991"/>
-                  </a:ext>
-                </a:extLst>
-              </a:tr>
-              <a:tr h="389475">
-                <a:tc>
-                  <a:txBody>
-                    <a:bodyPr/>
-                    <a:lstStyle/>
-                    <a:p>
-                      <a:r>
-                        <a:rPr lang="fr-FR" dirty="0" err="1"/>
-                        <a:t>Get</a:t>
-                      </a:r>
-                      <a:r>
-                        <a:rPr lang="fr-FR" dirty="0"/>
-                        <a:t> infos</a:t>
-                      </a:r>
-                    </a:p>
-                  </a:txBody>
-                  <a:tcPr/>
-                </a:tc>
-                <a:tc>
-                  <a:txBody>
-                    <a:bodyPr/>
-                    <a:lstStyle/>
-                    <a:p>
-                      <a:pPr marL="0" marR="0" lvl="0" indent="0" algn="l" defTabSz="914400" rtl="0" eaLnBrk="1" fontAlgn="auto" latinLnBrk="0" hangingPunct="1">
-                        <a:lnSpc>
-                          <a:spcPct val="100000"/>
-                        </a:lnSpc>
-                        <a:spcBef>
-                          <a:spcPts val="0"/>
-                        </a:spcBef>
-                        <a:spcAft>
-                          <a:spcPts val="0"/>
-                        </a:spcAft>
-                        <a:buClrTx/>
-                        <a:buSzTx/>
-                        <a:buFontTx/>
-                        <a:buNone/>
-                        <a:tabLst/>
-                        <a:defRPr/>
-                      </a:pPr>
-                      <a:r>
-                        <a:rPr lang="fr-FR" dirty="0" err="1"/>
-                        <a:t>Get</a:t>
-                      </a:r>
-                      <a:r>
-                        <a:rPr lang="fr-FR" dirty="0"/>
-                        <a:t> infos and return </a:t>
-                      </a:r>
-                      <a:r>
-                        <a:rPr lang="fr-FR" dirty="0" err="1"/>
-                        <a:t>them</a:t>
-                      </a:r>
-                      <a:endParaRPr lang="fr-FR" dirty="0"/>
-                    </a:p>
-                  </a:txBody>
-                  <a:tcPr/>
-                </a:tc>
-                <a:tc>
-                  <a:txBody>
-                    <a:bodyPr/>
-                    <a:lstStyle/>
-                    <a:p>
-                      <a:pPr marL="285750" marR="0" lvl="0" indent="-285750" algn="l" defTabSz="914400" rtl="0" eaLnBrk="1" fontAlgn="auto" latinLnBrk="0" hangingPunct="1">
-                        <a:lnSpc>
-                          <a:spcPct val="100000"/>
-                        </a:lnSpc>
-                        <a:spcBef>
-                          <a:spcPts val="0"/>
-                        </a:spcBef>
-                        <a:spcAft>
-                          <a:spcPts val="0"/>
-                        </a:spcAft>
-                        <a:buClrTx/>
-                        <a:buSzTx/>
-                        <a:buFont typeface="Wingdings" panose="05000000000000000000" pitchFamily="2" charset="2"/>
-                        <a:buChar char="ü"/>
-                        <a:tabLst/>
-                        <a:defRPr/>
-                      </a:pPr>
-                      <a:endParaRPr kumimoji="0" lang="en-US" sz="1800" b="0" i="0" u="none" strike="noStrike" kern="1200" cap="none" spc="0" normalizeH="0" baseline="0" noProof="0" dirty="0">
-                        <a:ln>
-                          <a:noFill/>
-                        </a:ln>
-                        <a:solidFill>
-                          <a:srgbClr val="00B050"/>
-                        </a:solidFill>
-                        <a:effectLst/>
-                        <a:uLnTx/>
-                        <a:uFillTx/>
-                        <a:latin typeface="Calibri" panose="020F0502020204030204"/>
-                        <a:ea typeface="+mn-ea"/>
-                        <a:cs typeface="+mn-cs"/>
-                      </a:endParaRPr>
-                    </a:p>
-                  </a:txBody>
-                  <a:tcPr/>
-                </a:tc>
-                <a:extLst>
-                  <a:ext uri="{0D108BD9-81ED-4DB2-BD59-A6C34878D82A}">
-                    <a16:rowId xmlns:a16="http://schemas.microsoft.com/office/drawing/2014/main" val="2574950784"/>
-                  </a:ext>
-                </a:extLst>
-              </a:tr>
-              <a:tr h="389475">
-                <a:tc>
-                  <a:txBody>
-                    <a:bodyPr/>
-                    <a:lstStyle/>
-                    <a:p>
-                      <a:r>
-                        <a:rPr lang="fr-FR" dirty="0"/>
-                        <a:t>PI Communication mode</a:t>
-                      </a:r>
-                    </a:p>
-                  </a:txBody>
-                  <a:tcPr/>
-                </a:tc>
-                <a:tc>
-                  <a:txBody>
-                    <a:bodyPr/>
-                    <a:lstStyle/>
-                    <a:p>
-                      <a:pPr marL="0" marR="0" lvl="0" indent="0" algn="l" defTabSz="914400" rtl="0" eaLnBrk="1" fontAlgn="auto" latinLnBrk="0" hangingPunct="1">
-                        <a:lnSpc>
-                          <a:spcPct val="100000"/>
-                        </a:lnSpc>
-                        <a:spcBef>
-                          <a:spcPts val="0"/>
-                        </a:spcBef>
-                        <a:spcAft>
-                          <a:spcPts val="0"/>
-                        </a:spcAft>
-                        <a:buClrTx/>
-                        <a:buSzTx/>
-                        <a:buFontTx/>
-                        <a:buNone/>
-                        <a:tabLst/>
-                        <a:defRPr/>
-                      </a:pPr>
-                      <a:r>
-                        <a:rPr lang="fr-FR" dirty="0" err="1"/>
-                        <a:t>Define</a:t>
-                      </a:r>
-                      <a:r>
-                        <a:rPr lang="fr-FR" dirty="0"/>
-                        <a:t> the communication mode </a:t>
-                      </a:r>
-                      <a:r>
-                        <a:rPr lang="fr-FR" dirty="0" err="1"/>
-                        <a:t>between</a:t>
-                      </a:r>
-                      <a:r>
-                        <a:rPr lang="fr-FR" dirty="0"/>
-                        <a:t> the Robot and the Raspberry PI:</a:t>
-                      </a:r>
-                    </a:p>
-                    <a:p>
-                      <a:pPr marL="0" marR="0" lvl="0" indent="0" algn="l" defTabSz="914400" rtl="0" eaLnBrk="1" fontAlgn="auto" latinLnBrk="0" hangingPunct="1">
-                        <a:lnSpc>
-                          <a:spcPct val="100000"/>
-                        </a:lnSpc>
-                        <a:spcBef>
-                          <a:spcPts val="0"/>
-                        </a:spcBef>
-                        <a:spcAft>
-                          <a:spcPts val="0"/>
-                        </a:spcAft>
-                        <a:buClrTx/>
-                        <a:buSzTx/>
-                        <a:buFont typeface="+mj-lt"/>
-                        <a:buNone/>
-                        <a:tabLst/>
-                        <a:defRPr/>
-                      </a:pPr>
-                      <a:r>
-                        <a:rPr lang="fr-FR" dirty="0"/>
-                        <a:t>0: None</a:t>
-                      </a:r>
-                    </a:p>
-                    <a:p>
-                      <a:pPr marL="0" marR="0" lvl="0" indent="0" algn="l" defTabSz="914400" rtl="0" eaLnBrk="1" fontAlgn="auto" latinLnBrk="0" hangingPunct="1">
-                        <a:lnSpc>
-                          <a:spcPct val="100000"/>
-                        </a:lnSpc>
-                        <a:spcBef>
-                          <a:spcPts val="0"/>
-                        </a:spcBef>
-                        <a:spcAft>
-                          <a:spcPts val="0"/>
-                        </a:spcAft>
-                        <a:buClrTx/>
-                        <a:buSzTx/>
-                        <a:buFont typeface="+mj-lt"/>
-                        <a:buNone/>
-                        <a:tabLst/>
-                        <a:defRPr/>
-                      </a:pPr>
-                      <a:r>
-                        <a:rPr lang="fr-FR" dirty="0"/>
-                        <a:t>1: </a:t>
-                      </a:r>
-                      <a:r>
-                        <a:rPr lang="fr-FR" dirty="0" err="1"/>
-                        <a:t>Alert</a:t>
-                      </a:r>
-                      <a:r>
-                        <a:rPr lang="fr-FR" dirty="0"/>
-                        <a:t> </a:t>
-                      </a:r>
-                      <a:r>
-                        <a:rPr lang="fr-FR" dirty="0" err="1"/>
-                        <a:t>only</a:t>
-                      </a:r>
-                      <a:endParaRPr lang="fr-FR" dirty="0"/>
-                    </a:p>
-                    <a:p>
-                      <a:pPr marL="0" marR="0" lvl="0" indent="0" algn="l" defTabSz="914400" rtl="0" eaLnBrk="1" fontAlgn="auto" latinLnBrk="0" hangingPunct="1">
-                        <a:lnSpc>
-                          <a:spcPct val="100000"/>
-                        </a:lnSpc>
-                        <a:spcBef>
-                          <a:spcPts val="0"/>
-                        </a:spcBef>
-                        <a:spcAft>
-                          <a:spcPts val="0"/>
-                        </a:spcAft>
-                        <a:buClrTx/>
-                        <a:buSzTx/>
-                        <a:buFont typeface="+mj-lt"/>
-                        <a:buNone/>
-                        <a:tabLst/>
-                        <a:defRPr/>
-                      </a:pPr>
-                      <a:r>
-                        <a:rPr lang="fr-FR" dirty="0"/>
-                        <a:t>2: </a:t>
-                      </a:r>
-                      <a:r>
-                        <a:rPr lang="fr-FR" dirty="0" err="1"/>
-                        <a:t>Alert</a:t>
-                      </a:r>
-                      <a:r>
-                        <a:rPr lang="fr-FR" dirty="0"/>
-                        <a:t> and Infos </a:t>
-                      </a:r>
-                      <a:r>
-                        <a:rPr lang="fr-FR" dirty="0" err="1"/>
-                        <a:t>every</a:t>
-                      </a:r>
-                      <a:r>
-                        <a:rPr lang="fr-FR" dirty="0"/>
-                        <a:t> n seconds</a:t>
-                      </a:r>
-                    </a:p>
-                  </a:txBody>
-                  <a:tcPr/>
-                </a:tc>
-                <a:tc>
-                  <a:txBody>
-                    <a:bodyPr/>
-                    <a:lstStyle/>
-                    <a:p>
-                      <a:pPr marL="285750" marR="0" lvl="0" indent="-285750" algn="l" defTabSz="914400" rtl="0" eaLnBrk="1" fontAlgn="auto" latinLnBrk="0" hangingPunct="1">
-                        <a:lnSpc>
-                          <a:spcPct val="100000"/>
-                        </a:lnSpc>
-                        <a:spcBef>
-                          <a:spcPts val="0"/>
-                        </a:spcBef>
-                        <a:spcAft>
-                          <a:spcPts val="0"/>
-                        </a:spcAft>
-                        <a:buClrTx/>
-                        <a:buSzTx/>
-                        <a:buFont typeface="Wingdings" panose="05000000000000000000" pitchFamily="2" charset="2"/>
-                        <a:buChar char="ü"/>
-                        <a:tabLst/>
-                        <a:defRPr/>
-                      </a:pPr>
-                      <a:r>
-                        <a:rPr kumimoji="0" lang="en-US" sz="1800" b="0" i="0" u="none" strike="noStrike" kern="1200" cap="none" spc="0" normalizeH="0" baseline="0" noProof="0" dirty="0">
-                          <a:ln>
-                            <a:noFill/>
-                          </a:ln>
-                          <a:solidFill>
-                            <a:srgbClr val="00B050"/>
-                          </a:solidFill>
-                          <a:effectLst/>
-                          <a:uLnTx/>
-                          <a:uFillTx/>
-                          <a:latin typeface="Calibri" panose="020F0502020204030204"/>
-                          <a:ea typeface="+mn-ea"/>
-                          <a:cs typeface="+mn-cs"/>
-                        </a:rPr>
-                        <a:t>: </a:t>
-                      </a:r>
-                    </a:p>
-                  </a:txBody>
-                  <a:tcPr/>
-                </a:tc>
-                <a:extLst>
-                  <a:ext uri="{0D108BD9-81ED-4DB2-BD59-A6C34878D82A}">
-                    <a16:rowId xmlns:a16="http://schemas.microsoft.com/office/drawing/2014/main" val="330511159"/>
-                  </a:ext>
-                </a:extLst>
-              </a:tr>
-            </a:tbl>
-          </a:graphicData>
-        </a:graphic>
-      </p:graphicFrame>
-    </p:spTree>
-    <p:extLst>
-      <p:ext uri="{BB962C8B-B14F-4D97-AF65-F5344CB8AC3E}">
-        <p14:creationId xmlns:p14="http://schemas.microsoft.com/office/powerpoint/2010/main" val="3187012288"/>
-      </p:ext>
-    </p:extLst>
-  </p:cSld>
-  <p:clrMapOvr>
-    <a:masterClrMapping/>
-  </p:clrMapOvr>
-</p:sld>
-</file>
-
-<file path=ppt/slides/slide8.xml><?xml version="1.0" encoding="utf-8"?>
-<p:sld xmlns:a="http://schemas.openxmlformats.org/drawingml/2006/main" xmlns:r="http://schemas.openxmlformats.org/officeDocument/2006/relationships" xmlns:p="http://schemas.openxmlformats.org/presentationml/2006/main">
-  <p:cSld>
-    <p:spTree>
-      <p:nvGrpSpPr>
-        <p:cNvPr id="1" name=""/>
-        <p:cNvGrpSpPr/>
-        <p:nvPr/>
-      </p:nvGrpSpPr>
-      <p:grpSpPr>
-        <a:xfrm>
-          <a:off x="0" y="0"/>
-          <a:ext cx="0" cy="0"/>
-          <a:chOff x="0" y="0"/>
-          <a:chExt cx="0" cy="0"/>
-        </a:xfrm>
-      </p:grpSpPr>
-      <p:sp>
-        <p:nvSpPr>
-          <p:cNvPr id="2" name="Titre 1">
-            <a:extLst>
-              <a:ext uri="{FF2B5EF4-FFF2-40B4-BE49-F238E27FC236}">
-                <a16:creationId xmlns:a16="http://schemas.microsoft.com/office/drawing/2014/main" id="{7D7887D6-7566-47C9-A25C-3F4F54D9EBDC}"/>
-              </a:ext>
-            </a:extLst>
-          </p:cNvPr>
-          <p:cNvSpPr>
-            <a:spLocks noGrp="1"/>
-          </p:cNvSpPr>
-          <p:nvPr>
-            <p:ph type="title"/>
-          </p:nvPr>
-        </p:nvSpPr>
-        <p:spPr/>
-        <p:txBody>
-          <a:bodyPr/>
-          <a:lstStyle/>
-          <a:p>
-            <a:r>
-              <a:rPr lang="fr-FR" dirty="0" err="1"/>
-              <a:t>Special</a:t>
-            </a:r>
-            <a:r>
-              <a:rPr lang="fr-FR" dirty="0"/>
-              <a:t> pins Arduino MEGA2560</a:t>
-            </a:r>
-          </a:p>
-        </p:txBody>
-      </p:sp>
-      <p:sp>
-        <p:nvSpPr>
-          <p:cNvPr id="3" name="Espace réservé du contenu 2">
-            <a:extLst>
-              <a:ext uri="{FF2B5EF4-FFF2-40B4-BE49-F238E27FC236}">
-                <a16:creationId xmlns:a16="http://schemas.microsoft.com/office/drawing/2014/main" id="{570C9186-32F7-45DB-A01D-E527B032981A}"/>
-              </a:ext>
-            </a:extLst>
-          </p:cNvPr>
-          <p:cNvSpPr>
-            <a:spLocks noGrp="1"/>
-          </p:cNvSpPr>
-          <p:nvPr>
-            <p:ph idx="1"/>
-          </p:nvPr>
-        </p:nvSpPr>
-        <p:spPr/>
-        <p:txBody>
-          <a:bodyPr>
-            <a:normAutofit fontScale="77500" lnSpcReduction="20000"/>
-          </a:bodyPr>
-          <a:lstStyle/>
-          <a:p>
-            <a:pPr marL="0" indent="0">
-              <a:buNone/>
-            </a:pPr>
-            <a:r>
-              <a:rPr lang="fr-FR" sz="3500" u="sng" dirty="0"/>
-              <a:t>Interruptions</a:t>
-            </a:r>
-          </a:p>
-          <a:p>
-            <a:pPr marL="0" indent="0">
-              <a:buNone/>
-            </a:pPr>
-            <a:r>
-              <a:rPr lang="fr-FR" dirty="0"/>
-              <a:t>Pin #2 = interruption #0</a:t>
-            </a:r>
-            <a:br>
-              <a:rPr lang="fr-FR" dirty="0"/>
-            </a:br>
-            <a:r>
-              <a:rPr lang="fr-FR" dirty="0"/>
-              <a:t>Pin #3 = interruption #1</a:t>
-            </a:r>
-            <a:br>
-              <a:rPr lang="fr-FR" dirty="0"/>
-            </a:br>
-            <a:r>
-              <a:rPr lang="fr-FR" dirty="0"/>
-              <a:t>Pin #18 = interruption #5</a:t>
-            </a:r>
-            <a:br>
-              <a:rPr lang="fr-FR" dirty="0"/>
-            </a:br>
-            <a:r>
-              <a:rPr lang="fr-FR" dirty="0"/>
-              <a:t>Pin #19 = interruption #4</a:t>
-            </a:r>
-            <a:br>
-              <a:rPr lang="fr-FR" dirty="0"/>
-            </a:br>
-            <a:r>
-              <a:rPr lang="fr-FR" dirty="0"/>
-              <a:t>Pin #20 = interruption #3</a:t>
-            </a:r>
-            <a:br>
-              <a:rPr lang="fr-FR" dirty="0"/>
-            </a:br>
-            <a:r>
-              <a:rPr lang="fr-FR" dirty="0"/>
-              <a:t>Pin #21 = interruption #2</a:t>
-            </a:r>
-          </a:p>
-          <a:p>
-            <a:pPr marL="0" indent="0">
-              <a:buNone/>
-            </a:pPr>
-            <a:endParaRPr lang="fr-FR" dirty="0"/>
-          </a:p>
-          <a:p>
-            <a:pPr marL="0" indent="0">
-              <a:buNone/>
-            </a:pPr>
-            <a:r>
-              <a:rPr lang="fr-FR" sz="3500" u="sng" dirty="0"/>
-              <a:t>SPI</a:t>
-            </a:r>
-          </a:p>
-          <a:p>
-            <a:pPr marL="0" indent="0">
-              <a:buNone/>
-            </a:pPr>
-            <a:r>
-              <a:rPr lang="fi-FI" dirty="0"/>
-              <a:t>Pin</a:t>
-            </a:r>
-            <a:r>
-              <a:rPr lang="fr-FR" dirty="0"/>
-              <a:t> #</a:t>
-            </a:r>
-            <a:r>
-              <a:rPr lang="fi-FI" dirty="0"/>
-              <a:t>10: CS</a:t>
-            </a:r>
-            <a:endParaRPr lang="fr-FR" dirty="0"/>
-          </a:p>
-          <a:p>
-            <a:pPr marL="0" indent="0">
-              <a:buNone/>
-            </a:pPr>
-            <a:r>
-              <a:rPr lang="fi-FI" dirty="0"/>
-              <a:t>pin</a:t>
-            </a:r>
-            <a:r>
-              <a:rPr lang="fr-FR" dirty="0"/>
-              <a:t> #</a:t>
-            </a:r>
-            <a:r>
-              <a:rPr lang="fi-FI" dirty="0"/>
-              <a:t>11-&gt;pin</a:t>
-            </a:r>
-            <a:r>
-              <a:rPr lang="fr-FR" dirty="0"/>
-              <a:t> #</a:t>
-            </a:r>
-            <a:r>
-              <a:rPr lang="fi-FI" dirty="0"/>
-              <a:t>51</a:t>
-            </a:r>
-          </a:p>
-          <a:p>
-            <a:pPr marL="0" indent="0">
-              <a:buNone/>
-            </a:pPr>
-            <a:r>
-              <a:rPr lang="fi-FI" dirty="0"/>
-              <a:t>pin</a:t>
-            </a:r>
-            <a:r>
-              <a:rPr lang="fr-FR" dirty="0"/>
-              <a:t> #</a:t>
-            </a:r>
-            <a:r>
-              <a:rPr lang="fi-FI" dirty="0"/>
-              <a:t>12-&gt;pin</a:t>
-            </a:r>
-            <a:r>
-              <a:rPr lang="fr-FR" dirty="0"/>
-              <a:t> #</a:t>
-            </a:r>
-            <a:r>
-              <a:rPr lang="fi-FI" dirty="0"/>
-              <a:t>50</a:t>
-            </a:r>
-          </a:p>
-          <a:p>
-            <a:pPr marL="0" indent="0">
-              <a:buNone/>
-            </a:pPr>
-            <a:r>
-              <a:rPr lang="fi-FI" dirty="0"/>
-              <a:t>pin</a:t>
-            </a:r>
-            <a:r>
-              <a:rPr lang="fr-FR" dirty="0"/>
-              <a:t> #</a:t>
-            </a:r>
-            <a:r>
-              <a:rPr lang="fi-FI" dirty="0"/>
-              <a:t>13-&gt;pin</a:t>
-            </a:r>
-            <a:r>
-              <a:rPr lang="fr-FR" dirty="0"/>
-              <a:t> #</a:t>
-            </a:r>
-            <a:r>
-              <a:rPr lang="fi-FI" dirty="0"/>
-              <a:t>52</a:t>
-            </a:r>
-            <a:endParaRPr lang="fr-FR" dirty="0"/>
-          </a:p>
-        </p:txBody>
-      </p:sp>
-    </p:spTree>
-    <p:extLst>
-      <p:ext uri="{BB962C8B-B14F-4D97-AF65-F5344CB8AC3E}">
-        <p14:creationId xmlns:p14="http://schemas.microsoft.com/office/powerpoint/2010/main" val="3722056244"/>
-      </p:ext>
-    </p:extLst>
-  </p:cSld>
-  <p:clrMapOvr>
-    <a:masterClrMapping/>
-  </p:clrMapOvr>
-</p:sld>
-</file>
-
-<file path=ppt/slides/slide9.xml><?xml version="1.0" encoding="utf-8"?>
-<p:sld xmlns:a="http://schemas.openxmlformats.org/drawingml/2006/main" xmlns:r="http://schemas.openxmlformats.org/officeDocument/2006/relationships" xmlns:p="http://schemas.openxmlformats.org/presentationml/2006/main">
-  <p:cSld>
-    <p:spTree>
-      <p:nvGrpSpPr>
-        <p:cNvPr id="1" name=""/>
-        <p:cNvGrpSpPr/>
-        <p:nvPr/>
-      </p:nvGrpSpPr>
-      <p:grpSpPr>
-        <a:xfrm>
-          <a:off x="0" y="0"/>
-          <a:ext cx="0" cy="0"/>
-          <a:chOff x="0" y="0"/>
-          <a:chExt cx="0" cy="0"/>
-        </a:xfrm>
-      </p:grpSpPr>
-      <p:sp>
-        <p:nvSpPr>
-          <p:cNvPr id="2" name="Titre 1">
-            <a:extLst>
-              <a:ext uri="{FF2B5EF4-FFF2-40B4-BE49-F238E27FC236}">
-                <a16:creationId xmlns:a16="http://schemas.microsoft.com/office/drawing/2014/main" id="{8DDCDBDF-D8CC-44B1-A599-F6FD2A53CCC8}"/>
-              </a:ext>
-            </a:extLst>
-          </p:cNvPr>
-          <p:cNvSpPr>
-            <a:spLocks noGrp="1"/>
-          </p:cNvSpPr>
-          <p:nvPr>
-            <p:ph type="title"/>
-          </p:nvPr>
-        </p:nvSpPr>
-        <p:spPr>
-          <a:xfrm>
-            <a:off x="723900" y="190500"/>
-            <a:ext cx="10515600" cy="750888"/>
-          </a:xfrm>
-        </p:spPr>
-        <p:txBody>
-          <a:bodyPr/>
-          <a:lstStyle/>
-          <a:p>
-            <a:r>
-              <a:rPr lang="en-US" dirty="0"/>
-              <a:t>Motors</a:t>
-            </a:r>
-          </a:p>
-        </p:txBody>
-      </p:sp>
-      <p:graphicFrame>
-        <p:nvGraphicFramePr>
-          <p:cNvPr id="4" name="Espace réservé du contenu 3">
-            <a:extLst>
-              <a:ext uri="{FF2B5EF4-FFF2-40B4-BE49-F238E27FC236}">
-                <a16:creationId xmlns:a16="http://schemas.microsoft.com/office/drawing/2014/main" id="{003D9151-9798-4FFF-84EB-CA24DBFE390D}"/>
-              </a:ext>
-            </a:extLst>
-          </p:cNvPr>
-          <p:cNvGraphicFramePr>
-            <a:graphicFrameLocks noGrp="1"/>
-          </p:cNvGraphicFramePr>
-          <p:nvPr>
-            <p:ph idx="1"/>
-            <p:extLst/>
           </p:nvPr>
         </p:nvGraphicFramePr>
         <p:xfrm>
@@ -22269,9 +17324,6 @@
                             <a:srgbClr val="FF0000"/>
                           </a:solidFill>
                           <a:effectLst/>
-                          <a:highlight>
-                            <a:srgbClr val="FFFF00"/>
-                          </a:highlight>
                           <a:uLnTx/>
                           <a:uFillTx/>
                           <a:latin typeface="Calibri" panose="020F0502020204030204"/>
@@ -22391,9 +17443,6 @@
                             <a:srgbClr val="FF0000"/>
                           </a:solidFill>
                           <a:effectLst/>
-                          <a:highlight>
-                            <a:srgbClr val="FFFF00"/>
-                          </a:highlight>
                           <a:uLnTx/>
                           <a:uFillTx/>
                           <a:latin typeface="+mn-lt"/>
@@ -22546,9 +17595,6 @@
                             <a:srgbClr val="FF0000"/>
                           </a:solidFill>
                           <a:effectLst/>
-                          <a:highlight>
-                            <a:srgbClr val="FFFF00"/>
-                          </a:highlight>
                           <a:uLnTx/>
                           <a:uFillTx/>
                           <a:latin typeface="+mn-lt"/>
@@ -22701,9 +17747,6 @@
                             <a:srgbClr val="FF0000"/>
                           </a:solidFill>
                           <a:effectLst/>
-                          <a:highlight>
-                            <a:srgbClr val="FFFF00"/>
-                          </a:highlight>
                           <a:uLnTx/>
                           <a:uFillTx/>
                           <a:latin typeface="+mn-lt"/>
@@ -22730,6 +17773,2491 @@
     <p:extLst>
       <p:ext uri="{BB962C8B-B14F-4D97-AF65-F5344CB8AC3E}">
         <p14:creationId xmlns:p14="http://schemas.microsoft.com/office/powerpoint/2010/main" val="4033417618"/>
+      </p:ext>
+    </p:extLst>
+  </p:cSld>
+  <p:clrMapOvr>
+    <a:masterClrMapping/>
+  </p:clrMapOvr>
+</p:sld>
+</file>
+
+<file path=ppt/slides/slide6.xml><?xml version="1.0" encoding="utf-8"?>
+<p:sld xmlns:a="http://schemas.openxmlformats.org/drawingml/2006/main" xmlns:r="http://schemas.openxmlformats.org/officeDocument/2006/relationships" xmlns:p="http://schemas.openxmlformats.org/presentationml/2006/main">
+  <p:cSld>
+    <p:spTree>
+      <p:nvGrpSpPr>
+        <p:cNvPr id="1" name=""/>
+        <p:cNvGrpSpPr/>
+        <p:nvPr/>
+      </p:nvGrpSpPr>
+      <p:grpSpPr>
+        <a:xfrm>
+          <a:off x="0" y="0"/>
+          <a:ext cx="0" cy="0"/>
+          <a:chOff x="0" y="0"/>
+          <a:chExt cx="0" cy="0"/>
+        </a:xfrm>
+      </p:grpSpPr>
+      <p:sp>
+        <p:nvSpPr>
+          <p:cNvPr id="44" name="Flèche : haut 43">
+            <a:extLst>
+              <a:ext uri="{FF2B5EF4-FFF2-40B4-BE49-F238E27FC236}">
+                <a16:creationId xmlns:a16="http://schemas.microsoft.com/office/drawing/2014/main" id="{ABE59650-146B-4F70-9E7E-C25A4952A843}"/>
+              </a:ext>
+            </a:extLst>
+          </p:cNvPr>
+          <p:cNvSpPr/>
+          <p:nvPr/>
+        </p:nvSpPr>
+        <p:spPr>
+          <a:xfrm>
+            <a:off x="5844666" y="2637189"/>
+            <a:ext cx="484632" cy="978408"/>
+          </a:xfrm>
+          <a:prstGeom prst="upArrow">
+            <a:avLst/>
+          </a:prstGeom>
+        </p:spPr>
+        <p:style>
+          <a:lnRef idx="2">
+            <a:schemeClr val="accent1">
+              <a:shade val="50000"/>
+            </a:schemeClr>
+          </a:lnRef>
+          <a:fillRef idx="1">
+            <a:schemeClr val="accent1"/>
+          </a:fillRef>
+          <a:effectRef idx="0">
+            <a:schemeClr val="accent1"/>
+          </a:effectRef>
+          <a:fontRef idx="minor">
+            <a:schemeClr val="lt1"/>
+          </a:fontRef>
+        </p:style>
+        <p:txBody>
+          <a:bodyPr rtlCol="0" anchor="ctr"/>
+          <a:lstStyle/>
+          <a:p>
+            <a:pPr algn="ctr"/>
+            <a:endParaRPr lang="en-US" dirty="0"/>
+          </a:p>
+        </p:txBody>
+      </p:sp>
+      <p:sp>
+        <p:nvSpPr>
+          <p:cNvPr id="2" name="Titre 1">
+            <a:extLst>
+              <a:ext uri="{FF2B5EF4-FFF2-40B4-BE49-F238E27FC236}">
+                <a16:creationId xmlns:a16="http://schemas.microsoft.com/office/drawing/2014/main" id="{B2E95FC8-98C1-4761-96A0-FCEBFB8AD3C7}"/>
+              </a:ext>
+            </a:extLst>
+          </p:cNvPr>
+          <p:cNvSpPr>
+            <a:spLocks noGrp="1"/>
+          </p:cNvSpPr>
+          <p:nvPr>
+            <p:ph type="title"/>
+          </p:nvPr>
+        </p:nvSpPr>
+        <p:spPr>
+          <a:xfrm>
+            <a:off x="838200" y="170571"/>
+            <a:ext cx="10515600" cy="1325563"/>
+          </a:xfrm>
+        </p:spPr>
+        <p:txBody>
+          <a:bodyPr/>
+          <a:lstStyle/>
+          <a:p>
+            <a:pPr algn="ctr"/>
+            <a:r>
+              <a:rPr lang="en-US" dirty="0"/>
+              <a:t>Motors rotation (1/2)</a:t>
+            </a:r>
+          </a:p>
+        </p:txBody>
+      </p:sp>
+      <p:sp>
+        <p:nvSpPr>
+          <p:cNvPr id="7" name="Ellipse 6">
+            <a:extLst>
+              <a:ext uri="{FF2B5EF4-FFF2-40B4-BE49-F238E27FC236}">
+                <a16:creationId xmlns:a16="http://schemas.microsoft.com/office/drawing/2014/main" id="{B8F24F67-8CCD-4123-96FC-F6FE2AD5ED78}"/>
+              </a:ext>
+            </a:extLst>
+          </p:cNvPr>
+          <p:cNvSpPr/>
+          <p:nvPr/>
+        </p:nvSpPr>
+        <p:spPr>
+          <a:xfrm rot="900000">
+            <a:off x="5638800" y="3531753"/>
+            <a:ext cx="914400" cy="914400"/>
+          </a:xfrm>
+          <a:prstGeom prst="ellipse">
+            <a:avLst/>
+          </a:prstGeom>
+        </p:spPr>
+        <p:style>
+          <a:lnRef idx="2">
+            <a:schemeClr val="accent1">
+              <a:shade val="50000"/>
+            </a:schemeClr>
+          </a:lnRef>
+          <a:fillRef idx="1">
+            <a:schemeClr val="accent1"/>
+          </a:fillRef>
+          <a:effectRef idx="0">
+            <a:schemeClr val="accent1"/>
+          </a:effectRef>
+          <a:fontRef idx="minor">
+            <a:schemeClr val="lt1"/>
+          </a:fontRef>
+        </p:style>
+        <p:txBody>
+          <a:bodyPr rtlCol="0" anchor="ctr"/>
+          <a:lstStyle/>
+          <a:p>
+            <a:pPr algn="ctr"/>
+            <a:endParaRPr lang="en-US"/>
+          </a:p>
+        </p:txBody>
+      </p:sp>
+      <p:sp>
+        <p:nvSpPr>
+          <p:cNvPr id="8" name="Ellipse 7">
+            <a:extLst>
+              <a:ext uri="{FF2B5EF4-FFF2-40B4-BE49-F238E27FC236}">
+                <a16:creationId xmlns:a16="http://schemas.microsoft.com/office/drawing/2014/main" id="{B62278DF-5D35-436F-ABDC-669B9815F1C4}"/>
+              </a:ext>
+            </a:extLst>
+          </p:cNvPr>
+          <p:cNvSpPr/>
+          <p:nvPr/>
+        </p:nvSpPr>
+        <p:spPr>
+          <a:xfrm>
+            <a:off x="4183262" y="2067909"/>
+            <a:ext cx="544497" cy="510466"/>
+          </a:xfrm>
+          <a:prstGeom prst="ellipse">
+            <a:avLst/>
+          </a:prstGeom>
+          <a:solidFill>
+            <a:srgbClr val="92D050"/>
+          </a:solidFill>
+        </p:spPr>
+        <p:style>
+          <a:lnRef idx="2">
+            <a:schemeClr val="accent1">
+              <a:shade val="50000"/>
+            </a:schemeClr>
+          </a:lnRef>
+          <a:fillRef idx="1">
+            <a:schemeClr val="accent1"/>
+          </a:fillRef>
+          <a:effectRef idx="0">
+            <a:schemeClr val="accent1"/>
+          </a:effectRef>
+          <a:fontRef idx="minor">
+            <a:schemeClr val="lt1"/>
+          </a:fontRef>
+        </p:style>
+        <p:txBody>
+          <a:bodyPr rtlCol="0" anchor="ctr"/>
+          <a:lstStyle/>
+          <a:p>
+            <a:pPr algn="ctr"/>
+            <a:r>
+              <a:rPr lang="en-US" dirty="0"/>
+              <a:t>0</a:t>
+            </a:r>
+          </a:p>
+        </p:txBody>
+      </p:sp>
+      <p:sp>
+        <p:nvSpPr>
+          <p:cNvPr id="10" name="Ellipse 9">
+            <a:extLst>
+              <a:ext uri="{FF2B5EF4-FFF2-40B4-BE49-F238E27FC236}">
+                <a16:creationId xmlns:a16="http://schemas.microsoft.com/office/drawing/2014/main" id="{AAEBFEFC-EAD4-4D22-863C-F24B4195D196}"/>
+              </a:ext>
+            </a:extLst>
+          </p:cNvPr>
+          <p:cNvSpPr/>
+          <p:nvPr/>
+        </p:nvSpPr>
+        <p:spPr>
+          <a:xfrm>
+            <a:off x="7446205" y="2126723"/>
+            <a:ext cx="544497" cy="510466"/>
+          </a:xfrm>
+          <a:prstGeom prst="ellipse">
+            <a:avLst/>
+          </a:prstGeom>
+          <a:solidFill>
+            <a:srgbClr val="FF0000"/>
+          </a:solidFill>
+        </p:spPr>
+        <p:style>
+          <a:lnRef idx="2">
+            <a:schemeClr val="accent1">
+              <a:shade val="50000"/>
+            </a:schemeClr>
+          </a:lnRef>
+          <a:fillRef idx="1">
+            <a:schemeClr val="accent1"/>
+          </a:fillRef>
+          <a:effectRef idx="0">
+            <a:schemeClr val="accent1"/>
+          </a:effectRef>
+          <a:fontRef idx="minor">
+            <a:schemeClr val="lt1"/>
+          </a:fontRef>
+        </p:style>
+        <p:txBody>
+          <a:bodyPr rtlCol="0" anchor="ctr"/>
+          <a:lstStyle/>
+          <a:p>
+            <a:pPr algn="ctr"/>
+            <a:r>
+              <a:rPr lang="en-US" dirty="0"/>
+              <a:t>1</a:t>
+            </a:r>
+          </a:p>
+        </p:txBody>
+      </p:sp>
+      <p:cxnSp>
+        <p:nvCxnSpPr>
+          <p:cNvPr id="14" name="Connecteur droit 13">
+            <a:extLst>
+              <a:ext uri="{FF2B5EF4-FFF2-40B4-BE49-F238E27FC236}">
+                <a16:creationId xmlns:a16="http://schemas.microsoft.com/office/drawing/2014/main" id="{FF2D8BFF-4103-40BF-8AF7-60F4B89035AA}"/>
+              </a:ext>
+            </a:extLst>
+          </p:cNvPr>
+          <p:cNvCxnSpPr>
+            <a:cxnSpLocks/>
+          </p:cNvCxnSpPr>
+          <p:nvPr/>
+        </p:nvCxnSpPr>
+        <p:spPr>
+          <a:xfrm>
+            <a:off x="4653240" y="2519560"/>
+            <a:ext cx="2875631" cy="2923162"/>
+          </a:xfrm>
+          <a:prstGeom prst="line">
+            <a:avLst/>
+          </a:prstGeom>
+          <a:ln w="63500"/>
+        </p:spPr>
+        <p:style>
+          <a:lnRef idx="1">
+            <a:schemeClr val="accent1"/>
+          </a:lnRef>
+          <a:fillRef idx="0">
+            <a:schemeClr val="accent1"/>
+          </a:fillRef>
+          <a:effectRef idx="0">
+            <a:schemeClr val="accent1"/>
+          </a:effectRef>
+          <a:fontRef idx="minor">
+            <a:schemeClr val="tx1"/>
+          </a:fontRef>
+        </p:style>
+      </p:cxnSp>
+      <p:cxnSp>
+        <p:nvCxnSpPr>
+          <p:cNvPr id="28" name="Connecteur droit 27">
+            <a:extLst>
+              <a:ext uri="{FF2B5EF4-FFF2-40B4-BE49-F238E27FC236}">
+                <a16:creationId xmlns:a16="http://schemas.microsoft.com/office/drawing/2014/main" id="{21AE1372-AD34-4EBF-85EF-004FBD5B7A95}"/>
+              </a:ext>
+            </a:extLst>
+          </p:cNvPr>
+          <p:cNvCxnSpPr>
+            <a:cxnSpLocks/>
+          </p:cNvCxnSpPr>
+          <p:nvPr/>
+        </p:nvCxnSpPr>
+        <p:spPr>
+          <a:xfrm flipH="1">
+            <a:off x="4653240" y="2519560"/>
+            <a:ext cx="2875631" cy="2836837"/>
+          </a:xfrm>
+          <a:prstGeom prst="line">
+            <a:avLst/>
+          </a:prstGeom>
+          <a:ln w="63500"/>
+        </p:spPr>
+        <p:style>
+          <a:lnRef idx="1">
+            <a:schemeClr val="accent1"/>
+          </a:lnRef>
+          <a:fillRef idx="0">
+            <a:schemeClr val="accent1"/>
+          </a:fillRef>
+          <a:effectRef idx="0">
+            <a:schemeClr val="accent1"/>
+          </a:effectRef>
+          <a:fontRef idx="minor">
+            <a:schemeClr val="tx1"/>
+          </a:fontRef>
+        </p:style>
+      </p:cxnSp>
+      <p:sp>
+        <p:nvSpPr>
+          <p:cNvPr id="40" name="Ellipse 39">
+            <a:extLst>
+              <a:ext uri="{FF2B5EF4-FFF2-40B4-BE49-F238E27FC236}">
+                <a16:creationId xmlns:a16="http://schemas.microsoft.com/office/drawing/2014/main" id="{08D47DE9-EC4E-4EB1-A95A-5B8B687A8EF5}"/>
+              </a:ext>
+            </a:extLst>
+          </p:cNvPr>
+          <p:cNvSpPr/>
+          <p:nvPr/>
+        </p:nvSpPr>
+        <p:spPr>
+          <a:xfrm>
+            <a:off x="4183261" y="5292718"/>
+            <a:ext cx="544497" cy="510466"/>
+          </a:xfrm>
+          <a:prstGeom prst="ellipse">
+            <a:avLst/>
+          </a:prstGeom>
+          <a:solidFill>
+            <a:srgbClr val="FF0000"/>
+          </a:solidFill>
+        </p:spPr>
+        <p:style>
+          <a:lnRef idx="2">
+            <a:schemeClr val="accent1">
+              <a:shade val="50000"/>
+            </a:schemeClr>
+          </a:lnRef>
+          <a:fillRef idx="1">
+            <a:schemeClr val="accent1"/>
+          </a:fillRef>
+          <a:effectRef idx="0">
+            <a:schemeClr val="accent1"/>
+          </a:effectRef>
+          <a:fontRef idx="minor">
+            <a:schemeClr val="lt1"/>
+          </a:fontRef>
+        </p:style>
+        <p:txBody>
+          <a:bodyPr rtlCol="0" anchor="ctr"/>
+          <a:lstStyle/>
+          <a:p>
+            <a:pPr algn="ctr"/>
+            <a:r>
+              <a:rPr lang="en-US" dirty="0"/>
+              <a:t>3</a:t>
+            </a:r>
+          </a:p>
+        </p:txBody>
+      </p:sp>
+      <p:sp>
+        <p:nvSpPr>
+          <p:cNvPr id="41" name="Ellipse 40">
+            <a:extLst>
+              <a:ext uri="{FF2B5EF4-FFF2-40B4-BE49-F238E27FC236}">
+                <a16:creationId xmlns:a16="http://schemas.microsoft.com/office/drawing/2014/main" id="{29228CD3-6325-4779-BB6B-1918FF19310B}"/>
+              </a:ext>
+            </a:extLst>
+          </p:cNvPr>
+          <p:cNvSpPr/>
+          <p:nvPr/>
+        </p:nvSpPr>
+        <p:spPr>
+          <a:xfrm>
+            <a:off x="7343786" y="5410740"/>
+            <a:ext cx="544497" cy="510466"/>
+          </a:xfrm>
+          <a:prstGeom prst="ellipse">
+            <a:avLst/>
+          </a:prstGeom>
+          <a:solidFill>
+            <a:srgbClr val="92D050"/>
+          </a:solidFill>
+        </p:spPr>
+        <p:style>
+          <a:lnRef idx="2">
+            <a:schemeClr val="accent1">
+              <a:shade val="50000"/>
+            </a:schemeClr>
+          </a:lnRef>
+          <a:fillRef idx="1">
+            <a:schemeClr val="accent1"/>
+          </a:fillRef>
+          <a:effectRef idx="0">
+            <a:schemeClr val="accent1"/>
+          </a:effectRef>
+          <a:fontRef idx="minor">
+            <a:schemeClr val="lt1"/>
+          </a:fontRef>
+        </p:style>
+        <p:txBody>
+          <a:bodyPr rtlCol="0" anchor="ctr"/>
+          <a:lstStyle/>
+          <a:p>
+            <a:pPr algn="ctr"/>
+            <a:r>
+              <a:rPr lang="en-US" dirty="0"/>
+              <a:t>2</a:t>
+            </a:r>
+          </a:p>
+        </p:txBody>
+      </p:sp>
+      <p:sp>
+        <p:nvSpPr>
+          <p:cNvPr id="46" name="ZoneTexte 45">
+            <a:extLst>
+              <a:ext uri="{FF2B5EF4-FFF2-40B4-BE49-F238E27FC236}">
+                <a16:creationId xmlns:a16="http://schemas.microsoft.com/office/drawing/2014/main" id="{40220A43-09B7-42FD-84A4-B78C255269E8}"/>
+              </a:ext>
+            </a:extLst>
+          </p:cNvPr>
+          <p:cNvSpPr txBox="1"/>
+          <p:nvPr/>
+        </p:nvSpPr>
+        <p:spPr>
+          <a:xfrm>
+            <a:off x="2911152" y="2150228"/>
+            <a:ext cx="1096903" cy="369332"/>
+          </a:xfrm>
+          <a:prstGeom prst="rect">
+            <a:avLst/>
+          </a:prstGeom>
+          <a:noFill/>
+        </p:spPr>
+        <p:txBody>
+          <a:bodyPr wrap="none" rtlCol="0">
+            <a:spAutoFit/>
+          </a:bodyPr>
+          <a:lstStyle/>
+          <a:p>
+            <a:r>
+              <a:rPr lang="en-US" dirty="0"/>
+              <a:t>Front Left</a:t>
+            </a:r>
+          </a:p>
+        </p:txBody>
+      </p:sp>
+      <p:sp>
+        <p:nvSpPr>
+          <p:cNvPr id="49" name="ZoneTexte 48">
+            <a:extLst>
+              <a:ext uri="{FF2B5EF4-FFF2-40B4-BE49-F238E27FC236}">
+                <a16:creationId xmlns:a16="http://schemas.microsoft.com/office/drawing/2014/main" id="{095EFD51-1C2A-451A-81C2-EFBCB1480C05}"/>
+              </a:ext>
+            </a:extLst>
+          </p:cNvPr>
+          <p:cNvSpPr txBox="1"/>
+          <p:nvPr/>
+        </p:nvSpPr>
+        <p:spPr>
+          <a:xfrm>
+            <a:off x="2749429" y="5420853"/>
+            <a:ext cx="1023357" cy="369332"/>
+          </a:xfrm>
+          <a:prstGeom prst="rect">
+            <a:avLst/>
+          </a:prstGeom>
+          <a:noFill/>
+        </p:spPr>
+        <p:txBody>
+          <a:bodyPr wrap="none" rtlCol="0">
+            <a:spAutoFit/>
+          </a:bodyPr>
+          <a:lstStyle/>
+          <a:p>
+            <a:r>
+              <a:rPr lang="en-US" dirty="0"/>
+              <a:t>Rear Left</a:t>
+            </a:r>
+          </a:p>
+        </p:txBody>
+      </p:sp>
+      <p:sp>
+        <p:nvSpPr>
+          <p:cNvPr id="50" name="ZoneTexte 49">
+            <a:extLst>
+              <a:ext uri="{FF2B5EF4-FFF2-40B4-BE49-F238E27FC236}">
+                <a16:creationId xmlns:a16="http://schemas.microsoft.com/office/drawing/2014/main" id="{6F9FC474-7DAF-4053-81C1-51120A5EFFD0}"/>
+              </a:ext>
+            </a:extLst>
+          </p:cNvPr>
+          <p:cNvSpPr txBox="1"/>
+          <p:nvPr/>
+        </p:nvSpPr>
+        <p:spPr>
+          <a:xfrm>
+            <a:off x="8341115" y="2150228"/>
+            <a:ext cx="1221873" cy="369332"/>
+          </a:xfrm>
+          <a:prstGeom prst="rect">
+            <a:avLst/>
+          </a:prstGeom>
+          <a:noFill/>
+        </p:spPr>
+        <p:txBody>
+          <a:bodyPr wrap="none" rtlCol="0">
+            <a:spAutoFit/>
+          </a:bodyPr>
+          <a:lstStyle/>
+          <a:p>
+            <a:r>
+              <a:rPr lang="en-US" dirty="0"/>
+              <a:t>Front Right</a:t>
+            </a:r>
+          </a:p>
+        </p:txBody>
+      </p:sp>
+      <p:sp>
+        <p:nvSpPr>
+          <p:cNvPr id="51" name="ZoneTexte 50">
+            <a:extLst>
+              <a:ext uri="{FF2B5EF4-FFF2-40B4-BE49-F238E27FC236}">
+                <a16:creationId xmlns:a16="http://schemas.microsoft.com/office/drawing/2014/main" id="{817B7DC0-7D6A-4AC3-A913-D809DD87116A}"/>
+              </a:ext>
+            </a:extLst>
+          </p:cNvPr>
+          <p:cNvSpPr txBox="1"/>
+          <p:nvPr/>
+        </p:nvSpPr>
+        <p:spPr>
+          <a:xfrm>
+            <a:off x="8214878" y="5420853"/>
+            <a:ext cx="1148328" cy="369332"/>
+          </a:xfrm>
+          <a:prstGeom prst="rect">
+            <a:avLst/>
+          </a:prstGeom>
+          <a:noFill/>
+        </p:spPr>
+        <p:txBody>
+          <a:bodyPr wrap="none" rtlCol="0">
+            <a:spAutoFit/>
+          </a:bodyPr>
+          <a:lstStyle/>
+          <a:p>
+            <a:r>
+              <a:rPr lang="en-US" dirty="0"/>
+              <a:t>Rear Right</a:t>
+            </a:r>
+          </a:p>
+        </p:txBody>
+      </p:sp>
+      <p:sp>
+        <p:nvSpPr>
+          <p:cNvPr id="52" name="Flèche : courbe vers le haut 51">
+            <a:extLst>
+              <a:ext uri="{FF2B5EF4-FFF2-40B4-BE49-F238E27FC236}">
+                <a16:creationId xmlns:a16="http://schemas.microsoft.com/office/drawing/2014/main" id="{BA615E77-4049-465D-AAEF-6B19079D73A4}"/>
+              </a:ext>
+            </a:extLst>
+          </p:cNvPr>
+          <p:cNvSpPr/>
+          <p:nvPr/>
+        </p:nvSpPr>
+        <p:spPr>
+          <a:xfrm rot="10800000">
+            <a:off x="7142550" y="1832416"/>
+            <a:ext cx="1023357" cy="515646"/>
+          </a:xfrm>
+          <a:prstGeom prst="curvedUpArrow">
+            <a:avLst/>
+          </a:prstGeom>
+          <a:solidFill>
+            <a:srgbClr val="FF0000"/>
+          </a:solidFill>
+        </p:spPr>
+        <p:style>
+          <a:lnRef idx="2">
+            <a:schemeClr val="accent1">
+              <a:shade val="50000"/>
+            </a:schemeClr>
+          </a:lnRef>
+          <a:fillRef idx="1">
+            <a:schemeClr val="accent1"/>
+          </a:fillRef>
+          <a:effectRef idx="0">
+            <a:schemeClr val="accent1"/>
+          </a:effectRef>
+          <a:fontRef idx="minor">
+            <a:schemeClr val="lt1"/>
+          </a:fontRef>
+        </p:style>
+        <p:txBody>
+          <a:bodyPr rtlCol="0" anchor="ctr"/>
+          <a:lstStyle/>
+          <a:p>
+            <a:pPr algn="ctr"/>
+            <a:endParaRPr lang="en-US">
+              <a:solidFill>
+                <a:schemeClr val="tx1"/>
+              </a:solidFill>
+            </a:endParaRPr>
+          </a:p>
+        </p:txBody>
+      </p:sp>
+      <p:sp>
+        <p:nvSpPr>
+          <p:cNvPr id="53" name="Flèche : courbe vers le haut 52">
+            <a:extLst>
+              <a:ext uri="{FF2B5EF4-FFF2-40B4-BE49-F238E27FC236}">
+                <a16:creationId xmlns:a16="http://schemas.microsoft.com/office/drawing/2014/main" id="{755287AD-1977-4A4E-BD06-40951948C1FF}"/>
+              </a:ext>
+            </a:extLst>
+          </p:cNvPr>
+          <p:cNvSpPr/>
+          <p:nvPr/>
+        </p:nvSpPr>
+        <p:spPr>
+          <a:xfrm rot="10800000">
+            <a:off x="3906572" y="5010797"/>
+            <a:ext cx="1023357" cy="515646"/>
+          </a:xfrm>
+          <a:prstGeom prst="curvedUpArrow">
+            <a:avLst/>
+          </a:prstGeom>
+          <a:solidFill>
+            <a:srgbClr val="FF0000"/>
+          </a:solidFill>
+        </p:spPr>
+        <p:style>
+          <a:lnRef idx="2">
+            <a:schemeClr val="accent1">
+              <a:shade val="50000"/>
+            </a:schemeClr>
+          </a:lnRef>
+          <a:fillRef idx="1">
+            <a:schemeClr val="accent1"/>
+          </a:fillRef>
+          <a:effectRef idx="0">
+            <a:schemeClr val="accent1"/>
+          </a:effectRef>
+          <a:fontRef idx="minor">
+            <a:schemeClr val="lt1"/>
+          </a:fontRef>
+        </p:style>
+        <p:txBody>
+          <a:bodyPr rtlCol="0" anchor="ctr"/>
+          <a:lstStyle/>
+          <a:p>
+            <a:pPr algn="ctr"/>
+            <a:endParaRPr lang="en-US">
+              <a:solidFill>
+                <a:schemeClr val="tx1"/>
+              </a:solidFill>
+            </a:endParaRPr>
+          </a:p>
+        </p:txBody>
+      </p:sp>
+      <p:sp>
+        <p:nvSpPr>
+          <p:cNvPr id="54" name="Flèche : courbe vers le bas 53">
+            <a:extLst>
+              <a:ext uri="{FF2B5EF4-FFF2-40B4-BE49-F238E27FC236}">
+                <a16:creationId xmlns:a16="http://schemas.microsoft.com/office/drawing/2014/main" id="{B5D842F3-37E6-4BB7-8726-8C7E96267ABC}"/>
+              </a:ext>
+            </a:extLst>
+          </p:cNvPr>
+          <p:cNvSpPr/>
+          <p:nvPr/>
+        </p:nvSpPr>
+        <p:spPr>
+          <a:xfrm>
+            <a:off x="3934851" y="1851097"/>
+            <a:ext cx="1148328" cy="581120"/>
+          </a:xfrm>
+          <a:prstGeom prst="curvedDownArrow">
+            <a:avLst/>
+          </a:prstGeom>
+          <a:solidFill>
+            <a:srgbClr val="92D050"/>
+          </a:solidFill>
+        </p:spPr>
+        <p:style>
+          <a:lnRef idx="2">
+            <a:schemeClr val="accent1">
+              <a:shade val="50000"/>
+            </a:schemeClr>
+          </a:lnRef>
+          <a:fillRef idx="1">
+            <a:schemeClr val="accent1"/>
+          </a:fillRef>
+          <a:effectRef idx="0">
+            <a:schemeClr val="accent1"/>
+          </a:effectRef>
+          <a:fontRef idx="minor">
+            <a:schemeClr val="lt1"/>
+          </a:fontRef>
+        </p:style>
+        <p:txBody>
+          <a:bodyPr rtlCol="0" anchor="ctr"/>
+          <a:lstStyle/>
+          <a:p>
+            <a:pPr algn="ctr"/>
+            <a:endParaRPr lang="en-US">
+              <a:solidFill>
+                <a:schemeClr val="tx1"/>
+              </a:solidFill>
+            </a:endParaRPr>
+          </a:p>
+        </p:txBody>
+      </p:sp>
+      <p:sp>
+        <p:nvSpPr>
+          <p:cNvPr id="55" name="Flèche : courbe vers le bas 54">
+            <a:extLst>
+              <a:ext uri="{FF2B5EF4-FFF2-40B4-BE49-F238E27FC236}">
+                <a16:creationId xmlns:a16="http://schemas.microsoft.com/office/drawing/2014/main" id="{B4AA4226-9733-4FAA-BA3B-C290529320CB}"/>
+              </a:ext>
+            </a:extLst>
+          </p:cNvPr>
+          <p:cNvSpPr/>
+          <p:nvPr/>
+        </p:nvSpPr>
+        <p:spPr>
+          <a:xfrm>
+            <a:off x="7080065" y="5152952"/>
+            <a:ext cx="1148328" cy="581120"/>
+          </a:xfrm>
+          <a:prstGeom prst="curvedDownArrow">
+            <a:avLst/>
+          </a:prstGeom>
+          <a:solidFill>
+            <a:srgbClr val="92D050"/>
+          </a:solidFill>
+        </p:spPr>
+        <p:style>
+          <a:lnRef idx="2">
+            <a:schemeClr val="accent1">
+              <a:shade val="50000"/>
+            </a:schemeClr>
+          </a:lnRef>
+          <a:fillRef idx="1">
+            <a:schemeClr val="accent1"/>
+          </a:fillRef>
+          <a:effectRef idx="0">
+            <a:schemeClr val="accent1"/>
+          </a:effectRef>
+          <a:fontRef idx="minor">
+            <a:schemeClr val="lt1"/>
+          </a:fontRef>
+        </p:style>
+        <p:txBody>
+          <a:bodyPr rtlCol="0" anchor="ctr"/>
+          <a:lstStyle/>
+          <a:p>
+            <a:pPr algn="ctr"/>
+            <a:endParaRPr lang="en-US">
+              <a:solidFill>
+                <a:schemeClr val="tx1"/>
+              </a:solidFill>
+            </a:endParaRPr>
+          </a:p>
+        </p:txBody>
+      </p:sp>
+      <p:cxnSp>
+        <p:nvCxnSpPr>
+          <p:cNvPr id="57" name="Connecteur droit 56">
+            <a:extLst>
+              <a:ext uri="{FF2B5EF4-FFF2-40B4-BE49-F238E27FC236}">
+                <a16:creationId xmlns:a16="http://schemas.microsoft.com/office/drawing/2014/main" id="{44EFC622-3CBD-4FF4-9820-E5AF57BF5157}"/>
+              </a:ext>
+            </a:extLst>
+          </p:cNvPr>
+          <p:cNvCxnSpPr>
+            <a:cxnSpLocks/>
+            <a:stCxn id="2" idx="2"/>
+          </p:cNvCxnSpPr>
+          <p:nvPr/>
+        </p:nvCxnSpPr>
+        <p:spPr>
+          <a:xfrm flipH="1">
+            <a:off x="6086274" y="1496134"/>
+            <a:ext cx="9726" cy="4846300"/>
+          </a:xfrm>
+          <a:prstGeom prst="line">
+            <a:avLst/>
+          </a:prstGeom>
+          <a:ln w="22225">
+            <a:solidFill>
+              <a:schemeClr val="accent1"/>
+            </a:solidFill>
+            <a:prstDash val="sysDash"/>
+          </a:ln>
+        </p:spPr>
+        <p:style>
+          <a:lnRef idx="1">
+            <a:schemeClr val="accent1"/>
+          </a:lnRef>
+          <a:fillRef idx="0">
+            <a:schemeClr val="accent1"/>
+          </a:fillRef>
+          <a:effectRef idx="0">
+            <a:schemeClr val="accent1"/>
+          </a:effectRef>
+          <a:fontRef idx="minor">
+            <a:schemeClr val="tx1"/>
+          </a:fontRef>
+        </p:style>
+      </p:cxnSp>
+      <p:sp>
+        <p:nvSpPr>
+          <p:cNvPr id="64" name="Flèche : en arc 63">
+            <a:extLst>
+              <a:ext uri="{FF2B5EF4-FFF2-40B4-BE49-F238E27FC236}">
+                <a16:creationId xmlns:a16="http://schemas.microsoft.com/office/drawing/2014/main" id="{F0E98F49-E01F-441F-A775-7CF31BA5BF03}"/>
+              </a:ext>
+            </a:extLst>
+          </p:cNvPr>
+          <p:cNvSpPr/>
+          <p:nvPr/>
+        </p:nvSpPr>
+        <p:spPr>
+          <a:xfrm rot="1889557">
+            <a:off x="5582216" y="1604311"/>
+            <a:ext cx="978408" cy="978408"/>
+          </a:xfrm>
+          <a:prstGeom prst="circularArrow">
+            <a:avLst>
+              <a:gd name="adj1" fmla="val 12500"/>
+              <a:gd name="adj2" fmla="val 1142319"/>
+              <a:gd name="adj3" fmla="val 20457681"/>
+              <a:gd name="adj4" fmla="val 7348546"/>
+              <a:gd name="adj5" fmla="val 12500"/>
+            </a:avLst>
+          </a:prstGeom>
+          <a:gradFill>
+            <a:gsLst>
+              <a:gs pos="0">
+                <a:schemeClr val="accent1">
+                  <a:lumMod val="5000"/>
+                  <a:lumOff val="95000"/>
+                </a:schemeClr>
+              </a:gs>
+              <a:gs pos="74000">
+                <a:schemeClr val="accent1">
+                  <a:lumMod val="45000"/>
+                  <a:lumOff val="55000"/>
+                </a:schemeClr>
+              </a:gs>
+              <a:gs pos="83000">
+                <a:schemeClr val="accent1">
+                  <a:lumMod val="45000"/>
+                  <a:lumOff val="55000"/>
+                </a:schemeClr>
+              </a:gs>
+              <a:gs pos="100000">
+                <a:schemeClr val="accent1">
+                  <a:lumMod val="30000"/>
+                  <a:lumOff val="70000"/>
+                </a:schemeClr>
+              </a:gs>
+            </a:gsLst>
+            <a:lin ang="5400000" scaled="1"/>
+          </a:gradFill>
+          <a:ln cap="rnd"/>
+        </p:spPr>
+        <p:style>
+          <a:lnRef idx="2">
+            <a:schemeClr val="accent1">
+              <a:shade val="50000"/>
+            </a:schemeClr>
+          </a:lnRef>
+          <a:fillRef idx="1">
+            <a:schemeClr val="accent1"/>
+          </a:fillRef>
+          <a:effectRef idx="0">
+            <a:schemeClr val="accent1"/>
+          </a:effectRef>
+          <a:fontRef idx="minor">
+            <a:schemeClr val="lt1"/>
+          </a:fontRef>
+        </p:style>
+        <p:txBody>
+          <a:bodyPr rtlCol="0" anchor="ctr"/>
+          <a:lstStyle/>
+          <a:p>
+            <a:pPr algn="ctr"/>
+            <a:endParaRPr lang="en-US" dirty="0">
+              <a:solidFill>
+                <a:schemeClr val="tx1"/>
+              </a:solidFill>
+            </a:endParaRPr>
+          </a:p>
+        </p:txBody>
+      </p:sp>
+      <p:sp>
+        <p:nvSpPr>
+          <p:cNvPr id="65" name="ZoneTexte 64">
+            <a:extLst>
+              <a:ext uri="{FF2B5EF4-FFF2-40B4-BE49-F238E27FC236}">
+                <a16:creationId xmlns:a16="http://schemas.microsoft.com/office/drawing/2014/main" id="{E0E64C6E-25B7-4127-90E2-B4BD2D5B0611}"/>
+              </a:ext>
+            </a:extLst>
+          </p:cNvPr>
+          <p:cNvSpPr txBox="1"/>
+          <p:nvPr/>
+        </p:nvSpPr>
+        <p:spPr>
+          <a:xfrm>
+            <a:off x="5582874" y="2181532"/>
+            <a:ext cx="930126" cy="369332"/>
+          </a:xfrm>
+          <a:prstGeom prst="rect">
+            <a:avLst/>
+          </a:prstGeom>
+          <a:noFill/>
+        </p:spPr>
+        <p:txBody>
+          <a:bodyPr wrap="none" rtlCol="0">
+            <a:spAutoFit/>
+          </a:bodyPr>
+          <a:lstStyle/>
+          <a:p>
+            <a:r>
+              <a:rPr lang="en-US" dirty="0"/>
+              <a:t>+  Roll  -</a:t>
+            </a:r>
+          </a:p>
+        </p:txBody>
+      </p:sp>
+      <p:cxnSp>
+        <p:nvCxnSpPr>
+          <p:cNvPr id="67" name="Connecteur droit 66">
+            <a:extLst>
+              <a:ext uri="{FF2B5EF4-FFF2-40B4-BE49-F238E27FC236}">
+                <a16:creationId xmlns:a16="http://schemas.microsoft.com/office/drawing/2014/main" id="{93B3E475-E001-4631-A52C-F00D276CD885}"/>
+              </a:ext>
+            </a:extLst>
+          </p:cNvPr>
+          <p:cNvCxnSpPr>
+            <a:cxnSpLocks/>
+          </p:cNvCxnSpPr>
+          <p:nvPr/>
+        </p:nvCxnSpPr>
+        <p:spPr>
+          <a:xfrm flipH="1">
+            <a:off x="3459603" y="3988953"/>
+            <a:ext cx="5394521" cy="0"/>
+          </a:xfrm>
+          <a:prstGeom prst="line">
+            <a:avLst/>
+          </a:prstGeom>
+          <a:ln w="22225">
+            <a:solidFill>
+              <a:schemeClr val="accent1"/>
+            </a:solidFill>
+            <a:prstDash val="sysDash"/>
+          </a:ln>
+        </p:spPr>
+        <p:style>
+          <a:lnRef idx="1">
+            <a:schemeClr val="accent1"/>
+          </a:lnRef>
+          <a:fillRef idx="0">
+            <a:schemeClr val="accent1"/>
+          </a:fillRef>
+          <a:effectRef idx="0">
+            <a:schemeClr val="accent1"/>
+          </a:effectRef>
+          <a:fontRef idx="minor">
+            <a:schemeClr val="tx1"/>
+          </a:fontRef>
+        </p:style>
+      </p:cxnSp>
+      <p:sp>
+        <p:nvSpPr>
+          <p:cNvPr id="69" name="Flèche : en arc 68">
+            <a:extLst>
+              <a:ext uri="{FF2B5EF4-FFF2-40B4-BE49-F238E27FC236}">
+                <a16:creationId xmlns:a16="http://schemas.microsoft.com/office/drawing/2014/main" id="{A0A7509D-4F0D-413B-B0EE-93E91B761431}"/>
+              </a:ext>
+            </a:extLst>
+          </p:cNvPr>
+          <p:cNvSpPr/>
+          <p:nvPr/>
+        </p:nvSpPr>
+        <p:spPr>
+          <a:xfrm>
+            <a:off x="3600625" y="3448774"/>
+            <a:ext cx="978408" cy="978408"/>
+          </a:xfrm>
+          <a:prstGeom prst="circularArrow">
+            <a:avLst>
+              <a:gd name="adj1" fmla="val 12500"/>
+              <a:gd name="adj2" fmla="val 1142319"/>
+              <a:gd name="adj3" fmla="val 20457681"/>
+              <a:gd name="adj4" fmla="val 2762545"/>
+              <a:gd name="adj5" fmla="val 12500"/>
+            </a:avLst>
+          </a:prstGeom>
+          <a:gradFill>
+            <a:gsLst>
+              <a:gs pos="0">
+                <a:schemeClr val="accent1">
+                  <a:lumMod val="5000"/>
+                  <a:lumOff val="95000"/>
+                </a:schemeClr>
+              </a:gs>
+              <a:gs pos="74000">
+                <a:schemeClr val="accent1">
+                  <a:lumMod val="45000"/>
+                  <a:lumOff val="55000"/>
+                </a:schemeClr>
+              </a:gs>
+              <a:gs pos="83000">
+                <a:schemeClr val="accent1">
+                  <a:lumMod val="45000"/>
+                  <a:lumOff val="55000"/>
+                </a:schemeClr>
+              </a:gs>
+              <a:gs pos="100000">
+                <a:schemeClr val="accent1">
+                  <a:lumMod val="30000"/>
+                  <a:lumOff val="70000"/>
+                </a:schemeClr>
+              </a:gs>
+            </a:gsLst>
+            <a:lin ang="5400000" scaled="1"/>
+          </a:gradFill>
+          <a:ln cap="rnd"/>
+        </p:spPr>
+        <p:style>
+          <a:lnRef idx="2">
+            <a:schemeClr val="accent1">
+              <a:shade val="50000"/>
+            </a:schemeClr>
+          </a:lnRef>
+          <a:fillRef idx="1">
+            <a:schemeClr val="accent1"/>
+          </a:fillRef>
+          <a:effectRef idx="0">
+            <a:schemeClr val="accent1"/>
+          </a:effectRef>
+          <a:fontRef idx="minor">
+            <a:schemeClr val="lt1"/>
+          </a:fontRef>
+        </p:style>
+        <p:txBody>
+          <a:bodyPr rtlCol="0" anchor="ctr"/>
+          <a:lstStyle/>
+          <a:p>
+            <a:pPr algn="ctr"/>
+            <a:endParaRPr lang="en-US" dirty="0">
+              <a:solidFill>
+                <a:schemeClr val="tx1"/>
+              </a:solidFill>
+            </a:endParaRPr>
+          </a:p>
+        </p:txBody>
+      </p:sp>
+      <p:sp>
+        <p:nvSpPr>
+          <p:cNvPr id="70" name="ZoneTexte 69">
+            <a:extLst>
+              <a:ext uri="{FF2B5EF4-FFF2-40B4-BE49-F238E27FC236}">
+                <a16:creationId xmlns:a16="http://schemas.microsoft.com/office/drawing/2014/main" id="{0454E0DA-A088-4056-BD51-40A1FDE4D74E}"/>
+              </a:ext>
+            </a:extLst>
+          </p:cNvPr>
+          <p:cNvSpPr txBox="1"/>
+          <p:nvPr/>
+        </p:nvSpPr>
+        <p:spPr>
+          <a:xfrm>
+            <a:off x="4515161" y="3686300"/>
+            <a:ext cx="649922" cy="923330"/>
+          </a:xfrm>
+          <a:prstGeom prst="rect">
+            <a:avLst/>
+          </a:prstGeom>
+          <a:noFill/>
+        </p:spPr>
+        <p:txBody>
+          <a:bodyPr wrap="none" rtlCol="0">
+            <a:spAutoFit/>
+          </a:bodyPr>
+          <a:lstStyle/>
+          <a:p>
+            <a:r>
+              <a:rPr lang="en-US" dirty="0"/>
+              <a:t>-</a:t>
+            </a:r>
+          </a:p>
+          <a:p>
+            <a:r>
+              <a:rPr lang="en-US" dirty="0"/>
+              <a:t>Pitch</a:t>
+            </a:r>
+          </a:p>
+          <a:p>
+            <a:r>
+              <a:rPr lang="en-US" dirty="0"/>
+              <a:t>+</a:t>
+            </a:r>
+          </a:p>
+        </p:txBody>
+      </p:sp>
+      <p:sp>
+        <p:nvSpPr>
+          <p:cNvPr id="71" name="Flèche : en arc 70">
+            <a:extLst>
+              <a:ext uri="{FF2B5EF4-FFF2-40B4-BE49-F238E27FC236}">
+                <a16:creationId xmlns:a16="http://schemas.microsoft.com/office/drawing/2014/main" id="{31D90B25-69B5-4C78-AF3B-DA9B6E960148}"/>
+              </a:ext>
+            </a:extLst>
+          </p:cNvPr>
+          <p:cNvSpPr/>
+          <p:nvPr/>
+        </p:nvSpPr>
+        <p:spPr>
+          <a:xfrm rot="7603812">
+            <a:off x="6521214" y="4194690"/>
+            <a:ext cx="932059" cy="978408"/>
+          </a:xfrm>
+          <a:prstGeom prst="circularArrow">
+            <a:avLst>
+              <a:gd name="adj1" fmla="val 12500"/>
+              <a:gd name="adj2" fmla="val 1142319"/>
+              <a:gd name="adj3" fmla="val 20457681"/>
+              <a:gd name="adj4" fmla="val 8225766"/>
+              <a:gd name="adj5" fmla="val 12500"/>
+            </a:avLst>
+          </a:prstGeom>
+          <a:gradFill>
+            <a:gsLst>
+              <a:gs pos="0">
+                <a:schemeClr val="accent1">
+                  <a:lumMod val="5000"/>
+                  <a:lumOff val="95000"/>
+                </a:schemeClr>
+              </a:gs>
+              <a:gs pos="74000">
+                <a:schemeClr val="accent1">
+                  <a:lumMod val="45000"/>
+                  <a:lumOff val="55000"/>
+                </a:schemeClr>
+              </a:gs>
+              <a:gs pos="83000">
+                <a:schemeClr val="accent1">
+                  <a:lumMod val="45000"/>
+                  <a:lumOff val="55000"/>
+                </a:schemeClr>
+              </a:gs>
+              <a:gs pos="100000">
+                <a:schemeClr val="accent1">
+                  <a:lumMod val="30000"/>
+                  <a:lumOff val="70000"/>
+                </a:schemeClr>
+              </a:gs>
+            </a:gsLst>
+            <a:lin ang="5400000" scaled="1"/>
+          </a:gradFill>
+        </p:spPr>
+        <p:style>
+          <a:lnRef idx="2">
+            <a:schemeClr val="accent1">
+              <a:shade val="50000"/>
+            </a:schemeClr>
+          </a:lnRef>
+          <a:fillRef idx="1">
+            <a:schemeClr val="accent1"/>
+          </a:fillRef>
+          <a:effectRef idx="0">
+            <a:schemeClr val="accent1"/>
+          </a:effectRef>
+          <a:fontRef idx="minor">
+            <a:schemeClr val="lt1"/>
+          </a:fontRef>
+        </p:style>
+        <p:txBody>
+          <a:bodyPr rtlCol="0" anchor="ctr"/>
+          <a:lstStyle/>
+          <a:p>
+            <a:pPr algn="ctr"/>
+            <a:endParaRPr lang="en-US">
+              <a:solidFill>
+                <a:schemeClr val="tx1"/>
+              </a:solidFill>
+            </a:endParaRPr>
+          </a:p>
+        </p:txBody>
+      </p:sp>
+      <p:sp>
+        <p:nvSpPr>
+          <p:cNvPr id="72" name="ZoneTexte 71">
+            <a:extLst>
+              <a:ext uri="{FF2B5EF4-FFF2-40B4-BE49-F238E27FC236}">
+                <a16:creationId xmlns:a16="http://schemas.microsoft.com/office/drawing/2014/main" id="{1A94E448-AC4B-4BD0-959A-4FEB7F14BCCF}"/>
+              </a:ext>
+            </a:extLst>
+          </p:cNvPr>
+          <p:cNvSpPr txBox="1"/>
+          <p:nvPr/>
+        </p:nvSpPr>
+        <p:spPr>
+          <a:xfrm>
+            <a:off x="6682293" y="4111698"/>
+            <a:ext cx="555858" cy="923330"/>
+          </a:xfrm>
+          <a:prstGeom prst="rect">
+            <a:avLst/>
+          </a:prstGeom>
+          <a:noFill/>
+        </p:spPr>
+        <p:txBody>
+          <a:bodyPr wrap="none" rtlCol="0">
+            <a:spAutoFit/>
+          </a:bodyPr>
+          <a:lstStyle/>
+          <a:p>
+            <a:r>
+              <a:rPr lang="en-US" dirty="0"/>
+              <a:t>-</a:t>
+            </a:r>
+          </a:p>
+          <a:p>
+            <a:r>
+              <a:rPr lang="en-US" dirty="0"/>
+              <a:t>Yaw</a:t>
+            </a:r>
+          </a:p>
+          <a:p>
+            <a:r>
+              <a:rPr lang="en-US" dirty="0"/>
+              <a:t>+</a:t>
+            </a:r>
+          </a:p>
+        </p:txBody>
+      </p:sp>
+    </p:spTree>
+    <p:extLst>
+      <p:ext uri="{BB962C8B-B14F-4D97-AF65-F5344CB8AC3E}">
+        <p14:creationId xmlns:p14="http://schemas.microsoft.com/office/powerpoint/2010/main" val="2746821891"/>
+      </p:ext>
+    </p:extLst>
+  </p:cSld>
+  <p:clrMapOvr>
+    <a:masterClrMapping/>
+  </p:clrMapOvr>
+</p:sld>
+</file>
+
+<file path=ppt/slides/slide7.xml><?xml version="1.0" encoding="utf-8"?>
+<p:sld xmlns:a="http://schemas.openxmlformats.org/drawingml/2006/main" xmlns:r="http://schemas.openxmlformats.org/officeDocument/2006/relationships" xmlns:p="http://schemas.openxmlformats.org/presentationml/2006/main">
+  <p:cSld>
+    <p:spTree>
+      <p:nvGrpSpPr>
+        <p:cNvPr id="1" name=""/>
+        <p:cNvGrpSpPr/>
+        <p:nvPr/>
+      </p:nvGrpSpPr>
+      <p:grpSpPr>
+        <a:xfrm>
+          <a:off x="0" y="0"/>
+          <a:ext cx="0" cy="0"/>
+          <a:chOff x="0" y="0"/>
+          <a:chExt cx="0" cy="0"/>
+        </a:xfrm>
+      </p:grpSpPr>
+      <p:sp>
+        <p:nvSpPr>
+          <p:cNvPr id="2" name="Titre 1">
+            <a:extLst>
+              <a:ext uri="{FF2B5EF4-FFF2-40B4-BE49-F238E27FC236}">
+                <a16:creationId xmlns:a16="http://schemas.microsoft.com/office/drawing/2014/main" id="{7D7887D6-7566-47C9-A25C-3F4F54D9EBDC}"/>
+              </a:ext>
+            </a:extLst>
+          </p:cNvPr>
+          <p:cNvSpPr>
+            <a:spLocks noGrp="1"/>
+          </p:cNvSpPr>
+          <p:nvPr>
+            <p:ph type="title"/>
+          </p:nvPr>
+        </p:nvSpPr>
+        <p:spPr/>
+        <p:txBody>
+          <a:bodyPr/>
+          <a:lstStyle/>
+          <a:p>
+            <a:r>
+              <a:rPr lang="fr-FR" dirty="0"/>
+              <a:t>Drone Command (1/3)</a:t>
+            </a:r>
+          </a:p>
+        </p:txBody>
+      </p:sp>
+      <p:sp>
+        <p:nvSpPr>
+          <p:cNvPr id="3" name="Espace réservé du contenu 2">
+            <a:extLst>
+              <a:ext uri="{FF2B5EF4-FFF2-40B4-BE49-F238E27FC236}">
+                <a16:creationId xmlns:a16="http://schemas.microsoft.com/office/drawing/2014/main" id="{570C9186-32F7-45DB-A01D-E527B032981A}"/>
+              </a:ext>
+            </a:extLst>
+          </p:cNvPr>
+          <p:cNvSpPr>
+            <a:spLocks noGrp="1"/>
+          </p:cNvSpPr>
+          <p:nvPr>
+            <p:ph idx="1"/>
+          </p:nvPr>
+        </p:nvSpPr>
+        <p:spPr/>
+        <p:txBody>
+          <a:bodyPr>
+            <a:normAutofit fontScale="55000" lnSpcReduction="20000"/>
+          </a:bodyPr>
+          <a:lstStyle/>
+          <a:p>
+            <a:r>
+              <a:rPr lang="en-US" sz="2600" dirty="0"/>
+              <a:t>RC Command</a:t>
+            </a:r>
+          </a:p>
+          <a:p>
+            <a:pPr marL="0" indent="0">
+              <a:buNone/>
+            </a:pPr>
+            <a:r>
+              <a:rPr lang="en-US" sz="1800" dirty="0"/>
+              <a:t>for ROLL, PITCH, YAW: range [-90;+90] </a:t>
+            </a:r>
+          </a:p>
+          <a:p>
+            <a:pPr marL="0" indent="0">
+              <a:buNone/>
+            </a:pPr>
+            <a:r>
+              <a:rPr lang="en-US" sz="1800" dirty="0"/>
+              <a:t> for THROTTLE:               0 or value included in [MINPPM;MAXPPM] </a:t>
+            </a:r>
+            <a:r>
+              <a:rPr lang="fr-FR" sz="1800" dirty="0"/>
+              <a:t> </a:t>
+            </a:r>
+          </a:p>
+          <a:p>
+            <a:pPr marL="0" indent="0">
+              <a:buNone/>
+            </a:pPr>
+            <a:r>
+              <a:rPr lang="fr-FR" sz="1800" dirty="0"/>
+              <a:t>for AUX1, AUX2:            0/1</a:t>
+            </a:r>
+          </a:p>
+          <a:p>
+            <a:pPr marL="0" indent="0">
+              <a:buNone/>
+            </a:pPr>
+            <a:endParaRPr lang="fr-FR" sz="1800" dirty="0"/>
+          </a:p>
+          <a:p>
+            <a:r>
+              <a:rPr lang="en-US" sz="2600" dirty="0"/>
+              <a:t>CMPS12</a:t>
+            </a:r>
+          </a:p>
+          <a:p>
+            <a:pPr marL="0" indent="0">
+              <a:buNone/>
+            </a:pPr>
+            <a:r>
+              <a:rPr lang="en-US" sz="1800" dirty="0"/>
+              <a:t>for ROLL, PITCH: range [-90;+90] </a:t>
+            </a:r>
+          </a:p>
+          <a:p>
+            <a:pPr marL="0" indent="0">
+              <a:buNone/>
+            </a:pPr>
+            <a:endParaRPr lang="fr-FR" sz="1800" dirty="0"/>
+          </a:p>
+          <a:p>
+            <a:r>
+              <a:rPr lang="fr-FR" sz="2600" dirty="0"/>
+              <a:t>PID </a:t>
+            </a:r>
+            <a:r>
+              <a:rPr lang="fr-FR" sz="2600" dirty="0" err="1"/>
+              <a:t>computed</a:t>
+            </a:r>
+            <a:r>
+              <a:rPr lang="fr-FR" sz="2600" dirty="0"/>
+              <a:t> for Roll and Pitch </a:t>
+            </a:r>
+            <a:r>
+              <a:rPr lang="fr-FR" sz="2600" dirty="0" err="1"/>
+              <a:t>based</a:t>
+            </a:r>
+            <a:r>
+              <a:rPr lang="fr-FR" sz="2600" dirty="0"/>
+              <a:t> on RC Command vs CMPS12</a:t>
+            </a:r>
+          </a:p>
+          <a:p>
+            <a:pPr marL="0" indent="0">
+              <a:buNone/>
+            </a:pPr>
+            <a:r>
+              <a:rPr lang="da-DK" sz="1800" dirty="0"/>
+              <a:t>error =  command – measure =&gt; error &gt; 0 means increase command.</a:t>
+            </a:r>
+            <a:endParaRPr lang="nb-NO" sz="1800" dirty="0"/>
+          </a:p>
+          <a:p>
+            <a:pPr marL="0" indent="0">
+              <a:buNone/>
+            </a:pPr>
+            <a:r>
+              <a:rPr lang="nb-NO" sz="1900" dirty="0"/>
+              <a:t>PID = (0.6*error) + (0.1*sum_error*sample_in_sec) + (0.3*delta_error/ sample_in_sec)</a:t>
+            </a:r>
+          </a:p>
+          <a:p>
+            <a:pPr marL="0" indent="0">
+              <a:buNone/>
+            </a:pPr>
+            <a:endParaRPr lang="nb-NO" sz="1800" dirty="0"/>
+          </a:p>
+          <a:p>
+            <a:r>
+              <a:rPr lang="fr-FR" sz="2600" dirty="0"/>
+              <a:t>Call </a:t>
+            </a:r>
+            <a:r>
+              <a:rPr lang="fr-FR" sz="2600" dirty="0" err="1"/>
+              <a:t>MotorESC_RunMotors</a:t>
+            </a:r>
+            <a:endParaRPr lang="fr-FR" sz="2600" dirty="0"/>
+          </a:p>
+          <a:p>
+            <a:pPr marL="0" indent="0">
+              <a:buNone/>
+            </a:pPr>
+            <a:r>
+              <a:rPr lang="en-US" sz="1900" dirty="0" err="1"/>
+              <a:t>ESC_command</a:t>
+            </a:r>
+            <a:r>
+              <a:rPr lang="en-US" sz="1900" dirty="0"/>
+              <a:t>[THROTTLE] = </a:t>
+            </a:r>
+            <a:r>
+              <a:rPr lang="en-US" sz="1900" dirty="0" err="1"/>
+              <a:t>RC_command</a:t>
+            </a:r>
+            <a:r>
+              <a:rPr lang="en-US" sz="1900" dirty="0"/>
+              <a:t> Throttle</a:t>
+            </a:r>
+          </a:p>
+          <a:p>
+            <a:pPr marL="0" indent="0">
+              <a:buNone/>
+            </a:pPr>
+            <a:r>
+              <a:rPr lang="en-US" sz="1900" dirty="0" err="1"/>
+              <a:t>ESC_command</a:t>
+            </a:r>
+            <a:r>
+              <a:rPr lang="en-US" sz="1900" dirty="0"/>
+              <a:t>[ROLL]     = PID Roll</a:t>
+            </a:r>
+          </a:p>
+          <a:p>
+            <a:pPr marL="0" indent="0">
+              <a:buNone/>
+            </a:pPr>
+            <a:r>
+              <a:rPr lang="en-US" sz="1900" dirty="0" err="1"/>
+              <a:t>ESC_command</a:t>
+            </a:r>
+            <a:r>
+              <a:rPr lang="en-US" sz="1900" dirty="0"/>
+              <a:t>[PITCH]    = PID Pitch</a:t>
+            </a:r>
+          </a:p>
+          <a:p>
+            <a:pPr marL="0" indent="0">
+              <a:buNone/>
+            </a:pPr>
+            <a:r>
+              <a:rPr lang="en-US" sz="1900" dirty="0" err="1"/>
+              <a:t>ESC_command</a:t>
+            </a:r>
+            <a:r>
+              <a:rPr lang="en-US" sz="1900" dirty="0"/>
+              <a:t>[YAW]      = 0</a:t>
+            </a:r>
+          </a:p>
+          <a:p>
+            <a:pPr marL="0" indent="0">
+              <a:buNone/>
+            </a:pPr>
+            <a:endParaRPr lang="fr-FR" sz="1800" dirty="0"/>
+          </a:p>
+        </p:txBody>
+      </p:sp>
+    </p:spTree>
+    <p:extLst>
+      <p:ext uri="{BB962C8B-B14F-4D97-AF65-F5344CB8AC3E}">
+        <p14:creationId xmlns:p14="http://schemas.microsoft.com/office/powerpoint/2010/main" val="1215779965"/>
+      </p:ext>
+    </p:extLst>
+  </p:cSld>
+  <p:clrMapOvr>
+    <a:masterClrMapping/>
+  </p:clrMapOvr>
+</p:sld>
+</file>
+
+<file path=ppt/slides/slide8.xml><?xml version="1.0" encoding="utf-8"?>
+<p:sld xmlns:a="http://schemas.openxmlformats.org/drawingml/2006/main" xmlns:r="http://schemas.openxmlformats.org/officeDocument/2006/relationships" xmlns:p="http://schemas.openxmlformats.org/presentationml/2006/main">
+  <p:cSld>
+    <p:spTree>
+      <p:nvGrpSpPr>
+        <p:cNvPr id="1" name=""/>
+        <p:cNvGrpSpPr/>
+        <p:nvPr/>
+      </p:nvGrpSpPr>
+      <p:grpSpPr>
+        <a:xfrm>
+          <a:off x="0" y="0"/>
+          <a:ext cx="0" cy="0"/>
+          <a:chOff x="0" y="0"/>
+          <a:chExt cx="0" cy="0"/>
+        </a:xfrm>
+      </p:grpSpPr>
+      <p:sp>
+        <p:nvSpPr>
+          <p:cNvPr id="2" name="Titre 1">
+            <a:extLst>
+              <a:ext uri="{FF2B5EF4-FFF2-40B4-BE49-F238E27FC236}">
+                <a16:creationId xmlns:a16="http://schemas.microsoft.com/office/drawing/2014/main" id="{7D7887D6-7566-47C9-A25C-3F4F54D9EBDC}"/>
+              </a:ext>
+            </a:extLst>
+          </p:cNvPr>
+          <p:cNvSpPr>
+            <a:spLocks noGrp="1"/>
+          </p:cNvSpPr>
+          <p:nvPr>
+            <p:ph type="title"/>
+          </p:nvPr>
+        </p:nvSpPr>
+        <p:spPr/>
+        <p:txBody>
+          <a:bodyPr/>
+          <a:lstStyle/>
+          <a:p>
+            <a:r>
+              <a:rPr lang="fr-FR" dirty="0"/>
+              <a:t>Drone Command (2/3)</a:t>
+            </a:r>
+          </a:p>
+        </p:txBody>
+      </p:sp>
+      <p:sp>
+        <p:nvSpPr>
+          <p:cNvPr id="3" name="Espace réservé du contenu 2">
+            <a:extLst>
+              <a:ext uri="{FF2B5EF4-FFF2-40B4-BE49-F238E27FC236}">
+                <a16:creationId xmlns:a16="http://schemas.microsoft.com/office/drawing/2014/main" id="{570C9186-32F7-45DB-A01D-E527B032981A}"/>
+              </a:ext>
+            </a:extLst>
+          </p:cNvPr>
+          <p:cNvSpPr>
+            <a:spLocks noGrp="1"/>
+          </p:cNvSpPr>
+          <p:nvPr>
+            <p:ph idx="1"/>
+          </p:nvPr>
+        </p:nvSpPr>
+        <p:spPr/>
+        <p:txBody>
+          <a:bodyPr>
+            <a:normAutofit fontScale="47500" lnSpcReduction="20000"/>
+          </a:bodyPr>
+          <a:lstStyle/>
+          <a:p>
+            <a:r>
+              <a:rPr lang="fr-FR" dirty="0" err="1"/>
+              <a:t>MotorESC_RunMotors</a:t>
+            </a:r>
+            <a:endParaRPr lang="fr-FR" dirty="0"/>
+          </a:p>
+          <a:p>
+            <a:pPr marL="0" indent="0">
+              <a:buNone/>
+            </a:pPr>
+            <a:endParaRPr lang="fr-FR" dirty="0"/>
+          </a:p>
+          <a:p>
+            <a:pPr marL="0" indent="0">
+              <a:buNone/>
+            </a:pPr>
+            <a:r>
+              <a:rPr lang="en-US" sz="2100" dirty="0"/>
+              <a:t>if </a:t>
+            </a:r>
+            <a:r>
+              <a:rPr lang="en-US" sz="2100" dirty="0" err="1"/>
+              <a:t>ESC_command</a:t>
+            </a:r>
+            <a:r>
+              <a:rPr lang="en-US" sz="2100" dirty="0"/>
+              <a:t>[THROTTLE] = 0 =&gt; Motors = MINPWM</a:t>
+            </a:r>
+            <a:endParaRPr lang="fr-FR" sz="2100" dirty="0"/>
+          </a:p>
+          <a:p>
+            <a:pPr marL="0" indent="0">
+              <a:buNone/>
+            </a:pPr>
+            <a:r>
+              <a:rPr lang="fr-FR" sz="2100" dirty="0" err="1"/>
+              <a:t>else</a:t>
+            </a:r>
+            <a:r>
+              <a:rPr lang="fr-FR" sz="2100" dirty="0"/>
+              <a:t>:</a:t>
+            </a:r>
+          </a:p>
+          <a:p>
+            <a:pPr marL="0" indent="0">
+              <a:buNone/>
+            </a:pPr>
+            <a:r>
+              <a:rPr lang="fr-FR" sz="2100" dirty="0"/>
+              <a:t>     </a:t>
+            </a:r>
+            <a:r>
+              <a:rPr lang="fr-FR" sz="2100" dirty="0" err="1"/>
+              <a:t>throttle</a:t>
+            </a:r>
+            <a:r>
+              <a:rPr lang="fr-FR" sz="2100" dirty="0"/>
+              <a:t> = </a:t>
+            </a:r>
+            <a:r>
+              <a:rPr lang="fr-FR" sz="2100" dirty="0" err="1"/>
+              <a:t>map</a:t>
+            </a:r>
+            <a:r>
+              <a:rPr lang="fr-FR" sz="2100" dirty="0"/>
+              <a:t>(</a:t>
+            </a:r>
+            <a:r>
+              <a:rPr lang="fr-FR" sz="2100" dirty="0" err="1"/>
+              <a:t>ESC_command</a:t>
+            </a:r>
+            <a:r>
+              <a:rPr lang="fr-FR" sz="2100" dirty="0"/>
+              <a:t>[THROTTLE], MINPPM, MAXPPM, MINPWM, MAXPWM);</a:t>
+            </a:r>
+          </a:p>
+          <a:p>
+            <a:pPr marL="0" indent="0">
+              <a:buNone/>
+            </a:pPr>
+            <a:r>
+              <a:rPr lang="fr-FR" sz="2100" dirty="0"/>
+              <a:t>     </a:t>
+            </a:r>
+            <a:r>
+              <a:rPr lang="fr-FR" sz="2100" dirty="0" err="1"/>
+              <a:t>throttle</a:t>
+            </a:r>
+            <a:r>
+              <a:rPr lang="fr-FR" sz="2100" dirty="0"/>
+              <a:t> = </a:t>
+            </a:r>
+            <a:r>
+              <a:rPr lang="fr-FR" sz="2100" dirty="0" err="1"/>
+              <a:t>constrain</a:t>
+            </a:r>
+            <a:r>
+              <a:rPr lang="fr-FR" sz="2100" dirty="0"/>
+              <a:t>(</a:t>
+            </a:r>
+            <a:r>
+              <a:rPr lang="fr-FR" sz="2100" dirty="0" err="1"/>
+              <a:t>throttle</a:t>
+            </a:r>
+            <a:r>
+              <a:rPr lang="fr-FR" sz="2100" dirty="0"/>
+              <a:t>, MINPWM, MAXPWMTHRO);  // to </a:t>
+            </a:r>
+            <a:r>
+              <a:rPr lang="fr-FR" sz="2100" dirty="0" err="1"/>
+              <a:t>give</a:t>
+            </a:r>
+            <a:r>
+              <a:rPr lang="fr-FR" sz="2100" dirty="0"/>
+              <a:t> room for PID ajustement</a:t>
+            </a:r>
+          </a:p>
+          <a:p>
+            <a:pPr marL="0" indent="0">
+              <a:buNone/>
+            </a:pPr>
+            <a:r>
+              <a:rPr lang="fr-FR" sz="2100" dirty="0"/>
+              <a:t>PIDMIX(X,Y,Z) </a:t>
+            </a:r>
+            <a:r>
+              <a:rPr lang="fr-FR" sz="2100" dirty="0" err="1"/>
+              <a:t>ESC_command</a:t>
+            </a:r>
+            <a:r>
+              <a:rPr lang="fr-FR" sz="2100" dirty="0"/>
+              <a:t>[ROLL]*X + </a:t>
+            </a:r>
+            <a:r>
+              <a:rPr lang="fr-FR" sz="2100" dirty="0" err="1"/>
+              <a:t>ESC_command</a:t>
+            </a:r>
+            <a:r>
+              <a:rPr lang="fr-FR" sz="2100" dirty="0"/>
+              <a:t>[PITCH]*Y + </a:t>
+            </a:r>
+            <a:r>
+              <a:rPr lang="fr-FR" sz="2100" dirty="0" err="1"/>
+              <a:t>ESC_command</a:t>
+            </a:r>
+            <a:r>
+              <a:rPr lang="fr-FR" sz="2100" dirty="0"/>
+              <a:t>[YAW]*Z + </a:t>
+            </a:r>
+            <a:r>
+              <a:rPr lang="fr-FR" sz="2100" dirty="0" err="1"/>
+              <a:t>ESC_command</a:t>
+            </a:r>
+            <a:r>
+              <a:rPr lang="fr-FR" sz="2100" dirty="0"/>
+              <a:t>[THROTTLE]</a:t>
+            </a:r>
+          </a:p>
+          <a:p>
+            <a:pPr marL="0" indent="0">
+              <a:buNone/>
+            </a:pPr>
+            <a:r>
+              <a:rPr lang="fr-FR" sz="2100" dirty="0"/>
+              <a:t>    </a:t>
+            </a:r>
+            <a:r>
+              <a:rPr lang="fr-FR" sz="2100" dirty="0" err="1"/>
+              <a:t>motor</a:t>
+            </a:r>
+            <a:r>
+              <a:rPr lang="fr-FR" sz="2100" dirty="0"/>
+              <a:t>[0] = PIDMIX(+1,-1,-1); //Front </a:t>
+            </a:r>
+            <a:r>
+              <a:rPr lang="fr-FR" sz="2100" dirty="0" err="1"/>
+              <a:t>Left</a:t>
+            </a:r>
+            <a:endParaRPr lang="fr-FR" sz="2100" dirty="0"/>
+          </a:p>
+          <a:p>
+            <a:pPr marL="0" indent="0">
+              <a:buNone/>
+            </a:pPr>
+            <a:r>
+              <a:rPr lang="fr-FR" sz="2100" dirty="0"/>
+              <a:t>    </a:t>
+            </a:r>
+            <a:r>
+              <a:rPr lang="fr-FR" sz="2100" dirty="0" err="1"/>
+              <a:t>motor</a:t>
+            </a:r>
+            <a:r>
+              <a:rPr lang="fr-FR" sz="2100" dirty="0"/>
+              <a:t>[1] = PIDMIX(-1,-1,+1); //Front Right</a:t>
+            </a:r>
+          </a:p>
+          <a:p>
+            <a:pPr marL="0" indent="0">
+              <a:buNone/>
+            </a:pPr>
+            <a:r>
+              <a:rPr lang="fr-FR" sz="2100" dirty="0"/>
+              <a:t>    </a:t>
+            </a:r>
+            <a:r>
+              <a:rPr lang="fr-FR" sz="2100" dirty="0" err="1"/>
+              <a:t>motor</a:t>
+            </a:r>
+            <a:r>
+              <a:rPr lang="fr-FR" sz="2100" dirty="0"/>
+              <a:t>[2] = PIDMIX(-1,+1,-1); //</a:t>
+            </a:r>
+            <a:r>
+              <a:rPr lang="fr-FR" sz="2100" dirty="0" err="1"/>
+              <a:t>Rear</a:t>
+            </a:r>
+            <a:r>
+              <a:rPr lang="fr-FR" sz="2100" dirty="0"/>
+              <a:t> Right</a:t>
+            </a:r>
+          </a:p>
+          <a:p>
+            <a:pPr marL="0" indent="0">
+              <a:buNone/>
+            </a:pPr>
+            <a:r>
+              <a:rPr lang="fr-FR" sz="2100" dirty="0"/>
+              <a:t>    </a:t>
+            </a:r>
+            <a:r>
+              <a:rPr lang="fr-FR" sz="2100" dirty="0" err="1"/>
+              <a:t>motor</a:t>
+            </a:r>
+            <a:r>
+              <a:rPr lang="fr-FR" sz="2100" dirty="0"/>
+              <a:t>[3] = PIDMIX(+1,+1,+1); //</a:t>
+            </a:r>
+            <a:r>
+              <a:rPr lang="fr-FR" sz="2100" dirty="0" err="1"/>
+              <a:t>Rear</a:t>
+            </a:r>
+            <a:r>
+              <a:rPr lang="fr-FR" sz="2100" dirty="0"/>
+              <a:t> </a:t>
+            </a:r>
+            <a:r>
+              <a:rPr lang="fr-FR" sz="2100" dirty="0" err="1"/>
+              <a:t>Left</a:t>
+            </a:r>
+            <a:endParaRPr lang="fr-FR" sz="2100" dirty="0"/>
+          </a:p>
+          <a:p>
+            <a:pPr marL="0" indent="0">
+              <a:buNone/>
+            </a:pPr>
+            <a:r>
+              <a:rPr lang="fr-FR" sz="2100" dirty="0"/>
+              <a:t> for(i=0; i&lt; NBMOTORS; i++) {</a:t>
+            </a:r>
+          </a:p>
+          <a:p>
+            <a:pPr marL="0" indent="0">
+              <a:buNone/>
+            </a:pPr>
+            <a:r>
+              <a:rPr lang="fr-FR" sz="2100" dirty="0"/>
+              <a:t>       _</a:t>
+            </a:r>
+            <a:r>
+              <a:rPr lang="fr-FR" sz="2100" dirty="0" err="1"/>
+              <a:t>motor</a:t>
+            </a:r>
+            <a:r>
+              <a:rPr lang="fr-FR" sz="2100" dirty="0"/>
+              <a:t>[i] = </a:t>
+            </a:r>
+            <a:r>
+              <a:rPr lang="fr-FR" sz="2100" dirty="0" err="1"/>
+              <a:t>map</a:t>
+            </a:r>
+            <a:r>
+              <a:rPr lang="fr-FR" sz="2100" dirty="0"/>
+              <a:t>(_</a:t>
+            </a:r>
+            <a:r>
+              <a:rPr lang="fr-FR" sz="2100" dirty="0" err="1"/>
+              <a:t>motor</a:t>
+            </a:r>
+            <a:r>
+              <a:rPr lang="fr-FR" sz="2100" dirty="0"/>
+              <a:t>[i], -90, 90, -(MAXPWM-MINPWM)/2, (MAXPWM-MINPWM)/2);</a:t>
+            </a:r>
+          </a:p>
+          <a:p>
+            <a:pPr marL="0" indent="0">
+              <a:buNone/>
+            </a:pPr>
+            <a:r>
+              <a:rPr lang="fr-FR" sz="2100" dirty="0"/>
+              <a:t>       _</a:t>
+            </a:r>
+            <a:r>
+              <a:rPr lang="fr-FR" sz="2100" dirty="0" err="1"/>
+              <a:t>motor</a:t>
+            </a:r>
+            <a:r>
+              <a:rPr lang="fr-FR" sz="2100" dirty="0"/>
+              <a:t>[i] = _</a:t>
+            </a:r>
+            <a:r>
+              <a:rPr lang="fr-FR" sz="2100" dirty="0" err="1"/>
+              <a:t>motor</a:t>
+            </a:r>
+            <a:r>
+              <a:rPr lang="fr-FR" sz="2100" dirty="0"/>
+              <a:t>[i] + </a:t>
+            </a:r>
+            <a:r>
+              <a:rPr lang="fr-FR" sz="2100" dirty="0" err="1"/>
+              <a:t>throttle</a:t>
+            </a:r>
+            <a:r>
+              <a:rPr lang="fr-FR" sz="2100" dirty="0"/>
+              <a:t>;</a:t>
+            </a:r>
+          </a:p>
+          <a:p>
+            <a:pPr marL="0" indent="0">
+              <a:buNone/>
+            </a:pPr>
+            <a:r>
+              <a:rPr lang="fr-FR" sz="2100" dirty="0"/>
+              <a:t>if((MAXPWM - _</a:t>
+            </a:r>
+            <a:r>
+              <a:rPr lang="fr-FR" sz="2100" dirty="0" err="1"/>
+              <a:t>motor</a:t>
+            </a:r>
+            <a:r>
+              <a:rPr lang="fr-FR" sz="2100" dirty="0"/>
+              <a:t>[i]) &gt; </a:t>
+            </a:r>
+            <a:r>
+              <a:rPr lang="fr-FR" sz="2100" dirty="0" err="1"/>
+              <a:t>maxMotor</a:t>
+            </a:r>
+            <a:r>
+              <a:rPr lang="fr-FR" sz="2100" dirty="0"/>
+              <a:t>) </a:t>
+            </a:r>
+            <a:r>
+              <a:rPr lang="fr-FR" sz="2100" dirty="0" err="1"/>
+              <a:t>maxMotor</a:t>
+            </a:r>
+            <a:r>
+              <a:rPr lang="fr-FR" sz="2100" dirty="0"/>
+              <a:t> = MAXPWM - _</a:t>
+            </a:r>
+            <a:r>
+              <a:rPr lang="fr-FR" sz="2100" dirty="0" err="1"/>
+              <a:t>motor</a:t>
+            </a:r>
+            <a:r>
+              <a:rPr lang="fr-FR" sz="2100" dirty="0"/>
+              <a:t>[i];</a:t>
+            </a:r>
+          </a:p>
+          <a:p>
+            <a:pPr marL="0" indent="0">
+              <a:buNone/>
+            </a:pPr>
+            <a:r>
+              <a:rPr lang="fr-FR" sz="2100" dirty="0"/>
+              <a:t>if((MINPWM - _</a:t>
+            </a:r>
+            <a:r>
+              <a:rPr lang="fr-FR" sz="2100" dirty="0" err="1"/>
+              <a:t>motor</a:t>
+            </a:r>
+            <a:r>
+              <a:rPr lang="fr-FR" sz="2100" dirty="0"/>
+              <a:t>[i]) &gt; </a:t>
+            </a:r>
+            <a:r>
+              <a:rPr lang="fr-FR" sz="2100" dirty="0" err="1"/>
+              <a:t>minMotor</a:t>
+            </a:r>
+            <a:r>
+              <a:rPr lang="fr-FR" sz="2100" dirty="0"/>
+              <a:t>) </a:t>
+            </a:r>
+            <a:r>
+              <a:rPr lang="fr-FR" sz="2100" dirty="0" err="1"/>
+              <a:t>minMotor</a:t>
+            </a:r>
+            <a:r>
+              <a:rPr lang="fr-FR" sz="2100" dirty="0"/>
+              <a:t> = MINPWM - _</a:t>
+            </a:r>
+            <a:r>
+              <a:rPr lang="fr-FR" sz="2100" dirty="0" err="1"/>
+              <a:t>motor</a:t>
+            </a:r>
+            <a:r>
+              <a:rPr lang="fr-FR" sz="2100" dirty="0"/>
+              <a:t>[i];</a:t>
+            </a:r>
+          </a:p>
+          <a:p>
+            <a:pPr marL="0" indent="0">
+              <a:buNone/>
+            </a:pPr>
+            <a:r>
+              <a:rPr lang="fr-FR" sz="2100" dirty="0"/>
+              <a:t>}</a:t>
+            </a:r>
+          </a:p>
+        </p:txBody>
+      </p:sp>
+    </p:spTree>
+    <p:extLst>
+      <p:ext uri="{BB962C8B-B14F-4D97-AF65-F5344CB8AC3E}">
+        <p14:creationId xmlns:p14="http://schemas.microsoft.com/office/powerpoint/2010/main" val="2221460608"/>
+      </p:ext>
+    </p:extLst>
+  </p:cSld>
+  <p:clrMapOvr>
+    <a:masterClrMapping/>
+  </p:clrMapOvr>
+</p:sld>
+</file>
+
+<file path=ppt/slides/slide9.xml><?xml version="1.0" encoding="utf-8"?>
+<p:sld xmlns:a="http://schemas.openxmlformats.org/drawingml/2006/main" xmlns:r="http://schemas.openxmlformats.org/officeDocument/2006/relationships" xmlns:p="http://schemas.openxmlformats.org/presentationml/2006/main">
+  <p:cSld>
+    <p:spTree>
+      <p:nvGrpSpPr>
+        <p:cNvPr id="1" name=""/>
+        <p:cNvGrpSpPr/>
+        <p:nvPr/>
+      </p:nvGrpSpPr>
+      <p:grpSpPr>
+        <a:xfrm>
+          <a:off x="0" y="0"/>
+          <a:ext cx="0" cy="0"/>
+          <a:chOff x="0" y="0"/>
+          <a:chExt cx="0" cy="0"/>
+        </a:xfrm>
+      </p:grpSpPr>
+      <p:sp>
+        <p:nvSpPr>
+          <p:cNvPr id="2" name="Titre 1">
+            <a:extLst>
+              <a:ext uri="{FF2B5EF4-FFF2-40B4-BE49-F238E27FC236}">
+                <a16:creationId xmlns:a16="http://schemas.microsoft.com/office/drawing/2014/main" id="{7D7887D6-7566-47C9-A25C-3F4F54D9EBDC}"/>
+              </a:ext>
+            </a:extLst>
+          </p:cNvPr>
+          <p:cNvSpPr>
+            <a:spLocks noGrp="1"/>
+          </p:cNvSpPr>
+          <p:nvPr>
+            <p:ph type="title"/>
+          </p:nvPr>
+        </p:nvSpPr>
+        <p:spPr/>
+        <p:txBody>
+          <a:bodyPr/>
+          <a:lstStyle/>
+          <a:p>
+            <a:r>
+              <a:rPr lang="fr-FR" dirty="0"/>
+              <a:t>Drone Command (3/3)</a:t>
+            </a:r>
+          </a:p>
+        </p:txBody>
+      </p:sp>
+      <p:sp>
+        <p:nvSpPr>
+          <p:cNvPr id="3" name="Espace réservé du contenu 2">
+            <a:extLst>
+              <a:ext uri="{FF2B5EF4-FFF2-40B4-BE49-F238E27FC236}">
+                <a16:creationId xmlns:a16="http://schemas.microsoft.com/office/drawing/2014/main" id="{570C9186-32F7-45DB-A01D-E527B032981A}"/>
+              </a:ext>
+            </a:extLst>
+          </p:cNvPr>
+          <p:cNvSpPr>
+            <a:spLocks noGrp="1"/>
+          </p:cNvSpPr>
+          <p:nvPr>
+            <p:ph idx="1"/>
+          </p:nvPr>
+        </p:nvSpPr>
+        <p:spPr/>
+        <p:txBody>
+          <a:bodyPr>
+            <a:normAutofit fontScale="47500" lnSpcReduction="20000"/>
+          </a:bodyPr>
+          <a:lstStyle/>
+          <a:p>
+            <a:pPr marL="0" indent="0">
+              <a:buNone/>
+            </a:pPr>
+            <a:r>
+              <a:rPr lang="en-US" sz="2100" dirty="0"/>
+              <a:t>if (</a:t>
+            </a:r>
+            <a:r>
+              <a:rPr lang="en-US" sz="2100" dirty="0" err="1"/>
+              <a:t>maxMotor</a:t>
+            </a:r>
+            <a:r>
+              <a:rPr lang="en-US" sz="2100" dirty="0"/>
+              <a:t> &gt; 0) {</a:t>
+            </a:r>
+          </a:p>
+          <a:p>
+            <a:pPr marL="0" indent="0">
+              <a:buNone/>
+            </a:pPr>
+            <a:r>
+              <a:rPr lang="en-US" sz="2100" dirty="0"/>
+              <a:t>       for(</a:t>
+            </a:r>
+            <a:r>
+              <a:rPr lang="en-US" sz="2100" dirty="0" err="1"/>
+              <a:t>i</a:t>
+            </a:r>
+            <a:r>
+              <a:rPr lang="en-US" sz="2100" dirty="0"/>
+              <a:t>=0; </a:t>
+            </a:r>
+            <a:r>
+              <a:rPr lang="en-US" sz="2100" dirty="0" err="1"/>
+              <a:t>i</a:t>
+            </a:r>
+            <a:r>
+              <a:rPr lang="en-US" sz="2100" dirty="0"/>
+              <a:t>&lt; NBMOTORS; </a:t>
+            </a:r>
+            <a:r>
+              <a:rPr lang="en-US" sz="2100" dirty="0" err="1"/>
+              <a:t>i</a:t>
+            </a:r>
+            <a:r>
+              <a:rPr lang="en-US" sz="2100" dirty="0"/>
+              <a:t>++) {</a:t>
+            </a:r>
+          </a:p>
+          <a:p>
+            <a:pPr marL="0" indent="0">
+              <a:buNone/>
+            </a:pPr>
+            <a:r>
+              <a:rPr lang="en-US" sz="2100" dirty="0"/>
+              <a:t>_motor[</a:t>
+            </a:r>
+            <a:r>
+              <a:rPr lang="en-US" sz="2100" dirty="0" err="1"/>
+              <a:t>i</a:t>
+            </a:r>
+            <a:r>
+              <a:rPr lang="en-US" sz="2100" dirty="0"/>
+              <a:t>] = _motor[</a:t>
+            </a:r>
+            <a:r>
+              <a:rPr lang="en-US" sz="2100" dirty="0" err="1"/>
+              <a:t>i</a:t>
+            </a:r>
+            <a:r>
+              <a:rPr lang="en-US" sz="2100" dirty="0"/>
+              <a:t>] - </a:t>
+            </a:r>
+            <a:r>
+              <a:rPr lang="en-US" sz="2100" dirty="0" err="1"/>
+              <a:t>maxMotor</a:t>
+            </a:r>
+            <a:r>
+              <a:rPr lang="en-US" sz="2100" dirty="0"/>
+              <a:t>;</a:t>
+            </a:r>
+          </a:p>
+          <a:p>
+            <a:pPr marL="0" indent="0">
+              <a:buNone/>
+            </a:pPr>
+            <a:r>
+              <a:rPr lang="en-US" sz="2100" dirty="0"/>
+              <a:t>if((MINPWM - _motor[</a:t>
+            </a:r>
+            <a:r>
+              <a:rPr lang="en-US" sz="2100" dirty="0" err="1"/>
+              <a:t>i</a:t>
+            </a:r>
+            <a:r>
+              <a:rPr lang="en-US" sz="2100" dirty="0"/>
+              <a:t>]) &gt; </a:t>
+            </a:r>
+            <a:r>
+              <a:rPr lang="en-US" sz="2100" dirty="0" err="1"/>
+              <a:t>minMotor</a:t>
+            </a:r>
+            <a:r>
+              <a:rPr lang="en-US" sz="2100" dirty="0"/>
+              <a:t>) </a:t>
+            </a:r>
+            <a:r>
+              <a:rPr lang="en-US" sz="2100" dirty="0" err="1"/>
+              <a:t>minMotor</a:t>
+            </a:r>
+            <a:r>
+              <a:rPr lang="en-US" sz="2100" dirty="0"/>
+              <a:t> = MINPWM - _motor[</a:t>
+            </a:r>
+            <a:r>
+              <a:rPr lang="en-US" sz="2100" dirty="0" err="1"/>
+              <a:t>i</a:t>
+            </a:r>
+            <a:r>
+              <a:rPr lang="en-US" sz="2100" dirty="0"/>
+              <a:t>];</a:t>
+            </a:r>
+          </a:p>
+          <a:p>
+            <a:pPr marL="0" indent="0">
+              <a:buNone/>
+            </a:pPr>
+            <a:r>
+              <a:rPr lang="en-US" sz="2100" dirty="0"/>
+              <a:t>}</a:t>
+            </a:r>
+          </a:p>
+          <a:p>
+            <a:pPr marL="0" indent="0">
+              <a:buNone/>
+            </a:pPr>
+            <a:r>
+              <a:rPr lang="en-US" sz="2100" dirty="0"/>
+              <a:t>    }</a:t>
+            </a:r>
+          </a:p>
+          <a:p>
+            <a:pPr marL="0" indent="0">
+              <a:buNone/>
+            </a:pPr>
+            <a:r>
+              <a:rPr lang="en-US" sz="2100" dirty="0"/>
+              <a:t>    </a:t>
+            </a:r>
+          </a:p>
+          <a:p>
+            <a:pPr marL="0" indent="0">
+              <a:buNone/>
+            </a:pPr>
+            <a:r>
+              <a:rPr lang="en-US" sz="2100" dirty="0"/>
+              <a:t>    if (</a:t>
+            </a:r>
+            <a:r>
+              <a:rPr lang="en-US" sz="2100" dirty="0" err="1"/>
+              <a:t>minMotor</a:t>
+            </a:r>
+            <a:r>
+              <a:rPr lang="en-US" sz="2100" dirty="0"/>
+              <a:t> &gt; 0) {</a:t>
+            </a:r>
+          </a:p>
+          <a:p>
+            <a:pPr marL="0" indent="0">
+              <a:buNone/>
+            </a:pPr>
+            <a:r>
+              <a:rPr lang="en-US" sz="2100" dirty="0"/>
+              <a:t>       for(</a:t>
+            </a:r>
+            <a:r>
+              <a:rPr lang="en-US" sz="2100" dirty="0" err="1"/>
+              <a:t>i</a:t>
+            </a:r>
+            <a:r>
+              <a:rPr lang="en-US" sz="2100" dirty="0"/>
+              <a:t>=0; </a:t>
+            </a:r>
+            <a:r>
+              <a:rPr lang="en-US" sz="2100" dirty="0" err="1"/>
+              <a:t>i</a:t>
+            </a:r>
+            <a:r>
+              <a:rPr lang="en-US" sz="2100" dirty="0"/>
+              <a:t>&lt; NBMOTORS; </a:t>
+            </a:r>
+            <a:r>
+              <a:rPr lang="en-US" sz="2100" dirty="0" err="1"/>
+              <a:t>i</a:t>
+            </a:r>
+            <a:r>
+              <a:rPr lang="en-US" sz="2100" dirty="0"/>
+              <a:t>++) {</a:t>
+            </a:r>
+          </a:p>
+          <a:p>
+            <a:pPr marL="0" indent="0">
+              <a:buNone/>
+            </a:pPr>
+            <a:r>
+              <a:rPr lang="en-US" sz="2100" dirty="0"/>
+              <a:t>_motor[</a:t>
+            </a:r>
+            <a:r>
+              <a:rPr lang="en-US" sz="2100" dirty="0" err="1"/>
+              <a:t>i</a:t>
+            </a:r>
+            <a:r>
+              <a:rPr lang="en-US" sz="2100" dirty="0"/>
+              <a:t>] = _motor[</a:t>
+            </a:r>
+            <a:r>
+              <a:rPr lang="en-US" sz="2100" dirty="0" err="1"/>
+              <a:t>i</a:t>
+            </a:r>
+            <a:r>
+              <a:rPr lang="en-US" sz="2100" dirty="0"/>
+              <a:t>] + </a:t>
+            </a:r>
+            <a:r>
+              <a:rPr lang="en-US" sz="2100" dirty="0" err="1"/>
+              <a:t>minMotor</a:t>
+            </a:r>
+            <a:r>
+              <a:rPr lang="en-US" sz="2100" dirty="0"/>
+              <a:t>;</a:t>
+            </a:r>
+          </a:p>
+          <a:p>
+            <a:pPr marL="0" indent="0">
+              <a:buNone/>
+            </a:pPr>
+            <a:r>
+              <a:rPr lang="en-US" sz="2100" dirty="0"/>
+              <a:t>}  </a:t>
+            </a:r>
+          </a:p>
+          <a:p>
+            <a:pPr marL="0" indent="0">
+              <a:buNone/>
+            </a:pPr>
+            <a:r>
+              <a:rPr lang="en-US" sz="2100" dirty="0"/>
+              <a:t>    }</a:t>
+            </a:r>
+          </a:p>
+          <a:p>
+            <a:pPr marL="0" indent="0">
+              <a:buNone/>
+            </a:pPr>
+            <a:r>
+              <a:rPr lang="en-US" sz="2100" dirty="0"/>
+              <a:t>    </a:t>
+            </a:r>
+          </a:p>
+          <a:p>
+            <a:pPr marL="0" indent="0">
+              <a:buNone/>
+            </a:pPr>
+            <a:r>
+              <a:rPr lang="en-US" sz="2100" dirty="0"/>
+              <a:t>    if ((</a:t>
+            </a:r>
+            <a:r>
+              <a:rPr lang="en-US" sz="2100" dirty="0" err="1"/>
+              <a:t>minMotor</a:t>
+            </a:r>
+            <a:r>
+              <a:rPr lang="en-US" sz="2100" dirty="0"/>
+              <a:t> &gt; 0) || (</a:t>
+            </a:r>
+            <a:r>
+              <a:rPr lang="en-US" sz="2100" dirty="0" err="1"/>
+              <a:t>maxMotor</a:t>
+            </a:r>
+            <a:r>
+              <a:rPr lang="en-US" sz="2100" dirty="0"/>
+              <a:t> &gt; 0)) {</a:t>
+            </a:r>
+          </a:p>
+          <a:p>
+            <a:pPr marL="0" indent="0">
+              <a:buNone/>
+            </a:pPr>
+            <a:r>
+              <a:rPr lang="en-US" sz="2100" dirty="0"/>
+              <a:t>       for(</a:t>
+            </a:r>
+            <a:r>
+              <a:rPr lang="en-US" sz="2100" dirty="0" err="1"/>
+              <a:t>i</a:t>
+            </a:r>
+            <a:r>
+              <a:rPr lang="en-US" sz="2100" dirty="0"/>
+              <a:t>=0; </a:t>
+            </a:r>
+            <a:r>
+              <a:rPr lang="en-US" sz="2100" dirty="0" err="1"/>
+              <a:t>i</a:t>
+            </a:r>
+            <a:r>
+              <a:rPr lang="en-US" sz="2100" dirty="0"/>
+              <a:t>&lt; NBMOTORS; </a:t>
+            </a:r>
+            <a:r>
+              <a:rPr lang="en-US" sz="2100" dirty="0" err="1"/>
+              <a:t>i</a:t>
+            </a:r>
+            <a:r>
+              <a:rPr lang="en-US" sz="2100" dirty="0"/>
+              <a:t>++) {</a:t>
+            </a:r>
+          </a:p>
+          <a:p>
+            <a:pPr marL="0" indent="0">
+              <a:buNone/>
+            </a:pPr>
+            <a:r>
+              <a:rPr lang="en-US" sz="2100" dirty="0"/>
+              <a:t>_motor[</a:t>
+            </a:r>
+            <a:r>
+              <a:rPr lang="en-US" sz="2100" dirty="0" err="1"/>
+              <a:t>i</a:t>
+            </a:r>
+            <a:r>
+              <a:rPr lang="en-US" sz="2100" dirty="0"/>
+              <a:t>] = constrain(_motor[</a:t>
+            </a:r>
+            <a:r>
+              <a:rPr lang="en-US" sz="2100" dirty="0" err="1"/>
+              <a:t>i</a:t>
+            </a:r>
+            <a:r>
+              <a:rPr lang="en-US" sz="2100" dirty="0"/>
+              <a:t>], MINPWM, MAXPWM);  // last cap if still needed after up and bottom cap</a:t>
+            </a:r>
+          </a:p>
+          <a:p>
+            <a:pPr marL="0" indent="0">
+              <a:buNone/>
+            </a:pPr>
+            <a:r>
+              <a:rPr lang="en-US" sz="2100" dirty="0"/>
+              <a:t>}  </a:t>
+            </a:r>
+          </a:p>
+          <a:p>
+            <a:pPr marL="0" indent="0">
+              <a:buNone/>
+            </a:pPr>
+            <a:r>
+              <a:rPr lang="en-US" sz="2100" dirty="0"/>
+              <a:t>    }</a:t>
+            </a:r>
+            <a:endParaRPr lang="fr-FR" sz="2100" dirty="0"/>
+          </a:p>
+        </p:txBody>
+      </p:sp>
+    </p:spTree>
+    <p:extLst>
+      <p:ext uri="{BB962C8B-B14F-4D97-AF65-F5344CB8AC3E}">
+        <p14:creationId xmlns:p14="http://schemas.microsoft.com/office/powerpoint/2010/main" val="562448934"/>
       </p:ext>
     </p:extLst>
   </p:cSld>

--- a/libraries/Diagramm Drone.pptx
+++ b/libraries/Diagramm Drone.pptx
@@ -115,7 +115,7 @@
   </p:defaultTextStyle>
   <p:extLst>
     <p:ext uri="{EFAFB233-063F-42B5-8137-9DF3F51BA10A}">
-      <p15:sldGuideLst xmlns:p15="http://schemas.microsoft.com/office/powerpoint/2012/main" xmlns="">
+      <p15:sldGuideLst xmlns:p15="http://schemas.microsoft.com/office/powerpoint/2012/main">
         <p15:guide id="1" orient="horz" pos="2160">
           <p15:clr>
             <a:srgbClr val="A4A3A4"/>
@@ -154,7 +154,7 @@
           <p:cNvPr id="2" name="Titre 1">
             <a:extLst>
               <a:ext uri="{FF2B5EF4-FFF2-40B4-BE49-F238E27FC236}">
-                <a16:creationId xmlns:a16="http://schemas.microsoft.com/office/drawing/2014/main" xmlns="" id="{82F2BF23-3BD4-4DB9-AB69-A20E9348F073}"/>
+                <a16:creationId xmlns:a16="http://schemas.microsoft.com/office/drawing/2014/main" id="{82F2BF23-3BD4-4DB9-AB69-A20E9348F073}"/>
               </a:ext>
             </a:extLst>
           </p:cNvPr>
@@ -191,7 +191,7 @@
           <p:cNvPr id="3" name="Sous-titre 2">
             <a:extLst>
               <a:ext uri="{FF2B5EF4-FFF2-40B4-BE49-F238E27FC236}">
-                <a16:creationId xmlns:a16="http://schemas.microsoft.com/office/drawing/2014/main" xmlns="" id="{9CBF2C32-9AA0-4BC9-8296-5ECCD4602D9E}"/>
+                <a16:creationId xmlns:a16="http://schemas.microsoft.com/office/drawing/2014/main" id="{9CBF2C32-9AA0-4BC9-8296-5ECCD4602D9E}"/>
               </a:ext>
             </a:extLst>
           </p:cNvPr>
@@ -261,7 +261,7 @@
           <p:cNvPr id="4" name="Espace réservé de la date 3">
             <a:extLst>
               <a:ext uri="{FF2B5EF4-FFF2-40B4-BE49-F238E27FC236}">
-                <a16:creationId xmlns:a16="http://schemas.microsoft.com/office/drawing/2014/main" xmlns="" id="{BF158CD2-D2C7-4909-A17E-5FDA5E0DAB6B}"/>
+                <a16:creationId xmlns:a16="http://schemas.microsoft.com/office/drawing/2014/main" id="{BF158CD2-D2C7-4909-A17E-5FDA5E0DAB6B}"/>
               </a:ext>
             </a:extLst>
           </p:cNvPr>
@@ -290,7 +290,7 @@
           <p:cNvPr id="5" name="Espace réservé du pied de page 4">
             <a:extLst>
               <a:ext uri="{FF2B5EF4-FFF2-40B4-BE49-F238E27FC236}">
-                <a16:creationId xmlns:a16="http://schemas.microsoft.com/office/drawing/2014/main" xmlns="" id="{04574FFD-3917-4D5D-A57C-CBBCF2C222BB}"/>
+                <a16:creationId xmlns:a16="http://schemas.microsoft.com/office/drawing/2014/main" id="{04574FFD-3917-4D5D-A57C-CBBCF2C222BB}"/>
               </a:ext>
             </a:extLst>
           </p:cNvPr>
@@ -315,7 +315,7 @@
           <p:cNvPr id="6" name="Espace réservé du numéro de diapositive 5">
             <a:extLst>
               <a:ext uri="{FF2B5EF4-FFF2-40B4-BE49-F238E27FC236}">
-                <a16:creationId xmlns:a16="http://schemas.microsoft.com/office/drawing/2014/main" xmlns="" id="{8DE357AB-CECA-4E39-9B33-BF3917B2F14D}"/>
+                <a16:creationId xmlns:a16="http://schemas.microsoft.com/office/drawing/2014/main" id="{8DE357AB-CECA-4E39-9B33-BF3917B2F14D}"/>
               </a:ext>
             </a:extLst>
           </p:cNvPr>
@@ -374,7 +374,7 @@
           <p:cNvPr id="2" name="Titre 1">
             <a:extLst>
               <a:ext uri="{FF2B5EF4-FFF2-40B4-BE49-F238E27FC236}">
-                <a16:creationId xmlns:a16="http://schemas.microsoft.com/office/drawing/2014/main" xmlns="" id="{E3EE72AF-8CE8-4961-AE56-4014D773ED70}"/>
+                <a16:creationId xmlns:a16="http://schemas.microsoft.com/office/drawing/2014/main" id="{E3EE72AF-8CE8-4961-AE56-4014D773ED70}"/>
               </a:ext>
             </a:extLst>
           </p:cNvPr>
@@ -402,7 +402,7 @@
           <p:cNvPr id="3" name="Espace réservé du texte vertical 2">
             <a:extLst>
               <a:ext uri="{FF2B5EF4-FFF2-40B4-BE49-F238E27FC236}">
-                <a16:creationId xmlns:a16="http://schemas.microsoft.com/office/drawing/2014/main" xmlns="" id="{7EC6808C-90B3-40B3-824F-0DBDA5446B10}"/>
+                <a16:creationId xmlns:a16="http://schemas.microsoft.com/office/drawing/2014/main" id="{7EC6808C-90B3-40B3-824F-0DBDA5446B10}"/>
               </a:ext>
             </a:extLst>
           </p:cNvPr>
@@ -459,7 +459,7 @@
           <p:cNvPr id="4" name="Espace réservé de la date 3">
             <a:extLst>
               <a:ext uri="{FF2B5EF4-FFF2-40B4-BE49-F238E27FC236}">
-                <a16:creationId xmlns:a16="http://schemas.microsoft.com/office/drawing/2014/main" xmlns="" id="{051F8989-E312-47E3-964F-4EC444B87383}"/>
+                <a16:creationId xmlns:a16="http://schemas.microsoft.com/office/drawing/2014/main" id="{051F8989-E312-47E3-964F-4EC444B87383}"/>
               </a:ext>
             </a:extLst>
           </p:cNvPr>
@@ -488,7 +488,7 @@
           <p:cNvPr id="5" name="Espace réservé du pied de page 4">
             <a:extLst>
               <a:ext uri="{FF2B5EF4-FFF2-40B4-BE49-F238E27FC236}">
-                <a16:creationId xmlns:a16="http://schemas.microsoft.com/office/drawing/2014/main" xmlns="" id="{3CA649D0-6C2D-45F7-B05D-28EBC6055A04}"/>
+                <a16:creationId xmlns:a16="http://schemas.microsoft.com/office/drawing/2014/main" id="{3CA649D0-6C2D-45F7-B05D-28EBC6055A04}"/>
               </a:ext>
             </a:extLst>
           </p:cNvPr>
@@ -513,7 +513,7 @@
           <p:cNvPr id="6" name="Espace réservé du numéro de diapositive 5">
             <a:extLst>
               <a:ext uri="{FF2B5EF4-FFF2-40B4-BE49-F238E27FC236}">
-                <a16:creationId xmlns:a16="http://schemas.microsoft.com/office/drawing/2014/main" xmlns="" id="{70853218-BF96-4B7C-9B3A-4D31A2282848}"/>
+                <a16:creationId xmlns:a16="http://schemas.microsoft.com/office/drawing/2014/main" id="{70853218-BF96-4B7C-9B3A-4D31A2282848}"/>
               </a:ext>
             </a:extLst>
           </p:cNvPr>
@@ -572,7 +572,7 @@
           <p:cNvPr id="2" name="Titre vertical 1">
             <a:extLst>
               <a:ext uri="{FF2B5EF4-FFF2-40B4-BE49-F238E27FC236}">
-                <a16:creationId xmlns:a16="http://schemas.microsoft.com/office/drawing/2014/main" xmlns="" id="{3B98E2F4-6A3E-4A5A-8986-2DBC3038872B}"/>
+                <a16:creationId xmlns:a16="http://schemas.microsoft.com/office/drawing/2014/main" id="{3B98E2F4-6A3E-4A5A-8986-2DBC3038872B}"/>
               </a:ext>
             </a:extLst>
           </p:cNvPr>
@@ -605,7 +605,7 @@
           <p:cNvPr id="3" name="Espace réservé du texte vertical 2">
             <a:extLst>
               <a:ext uri="{FF2B5EF4-FFF2-40B4-BE49-F238E27FC236}">
-                <a16:creationId xmlns:a16="http://schemas.microsoft.com/office/drawing/2014/main" xmlns="" id="{C0F9346F-8EF0-429E-9C2C-A68B3DF3FDEE}"/>
+                <a16:creationId xmlns:a16="http://schemas.microsoft.com/office/drawing/2014/main" id="{C0F9346F-8EF0-429E-9C2C-A68B3DF3FDEE}"/>
               </a:ext>
             </a:extLst>
           </p:cNvPr>
@@ -667,7 +667,7 @@
           <p:cNvPr id="4" name="Espace réservé de la date 3">
             <a:extLst>
               <a:ext uri="{FF2B5EF4-FFF2-40B4-BE49-F238E27FC236}">
-                <a16:creationId xmlns:a16="http://schemas.microsoft.com/office/drawing/2014/main" xmlns="" id="{99192607-4FD8-4628-9044-B86EDD986E35}"/>
+                <a16:creationId xmlns:a16="http://schemas.microsoft.com/office/drawing/2014/main" id="{99192607-4FD8-4628-9044-B86EDD986E35}"/>
               </a:ext>
             </a:extLst>
           </p:cNvPr>
@@ -696,7 +696,7 @@
           <p:cNvPr id="5" name="Espace réservé du pied de page 4">
             <a:extLst>
               <a:ext uri="{FF2B5EF4-FFF2-40B4-BE49-F238E27FC236}">
-                <a16:creationId xmlns:a16="http://schemas.microsoft.com/office/drawing/2014/main" xmlns="" id="{D2F23AA7-0F6C-4DF3-878A-1A540CB863FD}"/>
+                <a16:creationId xmlns:a16="http://schemas.microsoft.com/office/drawing/2014/main" id="{D2F23AA7-0F6C-4DF3-878A-1A540CB863FD}"/>
               </a:ext>
             </a:extLst>
           </p:cNvPr>
@@ -721,7 +721,7 @@
           <p:cNvPr id="6" name="Espace réservé du numéro de diapositive 5">
             <a:extLst>
               <a:ext uri="{FF2B5EF4-FFF2-40B4-BE49-F238E27FC236}">
-                <a16:creationId xmlns:a16="http://schemas.microsoft.com/office/drawing/2014/main" xmlns="" id="{449D4CF9-B1EB-42DF-ADCA-7B640B5F3695}"/>
+                <a16:creationId xmlns:a16="http://schemas.microsoft.com/office/drawing/2014/main" id="{449D4CF9-B1EB-42DF-ADCA-7B640B5F3695}"/>
               </a:ext>
             </a:extLst>
           </p:cNvPr>
@@ -780,7 +780,7 @@
           <p:cNvPr id="2" name="Titre 1">
             <a:extLst>
               <a:ext uri="{FF2B5EF4-FFF2-40B4-BE49-F238E27FC236}">
-                <a16:creationId xmlns:a16="http://schemas.microsoft.com/office/drawing/2014/main" xmlns="" id="{60EFC288-1E48-49D9-8FD4-1C4BDBCBDA06}"/>
+                <a16:creationId xmlns:a16="http://schemas.microsoft.com/office/drawing/2014/main" id="{60EFC288-1E48-49D9-8FD4-1C4BDBCBDA06}"/>
               </a:ext>
             </a:extLst>
           </p:cNvPr>
@@ -808,7 +808,7 @@
           <p:cNvPr id="3" name="Espace réservé du contenu 2">
             <a:extLst>
               <a:ext uri="{FF2B5EF4-FFF2-40B4-BE49-F238E27FC236}">
-                <a16:creationId xmlns:a16="http://schemas.microsoft.com/office/drawing/2014/main" xmlns="" id="{071EFF41-B940-4205-90A9-31A0DC764D5A}"/>
+                <a16:creationId xmlns:a16="http://schemas.microsoft.com/office/drawing/2014/main" id="{071EFF41-B940-4205-90A9-31A0DC764D5A}"/>
               </a:ext>
             </a:extLst>
           </p:cNvPr>
@@ -865,7 +865,7 @@
           <p:cNvPr id="4" name="Espace réservé de la date 3">
             <a:extLst>
               <a:ext uri="{FF2B5EF4-FFF2-40B4-BE49-F238E27FC236}">
-                <a16:creationId xmlns:a16="http://schemas.microsoft.com/office/drawing/2014/main" xmlns="" id="{E0B059E5-BE6B-4268-BA41-CF8535146A55}"/>
+                <a16:creationId xmlns:a16="http://schemas.microsoft.com/office/drawing/2014/main" id="{E0B059E5-BE6B-4268-BA41-CF8535146A55}"/>
               </a:ext>
             </a:extLst>
           </p:cNvPr>
@@ -894,7 +894,7 @@
           <p:cNvPr id="5" name="Espace réservé du pied de page 4">
             <a:extLst>
               <a:ext uri="{FF2B5EF4-FFF2-40B4-BE49-F238E27FC236}">
-                <a16:creationId xmlns:a16="http://schemas.microsoft.com/office/drawing/2014/main" xmlns="" id="{E6EBD889-985E-4D7C-992F-C5F1A4098F6D}"/>
+                <a16:creationId xmlns:a16="http://schemas.microsoft.com/office/drawing/2014/main" id="{E6EBD889-985E-4D7C-992F-C5F1A4098F6D}"/>
               </a:ext>
             </a:extLst>
           </p:cNvPr>
@@ -919,7 +919,7 @@
           <p:cNvPr id="6" name="Espace réservé du numéro de diapositive 5">
             <a:extLst>
               <a:ext uri="{FF2B5EF4-FFF2-40B4-BE49-F238E27FC236}">
-                <a16:creationId xmlns:a16="http://schemas.microsoft.com/office/drawing/2014/main" xmlns="" id="{9885CD9E-02DF-4166-9D3D-F697435E6421}"/>
+                <a16:creationId xmlns:a16="http://schemas.microsoft.com/office/drawing/2014/main" id="{9885CD9E-02DF-4166-9D3D-F697435E6421}"/>
               </a:ext>
             </a:extLst>
           </p:cNvPr>
@@ -978,7 +978,7 @@
           <p:cNvPr id="2" name="Titre 1">
             <a:extLst>
               <a:ext uri="{FF2B5EF4-FFF2-40B4-BE49-F238E27FC236}">
-                <a16:creationId xmlns:a16="http://schemas.microsoft.com/office/drawing/2014/main" xmlns="" id="{0DBCAEF3-2014-4E7B-BE97-53DE02AF5E75}"/>
+                <a16:creationId xmlns:a16="http://schemas.microsoft.com/office/drawing/2014/main" id="{0DBCAEF3-2014-4E7B-BE97-53DE02AF5E75}"/>
               </a:ext>
             </a:extLst>
           </p:cNvPr>
@@ -1015,7 +1015,7 @@
           <p:cNvPr id="3" name="Espace réservé du texte 2">
             <a:extLst>
               <a:ext uri="{FF2B5EF4-FFF2-40B4-BE49-F238E27FC236}">
-                <a16:creationId xmlns:a16="http://schemas.microsoft.com/office/drawing/2014/main" xmlns="" id="{1AADB57C-CFC2-4839-8069-72CC945EC3C7}"/>
+                <a16:creationId xmlns:a16="http://schemas.microsoft.com/office/drawing/2014/main" id="{1AADB57C-CFC2-4839-8069-72CC945EC3C7}"/>
               </a:ext>
             </a:extLst>
           </p:cNvPr>
@@ -1140,7 +1140,7 @@
           <p:cNvPr id="4" name="Espace réservé de la date 3">
             <a:extLst>
               <a:ext uri="{FF2B5EF4-FFF2-40B4-BE49-F238E27FC236}">
-                <a16:creationId xmlns:a16="http://schemas.microsoft.com/office/drawing/2014/main" xmlns="" id="{288AFFEB-8D36-42FA-8F5B-87DF296BCABB}"/>
+                <a16:creationId xmlns:a16="http://schemas.microsoft.com/office/drawing/2014/main" id="{288AFFEB-8D36-42FA-8F5B-87DF296BCABB}"/>
               </a:ext>
             </a:extLst>
           </p:cNvPr>
@@ -1169,7 +1169,7 @@
           <p:cNvPr id="5" name="Espace réservé du pied de page 4">
             <a:extLst>
               <a:ext uri="{FF2B5EF4-FFF2-40B4-BE49-F238E27FC236}">
-                <a16:creationId xmlns:a16="http://schemas.microsoft.com/office/drawing/2014/main" xmlns="" id="{0CEF7E66-B595-49BC-B25F-C42DA152CA57}"/>
+                <a16:creationId xmlns:a16="http://schemas.microsoft.com/office/drawing/2014/main" id="{0CEF7E66-B595-49BC-B25F-C42DA152CA57}"/>
               </a:ext>
             </a:extLst>
           </p:cNvPr>
@@ -1194,7 +1194,7 @@
           <p:cNvPr id="6" name="Espace réservé du numéro de diapositive 5">
             <a:extLst>
               <a:ext uri="{FF2B5EF4-FFF2-40B4-BE49-F238E27FC236}">
-                <a16:creationId xmlns:a16="http://schemas.microsoft.com/office/drawing/2014/main" xmlns="" id="{178E2A10-8C7B-4BFF-A32C-9402BCF883AC}"/>
+                <a16:creationId xmlns:a16="http://schemas.microsoft.com/office/drawing/2014/main" id="{178E2A10-8C7B-4BFF-A32C-9402BCF883AC}"/>
               </a:ext>
             </a:extLst>
           </p:cNvPr>
@@ -1253,7 +1253,7 @@
           <p:cNvPr id="2" name="Titre 1">
             <a:extLst>
               <a:ext uri="{FF2B5EF4-FFF2-40B4-BE49-F238E27FC236}">
-                <a16:creationId xmlns:a16="http://schemas.microsoft.com/office/drawing/2014/main" xmlns="" id="{B52C6A58-8CF2-46BD-BC49-C5DA86580E40}"/>
+                <a16:creationId xmlns:a16="http://schemas.microsoft.com/office/drawing/2014/main" id="{B52C6A58-8CF2-46BD-BC49-C5DA86580E40}"/>
               </a:ext>
             </a:extLst>
           </p:cNvPr>
@@ -1281,7 +1281,7 @@
           <p:cNvPr id="3" name="Espace réservé du contenu 2">
             <a:extLst>
               <a:ext uri="{FF2B5EF4-FFF2-40B4-BE49-F238E27FC236}">
-                <a16:creationId xmlns:a16="http://schemas.microsoft.com/office/drawing/2014/main" xmlns="" id="{B55BB1BA-B9AD-4205-92AF-B582E5822225}"/>
+                <a16:creationId xmlns:a16="http://schemas.microsoft.com/office/drawing/2014/main" id="{B55BB1BA-B9AD-4205-92AF-B582E5822225}"/>
               </a:ext>
             </a:extLst>
           </p:cNvPr>
@@ -1343,7 +1343,7 @@
           <p:cNvPr id="4" name="Espace réservé du contenu 3">
             <a:extLst>
               <a:ext uri="{FF2B5EF4-FFF2-40B4-BE49-F238E27FC236}">
-                <a16:creationId xmlns:a16="http://schemas.microsoft.com/office/drawing/2014/main" xmlns="" id="{7F9AC192-4836-42D3-A548-DCDF314D25EB}"/>
+                <a16:creationId xmlns:a16="http://schemas.microsoft.com/office/drawing/2014/main" id="{7F9AC192-4836-42D3-A548-DCDF314D25EB}"/>
               </a:ext>
             </a:extLst>
           </p:cNvPr>
@@ -1405,7 +1405,7 @@
           <p:cNvPr id="5" name="Espace réservé de la date 4">
             <a:extLst>
               <a:ext uri="{FF2B5EF4-FFF2-40B4-BE49-F238E27FC236}">
-                <a16:creationId xmlns:a16="http://schemas.microsoft.com/office/drawing/2014/main" xmlns="" id="{A4E28A11-6314-46FA-98BB-A56087EE27CF}"/>
+                <a16:creationId xmlns:a16="http://schemas.microsoft.com/office/drawing/2014/main" id="{A4E28A11-6314-46FA-98BB-A56087EE27CF}"/>
               </a:ext>
             </a:extLst>
           </p:cNvPr>
@@ -1434,7 +1434,7 @@
           <p:cNvPr id="6" name="Espace réservé du pied de page 5">
             <a:extLst>
               <a:ext uri="{FF2B5EF4-FFF2-40B4-BE49-F238E27FC236}">
-                <a16:creationId xmlns:a16="http://schemas.microsoft.com/office/drawing/2014/main" xmlns="" id="{B5940242-BCE3-45B9-8D43-83744EDA7BD7}"/>
+                <a16:creationId xmlns:a16="http://schemas.microsoft.com/office/drawing/2014/main" id="{B5940242-BCE3-45B9-8D43-83744EDA7BD7}"/>
               </a:ext>
             </a:extLst>
           </p:cNvPr>
@@ -1459,7 +1459,7 @@
           <p:cNvPr id="7" name="Espace réservé du numéro de diapositive 6">
             <a:extLst>
               <a:ext uri="{FF2B5EF4-FFF2-40B4-BE49-F238E27FC236}">
-                <a16:creationId xmlns:a16="http://schemas.microsoft.com/office/drawing/2014/main" xmlns="" id="{04E32D28-1C42-44F2-A8D0-90D069CD63CA}"/>
+                <a16:creationId xmlns:a16="http://schemas.microsoft.com/office/drawing/2014/main" id="{04E32D28-1C42-44F2-A8D0-90D069CD63CA}"/>
               </a:ext>
             </a:extLst>
           </p:cNvPr>
@@ -1518,7 +1518,7 @@
           <p:cNvPr id="2" name="Titre 1">
             <a:extLst>
               <a:ext uri="{FF2B5EF4-FFF2-40B4-BE49-F238E27FC236}">
-                <a16:creationId xmlns:a16="http://schemas.microsoft.com/office/drawing/2014/main" xmlns="" id="{0F61FEE6-218A-4AED-B46A-B11770BE8ACC}"/>
+                <a16:creationId xmlns:a16="http://schemas.microsoft.com/office/drawing/2014/main" id="{0F61FEE6-218A-4AED-B46A-B11770BE8ACC}"/>
               </a:ext>
             </a:extLst>
           </p:cNvPr>
@@ -1551,7 +1551,7 @@
           <p:cNvPr id="3" name="Espace réservé du texte 2">
             <a:extLst>
               <a:ext uri="{FF2B5EF4-FFF2-40B4-BE49-F238E27FC236}">
-                <a16:creationId xmlns:a16="http://schemas.microsoft.com/office/drawing/2014/main" xmlns="" id="{113CC13E-1AF8-4A35-8FD0-2310BC377887}"/>
+                <a16:creationId xmlns:a16="http://schemas.microsoft.com/office/drawing/2014/main" id="{113CC13E-1AF8-4A35-8FD0-2310BC377887}"/>
               </a:ext>
             </a:extLst>
           </p:cNvPr>
@@ -1622,7 +1622,7 @@
           <p:cNvPr id="4" name="Espace réservé du contenu 3">
             <a:extLst>
               <a:ext uri="{FF2B5EF4-FFF2-40B4-BE49-F238E27FC236}">
-                <a16:creationId xmlns:a16="http://schemas.microsoft.com/office/drawing/2014/main" xmlns="" id="{E3E70AD9-564D-41F7-9563-2AFA55F6ACC9}"/>
+                <a16:creationId xmlns:a16="http://schemas.microsoft.com/office/drawing/2014/main" id="{E3E70AD9-564D-41F7-9563-2AFA55F6ACC9}"/>
               </a:ext>
             </a:extLst>
           </p:cNvPr>
@@ -1684,7 +1684,7 @@
           <p:cNvPr id="5" name="Espace réservé du texte 4">
             <a:extLst>
               <a:ext uri="{FF2B5EF4-FFF2-40B4-BE49-F238E27FC236}">
-                <a16:creationId xmlns:a16="http://schemas.microsoft.com/office/drawing/2014/main" xmlns="" id="{BD22F172-32B4-4211-A81D-69CB711E3253}"/>
+                <a16:creationId xmlns:a16="http://schemas.microsoft.com/office/drawing/2014/main" id="{BD22F172-32B4-4211-A81D-69CB711E3253}"/>
               </a:ext>
             </a:extLst>
           </p:cNvPr>
@@ -1755,7 +1755,7 @@
           <p:cNvPr id="6" name="Espace réservé du contenu 5">
             <a:extLst>
               <a:ext uri="{FF2B5EF4-FFF2-40B4-BE49-F238E27FC236}">
-                <a16:creationId xmlns:a16="http://schemas.microsoft.com/office/drawing/2014/main" xmlns="" id="{C61AB31A-E540-4051-B9D8-10A00B609D54}"/>
+                <a16:creationId xmlns:a16="http://schemas.microsoft.com/office/drawing/2014/main" id="{C61AB31A-E540-4051-B9D8-10A00B609D54}"/>
               </a:ext>
             </a:extLst>
           </p:cNvPr>
@@ -1817,7 +1817,7 @@
           <p:cNvPr id="7" name="Espace réservé de la date 6">
             <a:extLst>
               <a:ext uri="{FF2B5EF4-FFF2-40B4-BE49-F238E27FC236}">
-                <a16:creationId xmlns:a16="http://schemas.microsoft.com/office/drawing/2014/main" xmlns="" id="{EDCDAE95-7F71-409F-93F3-645A49B72FBB}"/>
+                <a16:creationId xmlns:a16="http://schemas.microsoft.com/office/drawing/2014/main" id="{EDCDAE95-7F71-409F-93F3-645A49B72FBB}"/>
               </a:ext>
             </a:extLst>
           </p:cNvPr>
@@ -1846,7 +1846,7 @@
           <p:cNvPr id="8" name="Espace réservé du pied de page 7">
             <a:extLst>
               <a:ext uri="{FF2B5EF4-FFF2-40B4-BE49-F238E27FC236}">
-                <a16:creationId xmlns:a16="http://schemas.microsoft.com/office/drawing/2014/main" xmlns="" id="{D644BD9A-754B-4845-94AB-B4ED933EE164}"/>
+                <a16:creationId xmlns:a16="http://schemas.microsoft.com/office/drawing/2014/main" id="{D644BD9A-754B-4845-94AB-B4ED933EE164}"/>
               </a:ext>
             </a:extLst>
           </p:cNvPr>
@@ -1871,7 +1871,7 @@
           <p:cNvPr id="9" name="Espace réservé du numéro de diapositive 8">
             <a:extLst>
               <a:ext uri="{FF2B5EF4-FFF2-40B4-BE49-F238E27FC236}">
-                <a16:creationId xmlns:a16="http://schemas.microsoft.com/office/drawing/2014/main" xmlns="" id="{0C48F6EC-75CA-4FC1-BB78-A387DEDA06EC}"/>
+                <a16:creationId xmlns:a16="http://schemas.microsoft.com/office/drawing/2014/main" id="{0C48F6EC-75CA-4FC1-BB78-A387DEDA06EC}"/>
               </a:ext>
             </a:extLst>
           </p:cNvPr>
@@ -1930,7 +1930,7 @@
           <p:cNvPr id="2" name="Titre 1">
             <a:extLst>
               <a:ext uri="{FF2B5EF4-FFF2-40B4-BE49-F238E27FC236}">
-                <a16:creationId xmlns:a16="http://schemas.microsoft.com/office/drawing/2014/main" xmlns="" id="{15E1ECE0-D96F-42D8-819C-54594CD774EC}"/>
+                <a16:creationId xmlns:a16="http://schemas.microsoft.com/office/drawing/2014/main" id="{15E1ECE0-D96F-42D8-819C-54594CD774EC}"/>
               </a:ext>
             </a:extLst>
           </p:cNvPr>
@@ -1958,7 +1958,7 @@
           <p:cNvPr id="3" name="Espace réservé de la date 2">
             <a:extLst>
               <a:ext uri="{FF2B5EF4-FFF2-40B4-BE49-F238E27FC236}">
-                <a16:creationId xmlns:a16="http://schemas.microsoft.com/office/drawing/2014/main" xmlns="" id="{7096923F-E4B2-411C-BF28-8DF514DB4772}"/>
+                <a16:creationId xmlns:a16="http://schemas.microsoft.com/office/drawing/2014/main" id="{7096923F-E4B2-411C-BF28-8DF514DB4772}"/>
               </a:ext>
             </a:extLst>
           </p:cNvPr>
@@ -1987,7 +1987,7 @@
           <p:cNvPr id="4" name="Espace réservé du pied de page 3">
             <a:extLst>
               <a:ext uri="{FF2B5EF4-FFF2-40B4-BE49-F238E27FC236}">
-                <a16:creationId xmlns:a16="http://schemas.microsoft.com/office/drawing/2014/main" xmlns="" id="{C7276F71-9E62-4B3E-A909-46A412F08E8E}"/>
+                <a16:creationId xmlns:a16="http://schemas.microsoft.com/office/drawing/2014/main" id="{C7276F71-9E62-4B3E-A909-46A412F08E8E}"/>
               </a:ext>
             </a:extLst>
           </p:cNvPr>
@@ -2012,7 +2012,7 @@
           <p:cNvPr id="5" name="Espace réservé du numéro de diapositive 4">
             <a:extLst>
               <a:ext uri="{FF2B5EF4-FFF2-40B4-BE49-F238E27FC236}">
-                <a16:creationId xmlns:a16="http://schemas.microsoft.com/office/drawing/2014/main" xmlns="" id="{3C3FFFDC-5E90-4395-9973-EBBB73FDDF25}"/>
+                <a16:creationId xmlns:a16="http://schemas.microsoft.com/office/drawing/2014/main" id="{3C3FFFDC-5E90-4395-9973-EBBB73FDDF25}"/>
               </a:ext>
             </a:extLst>
           </p:cNvPr>
@@ -2071,7 +2071,7 @@
           <p:cNvPr id="2" name="Espace réservé de la date 1">
             <a:extLst>
               <a:ext uri="{FF2B5EF4-FFF2-40B4-BE49-F238E27FC236}">
-                <a16:creationId xmlns:a16="http://schemas.microsoft.com/office/drawing/2014/main" xmlns="" id="{D0201AC3-876D-4212-A50A-05814C85A863}"/>
+                <a16:creationId xmlns:a16="http://schemas.microsoft.com/office/drawing/2014/main" id="{D0201AC3-876D-4212-A50A-05814C85A863}"/>
               </a:ext>
             </a:extLst>
           </p:cNvPr>
@@ -2100,7 +2100,7 @@
           <p:cNvPr id="3" name="Espace réservé du pied de page 2">
             <a:extLst>
               <a:ext uri="{FF2B5EF4-FFF2-40B4-BE49-F238E27FC236}">
-                <a16:creationId xmlns:a16="http://schemas.microsoft.com/office/drawing/2014/main" xmlns="" id="{90DF7950-2FEB-418F-A068-483216BD8634}"/>
+                <a16:creationId xmlns:a16="http://schemas.microsoft.com/office/drawing/2014/main" id="{90DF7950-2FEB-418F-A068-483216BD8634}"/>
               </a:ext>
             </a:extLst>
           </p:cNvPr>
@@ -2125,7 +2125,7 @@
           <p:cNvPr id="4" name="Espace réservé du numéro de diapositive 3">
             <a:extLst>
               <a:ext uri="{FF2B5EF4-FFF2-40B4-BE49-F238E27FC236}">
-                <a16:creationId xmlns:a16="http://schemas.microsoft.com/office/drawing/2014/main" xmlns="" id="{0824DAB9-DB53-4CA5-BF59-986135048B4A}"/>
+                <a16:creationId xmlns:a16="http://schemas.microsoft.com/office/drawing/2014/main" id="{0824DAB9-DB53-4CA5-BF59-986135048B4A}"/>
               </a:ext>
             </a:extLst>
           </p:cNvPr>
@@ -2184,7 +2184,7 @@
           <p:cNvPr id="2" name="Titre 1">
             <a:extLst>
               <a:ext uri="{FF2B5EF4-FFF2-40B4-BE49-F238E27FC236}">
-                <a16:creationId xmlns:a16="http://schemas.microsoft.com/office/drawing/2014/main" xmlns="" id="{83248B0C-1535-4232-8F32-C8DE0B3C715B}"/>
+                <a16:creationId xmlns:a16="http://schemas.microsoft.com/office/drawing/2014/main" id="{83248B0C-1535-4232-8F32-C8DE0B3C715B}"/>
               </a:ext>
             </a:extLst>
           </p:cNvPr>
@@ -2221,7 +2221,7 @@
           <p:cNvPr id="3" name="Espace réservé du contenu 2">
             <a:extLst>
               <a:ext uri="{FF2B5EF4-FFF2-40B4-BE49-F238E27FC236}">
-                <a16:creationId xmlns:a16="http://schemas.microsoft.com/office/drawing/2014/main" xmlns="" id="{73CF1F30-D3C7-463B-8102-ECF1BE866FC8}"/>
+                <a16:creationId xmlns:a16="http://schemas.microsoft.com/office/drawing/2014/main" id="{73CF1F30-D3C7-463B-8102-ECF1BE866FC8}"/>
               </a:ext>
             </a:extLst>
           </p:cNvPr>
@@ -2311,7 +2311,7 @@
           <p:cNvPr id="4" name="Espace réservé du texte 3">
             <a:extLst>
               <a:ext uri="{FF2B5EF4-FFF2-40B4-BE49-F238E27FC236}">
-                <a16:creationId xmlns:a16="http://schemas.microsoft.com/office/drawing/2014/main" xmlns="" id="{64C441EE-9867-44EE-BD9F-3FFAA5E652AB}"/>
+                <a16:creationId xmlns:a16="http://schemas.microsoft.com/office/drawing/2014/main" id="{64C441EE-9867-44EE-BD9F-3FFAA5E652AB}"/>
               </a:ext>
             </a:extLst>
           </p:cNvPr>
@@ -2382,7 +2382,7 @@
           <p:cNvPr id="5" name="Espace réservé de la date 4">
             <a:extLst>
               <a:ext uri="{FF2B5EF4-FFF2-40B4-BE49-F238E27FC236}">
-                <a16:creationId xmlns:a16="http://schemas.microsoft.com/office/drawing/2014/main" xmlns="" id="{0D45BA81-388D-4DBD-943A-8C42CC8E5E9D}"/>
+                <a16:creationId xmlns:a16="http://schemas.microsoft.com/office/drawing/2014/main" id="{0D45BA81-388D-4DBD-943A-8C42CC8E5E9D}"/>
               </a:ext>
             </a:extLst>
           </p:cNvPr>
@@ -2411,7 +2411,7 @@
           <p:cNvPr id="6" name="Espace réservé du pied de page 5">
             <a:extLst>
               <a:ext uri="{FF2B5EF4-FFF2-40B4-BE49-F238E27FC236}">
-                <a16:creationId xmlns:a16="http://schemas.microsoft.com/office/drawing/2014/main" xmlns="" id="{644A2C28-991B-458B-9045-DC1DAD032825}"/>
+                <a16:creationId xmlns:a16="http://schemas.microsoft.com/office/drawing/2014/main" id="{644A2C28-991B-458B-9045-DC1DAD032825}"/>
               </a:ext>
             </a:extLst>
           </p:cNvPr>
@@ -2436,7 +2436,7 @@
           <p:cNvPr id="7" name="Espace réservé du numéro de diapositive 6">
             <a:extLst>
               <a:ext uri="{FF2B5EF4-FFF2-40B4-BE49-F238E27FC236}">
-                <a16:creationId xmlns:a16="http://schemas.microsoft.com/office/drawing/2014/main" xmlns="" id="{3DD3E11B-06A9-4309-B20A-AE701F015762}"/>
+                <a16:creationId xmlns:a16="http://schemas.microsoft.com/office/drawing/2014/main" id="{3DD3E11B-06A9-4309-B20A-AE701F015762}"/>
               </a:ext>
             </a:extLst>
           </p:cNvPr>
@@ -2495,7 +2495,7 @@
           <p:cNvPr id="2" name="Titre 1">
             <a:extLst>
               <a:ext uri="{FF2B5EF4-FFF2-40B4-BE49-F238E27FC236}">
-                <a16:creationId xmlns:a16="http://schemas.microsoft.com/office/drawing/2014/main" xmlns="" id="{81935FD8-04D5-4E72-AE86-D49FFC0FC0D2}"/>
+                <a16:creationId xmlns:a16="http://schemas.microsoft.com/office/drawing/2014/main" id="{81935FD8-04D5-4E72-AE86-D49FFC0FC0D2}"/>
               </a:ext>
             </a:extLst>
           </p:cNvPr>
@@ -2532,7 +2532,7 @@
           <p:cNvPr id="3" name="Espace réservé pour une image  2">
             <a:extLst>
               <a:ext uri="{FF2B5EF4-FFF2-40B4-BE49-F238E27FC236}">
-                <a16:creationId xmlns:a16="http://schemas.microsoft.com/office/drawing/2014/main" xmlns="" id="{4F2C2E7B-9193-4A62-9A56-19B646A465FD}"/>
+                <a16:creationId xmlns:a16="http://schemas.microsoft.com/office/drawing/2014/main" id="{4F2C2E7B-9193-4A62-9A56-19B646A465FD}"/>
               </a:ext>
             </a:extLst>
           </p:cNvPr>
@@ -2599,7 +2599,7 @@
           <p:cNvPr id="4" name="Espace réservé du texte 3">
             <a:extLst>
               <a:ext uri="{FF2B5EF4-FFF2-40B4-BE49-F238E27FC236}">
-                <a16:creationId xmlns:a16="http://schemas.microsoft.com/office/drawing/2014/main" xmlns="" id="{DC36EF10-9A38-4A7F-B901-38B51F617B4A}"/>
+                <a16:creationId xmlns:a16="http://schemas.microsoft.com/office/drawing/2014/main" id="{DC36EF10-9A38-4A7F-B901-38B51F617B4A}"/>
               </a:ext>
             </a:extLst>
           </p:cNvPr>
@@ -2670,7 +2670,7 @@
           <p:cNvPr id="5" name="Espace réservé de la date 4">
             <a:extLst>
               <a:ext uri="{FF2B5EF4-FFF2-40B4-BE49-F238E27FC236}">
-                <a16:creationId xmlns:a16="http://schemas.microsoft.com/office/drawing/2014/main" xmlns="" id="{68B6AD81-0CC3-4F56-A065-482AFC0490C9}"/>
+                <a16:creationId xmlns:a16="http://schemas.microsoft.com/office/drawing/2014/main" id="{68B6AD81-0CC3-4F56-A065-482AFC0490C9}"/>
               </a:ext>
             </a:extLst>
           </p:cNvPr>
@@ -2699,7 +2699,7 @@
           <p:cNvPr id="6" name="Espace réservé du pied de page 5">
             <a:extLst>
               <a:ext uri="{FF2B5EF4-FFF2-40B4-BE49-F238E27FC236}">
-                <a16:creationId xmlns:a16="http://schemas.microsoft.com/office/drawing/2014/main" xmlns="" id="{7F367FCD-43A6-4EB2-8C88-FA202F1CE4FB}"/>
+                <a16:creationId xmlns:a16="http://schemas.microsoft.com/office/drawing/2014/main" id="{7F367FCD-43A6-4EB2-8C88-FA202F1CE4FB}"/>
               </a:ext>
             </a:extLst>
           </p:cNvPr>
@@ -2724,7 +2724,7 @@
           <p:cNvPr id="7" name="Espace réservé du numéro de diapositive 6">
             <a:extLst>
               <a:ext uri="{FF2B5EF4-FFF2-40B4-BE49-F238E27FC236}">
-                <a16:creationId xmlns:a16="http://schemas.microsoft.com/office/drawing/2014/main" xmlns="" id="{0A448652-F086-436A-B8E0-6808FE803097}"/>
+                <a16:creationId xmlns:a16="http://schemas.microsoft.com/office/drawing/2014/main" id="{0A448652-F086-436A-B8E0-6808FE803097}"/>
               </a:ext>
             </a:extLst>
           </p:cNvPr>
@@ -2788,7 +2788,7 @@
           <p:cNvPr id="2" name="Espace réservé du titre 1">
             <a:extLst>
               <a:ext uri="{FF2B5EF4-FFF2-40B4-BE49-F238E27FC236}">
-                <a16:creationId xmlns:a16="http://schemas.microsoft.com/office/drawing/2014/main" xmlns="" id="{FED8BFD7-4190-4B13-B298-C22224AEE0DE}"/>
+                <a16:creationId xmlns:a16="http://schemas.microsoft.com/office/drawing/2014/main" id="{FED8BFD7-4190-4B13-B298-C22224AEE0DE}"/>
               </a:ext>
             </a:extLst>
           </p:cNvPr>
@@ -2826,7 +2826,7 @@
           <p:cNvPr id="3" name="Espace réservé du texte 2">
             <a:extLst>
               <a:ext uri="{FF2B5EF4-FFF2-40B4-BE49-F238E27FC236}">
-                <a16:creationId xmlns:a16="http://schemas.microsoft.com/office/drawing/2014/main" xmlns="" id="{9AD79112-23A4-4848-B438-202251AE4109}"/>
+                <a16:creationId xmlns:a16="http://schemas.microsoft.com/office/drawing/2014/main" id="{9AD79112-23A4-4848-B438-202251AE4109}"/>
               </a:ext>
             </a:extLst>
           </p:cNvPr>
@@ -2893,7 +2893,7 @@
           <p:cNvPr id="4" name="Espace réservé de la date 3">
             <a:extLst>
               <a:ext uri="{FF2B5EF4-FFF2-40B4-BE49-F238E27FC236}">
-                <a16:creationId xmlns:a16="http://schemas.microsoft.com/office/drawing/2014/main" xmlns="" id="{DB5E0E9F-7A16-450B-85EA-748C2344DCBA}"/>
+                <a16:creationId xmlns:a16="http://schemas.microsoft.com/office/drawing/2014/main" id="{DB5E0E9F-7A16-450B-85EA-748C2344DCBA}"/>
               </a:ext>
             </a:extLst>
           </p:cNvPr>
@@ -2940,7 +2940,7 @@
           <p:cNvPr id="5" name="Espace réservé du pied de page 4">
             <a:extLst>
               <a:ext uri="{FF2B5EF4-FFF2-40B4-BE49-F238E27FC236}">
-                <a16:creationId xmlns:a16="http://schemas.microsoft.com/office/drawing/2014/main" xmlns="" id="{EA090008-ECF9-408F-9679-36555FD0AEA3}"/>
+                <a16:creationId xmlns:a16="http://schemas.microsoft.com/office/drawing/2014/main" id="{EA090008-ECF9-408F-9679-36555FD0AEA3}"/>
               </a:ext>
             </a:extLst>
           </p:cNvPr>
@@ -2983,7 +2983,7 @@
           <p:cNvPr id="6" name="Espace réservé du numéro de diapositive 5">
             <a:extLst>
               <a:ext uri="{FF2B5EF4-FFF2-40B4-BE49-F238E27FC236}">
-                <a16:creationId xmlns:a16="http://schemas.microsoft.com/office/drawing/2014/main" xmlns="" id="{B906F1DD-77B8-4830-A384-FE51492C7020}"/>
+                <a16:creationId xmlns:a16="http://schemas.microsoft.com/office/drawing/2014/main" id="{B906F1DD-77B8-4830-A384-FE51492C7020}"/>
               </a:ext>
             </a:extLst>
           </p:cNvPr>
@@ -3351,7 +3351,7 @@
           <p:cNvPr id="193" name="Rectangle : coins arrondis 460">
             <a:extLst>
               <a:ext uri="{FF2B5EF4-FFF2-40B4-BE49-F238E27FC236}">
-                <a16:creationId xmlns:a16="http://schemas.microsoft.com/office/drawing/2014/main" xmlns="" id="{22F974BE-8145-4E19-ABA2-26A4C27E9EE9}"/>
+                <a16:creationId xmlns:a16="http://schemas.microsoft.com/office/drawing/2014/main" id="{22F974BE-8145-4E19-ABA2-26A4C27E9EE9}"/>
               </a:ext>
             </a:extLst>
           </p:cNvPr>
@@ -3360,8 +3360,8 @@
         </p:nvSpPr>
         <p:spPr>
           <a:xfrm>
-            <a:off x="8340035" y="395528"/>
-            <a:ext cx="813320" cy="621305"/>
+            <a:off x="8348706" y="340394"/>
+            <a:ext cx="1363602" cy="621305"/>
           </a:xfrm>
           <a:prstGeom prst="roundRect">
             <a:avLst/>
@@ -3396,7 +3396,43 @@
           <a:lstStyle/>
           <a:p>
             <a:pPr algn="ctr"/>
-            <a:endParaRPr lang="en-US" dirty="0"/>
+            <a:r>
+              <a:rPr lang="en-US" dirty="0" err="1">
+                <a:solidFill>
+                  <a:schemeClr val="tx1"/>
+                </a:solidFill>
+              </a:rPr>
+              <a:t>Lipo</a:t>
+            </a:r>
+            <a:endParaRPr lang="en-US" dirty="0">
+              <a:solidFill>
+                <a:schemeClr val="tx1"/>
+              </a:solidFill>
+            </a:endParaRPr>
+          </a:p>
+          <a:p>
+            <a:pPr algn="ctr"/>
+            <a:r>
+              <a:rPr lang="en-US" dirty="0">
+                <a:solidFill>
+                  <a:schemeClr val="tx1"/>
+                </a:solidFill>
+              </a:rPr>
+              <a:t>1500 </a:t>
+            </a:r>
+            <a:r>
+              <a:rPr lang="en-US" dirty="0" err="1">
+                <a:solidFill>
+                  <a:schemeClr val="tx1"/>
+                </a:solidFill>
+              </a:rPr>
+              <a:t>mAh</a:t>
+            </a:r>
+            <a:endParaRPr lang="en-US" dirty="0">
+              <a:solidFill>
+                <a:schemeClr val="tx1"/>
+              </a:solidFill>
+            </a:endParaRPr>
           </a:p>
         </p:txBody>
       </p:sp>
@@ -3405,7 +3441,7 @@
           <p:cNvPr id="4" name="Rectangle 3">
             <a:extLst>
               <a:ext uri="{FF2B5EF4-FFF2-40B4-BE49-F238E27FC236}">
-                <a16:creationId xmlns:a16="http://schemas.microsoft.com/office/drawing/2014/main" xmlns="" id="{D6A19F59-DE5C-47E6-918B-27D303F45183}"/>
+                <a16:creationId xmlns:a16="http://schemas.microsoft.com/office/drawing/2014/main" id="{D6A19F59-DE5C-47E6-918B-27D303F45183}"/>
               </a:ext>
             </a:extLst>
           </p:cNvPr>
@@ -3454,7 +3490,7 @@
           <p:cNvPr id="78" name="Rectangle : carré corné 77">
             <a:extLst>
               <a:ext uri="{FF2B5EF4-FFF2-40B4-BE49-F238E27FC236}">
-                <a16:creationId xmlns:a16="http://schemas.microsoft.com/office/drawing/2014/main" xmlns="" id="{2F527EAB-A695-4A0E-903E-433C17D1BC32}"/>
+                <a16:creationId xmlns:a16="http://schemas.microsoft.com/office/drawing/2014/main" id="{2F527EAB-A695-4A0E-903E-433C17D1BC32}"/>
               </a:ext>
             </a:extLst>
           </p:cNvPr>
@@ -3526,7 +3562,7 @@
           <p:cNvPr id="94" name="Ellipse 93">
             <a:extLst>
               <a:ext uri="{FF2B5EF4-FFF2-40B4-BE49-F238E27FC236}">
-                <a16:creationId xmlns:a16="http://schemas.microsoft.com/office/drawing/2014/main" xmlns="" id="{EB756666-05BE-4405-9752-D513848A6A45}"/>
+                <a16:creationId xmlns:a16="http://schemas.microsoft.com/office/drawing/2014/main" id="{EB756666-05BE-4405-9752-D513848A6A45}"/>
               </a:ext>
             </a:extLst>
           </p:cNvPr>
@@ -3584,7 +3620,7 @@
           <p:cNvPr id="95" name="Ellipse 94">
             <a:extLst>
               <a:ext uri="{FF2B5EF4-FFF2-40B4-BE49-F238E27FC236}">
-                <a16:creationId xmlns:a16="http://schemas.microsoft.com/office/drawing/2014/main" xmlns="" id="{62D41DE6-E423-4F2A-9635-1894D9255C80}"/>
+                <a16:creationId xmlns:a16="http://schemas.microsoft.com/office/drawing/2014/main" id="{62D41DE6-E423-4F2A-9635-1894D9255C80}"/>
               </a:ext>
             </a:extLst>
           </p:cNvPr>
@@ -3642,7 +3678,7 @@
           <p:cNvPr id="101" name="Ellipse 100">
             <a:extLst>
               <a:ext uri="{FF2B5EF4-FFF2-40B4-BE49-F238E27FC236}">
-                <a16:creationId xmlns:a16="http://schemas.microsoft.com/office/drawing/2014/main" xmlns="" id="{43C4EA2C-5B45-4167-880E-CCCC10CC0255}"/>
+                <a16:creationId xmlns:a16="http://schemas.microsoft.com/office/drawing/2014/main" id="{43C4EA2C-5B45-4167-880E-CCCC10CC0255}"/>
               </a:ext>
             </a:extLst>
           </p:cNvPr>
@@ -3700,7 +3736,7 @@
           <p:cNvPr id="114" name="Connecteur droit avec flèche 113">
             <a:extLst>
               <a:ext uri="{FF2B5EF4-FFF2-40B4-BE49-F238E27FC236}">
-                <a16:creationId xmlns:a16="http://schemas.microsoft.com/office/drawing/2014/main" xmlns="" id="{303F5BDC-AD2F-4215-A0CB-27EBECA7AAE5}"/>
+                <a16:creationId xmlns:a16="http://schemas.microsoft.com/office/drawing/2014/main" id="{303F5BDC-AD2F-4215-A0CB-27EBECA7AAE5}"/>
               </a:ext>
             </a:extLst>
           </p:cNvPr>
@@ -3747,7 +3783,7 @@
           <p:cNvPr id="115" name="Connecteur droit avec flèche 114">
             <a:extLst>
               <a:ext uri="{FF2B5EF4-FFF2-40B4-BE49-F238E27FC236}">
-                <a16:creationId xmlns:a16="http://schemas.microsoft.com/office/drawing/2014/main" xmlns="" id="{84E1737C-8DD2-4B4F-BB53-59A3C68D3F05}"/>
+                <a16:creationId xmlns:a16="http://schemas.microsoft.com/office/drawing/2014/main" id="{84E1737C-8DD2-4B4F-BB53-59A3C68D3F05}"/>
               </a:ext>
             </a:extLst>
           </p:cNvPr>
@@ -3794,7 +3830,7 @@
           <p:cNvPr id="118" name="Rectangle 117">
             <a:extLst>
               <a:ext uri="{FF2B5EF4-FFF2-40B4-BE49-F238E27FC236}">
-                <a16:creationId xmlns:a16="http://schemas.microsoft.com/office/drawing/2014/main" xmlns="" id="{88502AE4-0F7A-4C90-ACA1-4837522915ED}"/>
+                <a16:creationId xmlns:a16="http://schemas.microsoft.com/office/drawing/2014/main" id="{88502AE4-0F7A-4C90-ACA1-4837522915ED}"/>
               </a:ext>
             </a:extLst>
           </p:cNvPr>
@@ -3835,7 +3871,7 @@
           <p:cNvPr id="119" name="Ellipse 118">
             <a:extLst>
               <a:ext uri="{FF2B5EF4-FFF2-40B4-BE49-F238E27FC236}">
-                <a16:creationId xmlns:a16="http://schemas.microsoft.com/office/drawing/2014/main" xmlns="" id="{9FD95D9F-4269-4A40-B637-A40637C4BE77}"/>
+                <a16:creationId xmlns:a16="http://schemas.microsoft.com/office/drawing/2014/main" id="{9FD95D9F-4269-4A40-B637-A40637C4BE77}"/>
               </a:ext>
             </a:extLst>
           </p:cNvPr>
@@ -3904,7 +3940,7 @@
           <p:cNvPr id="120" name="Ellipse 119">
             <a:extLst>
               <a:ext uri="{FF2B5EF4-FFF2-40B4-BE49-F238E27FC236}">
-                <a16:creationId xmlns:a16="http://schemas.microsoft.com/office/drawing/2014/main" xmlns="" id="{EDFA5D41-E4BA-4494-96CB-CEAC352CA53C}"/>
+                <a16:creationId xmlns:a16="http://schemas.microsoft.com/office/drawing/2014/main" id="{EDFA5D41-E4BA-4494-96CB-CEAC352CA53C}"/>
               </a:ext>
             </a:extLst>
           </p:cNvPr>
@@ -3973,7 +4009,7 @@
           <p:cNvPr id="128" name="Rectangle 127">
             <a:extLst>
               <a:ext uri="{FF2B5EF4-FFF2-40B4-BE49-F238E27FC236}">
-                <a16:creationId xmlns:a16="http://schemas.microsoft.com/office/drawing/2014/main" xmlns="" id="{6F4CB3D7-09C5-4B32-9601-5122FA8C1D58}"/>
+                <a16:creationId xmlns:a16="http://schemas.microsoft.com/office/drawing/2014/main" id="{6F4CB3D7-09C5-4B32-9601-5122FA8C1D58}"/>
               </a:ext>
             </a:extLst>
           </p:cNvPr>
@@ -4018,7 +4054,7 @@
           <p:cNvPr id="62" name="Rectangle 61">
             <a:extLst>
               <a:ext uri="{FF2B5EF4-FFF2-40B4-BE49-F238E27FC236}">
-                <a16:creationId xmlns:a16="http://schemas.microsoft.com/office/drawing/2014/main" xmlns="" id="{71B0C61D-3C33-44AE-994E-9D1DFD3977BE}"/>
+                <a16:creationId xmlns:a16="http://schemas.microsoft.com/office/drawing/2014/main" id="{71B0C61D-3C33-44AE-994E-9D1DFD3977BE}"/>
               </a:ext>
             </a:extLst>
           </p:cNvPr>
@@ -4059,7 +4095,7 @@
           <p:cNvPr id="5" name="Connecteur : en angle 4">
             <a:extLst>
               <a:ext uri="{FF2B5EF4-FFF2-40B4-BE49-F238E27FC236}">
-                <a16:creationId xmlns:a16="http://schemas.microsoft.com/office/drawing/2014/main" xmlns="" id="{5355DACF-D8DB-4160-875D-0B6FB9A32429}"/>
+                <a16:creationId xmlns:a16="http://schemas.microsoft.com/office/drawing/2014/main" id="{5355DACF-D8DB-4160-875D-0B6FB9A32429}"/>
               </a:ext>
             </a:extLst>
           </p:cNvPr>
@@ -4108,7 +4144,7 @@
           <p:cNvPr id="65" name="ZoneTexte 64">
             <a:extLst>
               <a:ext uri="{FF2B5EF4-FFF2-40B4-BE49-F238E27FC236}">
-                <a16:creationId xmlns:a16="http://schemas.microsoft.com/office/drawing/2014/main" xmlns="" id="{7CD742EF-B51C-485A-8681-F1A7A57756CD}"/>
+                <a16:creationId xmlns:a16="http://schemas.microsoft.com/office/drawing/2014/main" id="{7CD742EF-B51C-485A-8681-F1A7A57756CD}"/>
               </a:ext>
             </a:extLst>
           </p:cNvPr>
@@ -4146,7 +4182,7 @@
           <p:cNvPr id="66" name="ZoneTexte 65">
             <a:extLst>
               <a:ext uri="{FF2B5EF4-FFF2-40B4-BE49-F238E27FC236}">
-                <a16:creationId xmlns:a16="http://schemas.microsoft.com/office/drawing/2014/main" xmlns="" id="{2FFED979-B420-413C-96C0-F8A0094358C3}"/>
+                <a16:creationId xmlns:a16="http://schemas.microsoft.com/office/drawing/2014/main" id="{2FFED979-B420-413C-96C0-F8A0094358C3}"/>
               </a:ext>
             </a:extLst>
           </p:cNvPr>
@@ -4184,7 +4220,7 @@
           <p:cNvPr id="67" name="Ellipse 66">
             <a:extLst>
               <a:ext uri="{FF2B5EF4-FFF2-40B4-BE49-F238E27FC236}">
-                <a16:creationId xmlns:a16="http://schemas.microsoft.com/office/drawing/2014/main" xmlns="" id="{8FE1DB04-8A7C-4DF6-B7CC-303CADF3B2B8}"/>
+                <a16:creationId xmlns:a16="http://schemas.microsoft.com/office/drawing/2014/main" id="{8FE1DB04-8A7C-4DF6-B7CC-303CADF3B2B8}"/>
               </a:ext>
             </a:extLst>
           </p:cNvPr>
@@ -4242,7 +4278,7 @@
           <p:cNvPr id="77" name="ZoneTexte 76">
             <a:extLst>
               <a:ext uri="{FF2B5EF4-FFF2-40B4-BE49-F238E27FC236}">
-                <a16:creationId xmlns:a16="http://schemas.microsoft.com/office/drawing/2014/main" xmlns="" id="{DD9FA8B0-1E97-4AE1-B2D4-5670CD21D70D}"/>
+                <a16:creationId xmlns:a16="http://schemas.microsoft.com/office/drawing/2014/main" id="{DD9FA8B0-1E97-4AE1-B2D4-5670CD21D70D}"/>
               </a:ext>
             </a:extLst>
           </p:cNvPr>
@@ -4280,7 +4316,7 @@
           <p:cNvPr id="85" name="Ellipse 84">
             <a:extLst>
               <a:ext uri="{FF2B5EF4-FFF2-40B4-BE49-F238E27FC236}">
-                <a16:creationId xmlns:a16="http://schemas.microsoft.com/office/drawing/2014/main" xmlns="" id="{14868AD4-595A-4478-A7B2-81ABAE62EEB5}"/>
+                <a16:creationId xmlns:a16="http://schemas.microsoft.com/office/drawing/2014/main" id="{14868AD4-595A-4478-A7B2-81ABAE62EEB5}"/>
               </a:ext>
             </a:extLst>
           </p:cNvPr>
@@ -4338,7 +4374,7 @@
           <p:cNvPr id="87" name="Ellipse 86">
             <a:extLst>
               <a:ext uri="{FF2B5EF4-FFF2-40B4-BE49-F238E27FC236}">
-                <a16:creationId xmlns:a16="http://schemas.microsoft.com/office/drawing/2014/main" xmlns="" id="{94EDBF9E-FC8D-4967-934C-359E89DDE4D2}"/>
+                <a16:creationId xmlns:a16="http://schemas.microsoft.com/office/drawing/2014/main" id="{94EDBF9E-FC8D-4967-934C-359E89DDE4D2}"/>
               </a:ext>
             </a:extLst>
           </p:cNvPr>
@@ -4396,7 +4432,7 @@
           <p:cNvPr id="116" name="Ellipse 115">
             <a:extLst>
               <a:ext uri="{FF2B5EF4-FFF2-40B4-BE49-F238E27FC236}">
-                <a16:creationId xmlns:a16="http://schemas.microsoft.com/office/drawing/2014/main" xmlns="" id="{C11933AE-2467-4012-9A41-8804A34032AC}"/>
+                <a16:creationId xmlns:a16="http://schemas.microsoft.com/office/drawing/2014/main" id="{C11933AE-2467-4012-9A41-8804A34032AC}"/>
               </a:ext>
             </a:extLst>
           </p:cNvPr>
@@ -4454,7 +4490,7 @@
           <p:cNvPr id="27" name="Connecteur droit avec flèche 26">
             <a:extLst>
               <a:ext uri="{FF2B5EF4-FFF2-40B4-BE49-F238E27FC236}">
-                <a16:creationId xmlns:a16="http://schemas.microsoft.com/office/drawing/2014/main" xmlns="" id="{A50C47A9-3AC5-48E4-8DDB-A1081DB8C971}"/>
+                <a16:creationId xmlns:a16="http://schemas.microsoft.com/office/drawing/2014/main" id="{A50C47A9-3AC5-48E4-8DDB-A1081DB8C971}"/>
               </a:ext>
             </a:extLst>
           </p:cNvPr>
@@ -4495,7 +4531,7 @@
           <p:cNvPr id="117" name="Connecteur droit avec flèche 116">
             <a:extLst>
               <a:ext uri="{FF2B5EF4-FFF2-40B4-BE49-F238E27FC236}">
-                <a16:creationId xmlns:a16="http://schemas.microsoft.com/office/drawing/2014/main" xmlns="" id="{16B5F0AC-7605-4919-92AE-67248AA19FFF}"/>
+                <a16:creationId xmlns:a16="http://schemas.microsoft.com/office/drawing/2014/main" id="{16B5F0AC-7605-4919-92AE-67248AA19FFF}"/>
               </a:ext>
             </a:extLst>
           </p:cNvPr>
@@ -4534,7 +4570,7 @@
           <p:cNvPr id="124" name="Connecteur droit avec flèche 123">
             <a:extLst>
               <a:ext uri="{FF2B5EF4-FFF2-40B4-BE49-F238E27FC236}">
-                <a16:creationId xmlns:a16="http://schemas.microsoft.com/office/drawing/2014/main" xmlns="" id="{ABC5A925-7C63-497A-BB76-C587CE08CACA}"/>
+                <a16:creationId xmlns:a16="http://schemas.microsoft.com/office/drawing/2014/main" id="{ABC5A925-7C63-497A-BB76-C587CE08CACA}"/>
               </a:ext>
             </a:extLst>
           </p:cNvPr>
@@ -4573,7 +4609,7 @@
           <p:cNvPr id="125" name="Connecteur droit avec flèche 124">
             <a:extLst>
               <a:ext uri="{FF2B5EF4-FFF2-40B4-BE49-F238E27FC236}">
-                <a16:creationId xmlns:a16="http://schemas.microsoft.com/office/drawing/2014/main" xmlns="" id="{EE98BCF8-1A62-4845-A133-6B137CABE15D}"/>
+                <a16:creationId xmlns:a16="http://schemas.microsoft.com/office/drawing/2014/main" id="{EE98BCF8-1A62-4845-A133-6B137CABE15D}"/>
               </a:ext>
             </a:extLst>
           </p:cNvPr>
@@ -4612,23 +4648,24 @@
           <p:cNvPr id="126" name="Connecteur : en angle 125">
             <a:extLst>
               <a:ext uri="{FF2B5EF4-FFF2-40B4-BE49-F238E27FC236}">
-                <a16:creationId xmlns:a16="http://schemas.microsoft.com/office/drawing/2014/main" xmlns="" id="{92ABEDFE-05FC-430D-B247-D9FCCD74136D}"/>
+                <a16:creationId xmlns:a16="http://schemas.microsoft.com/office/drawing/2014/main" id="{92ABEDFE-05FC-430D-B247-D9FCCD74136D}"/>
               </a:ext>
             </a:extLst>
           </p:cNvPr>
           <p:cNvCxnSpPr>
             <a:cxnSpLocks/>
+            <a:endCxn id="95" idx="2"/>
           </p:cNvCxnSpPr>
           <p:nvPr/>
         </p:nvCxnSpPr>
         <p:spPr>
           <a:xfrm>
             <a:off x="1168035" y="2460058"/>
-            <a:ext cx="7520760" cy="2300768"/>
+            <a:ext cx="7752925" cy="2303707"/>
           </a:xfrm>
           <a:prstGeom prst="bentConnector3">
             <a:avLst>
-              <a:gd name="adj1" fmla="val 6"/>
+              <a:gd name="adj1" fmla="val -3"/>
             </a:avLst>
           </a:prstGeom>
           <a:ln w="38100" cap="flat" cmpd="sng" algn="ctr">
@@ -4661,7 +4698,7 @@
           <p:cNvPr id="131" name="Connecteur : en angle 130">
             <a:extLst>
               <a:ext uri="{FF2B5EF4-FFF2-40B4-BE49-F238E27FC236}">
-                <a16:creationId xmlns:a16="http://schemas.microsoft.com/office/drawing/2014/main" xmlns="" id="{F1FE6CBB-4B27-4231-90F2-511E35B5FA81}"/>
+                <a16:creationId xmlns:a16="http://schemas.microsoft.com/office/drawing/2014/main" id="{F1FE6CBB-4B27-4231-90F2-511E35B5FA81}"/>
               </a:ext>
             </a:extLst>
           </p:cNvPr>
@@ -4713,7 +4750,7 @@
           <p:cNvPr id="132" name="ZoneTexte 131">
             <a:extLst>
               <a:ext uri="{FF2B5EF4-FFF2-40B4-BE49-F238E27FC236}">
-                <a16:creationId xmlns:a16="http://schemas.microsoft.com/office/drawing/2014/main" xmlns="" id="{E233F5F0-4652-47F8-B2F7-41515FAA3231}"/>
+                <a16:creationId xmlns:a16="http://schemas.microsoft.com/office/drawing/2014/main" id="{E233F5F0-4652-47F8-B2F7-41515FAA3231}"/>
               </a:ext>
             </a:extLst>
           </p:cNvPr>
@@ -4748,10 +4785,10 @@
       </p:sp>
       <p:cxnSp>
         <p:nvCxnSpPr>
-          <p:cNvPr id="54" name="Connecteur droit 53">
-            <a:extLst>
-              <a:ext uri="{FF2B5EF4-FFF2-40B4-BE49-F238E27FC236}">
-                <a16:creationId xmlns:a16="http://schemas.microsoft.com/office/drawing/2014/main" xmlns="" id="{794305CD-136F-470A-BA5D-6257DD3EB19C}"/>
+          <p:cNvPr id="146" name="Connecteur : en angle 145">
+            <a:extLst>
+              <a:ext uri="{FF2B5EF4-FFF2-40B4-BE49-F238E27FC236}">
+                <a16:creationId xmlns:a16="http://schemas.microsoft.com/office/drawing/2014/main" id="{DA9BCBDD-6011-4340-AA13-8D1B13114BDA}"/>
               </a:ext>
             </a:extLst>
           </p:cNvPr>
@@ -4761,99 +4798,13 @@
           <p:nvPr/>
         </p:nvCxnSpPr>
         <p:spPr>
-          <a:xfrm flipV="1">
-            <a:off x="8843545" y="1118449"/>
-            <a:ext cx="1812061" cy="5279"/>
-          </a:xfrm>
-          <a:prstGeom prst="line">
-            <a:avLst/>
-          </a:prstGeom>
-          <a:ln w="19050">
-            <a:solidFill>
-              <a:srgbClr val="FFC000"/>
-            </a:solidFill>
-          </a:ln>
-        </p:spPr>
-        <p:style>
-          <a:lnRef idx="1">
-            <a:schemeClr val="accent1"/>
-          </a:lnRef>
-          <a:fillRef idx="0">
-            <a:schemeClr val="accent1"/>
-          </a:fillRef>
-          <a:effectRef idx="0">
-            <a:schemeClr val="accent1"/>
-          </a:effectRef>
-          <a:fontRef idx="minor">
-            <a:schemeClr val="tx1"/>
-          </a:fontRef>
-        </p:style>
-      </p:cxnSp>
-      <p:cxnSp>
-        <p:nvCxnSpPr>
-          <p:cNvPr id="138" name="Connecteur droit 137">
-            <a:extLst>
-              <a:ext uri="{FF2B5EF4-FFF2-40B4-BE49-F238E27FC236}">
-                <a16:creationId xmlns:a16="http://schemas.microsoft.com/office/drawing/2014/main" xmlns="" id="{B9E0F775-BBF6-43E0-8951-D0EE9B8C810F}"/>
-              </a:ext>
-            </a:extLst>
-          </p:cNvPr>
-          <p:cNvCxnSpPr>
-            <a:cxnSpLocks/>
-          </p:cNvCxnSpPr>
-          <p:nvPr/>
-        </p:nvCxnSpPr>
-        <p:spPr>
-          <a:xfrm>
-            <a:off x="9482069" y="1243548"/>
-            <a:ext cx="1217848" cy="0"/>
-          </a:xfrm>
-          <a:prstGeom prst="line">
-            <a:avLst/>
-          </a:prstGeom>
-          <a:ln w="19050">
-            <a:solidFill>
-              <a:srgbClr val="FFFF00"/>
-            </a:solidFill>
-          </a:ln>
-        </p:spPr>
-        <p:style>
-          <a:lnRef idx="1">
-            <a:schemeClr val="accent1"/>
-          </a:lnRef>
-          <a:fillRef idx="0">
-            <a:schemeClr val="accent1"/>
-          </a:fillRef>
-          <a:effectRef idx="0">
-            <a:schemeClr val="accent1"/>
-          </a:effectRef>
-          <a:fontRef idx="minor">
-            <a:schemeClr val="tx1"/>
-          </a:fontRef>
-        </p:style>
-      </p:cxnSp>
-      <p:cxnSp>
-        <p:nvCxnSpPr>
-          <p:cNvPr id="146" name="Connecteur : en angle 145">
-            <a:extLst>
-              <a:ext uri="{FF2B5EF4-FFF2-40B4-BE49-F238E27FC236}">
-                <a16:creationId xmlns:a16="http://schemas.microsoft.com/office/drawing/2014/main" xmlns="" id="{DA9BCBDD-6011-4340-AA13-8D1B13114BDA}"/>
-              </a:ext>
-            </a:extLst>
-          </p:cNvPr>
-          <p:cNvCxnSpPr>
-            <a:cxnSpLocks/>
-          </p:cNvCxnSpPr>
-          <p:nvPr/>
-        </p:nvCxnSpPr>
-        <p:spPr>
           <a:xfrm rot="10800000" flipV="1">
-            <a:off x="8796504" y="785174"/>
-            <a:ext cx="769071" cy="338554"/>
+            <a:off x="8796506" y="785172"/>
+            <a:ext cx="1530503" cy="338556"/>
           </a:xfrm>
           <a:prstGeom prst="bentConnector3">
             <a:avLst>
-              <a:gd name="adj1" fmla="val -956"/>
+              <a:gd name="adj1" fmla="val -1210"/>
             </a:avLst>
           </a:prstGeom>
           <a:ln w="19050">
@@ -4882,7 +4833,7 @@
           <p:cNvPr id="147" name="Connecteur : en angle 146">
             <a:extLst>
               <a:ext uri="{FF2B5EF4-FFF2-40B4-BE49-F238E27FC236}">
-                <a16:creationId xmlns:a16="http://schemas.microsoft.com/office/drawing/2014/main" xmlns="" id="{DA63929A-C6F5-467A-80B6-44209B830BA2}"/>
+                <a16:creationId xmlns:a16="http://schemas.microsoft.com/office/drawing/2014/main" id="{DA63929A-C6F5-467A-80B6-44209B830BA2}"/>
               </a:ext>
             </a:extLst>
           </p:cNvPr>
@@ -4892,13 +4843,13 @@
           <p:nvPr/>
         </p:nvCxnSpPr>
         <p:spPr>
-          <a:xfrm>
-            <a:off x="9981343" y="785174"/>
-            <a:ext cx="625036" cy="463318"/>
+          <a:xfrm rot="10800000" flipV="1">
+            <a:off x="9494671" y="785173"/>
+            <a:ext cx="1309709" cy="523013"/>
           </a:xfrm>
           <a:prstGeom prst="bentConnector3">
             <a:avLst>
-              <a:gd name="adj1" fmla="val 1235"/>
+              <a:gd name="adj1" fmla="val 8442"/>
             </a:avLst>
           </a:prstGeom>
           <a:ln w="19050">
@@ -4927,7 +4878,7 @@
           <p:cNvPr id="165" name="Connecteur droit 164">
             <a:extLst>
               <a:ext uri="{FF2B5EF4-FFF2-40B4-BE49-F238E27FC236}">
-                <a16:creationId xmlns:a16="http://schemas.microsoft.com/office/drawing/2014/main" xmlns="" id="{498E8255-5918-471C-95B2-454D0D41077B}"/>
+                <a16:creationId xmlns:a16="http://schemas.microsoft.com/office/drawing/2014/main" id="{498E8255-5918-471C-95B2-454D0D41077B}"/>
               </a:ext>
             </a:extLst>
           </p:cNvPr>
@@ -4938,8 +4889,8 @@
         </p:nvCxnSpPr>
         <p:spPr>
           <a:xfrm flipV="1">
-            <a:off x="105377" y="82574"/>
-            <a:ext cx="11564255" cy="7123"/>
+            <a:off x="105377" y="76738"/>
+            <a:ext cx="11923237" cy="12960"/>
           </a:xfrm>
           <a:prstGeom prst="line">
             <a:avLst/>
@@ -4970,7 +4921,7 @@
           <p:cNvPr id="170" name="ZoneTexte 169">
             <a:extLst>
               <a:ext uri="{FF2B5EF4-FFF2-40B4-BE49-F238E27FC236}">
-                <a16:creationId xmlns:a16="http://schemas.microsoft.com/office/drawing/2014/main" xmlns="" id="{D41E49A1-0558-49C0-9155-5501ABAAF4E6}"/>
+                <a16:creationId xmlns:a16="http://schemas.microsoft.com/office/drawing/2014/main" id="{D41E49A1-0558-49C0-9155-5501ABAAF4E6}"/>
               </a:ext>
             </a:extLst>
           </p:cNvPr>
@@ -4979,8 +4930,8 @@
         </p:nvSpPr>
         <p:spPr>
           <a:xfrm>
-            <a:off x="11601235" y="-92433"/>
-            <a:ext cx="590765" cy="369332"/>
+            <a:off x="9636313" y="2987017"/>
+            <a:ext cx="717741" cy="369332"/>
           </a:xfrm>
           <a:prstGeom prst="rect">
             <a:avLst/>
@@ -4994,11 +4945,19 @@
           <a:lstStyle/>
           <a:p>
             <a:r>
-              <a:rPr lang="fr-FR" dirty="0"/>
-              <a:t>+5</a:t>
-            </a:r>
-            <a:r>
-              <a:rPr lang="fr-FR" sz="1200" dirty="0"/>
+              <a:rPr lang="fr-FR" b="1" dirty="0">
+                <a:solidFill>
+                  <a:srgbClr val="FF0000"/>
+                </a:solidFill>
+              </a:rPr>
+              <a:t>+7.5</a:t>
+            </a:r>
+            <a:r>
+              <a:rPr lang="fr-FR" sz="1200" b="1" dirty="0">
+                <a:solidFill>
+                  <a:srgbClr val="FF0000"/>
+                </a:solidFill>
+              </a:rPr>
               <a:t>V</a:t>
             </a:r>
           </a:p>
@@ -5009,7 +4968,7 @@
           <p:cNvPr id="171" name="ZoneTexte 170">
             <a:extLst>
               <a:ext uri="{FF2B5EF4-FFF2-40B4-BE49-F238E27FC236}">
-                <a16:creationId xmlns:a16="http://schemas.microsoft.com/office/drawing/2014/main" xmlns="" id="{B8EA2AF4-77C2-405C-BEC9-B64EF350667E}"/>
+                <a16:creationId xmlns:a16="http://schemas.microsoft.com/office/drawing/2014/main" id="{B8EA2AF4-77C2-405C-BEC9-B64EF350667E}"/>
               </a:ext>
             </a:extLst>
           </p:cNvPr>
@@ -5018,7 +4977,7 @@
         </p:nvSpPr>
         <p:spPr>
           <a:xfrm>
-            <a:off x="11706827" y="108000"/>
+            <a:off x="9667133" y="3506431"/>
             <a:ext cx="590765" cy="369332"/>
           </a:xfrm>
           <a:prstGeom prst="rect">
@@ -5033,11 +4992,11 @@
           <a:lstStyle/>
           <a:p>
             <a:r>
-              <a:rPr lang="fr-FR" dirty="0"/>
+              <a:rPr lang="fr-FR" b="1" dirty="0"/>
               <a:t>0</a:t>
             </a:r>
             <a:r>
-              <a:rPr lang="fr-FR" sz="1200" dirty="0"/>
+              <a:rPr lang="fr-FR" sz="1200" b="1" dirty="0"/>
               <a:t>V</a:t>
             </a:r>
           </a:p>
@@ -5048,7 +5007,7 @@
           <p:cNvPr id="172" name="Connecteur droit 171">
             <a:extLst>
               <a:ext uri="{FF2B5EF4-FFF2-40B4-BE49-F238E27FC236}">
-                <a16:creationId xmlns:a16="http://schemas.microsoft.com/office/drawing/2014/main" xmlns="" id="{4ECA0ED2-79E0-4D5A-917E-31115CBBF56D}"/>
+                <a16:creationId xmlns:a16="http://schemas.microsoft.com/office/drawing/2014/main" id="{4ECA0ED2-79E0-4D5A-917E-31115CBBF56D}"/>
               </a:ext>
             </a:extLst>
           </p:cNvPr>
@@ -5059,8 +5018,8 @@
         </p:nvCxnSpPr>
         <p:spPr>
           <a:xfrm>
-            <a:off x="105377" y="257029"/>
-            <a:ext cx="11601450" cy="35042"/>
+            <a:off x="105377" y="273358"/>
+            <a:ext cx="11790897" cy="12278"/>
           </a:xfrm>
           <a:prstGeom prst="line">
             <a:avLst/>
@@ -5091,7 +5050,7 @@
           <p:cNvPr id="176" name="Connecteur droit 175">
             <a:extLst>
               <a:ext uri="{FF2B5EF4-FFF2-40B4-BE49-F238E27FC236}">
-                <a16:creationId xmlns:a16="http://schemas.microsoft.com/office/drawing/2014/main" xmlns="" id="{060C03BF-95D6-4A38-B40E-A2400F099E53}"/>
+                <a16:creationId xmlns:a16="http://schemas.microsoft.com/office/drawing/2014/main" id="{060C03BF-95D6-4A38-B40E-A2400F099E53}"/>
               </a:ext>
             </a:extLst>
           </p:cNvPr>
@@ -5100,7 +5059,7 @@
         </p:nvCxnSpPr>
         <p:spPr>
           <a:xfrm flipV="1">
-            <a:off x="9869546" y="92233"/>
+            <a:off x="10642432" y="92233"/>
             <a:ext cx="0" cy="291876"/>
           </a:xfrm>
           <a:prstGeom prst="line">
@@ -5132,7 +5091,7 @@
           <p:cNvPr id="181" name="Connecteur droit 180">
             <a:extLst>
               <a:ext uri="{FF2B5EF4-FFF2-40B4-BE49-F238E27FC236}">
-                <a16:creationId xmlns:a16="http://schemas.microsoft.com/office/drawing/2014/main" xmlns="" id="{6E67D4A9-2442-4176-917A-BEE41F94EF5D}"/>
+                <a16:creationId xmlns:a16="http://schemas.microsoft.com/office/drawing/2014/main" id="{6E67D4A9-2442-4176-917A-BEE41F94EF5D}"/>
               </a:ext>
             </a:extLst>
           </p:cNvPr>
@@ -5143,7 +5102,7 @@
         </p:nvCxnSpPr>
         <p:spPr>
           <a:xfrm flipV="1">
-            <a:off x="9650117" y="280896"/>
+            <a:off x="10526419" y="280896"/>
             <a:ext cx="0" cy="97552"/>
           </a:xfrm>
           <a:prstGeom prst="line">
@@ -5172,49 +5131,10 @@
       </p:cxnSp>
       <p:sp>
         <p:nvSpPr>
-          <p:cNvPr id="205" name="ZoneTexte 204">
-            <a:extLst>
-              <a:ext uri="{FF2B5EF4-FFF2-40B4-BE49-F238E27FC236}">
-                <a16:creationId xmlns:a16="http://schemas.microsoft.com/office/drawing/2014/main" xmlns="" id="{ABCE727B-9CB1-431B-98B3-4AAD463BF987}"/>
-              </a:ext>
-            </a:extLst>
-          </p:cNvPr>
-          <p:cNvSpPr txBox="1"/>
-          <p:nvPr/>
-        </p:nvSpPr>
-        <p:spPr>
-          <a:xfrm>
-            <a:off x="11739993" y="6274820"/>
-            <a:ext cx="590765" cy="369332"/>
-          </a:xfrm>
-          <a:prstGeom prst="rect">
-            <a:avLst/>
-          </a:prstGeom>
-          <a:noFill/>
-        </p:spPr>
-        <p:txBody>
-          <a:bodyPr wrap="square" rtlCol="0">
-            <a:spAutoFit/>
-          </a:bodyPr>
-          <a:lstStyle/>
-          <a:p>
-            <a:r>
-              <a:rPr lang="fr-FR" dirty="0"/>
-              <a:t>+5</a:t>
-            </a:r>
-            <a:r>
-              <a:rPr lang="fr-FR" sz="1200" dirty="0"/>
-              <a:t>V</a:t>
-            </a:r>
-          </a:p>
-        </p:txBody>
-      </p:sp>
-      <p:sp>
-        <p:nvSpPr>
           <p:cNvPr id="190" name="Ellipse 189">
             <a:extLst>
               <a:ext uri="{FF2B5EF4-FFF2-40B4-BE49-F238E27FC236}">
-                <a16:creationId xmlns:a16="http://schemas.microsoft.com/office/drawing/2014/main" xmlns="" id="{7CB799CF-F9B6-4A8A-99A5-62031BA23683}"/>
+                <a16:creationId xmlns:a16="http://schemas.microsoft.com/office/drawing/2014/main" id="{7CB799CF-F9B6-4A8A-99A5-62031BA23683}"/>
               </a:ext>
             </a:extLst>
           </p:cNvPr>
@@ -5272,7 +5192,7 @@
           <p:cNvPr id="191" name="Ellipse 190">
             <a:extLst>
               <a:ext uri="{FF2B5EF4-FFF2-40B4-BE49-F238E27FC236}">
-                <a16:creationId xmlns:a16="http://schemas.microsoft.com/office/drawing/2014/main" xmlns="" id="{8EDDAE58-BEDF-44AE-BA4E-BE96BE126CF9}"/>
+                <a16:creationId xmlns:a16="http://schemas.microsoft.com/office/drawing/2014/main" id="{8EDDAE58-BEDF-44AE-BA4E-BE96BE126CF9}"/>
               </a:ext>
             </a:extLst>
           </p:cNvPr>
@@ -5330,7 +5250,7 @@
           <p:cNvPr id="194" name="Connecteur droit avec flèche 193">
             <a:extLst>
               <a:ext uri="{FF2B5EF4-FFF2-40B4-BE49-F238E27FC236}">
-                <a16:creationId xmlns:a16="http://schemas.microsoft.com/office/drawing/2014/main" xmlns="" id="{B84946B0-A863-470B-916B-8F7E26EAD3BC}"/>
+                <a16:creationId xmlns:a16="http://schemas.microsoft.com/office/drawing/2014/main" id="{B84946B0-A863-470B-916B-8F7E26EAD3BC}"/>
               </a:ext>
             </a:extLst>
           </p:cNvPr>
@@ -5378,7 +5298,7 @@
           <p:cNvPr id="202" name="Rectangle 201">
             <a:extLst>
               <a:ext uri="{FF2B5EF4-FFF2-40B4-BE49-F238E27FC236}">
-                <a16:creationId xmlns:a16="http://schemas.microsoft.com/office/drawing/2014/main" xmlns="" id="{695128D4-DEA0-4499-96A2-401622C9BA92}"/>
+                <a16:creationId xmlns:a16="http://schemas.microsoft.com/office/drawing/2014/main" id="{695128D4-DEA0-4499-96A2-401622C9BA92}"/>
               </a:ext>
             </a:extLst>
           </p:cNvPr>
@@ -5436,7 +5356,7 @@
           <p:cNvPr id="203" name="Connecteur droit avec flèche 202">
             <a:extLst>
               <a:ext uri="{FF2B5EF4-FFF2-40B4-BE49-F238E27FC236}">
-                <a16:creationId xmlns:a16="http://schemas.microsoft.com/office/drawing/2014/main" xmlns="" id="{20A76E23-665E-4E89-A56B-1BF6F02365B5}"/>
+                <a16:creationId xmlns:a16="http://schemas.microsoft.com/office/drawing/2014/main" id="{20A76E23-665E-4E89-A56B-1BF6F02365B5}"/>
               </a:ext>
             </a:extLst>
           </p:cNvPr>
@@ -5483,7 +5403,7 @@
           <p:cNvPr id="204" name="ZoneTexte 203">
             <a:extLst>
               <a:ext uri="{FF2B5EF4-FFF2-40B4-BE49-F238E27FC236}">
-                <a16:creationId xmlns:a16="http://schemas.microsoft.com/office/drawing/2014/main" xmlns="" id="{F26AA089-304E-4D4E-8A3C-1525E7661437}"/>
+                <a16:creationId xmlns:a16="http://schemas.microsoft.com/office/drawing/2014/main" id="{F26AA089-304E-4D4E-8A3C-1525E7661437}"/>
               </a:ext>
             </a:extLst>
           </p:cNvPr>
@@ -5518,7 +5438,7 @@
           <p:cNvPr id="207" name="ZoneTexte 206">
             <a:extLst>
               <a:ext uri="{FF2B5EF4-FFF2-40B4-BE49-F238E27FC236}">
-                <a16:creationId xmlns:a16="http://schemas.microsoft.com/office/drawing/2014/main" xmlns="" id="{AC3F41CA-CE5A-4195-BB4A-A0A7A71DB0BC}"/>
+                <a16:creationId xmlns:a16="http://schemas.microsoft.com/office/drawing/2014/main" id="{AC3F41CA-CE5A-4195-BB4A-A0A7A71DB0BC}"/>
               </a:ext>
             </a:extLst>
           </p:cNvPr>
@@ -5553,7 +5473,7 @@
           <p:cNvPr id="192" name="ZoneTexte 191">
             <a:extLst>
               <a:ext uri="{FF2B5EF4-FFF2-40B4-BE49-F238E27FC236}">
-                <a16:creationId xmlns:a16="http://schemas.microsoft.com/office/drawing/2014/main" xmlns="" id="{F5631320-CDB1-4D41-92D4-168177CC2A48}"/>
+                <a16:creationId xmlns:a16="http://schemas.microsoft.com/office/drawing/2014/main" id="{F5631320-CDB1-4D41-92D4-168177CC2A48}"/>
               </a:ext>
             </a:extLst>
           </p:cNvPr>
@@ -5595,7 +5515,7 @@
           <p:cNvPr id="196" name="ZoneTexte 195">
             <a:extLst>
               <a:ext uri="{FF2B5EF4-FFF2-40B4-BE49-F238E27FC236}">
-                <a16:creationId xmlns:a16="http://schemas.microsoft.com/office/drawing/2014/main" xmlns="" id="{52938325-F99A-47EF-95B0-0AA75A8F758B}"/>
+                <a16:creationId xmlns:a16="http://schemas.microsoft.com/office/drawing/2014/main" id="{52938325-F99A-47EF-95B0-0AA75A8F758B}"/>
               </a:ext>
             </a:extLst>
           </p:cNvPr>
@@ -5604,7 +5524,7 @@
         </p:nvSpPr>
         <p:spPr>
           <a:xfrm>
-            <a:off x="9323397" y="789892"/>
+            <a:off x="10069096" y="789766"/>
             <a:ext cx="928972" cy="338554"/>
           </a:xfrm>
           <a:prstGeom prst="rect">
@@ -5639,7 +5559,7 @@
           <p:cNvPr id="148" name="Rectangle 147">
             <a:extLst>
               <a:ext uri="{FF2B5EF4-FFF2-40B4-BE49-F238E27FC236}">
-                <a16:creationId xmlns:a16="http://schemas.microsoft.com/office/drawing/2014/main" xmlns="" id="{71B0C61D-3C33-44AE-994E-9D1DFD3977BE}"/>
+                <a16:creationId xmlns:a16="http://schemas.microsoft.com/office/drawing/2014/main" id="{71B0C61D-3C33-44AE-994E-9D1DFD3977BE}"/>
               </a:ext>
             </a:extLst>
           </p:cNvPr>
@@ -5680,7 +5600,7 @@
           <p:cNvPr id="149" name="Ellipse 148">
             <a:extLst>
               <a:ext uri="{FF2B5EF4-FFF2-40B4-BE49-F238E27FC236}">
-                <a16:creationId xmlns:a16="http://schemas.microsoft.com/office/drawing/2014/main" xmlns="" id="{8FE1DB04-8A7C-4DF6-B7CC-303CADF3B2B8}"/>
+                <a16:creationId xmlns:a16="http://schemas.microsoft.com/office/drawing/2014/main" id="{8FE1DB04-8A7C-4DF6-B7CC-303CADF3B2B8}"/>
               </a:ext>
             </a:extLst>
           </p:cNvPr>
@@ -5738,7 +5658,7 @@
           <p:cNvPr id="150" name="Ellipse 149">
             <a:extLst>
               <a:ext uri="{FF2B5EF4-FFF2-40B4-BE49-F238E27FC236}">
-                <a16:creationId xmlns:a16="http://schemas.microsoft.com/office/drawing/2014/main" xmlns="" id="{C11933AE-2467-4012-9A41-8804A34032AC}"/>
+                <a16:creationId xmlns:a16="http://schemas.microsoft.com/office/drawing/2014/main" id="{C11933AE-2467-4012-9A41-8804A34032AC}"/>
               </a:ext>
             </a:extLst>
           </p:cNvPr>
@@ -5781,18 +5701,13 @@
           <a:p>
             <a:pPr algn="ctr"/>
             <a:r>
-              <a:rPr lang="fr-FR" sz="900" dirty="0" smtClean="0">
+              <a:rPr lang="fr-FR" sz="900" dirty="0">
                 <a:solidFill>
                   <a:schemeClr val="tx1"/>
                 </a:solidFill>
               </a:rPr>
               <a:t>3</a:t>
             </a:r>
-            <a:endParaRPr lang="fr-FR" sz="900" dirty="0">
-              <a:solidFill>
-                <a:schemeClr val="tx1"/>
-              </a:solidFill>
-            </a:endParaRPr>
           </a:p>
         </p:txBody>
       </p:sp>
@@ -5801,7 +5716,7 @@
           <p:cNvPr id="151" name="Ellipse 150">
             <a:extLst>
               <a:ext uri="{FF2B5EF4-FFF2-40B4-BE49-F238E27FC236}">
-                <a16:creationId xmlns:a16="http://schemas.microsoft.com/office/drawing/2014/main" xmlns="" id="{697B9FF0-5431-4A43-ADEB-EFA05234393D}"/>
+                <a16:creationId xmlns:a16="http://schemas.microsoft.com/office/drawing/2014/main" id="{697B9FF0-5431-4A43-ADEB-EFA05234393D}"/>
               </a:ext>
             </a:extLst>
           </p:cNvPr>
@@ -5844,18 +5759,13 @@
           <a:p>
             <a:pPr algn="ctr"/>
             <a:r>
-              <a:rPr lang="fr-FR" sz="900" dirty="0" smtClean="0">
+              <a:rPr lang="fr-FR" sz="900" dirty="0">
                 <a:solidFill>
                   <a:schemeClr val="tx1"/>
                 </a:solidFill>
               </a:rPr>
               <a:t>5</a:t>
             </a:r>
-            <a:endParaRPr lang="fr-FR" sz="900" dirty="0">
-              <a:solidFill>
-                <a:schemeClr val="tx1"/>
-              </a:solidFill>
-            </a:endParaRPr>
           </a:p>
         </p:txBody>
       </p:sp>
@@ -5864,7 +5774,7 @@
           <p:cNvPr id="152" name="Ellipse 151">
             <a:extLst>
               <a:ext uri="{FF2B5EF4-FFF2-40B4-BE49-F238E27FC236}">
-                <a16:creationId xmlns:a16="http://schemas.microsoft.com/office/drawing/2014/main" xmlns="" id="{0EFED12E-57AE-42F8-8089-B5CEAD9D40AB}"/>
+                <a16:creationId xmlns:a16="http://schemas.microsoft.com/office/drawing/2014/main" id="{0EFED12E-57AE-42F8-8089-B5CEAD9D40AB}"/>
               </a:ext>
             </a:extLst>
           </p:cNvPr>
@@ -5907,18 +5817,13 @@
           <a:p>
             <a:pPr algn="ctr"/>
             <a:r>
-              <a:rPr lang="fr-FR" sz="900" dirty="0" smtClean="0">
+              <a:rPr lang="fr-FR" sz="900" dirty="0">
                 <a:solidFill>
                   <a:schemeClr val="tx1"/>
                 </a:solidFill>
               </a:rPr>
               <a:t>6</a:t>
             </a:r>
-            <a:endParaRPr lang="fr-FR" sz="900" dirty="0">
-              <a:solidFill>
-                <a:schemeClr val="tx1"/>
-              </a:solidFill>
-            </a:endParaRPr>
           </a:p>
         </p:txBody>
       </p:sp>
@@ -5927,7 +5832,7 @@
           <p:cNvPr id="155" name="Ellipse 154">
             <a:extLst>
               <a:ext uri="{FF2B5EF4-FFF2-40B4-BE49-F238E27FC236}">
-                <a16:creationId xmlns:a16="http://schemas.microsoft.com/office/drawing/2014/main" xmlns="" id="{8EDDAE58-BEDF-44AE-BA4E-BE96BE126CF9}"/>
+                <a16:creationId xmlns:a16="http://schemas.microsoft.com/office/drawing/2014/main" id="{8EDDAE58-BEDF-44AE-BA4E-BE96BE126CF9}"/>
               </a:ext>
             </a:extLst>
           </p:cNvPr>
@@ -5970,18 +5875,13 @@
           <a:p>
             <a:pPr algn="ctr"/>
             <a:r>
-              <a:rPr lang="fr-FR" sz="900" dirty="0" smtClean="0">
+              <a:rPr lang="fr-FR" sz="900" dirty="0">
                 <a:solidFill>
                   <a:schemeClr val="tx1"/>
                 </a:solidFill>
               </a:rPr>
               <a:t>A10</a:t>
             </a:r>
-            <a:endParaRPr lang="fr-FR" sz="900" dirty="0">
-              <a:solidFill>
-                <a:schemeClr val="tx1"/>
-              </a:solidFill>
-            </a:endParaRPr>
           </a:p>
         </p:txBody>
       </p:sp>
@@ -5990,7 +5890,7 @@
           <p:cNvPr id="163" name="Ellipse 162">
             <a:extLst>
               <a:ext uri="{FF2B5EF4-FFF2-40B4-BE49-F238E27FC236}">
-                <a16:creationId xmlns:a16="http://schemas.microsoft.com/office/drawing/2014/main" xmlns="" id="{8EDDAE58-BEDF-44AE-BA4E-BE96BE126CF9}"/>
+                <a16:creationId xmlns:a16="http://schemas.microsoft.com/office/drawing/2014/main" id="{8EDDAE58-BEDF-44AE-BA4E-BE96BE126CF9}"/>
               </a:ext>
             </a:extLst>
           </p:cNvPr>
@@ -6033,18 +5933,13 @@
           <a:p>
             <a:pPr algn="ctr"/>
             <a:r>
-              <a:rPr lang="fr-FR" sz="900" dirty="0" smtClean="0">
+              <a:rPr lang="fr-FR" sz="900" dirty="0">
                 <a:solidFill>
                   <a:schemeClr val="tx1"/>
                 </a:solidFill>
               </a:rPr>
               <a:t>A11</a:t>
             </a:r>
-            <a:endParaRPr lang="fr-FR" sz="900" dirty="0">
-              <a:solidFill>
-                <a:schemeClr val="tx1"/>
-              </a:solidFill>
-            </a:endParaRPr>
           </a:p>
         </p:txBody>
       </p:sp>
@@ -6053,7 +5948,7 @@
           <p:cNvPr id="164" name="Ellipse 163">
             <a:extLst>
               <a:ext uri="{FF2B5EF4-FFF2-40B4-BE49-F238E27FC236}">
-                <a16:creationId xmlns:a16="http://schemas.microsoft.com/office/drawing/2014/main" xmlns="" id="{8EDDAE58-BEDF-44AE-BA4E-BE96BE126CF9}"/>
+                <a16:creationId xmlns:a16="http://schemas.microsoft.com/office/drawing/2014/main" id="{8EDDAE58-BEDF-44AE-BA4E-BE96BE126CF9}"/>
               </a:ext>
             </a:extLst>
           </p:cNvPr>
@@ -6096,18 +5991,13 @@
           <a:p>
             <a:pPr algn="ctr"/>
             <a:r>
-              <a:rPr lang="fr-FR" sz="900" dirty="0" smtClean="0">
+              <a:rPr lang="fr-FR" sz="900" dirty="0">
                 <a:solidFill>
                   <a:schemeClr val="tx1"/>
                 </a:solidFill>
               </a:rPr>
               <a:t>A9</a:t>
             </a:r>
-            <a:endParaRPr lang="fr-FR" sz="900" dirty="0">
-              <a:solidFill>
-                <a:schemeClr val="tx1"/>
-              </a:solidFill>
-            </a:endParaRPr>
           </a:p>
         </p:txBody>
       </p:sp>
@@ -6116,7 +6006,7 @@
           <p:cNvPr id="169" name="Ellipse 168">
             <a:extLst>
               <a:ext uri="{FF2B5EF4-FFF2-40B4-BE49-F238E27FC236}">
-                <a16:creationId xmlns:a16="http://schemas.microsoft.com/office/drawing/2014/main" xmlns="" id="{8EDDAE58-BEDF-44AE-BA4E-BE96BE126CF9}"/>
+                <a16:creationId xmlns:a16="http://schemas.microsoft.com/office/drawing/2014/main" id="{8EDDAE58-BEDF-44AE-BA4E-BE96BE126CF9}"/>
               </a:ext>
             </a:extLst>
           </p:cNvPr>
@@ -6159,18 +6049,13 @@
           <a:p>
             <a:pPr algn="ctr"/>
             <a:r>
-              <a:rPr lang="fr-FR" sz="900" dirty="0" smtClean="0">
+              <a:rPr lang="fr-FR" sz="900" dirty="0">
                 <a:solidFill>
                   <a:schemeClr val="tx1"/>
                 </a:solidFill>
               </a:rPr>
               <a:t>A12</a:t>
             </a:r>
-            <a:endParaRPr lang="fr-FR" sz="900" dirty="0">
-              <a:solidFill>
-                <a:schemeClr val="tx1"/>
-              </a:solidFill>
-            </a:endParaRPr>
           </a:p>
         </p:txBody>
       </p:sp>
@@ -6179,7 +6064,7 @@
           <p:cNvPr id="174" name="Ellipse 173">
             <a:extLst>
               <a:ext uri="{FF2B5EF4-FFF2-40B4-BE49-F238E27FC236}">
-                <a16:creationId xmlns:a16="http://schemas.microsoft.com/office/drawing/2014/main" xmlns="" id="{8EDDAE58-BEDF-44AE-BA4E-BE96BE126CF9}"/>
+                <a16:creationId xmlns:a16="http://schemas.microsoft.com/office/drawing/2014/main" id="{8EDDAE58-BEDF-44AE-BA4E-BE96BE126CF9}"/>
               </a:ext>
             </a:extLst>
           </p:cNvPr>
@@ -6222,18 +6107,13 @@
           <a:p>
             <a:pPr algn="ctr"/>
             <a:r>
-              <a:rPr lang="fr-FR" sz="900" dirty="0" smtClean="0">
+              <a:rPr lang="fr-FR" sz="900" dirty="0">
                 <a:solidFill>
                   <a:schemeClr val="tx1"/>
                 </a:solidFill>
               </a:rPr>
               <a:t>A8</a:t>
             </a:r>
-            <a:endParaRPr lang="fr-FR" sz="900" dirty="0">
-              <a:solidFill>
-                <a:schemeClr val="tx1"/>
-              </a:solidFill>
-            </a:endParaRPr>
           </a:p>
         </p:txBody>
       </p:sp>
@@ -6242,7 +6122,7 @@
           <p:cNvPr id="175" name="Ellipse 174">
             <a:extLst>
               <a:ext uri="{FF2B5EF4-FFF2-40B4-BE49-F238E27FC236}">
-                <a16:creationId xmlns:a16="http://schemas.microsoft.com/office/drawing/2014/main" xmlns="" id="{8EDDAE58-BEDF-44AE-BA4E-BE96BE126CF9}"/>
+                <a16:creationId xmlns:a16="http://schemas.microsoft.com/office/drawing/2014/main" id="{8EDDAE58-BEDF-44AE-BA4E-BE96BE126CF9}"/>
               </a:ext>
             </a:extLst>
           </p:cNvPr>
@@ -6285,18 +6165,13 @@
           <a:p>
             <a:pPr algn="ctr"/>
             <a:r>
-              <a:rPr lang="fr-FR" sz="900" dirty="0" smtClean="0">
+              <a:rPr lang="fr-FR" sz="900" dirty="0">
                 <a:solidFill>
                   <a:schemeClr val="tx1"/>
                 </a:solidFill>
               </a:rPr>
               <a:t>A13</a:t>
             </a:r>
-            <a:endParaRPr lang="fr-FR" sz="900" dirty="0">
-              <a:solidFill>
-                <a:schemeClr val="tx1"/>
-              </a:solidFill>
-            </a:endParaRPr>
           </a:p>
         </p:txBody>
       </p:sp>
@@ -6305,7 +6180,7 @@
           <p:cNvPr id="180" name="Rectangle 179">
             <a:extLst>
               <a:ext uri="{FF2B5EF4-FFF2-40B4-BE49-F238E27FC236}">
-                <a16:creationId xmlns:a16="http://schemas.microsoft.com/office/drawing/2014/main" xmlns="" id="{8564EB00-961B-42CA-8A79-8ED988784335}"/>
+                <a16:creationId xmlns:a16="http://schemas.microsoft.com/office/drawing/2014/main" id="{8564EB00-961B-42CA-8A79-8ED988784335}"/>
               </a:ext>
             </a:extLst>
           </p:cNvPr>
@@ -6384,18 +6259,13 @@
           <a:p>
             <a:pPr algn="ctr"/>
             <a:r>
-              <a:rPr lang="en-GB" sz="900" dirty="0" smtClean="0">
+              <a:rPr lang="en-GB" sz="900" dirty="0">
                 <a:solidFill>
                   <a:schemeClr val="tx1"/>
                 </a:solidFill>
               </a:rPr>
               <a:t>Throttle</a:t>
             </a:r>
-            <a:endParaRPr lang="en-GB" sz="900" dirty="0">
-              <a:solidFill>
-                <a:schemeClr val="tx1"/>
-              </a:solidFill>
-            </a:endParaRPr>
           </a:p>
         </p:txBody>
       </p:sp>
@@ -6439,18 +6309,13 @@
           <a:p>
             <a:pPr algn="ctr"/>
             <a:r>
-              <a:rPr lang="en-GB" sz="900" dirty="0" smtClean="0">
+              <a:rPr lang="en-GB" sz="900" dirty="0">
                 <a:solidFill>
                   <a:schemeClr val="tx1"/>
                 </a:solidFill>
               </a:rPr>
               <a:t>Roll</a:t>
             </a:r>
-            <a:endParaRPr lang="en-GB" sz="900" dirty="0">
-              <a:solidFill>
-                <a:schemeClr val="tx1"/>
-              </a:solidFill>
-            </a:endParaRPr>
           </a:p>
         </p:txBody>
       </p:sp>
@@ -6494,18 +6359,13 @@
           <a:p>
             <a:pPr algn="ctr"/>
             <a:r>
-              <a:rPr lang="en-GB" sz="900" dirty="0" smtClean="0">
+              <a:rPr lang="en-GB" sz="900" dirty="0">
                 <a:solidFill>
                   <a:schemeClr val="tx1"/>
                 </a:solidFill>
               </a:rPr>
               <a:t>Pitch</a:t>
             </a:r>
-            <a:endParaRPr lang="en-GB" sz="900" dirty="0">
-              <a:solidFill>
-                <a:schemeClr val="tx1"/>
-              </a:solidFill>
-            </a:endParaRPr>
           </a:p>
         </p:txBody>
       </p:sp>
@@ -6549,18 +6409,13 @@
           <a:p>
             <a:pPr algn="ctr"/>
             <a:r>
-              <a:rPr lang="en-GB" sz="900" dirty="0" smtClean="0">
+              <a:rPr lang="en-GB" sz="900" dirty="0">
                 <a:solidFill>
                   <a:schemeClr val="tx1"/>
                 </a:solidFill>
               </a:rPr>
               <a:t>Yaw</a:t>
             </a:r>
-            <a:endParaRPr lang="en-GB" sz="900" dirty="0">
-              <a:solidFill>
-                <a:schemeClr val="tx1"/>
-              </a:solidFill>
-            </a:endParaRPr>
           </a:p>
         </p:txBody>
       </p:sp>
@@ -6604,18 +6459,13 @@
           <a:p>
             <a:pPr algn="ctr"/>
             <a:r>
-              <a:rPr lang="en-GB" sz="900" dirty="0" smtClean="0">
+              <a:rPr lang="en-GB" sz="900" dirty="0">
                 <a:solidFill>
                   <a:schemeClr val="tx1"/>
                 </a:solidFill>
               </a:rPr>
               <a:t>Aux1</a:t>
             </a:r>
-            <a:endParaRPr lang="en-GB" sz="900" dirty="0">
-              <a:solidFill>
-                <a:schemeClr val="tx1"/>
-              </a:solidFill>
-            </a:endParaRPr>
           </a:p>
         </p:txBody>
       </p:sp>
@@ -6659,18 +6509,13 @@
           <a:p>
             <a:pPr algn="ctr"/>
             <a:r>
-              <a:rPr lang="en-GB" sz="900" dirty="0" smtClean="0">
+              <a:rPr lang="en-GB" sz="900" dirty="0">
                 <a:solidFill>
                   <a:schemeClr val="tx1"/>
                 </a:solidFill>
               </a:rPr>
               <a:t>Aux2</a:t>
             </a:r>
-            <a:endParaRPr lang="en-GB" sz="900" dirty="0">
-              <a:solidFill>
-                <a:schemeClr val="tx1"/>
-              </a:solidFill>
-            </a:endParaRPr>
           </a:p>
         </p:txBody>
       </p:sp>
@@ -6679,7 +6524,7 @@
           <p:cNvPr id="215" name="Connecteur droit avec flèche 214">
             <a:extLst>
               <a:ext uri="{FF2B5EF4-FFF2-40B4-BE49-F238E27FC236}">
-                <a16:creationId xmlns:a16="http://schemas.microsoft.com/office/drawing/2014/main" xmlns="" id="{EE98BCF8-1A62-4845-A133-6B137CABE15D}"/>
+                <a16:creationId xmlns:a16="http://schemas.microsoft.com/office/drawing/2014/main" id="{EE98BCF8-1A62-4845-A133-6B137CABE15D}"/>
               </a:ext>
             </a:extLst>
           </p:cNvPr>
@@ -6726,7 +6571,7 @@
           <p:cNvPr id="69" name="Connecteur droit avec flèche 68">
             <a:extLst>
               <a:ext uri="{FF2B5EF4-FFF2-40B4-BE49-F238E27FC236}">
-                <a16:creationId xmlns:a16="http://schemas.microsoft.com/office/drawing/2014/main" xmlns="" id="{EE98BCF8-1A62-4845-A133-6B137CABE15D}"/>
+                <a16:creationId xmlns:a16="http://schemas.microsoft.com/office/drawing/2014/main" id="{EE98BCF8-1A62-4845-A133-6B137CABE15D}"/>
               </a:ext>
             </a:extLst>
           </p:cNvPr>
@@ -6770,7 +6615,7 @@
           <p:cNvPr id="70" name="Connecteur droit avec flèche 69">
             <a:extLst>
               <a:ext uri="{FF2B5EF4-FFF2-40B4-BE49-F238E27FC236}">
-                <a16:creationId xmlns:a16="http://schemas.microsoft.com/office/drawing/2014/main" xmlns="" id="{EE98BCF8-1A62-4845-A133-6B137CABE15D}"/>
+                <a16:creationId xmlns:a16="http://schemas.microsoft.com/office/drawing/2014/main" id="{EE98BCF8-1A62-4845-A133-6B137CABE15D}"/>
               </a:ext>
             </a:extLst>
           </p:cNvPr>
@@ -6814,7 +6659,7 @@
           <p:cNvPr id="71" name="Connecteur droit avec flèche 70">
             <a:extLst>
               <a:ext uri="{FF2B5EF4-FFF2-40B4-BE49-F238E27FC236}">
-                <a16:creationId xmlns:a16="http://schemas.microsoft.com/office/drawing/2014/main" xmlns="" id="{EE98BCF8-1A62-4845-A133-6B137CABE15D}"/>
+                <a16:creationId xmlns:a16="http://schemas.microsoft.com/office/drawing/2014/main" id="{EE98BCF8-1A62-4845-A133-6B137CABE15D}"/>
               </a:ext>
             </a:extLst>
           </p:cNvPr>
@@ -6858,7 +6703,7 @@
           <p:cNvPr id="72" name="Connecteur droit avec flèche 71">
             <a:extLst>
               <a:ext uri="{FF2B5EF4-FFF2-40B4-BE49-F238E27FC236}">
-                <a16:creationId xmlns:a16="http://schemas.microsoft.com/office/drawing/2014/main" xmlns="" id="{EE98BCF8-1A62-4845-A133-6B137CABE15D}"/>
+                <a16:creationId xmlns:a16="http://schemas.microsoft.com/office/drawing/2014/main" id="{EE98BCF8-1A62-4845-A133-6B137CABE15D}"/>
               </a:ext>
             </a:extLst>
           </p:cNvPr>
@@ -6902,7 +6747,7 @@
           <p:cNvPr id="73" name="Connecteur droit avec flèche 72">
             <a:extLst>
               <a:ext uri="{FF2B5EF4-FFF2-40B4-BE49-F238E27FC236}">
-                <a16:creationId xmlns:a16="http://schemas.microsoft.com/office/drawing/2014/main" xmlns="" id="{EE98BCF8-1A62-4845-A133-6B137CABE15D}"/>
+                <a16:creationId xmlns:a16="http://schemas.microsoft.com/office/drawing/2014/main" id="{EE98BCF8-1A62-4845-A133-6B137CABE15D}"/>
               </a:ext>
             </a:extLst>
           </p:cNvPr>
@@ -6964,10 +6809,9 @@
           <a:lstStyle/>
           <a:p>
             <a:r>
-              <a:rPr lang="en-GB" dirty="0" smtClean="0"/>
+              <a:rPr lang="en-GB" dirty="0"/>
               <a:t>RC</a:t>
             </a:r>
-            <a:endParaRPr lang="en-GB" dirty="0"/>
           </a:p>
         </p:txBody>
       </p:sp>
@@ -6976,7 +6820,7 @@
           <p:cNvPr id="79" name="Connecteur droit 78">
             <a:extLst>
               <a:ext uri="{FF2B5EF4-FFF2-40B4-BE49-F238E27FC236}">
-                <a16:creationId xmlns:a16="http://schemas.microsoft.com/office/drawing/2014/main" xmlns="" id="{4ECA0ED2-79E0-4D5A-917E-31115CBBF56D}"/>
+                <a16:creationId xmlns:a16="http://schemas.microsoft.com/office/drawing/2014/main" id="{4ECA0ED2-79E0-4D5A-917E-31115CBBF56D}"/>
               </a:ext>
             </a:extLst>
           </p:cNvPr>
@@ -6987,15 +6831,15 @@
         </p:nvCxnSpPr>
         <p:spPr>
           <a:xfrm>
-            <a:off x="175598" y="6644152"/>
-            <a:ext cx="11601450" cy="35042"/>
+            <a:off x="702841" y="6661672"/>
+            <a:ext cx="11268072" cy="42118"/>
           </a:xfrm>
           <a:prstGeom prst="line">
             <a:avLst/>
           </a:prstGeom>
           <a:ln w="19050">
             <a:solidFill>
-              <a:schemeClr val="tx1"/>
+              <a:srgbClr val="FF0000"/>
             </a:solidFill>
           </a:ln>
         </p:spPr>
@@ -7019,7 +6863,7 @@
           <p:cNvPr id="80" name="Connecteur droit 79">
             <a:extLst>
               <a:ext uri="{FF2B5EF4-FFF2-40B4-BE49-F238E27FC236}">
-                <a16:creationId xmlns:a16="http://schemas.microsoft.com/office/drawing/2014/main" xmlns="" id="{498E8255-5918-471C-95B2-454D0D41077B}"/>
+                <a16:creationId xmlns:a16="http://schemas.microsoft.com/office/drawing/2014/main" id="{498E8255-5918-471C-95B2-454D0D41077B}"/>
               </a:ext>
             </a:extLst>
           </p:cNvPr>
@@ -7029,16 +6873,16 @@
           <p:nvPr/>
         </p:nvCxnSpPr>
         <p:spPr>
-          <a:xfrm flipV="1">
-            <a:off x="123974" y="6433690"/>
-            <a:ext cx="11564255" cy="7123"/>
+          <a:xfrm>
+            <a:off x="1093985" y="6424165"/>
+            <a:ext cx="10739950" cy="63282"/>
           </a:xfrm>
           <a:prstGeom prst="line">
             <a:avLst/>
           </a:prstGeom>
           <a:ln w="19050">
             <a:solidFill>
-              <a:srgbClr val="FF0000"/>
+              <a:schemeClr val="tx1"/>
             </a:solidFill>
           </a:ln>
         </p:spPr>
@@ -7057,51 +6901,12 @@
           </a:fontRef>
         </p:style>
       </p:cxnSp>
-      <p:sp>
-        <p:nvSpPr>
-          <p:cNvPr id="81" name="ZoneTexte 80">
-            <a:extLst>
-              <a:ext uri="{FF2B5EF4-FFF2-40B4-BE49-F238E27FC236}">
-                <a16:creationId xmlns:a16="http://schemas.microsoft.com/office/drawing/2014/main" xmlns="" id="{B8EA2AF4-77C2-405C-BEC9-B64EF350667E}"/>
-              </a:ext>
-            </a:extLst>
-          </p:cNvPr>
-          <p:cNvSpPr txBox="1"/>
-          <p:nvPr/>
-        </p:nvSpPr>
-        <p:spPr>
-          <a:xfrm>
-            <a:off x="11858410" y="6488668"/>
-            <a:ext cx="590765" cy="369332"/>
-          </a:xfrm>
-          <a:prstGeom prst="rect">
-            <a:avLst/>
-          </a:prstGeom>
-          <a:noFill/>
-        </p:spPr>
-        <p:txBody>
-          <a:bodyPr wrap="square" rtlCol="0">
-            <a:spAutoFit/>
-          </a:bodyPr>
-          <a:lstStyle/>
-          <a:p>
-            <a:r>
-              <a:rPr lang="fr-FR" dirty="0"/>
-              <a:t>0</a:t>
-            </a:r>
-            <a:r>
-              <a:rPr lang="fr-FR" sz="1200" dirty="0"/>
-              <a:t>V</a:t>
-            </a:r>
-          </a:p>
-        </p:txBody>
-      </p:sp>
       <p:cxnSp>
         <p:nvCxnSpPr>
           <p:cNvPr id="82" name="Connecteur droit 81">
             <a:extLst>
               <a:ext uri="{FF2B5EF4-FFF2-40B4-BE49-F238E27FC236}">
-                <a16:creationId xmlns:a16="http://schemas.microsoft.com/office/drawing/2014/main" xmlns="" id="{060C03BF-95D6-4A38-B40E-A2400F099E53}"/>
+                <a16:creationId xmlns:a16="http://schemas.microsoft.com/office/drawing/2014/main" id="{060C03BF-95D6-4A38-B40E-A2400F099E53}"/>
               </a:ext>
             </a:extLst>
           </p:cNvPr>
@@ -7118,7 +6923,7 @@
           </a:prstGeom>
           <a:ln w="19050">
             <a:solidFill>
-              <a:srgbClr val="FF0000"/>
+              <a:schemeClr val="tx1"/>
             </a:solidFill>
           </a:ln>
         </p:spPr>
@@ -7142,7 +6947,7 @@
           <p:cNvPr id="83" name="Connecteur droit 82">
             <a:extLst>
               <a:ext uri="{FF2B5EF4-FFF2-40B4-BE49-F238E27FC236}">
-                <a16:creationId xmlns:a16="http://schemas.microsoft.com/office/drawing/2014/main" xmlns="" id="{060C03BF-95D6-4A38-B40E-A2400F099E53}"/>
+                <a16:creationId xmlns:a16="http://schemas.microsoft.com/office/drawing/2014/main" id="{060C03BF-95D6-4A38-B40E-A2400F099E53}"/>
               </a:ext>
             </a:extLst>
           </p:cNvPr>
@@ -7159,7 +6964,7 @@
           </a:prstGeom>
           <a:ln w="19050">
             <a:solidFill>
-              <a:srgbClr val="FF0000"/>
+              <a:schemeClr val="tx1"/>
             </a:solidFill>
           </a:ln>
         </p:spPr>
@@ -7183,7 +6988,7 @@
           <p:cNvPr id="84" name="Connecteur droit 83">
             <a:extLst>
               <a:ext uri="{FF2B5EF4-FFF2-40B4-BE49-F238E27FC236}">
-                <a16:creationId xmlns:a16="http://schemas.microsoft.com/office/drawing/2014/main" xmlns="" id="{060C03BF-95D6-4A38-B40E-A2400F099E53}"/>
+                <a16:creationId xmlns:a16="http://schemas.microsoft.com/office/drawing/2014/main" id="{060C03BF-95D6-4A38-B40E-A2400F099E53}"/>
               </a:ext>
             </a:extLst>
           </p:cNvPr>
@@ -7200,7 +7005,7 @@
           </a:prstGeom>
           <a:ln w="19050">
             <a:solidFill>
-              <a:srgbClr val="FF0000"/>
+              <a:schemeClr val="tx1"/>
             </a:solidFill>
           </a:ln>
         </p:spPr>
@@ -7224,7 +7029,7 @@
           <p:cNvPr id="86" name="Connecteur droit 85">
             <a:extLst>
               <a:ext uri="{FF2B5EF4-FFF2-40B4-BE49-F238E27FC236}">
-                <a16:creationId xmlns:a16="http://schemas.microsoft.com/office/drawing/2014/main" xmlns="" id="{060C03BF-95D6-4A38-B40E-A2400F099E53}"/>
+                <a16:creationId xmlns:a16="http://schemas.microsoft.com/office/drawing/2014/main" id="{060C03BF-95D6-4A38-B40E-A2400F099E53}"/>
               </a:ext>
             </a:extLst>
           </p:cNvPr>
@@ -7241,7 +7046,7 @@
           </a:prstGeom>
           <a:ln w="19050">
             <a:solidFill>
-              <a:srgbClr val="FF0000"/>
+              <a:schemeClr val="tx1"/>
             </a:solidFill>
           </a:ln>
         </p:spPr>
@@ -7265,7 +7070,7 @@
           <p:cNvPr id="88" name="Connecteur droit 87">
             <a:extLst>
               <a:ext uri="{FF2B5EF4-FFF2-40B4-BE49-F238E27FC236}">
-                <a16:creationId xmlns:a16="http://schemas.microsoft.com/office/drawing/2014/main" xmlns="" id="{060C03BF-95D6-4A38-B40E-A2400F099E53}"/>
+                <a16:creationId xmlns:a16="http://schemas.microsoft.com/office/drawing/2014/main" id="{060C03BF-95D6-4A38-B40E-A2400F099E53}"/>
               </a:ext>
             </a:extLst>
           </p:cNvPr>
@@ -7282,7 +7087,7 @@
           </a:prstGeom>
           <a:ln w="19050">
             <a:solidFill>
-              <a:srgbClr val="FF0000"/>
+              <a:schemeClr val="tx1"/>
             </a:solidFill>
           </a:ln>
         </p:spPr>
@@ -7306,7 +7111,7 @@
           <p:cNvPr id="89" name="Connecteur droit 88">
             <a:extLst>
               <a:ext uri="{FF2B5EF4-FFF2-40B4-BE49-F238E27FC236}">
-                <a16:creationId xmlns:a16="http://schemas.microsoft.com/office/drawing/2014/main" xmlns="" id="{060C03BF-95D6-4A38-B40E-A2400F099E53}"/>
+                <a16:creationId xmlns:a16="http://schemas.microsoft.com/office/drawing/2014/main" id="{060C03BF-95D6-4A38-B40E-A2400F099E53}"/>
               </a:ext>
             </a:extLst>
           </p:cNvPr>
@@ -7323,7 +7128,7 @@
           </a:prstGeom>
           <a:ln w="19050">
             <a:solidFill>
-              <a:srgbClr val="FF0000"/>
+              <a:schemeClr val="tx1"/>
             </a:solidFill>
           </a:ln>
         </p:spPr>
@@ -7347,7 +7152,7 @@
           <p:cNvPr id="90" name="Connecteur droit 89">
             <a:extLst>
               <a:ext uri="{FF2B5EF4-FFF2-40B4-BE49-F238E27FC236}">
-                <a16:creationId xmlns:a16="http://schemas.microsoft.com/office/drawing/2014/main" xmlns="" id="{060C03BF-95D6-4A38-B40E-A2400F099E53}"/>
+                <a16:creationId xmlns:a16="http://schemas.microsoft.com/office/drawing/2014/main" id="{060C03BF-95D6-4A38-B40E-A2400F099E53}"/>
               </a:ext>
             </a:extLst>
           </p:cNvPr>
@@ -7364,7 +7169,7 @@
           </a:prstGeom>
           <a:ln w="19050">
             <a:solidFill>
-              <a:schemeClr val="tx1"/>
+              <a:srgbClr val="FF0000"/>
             </a:solidFill>
           </a:ln>
         </p:spPr>
@@ -7388,7 +7193,7 @@
           <p:cNvPr id="91" name="Connecteur droit 90">
             <a:extLst>
               <a:ext uri="{FF2B5EF4-FFF2-40B4-BE49-F238E27FC236}">
-                <a16:creationId xmlns:a16="http://schemas.microsoft.com/office/drawing/2014/main" xmlns="" id="{060C03BF-95D6-4A38-B40E-A2400F099E53}"/>
+                <a16:creationId xmlns:a16="http://schemas.microsoft.com/office/drawing/2014/main" id="{060C03BF-95D6-4A38-B40E-A2400F099E53}"/>
               </a:ext>
             </a:extLst>
           </p:cNvPr>
@@ -7405,7 +7210,7 @@
           </a:prstGeom>
           <a:ln w="19050">
             <a:solidFill>
-              <a:schemeClr val="tx1"/>
+              <a:srgbClr val="FF0000"/>
             </a:solidFill>
           </a:ln>
         </p:spPr>
@@ -7429,7 +7234,7 @@
           <p:cNvPr id="92" name="Connecteur droit 91">
             <a:extLst>
               <a:ext uri="{FF2B5EF4-FFF2-40B4-BE49-F238E27FC236}">
-                <a16:creationId xmlns:a16="http://schemas.microsoft.com/office/drawing/2014/main" xmlns="" id="{060C03BF-95D6-4A38-B40E-A2400F099E53}"/>
+                <a16:creationId xmlns:a16="http://schemas.microsoft.com/office/drawing/2014/main" id="{060C03BF-95D6-4A38-B40E-A2400F099E53}"/>
               </a:ext>
             </a:extLst>
           </p:cNvPr>
@@ -7446,7 +7251,7 @@
           </a:prstGeom>
           <a:ln w="19050">
             <a:solidFill>
-              <a:schemeClr val="tx1"/>
+              <a:srgbClr val="FF0000"/>
             </a:solidFill>
           </a:ln>
         </p:spPr>
@@ -7470,7 +7275,7 @@
           <p:cNvPr id="93" name="Connecteur droit 92">
             <a:extLst>
               <a:ext uri="{FF2B5EF4-FFF2-40B4-BE49-F238E27FC236}">
-                <a16:creationId xmlns:a16="http://schemas.microsoft.com/office/drawing/2014/main" xmlns="" id="{060C03BF-95D6-4A38-B40E-A2400F099E53}"/>
+                <a16:creationId xmlns:a16="http://schemas.microsoft.com/office/drawing/2014/main" id="{060C03BF-95D6-4A38-B40E-A2400F099E53}"/>
               </a:ext>
             </a:extLst>
           </p:cNvPr>
@@ -7487,7 +7292,7 @@
           </a:prstGeom>
           <a:ln w="19050">
             <a:solidFill>
-              <a:schemeClr val="tx1"/>
+              <a:srgbClr val="FF0000"/>
             </a:solidFill>
           </a:ln>
         </p:spPr>
@@ -7511,7 +7316,7 @@
           <p:cNvPr id="96" name="Connecteur droit 95">
             <a:extLst>
               <a:ext uri="{FF2B5EF4-FFF2-40B4-BE49-F238E27FC236}">
-                <a16:creationId xmlns:a16="http://schemas.microsoft.com/office/drawing/2014/main" xmlns="" id="{060C03BF-95D6-4A38-B40E-A2400F099E53}"/>
+                <a16:creationId xmlns:a16="http://schemas.microsoft.com/office/drawing/2014/main" id="{060C03BF-95D6-4A38-B40E-A2400F099E53}"/>
               </a:ext>
             </a:extLst>
           </p:cNvPr>
@@ -7528,7 +7333,7 @@
           </a:prstGeom>
           <a:ln w="19050">
             <a:solidFill>
-              <a:schemeClr val="tx1"/>
+              <a:srgbClr val="FF0000"/>
             </a:solidFill>
           </a:ln>
         </p:spPr>
@@ -7552,7 +7357,7 @@
           <p:cNvPr id="97" name="Connecteur droit 96">
             <a:extLst>
               <a:ext uri="{FF2B5EF4-FFF2-40B4-BE49-F238E27FC236}">
-                <a16:creationId xmlns:a16="http://schemas.microsoft.com/office/drawing/2014/main" xmlns="" id="{060C03BF-95D6-4A38-B40E-A2400F099E53}"/>
+                <a16:creationId xmlns:a16="http://schemas.microsoft.com/office/drawing/2014/main" id="{060C03BF-95D6-4A38-B40E-A2400F099E53}"/>
               </a:ext>
             </a:extLst>
           </p:cNvPr>
@@ -7569,7 +7374,7 @@
           </a:prstGeom>
           <a:ln w="19050">
             <a:solidFill>
-              <a:schemeClr val="tx1"/>
+              <a:srgbClr val="FF0000"/>
             </a:solidFill>
           </a:ln>
         </p:spPr>
@@ -7593,7 +7398,7 @@
           <p:cNvPr id="99" name="Connecteur droit avec flèche 98">
             <a:extLst>
               <a:ext uri="{FF2B5EF4-FFF2-40B4-BE49-F238E27FC236}">
-                <a16:creationId xmlns:a16="http://schemas.microsoft.com/office/drawing/2014/main" xmlns="" id="{EE98BCF8-1A62-4845-A133-6B137CABE15D}"/>
+                <a16:creationId xmlns:a16="http://schemas.microsoft.com/office/drawing/2014/main" id="{EE98BCF8-1A62-4845-A133-6B137CABE15D}"/>
               </a:ext>
             </a:extLst>
           </p:cNvPr>
@@ -7637,7 +7442,7 @@
           <p:cNvPr id="100" name="Connecteur droit avec flèche 99">
             <a:extLst>
               <a:ext uri="{FF2B5EF4-FFF2-40B4-BE49-F238E27FC236}">
-                <a16:creationId xmlns:a16="http://schemas.microsoft.com/office/drawing/2014/main" xmlns="" id="{EE98BCF8-1A62-4845-A133-6B137CABE15D}"/>
+                <a16:creationId xmlns:a16="http://schemas.microsoft.com/office/drawing/2014/main" id="{EE98BCF8-1A62-4845-A133-6B137CABE15D}"/>
               </a:ext>
             </a:extLst>
           </p:cNvPr>
@@ -7681,7 +7486,7 @@
           <p:cNvPr id="103" name="Connecteur droit avec flèche 102">
             <a:extLst>
               <a:ext uri="{FF2B5EF4-FFF2-40B4-BE49-F238E27FC236}">
-                <a16:creationId xmlns:a16="http://schemas.microsoft.com/office/drawing/2014/main" xmlns="" id="{EE98BCF8-1A62-4845-A133-6B137CABE15D}"/>
+                <a16:creationId xmlns:a16="http://schemas.microsoft.com/office/drawing/2014/main" id="{EE98BCF8-1A62-4845-A133-6B137CABE15D}"/>
               </a:ext>
             </a:extLst>
           </p:cNvPr>
@@ -7725,7 +7530,7 @@
           <p:cNvPr id="105" name="Connecteur droit avec flèche 104">
             <a:extLst>
               <a:ext uri="{FF2B5EF4-FFF2-40B4-BE49-F238E27FC236}">
-                <a16:creationId xmlns:a16="http://schemas.microsoft.com/office/drawing/2014/main" xmlns="" id="{EE98BCF8-1A62-4845-A133-6B137CABE15D}"/>
+                <a16:creationId xmlns:a16="http://schemas.microsoft.com/office/drawing/2014/main" id="{EE98BCF8-1A62-4845-A133-6B137CABE15D}"/>
               </a:ext>
             </a:extLst>
           </p:cNvPr>
@@ -7769,7 +7574,7 @@
           <p:cNvPr id="107" name="Connecteur droit 106">
             <a:extLst>
               <a:ext uri="{FF2B5EF4-FFF2-40B4-BE49-F238E27FC236}">
-                <a16:creationId xmlns:a16="http://schemas.microsoft.com/office/drawing/2014/main" xmlns="" id="{060C03BF-95D6-4A38-B40E-A2400F099E53}"/>
+                <a16:creationId xmlns:a16="http://schemas.microsoft.com/office/drawing/2014/main" id="{060C03BF-95D6-4A38-B40E-A2400F099E53}"/>
               </a:ext>
             </a:extLst>
           </p:cNvPr>
@@ -7810,7 +7615,7 @@
           <p:cNvPr id="108" name="Connecteur droit 107">
             <a:extLst>
               <a:ext uri="{FF2B5EF4-FFF2-40B4-BE49-F238E27FC236}">
-                <a16:creationId xmlns:a16="http://schemas.microsoft.com/office/drawing/2014/main" xmlns="" id="{060C03BF-95D6-4A38-B40E-A2400F099E53}"/>
+                <a16:creationId xmlns:a16="http://schemas.microsoft.com/office/drawing/2014/main" id="{060C03BF-95D6-4A38-B40E-A2400F099E53}"/>
               </a:ext>
             </a:extLst>
           </p:cNvPr>
@@ -7851,7 +7656,7 @@
           <p:cNvPr id="109" name="Connecteur droit 108">
             <a:extLst>
               <a:ext uri="{FF2B5EF4-FFF2-40B4-BE49-F238E27FC236}">
-                <a16:creationId xmlns:a16="http://schemas.microsoft.com/office/drawing/2014/main" xmlns="" id="{060C03BF-95D6-4A38-B40E-A2400F099E53}"/>
+                <a16:creationId xmlns:a16="http://schemas.microsoft.com/office/drawing/2014/main" id="{060C03BF-95D6-4A38-B40E-A2400F099E53}"/>
               </a:ext>
             </a:extLst>
           </p:cNvPr>
@@ -7892,7 +7697,7 @@
           <p:cNvPr id="110" name="Connecteur droit 109">
             <a:extLst>
               <a:ext uri="{FF2B5EF4-FFF2-40B4-BE49-F238E27FC236}">
-                <a16:creationId xmlns:a16="http://schemas.microsoft.com/office/drawing/2014/main" xmlns="" id="{060C03BF-95D6-4A38-B40E-A2400F099E53}"/>
+                <a16:creationId xmlns:a16="http://schemas.microsoft.com/office/drawing/2014/main" id="{060C03BF-95D6-4A38-B40E-A2400F099E53}"/>
               </a:ext>
             </a:extLst>
           </p:cNvPr>
@@ -7933,7 +7738,7 @@
           <p:cNvPr id="111" name="Connecteur droit 110">
             <a:extLst>
               <a:ext uri="{FF2B5EF4-FFF2-40B4-BE49-F238E27FC236}">
-                <a16:creationId xmlns:a16="http://schemas.microsoft.com/office/drawing/2014/main" xmlns="" id="{060C03BF-95D6-4A38-B40E-A2400F099E53}"/>
+                <a16:creationId xmlns:a16="http://schemas.microsoft.com/office/drawing/2014/main" id="{060C03BF-95D6-4A38-B40E-A2400F099E53}"/>
               </a:ext>
             </a:extLst>
           </p:cNvPr>
@@ -7974,7 +7779,7 @@
           <p:cNvPr id="112" name="Connecteur droit 111">
             <a:extLst>
               <a:ext uri="{FF2B5EF4-FFF2-40B4-BE49-F238E27FC236}">
-                <a16:creationId xmlns:a16="http://schemas.microsoft.com/office/drawing/2014/main" xmlns="" id="{060C03BF-95D6-4A38-B40E-A2400F099E53}"/>
+                <a16:creationId xmlns:a16="http://schemas.microsoft.com/office/drawing/2014/main" id="{060C03BF-95D6-4A38-B40E-A2400F099E53}"/>
               </a:ext>
             </a:extLst>
           </p:cNvPr>
@@ -8015,7 +7820,7 @@
           <p:cNvPr id="113" name="Connecteur droit 112">
             <a:extLst>
               <a:ext uri="{FF2B5EF4-FFF2-40B4-BE49-F238E27FC236}">
-                <a16:creationId xmlns:a16="http://schemas.microsoft.com/office/drawing/2014/main" xmlns="" id="{060C03BF-95D6-4A38-B40E-A2400F099E53}"/>
+                <a16:creationId xmlns:a16="http://schemas.microsoft.com/office/drawing/2014/main" id="{060C03BF-95D6-4A38-B40E-A2400F099E53}"/>
               </a:ext>
             </a:extLst>
           </p:cNvPr>
@@ -8056,7 +7861,7 @@
           <p:cNvPr id="121" name="Connecteur droit 120">
             <a:extLst>
               <a:ext uri="{FF2B5EF4-FFF2-40B4-BE49-F238E27FC236}">
-                <a16:creationId xmlns:a16="http://schemas.microsoft.com/office/drawing/2014/main" xmlns="" id="{060C03BF-95D6-4A38-B40E-A2400F099E53}"/>
+                <a16:creationId xmlns:a16="http://schemas.microsoft.com/office/drawing/2014/main" id="{060C03BF-95D6-4A38-B40E-A2400F099E53}"/>
               </a:ext>
             </a:extLst>
           </p:cNvPr>
@@ -8099,7 +7904,7 @@
           <p:cNvPr id="127" name="Connecteur droit 126">
             <a:extLst>
               <a:ext uri="{FF2B5EF4-FFF2-40B4-BE49-F238E27FC236}">
-                <a16:creationId xmlns:a16="http://schemas.microsoft.com/office/drawing/2014/main" xmlns="" id="{794305CD-136F-470A-BA5D-6257DD3EB19C}"/>
+                <a16:creationId xmlns:a16="http://schemas.microsoft.com/office/drawing/2014/main" id="{794305CD-136F-470A-BA5D-6257DD3EB19C}"/>
               </a:ext>
             </a:extLst>
           </p:cNvPr>
@@ -8142,7 +7947,7 @@
           <p:cNvPr id="129" name="Connecteur droit 128">
             <a:extLst>
               <a:ext uri="{FF2B5EF4-FFF2-40B4-BE49-F238E27FC236}">
-                <a16:creationId xmlns:a16="http://schemas.microsoft.com/office/drawing/2014/main" xmlns="" id="{794305CD-136F-470A-BA5D-6257DD3EB19C}"/>
+                <a16:creationId xmlns:a16="http://schemas.microsoft.com/office/drawing/2014/main" id="{794305CD-136F-470A-BA5D-6257DD3EB19C}"/>
               </a:ext>
             </a:extLst>
           </p:cNvPr>
@@ -8185,7 +7990,7 @@
           <p:cNvPr id="130" name="Connecteur droit 129">
             <a:extLst>
               <a:ext uri="{FF2B5EF4-FFF2-40B4-BE49-F238E27FC236}">
-                <a16:creationId xmlns:a16="http://schemas.microsoft.com/office/drawing/2014/main" xmlns="" id="{794305CD-136F-470A-BA5D-6257DD3EB19C}"/>
+                <a16:creationId xmlns:a16="http://schemas.microsoft.com/office/drawing/2014/main" id="{794305CD-136F-470A-BA5D-6257DD3EB19C}"/>
               </a:ext>
             </a:extLst>
           </p:cNvPr>
@@ -8230,7 +8035,7 @@
           <p:cNvPr id="134" name="Connecteur droit 133">
             <a:extLst>
               <a:ext uri="{FF2B5EF4-FFF2-40B4-BE49-F238E27FC236}">
-                <a16:creationId xmlns:a16="http://schemas.microsoft.com/office/drawing/2014/main" xmlns="" id="{794305CD-136F-470A-BA5D-6257DD3EB19C}"/>
+                <a16:creationId xmlns:a16="http://schemas.microsoft.com/office/drawing/2014/main" id="{794305CD-136F-470A-BA5D-6257DD3EB19C}"/>
               </a:ext>
             </a:extLst>
           </p:cNvPr>
@@ -8273,7 +8078,7 @@
           <p:cNvPr id="135" name="Connecteur droit 134">
             <a:extLst>
               <a:ext uri="{FF2B5EF4-FFF2-40B4-BE49-F238E27FC236}">
-                <a16:creationId xmlns:a16="http://schemas.microsoft.com/office/drawing/2014/main" xmlns="" id="{794305CD-136F-470A-BA5D-6257DD3EB19C}"/>
+                <a16:creationId xmlns:a16="http://schemas.microsoft.com/office/drawing/2014/main" id="{794305CD-136F-470A-BA5D-6257DD3EB19C}"/>
               </a:ext>
             </a:extLst>
           </p:cNvPr>
@@ -8316,7 +8121,7 @@
           <p:cNvPr id="136" name="Connecteur droit 135">
             <a:extLst>
               <a:ext uri="{FF2B5EF4-FFF2-40B4-BE49-F238E27FC236}">
-                <a16:creationId xmlns:a16="http://schemas.microsoft.com/office/drawing/2014/main" xmlns="" id="{794305CD-136F-470A-BA5D-6257DD3EB19C}"/>
+                <a16:creationId xmlns:a16="http://schemas.microsoft.com/office/drawing/2014/main" id="{794305CD-136F-470A-BA5D-6257DD3EB19C}"/>
               </a:ext>
             </a:extLst>
           </p:cNvPr>
@@ -8360,7 +8165,7 @@
           <p:cNvPr id="139" name="Connecteur droit 138">
             <a:extLst>
               <a:ext uri="{FF2B5EF4-FFF2-40B4-BE49-F238E27FC236}">
-                <a16:creationId xmlns:a16="http://schemas.microsoft.com/office/drawing/2014/main" xmlns="" id="{794305CD-136F-470A-BA5D-6257DD3EB19C}"/>
+                <a16:creationId xmlns:a16="http://schemas.microsoft.com/office/drawing/2014/main" id="{794305CD-136F-470A-BA5D-6257DD3EB19C}"/>
               </a:ext>
             </a:extLst>
           </p:cNvPr>
@@ -8403,7 +8208,7 @@
           <p:cNvPr id="140" name="Connecteur droit 139">
             <a:extLst>
               <a:ext uri="{FF2B5EF4-FFF2-40B4-BE49-F238E27FC236}">
-                <a16:creationId xmlns:a16="http://schemas.microsoft.com/office/drawing/2014/main" xmlns="" id="{794305CD-136F-470A-BA5D-6257DD3EB19C}"/>
+                <a16:creationId xmlns:a16="http://schemas.microsoft.com/office/drawing/2014/main" id="{794305CD-136F-470A-BA5D-6257DD3EB19C}"/>
               </a:ext>
             </a:extLst>
           </p:cNvPr>
@@ -8446,7 +8251,7 @@
           <p:cNvPr id="141" name="Connecteur droit 140">
             <a:extLst>
               <a:ext uri="{FF2B5EF4-FFF2-40B4-BE49-F238E27FC236}">
-                <a16:creationId xmlns:a16="http://schemas.microsoft.com/office/drawing/2014/main" xmlns="" id="{794305CD-136F-470A-BA5D-6257DD3EB19C}"/>
+                <a16:creationId xmlns:a16="http://schemas.microsoft.com/office/drawing/2014/main" id="{794305CD-136F-470A-BA5D-6257DD3EB19C}"/>
               </a:ext>
             </a:extLst>
           </p:cNvPr>
@@ -8490,7 +8295,7 @@
           <p:cNvPr id="143" name="Connecteur droit 142">
             <a:extLst>
               <a:ext uri="{FF2B5EF4-FFF2-40B4-BE49-F238E27FC236}">
-                <a16:creationId xmlns:a16="http://schemas.microsoft.com/office/drawing/2014/main" xmlns="" id="{794305CD-136F-470A-BA5D-6257DD3EB19C}"/>
+                <a16:creationId xmlns:a16="http://schemas.microsoft.com/office/drawing/2014/main" id="{794305CD-136F-470A-BA5D-6257DD3EB19C}"/>
               </a:ext>
             </a:extLst>
           </p:cNvPr>
@@ -8533,7 +8338,7 @@
           <p:cNvPr id="144" name="Connecteur droit 143">
             <a:extLst>
               <a:ext uri="{FF2B5EF4-FFF2-40B4-BE49-F238E27FC236}">
-                <a16:creationId xmlns:a16="http://schemas.microsoft.com/office/drawing/2014/main" xmlns="" id="{794305CD-136F-470A-BA5D-6257DD3EB19C}"/>
+                <a16:creationId xmlns:a16="http://schemas.microsoft.com/office/drawing/2014/main" id="{794305CD-136F-470A-BA5D-6257DD3EB19C}"/>
               </a:ext>
             </a:extLst>
           </p:cNvPr>
@@ -8576,7 +8381,7 @@
           <p:cNvPr id="145" name="Connecteur droit 144">
             <a:extLst>
               <a:ext uri="{FF2B5EF4-FFF2-40B4-BE49-F238E27FC236}">
-                <a16:creationId xmlns:a16="http://schemas.microsoft.com/office/drawing/2014/main" xmlns="" id="{794305CD-136F-470A-BA5D-6257DD3EB19C}"/>
+                <a16:creationId xmlns:a16="http://schemas.microsoft.com/office/drawing/2014/main" id="{794305CD-136F-470A-BA5D-6257DD3EB19C}"/>
               </a:ext>
             </a:extLst>
           </p:cNvPr>
@@ -8619,7 +8424,7 @@
           <p:cNvPr id="161" name="Connecteur droit 160">
             <a:extLst>
               <a:ext uri="{FF2B5EF4-FFF2-40B4-BE49-F238E27FC236}">
-                <a16:creationId xmlns:a16="http://schemas.microsoft.com/office/drawing/2014/main" xmlns="" id="{498E8255-5918-471C-95B2-454D0D41077B}"/>
+                <a16:creationId xmlns:a16="http://schemas.microsoft.com/office/drawing/2014/main" id="{498E8255-5918-471C-95B2-454D0D41077B}"/>
               </a:ext>
             </a:extLst>
           </p:cNvPr>
@@ -8662,7 +8467,7 @@
           <p:cNvPr id="166" name="Connecteur droit 165">
             <a:extLst>
               <a:ext uri="{FF2B5EF4-FFF2-40B4-BE49-F238E27FC236}">
-                <a16:creationId xmlns:a16="http://schemas.microsoft.com/office/drawing/2014/main" xmlns="" id="{498E8255-5918-471C-95B2-454D0D41077B}"/>
+                <a16:creationId xmlns:a16="http://schemas.microsoft.com/office/drawing/2014/main" id="{498E8255-5918-471C-95B2-454D0D41077B}"/>
               </a:ext>
             </a:extLst>
           </p:cNvPr>
@@ -8705,7 +8510,7 @@
           <p:cNvPr id="167" name="Connecteur droit 166">
             <a:extLst>
               <a:ext uri="{FF2B5EF4-FFF2-40B4-BE49-F238E27FC236}">
-                <a16:creationId xmlns:a16="http://schemas.microsoft.com/office/drawing/2014/main" xmlns="" id="{060C03BF-95D6-4A38-B40E-A2400F099E53}"/>
+                <a16:creationId xmlns:a16="http://schemas.microsoft.com/office/drawing/2014/main" id="{060C03BF-95D6-4A38-B40E-A2400F099E53}"/>
               </a:ext>
             </a:extLst>
           </p:cNvPr>
@@ -8746,7 +8551,7 @@
           <p:cNvPr id="173" name="Connecteur droit 172">
             <a:extLst>
               <a:ext uri="{FF2B5EF4-FFF2-40B4-BE49-F238E27FC236}">
-                <a16:creationId xmlns:a16="http://schemas.microsoft.com/office/drawing/2014/main" xmlns="" id="{060C03BF-95D6-4A38-B40E-A2400F099E53}"/>
+                <a16:creationId xmlns:a16="http://schemas.microsoft.com/office/drawing/2014/main" id="{060C03BF-95D6-4A38-B40E-A2400F099E53}"/>
               </a:ext>
             </a:extLst>
           </p:cNvPr>
@@ -8787,7 +8592,7 @@
           <p:cNvPr id="177" name="Connecteur droit 176">
             <a:extLst>
               <a:ext uri="{FF2B5EF4-FFF2-40B4-BE49-F238E27FC236}">
-                <a16:creationId xmlns:a16="http://schemas.microsoft.com/office/drawing/2014/main" xmlns="" id="{060C03BF-95D6-4A38-B40E-A2400F099E53}"/>
+                <a16:creationId xmlns:a16="http://schemas.microsoft.com/office/drawing/2014/main" id="{060C03BF-95D6-4A38-B40E-A2400F099E53}"/>
               </a:ext>
             </a:extLst>
           </p:cNvPr>
@@ -8828,7 +8633,7 @@
           <p:cNvPr id="178" name="Connecteur droit 177">
             <a:extLst>
               <a:ext uri="{FF2B5EF4-FFF2-40B4-BE49-F238E27FC236}">
-                <a16:creationId xmlns:a16="http://schemas.microsoft.com/office/drawing/2014/main" xmlns="" id="{060C03BF-95D6-4A38-B40E-A2400F099E53}"/>
+                <a16:creationId xmlns:a16="http://schemas.microsoft.com/office/drawing/2014/main" id="{060C03BF-95D6-4A38-B40E-A2400F099E53}"/>
               </a:ext>
             </a:extLst>
           </p:cNvPr>
@@ -8869,7 +8674,7 @@
           <p:cNvPr id="179" name="Connecteur droit 178">
             <a:extLst>
               <a:ext uri="{FF2B5EF4-FFF2-40B4-BE49-F238E27FC236}">
-                <a16:creationId xmlns:a16="http://schemas.microsoft.com/office/drawing/2014/main" xmlns="" id="{060C03BF-95D6-4A38-B40E-A2400F099E53}"/>
+                <a16:creationId xmlns:a16="http://schemas.microsoft.com/office/drawing/2014/main" id="{060C03BF-95D6-4A38-B40E-A2400F099E53}"/>
               </a:ext>
             </a:extLst>
           </p:cNvPr>
@@ -8910,7 +8715,7 @@
           <p:cNvPr id="182" name="Connecteur droit 181">
             <a:extLst>
               <a:ext uri="{FF2B5EF4-FFF2-40B4-BE49-F238E27FC236}">
-                <a16:creationId xmlns:a16="http://schemas.microsoft.com/office/drawing/2014/main" xmlns="" id="{060C03BF-95D6-4A38-B40E-A2400F099E53}"/>
+                <a16:creationId xmlns:a16="http://schemas.microsoft.com/office/drawing/2014/main" id="{060C03BF-95D6-4A38-B40E-A2400F099E53}"/>
               </a:ext>
             </a:extLst>
           </p:cNvPr>
@@ -8951,7 +8756,7 @@
           <p:cNvPr id="183" name="Connecteur droit 182">
             <a:extLst>
               <a:ext uri="{FF2B5EF4-FFF2-40B4-BE49-F238E27FC236}">
-                <a16:creationId xmlns:a16="http://schemas.microsoft.com/office/drawing/2014/main" xmlns="" id="{060C03BF-95D6-4A38-B40E-A2400F099E53}"/>
+                <a16:creationId xmlns:a16="http://schemas.microsoft.com/office/drawing/2014/main" id="{060C03BF-95D6-4A38-B40E-A2400F099E53}"/>
               </a:ext>
             </a:extLst>
           </p:cNvPr>
@@ -8992,7 +8797,7 @@
           <p:cNvPr id="185" name="Connecteur droit 184">
             <a:extLst>
               <a:ext uri="{FF2B5EF4-FFF2-40B4-BE49-F238E27FC236}">
-                <a16:creationId xmlns:a16="http://schemas.microsoft.com/office/drawing/2014/main" xmlns="" id="{060C03BF-95D6-4A38-B40E-A2400F099E53}"/>
+                <a16:creationId xmlns:a16="http://schemas.microsoft.com/office/drawing/2014/main" id="{060C03BF-95D6-4A38-B40E-A2400F099E53}"/>
               </a:ext>
             </a:extLst>
           </p:cNvPr>
@@ -9073,7 +8878,7 @@
           <a:p>
             <a:pPr algn="ctr"/>
             <a:r>
-              <a:rPr lang="en-GB" sz="900" dirty="0" smtClean="0">
+              <a:rPr lang="en-GB" sz="900" dirty="0">
                 <a:solidFill>
                   <a:schemeClr val="tx1"/>
                 </a:solidFill>
@@ -9152,7 +8957,7 @@
           <a:p>
             <a:pPr algn="ctr"/>
             <a:r>
-              <a:rPr lang="en-GB" sz="900" dirty="0" smtClean="0">
+              <a:rPr lang="en-GB" sz="900" dirty="0">
                 <a:solidFill>
                   <a:schemeClr val="tx1"/>
                 </a:solidFill>
@@ -9168,15 +8973,7 @@
                   <a:schemeClr val="tx1"/>
                 </a:solidFill>
               </a:rPr>
-              <a:t>Front </a:t>
-            </a:r>
-            <a:r>
-              <a:rPr lang="fr-FR" sz="900" dirty="0" smtClean="0">
-                <a:solidFill>
-                  <a:schemeClr val="tx1"/>
-                </a:solidFill>
-              </a:rPr>
-              <a:t>Right</a:t>
+              <a:t>Front Right</a:t>
             </a:r>
             <a:endParaRPr lang="en-GB" sz="900" dirty="0">
               <a:solidFill>
@@ -9231,7 +9028,7 @@
           <a:p>
             <a:pPr algn="ctr"/>
             <a:r>
-              <a:rPr lang="en-GB" sz="900" dirty="0" smtClean="0">
+              <a:rPr lang="en-GB" sz="900" dirty="0">
                 <a:solidFill>
                   <a:schemeClr val="tx1"/>
                 </a:solidFill>
@@ -9242,7 +9039,7 @@
           <a:p>
             <a:pPr algn="ctr"/>
             <a:r>
-              <a:rPr lang="fr-FR" sz="900" dirty="0" err="1" smtClean="0">
+              <a:rPr lang="fr-FR" sz="900" dirty="0" err="1">
                 <a:solidFill>
                   <a:schemeClr val="tx1"/>
                 </a:solidFill>
@@ -9250,7 +9047,7 @@
               <a:t>Rear</a:t>
             </a:r>
             <a:r>
-              <a:rPr lang="fr-FR" sz="900" dirty="0" smtClean="0">
+              <a:rPr lang="fr-FR" sz="900" dirty="0">
                 <a:solidFill>
                   <a:schemeClr val="tx1"/>
                 </a:solidFill>
@@ -9310,7 +9107,7 @@
           <a:p>
             <a:pPr algn="ctr"/>
             <a:r>
-              <a:rPr lang="en-GB" sz="900" dirty="0" smtClean="0">
+              <a:rPr lang="en-GB" sz="900" dirty="0">
                 <a:solidFill>
                   <a:schemeClr val="tx1"/>
                 </a:solidFill>
@@ -9321,7 +9118,7 @@
           <a:p>
             <a:pPr algn="ctr"/>
             <a:r>
-              <a:rPr lang="fr-FR" sz="900" dirty="0" err="1" smtClean="0">
+              <a:rPr lang="fr-FR" sz="900" dirty="0" err="1">
                 <a:solidFill>
                   <a:schemeClr val="tx1"/>
                 </a:solidFill>
@@ -9329,7 +9126,7 @@
               <a:t>Rear</a:t>
             </a:r>
             <a:r>
-              <a:rPr lang="fr-FR" sz="900" dirty="0" smtClean="0">
+              <a:rPr lang="fr-FR" sz="900" dirty="0">
                 <a:solidFill>
                   <a:schemeClr val="tx1"/>
                 </a:solidFill>
@@ -9397,7 +9194,7 @@
           <a:p>
             <a:pPr algn="ctr"/>
             <a:r>
-              <a:rPr lang="en-GB" sz="900" dirty="0" smtClean="0">
+              <a:rPr lang="en-GB" sz="900" dirty="0">
                 <a:solidFill>
                   <a:schemeClr val="tx1"/>
                 </a:solidFill>
@@ -9408,7 +9205,7 @@
           <a:p>
             <a:pPr algn="ctr"/>
             <a:r>
-              <a:rPr lang="fr-FR" sz="900" dirty="0" err="1" smtClean="0">
+              <a:rPr lang="fr-FR" sz="900" dirty="0" err="1">
                 <a:solidFill>
                   <a:schemeClr val="tx1"/>
                 </a:solidFill>
@@ -9416,7 +9213,7 @@
               <a:t>Rear</a:t>
             </a:r>
             <a:r>
-              <a:rPr lang="fr-FR" sz="900" dirty="0" smtClean="0">
+              <a:rPr lang="fr-FR" sz="900" dirty="0">
                 <a:solidFill>
                   <a:schemeClr val="tx1"/>
                 </a:solidFill>
@@ -9484,7 +9281,7 @@
           <a:p>
             <a:pPr algn="ctr"/>
             <a:r>
-              <a:rPr lang="en-GB" sz="900" dirty="0" smtClean="0">
+              <a:rPr lang="en-GB" sz="900" dirty="0">
                 <a:solidFill>
                   <a:schemeClr val="tx1"/>
                 </a:solidFill>
@@ -9495,7 +9292,7 @@
           <a:p>
             <a:pPr algn="ctr"/>
             <a:r>
-              <a:rPr lang="fr-FR" sz="900" dirty="0" err="1" smtClean="0">
+              <a:rPr lang="fr-FR" sz="900" dirty="0" err="1">
                 <a:solidFill>
                   <a:schemeClr val="tx1"/>
                 </a:solidFill>
@@ -9503,7 +9300,7 @@
               <a:t>Rear</a:t>
             </a:r>
             <a:r>
-              <a:rPr lang="fr-FR" sz="900" dirty="0" smtClean="0">
+              <a:rPr lang="fr-FR" sz="900" dirty="0">
                 <a:solidFill>
                   <a:schemeClr val="tx1"/>
                 </a:solidFill>
@@ -9563,7 +9360,7 @@
           <a:p>
             <a:pPr algn="ctr"/>
             <a:r>
-              <a:rPr lang="en-GB" sz="900" dirty="0" smtClean="0">
+              <a:rPr lang="en-GB" sz="900" dirty="0">
                 <a:solidFill>
                   <a:schemeClr val="tx1"/>
                 </a:solidFill>
@@ -9574,7 +9371,7 @@
           <a:p>
             <a:pPr algn="ctr"/>
             <a:r>
-              <a:rPr lang="fr-FR" sz="900" dirty="0" smtClean="0">
+              <a:rPr lang="fr-FR" sz="900" dirty="0">
                 <a:solidFill>
                   <a:schemeClr val="tx1"/>
                 </a:solidFill>
@@ -9634,7 +9431,7 @@
           <a:p>
             <a:pPr algn="ctr"/>
             <a:r>
-              <a:rPr lang="en-GB" sz="900" dirty="0" smtClean="0">
+              <a:rPr lang="en-GB" sz="900" dirty="0">
                 <a:solidFill>
                   <a:schemeClr val="tx1"/>
                 </a:solidFill>
@@ -9645,7 +9442,7 @@
           <a:p>
             <a:pPr algn="ctr"/>
             <a:r>
-              <a:rPr lang="fr-FR" sz="900" dirty="0" smtClean="0">
+              <a:rPr lang="fr-FR" sz="900" dirty="0">
                 <a:solidFill>
                   <a:schemeClr val="tx1"/>
                 </a:solidFill>
@@ -9653,7 +9450,7 @@
               <a:t>Front </a:t>
             </a:r>
             <a:r>
-              <a:rPr lang="fr-FR" sz="900" dirty="0" err="1" smtClean="0">
+              <a:rPr lang="fr-FR" sz="900" dirty="0" err="1">
                 <a:solidFill>
                   <a:schemeClr val="tx1"/>
                 </a:solidFill>
@@ -9673,7 +9470,7 @@
           <p:cNvPr id="122" name="Rectangle 121">
             <a:extLst>
               <a:ext uri="{FF2B5EF4-FFF2-40B4-BE49-F238E27FC236}">
-                <a16:creationId xmlns:a16="http://schemas.microsoft.com/office/drawing/2014/main" xmlns="" id="{8564EB00-961B-42CA-8A79-8ED988784335}"/>
+                <a16:creationId xmlns:a16="http://schemas.microsoft.com/office/drawing/2014/main" id="{8564EB00-961B-42CA-8A79-8ED988784335}"/>
               </a:ext>
             </a:extLst>
           </p:cNvPr>
@@ -9682,7 +9479,7 @@
         </p:nvSpPr>
         <p:spPr>
           <a:xfrm>
-            <a:off x="9378827" y="383040"/>
+            <a:off x="10070071" y="383040"/>
             <a:ext cx="881437" cy="402134"/>
           </a:xfrm>
           <a:prstGeom prst="rect">
@@ -9727,7 +9524,7 @@
           <p:cNvPr id="186" name="ZoneTexte 185">
             <a:extLst>
               <a:ext uri="{FF2B5EF4-FFF2-40B4-BE49-F238E27FC236}">
-                <a16:creationId xmlns:a16="http://schemas.microsoft.com/office/drawing/2014/main" xmlns="" id="{D41E49A1-0558-49C0-9155-5501ABAAF4E6}"/>
+                <a16:creationId xmlns:a16="http://schemas.microsoft.com/office/drawing/2014/main" id="{D41E49A1-0558-49C0-9155-5501ABAAF4E6}"/>
               </a:ext>
             </a:extLst>
           </p:cNvPr>
@@ -9736,8 +9533,8 @@
         </p:nvSpPr>
         <p:spPr>
           <a:xfrm>
-            <a:off x="8382871" y="395528"/>
-            <a:ext cx="1182704" cy="276999"/>
+            <a:off x="7596624" y="241751"/>
+            <a:ext cx="823308" cy="369332"/>
           </a:xfrm>
           <a:prstGeom prst="rect">
             <a:avLst/>
@@ -9751,18 +9548,13 @@
           <a:lstStyle/>
           <a:p>
             <a:r>
-              <a:rPr lang="fr-FR" sz="1200" b="1" dirty="0" smtClean="0">
+              <a:rPr lang="fr-FR" b="1" dirty="0">
                 <a:solidFill>
                   <a:srgbClr val="FF0000"/>
                 </a:solidFill>
               </a:rPr>
-              <a:t>+5V</a:t>
-            </a:r>
-            <a:endParaRPr lang="fr-FR" sz="1200" b="1" dirty="0">
-              <a:solidFill>
-                <a:srgbClr val="FF0000"/>
-              </a:solidFill>
-            </a:endParaRPr>
+              <a:t>+11.1v</a:t>
+            </a:r>
           </a:p>
         </p:txBody>
       </p:sp>
@@ -9771,7 +9563,7 @@
           <p:cNvPr id="189" name="ZoneTexte 188">
             <a:extLst>
               <a:ext uri="{FF2B5EF4-FFF2-40B4-BE49-F238E27FC236}">
-                <a16:creationId xmlns:a16="http://schemas.microsoft.com/office/drawing/2014/main" xmlns="" id="{B8EA2AF4-77C2-405C-BEC9-B64EF350667E}"/>
+                <a16:creationId xmlns:a16="http://schemas.microsoft.com/office/drawing/2014/main" id="{B8EA2AF4-77C2-405C-BEC9-B64EF350667E}"/>
               </a:ext>
             </a:extLst>
           </p:cNvPr>
@@ -9780,8 +9572,8 @@
         </p:nvSpPr>
         <p:spPr>
           <a:xfrm>
-            <a:off x="8467415" y="562066"/>
-            <a:ext cx="602682" cy="461665"/>
+            <a:off x="7988442" y="625976"/>
+            <a:ext cx="462161" cy="369332"/>
           </a:xfrm>
           <a:prstGeom prst="rect">
             <a:avLst/>
@@ -9795,19 +9587,448 @@
           <a:lstStyle/>
           <a:p>
             <a:r>
-              <a:rPr lang="fr-FR" sz="1200" b="1" dirty="0" smtClean="0"/>
-              <a:t>0V</a:t>
-            </a:r>
-          </a:p>
-          <a:p>
-            <a:r>
-              <a:rPr lang="fr-FR" sz="1200" dirty="0" err="1" smtClean="0"/>
-              <a:t>Lipo</a:t>
-            </a:r>
-            <a:endParaRPr lang="fr-FR" sz="1200" dirty="0"/>
+              <a:rPr lang="fr-FR" b="1" dirty="0"/>
+              <a:t>0v</a:t>
+            </a:r>
+            <a:endParaRPr lang="fr-FR" dirty="0"/>
           </a:p>
         </p:txBody>
       </p:sp>
+      <p:sp>
+        <p:nvSpPr>
+          <p:cNvPr id="153" name="Rectangle : coins arrondis 152">
+            <a:extLst>
+              <a:ext uri="{FF2B5EF4-FFF2-40B4-BE49-F238E27FC236}">
+                <a16:creationId xmlns:a16="http://schemas.microsoft.com/office/drawing/2014/main" id="{16E85F62-4DE0-468D-A635-157A1C4F14EC}"/>
+              </a:ext>
+            </a:extLst>
+          </p:cNvPr>
+          <p:cNvSpPr/>
+          <p:nvPr/>
+        </p:nvSpPr>
+        <p:spPr>
+          <a:xfrm>
+            <a:off x="10371431" y="3078915"/>
+            <a:ext cx="1279884" cy="726951"/>
+          </a:xfrm>
+          <a:prstGeom prst="roundRect">
+            <a:avLst/>
+          </a:prstGeom>
+          <a:pattFill prst="pct30">
+            <a:fgClr>
+              <a:schemeClr val="accent2">
+                <a:lumMod val="60000"/>
+                <a:lumOff val="40000"/>
+              </a:schemeClr>
+            </a:fgClr>
+            <a:bgClr>
+              <a:schemeClr val="bg1"/>
+            </a:bgClr>
+          </a:pattFill>
+        </p:spPr>
+        <p:style>
+          <a:lnRef idx="2">
+            <a:schemeClr val="accent1">
+              <a:shade val="50000"/>
+            </a:schemeClr>
+          </a:lnRef>
+          <a:fillRef idx="1">
+            <a:schemeClr val="accent1"/>
+          </a:fillRef>
+          <a:effectRef idx="0">
+            <a:schemeClr val="accent1"/>
+          </a:effectRef>
+          <a:fontRef idx="minor">
+            <a:schemeClr val="lt1"/>
+          </a:fontRef>
+        </p:style>
+        <p:txBody>
+          <a:bodyPr rtlCol="0" anchor="ctr"/>
+          <a:lstStyle/>
+          <a:p>
+            <a:pPr algn="ctr"/>
+            <a:r>
+              <a:rPr lang="en-US" dirty="0">
+                <a:solidFill>
+                  <a:schemeClr val="tx1"/>
+                </a:solidFill>
+              </a:rPr>
+              <a:t>Li Ion</a:t>
+            </a:r>
+          </a:p>
+          <a:p>
+            <a:pPr algn="ctr"/>
+            <a:r>
+              <a:rPr lang="en-US" dirty="0">
+                <a:solidFill>
+                  <a:schemeClr val="tx1"/>
+                </a:solidFill>
+              </a:rPr>
+              <a:t> 2600 </a:t>
+            </a:r>
+            <a:r>
+              <a:rPr lang="en-US" dirty="0" err="1">
+                <a:solidFill>
+                  <a:schemeClr val="tx1"/>
+                </a:solidFill>
+              </a:rPr>
+              <a:t>mAh</a:t>
+            </a:r>
+            <a:r>
+              <a:rPr lang="en-US" dirty="0">
+                <a:solidFill>
+                  <a:schemeClr val="tx1"/>
+                </a:solidFill>
+              </a:rPr>
+              <a:t> </a:t>
+            </a:r>
+          </a:p>
+        </p:txBody>
+      </p:sp>
+      <p:cxnSp>
+        <p:nvCxnSpPr>
+          <p:cNvPr id="156" name="Connecteur droit 155">
+            <a:extLst>
+              <a:ext uri="{FF2B5EF4-FFF2-40B4-BE49-F238E27FC236}">
+                <a16:creationId xmlns:a16="http://schemas.microsoft.com/office/drawing/2014/main" id="{F4FF97C7-F32D-4A54-ADBB-F4D1EFF44730}"/>
+              </a:ext>
+            </a:extLst>
+          </p:cNvPr>
+          <p:cNvCxnSpPr>
+            <a:cxnSpLocks/>
+          </p:cNvCxnSpPr>
+          <p:nvPr/>
+        </p:nvCxnSpPr>
+        <p:spPr>
+          <a:xfrm flipV="1">
+            <a:off x="11970913" y="73459"/>
+            <a:ext cx="57701" cy="6596379"/>
+          </a:xfrm>
+          <a:prstGeom prst="line">
+            <a:avLst/>
+          </a:prstGeom>
+          <a:ln w="19050">
+            <a:solidFill>
+              <a:srgbClr val="FF0000"/>
+            </a:solidFill>
+          </a:ln>
+        </p:spPr>
+        <p:style>
+          <a:lnRef idx="1">
+            <a:schemeClr val="accent1"/>
+          </a:lnRef>
+          <a:fillRef idx="0">
+            <a:schemeClr val="accent1"/>
+          </a:fillRef>
+          <a:effectRef idx="0">
+            <a:schemeClr val="accent1"/>
+          </a:effectRef>
+          <a:fontRef idx="minor">
+            <a:schemeClr val="tx1"/>
+          </a:fontRef>
+        </p:style>
+      </p:cxnSp>
+      <p:cxnSp>
+        <p:nvCxnSpPr>
+          <p:cNvPr id="157" name="Connecteur droit 156">
+            <a:extLst>
+              <a:ext uri="{FF2B5EF4-FFF2-40B4-BE49-F238E27FC236}">
+                <a16:creationId xmlns:a16="http://schemas.microsoft.com/office/drawing/2014/main" id="{A6AD0292-0A98-4A99-BDBB-265EDF0CC217}"/>
+              </a:ext>
+            </a:extLst>
+          </p:cNvPr>
+          <p:cNvCxnSpPr>
+            <a:cxnSpLocks/>
+          </p:cNvCxnSpPr>
+          <p:nvPr/>
+        </p:nvCxnSpPr>
+        <p:spPr>
+          <a:xfrm flipV="1">
+            <a:off x="11812296" y="275931"/>
+            <a:ext cx="82155" cy="6217018"/>
+          </a:xfrm>
+          <a:prstGeom prst="line">
+            <a:avLst/>
+          </a:prstGeom>
+          <a:ln w="19050">
+            <a:solidFill>
+              <a:schemeClr val="tx1"/>
+            </a:solidFill>
+          </a:ln>
+        </p:spPr>
+        <p:style>
+          <a:lnRef idx="1">
+            <a:schemeClr val="accent1"/>
+          </a:lnRef>
+          <a:fillRef idx="0">
+            <a:schemeClr val="accent1"/>
+          </a:fillRef>
+          <a:effectRef idx="0">
+            <a:schemeClr val="accent1"/>
+          </a:effectRef>
+          <a:fontRef idx="minor">
+            <a:schemeClr val="tx1"/>
+          </a:fontRef>
+        </p:style>
+      </p:cxnSp>
+      <p:cxnSp>
+        <p:nvCxnSpPr>
+          <p:cNvPr id="168" name="Connecteur droit 167">
+            <a:extLst>
+              <a:ext uri="{FF2B5EF4-FFF2-40B4-BE49-F238E27FC236}">
+                <a16:creationId xmlns:a16="http://schemas.microsoft.com/office/drawing/2014/main" id="{26D53CE7-799C-4F16-A8CE-07BEE28A3493}"/>
+              </a:ext>
+            </a:extLst>
+          </p:cNvPr>
+          <p:cNvCxnSpPr>
+            <a:cxnSpLocks/>
+          </p:cNvCxnSpPr>
+          <p:nvPr/>
+        </p:nvCxnSpPr>
+        <p:spPr>
+          <a:xfrm flipV="1">
+            <a:off x="716882" y="5336803"/>
+            <a:ext cx="0" cy="1324869"/>
+          </a:xfrm>
+          <a:prstGeom prst="line">
+            <a:avLst/>
+          </a:prstGeom>
+          <a:ln w="19050">
+            <a:solidFill>
+              <a:srgbClr val="FF0000"/>
+            </a:solidFill>
+          </a:ln>
+        </p:spPr>
+        <p:style>
+          <a:lnRef idx="1">
+            <a:schemeClr val="accent1"/>
+          </a:lnRef>
+          <a:fillRef idx="0">
+            <a:schemeClr val="accent1"/>
+          </a:fillRef>
+          <a:effectRef idx="0">
+            <a:schemeClr val="accent1"/>
+          </a:effectRef>
+          <a:fontRef idx="minor">
+            <a:schemeClr val="tx1"/>
+          </a:fontRef>
+        </p:style>
+      </p:cxnSp>
+      <p:cxnSp>
+        <p:nvCxnSpPr>
+          <p:cNvPr id="195" name="Connecteur droit 194">
+            <a:extLst>
+              <a:ext uri="{FF2B5EF4-FFF2-40B4-BE49-F238E27FC236}">
+                <a16:creationId xmlns:a16="http://schemas.microsoft.com/office/drawing/2014/main" id="{076D2D0F-6397-47ED-9470-5B64DB4C7045}"/>
+              </a:ext>
+            </a:extLst>
+          </p:cNvPr>
+          <p:cNvCxnSpPr>
+            <a:cxnSpLocks/>
+          </p:cNvCxnSpPr>
+          <p:nvPr/>
+        </p:nvCxnSpPr>
+        <p:spPr>
+          <a:xfrm flipV="1">
+            <a:off x="1093985" y="5316508"/>
+            <a:ext cx="0" cy="1093827"/>
+          </a:xfrm>
+          <a:prstGeom prst="line">
+            <a:avLst/>
+          </a:prstGeom>
+          <a:ln w="19050">
+            <a:solidFill>
+              <a:schemeClr val="tx1"/>
+            </a:solidFill>
+          </a:ln>
+        </p:spPr>
+        <p:style>
+          <a:lnRef idx="1">
+            <a:schemeClr val="accent1"/>
+          </a:lnRef>
+          <a:fillRef idx="0">
+            <a:schemeClr val="accent1"/>
+          </a:fillRef>
+          <a:effectRef idx="0">
+            <a:schemeClr val="accent1"/>
+          </a:effectRef>
+          <a:fontRef idx="minor">
+            <a:schemeClr val="tx1"/>
+          </a:fontRef>
+        </p:style>
+      </p:cxnSp>
+      <p:sp>
+        <p:nvSpPr>
+          <p:cNvPr id="199" name="ZoneTexte 198">
+            <a:extLst>
+              <a:ext uri="{FF2B5EF4-FFF2-40B4-BE49-F238E27FC236}">
+                <a16:creationId xmlns:a16="http://schemas.microsoft.com/office/drawing/2014/main" id="{CCA39793-AE2B-4EAE-BCB2-64A499F17531}"/>
+              </a:ext>
+            </a:extLst>
+          </p:cNvPr>
+          <p:cNvSpPr txBox="1"/>
+          <p:nvPr/>
+        </p:nvSpPr>
+        <p:spPr>
+          <a:xfrm>
+            <a:off x="1034949" y="5277818"/>
+            <a:ext cx="590765" cy="369332"/>
+          </a:xfrm>
+          <a:prstGeom prst="rect">
+            <a:avLst/>
+          </a:prstGeom>
+          <a:noFill/>
+        </p:spPr>
+        <p:txBody>
+          <a:bodyPr wrap="square" rtlCol="0">
+            <a:spAutoFit/>
+          </a:bodyPr>
+          <a:lstStyle/>
+          <a:p>
+            <a:r>
+              <a:rPr lang="fr-FR" dirty="0"/>
+              <a:t>0</a:t>
+            </a:r>
+            <a:r>
+              <a:rPr lang="fr-FR" sz="1200" dirty="0"/>
+              <a:t>V</a:t>
+            </a:r>
+          </a:p>
+        </p:txBody>
+      </p:sp>
+      <p:sp>
+        <p:nvSpPr>
+          <p:cNvPr id="200" name="ZoneTexte 199">
+            <a:extLst>
+              <a:ext uri="{FF2B5EF4-FFF2-40B4-BE49-F238E27FC236}">
+                <a16:creationId xmlns:a16="http://schemas.microsoft.com/office/drawing/2014/main" id="{4DE4AB41-9E55-4FD1-90CC-D2583A8D1195}"/>
+              </a:ext>
+            </a:extLst>
+          </p:cNvPr>
+          <p:cNvSpPr txBox="1"/>
+          <p:nvPr/>
+        </p:nvSpPr>
+        <p:spPr>
+          <a:xfrm>
+            <a:off x="623907" y="5302371"/>
+            <a:ext cx="590765" cy="369332"/>
+          </a:xfrm>
+          <a:prstGeom prst="rect">
+            <a:avLst/>
+          </a:prstGeom>
+          <a:noFill/>
+        </p:spPr>
+        <p:txBody>
+          <a:bodyPr wrap="square" rtlCol="0">
+            <a:spAutoFit/>
+          </a:bodyPr>
+          <a:lstStyle/>
+          <a:p>
+            <a:r>
+              <a:rPr lang="fr-FR" dirty="0">
+                <a:solidFill>
+                  <a:srgbClr val="FF0000"/>
+                </a:solidFill>
+              </a:rPr>
+              <a:t>+5</a:t>
+            </a:r>
+            <a:r>
+              <a:rPr lang="fr-FR" sz="1200" dirty="0">
+                <a:solidFill>
+                  <a:srgbClr val="FF0000"/>
+                </a:solidFill>
+              </a:rPr>
+              <a:t>V</a:t>
+            </a:r>
+          </a:p>
+        </p:txBody>
+      </p:sp>
+      <p:cxnSp>
+        <p:nvCxnSpPr>
+          <p:cNvPr id="201" name="Connecteur droit 200">
+            <a:extLst>
+              <a:ext uri="{FF2B5EF4-FFF2-40B4-BE49-F238E27FC236}">
+                <a16:creationId xmlns:a16="http://schemas.microsoft.com/office/drawing/2014/main" id="{7B767736-C5A3-4D7E-B688-6E95CC275971}"/>
+              </a:ext>
+            </a:extLst>
+          </p:cNvPr>
+          <p:cNvCxnSpPr>
+            <a:cxnSpLocks/>
+          </p:cNvCxnSpPr>
+          <p:nvPr/>
+        </p:nvCxnSpPr>
+        <p:spPr>
+          <a:xfrm flipV="1">
+            <a:off x="9659722" y="3294085"/>
+            <a:ext cx="717741" cy="1"/>
+          </a:xfrm>
+          <a:prstGeom prst="line">
+            <a:avLst/>
+          </a:prstGeom>
+          <a:ln w="38100">
+            <a:solidFill>
+              <a:srgbClr val="FF0000"/>
+            </a:solidFill>
+          </a:ln>
+        </p:spPr>
+        <p:style>
+          <a:lnRef idx="1">
+            <a:schemeClr val="accent1"/>
+          </a:lnRef>
+          <a:fillRef idx="0">
+            <a:schemeClr val="accent1"/>
+          </a:fillRef>
+          <a:effectRef idx="0">
+            <a:schemeClr val="accent1"/>
+          </a:effectRef>
+          <a:fontRef idx="minor">
+            <a:schemeClr val="tx1"/>
+          </a:fontRef>
+        </p:style>
+      </p:cxnSp>
+      <p:cxnSp>
+        <p:nvCxnSpPr>
+          <p:cNvPr id="206" name="Connecteur droit 205">
+            <a:extLst>
+              <a:ext uri="{FF2B5EF4-FFF2-40B4-BE49-F238E27FC236}">
+                <a16:creationId xmlns:a16="http://schemas.microsoft.com/office/drawing/2014/main" id="{22FDB33C-EEEF-4350-9E11-C1D83F821A35}"/>
+              </a:ext>
+            </a:extLst>
+          </p:cNvPr>
+          <p:cNvCxnSpPr>
+            <a:cxnSpLocks/>
+          </p:cNvCxnSpPr>
+          <p:nvPr/>
+        </p:nvCxnSpPr>
+        <p:spPr>
+          <a:xfrm flipV="1">
+            <a:off x="9673623" y="3572990"/>
+            <a:ext cx="703840" cy="1"/>
+          </a:xfrm>
+          <a:prstGeom prst="line">
+            <a:avLst/>
+          </a:prstGeom>
+          <a:ln w="38100">
+            <a:solidFill>
+              <a:schemeClr val="tx1"/>
+            </a:solidFill>
+          </a:ln>
+        </p:spPr>
+        <p:style>
+          <a:lnRef idx="1">
+            <a:schemeClr val="accent1"/>
+          </a:lnRef>
+          <a:fillRef idx="0">
+            <a:schemeClr val="accent1"/>
+          </a:fillRef>
+          <a:effectRef idx="0">
+            <a:schemeClr val="accent1"/>
+          </a:effectRef>
+          <a:fontRef idx="minor">
+            <a:schemeClr val="tx1"/>
+          </a:fontRef>
+        </p:style>
+      </p:cxnSp>
     </p:spTree>
     <p:extLst>
       <p:ext uri="{BB962C8B-B14F-4D97-AF65-F5344CB8AC3E}">
@@ -9843,7 +10064,7 @@
           <p:cNvPr id="2" name="Titre 1">
             <a:extLst>
               <a:ext uri="{FF2B5EF4-FFF2-40B4-BE49-F238E27FC236}">
-                <a16:creationId xmlns:a16="http://schemas.microsoft.com/office/drawing/2014/main" xmlns="" id="{7D7887D6-7566-47C9-A25C-3F4F54D9EBDC}"/>
+                <a16:creationId xmlns:a16="http://schemas.microsoft.com/office/drawing/2014/main" id="{7D7887D6-7566-47C9-A25C-3F4F54D9EBDC}"/>
               </a:ext>
             </a:extLst>
           </p:cNvPr>
@@ -9875,7 +10096,7 @@
           <p:cNvPr id="3" name="Espace réservé du contenu 2">
             <a:extLst>
               <a:ext uri="{FF2B5EF4-FFF2-40B4-BE49-F238E27FC236}">
-                <a16:creationId xmlns:a16="http://schemas.microsoft.com/office/drawing/2014/main" xmlns="" id="{570C9186-32F7-45DB-A01D-E527B032981A}"/>
+                <a16:creationId xmlns:a16="http://schemas.microsoft.com/office/drawing/2014/main" id="{570C9186-32F7-45DB-A01D-E527B032981A}"/>
               </a:ext>
             </a:extLst>
           </p:cNvPr>
@@ -10091,7 +10312,7 @@
           <p:cNvPr id="2" name="Titre 1">
             <a:extLst>
               <a:ext uri="{FF2B5EF4-FFF2-40B4-BE49-F238E27FC236}">
-                <a16:creationId xmlns:a16="http://schemas.microsoft.com/office/drawing/2014/main" xmlns="" id="{8DDCDBDF-D8CC-44B1-A599-F6FD2A53CCC8}"/>
+                <a16:creationId xmlns:a16="http://schemas.microsoft.com/office/drawing/2014/main" id="{8DDCDBDF-D8CC-44B1-A599-F6FD2A53CCC8}"/>
               </a:ext>
             </a:extLst>
           </p:cNvPr>
@@ -10119,7 +10340,7 @@
           <p:cNvPr id="4" name="Espace réservé du contenu 3">
             <a:extLst>
               <a:ext uri="{FF2B5EF4-FFF2-40B4-BE49-F238E27FC236}">
-                <a16:creationId xmlns:a16="http://schemas.microsoft.com/office/drawing/2014/main" xmlns="" id="{003D9151-9798-4FFF-84EB-CA24DBFE390D}"/>
+                <a16:creationId xmlns:a16="http://schemas.microsoft.com/office/drawing/2014/main" id="{003D9151-9798-4FFF-84EB-CA24DBFE390D}"/>
               </a:ext>
             </a:extLst>
           </p:cNvPr>
@@ -10149,28 +10370,28 @@
                 <a:gridCol w="2697071">
                   <a:extLst>
                     <a:ext uri="{9D8B030D-6E8A-4147-A177-3AD203B41FA5}">
-                      <a16:colId xmlns:a16="http://schemas.microsoft.com/office/drawing/2014/main" xmlns="" val="141237979"/>
+                      <a16:colId xmlns:a16="http://schemas.microsoft.com/office/drawing/2014/main" val="141237979"/>
                     </a:ext>
                   </a:extLst>
                 </a:gridCol>
                 <a:gridCol w="2853559">
                   <a:extLst>
                     <a:ext uri="{9D8B030D-6E8A-4147-A177-3AD203B41FA5}">
-                      <a16:colId xmlns:a16="http://schemas.microsoft.com/office/drawing/2014/main" xmlns="" val="2232030455"/>
+                      <a16:colId xmlns:a16="http://schemas.microsoft.com/office/drawing/2014/main" val="2232030455"/>
                     </a:ext>
                   </a:extLst>
                 </a:gridCol>
                 <a:gridCol w="4012324">
                   <a:extLst>
                     <a:ext uri="{9D8B030D-6E8A-4147-A177-3AD203B41FA5}">
-                      <a16:colId xmlns:a16="http://schemas.microsoft.com/office/drawing/2014/main" xmlns="" val="295038499"/>
+                      <a16:colId xmlns:a16="http://schemas.microsoft.com/office/drawing/2014/main" val="295038499"/>
                     </a:ext>
                   </a:extLst>
                 </a:gridCol>
                 <a:gridCol w="733096">
                   <a:extLst>
                     <a:ext uri="{9D8B030D-6E8A-4147-A177-3AD203B41FA5}">
-                      <a16:colId xmlns:a16="http://schemas.microsoft.com/office/drawing/2014/main" xmlns="" val="3592764086"/>
+                      <a16:colId xmlns:a16="http://schemas.microsoft.com/office/drawing/2014/main" val="3592764086"/>
                     </a:ext>
                   </a:extLst>
                 </a:gridCol>
@@ -10229,7 +10450,7 @@
                 </a:tc>
                 <a:extLst>
                   <a:ext uri="{0D108BD9-81ED-4DB2-BD59-A6C34878D82A}">
-                    <a16:rowId xmlns:a16="http://schemas.microsoft.com/office/drawing/2014/main" xmlns="" val="3930063906"/>
+                    <a16:rowId xmlns:a16="http://schemas.microsoft.com/office/drawing/2014/main" val="3930063906"/>
                   </a:ext>
                 </a:extLst>
               </a:tr>
@@ -10332,7 +10553,7 @@
                 </a:tc>
                 <a:extLst>
                   <a:ext uri="{0D108BD9-81ED-4DB2-BD59-A6C34878D82A}">
-                    <a16:rowId xmlns:a16="http://schemas.microsoft.com/office/drawing/2014/main" xmlns="" val="3459295351"/>
+                    <a16:rowId xmlns:a16="http://schemas.microsoft.com/office/drawing/2014/main" val="3459295351"/>
                   </a:ext>
                 </a:extLst>
               </a:tr>
@@ -10452,7 +10673,7 @@
                 </a:tc>
                 <a:extLst>
                   <a:ext uri="{0D108BD9-81ED-4DB2-BD59-A6C34878D82A}">
-                    <a16:rowId xmlns:a16="http://schemas.microsoft.com/office/drawing/2014/main" xmlns="" val="11531206"/>
+                    <a16:rowId xmlns:a16="http://schemas.microsoft.com/office/drawing/2014/main" val="11531206"/>
                   </a:ext>
                 </a:extLst>
               </a:tr>
@@ -10572,7 +10793,7 @@
                 </a:tc>
                 <a:extLst>
                   <a:ext uri="{0D108BD9-81ED-4DB2-BD59-A6C34878D82A}">
-                    <a16:rowId xmlns:a16="http://schemas.microsoft.com/office/drawing/2014/main" xmlns="" val="1140387248"/>
+                    <a16:rowId xmlns:a16="http://schemas.microsoft.com/office/drawing/2014/main" val="1140387248"/>
                   </a:ext>
                 </a:extLst>
               </a:tr>
@@ -10692,7 +10913,7 @@
                 </a:tc>
                 <a:extLst>
                   <a:ext uri="{0D108BD9-81ED-4DB2-BD59-A6C34878D82A}">
-                    <a16:rowId xmlns:a16="http://schemas.microsoft.com/office/drawing/2014/main" xmlns="" val="4031062607"/>
+                    <a16:rowId xmlns:a16="http://schemas.microsoft.com/office/drawing/2014/main" val="4031062607"/>
                   </a:ext>
                 </a:extLst>
               </a:tr>
@@ -10812,7 +11033,7 @@
                 </a:tc>
                 <a:extLst>
                   <a:ext uri="{0D108BD9-81ED-4DB2-BD59-A6C34878D82A}">
-                    <a16:rowId xmlns:a16="http://schemas.microsoft.com/office/drawing/2014/main" xmlns="" val="3810878265"/>
+                    <a16:rowId xmlns:a16="http://schemas.microsoft.com/office/drawing/2014/main" val="3810878265"/>
                   </a:ext>
                 </a:extLst>
               </a:tr>
@@ -10932,7 +11153,7 @@
                 </a:tc>
                 <a:extLst>
                   <a:ext uri="{0D108BD9-81ED-4DB2-BD59-A6C34878D82A}">
-                    <a16:rowId xmlns:a16="http://schemas.microsoft.com/office/drawing/2014/main" xmlns="" val="3452581991"/>
+                    <a16:rowId xmlns:a16="http://schemas.microsoft.com/office/drawing/2014/main" val="3452581991"/>
                   </a:ext>
                 </a:extLst>
               </a:tr>
@@ -11049,7 +11270,7 @@
                 </a:tc>
                 <a:extLst>
                   <a:ext uri="{0D108BD9-81ED-4DB2-BD59-A6C34878D82A}">
-                    <a16:rowId xmlns:a16="http://schemas.microsoft.com/office/drawing/2014/main" xmlns="" val="2574950784"/>
+                    <a16:rowId xmlns:a16="http://schemas.microsoft.com/office/drawing/2014/main" val="2574950784"/>
                   </a:ext>
                 </a:extLst>
               </a:tr>
@@ -11213,7 +11434,7 @@
                 </a:tc>
                 <a:extLst>
                   <a:ext uri="{0D108BD9-81ED-4DB2-BD59-A6C34878D82A}">
-                    <a16:rowId xmlns:a16="http://schemas.microsoft.com/office/drawing/2014/main" xmlns="" val="330511159"/>
+                    <a16:rowId xmlns:a16="http://schemas.microsoft.com/office/drawing/2014/main" val="330511159"/>
                   </a:ext>
                 </a:extLst>
               </a:tr>
@@ -11373,7 +11594,7 @@
                 </a:tc>
                 <a:extLst>
                   <a:ext uri="{0D108BD9-81ED-4DB2-BD59-A6C34878D82A}">
-                    <a16:rowId xmlns:a16="http://schemas.microsoft.com/office/drawing/2014/main" xmlns="" val="1577479907"/>
+                    <a16:rowId xmlns:a16="http://schemas.microsoft.com/office/drawing/2014/main" val="1577479907"/>
                   </a:ext>
                 </a:extLst>
               </a:tr>
@@ -11533,7 +11754,7 @@
                 </a:tc>
                 <a:extLst>
                   <a:ext uri="{0D108BD9-81ED-4DB2-BD59-A6C34878D82A}">
-                    <a16:rowId xmlns:a16="http://schemas.microsoft.com/office/drawing/2014/main" xmlns="" val="2498999652"/>
+                    <a16:rowId xmlns:a16="http://schemas.microsoft.com/office/drawing/2014/main" val="2498999652"/>
                   </a:ext>
                 </a:extLst>
               </a:tr>
@@ -11576,7 +11797,7 @@
           <p:cNvPr id="2" name="Titre 1">
             <a:extLst>
               <a:ext uri="{FF2B5EF4-FFF2-40B4-BE49-F238E27FC236}">
-                <a16:creationId xmlns:a16="http://schemas.microsoft.com/office/drawing/2014/main" xmlns="" id="{8DDCDBDF-D8CC-44B1-A599-F6FD2A53CCC8}"/>
+                <a16:creationId xmlns:a16="http://schemas.microsoft.com/office/drawing/2014/main" id="{8DDCDBDF-D8CC-44B1-A599-F6FD2A53CCC8}"/>
               </a:ext>
             </a:extLst>
           </p:cNvPr>
@@ -11604,7 +11825,7 @@
           <p:cNvPr id="4" name="Espace réservé du contenu 3">
             <a:extLst>
               <a:ext uri="{FF2B5EF4-FFF2-40B4-BE49-F238E27FC236}">
-                <a16:creationId xmlns:a16="http://schemas.microsoft.com/office/drawing/2014/main" xmlns="" id="{003D9151-9798-4FFF-84EB-CA24DBFE390D}"/>
+                <a16:creationId xmlns:a16="http://schemas.microsoft.com/office/drawing/2014/main" id="{003D9151-9798-4FFF-84EB-CA24DBFE390D}"/>
               </a:ext>
             </a:extLst>
           </p:cNvPr>
@@ -11634,28 +11855,28 @@
                 <a:gridCol w="2904746">
                   <a:extLst>
                     <a:ext uri="{9D8B030D-6E8A-4147-A177-3AD203B41FA5}">
-                      <a16:colId xmlns:a16="http://schemas.microsoft.com/office/drawing/2014/main" xmlns="" val="141237979"/>
+                      <a16:colId xmlns:a16="http://schemas.microsoft.com/office/drawing/2014/main" val="141237979"/>
                     </a:ext>
                   </a:extLst>
                 </a:gridCol>
                 <a:gridCol w="1569081">
                   <a:extLst>
                     <a:ext uri="{9D8B030D-6E8A-4147-A177-3AD203B41FA5}">
-                      <a16:colId xmlns:a16="http://schemas.microsoft.com/office/drawing/2014/main" xmlns="" val="2232030455"/>
+                      <a16:colId xmlns:a16="http://schemas.microsoft.com/office/drawing/2014/main" val="2232030455"/>
                     </a:ext>
                   </a:extLst>
                 </a:gridCol>
                 <a:gridCol w="4052380">
                   <a:extLst>
                     <a:ext uri="{9D8B030D-6E8A-4147-A177-3AD203B41FA5}">
-                      <a16:colId xmlns:a16="http://schemas.microsoft.com/office/drawing/2014/main" xmlns="" val="295038499"/>
+                      <a16:colId xmlns:a16="http://schemas.microsoft.com/office/drawing/2014/main" val="295038499"/>
                     </a:ext>
                   </a:extLst>
                 </a:gridCol>
                 <a:gridCol w="427931">
                   <a:extLst>
                     <a:ext uri="{9D8B030D-6E8A-4147-A177-3AD203B41FA5}">
-                      <a16:colId xmlns:a16="http://schemas.microsoft.com/office/drawing/2014/main" xmlns="" val="3790619278"/>
+                      <a16:colId xmlns:a16="http://schemas.microsoft.com/office/drawing/2014/main" val="3790619278"/>
                     </a:ext>
                   </a:extLst>
                 </a:gridCol>
@@ -11712,7 +11933,7 @@
                 </a:tc>
                 <a:extLst>
                   <a:ext uri="{0D108BD9-81ED-4DB2-BD59-A6C34878D82A}">
-                    <a16:rowId xmlns:a16="http://schemas.microsoft.com/office/drawing/2014/main" xmlns="" val="3930063906"/>
+                    <a16:rowId xmlns:a16="http://schemas.microsoft.com/office/drawing/2014/main" val="3930063906"/>
                   </a:ext>
                 </a:extLst>
               </a:tr>
@@ -11787,7 +12008,7 @@
                 </a:tc>
                 <a:extLst>
                   <a:ext uri="{0D108BD9-81ED-4DB2-BD59-A6C34878D82A}">
-                    <a16:rowId xmlns:a16="http://schemas.microsoft.com/office/drawing/2014/main" xmlns="" val="3643261065"/>
+                    <a16:rowId xmlns:a16="http://schemas.microsoft.com/office/drawing/2014/main" val="3643261065"/>
                   </a:ext>
                 </a:extLst>
               </a:tr>
@@ -11873,7 +12094,7 @@
                 </a:tc>
                 <a:extLst>
                   <a:ext uri="{0D108BD9-81ED-4DB2-BD59-A6C34878D82A}">
-                    <a16:rowId xmlns:a16="http://schemas.microsoft.com/office/drawing/2014/main" xmlns="" val="2053301941"/>
+                    <a16:rowId xmlns:a16="http://schemas.microsoft.com/office/drawing/2014/main" val="2053301941"/>
                   </a:ext>
                 </a:extLst>
               </a:tr>
@@ -12018,7 +12239,7 @@
                 </a:tc>
                 <a:extLst>
                   <a:ext uri="{0D108BD9-81ED-4DB2-BD59-A6C34878D82A}">
-                    <a16:rowId xmlns:a16="http://schemas.microsoft.com/office/drawing/2014/main" xmlns="" val="589730488"/>
+                    <a16:rowId xmlns:a16="http://schemas.microsoft.com/office/drawing/2014/main" val="589730488"/>
                   </a:ext>
                 </a:extLst>
               </a:tr>
@@ -12112,7 +12333,7 @@
                 </a:tc>
                 <a:extLst>
                   <a:ext uri="{0D108BD9-81ED-4DB2-BD59-A6C34878D82A}">
-                    <a16:rowId xmlns:a16="http://schemas.microsoft.com/office/drawing/2014/main" xmlns="" val="4052959503"/>
+                    <a16:rowId xmlns:a16="http://schemas.microsoft.com/office/drawing/2014/main" val="4052959503"/>
                   </a:ext>
                 </a:extLst>
               </a:tr>
@@ -12206,7 +12427,7 @@
                 </a:tc>
                 <a:extLst>
                   <a:ext uri="{0D108BD9-81ED-4DB2-BD59-A6C34878D82A}">
-                    <a16:rowId xmlns:a16="http://schemas.microsoft.com/office/drawing/2014/main" xmlns="" val="899705798"/>
+                    <a16:rowId xmlns:a16="http://schemas.microsoft.com/office/drawing/2014/main" val="899705798"/>
                   </a:ext>
                 </a:extLst>
               </a:tr>
@@ -12300,7 +12521,7 @@
                 </a:tc>
                 <a:extLst>
                   <a:ext uri="{0D108BD9-81ED-4DB2-BD59-A6C34878D82A}">
-                    <a16:rowId xmlns:a16="http://schemas.microsoft.com/office/drawing/2014/main" xmlns="" val="1125724145"/>
+                    <a16:rowId xmlns:a16="http://schemas.microsoft.com/office/drawing/2014/main" val="1125724145"/>
                   </a:ext>
                 </a:extLst>
               </a:tr>
@@ -12377,7 +12598,7 @@
                 </a:tc>
                 <a:extLst>
                   <a:ext uri="{0D108BD9-81ED-4DB2-BD59-A6C34878D82A}">
-                    <a16:rowId xmlns:a16="http://schemas.microsoft.com/office/drawing/2014/main" xmlns="" val="1684437897"/>
+                    <a16:rowId xmlns:a16="http://schemas.microsoft.com/office/drawing/2014/main" val="1684437897"/>
                   </a:ext>
                 </a:extLst>
               </a:tr>
@@ -12471,7 +12692,7 @@
                 </a:tc>
                 <a:extLst>
                   <a:ext uri="{0D108BD9-81ED-4DB2-BD59-A6C34878D82A}">
-                    <a16:rowId xmlns:a16="http://schemas.microsoft.com/office/drawing/2014/main" xmlns="" val="1809774577"/>
+                    <a16:rowId xmlns:a16="http://schemas.microsoft.com/office/drawing/2014/main" val="1809774577"/>
                   </a:ext>
                 </a:extLst>
               </a:tr>
@@ -12565,7 +12786,7 @@
                 </a:tc>
                 <a:extLst>
                   <a:ext uri="{0D108BD9-81ED-4DB2-BD59-A6C34878D82A}">
-                    <a16:rowId xmlns:a16="http://schemas.microsoft.com/office/drawing/2014/main" xmlns="" val="3987889869"/>
+                    <a16:rowId xmlns:a16="http://schemas.microsoft.com/office/drawing/2014/main" val="3987889869"/>
                   </a:ext>
                 </a:extLst>
               </a:tr>
@@ -12663,7 +12884,7 @@
                 </a:tc>
                 <a:extLst>
                   <a:ext uri="{0D108BD9-81ED-4DB2-BD59-A6C34878D82A}">
-                    <a16:rowId xmlns:a16="http://schemas.microsoft.com/office/drawing/2014/main" xmlns="" val="2702079324"/>
+                    <a16:rowId xmlns:a16="http://schemas.microsoft.com/office/drawing/2014/main" val="2702079324"/>
                   </a:ext>
                 </a:extLst>
               </a:tr>
@@ -12757,7 +12978,7 @@
                 </a:tc>
                 <a:extLst>
                   <a:ext uri="{0D108BD9-81ED-4DB2-BD59-A6C34878D82A}">
-                    <a16:rowId xmlns:a16="http://schemas.microsoft.com/office/drawing/2014/main" xmlns="" val="1703739092"/>
+                    <a16:rowId xmlns:a16="http://schemas.microsoft.com/office/drawing/2014/main" val="1703739092"/>
                   </a:ext>
                 </a:extLst>
               </a:tr>
@@ -12851,7 +13072,7 @@
                 </a:tc>
                 <a:extLst>
                   <a:ext uri="{0D108BD9-81ED-4DB2-BD59-A6C34878D82A}">
-                    <a16:rowId xmlns:a16="http://schemas.microsoft.com/office/drawing/2014/main" xmlns="" val="914964665"/>
+                    <a16:rowId xmlns:a16="http://schemas.microsoft.com/office/drawing/2014/main" val="914964665"/>
                   </a:ext>
                 </a:extLst>
               </a:tr>
@@ -12966,7 +13187,7 @@
                 </a:tc>
                 <a:extLst>
                   <a:ext uri="{0D108BD9-81ED-4DB2-BD59-A6C34878D82A}">
-                    <a16:rowId xmlns:a16="http://schemas.microsoft.com/office/drawing/2014/main" xmlns="" val="802458752"/>
+                    <a16:rowId xmlns:a16="http://schemas.microsoft.com/office/drawing/2014/main" val="802458752"/>
                   </a:ext>
                 </a:extLst>
               </a:tr>
@@ -13009,7 +13230,7 @@
           <p:cNvPr id="2" name="Titre 1">
             <a:extLst>
               <a:ext uri="{FF2B5EF4-FFF2-40B4-BE49-F238E27FC236}">
-                <a16:creationId xmlns:a16="http://schemas.microsoft.com/office/drawing/2014/main" xmlns="" id="{8DDCDBDF-D8CC-44B1-A599-F6FD2A53CCC8}"/>
+                <a16:creationId xmlns:a16="http://schemas.microsoft.com/office/drawing/2014/main" id="{8DDCDBDF-D8CC-44B1-A599-F6FD2A53CCC8}"/>
               </a:ext>
             </a:extLst>
           </p:cNvPr>
@@ -13042,7 +13263,7 @@
           <p:cNvPr id="4" name="Espace réservé du contenu 3">
             <a:extLst>
               <a:ext uri="{FF2B5EF4-FFF2-40B4-BE49-F238E27FC236}">
-                <a16:creationId xmlns:a16="http://schemas.microsoft.com/office/drawing/2014/main" xmlns="" id="{003D9151-9798-4FFF-84EB-CA24DBFE390D}"/>
+                <a16:creationId xmlns:a16="http://schemas.microsoft.com/office/drawing/2014/main" id="{003D9151-9798-4FFF-84EB-CA24DBFE390D}"/>
               </a:ext>
             </a:extLst>
           </p:cNvPr>
@@ -13072,28 +13293,28 @@
                 <a:gridCol w="1258156">
                   <a:extLst>
                     <a:ext uri="{9D8B030D-6E8A-4147-A177-3AD203B41FA5}">
-                      <a16:colId xmlns:a16="http://schemas.microsoft.com/office/drawing/2014/main" xmlns="" val="141237979"/>
+                      <a16:colId xmlns:a16="http://schemas.microsoft.com/office/drawing/2014/main" val="141237979"/>
                     </a:ext>
                   </a:extLst>
                 </a:gridCol>
                 <a:gridCol w="2256585">
                   <a:extLst>
                     <a:ext uri="{9D8B030D-6E8A-4147-A177-3AD203B41FA5}">
-                      <a16:colId xmlns:a16="http://schemas.microsoft.com/office/drawing/2014/main" xmlns="" val="2232030455"/>
+                      <a16:colId xmlns:a16="http://schemas.microsoft.com/office/drawing/2014/main" val="2232030455"/>
                     </a:ext>
                   </a:extLst>
                 </a:gridCol>
                 <a:gridCol w="3500429">
                   <a:extLst>
                     <a:ext uri="{9D8B030D-6E8A-4147-A177-3AD203B41FA5}">
-                      <a16:colId xmlns:a16="http://schemas.microsoft.com/office/drawing/2014/main" xmlns="" val="3592764086"/>
+                      <a16:colId xmlns:a16="http://schemas.microsoft.com/office/drawing/2014/main" val="3592764086"/>
                     </a:ext>
                   </a:extLst>
                 </a:gridCol>
                 <a:gridCol w="3500429">
                   <a:extLst>
                     <a:ext uri="{9D8B030D-6E8A-4147-A177-3AD203B41FA5}">
-                      <a16:colId xmlns:a16="http://schemas.microsoft.com/office/drawing/2014/main" xmlns="" val="303937432"/>
+                      <a16:colId xmlns:a16="http://schemas.microsoft.com/office/drawing/2014/main" val="303937432"/>
                     </a:ext>
                   </a:extLst>
                 </a:gridCol>
@@ -13153,7 +13374,7 @@
                 </a:tc>
                 <a:extLst>
                   <a:ext uri="{0D108BD9-81ED-4DB2-BD59-A6C34878D82A}">
-                    <a16:rowId xmlns:a16="http://schemas.microsoft.com/office/drawing/2014/main" xmlns="" val="3930063906"/>
+                    <a16:rowId xmlns:a16="http://schemas.microsoft.com/office/drawing/2014/main" val="3930063906"/>
                   </a:ext>
                 </a:extLst>
               </a:tr>
@@ -13286,7 +13507,7 @@
                 </a:tc>
                 <a:extLst>
                   <a:ext uri="{0D108BD9-81ED-4DB2-BD59-A6C34878D82A}">
-                    <a16:rowId xmlns:a16="http://schemas.microsoft.com/office/drawing/2014/main" xmlns="" val="3459295351"/>
+                    <a16:rowId xmlns:a16="http://schemas.microsoft.com/office/drawing/2014/main" val="3459295351"/>
                   </a:ext>
                 </a:extLst>
               </a:tr>
@@ -13405,7 +13626,7 @@
                 </a:tc>
                 <a:extLst>
                   <a:ext uri="{0D108BD9-81ED-4DB2-BD59-A6C34878D82A}">
-                    <a16:rowId xmlns:a16="http://schemas.microsoft.com/office/drawing/2014/main" xmlns="" val="11531206"/>
+                    <a16:rowId xmlns:a16="http://schemas.microsoft.com/office/drawing/2014/main" val="11531206"/>
                   </a:ext>
                 </a:extLst>
               </a:tr>
@@ -13557,7 +13778,7 @@
                 </a:tc>
                 <a:extLst>
                   <a:ext uri="{0D108BD9-81ED-4DB2-BD59-A6C34878D82A}">
-                    <a16:rowId xmlns:a16="http://schemas.microsoft.com/office/drawing/2014/main" xmlns="" val="1140387248"/>
+                    <a16:rowId xmlns:a16="http://schemas.microsoft.com/office/drawing/2014/main" val="1140387248"/>
                   </a:ext>
                 </a:extLst>
               </a:tr>
@@ -13709,7 +13930,7 @@
                 </a:tc>
                 <a:extLst>
                   <a:ext uri="{0D108BD9-81ED-4DB2-BD59-A6C34878D82A}">
-                    <a16:rowId xmlns:a16="http://schemas.microsoft.com/office/drawing/2014/main" xmlns="" val="4031062607"/>
+                    <a16:rowId xmlns:a16="http://schemas.microsoft.com/office/drawing/2014/main" val="4031062607"/>
                   </a:ext>
                 </a:extLst>
               </a:tr>
@@ -13752,7 +13973,7 @@
           <p:cNvPr id="44" name="Flèche : haut 43">
             <a:extLst>
               <a:ext uri="{FF2B5EF4-FFF2-40B4-BE49-F238E27FC236}">
-                <a16:creationId xmlns:a16="http://schemas.microsoft.com/office/drawing/2014/main" xmlns="" id="{ABE59650-146B-4F70-9E7E-C25A4952A843}"/>
+                <a16:creationId xmlns:a16="http://schemas.microsoft.com/office/drawing/2014/main" id="{ABE59650-146B-4F70-9E7E-C25A4952A843}"/>
               </a:ext>
             </a:extLst>
           </p:cNvPr>
@@ -13798,7 +14019,7 @@
           <p:cNvPr id="2" name="Titre 1">
             <a:extLst>
               <a:ext uri="{FF2B5EF4-FFF2-40B4-BE49-F238E27FC236}">
-                <a16:creationId xmlns:a16="http://schemas.microsoft.com/office/drawing/2014/main" xmlns="" id="{B2E95FC8-98C1-4761-96A0-FCEBFB8AD3C7}"/>
+                <a16:creationId xmlns:a16="http://schemas.microsoft.com/office/drawing/2014/main" id="{B2E95FC8-98C1-4761-96A0-FCEBFB8AD3C7}"/>
               </a:ext>
             </a:extLst>
           </p:cNvPr>
@@ -13832,7 +14053,7 @@
           <p:cNvPr id="7" name="Ellipse 6">
             <a:extLst>
               <a:ext uri="{FF2B5EF4-FFF2-40B4-BE49-F238E27FC236}">
-                <a16:creationId xmlns:a16="http://schemas.microsoft.com/office/drawing/2014/main" xmlns="" id="{B8F24F67-8CCD-4123-96FC-F6FE2AD5ED78}"/>
+                <a16:creationId xmlns:a16="http://schemas.microsoft.com/office/drawing/2014/main" id="{B8F24F67-8CCD-4123-96FC-F6FE2AD5ED78}"/>
               </a:ext>
             </a:extLst>
           </p:cNvPr>
@@ -13878,7 +14099,7 @@
           <p:cNvPr id="8" name="Ellipse 7">
             <a:extLst>
               <a:ext uri="{FF2B5EF4-FFF2-40B4-BE49-F238E27FC236}">
-                <a16:creationId xmlns:a16="http://schemas.microsoft.com/office/drawing/2014/main" xmlns="" id="{B62278DF-5D35-436F-ABDC-669B9815F1C4}"/>
+                <a16:creationId xmlns:a16="http://schemas.microsoft.com/office/drawing/2014/main" id="{B62278DF-5D35-436F-ABDC-669B9815F1C4}"/>
               </a:ext>
             </a:extLst>
           </p:cNvPr>
@@ -13930,7 +14151,7 @@
           <p:cNvPr id="10" name="Ellipse 9">
             <a:extLst>
               <a:ext uri="{FF2B5EF4-FFF2-40B4-BE49-F238E27FC236}">
-                <a16:creationId xmlns:a16="http://schemas.microsoft.com/office/drawing/2014/main" xmlns="" id="{AAEBFEFC-EAD4-4D22-863C-F24B4195D196}"/>
+                <a16:creationId xmlns:a16="http://schemas.microsoft.com/office/drawing/2014/main" id="{AAEBFEFC-EAD4-4D22-863C-F24B4195D196}"/>
               </a:ext>
             </a:extLst>
           </p:cNvPr>
@@ -13982,7 +14203,7 @@
           <p:cNvPr id="14" name="Connecteur droit 13">
             <a:extLst>
               <a:ext uri="{FF2B5EF4-FFF2-40B4-BE49-F238E27FC236}">
-                <a16:creationId xmlns:a16="http://schemas.microsoft.com/office/drawing/2014/main" xmlns="" id="{FF2D8BFF-4103-40BF-8AF7-60F4B89035AA}"/>
+                <a16:creationId xmlns:a16="http://schemas.microsoft.com/office/drawing/2014/main" id="{FF2D8BFF-4103-40BF-8AF7-60F4B89035AA}"/>
               </a:ext>
             </a:extLst>
           </p:cNvPr>
@@ -14021,7 +14242,7 @@
           <p:cNvPr id="28" name="Connecteur droit 27">
             <a:extLst>
               <a:ext uri="{FF2B5EF4-FFF2-40B4-BE49-F238E27FC236}">
-                <a16:creationId xmlns:a16="http://schemas.microsoft.com/office/drawing/2014/main" xmlns="" id="{21AE1372-AD34-4EBF-85EF-004FBD5B7A95}"/>
+                <a16:creationId xmlns:a16="http://schemas.microsoft.com/office/drawing/2014/main" id="{21AE1372-AD34-4EBF-85EF-004FBD5B7A95}"/>
               </a:ext>
             </a:extLst>
           </p:cNvPr>
@@ -14060,7 +14281,7 @@
           <p:cNvPr id="40" name="Ellipse 39">
             <a:extLst>
               <a:ext uri="{FF2B5EF4-FFF2-40B4-BE49-F238E27FC236}">
-                <a16:creationId xmlns:a16="http://schemas.microsoft.com/office/drawing/2014/main" xmlns="" id="{08D47DE9-EC4E-4EB1-A95A-5B8B687A8EF5}"/>
+                <a16:creationId xmlns:a16="http://schemas.microsoft.com/office/drawing/2014/main" id="{08D47DE9-EC4E-4EB1-A95A-5B8B687A8EF5}"/>
               </a:ext>
             </a:extLst>
           </p:cNvPr>
@@ -14112,7 +14333,7 @@
           <p:cNvPr id="41" name="Ellipse 40">
             <a:extLst>
               <a:ext uri="{FF2B5EF4-FFF2-40B4-BE49-F238E27FC236}">
-                <a16:creationId xmlns:a16="http://schemas.microsoft.com/office/drawing/2014/main" xmlns="" id="{29228CD3-6325-4779-BB6B-1918FF19310B}"/>
+                <a16:creationId xmlns:a16="http://schemas.microsoft.com/office/drawing/2014/main" id="{29228CD3-6325-4779-BB6B-1918FF19310B}"/>
               </a:ext>
             </a:extLst>
           </p:cNvPr>
@@ -14164,7 +14385,7 @@
           <p:cNvPr id="46" name="ZoneTexte 45">
             <a:extLst>
               <a:ext uri="{FF2B5EF4-FFF2-40B4-BE49-F238E27FC236}">
-                <a16:creationId xmlns:a16="http://schemas.microsoft.com/office/drawing/2014/main" xmlns="" id="{40220A43-09B7-42FD-84A4-B78C255269E8}"/>
+                <a16:creationId xmlns:a16="http://schemas.microsoft.com/office/drawing/2014/main" id="{40220A43-09B7-42FD-84A4-B78C255269E8}"/>
               </a:ext>
             </a:extLst>
           </p:cNvPr>
@@ -14199,7 +14420,7 @@
           <p:cNvPr id="49" name="ZoneTexte 48">
             <a:extLst>
               <a:ext uri="{FF2B5EF4-FFF2-40B4-BE49-F238E27FC236}">
-                <a16:creationId xmlns:a16="http://schemas.microsoft.com/office/drawing/2014/main" xmlns="" id="{095EFD51-1C2A-451A-81C2-EFBCB1480C05}"/>
+                <a16:creationId xmlns:a16="http://schemas.microsoft.com/office/drawing/2014/main" id="{095EFD51-1C2A-451A-81C2-EFBCB1480C05}"/>
               </a:ext>
             </a:extLst>
           </p:cNvPr>
@@ -14234,7 +14455,7 @@
           <p:cNvPr id="50" name="ZoneTexte 49">
             <a:extLst>
               <a:ext uri="{FF2B5EF4-FFF2-40B4-BE49-F238E27FC236}">
-                <a16:creationId xmlns:a16="http://schemas.microsoft.com/office/drawing/2014/main" xmlns="" id="{6F9FC474-7DAF-4053-81C1-51120A5EFFD0}"/>
+                <a16:creationId xmlns:a16="http://schemas.microsoft.com/office/drawing/2014/main" id="{6F9FC474-7DAF-4053-81C1-51120A5EFFD0}"/>
               </a:ext>
             </a:extLst>
           </p:cNvPr>
@@ -14269,7 +14490,7 @@
           <p:cNvPr id="51" name="ZoneTexte 50">
             <a:extLst>
               <a:ext uri="{FF2B5EF4-FFF2-40B4-BE49-F238E27FC236}">
-                <a16:creationId xmlns:a16="http://schemas.microsoft.com/office/drawing/2014/main" xmlns="" id="{817B7DC0-7D6A-4AC3-A913-D809DD87116A}"/>
+                <a16:creationId xmlns:a16="http://schemas.microsoft.com/office/drawing/2014/main" id="{817B7DC0-7D6A-4AC3-A913-D809DD87116A}"/>
               </a:ext>
             </a:extLst>
           </p:cNvPr>
@@ -14304,7 +14525,7 @@
           <p:cNvPr id="52" name="Flèche : courbe vers le haut 51">
             <a:extLst>
               <a:ext uri="{FF2B5EF4-FFF2-40B4-BE49-F238E27FC236}">
-                <a16:creationId xmlns:a16="http://schemas.microsoft.com/office/drawing/2014/main" xmlns="" id="{BA615E77-4049-465D-AAEF-6B19079D73A4}"/>
+                <a16:creationId xmlns:a16="http://schemas.microsoft.com/office/drawing/2014/main" id="{BA615E77-4049-465D-AAEF-6B19079D73A4}"/>
               </a:ext>
             </a:extLst>
           </p:cNvPr>
@@ -14357,7 +14578,7 @@
           <p:cNvPr id="53" name="Flèche : courbe vers le haut 52">
             <a:extLst>
               <a:ext uri="{FF2B5EF4-FFF2-40B4-BE49-F238E27FC236}">
-                <a16:creationId xmlns:a16="http://schemas.microsoft.com/office/drawing/2014/main" xmlns="" id="{755287AD-1977-4A4E-BD06-40951948C1FF}"/>
+                <a16:creationId xmlns:a16="http://schemas.microsoft.com/office/drawing/2014/main" id="{755287AD-1977-4A4E-BD06-40951948C1FF}"/>
               </a:ext>
             </a:extLst>
           </p:cNvPr>
@@ -14410,7 +14631,7 @@
           <p:cNvPr id="54" name="Flèche : courbe vers le bas 53">
             <a:extLst>
               <a:ext uri="{FF2B5EF4-FFF2-40B4-BE49-F238E27FC236}">
-                <a16:creationId xmlns:a16="http://schemas.microsoft.com/office/drawing/2014/main" xmlns="" id="{B5D842F3-37E6-4BB7-8726-8C7E96267ABC}"/>
+                <a16:creationId xmlns:a16="http://schemas.microsoft.com/office/drawing/2014/main" id="{B5D842F3-37E6-4BB7-8726-8C7E96267ABC}"/>
               </a:ext>
             </a:extLst>
           </p:cNvPr>
@@ -14463,7 +14684,7 @@
           <p:cNvPr id="55" name="Flèche : courbe vers le bas 54">
             <a:extLst>
               <a:ext uri="{FF2B5EF4-FFF2-40B4-BE49-F238E27FC236}">
-                <a16:creationId xmlns:a16="http://schemas.microsoft.com/office/drawing/2014/main" xmlns="" id="{B4AA4226-9733-4FAA-BA3B-C290529320CB}"/>
+                <a16:creationId xmlns:a16="http://schemas.microsoft.com/office/drawing/2014/main" id="{B4AA4226-9733-4FAA-BA3B-C290529320CB}"/>
               </a:ext>
             </a:extLst>
           </p:cNvPr>
@@ -14516,7 +14737,7 @@
           <p:cNvPr id="57" name="Connecteur droit 56">
             <a:extLst>
               <a:ext uri="{FF2B5EF4-FFF2-40B4-BE49-F238E27FC236}">
-                <a16:creationId xmlns:a16="http://schemas.microsoft.com/office/drawing/2014/main" xmlns="" id="{44EFC622-3CBD-4FF4-9820-E5AF57BF5157}"/>
+                <a16:creationId xmlns:a16="http://schemas.microsoft.com/office/drawing/2014/main" id="{44EFC622-3CBD-4FF4-9820-E5AF57BF5157}"/>
               </a:ext>
             </a:extLst>
           </p:cNvPr>
@@ -14561,7 +14782,7 @@
           <p:cNvPr id="64" name="Flèche : en arc 63">
             <a:extLst>
               <a:ext uri="{FF2B5EF4-FFF2-40B4-BE49-F238E27FC236}">
-                <a16:creationId xmlns:a16="http://schemas.microsoft.com/office/drawing/2014/main" xmlns="" id="{F0E98F49-E01F-441F-A775-7CF31BA5BF03}"/>
+                <a16:creationId xmlns:a16="http://schemas.microsoft.com/office/drawing/2014/main" id="{F0E98F49-E01F-441F-A775-7CF31BA5BF03}"/>
               </a:ext>
             </a:extLst>
           </p:cNvPr>
@@ -14647,7 +14868,7 @@
           <p:cNvPr id="65" name="ZoneTexte 64">
             <a:extLst>
               <a:ext uri="{FF2B5EF4-FFF2-40B4-BE49-F238E27FC236}">
-                <a16:creationId xmlns:a16="http://schemas.microsoft.com/office/drawing/2014/main" xmlns="" id="{E0E64C6E-25B7-4127-90E2-B4BD2D5B0611}"/>
+                <a16:creationId xmlns:a16="http://schemas.microsoft.com/office/drawing/2014/main" id="{E0E64C6E-25B7-4127-90E2-B4BD2D5B0611}"/>
               </a:ext>
             </a:extLst>
           </p:cNvPr>
@@ -14682,7 +14903,7 @@
           <p:cNvPr id="67" name="Connecteur droit 66">
             <a:extLst>
               <a:ext uri="{FF2B5EF4-FFF2-40B4-BE49-F238E27FC236}">
-                <a16:creationId xmlns:a16="http://schemas.microsoft.com/office/drawing/2014/main" xmlns="" id="{93B3E475-E001-4631-A52C-F00D276CD885}"/>
+                <a16:creationId xmlns:a16="http://schemas.microsoft.com/office/drawing/2014/main" id="{93B3E475-E001-4631-A52C-F00D276CD885}"/>
               </a:ext>
             </a:extLst>
           </p:cNvPr>
@@ -14726,7 +14947,7 @@
           <p:cNvPr id="69" name="Flèche : en arc 68">
             <a:extLst>
               <a:ext uri="{FF2B5EF4-FFF2-40B4-BE49-F238E27FC236}">
-                <a16:creationId xmlns:a16="http://schemas.microsoft.com/office/drawing/2014/main" xmlns="" id="{A0A7509D-4F0D-413B-B0EE-93E91B761431}"/>
+                <a16:creationId xmlns:a16="http://schemas.microsoft.com/office/drawing/2014/main" id="{A0A7509D-4F0D-413B-B0EE-93E91B761431}"/>
               </a:ext>
             </a:extLst>
           </p:cNvPr>
@@ -14812,7 +15033,7 @@
           <p:cNvPr id="70" name="ZoneTexte 69">
             <a:extLst>
               <a:ext uri="{FF2B5EF4-FFF2-40B4-BE49-F238E27FC236}">
-                <a16:creationId xmlns:a16="http://schemas.microsoft.com/office/drawing/2014/main" xmlns="" id="{0454E0DA-A088-4056-BD51-40A1FDE4D74E}"/>
+                <a16:creationId xmlns:a16="http://schemas.microsoft.com/office/drawing/2014/main" id="{0454E0DA-A088-4056-BD51-40A1FDE4D74E}"/>
               </a:ext>
             </a:extLst>
           </p:cNvPr>
@@ -14859,7 +15080,7 @@
           <p:cNvPr id="71" name="Flèche : en arc 70">
             <a:extLst>
               <a:ext uri="{FF2B5EF4-FFF2-40B4-BE49-F238E27FC236}">
-                <a16:creationId xmlns:a16="http://schemas.microsoft.com/office/drawing/2014/main" xmlns="" id="{31D90B25-69B5-4C78-AF3B-DA9B6E960148}"/>
+                <a16:creationId xmlns:a16="http://schemas.microsoft.com/office/drawing/2014/main" id="{31D90B25-69B5-4C78-AF3B-DA9B6E960148}"/>
               </a:ext>
             </a:extLst>
           </p:cNvPr>
@@ -14944,7 +15165,7 @@
           <p:cNvPr id="72" name="ZoneTexte 71">
             <a:extLst>
               <a:ext uri="{FF2B5EF4-FFF2-40B4-BE49-F238E27FC236}">
-                <a16:creationId xmlns:a16="http://schemas.microsoft.com/office/drawing/2014/main" xmlns="" id="{1A94E448-AC4B-4BD0-959A-4FEB7F14BCCF}"/>
+                <a16:creationId xmlns:a16="http://schemas.microsoft.com/office/drawing/2014/main" id="{1A94E448-AC4B-4BD0-959A-4FEB7F14BCCF}"/>
               </a:ext>
             </a:extLst>
           </p:cNvPr>
@@ -15021,7 +15242,7 @@
           <p:cNvPr id="2" name="Titre 1">
             <a:extLst>
               <a:ext uri="{FF2B5EF4-FFF2-40B4-BE49-F238E27FC236}">
-                <a16:creationId xmlns:a16="http://schemas.microsoft.com/office/drawing/2014/main" xmlns="" id="{C3A54A01-5167-4086-A1BC-77733497AAAC}"/>
+                <a16:creationId xmlns:a16="http://schemas.microsoft.com/office/drawing/2014/main" id="{C3A54A01-5167-4086-A1BC-77733497AAAC}"/>
               </a:ext>
             </a:extLst>
           </p:cNvPr>
@@ -15050,7 +15271,7 @@
           <p:cNvPr id="3" name="Espace réservé du contenu 2">
             <a:extLst>
               <a:ext uri="{FF2B5EF4-FFF2-40B4-BE49-F238E27FC236}">
-                <a16:creationId xmlns:a16="http://schemas.microsoft.com/office/drawing/2014/main" xmlns="" id="{81AD70D4-3C34-4229-95D1-25CD0E010131}"/>
+                <a16:creationId xmlns:a16="http://schemas.microsoft.com/office/drawing/2014/main" id="{81AD70D4-3C34-4229-95D1-25CD0E010131}"/>
               </a:ext>
             </a:extLst>
           </p:cNvPr>
@@ -15179,7 +15400,7 @@
           <p:cNvPr id="2" name="Titre 1">
             <a:extLst>
               <a:ext uri="{FF2B5EF4-FFF2-40B4-BE49-F238E27FC236}">
-                <a16:creationId xmlns:a16="http://schemas.microsoft.com/office/drawing/2014/main" xmlns="" id="{7D7887D6-7566-47C9-A25C-3F4F54D9EBDC}"/>
+                <a16:creationId xmlns:a16="http://schemas.microsoft.com/office/drawing/2014/main" id="{7D7887D6-7566-47C9-A25C-3F4F54D9EBDC}"/>
               </a:ext>
             </a:extLst>
           </p:cNvPr>
@@ -15207,7 +15428,7 @@
           <p:cNvPr id="3" name="Espace réservé du contenu 2">
             <a:extLst>
               <a:ext uri="{FF2B5EF4-FFF2-40B4-BE49-F238E27FC236}">
-                <a16:creationId xmlns:a16="http://schemas.microsoft.com/office/drawing/2014/main" xmlns="" id="{570C9186-32F7-45DB-A01D-E527B032981A}"/>
+                <a16:creationId xmlns:a16="http://schemas.microsoft.com/office/drawing/2014/main" id="{570C9186-32F7-45DB-A01D-E527B032981A}"/>
               </a:ext>
             </a:extLst>
           </p:cNvPr>
@@ -15238,35 +15459,14 @@
               <a:rPr lang="en-US" sz="1400" dirty="0"/>
               <a:t>for ROLL, PITCH, YAW: range [-90;+90] </a:t>
             </a:r>
-            <a:endParaRPr lang="en-US" sz="1400" dirty="0" smtClean="0"/>
           </a:p>
           <a:p>
             <a:pPr marL="457200" lvl="1" indent="0">
               <a:buNone/>
             </a:pPr>
             <a:r>
-              <a:rPr lang="en-US" sz="1400" dirty="0" smtClean="0"/>
-              <a:t>for </a:t>
-            </a:r>
-            <a:r>
               <a:rPr lang="en-US" sz="1400" dirty="0"/>
-              <a:t>THROTTLE:               0 </a:t>
-            </a:r>
-            <a:r>
-              <a:rPr lang="en-US" sz="1400" dirty="0" smtClean="0"/>
-              <a:t>(if &lt; 1.1*MINPPM) or </a:t>
-            </a:r>
-            <a:r>
-              <a:rPr lang="en-US" sz="1400" dirty="0"/>
-              <a:t>value included in </a:t>
-            </a:r>
-            <a:r>
-              <a:rPr lang="en-US" sz="1400" dirty="0" smtClean="0"/>
-              <a:t>[1.1*MINPPM;MAXPPM</a:t>
-            </a:r>
-            <a:r>
-              <a:rPr lang="en-US" sz="1400" dirty="0"/>
-              <a:t>] </a:t>
+              <a:t>for THROTTLE:               0 (if &lt; 1.1*MINPPM) or value included in [1.1*MINPPM;MAXPPM] </a:t>
             </a:r>
             <a:r>
               <a:rPr lang="fr-FR" sz="1400" dirty="0"/>
@@ -15279,72 +15479,39 @@
             </a:pPr>
             <a:r>
               <a:rPr lang="fr-FR" sz="1400" dirty="0"/>
-              <a:t>for </a:t>
-            </a:r>
-            <a:r>
-              <a:rPr lang="fr-FR" sz="1400" dirty="0" smtClean="0"/>
-              <a:t>AUX1:            0 </a:t>
+              <a:t>for AUX1:            0 </a:t>
             </a:r>
             <a:r>
               <a:rPr lang="en-US" sz="1400" dirty="0"/>
-              <a:t>(if &lt; </a:t>
-            </a:r>
-            <a:r>
-              <a:rPr lang="en-US" sz="1400" dirty="0" smtClean="0"/>
-              <a:t>0.9*MAXPPM</a:t>
-            </a:r>
-            <a:r>
-              <a:rPr lang="en-US" sz="1400" dirty="0"/>
-              <a:t>) </a:t>
+              <a:t>(if &lt; 0.9*MAXPPM) </a:t>
             </a:r>
             <a:r>
               <a:rPr lang="fr-FR" sz="1400" dirty="0"/>
               <a:t> </a:t>
             </a:r>
             <a:r>
-              <a:rPr lang="fr-FR" sz="1400" dirty="0" err="1" smtClean="0"/>
+              <a:rPr lang="fr-FR" sz="1400" dirty="0" err="1"/>
               <a:t>else</a:t>
             </a:r>
             <a:r>
-              <a:rPr lang="fr-FR" sz="1400" dirty="0" smtClean="0"/>
-              <a:t> </a:t>
-            </a:r>
-            <a:r>
-              <a:rPr lang="fr-FR" sz="1400" dirty="0" smtClean="0"/>
-              <a:t>1</a:t>
-            </a:r>
-            <a:endParaRPr lang="fr-FR" sz="1400" dirty="0"/>
+              <a:rPr lang="fr-FR" sz="1400" dirty="0"/>
+              <a:t> 1</a:t>
+            </a:r>
           </a:p>
           <a:p>
             <a:pPr marL="457200" lvl="1" indent="0">
               <a:buNone/>
             </a:pPr>
             <a:r>
-              <a:rPr lang="fr-FR" sz="1400" dirty="0" smtClean="0"/>
-              <a:t>for </a:t>
-            </a:r>
-            <a:r>
               <a:rPr lang="fr-FR" sz="1400" dirty="0"/>
-              <a:t>AUX2:            0 </a:t>
+              <a:t>for AUX2:            0 </a:t>
             </a:r>
             <a:r>
               <a:rPr lang="en-US" sz="1400" dirty="0"/>
-              <a:t>(if </a:t>
-            </a:r>
-            <a:r>
-              <a:rPr lang="en-US" sz="1400" dirty="0" smtClean="0"/>
-              <a:t>&lt; 0,9* </a:t>
-            </a:r>
-            <a:r>
-              <a:rPr lang="en-US" sz="1400" dirty="0"/>
-              <a:t>MAXPPMAUX2 </a:t>
-            </a:r>
-            <a:r>
-              <a:rPr lang="en-US" sz="1400" dirty="0" smtClean="0"/>
-              <a:t>) </a:t>
-            </a:r>
-            <a:r>
-              <a:rPr lang="fr-FR" sz="1400" dirty="0" smtClean="0"/>
+              <a:t>(if &lt; 0,9* MAXPPMAUX2 ) </a:t>
+            </a:r>
+            <a:r>
+              <a:rPr lang="fr-FR" sz="1400" dirty="0"/>
               <a:t> </a:t>
             </a:r>
             <a:r>
@@ -15402,14 +15569,10 @@
             </a:r>
             <a:r>
               <a:rPr lang="fr-FR" sz="2600" dirty="0"/>
-              <a:t> on RC Command vs </a:t>
-            </a:r>
-            <a:r>
-              <a:rPr lang="fr-FR" sz="2600" dirty="0" smtClean="0"/>
-              <a:t>CMPS12 </a:t>
-            </a:r>
-            <a:r>
-              <a:rPr lang="fr-FR" sz="2600" smtClean="0"/>
+              <a:t> on RC Command vs CMPS12 </a:t>
+            </a:r>
+            <a:r>
+              <a:rPr lang="fr-FR" sz="2600"/>
               <a:t>measures</a:t>
             </a:r>
             <a:endParaRPr lang="fr-FR" sz="2600" dirty="0"/>
@@ -15430,19 +15593,7 @@
             </a:pPr>
             <a:r>
               <a:rPr lang="nb-NO" sz="1500" dirty="0"/>
-              <a:t>PID = (0.6*error) + (</a:t>
-            </a:r>
-            <a:r>
-              <a:rPr lang="nb-NO" sz="1500" dirty="0" smtClean="0"/>
-              <a:t>0.1*sum_error*sampleTime) </a:t>
-            </a:r>
-            <a:r>
-              <a:rPr lang="nb-NO" sz="1500" dirty="0"/>
-              <a:t>+ (0.3*delta_error/ </a:t>
-            </a:r>
-            <a:r>
-              <a:rPr lang="nb-NO" sz="1500" dirty="0" smtClean="0"/>
-              <a:t>sampleTime)</a:t>
+              <a:t>PID = (0.6*error) + (0.1*sum_error*sampleTime) + (0.3*delta_error/ sampleTime)</a:t>
             </a:r>
           </a:p>
           <a:p>
@@ -15450,7 +15601,7 @@
               <a:buNone/>
             </a:pPr>
             <a:r>
-              <a:rPr lang="nb-NO" sz="1500" dirty="0" smtClean="0"/>
+              <a:rPr lang="nb-NO" sz="1500" dirty="0"/>
               <a:t>NB:</a:t>
             </a:r>
           </a:p>
@@ -15460,7 +15611,7 @@
               <a:buAutoNum type="arabicPeriod"/>
             </a:pPr>
             <a:r>
-              <a:rPr lang="nb-NO" sz="1100" dirty="0" smtClean="0"/>
+              <a:rPr lang="nb-NO" sz="1100" dirty="0"/>
               <a:t>The Integral component is capped to 5°</a:t>
             </a:r>
           </a:p>
@@ -15471,43 +15622,7 @@
             </a:pPr>
             <a:r>
               <a:rPr lang="en-US" sz="1200" dirty="0"/>
-              <a:t>Low </a:t>
-            </a:r>
-            <a:r>
-              <a:rPr lang="en-US" sz="1200" dirty="0"/>
-              <a:t>pass filter cut frequency </a:t>
-            </a:r>
-            <a:r>
-              <a:rPr lang="en-US" sz="1200" dirty="0"/>
-              <a:t>at </a:t>
-            </a:r>
-            <a:r>
-              <a:rPr lang="en-US" sz="1200" dirty="0"/>
-              <a:t>20 </a:t>
-            </a:r>
-            <a:r>
-              <a:rPr lang="en-US" sz="1200" dirty="0" smtClean="0"/>
-              <a:t>Hz for </a:t>
-            </a:r>
-            <a:r>
-              <a:rPr lang="en-US" sz="1200" dirty="0"/>
-              <a:t>the </a:t>
-            </a:r>
-            <a:r>
-              <a:rPr lang="en-US" sz="1200" dirty="0"/>
-              <a:t>D</a:t>
-            </a:r>
-            <a:r>
-              <a:rPr lang="en-US" sz="1200" dirty="0" smtClean="0"/>
-              <a:t>erivative component, </a:t>
-            </a:r>
-            <a:r>
-              <a:rPr lang="en-US" sz="1200" dirty="0"/>
-              <a:t>cuts out the high frequency noise that can drive the controller </a:t>
-            </a:r>
-            <a:r>
-              <a:rPr lang="en-US" sz="1200" dirty="0" smtClean="0"/>
-              <a:t>crazy</a:t>
+              <a:t>Low pass filter cut frequency at 20 Hz for the Derivative component, cuts out the high frequency noise that can drive the controller crazy</a:t>
             </a:r>
             <a:endParaRPr lang="nb-NO" sz="1200" dirty="0"/>
           </a:p>
@@ -15639,7 +15754,7 @@
           <p:cNvPr id="2" name="Titre 1">
             <a:extLst>
               <a:ext uri="{FF2B5EF4-FFF2-40B4-BE49-F238E27FC236}">
-                <a16:creationId xmlns:a16="http://schemas.microsoft.com/office/drawing/2014/main" xmlns="" id="{7D7887D6-7566-47C9-A25C-3F4F54D9EBDC}"/>
+                <a16:creationId xmlns:a16="http://schemas.microsoft.com/office/drawing/2014/main" id="{7D7887D6-7566-47C9-A25C-3F4F54D9EBDC}"/>
               </a:ext>
             </a:extLst>
           </p:cNvPr>
@@ -15667,7 +15782,7 @@
           <p:cNvPr id="3" name="Espace réservé du contenu 2">
             <a:extLst>
               <a:ext uri="{FF2B5EF4-FFF2-40B4-BE49-F238E27FC236}">
-                <a16:creationId xmlns:a16="http://schemas.microsoft.com/office/drawing/2014/main" xmlns="" id="{570C9186-32F7-45DB-A01D-E527B032981A}"/>
+                <a16:creationId xmlns:a16="http://schemas.microsoft.com/office/drawing/2014/main" id="{570C9186-32F7-45DB-A01D-E527B032981A}"/>
               </a:ext>
             </a:extLst>
           </p:cNvPr>
@@ -15686,7 +15801,7 @@
           <a:lstStyle/>
           <a:p>
             <a:r>
-              <a:rPr lang="fr-FR" dirty="0" err="1" smtClean="0"/>
+              <a:rPr lang="fr-FR" dirty="0" err="1"/>
               <a:t>MotorESC_RunMotors</a:t>
             </a:r>
             <a:endParaRPr lang="fr-FR" dirty="0"/>
@@ -15705,11 +15820,7 @@
             </a:r>
             <a:r>
               <a:rPr lang="en-US" sz="1700" dirty="0"/>
-              <a:t>[THROTTLE] = 0 =&gt; Motors = </a:t>
-            </a:r>
-            <a:r>
-              <a:rPr lang="en-US" sz="1700" dirty="0" smtClean="0"/>
-              <a:t>MINPWM</a:t>
+              <a:t>[THROTTLE] = 0 =&gt; Motors = MINPWM</a:t>
             </a:r>
           </a:p>
           <a:p>
@@ -15727,7 +15838,7 @@
               <a:t>else</a:t>
             </a:r>
             <a:r>
-              <a:rPr lang="fr-FR" sz="1700" dirty="0" smtClean="0"/>
+              <a:rPr lang="fr-FR" sz="1700" dirty="0"/>
               <a:t>:</a:t>
             </a:r>
           </a:p>
@@ -15746,16 +15857,12 @@
               <a:t>    </a:t>
             </a:r>
             <a:r>
-              <a:rPr lang="fr-FR" sz="1700" dirty="0" err="1" smtClean="0"/>
+              <a:rPr lang="fr-FR" sz="1700" dirty="0" err="1"/>
               <a:t>throttle</a:t>
             </a:r>
             <a:r>
-              <a:rPr lang="fr-FR" sz="1700" dirty="0" smtClean="0"/>
-              <a:t> </a:t>
-            </a:r>
-            <a:r>
               <a:rPr lang="fr-FR" sz="1700" dirty="0"/>
-              <a:t>= </a:t>
+              <a:t> = </a:t>
             </a:r>
             <a:r>
               <a:rPr lang="fr-FR" sz="1700" dirty="0" err="1"/>
@@ -15783,16 +15890,12 @@
               <a:t>    </a:t>
             </a:r>
             <a:r>
-              <a:rPr lang="fr-FR" sz="1700" dirty="0" err="1" smtClean="0"/>
+              <a:rPr lang="fr-FR" sz="1700" dirty="0" err="1"/>
               <a:t>throttle</a:t>
             </a:r>
             <a:r>
-              <a:rPr lang="fr-FR" sz="1700" dirty="0" smtClean="0"/>
-              <a:t> </a:t>
-            </a:r>
-            <a:r>
               <a:rPr lang="fr-FR" sz="1700" dirty="0"/>
-              <a:t>= </a:t>
+              <a:t> = </a:t>
             </a:r>
             <a:r>
               <a:rPr lang="fr-FR" sz="1700" dirty="0" err="1"/>
@@ -15816,11 +15919,7 @@
             </a:r>
             <a:r>
               <a:rPr lang="fr-FR" sz="1700" dirty="0"/>
-              <a:t> room for PID </a:t>
-            </a:r>
-            <a:r>
-              <a:rPr lang="fr-FR" sz="1700" dirty="0" smtClean="0"/>
-              <a:t>ajustement</a:t>
+              <a:t> room for PID ajustement</a:t>
             </a:r>
           </a:p>
           <a:p>
@@ -15834,12 +15933,8 @@
               <a:buNone/>
             </a:pPr>
             <a:r>
-              <a:rPr lang="fr-FR" sz="1700" dirty="0" smtClean="0"/>
-              <a:t>    PIDMIX(X,Y,Z</a:t>
-            </a:r>
-            <a:r>
               <a:rPr lang="fr-FR" sz="1700" dirty="0"/>
-              <a:t>) </a:t>
+              <a:t>    PIDMIX(X,Y,Z) </a:t>
             </a:r>
             <a:r>
               <a:rPr lang="fr-FR" sz="1700" dirty="0" err="1"/>
@@ -15963,10 +16058,10 @@
               <a:t> </a:t>
             </a:r>
             <a:r>
-              <a:rPr lang="fr-FR" sz="1700" dirty="0" err="1" smtClean="0"/>
+              <a:rPr lang="fr-FR" sz="1700" dirty="0" err="1"/>
               <a:t>Left</a:t>
             </a:r>
-            <a:endParaRPr lang="fr-FR" sz="1700" dirty="0" smtClean="0"/>
+            <a:endParaRPr lang="fr-FR" sz="1700" dirty="0"/>
           </a:p>
           <a:p>
             <a:pPr marL="457200" lvl="1" indent="0">
@@ -15980,15 +16075,7 @@
             </a:pPr>
             <a:r>
               <a:rPr lang="fr-FR" sz="1700" dirty="0"/>
-              <a:t> </a:t>
-            </a:r>
-            <a:r>
-              <a:rPr lang="fr-FR" sz="1700" dirty="0" smtClean="0"/>
-              <a:t>   for(i=0</a:t>
-            </a:r>
-            <a:r>
-              <a:rPr lang="fr-FR" sz="1700" dirty="0"/>
-              <a:t>; i&lt; NBMOTORS; i++) {</a:t>
+              <a:t>    for(i=0; i&lt; NBMOTORS; i++) {</a:t>
             </a:r>
           </a:p>
           <a:p>
@@ -16062,10 +16149,9 @@
               <a:buNone/>
             </a:pPr>
             <a:r>
-              <a:rPr lang="fr-FR" sz="1700" dirty="0" smtClean="0"/>
+              <a:rPr lang="fr-FR" sz="1700" dirty="0"/>
               <a:t>}</a:t>
             </a:r>
-            <a:endParaRPr lang="fr-FR" sz="1700" dirty="0"/>
           </a:p>
         </p:txBody>
       </p:sp>
@@ -16104,7 +16190,7 @@
           <p:cNvPr id="2" name="Titre 1">
             <a:extLst>
               <a:ext uri="{FF2B5EF4-FFF2-40B4-BE49-F238E27FC236}">
-                <a16:creationId xmlns:a16="http://schemas.microsoft.com/office/drawing/2014/main" xmlns="" id="{7D7887D6-7566-47C9-A25C-3F4F54D9EBDC}"/>
+                <a16:creationId xmlns:a16="http://schemas.microsoft.com/office/drawing/2014/main" id="{7D7887D6-7566-47C9-A25C-3F4F54D9EBDC}"/>
               </a:ext>
             </a:extLst>
           </p:cNvPr>
@@ -16132,7 +16218,7 @@
           <p:cNvPr id="3" name="Espace réservé du contenu 2">
             <a:extLst>
               <a:ext uri="{FF2B5EF4-FFF2-40B4-BE49-F238E27FC236}">
-                <a16:creationId xmlns:a16="http://schemas.microsoft.com/office/drawing/2014/main" xmlns="" id="{570C9186-32F7-45DB-A01D-E527B032981A}"/>
+                <a16:creationId xmlns:a16="http://schemas.microsoft.com/office/drawing/2014/main" id="{570C9186-32F7-45DB-A01D-E527B032981A}"/>
               </a:ext>
             </a:extLst>
           </p:cNvPr>
@@ -16171,112 +16257,6 @@
               <a:rPr lang="fr-FR" sz="2400" dirty="0"/>
               <a:t>)</a:t>
             </a:r>
-            <a:endParaRPr lang="fr-FR" sz="2400" dirty="0"/>
-          </a:p>
-          <a:p>
-            <a:pPr marL="457200" lvl="1" indent="0">
-              <a:buNone/>
-            </a:pPr>
-            <a:endParaRPr lang="en-US" sz="1700" dirty="0" smtClean="0"/>
-          </a:p>
-          <a:p>
-            <a:pPr marL="457200" lvl="1" indent="0">
-              <a:buNone/>
-            </a:pPr>
-            <a:r>
-              <a:rPr lang="en-US" sz="1700" dirty="0" smtClean="0"/>
-              <a:t>Compute </a:t>
-            </a:r>
-            <a:r>
-              <a:rPr lang="fr-FR" sz="1700" dirty="0" err="1"/>
-              <a:t>maxMotor</a:t>
-            </a:r>
-            <a:r>
-              <a:rPr lang="fr-FR" sz="1700" dirty="0"/>
-              <a:t> = </a:t>
-            </a:r>
-            <a:r>
-              <a:rPr lang="fr-FR" sz="1700" dirty="0" smtClean="0"/>
-              <a:t>max (MAXPWM </a:t>
-            </a:r>
-            <a:r>
-              <a:rPr lang="fr-FR" sz="1700" dirty="0"/>
-              <a:t>- _</a:t>
-            </a:r>
-            <a:r>
-              <a:rPr lang="fr-FR" sz="1700" dirty="0" err="1" smtClean="0"/>
-              <a:t>motor</a:t>
-            </a:r>
-            <a:r>
-              <a:rPr lang="fr-FR" sz="1700" dirty="0" smtClean="0"/>
-              <a:t>[i]) and </a:t>
-            </a:r>
-            <a:r>
-              <a:rPr lang="en-US" sz="1700" dirty="0" err="1"/>
-              <a:t>minMotor</a:t>
-            </a:r>
-            <a:r>
-              <a:rPr lang="en-US" sz="1700" dirty="0"/>
-              <a:t> </a:t>
-            </a:r>
-            <a:r>
-              <a:rPr lang="fr-FR" sz="1700" dirty="0"/>
-              <a:t>= max (MINPWM - _</a:t>
-            </a:r>
-            <a:r>
-              <a:rPr lang="fr-FR" sz="1700" dirty="0" err="1"/>
-              <a:t>motor</a:t>
-            </a:r>
-            <a:r>
-              <a:rPr lang="fr-FR" sz="1700" dirty="0"/>
-              <a:t>[i]) </a:t>
-            </a:r>
-            <a:endParaRPr lang="fr-FR" sz="1700" dirty="0" smtClean="0"/>
-          </a:p>
-          <a:p>
-            <a:pPr marL="457200" lvl="1" indent="0">
-              <a:buNone/>
-            </a:pPr>
-            <a:r>
-              <a:rPr lang="fr-FR" sz="1700" dirty="0" smtClean="0"/>
-              <a:t>for all </a:t>
-            </a:r>
-            <a:r>
-              <a:rPr lang="fr-FR" sz="1700" dirty="0" err="1" smtClean="0"/>
-              <a:t>motors</a:t>
-            </a:r>
-            <a:endParaRPr lang="fr-FR" sz="1700" dirty="0"/>
-          </a:p>
-          <a:p>
-            <a:pPr marL="457200" lvl="1" indent="0">
-              <a:buNone/>
-            </a:pPr>
-            <a:endParaRPr lang="en-US" sz="1700" dirty="0" smtClean="0"/>
-          </a:p>
-          <a:p>
-            <a:pPr marL="457200" lvl="1" indent="0">
-              <a:buNone/>
-            </a:pPr>
-            <a:r>
-              <a:rPr lang="en-US" sz="1700" dirty="0" smtClean="0"/>
-              <a:t>Subtract </a:t>
-            </a:r>
-            <a:r>
-              <a:rPr lang="en-US" sz="1700" dirty="0" err="1"/>
-              <a:t>maxMotor</a:t>
-            </a:r>
-            <a:r>
-              <a:rPr lang="en-US" sz="1700" dirty="0"/>
-              <a:t> </a:t>
-            </a:r>
-            <a:r>
-              <a:rPr lang="en-US" sz="1700" dirty="0" smtClean="0"/>
-              <a:t>from </a:t>
-            </a:r>
-            <a:r>
-              <a:rPr lang="en-US" sz="1700" dirty="0" smtClean="0"/>
-              <a:t>all motors</a:t>
-            </a:r>
           </a:p>
           <a:p>
             <a:pPr marL="457200" lvl="1" indent="0">
@@ -16289,8 +16269,24 @@
               <a:buNone/>
             </a:pPr>
             <a:r>
-              <a:rPr lang="en-US" sz="1700" dirty="0" smtClean="0"/>
-              <a:t>Add </a:t>
+              <a:rPr lang="en-US" sz="1700" dirty="0"/>
+              <a:t>Compute </a:t>
+            </a:r>
+            <a:r>
+              <a:rPr lang="fr-FR" sz="1700" dirty="0" err="1"/>
+              <a:t>maxMotor</a:t>
+            </a:r>
+            <a:r>
+              <a:rPr lang="fr-FR" sz="1700" dirty="0"/>
+              <a:t> = max (MAXPWM - _</a:t>
+            </a:r>
+            <a:r>
+              <a:rPr lang="fr-FR" sz="1700" dirty="0" err="1"/>
+              <a:t>motor</a:t>
+            </a:r>
+            <a:r>
+              <a:rPr lang="fr-FR" sz="1700" dirty="0"/>
+              <a:t>[i]) and </a:t>
             </a:r>
             <a:r>
               <a:rPr lang="en-US" sz="1700" dirty="0" err="1"/>
@@ -16301,33 +16297,92 @@
               <a:t> </a:t>
             </a:r>
             <a:r>
-              <a:rPr lang="en-US" sz="1700" dirty="0" smtClean="0"/>
-              <a:t>to all </a:t>
-            </a:r>
-            <a:r>
-              <a:rPr lang="en-US" sz="1700" dirty="0"/>
-              <a:t>motors</a:t>
+              <a:rPr lang="fr-FR" sz="1700" dirty="0"/>
+              <a:t>= max (MINPWM - _</a:t>
+            </a:r>
+            <a:r>
+              <a:rPr lang="fr-FR" sz="1700" dirty="0" err="1"/>
+              <a:t>motor</a:t>
+            </a:r>
+            <a:r>
+              <a:rPr lang="fr-FR" sz="1700" dirty="0"/>
+              <a:t>[i]) </a:t>
             </a:r>
           </a:p>
           <a:p>
             <a:pPr marL="457200" lvl="1" indent="0">
               <a:buNone/>
             </a:pPr>
-            <a:endParaRPr lang="en-US" sz="1700" dirty="0" smtClean="0"/>
+            <a:r>
+              <a:rPr lang="fr-FR" sz="1700" dirty="0"/>
+              <a:t>for all </a:t>
+            </a:r>
+            <a:r>
+              <a:rPr lang="fr-FR" sz="1700" dirty="0" err="1"/>
+              <a:t>motors</a:t>
+            </a:r>
+            <a:endParaRPr lang="fr-FR" sz="1700" dirty="0"/>
           </a:p>
           <a:p>
             <a:pPr marL="457200" lvl="1" indent="0">
               <a:buNone/>
             </a:pPr>
-            <a:r>
-              <a:rPr lang="en-US" sz="1700" dirty="0" smtClean="0"/>
-              <a:t> Cap all motors between</a:t>
-            </a:r>
-            <a:r>
-              <a:rPr lang="en-US" sz="1700" dirty="0" smtClean="0"/>
-              <a:t> MINPWM and MAXPWM</a:t>
-            </a:r>
             <a:endParaRPr lang="en-US" sz="1700" dirty="0"/>
+          </a:p>
+          <a:p>
+            <a:pPr marL="457200" lvl="1" indent="0">
+              <a:buNone/>
+            </a:pPr>
+            <a:r>
+              <a:rPr lang="en-US" sz="1700" dirty="0"/>
+              <a:t>Subtract </a:t>
+            </a:r>
+            <a:r>
+              <a:rPr lang="en-US" sz="1700" dirty="0" err="1"/>
+              <a:t>maxMotor</a:t>
+            </a:r>
+            <a:r>
+              <a:rPr lang="en-US" sz="1700" dirty="0"/>
+              <a:t> from all motors</a:t>
+            </a:r>
+          </a:p>
+          <a:p>
+            <a:pPr marL="457200" lvl="1" indent="0">
+              <a:buNone/>
+            </a:pPr>
+            <a:endParaRPr lang="en-US" sz="1700" dirty="0"/>
+          </a:p>
+          <a:p>
+            <a:pPr marL="457200" lvl="1" indent="0">
+              <a:buNone/>
+            </a:pPr>
+            <a:r>
+              <a:rPr lang="en-US" sz="1700" dirty="0"/>
+              <a:t>Add </a:t>
+            </a:r>
+            <a:r>
+              <a:rPr lang="en-US" sz="1700" dirty="0" err="1"/>
+              <a:t>minMotor</a:t>
+            </a:r>
+            <a:r>
+              <a:rPr lang="en-US" sz="1700" dirty="0"/>
+              <a:t> to all motors</a:t>
+            </a:r>
+          </a:p>
+          <a:p>
+            <a:pPr marL="457200" lvl="1" indent="0">
+              <a:buNone/>
+            </a:pPr>
+            <a:endParaRPr lang="en-US" sz="1700" dirty="0"/>
+          </a:p>
+          <a:p>
+            <a:pPr marL="457200" lvl="1" indent="0">
+              <a:buNone/>
+            </a:pPr>
+            <a:r>
+              <a:rPr lang="en-US" sz="1700" dirty="0"/>
+              <a:t> Cap all motors between MINPWM and MAXPWM</a:t>
+            </a:r>
           </a:p>
         </p:txBody>
       </p:sp>
@@ -16633,7 +16688,7 @@
   <a:extraClrSchemeLst/>
   <a:extLst>
     <a:ext uri="{05A4C25C-085E-4340-85A3-A5531E510DB2}">
-      <thm15:themeFamily xmlns:thm15="http://schemas.microsoft.com/office/thememl/2012/main" xmlns="" name="Office Theme" id="{62F939B6-93AF-4DB8-9C6B-D6C7DFDC589F}" vid="{4A3C46E8-61CC-4603-A589-7422A47A8E4A}"/>
+      <thm15:themeFamily xmlns:thm15="http://schemas.microsoft.com/office/thememl/2012/main" name="Office Theme" id="{62F939B6-93AF-4DB8-9C6B-D6C7DFDC589F}" vid="{4A3C46E8-61CC-4603-A589-7422A47A8E4A}"/>
     </a:ext>
   </a:extLst>
 </a:theme>

--- a/libraries/Diagramm Drone.pptx
+++ b/libraries/Diagramm Drone.pptx
@@ -15,6 +15,7 @@
     <p:sldId id="271" r:id="rId9"/>
     <p:sldId id="274" r:id="rId10"/>
     <p:sldId id="260" r:id="rId11"/>
+    <p:sldId id="275" r:id="rId12"/>
   </p:sldIdLst>
   <p:sldSz cx="12192000" cy="6858000"/>
   <p:notesSz cx="6888163" cy="10020300"/>
@@ -279,7 +280,7 @@
           <a:p>
             <a:fld id="{0717AEF8-1597-4679-8926-916E82E12B07}" type="datetimeFigureOut">
               <a:rPr lang="fr-FR" smtClean="0"/>
-              <a:t>13/03/2019</a:t>
+              <a:t>23/03/2019</a:t>
             </a:fld>
             <a:endParaRPr lang="fr-FR"/>
           </a:p>
@@ -477,7 +478,7 @@
           <a:p>
             <a:fld id="{0717AEF8-1597-4679-8926-916E82E12B07}" type="datetimeFigureOut">
               <a:rPr lang="fr-FR" smtClean="0"/>
-              <a:t>13/03/2019</a:t>
+              <a:t>23/03/2019</a:t>
             </a:fld>
             <a:endParaRPr lang="fr-FR"/>
           </a:p>
@@ -685,7 +686,7 @@
           <a:p>
             <a:fld id="{0717AEF8-1597-4679-8926-916E82E12B07}" type="datetimeFigureOut">
               <a:rPr lang="fr-FR" smtClean="0"/>
-              <a:t>13/03/2019</a:t>
+              <a:t>23/03/2019</a:t>
             </a:fld>
             <a:endParaRPr lang="fr-FR"/>
           </a:p>
@@ -883,7 +884,7 @@
           <a:p>
             <a:fld id="{0717AEF8-1597-4679-8926-916E82E12B07}" type="datetimeFigureOut">
               <a:rPr lang="fr-FR" smtClean="0"/>
-              <a:t>13/03/2019</a:t>
+              <a:t>23/03/2019</a:t>
             </a:fld>
             <a:endParaRPr lang="fr-FR"/>
           </a:p>
@@ -1158,7 +1159,7 @@
           <a:p>
             <a:fld id="{0717AEF8-1597-4679-8926-916E82E12B07}" type="datetimeFigureOut">
               <a:rPr lang="fr-FR" smtClean="0"/>
-              <a:t>13/03/2019</a:t>
+              <a:t>23/03/2019</a:t>
             </a:fld>
             <a:endParaRPr lang="fr-FR"/>
           </a:p>
@@ -1423,7 +1424,7 @@
           <a:p>
             <a:fld id="{0717AEF8-1597-4679-8926-916E82E12B07}" type="datetimeFigureOut">
               <a:rPr lang="fr-FR" smtClean="0"/>
-              <a:t>13/03/2019</a:t>
+              <a:t>23/03/2019</a:t>
             </a:fld>
             <a:endParaRPr lang="fr-FR"/>
           </a:p>
@@ -1835,7 +1836,7 @@
           <a:p>
             <a:fld id="{0717AEF8-1597-4679-8926-916E82E12B07}" type="datetimeFigureOut">
               <a:rPr lang="fr-FR" smtClean="0"/>
-              <a:t>13/03/2019</a:t>
+              <a:t>23/03/2019</a:t>
             </a:fld>
             <a:endParaRPr lang="fr-FR"/>
           </a:p>
@@ -1976,7 +1977,7 @@
           <a:p>
             <a:fld id="{0717AEF8-1597-4679-8926-916E82E12B07}" type="datetimeFigureOut">
               <a:rPr lang="fr-FR" smtClean="0"/>
-              <a:t>13/03/2019</a:t>
+              <a:t>23/03/2019</a:t>
             </a:fld>
             <a:endParaRPr lang="fr-FR"/>
           </a:p>
@@ -2089,7 +2090,7 @@
           <a:p>
             <a:fld id="{0717AEF8-1597-4679-8926-916E82E12B07}" type="datetimeFigureOut">
               <a:rPr lang="fr-FR" smtClean="0"/>
-              <a:t>13/03/2019</a:t>
+              <a:t>23/03/2019</a:t>
             </a:fld>
             <a:endParaRPr lang="fr-FR"/>
           </a:p>
@@ -2400,7 +2401,7 @@
           <a:p>
             <a:fld id="{0717AEF8-1597-4679-8926-916E82E12B07}" type="datetimeFigureOut">
               <a:rPr lang="fr-FR" smtClean="0"/>
-              <a:t>13/03/2019</a:t>
+              <a:t>23/03/2019</a:t>
             </a:fld>
             <a:endParaRPr lang="fr-FR"/>
           </a:p>
@@ -2688,7 +2689,7 @@
           <a:p>
             <a:fld id="{0717AEF8-1597-4679-8926-916E82E12B07}" type="datetimeFigureOut">
               <a:rPr lang="fr-FR" smtClean="0"/>
-              <a:t>13/03/2019</a:t>
+              <a:t>23/03/2019</a:t>
             </a:fld>
             <a:endParaRPr lang="fr-FR"/>
           </a:p>
@@ -2929,7 +2930,7 @@
           <a:p>
             <a:fld id="{0717AEF8-1597-4679-8926-916E82E12B07}" type="datetimeFigureOut">
               <a:rPr lang="fr-FR" smtClean="0"/>
-              <a:t>13/03/2019</a:t>
+              <a:t>23/03/2019</a:t>
             </a:fld>
             <a:endParaRPr lang="fr-FR"/>
           </a:p>
@@ -3755,7 +3756,7 @@
           </a:prstGeom>
           <a:ln w="38100" cap="flat" cmpd="sng" algn="ctr">
             <a:solidFill>
-              <a:schemeClr val="accent4"/>
+              <a:schemeClr val="accent1"/>
             </a:solidFill>
             <a:prstDash val="solid"/>
             <a:round/>
@@ -4809,7 +4810,7 @@
           </a:prstGeom>
           <a:ln w="19050">
             <a:solidFill>
-              <a:srgbClr val="FFC000"/>
+              <a:srgbClr val="0070C0"/>
             </a:solidFill>
           </a:ln>
         </p:spPr>
@@ -6189,8 +6190,8 @@
         </p:nvSpPr>
         <p:spPr>
           <a:xfrm>
-            <a:off x="3500428" y="5784810"/>
-            <a:ext cx="4790088" cy="402134"/>
+            <a:off x="3500427" y="5708345"/>
+            <a:ext cx="4853460" cy="558501"/>
           </a:xfrm>
           <a:prstGeom prst="rect">
             <a:avLst/>
@@ -6544,9 +6545,7 @@
           </a:prstGeom>
           <a:ln w="38100">
             <a:solidFill>
-              <a:schemeClr val="bg1">
-                <a:lumMod val="50000"/>
-              </a:schemeClr>
+              <a:srgbClr val="00B050"/>
             </a:solidFill>
             <a:tailEnd type="triangle"/>
           </a:ln>
@@ -6588,9 +6587,7 @@
           </a:prstGeom>
           <a:ln w="38100">
             <a:solidFill>
-              <a:schemeClr val="bg1">
-                <a:lumMod val="50000"/>
-              </a:schemeClr>
+              <a:srgbClr val="00B0F0"/>
             </a:solidFill>
             <a:tailEnd type="triangle"/>
           </a:ln>
@@ -6632,9 +6629,7 @@
           </a:prstGeom>
           <a:ln w="38100">
             <a:solidFill>
-              <a:schemeClr val="bg1">
-                <a:lumMod val="50000"/>
-              </a:schemeClr>
+              <a:srgbClr val="FFFF00"/>
             </a:solidFill>
             <a:tailEnd type="triangle"/>
           </a:ln>
@@ -6676,9 +6671,7 @@
           </a:prstGeom>
           <a:ln w="38100">
             <a:solidFill>
-              <a:schemeClr val="bg1">
-                <a:lumMod val="50000"/>
-              </a:schemeClr>
+              <a:srgbClr val="00B050"/>
             </a:solidFill>
             <a:tailEnd type="triangle"/>
           </a:ln>
@@ -6720,9 +6713,7 @@
           </a:prstGeom>
           <a:ln w="38100">
             <a:solidFill>
-              <a:schemeClr val="bg1">
-                <a:lumMod val="50000"/>
-              </a:schemeClr>
+              <a:srgbClr val="00B0F0"/>
             </a:solidFill>
             <a:tailEnd type="triangle"/>
           </a:ln>
@@ -6764,9 +6755,7 @@
           </a:prstGeom>
           <a:ln w="38100">
             <a:solidFill>
-              <a:schemeClr val="bg1">
-                <a:lumMod val="50000"/>
-              </a:schemeClr>
+              <a:srgbClr val="FFFF00"/>
             </a:solidFill>
             <a:tailEnd type="triangle"/>
           </a:ln>
@@ -10110,7 +10099,7 @@
         <p:spPr/>
         <p:txBody>
           <a:bodyPr>
-            <a:normAutofit fontScale="77500" lnSpcReduction="20000"/>
+            <a:normAutofit fontScale="62500" lnSpcReduction="20000"/>
           </a:bodyPr>
           <a:lstStyle/>
           <a:p>
@@ -10119,67 +10108,112 @@
             </a:pPr>
             <a:r>
               <a:rPr lang="fr-FR" sz="3500" u="sng" dirty="0"/>
-              <a:t>Interruptions</a:t>
+              <a:t>Pin Change </a:t>
+            </a:r>
+            <a:r>
+              <a:rPr lang="fr-FR" sz="3500" u="sng" dirty="0" err="1"/>
+              <a:t>Interrupt</a:t>
+            </a:r>
+            <a:r>
+              <a:rPr lang="fr-FR" sz="3500" u="sng" dirty="0"/>
+              <a:t> 2 ISR(PCINT2_vect)</a:t>
             </a:r>
           </a:p>
           <a:p>
             <a:pPr marL="0" indent="0">
               <a:buNone/>
             </a:pPr>
-            <a:r>
-              <a:rPr lang="fr-FR" dirty="0"/>
-              <a:t>Pin #2 = interruption #0</a:t>
-            </a:r>
             <a:br>
               <a:rPr lang="fr-FR" dirty="0"/>
             </a:br>
             <a:r>
+              <a:rPr lang="da-DK" dirty="0"/>
+              <a:t>For pins PCINT16-PCINT23 (PK0- PK7), PORT K</a:t>
+            </a:r>
+          </a:p>
+          <a:p>
+            <a:pPr marL="0" indent="0">
+              <a:buNone/>
+            </a:pPr>
+            <a:r>
               <a:rPr lang="fr-FR" dirty="0"/>
-              <a:t>Pin #3 = interruption #1</a:t>
+              <a:t>Use pin A8 to A13 (PCINT16  to PCINT21 )</a:t>
+            </a:r>
+          </a:p>
+          <a:p>
+            <a:pPr marL="0" indent="0">
+              <a:buNone/>
+            </a:pPr>
+            <a:r>
+              <a:rPr lang="da-DK" dirty="0"/>
+              <a:t>PCMSK2 – Pin Change Mask Register 2 </a:t>
+            </a:r>
+            <a:r>
+              <a:rPr lang="en-US" dirty="0"/>
+              <a:t>Bit 2 – PCIF2: clear any outstanding interrupts 2</a:t>
+            </a:r>
+            <a:endParaRPr lang="da-DK" dirty="0"/>
+          </a:p>
+          <a:p>
+            <a:pPr marL="0" indent="0">
+              <a:buNone/>
+            </a:pPr>
+            <a:r>
+              <a:rPr lang="en-US" dirty="0"/>
+              <a:t>PCIFR – Pin Change Interrupt Flag Register =&gt; Bit 2 – PCIF2: clear any outstanding interrupts 2</a:t>
+            </a:r>
+          </a:p>
+          <a:p>
+            <a:pPr marL="0" indent="0">
+              <a:buNone/>
+            </a:pPr>
+            <a:r>
+              <a:rPr lang="fr-FR" dirty="0"/>
+              <a:t>PCICR – Pin Change </a:t>
+            </a:r>
+            <a:r>
+              <a:rPr lang="fr-FR" dirty="0" err="1"/>
+              <a:t>Interrupt</a:t>
+            </a:r>
+            <a:r>
+              <a:rPr lang="fr-FR" dirty="0"/>
+              <a:t> Control </a:t>
+            </a:r>
+            <a:r>
+              <a:rPr lang="fr-FR" dirty="0" err="1"/>
+              <a:t>Register</a:t>
+            </a:r>
+            <a:r>
+              <a:rPr lang="fr-FR" dirty="0"/>
+              <a:t> =&gt; Bit 2 – PCIE2: enable pin change </a:t>
+            </a:r>
+            <a:r>
+              <a:rPr lang="fr-FR" dirty="0" err="1"/>
+              <a:t>interrupts</a:t>
+            </a:r>
+            <a:r>
+              <a:rPr lang="fr-FR" dirty="0"/>
+              <a:t> 2</a:t>
             </a:r>
             <a:br>
               <a:rPr lang="fr-FR" dirty="0"/>
             </a:br>
-            <a:r>
-              <a:rPr lang="fr-FR" dirty="0"/>
-              <a:t>Pin #18 = interruption #5</a:t>
-            </a:r>
-            <a:br>
-              <a:rPr lang="fr-FR" dirty="0"/>
-            </a:br>
-            <a:r>
-              <a:rPr lang="fr-FR" dirty="0"/>
-              <a:t>Pin #19 = interruption #4</a:t>
-            </a:r>
-            <a:br>
-              <a:rPr lang="fr-FR" dirty="0"/>
-            </a:br>
-            <a:r>
-              <a:rPr lang="fr-FR" dirty="0"/>
-              <a:t>Pin #20 = interruption #3</a:t>
-            </a:r>
-            <a:br>
-              <a:rPr lang="fr-FR" dirty="0"/>
-            </a:br>
-            <a:r>
-              <a:rPr lang="fr-FR" dirty="0"/>
-              <a:t>Pin #21 = interruption #2</a:t>
-            </a:r>
+            <a:endParaRPr lang="fr-FR" dirty="0"/>
           </a:p>
           <a:p>
             <a:pPr marL="0" indent="0">
               <a:buNone/>
             </a:pPr>
-            <a:endParaRPr lang="fr-FR" dirty="0"/>
+            <a:r>
+              <a:rPr lang="fr-FR" sz="3500" u="sng" dirty="0"/>
+              <a:t>SPI</a:t>
+            </a:r>
           </a:p>
           <a:p>
             <a:pPr marL="0" indent="0">
               <a:buNone/>
             </a:pPr>
-            <a:r>
-              <a:rPr lang="fr-FR" sz="3500" u="sng" dirty="0"/>
-              <a:t>SPI</a:t>
-            </a:r>
+            <a:endParaRPr lang="fr-FR" sz="3500" u="sng" dirty="0"/>
           </a:p>
           <a:p>
             <a:pPr marL="0" indent="0">
@@ -10281,6 +10315,726 @@
     <p:extLst>
       <p:ext uri="{BB962C8B-B14F-4D97-AF65-F5344CB8AC3E}">
         <p14:creationId xmlns:p14="http://schemas.microsoft.com/office/powerpoint/2010/main" val="3722056244"/>
+      </p:ext>
+    </p:extLst>
+  </p:cSld>
+  <p:clrMapOvr>
+    <a:masterClrMapping/>
+  </p:clrMapOvr>
+</p:sld>
+</file>
+
+<file path=ppt/slides/slide11.xml><?xml version="1.0" encoding="utf-8"?>
+<p:sld xmlns:a="http://schemas.openxmlformats.org/drawingml/2006/main" xmlns:r="http://schemas.openxmlformats.org/officeDocument/2006/relationships" xmlns:p="http://schemas.openxmlformats.org/presentationml/2006/main">
+  <p:cSld>
+    <p:spTree>
+      <p:nvGrpSpPr>
+        <p:cNvPr id="1" name=""/>
+        <p:cNvGrpSpPr/>
+        <p:nvPr/>
+      </p:nvGrpSpPr>
+      <p:grpSpPr>
+        <a:xfrm>
+          <a:off x="0" y="0"/>
+          <a:ext cx="0" cy="0"/>
+          <a:chOff x="0" y="0"/>
+          <a:chExt cx="0" cy="0"/>
+        </a:xfrm>
+      </p:grpSpPr>
+      <p:sp>
+        <p:nvSpPr>
+          <p:cNvPr id="2" name="Titre 1">
+            <a:extLst>
+              <a:ext uri="{FF2B5EF4-FFF2-40B4-BE49-F238E27FC236}">
+                <a16:creationId xmlns:a16="http://schemas.microsoft.com/office/drawing/2014/main" id="{B2E95FC8-98C1-4761-96A0-FCEBFB8AD3C7}"/>
+              </a:ext>
+            </a:extLst>
+          </p:cNvPr>
+          <p:cNvSpPr>
+            <a:spLocks noGrp="1"/>
+          </p:cNvSpPr>
+          <p:nvPr>
+            <p:ph type="title"/>
+          </p:nvPr>
+        </p:nvSpPr>
+        <p:spPr>
+          <a:xfrm>
+            <a:off x="750651" y="199596"/>
+            <a:ext cx="10515600" cy="644809"/>
+          </a:xfrm>
+        </p:spPr>
+        <p:txBody>
+          <a:bodyPr>
+            <a:normAutofit fontScale="90000"/>
+          </a:bodyPr>
+          <a:lstStyle/>
+          <a:p>
+            <a:pPr algn="ctr"/>
+            <a:r>
+              <a:rPr lang="en-US" dirty="0"/>
+              <a:t>RC</a:t>
+            </a:r>
+          </a:p>
+        </p:txBody>
+      </p:sp>
+      <p:sp>
+        <p:nvSpPr>
+          <p:cNvPr id="7" name="Ellipse 6">
+            <a:extLst>
+              <a:ext uri="{FF2B5EF4-FFF2-40B4-BE49-F238E27FC236}">
+                <a16:creationId xmlns:a16="http://schemas.microsoft.com/office/drawing/2014/main" id="{B8F24F67-8CCD-4123-96FC-F6FE2AD5ED78}"/>
+              </a:ext>
+            </a:extLst>
+          </p:cNvPr>
+          <p:cNvSpPr/>
+          <p:nvPr/>
+        </p:nvSpPr>
+        <p:spPr>
+          <a:xfrm rot="900000">
+            <a:off x="2350852" y="3424748"/>
+            <a:ext cx="914400" cy="914400"/>
+          </a:xfrm>
+          <a:prstGeom prst="ellipse">
+            <a:avLst/>
+          </a:prstGeom>
+        </p:spPr>
+        <p:style>
+          <a:lnRef idx="2">
+            <a:schemeClr val="accent1">
+              <a:shade val="50000"/>
+            </a:schemeClr>
+          </a:lnRef>
+          <a:fillRef idx="1">
+            <a:schemeClr val="accent1"/>
+          </a:fillRef>
+          <a:effectRef idx="0">
+            <a:schemeClr val="accent1"/>
+          </a:effectRef>
+          <a:fontRef idx="minor">
+            <a:schemeClr val="lt1"/>
+          </a:fontRef>
+        </p:style>
+        <p:txBody>
+          <a:bodyPr rtlCol="0" anchor="ctr"/>
+          <a:lstStyle/>
+          <a:p>
+            <a:pPr algn="ctr"/>
+            <a:endParaRPr lang="en-US"/>
+          </a:p>
+        </p:txBody>
+      </p:sp>
+      <p:cxnSp>
+        <p:nvCxnSpPr>
+          <p:cNvPr id="57" name="Connecteur droit 56">
+            <a:extLst>
+              <a:ext uri="{FF2B5EF4-FFF2-40B4-BE49-F238E27FC236}">
+                <a16:creationId xmlns:a16="http://schemas.microsoft.com/office/drawing/2014/main" id="{44EFC622-3CBD-4FF4-9820-E5AF57BF5157}"/>
+              </a:ext>
+            </a:extLst>
+          </p:cNvPr>
+          <p:cNvCxnSpPr>
+            <a:cxnSpLocks/>
+          </p:cNvCxnSpPr>
+          <p:nvPr/>
+        </p:nvCxnSpPr>
+        <p:spPr>
+          <a:xfrm flipH="1">
+            <a:off x="2798326" y="1389129"/>
+            <a:ext cx="9726" cy="4846300"/>
+          </a:xfrm>
+          <a:prstGeom prst="line">
+            <a:avLst/>
+          </a:prstGeom>
+          <a:ln w="22225">
+            <a:solidFill>
+              <a:schemeClr val="accent1"/>
+            </a:solidFill>
+            <a:prstDash val="sysDash"/>
+          </a:ln>
+        </p:spPr>
+        <p:style>
+          <a:lnRef idx="1">
+            <a:schemeClr val="accent1"/>
+          </a:lnRef>
+          <a:fillRef idx="0">
+            <a:schemeClr val="accent1"/>
+          </a:fillRef>
+          <a:effectRef idx="0">
+            <a:schemeClr val="accent1"/>
+          </a:effectRef>
+          <a:fontRef idx="minor">
+            <a:schemeClr val="tx1"/>
+          </a:fontRef>
+        </p:style>
+      </p:cxnSp>
+      <p:cxnSp>
+        <p:nvCxnSpPr>
+          <p:cNvPr id="67" name="Connecteur droit 66">
+            <a:extLst>
+              <a:ext uri="{FF2B5EF4-FFF2-40B4-BE49-F238E27FC236}">
+                <a16:creationId xmlns:a16="http://schemas.microsoft.com/office/drawing/2014/main" id="{93B3E475-E001-4631-A52C-F00D276CD885}"/>
+              </a:ext>
+            </a:extLst>
+          </p:cNvPr>
+          <p:cNvCxnSpPr>
+            <a:cxnSpLocks/>
+          </p:cNvCxnSpPr>
+          <p:nvPr/>
+        </p:nvCxnSpPr>
+        <p:spPr>
+          <a:xfrm flipH="1">
+            <a:off x="171655" y="3881948"/>
+            <a:ext cx="5394521" cy="0"/>
+          </a:xfrm>
+          <a:prstGeom prst="line">
+            <a:avLst/>
+          </a:prstGeom>
+          <a:ln w="22225">
+            <a:solidFill>
+              <a:schemeClr val="accent1"/>
+            </a:solidFill>
+            <a:prstDash val="sysDash"/>
+          </a:ln>
+        </p:spPr>
+        <p:style>
+          <a:lnRef idx="1">
+            <a:schemeClr val="accent1"/>
+          </a:lnRef>
+          <a:fillRef idx="0">
+            <a:schemeClr val="accent1"/>
+          </a:fillRef>
+          <a:effectRef idx="0">
+            <a:schemeClr val="accent1"/>
+          </a:effectRef>
+          <a:fontRef idx="minor">
+            <a:schemeClr val="tx1"/>
+          </a:fontRef>
+        </p:style>
+      </p:cxnSp>
+      <p:sp>
+        <p:nvSpPr>
+          <p:cNvPr id="70" name="ZoneTexte 69">
+            <a:extLst>
+              <a:ext uri="{FF2B5EF4-FFF2-40B4-BE49-F238E27FC236}">
+                <a16:creationId xmlns:a16="http://schemas.microsoft.com/office/drawing/2014/main" id="{0454E0DA-A088-4056-BD51-40A1FDE4D74E}"/>
+              </a:ext>
+            </a:extLst>
+          </p:cNvPr>
+          <p:cNvSpPr txBox="1"/>
+          <p:nvPr/>
+        </p:nvSpPr>
+        <p:spPr>
+          <a:xfrm>
+            <a:off x="400893" y="3573902"/>
+            <a:ext cx="958211" cy="369332"/>
+          </a:xfrm>
+          <a:prstGeom prst="rect">
+            <a:avLst/>
+          </a:prstGeom>
+          <a:noFill/>
+        </p:spPr>
+        <p:txBody>
+          <a:bodyPr wrap="none" rtlCol="0">
+            <a:spAutoFit/>
+          </a:bodyPr>
+          <a:lstStyle/>
+          <a:p>
+            <a:r>
+              <a:rPr lang="en-US" dirty="0"/>
+              <a:t>+90 Yaw</a:t>
+            </a:r>
+          </a:p>
+        </p:txBody>
+      </p:sp>
+      <p:sp>
+        <p:nvSpPr>
+          <p:cNvPr id="27" name="ZoneTexte 26">
+            <a:extLst>
+              <a:ext uri="{FF2B5EF4-FFF2-40B4-BE49-F238E27FC236}">
+                <a16:creationId xmlns:a16="http://schemas.microsoft.com/office/drawing/2014/main" id="{2A9998C9-7194-47CB-88BA-8DC664BAB274}"/>
+              </a:ext>
+            </a:extLst>
+          </p:cNvPr>
+          <p:cNvSpPr txBox="1"/>
+          <p:nvPr/>
+        </p:nvSpPr>
+        <p:spPr>
+          <a:xfrm>
+            <a:off x="4715746" y="3504243"/>
+            <a:ext cx="913327" cy="369332"/>
+          </a:xfrm>
+          <a:prstGeom prst="rect">
+            <a:avLst/>
+          </a:prstGeom>
+          <a:noFill/>
+        </p:spPr>
+        <p:txBody>
+          <a:bodyPr wrap="none" rtlCol="0">
+            <a:spAutoFit/>
+          </a:bodyPr>
+          <a:lstStyle/>
+          <a:p>
+            <a:r>
+              <a:rPr lang="en-US" dirty="0"/>
+              <a:t>-90 Yaw</a:t>
+            </a:r>
+          </a:p>
+        </p:txBody>
+      </p:sp>
+      <p:sp>
+        <p:nvSpPr>
+          <p:cNvPr id="29" name="Ellipse 28">
+            <a:extLst>
+              <a:ext uri="{FF2B5EF4-FFF2-40B4-BE49-F238E27FC236}">
+                <a16:creationId xmlns:a16="http://schemas.microsoft.com/office/drawing/2014/main" id="{C4DF2757-821B-4A29-A902-1F5DC2A1960C}"/>
+              </a:ext>
+            </a:extLst>
+          </p:cNvPr>
+          <p:cNvSpPr/>
+          <p:nvPr/>
+        </p:nvSpPr>
+        <p:spPr>
+          <a:xfrm rot="900000">
+            <a:off x="8583059" y="3421500"/>
+            <a:ext cx="914400" cy="914400"/>
+          </a:xfrm>
+          <a:prstGeom prst="ellipse">
+            <a:avLst/>
+          </a:prstGeom>
+        </p:spPr>
+        <p:style>
+          <a:lnRef idx="2">
+            <a:schemeClr val="accent1">
+              <a:shade val="50000"/>
+            </a:schemeClr>
+          </a:lnRef>
+          <a:fillRef idx="1">
+            <a:schemeClr val="accent1"/>
+          </a:fillRef>
+          <a:effectRef idx="0">
+            <a:schemeClr val="accent1"/>
+          </a:effectRef>
+          <a:fontRef idx="minor">
+            <a:schemeClr val="lt1"/>
+          </a:fontRef>
+        </p:style>
+        <p:txBody>
+          <a:bodyPr rtlCol="0" anchor="ctr"/>
+          <a:lstStyle/>
+          <a:p>
+            <a:pPr algn="ctr"/>
+            <a:endParaRPr lang="en-US"/>
+          </a:p>
+        </p:txBody>
+      </p:sp>
+      <p:cxnSp>
+        <p:nvCxnSpPr>
+          <p:cNvPr id="30" name="Connecteur droit 29">
+            <a:extLst>
+              <a:ext uri="{FF2B5EF4-FFF2-40B4-BE49-F238E27FC236}">
+                <a16:creationId xmlns:a16="http://schemas.microsoft.com/office/drawing/2014/main" id="{8B50BB6F-778A-49B2-94BB-9357BE6EBF74}"/>
+              </a:ext>
+            </a:extLst>
+          </p:cNvPr>
+          <p:cNvCxnSpPr>
+            <a:cxnSpLocks/>
+          </p:cNvCxnSpPr>
+          <p:nvPr/>
+        </p:nvCxnSpPr>
+        <p:spPr>
+          <a:xfrm flipH="1">
+            <a:off x="9030533" y="1385881"/>
+            <a:ext cx="9726" cy="4846300"/>
+          </a:xfrm>
+          <a:prstGeom prst="line">
+            <a:avLst/>
+          </a:prstGeom>
+          <a:ln w="22225">
+            <a:solidFill>
+              <a:schemeClr val="accent1"/>
+            </a:solidFill>
+            <a:prstDash val="sysDash"/>
+          </a:ln>
+        </p:spPr>
+        <p:style>
+          <a:lnRef idx="1">
+            <a:schemeClr val="accent1"/>
+          </a:lnRef>
+          <a:fillRef idx="0">
+            <a:schemeClr val="accent1"/>
+          </a:fillRef>
+          <a:effectRef idx="0">
+            <a:schemeClr val="accent1"/>
+          </a:effectRef>
+          <a:fontRef idx="minor">
+            <a:schemeClr val="tx1"/>
+          </a:fontRef>
+        </p:style>
+      </p:cxnSp>
+      <p:cxnSp>
+        <p:nvCxnSpPr>
+          <p:cNvPr id="31" name="Connecteur droit 30">
+            <a:extLst>
+              <a:ext uri="{FF2B5EF4-FFF2-40B4-BE49-F238E27FC236}">
+                <a16:creationId xmlns:a16="http://schemas.microsoft.com/office/drawing/2014/main" id="{8456A9B1-C1B3-49D7-8FCE-572864E1E693}"/>
+              </a:ext>
+            </a:extLst>
+          </p:cNvPr>
+          <p:cNvCxnSpPr>
+            <a:cxnSpLocks/>
+          </p:cNvCxnSpPr>
+          <p:nvPr/>
+        </p:nvCxnSpPr>
+        <p:spPr>
+          <a:xfrm flipH="1">
+            <a:off x="6403862" y="3878700"/>
+            <a:ext cx="5394521" cy="0"/>
+          </a:xfrm>
+          <a:prstGeom prst="line">
+            <a:avLst/>
+          </a:prstGeom>
+          <a:ln w="22225">
+            <a:solidFill>
+              <a:schemeClr val="accent1"/>
+            </a:solidFill>
+            <a:prstDash val="sysDash"/>
+          </a:ln>
+        </p:spPr>
+        <p:style>
+          <a:lnRef idx="1">
+            <a:schemeClr val="accent1"/>
+          </a:lnRef>
+          <a:fillRef idx="0">
+            <a:schemeClr val="accent1"/>
+          </a:fillRef>
+          <a:effectRef idx="0">
+            <a:schemeClr val="accent1"/>
+          </a:effectRef>
+          <a:fontRef idx="minor">
+            <a:schemeClr val="tx1"/>
+          </a:fontRef>
+        </p:style>
+      </p:cxnSp>
+      <p:sp>
+        <p:nvSpPr>
+          <p:cNvPr id="32" name="ZoneTexte 31">
+            <a:extLst>
+              <a:ext uri="{FF2B5EF4-FFF2-40B4-BE49-F238E27FC236}">
+                <a16:creationId xmlns:a16="http://schemas.microsoft.com/office/drawing/2014/main" id="{3453DD57-3EF7-4EAA-A431-6029977429E0}"/>
+              </a:ext>
+            </a:extLst>
+          </p:cNvPr>
+          <p:cNvSpPr txBox="1"/>
+          <p:nvPr/>
+        </p:nvSpPr>
+        <p:spPr>
+          <a:xfrm>
+            <a:off x="6633100" y="3570654"/>
+            <a:ext cx="934936" cy="369332"/>
+          </a:xfrm>
+          <a:prstGeom prst="rect">
+            <a:avLst/>
+          </a:prstGeom>
+          <a:noFill/>
+        </p:spPr>
+        <p:txBody>
+          <a:bodyPr wrap="none" rtlCol="0">
+            <a:spAutoFit/>
+          </a:bodyPr>
+          <a:lstStyle/>
+          <a:p>
+            <a:r>
+              <a:rPr lang="en-US" dirty="0"/>
+              <a:t>+90 Roll</a:t>
+            </a:r>
+          </a:p>
+        </p:txBody>
+      </p:sp>
+      <p:sp>
+        <p:nvSpPr>
+          <p:cNvPr id="33" name="ZoneTexte 32">
+            <a:extLst>
+              <a:ext uri="{FF2B5EF4-FFF2-40B4-BE49-F238E27FC236}">
+                <a16:creationId xmlns:a16="http://schemas.microsoft.com/office/drawing/2014/main" id="{BAA39D9F-2C55-4FB8-82D2-DE05F903CC91}"/>
+              </a:ext>
+            </a:extLst>
+          </p:cNvPr>
+          <p:cNvSpPr txBox="1"/>
+          <p:nvPr/>
+        </p:nvSpPr>
+        <p:spPr>
+          <a:xfrm>
+            <a:off x="10947953" y="3500995"/>
+            <a:ext cx="890052" cy="369332"/>
+          </a:xfrm>
+          <a:prstGeom prst="rect">
+            <a:avLst/>
+          </a:prstGeom>
+          <a:noFill/>
+        </p:spPr>
+        <p:txBody>
+          <a:bodyPr wrap="none" rtlCol="0">
+            <a:spAutoFit/>
+          </a:bodyPr>
+          <a:lstStyle/>
+          <a:p>
+            <a:r>
+              <a:rPr lang="en-US" dirty="0"/>
+              <a:t>-90 Roll</a:t>
+            </a:r>
+          </a:p>
+        </p:txBody>
+      </p:sp>
+      <p:sp>
+        <p:nvSpPr>
+          <p:cNvPr id="34" name="ZoneTexte 33">
+            <a:extLst>
+              <a:ext uri="{FF2B5EF4-FFF2-40B4-BE49-F238E27FC236}">
+                <a16:creationId xmlns:a16="http://schemas.microsoft.com/office/drawing/2014/main" id="{B149E594-E058-4118-A5DF-7EF88A614800}"/>
+              </a:ext>
+            </a:extLst>
+          </p:cNvPr>
+          <p:cNvSpPr txBox="1"/>
+          <p:nvPr/>
+        </p:nvSpPr>
+        <p:spPr>
+          <a:xfrm>
+            <a:off x="9030533" y="5958159"/>
+            <a:ext cx="1105816" cy="369332"/>
+          </a:xfrm>
+          <a:prstGeom prst="rect">
+            <a:avLst/>
+          </a:prstGeom>
+          <a:noFill/>
+        </p:spPr>
+        <p:txBody>
+          <a:bodyPr wrap="none" rtlCol="0">
+            <a:spAutoFit/>
+          </a:bodyPr>
+          <a:lstStyle/>
+          <a:p>
+            <a:r>
+              <a:rPr lang="en-US" dirty="0"/>
+              <a:t>0 Throttle</a:t>
+            </a:r>
+          </a:p>
+        </p:txBody>
+      </p:sp>
+      <p:sp>
+        <p:nvSpPr>
+          <p:cNvPr id="35" name="ZoneTexte 34">
+            <a:extLst>
+              <a:ext uri="{FF2B5EF4-FFF2-40B4-BE49-F238E27FC236}">
+                <a16:creationId xmlns:a16="http://schemas.microsoft.com/office/drawing/2014/main" id="{805B6CC8-577C-4BCF-9A7A-1358163A8E32}"/>
+              </a:ext>
+            </a:extLst>
+          </p:cNvPr>
+          <p:cNvSpPr txBox="1"/>
+          <p:nvPr/>
+        </p:nvSpPr>
+        <p:spPr>
+          <a:xfrm>
+            <a:off x="9101122" y="1201215"/>
+            <a:ext cx="1572290" cy="369332"/>
+          </a:xfrm>
+          <a:prstGeom prst="rect">
+            <a:avLst/>
+          </a:prstGeom>
+          <a:noFill/>
+        </p:spPr>
+        <p:txBody>
+          <a:bodyPr wrap="none" rtlCol="0">
+            <a:spAutoFit/>
+          </a:bodyPr>
+          <a:lstStyle/>
+          <a:p>
+            <a:r>
+              <a:rPr lang="en-US" dirty="0"/>
+              <a:t>+1920 Throttle</a:t>
+            </a:r>
+          </a:p>
+        </p:txBody>
+      </p:sp>
+      <p:sp>
+        <p:nvSpPr>
+          <p:cNvPr id="36" name="ZoneTexte 35">
+            <a:extLst>
+              <a:ext uri="{FF2B5EF4-FFF2-40B4-BE49-F238E27FC236}">
+                <a16:creationId xmlns:a16="http://schemas.microsoft.com/office/drawing/2014/main" id="{549A89FA-9726-4A93-9B69-B7A0992D7379}"/>
+              </a:ext>
+            </a:extLst>
+          </p:cNvPr>
+          <p:cNvSpPr txBox="1"/>
+          <p:nvPr/>
+        </p:nvSpPr>
+        <p:spPr>
+          <a:xfrm>
+            <a:off x="2856818" y="5862849"/>
+            <a:ext cx="1007392" cy="369332"/>
+          </a:xfrm>
+          <a:prstGeom prst="rect">
+            <a:avLst/>
+          </a:prstGeom>
+          <a:noFill/>
+        </p:spPr>
+        <p:txBody>
+          <a:bodyPr wrap="none" rtlCol="0">
+            <a:spAutoFit/>
+          </a:bodyPr>
+          <a:lstStyle/>
+          <a:p>
+            <a:r>
+              <a:rPr lang="en-US" dirty="0"/>
+              <a:t>-90 Pitch</a:t>
+            </a:r>
+          </a:p>
+        </p:txBody>
+      </p:sp>
+      <p:sp>
+        <p:nvSpPr>
+          <p:cNvPr id="37" name="ZoneTexte 36">
+            <a:extLst>
+              <a:ext uri="{FF2B5EF4-FFF2-40B4-BE49-F238E27FC236}">
+                <a16:creationId xmlns:a16="http://schemas.microsoft.com/office/drawing/2014/main" id="{11F4CACF-63DA-4CE8-978E-96FF102E1741}"/>
+              </a:ext>
+            </a:extLst>
+          </p:cNvPr>
+          <p:cNvSpPr txBox="1"/>
+          <p:nvPr/>
+        </p:nvSpPr>
+        <p:spPr>
+          <a:xfrm>
+            <a:off x="2798326" y="1162623"/>
+            <a:ext cx="1052276" cy="369332"/>
+          </a:xfrm>
+          <a:prstGeom prst="rect">
+            <a:avLst/>
+          </a:prstGeom>
+          <a:noFill/>
+        </p:spPr>
+        <p:txBody>
+          <a:bodyPr wrap="none" rtlCol="0">
+            <a:spAutoFit/>
+          </a:bodyPr>
+          <a:lstStyle/>
+          <a:p>
+            <a:r>
+              <a:rPr lang="en-US" dirty="0"/>
+              <a:t>+90 Pitch</a:t>
+            </a:r>
+          </a:p>
+        </p:txBody>
+      </p:sp>
+      <p:sp>
+        <p:nvSpPr>
+          <p:cNvPr id="38" name="ZoneTexte 37">
+            <a:extLst>
+              <a:ext uri="{FF2B5EF4-FFF2-40B4-BE49-F238E27FC236}">
+                <a16:creationId xmlns:a16="http://schemas.microsoft.com/office/drawing/2014/main" id="{59E1DC74-955A-4755-9CC2-65ACACC1E6F7}"/>
+              </a:ext>
+            </a:extLst>
+          </p:cNvPr>
+          <p:cNvSpPr txBox="1"/>
+          <p:nvPr/>
+        </p:nvSpPr>
+        <p:spPr>
+          <a:xfrm>
+            <a:off x="306828" y="793291"/>
+            <a:ext cx="1173719" cy="369332"/>
+          </a:xfrm>
+          <a:prstGeom prst="rect">
+            <a:avLst/>
+          </a:prstGeom>
+          <a:noFill/>
+        </p:spPr>
+        <p:txBody>
+          <a:bodyPr wrap="none" rtlCol="0">
+            <a:spAutoFit/>
+          </a:bodyPr>
+          <a:lstStyle/>
+          <a:p>
+            <a:r>
+              <a:rPr lang="en-US" dirty="0"/>
+              <a:t>Aux1 (0/1)</a:t>
+            </a:r>
+          </a:p>
+        </p:txBody>
+      </p:sp>
+      <p:sp>
+        <p:nvSpPr>
+          <p:cNvPr id="39" name="ZoneTexte 38">
+            <a:extLst>
+              <a:ext uri="{FF2B5EF4-FFF2-40B4-BE49-F238E27FC236}">
+                <a16:creationId xmlns:a16="http://schemas.microsoft.com/office/drawing/2014/main" id="{3D647A03-7007-4D80-9827-5D61D411F0C0}"/>
+              </a:ext>
+            </a:extLst>
+          </p:cNvPr>
+          <p:cNvSpPr txBox="1"/>
+          <p:nvPr/>
+        </p:nvSpPr>
+        <p:spPr>
+          <a:xfrm>
+            <a:off x="11111265" y="828310"/>
+            <a:ext cx="1173719" cy="369332"/>
+          </a:xfrm>
+          <a:prstGeom prst="rect">
+            <a:avLst/>
+          </a:prstGeom>
+          <a:noFill/>
+        </p:spPr>
+        <p:txBody>
+          <a:bodyPr wrap="none" rtlCol="0">
+            <a:spAutoFit/>
+          </a:bodyPr>
+          <a:lstStyle/>
+          <a:p>
+            <a:r>
+              <a:rPr lang="en-US" dirty="0"/>
+              <a:t>Aux2 (0/1)</a:t>
+            </a:r>
+          </a:p>
+        </p:txBody>
+      </p:sp>
+      <p:pic>
+        <p:nvPicPr>
+          <p:cNvPr id="4" name="Image 3">
+            <a:extLst>
+              <a:ext uri="{FF2B5EF4-FFF2-40B4-BE49-F238E27FC236}">
+                <a16:creationId xmlns:a16="http://schemas.microsoft.com/office/drawing/2014/main" id="{B9876BF1-8DAF-4575-9394-B5F5B549C828}"/>
+              </a:ext>
+            </a:extLst>
+          </p:cNvPr>
+          <p:cNvPicPr>
+            <a:picLocks noChangeAspect="1"/>
+          </p:cNvPicPr>
+          <p:nvPr/>
+        </p:nvPicPr>
+        <p:blipFill>
+          <a:blip r:embed="rId2">
+            <a:extLst>
+              <a:ext uri="{28A0092B-C50C-407E-A947-70E740481C1C}">
+                <a14:useLocalDpi xmlns:a14="http://schemas.microsoft.com/office/drawing/2010/main" val="0"/>
+              </a:ext>
+            </a:extLst>
+          </a:blip>
+          <a:stretch>
+            <a:fillRect/>
+          </a:stretch>
+        </p:blipFill>
+        <p:spPr>
+          <a:xfrm>
+            <a:off x="3929059" y="882237"/>
+            <a:ext cx="4541520" cy="2580925"/>
+          </a:xfrm>
+          <a:prstGeom prst="rect">
+            <a:avLst/>
+          </a:prstGeom>
+        </p:spPr>
+      </p:pic>
+    </p:spTree>
+    <p:extLst>
+      <p:ext uri="{BB962C8B-B14F-4D97-AF65-F5344CB8AC3E}">
+        <p14:creationId xmlns:p14="http://schemas.microsoft.com/office/powerpoint/2010/main" val="1970995846"/>
       </p:ext>
     </p:extLst>
   </p:cSld>

--- a/libraries/Diagramm Drone.pptx
+++ b/libraries/Diagramm Drone.pptx
@@ -133,6 +133,18 @@
 </p:presentation>
 </file>
 
+<file path=ppt/commentAuthors.xml><?xml version="1.0" encoding="utf-8"?>
+<p:cmAuthorLst xmlns:a="http://schemas.openxmlformats.org/drawingml/2006/main" xmlns:r="http://schemas.openxmlformats.org/officeDocument/2006/relationships" xmlns:p="http://schemas.openxmlformats.org/presentationml/2006/main">
+  <p:cmAuthor id="1" name="edh" initials="e" lastIdx="1" clrIdx="0">
+    <p:extLst>
+      <p:ext uri="{19B8F6BF-5375-455C-9EA6-DF929625EA0E}">
+        <p15:presenceInfo xmlns:p15="http://schemas.microsoft.com/office/powerpoint/2012/main" userId="edh" providerId="None"/>
+      </p:ext>
+    </p:extLst>
+  </p:cmAuthor>
+</p:cmAuthorLst>
+</file>
+
 <file path=ppt/slideLayouts/slideLayout1.xml><?xml version="1.0" encoding="utf-8"?>
 <p:sldLayout xmlns:a="http://schemas.openxmlformats.org/drawingml/2006/main" xmlns:r="http://schemas.openxmlformats.org/officeDocument/2006/relationships" xmlns:p="http://schemas.openxmlformats.org/presentationml/2006/main" type="title" preserve="1">
   <p:cSld name="Diapositive de titre">
@@ -280,7 +292,7 @@
           <a:p>
             <a:fld id="{0717AEF8-1597-4679-8926-916E82E12B07}" type="datetimeFigureOut">
               <a:rPr lang="fr-FR" smtClean="0"/>
-              <a:t>23/03/2019</a:t>
+              <a:t>25/03/2019</a:t>
             </a:fld>
             <a:endParaRPr lang="fr-FR"/>
           </a:p>
@@ -478,7 +490,7 @@
           <a:p>
             <a:fld id="{0717AEF8-1597-4679-8926-916E82E12B07}" type="datetimeFigureOut">
               <a:rPr lang="fr-FR" smtClean="0"/>
-              <a:t>23/03/2019</a:t>
+              <a:t>25/03/2019</a:t>
             </a:fld>
             <a:endParaRPr lang="fr-FR"/>
           </a:p>
@@ -686,7 +698,7 @@
           <a:p>
             <a:fld id="{0717AEF8-1597-4679-8926-916E82E12B07}" type="datetimeFigureOut">
               <a:rPr lang="fr-FR" smtClean="0"/>
-              <a:t>23/03/2019</a:t>
+              <a:t>25/03/2019</a:t>
             </a:fld>
             <a:endParaRPr lang="fr-FR"/>
           </a:p>
@@ -884,7 +896,7 @@
           <a:p>
             <a:fld id="{0717AEF8-1597-4679-8926-916E82E12B07}" type="datetimeFigureOut">
               <a:rPr lang="fr-FR" smtClean="0"/>
-              <a:t>23/03/2019</a:t>
+              <a:t>25/03/2019</a:t>
             </a:fld>
             <a:endParaRPr lang="fr-FR"/>
           </a:p>
@@ -1159,7 +1171,7 @@
           <a:p>
             <a:fld id="{0717AEF8-1597-4679-8926-916E82E12B07}" type="datetimeFigureOut">
               <a:rPr lang="fr-FR" smtClean="0"/>
-              <a:t>23/03/2019</a:t>
+              <a:t>25/03/2019</a:t>
             </a:fld>
             <a:endParaRPr lang="fr-FR"/>
           </a:p>
@@ -1424,7 +1436,7 @@
           <a:p>
             <a:fld id="{0717AEF8-1597-4679-8926-916E82E12B07}" type="datetimeFigureOut">
               <a:rPr lang="fr-FR" smtClean="0"/>
-              <a:t>23/03/2019</a:t>
+              <a:t>25/03/2019</a:t>
             </a:fld>
             <a:endParaRPr lang="fr-FR"/>
           </a:p>
@@ -1836,7 +1848,7 @@
           <a:p>
             <a:fld id="{0717AEF8-1597-4679-8926-916E82E12B07}" type="datetimeFigureOut">
               <a:rPr lang="fr-FR" smtClean="0"/>
-              <a:t>23/03/2019</a:t>
+              <a:t>25/03/2019</a:t>
             </a:fld>
             <a:endParaRPr lang="fr-FR"/>
           </a:p>
@@ -1977,7 +1989,7 @@
           <a:p>
             <a:fld id="{0717AEF8-1597-4679-8926-916E82E12B07}" type="datetimeFigureOut">
               <a:rPr lang="fr-FR" smtClean="0"/>
-              <a:t>23/03/2019</a:t>
+              <a:t>25/03/2019</a:t>
             </a:fld>
             <a:endParaRPr lang="fr-FR"/>
           </a:p>
@@ -2090,7 +2102,7 @@
           <a:p>
             <a:fld id="{0717AEF8-1597-4679-8926-916E82E12B07}" type="datetimeFigureOut">
               <a:rPr lang="fr-FR" smtClean="0"/>
-              <a:t>23/03/2019</a:t>
+              <a:t>25/03/2019</a:t>
             </a:fld>
             <a:endParaRPr lang="fr-FR"/>
           </a:p>
@@ -2401,7 +2413,7 @@
           <a:p>
             <a:fld id="{0717AEF8-1597-4679-8926-916E82E12B07}" type="datetimeFigureOut">
               <a:rPr lang="fr-FR" smtClean="0"/>
-              <a:t>23/03/2019</a:t>
+              <a:t>25/03/2019</a:t>
             </a:fld>
             <a:endParaRPr lang="fr-FR"/>
           </a:p>
@@ -2689,7 +2701,7 @@
           <a:p>
             <a:fld id="{0717AEF8-1597-4679-8926-916E82E12B07}" type="datetimeFigureOut">
               <a:rPr lang="fr-FR" smtClean="0"/>
-              <a:t>23/03/2019</a:t>
+              <a:t>25/03/2019</a:t>
             </a:fld>
             <a:endParaRPr lang="fr-FR"/>
           </a:p>
@@ -2930,7 +2942,7 @@
           <a:p>
             <a:fld id="{0717AEF8-1597-4679-8926-916E82E12B07}" type="datetimeFigureOut">
               <a:rPr lang="fr-FR" smtClean="0"/>
-              <a:t>23/03/2019</a:t>
+              <a:t>25/03/2019</a:t>
             </a:fld>
             <a:endParaRPr lang="fr-FR"/>
           </a:p>
@@ -5649,7 +5661,7 @@
                   <a:schemeClr val="tx1"/>
                 </a:solidFill>
               </a:rPr>
-              <a:t>4</a:t>
+              <a:t>6</a:t>
             </a:r>
           </a:p>
         </p:txBody>
@@ -5707,7 +5719,7 @@
                   <a:schemeClr val="tx1"/>
                 </a:solidFill>
               </a:rPr>
-              <a:t>3</a:t>
+              <a:t>5</a:t>
             </a:r>
           </a:p>
         </p:txBody>
@@ -5765,7 +5777,7 @@
                   <a:schemeClr val="tx1"/>
                 </a:solidFill>
               </a:rPr>
-              <a:t>5</a:t>
+              <a:t>7</a:t>
             </a:r>
           </a:p>
         </p:txBody>
@@ -5823,7 +5835,7 @@
                   <a:schemeClr val="tx1"/>
                 </a:solidFill>
               </a:rPr>
-              <a:t>6</a:t>
+              <a:t>8</a:t>
             </a:r>
           </a:p>
         </p:txBody>
@@ -7404,9 +7416,7 @@
           </a:prstGeom>
           <a:ln w="38100">
             <a:solidFill>
-              <a:schemeClr val="bg1">
-                <a:lumMod val="50000"/>
-              </a:schemeClr>
+              <a:schemeClr val="tx1"/>
             </a:solidFill>
             <a:tailEnd type="triangle"/>
           </a:ln>
@@ -7448,9 +7458,7 @@
           </a:prstGeom>
           <a:ln w="38100">
             <a:solidFill>
-              <a:schemeClr val="bg1">
-                <a:lumMod val="50000"/>
-              </a:schemeClr>
+              <a:srgbClr val="FFFF00"/>
             </a:solidFill>
             <a:tailEnd type="triangle"/>
           </a:ln>
@@ -7492,9 +7500,7 @@
           </a:prstGeom>
           <a:ln w="38100">
             <a:solidFill>
-              <a:schemeClr val="bg1">
-                <a:lumMod val="50000"/>
-              </a:schemeClr>
+              <a:srgbClr val="0070C0"/>
             </a:solidFill>
             <a:tailEnd type="triangle"/>
           </a:ln>
@@ -7536,9 +7542,7 @@
           </a:prstGeom>
           <a:ln w="38100">
             <a:solidFill>
-              <a:schemeClr val="bg1">
-                <a:lumMod val="50000"/>
-              </a:schemeClr>
+              <a:srgbClr val="00B050"/>
             </a:solidFill>
             <a:tailEnd type="triangle"/>
           </a:ln>
@@ -8837,7 +8841,7 @@
             <a:avLst/>
           </a:prstGeom>
           <a:solidFill>
-            <a:srgbClr val="00B050"/>
+            <a:srgbClr val="FF0000"/>
           </a:solidFill>
           <a:ln>
             <a:solidFill>
@@ -8878,12 +8882,20 @@
           <a:p>
             <a:pPr algn="ctr"/>
             <a:r>
+              <a:rPr lang="fr-FR" sz="900" dirty="0" err="1">
+                <a:solidFill>
+                  <a:schemeClr val="tx1"/>
+                </a:solidFill>
+              </a:rPr>
+              <a:t>Rear</a:t>
+            </a:r>
+            <a:r>
               <a:rPr lang="fr-FR" sz="900" dirty="0">
                 <a:solidFill>
                   <a:schemeClr val="tx1"/>
                 </a:solidFill>
               </a:rPr>
-              <a:t>Front </a:t>
+              <a:t> </a:t>
             </a:r>
             <a:r>
               <a:rPr lang="fr-FR" sz="900" dirty="0" err="1">
@@ -8916,7 +8928,7 @@
             <a:avLst/>
           </a:prstGeom>
           <a:solidFill>
-            <a:srgbClr val="FF0000"/>
+            <a:srgbClr val="00B050"/>
           </a:solidFill>
           <a:ln>
             <a:solidFill>
@@ -8957,12 +8969,20 @@
           <a:p>
             <a:pPr algn="ctr"/>
             <a:r>
+              <a:rPr lang="fr-FR" sz="900" dirty="0" err="1">
+                <a:solidFill>
+                  <a:schemeClr val="tx1"/>
+                </a:solidFill>
+              </a:rPr>
+              <a:t>Rear</a:t>
+            </a:r>
+            <a:r>
               <a:rPr lang="fr-FR" sz="900" dirty="0">
                 <a:solidFill>
                   <a:schemeClr val="tx1"/>
                 </a:solidFill>
               </a:rPr>
-              <a:t>Front Right</a:t>
+              <a:t> Right</a:t>
             </a:r>
             <a:endParaRPr lang="en-GB" sz="900" dirty="0">
               <a:solidFill>
@@ -8987,7 +9007,7 @@
             <a:avLst/>
           </a:prstGeom>
           <a:solidFill>
-            <a:srgbClr val="00B050"/>
+            <a:srgbClr val="FF0000"/>
           </a:solidFill>
           <a:ln>
             <a:solidFill>
@@ -9028,20 +9048,12 @@
           <a:p>
             <a:pPr algn="ctr"/>
             <a:r>
-              <a:rPr lang="fr-FR" sz="900" dirty="0" err="1">
-                <a:solidFill>
-                  <a:schemeClr val="tx1"/>
-                </a:solidFill>
-              </a:rPr>
-              <a:t>Rear</a:t>
-            </a:r>
-            <a:r>
               <a:rPr lang="fr-FR" sz="900" dirty="0">
                 <a:solidFill>
                   <a:schemeClr val="tx1"/>
                 </a:solidFill>
               </a:rPr>
-              <a:t> Right</a:t>
+              <a:t>Front Right</a:t>
             </a:r>
             <a:endParaRPr lang="en-GB" sz="900" dirty="0">
               <a:solidFill>
@@ -9066,7 +9078,7 @@
             <a:avLst/>
           </a:prstGeom>
           <a:solidFill>
-            <a:srgbClr val="FF0000"/>
+            <a:srgbClr val="00B050"/>
           </a:solidFill>
           <a:ln>
             <a:solidFill>
@@ -9107,20 +9119,12 @@
           <a:p>
             <a:pPr algn="ctr"/>
             <a:r>
-              <a:rPr lang="fr-FR" sz="900" dirty="0" err="1">
-                <a:solidFill>
-                  <a:schemeClr val="tx1"/>
-                </a:solidFill>
-              </a:rPr>
-              <a:t>Rear</a:t>
-            </a:r>
-            <a:r>
               <a:rPr lang="fr-FR" sz="900" dirty="0">
                 <a:solidFill>
                   <a:schemeClr val="tx1"/>
                 </a:solidFill>
               </a:rPr>
-              <a:t> </a:t>
+              <a:t>Front </a:t>
             </a:r>
             <a:r>
               <a:rPr lang="fr-FR" sz="900" dirty="0" err="1">
@@ -9153,7 +9157,7 @@
             <a:avLst/>
           </a:prstGeom>
           <a:solidFill>
-            <a:srgbClr val="FF0000"/>
+            <a:srgbClr val="00B050"/>
           </a:solidFill>
           <a:ln>
             <a:solidFill>
@@ -9194,20 +9198,12 @@
           <a:p>
             <a:pPr algn="ctr"/>
             <a:r>
-              <a:rPr lang="fr-FR" sz="900" dirty="0" err="1">
-                <a:solidFill>
-                  <a:schemeClr val="tx1"/>
-                </a:solidFill>
-              </a:rPr>
-              <a:t>Rear</a:t>
-            </a:r>
-            <a:r>
               <a:rPr lang="fr-FR" sz="900" dirty="0">
                 <a:solidFill>
                   <a:schemeClr val="tx1"/>
                 </a:solidFill>
               </a:rPr>
-              <a:t> </a:t>
+              <a:t>Front </a:t>
             </a:r>
             <a:r>
               <a:rPr lang="fr-FR" sz="900" dirty="0" err="1">
@@ -9240,7 +9236,7 @@
             <a:avLst/>
           </a:prstGeom>
           <a:solidFill>
-            <a:srgbClr val="00B050"/>
+            <a:srgbClr val="FF0000"/>
           </a:solidFill>
           <a:ln>
             <a:solidFill>
@@ -9281,20 +9277,12 @@
           <a:p>
             <a:pPr algn="ctr"/>
             <a:r>
-              <a:rPr lang="fr-FR" sz="900" dirty="0" err="1">
-                <a:solidFill>
-                  <a:schemeClr val="tx1"/>
-                </a:solidFill>
-              </a:rPr>
-              <a:t>Rear</a:t>
-            </a:r>
-            <a:r>
               <a:rPr lang="fr-FR" sz="900" dirty="0">
                 <a:solidFill>
                   <a:schemeClr val="tx1"/>
                 </a:solidFill>
               </a:rPr>
-              <a:t> Right</a:t>
+              <a:t>Front Right</a:t>
             </a:r>
             <a:endParaRPr lang="en-GB" sz="900" dirty="0">
               <a:solidFill>
@@ -9319,7 +9307,7 @@
             <a:avLst/>
           </a:prstGeom>
           <a:solidFill>
-            <a:srgbClr val="FF0000"/>
+            <a:srgbClr val="00B050"/>
           </a:solidFill>
           <a:ln>
             <a:solidFill>
@@ -9360,12 +9348,20 @@
           <a:p>
             <a:pPr algn="ctr"/>
             <a:r>
+              <a:rPr lang="fr-FR" sz="900" dirty="0" err="1">
+                <a:solidFill>
+                  <a:schemeClr val="tx1"/>
+                </a:solidFill>
+              </a:rPr>
+              <a:t>Rear</a:t>
+            </a:r>
+            <a:r>
               <a:rPr lang="fr-FR" sz="900" dirty="0">
                 <a:solidFill>
                   <a:schemeClr val="tx1"/>
                 </a:solidFill>
               </a:rPr>
-              <a:t>Front Right</a:t>
+              <a:t> Right</a:t>
             </a:r>
             <a:endParaRPr lang="en-GB" sz="900" dirty="0">
               <a:solidFill>
@@ -9390,7 +9386,7 @@
             <a:avLst/>
           </a:prstGeom>
           <a:solidFill>
-            <a:srgbClr val="00B050"/>
+            <a:srgbClr val="FF0000"/>
           </a:solidFill>
           <a:ln>
             <a:solidFill>
@@ -9431,12 +9427,20 @@
           <a:p>
             <a:pPr algn="ctr"/>
             <a:r>
+              <a:rPr lang="fr-FR" sz="900" dirty="0" err="1">
+                <a:solidFill>
+                  <a:schemeClr val="tx1"/>
+                </a:solidFill>
+              </a:rPr>
+              <a:t>Rear</a:t>
+            </a:r>
+            <a:r>
               <a:rPr lang="fr-FR" sz="900" dirty="0">
                 <a:solidFill>
                   <a:schemeClr val="tx1"/>
                 </a:solidFill>
               </a:rPr>
-              <a:t>Front </a:t>
+              <a:t> </a:t>
             </a:r>
             <a:r>
               <a:rPr lang="fr-FR" sz="900" dirty="0" err="1">
@@ -10123,9 +10127,6 @@
             <a:pPr marL="0" indent="0">
               <a:buNone/>
             </a:pPr>
-            <a:br>
-              <a:rPr lang="fr-FR" dirty="0"/>
-            </a:br>
             <a:r>
               <a:rPr lang="da-DK" dirty="0"/>
               <a:t>For pins PCINT16-PCINT23 (PK0- PK7), PORT K</a:t>
@@ -10195,6 +10196,11 @@
               <a:rPr lang="fr-FR" dirty="0"/>
               <a:t> 2</a:t>
             </a:r>
+          </a:p>
+          <a:p>
+            <a:pPr marL="0" indent="0">
+              <a:buNone/>
+            </a:pPr>
             <a:br>
               <a:rPr lang="fr-FR" dirty="0"/>
             </a:br>
@@ -10208,12 +10214,6 @@
               <a:rPr lang="fr-FR" sz="3500" u="sng" dirty="0"/>
               <a:t>SPI</a:t>
             </a:r>
-          </a:p>
-          <a:p>
-            <a:pPr marL="0" indent="0">
-              <a:buNone/>
-            </a:pPr>
-            <a:endParaRPr lang="fr-FR" sz="3500" u="sng" dirty="0"/>
           </a:p>
           <a:p>
             <a:pPr marL="0" indent="0">
@@ -11105,14 +11105,14 @@
             <p:ph idx="1"/>
             <p:extLst>
               <p:ext uri="{D42A27DB-BD31-4B8C-83A1-F6EECF244321}">
-                <p14:modId xmlns:p14="http://schemas.microsoft.com/office/powerpoint/2010/main" val="2276910899"/>
+                <p14:modId xmlns:p14="http://schemas.microsoft.com/office/powerpoint/2010/main" val="2213072377"/>
               </p:ext>
             </p:extLst>
           </p:nvPr>
         </p:nvGraphicFramePr>
         <p:xfrm>
           <a:off x="897467" y="1464733"/>
-          <a:ext cx="10296050" cy="4074160"/>
+          <a:ext cx="9562954" cy="4074160"/>
         </p:xfrm>
         <a:graphic>
           <a:graphicData uri="http://schemas.openxmlformats.org/drawingml/2006/table">
@@ -11139,13 +11139,6 @@
                   <a:extLst>
                     <a:ext uri="{9D8B030D-6E8A-4147-A177-3AD203B41FA5}">
                       <a16:colId xmlns:a16="http://schemas.microsoft.com/office/drawing/2014/main" val="295038499"/>
-                    </a:ext>
-                  </a:extLst>
-                </a:gridCol>
-                <a:gridCol w="733096">
-                  <a:extLst>
-                    <a:ext uri="{9D8B030D-6E8A-4147-A177-3AD203B41FA5}">
-                      <a16:colId xmlns:a16="http://schemas.microsoft.com/office/drawing/2014/main" val="3592764086"/>
                     </a:ext>
                   </a:extLst>
                 </a:gridCol>
@@ -11188,16 +11181,6 @@
                         <a:rPr lang="fr-FR" dirty="0"/>
                         <a:t>Interface</a:t>
                       </a:r>
-                    </a:p>
-                  </a:txBody>
-                  <a:tcPr/>
-                </a:tc>
-                <a:tc>
-                  <a:txBody>
-                    <a:bodyPr/>
-                    <a:lstStyle/>
-                    <a:p>
-                      <a:endParaRPr lang="fr-FR" dirty="0"/>
                     </a:p>
                   </a:txBody>
                   <a:tcPr/>
@@ -11261,46 +11244,6 @@
                         <a:rPr lang="en-US" noProof="0" dirty="0"/>
                         <a:t>PPM- Interrupt PCINT16/PK0 pin A8</a:t>
                       </a:r>
-                    </a:p>
-                  </a:txBody>
-                  <a:tcPr/>
-                </a:tc>
-                <a:tc>
-                  <a:txBody>
-                    <a:bodyPr/>
-                    <a:lstStyle/>
-                    <a:p>
-                      <a:pPr marL="285750" marR="0" lvl="0" indent="-285750" algn="l" defTabSz="914400" rtl="0" eaLnBrk="1" fontAlgn="auto" latinLnBrk="0" hangingPunct="1">
-                        <a:lnSpc>
-                          <a:spcPct val="100000"/>
-                        </a:lnSpc>
-                        <a:spcBef>
-                          <a:spcPts val="0"/>
-                        </a:spcBef>
-                        <a:spcAft>
-                          <a:spcPts val="0"/>
-                        </a:spcAft>
-                        <a:buClrTx/>
-                        <a:buSzTx/>
-                        <a:buFont typeface="Wingdings" panose="05000000000000000000" pitchFamily="2" charset="2"/>
-                        <a:buChar char="ü"/>
-                        <a:tabLst/>
-                        <a:defRPr/>
-                      </a:pPr>
-                      <a:endParaRPr kumimoji="0" lang="en-US" sz="1800" b="0" i="0" u="none" strike="noStrike" kern="1200" cap="none" spc="0" normalizeH="0" baseline="0" noProof="0" dirty="0">
-                        <a:ln>
-                          <a:noFill/>
-                        </a:ln>
-                        <a:solidFill>
-                          <a:srgbClr val="00B050"/>
-                        </a:solidFill>
-                        <a:effectLst/>
-                        <a:uLnTx/>
-                        <a:uFillTx/>
-                        <a:latin typeface="Calibri" panose="020F0502020204030204"/>
-                        <a:ea typeface="+mn-ea"/>
-                        <a:cs typeface="+mn-cs"/>
-                      </a:endParaRPr>
                     </a:p>
                   </a:txBody>
                   <a:tcPr/>
@@ -11385,46 +11328,6 @@
                   </a:txBody>
                   <a:tcPr/>
                 </a:tc>
-                <a:tc>
-                  <a:txBody>
-                    <a:bodyPr/>
-                    <a:lstStyle/>
-                    <a:p>
-                      <a:pPr marL="285750" marR="0" lvl="0" indent="-285750" algn="l" defTabSz="914400" rtl="0" eaLnBrk="1" fontAlgn="auto" latinLnBrk="0" hangingPunct="1">
-                        <a:lnSpc>
-                          <a:spcPct val="100000"/>
-                        </a:lnSpc>
-                        <a:spcBef>
-                          <a:spcPts val="0"/>
-                        </a:spcBef>
-                        <a:spcAft>
-                          <a:spcPts val="0"/>
-                        </a:spcAft>
-                        <a:buClrTx/>
-                        <a:buSzTx/>
-                        <a:buFont typeface="Wingdings" panose="05000000000000000000" pitchFamily="2" charset="2"/>
-                        <a:buChar char="ü"/>
-                        <a:tabLst/>
-                        <a:defRPr/>
-                      </a:pPr>
-                      <a:endParaRPr kumimoji="0" lang="en-US" sz="1800" b="0" i="0" u="none" strike="noStrike" kern="1200" cap="none" spc="0" normalizeH="0" baseline="0" noProof="0" dirty="0">
-                        <a:ln>
-                          <a:noFill/>
-                        </a:ln>
-                        <a:solidFill>
-                          <a:srgbClr val="00B050"/>
-                        </a:solidFill>
-                        <a:effectLst/>
-                        <a:uLnTx/>
-                        <a:uFillTx/>
-                        <a:latin typeface="Calibri" panose="020F0502020204030204"/>
-                        <a:ea typeface="+mn-ea"/>
-                        <a:cs typeface="+mn-cs"/>
-                      </a:endParaRPr>
-                    </a:p>
-                  </a:txBody>
-                  <a:tcPr/>
-                </a:tc>
                 <a:extLst>
                   <a:ext uri="{0D108BD9-81ED-4DB2-BD59-A6C34878D82A}">
                     <a16:rowId xmlns:a16="http://schemas.microsoft.com/office/drawing/2014/main" val="11531206"/>
@@ -11501,46 +11404,6 @@
                         <a:rPr lang="en-US" noProof="0" dirty="0"/>
                         <a:t>PPM- Interrupt PCINT18/PK2 pin A10</a:t>
                       </a:r>
-                    </a:p>
-                  </a:txBody>
-                  <a:tcPr/>
-                </a:tc>
-                <a:tc>
-                  <a:txBody>
-                    <a:bodyPr/>
-                    <a:lstStyle/>
-                    <a:p>
-                      <a:pPr marL="285750" marR="0" lvl="0" indent="-285750" algn="l" defTabSz="914400" rtl="0" eaLnBrk="1" fontAlgn="auto" latinLnBrk="0" hangingPunct="1">
-                        <a:lnSpc>
-                          <a:spcPct val="100000"/>
-                        </a:lnSpc>
-                        <a:spcBef>
-                          <a:spcPts val="0"/>
-                        </a:spcBef>
-                        <a:spcAft>
-                          <a:spcPts val="0"/>
-                        </a:spcAft>
-                        <a:buClrTx/>
-                        <a:buSzTx/>
-                        <a:buFont typeface="Wingdings" panose="05000000000000000000" pitchFamily="2" charset="2"/>
-                        <a:buChar char="ü"/>
-                        <a:tabLst/>
-                        <a:defRPr/>
-                      </a:pPr>
-                      <a:endParaRPr kumimoji="0" lang="en-US" sz="1800" b="0" i="0" u="none" strike="noStrike" kern="1200" cap="none" spc="0" normalizeH="0" baseline="0" noProof="0" dirty="0">
-                        <a:ln>
-                          <a:noFill/>
-                        </a:ln>
-                        <a:solidFill>
-                          <a:srgbClr val="00B050"/>
-                        </a:solidFill>
-                        <a:effectLst/>
-                        <a:uLnTx/>
-                        <a:uFillTx/>
-                        <a:latin typeface="Calibri" panose="020F0502020204030204"/>
-                        <a:ea typeface="+mn-ea"/>
-                        <a:cs typeface="+mn-cs"/>
-                      </a:endParaRPr>
                     </a:p>
                   </a:txBody>
                   <a:tcPr/>
@@ -11625,46 +11488,6 @@
                   </a:txBody>
                   <a:tcPr/>
                 </a:tc>
-                <a:tc>
-                  <a:txBody>
-                    <a:bodyPr/>
-                    <a:lstStyle/>
-                    <a:p>
-                      <a:pPr marL="285750" marR="0" lvl="0" indent="-285750" algn="l" defTabSz="914400" rtl="0" eaLnBrk="1" fontAlgn="auto" latinLnBrk="0" hangingPunct="1">
-                        <a:lnSpc>
-                          <a:spcPct val="100000"/>
-                        </a:lnSpc>
-                        <a:spcBef>
-                          <a:spcPts val="0"/>
-                        </a:spcBef>
-                        <a:spcAft>
-                          <a:spcPts val="0"/>
-                        </a:spcAft>
-                        <a:buClrTx/>
-                        <a:buSzTx/>
-                        <a:buFont typeface="Wingdings" panose="05000000000000000000" pitchFamily="2" charset="2"/>
-                        <a:buChar char="ü"/>
-                        <a:tabLst/>
-                        <a:defRPr/>
-                      </a:pPr>
-                      <a:endParaRPr kumimoji="0" lang="en-US" sz="1800" b="0" i="0" u="none" strike="noStrike" kern="1200" cap="none" spc="0" normalizeH="0" baseline="0" noProof="0" dirty="0">
-                        <a:ln>
-                          <a:noFill/>
-                        </a:ln>
-                        <a:solidFill>
-                          <a:srgbClr val="00B050"/>
-                        </a:solidFill>
-                        <a:effectLst/>
-                        <a:uLnTx/>
-                        <a:uFillTx/>
-                        <a:latin typeface="Calibri" panose="020F0502020204030204"/>
-                        <a:ea typeface="+mn-ea"/>
-                        <a:cs typeface="+mn-cs"/>
-                      </a:endParaRPr>
-                    </a:p>
-                  </a:txBody>
-                  <a:tcPr/>
-                </a:tc>
                 <a:extLst>
                   <a:ext uri="{0D108BD9-81ED-4DB2-BD59-A6C34878D82A}">
                     <a16:rowId xmlns:a16="http://schemas.microsoft.com/office/drawing/2014/main" val="4031062607"/>
@@ -11741,46 +11564,6 @@
                         <a:rPr lang="en-US" noProof="0" dirty="0"/>
                         <a:t>PPM- Interrupt PCINT20/PK4 pin A12</a:t>
                       </a:r>
-                    </a:p>
-                  </a:txBody>
-                  <a:tcPr/>
-                </a:tc>
-                <a:tc>
-                  <a:txBody>
-                    <a:bodyPr/>
-                    <a:lstStyle/>
-                    <a:p>
-                      <a:pPr marL="285750" marR="0" lvl="0" indent="-285750" algn="l" defTabSz="914400" rtl="0" eaLnBrk="1" fontAlgn="auto" latinLnBrk="0" hangingPunct="1">
-                        <a:lnSpc>
-                          <a:spcPct val="100000"/>
-                        </a:lnSpc>
-                        <a:spcBef>
-                          <a:spcPts val="0"/>
-                        </a:spcBef>
-                        <a:spcAft>
-                          <a:spcPts val="0"/>
-                        </a:spcAft>
-                        <a:buClrTx/>
-                        <a:buSzTx/>
-                        <a:buFont typeface="Wingdings" panose="05000000000000000000" pitchFamily="2" charset="2"/>
-                        <a:buChar char="ü"/>
-                        <a:tabLst/>
-                        <a:defRPr/>
-                      </a:pPr>
-                      <a:endParaRPr kumimoji="0" lang="en-US" sz="1800" b="0" i="0" u="none" strike="noStrike" kern="1200" cap="none" spc="0" normalizeH="0" baseline="0" noProof="0" dirty="0">
-                        <a:ln>
-                          <a:noFill/>
-                        </a:ln>
-                        <a:solidFill>
-                          <a:srgbClr val="00B050"/>
-                        </a:solidFill>
-                        <a:effectLst/>
-                        <a:uLnTx/>
-                        <a:uFillTx/>
-                        <a:latin typeface="+mn-lt"/>
-                        <a:ea typeface="+mn-ea"/>
-                        <a:cs typeface="+mn-cs"/>
-                      </a:endParaRPr>
                     </a:p>
                   </a:txBody>
                   <a:tcPr/>
@@ -11865,46 +11648,6 @@
                   </a:txBody>
                   <a:tcPr/>
                 </a:tc>
-                <a:tc>
-                  <a:txBody>
-                    <a:bodyPr/>
-                    <a:lstStyle/>
-                    <a:p>
-                      <a:pPr marL="285750" marR="0" lvl="0" indent="-285750" algn="l" defTabSz="914400" rtl="0" eaLnBrk="1" fontAlgn="auto" latinLnBrk="0" hangingPunct="1">
-                        <a:lnSpc>
-                          <a:spcPct val="100000"/>
-                        </a:lnSpc>
-                        <a:spcBef>
-                          <a:spcPts val="0"/>
-                        </a:spcBef>
-                        <a:spcAft>
-                          <a:spcPts val="0"/>
-                        </a:spcAft>
-                        <a:buClrTx/>
-                        <a:buSzTx/>
-                        <a:buFont typeface="Wingdings" panose="05000000000000000000" pitchFamily="2" charset="2"/>
-                        <a:buChar char="ü"/>
-                        <a:tabLst/>
-                        <a:defRPr/>
-                      </a:pPr>
-                      <a:endParaRPr kumimoji="0" lang="en-US" sz="1800" b="0" i="0" u="none" strike="noStrike" kern="1200" cap="none" spc="0" normalizeH="0" baseline="0" noProof="0" dirty="0">
-                        <a:ln>
-                          <a:noFill/>
-                        </a:ln>
-                        <a:solidFill>
-                          <a:srgbClr val="00B050"/>
-                        </a:solidFill>
-                        <a:effectLst/>
-                        <a:uLnTx/>
-                        <a:uFillTx/>
-                        <a:latin typeface="+mn-lt"/>
-                        <a:ea typeface="+mn-ea"/>
-                        <a:cs typeface="+mn-cs"/>
-                      </a:endParaRPr>
-                    </a:p>
-                  </a:txBody>
-                  <a:tcPr/>
-                </a:tc>
                 <a:extLst>
                   <a:ext uri="{0D108BD9-81ED-4DB2-BD59-A6C34878D82A}">
                     <a16:rowId xmlns:a16="http://schemas.microsoft.com/office/drawing/2014/main" val="3452581991"/>
@@ -11976,48 +11719,8 @@
                       </a:pPr>
                       <a:r>
                         <a:rPr lang="en-US" noProof="0" dirty="0"/>
-                        <a:t>PWM pin 3</a:t>
+                        <a:t>PWM pin 5 Timer 3*</a:t>
                       </a:r>
-                    </a:p>
-                  </a:txBody>
-                  <a:tcPr/>
-                </a:tc>
-                <a:tc>
-                  <a:txBody>
-                    <a:bodyPr/>
-                    <a:lstStyle/>
-                    <a:p>
-                      <a:pPr marL="285750" marR="0" lvl="0" indent="-285750" algn="l" defTabSz="914400" rtl="0" eaLnBrk="1" fontAlgn="auto" latinLnBrk="0" hangingPunct="1">
-                        <a:lnSpc>
-                          <a:spcPct val="100000"/>
-                        </a:lnSpc>
-                        <a:spcBef>
-                          <a:spcPts val="0"/>
-                        </a:spcBef>
-                        <a:spcAft>
-                          <a:spcPts val="0"/>
-                        </a:spcAft>
-                        <a:buClrTx/>
-                        <a:buSzTx/>
-                        <a:buFont typeface="Wingdings" panose="05000000000000000000" pitchFamily="2" charset="2"/>
-                        <a:buChar char="ü"/>
-                        <a:tabLst/>
-                        <a:defRPr/>
-                      </a:pPr>
-                      <a:endParaRPr kumimoji="0" lang="en-US" sz="1800" b="0" i="0" u="none" strike="noStrike" kern="1200" cap="none" spc="0" normalizeH="0" baseline="0" noProof="0" dirty="0">
-                        <a:ln>
-                          <a:noFill/>
-                        </a:ln>
-                        <a:solidFill>
-                          <a:srgbClr val="00B050"/>
-                        </a:solidFill>
-                        <a:effectLst/>
-                        <a:uLnTx/>
-                        <a:uFillTx/>
-                        <a:latin typeface="+mn-lt"/>
-                        <a:ea typeface="+mn-ea"/>
-                        <a:cs typeface="+mn-cs"/>
-                      </a:endParaRPr>
                     </a:p>
                   </a:txBody>
                   <a:tcPr/>
@@ -12139,49 +11842,13 @@
                       </a:r>
                       <a:r>
                         <a:rPr lang="en-US" baseline="0" noProof="0" dirty="0"/>
-                        <a:t> 4</a:t>
+                        <a:t> 6 </a:t>
+                      </a:r>
+                      <a:r>
+                        <a:rPr lang="en-US" noProof="0" dirty="0"/>
+                        <a:t>Timer 4</a:t>
                       </a:r>
                       <a:endParaRPr lang="fr-FR" dirty="0"/>
-                    </a:p>
-                  </a:txBody>
-                  <a:tcPr/>
-                </a:tc>
-                <a:tc>
-                  <a:txBody>
-                    <a:bodyPr/>
-                    <a:lstStyle/>
-                    <a:p>
-                      <a:pPr marL="285750" marR="0" lvl="0" indent="-285750" algn="l" defTabSz="914400" rtl="0" eaLnBrk="1" fontAlgn="auto" latinLnBrk="0" hangingPunct="1">
-                        <a:lnSpc>
-                          <a:spcPct val="100000"/>
-                        </a:lnSpc>
-                        <a:spcBef>
-                          <a:spcPts val="0"/>
-                        </a:spcBef>
-                        <a:spcAft>
-                          <a:spcPts val="0"/>
-                        </a:spcAft>
-                        <a:buClrTx/>
-                        <a:buSzTx/>
-                        <a:buFont typeface="Wingdings" panose="05000000000000000000" pitchFamily="2" charset="2"/>
-                        <a:buChar char="ü"/>
-                        <a:tabLst/>
-                        <a:defRPr/>
-                      </a:pPr>
-                      <a:endParaRPr kumimoji="0" lang="en-US" sz="1800" b="0" i="0" u="none" strike="noStrike" kern="1200" cap="none" spc="0" normalizeH="0" baseline="0" noProof="0" dirty="0">
-                        <a:ln>
-                          <a:noFill/>
-                        </a:ln>
-                        <a:solidFill>
-                          <a:srgbClr val="00B050"/>
-                        </a:solidFill>
-                        <a:effectLst/>
-                        <a:uLnTx/>
-                        <a:uFillTx/>
-                        <a:latin typeface="+mn-lt"/>
-                        <a:ea typeface="+mn-ea"/>
-                        <a:cs typeface="+mn-cs"/>
-                      </a:endParaRPr>
                     </a:p>
                   </a:txBody>
                   <a:tcPr/>
@@ -12299,49 +11966,9 @@
                       </a:pPr>
                       <a:r>
                         <a:rPr lang="en-US" noProof="0" dirty="0"/>
-                        <a:t>PWM pin 5</a:t>
+                        <a:t>PWM pin 7 Timer 4</a:t>
                       </a:r>
                       <a:endParaRPr lang="fr-FR" dirty="0"/>
-                    </a:p>
-                  </a:txBody>
-                  <a:tcPr/>
-                </a:tc>
-                <a:tc>
-                  <a:txBody>
-                    <a:bodyPr/>
-                    <a:lstStyle/>
-                    <a:p>
-                      <a:pPr marL="285750" marR="0" lvl="0" indent="-285750" algn="l" defTabSz="914400" rtl="0" eaLnBrk="1" fontAlgn="auto" latinLnBrk="0" hangingPunct="1">
-                        <a:lnSpc>
-                          <a:spcPct val="100000"/>
-                        </a:lnSpc>
-                        <a:spcBef>
-                          <a:spcPts val="0"/>
-                        </a:spcBef>
-                        <a:spcAft>
-                          <a:spcPts val="0"/>
-                        </a:spcAft>
-                        <a:buClrTx/>
-                        <a:buSzTx/>
-                        <a:buFont typeface="Wingdings" panose="05000000000000000000" pitchFamily="2" charset="2"/>
-                        <a:buChar char="ü"/>
-                        <a:tabLst/>
-                        <a:defRPr/>
-                      </a:pPr>
-                      <a:endParaRPr kumimoji="0" lang="en-US" sz="1800" b="0" i="0" u="none" strike="noStrike" kern="1200" cap="none" spc="0" normalizeH="0" baseline="0" noProof="0" dirty="0">
-                        <a:ln>
-                          <a:noFill/>
-                        </a:ln>
-                        <a:solidFill>
-                          <a:srgbClr val="00B050"/>
-                        </a:solidFill>
-                        <a:effectLst/>
-                        <a:uLnTx/>
-                        <a:uFillTx/>
-                        <a:latin typeface="+mn-lt"/>
-                        <a:ea typeface="+mn-ea"/>
-                        <a:cs typeface="+mn-cs"/>
-                      </a:endParaRPr>
                     </a:p>
                   </a:txBody>
                   <a:tcPr/>
@@ -12459,49 +12086,9 @@
                       </a:pPr>
                       <a:r>
                         <a:rPr lang="en-US" noProof="0" dirty="0"/>
-                        <a:t>PWM pin 6</a:t>
+                        <a:t>PWM pin 8 Timer 4</a:t>
                       </a:r>
                       <a:endParaRPr lang="fr-FR" dirty="0"/>
-                    </a:p>
-                  </a:txBody>
-                  <a:tcPr/>
-                </a:tc>
-                <a:tc>
-                  <a:txBody>
-                    <a:bodyPr/>
-                    <a:lstStyle/>
-                    <a:p>
-                      <a:pPr marL="0" marR="0" lvl="0" indent="0" algn="l" defTabSz="914400" rtl="0" eaLnBrk="1" fontAlgn="auto" latinLnBrk="0" hangingPunct="1">
-                        <a:lnSpc>
-                          <a:spcPct val="100000"/>
-                        </a:lnSpc>
-                        <a:spcBef>
-                          <a:spcPts val="0"/>
-                        </a:spcBef>
-                        <a:spcAft>
-                          <a:spcPts val="0"/>
-                        </a:spcAft>
-                        <a:buClrTx/>
-                        <a:buSzTx/>
-                        <a:buFont typeface="Wingdings" panose="05000000000000000000" pitchFamily="2" charset="2"/>
-                        <a:buNone/>
-                        <a:tabLst/>
-                        <a:defRPr/>
-                      </a:pPr>
-                      <a:endParaRPr kumimoji="0" lang="en-US" sz="1800" b="0" i="0" u="none" strike="noStrike" kern="1200" cap="none" spc="0" normalizeH="0" baseline="0" noProof="0" dirty="0">
-                        <a:ln>
-                          <a:noFill/>
-                        </a:ln>
-                        <a:solidFill>
-                          <a:srgbClr val="00B050"/>
-                        </a:solidFill>
-                        <a:effectLst/>
-                        <a:uLnTx/>
-                        <a:uFillTx/>
-                        <a:latin typeface="+mn-lt"/>
-                        <a:ea typeface="+mn-ea"/>
-                        <a:cs typeface="+mn-cs"/>
-                      </a:endParaRPr>
                     </a:p>
                   </a:txBody>
                   <a:tcPr/>
@@ -12516,6 +12103,49 @@
           </a:graphicData>
         </a:graphic>
       </p:graphicFrame>
+      <p:sp>
+        <p:nvSpPr>
+          <p:cNvPr id="3" name="ZoneTexte 2">
+            <a:extLst>
+              <a:ext uri="{FF2B5EF4-FFF2-40B4-BE49-F238E27FC236}">
+                <a16:creationId xmlns:a16="http://schemas.microsoft.com/office/drawing/2014/main" id="{AB3E04CB-0F5A-4DF6-B967-A7A48EA9B462}"/>
+              </a:ext>
+            </a:extLst>
+          </p:cNvPr>
+          <p:cNvSpPr txBox="1"/>
+          <p:nvPr/>
+        </p:nvSpPr>
+        <p:spPr>
+          <a:xfrm flipH="1">
+            <a:off x="1339498" y="6108970"/>
+            <a:ext cx="9253923" cy="369332"/>
+          </a:xfrm>
+          <a:prstGeom prst="rect">
+            <a:avLst/>
+          </a:prstGeom>
+          <a:noFill/>
+        </p:spPr>
+        <p:txBody>
+          <a:bodyPr wrap="square" rtlCol="0">
+            <a:spAutoFit/>
+          </a:bodyPr>
+          <a:lstStyle/>
+          <a:p>
+            <a:r>
+              <a:rPr lang="en-US" dirty="0"/>
+              <a:t>*Not use pin 4 as linked to Timer 0 which is already use for </a:t>
+            </a:r>
+            <a:r>
+              <a:rPr lang="en-US" dirty="0" err="1"/>
+              <a:t>millis</a:t>
+            </a:r>
+            <a:r>
+              <a:rPr lang="en-US" dirty="0"/>
+              <a:t>()</a:t>
+            </a:r>
+          </a:p>
+        </p:txBody>
+      </p:sp>
     </p:spTree>
     <p:extLst>
       <p:ext uri="{BB962C8B-B14F-4D97-AF65-F5344CB8AC3E}">

--- a/libraries/Diagramm Drone.pptx
+++ b/libraries/Diagramm Drone.pptx
@@ -292,7 +292,7 @@
           <a:p>
             <a:fld id="{0717AEF8-1597-4679-8926-916E82E12B07}" type="datetimeFigureOut">
               <a:rPr lang="fr-FR" smtClean="0"/>
-              <a:t>25/03/2019</a:t>
+              <a:t>26/03/2019</a:t>
             </a:fld>
             <a:endParaRPr lang="fr-FR"/>
           </a:p>
@@ -490,7 +490,7 @@
           <a:p>
             <a:fld id="{0717AEF8-1597-4679-8926-916E82E12B07}" type="datetimeFigureOut">
               <a:rPr lang="fr-FR" smtClean="0"/>
-              <a:t>25/03/2019</a:t>
+              <a:t>26/03/2019</a:t>
             </a:fld>
             <a:endParaRPr lang="fr-FR"/>
           </a:p>
@@ -698,7 +698,7 @@
           <a:p>
             <a:fld id="{0717AEF8-1597-4679-8926-916E82E12B07}" type="datetimeFigureOut">
               <a:rPr lang="fr-FR" smtClean="0"/>
-              <a:t>25/03/2019</a:t>
+              <a:t>26/03/2019</a:t>
             </a:fld>
             <a:endParaRPr lang="fr-FR"/>
           </a:p>
@@ -896,7 +896,7 @@
           <a:p>
             <a:fld id="{0717AEF8-1597-4679-8926-916E82E12B07}" type="datetimeFigureOut">
               <a:rPr lang="fr-FR" smtClean="0"/>
-              <a:t>25/03/2019</a:t>
+              <a:t>26/03/2019</a:t>
             </a:fld>
             <a:endParaRPr lang="fr-FR"/>
           </a:p>
@@ -1171,7 +1171,7 @@
           <a:p>
             <a:fld id="{0717AEF8-1597-4679-8926-916E82E12B07}" type="datetimeFigureOut">
               <a:rPr lang="fr-FR" smtClean="0"/>
-              <a:t>25/03/2019</a:t>
+              <a:t>26/03/2019</a:t>
             </a:fld>
             <a:endParaRPr lang="fr-FR"/>
           </a:p>
@@ -1436,7 +1436,7 @@
           <a:p>
             <a:fld id="{0717AEF8-1597-4679-8926-916E82E12B07}" type="datetimeFigureOut">
               <a:rPr lang="fr-FR" smtClean="0"/>
-              <a:t>25/03/2019</a:t>
+              <a:t>26/03/2019</a:t>
             </a:fld>
             <a:endParaRPr lang="fr-FR"/>
           </a:p>
@@ -1848,7 +1848,7 @@
           <a:p>
             <a:fld id="{0717AEF8-1597-4679-8926-916E82E12B07}" type="datetimeFigureOut">
               <a:rPr lang="fr-FR" smtClean="0"/>
-              <a:t>25/03/2019</a:t>
+              <a:t>26/03/2019</a:t>
             </a:fld>
             <a:endParaRPr lang="fr-FR"/>
           </a:p>
@@ -1989,7 +1989,7 @@
           <a:p>
             <a:fld id="{0717AEF8-1597-4679-8926-916E82E12B07}" type="datetimeFigureOut">
               <a:rPr lang="fr-FR" smtClean="0"/>
-              <a:t>25/03/2019</a:t>
+              <a:t>26/03/2019</a:t>
             </a:fld>
             <a:endParaRPr lang="fr-FR"/>
           </a:p>
@@ -2102,7 +2102,7 @@
           <a:p>
             <a:fld id="{0717AEF8-1597-4679-8926-916E82E12B07}" type="datetimeFigureOut">
               <a:rPr lang="fr-FR" smtClean="0"/>
-              <a:t>25/03/2019</a:t>
+              <a:t>26/03/2019</a:t>
             </a:fld>
             <a:endParaRPr lang="fr-FR"/>
           </a:p>
@@ -2413,7 +2413,7 @@
           <a:p>
             <a:fld id="{0717AEF8-1597-4679-8926-916E82E12B07}" type="datetimeFigureOut">
               <a:rPr lang="fr-FR" smtClean="0"/>
-              <a:t>25/03/2019</a:t>
+              <a:t>26/03/2019</a:t>
             </a:fld>
             <a:endParaRPr lang="fr-FR"/>
           </a:p>
@@ -2701,7 +2701,7 @@
           <a:p>
             <a:fld id="{0717AEF8-1597-4679-8926-916E82E12B07}" type="datetimeFigureOut">
               <a:rPr lang="fr-FR" smtClean="0"/>
-              <a:t>25/03/2019</a:t>
+              <a:t>26/03/2019</a:t>
             </a:fld>
             <a:endParaRPr lang="fr-FR"/>
           </a:p>
@@ -2942,7 +2942,7 @@
           <a:p>
             <a:fld id="{0717AEF8-1597-4679-8926-916E82E12B07}" type="datetimeFigureOut">
               <a:rPr lang="fr-FR" smtClean="0"/>
-              <a:t>25/03/2019</a:t>
+              <a:t>26/03/2019</a:t>
             </a:fld>
             <a:endParaRPr lang="fr-FR"/>
           </a:p>
@@ -10730,7 +10730,7 @@
         <p:spPr>
           <a:xfrm>
             <a:off x="6633100" y="3570654"/>
-            <a:ext cx="934936" cy="369332"/>
+            <a:ext cx="1390189" cy="923330"/>
           </a:xfrm>
           <a:prstGeom prst="rect">
             <a:avLst/>
@@ -10748,6 +10748,18 @@
               <a:t>+90 Roll</a:t>
             </a:r>
           </a:p>
+          <a:p>
+            <a:r>
+              <a:rPr lang="en-US" dirty="0"/>
+              <a:t>+ Front Right</a:t>
+            </a:r>
+          </a:p>
+          <a:p>
+            <a:r>
+              <a:rPr lang="en-US" dirty="0"/>
+              <a:t>+ Rear Right</a:t>
+            </a:r>
+          </a:p>
         </p:txBody>
       </p:sp>
       <p:sp>
@@ -10765,7 +10777,7 @@
         <p:spPr>
           <a:xfrm>
             <a:off x="10947953" y="3500995"/>
-            <a:ext cx="890052" cy="369332"/>
+            <a:ext cx="1212320" cy="923330"/>
           </a:xfrm>
           <a:prstGeom prst="rect">
             <a:avLst/>
@@ -10783,6 +10795,18 @@
               <a:t>-90 Roll</a:t>
             </a:r>
           </a:p>
+          <a:p>
+            <a:r>
+              <a:rPr lang="en-US" dirty="0"/>
+              <a:t>+Front Left</a:t>
+            </a:r>
+          </a:p>
+          <a:p>
+            <a:r>
+              <a:rPr lang="en-US" dirty="0"/>
+              <a:t>+ Rear Left</a:t>
+            </a:r>
+          </a:p>
         </p:txBody>
       </p:sp>
       <p:sp>
@@ -10870,7 +10894,7 @@
         <p:spPr>
           <a:xfrm>
             <a:off x="2856818" y="5862849"/>
-            <a:ext cx="1007392" cy="369332"/>
+            <a:ext cx="1263744" cy="923330"/>
           </a:xfrm>
           <a:prstGeom prst="rect">
             <a:avLst/>
@@ -10888,6 +10912,18 @@
               <a:t>-90 Pitch</a:t>
             </a:r>
           </a:p>
+          <a:p>
+            <a:r>
+              <a:rPr lang="en-US" dirty="0"/>
+              <a:t>+Rear Right</a:t>
+            </a:r>
+          </a:p>
+          <a:p>
+            <a:r>
+              <a:rPr lang="en-US" dirty="0"/>
+              <a:t>+ Rear Left</a:t>
+            </a:r>
+          </a:p>
         </p:txBody>
       </p:sp>
       <p:sp>
@@ -10905,7 +10941,7 @@
         <p:spPr>
           <a:xfrm>
             <a:off x="2798326" y="1162623"/>
-            <a:ext cx="1052276" cy="369332"/>
+            <a:ext cx="1390189" cy="1200329"/>
           </a:xfrm>
           <a:prstGeom prst="rect">
             <a:avLst/>
@@ -10923,6 +10959,21 @@
               <a:t>+90 Pitch</a:t>
             </a:r>
           </a:p>
+          <a:p>
+            <a:r>
+              <a:rPr lang="en-US" dirty="0"/>
+              <a:t>+ Front Left</a:t>
+            </a:r>
+          </a:p>
+          <a:p>
+            <a:r>
+              <a:rPr lang="en-US" dirty="0"/>
+              <a:t>+ Front Right</a:t>
+            </a:r>
+          </a:p>
+          <a:p>
+            <a:endParaRPr lang="en-US" dirty="0"/>
+          </a:p>
         </p:txBody>
       </p:sp>
       <p:sp>
@@ -11023,8 +11074,8 @@
         </p:blipFill>
         <p:spPr>
           <a:xfrm>
-            <a:off x="3929059" y="882237"/>
-            <a:ext cx="4541520" cy="2580925"/>
+            <a:off x="4218914" y="882237"/>
+            <a:ext cx="4109622" cy="2580925"/>
           </a:xfrm>
           <a:prstGeom prst="rect">
             <a:avLst/>
@@ -15669,7 +15720,7 @@
         <p:spPr/>
         <p:txBody>
           <a:bodyPr>
-            <a:normAutofit fontScale="92500" lnSpcReduction="20000"/>
+            <a:normAutofit fontScale="55000" lnSpcReduction="20000"/>
           </a:bodyPr>
           <a:lstStyle/>
           <a:p>
@@ -15741,6 +15792,85 @@
             <a:r>
               <a:rPr lang="en-US" dirty="0"/>
               <a:t> - Counter clockwise, speed Front Right &amp; Rear Left, slow Front Left &amp; Rear Right</a:t>
+            </a:r>
+          </a:p>
+          <a:p>
+            <a:pPr lvl="1"/>
+            <a:endParaRPr lang="en-US" dirty="0"/>
+          </a:p>
+          <a:p>
+            <a:r>
+              <a:rPr lang="en-US" dirty="0"/>
+              <a:t>Mix result. </a:t>
+            </a:r>
+          </a:p>
+          <a:p>
+            <a:pPr marL="457200" lvl="1" indent="0">
+              <a:buNone/>
+            </a:pPr>
+            <a:r>
+              <a:rPr lang="en-US" dirty="0"/>
+              <a:t>#define PIDMIX(X,Y,Z) </a:t>
+            </a:r>
+            <a:r>
+              <a:rPr lang="en-US" dirty="0" err="1"/>
+              <a:t>ESC_command</a:t>
+            </a:r>
+            <a:r>
+              <a:rPr lang="en-US" dirty="0"/>
+              <a:t>[ROLL]*X + </a:t>
+            </a:r>
+            <a:r>
+              <a:rPr lang="en-US" dirty="0" err="1"/>
+              <a:t>ESC_command</a:t>
+            </a:r>
+            <a:r>
+              <a:rPr lang="en-US" dirty="0"/>
+              <a:t>[PITCH]*Y + </a:t>
+            </a:r>
+            <a:r>
+              <a:rPr lang="en-US" dirty="0" err="1"/>
+              <a:t>ESC_command</a:t>
+            </a:r>
+            <a:r>
+              <a:rPr lang="en-US" dirty="0"/>
+              <a:t>[YAW</a:t>
+            </a:r>
+          </a:p>
+          <a:p>
+            <a:pPr marL="457200" lvl="1" indent="0">
+              <a:buNone/>
+            </a:pPr>
+            <a:r>
+              <a:rPr lang="en-US" dirty="0"/>
+              <a:t>motor[0] = PIDMIX(-1,+1,+1); //Front Left</a:t>
+            </a:r>
+          </a:p>
+          <a:p>
+            <a:pPr marL="457200" lvl="1" indent="0">
+              <a:buNone/>
+            </a:pPr>
+            <a:r>
+              <a:rPr lang="en-US" dirty="0"/>
+              <a:t>motor[1] = PIDMIX(+1,+1,-1); //Front Right</a:t>
+            </a:r>
+          </a:p>
+          <a:p>
+            <a:pPr marL="457200" lvl="1" indent="0">
+              <a:buNone/>
+            </a:pPr>
+            <a:r>
+              <a:rPr lang="en-US" dirty="0"/>
+              <a:t>motor[2] = PIDMIX(+1,-1,+1); //Rear Right</a:t>
+            </a:r>
+          </a:p>
+          <a:p>
+            <a:pPr marL="457200" lvl="1" indent="0">
+              <a:buNone/>
+            </a:pPr>
+            <a:r>
+              <a:rPr lang="en-US" dirty="0"/>
+              <a:t>motor[3] = PIDMIX(-1,-1,-1); //Rear Left</a:t>
             </a:r>
           </a:p>
           <a:p>

--- a/libraries/Diagramm Drone.pptx
+++ b/libraries/Diagramm Drone.pptx
@@ -12271,7 +12271,7 @@
             <p:ph idx="1"/>
             <p:extLst>
               <p:ext uri="{D42A27DB-BD31-4B8C-83A1-F6EECF244321}">
-                <p14:modId xmlns:p14="http://schemas.microsoft.com/office/powerpoint/2010/main" val="637914189"/>
+                <p14:modId xmlns:p14="http://schemas.microsoft.com/office/powerpoint/2010/main" val="592755495"/>
               </p:ext>
             </p:extLst>
           </p:nvPr>
@@ -12684,7 +12684,14 @@
                     <a:bodyPr/>
                     <a:lstStyle/>
                     <a:p>
-                      <a:endParaRPr lang="en-US" noProof="0"/>
+                      <a:r>
+                        <a:rPr lang="en-US" noProof="0"/>
+                        <a:t>MEGA2560 built in </a:t>
+                      </a:r>
+                      <a:r>
+                        <a:rPr lang="en-US" noProof="0" dirty="0"/>
+                        <a:t>Led</a:t>
+                      </a:r>
                     </a:p>
                   </a:txBody>
                   <a:tcPr/>
@@ -12694,7 +12701,10 @@
                     <a:bodyPr/>
                     <a:lstStyle/>
                     <a:p>
-                      <a:endParaRPr lang="en-US" noProof="0" dirty="0"/>
+                      <a:r>
+                        <a:rPr lang="en-US" noProof="0" dirty="0"/>
+                        <a:t>Monitor</a:t>
+                      </a:r>
                     </a:p>
                   </a:txBody>
                   <a:tcPr/>
@@ -12721,7 +12731,10 @@
                         <a:tabLst/>
                         <a:defRPr/>
                       </a:pPr>
-                      <a:endParaRPr lang="en-US" noProof="0" dirty="0"/>
+                      <a:r>
+                        <a:rPr lang="en-US" noProof="0" dirty="0"/>
+                        <a:t>Digital pin 13</a:t>
+                      </a:r>
                     </a:p>
                   </a:txBody>
                   <a:tcPr/>

--- a/libraries/Diagramm Drone.pptx
+++ b/libraries/Diagramm Drone.pptx
@@ -14842,8 +14842,8 @@
         </p:nvSpPr>
         <p:spPr>
           <a:xfrm>
-            <a:off x="2911152" y="2150228"/>
-            <a:ext cx="1096903" cy="369332"/>
+            <a:off x="2263079" y="2150228"/>
+            <a:ext cx="2367251" cy="1200329"/>
           </a:xfrm>
           <a:prstGeom prst="rect">
             <a:avLst/>
@@ -14856,10 +14856,29 @@
           </a:bodyPr>
           <a:lstStyle/>
           <a:p>
+            <a:pPr algn="ctr"/>
             <a:r>
               <a:rPr lang="en-US" dirty="0"/>
               <a:t>Front Left</a:t>
             </a:r>
+          </a:p>
+          <a:p>
+            <a:pPr algn="ctr"/>
+            <a:r>
+              <a:rPr lang="en-US" dirty="0"/>
+              <a:t>CW</a:t>
+            </a:r>
+          </a:p>
+          <a:p>
+            <a:pPr algn="ctr"/>
+            <a:r>
+              <a:rPr lang="en-US" dirty="0"/>
+              <a:t>Propeller Reverse black</a:t>
+            </a:r>
+          </a:p>
+          <a:p>
+            <a:pPr algn="ctr"/>
+            <a:endParaRPr lang="en-US" dirty="0"/>
           </a:p>
         </p:txBody>
       </p:sp>
@@ -14878,7 +14897,7 @@
         <p:spPr>
           <a:xfrm>
             <a:off x="2749429" y="5420853"/>
-            <a:ext cx="1023357" cy="369332"/>
+            <a:ext cx="1639231" cy="923330"/>
           </a:xfrm>
           <a:prstGeom prst="rect">
             <a:avLst/>
@@ -14891,9 +14910,24 @@
           </a:bodyPr>
           <a:lstStyle/>
           <a:p>
+            <a:pPr algn="ctr"/>
             <a:r>
               <a:rPr lang="en-US" dirty="0"/>
               <a:t>Rear Left</a:t>
+            </a:r>
+          </a:p>
+          <a:p>
+            <a:pPr algn="ctr"/>
+            <a:r>
+              <a:rPr lang="en-US" dirty="0"/>
+              <a:t>CCW</a:t>
+            </a:r>
+          </a:p>
+          <a:p>
+            <a:pPr algn="ctr"/>
+            <a:r>
+              <a:rPr lang="en-US" dirty="0"/>
+              <a:t>Propeller green</a:t>
             </a:r>
           </a:p>
         </p:txBody>
@@ -14912,8 +14946,8 @@
         </p:nvSpPr>
         <p:spPr>
           <a:xfrm>
-            <a:off x="8341115" y="2150228"/>
-            <a:ext cx="1221873" cy="369332"/>
+            <a:off x="7968252" y="2150228"/>
+            <a:ext cx="1631858" cy="923330"/>
           </a:xfrm>
           <a:prstGeom prst="rect">
             <a:avLst/>
@@ -14926,9 +14960,24 @@
           </a:bodyPr>
           <a:lstStyle/>
           <a:p>
+            <a:pPr algn="ctr"/>
             <a:r>
               <a:rPr lang="en-US" dirty="0"/>
               <a:t>Front Right</a:t>
+            </a:r>
+          </a:p>
+          <a:p>
+            <a:pPr algn="ctr"/>
+            <a:r>
+              <a:rPr lang="en-US" dirty="0"/>
+              <a:t>CCW</a:t>
+            </a:r>
+          </a:p>
+          <a:p>
+            <a:pPr algn="ctr"/>
+            <a:r>
+              <a:rPr lang="en-US" dirty="0"/>
+              <a:t>Propeller green</a:t>
             </a:r>
           </a:p>
         </p:txBody>
@@ -14947,8 +14996,8 @@
         </p:nvSpPr>
         <p:spPr>
           <a:xfrm>
-            <a:off x="8214878" y="5420853"/>
-            <a:ext cx="1148328" cy="369332"/>
+            <a:off x="7602321" y="5420853"/>
+            <a:ext cx="2367251" cy="923330"/>
           </a:xfrm>
           <a:prstGeom prst="rect">
             <a:avLst/>
@@ -14961,9 +15010,24 @@
           </a:bodyPr>
           <a:lstStyle/>
           <a:p>
+            <a:pPr algn="ctr"/>
             <a:r>
               <a:rPr lang="en-US" dirty="0"/>
               <a:t>Rear Right</a:t>
+            </a:r>
+          </a:p>
+          <a:p>
+            <a:pPr algn="ctr"/>
+            <a:r>
+              <a:rPr lang="en-US" dirty="0"/>
+              <a:t>CW</a:t>
+            </a:r>
+          </a:p>
+          <a:p>
+            <a:pPr algn="ctr"/>
+            <a:r>
+              <a:rPr lang="en-US" dirty="0"/>
+              <a:t>Propeller Reverse black</a:t>
             </a:r>
           </a:p>
         </p:txBody>

--- a/libraries/Diagramm Drone.pptx
+++ b/libraries/Diagramm Drone.pptx
@@ -292,7 +292,7 @@
           <a:p>
             <a:fld id="{0717AEF8-1597-4679-8926-916E82E12B07}" type="datetimeFigureOut">
               <a:rPr lang="fr-FR" smtClean="0"/>
-              <a:t>26/03/2019</a:t>
+              <a:t>06/04/2019</a:t>
             </a:fld>
             <a:endParaRPr lang="fr-FR"/>
           </a:p>
@@ -490,7 +490,7 @@
           <a:p>
             <a:fld id="{0717AEF8-1597-4679-8926-916E82E12B07}" type="datetimeFigureOut">
               <a:rPr lang="fr-FR" smtClean="0"/>
-              <a:t>26/03/2019</a:t>
+              <a:t>06/04/2019</a:t>
             </a:fld>
             <a:endParaRPr lang="fr-FR"/>
           </a:p>
@@ -698,7 +698,7 @@
           <a:p>
             <a:fld id="{0717AEF8-1597-4679-8926-916E82E12B07}" type="datetimeFigureOut">
               <a:rPr lang="fr-FR" smtClean="0"/>
-              <a:t>26/03/2019</a:t>
+              <a:t>06/04/2019</a:t>
             </a:fld>
             <a:endParaRPr lang="fr-FR"/>
           </a:p>
@@ -896,7 +896,7 @@
           <a:p>
             <a:fld id="{0717AEF8-1597-4679-8926-916E82E12B07}" type="datetimeFigureOut">
               <a:rPr lang="fr-FR" smtClean="0"/>
-              <a:t>26/03/2019</a:t>
+              <a:t>06/04/2019</a:t>
             </a:fld>
             <a:endParaRPr lang="fr-FR"/>
           </a:p>
@@ -1171,7 +1171,7 @@
           <a:p>
             <a:fld id="{0717AEF8-1597-4679-8926-916E82E12B07}" type="datetimeFigureOut">
               <a:rPr lang="fr-FR" smtClean="0"/>
-              <a:t>26/03/2019</a:t>
+              <a:t>06/04/2019</a:t>
             </a:fld>
             <a:endParaRPr lang="fr-FR"/>
           </a:p>
@@ -1436,7 +1436,7 @@
           <a:p>
             <a:fld id="{0717AEF8-1597-4679-8926-916E82E12B07}" type="datetimeFigureOut">
               <a:rPr lang="fr-FR" smtClean="0"/>
-              <a:t>26/03/2019</a:t>
+              <a:t>06/04/2019</a:t>
             </a:fld>
             <a:endParaRPr lang="fr-FR"/>
           </a:p>
@@ -1848,7 +1848,7 @@
           <a:p>
             <a:fld id="{0717AEF8-1597-4679-8926-916E82E12B07}" type="datetimeFigureOut">
               <a:rPr lang="fr-FR" smtClean="0"/>
-              <a:t>26/03/2019</a:t>
+              <a:t>06/04/2019</a:t>
             </a:fld>
             <a:endParaRPr lang="fr-FR"/>
           </a:p>
@@ -1989,7 +1989,7 @@
           <a:p>
             <a:fld id="{0717AEF8-1597-4679-8926-916E82E12B07}" type="datetimeFigureOut">
               <a:rPr lang="fr-FR" smtClean="0"/>
-              <a:t>26/03/2019</a:t>
+              <a:t>06/04/2019</a:t>
             </a:fld>
             <a:endParaRPr lang="fr-FR"/>
           </a:p>
@@ -2102,7 +2102,7 @@
           <a:p>
             <a:fld id="{0717AEF8-1597-4679-8926-916E82E12B07}" type="datetimeFigureOut">
               <a:rPr lang="fr-FR" smtClean="0"/>
-              <a:t>26/03/2019</a:t>
+              <a:t>06/04/2019</a:t>
             </a:fld>
             <a:endParaRPr lang="fr-FR"/>
           </a:p>
@@ -2413,7 +2413,7 @@
           <a:p>
             <a:fld id="{0717AEF8-1597-4679-8926-916E82E12B07}" type="datetimeFigureOut">
               <a:rPr lang="fr-FR" smtClean="0"/>
-              <a:t>26/03/2019</a:t>
+              <a:t>06/04/2019</a:t>
             </a:fld>
             <a:endParaRPr lang="fr-FR"/>
           </a:p>
@@ -2701,7 +2701,7 @@
           <a:p>
             <a:fld id="{0717AEF8-1597-4679-8926-916E82E12B07}" type="datetimeFigureOut">
               <a:rPr lang="fr-FR" smtClean="0"/>
-              <a:t>26/03/2019</a:t>
+              <a:t>06/04/2019</a:t>
             </a:fld>
             <a:endParaRPr lang="fr-FR"/>
           </a:p>
@@ -2942,7 +2942,7 @@
           <a:p>
             <a:fld id="{0717AEF8-1597-4679-8926-916E82E12B07}" type="datetimeFigureOut">
               <a:rPr lang="fr-FR" smtClean="0"/>
-              <a:t>26/03/2019</a:t>
+              <a:t>06/04/2019</a:t>
             </a:fld>
             <a:endParaRPr lang="fr-FR"/>
           </a:p>
@@ -11128,9 +11128,16 @@
             <p:ph type="title"/>
           </p:nvPr>
         </p:nvSpPr>
-        <p:spPr/>
+        <p:spPr>
+          <a:xfrm>
+            <a:off x="838200" y="101786"/>
+            <a:ext cx="10515600" cy="478254"/>
+          </a:xfrm>
+        </p:spPr>
         <p:txBody>
-          <a:bodyPr/>
+          <a:bodyPr>
+            <a:normAutofit fontScale="90000"/>
+          </a:bodyPr>
           <a:lstStyle/>
           <a:p>
             <a:r>
@@ -11156,14 +11163,14 @@
             <p:ph idx="1"/>
             <p:extLst>
               <p:ext uri="{D42A27DB-BD31-4B8C-83A1-F6EECF244321}">
-                <p14:modId xmlns:p14="http://schemas.microsoft.com/office/powerpoint/2010/main" val="2213072377"/>
+                <p14:modId xmlns:p14="http://schemas.microsoft.com/office/powerpoint/2010/main" val="1536901833"/>
               </p:ext>
             </p:extLst>
           </p:nvPr>
         </p:nvGraphicFramePr>
         <p:xfrm>
-          <a:off x="897467" y="1464733"/>
-          <a:ext cx="9562954" cy="4074160"/>
+          <a:off x="897467" y="843380"/>
+          <a:ext cx="9562954" cy="5150226"/>
         </p:xfrm>
         <a:graphic>
           <a:graphicData uri="http://schemas.openxmlformats.org/drawingml/2006/table">
@@ -11194,7 +11201,7 @@
                   </a:extLst>
                 </a:gridCol>
               </a:tblGrid>
-              <a:tr h="147531">
+              <a:tr h="365613">
                 <a:tc>
                   <a:txBody>
                     <a:bodyPr/>
@@ -11242,7 +11249,7 @@
                   </a:ext>
                 </a:extLst>
               </a:tr>
-              <a:tr h="370840">
+              <a:tr h="370691">
                 <a:tc>
                   <a:txBody>
                     <a:bodyPr/>
@@ -11305,7 +11312,7 @@
                   </a:ext>
                 </a:extLst>
               </a:tr>
-              <a:tr h="370840">
+              <a:tr h="370691">
                 <a:tc>
                   <a:txBody>
                     <a:bodyPr/>
@@ -11385,7 +11392,7 @@
                   </a:ext>
                 </a:extLst>
               </a:tr>
-              <a:tr h="370840">
+              <a:tr h="370691">
                 <a:tc>
                   <a:txBody>
                     <a:bodyPr/>
@@ -11465,7 +11472,7 @@
                   </a:ext>
                 </a:extLst>
               </a:tr>
-              <a:tr h="370840">
+              <a:tr h="370691">
                 <a:tc>
                   <a:txBody>
                     <a:bodyPr/>
@@ -11545,7 +11552,7 @@
                   </a:ext>
                 </a:extLst>
               </a:tr>
-              <a:tr h="370840">
+              <a:tr h="370691">
                 <a:tc>
                   <a:txBody>
                     <a:bodyPr/>
@@ -11625,7 +11632,7 @@
                   </a:ext>
                 </a:extLst>
               </a:tr>
-              <a:tr h="370840">
+              <a:tr h="370691">
                 <a:tc>
                   <a:txBody>
                     <a:bodyPr/>
@@ -11705,7 +11712,7 @@
                   </a:ext>
                 </a:extLst>
               </a:tr>
-              <a:tr h="370840">
+              <a:tr h="639822">
                 <a:tc>
                   <a:txBody>
                     <a:bodyPr/>
@@ -11770,7 +11777,42 @@
                       </a:pPr>
                       <a:r>
                         <a:rPr lang="en-US" noProof="0" dirty="0"/>
-                        <a:t>PWM pin 5 Timer 3*</a:t>
+                        <a:t>PWM pin 5 Timer 3* </a:t>
+                      </a:r>
+                    </a:p>
+                    <a:p>
+                      <a:pPr marL="0" marR="0" lvl="0" indent="0" algn="l" defTabSz="914400" rtl="0" eaLnBrk="1" fontAlgn="auto" latinLnBrk="0" hangingPunct="1">
+                        <a:lnSpc>
+                          <a:spcPct val="100000"/>
+                        </a:lnSpc>
+                        <a:spcBef>
+                          <a:spcPts val="0"/>
+                        </a:spcBef>
+                        <a:spcAft>
+                          <a:spcPts val="0"/>
+                        </a:spcAft>
+                        <a:buClrTx/>
+                        <a:buSzTx/>
+                        <a:buFontTx/>
+                        <a:buNone/>
+                        <a:tabLst/>
+                        <a:defRPr/>
+                      </a:pPr>
+                      <a:r>
+                        <a:rPr lang="en-US" noProof="0" dirty="0" err="1"/>
+                        <a:t>prescaler</a:t>
+                      </a:r>
+                      <a:r>
+                        <a:rPr lang="en-US" noProof="0" dirty="0"/>
+                        <a:t>=64 =&gt; </a:t>
+                      </a:r>
+                      <a:r>
+                        <a:rPr lang="en-US" noProof="0" dirty="0" err="1"/>
+                        <a:t>freq</a:t>
+                      </a:r>
+                      <a:r>
+                        <a:rPr lang="en-US" noProof="0" dirty="0"/>
+                        <a:t> PWM 490 Hz</a:t>
                       </a:r>
                     </a:p>
                   </a:txBody>
@@ -11782,7 +11824,7 @@
                   </a:ext>
                 </a:extLst>
               </a:tr>
-              <a:tr h="370840">
+              <a:tr h="639822">
                 <a:tc>
                   <a:txBody>
                     <a:bodyPr/>
@@ -11899,7 +11941,41 @@
                         <a:rPr lang="en-US" noProof="0" dirty="0"/>
                         <a:t>Timer 4</a:t>
                       </a:r>
-                      <a:endParaRPr lang="fr-FR" dirty="0"/>
+                    </a:p>
+                    <a:p>
+                      <a:pPr marL="0" marR="0" lvl="0" indent="0" algn="l" defTabSz="914400" rtl="0" eaLnBrk="1" fontAlgn="auto" latinLnBrk="0" hangingPunct="1">
+                        <a:lnSpc>
+                          <a:spcPct val="100000"/>
+                        </a:lnSpc>
+                        <a:spcBef>
+                          <a:spcPts val="0"/>
+                        </a:spcBef>
+                        <a:spcAft>
+                          <a:spcPts val="0"/>
+                        </a:spcAft>
+                        <a:buClrTx/>
+                        <a:buSzTx/>
+                        <a:buFontTx/>
+                        <a:buNone/>
+                        <a:tabLst/>
+                        <a:defRPr/>
+                      </a:pPr>
+                      <a:r>
+                        <a:rPr lang="en-US" noProof="0" dirty="0" err="1"/>
+                        <a:t>prescaler</a:t>
+                      </a:r>
+                      <a:r>
+                        <a:rPr lang="en-US" noProof="0" dirty="0"/>
+                        <a:t>=64 =&gt; </a:t>
+                      </a:r>
+                      <a:r>
+                        <a:rPr lang="en-US" noProof="0" dirty="0" err="1"/>
+                        <a:t>freq</a:t>
+                      </a:r>
+                      <a:r>
+                        <a:rPr lang="en-US" noProof="0" dirty="0"/>
+                        <a:t> PWM 490 Hz</a:t>
+                      </a:r>
                     </a:p>
                   </a:txBody>
                   <a:tcPr/>
@@ -11910,7 +11986,7 @@
                   </a:ext>
                 </a:extLst>
               </a:tr>
-              <a:tr h="370840">
+              <a:tr h="639822">
                 <a:tc>
                   <a:txBody>
                     <a:bodyPr/>
@@ -12019,7 +12095,41 @@
                         <a:rPr lang="en-US" noProof="0" dirty="0"/>
                         <a:t>PWM pin 7 Timer 4</a:t>
                       </a:r>
-                      <a:endParaRPr lang="fr-FR" dirty="0"/>
+                    </a:p>
+                    <a:p>
+                      <a:pPr marL="0" marR="0" lvl="0" indent="0" algn="l" defTabSz="914400" rtl="0" eaLnBrk="1" fontAlgn="auto" latinLnBrk="0" hangingPunct="1">
+                        <a:lnSpc>
+                          <a:spcPct val="100000"/>
+                        </a:lnSpc>
+                        <a:spcBef>
+                          <a:spcPts val="0"/>
+                        </a:spcBef>
+                        <a:spcAft>
+                          <a:spcPts val="0"/>
+                        </a:spcAft>
+                        <a:buClrTx/>
+                        <a:buSzTx/>
+                        <a:buFontTx/>
+                        <a:buNone/>
+                        <a:tabLst/>
+                        <a:defRPr/>
+                      </a:pPr>
+                      <a:r>
+                        <a:rPr lang="en-US" noProof="0" dirty="0" err="1"/>
+                        <a:t>prescaler</a:t>
+                      </a:r>
+                      <a:r>
+                        <a:rPr lang="en-US" noProof="0" dirty="0"/>
+                        <a:t>=64 =&gt; </a:t>
+                      </a:r>
+                      <a:r>
+                        <a:rPr lang="en-US" noProof="0" dirty="0" err="1"/>
+                        <a:t>freq</a:t>
+                      </a:r>
+                      <a:r>
+                        <a:rPr lang="en-US" noProof="0" dirty="0"/>
+                        <a:t> PWM 490 Hz</a:t>
+                      </a:r>
                     </a:p>
                   </a:txBody>
                   <a:tcPr/>
@@ -12030,7 +12140,7 @@
                   </a:ext>
                 </a:extLst>
               </a:tr>
-              <a:tr h="370840">
+              <a:tr h="639822">
                 <a:tc>
                   <a:txBody>
                     <a:bodyPr/>
@@ -12139,7 +12249,41 @@
                         <a:rPr lang="en-US" noProof="0" dirty="0"/>
                         <a:t>PWM pin 8 Timer 4</a:t>
                       </a:r>
-                      <a:endParaRPr lang="fr-FR" dirty="0"/>
+                    </a:p>
+                    <a:p>
+                      <a:pPr marL="0" marR="0" lvl="0" indent="0" algn="l" defTabSz="914400" rtl="0" eaLnBrk="1" fontAlgn="auto" latinLnBrk="0" hangingPunct="1">
+                        <a:lnSpc>
+                          <a:spcPct val="100000"/>
+                        </a:lnSpc>
+                        <a:spcBef>
+                          <a:spcPts val="0"/>
+                        </a:spcBef>
+                        <a:spcAft>
+                          <a:spcPts val="0"/>
+                        </a:spcAft>
+                        <a:buClrTx/>
+                        <a:buSzTx/>
+                        <a:buFontTx/>
+                        <a:buNone/>
+                        <a:tabLst/>
+                        <a:defRPr/>
+                      </a:pPr>
+                      <a:r>
+                        <a:rPr lang="en-US" noProof="0" dirty="0" err="1"/>
+                        <a:t>prescaler</a:t>
+                      </a:r>
+                      <a:r>
+                        <a:rPr lang="en-US" noProof="0" dirty="0"/>
+                        <a:t>=64 =&gt; </a:t>
+                      </a:r>
+                      <a:r>
+                        <a:rPr lang="en-US" noProof="0" dirty="0" err="1"/>
+                        <a:t>freq</a:t>
+                      </a:r>
+                      <a:r>
+                        <a:rPr lang="en-US" noProof="0" dirty="0"/>
+                        <a:t> PWM 490 Hz</a:t>
+                      </a:r>
                     </a:p>
                   </a:txBody>
                   <a:tcPr/>

--- a/libraries/Diagramm Drone.pptx
+++ b/libraries/Diagramm Drone.pptx
@@ -292,7 +292,7 @@
           <a:p>
             <a:fld id="{0717AEF8-1597-4679-8926-916E82E12B07}" type="datetimeFigureOut">
               <a:rPr lang="fr-FR" smtClean="0"/>
-              <a:t>06/04/2019</a:t>
+              <a:t>28/05/2019</a:t>
             </a:fld>
             <a:endParaRPr lang="fr-FR"/>
           </a:p>
@@ -490,7 +490,7 @@
           <a:p>
             <a:fld id="{0717AEF8-1597-4679-8926-916E82E12B07}" type="datetimeFigureOut">
               <a:rPr lang="fr-FR" smtClean="0"/>
-              <a:t>06/04/2019</a:t>
+              <a:t>28/05/2019</a:t>
             </a:fld>
             <a:endParaRPr lang="fr-FR"/>
           </a:p>
@@ -698,7 +698,7 @@
           <a:p>
             <a:fld id="{0717AEF8-1597-4679-8926-916E82E12B07}" type="datetimeFigureOut">
               <a:rPr lang="fr-FR" smtClean="0"/>
-              <a:t>06/04/2019</a:t>
+              <a:t>28/05/2019</a:t>
             </a:fld>
             <a:endParaRPr lang="fr-FR"/>
           </a:p>
@@ -896,7 +896,7 @@
           <a:p>
             <a:fld id="{0717AEF8-1597-4679-8926-916E82E12B07}" type="datetimeFigureOut">
               <a:rPr lang="fr-FR" smtClean="0"/>
-              <a:t>06/04/2019</a:t>
+              <a:t>28/05/2019</a:t>
             </a:fld>
             <a:endParaRPr lang="fr-FR"/>
           </a:p>
@@ -1171,7 +1171,7 @@
           <a:p>
             <a:fld id="{0717AEF8-1597-4679-8926-916E82E12B07}" type="datetimeFigureOut">
               <a:rPr lang="fr-FR" smtClean="0"/>
-              <a:t>06/04/2019</a:t>
+              <a:t>28/05/2019</a:t>
             </a:fld>
             <a:endParaRPr lang="fr-FR"/>
           </a:p>
@@ -1436,7 +1436,7 @@
           <a:p>
             <a:fld id="{0717AEF8-1597-4679-8926-916E82E12B07}" type="datetimeFigureOut">
               <a:rPr lang="fr-FR" smtClean="0"/>
-              <a:t>06/04/2019</a:t>
+              <a:t>28/05/2019</a:t>
             </a:fld>
             <a:endParaRPr lang="fr-FR"/>
           </a:p>
@@ -1848,7 +1848,7 @@
           <a:p>
             <a:fld id="{0717AEF8-1597-4679-8926-916E82E12B07}" type="datetimeFigureOut">
               <a:rPr lang="fr-FR" smtClean="0"/>
-              <a:t>06/04/2019</a:t>
+              <a:t>28/05/2019</a:t>
             </a:fld>
             <a:endParaRPr lang="fr-FR"/>
           </a:p>
@@ -1989,7 +1989,7 @@
           <a:p>
             <a:fld id="{0717AEF8-1597-4679-8926-916E82E12B07}" type="datetimeFigureOut">
               <a:rPr lang="fr-FR" smtClean="0"/>
-              <a:t>06/04/2019</a:t>
+              <a:t>28/05/2019</a:t>
             </a:fld>
             <a:endParaRPr lang="fr-FR"/>
           </a:p>
@@ -2102,7 +2102,7 @@
           <a:p>
             <a:fld id="{0717AEF8-1597-4679-8926-916E82E12B07}" type="datetimeFigureOut">
               <a:rPr lang="fr-FR" smtClean="0"/>
-              <a:t>06/04/2019</a:t>
+              <a:t>28/05/2019</a:t>
             </a:fld>
             <a:endParaRPr lang="fr-FR"/>
           </a:p>
@@ -2413,7 +2413,7 @@
           <a:p>
             <a:fld id="{0717AEF8-1597-4679-8926-916E82E12B07}" type="datetimeFigureOut">
               <a:rPr lang="fr-FR" smtClean="0"/>
-              <a:t>06/04/2019</a:t>
+              <a:t>28/05/2019</a:t>
             </a:fld>
             <a:endParaRPr lang="fr-FR"/>
           </a:p>
@@ -2701,7 +2701,7 @@
           <a:p>
             <a:fld id="{0717AEF8-1597-4679-8926-916E82E12B07}" type="datetimeFigureOut">
               <a:rPr lang="fr-FR" smtClean="0"/>
-              <a:t>06/04/2019</a:t>
+              <a:t>28/05/2019</a:t>
             </a:fld>
             <a:endParaRPr lang="fr-FR"/>
           </a:p>
@@ -2942,7 +2942,7 @@
           <a:p>
             <a:fld id="{0717AEF8-1597-4679-8926-916E82E12B07}" type="datetimeFigureOut">
               <a:rPr lang="fr-FR" smtClean="0"/>
-              <a:t>06/04/2019</a:t>
+              <a:t>28/05/2019</a:t>
             </a:fld>
             <a:endParaRPr lang="fr-FR"/>
           </a:p>
@@ -12415,14 +12415,14 @@
             <p:ph idx="1"/>
             <p:extLst>
               <p:ext uri="{D42A27DB-BD31-4B8C-83A1-F6EECF244321}">
-                <p14:modId xmlns:p14="http://schemas.microsoft.com/office/powerpoint/2010/main" val="592755495"/>
+                <p14:modId xmlns:p14="http://schemas.microsoft.com/office/powerpoint/2010/main" val="1041359360"/>
               </p:ext>
             </p:extLst>
           </p:nvPr>
         </p:nvGraphicFramePr>
         <p:xfrm>
           <a:off x="838200" y="1410759"/>
-          <a:ext cx="8954138" cy="5176520"/>
+          <a:ext cx="8954138" cy="1854200"/>
         </p:xfrm>
         <a:graphic>
           <a:graphicData uri="http://schemas.openxmlformats.org/drawingml/2006/table">
@@ -12926,860 +12926,6 @@
                 <a:extLst>
                   <a:ext uri="{0D108BD9-81ED-4DB2-BD59-A6C34878D82A}">
                     <a16:rowId xmlns:a16="http://schemas.microsoft.com/office/drawing/2014/main" val="4052959503"/>
-                  </a:ext>
-                </a:extLst>
-              </a:tr>
-              <a:tr h="370840">
-                <a:tc>
-                  <a:txBody>
-                    <a:bodyPr/>
-                    <a:lstStyle/>
-                    <a:p>
-                      <a:endParaRPr lang="en-US" noProof="0"/>
-                    </a:p>
-                  </a:txBody>
-                  <a:tcPr/>
-                </a:tc>
-                <a:tc>
-                  <a:txBody>
-                    <a:bodyPr/>
-                    <a:lstStyle/>
-                    <a:p>
-                      <a:endParaRPr lang="en-US" noProof="0" dirty="0"/>
-                    </a:p>
-                  </a:txBody>
-                  <a:tcPr/>
-                </a:tc>
-                <a:tc>
-                  <a:txBody>
-                    <a:bodyPr/>
-                    <a:lstStyle/>
-                    <a:p>
-                      <a:pPr marL="0" marR="0" lvl="0" indent="0" algn="l" defTabSz="914400" rtl="0" eaLnBrk="1" fontAlgn="auto" latinLnBrk="0" hangingPunct="1">
-                        <a:lnSpc>
-                          <a:spcPct val="100000"/>
-                        </a:lnSpc>
-                        <a:spcBef>
-                          <a:spcPts val="0"/>
-                        </a:spcBef>
-                        <a:spcAft>
-                          <a:spcPts val="0"/>
-                        </a:spcAft>
-                        <a:buClrTx/>
-                        <a:buSzTx/>
-                        <a:buFontTx/>
-                        <a:buNone/>
-                        <a:tabLst/>
-                        <a:defRPr/>
-                      </a:pPr>
-                      <a:endParaRPr lang="en-US" noProof="0" dirty="0"/>
-                    </a:p>
-                  </a:txBody>
-                  <a:tcPr/>
-                </a:tc>
-                <a:tc>
-                  <a:txBody>
-                    <a:bodyPr/>
-                    <a:lstStyle/>
-                    <a:p>
-                      <a:pPr marL="285750" marR="0" lvl="0" indent="-285750" algn="l" defTabSz="914400" rtl="0" eaLnBrk="1" fontAlgn="auto" latinLnBrk="0" hangingPunct="1">
-                        <a:lnSpc>
-                          <a:spcPct val="100000"/>
-                        </a:lnSpc>
-                        <a:spcBef>
-                          <a:spcPts val="0"/>
-                        </a:spcBef>
-                        <a:spcAft>
-                          <a:spcPts val="0"/>
-                        </a:spcAft>
-                        <a:buClrTx/>
-                        <a:buSzTx/>
-                        <a:buFont typeface="Wingdings" panose="05000000000000000000" pitchFamily="2" charset="2"/>
-                        <a:buChar char="ü"/>
-                        <a:tabLst/>
-                        <a:defRPr/>
-                      </a:pPr>
-                      <a:endParaRPr kumimoji="0" lang="en-US" sz="1800" b="0" i="0" u="none" strike="noStrike" kern="1200" cap="none" spc="0" normalizeH="0" baseline="0" noProof="0" dirty="0">
-                        <a:ln>
-                          <a:noFill/>
-                        </a:ln>
-                        <a:solidFill>
-                          <a:srgbClr val="00B050"/>
-                        </a:solidFill>
-                        <a:effectLst/>
-                        <a:uLnTx/>
-                        <a:uFillTx/>
-                        <a:latin typeface="Calibri" panose="020F0502020204030204"/>
-                        <a:ea typeface="+mn-ea"/>
-                        <a:cs typeface="+mn-cs"/>
-                      </a:endParaRPr>
-                    </a:p>
-                  </a:txBody>
-                  <a:tcPr/>
-                </a:tc>
-                <a:extLst>
-                  <a:ext uri="{0D108BD9-81ED-4DB2-BD59-A6C34878D82A}">
-                    <a16:rowId xmlns:a16="http://schemas.microsoft.com/office/drawing/2014/main" val="899705798"/>
-                  </a:ext>
-                </a:extLst>
-              </a:tr>
-              <a:tr h="370840">
-                <a:tc>
-                  <a:txBody>
-                    <a:bodyPr/>
-                    <a:lstStyle/>
-                    <a:p>
-                      <a:endParaRPr lang="en-US" noProof="0"/>
-                    </a:p>
-                  </a:txBody>
-                  <a:tcPr/>
-                </a:tc>
-                <a:tc>
-                  <a:txBody>
-                    <a:bodyPr/>
-                    <a:lstStyle/>
-                    <a:p>
-                      <a:endParaRPr lang="en-US" noProof="0" dirty="0"/>
-                    </a:p>
-                  </a:txBody>
-                  <a:tcPr/>
-                </a:tc>
-                <a:tc>
-                  <a:txBody>
-                    <a:bodyPr/>
-                    <a:lstStyle/>
-                    <a:p>
-                      <a:pPr marL="0" marR="0" lvl="0" indent="0" algn="l" defTabSz="914400" rtl="0" eaLnBrk="1" fontAlgn="auto" latinLnBrk="0" hangingPunct="1">
-                        <a:lnSpc>
-                          <a:spcPct val="100000"/>
-                        </a:lnSpc>
-                        <a:spcBef>
-                          <a:spcPts val="0"/>
-                        </a:spcBef>
-                        <a:spcAft>
-                          <a:spcPts val="0"/>
-                        </a:spcAft>
-                        <a:buClrTx/>
-                        <a:buSzTx/>
-                        <a:buFontTx/>
-                        <a:buNone/>
-                        <a:tabLst/>
-                        <a:defRPr/>
-                      </a:pPr>
-                      <a:endParaRPr lang="en-US" noProof="0" dirty="0"/>
-                    </a:p>
-                  </a:txBody>
-                  <a:tcPr/>
-                </a:tc>
-                <a:tc>
-                  <a:txBody>
-                    <a:bodyPr/>
-                    <a:lstStyle/>
-                    <a:p>
-                      <a:pPr marL="285750" marR="0" lvl="0" indent="-285750" algn="l" defTabSz="914400" rtl="0" eaLnBrk="1" fontAlgn="auto" latinLnBrk="0" hangingPunct="1">
-                        <a:lnSpc>
-                          <a:spcPct val="100000"/>
-                        </a:lnSpc>
-                        <a:spcBef>
-                          <a:spcPts val="0"/>
-                        </a:spcBef>
-                        <a:spcAft>
-                          <a:spcPts val="0"/>
-                        </a:spcAft>
-                        <a:buClrTx/>
-                        <a:buSzTx/>
-                        <a:buFont typeface="Wingdings" panose="05000000000000000000" pitchFamily="2" charset="2"/>
-                        <a:buChar char="ü"/>
-                        <a:tabLst/>
-                        <a:defRPr/>
-                      </a:pPr>
-                      <a:endParaRPr kumimoji="0" lang="en-US" sz="1800" b="0" i="0" u="none" strike="noStrike" kern="1200" cap="none" spc="0" normalizeH="0" baseline="0" noProof="0" dirty="0">
-                        <a:ln>
-                          <a:noFill/>
-                        </a:ln>
-                        <a:solidFill>
-                          <a:srgbClr val="00B050"/>
-                        </a:solidFill>
-                        <a:effectLst/>
-                        <a:uLnTx/>
-                        <a:uFillTx/>
-                        <a:latin typeface="Calibri" panose="020F0502020204030204"/>
-                        <a:ea typeface="+mn-ea"/>
-                        <a:cs typeface="+mn-cs"/>
-                      </a:endParaRPr>
-                    </a:p>
-                  </a:txBody>
-                  <a:tcPr/>
-                </a:tc>
-                <a:extLst>
-                  <a:ext uri="{0D108BD9-81ED-4DB2-BD59-A6C34878D82A}">
-                    <a16:rowId xmlns:a16="http://schemas.microsoft.com/office/drawing/2014/main" val="1125724145"/>
-                  </a:ext>
-                </a:extLst>
-              </a:tr>
-              <a:tr h="370840">
-                <a:tc>
-                  <a:txBody>
-                    <a:bodyPr/>
-                    <a:lstStyle/>
-                    <a:p>
-                      <a:endParaRPr lang="en-US" noProof="0"/>
-                    </a:p>
-                  </a:txBody>
-                  <a:tcPr/>
-                </a:tc>
-                <a:tc>
-                  <a:txBody>
-                    <a:bodyPr/>
-                    <a:lstStyle/>
-                    <a:p>
-                      <a:endParaRPr lang="en-US" noProof="0" dirty="0"/>
-                    </a:p>
-                  </a:txBody>
-                  <a:tcPr/>
-                </a:tc>
-                <a:tc>
-                  <a:txBody>
-                    <a:bodyPr/>
-                    <a:lstStyle/>
-                    <a:p>
-                      <a:endParaRPr lang="en-US" noProof="0" dirty="0"/>
-                    </a:p>
-                  </a:txBody>
-                  <a:tcPr/>
-                </a:tc>
-                <a:tc>
-                  <a:txBody>
-                    <a:bodyPr/>
-                    <a:lstStyle/>
-                    <a:p>
-                      <a:pPr marL="285750" marR="0" lvl="0" indent="-285750" algn="l" defTabSz="914400" rtl="0" eaLnBrk="1" fontAlgn="auto" latinLnBrk="0" hangingPunct="1">
-                        <a:lnSpc>
-                          <a:spcPct val="100000"/>
-                        </a:lnSpc>
-                        <a:spcBef>
-                          <a:spcPts val="0"/>
-                        </a:spcBef>
-                        <a:spcAft>
-                          <a:spcPts val="0"/>
-                        </a:spcAft>
-                        <a:buClrTx/>
-                        <a:buSzTx/>
-                        <a:buFont typeface="Wingdings" panose="05000000000000000000" pitchFamily="2" charset="2"/>
-                        <a:buChar char="ü"/>
-                        <a:tabLst/>
-                        <a:defRPr/>
-                      </a:pPr>
-                      <a:endParaRPr kumimoji="0" lang="en-US" sz="1800" b="0" i="0" u="none" strike="noStrike" kern="1200" cap="none" spc="0" normalizeH="0" baseline="0" noProof="0" dirty="0">
-                        <a:ln>
-                          <a:noFill/>
-                        </a:ln>
-                        <a:solidFill>
-                          <a:srgbClr val="00B050"/>
-                        </a:solidFill>
-                        <a:effectLst/>
-                        <a:uLnTx/>
-                        <a:uFillTx/>
-                        <a:latin typeface="+mn-lt"/>
-                        <a:ea typeface="+mn-ea"/>
-                        <a:cs typeface="+mn-cs"/>
-                      </a:endParaRPr>
-                    </a:p>
-                  </a:txBody>
-                  <a:tcPr/>
-                </a:tc>
-                <a:extLst>
-                  <a:ext uri="{0D108BD9-81ED-4DB2-BD59-A6C34878D82A}">
-                    <a16:rowId xmlns:a16="http://schemas.microsoft.com/office/drawing/2014/main" val="1684437897"/>
-                  </a:ext>
-                </a:extLst>
-              </a:tr>
-              <a:tr h="370840">
-                <a:tc>
-                  <a:txBody>
-                    <a:bodyPr/>
-                    <a:lstStyle/>
-                    <a:p>
-                      <a:endParaRPr lang="en-US" noProof="0"/>
-                    </a:p>
-                  </a:txBody>
-                  <a:tcPr/>
-                </a:tc>
-                <a:tc>
-                  <a:txBody>
-                    <a:bodyPr/>
-                    <a:lstStyle/>
-                    <a:p>
-                      <a:pPr marL="0" marR="0" lvl="0" indent="0" algn="l" defTabSz="914400" rtl="0" eaLnBrk="1" fontAlgn="auto" latinLnBrk="0" hangingPunct="1">
-                        <a:lnSpc>
-                          <a:spcPct val="100000"/>
-                        </a:lnSpc>
-                        <a:spcBef>
-                          <a:spcPts val="0"/>
-                        </a:spcBef>
-                        <a:spcAft>
-                          <a:spcPts val="0"/>
-                        </a:spcAft>
-                        <a:buClrTx/>
-                        <a:buSzTx/>
-                        <a:buFontTx/>
-                        <a:buNone/>
-                        <a:tabLst/>
-                        <a:defRPr/>
-                      </a:pPr>
-                      <a:endParaRPr lang="en-US" noProof="0" dirty="0"/>
-                    </a:p>
-                  </a:txBody>
-                  <a:tcPr/>
-                </a:tc>
-                <a:tc>
-                  <a:txBody>
-                    <a:bodyPr/>
-                    <a:lstStyle/>
-                    <a:p>
-                      <a:endParaRPr lang="en-US" noProof="0" dirty="0"/>
-                    </a:p>
-                  </a:txBody>
-                  <a:tcPr/>
-                </a:tc>
-                <a:tc>
-                  <a:txBody>
-                    <a:bodyPr/>
-                    <a:lstStyle/>
-                    <a:p>
-                      <a:pPr marL="285750" marR="0" lvl="0" indent="-285750" algn="l" defTabSz="914400" rtl="0" eaLnBrk="1" fontAlgn="auto" latinLnBrk="0" hangingPunct="1">
-                        <a:lnSpc>
-                          <a:spcPct val="100000"/>
-                        </a:lnSpc>
-                        <a:spcBef>
-                          <a:spcPts val="0"/>
-                        </a:spcBef>
-                        <a:spcAft>
-                          <a:spcPts val="0"/>
-                        </a:spcAft>
-                        <a:buClrTx/>
-                        <a:buSzTx/>
-                        <a:buFont typeface="Wingdings" panose="05000000000000000000" pitchFamily="2" charset="2"/>
-                        <a:buChar char="ü"/>
-                        <a:tabLst/>
-                        <a:defRPr/>
-                      </a:pPr>
-                      <a:endParaRPr kumimoji="0" lang="en-US" sz="1800" b="0" i="0" u="none" strike="noStrike" kern="1200" cap="none" spc="0" normalizeH="0" baseline="0" noProof="0" dirty="0">
-                        <a:ln>
-                          <a:noFill/>
-                        </a:ln>
-                        <a:solidFill>
-                          <a:srgbClr val="00B050"/>
-                        </a:solidFill>
-                        <a:effectLst/>
-                        <a:uLnTx/>
-                        <a:uFillTx/>
-                        <a:latin typeface="Calibri" panose="020F0502020204030204"/>
-                        <a:ea typeface="+mn-ea"/>
-                        <a:cs typeface="+mn-cs"/>
-                      </a:endParaRPr>
-                    </a:p>
-                  </a:txBody>
-                  <a:tcPr/>
-                </a:tc>
-                <a:extLst>
-                  <a:ext uri="{0D108BD9-81ED-4DB2-BD59-A6C34878D82A}">
-                    <a16:rowId xmlns:a16="http://schemas.microsoft.com/office/drawing/2014/main" val="1809774577"/>
-                  </a:ext>
-                </a:extLst>
-              </a:tr>
-              <a:tr h="370840">
-                <a:tc>
-                  <a:txBody>
-                    <a:bodyPr/>
-                    <a:lstStyle/>
-                    <a:p>
-                      <a:endParaRPr lang="en-US" noProof="0" dirty="0"/>
-                    </a:p>
-                  </a:txBody>
-                  <a:tcPr/>
-                </a:tc>
-                <a:tc>
-                  <a:txBody>
-                    <a:bodyPr/>
-                    <a:lstStyle/>
-                    <a:p>
-                      <a:endParaRPr lang="en-US" noProof="0" dirty="0"/>
-                    </a:p>
-                  </a:txBody>
-                  <a:tcPr/>
-                </a:tc>
-                <a:tc>
-                  <a:txBody>
-                    <a:bodyPr/>
-                    <a:lstStyle/>
-                    <a:p>
-                      <a:pPr marL="0" marR="0" lvl="0" indent="0" algn="l" defTabSz="914400" rtl="0" eaLnBrk="1" fontAlgn="auto" latinLnBrk="0" hangingPunct="1">
-                        <a:lnSpc>
-                          <a:spcPct val="100000"/>
-                        </a:lnSpc>
-                        <a:spcBef>
-                          <a:spcPts val="0"/>
-                        </a:spcBef>
-                        <a:spcAft>
-                          <a:spcPts val="0"/>
-                        </a:spcAft>
-                        <a:buClrTx/>
-                        <a:buSzTx/>
-                        <a:buFontTx/>
-                        <a:buNone/>
-                        <a:tabLst/>
-                        <a:defRPr/>
-                      </a:pPr>
-                      <a:endParaRPr lang="en-US" noProof="0" dirty="0"/>
-                    </a:p>
-                  </a:txBody>
-                  <a:tcPr/>
-                </a:tc>
-                <a:tc>
-                  <a:txBody>
-                    <a:bodyPr/>
-                    <a:lstStyle/>
-                    <a:p>
-                      <a:pPr marL="285750" marR="0" lvl="0" indent="-285750" algn="l" defTabSz="914400" rtl="0" eaLnBrk="1" fontAlgn="auto" latinLnBrk="0" hangingPunct="1">
-                        <a:lnSpc>
-                          <a:spcPct val="100000"/>
-                        </a:lnSpc>
-                        <a:spcBef>
-                          <a:spcPts val="0"/>
-                        </a:spcBef>
-                        <a:spcAft>
-                          <a:spcPts val="0"/>
-                        </a:spcAft>
-                        <a:buClrTx/>
-                        <a:buSzTx/>
-                        <a:buFont typeface="Wingdings" panose="05000000000000000000" pitchFamily="2" charset="2"/>
-                        <a:buChar char="ü"/>
-                        <a:tabLst/>
-                        <a:defRPr/>
-                      </a:pPr>
-                      <a:endParaRPr kumimoji="0" lang="en-US" sz="1800" b="0" i="0" u="none" strike="noStrike" kern="1200" cap="none" spc="0" normalizeH="0" baseline="0" noProof="0" dirty="0">
-                        <a:ln>
-                          <a:noFill/>
-                        </a:ln>
-                        <a:solidFill>
-                          <a:srgbClr val="00B050"/>
-                        </a:solidFill>
-                        <a:effectLst/>
-                        <a:uLnTx/>
-                        <a:uFillTx/>
-                        <a:latin typeface="+mn-lt"/>
-                        <a:ea typeface="+mn-ea"/>
-                        <a:cs typeface="+mn-cs"/>
-                      </a:endParaRPr>
-                    </a:p>
-                  </a:txBody>
-                  <a:tcPr/>
-                </a:tc>
-                <a:extLst>
-                  <a:ext uri="{0D108BD9-81ED-4DB2-BD59-A6C34878D82A}">
-                    <a16:rowId xmlns:a16="http://schemas.microsoft.com/office/drawing/2014/main" val="3987889869"/>
-                  </a:ext>
-                </a:extLst>
-              </a:tr>
-              <a:tr h="370840">
-                <a:tc>
-                  <a:txBody>
-                    <a:bodyPr/>
-                    <a:lstStyle/>
-                    <a:p>
-                      <a:endParaRPr lang="en-US" noProof="0" dirty="0">
-                        <a:solidFill>
-                          <a:schemeClr val="tx1"/>
-                        </a:solidFill>
-                      </a:endParaRPr>
-                    </a:p>
-                  </a:txBody>
-                  <a:tcPr/>
-                </a:tc>
-                <a:tc>
-                  <a:txBody>
-                    <a:bodyPr/>
-                    <a:lstStyle/>
-                    <a:p>
-                      <a:endParaRPr lang="en-US" noProof="0" dirty="0"/>
-                    </a:p>
-                  </a:txBody>
-                  <a:tcPr/>
-                </a:tc>
-                <a:tc>
-                  <a:txBody>
-                    <a:bodyPr/>
-                    <a:lstStyle/>
-                    <a:p>
-                      <a:pPr marL="0" marR="0" lvl="0" indent="0" algn="l" defTabSz="914400" rtl="0" eaLnBrk="1" fontAlgn="auto" latinLnBrk="0" hangingPunct="1">
-                        <a:lnSpc>
-                          <a:spcPct val="100000"/>
-                        </a:lnSpc>
-                        <a:spcBef>
-                          <a:spcPts val="0"/>
-                        </a:spcBef>
-                        <a:spcAft>
-                          <a:spcPts val="0"/>
-                        </a:spcAft>
-                        <a:buClrTx/>
-                        <a:buSzTx/>
-                        <a:buFontTx/>
-                        <a:buNone/>
-                        <a:tabLst/>
-                        <a:defRPr/>
-                      </a:pPr>
-                      <a:endParaRPr lang="en-US" noProof="0" dirty="0"/>
-                    </a:p>
-                  </a:txBody>
-                  <a:tcPr/>
-                </a:tc>
-                <a:tc>
-                  <a:txBody>
-                    <a:bodyPr/>
-                    <a:lstStyle/>
-                    <a:p>
-                      <a:pPr marL="285750" marR="0" lvl="0" indent="-285750" algn="l" defTabSz="914400" rtl="0" eaLnBrk="1" fontAlgn="auto" latinLnBrk="0" hangingPunct="1">
-                        <a:lnSpc>
-                          <a:spcPct val="100000"/>
-                        </a:lnSpc>
-                        <a:spcBef>
-                          <a:spcPts val="0"/>
-                        </a:spcBef>
-                        <a:spcAft>
-                          <a:spcPts val="0"/>
-                        </a:spcAft>
-                        <a:buClrTx/>
-                        <a:buSzTx/>
-                        <a:buFont typeface="Wingdings" panose="05000000000000000000" pitchFamily="2" charset="2"/>
-                        <a:buChar char="ü"/>
-                        <a:tabLst/>
-                        <a:defRPr/>
-                      </a:pPr>
-                      <a:endParaRPr kumimoji="0" lang="en-US" sz="1800" b="0" i="0" u="none" strike="noStrike" kern="1200" cap="none" spc="0" normalizeH="0" baseline="0" noProof="0" dirty="0">
-                        <a:ln>
-                          <a:noFill/>
-                        </a:ln>
-                        <a:solidFill>
-                          <a:srgbClr val="00B050"/>
-                        </a:solidFill>
-                        <a:effectLst/>
-                        <a:uLnTx/>
-                        <a:uFillTx/>
-                        <a:latin typeface="+mn-lt"/>
-                        <a:ea typeface="+mn-ea"/>
-                        <a:cs typeface="+mn-cs"/>
-                      </a:endParaRPr>
-                    </a:p>
-                  </a:txBody>
-                  <a:tcPr/>
-                </a:tc>
-                <a:extLst>
-                  <a:ext uri="{0D108BD9-81ED-4DB2-BD59-A6C34878D82A}">
-                    <a16:rowId xmlns:a16="http://schemas.microsoft.com/office/drawing/2014/main" val="2702079324"/>
-                  </a:ext>
-                </a:extLst>
-              </a:tr>
-              <a:tr h="0">
-                <a:tc>
-                  <a:txBody>
-                    <a:bodyPr/>
-                    <a:lstStyle/>
-                    <a:p>
-                      <a:endParaRPr lang="en-US" noProof="0" dirty="0"/>
-                    </a:p>
-                  </a:txBody>
-                  <a:tcPr/>
-                </a:tc>
-                <a:tc>
-                  <a:txBody>
-                    <a:bodyPr/>
-                    <a:lstStyle/>
-                    <a:p>
-                      <a:endParaRPr lang="en-US" noProof="0" dirty="0"/>
-                    </a:p>
-                  </a:txBody>
-                  <a:tcPr/>
-                </a:tc>
-                <a:tc>
-                  <a:txBody>
-                    <a:bodyPr/>
-                    <a:lstStyle/>
-                    <a:p>
-                      <a:pPr marL="0" marR="0" lvl="0" indent="0" algn="l" defTabSz="914400" rtl="0" eaLnBrk="1" fontAlgn="auto" latinLnBrk="0" hangingPunct="1">
-                        <a:lnSpc>
-                          <a:spcPct val="100000"/>
-                        </a:lnSpc>
-                        <a:spcBef>
-                          <a:spcPts val="0"/>
-                        </a:spcBef>
-                        <a:spcAft>
-                          <a:spcPts val="0"/>
-                        </a:spcAft>
-                        <a:buClrTx/>
-                        <a:buSzTx/>
-                        <a:buFontTx/>
-                        <a:buNone/>
-                        <a:tabLst/>
-                        <a:defRPr/>
-                      </a:pPr>
-                      <a:endParaRPr lang="fr-FR" dirty="0"/>
-                    </a:p>
-                  </a:txBody>
-                  <a:tcPr/>
-                </a:tc>
-                <a:tc>
-                  <a:txBody>
-                    <a:bodyPr/>
-                    <a:lstStyle/>
-                    <a:p>
-                      <a:pPr marL="285750" marR="0" lvl="0" indent="-285750" algn="l" defTabSz="914400" rtl="0" eaLnBrk="1" fontAlgn="auto" latinLnBrk="0" hangingPunct="1">
-                        <a:lnSpc>
-                          <a:spcPct val="100000"/>
-                        </a:lnSpc>
-                        <a:spcBef>
-                          <a:spcPts val="0"/>
-                        </a:spcBef>
-                        <a:spcAft>
-                          <a:spcPts val="0"/>
-                        </a:spcAft>
-                        <a:buClrTx/>
-                        <a:buSzTx/>
-                        <a:buFont typeface="Wingdings" panose="05000000000000000000" pitchFamily="2" charset="2"/>
-                        <a:buChar char="ü"/>
-                        <a:tabLst/>
-                        <a:defRPr/>
-                      </a:pPr>
-                      <a:endParaRPr kumimoji="0" lang="en-US" sz="1800" b="0" i="0" u="none" strike="noStrike" kern="1200" cap="none" spc="0" normalizeH="0" baseline="0" noProof="0" dirty="0">
-                        <a:ln>
-                          <a:noFill/>
-                        </a:ln>
-                        <a:solidFill>
-                          <a:srgbClr val="00B050"/>
-                        </a:solidFill>
-                        <a:effectLst/>
-                        <a:uLnTx/>
-                        <a:uFillTx/>
-                        <a:latin typeface="+mn-lt"/>
-                        <a:ea typeface="+mn-ea"/>
-                        <a:cs typeface="+mn-cs"/>
-                      </a:endParaRPr>
-                    </a:p>
-                  </a:txBody>
-                  <a:tcPr/>
-                </a:tc>
-                <a:extLst>
-                  <a:ext uri="{0D108BD9-81ED-4DB2-BD59-A6C34878D82A}">
-                    <a16:rowId xmlns:a16="http://schemas.microsoft.com/office/drawing/2014/main" val="1703739092"/>
-                  </a:ext>
-                </a:extLst>
-              </a:tr>
-              <a:tr h="0">
-                <a:tc>
-                  <a:txBody>
-                    <a:bodyPr/>
-                    <a:lstStyle/>
-                    <a:p>
-                      <a:endParaRPr lang="en-US" noProof="0"/>
-                    </a:p>
-                  </a:txBody>
-                  <a:tcPr/>
-                </a:tc>
-                <a:tc>
-                  <a:txBody>
-                    <a:bodyPr/>
-                    <a:lstStyle/>
-                    <a:p>
-                      <a:endParaRPr lang="en-US" noProof="0" dirty="0"/>
-                    </a:p>
-                  </a:txBody>
-                  <a:tcPr/>
-                </a:tc>
-                <a:tc>
-                  <a:txBody>
-                    <a:bodyPr/>
-                    <a:lstStyle/>
-                    <a:p>
-                      <a:pPr marL="0" marR="0" lvl="0" indent="0" algn="l" defTabSz="914400" rtl="0" eaLnBrk="1" fontAlgn="auto" latinLnBrk="0" hangingPunct="1">
-                        <a:lnSpc>
-                          <a:spcPct val="100000"/>
-                        </a:lnSpc>
-                        <a:spcBef>
-                          <a:spcPts val="0"/>
-                        </a:spcBef>
-                        <a:spcAft>
-                          <a:spcPts val="0"/>
-                        </a:spcAft>
-                        <a:buClrTx/>
-                        <a:buSzTx/>
-                        <a:buFontTx/>
-                        <a:buNone/>
-                        <a:tabLst/>
-                        <a:defRPr/>
-                      </a:pPr>
-                      <a:endParaRPr lang="en-US" noProof="0" dirty="0"/>
-                    </a:p>
-                  </a:txBody>
-                  <a:tcPr/>
-                </a:tc>
-                <a:tc>
-                  <a:txBody>
-                    <a:bodyPr/>
-                    <a:lstStyle/>
-                    <a:p>
-                      <a:pPr marL="285750" marR="0" lvl="0" indent="-285750" algn="l" defTabSz="914400" rtl="0" eaLnBrk="1" fontAlgn="auto" latinLnBrk="0" hangingPunct="1">
-                        <a:lnSpc>
-                          <a:spcPct val="100000"/>
-                        </a:lnSpc>
-                        <a:spcBef>
-                          <a:spcPts val="0"/>
-                        </a:spcBef>
-                        <a:spcAft>
-                          <a:spcPts val="0"/>
-                        </a:spcAft>
-                        <a:buClrTx/>
-                        <a:buSzTx/>
-                        <a:buFont typeface="Wingdings" panose="05000000000000000000" pitchFamily="2" charset="2"/>
-                        <a:buChar char="ü"/>
-                        <a:tabLst/>
-                        <a:defRPr/>
-                      </a:pPr>
-                      <a:endParaRPr kumimoji="0" lang="en-US" sz="1800" b="0" i="0" u="none" strike="noStrike" kern="1200" cap="none" spc="0" normalizeH="0" baseline="0" noProof="0" dirty="0">
-                        <a:ln>
-                          <a:noFill/>
-                        </a:ln>
-                        <a:solidFill>
-                          <a:srgbClr val="00B050"/>
-                        </a:solidFill>
-                        <a:effectLst/>
-                        <a:uLnTx/>
-                        <a:uFillTx/>
-                        <a:latin typeface="+mn-lt"/>
-                        <a:ea typeface="+mn-ea"/>
-                        <a:cs typeface="+mn-cs"/>
-                      </a:endParaRPr>
-                    </a:p>
-                  </a:txBody>
-                  <a:tcPr/>
-                </a:tc>
-                <a:extLst>
-                  <a:ext uri="{0D108BD9-81ED-4DB2-BD59-A6C34878D82A}">
-                    <a16:rowId xmlns:a16="http://schemas.microsoft.com/office/drawing/2014/main" val="914964665"/>
-                  </a:ext>
-                </a:extLst>
-              </a:tr>
-              <a:tr h="0">
-                <a:tc>
-                  <a:txBody>
-                    <a:bodyPr/>
-                    <a:lstStyle/>
-                    <a:p>
-                      <a:endParaRPr lang="en-US" noProof="0" dirty="0">
-                        <a:solidFill>
-                          <a:srgbClr val="FF0000"/>
-                        </a:solidFill>
-                      </a:endParaRPr>
-                    </a:p>
-                  </a:txBody>
-                  <a:tcPr/>
-                </a:tc>
-                <a:tc>
-                  <a:txBody>
-                    <a:bodyPr/>
-                    <a:lstStyle/>
-                    <a:p>
-                      <a:pPr marL="0" marR="0" lvl="0" indent="0" algn="l" defTabSz="914400" rtl="0" eaLnBrk="1" fontAlgn="auto" latinLnBrk="0" hangingPunct="1">
-                        <a:lnSpc>
-                          <a:spcPct val="100000"/>
-                        </a:lnSpc>
-                        <a:spcBef>
-                          <a:spcPts val="0"/>
-                        </a:spcBef>
-                        <a:spcAft>
-                          <a:spcPts val="0"/>
-                        </a:spcAft>
-                        <a:buClrTx/>
-                        <a:buSzTx/>
-                        <a:buFontTx/>
-                        <a:buNone/>
-                        <a:tabLst/>
-                        <a:defRPr/>
-                      </a:pPr>
-                      <a:endParaRPr lang="en-US" noProof="0" dirty="0"/>
-                    </a:p>
-                  </a:txBody>
-                  <a:tcPr/>
-                </a:tc>
-                <a:tc>
-                  <a:txBody>
-                    <a:bodyPr/>
-                    <a:lstStyle/>
-                    <a:p>
-                      <a:pPr marL="0" marR="0" lvl="0" indent="0" algn="l" defTabSz="914400" rtl="0" eaLnBrk="1" fontAlgn="auto" latinLnBrk="0" hangingPunct="1">
-                        <a:lnSpc>
-                          <a:spcPct val="100000"/>
-                        </a:lnSpc>
-                        <a:spcBef>
-                          <a:spcPts val="0"/>
-                        </a:spcBef>
-                        <a:spcAft>
-                          <a:spcPts val="0"/>
-                        </a:spcAft>
-                        <a:buClrTx/>
-                        <a:buSzTx/>
-                        <a:buFontTx/>
-                        <a:buNone/>
-                        <a:tabLst/>
-                        <a:defRPr/>
-                      </a:pPr>
-                      <a:endParaRPr lang="en-US" noProof="0" dirty="0"/>
-                    </a:p>
-                  </a:txBody>
-                  <a:tcPr/>
-                </a:tc>
-                <a:tc>
-                  <a:txBody>
-                    <a:bodyPr/>
-                    <a:lstStyle/>
-                    <a:p>
-                      <a:pPr marL="0" marR="0" lvl="0" indent="0" algn="l" defTabSz="914400" rtl="0" eaLnBrk="1" fontAlgn="auto" latinLnBrk="0" hangingPunct="1">
-                        <a:lnSpc>
-                          <a:spcPct val="100000"/>
-                        </a:lnSpc>
-                        <a:spcBef>
-                          <a:spcPts val="0"/>
-                        </a:spcBef>
-                        <a:spcAft>
-                          <a:spcPts val="0"/>
-                        </a:spcAft>
-                        <a:buClrTx/>
-                        <a:buSzTx/>
-                        <a:buFont typeface="Wingdings" panose="05000000000000000000" pitchFamily="2" charset="2"/>
-                        <a:buNone/>
-                        <a:tabLst/>
-                        <a:defRPr/>
-                      </a:pPr>
-                      <a:endParaRPr kumimoji="0" lang="en-US" sz="1800" b="0" i="0" u="none" strike="noStrike" kern="1200" cap="none" spc="0" normalizeH="0" baseline="0" noProof="0" dirty="0">
-                        <a:ln>
-                          <a:noFill/>
-                        </a:ln>
-                        <a:solidFill>
-                          <a:srgbClr val="00B050"/>
-                        </a:solidFill>
-                        <a:effectLst/>
-                        <a:uLnTx/>
-                        <a:uFillTx/>
-                        <a:latin typeface="Calibri" panose="020F0502020204030204"/>
-                        <a:ea typeface="+mn-ea"/>
-                        <a:cs typeface="+mn-cs"/>
-                      </a:endParaRPr>
-                    </a:p>
-                  </a:txBody>
-                  <a:tcPr/>
-                </a:tc>
-                <a:extLst>
-                  <a:ext uri="{0D108BD9-81ED-4DB2-BD59-A6C34878D82A}">
-                    <a16:rowId xmlns:a16="http://schemas.microsoft.com/office/drawing/2014/main" val="802458752"/>
                   </a:ext>
                 </a:extLst>
               </a:tr>
@@ -16153,7 +15299,15 @@
           <a:p>
             <a:r>
               <a:rPr lang="fr-FR" dirty="0"/>
-              <a:t>Drone Command (1/3)</a:t>
+              <a:t>Drone </a:t>
+            </a:r>
+            <a:r>
+              <a:rPr lang="fr-FR" dirty="0" err="1"/>
+              <a:t>processing</a:t>
+            </a:r>
+            <a:r>
+              <a:rPr lang="fr-FR" dirty="0"/>
+              <a:t> (1/3)</a:t>
             </a:r>
           </a:p>
         </p:txBody>
@@ -16174,12 +15328,39 @@
             <p:ph idx="1"/>
           </p:nvPr>
         </p:nvSpPr>
-        <p:spPr/>
+        <p:spPr>
+          <a:xfrm>
+            <a:off x="838200" y="1478280"/>
+            <a:ext cx="10515600" cy="5273040"/>
+          </a:xfrm>
+        </p:spPr>
         <p:txBody>
           <a:bodyPr>
-            <a:normAutofit fontScale="62500" lnSpcReduction="20000"/>
+            <a:normAutofit fontScale="70000" lnSpcReduction="20000"/>
           </a:bodyPr>
           <a:lstStyle/>
+          <a:p>
+            <a:r>
+              <a:rPr lang="en-US" sz="2600" dirty="0"/>
+              <a:t>This processing usually occurs every 20 </a:t>
+            </a:r>
+            <a:r>
+              <a:rPr lang="en-US" sz="2600" dirty="0" err="1"/>
+              <a:t>ms</a:t>
+            </a:r>
+            <a:r>
+              <a:rPr lang="en-US" sz="2600" dirty="0"/>
+              <a:t> (</a:t>
+            </a:r>
+            <a:r>
+              <a:rPr lang="en-US" sz="2600" dirty="0" err="1"/>
+              <a:t>samplePeriod</a:t>
+            </a:r>
+            <a:r>
+              <a:rPr lang="en-US" sz="2600" dirty="0"/>
+              <a:t>), any latency is logged.</a:t>
+            </a:r>
+          </a:p>
           <a:p>
             <a:r>
               <a:rPr lang="en-US" sz="2600" dirty="0"/>
@@ -16192,7 +15373,7 @@
             </a:pPr>
             <a:r>
               <a:rPr lang="en-US" sz="1400" dirty="0"/>
-              <a:t>for ROLL, PITCH, YAW: range [-90;+90] </a:t>
+              <a:t>ROLL, PITCH: range [-45;+45] </a:t>
             </a:r>
           </a:p>
           <a:p>
@@ -16201,11 +15382,7 @@
             </a:pPr>
             <a:r>
               <a:rPr lang="en-US" sz="1400" dirty="0"/>
-              <a:t>for THROTTLE:               0 (if &lt; 1.1*MINPPM) or value included in [1.1*MINPPM;MAXPPM] </a:t>
-            </a:r>
-            <a:r>
-              <a:rPr lang="fr-FR" sz="1400" dirty="0"/>
-              <a:t> </a:t>
+              <a:t>YAW: range [-90;+90] </a:t>
             </a:r>
           </a:p>
           <a:p>
@@ -16213,24 +15390,12 @@
               <a:buNone/>
             </a:pPr>
             <a:r>
-              <a:rPr lang="fr-FR" sz="1400" dirty="0"/>
-              <a:t>for AUX1:            0 </a:t>
-            </a:r>
-            <a:r>
               <a:rPr lang="en-US" sz="1400" dirty="0"/>
-              <a:t>(if &lt; 0.9*MAXPPM) </a:t>
+              <a:t>THROTTLE:   0 if &lt; 1.1*MINPPM else value included in [1.1*MINPPM;MAXPPM] </a:t>
             </a:r>
             <a:r>
               <a:rPr lang="fr-FR" sz="1400" dirty="0"/>
               <a:t> </a:t>
-            </a:r>
-            <a:r>
-              <a:rPr lang="fr-FR" sz="1400" dirty="0" err="1"/>
-              <a:t>else</a:t>
-            </a:r>
-            <a:r>
-              <a:rPr lang="fr-FR" sz="1400" dirty="0"/>
-              <a:t> 1</a:t>
             </a:r>
           </a:p>
           <a:p>
@@ -16239,15 +15404,36 @@
             </a:pPr>
             <a:r>
               <a:rPr lang="fr-FR" sz="1400" dirty="0"/>
-              <a:t>for AUX2:            0 </a:t>
+              <a:t>AUX1:            0 </a:t>
             </a:r>
             <a:r>
               <a:rPr lang="en-US" sz="1400" dirty="0"/>
-              <a:t>(if &lt; 0,9* MAXPPMAUX2 ) </a:t>
+              <a:t>if &lt; 0.9*MAXPPM </a:t>
             </a:r>
             <a:r>
               <a:rPr lang="fr-FR" sz="1400" dirty="0"/>
               <a:t> </a:t>
+            </a:r>
+            <a:r>
+              <a:rPr lang="fr-FR" sz="1400" dirty="0" err="1"/>
+              <a:t>else</a:t>
+            </a:r>
+            <a:r>
+              <a:rPr lang="fr-FR" sz="1400" dirty="0"/>
+              <a:t> 1</a:t>
+            </a:r>
+          </a:p>
+          <a:p>
+            <a:pPr marL="457200" lvl="1" indent="0">
+              <a:buNone/>
+            </a:pPr>
+            <a:r>
+              <a:rPr lang="fr-FR" sz="1400" dirty="0"/>
+              <a:t>AUX2:            0 </a:t>
+            </a:r>
+            <a:r>
+              <a:rPr lang="en-US" sz="1400" dirty="0"/>
+              <a:t>if &lt; 0,9* MAXPPMAUX2 </a:t>
             </a:r>
             <a:r>
               <a:rPr lang="fr-FR" sz="1400" dirty="0" err="1"/>
@@ -16276,7 +15462,16 @@
             </a:pPr>
             <a:r>
               <a:rPr lang="en-US" sz="1400" dirty="0"/>
-              <a:t>for ROLL, PITCH: range [-90;+90] </a:t>
+              <a:t>ROLL, PITCH: range [-90;+90] </a:t>
+            </a:r>
+          </a:p>
+          <a:p>
+            <a:pPr marL="457200" lvl="1" indent="0">
+              <a:buNone/>
+            </a:pPr>
+            <a:r>
+              <a:rPr lang="en-US" sz="1400" dirty="0"/>
+              <a:t>YAW:  range [0;+359] </a:t>
             </a:r>
           </a:p>
           <a:p>
@@ -16307,7 +15502,7 @@
               <a:t> on RC Command vs CMPS12 </a:t>
             </a:r>
             <a:r>
-              <a:rPr lang="fr-FR" sz="2600"/>
+              <a:rPr lang="fr-FR" sz="2600" dirty="0" err="1"/>
               <a:t>measures</a:t>
             </a:r>
             <a:endParaRPr lang="fr-FR" sz="2600" dirty="0"/>
@@ -16357,7 +15552,11 @@
             </a:pPr>
             <a:r>
               <a:rPr lang="en-US" sz="1200" dirty="0"/>
-              <a:t>Low pass filter cut frequency at 20 Hz for the Derivative component, cuts out the high frequency noise that can drive the controller crazy</a:t>
+              <a:t>Low pass filter cut frequency at 20 Hz for the Derivative component, cuts out the high frequency noise that can drive the </a:t>
+            </a:r>
+            <a:r>
+              <a:rPr lang="en-US" sz="1200"/>
+              <a:t>controller cray</a:t>
             </a:r>
             <a:endParaRPr lang="nb-NO" sz="1200" dirty="0"/>
           </a:p>
@@ -16443,7 +15642,11 @@
                   <a:srgbClr val="FF0000"/>
                 </a:solidFill>
               </a:rPr>
-              <a:t> 0</a:t>
+              <a:t> </a:t>
+            </a:r>
+            <a:r>
+              <a:rPr lang="en-US" sz="1500" dirty="0"/>
+              <a:t>PID Yaw</a:t>
             </a:r>
           </a:p>
           <a:p>
@@ -16507,7 +15710,15 @@
           <a:p>
             <a:r>
               <a:rPr lang="fr-FR" dirty="0"/>
-              <a:t>Drone Command (2/3)</a:t>
+              <a:t>Drone </a:t>
+            </a:r>
+            <a:r>
+              <a:rPr lang="fr-FR" dirty="0" err="1"/>
+              <a:t>processing</a:t>
+            </a:r>
+            <a:r>
+              <a:rPr lang="fr-FR" dirty="0"/>
+              <a:t> (2/3)</a:t>
             </a:r>
           </a:p>
         </p:txBody>
@@ -16943,7 +16154,15 @@
           <a:p>
             <a:r>
               <a:rPr lang="fr-FR" dirty="0"/>
-              <a:t>Drone Command (3/3)</a:t>
+              <a:t>Drone </a:t>
+            </a:r>
+            <a:r>
+              <a:rPr lang="fr-FR" dirty="0" err="1"/>
+              <a:t>processing</a:t>
+            </a:r>
+            <a:r>
+              <a:rPr lang="fr-FR" dirty="0"/>
+              <a:t> (3/3)</a:t>
             </a:r>
           </a:p>
         </p:txBody>

--- a/libraries/Diagramm Drone.pptx
+++ b/libraries/Diagramm Drone.pptx
@@ -14,8 +14,9 @@
     <p:sldId id="270" r:id="rId8"/>
     <p:sldId id="271" r:id="rId9"/>
     <p:sldId id="274" r:id="rId10"/>
-    <p:sldId id="260" r:id="rId11"/>
-    <p:sldId id="275" r:id="rId12"/>
+    <p:sldId id="275" r:id="rId11"/>
+    <p:sldId id="276" r:id="rId12"/>
+    <p:sldId id="260" r:id="rId13"/>
   </p:sldIdLst>
   <p:sldSz cx="12192000" cy="6858000"/>
   <p:notesSz cx="6888163" cy="10020300"/>
@@ -292,7 +293,7 @@
           <a:p>
             <a:fld id="{0717AEF8-1597-4679-8926-916E82E12B07}" type="datetimeFigureOut">
               <a:rPr lang="fr-FR" smtClean="0"/>
-              <a:t>28/05/2019</a:t>
+              <a:t>02/06/2019</a:t>
             </a:fld>
             <a:endParaRPr lang="fr-FR"/>
           </a:p>
@@ -490,7 +491,7 @@
           <a:p>
             <a:fld id="{0717AEF8-1597-4679-8926-916E82E12B07}" type="datetimeFigureOut">
               <a:rPr lang="fr-FR" smtClean="0"/>
-              <a:t>28/05/2019</a:t>
+              <a:t>02/06/2019</a:t>
             </a:fld>
             <a:endParaRPr lang="fr-FR"/>
           </a:p>
@@ -698,7 +699,7 @@
           <a:p>
             <a:fld id="{0717AEF8-1597-4679-8926-916E82E12B07}" type="datetimeFigureOut">
               <a:rPr lang="fr-FR" smtClean="0"/>
-              <a:t>28/05/2019</a:t>
+              <a:t>02/06/2019</a:t>
             </a:fld>
             <a:endParaRPr lang="fr-FR"/>
           </a:p>
@@ -896,7 +897,7 @@
           <a:p>
             <a:fld id="{0717AEF8-1597-4679-8926-916E82E12B07}" type="datetimeFigureOut">
               <a:rPr lang="fr-FR" smtClean="0"/>
-              <a:t>28/05/2019</a:t>
+              <a:t>02/06/2019</a:t>
             </a:fld>
             <a:endParaRPr lang="fr-FR"/>
           </a:p>
@@ -1171,7 +1172,7 @@
           <a:p>
             <a:fld id="{0717AEF8-1597-4679-8926-916E82E12B07}" type="datetimeFigureOut">
               <a:rPr lang="fr-FR" smtClean="0"/>
-              <a:t>28/05/2019</a:t>
+              <a:t>02/06/2019</a:t>
             </a:fld>
             <a:endParaRPr lang="fr-FR"/>
           </a:p>
@@ -1436,7 +1437,7 @@
           <a:p>
             <a:fld id="{0717AEF8-1597-4679-8926-916E82E12B07}" type="datetimeFigureOut">
               <a:rPr lang="fr-FR" smtClean="0"/>
-              <a:t>28/05/2019</a:t>
+              <a:t>02/06/2019</a:t>
             </a:fld>
             <a:endParaRPr lang="fr-FR"/>
           </a:p>
@@ -1848,7 +1849,7 @@
           <a:p>
             <a:fld id="{0717AEF8-1597-4679-8926-916E82E12B07}" type="datetimeFigureOut">
               <a:rPr lang="fr-FR" smtClean="0"/>
-              <a:t>28/05/2019</a:t>
+              <a:t>02/06/2019</a:t>
             </a:fld>
             <a:endParaRPr lang="fr-FR"/>
           </a:p>
@@ -1989,7 +1990,7 @@
           <a:p>
             <a:fld id="{0717AEF8-1597-4679-8926-916E82E12B07}" type="datetimeFigureOut">
               <a:rPr lang="fr-FR" smtClean="0"/>
-              <a:t>28/05/2019</a:t>
+              <a:t>02/06/2019</a:t>
             </a:fld>
             <a:endParaRPr lang="fr-FR"/>
           </a:p>
@@ -2102,7 +2103,7 @@
           <a:p>
             <a:fld id="{0717AEF8-1597-4679-8926-916E82E12B07}" type="datetimeFigureOut">
               <a:rPr lang="fr-FR" smtClean="0"/>
-              <a:t>28/05/2019</a:t>
+              <a:t>02/06/2019</a:t>
             </a:fld>
             <a:endParaRPr lang="fr-FR"/>
           </a:p>
@@ -2413,7 +2414,7 @@
           <a:p>
             <a:fld id="{0717AEF8-1597-4679-8926-916E82E12B07}" type="datetimeFigureOut">
               <a:rPr lang="fr-FR" smtClean="0"/>
-              <a:t>28/05/2019</a:t>
+              <a:t>02/06/2019</a:t>
             </a:fld>
             <a:endParaRPr lang="fr-FR"/>
           </a:p>
@@ -2701,7 +2702,7 @@
           <a:p>
             <a:fld id="{0717AEF8-1597-4679-8926-916E82E12B07}" type="datetimeFigureOut">
               <a:rPr lang="fr-FR" smtClean="0"/>
-              <a:t>28/05/2019</a:t>
+              <a:t>02/06/2019</a:t>
             </a:fld>
             <a:endParaRPr lang="fr-FR"/>
           </a:p>
@@ -2942,7 +2943,7 @@
           <a:p>
             <a:fld id="{0717AEF8-1597-4679-8926-916E82E12B07}" type="datetimeFigureOut">
               <a:rPr lang="fr-FR" smtClean="0"/>
-              <a:t>28/05/2019</a:t>
+              <a:t>02/06/2019</a:t>
             </a:fld>
             <a:endParaRPr lang="fr-FR"/>
           </a:p>
@@ -10057,7 +10058,7 @@
           <p:cNvPr id="2" name="Titre 1">
             <a:extLst>
               <a:ext uri="{FF2B5EF4-FFF2-40B4-BE49-F238E27FC236}">
-                <a16:creationId xmlns:a16="http://schemas.microsoft.com/office/drawing/2014/main" id="{7D7887D6-7566-47C9-A25C-3F4F54D9EBDC}"/>
+                <a16:creationId xmlns:a16="http://schemas.microsoft.com/office/drawing/2014/main" id="{B2E95FC8-98C1-4761-96A0-FCEBFB8AD3C7}"/>
               </a:ext>
             </a:extLst>
           </p:cNvPr>
@@ -10068,253 +10069,735 @@
             <p:ph type="title"/>
           </p:nvPr>
         </p:nvSpPr>
-        <p:spPr/>
+        <p:spPr>
+          <a:xfrm>
+            <a:off x="750651" y="199596"/>
+            <a:ext cx="10515600" cy="644809"/>
+          </a:xfrm>
+        </p:spPr>
         <p:txBody>
-          <a:bodyPr/>
+          <a:bodyPr>
+            <a:normAutofit fontScale="90000"/>
+          </a:bodyPr>
           <a:lstStyle/>
           <a:p>
-            <a:r>
-              <a:rPr lang="fr-FR" dirty="0" err="1"/>
-              <a:t>Special</a:t>
-            </a:r>
-            <a:r>
-              <a:rPr lang="fr-FR" dirty="0"/>
-              <a:t> pins Arduino MEGA2560</a:t>
+            <a:pPr algn="ctr"/>
+            <a:r>
+              <a:rPr lang="en-US" dirty="0"/>
+              <a:t>RC</a:t>
             </a:r>
           </a:p>
         </p:txBody>
       </p:sp>
       <p:sp>
         <p:nvSpPr>
-          <p:cNvPr id="3" name="Espace réservé du contenu 2">
-            <a:extLst>
-              <a:ext uri="{FF2B5EF4-FFF2-40B4-BE49-F238E27FC236}">
-                <a16:creationId xmlns:a16="http://schemas.microsoft.com/office/drawing/2014/main" id="{570C9186-32F7-45DB-A01D-E527B032981A}"/>
-              </a:ext>
-            </a:extLst>
-          </p:cNvPr>
-          <p:cNvSpPr>
-            <a:spLocks noGrp="1"/>
-          </p:cNvSpPr>
-          <p:nvPr>
-            <p:ph idx="1"/>
-          </p:nvPr>
+          <p:cNvPr id="7" name="Ellipse 6">
+            <a:extLst>
+              <a:ext uri="{FF2B5EF4-FFF2-40B4-BE49-F238E27FC236}">
+                <a16:creationId xmlns:a16="http://schemas.microsoft.com/office/drawing/2014/main" id="{B8F24F67-8CCD-4123-96FC-F6FE2AD5ED78}"/>
+              </a:ext>
+            </a:extLst>
+          </p:cNvPr>
+          <p:cNvSpPr/>
+          <p:nvPr/>
         </p:nvSpPr>
-        <p:spPr/>
+        <p:spPr>
+          <a:xfrm rot="900000">
+            <a:off x="2350852" y="3424748"/>
+            <a:ext cx="914400" cy="914400"/>
+          </a:xfrm>
+          <a:prstGeom prst="ellipse">
+            <a:avLst/>
+          </a:prstGeom>
+        </p:spPr>
+        <p:style>
+          <a:lnRef idx="2">
+            <a:schemeClr val="accent1">
+              <a:shade val="50000"/>
+            </a:schemeClr>
+          </a:lnRef>
+          <a:fillRef idx="1">
+            <a:schemeClr val="accent1"/>
+          </a:fillRef>
+          <a:effectRef idx="0">
+            <a:schemeClr val="accent1"/>
+          </a:effectRef>
+          <a:fontRef idx="minor">
+            <a:schemeClr val="lt1"/>
+          </a:fontRef>
+        </p:style>
         <p:txBody>
-          <a:bodyPr>
-            <a:normAutofit fontScale="62500" lnSpcReduction="20000"/>
+          <a:bodyPr rtlCol="0" anchor="ctr"/>
+          <a:lstStyle/>
+          <a:p>
+            <a:pPr algn="ctr"/>
+            <a:endParaRPr lang="en-US"/>
+          </a:p>
+        </p:txBody>
+      </p:sp>
+      <p:cxnSp>
+        <p:nvCxnSpPr>
+          <p:cNvPr id="57" name="Connecteur droit 56">
+            <a:extLst>
+              <a:ext uri="{FF2B5EF4-FFF2-40B4-BE49-F238E27FC236}">
+                <a16:creationId xmlns:a16="http://schemas.microsoft.com/office/drawing/2014/main" id="{44EFC622-3CBD-4FF4-9820-E5AF57BF5157}"/>
+              </a:ext>
+            </a:extLst>
+          </p:cNvPr>
+          <p:cNvCxnSpPr>
+            <a:cxnSpLocks/>
+          </p:cNvCxnSpPr>
+          <p:nvPr/>
+        </p:nvCxnSpPr>
+        <p:spPr>
+          <a:xfrm flipH="1">
+            <a:off x="2798326" y="1389129"/>
+            <a:ext cx="9726" cy="4846300"/>
+          </a:xfrm>
+          <a:prstGeom prst="line">
+            <a:avLst/>
+          </a:prstGeom>
+          <a:ln w="22225">
+            <a:solidFill>
+              <a:schemeClr val="accent1"/>
+            </a:solidFill>
+            <a:prstDash val="sysDash"/>
+          </a:ln>
+        </p:spPr>
+        <p:style>
+          <a:lnRef idx="1">
+            <a:schemeClr val="accent1"/>
+          </a:lnRef>
+          <a:fillRef idx="0">
+            <a:schemeClr val="accent1"/>
+          </a:fillRef>
+          <a:effectRef idx="0">
+            <a:schemeClr val="accent1"/>
+          </a:effectRef>
+          <a:fontRef idx="minor">
+            <a:schemeClr val="tx1"/>
+          </a:fontRef>
+        </p:style>
+      </p:cxnSp>
+      <p:cxnSp>
+        <p:nvCxnSpPr>
+          <p:cNvPr id="67" name="Connecteur droit 66">
+            <a:extLst>
+              <a:ext uri="{FF2B5EF4-FFF2-40B4-BE49-F238E27FC236}">
+                <a16:creationId xmlns:a16="http://schemas.microsoft.com/office/drawing/2014/main" id="{93B3E475-E001-4631-A52C-F00D276CD885}"/>
+              </a:ext>
+            </a:extLst>
+          </p:cNvPr>
+          <p:cNvCxnSpPr>
+            <a:cxnSpLocks/>
+          </p:cNvCxnSpPr>
+          <p:nvPr/>
+        </p:nvCxnSpPr>
+        <p:spPr>
+          <a:xfrm flipH="1">
+            <a:off x="171655" y="3881948"/>
+            <a:ext cx="5394521" cy="0"/>
+          </a:xfrm>
+          <a:prstGeom prst="line">
+            <a:avLst/>
+          </a:prstGeom>
+          <a:ln w="22225">
+            <a:solidFill>
+              <a:schemeClr val="accent1"/>
+            </a:solidFill>
+            <a:prstDash val="sysDash"/>
+          </a:ln>
+        </p:spPr>
+        <p:style>
+          <a:lnRef idx="1">
+            <a:schemeClr val="accent1"/>
+          </a:lnRef>
+          <a:fillRef idx="0">
+            <a:schemeClr val="accent1"/>
+          </a:fillRef>
+          <a:effectRef idx="0">
+            <a:schemeClr val="accent1"/>
+          </a:effectRef>
+          <a:fontRef idx="minor">
+            <a:schemeClr val="tx1"/>
+          </a:fontRef>
+        </p:style>
+      </p:cxnSp>
+      <p:sp>
+        <p:nvSpPr>
+          <p:cNvPr id="70" name="ZoneTexte 69">
+            <a:extLst>
+              <a:ext uri="{FF2B5EF4-FFF2-40B4-BE49-F238E27FC236}">
+                <a16:creationId xmlns:a16="http://schemas.microsoft.com/office/drawing/2014/main" id="{0454E0DA-A088-4056-BD51-40A1FDE4D74E}"/>
+              </a:ext>
+            </a:extLst>
+          </p:cNvPr>
+          <p:cNvSpPr txBox="1"/>
+          <p:nvPr/>
+        </p:nvSpPr>
+        <p:spPr>
+          <a:xfrm>
+            <a:off x="400893" y="3573902"/>
+            <a:ext cx="958211" cy="369332"/>
+          </a:xfrm>
+          <a:prstGeom prst="rect">
+            <a:avLst/>
+          </a:prstGeom>
+          <a:noFill/>
+        </p:spPr>
+        <p:txBody>
+          <a:bodyPr wrap="none" rtlCol="0">
+            <a:spAutoFit/>
           </a:bodyPr>
           <a:lstStyle/>
           <a:p>
-            <a:pPr marL="0" indent="0">
-              <a:buNone/>
-            </a:pPr>
-            <a:r>
-              <a:rPr lang="fr-FR" sz="3500" u="sng" dirty="0"/>
-              <a:t>Pin Change </a:t>
-            </a:r>
-            <a:r>
-              <a:rPr lang="fr-FR" sz="3500" u="sng" dirty="0" err="1"/>
-              <a:t>Interrupt</a:t>
-            </a:r>
-            <a:r>
-              <a:rPr lang="fr-FR" sz="3500" u="sng" dirty="0"/>
-              <a:t> 2 ISR(PCINT2_vect)</a:t>
-            </a:r>
-          </a:p>
-          <a:p>
-            <a:pPr marL="0" indent="0">
-              <a:buNone/>
-            </a:pPr>
-            <a:r>
-              <a:rPr lang="da-DK" dirty="0"/>
-              <a:t>For pins PCINT16-PCINT23 (PK0- PK7), PORT K</a:t>
-            </a:r>
-          </a:p>
-          <a:p>
-            <a:pPr marL="0" indent="0">
-              <a:buNone/>
-            </a:pPr>
-            <a:r>
-              <a:rPr lang="fr-FR" dirty="0"/>
-              <a:t>Use pin A8 to A13 (PCINT16  to PCINT21 )</a:t>
-            </a:r>
-          </a:p>
-          <a:p>
-            <a:pPr marL="0" indent="0">
-              <a:buNone/>
-            </a:pPr>
-            <a:r>
-              <a:rPr lang="da-DK" dirty="0"/>
-              <a:t>PCMSK2 – Pin Change Mask Register 2 </a:t>
-            </a:r>
             <a:r>
               <a:rPr lang="en-US" dirty="0"/>
-              <a:t>Bit 2 – PCIF2: clear any outstanding interrupts 2</a:t>
-            </a:r>
-            <a:endParaRPr lang="da-DK" dirty="0"/>
-          </a:p>
-          <a:p>
-            <a:pPr marL="0" indent="0">
-              <a:buNone/>
-            </a:pPr>
-            <a:r>
-              <a:rPr lang="en-US" dirty="0"/>
-              <a:t>PCIFR – Pin Change Interrupt Flag Register =&gt; Bit 2 – PCIF2: clear any outstanding interrupts 2</a:t>
-            </a:r>
-          </a:p>
-          <a:p>
-            <a:pPr marL="0" indent="0">
-              <a:buNone/>
-            </a:pPr>
-            <a:r>
-              <a:rPr lang="fr-FR" dirty="0"/>
-              <a:t>PCICR – Pin Change </a:t>
-            </a:r>
-            <a:r>
-              <a:rPr lang="fr-FR" dirty="0" err="1"/>
-              <a:t>Interrupt</a:t>
-            </a:r>
-            <a:r>
-              <a:rPr lang="fr-FR" dirty="0"/>
-              <a:t> Control </a:t>
-            </a:r>
-            <a:r>
-              <a:rPr lang="fr-FR" dirty="0" err="1"/>
-              <a:t>Register</a:t>
-            </a:r>
-            <a:r>
-              <a:rPr lang="fr-FR" dirty="0"/>
-              <a:t> =&gt; Bit 2 – PCIE2: enable pin change </a:t>
-            </a:r>
-            <a:r>
-              <a:rPr lang="fr-FR" dirty="0" err="1"/>
-              <a:t>interrupts</a:t>
-            </a:r>
-            <a:r>
-              <a:rPr lang="fr-FR" dirty="0"/>
-              <a:t> 2</a:t>
-            </a:r>
-          </a:p>
-          <a:p>
-            <a:pPr marL="0" indent="0">
-              <a:buNone/>
-            </a:pPr>
-            <a:br>
-              <a:rPr lang="fr-FR" dirty="0"/>
-            </a:br>
-            <a:endParaRPr lang="fr-FR" dirty="0"/>
-          </a:p>
-          <a:p>
-            <a:pPr marL="0" indent="0">
-              <a:buNone/>
-            </a:pPr>
-            <a:r>
-              <a:rPr lang="fr-FR" sz="3500" u="sng" dirty="0"/>
-              <a:t>SPI</a:t>
-            </a:r>
-          </a:p>
-          <a:p>
-            <a:pPr marL="0" indent="0">
-              <a:buNone/>
-            </a:pPr>
-            <a:r>
-              <a:rPr lang="fi-FI" dirty="0"/>
-              <a:t>Pin</a:t>
-            </a:r>
-            <a:r>
-              <a:rPr lang="fr-FR" dirty="0"/>
-              <a:t> #</a:t>
-            </a:r>
-            <a:r>
-              <a:rPr lang="fi-FI" dirty="0"/>
-              <a:t>10: CS</a:t>
-            </a:r>
-            <a:endParaRPr lang="fr-FR" dirty="0"/>
-          </a:p>
-          <a:p>
-            <a:pPr marL="0" indent="0">
-              <a:buNone/>
-            </a:pPr>
-            <a:r>
-              <a:rPr lang="fi-FI" dirty="0"/>
-              <a:t>pin</a:t>
-            </a:r>
-            <a:r>
-              <a:rPr lang="fr-FR" dirty="0"/>
-              <a:t> #</a:t>
-            </a:r>
-            <a:r>
-              <a:rPr lang="fi-FI" dirty="0"/>
-              <a:t>11-&gt;pin</a:t>
-            </a:r>
-            <a:r>
-              <a:rPr lang="fr-FR" dirty="0"/>
-              <a:t> #</a:t>
-            </a:r>
-            <a:r>
-              <a:rPr lang="fi-FI" dirty="0"/>
-              <a:t>51</a:t>
-            </a:r>
-          </a:p>
-          <a:p>
-            <a:pPr marL="0" indent="0">
-              <a:buNone/>
-            </a:pPr>
-            <a:r>
-              <a:rPr lang="fi-FI" dirty="0"/>
-              <a:t>pin</a:t>
-            </a:r>
-            <a:r>
-              <a:rPr lang="fr-FR" dirty="0"/>
-              <a:t> #</a:t>
-            </a:r>
-            <a:r>
-              <a:rPr lang="fi-FI" dirty="0"/>
-              <a:t>12-&gt;pin</a:t>
-            </a:r>
-            <a:r>
-              <a:rPr lang="fr-FR" dirty="0"/>
-              <a:t> #</a:t>
-            </a:r>
-            <a:r>
-              <a:rPr lang="fi-FI" dirty="0"/>
-              <a:t>50</a:t>
-            </a:r>
-          </a:p>
-          <a:p>
-            <a:pPr marL="0" indent="0">
-              <a:buNone/>
-            </a:pPr>
-            <a:r>
-              <a:rPr lang="fi-FI" dirty="0"/>
-              <a:t>pin</a:t>
-            </a:r>
-            <a:r>
-              <a:rPr lang="fr-FR" dirty="0"/>
-              <a:t> #</a:t>
-            </a:r>
-            <a:r>
-              <a:rPr lang="fi-FI" dirty="0"/>
-              <a:t>13-&gt;pin</a:t>
-            </a:r>
-            <a:r>
-              <a:rPr lang="fr-FR" dirty="0"/>
-              <a:t> #</a:t>
-            </a:r>
-            <a:r>
-              <a:rPr lang="fi-FI" dirty="0"/>
-              <a:t>52</a:t>
-            </a:r>
-            <a:endParaRPr lang="fr-FR" dirty="0"/>
+              <a:t>+90 Yaw</a:t>
+            </a:r>
           </a:p>
         </p:txBody>
       </p:sp>
+      <p:sp>
+        <p:nvSpPr>
+          <p:cNvPr id="27" name="ZoneTexte 26">
+            <a:extLst>
+              <a:ext uri="{FF2B5EF4-FFF2-40B4-BE49-F238E27FC236}">
+                <a16:creationId xmlns:a16="http://schemas.microsoft.com/office/drawing/2014/main" id="{2A9998C9-7194-47CB-88BA-8DC664BAB274}"/>
+              </a:ext>
+            </a:extLst>
+          </p:cNvPr>
+          <p:cNvSpPr txBox="1"/>
+          <p:nvPr/>
+        </p:nvSpPr>
+        <p:spPr>
+          <a:xfrm>
+            <a:off x="4715746" y="3504243"/>
+            <a:ext cx="913327" cy="369332"/>
+          </a:xfrm>
+          <a:prstGeom prst="rect">
+            <a:avLst/>
+          </a:prstGeom>
+          <a:noFill/>
+        </p:spPr>
+        <p:txBody>
+          <a:bodyPr wrap="none" rtlCol="0">
+            <a:spAutoFit/>
+          </a:bodyPr>
+          <a:lstStyle/>
+          <a:p>
+            <a:r>
+              <a:rPr lang="en-US" dirty="0"/>
+              <a:t>-90 Yaw</a:t>
+            </a:r>
+          </a:p>
+        </p:txBody>
+      </p:sp>
+      <p:sp>
+        <p:nvSpPr>
+          <p:cNvPr id="29" name="Ellipse 28">
+            <a:extLst>
+              <a:ext uri="{FF2B5EF4-FFF2-40B4-BE49-F238E27FC236}">
+                <a16:creationId xmlns:a16="http://schemas.microsoft.com/office/drawing/2014/main" id="{C4DF2757-821B-4A29-A902-1F5DC2A1960C}"/>
+              </a:ext>
+            </a:extLst>
+          </p:cNvPr>
+          <p:cNvSpPr/>
+          <p:nvPr/>
+        </p:nvSpPr>
+        <p:spPr>
+          <a:xfrm rot="900000">
+            <a:off x="8583059" y="3421500"/>
+            <a:ext cx="914400" cy="914400"/>
+          </a:xfrm>
+          <a:prstGeom prst="ellipse">
+            <a:avLst/>
+          </a:prstGeom>
+        </p:spPr>
+        <p:style>
+          <a:lnRef idx="2">
+            <a:schemeClr val="accent1">
+              <a:shade val="50000"/>
+            </a:schemeClr>
+          </a:lnRef>
+          <a:fillRef idx="1">
+            <a:schemeClr val="accent1"/>
+          </a:fillRef>
+          <a:effectRef idx="0">
+            <a:schemeClr val="accent1"/>
+          </a:effectRef>
+          <a:fontRef idx="minor">
+            <a:schemeClr val="lt1"/>
+          </a:fontRef>
+        </p:style>
+        <p:txBody>
+          <a:bodyPr rtlCol="0" anchor="ctr"/>
+          <a:lstStyle/>
+          <a:p>
+            <a:pPr algn="ctr"/>
+            <a:endParaRPr lang="en-US"/>
+          </a:p>
+        </p:txBody>
+      </p:sp>
+      <p:cxnSp>
+        <p:nvCxnSpPr>
+          <p:cNvPr id="30" name="Connecteur droit 29">
+            <a:extLst>
+              <a:ext uri="{FF2B5EF4-FFF2-40B4-BE49-F238E27FC236}">
+                <a16:creationId xmlns:a16="http://schemas.microsoft.com/office/drawing/2014/main" id="{8B50BB6F-778A-49B2-94BB-9357BE6EBF74}"/>
+              </a:ext>
+            </a:extLst>
+          </p:cNvPr>
+          <p:cNvCxnSpPr>
+            <a:cxnSpLocks/>
+          </p:cNvCxnSpPr>
+          <p:nvPr/>
+        </p:nvCxnSpPr>
+        <p:spPr>
+          <a:xfrm flipH="1">
+            <a:off x="9030533" y="1385881"/>
+            <a:ext cx="9726" cy="4846300"/>
+          </a:xfrm>
+          <a:prstGeom prst="line">
+            <a:avLst/>
+          </a:prstGeom>
+          <a:ln w="22225">
+            <a:solidFill>
+              <a:schemeClr val="accent1"/>
+            </a:solidFill>
+            <a:prstDash val="sysDash"/>
+          </a:ln>
+        </p:spPr>
+        <p:style>
+          <a:lnRef idx="1">
+            <a:schemeClr val="accent1"/>
+          </a:lnRef>
+          <a:fillRef idx="0">
+            <a:schemeClr val="accent1"/>
+          </a:fillRef>
+          <a:effectRef idx="0">
+            <a:schemeClr val="accent1"/>
+          </a:effectRef>
+          <a:fontRef idx="minor">
+            <a:schemeClr val="tx1"/>
+          </a:fontRef>
+        </p:style>
+      </p:cxnSp>
+      <p:cxnSp>
+        <p:nvCxnSpPr>
+          <p:cNvPr id="31" name="Connecteur droit 30">
+            <a:extLst>
+              <a:ext uri="{FF2B5EF4-FFF2-40B4-BE49-F238E27FC236}">
+                <a16:creationId xmlns:a16="http://schemas.microsoft.com/office/drawing/2014/main" id="{8456A9B1-C1B3-49D7-8FCE-572864E1E693}"/>
+              </a:ext>
+            </a:extLst>
+          </p:cNvPr>
+          <p:cNvCxnSpPr>
+            <a:cxnSpLocks/>
+          </p:cNvCxnSpPr>
+          <p:nvPr/>
+        </p:nvCxnSpPr>
+        <p:spPr>
+          <a:xfrm flipH="1">
+            <a:off x="6403862" y="3878700"/>
+            <a:ext cx="5394521" cy="0"/>
+          </a:xfrm>
+          <a:prstGeom prst="line">
+            <a:avLst/>
+          </a:prstGeom>
+          <a:ln w="22225">
+            <a:solidFill>
+              <a:schemeClr val="accent1"/>
+            </a:solidFill>
+            <a:prstDash val="sysDash"/>
+          </a:ln>
+        </p:spPr>
+        <p:style>
+          <a:lnRef idx="1">
+            <a:schemeClr val="accent1"/>
+          </a:lnRef>
+          <a:fillRef idx="0">
+            <a:schemeClr val="accent1"/>
+          </a:fillRef>
+          <a:effectRef idx="0">
+            <a:schemeClr val="accent1"/>
+          </a:effectRef>
+          <a:fontRef idx="minor">
+            <a:schemeClr val="tx1"/>
+          </a:fontRef>
+        </p:style>
+      </p:cxnSp>
+      <p:sp>
+        <p:nvSpPr>
+          <p:cNvPr id="32" name="ZoneTexte 31">
+            <a:extLst>
+              <a:ext uri="{FF2B5EF4-FFF2-40B4-BE49-F238E27FC236}">
+                <a16:creationId xmlns:a16="http://schemas.microsoft.com/office/drawing/2014/main" id="{3453DD57-3EF7-4EAA-A431-6029977429E0}"/>
+              </a:ext>
+            </a:extLst>
+          </p:cNvPr>
+          <p:cNvSpPr txBox="1"/>
+          <p:nvPr/>
+        </p:nvSpPr>
+        <p:spPr>
+          <a:xfrm>
+            <a:off x="6633100" y="3570654"/>
+            <a:ext cx="1390189" cy="923330"/>
+          </a:xfrm>
+          <a:prstGeom prst="rect">
+            <a:avLst/>
+          </a:prstGeom>
+          <a:noFill/>
+        </p:spPr>
+        <p:txBody>
+          <a:bodyPr wrap="none" rtlCol="0">
+            <a:spAutoFit/>
+          </a:bodyPr>
+          <a:lstStyle/>
+          <a:p>
+            <a:r>
+              <a:rPr lang="en-US" dirty="0"/>
+              <a:t>+90 Roll</a:t>
+            </a:r>
+          </a:p>
+          <a:p>
+            <a:r>
+              <a:rPr lang="en-US" dirty="0"/>
+              <a:t>+ Front Right</a:t>
+            </a:r>
+          </a:p>
+          <a:p>
+            <a:r>
+              <a:rPr lang="en-US" dirty="0"/>
+              <a:t>+ Rear Right</a:t>
+            </a:r>
+          </a:p>
+        </p:txBody>
+      </p:sp>
+      <p:sp>
+        <p:nvSpPr>
+          <p:cNvPr id="33" name="ZoneTexte 32">
+            <a:extLst>
+              <a:ext uri="{FF2B5EF4-FFF2-40B4-BE49-F238E27FC236}">
+                <a16:creationId xmlns:a16="http://schemas.microsoft.com/office/drawing/2014/main" id="{BAA39D9F-2C55-4FB8-82D2-DE05F903CC91}"/>
+              </a:ext>
+            </a:extLst>
+          </p:cNvPr>
+          <p:cNvSpPr txBox="1"/>
+          <p:nvPr/>
+        </p:nvSpPr>
+        <p:spPr>
+          <a:xfrm>
+            <a:off x="10947953" y="3500995"/>
+            <a:ext cx="1212320" cy="923330"/>
+          </a:xfrm>
+          <a:prstGeom prst="rect">
+            <a:avLst/>
+          </a:prstGeom>
+          <a:noFill/>
+        </p:spPr>
+        <p:txBody>
+          <a:bodyPr wrap="none" rtlCol="0">
+            <a:spAutoFit/>
+          </a:bodyPr>
+          <a:lstStyle/>
+          <a:p>
+            <a:r>
+              <a:rPr lang="en-US" dirty="0"/>
+              <a:t>-90 Roll</a:t>
+            </a:r>
+          </a:p>
+          <a:p>
+            <a:r>
+              <a:rPr lang="en-US" dirty="0"/>
+              <a:t>+Front Left</a:t>
+            </a:r>
+          </a:p>
+          <a:p>
+            <a:r>
+              <a:rPr lang="en-US" dirty="0"/>
+              <a:t>+ Rear Left</a:t>
+            </a:r>
+          </a:p>
+        </p:txBody>
+      </p:sp>
+      <p:sp>
+        <p:nvSpPr>
+          <p:cNvPr id="34" name="ZoneTexte 33">
+            <a:extLst>
+              <a:ext uri="{FF2B5EF4-FFF2-40B4-BE49-F238E27FC236}">
+                <a16:creationId xmlns:a16="http://schemas.microsoft.com/office/drawing/2014/main" id="{B149E594-E058-4118-A5DF-7EF88A614800}"/>
+              </a:ext>
+            </a:extLst>
+          </p:cNvPr>
+          <p:cNvSpPr txBox="1"/>
+          <p:nvPr/>
+        </p:nvSpPr>
+        <p:spPr>
+          <a:xfrm>
+            <a:off x="9030533" y="5958159"/>
+            <a:ext cx="1105816" cy="369332"/>
+          </a:xfrm>
+          <a:prstGeom prst="rect">
+            <a:avLst/>
+          </a:prstGeom>
+          <a:noFill/>
+        </p:spPr>
+        <p:txBody>
+          <a:bodyPr wrap="none" rtlCol="0">
+            <a:spAutoFit/>
+          </a:bodyPr>
+          <a:lstStyle/>
+          <a:p>
+            <a:r>
+              <a:rPr lang="en-US" dirty="0"/>
+              <a:t>0 Throttle</a:t>
+            </a:r>
+          </a:p>
+        </p:txBody>
+      </p:sp>
+      <p:sp>
+        <p:nvSpPr>
+          <p:cNvPr id="35" name="ZoneTexte 34">
+            <a:extLst>
+              <a:ext uri="{FF2B5EF4-FFF2-40B4-BE49-F238E27FC236}">
+                <a16:creationId xmlns:a16="http://schemas.microsoft.com/office/drawing/2014/main" id="{805B6CC8-577C-4BCF-9A7A-1358163A8E32}"/>
+              </a:ext>
+            </a:extLst>
+          </p:cNvPr>
+          <p:cNvSpPr txBox="1"/>
+          <p:nvPr/>
+        </p:nvSpPr>
+        <p:spPr>
+          <a:xfrm>
+            <a:off x="9101122" y="1201215"/>
+            <a:ext cx="1572290" cy="369332"/>
+          </a:xfrm>
+          <a:prstGeom prst="rect">
+            <a:avLst/>
+          </a:prstGeom>
+          <a:noFill/>
+        </p:spPr>
+        <p:txBody>
+          <a:bodyPr wrap="none" rtlCol="0">
+            <a:spAutoFit/>
+          </a:bodyPr>
+          <a:lstStyle/>
+          <a:p>
+            <a:r>
+              <a:rPr lang="en-US" dirty="0"/>
+              <a:t>+1920 Throttle</a:t>
+            </a:r>
+          </a:p>
+        </p:txBody>
+      </p:sp>
+      <p:sp>
+        <p:nvSpPr>
+          <p:cNvPr id="36" name="ZoneTexte 35">
+            <a:extLst>
+              <a:ext uri="{FF2B5EF4-FFF2-40B4-BE49-F238E27FC236}">
+                <a16:creationId xmlns:a16="http://schemas.microsoft.com/office/drawing/2014/main" id="{549A89FA-9726-4A93-9B69-B7A0992D7379}"/>
+              </a:ext>
+            </a:extLst>
+          </p:cNvPr>
+          <p:cNvSpPr txBox="1"/>
+          <p:nvPr/>
+        </p:nvSpPr>
+        <p:spPr>
+          <a:xfrm>
+            <a:off x="2856818" y="5862849"/>
+            <a:ext cx="1263744" cy="923330"/>
+          </a:xfrm>
+          <a:prstGeom prst="rect">
+            <a:avLst/>
+          </a:prstGeom>
+          <a:noFill/>
+        </p:spPr>
+        <p:txBody>
+          <a:bodyPr wrap="none" rtlCol="0">
+            <a:spAutoFit/>
+          </a:bodyPr>
+          <a:lstStyle/>
+          <a:p>
+            <a:r>
+              <a:rPr lang="en-US" dirty="0"/>
+              <a:t>-90 Pitch</a:t>
+            </a:r>
+          </a:p>
+          <a:p>
+            <a:r>
+              <a:rPr lang="en-US" dirty="0"/>
+              <a:t>+Rear Right</a:t>
+            </a:r>
+          </a:p>
+          <a:p>
+            <a:r>
+              <a:rPr lang="en-US" dirty="0"/>
+              <a:t>+ Rear Left</a:t>
+            </a:r>
+          </a:p>
+        </p:txBody>
+      </p:sp>
+      <p:sp>
+        <p:nvSpPr>
+          <p:cNvPr id="37" name="ZoneTexte 36">
+            <a:extLst>
+              <a:ext uri="{FF2B5EF4-FFF2-40B4-BE49-F238E27FC236}">
+                <a16:creationId xmlns:a16="http://schemas.microsoft.com/office/drawing/2014/main" id="{11F4CACF-63DA-4CE8-978E-96FF102E1741}"/>
+              </a:ext>
+            </a:extLst>
+          </p:cNvPr>
+          <p:cNvSpPr txBox="1"/>
+          <p:nvPr/>
+        </p:nvSpPr>
+        <p:spPr>
+          <a:xfrm>
+            <a:off x="2798326" y="1162623"/>
+            <a:ext cx="1390189" cy="1200329"/>
+          </a:xfrm>
+          <a:prstGeom prst="rect">
+            <a:avLst/>
+          </a:prstGeom>
+          <a:noFill/>
+        </p:spPr>
+        <p:txBody>
+          <a:bodyPr wrap="none" rtlCol="0">
+            <a:spAutoFit/>
+          </a:bodyPr>
+          <a:lstStyle/>
+          <a:p>
+            <a:r>
+              <a:rPr lang="en-US" dirty="0"/>
+              <a:t>+90 Pitch</a:t>
+            </a:r>
+          </a:p>
+          <a:p>
+            <a:r>
+              <a:rPr lang="en-US" dirty="0"/>
+              <a:t>+ Front Left</a:t>
+            </a:r>
+          </a:p>
+          <a:p>
+            <a:r>
+              <a:rPr lang="en-US" dirty="0"/>
+              <a:t>+ Front Right</a:t>
+            </a:r>
+          </a:p>
+          <a:p>
+            <a:endParaRPr lang="en-US" dirty="0"/>
+          </a:p>
+        </p:txBody>
+      </p:sp>
+      <p:sp>
+        <p:nvSpPr>
+          <p:cNvPr id="38" name="ZoneTexte 37">
+            <a:extLst>
+              <a:ext uri="{FF2B5EF4-FFF2-40B4-BE49-F238E27FC236}">
+                <a16:creationId xmlns:a16="http://schemas.microsoft.com/office/drawing/2014/main" id="{59E1DC74-955A-4755-9CC2-65ACACC1E6F7}"/>
+              </a:ext>
+            </a:extLst>
+          </p:cNvPr>
+          <p:cNvSpPr txBox="1"/>
+          <p:nvPr/>
+        </p:nvSpPr>
+        <p:spPr>
+          <a:xfrm>
+            <a:off x="306828" y="793291"/>
+            <a:ext cx="1173719" cy="369332"/>
+          </a:xfrm>
+          <a:prstGeom prst="rect">
+            <a:avLst/>
+          </a:prstGeom>
+          <a:noFill/>
+        </p:spPr>
+        <p:txBody>
+          <a:bodyPr wrap="none" rtlCol="0">
+            <a:spAutoFit/>
+          </a:bodyPr>
+          <a:lstStyle/>
+          <a:p>
+            <a:r>
+              <a:rPr lang="en-US" dirty="0"/>
+              <a:t>Aux1 (0/1)</a:t>
+            </a:r>
+          </a:p>
+        </p:txBody>
+      </p:sp>
+      <p:sp>
+        <p:nvSpPr>
+          <p:cNvPr id="39" name="ZoneTexte 38">
+            <a:extLst>
+              <a:ext uri="{FF2B5EF4-FFF2-40B4-BE49-F238E27FC236}">
+                <a16:creationId xmlns:a16="http://schemas.microsoft.com/office/drawing/2014/main" id="{3D647A03-7007-4D80-9827-5D61D411F0C0}"/>
+              </a:ext>
+            </a:extLst>
+          </p:cNvPr>
+          <p:cNvSpPr txBox="1"/>
+          <p:nvPr/>
+        </p:nvSpPr>
+        <p:spPr>
+          <a:xfrm>
+            <a:off x="11111265" y="828310"/>
+            <a:ext cx="1173719" cy="369332"/>
+          </a:xfrm>
+          <a:prstGeom prst="rect">
+            <a:avLst/>
+          </a:prstGeom>
+          <a:noFill/>
+        </p:spPr>
+        <p:txBody>
+          <a:bodyPr wrap="none" rtlCol="0">
+            <a:spAutoFit/>
+          </a:bodyPr>
+          <a:lstStyle/>
+          <a:p>
+            <a:r>
+              <a:rPr lang="en-US" dirty="0"/>
+              <a:t>Aux2 (0/1)</a:t>
+            </a:r>
+          </a:p>
+        </p:txBody>
+      </p:sp>
+      <p:pic>
+        <p:nvPicPr>
+          <p:cNvPr id="4" name="Image 3">
+            <a:extLst>
+              <a:ext uri="{FF2B5EF4-FFF2-40B4-BE49-F238E27FC236}">
+                <a16:creationId xmlns:a16="http://schemas.microsoft.com/office/drawing/2014/main" id="{B9876BF1-8DAF-4575-9394-B5F5B549C828}"/>
+              </a:ext>
+            </a:extLst>
+          </p:cNvPr>
+          <p:cNvPicPr>
+            <a:picLocks noChangeAspect="1"/>
+          </p:cNvPicPr>
+          <p:nvPr/>
+        </p:nvPicPr>
+        <p:blipFill>
+          <a:blip r:embed="rId2">
+            <a:extLst>
+              <a:ext uri="{28A0092B-C50C-407E-A947-70E740481C1C}">
+                <a14:useLocalDpi xmlns:a14="http://schemas.microsoft.com/office/drawing/2010/main" val="0"/>
+              </a:ext>
+            </a:extLst>
+          </a:blip>
+          <a:stretch>
+            <a:fillRect/>
+          </a:stretch>
+        </p:blipFill>
+        <p:spPr>
+          <a:xfrm>
+            <a:off x="4218914" y="882237"/>
+            <a:ext cx="4109622" cy="2580925"/>
+          </a:xfrm>
+          <a:prstGeom prst="rect">
+            <a:avLst/>
+          </a:prstGeom>
+        </p:spPr>
+      </p:pic>
     </p:spTree>
     <p:extLst>
       <p:ext uri="{BB962C8B-B14F-4D97-AF65-F5344CB8AC3E}">
-        <p14:creationId xmlns:p14="http://schemas.microsoft.com/office/powerpoint/2010/main" val="3722056244"/>
+        <p14:creationId xmlns:p14="http://schemas.microsoft.com/office/powerpoint/2010/main" val="1970995846"/>
       </p:ext>
     </p:extLst>
   </p:cSld>
@@ -10346,7 +10829,7 @@
           <p:cNvPr id="2" name="Titre 1">
             <a:extLst>
               <a:ext uri="{FF2B5EF4-FFF2-40B4-BE49-F238E27FC236}">
-                <a16:creationId xmlns:a16="http://schemas.microsoft.com/office/drawing/2014/main" id="{B2E95FC8-98C1-4761-96A0-FCEBFB8AD3C7}"/>
+                <a16:creationId xmlns:a16="http://schemas.microsoft.com/office/drawing/2014/main" id="{8DDCDBDF-D8CC-44B1-A599-F6FD2A53CCC8}"/>
               </a:ext>
             </a:extLst>
           </p:cNvPr>
@@ -10359,733 +10842,1049 @@
         </p:nvSpPr>
         <p:spPr>
           <a:xfrm>
-            <a:off x="750651" y="199596"/>
-            <a:ext cx="10515600" cy="644809"/>
+            <a:off x="723900" y="190500"/>
+            <a:ext cx="10515600" cy="750888"/>
           </a:xfrm>
         </p:spPr>
         <p:txBody>
-          <a:bodyPr>
-            <a:normAutofit fontScale="90000"/>
-          </a:bodyPr>
+          <a:bodyPr/>
           <a:lstStyle/>
           <a:p>
-            <a:pPr algn="ctr"/>
             <a:r>
               <a:rPr lang="en-US" dirty="0"/>
-              <a:t>RC</a:t>
+              <a:t>ESC (Electronic Speed </a:t>
+            </a:r>
+            <a:r>
+              <a:rPr lang="en-US" dirty="0" err="1"/>
+              <a:t>Controler</a:t>
+            </a:r>
+            <a:r>
+              <a:rPr lang="en-US" dirty="0"/>
+              <a:t>)</a:t>
+            </a:r>
+          </a:p>
+        </p:txBody>
+      </p:sp>
+      <p:graphicFrame>
+        <p:nvGraphicFramePr>
+          <p:cNvPr id="4" name="Espace réservé du contenu 3">
+            <a:extLst>
+              <a:ext uri="{FF2B5EF4-FFF2-40B4-BE49-F238E27FC236}">
+                <a16:creationId xmlns:a16="http://schemas.microsoft.com/office/drawing/2014/main" id="{003D9151-9798-4FFF-84EB-CA24DBFE390D}"/>
+              </a:ext>
+            </a:extLst>
+          </p:cNvPr>
+          <p:cNvGraphicFramePr>
+            <a:graphicFrameLocks noGrp="1"/>
+          </p:cNvGraphicFramePr>
+          <p:nvPr>
+            <p:ph idx="1"/>
+            <p:extLst>
+              <p:ext uri="{D42A27DB-BD31-4B8C-83A1-F6EECF244321}">
+                <p14:modId xmlns:p14="http://schemas.microsoft.com/office/powerpoint/2010/main" val="93674910"/>
+              </p:ext>
+            </p:extLst>
+          </p:nvPr>
+        </p:nvGraphicFramePr>
+        <p:xfrm>
+          <a:off x="723901" y="829734"/>
+          <a:ext cx="9257443" cy="3750700"/>
+        </p:xfrm>
+        <a:graphic>
+          <a:graphicData uri="http://schemas.openxmlformats.org/drawingml/2006/table">
+            <a:tbl>
+              <a:tblPr firstRow="1" bandRow="1">
+                <a:tableStyleId>{5C22544A-7EE6-4342-B048-85BDC9FD1C3A}</a:tableStyleId>
+              </a:tblPr>
+              <a:tblGrid>
+                <a:gridCol w="2256585">
+                  <a:extLst>
+                    <a:ext uri="{9D8B030D-6E8A-4147-A177-3AD203B41FA5}">
+                      <a16:colId xmlns:a16="http://schemas.microsoft.com/office/drawing/2014/main" val="2232030455"/>
+                    </a:ext>
+                  </a:extLst>
+                </a:gridCol>
+                <a:gridCol w="3500429">
+                  <a:extLst>
+                    <a:ext uri="{9D8B030D-6E8A-4147-A177-3AD203B41FA5}">
+                      <a16:colId xmlns:a16="http://schemas.microsoft.com/office/drawing/2014/main" val="3592764086"/>
+                    </a:ext>
+                  </a:extLst>
+                </a:gridCol>
+                <a:gridCol w="3500429">
+                  <a:extLst>
+                    <a:ext uri="{9D8B030D-6E8A-4147-A177-3AD203B41FA5}">
+                      <a16:colId xmlns:a16="http://schemas.microsoft.com/office/drawing/2014/main" val="303937432"/>
+                    </a:ext>
+                  </a:extLst>
+                </a:gridCol>
+              </a:tblGrid>
+              <a:tr h="389475">
+                <a:tc>
+                  <a:txBody>
+                    <a:bodyPr/>
+                    <a:lstStyle/>
+                    <a:p>
+                      <a:r>
+                        <a:rPr lang="fr-FR" dirty="0"/>
+                        <a:t>Configuration</a:t>
+                      </a:r>
+                    </a:p>
+                  </a:txBody>
+                  <a:tcPr/>
+                </a:tc>
+                <a:tc>
+                  <a:txBody>
+                    <a:bodyPr/>
+                    <a:lstStyle/>
+                    <a:p>
+                      <a:r>
+                        <a:rPr lang="fr-FR" dirty="0"/>
+                        <a:t>Position stick </a:t>
+                      </a:r>
+                      <a:r>
+                        <a:rPr lang="fr-FR" dirty="0" err="1"/>
+                        <a:t>during</a:t>
+                      </a:r>
+                      <a:r>
+                        <a:rPr lang="fr-FR" dirty="0"/>
+                        <a:t> configuration</a:t>
+                      </a:r>
+                    </a:p>
+                  </a:txBody>
+                  <a:tcPr/>
+                </a:tc>
+                <a:tc>
+                  <a:txBody>
+                    <a:bodyPr/>
+                    <a:lstStyle/>
+                    <a:p>
+                      <a:r>
+                        <a:rPr lang="fr-FR" dirty="0"/>
+                        <a:t>Nb </a:t>
+                      </a:r>
+                      <a:r>
+                        <a:rPr lang="fr-FR" dirty="0" err="1"/>
+                        <a:t>beep</a:t>
+                      </a:r>
+                      <a:endParaRPr lang="fr-FR" dirty="0"/>
+                    </a:p>
+                  </a:txBody>
+                  <a:tcPr/>
+                </a:tc>
+                <a:extLst>
+                  <a:ext uri="{0D108BD9-81ED-4DB2-BD59-A6C34878D82A}">
+                    <a16:rowId xmlns:a16="http://schemas.microsoft.com/office/drawing/2014/main" val="3930063906"/>
+                  </a:ext>
+                </a:extLst>
+              </a:tr>
+              <a:tr h="672245">
+                <a:tc>
+                  <a:txBody>
+                    <a:bodyPr/>
+                    <a:lstStyle/>
+                    <a:p>
+                      <a:r>
+                        <a:rPr lang="en-US" dirty="0"/>
+                        <a:t>Brake off</a:t>
+                      </a:r>
+                    </a:p>
+                  </a:txBody>
+                  <a:tcPr/>
+                </a:tc>
+                <a:tc>
+                  <a:txBody>
+                    <a:bodyPr/>
+                    <a:lstStyle/>
+                    <a:p>
+                      <a:pPr marL="0" marR="0" lvl="0" indent="0" algn="l" defTabSz="914400" rtl="0" eaLnBrk="1" fontAlgn="auto" latinLnBrk="0" hangingPunct="1">
+                        <a:lnSpc>
+                          <a:spcPct val="100000"/>
+                        </a:lnSpc>
+                        <a:spcBef>
+                          <a:spcPts val="0"/>
+                        </a:spcBef>
+                        <a:spcAft>
+                          <a:spcPts val="0"/>
+                        </a:spcAft>
+                        <a:buClrTx/>
+                        <a:buSzTx/>
+                        <a:buFont typeface="Wingdings" panose="05000000000000000000" pitchFamily="2" charset="2"/>
+                        <a:buNone/>
+                        <a:tabLst/>
+                        <a:defRPr/>
+                      </a:pPr>
+                      <a:r>
+                        <a:rPr kumimoji="0" lang="en-US" sz="1800" b="0" i="0" u="none" strike="noStrike" kern="1200" cap="none" spc="0" normalizeH="0" baseline="0" noProof="0" dirty="0">
+                          <a:ln>
+                            <a:noFill/>
+                          </a:ln>
+                          <a:solidFill>
+                            <a:schemeClr val="tx1"/>
+                          </a:solidFill>
+                          <a:effectLst/>
+                          <a:uLnTx/>
+                          <a:uFillTx/>
+                          <a:latin typeface="+mn-lt"/>
+                          <a:ea typeface="+mn-ea"/>
+                          <a:cs typeface="+mn-cs"/>
+                        </a:rPr>
+                        <a:t>Low</a:t>
+                      </a:r>
+                      <a:endParaRPr kumimoji="0" lang="en-US" sz="1800" b="0" i="0" u="none" strike="noStrike" kern="1200" cap="none" spc="0" normalizeH="0" baseline="0" noProof="0" dirty="0">
+                        <a:ln>
+                          <a:noFill/>
+                        </a:ln>
+                        <a:solidFill>
+                          <a:schemeClr val="tx1"/>
+                        </a:solidFill>
+                        <a:effectLst/>
+                        <a:uLnTx/>
+                        <a:uFillTx/>
+                        <a:latin typeface="Calibri" panose="020F0502020204030204"/>
+                        <a:ea typeface="+mn-ea"/>
+                        <a:cs typeface="+mn-cs"/>
+                      </a:endParaRPr>
+                    </a:p>
+                  </a:txBody>
+                  <a:tcPr/>
+                </a:tc>
+                <a:tc>
+                  <a:txBody>
+                    <a:bodyPr/>
+                    <a:lstStyle/>
+                    <a:p>
+                      <a:pPr marL="0" marR="0" lvl="0" indent="0" algn="l" defTabSz="914400" rtl="0" eaLnBrk="1" fontAlgn="auto" latinLnBrk="0" hangingPunct="1">
+                        <a:lnSpc>
+                          <a:spcPct val="100000"/>
+                        </a:lnSpc>
+                        <a:spcBef>
+                          <a:spcPts val="0"/>
+                        </a:spcBef>
+                        <a:spcAft>
+                          <a:spcPts val="0"/>
+                        </a:spcAft>
+                        <a:buClrTx/>
+                        <a:buSzTx/>
+                        <a:buFont typeface="Wingdings" panose="05000000000000000000" pitchFamily="2" charset="2"/>
+                        <a:buNone/>
+                        <a:tabLst/>
+                        <a:defRPr/>
+                      </a:pPr>
+                      <a:r>
+                        <a:rPr kumimoji="0" lang="en-US" sz="1800" b="0" i="0" u="none" strike="noStrike" kern="1200" cap="none" spc="0" normalizeH="0" baseline="0" noProof="0" dirty="0">
+                          <a:ln>
+                            <a:noFill/>
+                          </a:ln>
+                          <a:solidFill>
+                            <a:srgbClr val="FF0000"/>
+                          </a:solidFill>
+                          <a:effectLst/>
+                          <a:uLnTx/>
+                          <a:uFillTx/>
+                          <a:latin typeface="Calibri" panose="020F0502020204030204"/>
+                          <a:ea typeface="+mn-ea"/>
+                          <a:cs typeface="+mn-cs"/>
+                        </a:rPr>
+                        <a:t>1</a:t>
+                      </a:r>
+                    </a:p>
+                  </a:txBody>
+                  <a:tcPr/>
+                </a:tc>
+                <a:extLst>
+                  <a:ext uri="{0D108BD9-81ED-4DB2-BD59-A6C34878D82A}">
+                    <a16:rowId xmlns:a16="http://schemas.microsoft.com/office/drawing/2014/main" val="3459295351"/>
+                  </a:ext>
+                </a:extLst>
+              </a:tr>
+              <a:tr h="672245">
+                <a:tc>
+                  <a:txBody>
+                    <a:bodyPr/>
+                    <a:lstStyle/>
+                    <a:p>
+                      <a:r>
+                        <a:rPr lang="en-US" dirty="0"/>
+                        <a:t>Timing</a:t>
+                      </a:r>
+                    </a:p>
+                  </a:txBody>
+                  <a:tcPr/>
+                </a:tc>
+                <a:tc>
+                  <a:txBody>
+                    <a:bodyPr/>
+                    <a:lstStyle/>
+                    <a:p>
+                      <a:pPr marL="0" marR="0" lvl="0" indent="0" algn="l" defTabSz="914400" rtl="0" eaLnBrk="1" fontAlgn="auto" latinLnBrk="0" hangingPunct="1">
+                        <a:lnSpc>
+                          <a:spcPct val="100000"/>
+                        </a:lnSpc>
+                        <a:spcBef>
+                          <a:spcPts val="0"/>
+                        </a:spcBef>
+                        <a:spcAft>
+                          <a:spcPts val="0"/>
+                        </a:spcAft>
+                        <a:buClrTx/>
+                        <a:buSzTx/>
+                        <a:buFont typeface="Wingdings" panose="05000000000000000000" pitchFamily="2" charset="2"/>
+                        <a:buNone/>
+                        <a:tabLst/>
+                        <a:defRPr/>
+                      </a:pPr>
+                      <a:r>
+                        <a:rPr kumimoji="0" lang="en-US" sz="1800" b="0" i="0" u="none" strike="noStrike" kern="1200" cap="none" spc="0" normalizeH="0" baseline="0" noProof="0" dirty="0">
+                          <a:ln>
+                            <a:noFill/>
+                          </a:ln>
+                          <a:solidFill>
+                            <a:schemeClr val="tx1"/>
+                          </a:solidFill>
+                          <a:effectLst/>
+                          <a:uLnTx/>
+                          <a:uFillTx/>
+                          <a:latin typeface="+mn-lt"/>
+                          <a:ea typeface="+mn-ea"/>
+                          <a:cs typeface="+mn-cs"/>
+                        </a:rPr>
+                        <a:t>Medium</a:t>
+                      </a:r>
+                    </a:p>
+                  </a:txBody>
+                  <a:tcPr/>
+                </a:tc>
+                <a:tc>
+                  <a:txBody>
+                    <a:bodyPr/>
+                    <a:lstStyle/>
+                    <a:p>
+                      <a:pPr marL="0" marR="0" lvl="0" indent="0" algn="l" defTabSz="914400" rtl="0" eaLnBrk="1" fontAlgn="auto" latinLnBrk="0" hangingPunct="1">
+                        <a:lnSpc>
+                          <a:spcPct val="100000"/>
+                        </a:lnSpc>
+                        <a:spcBef>
+                          <a:spcPts val="0"/>
+                        </a:spcBef>
+                        <a:spcAft>
+                          <a:spcPts val="0"/>
+                        </a:spcAft>
+                        <a:buClrTx/>
+                        <a:buSzTx/>
+                        <a:buFont typeface="Wingdings" panose="05000000000000000000" pitchFamily="2" charset="2"/>
+                        <a:buNone/>
+                        <a:tabLst/>
+                        <a:defRPr/>
+                      </a:pPr>
+                      <a:r>
+                        <a:rPr kumimoji="0" lang="en-US" sz="1800" b="0" i="0" u="none" strike="noStrike" kern="1200" cap="none" spc="0" normalizeH="0" baseline="0" noProof="0" dirty="0">
+                          <a:ln>
+                            <a:noFill/>
+                          </a:ln>
+                          <a:solidFill>
+                            <a:srgbClr val="FF0000"/>
+                          </a:solidFill>
+                          <a:effectLst/>
+                          <a:uLnTx/>
+                          <a:uFillTx/>
+                          <a:latin typeface="+mn-lt"/>
+                          <a:ea typeface="+mn-ea"/>
+                          <a:cs typeface="+mn-cs"/>
+                        </a:rPr>
+                        <a:t>2</a:t>
+                      </a:r>
+                    </a:p>
+                  </a:txBody>
+                  <a:tcPr/>
+                </a:tc>
+                <a:extLst>
+                  <a:ext uri="{0D108BD9-81ED-4DB2-BD59-A6C34878D82A}">
+                    <a16:rowId xmlns:a16="http://schemas.microsoft.com/office/drawing/2014/main" val="11531206"/>
+                  </a:ext>
+                </a:extLst>
+              </a:tr>
+              <a:tr h="672245">
+                <a:tc>
+                  <a:txBody>
+                    <a:bodyPr/>
+                    <a:lstStyle/>
+                    <a:p>
+                      <a:r>
+                        <a:rPr lang="en-US" dirty="0"/>
+                        <a:t>Cut</a:t>
+                      </a:r>
+                    </a:p>
+                  </a:txBody>
+                  <a:tcPr/>
+                </a:tc>
+                <a:tc>
+                  <a:txBody>
+                    <a:bodyPr/>
+                    <a:lstStyle/>
+                    <a:p>
+                      <a:pPr marL="0" marR="0" lvl="0" indent="0" algn="l" defTabSz="914400" rtl="0" eaLnBrk="1" fontAlgn="auto" latinLnBrk="0" hangingPunct="1">
+                        <a:lnSpc>
+                          <a:spcPct val="100000"/>
+                        </a:lnSpc>
+                        <a:spcBef>
+                          <a:spcPts val="0"/>
+                        </a:spcBef>
+                        <a:spcAft>
+                          <a:spcPts val="0"/>
+                        </a:spcAft>
+                        <a:buClrTx/>
+                        <a:buSzTx/>
+                        <a:buFont typeface="Wingdings" panose="05000000000000000000" pitchFamily="2" charset="2"/>
+                        <a:buNone/>
+                        <a:tabLst/>
+                        <a:defRPr/>
+                      </a:pPr>
+                      <a:r>
+                        <a:rPr kumimoji="0" lang="en-US" sz="1800" b="0" i="0" u="none" strike="noStrike" kern="1200" cap="none" spc="0" normalizeH="0" baseline="0" noProof="0" dirty="0">
+                          <a:ln>
+                            <a:noFill/>
+                          </a:ln>
+                          <a:solidFill>
+                            <a:schemeClr val="tx1"/>
+                          </a:solidFill>
+                          <a:effectLst/>
+                          <a:uLnTx/>
+                          <a:uFillTx/>
+                          <a:latin typeface="+mn-lt"/>
+                          <a:ea typeface="+mn-ea"/>
+                          <a:cs typeface="+mn-cs"/>
+                        </a:rPr>
+                        <a:t>Medium</a:t>
+                      </a:r>
+                    </a:p>
+                    <a:p>
+                      <a:pPr marL="285750" marR="0" lvl="0" indent="-285750" algn="l" defTabSz="914400" rtl="0" eaLnBrk="1" fontAlgn="auto" latinLnBrk="0" hangingPunct="1">
+                        <a:lnSpc>
+                          <a:spcPct val="100000"/>
+                        </a:lnSpc>
+                        <a:spcBef>
+                          <a:spcPts val="0"/>
+                        </a:spcBef>
+                        <a:spcAft>
+                          <a:spcPts val="0"/>
+                        </a:spcAft>
+                        <a:buClrTx/>
+                        <a:buSzTx/>
+                        <a:buFont typeface="Wingdings" panose="05000000000000000000" pitchFamily="2" charset="2"/>
+                        <a:buChar char="ü"/>
+                        <a:tabLst/>
+                        <a:defRPr/>
+                      </a:pPr>
+                      <a:endParaRPr kumimoji="0" lang="en-US" sz="1800" b="0" i="0" u="none" strike="noStrike" kern="1200" cap="none" spc="0" normalizeH="0" baseline="0" noProof="0" dirty="0">
+                        <a:ln>
+                          <a:noFill/>
+                        </a:ln>
+                        <a:solidFill>
+                          <a:schemeClr val="tx1"/>
+                        </a:solidFill>
+                        <a:effectLst/>
+                        <a:uLnTx/>
+                        <a:uFillTx/>
+                        <a:latin typeface="+mn-lt"/>
+                        <a:ea typeface="+mn-ea"/>
+                        <a:cs typeface="+mn-cs"/>
+                      </a:endParaRPr>
+                    </a:p>
+                  </a:txBody>
+                  <a:tcPr/>
+                </a:tc>
+                <a:tc>
+                  <a:txBody>
+                    <a:bodyPr/>
+                    <a:lstStyle/>
+                    <a:p>
+                      <a:pPr marL="0" marR="0" lvl="0" indent="0" algn="l" defTabSz="914400" rtl="0" eaLnBrk="1" fontAlgn="auto" latinLnBrk="0" hangingPunct="1">
+                        <a:lnSpc>
+                          <a:spcPct val="100000"/>
+                        </a:lnSpc>
+                        <a:spcBef>
+                          <a:spcPts val="0"/>
+                        </a:spcBef>
+                        <a:spcAft>
+                          <a:spcPts val="0"/>
+                        </a:spcAft>
+                        <a:buClrTx/>
+                        <a:buSzTx/>
+                        <a:buFont typeface="Wingdings" panose="05000000000000000000" pitchFamily="2" charset="2"/>
+                        <a:buNone/>
+                        <a:tabLst/>
+                        <a:defRPr/>
+                      </a:pPr>
+                      <a:r>
+                        <a:rPr kumimoji="0" lang="en-US" sz="1800" b="0" i="0" u="none" strike="noStrike" kern="1200" cap="none" spc="0" normalizeH="0" baseline="0" noProof="0" dirty="0">
+                          <a:ln>
+                            <a:noFill/>
+                          </a:ln>
+                          <a:solidFill>
+                            <a:srgbClr val="FF0000"/>
+                          </a:solidFill>
+                          <a:effectLst/>
+                          <a:uLnTx/>
+                          <a:uFillTx/>
+                          <a:latin typeface="+mn-lt"/>
+                          <a:ea typeface="+mn-ea"/>
+                          <a:cs typeface="+mn-cs"/>
+                        </a:rPr>
+                        <a:t>2</a:t>
+                      </a:r>
+                    </a:p>
+                  </a:txBody>
+                  <a:tcPr/>
+                </a:tc>
+                <a:extLst>
+                  <a:ext uri="{0D108BD9-81ED-4DB2-BD59-A6C34878D82A}">
+                    <a16:rowId xmlns:a16="http://schemas.microsoft.com/office/drawing/2014/main" val="1140387248"/>
+                  </a:ext>
+                </a:extLst>
+              </a:tr>
+              <a:tr h="672245">
+                <a:tc>
+                  <a:txBody>
+                    <a:bodyPr/>
+                    <a:lstStyle/>
+                    <a:p>
+                      <a:r>
+                        <a:rPr lang="en-US" dirty="0"/>
+                        <a:t>Plane mode</a:t>
+                      </a:r>
+                    </a:p>
+                  </a:txBody>
+                  <a:tcPr/>
+                </a:tc>
+                <a:tc>
+                  <a:txBody>
+                    <a:bodyPr/>
+                    <a:lstStyle/>
+                    <a:p>
+                      <a:pPr marL="0" marR="0" lvl="0" indent="0" algn="l" defTabSz="914400" rtl="0" eaLnBrk="1" fontAlgn="auto" latinLnBrk="0" hangingPunct="1">
+                        <a:lnSpc>
+                          <a:spcPct val="100000"/>
+                        </a:lnSpc>
+                        <a:spcBef>
+                          <a:spcPts val="0"/>
+                        </a:spcBef>
+                        <a:spcAft>
+                          <a:spcPts val="0"/>
+                        </a:spcAft>
+                        <a:buClrTx/>
+                        <a:buSzTx/>
+                        <a:buFont typeface="Wingdings" panose="05000000000000000000" pitchFamily="2" charset="2"/>
+                        <a:buNone/>
+                        <a:tabLst/>
+                        <a:defRPr/>
+                      </a:pPr>
+                      <a:r>
+                        <a:rPr kumimoji="0" lang="en-US" sz="1800" b="0" i="0" u="none" strike="noStrike" kern="1200" cap="none" spc="0" normalizeH="0" baseline="0" noProof="0" dirty="0">
+                          <a:ln>
+                            <a:noFill/>
+                          </a:ln>
+                          <a:solidFill>
+                            <a:schemeClr val="tx1"/>
+                          </a:solidFill>
+                          <a:effectLst/>
+                          <a:uLnTx/>
+                          <a:uFillTx/>
+                          <a:latin typeface="+mn-lt"/>
+                          <a:ea typeface="+mn-ea"/>
+                          <a:cs typeface="+mn-cs"/>
+                        </a:rPr>
+                        <a:t>Low</a:t>
+                      </a:r>
+                    </a:p>
+                    <a:p>
+                      <a:pPr marL="285750" marR="0" lvl="0" indent="-285750" algn="l" defTabSz="914400" rtl="0" eaLnBrk="1" fontAlgn="auto" latinLnBrk="0" hangingPunct="1">
+                        <a:lnSpc>
+                          <a:spcPct val="100000"/>
+                        </a:lnSpc>
+                        <a:spcBef>
+                          <a:spcPts val="0"/>
+                        </a:spcBef>
+                        <a:spcAft>
+                          <a:spcPts val="0"/>
+                        </a:spcAft>
+                        <a:buClrTx/>
+                        <a:buSzTx/>
+                        <a:buFont typeface="Wingdings" panose="05000000000000000000" pitchFamily="2" charset="2"/>
+                        <a:buChar char="ü"/>
+                        <a:tabLst/>
+                        <a:defRPr/>
+                      </a:pPr>
+                      <a:endParaRPr kumimoji="0" lang="en-US" sz="1800" b="0" i="0" u="none" strike="noStrike" kern="1200" cap="none" spc="0" normalizeH="0" baseline="0" noProof="0" dirty="0">
+                        <a:ln>
+                          <a:noFill/>
+                        </a:ln>
+                        <a:solidFill>
+                          <a:schemeClr val="tx1"/>
+                        </a:solidFill>
+                        <a:effectLst/>
+                        <a:uLnTx/>
+                        <a:uFillTx/>
+                        <a:latin typeface="+mn-lt"/>
+                        <a:ea typeface="+mn-ea"/>
+                        <a:cs typeface="+mn-cs"/>
+                      </a:endParaRPr>
+                    </a:p>
+                  </a:txBody>
+                  <a:tcPr/>
+                </a:tc>
+                <a:tc>
+                  <a:txBody>
+                    <a:bodyPr/>
+                    <a:lstStyle/>
+                    <a:p>
+                      <a:pPr marL="0" marR="0" lvl="0" indent="0" algn="l" defTabSz="914400" rtl="0" eaLnBrk="1" fontAlgn="auto" latinLnBrk="0" hangingPunct="1">
+                        <a:lnSpc>
+                          <a:spcPct val="100000"/>
+                        </a:lnSpc>
+                        <a:spcBef>
+                          <a:spcPts val="0"/>
+                        </a:spcBef>
+                        <a:spcAft>
+                          <a:spcPts val="0"/>
+                        </a:spcAft>
+                        <a:buClrTx/>
+                        <a:buSzTx/>
+                        <a:buFont typeface="Wingdings" panose="05000000000000000000" pitchFamily="2" charset="2"/>
+                        <a:buNone/>
+                        <a:tabLst/>
+                        <a:defRPr/>
+                      </a:pPr>
+                      <a:r>
+                        <a:rPr kumimoji="0" lang="en-US" sz="1800" b="0" i="0" u="none" strike="noStrike" kern="1200" cap="none" spc="0" normalizeH="0" baseline="0" noProof="0" dirty="0">
+                          <a:ln>
+                            <a:noFill/>
+                          </a:ln>
+                          <a:solidFill>
+                            <a:srgbClr val="FF0000"/>
+                          </a:solidFill>
+                          <a:effectLst/>
+                          <a:uLnTx/>
+                          <a:uFillTx/>
+                          <a:latin typeface="+mn-lt"/>
+                          <a:ea typeface="+mn-ea"/>
+                          <a:cs typeface="+mn-cs"/>
+                        </a:rPr>
+                        <a:t>1</a:t>
+                      </a:r>
+                    </a:p>
+                  </a:txBody>
+                  <a:tcPr/>
+                </a:tc>
+                <a:extLst>
+                  <a:ext uri="{0D108BD9-81ED-4DB2-BD59-A6C34878D82A}">
+                    <a16:rowId xmlns:a16="http://schemas.microsoft.com/office/drawing/2014/main" val="4031062607"/>
+                  </a:ext>
+                </a:extLst>
+              </a:tr>
+              <a:tr h="672245">
+                <a:tc>
+                  <a:txBody>
+                    <a:bodyPr/>
+                    <a:lstStyle/>
+                    <a:p>
+                      <a:r>
+                        <a:rPr lang="en-US" dirty="0"/>
+                        <a:t>Throttle response</a:t>
+                      </a:r>
+                    </a:p>
+                  </a:txBody>
+                  <a:tcPr/>
+                </a:tc>
+                <a:tc>
+                  <a:txBody>
+                    <a:bodyPr/>
+                    <a:lstStyle/>
+                    <a:p>
+                      <a:pPr marL="0" marR="0" lvl="0" indent="0" algn="l" defTabSz="914400" rtl="0" eaLnBrk="1" fontAlgn="auto" latinLnBrk="0" hangingPunct="1">
+                        <a:lnSpc>
+                          <a:spcPct val="100000"/>
+                        </a:lnSpc>
+                        <a:spcBef>
+                          <a:spcPts val="0"/>
+                        </a:spcBef>
+                        <a:spcAft>
+                          <a:spcPts val="0"/>
+                        </a:spcAft>
+                        <a:buClrTx/>
+                        <a:buSzTx/>
+                        <a:buFont typeface="Wingdings" panose="05000000000000000000" pitchFamily="2" charset="2"/>
+                        <a:buNone/>
+                        <a:tabLst/>
+                        <a:defRPr/>
+                      </a:pPr>
+                      <a:r>
+                        <a:rPr kumimoji="0" lang="en-US" sz="1800" b="0" i="0" u="none" strike="noStrike" kern="1200" cap="none" spc="0" normalizeH="0" baseline="0" noProof="0" dirty="0">
+                          <a:ln>
+                            <a:noFill/>
+                          </a:ln>
+                          <a:solidFill>
+                            <a:schemeClr val="tx1"/>
+                          </a:solidFill>
+                          <a:effectLst/>
+                          <a:uLnTx/>
+                          <a:uFillTx/>
+                          <a:latin typeface="+mn-lt"/>
+                          <a:ea typeface="+mn-ea"/>
+                          <a:cs typeface="+mn-cs"/>
+                        </a:rPr>
+                        <a:t>Low</a:t>
+                      </a:r>
+                    </a:p>
+                  </a:txBody>
+                  <a:tcPr/>
+                </a:tc>
+                <a:tc>
+                  <a:txBody>
+                    <a:bodyPr/>
+                    <a:lstStyle/>
+                    <a:p>
+                      <a:pPr marL="0" marR="0" lvl="0" indent="0" algn="l" defTabSz="914400" rtl="0" eaLnBrk="1" fontAlgn="auto" latinLnBrk="0" hangingPunct="1">
+                        <a:lnSpc>
+                          <a:spcPct val="100000"/>
+                        </a:lnSpc>
+                        <a:spcBef>
+                          <a:spcPts val="0"/>
+                        </a:spcBef>
+                        <a:spcAft>
+                          <a:spcPts val="0"/>
+                        </a:spcAft>
+                        <a:buClrTx/>
+                        <a:buSzTx/>
+                        <a:buFont typeface="Wingdings" panose="05000000000000000000" pitchFamily="2" charset="2"/>
+                        <a:buNone/>
+                        <a:tabLst/>
+                        <a:defRPr/>
+                      </a:pPr>
+                      <a:r>
+                        <a:rPr kumimoji="0" lang="en-US" sz="1800" b="0" i="0" u="none" strike="noStrike" kern="1200" cap="none" spc="0" normalizeH="0" baseline="0" noProof="0" dirty="0">
+                          <a:ln>
+                            <a:noFill/>
+                          </a:ln>
+                          <a:solidFill>
+                            <a:srgbClr val="FF0000"/>
+                          </a:solidFill>
+                          <a:effectLst/>
+                          <a:uLnTx/>
+                          <a:uFillTx/>
+                          <a:latin typeface="+mn-lt"/>
+                          <a:ea typeface="+mn-ea"/>
+                          <a:cs typeface="+mn-cs"/>
+                        </a:rPr>
+                        <a:t>1</a:t>
+                      </a:r>
+                    </a:p>
+                  </a:txBody>
+                  <a:tcPr/>
+                </a:tc>
+                <a:extLst>
+                  <a:ext uri="{0D108BD9-81ED-4DB2-BD59-A6C34878D82A}">
+                    <a16:rowId xmlns:a16="http://schemas.microsoft.com/office/drawing/2014/main" val="3783122878"/>
+                  </a:ext>
+                </a:extLst>
+              </a:tr>
+            </a:tbl>
+          </a:graphicData>
+        </a:graphic>
+      </p:graphicFrame>
+    </p:spTree>
+    <p:extLst>
+      <p:ext uri="{BB962C8B-B14F-4D97-AF65-F5344CB8AC3E}">
+        <p14:creationId xmlns:p14="http://schemas.microsoft.com/office/powerpoint/2010/main" val="3332172527"/>
+      </p:ext>
+    </p:extLst>
+  </p:cSld>
+  <p:clrMapOvr>
+    <a:masterClrMapping/>
+  </p:clrMapOvr>
+</p:sld>
+</file>
+
+<file path=ppt/slides/slide12.xml><?xml version="1.0" encoding="utf-8"?>
+<p:sld xmlns:a="http://schemas.openxmlformats.org/drawingml/2006/main" xmlns:r="http://schemas.openxmlformats.org/officeDocument/2006/relationships" xmlns:p="http://schemas.openxmlformats.org/presentationml/2006/main">
+  <p:cSld>
+    <p:spTree>
+      <p:nvGrpSpPr>
+        <p:cNvPr id="1" name=""/>
+        <p:cNvGrpSpPr/>
+        <p:nvPr/>
+      </p:nvGrpSpPr>
+      <p:grpSpPr>
+        <a:xfrm>
+          <a:off x="0" y="0"/>
+          <a:ext cx="0" cy="0"/>
+          <a:chOff x="0" y="0"/>
+          <a:chExt cx="0" cy="0"/>
+        </a:xfrm>
+      </p:grpSpPr>
+      <p:sp>
+        <p:nvSpPr>
+          <p:cNvPr id="2" name="Titre 1">
+            <a:extLst>
+              <a:ext uri="{FF2B5EF4-FFF2-40B4-BE49-F238E27FC236}">
+                <a16:creationId xmlns:a16="http://schemas.microsoft.com/office/drawing/2014/main" id="{7D7887D6-7566-47C9-A25C-3F4F54D9EBDC}"/>
+              </a:ext>
+            </a:extLst>
+          </p:cNvPr>
+          <p:cNvSpPr>
+            <a:spLocks noGrp="1"/>
+          </p:cNvSpPr>
+          <p:nvPr>
+            <p:ph type="title"/>
+          </p:nvPr>
+        </p:nvSpPr>
+        <p:spPr/>
+        <p:txBody>
+          <a:bodyPr/>
+          <a:lstStyle/>
+          <a:p>
+            <a:r>
+              <a:rPr lang="fr-FR" dirty="0" err="1"/>
+              <a:t>Special</a:t>
+            </a:r>
+            <a:r>
+              <a:rPr lang="fr-FR" dirty="0"/>
+              <a:t> pins Arduino MEGA2560</a:t>
             </a:r>
           </a:p>
         </p:txBody>
       </p:sp>
       <p:sp>
         <p:nvSpPr>
-          <p:cNvPr id="7" name="Ellipse 6">
-            <a:extLst>
-              <a:ext uri="{FF2B5EF4-FFF2-40B4-BE49-F238E27FC236}">
-                <a16:creationId xmlns:a16="http://schemas.microsoft.com/office/drawing/2014/main" id="{B8F24F67-8CCD-4123-96FC-F6FE2AD5ED78}"/>
-              </a:ext>
-            </a:extLst>
-          </p:cNvPr>
-          <p:cNvSpPr/>
-          <p:nvPr/>
+          <p:cNvPr id="3" name="Espace réservé du contenu 2">
+            <a:extLst>
+              <a:ext uri="{FF2B5EF4-FFF2-40B4-BE49-F238E27FC236}">
+                <a16:creationId xmlns:a16="http://schemas.microsoft.com/office/drawing/2014/main" id="{570C9186-32F7-45DB-A01D-E527B032981A}"/>
+              </a:ext>
+            </a:extLst>
+          </p:cNvPr>
+          <p:cNvSpPr>
+            <a:spLocks noGrp="1"/>
+          </p:cNvSpPr>
+          <p:nvPr>
+            <p:ph idx="1"/>
+          </p:nvPr>
         </p:nvSpPr>
-        <p:spPr>
-          <a:xfrm rot="900000">
-            <a:off x="2350852" y="3424748"/>
-            <a:ext cx="914400" cy="914400"/>
-          </a:xfrm>
-          <a:prstGeom prst="ellipse">
-            <a:avLst/>
-          </a:prstGeom>
-        </p:spPr>
-        <p:style>
-          <a:lnRef idx="2">
-            <a:schemeClr val="accent1">
-              <a:shade val="50000"/>
-            </a:schemeClr>
-          </a:lnRef>
-          <a:fillRef idx="1">
-            <a:schemeClr val="accent1"/>
-          </a:fillRef>
-          <a:effectRef idx="0">
-            <a:schemeClr val="accent1"/>
-          </a:effectRef>
-          <a:fontRef idx="minor">
-            <a:schemeClr val="lt1"/>
-          </a:fontRef>
-        </p:style>
+        <p:spPr/>
         <p:txBody>
-          <a:bodyPr rtlCol="0" anchor="ctr"/>
+          <a:bodyPr>
+            <a:normAutofit fontScale="62500" lnSpcReduction="20000"/>
+          </a:bodyPr>
           <a:lstStyle/>
           <a:p>
-            <a:pPr algn="ctr"/>
-            <a:endParaRPr lang="en-US"/>
+            <a:pPr marL="0" indent="0">
+              <a:buNone/>
+            </a:pPr>
+            <a:r>
+              <a:rPr lang="fr-FR" sz="3500" u="sng" dirty="0"/>
+              <a:t>Pin Change </a:t>
+            </a:r>
+            <a:r>
+              <a:rPr lang="fr-FR" sz="3500" u="sng" dirty="0" err="1"/>
+              <a:t>Interrupt</a:t>
+            </a:r>
+            <a:r>
+              <a:rPr lang="fr-FR" sz="3500" u="sng" dirty="0"/>
+              <a:t> 2 ISR(PCINT2_vect)</a:t>
+            </a:r>
+          </a:p>
+          <a:p>
+            <a:pPr marL="0" indent="0">
+              <a:buNone/>
+            </a:pPr>
+            <a:r>
+              <a:rPr lang="da-DK" dirty="0"/>
+              <a:t>For pins PCINT16-PCINT23 (PK0- PK7), PORT K</a:t>
+            </a:r>
+          </a:p>
+          <a:p>
+            <a:pPr marL="0" indent="0">
+              <a:buNone/>
+            </a:pPr>
+            <a:r>
+              <a:rPr lang="fr-FR" dirty="0"/>
+              <a:t>Use pin A8 to A13 (PCINT16  to PCINT21 )</a:t>
+            </a:r>
+          </a:p>
+          <a:p>
+            <a:pPr marL="0" indent="0">
+              <a:buNone/>
+            </a:pPr>
+            <a:r>
+              <a:rPr lang="da-DK" dirty="0"/>
+              <a:t>PCMSK2 – Pin Change Mask Register 2 </a:t>
+            </a:r>
+            <a:r>
+              <a:rPr lang="en-US" dirty="0"/>
+              <a:t>Bit 2 – PCIF2: clear any outstanding interrupts 2</a:t>
+            </a:r>
+            <a:endParaRPr lang="da-DK" dirty="0"/>
+          </a:p>
+          <a:p>
+            <a:pPr marL="0" indent="0">
+              <a:buNone/>
+            </a:pPr>
+            <a:r>
+              <a:rPr lang="en-US" dirty="0"/>
+              <a:t>PCIFR – Pin Change Interrupt Flag Register =&gt; Bit 2 – PCIF2: clear any outstanding interrupts 2</a:t>
+            </a:r>
+          </a:p>
+          <a:p>
+            <a:pPr marL="0" indent="0">
+              <a:buNone/>
+            </a:pPr>
+            <a:r>
+              <a:rPr lang="fr-FR" dirty="0"/>
+              <a:t>PCICR – Pin Change </a:t>
+            </a:r>
+            <a:r>
+              <a:rPr lang="fr-FR" dirty="0" err="1"/>
+              <a:t>Interrupt</a:t>
+            </a:r>
+            <a:r>
+              <a:rPr lang="fr-FR" dirty="0"/>
+              <a:t> Control </a:t>
+            </a:r>
+            <a:r>
+              <a:rPr lang="fr-FR" dirty="0" err="1"/>
+              <a:t>Register</a:t>
+            </a:r>
+            <a:r>
+              <a:rPr lang="fr-FR" dirty="0"/>
+              <a:t> =&gt; Bit 2 – PCIE2: enable pin change </a:t>
+            </a:r>
+            <a:r>
+              <a:rPr lang="fr-FR" dirty="0" err="1"/>
+              <a:t>interrupts</a:t>
+            </a:r>
+            <a:r>
+              <a:rPr lang="fr-FR" dirty="0"/>
+              <a:t> 2</a:t>
+            </a:r>
+          </a:p>
+          <a:p>
+            <a:pPr marL="0" indent="0">
+              <a:buNone/>
+            </a:pPr>
+            <a:br>
+              <a:rPr lang="fr-FR" dirty="0"/>
+            </a:br>
+            <a:endParaRPr lang="fr-FR" dirty="0"/>
+          </a:p>
+          <a:p>
+            <a:pPr marL="0" indent="0">
+              <a:buNone/>
+            </a:pPr>
+            <a:r>
+              <a:rPr lang="fr-FR" sz="3500" u="sng" dirty="0"/>
+              <a:t>SPI</a:t>
+            </a:r>
+          </a:p>
+          <a:p>
+            <a:pPr marL="0" indent="0">
+              <a:buNone/>
+            </a:pPr>
+            <a:r>
+              <a:rPr lang="fi-FI" dirty="0"/>
+              <a:t>Pin</a:t>
+            </a:r>
+            <a:r>
+              <a:rPr lang="fr-FR" dirty="0"/>
+              <a:t> #</a:t>
+            </a:r>
+            <a:r>
+              <a:rPr lang="fi-FI" dirty="0"/>
+              <a:t>10: CS</a:t>
+            </a:r>
+            <a:endParaRPr lang="fr-FR" dirty="0"/>
+          </a:p>
+          <a:p>
+            <a:pPr marL="0" indent="0">
+              <a:buNone/>
+            </a:pPr>
+            <a:r>
+              <a:rPr lang="fi-FI" dirty="0"/>
+              <a:t>pin</a:t>
+            </a:r>
+            <a:r>
+              <a:rPr lang="fr-FR" dirty="0"/>
+              <a:t> #</a:t>
+            </a:r>
+            <a:r>
+              <a:rPr lang="fi-FI" dirty="0"/>
+              <a:t>11-&gt;pin</a:t>
+            </a:r>
+            <a:r>
+              <a:rPr lang="fr-FR" dirty="0"/>
+              <a:t> #</a:t>
+            </a:r>
+            <a:r>
+              <a:rPr lang="fi-FI" dirty="0"/>
+              <a:t>51</a:t>
+            </a:r>
+          </a:p>
+          <a:p>
+            <a:pPr marL="0" indent="0">
+              <a:buNone/>
+            </a:pPr>
+            <a:r>
+              <a:rPr lang="fi-FI" dirty="0"/>
+              <a:t>pin</a:t>
+            </a:r>
+            <a:r>
+              <a:rPr lang="fr-FR" dirty="0"/>
+              <a:t> #</a:t>
+            </a:r>
+            <a:r>
+              <a:rPr lang="fi-FI" dirty="0"/>
+              <a:t>12-&gt;pin</a:t>
+            </a:r>
+            <a:r>
+              <a:rPr lang="fr-FR" dirty="0"/>
+              <a:t> #</a:t>
+            </a:r>
+            <a:r>
+              <a:rPr lang="fi-FI" dirty="0"/>
+              <a:t>50</a:t>
+            </a:r>
+          </a:p>
+          <a:p>
+            <a:pPr marL="0" indent="0">
+              <a:buNone/>
+            </a:pPr>
+            <a:r>
+              <a:rPr lang="fi-FI" dirty="0"/>
+              <a:t>pin</a:t>
+            </a:r>
+            <a:r>
+              <a:rPr lang="fr-FR" dirty="0"/>
+              <a:t> #</a:t>
+            </a:r>
+            <a:r>
+              <a:rPr lang="fi-FI" dirty="0"/>
+              <a:t>13-&gt;pin</a:t>
+            </a:r>
+            <a:r>
+              <a:rPr lang="fr-FR" dirty="0"/>
+              <a:t> #</a:t>
+            </a:r>
+            <a:r>
+              <a:rPr lang="fi-FI" dirty="0"/>
+              <a:t>52</a:t>
+            </a:r>
+            <a:endParaRPr lang="fr-FR" dirty="0"/>
           </a:p>
         </p:txBody>
       </p:sp>
-      <p:cxnSp>
-        <p:nvCxnSpPr>
-          <p:cNvPr id="57" name="Connecteur droit 56">
-            <a:extLst>
-              <a:ext uri="{FF2B5EF4-FFF2-40B4-BE49-F238E27FC236}">
-                <a16:creationId xmlns:a16="http://schemas.microsoft.com/office/drawing/2014/main" id="{44EFC622-3CBD-4FF4-9820-E5AF57BF5157}"/>
-              </a:ext>
-            </a:extLst>
-          </p:cNvPr>
-          <p:cNvCxnSpPr>
-            <a:cxnSpLocks/>
-          </p:cNvCxnSpPr>
-          <p:nvPr/>
-        </p:nvCxnSpPr>
-        <p:spPr>
-          <a:xfrm flipH="1">
-            <a:off x="2798326" y="1389129"/>
-            <a:ext cx="9726" cy="4846300"/>
-          </a:xfrm>
-          <a:prstGeom prst="line">
-            <a:avLst/>
-          </a:prstGeom>
-          <a:ln w="22225">
-            <a:solidFill>
-              <a:schemeClr val="accent1"/>
-            </a:solidFill>
-            <a:prstDash val="sysDash"/>
-          </a:ln>
-        </p:spPr>
-        <p:style>
-          <a:lnRef idx="1">
-            <a:schemeClr val="accent1"/>
-          </a:lnRef>
-          <a:fillRef idx="0">
-            <a:schemeClr val="accent1"/>
-          </a:fillRef>
-          <a:effectRef idx="0">
-            <a:schemeClr val="accent1"/>
-          </a:effectRef>
-          <a:fontRef idx="minor">
-            <a:schemeClr val="tx1"/>
-          </a:fontRef>
-        </p:style>
-      </p:cxnSp>
-      <p:cxnSp>
-        <p:nvCxnSpPr>
-          <p:cNvPr id="67" name="Connecteur droit 66">
-            <a:extLst>
-              <a:ext uri="{FF2B5EF4-FFF2-40B4-BE49-F238E27FC236}">
-                <a16:creationId xmlns:a16="http://schemas.microsoft.com/office/drawing/2014/main" id="{93B3E475-E001-4631-A52C-F00D276CD885}"/>
-              </a:ext>
-            </a:extLst>
-          </p:cNvPr>
-          <p:cNvCxnSpPr>
-            <a:cxnSpLocks/>
-          </p:cNvCxnSpPr>
-          <p:nvPr/>
-        </p:nvCxnSpPr>
-        <p:spPr>
-          <a:xfrm flipH="1">
-            <a:off x="171655" y="3881948"/>
-            <a:ext cx="5394521" cy="0"/>
-          </a:xfrm>
-          <a:prstGeom prst="line">
-            <a:avLst/>
-          </a:prstGeom>
-          <a:ln w="22225">
-            <a:solidFill>
-              <a:schemeClr val="accent1"/>
-            </a:solidFill>
-            <a:prstDash val="sysDash"/>
-          </a:ln>
-        </p:spPr>
-        <p:style>
-          <a:lnRef idx="1">
-            <a:schemeClr val="accent1"/>
-          </a:lnRef>
-          <a:fillRef idx="0">
-            <a:schemeClr val="accent1"/>
-          </a:fillRef>
-          <a:effectRef idx="0">
-            <a:schemeClr val="accent1"/>
-          </a:effectRef>
-          <a:fontRef idx="minor">
-            <a:schemeClr val="tx1"/>
-          </a:fontRef>
-        </p:style>
-      </p:cxnSp>
-      <p:sp>
-        <p:nvSpPr>
-          <p:cNvPr id="70" name="ZoneTexte 69">
-            <a:extLst>
-              <a:ext uri="{FF2B5EF4-FFF2-40B4-BE49-F238E27FC236}">
-                <a16:creationId xmlns:a16="http://schemas.microsoft.com/office/drawing/2014/main" id="{0454E0DA-A088-4056-BD51-40A1FDE4D74E}"/>
-              </a:ext>
-            </a:extLst>
-          </p:cNvPr>
-          <p:cNvSpPr txBox="1"/>
-          <p:nvPr/>
-        </p:nvSpPr>
-        <p:spPr>
-          <a:xfrm>
-            <a:off x="400893" y="3573902"/>
-            <a:ext cx="958211" cy="369332"/>
-          </a:xfrm>
-          <a:prstGeom prst="rect">
-            <a:avLst/>
-          </a:prstGeom>
-          <a:noFill/>
-        </p:spPr>
-        <p:txBody>
-          <a:bodyPr wrap="none" rtlCol="0">
-            <a:spAutoFit/>
-          </a:bodyPr>
-          <a:lstStyle/>
-          <a:p>
-            <a:r>
-              <a:rPr lang="en-US" dirty="0"/>
-              <a:t>+90 Yaw</a:t>
-            </a:r>
-          </a:p>
-        </p:txBody>
-      </p:sp>
-      <p:sp>
-        <p:nvSpPr>
-          <p:cNvPr id="27" name="ZoneTexte 26">
-            <a:extLst>
-              <a:ext uri="{FF2B5EF4-FFF2-40B4-BE49-F238E27FC236}">
-                <a16:creationId xmlns:a16="http://schemas.microsoft.com/office/drawing/2014/main" id="{2A9998C9-7194-47CB-88BA-8DC664BAB274}"/>
-              </a:ext>
-            </a:extLst>
-          </p:cNvPr>
-          <p:cNvSpPr txBox="1"/>
-          <p:nvPr/>
-        </p:nvSpPr>
-        <p:spPr>
-          <a:xfrm>
-            <a:off x="4715746" y="3504243"/>
-            <a:ext cx="913327" cy="369332"/>
-          </a:xfrm>
-          <a:prstGeom prst="rect">
-            <a:avLst/>
-          </a:prstGeom>
-          <a:noFill/>
-        </p:spPr>
-        <p:txBody>
-          <a:bodyPr wrap="none" rtlCol="0">
-            <a:spAutoFit/>
-          </a:bodyPr>
-          <a:lstStyle/>
-          <a:p>
-            <a:r>
-              <a:rPr lang="en-US" dirty="0"/>
-              <a:t>-90 Yaw</a:t>
-            </a:r>
-          </a:p>
-        </p:txBody>
-      </p:sp>
-      <p:sp>
-        <p:nvSpPr>
-          <p:cNvPr id="29" name="Ellipse 28">
-            <a:extLst>
-              <a:ext uri="{FF2B5EF4-FFF2-40B4-BE49-F238E27FC236}">
-                <a16:creationId xmlns:a16="http://schemas.microsoft.com/office/drawing/2014/main" id="{C4DF2757-821B-4A29-A902-1F5DC2A1960C}"/>
-              </a:ext>
-            </a:extLst>
-          </p:cNvPr>
-          <p:cNvSpPr/>
-          <p:nvPr/>
-        </p:nvSpPr>
-        <p:spPr>
-          <a:xfrm rot="900000">
-            <a:off x="8583059" y="3421500"/>
-            <a:ext cx="914400" cy="914400"/>
-          </a:xfrm>
-          <a:prstGeom prst="ellipse">
-            <a:avLst/>
-          </a:prstGeom>
-        </p:spPr>
-        <p:style>
-          <a:lnRef idx="2">
-            <a:schemeClr val="accent1">
-              <a:shade val="50000"/>
-            </a:schemeClr>
-          </a:lnRef>
-          <a:fillRef idx="1">
-            <a:schemeClr val="accent1"/>
-          </a:fillRef>
-          <a:effectRef idx="0">
-            <a:schemeClr val="accent1"/>
-          </a:effectRef>
-          <a:fontRef idx="minor">
-            <a:schemeClr val="lt1"/>
-          </a:fontRef>
-        </p:style>
-        <p:txBody>
-          <a:bodyPr rtlCol="0" anchor="ctr"/>
-          <a:lstStyle/>
-          <a:p>
-            <a:pPr algn="ctr"/>
-            <a:endParaRPr lang="en-US"/>
-          </a:p>
-        </p:txBody>
-      </p:sp>
-      <p:cxnSp>
-        <p:nvCxnSpPr>
-          <p:cNvPr id="30" name="Connecteur droit 29">
-            <a:extLst>
-              <a:ext uri="{FF2B5EF4-FFF2-40B4-BE49-F238E27FC236}">
-                <a16:creationId xmlns:a16="http://schemas.microsoft.com/office/drawing/2014/main" id="{8B50BB6F-778A-49B2-94BB-9357BE6EBF74}"/>
-              </a:ext>
-            </a:extLst>
-          </p:cNvPr>
-          <p:cNvCxnSpPr>
-            <a:cxnSpLocks/>
-          </p:cNvCxnSpPr>
-          <p:nvPr/>
-        </p:nvCxnSpPr>
-        <p:spPr>
-          <a:xfrm flipH="1">
-            <a:off x="9030533" y="1385881"/>
-            <a:ext cx="9726" cy="4846300"/>
-          </a:xfrm>
-          <a:prstGeom prst="line">
-            <a:avLst/>
-          </a:prstGeom>
-          <a:ln w="22225">
-            <a:solidFill>
-              <a:schemeClr val="accent1"/>
-            </a:solidFill>
-            <a:prstDash val="sysDash"/>
-          </a:ln>
-        </p:spPr>
-        <p:style>
-          <a:lnRef idx="1">
-            <a:schemeClr val="accent1"/>
-          </a:lnRef>
-          <a:fillRef idx="0">
-            <a:schemeClr val="accent1"/>
-          </a:fillRef>
-          <a:effectRef idx="0">
-            <a:schemeClr val="accent1"/>
-          </a:effectRef>
-          <a:fontRef idx="minor">
-            <a:schemeClr val="tx1"/>
-          </a:fontRef>
-        </p:style>
-      </p:cxnSp>
-      <p:cxnSp>
-        <p:nvCxnSpPr>
-          <p:cNvPr id="31" name="Connecteur droit 30">
-            <a:extLst>
-              <a:ext uri="{FF2B5EF4-FFF2-40B4-BE49-F238E27FC236}">
-                <a16:creationId xmlns:a16="http://schemas.microsoft.com/office/drawing/2014/main" id="{8456A9B1-C1B3-49D7-8FCE-572864E1E693}"/>
-              </a:ext>
-            </a:extLst>
-          </p:cNvPr>
-          <p:cNvCxnSpPr>
-            <a:cxnSpLocks/>
-          </p:cNvCxnSpPr>
-          <p:nvPr/>
-        </p:nvCxnSpPr>
-        <p:spPr>
-          <a:xfrm flipH="1">
-            <a:off x="6403862" y="3878700"/>
-            <a:ext cx="5394521" cy="0"/>
-          </a:xfrm>
-          <a:prstGeom prst="line">
-            <a:avLst/>
-          </a:prstGeom>
-          <a:ln w="22225">
-            <a:solidFill>
-              <a:schemeClr val="accent1"/>
-            </a:solidFill>
-            <a:prstDash val="sysDash"/>
-          </a:ln>
-        </p:spPr>
-        <p:style>
-          <a:lnRef idx="1">
-            <a:schemeClr val="accent1"/>
-          </a:lnRef>
-          <a:fillRef idx="0">
-            <a:schemeClr val="accent1"/>
-          </a:fillRef>
-          <a:effectRef idx="0">
-            <a:schemeClr val="accent1"/>
-          </a:effectRef>
-          <a:fontRef idx="minor">
-            <a:schemeClr val="tx1"/>
-          </a:fontRef>
-        </p:style>
-      </p:cxnSp>
-      <p:sp>
-        <p:nvSpPr>
-          <p:cNvPr id="32" name="ZoneTexte 31">
-            <a:extLst>
-              <a:ext uri="{FF2B5EF4-FFF2-40B4-BE49-F238E27FC236}">
-                <a16:creationId xmlns:a16="http://schemas.microsoft.com/office/drawing/2014/main" id="{3453DD57-3EF7-4EAA-A431-6029977429E0}"/>
-              </a:ext>
-            </a:extLst>
-          </p:cNvPr>
-          <p:cNvSpPr txBox="1"/>
-          <p:nvPr/>
-        </p:nvSpPr>
-        <p:spPr>
-          <a:xfrm>
-            <a:off x="6633100" y="3570654"/>
-            <a:ext cx="1390189" cy="923330"/>
-          </a:xfrm>
-          <a:prstGeom prst="rect">
-            <a:avLst/>
-          </a:prstGeom>
-          <a:noFill/>
-        </p:spPr>
-        <p:txBody>
-          <a:bodyPr wrap="none" rtlCol="0">
-            <a:spAutoFit/>
-          </a:bodyPr>
-          <a:lstStyle/>
-          <a:p>
-            <a:r>
-              <a:rPr lang="en-US" dirty="0"/>
-              <a:t>+90 Roll</a:t>
-            </a:r>
-          </a:p>
-          <a:p>
-            <a:r>
-              <a:rPr lang="en-US" dirty="0"/>
-              <a:t>+ Front Right</a:t>
-            </a:r>
-          </a:p>
-          <a:p>
-            <a:r>
-              <a:rPr lang="en-US" dirty="0"/>
-              <a:t>+ Rear Right</a:t>
-            </a:r>
-          </a:p>
-        </p:txBody>
-      </p:sp>
-      <p:sp>
-        <p:nvSpPr>
-          <p:cNvPr id="33" name="ZoneTexte 32">
-            <a:extLst>
-              <a:ext uri="{FF2B5EF4-FFF2-40B4-BE49-F238E27FC236}">
-                <a16:creationId xmlns:a16="http://schemas.microsoft.com/office/drawing/2014/main" id="{BAA39D9F-2C55-4FB8-82D2-DE05F903CC91}"/>
-              </a:ext>
-            </a:extLst>
-          </p:cNvPr>
-          <p:cNvSpPr txBox="1"/>
-          <p:nvPr/>
-        </p:nvSpPr>
-        <p:spPr>
-          <a:xfrm>
-            <a:off x="10947953" y="3500995"/>
-            <a:ext cx="1212320" cy="923330"/>
-          </a:xfrm>
-          <a:prstGeom prst="rect">
-            <a:avLst/>
-          </a:prstGeom>
-          <a:noFill/>
-        </p:spPr>
-        <p:txBody>
-          <a:bodyPr wrap="none" rtlCol="0">
-            <a:spAutoFit/>
-          </a:bodyPr>
-          <a:lstStyle/>
-          <a:p>
-            <a:r>
-              <a:rPr lang="en-US" dirty="0"/>
-              <a:t>-90 Roll</a:t>
-            </a:r>
-          </a:p>
-          <a:p>
-            <a:r>
-              <a:rPr lang="en-US" dirty="0"/>
-              <a:t>+Front Left</a:t>
-            </a:r>
-          </a:p>
-          <a:p>
-            <a:r>
-              <a:rPr lang="en-US" dirty="0"/>
-              <a:t>+ Rear Left</a:t>
-            </a:r>
-          </a:p>
-        </p:txBody>
-      </p:sp>
-      <p:sp>
-        <p:nvSpPr>
-          <p:cNvPr id="34" name="ZoneTexte 33">
-            <a:extLst>
-              <a:ext uri="{FF2B5EF4-FFF2-40B4-BE49-F238E27FC236}">
-                <a16:creationId xmlns:a16="http://schemas.microsoft.com/office/drawing/2014/main" id="{B149E594-E058-4118-A5DF-7EF88A614800}"/>
-              </a:ext>
-            </a:extLst>
-          </p:cNvPr>
-          <p:cNvSpPr txBox="1"/>
-          <p:nvPr/>
-        </p:nvSpPr>
-        <p:spPr>
-          <a:xfrm>
-            <a:off x="9030533" y="5958159"/>
-            <a:ext cx="1105816" cy="369332"/>
-          </a:xfrm>
-          <a:prstGeom prst="rect">
-            <a:avLst/>
-          </a:prstGeom>
-          <a:noFill/>
-        </p:spPr>
-        <p:txBody>
-          <a:bodyPr wrap="none" rtlCol="0">
-            <a:spAutoFit/>
-          </a:bodyPr>
-          <a:lstStyle/>
-          <a:p>
-            <a:r>
-              <a:rPr lang="en-US" dirty="0"/>
-              <a:t>0 Throttle</a:t>
-            </a:r>
-          </a:p>
-        </p:txBody>
-      </p:sp>
-      <p:sp>
-        <p:nvSpPr>
-          <p:cNvPr id="35" name="ZoneTexte 34">
-            <a:extLst>
-              <a:ext uri="{FF2B5EF4-FFF2-40B4-BE49-F238E27FC236}">
-                <a16:creationId xmlns:a16="http://schemas.microsoft.com/office/drawing/2014/main" id="{805B6CC8-577C-4BCF-9A7A-1358163A8E32}"/>
-              </a:ext>
-            </a:extLst>
-          </p:cNvPr>
-          <p:cNvSpPr txBox="1"/>
-          <p:nvPr/>
-        </p:nvSpPr>
-        <p:spPr>
-          <a:xfrm>
-            <a:off x="9101122" y="1201215"/>
-            <a:ext cx="1572290" cy="369332"/>
-          </a:xfrm>
-          <a:prstGeom prst="rect">
-            <a:avLst/>
-          </a:prstGeom>
-          <a:noFill/>
-        </p:spPr>
-        <p:txBody>
-          <a:bodyPr wrap="none" rtlCol="0">
-            <a:spAutoFit/>
-          </a:bodyPr>
-          <a:lstStyle/>
-          <a:p>
-            <a:r>
-              <a:rPr lang="en-US" dirty="0"/>
-              <a:t>+1920 Throttle</a:t>
-            </a:r>
-          </a:p>
-        </p:txBody>
-      </p:sp>
-      <p:sp>
-        <p:nvSpPr>
-          <p:cNvPr id="36" name="ZoneTexte 35">
-            <a:extLst>
-              <a:ext uri="{FF2B5EF4-FFF2-40B4-BE49-F238E27FC236}">
-                <a16:creationId xmlns:a16="http://schemas.microsoft.com/office/drawing/2014/main" id="{549A89FA-9726-4A93-9B69-B7A0992D7379}"/>
-              </a:ext>
-            </a:extLst>
-          </p:cNvPr>
-          <p:cNvSpPr txBox="1"/>
-          <p:nvPr/>
-        </p:nvSpPr>
-        <p:spPr>
-          <a:xfrm>
-            <a:off x="2856818" y="5862849"/>
-            <a:ext cx="1263744" cy="923330"/>
-          </a:xfrm>
-          <a:prstGeom prst="rect">
-            <a:avLst/>
-          </a:prstGeom>
-          <a:noFill/>
-        </p:spPr>
-        <p:txBody>
-          <a:bodyPr wrap="none" rtlCol="0">
-            <a:spAutoFit/>
-          </a:bodyPr>
-          <a:lstStyle/>
-          <a:p>
-            <a:r>
-              <a:rPr lang="en-US" dirty="0"/>
-              <a:t>-90 Pitch</a:t>
-            </a:r>
-          </a:p>
-          <a:p>
-            <a:r>
-              <a:rPr lang="en-US" dirty="0"/>
-              <a:t>+Rear Right</a:t>
-            </a:r>
-          </a:p>
-          <a:p>
-            <a:r>
-              <a:rPr lang="en-US" dirty="0"/>
-              <a:t>+ Rear Left</a:t>
-            </a:r>
-          </a:p>
-        </p:txBody>
-      </p:sp>
-      <p:sp>
-        <p:nvSpPr>
-          <p:cNvPr id="37" name="ZoneTexte 36">
-            <a:extLst>
-              <a:ext uri="{FF2B5EF4-FFF2-40B4-BE49-F238E27FC236}">
-                <a16:creationId xmlns:a16="http://schemas.microsoft.com/office/drawing/2014/main" id="{11F4CACF-63DA-4CE8-978E-96FF102E1741}"/>
-              </a:ext>
-            </a:extLst>
-          </p:cNvPr>
-          <p:cNvSpPr txBox="1"/>
-          <p:nvPr/>
-        </p:nvSpPr>
-        <p:spPr>
-          <a:xfrm>
-            <a:off x="2798326" y="1162623"/>
-            <a:ext cx="1390189" cy="1200329"/>
-          </a:xfrm>
-          <a:prstGeom prst="rect">
-            <a:avLst/>
-          </a:prstGeom>
-          <a:noFill/>
-        </p:spPr>
-        <p:txBody>
-          <a:bodyPr wrap="none" rtlCol="0">
-            <a:spAutoFit/>
-          </a:bodyPr>
-          <a:lstStyle/>
-          <a:p>
-            <a:r>
-              <a:rPr lang="en-US" dirty="0"/>
-              <a:t>+90 Pitch</a:t>
-            </a:r>
-          </a:p>
-          <a:p>
-            <a:r>
-              <a:rPr lang="en-US" dirty="0"/>
-              <a:t>+ Front Left</a:t>
-            </a:r>
-          </a:p>
-          <a:p>
-            <a:r>
-              <a:rPr lang="en-US" dirty="0"/>
-              <a:t>+ Front Right</a:t>
-            </a:r>
-          </a:p>
-          <a:p>
-            <a:endParaRPr lang="en-US" dirty="0"/>
-          </a:p>
-        </p:txBody>
-      </p:sp>
-      <p:sp>
-        <p:nvSpPr>
-          <p:cNvPr id="38" name="ZoneTexte 37">
-            <a:extLst>
-              <a:ext uri="{FF2B5EF4-FFF2-40B4-BE49-F238E27FC236}">
-                <a16:creationId xmlns:a16="http://schemas.microsoft.com/office/drawing/2014/main" id="{59E1DC74-955A-4755-9CC2-65ACACC1E6F7}"/>
-              </a:ext>
-            </a:extLst>
-          </p:cNvPr>
-          <p:cNvSpPr txBox="1"/>
-          <p:nvPr/>
-        </p:nvSpPr>
-        <p:spPr>
-          <a:xfrm>
-            <a:off x="306828" y="793291"/>
-            <a:ext cx="1173719" cy="369332"/>
-          </a:xfrm>
-          <a:prstGeom prst="rect">
-            <a:avLst/>
-          </a:prstGeom>
-          <a:noFill/>
-        </p:spPr>
-        <p:txBody>
-          <a:bodyPr wrap="none" rtlCol="0">
-            <a:spAutoFit/>
-          </a:bodyPr>
-          <a:lstStyle/>
-          <a:p>
-            <a:r>
-              <a:rPr lang="en-US" dirty="0"/>
-              <a:t>Aux1 (0/1)</a:t>
-            </a:r>
-          </a:p>
-        </p:txBody>
-      </p:sp>
-      <p:sp>
-        <p:nvSpPr>
-          <p:cNvPr id="39" name="ZoneTexte 38">
-            <a:extLst>
-              <a:ext uri="{FF2B5EF4-FFF2-40B4-BE49-F238E27FC236}">
-                <a16:creationId xmlns:a16="http://schemas.microsoft.com/office/drawing/2014/main" id="{3D647A03-7007-4D80-9827-5D61D411F0C0}"/>
-              </a:ext>
-            </a:extLst>
-          </p:cNvPr>
-          <p:cNvSpPr txBox="1"/>
-          <p:nvPr/>
-        </p:nvSpPr>
-        <p:spPr>
-          <a:xfrm>
-            <a:off x="11111265" y="828310"/>
-            <a:ext cx="1173719" cy="369332"/>
-          </a:xfrm>
-          <a:prstGeom prst="rect">
-            <a:avLst/>
-          </a:prstGeom>
-          <a:noFill/>
-        </p:spPr>
-        <p:txBody>
-          <a:bodyPr wrap="none" rtlCol="0">
-            <a:spAutoFit/>
-          </a:bodyPr>
-          <a:lstStyle/>
-          <a:p>
-            <a:r>
-              <a:rPr lang="en-US" dirty="0"/>
-              <a:t>Aux2 (0/1)</a:t>
-            </a:r>
-          </a:p>
-        </p:txBody>
-      </p:sp>
-      <p:pic>
-        <p:nvPicPr>
-          <p:cNvPr id="4" name="Image 3">
-            <a:extLst>
-              <a:ext uri="{FF2B5EF4-FFF2-40B4-BE49-F238E27FC236}">
-                <a16:creationId xmlns:a16="http://schemas.microsoft.com/office/drawing/2014/main" id="{B9876BF1-8DAF-4575-9394-B5F5B549C828}"/>
-              </a:ext>
-            </a:extLst>
-          </p:cNvPr>
-          <p:cNvPicPr>
-            <a:picLocks noChangeAspect="1"/>
-          </p:cNvPicPr>
-          <p:nvPr/>
-        </p:nvPicPr>
-        <p:blipFill>
-          <a:blip r:embed="rId2">
-            <a:extLst>
-              <a:ext uri="{28A0092B-C50C-407E-A947-70E740481C1C}">
-                <a14:useLocalDpi xmlns:a14="http://schemas.microsoft.com/office/drawing/2010/main" val="0"/>
-              </a:ext>
-            </a:extLst>
-          </a:blip>
-          <a:stretch>
-            <a:fillRect/>
-          </a:stretch>
-        </p:blipFill>
-        <p:spPr>
-          <a:xfrm>
-            <a:off x="4218914" y="882237"/>
-            <a:ext cx="4109622" cy="2580925"/>
-          </a:xfrm>
-          <a:prstGeom prst="rect">
-            <a:avLst/>
-          </a:prstGeom>
-        </p:spPr>
-      </p:pic>
     </p:spTree>
     <p:extLst>
       <p:ext uri="{BB962C8B-B14F-4D97-AF65-F5344CB8AC3E}">
-        <p14:creationId xmlns:p14="http://schemas.microsoft.com/office/powerpoint/2010/main" val="1970995846"/>
+        <p14:creationId xmlns:p14="http://schemas.microsoft.com/office/powerpoint/2010/main" val="3722056244"/>
       </p:ext>
     </p:extLst>
   </p:cSld>
@@ -15336,34 +16135,34 @@
         </p:spPr>
         <p:txBody>
           <a:bodyPr>
-            <a:normAutofit fontScale="70000" lnSpcReduction="20000"/>
+            <a:normAutofit fontScale="85000" lnSpcReduction="20000"/>
           </a:bodyPr>
           <a:lstStyle/>
           <a:p>
             <a:r>
-              <a:rPr lang="en-US" sz="2600" dirty="0"/>
+              <a:rPr lang="en-US" sz="1300" dirty="0"/>
               <a:t>This processing usually occurs every 20 </a:t>
             </a:r>
             <a:r>
-              <a:rPr lang="en-US" sz="2600" dirty="0" err="1"/>
+              <a:rPr lang="en-US" sz="1300" dirty="0" err="1"/>
               <a:t>ms</a:t>
             </a:r>
             <a:r>
-              <a:rPr lang="en-US" sz="2600" dirty="0"/>
+              <a:rPr lang="en-US" sz="1300" dirty="0"/>
               <a:t> (</a:t>
             </a:r>
             <a:r>
-              <a:rPr lang="en-US" sz="2600" dirty="0" err="1"/>
+              <a:rPr lang="en-US" sz="1300" dirty="0" err="1"/>
               <a:t>samplePeriod</a:t>
             </a:r>
             <a:r>
-              <a:rPr lang="en-US" sz="2600" dirty="0"/>
+              <a:rPr lang="en-US" sz="1300" dirty="0"/>
               <a:t>), any latency is logged.</a:t>
             </a:r>
           </a:p>
           <a:p>
             <a:r>
-              <a:rPr lang="en-US" sz="2600" dirty="0"/>
+              <a:rPr lang="en-US" sz="1300" dirty="0"/>
               <a:t>RC Command</a:t>
             </a:r>
           </a:p>
@@ -15372,7 +16171,7 @@
               <a:buNone/>
             </a:pPr>
             <a:r>
-              <a:rPr lang="en-US" sz="1400" dirty="0"/>
+              <a:rPr lang="en-US" sz="1300" dirty="0"/>
               <a:t>ROLL, PITCH: range [-45;+45] </a:t>
             </a:r>
           </a:p>
@@ -15381,7 +16180,7 @@
               <a:buNone/>
             </a:pPr>
             <a:r>
-              <a:rPr lang="en-US" sz="1400" dirty="0"/>
+              <a:rPr lang="en-US" sz="1300" dirty="0"/>
               <a:t>YAW: range [-90;+90] </a:t>
             </a:r>
           </a:p>
@@ -15390,11 +16189,11 @@
               <a:buNone/>
             </a:pPr>
             <a:r>
-              <a:rPr lang="en-US" sz="1400" dirty="0"/>
+              <a:rPr lang="en-US" sz="1300" dirty="0"/>
               <a:t>THROTTLE:   0 if &lt; 1.1*MINPPM else value included in [1.1*MINPPM;MAXPPM] </a:t>
             </a:r>
             <a:r>
-              <a:rPr lang="fr-FR" sz="1400" dirty="0"/>
+              <a:rPr lang="fr-FR" sz="1300" dirty="0"/>
               <a:t> </a:t>
             </a:r>
           </a:p>
@@ -15403,23 +16202,23 @@
               <a:buNone/>
             </a:pPr>
             <a:r>
-              <a:rPr lang="fr-FR" sz="1400" dirty="0"/>
+              <a:rPr lang="fr-FR" sz="1300" dirty="0"/>
               <a:t>AUX1:            0 </a:t>
             </a:r>
             <a:r>
-              <a:rPr lang="en-US" sz="1400" dirty="0"/>
+              <a:rPr lang="en-US" sz="1300" dirty="0"/>
               <a:t>if &lt; 0.9*MAXPPM </a:t>
             </a:r>
             <a:r>
-              <a:rPr lang="fr-FR" sz="1400" dirty="0"/>
+              <a:rPr lang="fr-FR" sz="1300" dirty="0"/>
               <a:t> </a:t>
             </a:r>
             <a:r>
-              <a:rPr lang="fr-FR" sz="1400" dirty="0" err="1"/>
+              <a:rPr lang="fr-FR" sz="1300" dirty="0" err="1"/>
               <a:t>else</a:t>
             </a:r>
             <a:r>
-              <a:rPr lang="fr-FR" sz="1400" dirty="0"/>
+              <a:rPr lang="fr-FR" sz="1300" dirty="0"/>
               <a:t> 1</a:t>
             </a:r>
           </a:p>
@@ -15428,19 +16227,19 @@
               <a:buNone/>
             </a:pPr>
             <a:r>
-              <a:rPr lang="fr-FR" sz="1400" dirty="0"/>
+              <a:rPr lang="fr-FR" sz="1300" dirty="0"/>
               <a:t>AUX2:            0 </a:t>
             </a:r>
             <a:r>
-              <a:rPr lang="en-US" sz="1400" dirty="0"/>
+              <a:rPr lang="en-US" sz="1300" dirty="0"/>
               <a:t>if &lt; 0,9* MAXPPMAUX2 </a:t>
             </a:r>
             <a:r>
-              <a:rPr lang="fr-FR" sz="1400" dirty="0" err="1"/>
+              <a:rPr lang="fr-FR" sz="1300" dirty="0" err="1"/>
               <a:t>else</a:t>
             </a:r>
             <a:r>
-              <a:rPr lang="fr-FR" sz="1400" dirty="0"/>
+              <a:rPr lang="fr-FR" sz="1300" dirty="0"/>
               <a:t> 1</a:t>
             </a:r>
           </a:p>
@@ -15448,11 +16247,11 @@
             <a:pPr marL="0" indent="0">
               <a:buNone/>
             </a:pPr>
-            <a:endParaRPr lang="fr-FR" sz="1800" dirty="0"/>
-          </a:p>
-          <a:p>
-            <a:r>
-              <a:rPr lang="en-US" sz="2600" dirty="0"/>
+            <a:endParaRPr lang="fr-FR" sz="1300" dirty="0"/>
+          </a:p>
+          <a:p>
+            <a:r>
+              <a:rPr lang="en-US" sz="1300" dirty="0"/>
               <a:t>CMPS12</a:t>
             </a:r>
           </a:p>
@@ -15461,7 +16260,7 @@
               <a:buNone/>
             </a:pPr>
             <a:r>
-              <a:rPr lang="en-US" sz="1400" dirty="0"/>
+              <a:rPr lang="en-US" sz="1300" dirty="0"/>
               <a:t>ROLL, PITCH: range [-90;+90] </a:t>
             </a:r>
           </a:p>
@@ -15470,7 +16269,7 @@
               <a:buNone/>
             </a:pPr>
             <a:r>
-              <a:rPr lang="en-US" sz="1400" dirty="0"/>
+              <a:rPr lang="en-US" sz="1300" dirty="0"/>
               <a:t>YAW:  range [0;+359] </a:t>
             </a:r>
           </a:p>
@@ -15478,51 +16277,51 @@
             <a:pPr marL="0" indent="0">
               <a:buNone/>
             </a:pPr>
-            <a:endParaRPr lang="fr-FR" sz="1800" dirty="0"/>
-          </a:p>
-          <a:p>
-            <a:r>
-              <a:rPr lang="fr-FR" sz="2600" dirty="0"/>
+            <a:endParaRPr lang="fr-FR" sz="1300" dirty="0"/>
+          </a:p>
+          <a:p>
+            <a:r>
+              <a:rPr lang="fr-FR" sz="1300" dirty="0"/>
               <a:t>PID </a:t>
             </a:r>
             <a:r>
-              <a:rPr lang="fr-FR" sz="2600" dirty="0" err="1"/>
+              <a:rPr lang="fr-FR" sz="1300" dirty="0" err="1"/>
               <a:t>computed</a:t>
             </a:r>
             <a:r>
-              <a:rPr lang="fr-FR" sz="2600" dirty="0"/>
+              <a:rPr lang="fr-FR" sz="1300" dirty="0"/>
               <a:t> for Roll and Pitch </a:t>
             </a:r>
             <a:r>
-              <a:rPr lang="fr-FR" sz="2600" dirty="0" err="1"/>
+              <a:rPr lang="fr-FR" sz="1300" dirty="0" err="1"/>
               <a:t>based</a:t>
             </a:r>
             <a:r>
-              <a:rPr lang="fr-FR" sz="2600" dirty="0"/>
+              <a:rPr lang="fr-FR" sz="1300" dirty="0"/>
               <a:t> on RC Command vs CMPS12 </a:t>
             </a:r>
             <a:r>
-              <a:rPr lang="fr-FR" sz="2600" dirty="0" err="1"/>
+              <a:rPr lang="fr-FR" sz="1300" dirty="0" err="1"/>
               <a:t>measures</a:t>
             </a:r>
-            <a:endParaRPr lang="fr-FR" sz="2600" dirty="0"/>
+            <a:endParaRPr lang="fr-FR" sz="1300" dirty="0"/>
           </a:p>
           <a:p>
             <a:pPr marL="457200" lvl="1" indent="0">
               <a:buNone/>
             </a:pPr>
             <a:r>
-              <a:rPr lang="da-DK" sz="1400" dirty="0"/>
+              <a:rPr lang="da-DK" sz="1300" dirty="0"/>
               <a:t>error =  command – measure =&gt; error &gt; 0 means increase command.</a:t>
             </a:r>
-            <a:endParaRPr lang="nb-NO" sz="1400" dirty="0"/>
+            <a:endParaRPr lang="nb-NO" sz="1300" dirty="0"/>
           </a:p>
           <a:p>
             <a:pPr marL="457200" lvl="1" indent="0">
               <a:buNone/>
             </a:pPr>
             <a:r>
-              <a:rPr lang="nb-NO" sz="1500" dirty="0"/>
+              <a:rPr lang="nb-NO" sz="1300" dirty="0"/>
               <a:t>PID = (0.6*error) + (0.1*sum_error*sampleTime) + (0.3*delta_error/ sampleTime)</a:t>
             </a:r>
           </a:p>
@@ -15531,7 +16330,7 @@
               <a:buNone/>
             </a:pPr>
             <a:r>
-              <a:rPr lang="nb-NO" sz="1500" dirty="0"/>
+              <a:rPr lang="nb-NO" sz="1300" dirty="0"/>
               <a:t>NB:</a:t>
             </a:r>
           </a:p>
@@ -15541,8 +16340,8 @@
               <a:buAutoNum type="arabicPeriod"/>
             </a:pPr>
             <a:r>
-              <a:rPr lang="nb-NO" sz="1100" dirty="0"/>
-              <a:t>The Integral component is capped to 5°</a:t>
+              <a:rPr lang="nb-NO" sz="1300" dirty="0"/>
+              <a:t>The Integral component is capped to 5</a:t>
             </a:r>
           </a:p>
           <a:p>
@@ -15551,50 +16350,65 @@
               <a:buAutoNum type="arabicPeriod"/>
             </a:pPr>
             <a:r>
-              <a:rPr lang="en-US" sz="1200" dirty="0"/>
-              <a:t>Low pass filter cut frequency at 20 Hz for the Derivative component, cuts out the high frequency noise that can drive the </a:t>
-            </a:r>
-            <a:r>
-              <a:rPr lang="en-US" sz="1200"/>
-              <a:t>controller cray</a:t>
-            </a:r>
-            <a:endParaRPr lang="nb-NO" sz="1200" dirty="0"/>
+              <a:rPr lang="en-US" sz="1300" dirty="0"/>
+              <a:t>Low pass filter cut frequency at 20 Hz for the Derivative component, cuts out the high frequency noise that can drive the controller </a:t>
+            </a:r>
+            <a:r>
+              <a:rPr lang="en-US" sz="1300" dirty="0" err="1"/>
+              <a:t>crasy</a:t>
+            </a:r>
+            <a:endParaRPr lang="en-US" sz="1300" dirty="0"/>
+          </a:p>
+          <a:p>
+            <a:pPr marL="1371600" lvl="2" indent="-457200">
+              <a:buFont typeface="+mj-lt"/>
+              <a:buAutoNum type="arabicPeriod"/>
+            </a:pPr>
+            <a:r>
+              <a:rPr lang="nb-NO" sz="1300" dirty="0"/>
+              <a:t>Initial Yaw (YawInit) is subtracted from Yaw and Yaw is converted from [</a:t>
+            </a:r>
+            <a:r>
+              <a:rPr lang="en-US" sz="1300" dirty="0"/>
+              <a:t>0;+359]  to range [-180;+180] </a:t>
+            </a:r>
+            <a:endParaRPr lang="nb-NO" sz="1300" dirty="0"/>
           </a:p>
           <a:p>
             <a:pPr marL="0" indent="0">
               <a:buNone/>
             </a:pPr>
-            <a:endParaRPr lang="nb-NO" sz="1800" dirty="0"/>
-          </a:p>
-          <a:p>
-            <a:r>
-              <a:rPr lang="fr-FR" sz="2600" dirty="0"/>
+            <a:endParaRPr lang="nb-NO" sz="1300" dirty="0"/>
+          </a:p>
+          <a:p>
+            <a:r>
+              <a:rPr lang="fr-FR" sz="1300" dirty="0"/>
               <a:t>Call </a:t>
             </a:r>
             <a:r>
-              <a:rPr lang="fr-FR" sz="2600" dirty="0" err="1"/>
+              <a:rPr lang="fr-FR" sz="1300" dirty="0" err="1"/>
               <a:t>MotorESC_RunMotors</a:t>
             </a:r>
-            <a:endParaRPr lang="fr-FR" sz="2600" dirty="0"/>
+            <a:endParaRPr lang="fr-FR" sz="1300" dirty="0"/>
           </a:p>
           <a:p>
             <a:pPr marL="457200" lvl="1" indent="0">
               <a:buNone/>
             </a:pPr>
             <a:r>
-              <a:rPr lang="en-US" sz="1500" dirty="0" err="1"/>
+              <a:rPr lang="en-US" sz="1300" dirty="0" err="1"/>
               <a:t>ESC_command</a:t>
             </a:r>
             <a:r>
-              <a:rPr lang="en-US" sz="1500" dirty="0"/>
+              <a:rPr lang="en-US" sz="1300" dirty="0"/>
               <a:t>[THROTTLE] = </a:t>
             </a:r>
             <a:r>
-              <a:rPr lang="en-US" sz="1500" dirty="0" err="1"/>
+              <a:rPr lang="en-US" sz="1300" dirty="0" err="1"/>
               <a:t>RC_command</a:t>
             </a:r>
             <a:r>
-              <a:rPr lang="en-US" sz="1500" dirty="0"/>
+              <a:rPr lang="en-US" sz="1300" dirty="0"/>
               <a:t> Throttle</a:t>
             </a:r>
           </a:p>
@@ -15603,11 +16417,11 @@
               <a:buNone/>
             </a:pPr>
             <a:r>
-              <a:rPr lang="en-US" sz="1500" dirty="0" err="1"/>
+              <a:rPr lang="en-US" sz="1300" dirty="0" err="1"/>
               <a:t>ESC_command</a:t>
             </a:r>
             <a:r>
-              <a:rPr lang="en-US" sz="1500" dirty="0"/>
+              <a:rPr lang="en-US" sz="1300" dirty="0"/>
               <a:t>[ROLL]     = PID Roll</a:t>
             </a:r>
           </a:p>
@@ -15616,11 +16430,11 @@
               <a:buNone/>
             </a:pPr>
             <a:r>
-              <a:rPr lang="en-US" sz="1500" dirty="0" err="1"/>
+              <a:rPr lang="en-US" sz="1300" dirty="0" err="1"/>
               <a:t>ESC_command</a:t>
             </a:r>
             <a:r>
-              <a:rPr lang="en-US" sz="1500" dirty="0"/>
+              <a:rPr lang="en-US" sz="1300" dirty="0"/>
               <a:t>[PITCH]    = PID Pitch</a:t>
             </a:r>
           </a:p>
@@ -15629,15 +16443,15 @@
               <a:buNone/>
             </a:pPr>
             <a:r>
-              <a:rPr lang="en-US" sz="1500" dirty="0" err="1"/>
+              <a:rPr lang="en-US" sz="1300" dirty="0" err="1"/>
               <a:t>ESC_command</a:t>
             </a:r>
             <a:r>
-              <a:rPr lang="en-US" sz="1500" dirty="0"/>
+              <a:rPr lang="en-US" sz="1300" dirty="0"/>
               <a:t>[YAW]      =</a:t>
             </a:r>
             <a:r>
-              <a:rPr lang="en-US" sz="1500" b="1" dirty="0">
+              <a:rPr lang="en-US" sz="1300" b="1" dirty="0">
                 <a:solidFill>
                   <a:srgbClr val="FF0000"/>
                 </a:solidFill>
@@ -15645,7 +16459,7 @@
               <a:t> </a:t>
             </a:r>
             <a:r>
-              <a:rPr lang="en-US" sz="1500" dirty="0"/>
+              <a:rPr lang="en-US" sz="1300" dirty="0"/>
               <a:t>PID Yaw</a:t>
             </a:r>
           </a:p>
@@ -15904,15 +16718,7 @@
             </a:r>
             <a:r>
               <a:rPr lang="fr-FR" sz="1700" dirty="0"/>
-              <a:t>[YAW]*Z + </a:t>
-            </a:r>
-            <a:r>
-              <a:rPr lang="fr-FR" sz="1700" dirty="0" err="1"/>
-              <a:t>ESC_command</a:t>
-            </a:r>
-            <a:r>
-              <a:rPr lang="fr-FR" sz="1700" dirty="0"/>
-              <a:t>[THROTTLE]</a:t>
+              <a:t>[YAW]*Z</a:t>
             </a:r>
           </a:p>
           <a:p>
@@ -16223,59 +17029,71 @@
               <a:buNone/>
             </a:pPr>
             <a:r>
+              <a:rPr lang="fr-FR" sz="1700" dirty="0"/>
+              <a:t>For all </a:t>
+            </a:r>
+            <a:r>
+              <a:rPr lang="fr-FR" sz="1700" dirty="0" err="1"/>
+              <a:t>motors</a:t>
+            </a:r>
+            <a:r>
+              <a:rPr lang="fr-FR" sz="1700" dirty="0"/>
+              <a:t> c</a:t>
+            </a:r>
+            <a:r>
+              <a:rPr lang="en-US" sz="1700" dirty="0" err="1"/>
+              <a:t>ompute</a:t>
+            </a:r>
+            <a:r>
               <a:rPr lang="en-US" sz="1700" dirty="0"/>
-              <a:t>Compute </a:t>
-            </a:r>
-            <a:r>
-              <a:rPr lang="fr-FR" sz="1700" dirty="0" err="1"/>
-              <a:t>maxMotor</a:t>
-            </a:r>
-            <a:r>
-              <a:rPr lang="fr-FR" sz="1700" dirty="0"/>
-              <a:t> = max (MAXPWM - _</a:t>
-            </a:r>
-            <a:r>
-              <a:rPr lang="fr-FR" sz="1700" dirty="0" err="1"/>
-              <a:t>motor</a:t>
-            </a:r>
-            <a:r>
-              <a:rPr lang="fr-FR" sz="1700" dirty="0"/>
-              <a:t>[i]) and </a:t>
-            </a:r>
-            <a:r>
-              <a:rPr lang="en-US" sz="1700" dirty="0" err="1"/>
-              <a:t>minMotor</a:t>
-            </a:r>
-            <a:r>
-              <a:rPr lang="en-US" sz="1700" dirty="0"/>
-              <a:t> </a:t>
-            </a:r>
-            <a:r>
-              <a:rPr lang="fr-FR" sz="1700" dirty="0"/>
-              <a:t>= max (MINPWM - _</a:t>
-            </a:r>
-            <a:r>
-              <a:rPr lang="fr-FR" sz="1700" dirty="0" err="1"/>
-              <a:t>motor</a:t>
-            </a:r>
-            <a:r>
-              <a:rPr lang="fr-FR" sz="1700" dirty="0"/>
-              <a:t>[i]) </a:t>
-            </a:r>
-          </a:p>
-          <a:p>
-            <a:pPr marL="457200" lvl="1" indent="0">
+              <a:t>:</a:t>
+            </a:r>
+          </a:p>
+          <a:p>
+            <a:pPr marL="914400" lvl="2" indent="0">
               <a:buNone/>
             </a:pPr>
             <a:r>
-              <a:rPr lang="fr-FR" sz="1700" dirty="0"/>
-              <a:t>for all </a:t>
-            </a:r>
-            <a:r>
-              <a:rPr lang="fr-FR" sz="1700" dirty="0" err="1"/>
-              <a:t>motors</a:t>
-            </a:r>
-            <a:endParaRPr lang="fr-FR" sz="1700" dirty="0"/>
+              <a:rPr lang="fr-FR" sz="1300" dirty="0" err="1"/>
+              <a:t>maxMotor</a:t>
+            </a:r>
+            <a:r>
+              <a:rPr lang="fr-FR" sz="1300" dirty="0"/>
+              <a:t> = max (</a:t>
+            </a:r>
+            <a:r>
+              <a:rPr lang="fr-FR" sz="1300" dirty="0" err="1"/>
+              <a:t>motor</a:t>
+            </a:r>
+            <a:r>
+              <a:rPr lang="fr-FR" sz="1300" dirty="0"/>
+              <a:t>[i]- MAXPWM )</a:t>
+            </a:r>
+          </a:p>
+          <a:p>
+            <a:pPr marL="914400" lvl="2" indent="0">
+              <a:buNone/>
+            </a:pPr>
+            <a:r>
+              <a:rPr lang="en-US" sz="1300" dirty="0" err="1"/>
+              <a:t>minMotor</a:t>
+            </a:r>
+            <a:r>
+              <a:rPr lang="en-US" sz="1300" dirty="0"/>
+              <a:t> </a:t>
+            </a:r>
+            <a:r>
+              <a:rPr lang="fr-FR" sz="1300" dirty="0"/>
+              <a:t>= max (MINPWM - _</a:t>
+            </a:r>
+            <a:r>
+              <a:rPr lang="fr-FR" sz="1300" dirty="0" err="1"/>
+              <a:t>motor</a:t>
+            </a:r>
+            <a:r>
+              <a:rPr lang="fr-FR" sz="1300" dirty="0"/>
+              <a:t>[i]) </a:t>
+            </a:r>
           </a:p>
           <a:p>
             <a:pPr marL="457200" lvl="1" indent="0">
@@ -16289,7 +17107,15 @@
             </a:pPr>
             <a:r>
               <a:rPr lang="en-US" sz="1700" dirty="0"/>
-              <a:t>Subtract </a:t>
+              <a:t>If  </a:t>
+            </a:r>
+            <a:r>
+              <a:rPr lang="en-US" sz="1700" dirty="0" err="1"/>
+              <a:t>maxMotor</a:t>
+            </a:r>
+            <a:r>
+              <a:rPr lang="en-US" sz="1700" dirty="0"/>
+              <a:t> &gt;0, then Subtract </a:t>
             </a:r>
             <a:r>
               <a:rPr lang="en-US" sz="1700" dirty="0" err="1"/>
@@ -16312,7 +17138,15 @@
             </a:pPr>
             <a:r>
               <a:rPr lang="en-US" sz="1700" dirty="0"/>
-              <a:t>Add </a:t>
+              <a:t>If  </a:t>
+            </a:r>
+            <a:r>
+              <a:rPr lang="en-US" sz="1700" dirty="0" err="1"/>
+              <a:t>minMotor</a:t>
+            </a:r>
+            <a:r>
+              <a:rPr lang="en-US" sz="1700" dirty="0"/>
+              <a:t> &gt;0, then Add </a:t>
             </a:r>
             <a:r>
               <a:rPr lang="en-US" sz="1700" dirty="0" err="1"/>
@@ -16335,7 +17169,23 @@
             </a:pPr>
             <a:r>
               <a:rPr lang="en-US" sz="1700" dirty="0"/>
-              <a:t> Cap all motors between MINPWM and MAXPWM</a:t>
+              <a:t> If  </a:t>
+            </a:r>
+            <a:r>
+              <a:rPr lang="en-US" sz="1700" dirty="0" err="1"/>
+              <a:t>maxMotor</a:t>
+            </a:r>
+            <a:r>
+              <a:rPr lang="en-US" sz="1700" dirty="0"/>
+              <a:t> &gt;0 or </a:t>
+            </a:r>
+            <a:r>
+              <a:rPr lang="en-US" sz="1700" dirty="0" err="1"/>
+              <a:t>minMotor</a:t>
+            </a:r>
+            <a:r>
+              <a:rPr lang="en-US" sz="1700" dirty="0"/>
+              <a:t> &gt;0 , then Cap all motors between MINPWM and MAXPWM</a:t>
             </a:r>
           </a:p>
         </p:txBody>

--- a/libraries/Diagramm Drone.pptx
+++ b/libraries/Diagramm Drone.pptx
@@ -16,7 +16,8 @@
     <p:sldId id="274" r:id="rId10"/>
     <p:sldId id="275" r:id="rId11"/>
     <p:sldId id="276" r:id="rId12"/>
-    <p:sldId id="260" r:id="rId13"/>
+    <p:sldId id="277" r:id="rId13"/>
+    <p:sldId id="260" r:id="rId14"/>
   </p:sldIdLst>
   <p:sldSz cx="12192000" cy="6858000"/>
   <p:notesSz cx="6888163" cy="10020300"/>
@@ -293,7 +294,7 @@
           <a:p>
             <a:fld id="{0717AEF8-1597-4679-8926-916E82E12B07}" type="datetimeFigureOut">
               <a:rPr lang="fr-FR" smtClean="0"/>
-              <a:t>02/06/2019</a:t>
+              <a:t>06/06/2019</a:t>
             </a:fld>
             <a:endParaRPr lang="fr-FR"/>
           </a:p>
@@ -491,7 +492,7 @@
           <a:p>
             <a:fld id="{0717AEF8-1597-4679-8926-916E82E12B07}" type="datetimeFigureOut">
               <a:rPr lang="fr-FR" smtClean="0"/>
-              <a:t>02/06/2019</a:t>
+              <a:t>06/06/2019</a:t>
             </a:fld>
             <a:endParaRPr lang="fr-FR"/>
           </a:p>
@@ -699,7 +700,7 @@
           <a:p>
             <a:fld id="{0717AEF8-1597-4679-8926-916E82E12B07}" type="datetimeFigureOut">
               <a:rPr lang="fr-FR" smtClean="0"/>
-              <a:t>02/06/2019</a:t>
+              <a:t>06/06/2019</a:t>
             </a:fld>
             <a:endParaRPr lang="fr-FR"/>
           </a:p>
@@ -897,7 +898,7 @@
           <a:p>
             <a:fld id="{0717AEF8-1597-4679-8926-916E82E12B07}" type="datetimeFigureOut">
               <a:rPr lang="fr-FR" smtClean="0"/>
-              <a:t>02/06/2019</a:t>
+              <a:t>06/06/2019</a:t>
             </a:fld>
             <a:endParaRPr lang="fr-FR"/>
           </a:p>
@@ -1172,7 +1173,7 @@
           <a:p>
             <a:fld id="{0717AEF8-1597-4679-8926-916E82E12B07}" type="datetimeFigureOut">
               <a:rPr lang="fr-FR" smtClean="0"/>
-              <a:t>02/06/2019</a:t>
+              <a:t>06/06/2019</a:t>
             </a:fld>
             <a:endParaRPr lang="fr-FR"/>
           </a:p>
@@ -1437,7 +1438,7 @@
           <a:p>
             <a:fld id="{0717AEF8-1597-4679-8926-916E82E12B07}" type="datetimeFigureOut">
               <a:rPr lang="fr-FR" smtClean="0"/>
-              <a:t>02/06/2019</a:t>
+              <a:t>06/06/2019</a:t>
             </a:fld>
             <a:endParaRPr lang="fr-FR"/>
           </a:p>
@@ -1849,7 +1850,7 @@
           <a:p>
             <a:fld id="{0717AEF8-1597-4679-8926-916E82E12B07}" type="datetimeFigureOut">
               <a:rPr lang="fr-FR" smtClean="0"/>
-              <a:t>02/06/2019</a:t>
+              <a:t>06/06/2019</a:t>
             </a:fld>
             <a:endParaRPr lang="fr-FR"/>
           </a:p>
@@ -1990,7 +1991,7 @@
           <a:p>
             <a:fld id="{0717AEF8-1597-4679-8926-916E82E12B07}" type="datetimeFigureOut">
               <a:rPr lang="fr-FR" smtClean="0"/>
-              <a:t>02/06/2019</a:t>
+              <a:t>06/06/2019</a:t>
             </a:fld>
             <a:endParaRPr lang="fr-FR"/>
           </a:p>
@@ -2103,7 +2104,7 @@
           <a:p>
             <a:fld id="{0717AEF8-1597-4679-8926-916E82E12B07}" type="datetimeFigureOut">
               <a:rPr lang="fr-FR" smtClean="0"/>
-              <a:t>02/06/2019</a:t>
+              <a:t>06/06/2019</a:t>
             </a:fld>
             <a:endParaRPr lang="fr-FR"/>
           </a:p>
@@ -2414,7 +2415,7 @@
           <a:p>
             <a:fld id="{0717AEF8-1597-4679-8926-916E82E12B07}" type="datetimeFigureOut">
               <a:rPr lang="fr-FR" smtClean="0"/>
-              <a:t>02/06/2019</a:t>
+              <a:t>06/06/2019</a:t>
             </a:fld>
             <a:endParaRPr lang="fr-FR"/>
           </a:p>
@@ -2702,7 +2703,7 @@
           <a:p>
             <a:fld id="{0717AEF8-1597-4679-8926-916E82E12B07}" type="datetimeFigureOut">
               <a:rPr lang="fr-FR" smtClean="0"/>
-              <a:t>02/06/2019</a:t>
+              <a:t>06/06/2019</a:t>
             </a:fld>
             <a:endParaRPr lang="fr-FR"/>
           </a:p>
@@ -2943,7 +2944,7 @@
           <a:p>
             <a:fld id="{0717AEF8-1597-4679-8926-916E82E12B07}" type="datetimeFigureOut">
               <a:rPr lang="fr-FR" smtClean="0"/>
-              <a:t>02/06/2019</a:t>
+              <a:t>06/06/2019</a:t>
             </a:fld>
             <a:endParaRPr lang="fr-FR"/>
           </a:p>
@@ -10847,20 +10848,22 @@
           </a:xfrm>
         </p:spPr>
         <p:txBody>
-          <a:bodyPr/>
+          <a:bodyPr>
+            <a:normAutofit fontScale="90000"/>
+          </a:bodyPr>
           <a:lstStyle/>
           <a:p>
             <a:r>
               <a:rPr lang="en-US" dirty="0"/>
-              <a:t>ESC (Electronic Speed </a:t>
+              <a:t>4 ESC (Electronic Speed Controller) </a:t>
             </a:r>
             <a:r>
               <a:rPr lang="en-US" dirty="0" err="1"/>
-              <a:t>Controler</a:t>
+              <a:t>Turnigy</a:t>
             </a:r>
             <a:r>
               <a:rPr lang="en-US" dirty="0"/>
-              <a:t>)</a:t>
+              <a:t> AE-20A Brushless ESC</a:t>
             </a:r>
           </a:p>
         </p:txBody>
@@ -10881,14 +10884,14 @@
             <p:ph idx="1"/>
             <p:extLst>
               <p:ext uri="{D42A27DB-BD31-4B8C-83A1-F6EECF244321}">
-                <p14:modId xmlns:p14="http://schemas.microsoft.com/office/powerpoint/2010/main" val="93674910"/>
+                <p14:modId xmlns:p14="http://schemas.microsoft.com/office/powerpoint/2010/main" val="1581590379"/>
               </p:ext>
             </p:extLst>
           </p:nvPr>
         </p:nvGraphicFramePr>
         <p:xfrm>
-          <a:off x="723901" y="829734"/>
-          <a:ext cx="9257443" cy="3750700"/>
+          <a:off x="870012" y="1362395"/>
+          <a:ext cx="9257444" cy="3969140"/>
         </p:xfrm>
         <a:graphic>
           <a:graphicData uri="http://schemas.openxmlformats.org/drawingml/2006/table">
@@ -10897,21 +10900,28 @@
                 <a:tableStyleId>{5C22544A-7EE6-4342-B048-85BDC9FD1C3A}</a:tableStyleId>
               </a:tblPr>
               <a:tblGrid>
-                <a:gridCol w="2256585">
+                <a:gridCol w="2782779">
                   <a:extLst>
                     <a:ext uri="{9D8B030D-6E8A-4147-A177-3AD203B41FA5}">
                       <a16:colId xmlns:a16="http://schemas.microsoft.com/office/drawing/2014/main" val="2232030455"/>
                     </a:ext>
                   </a:extLst>
                 </a:gridCol>
-                <a:gridCol w="3500429">
+                <a:gridCol w="3852908">
+                  <a:extLst>
+                    <a:ext uri="{9D8B030D-6E8A-4147-A177-3AD203B41FA5}">
+                      <a16:colId xmlns:a16="http://schemas.microsoft.com/office/drawing/2014/main" val="3945422049"/>
+                    </a:ext>
+                  </a:extLst>
+                </a:gridCol>
+                <a:gridCol w="1429305">
                   <a:extLst>
                     <a:ext uri="{9D8B030D-6E8A-4147-A177-3AD203B41FA5}">
                       <a16:colId xmlns:a16="http://schemas.microsoft.com/office/drawing/2014/main" val="3592764086"/>
                     </a:ext>
                   </a:extLst>
                 </a:gridCol>
-                <a:gridCol w="3500429">
+                <a:gridCol w="1192452">
                   <a:extLst>
                     <a:ext uri="{9D8B030D-6E8A-4147-A177-3AD203B41FA5}">
                       <a16:colId xmlns:a16="http://schemas.microsoft.com/office/drawing/2014/main" val="303937432"/>
@@ -10919,7 +10929,7 @@
                   </a:extLst>
                 </a:gridCol>
               </a:tblGrid>
-              <a:tr h="389475">
+              <a:tr h="342118">
                 <a:tc>
                   <a:txBody>
                     <a:bodyPr/>
@@ -10940,15 +10950,24 @@
                     <a:p>
                       <a:r>
                         <a:rPr lang="fr-FR" dirty="0"/>
-                        <a:t>Position stick </a:t>
+                        <a:t>Value</a:t>
                       </a:r>
+                    </a:p>
+                  </a:txBody>
+                  <a:tcPr/>
+                </a:tc>
+                <a:tc>
+                  <a:txBody>
+                    <a:bodyPr/>
+                    <a:lstStyle/>
+                    <a:p>
                       <a:r>
                         <a:rPr lang="fr-FR" dirty="0" err="1"/>
-                        <a:t>during</a:t>
+                        <a:t>Throttle</a:t>
                       </a:r>
                       <a:r>
                         <a:rPr lang="fr-FR" dirty="0"/>
-                        <a:t> configuration</a:t>
+                        <a:t> stick</a:t>
                       </a:r>
                     </a:p>
                   </a:txBody>
@@ -10965,7 +10984,7 @@
                       </a:r>
                       <a:r>
                         <a:rPr lang="fr-FR" dirty="0" err="1"/>
-                        <a:t>beep</a:t>
+                        <a:t>beeps</a:t>
                       </a:r>
                       <a:endParaRPr lang="fr-FR" dirty="0"/>
                     </a:p>
@@ -10986,7 +11005,20 @@
                     <a:p>
                       <a:r>
                         <a:rPr lang="en-US" dirty="0"/>
-                        <a:t>Brake off</a:t>
+                        <a:t>Brake</a:t>
+                      </a:r>
+                    </a:p>
+                  </a:txBody>
+                  <a:tcPr/>
+                </a:tc>
+                <a:tc>
+                  <a:txBody>
+                    <a:bodyPr/>
+                    <a:lstStyle/>
+                    <a:p>
+                      <a:r>
+                        <a:rPr lang="en-US" dirty="0"/>
+                        <a:t>Off</a:t>
                       </a:r>
                     </a:p>
                   </a:txBody>
@@ -11117,6 +11149,19 @@
                     <a:bodyPr/>
                     <a:lstStyle/>
                     <a:p>
+                      <a:r>
+                        <a:rPr lang="en-US" dirty="0"/>
+                        <a:t>Medium (for motors with more than 6 poles)</a:t>
+                      </a:r>
+                    </a:p>
+                  </a:txBody>
+                  <a:tcPr/>
+                </a:tc>
+                <a:tc>
+                  <a:txBody>
+                    <a:bodyPr/>
+                    <a:lstStyle/>
+                    <a:p>
                       <a:pPr marL="0" marR="0" lvl="0" indent="0" algn="l" defTabSz="914400" rtl="0" eaLnBrk="1" fontAlgn="auto" latinLnBrk="0" hangingPunct="1">
                         <a:lnSpc>
                           <a:spcPct val="100000"/>
@@ -11212,7 +11257,32 @@
                     <a:p>
                       <a:r>
                         <a:rPr lang="en-US" dirty="0"/>
-                        <a:t>Cut</a:t>
+                        <a:t>Battery protection voltage threshold</a:t>
+                      </a:r>
+                    </a:p>
+                  </a:txBody>
+                  <a:tcPr/>
+                </a:tc>
+                <a:tc>
+                  <a:txBody>
+                    <a:bodyPr/>
+                    <a:lstStyle/>
+                    <a:p>
+                      <a:r>
+                        <a:rPr lang="en-US" dirty="0"/>
+                        <a:t>Medium cut-off threshold: </a:t>
+                      </a:r>
+                    </a:p>
+                    <a:p>
+                      <a:r>
+                        <a:rPr lang="en-US" dirty="0"/>
+                        <a:t>First stage 3V/cell</a:t>
+                      </a:r>
+                    </a:p>
+                    <a:p>
+                      <a:r>
+                        <a:rPr lang="en-US" dirty="0"/>
+                        <a:t>Second stage 2.8V/cell</a:t>
                       </a:r>
                     </a:p>
                   </a:txBody>
@@ -11362,6 +11432,19 @@
                     <a:bodyPr/>
                     <a:lstStyle/>
                     <a:p>
+                      <a:r>
+                        <a:rPr lang="en-US" dirty="0"/>
+                        <a:t>Fixed-wing aircrafts</a:t>
+                      </a:r>
+                    </a:p>
+                  </a:txBody>
+                  <a:tcPr/>
+                </a:tc>
+                <a:tc>
+                  <a:txBody>
+                    <a:bodyPr/>
+                    <a:lstStyle/>
+                    <a:p>
                       <a:pPr marL="0" marR="0" lvl="0" indent="0" algn="l" defTabSz="914400" rtl="0" eaLnBrk="1" fontAlgn="auto" latinLnBrk="0" hangingPunct="1">
                         <a:lnSpc>
                           <a:spcPct val="100000"/>
@@ -11490,7 +11573,20 @@
                     <a:p>
                       <a:r>
                         <a:rPr lang="en-US" dirty="0"/>
-                        <a:t>Throttle response</a:t>
+                        <a:t>Throttle response speed</a:t>
+                      </a:r>
+                    </a:p>
+                  </a:txBody>
+                  <a:tcPr/>
+                </a:tc>
+                <a:tc>
+                  <a:txBody>
+                    <a:bodyPr/>
+                    <a:lstStyle/>
+                    <a:p>
+                      <a:r>
+                        <a:rPr lang="en-US" dirty="0"/>
+                        <a:t>Normal</a:t>
                       </a:r>
                     </a:p>
                   </a:txBody>
@@ -11592,6 +11688,41 @@
           </a:graphicData>
         </a:graphic>
       </p:graphicFrame>
+      <p:sp>
+        <p:nvSpPr>
+          <p:cNvPr id="3" name="ZoneTexte 2">
+            <a:extLst>
+              <a:ext uri="{FF2B5EF4-FFF2-40B4-BE49-F238E27FC236}">
+                <a16:creationId xmlns:a16="http://schemas.microsoft.com/office/drawing/2014/main" id="{E15610A9-25FD-4D8B-849D-688F981EBF5B}"/>
+              </a:ext>
+            </a:extLst>
+          </p:cNvPr>
+          <p:cNvSpPr txBox="1"/>
+          <p:nvPr/>
+        </p:nvSpPr>
+        <p:spPr>
+          <a:xfrm>
+            <a:off x="870012" y="5442012"/>
+            <a:ext cx="7364004" cy="369332"/>
+          </a:xfrm>
+          <a:prstGeom prst="rect">
+            <a:avLst/>
+          </a:prstGeom>
+          <a:noFill/>
+        </p:spPr>
+        <p:txBody>
+          <a:bodyPr wrap="none" rtlCol="0">
+            <a:spAutoFit/>
+          </a:bodyPr>
+          <a:lstStyle/>
+          <a:p>
+            <a:r>
+              <a:rPr lang="en-US" dirty="0"/>
+              <a:t>Maximum 190 000 rpm (2poles), 63 000 rpm (6 poles), 34 000 rpm (14 poles)</a:t>
+            </a:r>
+          </a:p>
+        </p:txBody>
+      </p:sp>
     </p:spTree>
     <p:extLst>
       <p:ext uri="{BB962C8B-B14F-4D97-AF65-F5344CB8AC3E}">
@@ -11606,6 +11737,270 @@
 </file>
 
 <file path=ppt/slides/slide12.xml><?xml version="1.0" encoding="utf-8"?>
+<p:sld xmlns:a="http://schemas.openxmlformats.org/drawingml/2006/main" xmlns:r="http://schemas.openxmlformats.org/officeDocument/2006/relationships" xmlns:p="http://schemas.openxmlformats.org/presentationml/2006/main">
+  <p:cSld>
+    <p:spTree>
+      <p:nvGrpSpPr>
+        <p:cNvPr id="1" name=""/>
+        <p:cNvGrpSpPr/>
+        <p:nvPr/>
+      </p:nvGrpSpPr>
+      <p:grpSpPr>
+        <a:xfrm>
+          <a:off x="0" y="0"/>
+          <a:ext cx="0" cy="0"/>
+          <a:chOff x="0" y="0"/>
+          <a:chExt cx="0" cy="0"/>
+        </a:xfrm>
+      </p:grpSpPr>
+      <p:sp>
+        <p:nvSpPr>
+          <p:cNvPr id="2" name="Titre 1">
+            <a:extLst>
+              <a:ext uri="{FF2B5EF4-FFF2-40B4-BE49-F238E27FC236}">
+                <a16:creationId xmlns:a16="http://schemas.microsoft.com/office/drawing/2014/main" id="{8DDCDBDF-D8CC-44B1-A599-F6FD2A53CCC8}"/>
+              </a:ext>
+            </a:extLst>
+          </p:cNvPr>
+          <p:cNvSpPr>
+            <a:spLocks noGrp="1"/>
+          </p:cNvSpPr>
+          <p:nvPr>
+            <p:ph type="title"/>
+          </p:nvPr>
+        </p:nvSpPr>
+        <p:spPr>
+          <a:xfrm>
+            <a:off x="723900" y="190500"/>
+            <a:ext cx="10515600" cy="750888"/>
+          </a:xfrm>
+        </p:spPr>
+        <p:txBody>
+          <a:bodyPr>
+            <a:normAutofit fontScale="90000"/>
+          </a:bodyPr>
+          <a:lstStyle/>
+          <a:p>
+            <a:r>
+              <a:rPr lang="en-US" dirty="0"/>
+              <a:t>4 Motors </a:t>
+            </a:r>
+            <a:r>
+              <a:rPr lang="en-US" dirty="0" err="1"/>
+              <a:t>Turnigy</a:t>
+            </a:r>
+            <a:r>
+              <a:rPr lang="en-US" dirty="0"/>
+              <a:t> </a:t>
+            </a:r>
+            <a:r>
+              <a:rPr lang="en-US" dirty="0" err="1"/>
+              <a:t>Aerodrive</a:t>
+            </a:r>
+            <a:r>
+              <a:rPr lang="en-US" dirty="0"/>
+              <a:t> SK3 - 2826-1240kv Brushless </a:t>
+            </a:r>
+            <a:r>
+              <a:rPr lang="en-US" dirty="0" err="1"/>
+              <a:t>Outrunner</a:t>
+            </a:r>
+            <a:r>
+              <a:rPr lang="en-US" dirty="0"/>
+              <a:t> Motor</a:t>
+            </a:r>
+          </a:p>
+        </p:txBody>
+      </p:sp>
+      <p:sp>
+        <p:nvSpPr>
+          <p:cNvPr id="3" name="ZoneTexte 2">
+            <a:extLst>
+              <a:ext uri="{FF2B5EF4-FFF2-40B4-BE49-F238E27FC236}">
+                <a16:creationId xmlns:a16="http://schemas.microsoft.com/office/drawing/2014/main" id="{E15610A9-25FD-4D8B-849D-688F981EBF5B}"/>
+              </a:ext>
+            </a:extLst>
+          </p:cNvPr>
+          <p:cNvSpPr txBox="1"/>
+          <p:nvPr/>
+        </p:nvSpPr>
+        <p:spPr>
+          <a:xfrm>
+            <a:off x="723900" y="1118586"/>
+            <a:ext cx="3480440" cy="4801314"/>
+          </a:xfrm>
+          <a:prstGeom prst="rect">
+            <a:avLst/>
+          </a:prstGeom>
+          <a:noFill/>
+        </p:spPr>
+        <p:txBody>
+          <a:bodyPr wrap="none" rtlCol="0">
+            <a:spAutoFit/>
+          </a:bodyPr>
+          <a:lstStyle/>
+          <a:p>
+            <a:r>
+              <a:rPr lang="en-US" dirty="0"/>
+              <a:t>UGSSK3-2826-1240</a:t>
+            </a:r>
+          </a:p>
+          <a:p>
+            <a:r>
+              <a:rPr lang="en-US" dirty="0"/>
+              <a:t>Brand	SK3</a:t>
+            </a:r>
+          </a:p>
+          <a:p>
+            <a:r>
+              <a:rPr lang="en-US" dirty="0" err="1"/>
+              <a:t>Poids</a:t>
+            </a:r>
+            <a:r>
+              <a:rPr lang="en-US" dirty="0"/>
+              <a:t>	116.0000</a:t>
+            </a:r>
+          </a:p>
+          <a:p>
+            <a:r>
+              <a:rPr lang="en-US" dirty="0"/>
+              <a:t>Longueur		110.00</a:t>
+            </a:r>
+          </a:p>
+          <a:p>
+            <a:r>
+              <a:rPr lang="en-US" dirty="0"/>
+              <a:t>Packaging Width	45.00</a:t>
+            </a:r>
+          </a:p>
+          <a:p>
+            <a:r>
+              <a:rPr lang="en-US" dirty="0"/>
+              <a:t>la </a:t>
+            </a:r>
+            <a:r>
+              <a:rPr lang="en-US" dirty="0" err="1"/>
+              <a:t>taille</a:t>
+            </a:r>
+            <a:r>
+              <a:rPr lang="en-US" dirty="0"/>
+              <a:t>	80.00</a:t>
+            </a:r>
+          </a:p>
+          <a:p>
+            <a:r>
+              <a:rPr lang="en-US" b="1" dirty="0" err="1"/>
+              <a:t>Kv</a:t>
+            </a:r>
+            <a:r>
+              <a:rPr lang="en-US" b="1" dirty="0"/>
+              <a:t> ( rpm / v)	1240.00</a:t>
+            </a:r>
+          </a:p>
+          <a:p>
+            <a:r>
+              <a:rPr lang="en-US" b="1" dirty="0"/>
+              <a:t>Max Current (A)	16.00</a:t>
+            </a:r>
+          </a:p>
+          <a:p>
+            <a:r>
+              <a:rPr lang="en-US" dirty="0"/>
+              <a:t>Résistance ( </a:t>
+            </a:r>
+            <a:r>
+              <a:rPr lang="en-US" dirty="0" err="1"/>
+              <a:t>mh</a:t>
+            </a:r>
+            <a:r>
+              <a:rPr lang="en-US" dirty="0"/>
+              <a:t> )	95.00</a:t>
+            </a:r>
+          </a:p>
+          <a:p>
+            <a:r>
+              <a:rPr lang="en-US" dirty="0"/>
+              <a:t>Max Tension (V)	11.00</a:t>
+            </a:r>
+          </a:p>
+          <a:p>
+            <a:r>
+              <a:rPr lang="en-US" dirty="0"/>
+              <a:t>(W )	150.00</a:t>
+            </a:r>
+          </a:p>
+          <a:p>
+            <a:r>
+              <a:rPr lang="en-US" dirty="0" err="1"/>
+              <a:t>Arbre</a:t>
+            </a:r>
+            <a:r>
+              <a:rPr lang="en-US" dirty="0"/>
+              <a:t> A ( mm )	3.00</a:t>
+            </a:r>
+          </a:p>
+          <a:p>
+            <a:r>
+              <a:rPr lang="en-US" dirty="0"/>
+              <a:t>Longueur B ( mm )	28.00</a:t>
+            </a:r>
+          </a:p>
+          <a:p>
+            <a:r>
+              <a:rPr lang="en-US" dirty="0"/>
+              <a:t>Can </a:t>
+            </a:r>
+            <a:r>
+              <a:rPr lang="en-US" dirty="0" err="1"/>
+              <a:t>Diamètre</a:t>
+            </a:r>
+            <a:r>
+              <a:rPr lang="en-US" dirty="0"/>
+              <a:t> C ( mm )	28.00</a:t>
+            </a:r>
+          </a:p>
+          <a:p>
+            <a:r>
+              <a:rPr lang="en-US" dirty="0"/>
+              <a:t>Longueur Can D ( mm )	12.00</a:t>
+            </a:r>
+          </a:p>
+          <a:p>
+            <a:r>
+              <a:rPr lang="en-US" dirty="0"/>
+              <a:t>Longueur </a:t>
+            </a:r>
+            <a:r>
+              <a:rPr lang="en-US" dirty="0" err="1"/>
+              <a:t>totale</a:t>
+            </a:r>
+            <a:r>
+              <a:rPr lang="en-US" dirty="0"/>
+              <a:t> E ( mm )	40.00</a:t>
+            </a:r>
+          </a:p>
+          <a:p>
+            <a:r>
+              <a:rPr lang="en-US" dirty="0"/>
+              <a:t>)</a:t>
+            </a:r>
+          </a:p>
+        </p:txBody>
+      </p:sp>
+    </p:spTree>
+    <p:extLst>
+      <p:ext uri="{BB962C8B-B14F-4D97-AF65-F5344CB8AC3E}">
+        <p14:creationId xmlns:p14="http://schemas.microsoft.com/office/powerpoint/2010/main" val="1673048748"/>
+      </p:ext>
+    </p:extLst>
+  </p:cSld>
+  <p:clrMapOvr>
+    <a:masterClrMapping/>
+  </p:clrMapOvr>
+</p:sld>
+</file>
+
+<file path=ppt/slides/slide13.xml><?xml version="1.0" encoding="utf-8"?>
 <p:sld xmlns:a="http://schemas.openxmlformats.org/drawingml/2006/main" xmlns:r="http://schemas.openxmlformats.org/officeDocument/2006/relationships" xmlns:p="http://schemas.openxmlformats.org/presentationml/2006/main">
   <p:cSld>
     <p:spTree>
@@ -15886,7 +16281,7 @@
         <p:spPr/>
         <p:txBody>
           <a:bodyPr>
-            <a:normAutofit fontScale="55000" lnSpcReduction="20000"/>
+            <a:normAutofit fontScale="40000" lnSpcReduction="20000"/>
           </a:bodyPr>
           <a:lstStyle/>
           <a:p>
@@ -15967,7 +16362,7 @@
           <a:p>
             <a:r>
               <a:rPr lang="en-US" dirty="0"/>
-              <a:t>Mix result. </a:t>
+              <a:t>Mix result.</a:t>
             </a:r>
           </a:p>
           <a:p>
@@ -15975,32 +16370,12 @@
               <a:buNone/>
             </a:pPr>
             <a:r>
-              <a:rPr lang="en-US" dirty="0"/>
-              <a:t>#define PIDMIX(X,Y,Z) </a:t>
-            </a:r>
-            <a:r>
               <a:rPr lang="en-US" dirty="0" err="1"/>
               <a:t>ESC_command</a:t>
             </a:r>
             <a:r>
               <a:rPr lang="en-US" dirty="0"/>
-              <a:t>[ROLL]*X + </a:t>
-            </a:r>
-            <a:r>
-              <a:rPr lang="en-US" dirty="0" err="1"/>
-              <a:t>ESC_command</a:t>
-            </a:r>
-            <a:r>
-              <a:rPr lang="en-US" dirty="0"/>
-              <a:t>[PITCH]*Y + </a:t>
-            </a:r>
-            <a:r>
-              <a:rPr lang="en-US" dirty="0" err="1"/>
-              <a:t>ESC_command</a:t>
-            </a:r>
-            <a:r>
-              <a:rPr lang="en-US" dirty="0"/>
-              <a:t>[YAW</a:t>
+              <a:t> = PID = measure - command </a:t>
             </a:r>
           </a:p>
           <a:p>
@@ -16009,7 +16384,31 @@
             </a:pPr>
             <a:r>
               <a:rPr lang="en-US" dirty="0"/>
-              <a:t>motor[0] = PIDMIX(-1,+1,+1); //Front Left</a:t>
+              <a:t>#define PIDMIX(X,Y,Z) </a:t>
+            </a:r>
+            <a:r>
+              <a:rPr lang="en-US" dirty="0" err="1"/>
+              <a:t>ESC_command</a:t>
+            </a:r>
+            <a:r>
+              <a:rPr lang="en-US" dirty="0"/>
+              <a:t>[ROLL]*X + </a:t>
+            </a:r>
+            <a:r>
+              <a:rPr lang="en-US" dirty="0" err="1"/>
+              <a:t>ESC_command</a:t>
+            </a:r>
+            <a:r>
+              <a:rPr lang="en-US" dirty="0"/>
+              <a:t>[PITCH]*Y + </a:t>
+            </a:r>
+            <a:r>
+              <a:rPr lang="en-US" dirty="0" err="1"/>
+              <a:t>ESC_command</a:t>
+            </a:r>
+            <a:r>
+              <a:rPr lang="en-US" dirty="0"/>
+              <a:t>[YAW]*Z</a:t>
             </a:r>
           </a:p>
           <a:p>
@@ -16018,7 +16417,7 @@
             </a:pPr>
             <a:r>
               <a:rPr lang="en-US" dirty="0"/>
-              <a:t>motor[1] = PIDMIX(+1,+1,-1); //Front Right</a:t>
+              <a:t> motor[0] = PIDMIX(-1,-1,-1); //Front Left Increase speed if ROLL PID &lt; 0 (drone too much tilted right, measure &lt;0) or Increase speed if PITCH PID &lt; 0 (drone too much tilted ground, measure &lt;0) or Increase speed if YAW PID &lt; 0 (drone too much Counter clockwise, measure &lt;0) </a:t>
             </a:r>
           </a:p>
           <a:p>
@@ -16027,7 +16426,7 @@
             </a:pPr>
             <a:r>
               <a:rPr lang="en-US" dirty="0"/>
-              <a:t>motor[2] = PIDMIX(+1,-1,+1); //Rear Right</a:t>
+              <a:t> motor[1] = PIDMIX(+1,-1,+1); //Front Right Increase speed if ROLL PID &gt; 0 (drone too much tilted left, measure &gt;0) or Increase speed if PITCH PID &lt; 0 (drone too much tilted ground, measure &lt;0) or Increase speed if YAW PID &gt; 0 (drone too much clockwise, measure &gt;0) </a:t>
             </a:r>
           </a:p>
           <a:p>
@@ -16036,11 +16435,28 @@
             </a:pPr>
             <a:r>
               <a:rPr lang="en-US" dirty="0"/>
-              <a:t>motor[3] = PIDMIX(-1,-1,-1); //Rear Left</a:t>
-            </a:r>
-          </a:p>
-          <a:p>
-            <a:pPr lvl="1"/>
+              <a:t> motor[2] = PIDMIX(+1,+1,-1); //Rear Right Increase speed if ROLL PID &gt; 0 (drone too much tilted left, measure &gt;0) or Increase speed if PITCH PID &gt; 0 (drone too much tilted skyward, measure &gt;0) or Increase speed if YAW PID &lt; 0 (drone too much Counter clockwise, measure &lt;0) </a:t>
+            </a:r>
+          </a:p>
+          <a:p>
+            <a:pPr marL="457200" lvl="1" indent="0">
+              <a:buNone/>
+            </a:pPr>
+            <a:r>
+              <a:rPr lang="en-US" dirty="0"/>
+              <a:t> motor[3] = PIDMIX(-1,+1,+1); //Rear Left Increase speed if ROLL PID &lt; 0 (drone too much tilted right, measure &lt;0) or Increase speed if PITCH PID &gt; 0 (drone too much tilted skyward, measure &gt;0) or Increase speed if YAW PID &gt; 0 (drone too much clockwise, measure &gt;0) </a:t>
+            </a:r>
+          </a:p>
+          <a:p>
+            <a:pPr marL="457200" lvl="1" indent="0">
+              <a:buNone/>
+            </a:pPr>
+            <a:endParaRPr lang="en-US" dirty="0"/>
+          </a:p>
+          <a:p>
+            <a:pPr marL="457200" lvl="1" indent="0">
+              <a:buNone/>
+            </a:pPr>
             <a:endParaRPr lang="en-US" dirty="0"/>
           </a:p>
         </p:txBody>
@@ -16312,7 +16728,7 @@
             </a:pPr>
             <a:r>
               <a:rPr lang="da-DK" sz="1300" dirty="0"/>
-              <a:t>error =  command – measure =&gt; error &gt; 0 means increase command.</a:t>
+              <a:t>error =  measure - command</a:t>
             </a:r>
             <a:endParaRPr lang="nb-NO" sz="1300" dirty="0"/>
           </a:p>

--- a/libraries/Diagramm Drone.pptx
+++ b/libraries/Diagramm Drone.pptx
@@ -294,7 +294,7 @@
           <a:p>
             <a:fld id="{0717AEF8-1597-4679-8926-916E82E12B07}" type="datetimeFigureOut">
               <a:rPr lang="fr-FR" smtClean="0"/>
-              <a:t>06/06/2019</a:t>
+              <a:t>07/06/2019</a:t>
             </a:fld>
             <a:endParaRPr lang="fr-FR"/>
           </a:p>
@@ -492,7 +492,7 @@
           <a:p>
             <a:fld id="{0717AEF8-1597-4679-8926-916E82E12B07}" type="datetimeFigureOut">
               <a:rPr lang="fr-FR" smtClean="0"/>
-              <a:t>06/06/2019</a:t>
+              <a:t>07/06/2019</a:t>
             </a:fld>
             <a:endParaRPr lang="fr-FR"/>
           </a:p>
@@ -700,7 +700,7 @@
           <a:p>
             <a:fld id="{0717AEF8-1597-4679-8926-916E82E12B07}" type="datetimeFigureOut">
               <a:rPr lang="fr-FR" smtClean="0"/>
-              <a:t>06/06/2019</a:t>
+              <a:t>07/06/2019</a:t>
             </a:fld>
             <a:endParaRPr lang="fr-FR"/>
           </a:p>
@@ -898,7 +898,7 @@
           <a:p>
             <a:fld id="{0717AEF8-1597-4679-8926-916E82E12B07}" type="datetimeFigureOut">
               <a:rPr lang="fr-FR" smtClean="0"/>
-              <a:t>06/06/2019</a:t>
+              <a:t>07/06/2019</a:t>
             </a:fld>
             <a:endParaRPr lang="fr-FR"/>
           </a:p>
@@ -1173,7 +1173,7 @@
           <a:p>
             <a:fld id="{0717AEF8-1597-4679-8926-916E82E12B07}" type="datetimeFigureOut">
               <a:rPr lang="fr-FR" smtClean="0"/>
-              <a:t>06/06/2019</a:t>
+              <a:t>07/06/2019</a:t>
             </a:fld>
             <a:endParaRPr lang="fr-FR"/>
           </a:p>
@@ -1438,7 +1438,7 @@
           <a:p>
             <a:fld id="{0717AEF8-1597-4679-8926-916E82E12B07}" type="datetimeFigureOut">
               <a:rPr lang="fr-FR" smtClean="0"/>
-              <a:t>06/06/2019</a:t>
+              <a:t>07/06/2019</a:t>
             </a:fld>
             <a:endParaRPr lang="fr-FR"/>
           </a:p>
@@ -1850,7 +1850,7 @@
           <a:p>
             <a:fld id="{0717AEF8-1597-4679-8926-916E82E12B07}" type="datetimeFigureOut">
               <a:rPr lang="fr-FR" smtClean="0"/>
-              <a:t>06/06/2019</a:t>
+              <a:t>07/06/2019</a:t>
             </a:fld>
             <a:endParaRPr lang="fr-FR"/>
           </a:p>
@@ -1991,7 +1991,7 @@
           <a:p>
             <a:fld id="{0717AEF8-1597-4679-8926-916E82E12B07}" type="datetimeFigureOut">
               <a:rPr lang="fr-FR" smtClean="0"/>
-              <a:t>06/06/2019</a:t>
+              <a:t>07/06/2019</a:t>
             </a:fld>
             <a:endParaRPr lang="fr-FR"/>
           </a:p>
@@ -2104,7 +2104,7 @@
           <a:p>
             <a:fld id="{0717AEF8-1597-4679-8926-916E82E12B07}" type="datetimeFigureOut">
               <a:rPr lang="fr-FR" smtClean="0"/>
-              <a:t>06/06/2019</a:t>
+              <a:t>07/06/2019</a:t>
             </a:fld>
             <a:endParaRPr lang="fr-FR"/>
           </a:p>
@@ -2415,7 +2415,7 @@
           <a:p>
             <a:fld id="{0717AEF8-1597-4679-8926-916E82E12B07}" type="datetimeFigureOut">
               <a:rPr lang="fr-FR" smtClean="0"/>
-              <a:t>06/06/2019</a:t>
+              <a:t>07/06/2019</a:t>
             </a:fld>
             <a:endParaRPr lang="fr-FR"/>
           </a:p>
@@ -2703,7 +2703,7 @@
           <a:p>
             <a:fld id="{0717AEF8-1597-4679-8926-916E82E12B07}" type="datetimeFigureOut">
               <a:rPr lang="fr-FR" smtClean="0"/>
-              <a:t>06/06/2019</a:t>
+              <a:t>07/06/2019</a:t>
             </a:fld>
             <a:endParaRPr lang="fr-FR"/>
           </a:p>
@@ -2944,7 +2944,7 @@
           <a:p>
             <a:fld id="{0717AEF8-1597-4679-8926-916E82E12B07}" type="datetimeFigureOut">
               <a:rPr lang="fr-FR" smtClean="0"/>
-              <a:t>06/06/2019</a:t>
+              <a:t>07/06/2019</a:t>
             </a:fld>
             <a:endParaRPr lang="fr-FR"/>
           </a:p>
@@ -11826,8 +11826,8 @@
         </p:nvSpPr>
         <p:spPr>
           <a:xfrm>
-            <a:off x="723900" y="1118586"/>
-            <a:ext cx="3480440" cy="4801314"/>
+            <a:off x="901454" y="1784411"/>
+            <a:ext cx="3831498" cy="4524315"/>
           </a:xfrm>
           <a:prstGeom prst="rect">
             <a:avLst/>
@@ -11848,7 +11848,7 @@
           <a:p>
             <a:r>
               <a:rPr lang="en-US" dirty="0"/>
-              <a:t>Brand	SK3</a:t>
+              <a:t>Brand			SK3</a:t>
             </a:r>
           </a:p>
           <a:p>
@@ -11858,19 +11858,19 @@
             </a:r>
             <a:r>
               <a:rPr lang="en-US" dirty="0"/>
-              <a:t>	116.0000</a:t>
+              <a:t>			116.0000</a:t>
             </a:r>
           </a:p>
           <a:p>
             <a:r>
               <a:rPr lang="en-US" dirty="0"/>
-              <a:t>Longueur		110.00</a:t>
+              <a:t>Longueur			110.00</a:t>
             </a:r>
           </a:p>
           <a:p>
             <a:r>
               <a:rPr lang="en-US" dirty="0"/>
-              <a:t>Packaging Width	45.00</a:t>
+              <a:t>Packaging Width		45.00</a:t>
             </a:r>
           </a:p>
           <a:p>
@@ -11884,7 +11884,7 @@
             </a:r>
             <a:r>
               <a:rPr lang="en-US" dirty="0"/>
-              <a:t>	80.00</a:t>
+              <a:t>			80.00</a:t>
             </a:r>
           </a:p>
           <a:p>
@@ -11894,13 +11894,13 @@
             </a:r>
             <a:r>
               <a:rPr lang="en-US" b="1" dirty="0"/>
-              <a:t> ( rpm / v)	1240.00</a:t>
+              <a:t> ( rpm / v)		1240.00</a:t>
             </a:r>
           </a:p>
           <a:p>
             <a:r>
               <a:rPr lang="en-US" b="1" dirty="0"/>
-              <a:t>Max Current (A)	16.00</a:t>
+              <a:t>Max Current (A)		16.00</a:t>
             </a:r>
           </a:p>
           <a:p>
@@ -11914,19 +11914,19 @@
             </a:r>
             <a:r>
               <a:rPr lang="en-US" dirty="0"/>
-              <a:t> )	95.00</a:t>
+              <a:t> )		95.00</a:t>
             </a:r>
           </a:p>
           <a:p>
             <a:r>
               <a:rPr lang="en-US" dirty="0"/>
-              <a:t>Max Tension (V)	11.00</a:t>
+              <a:t>Max Tension (V)		11.00</a:t>
             </a:r>
           </a:p>
           <a:p>
             <a:r>
               <a:rPr lang="en-US" dirty="0"/>
-              <a:t>(W )	150.00</a:t>
+              <a:t>(W )			150.00</a:t>
             </a:r>
           </a:p>
           <a:p>
@@ -11936,14 +11936,19 @@
             </a:r>
             <a:r>
               <a:rPr lang="en-US" dirty="0"/>
-              <a:t> A ( mm )	3.00</a:t>
+              <a:t> A ( mm )		3.00</a:t>
             </a:r>
           </a:p>
           <a:p>
             <a:r>
               <a:rPr lang="en-US" dirty="0"/>
-              <a:t>Longueur B ( mm )	28.00</a:t>
-            </a:r>
+              <a:t>Longueur B ( mm )</a:t>
+            </a:r>
+            <a:r>
+              <a:rPr lang="en-US"/>
+              <a:t>		28.00</a:t>
+            </a:r>
+            <a:endParaRPr lang="en-US" dirty="0"/>
           </a:p>
           <a:p>
             <a:r>
@@ -11977,12 +11982,6 @@
             <a:r>
               <a:rPr lang="en-US" dirty="0"/>
               <a:t> E ( mm )	40.00</a:t>
-            </a:r>
-          </a:p>
-          <a:p>
-            <a:r>
-              <a:rPr lang="en-US" dirty="0"/>
-              <a:t>)</a:t>
             </a:r>
           </a:p>
         </p:txBody>

--- a/libraries/Diagramm Drone.pptx
+++ b/libraries/Diagramm Drone.pptx
@@ -15,9 +15,16 @@
     <p:sldId id="271" r:id="rId9"/>
     <p:sldId id="274" r:id="rId10"/>
     <p:sldId id="275" r:id="rId11"/>
-    <p:sldId id="276" r:id="rId12"/>
-    <p:sldId id="277" r:id="rId13"/>
-    <p:sldId id="260" r:id="rId14"/>
+    <p:sldId id="277" r:id="rId12"/>
+    <p:sldId id="279" r:id="rId13"/>
+    <p:sldId id="278" r:id="rId14"/>
+    <p:sldId id="280" r:id="rId15"/>
+    <p:sldId id="276" r:id="rId16"/>
+    <p:sldId id="281" r:id="rId17"/>
+    <p:sldId id="284" r:id="rId18"/>
+    <p:sldId id="282" r:id="rId19"/>
+    <p:sldId id="283" r:id="rId20"/>
+    <p:sldId id="260" r:id="rId21"/>
   </p:sldIdLst>
   <p:sldSz cx="12192000" cy="6858000"/>
   <p:notesSz cx="6888163" cy="10020300"/>
@@ -147,6 +154,3435 @@
 </p:cmAuthorLst>
 </file>
 
+<file path=ppt/diagrams/colors1.xml><?xml version="1.0" encoding="utf-8"?>
+<dgm:colorsDef xmlns:dgm="http://schemas.openxmlformats.org/drawingml/2006/diagram" xmlns:a="http://schemas.openxmlformats.org/drawingml/2006/main" uniqueId="urn:microsoft.com/office/officeart/2018/5/colors/Iconchunking_neutralicontext_colorful5">
+  <dgm:title val=""/>
+  <dgm:desc val=""/>
+  <dgm:catLst>
+    <dgm:cat type="colorful" pri="10500"/>
+  </dgm:catLst>
+  <dgm:styleLbl name="node0">
+    <dgm:fillClrLst meth="repeat">
+      <a:schemeClr val="accent4"/>
+    </dgm:fillClrLst>
+    <dgm:linClrLst meth="repeat">
+      <a:schemeClr val="lt1"/>
+    </dgm:linClrLst>
+    <dgm:effectClrLst/>
+    <dgm:txLinClrLst/>
+    <dgm:txFillClrLst/>
+    <dgm:txEffectClrLst/>
+  </dgm:styleLbl>
+  <dgm:styleLbl name="node1">
+    <dgm:fillClrLst meth="repeat">
+      <a:schemeClr val="bg1"/>
+    </dgm:fillClrLst>
+    <dgm:linClrLst meth="repeat">
+      <a:schemeClr val="lt1">
+        <a:alpha val="0"/>
+      </a:schemeClr>
+    </dgm:linClrLst>
+    <dgm:effectClrLst/>
+    <dgm:txLinClrLst/>
+    <dgm:txFillClrLst meth="repeat">
+      <a:schemeClr val="dk1"/>
+    </dgm:txFillClrLst>
+    <dgm:txEffectClrLst/>
+  </dgm:styleLbl>
+  <dgm:styleLbl name="alignNode1">
+    <dgm:fillClrLst>
+      <a:schemeClr val="accent5"/>
+      <a:schemeClr val="accent6"/>
+    </dgm:fillClrLst>
+    <dgm:linClrLst>
+      <a:schemeClr val="accent5"/>
+      <a:schemeClr val="accent6"/>
+    </dgm:linClrLst>
+    <dgm:effectClrLst/>
+    <dgm:txLinClrLst/>
+    <dgm:txFillClrLst/>
+    <dgm:txEffectClrLst/>
+  </dgm:styleLbl>
+  <dgm:styleLbl name="lnNode1">
+    <dgm:fillClrLst>
+      <a:schemeClr val="accent5"/>
+      <a:schemeClr val="accent6"/>
+    </dgm:fillClrLst>
+    <dgm:linClrLst meth="repeat">
+      <a:schemeClr val="lt1"/>
+    </dgm:linClrLst>
+    <dgm:effectClrLst/>
+    <dgm:txLinClrLst/>
+    <dgm:txFillClrLst/>
+    <dgm:txEffectClrLst/>
+  </dgm:styleLbl>
+  <dgm:styleLbl name="vennNode1">
+    <dgm:fillClrLst>
+      <a:schemeClr val="accent5">
+        <a:alpha val="50000"/>
+      </a:schemeClr>
+      <a:schemeClr val="accent6">
+        <a:alpha val="50000"/>
+      </a:schemeClr>
+    </dgm:fillClrLst>
+    <dgm:linClrLst meth="repeat">
+      <a:schemeClr val="lt1"/>
+    </dgm:linClrLst>
+    <dgm:effectClrLst/>
+    <dgm:txLinClrLst/>
+    <dgm:txFillClrLst/>
+    <dgm:txEffectClrLst/>
+  </dgm:styleLbl>
+  <dgm:styleLbl name="node2">
+    <dgm:fillClrLst>
+      <a:schemeClr val="accent6"/>
+    </dgm:fillClrLst>
+    <dgm:linClrLst meth="repeat">
+      <a:schemeClr val="lt1"/>
+    </dgm:linClrLst>
+    <dgm:effectClrLst/>
+    <dgm:txLinClrLst/>
+    <dgm:txFillClrLst/>
+    <dgm:txEffectClrLst/>
+  </dgm:styleLbl>
+  <dgm:styleLbl name="node3">
+    <dgm:fillClrLst>
+      <a:schemeClr val="accent1"/>
+    </dgm:fillClrLst>
+    <dgm:linClrLst meth="repeat">
+      <a:schemeClr val="lt1"/>
+    </dgm:linClrLst>
+    <dgm:effectClrLst/>
+    <dgm:txLinClrLst/>
+    <dgm:txFillClrLst/>
+    <dgm:txEffectClrLst/>
+  </dgm:styleLbl>
+  <dgm:styleLbl name="node4">
+    <dgm:fillClrLst>
+      <a:schemeClr val="accent2"/>
+    </dgm:fillClrLst>
+    <dgm:linClrLst meth="repeat">
+      <a:schemeClr val="lt1"/>
+    </dgm:linClrLst>
+    <dgm:effectClrLst/>
+    <dgm:txLinClrLst/>
+    <dgm:txFillClrLst/>
+    <dgm:txEffectClrLst/>
+  </dgm:styleLbl>
+  <dgm:styleLbl name="fgImgPlace1">
+    <dgm:fillClrLst>
+      <a:schemeClr val="accent5">
+        <a:tint val="50000"/>
+      </a:schemeClr>
+      <a:schemeClr val="accent6">
+        <a:tint val="50000"/>
+      </a:schemeClr>
+    </dgm:fillClrLst>
+    <dgm:linClrLst meth="repeat">
+      <a:schemeClr val="lt1"/>
+    </dgm:linClrLst>
+    <dgm:effectClrLst/>
+    <dgm:txLinClrLst/>
+    <dgm:txFillClrLst meth="repeat">
+      <a:schemeClr val="lt1"/>
+    </dgm:txFillClrLst>
+    <dgm:txEffectClrLst/>
+  </dgm:styleLbl>
+  <dgm:styleLbl name="alignImgPlace1">
+    <dgm:fillClrLst>
+      <a:schemeClr val="accent5">
+        <a:tint val="50000"/>
+      </a:schemeClr>
+      <a:schemeClr val="accent6">
+        <a:tint val="20000"/>
+      </a:schemeClr>
+    </dgm:fillClrLst>
+    <dgm:linClrLst meth="repeat">
+      <a:schemeClr val="lt1"/>
+    </dgm:linClrLst>
+    <dgm:effectClrLst/>
+    <dgm:txLinClrLst/>
+    <dgm:txFillClrLst meth="repeat">
+      <a:schemeClr val="lt1"/>
+    </dgm:txFillClrLst>
+    <dgm:txEffectClrLst/>
+  </dgm:styleLbl>
+  <dgm:styleLbl name="bgImgPlace1">
+    <dgm:fillClrLst>
+      <a:schemeClr val="accent5">
+        <a:tint val="50000"/>
+      </a:schemeClr>
+      <a:schemeClr val="accent6">
+        <a:tint val="20000"/>
+      </a:schemeClr>
+    </dgm:fillClrLst>
+    <dgm:linClrLst meth="repeat">
+      <a:schemeClr val="lt1"/>
+    </dgm:linClrLst>
+    <dgm:effectClrLst/>
+    <dgm:txLinClrLst/>
+    <dgm:txFillClrLst meth="repeat">
+      <a:schemeClr val="lt1"/>
+    </dgm:txFillClrLst>
+    <dgm:txEffectClrLst/>
+  </dgm:styleLbl>
+  <dgm:styleLbl name="sibTrans2D1">
+    <dgm:fillClrLst>
+      <a:schemeClr val="accent5"/>
+      <a:schemeClr val="accent6"/>
+    </dgm:fillClrLst>
+    <dgm:linClrLst meth="repeat">
+      <a:schemeClr val="lt1"/>
+    </dgm:linClrLst>
+    <dgm:effectClrLst/>
+    <dgm:txLinClrLst/>
+    <dgm:txFillClrLst/>
+    <dgm:txEffectClrLst/>
+  </dgm:styleLbl>
+  <dgm:styleLbl name="fgSibTrans2D1">
+    <dgm:fillClrLst>
+      <a:schemeClr val="accent5"/>
+      <a:schemeClr val="accent6"/>
+    </dgm:fillClrLst>
+    <dgm:linClrLst meth="repeat">
+      <a:schemeClr val="lt1"/>
+    </dgm:linClrLst>
+    <dgm:effectClrLst/>
+    <dgm:txLinClrLst/>
+    <dgm:txFillClrLst meth="repeat">
+      <a:schemeClr val="lt1"/>
+    </dgm:txFillClrLst>
+    <dgm:txEffectClrLst/>
+  </dgm:styleLbl>
+  <dgm:styleLbl name="bgSibTrans2D1">
+    <dgm:fillClrLst>
+      <a:schemeClr val="accent5"/>
+      <a:schemeClr val="accent6"/>
+    </dgm:fillClrLst>
+    <dgm:linClrLst meth="repeat">
+      <a:schemeClr val="lt1"/>
+    </dgm:linClrLst>
+    <dgm:effectClrLst/>
+    <dgm:txLinClrLst/>
+    <dgm:txFillClrLst meth="repeat">
+      <a:schemeClr val="lt1"/>
+    </dgm:txFillClrLst>
+    <dgm:txEffectClrLst/>
+  </dgm:styleLbl>
+  <dgm:styleLbl name="sibTrans1D1">
+    <dgm:fillClrLst/>
+    <dgm:linClrLst>
+      <a:schemeClr val="accent5"/>
+      <a:schemeClr val="accent6"/>
+    </dgm:linClrLst>
+    <dgm:effectClrLst/>
+    <dgm:txLinClrLst/>
+    <dgm:txFillClrLst meth="repeat">
+      <a:schemeClr val="tx1"/>
+    </dgm:txFillClrLst>
+    <dgm:txEffectClrLst/>
+  </dgm:styleLbl>
+  <dgm:styleLbl name="callout">
+    <dgm:fillClrLst meth="repeat">
+      <a:schemeClr val="accent5"/>
+    </dgm:fillClrLst>
+    <dgm:linClrLst meth="repeat">
+      <a:schemeClr val="accent5">
+        <a:tint val="50000"/>
+      </a:schemeClr>
+    </dgm:linClrLst>
+    <dgm:effectClrLst/>
+    <dgm:txLinClrLst/>
+    <dgm:txFillClrLst meth="repeat">
+      <a:schemeClr val="tx1"/>
+    </dgm:txFillClrLst>
+    <dgm:txEffectClrLst/>
+  </dgm:styleLbl>
+  <dgm:styleLbl name="asst0">
+    <dgm:fillClrLst meth="repeat">
+      <a:schemeClr val="accent5"/>
+    </dgm:fillClrLst>
+    <dgm:linClrLst meth="repeat">
+      <a:schemeClr val="lt1">
+        <a:shade val="80000"/>
+      </a:schemeClr>
+    </dgm:linClrLst>
+    <dgm:effectClrLst/>
+    <dgm:txLinClrLst/>
+    <dgm:txFillClrLst/>
+    <dgm:txEffectClrLst/>
+  </dgm:styleLbl>
+  <dgm:styleLbl name="asst1">
+    <dgm:fillClrLst meth="repeat">
+      <a:schemeClr val="accent6"/>
+    </dgm:fillClrLst>
+    <dgm:linClrLst meth="repeat">
+      <a:schemeClr val="lt1">
+        <a:shade val="80000"/>
+      </a:schemeClr>
+    </dgm:linClrLst>
+    <dgm:effectClrLst/>
+    <dgm:txLinClrLst/>
+    <dgm:txFillClrLst/>
+    <dgm:txEffectClrLst/>
+  </dgm:styleLbl>
+  <dgm:styleLbl name="asst2">
+    <dgm:fillClrLst>
+      <a:schemeClr val="accent1"/>
+    </dgm:fillClrLst>
+    <dgm:linClrLst meth="repeat">
+      <a:schemeClr val="lt1"/>
+    </dgm:linClrLst>
+    <dgm:effectClrLst/>
+    <dgm:txLinClrLst/>
+    <dgm:txFillClrLst/>
+    <dgm:txEffectClrLst/>
+  </dgm:styleLbl>
+  <dgm:styleLbl name="asst3">
+    <dgm:fillClrLst>
+      <a:schemeClr val="accent2"/>
+    </dgm:fillClrLst>
+    <dgm:linClrLst meth="repeat">
+      <a:schemeClr val="lt1"/>
+    </dgm:linClrLst>
+    <dgm:effectClrLst/>
+    <dgm:txLinClrLst/>
+    <dgm:txFillClrLst/>
+    <dgm:txEffectClrLst/>
+  </dgm:styleLbl>
+  <dgm:styleLbl name="asst4">
+    <dgm:fillClrLst>
+      <a:schemeClr val="accent3"/>
+    </dgm:fillClrLst>
+    <dgm:linClrLst meth="repeat">
+      <a:schemeClr val="lt1"/>
+    </dgm:linClrLst>
+    <dgm:effectClrLst/>
+    <dgm:txLinClrLst/>
+    <dgm:txFillClrLst/>
+    <dgm:txEffectClrLst/>
+  </dgm:styleLbl>
+  <dgm:styleLbl name="parChTrans2D1">
+    <dgm:fillClrLst meth="repeat">
+      <a:schemeClr val="accent5"/>
+    </dgm:fillClrLst>
+    <dgm:linClrLst meth="repeat">
+      <a:schemeClr val="lt1"/>
+    </dgm:linClrLst>
+    <dgm:effectClrLst/>
+    <dgm:txLinClrLst/>
+    <dgm:txFillClrLst meth="repeat">
+      <a:schemeClr val="lt1"/>
+    </dgm:txFillClrLst>
+    <dgm:txEffectClrLst/>
+  </dgm:styleLbl>
+  <dgm:styleLbl name="parChTrans2D2">
+    <dgm:fillClrLst meth="repeat">
+      <a:schemeClr val="accent6"/>
+    </dgm:fillClrLst>
+    <dgm:linClrLst meth="repeat">
+      <a:schemeClr val="lt1"/>
+    </dgm:linClrLst>
+    <dgm:effectClrLst/>
+    <dgm:txLinClrLst/>
+    <dgm:txFillClrLst/>
+    <dgm:txEffectClrLst/>
+  </dgm:styleLbl>
+  <dgm:styleLbl name="parChTrans2D3">
+    <dgm:fillClrLst meth="repeat">
+      <a:schemeClr val="accent6"/>
+    </dgm:fillClrLst>
+    <dgm:linClrLst meth="repeat">
+      <a:schemeClr val="lt1"/>
+    </dgm:linClrLst>
+    <dgm:effectClrLst/>
+    <dgm:txLinClrLst/>
+    <dgm:txFillClrLst/>
+    <dgm:txEffectClrLst/>
+  </dgm:styleLbl>
+  <dgm:styleLbl name="parChTrans2D4">
+    <dgm:fillClrLst meth="repeat">
+      <a:schemeClr val="accent1"/>
+    </dgm:fillClrLst>
+    <dgm:linClrLst meth="repeat">
+      <a:schemeClr val="lt1"/>
+    </dgm:linClrLst>
+    <dgm:effectClrLst/>
+    <dgm:txLinClrLst/>
+    <dgm:txFillClrLst meth="repeat">
+      <a:schemeClr val="lt1"/>
+    </dgm:txFillClrLst>
+    <dgm:txEffectClrLst/>
+  </dgm:styleLbl>
+  <dgm:styleLbl name="parChTrans1D1">
+    <dgm:fillClrLst meth="repeat">
+      <a:schemeClr val="accent5"/>
+    </dgm:fillClrLst>
+    <dgm:linClrLst meth="repeat">
+      <a:schemeClr val="accent5"/>
+    </dgm:linClrLst>
+    <dgm:effectClrLst/>
+    <dgm:txLinClrLst/>
+    <dgm:txFillClrLst meth="repeat">
+      <a:schemeClr val="tx1"/>
+    </dgm:txFillClrLst>
+    <dgm:txEffectClrLst/>
+  </dgm:styleLbl>
+  <dgm:styleLbl name="parChTrans1D2">
+    <dgm:fillClrLst meth="repeat">
+      <a:schemeClr val="accent6">
+        <a:tint val="90000"/>
+      </a:schemeClr>
+    </dgm:fillClrLst>
+    <dgm:linClrLst meth="repeat">
+      <a:schemeClr val="accent6"/>
+    </dgm:linClrLst>
+    <dgm:effectClrLst/>
+    <dgm:txLinClrLst/>
+    <dgm:txFillClrLst meth="repeat">
+      <a:schemeClr val="tx1"/>
+    </dgm:txFillClrLst>
+    <dgm:txEffectClrLst/>
+  </dgm:styleLbl>
+  <dgm:styleLbl name="parChTrans1D3">
+    <dgm:fillClrLst meth="repeat">
+      <a:schemeClr val="accent6">
+        <a:tint val="70000"/>
+      </a:schemeClr>
+    </dgm:fillClrLst>
+    <dgm:linClrLst meth="repeat">
+      <a:schemeClr val="accent1"/>
+    </dgm:linClrLst>
+    <dgm:effectClrLst/>
+    <dgm:txLinClrLst/>
+    <dgm:txFillClrLst meth="repeat">
+      <a:schemeClr val="tx1"/>
+    </dgm:txFillClrLst>
+    <dgm:txEffectClrLst/>
+  </dgm:styleLbl>
+  <dgm:styleLbl name="parChTrans1D4">
+    <dgm:fillClrLst meth="repeat">
+      <a:schemeClr val="accent6">
+        <a:tint val="50000"/>
+      </a:schemeClr>
+    </dgm:fillClrLst>
+    <dgm:linClrLst meth="repeat">
+      <a:schemeClr val="accent2"/>
+    </dgm:linClrLst>
+    <dgm:effectClrLst/>
+    <dgm:txLinClrLst/>
+    <dgm:txFillClrLst meth="repeat">
+      <a:schemeClr val="tx1"/>
+    </dgm:txFillClrLst>
+    <dgm:txEffectClrLst/>
+  </dgm:styleLbl>
+  <dgm:styleLbl name="fgAcc1">
+    <dgm:fillClrLst meth="repeat">
+      <a:schemeClr val="lt1">
+        <a:alpha val="90000"/>
+      </a:schemeClr>
+    </dgm:fillClrLst>
+    <dgm:linClrLst>
+      <a:schemeClr val="accent5"/>
+      <a:schemeClr val="accent6"/>
+    </dgm:linClrLst>
+    <dgm:effectClrLst/>
+    <dgm:txLinClrLst/>
+    <dgm:txFillClrLst meth="repeat">
+      <a:schemeClr val="dk1"/>
+    </dgm:txFillClrLst>
+    <dgm:txEffectClrLst/>
+  </dgm:styleLbl>
+  <dgm:styleLbl name="conFgAcc1">
+    <dgm:fillClrLst meth="repeat">
+      <a:schemeClr val="lt1">
+        <a:alpha val="90000"/>
+      </a:schemeClr>
+    </dgm:fillClrLst>
+    <dgm:linClrLst>
+      <a:schemeClr val="accent5"/>
+      <a:schemeClr val="accent6"/>
+    </dgm:linClrLst>
+    <dgm:effectClrLst/>
+    <dgm:txLinClrLst/>
+    <dgm:txFillClrLst meth="repeat">
+      <a:schemeClr val="dk1"/>
+    </dgm:txFillClrLst>
+    <dgm:txEffectClrLst/>
+  </dgm:styleLbl>
+  <dgm:styleLbl name="alignAcc1">
+    <dgm:fillClrLst meth="repeat">
+      <a:schemeClr val="lt1">
+        <a:alpha val="90000"/>
+      </a:schemeClr>
+    </dgm:fillClrLst>
+    <dgm:linClrLst>
+      <a:schemeClr val="accent5"/>
+      <a:schemeClr val="accent6"/>
+    </dgm:linClrLst>
+    <dgm:effectClrLst/>
+    <dgm:txLinClrLst/>
+    <dgm:txFillClrLst meth="repeat">
+      <a:schemeClr val="dk1"/>
+    </dgm:txFillClrLst>
+    <dgm:txEffectClrLst/>
+  </dgm:styleLbl>
+  <dgm:styleLbl name="trAlignAcc1">
+    <dgm:fillClrLst meth="repeat">
+      <a:schemeClr val="lt1">
+        <a:alpha val="40000"/>
+      </a:schemeClr>
+    </dgm:fillClrLst>
+    <dgm:linClrLst meth="repeat">
+      <a:schemeClr val="accent5"/>
+    </dgm:linClrLst>
+    <dgm:effectClrLst/>
+    <dgm:txLinClrLst/>
+    <dgm:txFillClrLst meth="repeat">
+      <a:schemeClr val="dk1"/>
+    </dgm:txFillClrLst>
+    <dgm:txEffectClrLst/>
+  </dgm:styleLbl>
+  <dgm:styleLbl name="bgAcc1">
+    <dgm:fillClrLst meth="repeat">
+      <a:schemeClr val="lt1">
+        <a:alpha val="90000"/>
+      </a:schemeClr>
+    </dgm:fillClrLst>
+    <dgm:linClrLst>
+      <a:schemeClr val="accent5"/>
+      <a:schemeClr val="accent6"/>
+    </dgm:linClrLst>
+    <dgm:effectClrLst/>
+    <dgm:txLinClrLst/>
+    <dgm:txFillClrLst meth="repeat">
+      <a:schemeClr val="dk1"/>
+    </dgm:txFillClrLst>
+    <dgm:txEffectClrLst/>
+  </dgm:styleLbl>
+  <dgm:styleLbl name="solidFgAcc1">
+    <dgm:fillClrLst meth="repeat">
+      <a:schemeClr val="lt1"/>
+    </dgm:fillClrLst>
+    <dgm:linClrLst>
+      <a:schemeClr val="accent5"/>
+      <a:schemeClr val="accent6"/>
+    </dgm:linClrLst>
+    <dgm:effectClrLst/>
+    <dgm:txLinClrLst/>
+    <dgm:txFillClrLst meth="repeat">
+      <a:schemeClr val="dk1"/>
+    </dgm:txFillClrLst>
+    <dgm:txEffectClrLst/>
+  </dgm:styleLbl>
+  <dgm:styleLbl name="solidAlignAcc1">
+    <dgm:fillClrLst meth="repeat">
+      <a:schemeClr val="lt1"/>
+    </dgm:fillClrLst>
+    <dgm:linClrLst>
+      <a:schemeClr val="accent5"/>
+      <a:schemeClr val="accent6"/>
+    </dgm:linClrLst>
+    <dgm:effectClrLst/>
+    <dgm:txLinClrLst/>
+    <dgm:txFillClrLst meth="repeat">
+      <a:schemeClr val="dk1"/>
+    </dgm:txFillClrLst>
+    <dgm:txEffectClrLst/>
+  </dgm:styleLbl>
+  <dgm:styleLbl name="solidBgAcc1">
+    <dgm:fillClrLst meth="repeat">
+      <a:schemeClr val="lt1"/>
+    </dgm:fillClrLst>
+    <dgm:linClrLst>
+      <a:schemeClr val="accent5"/>
+      <a:schemeClr val="accent6"/>
+    </dgm:linClrLst>
+    <dgm:effectClrLst/>
+    <dgm:txLinClrLst/>
+    <dgm:txFillClrLst meth="repeat">
+      <a:schemeClr val="dk1"/>
+    </dgm:txFillClrLst>
+    <dgm:txEffectClrLst/>
+  </dgm:styleLbl>
+  <dgm:styleLbl name="fgAccFollowNode1">
+    <dgm:fillClrLst>
+      <a:schemeClr val="accent5">
+        <a:tint val="40000"/>
+        <a:alpha val="90000"/>
+      </a:schemeClr>
+      <a:schemeClr val="accent6">
+        <a:tint val="40000"/>
+        <a:alpha val="90000"/>
+      </a:schemeClr>
+    </dgm:fillClrLst>
+    <dgm:linClrLst>
+      <a:schemeClr val="accent5">
+        <a:tint val="40000"/>
+        <a:alpha val="90000"/>
+      </a:schemeClr>
+      <a:schemeClr val="accent5">
+        <a:tint val="40000"/>
+        <a:alpha val="90000"/>
+      </a:schemeClr>
+    </dgm:linClrLst>
+    <dgm:effectClrLst/>
+    <dgm:txLinClrLst/>
+    <dgm:txFillClrLst meth="repeat">
+      <a:schemeClr val="dk1"/>
+    </dgm:txFillClrLst>
+    <dgm:txEffectClrLst/>
+  </dgm:styleLbl>
+  <dgm:styleLbl name="alignAccFollowNode1">
+    <dgm:fillClrLst>
+      <a:schemeClr val="accent5">
+        <a:tint val="40000"/>
+        <a:alpha val="90000"/>
+      </a:schemeClr>
+      <a:schemeClr val="accent6">
+        <a:tint val="40000"/>
+        <a:alpha val="90000"/>
+      </a:schemeClr>
+    </dgm:fillClrLst>
+    <dgm:linClrLst>
+      <a:schemeClr val="accent5">
+        <a:tint val="40000"/>
+        <a:alpha val="90000"/>
+      </a:schemeClr>
+      <a:schemeClr val="accent6">
+        <a:tint val="40000"/>
+        <a:alpha val="90000"/>
+      </a:schemeClr>
+    </dgm:linClrLst>
+    <dgm:effectClrLst/>
+    <dgm:txLinClrLst/>
+    <dgm:txFillClrLst meth="repeat">
+      <a:schemeClr val="dk1"/>
+    </dgm:txFillClrLst>
+    <dgm:txEffectClrLst/>
+  </dgm:styleLbl>
+  <dgm:styleLbl name="bgAccFollowNode1">
+    <dgm:fillClrLst>
+      <a:schemeClr val="accent5">
+        <a:tint val="40000"/>
+        <a:alpha val="90000"/>
+      </a:schemeClr>
+      <a:schemeClr val="accent6">
+        <a:tint val="40000"/>
+        <a:alpha val="90000"/>
+      </a:schemeClr>
+    </dgm:fillClrLst>
+    <dgm:linClrLst>
+      <a:schemeClr val="accent5">
+        <a:tint val="40000"/>
+        <a:alpha val="90000"/>
+      </a:schemeClr>
+      <a:schemeClr val="accent6">
+        <a:tint val="40000"/>
+        <a:alpha val="90000"/>
+      </a:schemeClr>
+    </dgm:linClrLst>
+    <dgm:effectClrLst/>
+    <dgm:txLinClrLst/>
+    <dgm:txFillClrLst meth="repeat">
+      <a:schemeClr val="dk1"/>
+    </dgm:txFillClrLst>
+    <dgm:txEffectClrLst/>
+  </dgm:styleLbl>
+  <dgm:styleLbl name="fgAcc0">
+    <dgm:fillClrLst meth="repeat">
+      <a:schemeClr val="lt1">
+        <a:alpha val="90000"/>
+      </a:schemeClr>
+    </dgm:fillClrLst>
+    <dgm:linClrLst>
+      <a:schemeClr val="accent4"/>
+    </dgm:linClrLst>
+    <dgm:effectClrLst/>
+    <dgm:txLinClrLst/>
+    <dgm:txFillClrLst meth="repeat">
+      <a:schemeClr val="dk1"/>
+    </dgm:txFillClrLst>
+    <dgm:txEffectClrLst/>
+  </dgm:styleLbl>
+  <dgm:styleLbl name="fgAcc2">
+    <dgm:fillClrLst meth="repeat">
+      <a:schemeClr val="lt1">
+        <a:alpha val="90000"/>
+      </a:schemeClr>
+    </dgm:fillClrLst>
+    <dgm:linClrLst>
+      <a:schemeClr val="accent6"/>
+    </dgm:linClrLst>
+    <dgm:effectClrLst/>
+    <dgm:txLinClrLst/>
+    <dgm:txFillClrLst meth="repeat">
+      <a:schemeClr val="dk1"/>
+    </dgm:txFillClrLst>
+    <dgm:txEffectClrLst/>
+  </dgm:styleLbl>
+  <dgm:styleLbl name="fgAcc3">
+    <dgm:fillClrLst meth="repeat">
+      <a:schemeClr val="lt1">
+        <a:alpha val="90000"/>
+      </a:schemeClr>
+    </dgm:fillClrLst>
+    <dgm:linClrLst>
+      <a:schemeClr val="accent1"/>
+    </dgm:linClrLst>
+    <dgm:effectClrLst/>
+    <dgm:txLinClrLst/>
+    <dgm:txFillClrLst meth="repeat">
+      <a:schemeClr val="dk1"/>
+    </dgm:txFillClrLst>
+    <dgm:txEffectClrLst/>
+  </dgm:styleLbl>
+  <dgm:styleLbl name="fgAcc4">
+    <dgm:fillClrLst meth="repeat">
+      <a:schemeClr val="lt1">
+        <a:alpha val="90000"/>
+      </a:schemeClr>
+    </dgm:fillClrLst>
+    <dgm:linClrLst>
+      <a:schemeClr val="accent2"/>
+    </dgm:linClrLst>
+    <dgm:effectClrLst/>
+    <dgm:txLinClrLst/>
+    <dgm:txFillClrLst meth="repeat">
+      <a:schemeClr val="dk1"/>
+    </dgm:txFillClrLst>
+    <dgm:txEffectClrLst/>
+  </dgm:styleLbl>
+  <dgm:styleLbl name="bgShp">
+    <dgm:fillClrLst>
+      <a:schemeClr val="accent5"/>
+      <a:schemeClr val="accent6"/>
+    </dgm:fillClrLst>
+    <dgm:linClrLst meth="repeat">
+      <a:schemeClr val="lt1">
+        <a:alpha val="0"/>
+      </a:schemeClr>
+    </dgm:linClrLst>
+    <dgm:effectClrLst/>
+    <dgm:txLinClrLst/>
+    <dgm:txFillClrLst/>
+    <dgm:txEffectClrLst/>
+  </dgm:styleLbl>
+  <dgm:styleLbl name="dkBgShp">
+    <dgm:fillClrLst meth="repeat">
+      <a:schemeClr val="accent5">
+        <a:shade val="90000"/>
+      </a:schemeClr>
+    </dgm:fillClrLst>
+    <dgm:linClrLst meth="repeat">
+      <a:schemeClr val="dk1"/>
+    </dgm:linClrLst>
+    <dgm:effectClrLst/>
+    <dgm:txLinClrLst/>
+    <dgm:txFillClrLst meth="repeat">
+      <a:schemeClr val="lt1"/>
+    </dgm:txFillClrLst>
+    <dgm:txEffectClrLst/>
+  </dgm:styleLbl>
+  <dgm:styleLbl name="trBgShp">
+    <dgm:fillClrLst meth="repeat">
+      <a:schemeClr val="accent5">
+        <a:tint val="50000"/>
+        <a:alpha val="40000"/>
+      </a:schemeClr>
+    </dgm:fillClrLst>
+    <dgm:linClrLst meth="repeat">
+      <a:schemeClr val="accent5"/>
+    </dgm:linClrLst>
+    <dgm:effectClrLst/>
+    <dgm:txLinClrLst/>
+    <dgm:txFillClrLst meth="repeat">
+      <a:schemeClr val="lt1"/>
+    </dgm:txFillClrLst>
+    <dgm:txEffectClrLst/>
+  </dgm:styleLbl>
+  <dgm:styleLbl name="fgShp">
+    <dgm:fillClrLst meth="repeat">
+      <a:schemeClr val="accent5">
+        <a:tint val="40000"/>
+      </a:schemeClr>
+    </dgm:fillClrLst>
+    <dgm:linClrLst meth="repeat">
+      <a:schemeClr val="lt1"/>
+    </dgm:linClrLst>
+    <dgm:effectClrLst/>
+    <dgm:txLinClrLst/>
+    <dgm:txFillClrLst meth="repeat">
+      <a:schemeClr val="dk1"/>
+    </dgm:txFillClrLst>
+    <dgm:txEffectClrLst/>
+  </dgm:styleLbl>
+  <dgm:styleLbl name="revTx">
+    <dgm:fillClrLst meth="repeat">
+      <a:schemeClr val="lt1">
+        <a:alpha val="0"/>
+      </a:schemeClr>
+    </dgm:fillClrLst>
+    <dgm:linClrLst meth="repeat">
+      <a:schemeClr val="dk1">
+        <a:alpha val="0"/>
+      </a:schemeClr>
+    </dgm:linClrLst>
+    <dgm:effectClrLst/>
+    <dgm:txLinClrLst/>
+    <dgm:txFillClrLst meth="repeat">
+      <a:schemeClr val="bg1"/>
+    </dgm:txFillClrLst>
+    <dgm:txEffectClrLst/>
+  </dgm:styleLbl>
+</dgm:colorsDef>
+</file>
+
+<file path=ppt/diagrams/data1.xml><?xml version="1.0" encoding="utf-8"?>
+<dgm:dataModel xmlns:dgm="http://schemas.openxmlformats.org/drawingml/2006/diagram" xmlns:a="http://schemas.openxmlformats.org/drawingml/2006/main">
+  <dgm:ptLst>
+    <dgm:pt modelId="{CEDD1834-3720-4192-9126-C138F897A55A}" type="doc">
+      <dgm:prSet loTypeId="urn:microsoft.com/office/officeart/2018/2/layout/IconVerticalSolidList" loCatId="icon" qsTypeId="urn:microsoft.com/office/officeart/2005/8/quickstyle/simple1" qsCatId="simple" csTypeId="urn:microsoft.com/office/officeart/2018/5/colors/Iconchunking_neutralicontext_colorful5" csCatId="colorful" phldr="1"/>
+      <dgm:spPr/>
+      <dgm:t>
+        <a:bodyPr/>
+        <a:lstStyle/>
+        <a:p>
+          <a:endParaRPr lang="en-US"/>
+        </a:p>
+      </dgm:t>
+    </dgm:pt>
+    <dgm:pt modelId="{26A777A5-A00A-463D-8866-274D3717AC89}">
+      <dgm:prSet/>
+      <dgm:spPr/>
+      <dgm:t>
+        <a:bodyPr/>
+        <a:lstStyle/>
+        <a:p>
+          <a:pPr>
+            <a:lnSpc>
+              <a:spcPct val="100000"/>
+            </a:lnSpc>
+          </a:pPr>
+          <a:r>
+            <a:rPr lang="fr-FR"/>
+            <a:t>RPM</a:t>
+          </a:r>
+          <a:endParaRPr lang="en-US"/>
+        </a:p>
+      </dgm:t>
+    </dgm:pt>
+    <dgm:pt modelId="{A93E626F-B0FC-4002-8833-9EC25D7D6151}" type="parTrans" cxnId="{0CD54DCB-0E71-4C30-A28A-BA28F70E6F77}">
+      <dgm:prSet/>
+      <dgm:spPr/>
+      <dgm:t>
+        <a:bodyPr/>
+        <a:lstStyle/>
+        <a:p>
+          <a:endParaRPr lang="en-US"/>
+        </a:p>
+      </dgm:t>
+    </dgm:pt>
+    <dgm:pt modelId="{A9534C83-28D5-44F2-B016-9C88ED4D0713}" type="sibTrans" cxnId="{0CD54DCB-0E71-4C30-A28A-BA28F70E6F77}">
+      <dgm:prSet/>
+      <dgm:spPr/>
+      <dgm:t>
+        <a:bodyPr/>
+        <a:lstStyle/>
+        <a:p>
+          <a:endParaRPr lang="en-US"/>
+        </a:p>
+      </dgm:t>
+    </dgm:pt>
+    <dgm:pt modelId="{390BC8E4-BC6A-4712-920D-DAF0B31B219E}">
+      <dgm:prSet/>
+      <dgm:spPr/>
+      <dgm:t>
+        <a:bodyPr/>
+        <a:lstStyle/>
+        <a:p>
+          <a:pPr>
+            <a:lnSpc>
+              <a:spcPct val="100000"/>
+            </a:lnSpc>
+          </a:pPr>
+          <a:r>
+            <a:rPr lang="fr-FR"/>
+            <a:t>8 000 rpm max for stable flight ( ie video)</a:t>
+          </a:r>
+          <a:endParaRPr lang="en-US"/>
+        </a:p>
+      </dgm:t>
+    </dgm:pt>
+    <dgm:pt modelId="{A09CD60C-4A84-4D70-AF4E-29465264FAAC}" type="parTrans" cxnId="{1ED7E6DF-CD95-4C3C-800C-F6E6E8D002CA}">
+      <dgm:prSet/>
+      <dgm:spPr/>
+      <dgm:t>
+        <a:bodyPr/>
+        <a:lstStyle/>
+        <a:p>
+          <a:endParaRPr lang="en-US"/>
+        </a:p>
+      </dgm:t>
+    </dgm:pt>
+    <dgm:pt modelId="{0C79BFCC-2B7A-46C5-B71D-DA170826C221}" type="sibTrans" cxnId="{1ED7E6DF-CD95-4C3C-800C-F6E6E8D002CA}">
+      <dgm:prSet/>
+      <dgm:spPr/>
+      <dgm:t>
+        <a:bodyPr/>
+        <a:lstStyle/>
+        <a:p>
+          <a:endParaRPr lang="en-US"/>
+        </a:p>
+      </dgm:t>
+    </dgm:pt>
+    <dgm:pt modelId="{F48F76DE-384A-48D8-A117-E5D0FC773D34}">
+      <dgm:prSet/>
+      <dgm:spPr/>
+      <dgm:t>
+        <a:bodyPr/>
+        <a:lstStyle/>
+        <a:p>
+          <a:pPr>
+            <a:lnSpc>
+              <a:spcPct val="100000"/>
+            </a:lnSpc>
+          </a:pPr>
+          <a:r>
+            <a:rPr lang="fr-FR"/>
+            <a:t>10 000 rpm max for standard flight </a:t>
+          </a:r>
+          <a:endParaRPr lang="en-US"/>
+        </a:p>
+      </dgm:t>
+    </dgm:pt>
+    <dgm:pt modelId="{5E22A0A0-39D1-45C0-B7E5-14791B2AF9E7}" type="parTrans" cxnId="{D07B56AA-677B-4908-8FC8-F8C32026A9F8}">
+      <dgm:prSet/>
+      <dgm:spPr/>
+      <dgm:t>
+        <a:bodyPr/>
+        <a:lstStyle/>
+        <a:p>
+          <a:endParaRPr lang="en-US"/>
+        </a:p>
+      </dgm:t>
+    </dgm:pt>
+    <dgm:pt modelId="{C752368C-CA44-4CFD-966A-14FF1AAF4803}" type="sibTrans" cxnId="{D07B56AA-677B-4908-8FC8-F8C32026A9F8}">
+      <dgm:prSet/>
+      <dgm:spPr/>
+      <dgm:t>
+        <a:bodyPr/>
+        <a:lstStyle/>
+        <a:p>
+          <a:endParaRPr lang="en-US"/>
+        </a:p>
+      </dgm:t>
+    </dgm:pt>
+    <dgm:pt modelId="{92AFC9C8-B2C4-4844-ABF5-F7F0D4AC5AB3}">
+      <dgm:prSet/>
+      <dgm:spPr/>
+      <dgm:t>
+        <a:bodyPr/>
+        <a:lstStyle/>
+        <a:p>
+          <a:pPr>
+            <a:lnSpc>
+              <a:spcPct val="100000"/>
+            </a:lnSpc>
+          </a:pPr>
+          <a:r>
+            <a:rPr lang="fr-FR"/>
+            <a:t>12 000 rpm max for race</a:t>
+          </a:r>
+          <a:endParaRPr lang="en-US"/>
+        </a:p>
+      </dgm:t>
+    </dgm:pt>
+    <dgm:pt modelId="{6BB2F43D-143A-402F-9027-8B48CA8B5423}" type="parTrans" cxnId="{E626FD22-AB9D-4888-B7AC-C10292AA439C}">
+      <dgm:prSet/>
+      <dgm:spPr/>
+      <dgm:t>
+        <a:bodyPr/>
+        <a:lstStyle/>
+        <a:p>
+          <a:endParaRPr lang="en-US"/>
+        </a:p>
+      </dgm:t>
+    </dgm:pt>
+    <dgm:pt modelId="{62AF8092-1E14-429C-A92F-9D436B2BBCF7}" type="sibTrans" cxnId="{E626FD22-AB9D-4888-B7AC-C10292AA439C}">
+      <dgm:prSet/>
+      <dgm:spPr/>
+      <dgm:t>
+        <a:bodyPr/>
+        <a:lstStyle/>
+        <a:p>
+          <a:endParaRPr lang="en-US"/>
+        </a:p>
+      </dgm:t>
+    </dgm:pt>
+    <dgm:pt modelId="{81D087F0-A577-44B1-98CB-273002FECA29}">
+      <dgm:prSet/>
+      <dgm:spPr/>
+      <dgm:t>
+        <a:bodyPr/>
+        <a:lstStyle/>
+        <a:p>
+          <a:pPr>
+            <a:lnSpc>
+              <a:spcPct val="100000"/>
+            </a:lnSpc>
+          </a:pPr>
+          <a:r>
+            <a:rPr lang="fr-FR"/>
+            <a:t>Using 3S Lipo of 11,1V</a:t>
+          </a:r>
+          <a:endParaRPr lang="en-US" dirty="0"/>
+        </a:p>
+      </dgm:t>
+    </dgm:pt>
+    <dgm:pt modelId="{76A6E8B9-ACB9-4BD6-A865-6D003B6839C9}" type="parTrans" cxnId="{868827C1-CE7A-4DCF-82BB-B94DA9F07E68}">
+      <dgm:prSet/>
+      <dgm:spPr/>
+      <dgm:t>
+        <a:bodyPr/>
+        <a:lstStyle/>
+        <a:p>
+          <a:endParaRPr lang="en-US"/>
+        </a:p>
+      </dgm:t>
+    </dgm:pt>
+    <dgm:pt modelId="{DF61428B-3A40-4D3E-A9F5-2BCA81DEB211}" type="sibTrans" cxnId="{868827C1-CE7A-4DCF-82BB-B94DA9F07E68}">
+      <dgm:prSet/>
+      <dgm:spPr/>
+      <dgm:t>
+        <a:bodyPr/>
+        <a:lstStyle/>
+        <a:p>
+          <a:endParaRPr lang="en-US"/>
+        </a:p>
+      </dgm:t>
+    </dgm:pt>
+    <dgm:pt modelId="{89A1F5AF-C5E4-4CE5-A447-B88DAF560325}">
+      <dgm:prSet/>
+      <dgm:spPr/>
+      <dgm:t>
+        <a:bodyPr/>
+        <a:lstStyle/>
+        <a:p>
+          <a:pPr>
+            <a:lnSpc>
+              <a:spcPct val="100000"/>
+            </a:lnSpc>
+          </a:pPr>
+          <a:r>
+            <a:rPr lang="fr-FR"/>
+            <a:t>8000 tours / 11.1V ≈ 720KV</a:t>
+          </a:r>
+          <a:endParaRPr lang="en-US"/>
+        </a:p>
+      </dgm:t>
+    </dgm:pt>
+    <dgm:pt modelId="{7C4860BC-74C0-48AA-BC10-A336B27BBBD7}" type="parTrans" cxnId="{8688D127-64A1-405C-B92A-D5DFD02623E8}">
+      <dgm:prSet/>
+      <dgm:spPr/>
+      <dgm:t>
+        <a:bodyPr/>
+        <a:lstStyle/>
+        <a:p>
+          <a:endParaRPr lang="en-US"/>
+        </a:p>
+      </dgm:t>
+    </dgm:pt>
+    <dgm:pt modelId="{CDC8D5D8-6618-4AEB-B060-9B8E88A47FF0}" type="sibTrans" cxnId="{8688D127-64A1-405C-B92A-D5DFD02623E8}">
+      <dgm:prSet/>
+      <dgm:spPr/>
+      <dgm:t>
+        <a:bodyPr/>
+        <a:lstStyle/>
+        <a:p>
+          <a:endParaRPr lang="en-US"/>
+        </a:p>
+      </dgm:t>
+    </dgm:pt>
+    <dgm:pt modelId="{21837502-76EF-4D21-BAC9-944AFC960435}">
+      <dgm:prSet/>
+      <dgm:spPr/>
+      <dgm:t>
+        <a:bodyPr/>
+        <a:lstStyle/>
+        <a:p>
+          <a:pPr>
+            <a:lnSpc>
+              <a:spcPct val="100000"/>
+            </a:lnSpc>
+          </a:pPr>
+          <a:r>
+            <a:rPr lang="fr-FR"/>
+            <a:t>10000 tours /11.1V ≈ 900KV</a:t>
+          </a:r>
+          <a:endParaRPr lang="en-US"/>
+        </a:p>
+      </dgm:t>
+    </dgm:pt>
+    <dgm:pt modelId="{46C47E26-B70D-487A-8BD2-699A2A26AF05}" type="parTrans" cxnId="{076F75F8-919A-4C43-8005-3F90466A9AE7}">
+      <dgm:prSet/>
+      <dgm:spPr/>
+      <dgm:t>
+        <a:bodyPr/>
+        <a:lstStyle/>
+        <a:p>
+          <a:endParaRPr lang="en-US"/>
+        </a:p>
+      </dgm:t>
+    </dgm:pt>
+    <dgm:pt modelId="{036E54EB-B23A-49EE-A1E3-1C3E8B1DC960}" type="sibTrans" cxnId="{076F75F8-919A-4C43-8005-3F90466A9AE7}">
+      <dgm:prSet/>
+      <dgm:spPr/>
+      <dgm:t>
+        <a:bodyPr/>
+        <a:lstStyle/>
+        <a:p>
+          <a:endParaRPr lang="en-US"/>
+        </a:p>
+      </dgm:t>
+    </dgm:pt>
+    <dgm:pt modelId="{EF4C32E6-206F-4AA9-A07C-16343AAE060E}">
+      <dgm:prSet/>
+      <dgm:spPr/>
+      <dgm:t>
+        <a:bodyPr/>
+        <a:lstStyle/>
+        <a:p>
+          <a:pPr>
+            <a:lnSpc>
+              <a:spcPct val="100000"/>
+            </a:lnSpc>
+          </a:pPr>
+          <a:r>
+            <a:rPr lang="fr-FR"/>
+            <a:t>12000 tours / 11.1V ≈ 1100KV</a:t>
+          </a:r>
+          <a:endParaRPr lang="en-US"/>
+        </a:p>
+      </dgm:t>
+    </dgm:pt>
+    <dgm:pt modelId="{E2270A99-1294-4058-A530-133510815AFF}" type="parTrans" cxnId="{9BD7687A-69CC-4BCD-A551-BA7B19183343}">
+      <dgm:prSet/>
+      <dgm:spPr/>
+      <dgm:t>
+        <a:bodyPr/>
+        <a:lstStyle/>
+        <a:p>
+          <a:endParaRPr lang="en-US"/>
+        </a:p>
+      </dgm:t>
+    </dgm:pt>
+    <dgm:pt modelId="{B0CD0208-C02C-40F1-8A7E-FB9FF9240C05}" type="sibTrans" cxnId="{9BD7687A-69CC-4BCD-A551-BA7B19183343}">
+      <dgm:prSet/>
+      <dgm:spPr/>
+      <dgm:t>
+        <a:bodyPr/>
+        <a:lstStyle/>
+        <a:p>
+          <a:endParaRPr lang="en-US"/>
+        </a:p>
+      </dgm:t>
+    </dgm:pt>
+    <dgm:pt modelId="{6CA69B28-26F5-4F0B-81DC-5CC3FECA3966}">
+      <dgm:prSet/>
+      <dgm:spPr/>
+      <dgm:t>
+        <a:bodyPr/>
+        <a:lstStyle/>
+        <a:p>
+          <a:pPr>
+            <a:lnSpc>
+              <a:spcPct val="100000"/>
+            </a:lnSpc>
+          </a:pPr>
+          <a:r>
+            <a:rPr lang="en-US" dirty="0"/>
+            <a:t>I have </a:t>
+          </a:r>
+          <a:r>
+            <a:rPr lang="fr-FR" dirty="0" err="1"/>
+            <a:t>selected</a:t>
+          </a:r>
+          <a:r>
+            <a:rPr lang="fr-FR" dirty="0"/>
+            <a:t>:</a:t>
+          </a:r>
+          <a:r>
+            <a:rPr lang="en-US" dirty="0"/>
+            <a:t> </a:t>
+          </a:r>
+          <a:r>
+            <a:rPr lang="en-US" b="1" dirty="0"/>
+            <a:t>920kv</a:t>
+          </a:r>
+          <a:endParaRPr lang="en-US" dirty="0"/>
+        </a:p>
+      </dgm:t>
+    </dgm:pt>
+    <dgm:pt modelId="{F4B0B5F5-D9C7-435E-969F-4A539CA84FB3}" type="parTrans" cxnId="{4054E9F1-CBA2-43DD-98A9-E1C1066C76EA}">
+      <dgm:prSet/>
+      <dgm:spPr/>
+      <dgm:t>
+        <a:bodyPr/>
+        <a:lstStyle/>
+        <a:p>
+          <a:endParaRPr lang="en-US"/>
+        </a:p>
+      </dgm:t>
+    </dgm:pt>
+    <dgm:pt modelId="{D93701C5-8FFC-485F-8028-4F2D1A8F6B5F}" type="sibTrans" cxnId="{4054E9F1-CBA2-43DD-98A9-E1C1066C76EA}">
+      <dgm:prSet/>
+      <dgm:spPr/>
+      <dgm:t>
+        <a:bodyPr/>
+        <a:lstStyle/>
+        <a:p>
+          <a:endParaRPr lang="en-US"/>
+        </a:p>
+      </dgm:t>
+    </dgm:pt>
+    <dgm:pt modelId="{260DDCFA-6FC4-4F50-9AEF-6AE9EDB402EC}" type="pres">
+      <dgm:prSet presAssocID="{CEDD1834-3720-4192-9126-C138F897A55A}" presName="root" presStyleCnt="0">
+        <dgm:presLayoutVars>
+          <dgm:dir/>
+          <dgm:resizeHandles val="exact"/>
+        </dgm:presLayoutVars>
+      </dgm:prSet>
+      <dgm:spPr/>
+    </dgm:pt>
+    <dgm:pt modelId="{4B99E8C1-5BA0-4D69-858C-744D96580A53}" type="pres">
+      <dgm:prSet presAssocID="{26A777A5-A00A-463D-8866-274D3717AC89}" presName="compNode" presStyleCnt="0"/>
+      <dgm:spPr/>
+    </dgm:pt>
+    <dgm:pt modelId="{37B45CC2-3BBF-4C41-87F7-9F2B42FBB350}" type="pres">
+      <dgm:prSet presAssocID="{26A777A5-A00A-463D-8866-274D3717AC89}" presName="bgRect" presStyleLbl="bgShp" presStyleIdx="0" presStyleCnt="3"/>
+      <dgm:spPr/>
+    </dgm:pt>
+    <dgm:pt modelId="{8F6E7228-D986-4E61-A897-28C4242C8E5F}" type="pres">
+      <dgm:prSet presAssocID="{26A777A5-A00A-463D-8866-274D3717AC89}" presName="iconRect" presStyleLbl="node1" presStyleIdx="0" presStyleCnt="3"/>
+      <dgm:spPr>
+        <a:blipFill>
+          <a:blip xmlns:r="http://schemas.openxmlformats.org/officeDocument/2006/relationships" r:embed="rId1">
+            <a:extLst>
+              <a:ext uri="{28A0092B-C50C-407E-A947-70E740481C1C}">
+                <a14:useLocalDpi xmlns:a14="http://schemas.microsoft.com/office/drawing/2010/main" val="0"/>
+              </a:ext>
+              <a:ext uri="{96DAC541-7B7A-43D3-8B79-37D633B846F1}">
+                <asvg:svgBlip xmlns:asvg="http://schemas.microsoft.com/office/drawing/2016/SVG/main" r:embed="rId2"/>
+              </a:ext>
+            </a:extLst>
+          </a:blip>
+          <a:stretch>
+            <a:fillRect/>
+          </a:stretch>
+        </a:blipFill>
+        <a:ln>
+          <a:noFill/>
+        </a:ln>
+      </dgm:spPr>
+      <dgm:extLst>
+        <a:ext uri="{E40237B7-FDA0-4F09-8148-C483321AD2D9}">
+          <dgm14:cNvPr xmlns:dgm14="http://schemas.microsoft.com/office/drawing/2010/diagram" id="0" name="" descr="Blur"/>
+        </a:ext>
+      </dgm:extLst>
+    </dgm:pt>
+    <dgm:pt modelId="{29C5672D-C9CA-46CF-A8C0-5E462F6477FE}" type="pres">
+      <dgm:prSet presAssocID="{26A777A5-A00A-463D-8866-274D3717AC89}" presName="spaceRect" presStyleCnt="0"/>
+      <dgm:spPr/>
+    </dgm:pt>
+    <dgm:pt modelId="{6C6B33F6-12CA-41EB-BBB0-0C8EEB56CFBD}" type="pres">
+      <dgm:prSet presAssocID="{26A777A5-A00A-463D-8866-274D3717AC89}" presName="parTx" presStyleLbl="revTx" presStyleIdx="0" presStyleCnt="5">
+        <dgm:presLayoutVars>
+          <dgm:chMax val="0"/>
+          <dgm:chPref val="0"/>
+        </dgm:presLayoutVars>
+      </dgm:prSet>
+      <dgm:spPr/>
+    </dgm:pt>
+    <dgm:pt modelId="{01992465-03D9-4655-AA46-BE7385CC2FC8}" type="pres">
+      <dgm:prSet presAssocID="{26A777A5-A00A-463D-8866-274D3717AC89}" presName="desTx" presStyleLbl="revTx" presStyleIdx="1" presStyleCnt="5">
+        <dgm:presLayoutVars/>
+      </dgm:prSet>
+      <dgm:spPr/>
+    </dgm:pt>
+    <dgm:pt modelId="{2F37613A-F320-41E5-8818-936433D5FED6}" type="pres">
+      <dgm:prSet presAssocID="{A9534C83-28D5-44F2-B016-9C88ED4D0713}" presName="sibTrans" presStyleCnt="0"/>
+      <dgm:spPr/>
+    </dgm:pt>
+    <dgm:pt modelId="{AF236100-7C1B-4D3C-A444-46688F9A3240}" type="pres">
+      <dgm:prSet presAssocID="{81D087F0-A577-44B1-98CB-273002FECA29}" presName="compNode" presStyleCnt="0"/>
+      <dgm:spPr/>
+    </dgm:pt>
+    <dgm:pt modelId="{151FA4D2-2C97-4933-A330-A63D2A65F354}" type="pres">
+      <dgm:prSet presAssocID="{81D087F0-A577-44B1-98CB-273002FECA29}" presName="bgRect" presStyleLbl="bgShp" presStyleIdx="1" presStyleCnt="3"/>
+      <dgm:spPr/>
+    </dgm:pt>
+    <dgm:pt modelId="{8FBEB701-1841-4361-A085-836834B0BAEA}" type="pres">
+      <dgm:prSet presAssocID="{81D087F0-A577-44B1-98CB-273002FECA29}" presName="iconRect" presStyleLbl="node1" presStyleIdx="1" presStyleCnt="3"/>
+      <dgm:spPr>
+        <a:blipFill>
+          <a:blip xmlns:r="http://schemas.openxmlformats.org/officeDocument/2006/relationships" r:embed="rId3">
+            <a:extLst>
+              <a:ext uri="{28A0092B-C50C-407E-A947-70E740481C1C}">
+                <a14:useLocalDpi xmlns:a14="http://schemas.microsoft.com/office/drawing/2010/main" val="0"/>
+              </a:ext>
+              <a:ext uri="{96DAC541-7B7A-43D3-8B79-37D633B846F1}">
+                <asvg:svgBlip xmlns:asvg="http://schemas.microsoft.com/office/drawing/2016/SVG/main" r:embed="rId4"/>
+              </a:ext>
+            </a:extLst>
+          </a:blip>
+          <a:stretch>
+            <a:fillRect/>
+          </a:stretch>
+        </a:blipFill>
+        <a:ln>
+          <a:noFill/>
+        </a:ln>
+      </dgm:spPr>
+      <dgm:extLst>
+        <a:ext uri="{E40237B7-FDA0-4F09-8148-C483321AD2D9}">
+          <dgm14:cNvPr xmlns:dgm14="http://schemas.microsoft.com/office/drawing/2010/diagram" id="0" name="" descr="RobotOutline"/>
+        </a:ext>
+      </dgm:extLst>
+    </dgm:pt>
+    <dgm:pt modelId="{99FC3ECE-D2EA-48A4-917F-378AEFF4B34B}" type="pres">
+      <dgm:prSet presAssocID="{81D087F0-A577-44B1-98CB-273002FECA29}" presName="spaceRect" presStyleCnt="0"/>
+      <dgm:spPr/>
+    </dgm:pt>
+    <dgm:pt modelId="{B6A7F929-C7E0-49AC-B005-D2BA3C6F1923}" type="pres">
+      <dgm:prSet presAssocID="{81D087F0-A577-44B1-98CB-273002FECA29}" presName="parTx" presStyleLbl="revTx" presStyleIdx="2" presStyleCnt="5">
+        <dgm:presLayoutVars>
+          <dgm:chMax val="0"/>
+          <dgm:chPref val="0"/>
+        </dgm:presLayoutVars>
+      </dgm:prSet>
+      <dgm:spPr/>
+    </dgm:pt>
+    <dgm:pt modelId="{4391638E-98E0-4235-9346-4844A62AA748}" type="pres">
+      <dgm:prSet presAssocID="{81D087F0-A577-44B1-98CB-273002FECA29}" presName="desTx" presStyleLbl="revTx" presStyleIdx="3" presStyleCnt="5">
+        <dgm:presLayoutVars/>
+      </dgm:prSet>
+      <dgm:spPr/>
+    </dgm:pt>
+    <dgm:pt modelId="{35A1D78C-5191-470D-A36E-D6DACC2CF62D}" type="pres">
+      <dgm:prSet presAssocID="{DF61428B-3A40-4D3E-A9F5-2BCA81DEB211}" presName="sibTrans" presStyleCnt="0"/>
+      <dgm:spPr/>
+    </dgm:pt>
+    <dgm:pt modelId="{58700C0A-7A3E-48C5-9093-2D879B935205}" type="pres">
+      <dgm:prSet presAssocID="{6CA69B28-26F5-4F0B-81DC-5CC3FECA3966}" presName="compNode" presStyleCnt="0"/>
+      <dgm:spPr/>
+    </dgm:pt>
+    <dgm:pt modelId="{53309874-C3A5-4299-BF2C-6CDC8522AB06}" type="pres">
+      <dgm:prSet presAssocID="{6CA69B28-26F5-4F0B-81DC-5CC3FECA3966}" presName="bgRect" presStyleLbl="bgShp" presStyleIdx="2" presStyleCnt="3"/>
+      <dgm:spPr/>
+    </dgm:pt>
+    <dgm:pt modelId="{5DEB4701-63C5-44BF-8B64-8ADF35CFF57F}" type="pres">
+      <dgm:prSet presAssocID="{6CA69B28-26F5-4F0B-81DC-5CC3FECA3966}" presName="iconRect" presStyleLbl="node1" presStyleIdx="2" presStyleCnt="3"/>
+      <dgm:spPr>
+        <a:blipFill>
+          <a:blip xmlns:r="http://schemas.openxmlformats.org/officeDocument/2006/relationships" r:embed="rId5">
+            <a:extLst>
+              <a:ext uri="{28A0092B-C50C-407E-A947-70E740481C1C}">
+                <a14:useLocalDpi xmlns:a14="http://schemas.microsoft.com/office/drawing/2010/main" val="0"/>
+              </a:ext>
+              <a:ext uri="{96DAC541-7B7A-43D3-8B79-37D633B846F1}">
+                <asvg:svgBlip xmlns:asvg="http://schemas.microsoft.com/office/drawing/2016/SVG/main" r:embed="rId6"/>
+              </a:ext>
+            </a:extLst>
+          </a:blip>
+          <a:stretch>
+            <a:fillRect/>
+          </a:stretch>
+        </a:blipFill>
+        <a:ln>
+          <a:noFill/>
+        </a:ln>
+      </dgm:spPr>
+      <dgm:extLst>
+        <a:ext uri="{E40237B7-FDA0-4F09-8148-C483321AD2D9}">
+          <dgm14:cNvPr xmlns:dgm14="http://schemas.microsoft.com/office/drawing/2010/diagram" id="0" name="" descr="TabTwoColumn"/>
+        </a:ext>
+      </dgm:extLst>
+    </dgm:pt>
+    <dgm:pt modelId="{09088EC7-DCCC-4E31-A599-3B927899ECE4}" type="pres">
+      <dgm:prSet presAssocID="{6CA69B28-26F5-4F0B-81DC-5CC3FECA3966}" presName="spaceRect" presStyleCnt="0"/>
+      <dgm:spPr/>
+    </dgm:pt>
+    <dgm:pt modelId="{68D345E8-5387-415D-8159-A48702A62606}" type="pres">
+      <dgm:prSet presAssocID="{6CA69B28-26F5-4F0B-81DC-5CC3FECA3966}" presName="parTx" presStyleLbl="revTx" presStyleIdx="4" presStyleCnt="5">
+        <dgm:presLayoutVars>
+          <dgm:chMax val="0"/>
+          <dgm:chPref val="0"/>
+        </dgm:presLayoutVars>
+      </dgm:prSet>
+      <dgm:spPr/>
+    </dgm:pt>
+  </dgm:ptLst>
+  <dgm:cxnLst>
+    <dgm:cxn modelId="{54BD5A06-7CF0-41F6-BF60-7CE3B3C0FD4F}" type="presOf" srcId="{390BC8E4-BC6A-4712-920D-DAF0B31B219E}" destId="{01992465-03D9-4655-AA46-BE7385CC2FC8}" srcOrd="0" destOrd="0" presId="urn:microsoft.com/office/officeart/2018/2/layout/IconVerticalSolidList"/>
+    <dgm:cxn modelId="{FEEEA906-B21D-4190-B656-46495C268832}" type="presOf" srcId="{81D087F0-A577-44B1-98CB-273002FECA29}" destId="{B6A7F929-C7E0-49AC-B005-D2BA3C6F1923}" srcOrd="0" destOrd="0" presId="urn:microsoft.com/office/officeart/2018/2/layout/IconVerticalSolidList"/>
+    <dgm:cxn modelId="{B7779016-1B5B-4173-846B-8519B50F3A89}" type="presOf" srcId="{21837502-76EF-4D21-BAC9-944AFC960435}" destId="{4391638E-98E0-4235-9346-4844A62AA748}" srcOrd="0" destOrd="1" presId="urn:microsoft.com/office/officeart/2018/2/layout/IconVerticalSolidList"/>
+    <dgm:cxn modelId="{AD36DE16-D0A4-45EF-8449-D5FD15B45079}" type="presOf" srcId="{26A777A5-A00A-463D-8866-274D3717AC89}" destId="{6C6B33F6-12CA-41EB-BBB0-0C8EEB56CFBD}" srcOrd="0" destOrd="0" presId="urn:microsoft.com/office/officeart/2018/2/layout/IconVerticalSolidList"/>
+    <dgm:cxn modelId="{E626FD22-AB9D-4888-B7AC-C10292AA439C}" srcId="{26A777A5-A00A-463D-8866-274D3717AC89}" destId="{92AFC9C8-B2C4-4844-ABF5-F7F0D4AC5AB3}" srcOrd="2" destOrd="0" parTransId="{6BB2F43D-143A-402F-9027-8B48CA8B5423}" sibTransId="{62AF8092-1E14-429C-A92F-9D436B2BBCF7}"/>
+    <dgm:cxn modelId="{8688D127-64A1-405C-B92A-D5DFD02623E8}" srcId="{81D087F0-A577-44B1-98CB-273002FECA29}" destId="{89A1F5AF-C5E4-4CE5-A447-B88DAF560325}" srcOrd="0" destOrd="0" parTransId="{7C4860BC-74C0-48AA-BC10-A336B27BBBD7}" sibTransId="{CDC8D5D8-6618-4AEB-B060-9B8E88A47FF0}"/>
+    <dgm:cxn modelId="{C555DA32-C89C-41B9-8E47-A16A0B3DAD54}" type="presOf" srcId="{EF4C32E6-206F-4AA9-A07C-16343AAE060E}" destId="{4391638E-98E0-4235-9346-4844A62AA748}" srcOrd="0" destOrd="2" presId="urn:microsoft.com/office/officeart/2018/2/layout/IconVerticalSolidList"/>
+    <dgm:cxn modelId="{27CEE64D-0CB7-43FB-8E4F-B3902F438DC3}" type="presOf" srcId="{CEDD1834-3720-4192-9126-C138F897A55A}" destId="{260DDCFA-6FC4-4F50-9AEF-6AE9EDB402EC}" srcOrd="0" destOrd="0" presId="urn:microsoft.com/office/officeart/2018/2/layout/IconVerticalSolidList"/>
+    <dgm:cxn modelId="{4F200E58-2948-41A3-B3BC-E374AE043E7D}" type="presOf" srcId="{F48F76DE-384A-48D8-A117-E5D0FC773D34}" destId="{01992465-03D9-4655-AA46-BE7385CC2FC8}" srcOrd="0" destOrd="1" presId="urn:microsoft.com/office/officeart/2018/2/layout/IconVerticalSolidList"/>
+    <dgm:cxn modelId="{9BD7687A-69CC-4BCD-A551-BA7B19183343}" srcId="{81D087F0-A577-44B1-98CB-273002FECA29}" destId="{EF4C32E6-206F-4AA9-A07C-16343AAE060E}" srcOrd="2" destOrd="0" parTransId="{E2270A99-1294-4058-A530-133510815AFF}" sibTransId="{B0CD0208-C02C-40F1-8A7E-FB9FF9240C05}"/>
+    <dgm:cxn modelId="{3E8E0F9F-E2A2-435C-8FF1-00543BCB15CD}" type="presOf" srcId="{89A1F5AF-C5E4-4CE5-A447-B88DAF560325}" destId="{4391638E-98E0-4235-9346-4844A62AA748}" srcOrd="0" destOrd="0" presId="urn:microsoft.com/office/officeart/2018/2/layout/IconVerticalSolidList"/>
+    <dgm:cxn modelId="{D07B56AA-677B-4908-8FC8-F8C32026A9F8}" srcId="{26A777A5-A00A-463D-8866-274D3717AC89}" destId="{F48F76DE-384A-48D8-A117-E5D0FC773D34}" srcOrd="1" destOrd="0" parTransId="{5E22A0A0-39D1-45C0-B7E5-14791B2AF9E7}" sibTransId="{C752368C-CA44-4CFD-966A-14FF1AAF4803}"/>
+    <dgm:cxn modelId="{868827C1-CE7A-4DCF-82BB-B94DA9F07E68}" srcId="{CEDD1834-3720-4192-9126-C138F897A55A}" destId="{81D087F0-A577-44B1-98CB-273002FECA29}" srcOrd="1" destOrd="0" parTransId="{76A6E8B9-ACB9-4BD6-A865-6D003B6839C9}" sibTransId="{DF61428B-3A40-4D3E-A9F5-2BCA81DEB211}"/>
+    <dgm:cxn modelId="{733A15C4-EE9C-4CE6-B885-37C694015A7E}" type="presOf" srcId="{92AFC9C8-B2C4-4844-ABF5-F7F0D4AC5AB3}" destId="{01992465-03D9-4655-AA46-BE7385CC2FC8}" srcOrd="0" destOrd="2" presId="urn:microsoft.com/office/officeart/2018/2/layout/IconVerticalSolidList"/>
+    <dgm:cxn modelId="{0CD54DCB-0E71-4C30-A28A-BA28F70E6F77}" srcId="{CEDD1834-3720-4192-9126-C138F897A55A}" destId="{26A777A5-A00A-463D-8866-274D3717AC89}" srcOrd="0" destOrd="0" parTransId="{A93E626F-B0FC-4002-8833-9EC25D7D6151}" sibTransId="{A9534C83-28D5-44F2-B016-9C88ED4D0713}"/>
+    <dgm:cxn modelId="{1ED7E6DF-CD95-4C3C-800C-F6E6E8D002CA}" srcId="{26A777A5-A00A-463D-8866-274D3717AC89}" destId="{390BC8E4-BC6A-4712-920D-DAF0B31B219E}" srcOrd="0" destOrd="0" parTransId="{A09CD60C-4A84-4D70-AF4E-29465264FAAC}" sibTransId="{0C79BFCC-2B7A-46C5-B71D-DA170826C221}"/>
+    <dgm:cxn modelId="{845D4AE0-ED2F-43AF-9587-A6F46F5DB891}" type="presOf" srcId="{6CA69B28-26F5-4F0B-81DC-5CC3FECA3966}" destId="{68D345E8-5387-415D-8159-A48702A62606}" srcOrd="0" destOrd="0" presId="urn:microsoft.com/office/officeart/2018/2/layout/IconVerticalSolidList"/>
+    <dgm:cxn modelId="{4054E9F1-CBA2-43DD-98A9-E1C1066C76EA}" srcId="{CEDD1834-3720-4192-9126-C138F897A55A}" destId="{6CA69B28-26F5-4F0B-81DC-5CC3FECA3966}" srcOrd="2" destOrd="0" parTransId="{F4B0B5F5-D9C7-435E-969F-4A539CA84FB3}" sibTransId="{D93701C5-8FFC-485F-8028-4F2D1A8F6B5F}"/>
+    <dgm:cxn modelId="{076F75F8-919A-4C43-8005-3F90466A9AE7}" srcId="{81D087F0-A577-44B1-98CB-273002FECA29}" destId="{21837502-76EF-4D21-BAC9-944AFC960435}" srcOrd="1" destOrd="0" parTransId="{46C47E26-B70D-487A-8BD2-699A2A26AF05}" sibTransId="{036E54EB-B23A-49EE-A1E3-1C3E8B1DC960}"/>
+    <dgm:cxn modelId="{17A7A5A3-98AC-4DAB-A97A-4F5A2EEC77E5}" type="presParOf" srcId="{260DDCFA-6FC4-4F50-9AEF-6AE9EDB402EC}" destId="{4B99E8C1-5BA0-4D69-858C-744D96580A53}" srcOrd="0" destOrd="0" presId="urn:microsoft.com/office/officeart/2018/2/layout/IconVerticalSolidList"/>
+    <dgm:cxn modelId="{7A0353FC-F44D-4086-9B40-881A27DA7C98}" type="presParOf" srcId="{4B99E8C1-5BA0-4D69-858C-744D96580A53}" destId="{37B45CC2-3BBF-4C41-87F7-9F2B42FBB350}" srcOrd="0" destOrd="0" presId="urn:microsoft.com/office/officeart/2018/2/layout/IconVerticalSolidList"/>
+    <dgm:cxn modelId="{25AD5456-3522-43B2-AE83-766DA1125739}" type="presParOf" srcId="{4B99E8C1-5BA0-4D69-858C-744D96580A53}" destId="{8F6E7228-D986-4E61-A897-28C4242C8E5F}" srcOrd="1" destOrd="0" presId="urn:microsoft.com/office/officeart/2018/2/layout/IconVerticalSolidList"/>
+    <dgm:cxn modelId="{D0FEF404-2935-4D6C-9436-F233FE443170}" type="presParOf" srcId="{4B99E8C1-5BA0-4D69-858C-744D96580A53}" destId="{29C5672D-C9CA-46CF-A8C0-5E462F6477FE}" srcOrd="2" destOrd="0" presId="urn:microsoft.com/office/officeart/2018/2/layout/IconVerticalSolidList"/>
+    <dgm:cxn modelId="{09B62B5C-49DC-463A-BE60-74D88471685C}" type="presParOf" srcId="{4B99E8C1-5BA0-4D69-858C-744D96580A53}" destId="{6C6B33F6-12CA-41EB-BBB0-0C8EEB56CFBD}" srcOrd="3" destOrd="0" presId="urn:microsoft.com/office/officeart/2018/2/layout/IconVerticalSolidList"/>
+    <dgm:cxn modelId="{50332680-7717-4C3F-ABEF-8A3F20304EF5}" type="presParOf" srcId="{4B99E8C1-5BA0-4D69-858C-744D96580A53}" destId="{01992465-03D9-4655-AA46-BE7385CC2FC8}" srcOrd="4" destOrd="0" presId="urn:microsoft.com/office/officeart/2018/2/layout/IconVerticalSolidList"/>
+    <dgm:cxn modelId="{B61D4584-6C5E-4552-8DB1-55E070E0804E}" type="presParOf" srcId="{260DDCFA-6FC4-4F50-9AEF-6AE9EDB402EC}" destId="{2F37613A-F320-41E5-8818-936433D5FED6}" srcOrd="1" destOrd="0" presId="urn:microsoft.com/office/officeart/2018/2/layout/IconVerticalSolidList"/>
+    <dgm:cxn modelId="{B6059BC3-932D-4A2B-BE29-40E5B6361E39}" type="presParOf" srcId="{260DDCFA-6FC4-4F50-9AEF-6AE9EDB402EC}" destId="{AF236100-7C1B-4D3C-A444-46688F9A3240}" srcOrd="2" destOrd="0" presId="urn:microsoft.com/office/officeart/2018/2/layout/IconVerticalSolidList"/>
+    <dgm:cxn modelId="{FF135C8B-B674-4844-9BC5-FE82501E53DE}" type="presParOf" srcId="{AF236100-7C1B-4D3C-A444-46688F9A3240}" destId="{151FA4D2-2C97-4933-A330-A63D2A65F354}" srcOrd="0" destOrd="0" presId="urn:microsoft.com/office/officeart/2018/2/layout/IconVerticalSolidList"/>
+    <dgm:cxn modelId="{61700F62-AFB4-4E04-9973-EB7C83571491}" type="presParOf" srcId="{AF236100-7C1B-4D3C-A444-46688F9A3240}" destId="{8FBEB701-1841-4361-A085-836834B0BAEA}" srcOrd="1" destOrd="0" presId="urn:microsoft.com/office/officeart/2018/2/layout/IconVerticalSolidList"/>
+    <dgm:cxn modelId="{F4F651F4-B56C-4F38-AC05-11E6CBD52A6E}" type="presParOf" srcId="{AF236100-7C1B-4D3C-A444-46688F9A3240}" destId="{99FC3ECE-D2EA-48A4-917F-378AEFF4B34B}" srcOrd="2" destOrd="0" presId="urn:microsoft.com/office/officeart/2018/2/layout/IconVerticalSolidList"/>
+    <dgm:cxn modelId="{0D910DC8-01B1-437A-8845-8CE746F81DC2}" type="presParOf" srcId="{AF236100-7C1B-4D3C-A444-46688F9A3240}" destId="{B6A7F929-C7E0-49AC-B005-D2BA3C6F1923}" srcOrd="3" destOrd="0" presId="urn:microsoft.com/office/officeart/2018/2/layout/IconVerticalSolidList"/>
+    <dgm:cxn modelId="{01516528-44F8-452A-8983-5850145B90F5}" type="presParOf" srcId="{AF236100-7C1B-4D3C-A444-46688F9A3240}" destId="{4391638E-98E0-4235-9346-4844A62AA748}" srcOrd="4" destOrd="0" presId="urn:microsoft.com/office/officeart/2018/2/layout/IconVerticalSolidList"/>
+    <dgm:cxn modelId="{E3A7CF71-7796-4A5E-AF04-C3157355918E}" type="presParOf" srcId="{260DDCFA-6FC4-4F50-9AEF-6AE9EDB402EC}" destId="{35A1D78C-5191-470D-A36E-D6DACC2CF62D}" srcOrd="3" destOrd="0" presId="urn:microsoft.com/office/officeart/2018/2/layout/IconVerticalSolidList"/>
+    <dgm:cxn modelId="{BF974151-4F15-419F-89EA-49E34C7AD182}" type="presParOf" srcId="{260DDCFA-6FC4-4F50-9AEF-6AE9EDB402EC}" destId="{58700C0A-7A3E-48C5-9093-2D879B935205}" srcOrd="4" destOrd="0" presId="urn:microsoft.com/office/officeart/2018/2/layout/IconVerticalSolidList"/>
+    <dgm:cxn modelId="{CF9630C8-EAC8-469D-BE65-9C872919C602}" type="presParOf" srcId="{58700C0A-7A3E-48C5-9093-2D879B935205}" destId="{53309874-C3A5-4299-BF2C-6CDC8522AB06}" srcOrd="0" destOrd="0" presId="urn:microsoft.com/office/officeart/2018/2/layout/IconVerticalSolidList"/>
+    <dgm:cxn modelId="{B776B799-44EB-4E72-B8BB-F00E0DB92BDB}" type="presParOf" srcId="{58700C0A-7A3E-48C5-9093-2D879B935205}" destId="{5DEB4701-63C5-44BF-8B64-8ADF35CFF57F}" srcOrd="1" destOrd="0" presId="urn:microsoft.com/office/officeart/2018/2/layout/IconVerticalSolidList"/>
+    <dgm:cxn modelId="{B421C9CD-72E7-42E7-BC6E-58334E9EB37A}" type="presParOf" srcId="{58700C0A-7A3E-48C5-9093-2D879B935205}" destId="{09088EC7-DCCC-4E31-A599-3B927899ECE4}" srcOrd="2" destOrd="0" presId="urn:microsoft.com/office/officeart/2018/2/layout/IconVerticalSolidList"/>
+    <dgm:cxn modelId="{874E85BC-C898-443B-986F-74610158AB83}" type="presParOf" srcId="{58700C0A-7A3E-48C5-9093-2D879B935205}" destId="{68D345E8-5387-415D-8159-A48702A62606}" srcOrd="3" destOrd="0" presId="urn:microsoft.com/office/officeart/2018/2/layout/IconVerticalSolidList"/>
+  </dgm:cxnLst>
+  <dgm:bg/>
+  <dgm:whole/>
+  <dgm:extLst>
+    <a:ext uri="http://schemas.microsoft.com/office/drawing/2008/diagram">
+      <dsp:dataModelExt xmlns:dsp="http://schemas.microsoft.com/office/drawing/2008/diagram" relId="rId6" minVer="http://schemas.openxmlformats.org/drawingml/2006/diagram"/>
+    </a:ext>
+  </dgm:extLst>
+</dgm:dataModel>
+</file>
+
+<file path=ppt/diagrams/drawing1.xml><?xml version="1.0" encoding="utf-8"?>
+<dsp:drawing xmlns:dgm="http://schemas.openxmlformats.org/drawingml/2006/diagram" xmlns:dsp="http://schemas.microsoft.com/office/drawing/2008/diagram" xmlns:a="http://schemas.openxmlformats.org/drawingml/2006/main">
+  <dsp:spTree>
+    <dsp:nvGrpSpPr>
+      <dsp:cNvPr id="0" name=""/>
+      <dsp:cNvGrpSpPr/>
+    </dsp:nvGrpSpPr>
+    <dsp:grpSpPr/>
+    <dsp:sp modelId="{37B45CC2-3BBF-4C41-87F7-9F2B42FBB350}">
+      <dsp:nvSpPr>
+        <dsp:cNvPr id="0" name=""/>
+        <dsp:cNvSpPr/>
+      </dsp:nvSpPr>
+      <dsp:spPr>
+        <a:xfrm>
+          <a:off x="0" y="531"/>
+          <a:ext cx="10515600" cy="1242935"/>
+        </a:xfrm>
+        <a:prstGeom prst="roundRect">
+          <a:avLst>
+            <a:gd name="adj" fmla="val 10000"/>
+          </a:avLst>
+        </a:prstGeom>
+        <a:solidFill>
+          <a:schemeClr val="accent5">
+            <a:hueOff val="0"/>
+            <a:satOff val="0"/>
+            <a:lumOff val="0"/>
+            <a:alphaOff val="0"/>
+          </a:schemeClr>
+        </a:solidFill>
+        <a:ln>
+          <a:noFill/>
+        </a:ln>
+        <a:effectLst/>
+      </dsp:spPr>
+      <dsp:style>
+        <a:lnRef idx="0">
+          <a:scrgbClr r="0" g="0" b="0"/>
+        </a:lnRef>
+        <a:fillRef idx="1">
+          <a:scrgbClr r="0" g="0" b="0"/>
+        </a:fillRef>
+        <a:effectRef idx="0">
+          <a:scrgbClr r="0" g="0" b="0"/>
+        </a:effectRef>
+        <a:fontRef idx="minor"/>
+      </dsp:style>
+    </dsp:sp>
+    <dsp:sp modelId="{8F6E7228-D986-4E61-A897-28C4242C8E5F}">
+      <dsp:nvSpPr>
+        <dsp:cNvPr id="0" name=""/>
+        <dsp:cNvSpPr/>
+      </dsp:nvSpPr>
+      <dsp:spPr>
+        <a:xfrm>
+          <a:off x="375988" y="280191"/>
+          <a:ext cx="683614" cy="683614"/>
+        </a:xfrm>
+        <a:prstGeom prst="rect">
+          <a:avLst/>
+        </a:prstGeom>
+        <a:blipFill>
+          <a:blip xmlns:r="http://schemas.openxmlformats.org/officeDocument/2006/relationships" r:embed="rId1">
+            <a:extLst>
+              <a:ext uri="{28A0092B-C50C-407E-A947-70E740481C1C}">
+                <a14:useLocalDpi xmlns:a14="http://schemas.microsoft.com/office/drawing/2010/main" val="0"/>
+              </a:ext>
+              <a:ext uri="{96DAC541-7B7A-43D3-8B79-37D633B846F1}">
+                <asvg:svgBlip xmlns:asvg="http://schemas.microsoft.com/office/drawing/2016/SVG/main" r:embed="rId2"/>
+              </a:ext>
+            </a:extLst>
+          </a:blip>
+          <a:stretch>
+            <a:fillRect/>
+          </a:stretch>
+        </a:blipFill>
+        <a:ln w="12700" cap="flat" cmpd="sng" algn="ctr">
+          <a:noFill/>
+          <a:prstDash val="solid"/>
+          <a:miter lim="800000"/>
+        </a:ln>
+        <a:effectLst/>
+      </dsp:spPr>
+      <dsp:style>
+        <a:lnRef idx="2">
+          <a:scrgbClr r="0" g="0" b="0"/>
+        </a:lnRef>
+        <a:fillRef idx="1">
+          <a:scrgbClr r="0" g="0" b="0"/>
+        </a:fillRef>
+        <a:effectRef idx="0">
+          <a:scrgbClr r="0" g="0" b="0"/>
+        </a:effectRef>
+        <a:fontRef idx="minor">
+          <a:schemeClr val="lt1"/>
+        </a:fontRef>
+      </dsp:style>
+    </dsp:sp>
+    <dsp:sp modelId="{6C6B33F6-12CA-41EB-BBB0-0C8EEB56CFBD}">
+      <dsp:nvSpPr>
+        <dsp:cNvPr id="0" name=""/>
+        <dsp:cNvSpPr/>
+      </dsp:nvSpPr>
+      <dsp:spPr>
+        <a:xfrm>
+          <a:off x="1435590" y="531"/>
+          <a:ext cx="4732020" cy="1242935"/>
+        </a:xfrm>
+        <a:prstGeom prst="rect">
+          <a:avLst/>
+        </a:prstGeom>
+        <a:noFill/>
+        <a:ln>
+          <a:noFill/>
+        </a:ln>
+        <a:effectLst/>
+      </dsp:spPr>
+      <dsp:style>
+        <a:lnRef idx="0">
+          <a:scrgbClr r="0" g="0" b="0"/>
+        </a:lnRef>
+        <a:fillRef idx="0">
+          <a:scrgbClr r="0" g="0" b="0"/>
+        </a:fillRef>
+        <a:effectRef idx="0">
+          <a:scrgbClr r="0" g="0" b="0"/>
+        </a:effectRef>
+        <a:fontRef idx="minor"/>
+      </dsp:style>
+      <dsp:txBody>
+        <a:bodyPr spcFirstLastPara="0" vert="horz" wrap="square" lIns="131544" tIns="131544" rIns="131544" bIns="131544" numCol="1" spcCol="1270" anchor="ctr" anchorCtr="0">
+          <a:noAutofit/>
+        </a:bodyPr>
+        <a:lstStyle/>
+        <a:p>
+          <a:pPr marL="0" lvl="0" indent="0" algn="l" defTabSz="1111250">
+            <a:lnSpc>
+              <a:spcPct val="100000"/>
+            </a:lnSpc>
+            <a:spcBef>
+              <a:spcPct val="0"/>
+            </a:spcBef>
+            <a:spcAft>
+              <a:spcPct val="35000"/>
+            </a:spcAft>
+            <a:buNone/>
+          </a:pPr>
+          <a:r>
+            <a:rPr lang="fr-FR" sz="2500" kern="1200"/>
+            <a:t>RPM</a:t>
+          </a:r>
+          <a:endParaRPr lang="en-US" sz="2500" kern="1200"/>
+        </a:p>
+      </dsp:txBody>
+      <dsp:txXfrm>
+        <a:off x="1435590" y="531"/>
+        <a:ext cx="4732020" cy="1242935"/>
+      </dsp:txXfrm>
+    </dsp:sp>
+    <dsp:sp modelId="{01992465-03D9-4655-AA46-BE7385CC2FC8}">
+      <dsp:nvSpPr>
+        <dsp:cNvPr id="0" name=""/>
+        <dsp:cNvSpPr/>
+      </dsp:nvSpPr>
+      <dsp:spPr>
+        <a:xfrm>
+          <a:off x="6167610" y="531"/>
+          <a:ext cx="4347989" cy="1242935"/>
+        </a:xfrm>
+        <a:prstGeom prst="rect">
+          <a:avLst/>
+        </a:prstGeom>
+        <a:noFill/>
+        <a:ln>
+          <a:noFill/>
+        </a:ln>
+        <a:effectLst/>
+      </dsp:spPr>
+      <dsp:style>
+        <a:lnRef idx="0">
+          <a:scrgbClr r="0" g="0" b="0"/>
+        </a:lnRef>
+        <a:fillRef idx="0">
+          <a:scrgbClr r="0" g="0" b="0"/>
+        </a:fillRef>
+        <a:effectRef idx="0">
+          <a:scrgbClr r="0" g="0" b="0"/>
+        </a:effectRef>
+        <a:fontRef idx="minor"/>
+      </dsp:style>
+      <dsp:txBody>
+        <a:bodyPr spcFirstLastPara="0" vert="horz" wrap="square" lIns="131544" tIns="131544" rIns="131544" bIns="131544" numCol="1" spcCol="1270" anchor="ctr" anchorCtr="0">
+          <a:noAutofit/>
+        </a:bodyPr>
+        <a:lstStyle/>
+        <a:p>
+          <a:pPr marL="0" lvl="0" indent="0" algn="l" defTabSz="755650">
+            <a:lnSpc>
+              <a:spcPct val="100000"/>
+            </a:lnSpc>
+            <a:spcBef>
+              <a:spcPct val="0"/>
+            </a:spcBef>
+            <a:spcAft>
+              <a:spcPct val="35000"/>
+            </a:spcAft>
+            <a:buNone/>
+          </a:pPr>
+          <a:r>
+            <a:rPr lang="fr-FR" sz="1700" kern="1200"/>
+            <a:t>8 000 rpm max for stable flight ( ie video)</a:t>
+          </a:r>
+          <a:endParaRPr lang="en-US" sz="1700" kern="1200"/>
+        </a:p>
+        <a:p>
+          <a:pPr marL="0" lvl="0" indent="0" algn="l" defTabSz="755650">
+            <a:lnSpc>
+              <a:spcPct val="100000"/>
+            </a:lnSpc>
+            <a:spcBef>
+              <a:spcPct val="0"/>
+            </a:spcBef>
+            <a:spcAft>
+              <a:spcPct val="35000"/>
+            </a:spcAft>
+            <a:buNone/>
+          </a:pPr>
+          <a:r>
+            <a:rPr lang="fr-FR" sz="1700" kern="1200"/>
+            <a:t>10 000 rpm max for standard flight </a:t>
+          </a:r>
+          <a:endParaRPr lang="en-US" sz="1700" kern="1200"/>
+        </a:p>
+        <a:p>
+          <a:pPr marL="0" lvl="0" indent="0" algn="l" defTabSz="755650">
+            <a:lnSpc>
+              <a:spcPct val="100000"/>
+            </a:lnSpc>
+            <a:spcBef>
+              <a:spcPct val="0"/>
+            </a:spcBef>
+            <a:spcAft>
+              <a:spcPct val="35000"/>
+            </a:spcAft>
+            <a:buNone/>
+          </a:pPr>
+          <a:r>
+            <a:rPr lang="fr-FR" sz="1700" kern="1200"/>
+            <a:t>12 000 rpm max for race</a:t>
+          </a:r>
+          <a:endParaRPr lang="en-US" sz="1700" kern="1200"/>
+        </a:p>
+      </dsp:txBody>
+      <dsp:txXfrm>
+        <a:off x="6167610" y="531"/>
+        <a:ext cx="4347989" cy="1242935"/>
+      </dsp:txXfrm>
+    </dsp:sp>
+    <dsp:sp modelId="{151FA4D2-2C97-4933-A330-A63D2A65F354}">
+      <dsp:nvSpPr>
+        <dsp:cNvPr id="0" name=""/>
+        <dsp:cNvSpPr/>
+      </dsp:nvSpPr>
+      <dsp:spPr>
+        <a:xfrm>
+          <a:off x="0" y="1554201"/>
+          <a:ext cx="10515600" cy="1242935"/>
+        </a:xfrm>
+        <a:prstGeom prst="roundRect">
+          <a:avLst>
+            <a:gd name="adj" fmla="val 10000"/>
+          </a:avLst>
+        </a:prstGeom>
+        <a:solidFill>
+          <a:schemeClr val="accent5">
+            <a:hueOff val="-3379271"/>
+            <a:satOff val="-8710"/>
+            <a:lumOff val="-5883"/>
+            <a:alphaOff val="0"/>
+          </a:schemeClr>
+        </a:solidFill>
+        <a:ln>
+          <a:noFill/>
+        </a:ln>
+        <a:effectLst/>
+      </dsp:spPr>
+      <dsp:style>
+        <a:lnRef idx="0">
+          <a:scrgbClr r="0" g="0" b="0"/>
+        </a:lnRef>
+        <a:fillRef idx="1">
+          <a:scrgbClr r="0" g="0" b="0"/>
+        </a:fillRef>
+        <a:effectRef idx="0">
+          <a:scrgbClr r="0" g="0" b="0"/>
+        </a:effectRef>
+        <a:fontRef idx="minor"/>
+      </dsp:style>
+    </dsp:sp>
+    <dsp:sp modelId="{8FBEB701-1841-4361-A085-836834B0BAEA}">
+      <dsp:nvSpPr>
+        <dsp:cNvPr id="0" name=""/>
+        <dsp:cNvSpPr/>
+      </dsp:nvSpPr>
+      <dsp:spPr>
+        <a:xfrm>
+          <a:off x="375988" y="1833861"/>
+          <a:ext cx="683614" cy="683614"/>
+        </a:xfrm>
+        <a:prstGeom prst="rect">
+          <a:avLst/>
+        </a:prstGeom>
+        <a:blipFill>
+          <a:blip xmlns:r="http://schemas.openxmlformats.org/officeDocument/2006/relationships" r:embed="rId3">
+            <a:extLst>
+              <a:ext uri="{28A0092B-C50C-407E-A947-70E740481C1C}">
+                <a14:useLocalDpi xmlns:a14="http://schemas.microsoft.com/office/drawing/2010/main" val="0"/>
+              </a:ext>
+              <a:ext uri="{96DAC541-7B7A-43D3-8B79-37D633B846F1}">
+                <asvg:svgBlip xmlns:asvg="http://schemas.microsoft.com/office/drawing/2016/SVG/main" r:embed="rId4"/>
+              </a:ext>
+            </a:extLst>
+          </a:blip>
+          <a:stretch>
+            <a:fillRect/>
+          </a:stretch>
+        </a:blipFill>
+        <a:ln w="12700" cap="flat" cmpd="sng" algn="ctr">
+          <a:noFill/>
+          <a:prstDash val="solid"/>
+          <a:miter lim="800000"/>
+        </a:ln>
+        <a:effectLst/>
+      </dsp:spPr>
+      <dsp:style>
+        <a:lnRef idx="2">
+          <a:scrgbClr r="0" g="0" b="0"/>
+        </a:lnRef>
+        <a:fillRef idx="1">
+          <a:scrgbClr r="0" g="0" b="0"/>
+        </a:fillRef>
+        <a:effectRef idx="0">
+          <a:scrgbClr r="0" g="0" b="0"/>
+        </a:effectRef>
+        <a:fontRef idx="minor">
+          <a:schemeClr val="lt1"/>
+        </a:fontRef>
+      </dsp:style>
+    </dsp:sp>
+    <dsp:sp modelId="{B6A7F929-C7E0-49AC-B005-D2BA3C6F1923}">
+      <dsp:nvSpPr>
+        <dsp:cNvPr id="0" name=""/>
+        <dsp:cNvSpPr/>
+      </dsp:nvSpPr>
+      <dsp:spPr>
+        <a:xfrm>
+          <a:off x="1435590" y="1554201"/>
+          <a:ext cx="4732020" cy="1242935"/>
+        </a:xfrm>
+        <a:prstGeom prst="rect">
+          <a:avLst/>
+        </a:prstGeom>
+        <a:noFill/>
+        <a:ln>
+          <a:noFill/>
+        </a:ln>
+        <a:effectLst/>
+      </dsp:spPr>
+      <dsp:style>
+        <a:lnRef idx="0">
+          <a:scrgbClr r="0" g="0" b="0"/>
+        </a:lnRef>
+        <a:fillRef idx="0">
+          <a:scrgbClr r="0" g="0" b="0"/>
+        </a:fillRef>
+        <a:effectRef idx="0">
+          <a:scrgbClr r="0" g="0" b="0"/>
+        </a:effectRef>
+        <a:fontRef idx="minor"/>
+      </dsp:style>
+      <dsp:txBody>
+        <a:bodyPr spcFirstLastPara="0" vert="horz" wrap="square" lIns="131544" tIns="131544" rIns="131544" bIns="131544" numCol="1" spcCol="1270" anchor="ctr" anchorCtr="0">
+          <a:noAutofit/>
+        </a:bodyPr>
+        <a:lstStyle/>
+        <a:p>
+          <a:pPr marL="0" lvl="0" indent="0" algn="l" defTabSz="1111250">
+            <a:lnSpc>
+              <a:spcPct val="100000"/>
+            </a:lnSpc>
+            <a:spcBef>
+              <a:spcPct val="0"/>
+            </a:spcBef>
+            <a:spcAft>
+              <a:spcPct val="35000"/>
+            </a:spcAft>
+            <a:buNone/>
+          </a:pPr>
+          <a:r>
+            <a:rPr lang="fr-FR" sz="2500" kern="1200"/>
+            <a:t>Using 3S Lipo of 11,1V</a:t>
+          </a:r>
+          <a:endParaRPr lang="en-US" sz="2500" kern="1200" dirty="0"/>
+        </a:p>
+      </dsp:txBody>
+      <dsp:txXfrm>
+        <a:off x="1435590" y="1554201"/>
+        <a:ext cx="4732020" cy="1242935"/>
+      </dsp:txXfrm>
+    </dsp:sp>
+    <dsp:sp modelId="{4391638E-98E0-4235-9346-4844A62AA748}">
+      <dsp:nvSpPr>
+        <dsp:cNvPr id="0" name=""/>
+        <dsp:cNvSpPr/>
+      </dsp:nvSpPr>
+      <dsp:spPr>
+        <a:xfrm>
+          <a:off x="6167610" y="1554201"/>
+          <a:ext cx="4347989" cy="1242935"/>
+        </a:xfrm>
+        <a:prstGeom prst="rect">
+          <a:avLst/>
+        </a:prstGeom>
+        <a:noFill/>
+        <a:ln>
+          <a:noFill/>
+        </a:ln>
+        <a:effectLst/>
+      </dsp:spPr>
+      <dsp:style>
+        <a:lnRef idx="0">
+          <a:scrgbClr r="0" g="0" b="0"/>
+        </a:lnRef>
+        <a:fillRef idx="0">
+          <a:scrgbClr r="0" g="0" b="0"/>
+        </a:fillRef>
+        <a:effectRef idx="0">
+          <a:scrgbClr r="0" g="0" b="0"/>
+        </a:effectRef>
+        <a:fontRef idx="minor"/>
+      </dsp:style>
+      <dsp:txBody>
+        <a:bodyPr spcFirstLastPara="0" vert="horz" wrap="square" lIns="131544" tIns="131544" rIns="131544" bIns="131544" numCol="1" spcCol="1270" anchor="ctr" anchorCtr="0">
+          <a:noAutofit/>
+        </a:bodyPr>
+        <a:lstStyle/>
+        <a:p>
+          <a:pPr marL="0" lvl="0" indent="0" algn="l" defTabSz="755650">
+            <a:lnSpc>
+              <a:spcPct val="100000"/>
+            </a:lnSpc>
+            <a:spcBef>
+              <a:spcPct val="0"/>
+            </a:spcBef>
+            <a:spcAft>
+              <a:spcPct val="35000"/>
+            </a:spcAft>
+            <a:buNone/>
+          </a:pPr>
+          <a:r>
+            <a:rPr lang="fr-FR" sz="1700" kern="1200"/>
+            <a:t>8000 tours / 11.1V ≈ 720KV</a:t>
+          </a:r>
+          <a:endParaRPr lang="en-US" sz="1700" kern="1200"/>
+        </a:p>
+        <a:p>
+          <a:pPr marL="0" lvl="0" indent="0" algn="l" defTabSz="755650">
+            <a:lnSpc>
+              <a:spcPct val="100000"/>
+            </a:lnSpc>
+            <a:spcBef>
+              <a:spcPct val="0"/>
+            </a:spcBef>
+            <a:spcAft>
+              <a:spcPct val="35000"/>
+            </a:spcAft>
+            <a:buNone/>
+          </a:pPr>
+          <a:r>
+            <a:rPr lang="fr-FR" sz="1700" kern="1200"/>
+            <a:t>10000 tours /11.1V ≈ 900KV</a:t>
+          </a:r>
+          <a:endParaRPr lang="en-US" sz="1700" kern="1200"/>
+        </a:p>
+        <a:p>
+          <a:pPr marL="0" lvl="0" indent="0" algn="l" defTabSz="755650">
+            <a:lnSpc>
+              <a:spcPct val="100000"/>
+            </a:lnSpc>
+            <a:spcBef>
+              <a:spcPct val="0"/>
+            </a:spcBef>
+            <a:spcAft>
+              <a:spcPct val="35000"/>
+            </a:spcAft>
+            <a:buNone/>
+          </a:pPr>
+          <a:r>
+            <a:rPr lang="fr-FR" sz="1700" kern="1200"/>
+            <a:t>12000 tours / 11.1V ≈ 1100KV</a:t>
+          </a:r>
+          <a:endParaRPr lang="en-US" sz="1700" kern="1200"/>
+        </a:p>
+      </dsp:txBody>
+      <dsp:txXfrm>
+        <a:off x="6167610" y="1554201"/>
+        <a:ext cx="4347989" cy="1242935"/>
+      </dsp:txXfrm>
+    </dsp:sp>
+    <dsp:sp modelId="{53309874-C3A5-4299-BF2C-6CDC8522AB06}">
+      <dsp:nvSpPr>
+        <dsp:cNvPr id="0" name=""/>
+        <dsp:cNvSpPr/>
+      </dsp:nvSpPr>
+      <dsp:spPr>
+        <a:xfrm>
+          <a:off x="0" y="3107870"/>
+          <a:ext cx="10515600" cy="1242935"/>
+        </a:xfrm>
+        <a:prstGeom prst="roundRect">
+          <a:avLst>
+            <a:gd name="adj" fmla="val 10000"/>
+          </a:avLst>
+        </a:prstGeom>
+        <a:solidFill>
+          <a:schemeClr val="accent5">
+            <a:hueOff val="-6758543"/>
+            <a:satOff val="-17419"/>
+            <a:lumOff val="-11765"/>
+            <a:alphaOff val="0"/>
+          </a:schemeClr>
+        </a:solidFill>
+        <a:ln>
+          <a:noFill/>
+        </a:ln>
+        <a:effectLst/>
+      </dsp:spPr>
+      <dsp:style>
+        <a:lnRef idx="0">
+          <a:scrgbClr r="0" g="0" b="0"/>
+        </a:lnRef>
+        <a:fillRef idx="1">
+          <a:scrgbClr r="0" g="0" b="0"/>
+        </a:fillRef>
+        <a:effectRef idx="0">
+          <a:scrgbClr r="0" g="0" b="0"/>
+        </a:effectRef>
+        <a:fontRef idx="minor"/>
+      </dsp:style>
+    </dsp:sp>
+    <dsp:sp modelId="{5DEB4701-63C5-44BF-8B64-8ADF35CFF57F}">
+      <dsp:nvSpPr>
+        <dsp:cNvPr id="0" name=""/>
+        <dsp:cNvSpPr/>
+      </dsp:nvSpPr>
+      <dsp:spPr>
+        <a:xfrm>
+          <a:off x="375988" y="3387531"/>
+          <a:ext cx="683614" cy="683614"/>
+        </a:xfrm>
+        <a:prstGeom prst="rect">
+          <a:avLst/>
+        </a:prstGeom>
+        <a:blipFill>
+          <a:blip xmlns:r="http://schemas.openxmlformats.org/officeDocument/2006/relationships" r:embed="rId5">
+            <a:extLst>
+              <a:ext uri="{28A0092B-C50C-407E-A947-70E740481C1C}">
+                <a14:useLocalDpi xmlns:a14="http://schemas.microsoft.com/office/drawing/2010/main" val="0"/>
+              </a:ext>
+              <a:ext uri="{96DAC541-7B7A-43D3-8B79-37D633B846F1}">
+                <asvg:svgBlip xmlns:asvg="http://schemas.microsoft.com/office/drawing/2016/SVG/main" r:embed="rId6"/>
+              </a:ext>
+            </a:extLst>
+          </a:blip>
+          <a:stretch>
+            <a:fillRect/>
+          </a:stretch>
+        </a:blipFill>
+        <a:ln w="12700" cap="flat" cmpd="sng" algn="ctr">
+          <a:noFill/>
+          <a:prstDash val="solid"/>
+          <a:miter lim="800000"/>
+        </a:ln>
+        <a:effectLst/>
+      </dsp:spPr>
+      <dsp:style>
+        <a:lnRef idx="2">
+          <a:scrgbClr r="0" g="0" b="0"/>
+        </a:lnRef>
+        <a:fillRef idx="1">
+          <a:scrgbClr r="0" g="0" b="0"/>
+        </a:fillRef>
+        <a:effectRef idx="0">
+          <a:scrgbClr r="0" g="0" b="0"/>
+        </a:effectRef>
+        <a:fontRef idx="minor">
+          <a:schemeClr val="lt1"/>
+        </a:fontRef>
+      </dsp:style>
+    </dsp:sp>
+    <dsp:sp modelId="{68D345E8-5387-415D-8159-A48702A62606}">
+      <dsp:nvSpPr>
+        <dsp:cNvPr id="0" name=""/>
+        <dsp:cNvSpPr/>
+      </dsp:nvSpPr>
+      <dsp:spPr>
+        <a:xfrm>
+          <a:off x="1435590" y="3107870"/>
+          <a:ext cx="9080009" cy="1242935"/>
+        </a:xfrm>
+        <a:prstGeom prst="rect">
+          <a:avLst/>
+        </a:prstGeom>
+        <a:noFill/>
+        <a:ln>
+          <a:noFill/>
+        </a:ln>
+        <a:effectLst/>
+      </dsp:spPr>
+      <dsp:style>
+        <a:lnRef idx="0">
+          <a:scrgbClr r="0" g="0" b="0"/>
+        </a:lnRef>
+        <a:fillRef idx="0">
+          <a:scrgbClr r="0" g="0" b="0"/>
+        </a:fillRef>
+        <a:effectRef idx="0">
+          <a:scrgbClr r="0" g="0" b="0"/>
+        </a:effectRef>
+        <a:fontRef idx="minor"/>
+      </dsp:style>
+      <dsp:txBody>
+        <a:bodyPr spcFirstLastPara="0" vert="horz" wrap="square" lIns="131544" tIns="131544" rIns="131544" bIns="131544" numCol="1" spcCol="1270" anchor="ctr" anchorCtr="0">
+          <a:noAutofit/>
+        </a:bodyPr>
+        <a:lstStyle/>
+        <a:p>
+          <a:pPr marL="0" lvl="0" indent="0" algn="l" defTabSz="1111250">
+            <a:lnSpc>
+              <a:spcPct val="100000"/>
+            </a:lnSpc>
+            <a:spcBef>
+              <a:spcPct val="0"/>
+            </a:spcBef>
+            <a:spcAft>
+              <a:spcPct val="35000"/>
+            </a:spcAft>
+            <a:buNone/>
+          </a:pPr>
+          <a:r>
+            <a:rPr lang="en-US" sz="2500" kern="1200" dirty="0"/>
+            <a:t>I have </a:t>
+          </a:r>
+          <a:r>
+            <a:rPr lang="fr-FR" sz="2500" kern="1200" dirty="0" err="1"/>
+            <a:t>selected</a:t>
+          </a:r>
+          <a:r>
+            <a:rPr lang="fr-FR" sz="2500" kern="1200" dirty="0"/>
+            <a:t>:</a:t>
+          </a:r>
+          <a:r>
+            <a:rPr lang="en-US" sz="2500" kern="1200" dirty="0"/>
+            <a:t> </a:t>
+          </a:r>
+          <a:r>
+            <a:rPr lang="en-US" sz="2500" b="1" kern="1200" dirty="0"/>
+            <a:t>920kv</a:t>
+          </a:r>
+          <a:endParaRPr lang="en-US" sz="2500" kern="1200" dirty="0"/>
+        </a:p>
+      </dsp:txBody>
+      <dsp:txXfrm>
+        <a:off x="1435590" y="3107870"/>
+        <a:ext cx="9080009" cy="1242935"/>
+      </dsp:txXfrm>
+    </dsp:sp>
+  </dsp:spTree>
+</dsp:drawing>
+</file>
+
+<file path=ppt/diagrams/layout1.xml><?xml version="1.0" encoding="utf-8"?>
+<dgm:layoutDef xmlns:dgm="http://schemas.openxmlformats.org/drawingml/2006/diagram" xmlns:a="http://schemas.openxmlformats.org/drawingml/2006/main" uniqueId="urn:microsoft.com/office/officeart/2018/2/layout/IconVerticalSolidList">
+  <dgm:title val="Icon Vertical Solid List"/>
+  <dgm:desc val="Use to show a series of visuals from top to bottom with Level 1 or Level 1 and Level 2 text grouped in a shape. Works best with icons or small pictures with lengthier descriptions."/>
+  <dgm:catLst>
+    <dgm:cat type="icon" pri="500"/>
+  </dgm:catLst>
+  <dgm:sampData useDef="1">
+    <dgm:dataModel>
+      <dgm:ptLst/>
+      <dgm:bg/>
+      <dgm:whole/>
+    </dgm:dataModel>
+  </dgm:sampData>
+  <dgm:styleData useDef="1">
+    <dgm:dataModel>
+      <dgm:ptLst/>
+      <dgm:bg/>
+      <dgm:whole/>
+    </dgm:dataModel>
+  </dgm:styleData>
+  <dgm:clrData useDef="1">
+    <dgm:dataModel>
+      <dgm:ptLst/>
+      <dgm:bg/>
+      <dgm:whole/>
+    </dgm:dataModel>
+  </dgm:clrData>
+  <dgm:layoutNode name="root">
+    <dgm:varLst>
+      <dgm:dir/>
+      <dgm:resizeHandles val="exact"/>
+    </dgm:varLst>
+    <dgm:choose name="Name0">
+      <dgm:if name="Name1" axis="self" func="var" arg="dir" op="equ" val="norm">
+        <dgm:alg type="lin">
+          <dgm:param type="linDir" val="fromT"/>
+          <dgm:param type="nodeHorzAlign" val="l"/>
+        </dgm:alg>
+      </dgm:if>
+      <dgm:else name="Name2">
+        <dgm:alg type="lin">
+          <dgm:param type="linDir" val="fromT"/>
+          <dgm:param type="nodeHorzAlign" val="r"/>
+        </dgm:alg>
+      </dgm:else>
+    </dgm:choose>
+    <dgm:shape xmlns:r="http://schemas.openxmlformats.org/officeDocument/2006/relationships" r:blip="">
+      <dgm:adjLst/>
+    </dgm:shape>
+    <dgm:presOf/>
+    <dgm:choose name="Name3">
+      <dgm:if name="Name4" axis="ch" ptType="node" func="cnt" op="lte" val="3">
+        <dgm:constrLst>
+          <dgm:constr type="h" for="ch" forName="compNode" refType="h" fact="0.3"/>
+          <dgm:constr type="w" for="ch" forName="compNode" refType="w"/>
+          <dgm:constr type="h" for="ch" forName="sibTrans" refType="h" refFor="ch" refForName="compNode" fact="0.25"/>
+          <dgm:constr type="primFontSz" for="des" forName="parTx" val="25"/>
+          <dgm:constr type="primFontSz" for="des" forName="desTx" refType="primFontSz" refFor="des" refForName="parTx" op="lte" fact="0.75"/>
+          <dgm:constr type="h" for="des" forName="compNode" op="equ"/>
+          <dgm:constr type="h" for="des" forName="bgRect" op="equ"/>
+          <dgm:constr type="h" for="des" forName="iconRect" op="equ"/>
+          <dgm:constr type="w" for="des" forName="iconRect" op="equ"/>
+          <dgm:constr type="h" for="des" forName="spaceRect" op="equ"/>
+          <dgm:constr type="h" for="des" forName="parTx" op="equ"/>
+          <dgm:constr type="h" for="des" forName="desTx" op="equ"/>
+        </dgm:constrLst>
+      </dgm:if>
+      <dgm:if name="Name5" axis="ch" ptType="node" func="cnt" op="lte" val="4">
+        <dgm:constrLst>
+          <dgm:constr type="h" for="ch" forName="compNode" refType="h" fact="0.3"/>
+          <dgm:constr type="w" for="ch" forName="compNode" refType="w"/>
+          <dgm:constr type="h" for="ch" forName="sibTrans" refType="h" refFor="ch" refForName="compNode" fact="0.25"/>
+          <dgm:constr type="primFontSz" for="des" forName="parTx" val="22"/>
+          <dgm:constr type="primFontSz" for="des" forName="desTx" refType="primFontSz" refFor="des" refForName="parTx" op="lte" fact="0.75"/>
+          <dgm:constr type="h" for="des" forName="compNode" op="equ"/>
+          <dgm:constr type="h" for="des" forName="bgRect" op="equ"/>
+          <dgm:constr type="h" for="des" forName="iconRect" op="equ"/>
+          <dgm:constr type="w" for="des" forName="iconRect" op="equ"/>
+          <dgm:constr type="h" for="des" forName="spaceRect" op="equ"/>
+          <dgm:constr type="h" for="des" forName="parTx" op="equ"/>
+          <dgm:constr type="h" for="des" forName="desTx" op="equ"/>
+        </dgm:constrLst>
+      </dgm:if>
+      <dgm:if name="Name6" axis="ch" ptType="node" func="cnt" op="lte" val="6">
+        <dgm:constrLst>
+          <dgm:constr type="h" for="ch" forName="compNode" refType="h" fact="0.3"/>
+          <dgm:constr type="w" for="ch" forName="compNode" refType="w"/>
+          <dgm:constr type="h" for="ch" forName="sibTrans" refType="h" refFor="ch" refForName="compNode" fact="0.25"/>
+          <dgm:constr type="primFontSz" for="des" forName="parTx" val="19"/>
+          <dgm:constr type="primFontSz" for="des" forName="desTx" refType="primFontSz" refFor="des" refForName="parTx" op="lte" fact="0.75"/>
+          <dgm:constr type="h" for="des" forName="compNode" op="equ"/>
+          <dgm:constr type="h" for="des" forName="bgRect" op="equ"/>
+          <dgm:constr type="h" for="des" forName="iconRect" op="equ"/>
+          <dgm:constr type="w" for="des" forName="iconRect" op="equ"/>
+          <dgm:constr type="h" for="des" forName="spaceRect" op="equ"/>
+          <dgm:constr type="h" for="des" forName="parTx" op="equ"/>
+          <dgm:constr type="h" for="des" forName="desTx" op="equ"/>
+        </dgm:constrLst>
+      </dgm:if>
+      <dgm:else name="Name7">
+        <dgm:constrLst>
+          <dgm:constr type="h" for="ch" forName="compNode" refType="h" fact="0.3"/>
+          <dgm:constr type="w" for="ch" forName="compNode" refType="w"/>
+          <dgm:constr type="h" for="ch" forName="sibTrans" refType="h" refFor="ch" refForName="compNode" fact="0.25"/>
+          <dgm:constr type="primFontSz" for="des" forName="parTx" val="16"/>
+          <dgm:constr type="primFontSz" for="des" forName="desTx" refType="primFontSz" refFor="des" refForName="parTx" op="lte" fact="0.75"/>
+          <dgm:constr type="h" for="des" forName="compNode" op="equ"/>
+          <dgm:constr type="h" for="des" forName="bgRect" op="equ"/>
+          <dgm:constr type="h" for="des" forName="iconRect" op="equ"/>
+          <dgm:constr type="w" for="des" forName="iconRect" op="equ"/>
+          <dgm:constr type="h" for="des" forName="spaceRect" op="equ"/>
+          <dgm:constr type="h" for="des" forName="parTx" op="equ"/>
+          <dgm:constr type="h" for="des" forName="desTx" op="equ"/>
+        </dgm:constrLst>
+      </dgm:else>
+    </dgm:choose>
+    <dgm:ruleLst>
+      <dgm:rule type="h" for="ch" forName="compNode" val="0" fact="NaN" max="NaN"/>
+    </dgm:ruleLst>
+    <dgm:forEach name="Name8" axis="ch" ptType="node">
+      <dgm:layoutNode name="compNode">
+        <dgm:alg type="composite"/>
+        <dgm:shape xmlns:r="http://schemas.openxmlformats.org/officeDocument/2006/relationships" r:blip="">
+          <dgm:adjLst/>
+        </dgm:shape>
+        <dgm:presOf axis="self"/>
+        <dgm:choose name="Name9">
+          <dgm:if name="Name10" axis="ch" ptType="node" func="cnt" op="gte" val="1">
+            <dgm:constrLst>
+              <dgm:constr type="w" for="ch" forName="bgRect" refType="w"/>
+              <dgm:constr type="h" for="ch" forName="bgRect" refType="h"/>
+              <dgm:constr type="l" for="ch" forName="bgRect"/>
+              <dgm:constr type="t" for="ch" forName="bgRect"/>
+              <dgm:constr type="h" for="ch" forName="iconRect" refType="h" fact="0.55"/>
+              <dgm:constr type="w" for="ch" forName="iconRect" refType="h" refFor="ch" refForName="iconRect"/>
+              <dgm:constr type="l" for="ch" forName="iconRect" refType="h" refFor="ch" refForName="iconRect" fact="0.55"/>
+              <dgm:constr type="ctrY" for="ch" forName="iconRect" refType="ctrY" refFor="ch" refForName="bgRect"/>
+              <dgm:constr type="w" for="ch" forName="spaceRect" refType="l" refFor="ch" refForName="iconRect"/>
+              <dgm:constr type="h" for="ch" forName="spaceRect" refType="h"/>
+              <dgm:constr type="l" for="ch" forName="spaceRect" refType="r" refFor="ch" refForName="iconRect"/>
+              <dgm:constr type="t" for="ch" forName="spaceRect"/>
+              <dgm:constr type="w" for="ch" forName="parTx" refType="w" fact="0.45"/>
+              <dgm:constr type="h" for="ch" forName="parTx" refType="h"/>
+              <dgm:constr type="l" for="ch" forName="parTx" refType="r" refFor="ch" refForName="spaceRect"/>
+              <dgm:constr type="t" for="ch" forName="parTx"/>
+              <dgm:constr type="h" for="ch" forName="desTx" refType="h"/>
+              <dgm:constr type="l" for="ch" forName="desTx" refType="r" refFor="ch" refForName="parTx"/>
+              <dgm:constr type="t" for="ch" forName="desTx"/>
+            </dgm:constrLst>
+          </dgm:if>
+          <dgm:else name="Name11">
+            <dgm:constrLst>
+              <dgm:constr type="w" for="ch" forName="bgRect" refType="w"/>
+              <dgm:constr type="h" for="ch" forName="bgRect" refType="h"/>
+              <dgm:constr type="l" for="ch" forName="bgRect"/>
+              <dgm:constr type="t" for="ch" forName="bgRect"/>
+              <dgm:constr type="h" for="ch" forName="iconRect" refType="h" fact="0.55"/>
+              <dgm:constr type="w" for="ch" forName="iconRect" refType="h" refFor="ch" refForName="iconRect"/>
+              <dgm:constr type="l" for="ch" forName="iconRect" refType="h" refFor="ch" refForName="iconRect" fact="0.55"/>
+              <dgm:constr type="ctrY" for="ch" forName="iconRect" refType="ctrY" refFor="ch" refForName="bgRect"/>
+              <dgm:constr type="w" for="ch" forName="spaceRect" refType="l" refFor="ch" refForName="iconRect"/>
+              <dgm:constr type="h" for="ch" forName="spaceRect" refType="h"/>
+              <dgm:constr type="l" for="ch" forName="spaceRect" refType="r" refFor="ch" refForName="iconRect"/>
+              <dgm:constr type="t" for="ch" forName="spaceRect"/>
+              <dgm:constr type="h" for="ch" forName="parTx" refType="h"/>
+              <dgm:constr type="l" for="ch" forName="parTx" refType="r" refFor="ch" refForName="spaceRect"/>
+              <dgm:constr type="t" for="ch" forName="parTx"/>
+            </dgm:constrLst>
+          </dgm:else>
+        </dgm:choose>
+        <dgm:ruleLst>
+          <dgm:rule type="h" val="INF" fact="NaN" max="NaN"/>
+        </dgm:ruleLst>
+        <dgm:layoutNode name="bgRect" styleLbl="bgShp">
+          <dgm:alg type="sp"/>
+          <dgm:shape xmlns:r="http://schemas.openxmlformats.org/officeDocument/2006/relationships" type="roundRect" r:blip="">
+            <dgm:adjLst>
+              <dgm:adj idx="1" val="0.1"/>
+            </dgm:adjLst>
+          </dgm:shape>
+          <dgm:presOf/>
+          <dgm:constrLst/>
+          <dgm:ruleLst/>
+        </dgm:layoutNode>
+        <dgm:layoutNode name="iconRect" styleLbl="node1">
+          <dgm:alg type="sp"/>
+          <dgm:shape xmlns:r="http://schemas.openxmlformats.org/officeDocument/2006/relationships" type="rect" r:blip="" blipPhldr="1">
+            <dgm:adjLst/>
+          </dgm:shape>
+          <dgm:presOf/>
+          <dgm:constrLst/>
+          <dgm:ruleLst/>
+        </dgm:layoutNode>
+        <dgm:layoutNode name="spaceRect">
+          <dgm:alg type="sp"/>
+          <dgm:shape xmlns:r="http://schemas.openxmlformats.org/officeDocument/2006/relationships" r:blip="">
+            <dgm:adjLst/>
+          </dgm:shape>
+          <dgm:presOf/>
+          <dgm:constrLst/>
+          <dgm:ruleLst/>
+        </dgm:layoutNode>
+        <dgm:layoutNode name="parTx" styleLbl="revTx">
+          <dgm:varLst>
+            <dgm:chMax val="0"/>
+            <dgm:chPref val="0"/>
+          </dgm:varLst>
+          <dgm:alg type="tx">
+            <dgm:param type="txAnchorVert" val="mid"/>
+            <dgm:param type="parTxLTRAlign" val="l"/>
+            <dgm:param type="shpTxLTRAlignCh" val="l"/>
+            <dgm:param type="parTxRTLAlign" val="r"/>
+            <dgm:param type="shpTxRTLAlignCh" val="r"/>
+          </dgm:alg>
+          <dgm:shape xmlns:r="http://schemas.openxmlformats.org/officeDocument/2006/relationships" type="rect" r:blip="">
+            <dgm:adjLst/>
+          </dgm:shape>
+          <dgm:presOf axis="self" ptType="node"/>
+          <dgm:constrLst>
+            <dgm:constr type="lMarg" refType="h" fact="0.3"/>
+            <dgm:constr type="rMarg" refType="h" fact="0.3"/>
+            <dgm:constr type="tMarg" refType="h" fact="0.3"/>
+            <dgm:constr type="bMarg" refType="h" fact="0.3"/>
+          </dgm:constrLst>
+          <dgm:ruleLst>
+            <dgm:rule type="primFontSz" val="14" fact="NaN" max="NaN"/>
+            <dgm:rule type="h" val="INF" fact="NaN" max="NaN"/>
+          </dgm:ruleLst>
+        </dgm:layoutNode>
+        <dgm:choose name="Name12">
+          <dgm:if name="Name13" axis="ch" ptType="node" func="cnt" op="gte" val="1">
+            <dgm:layoutNode name="desTx" styleLbl="revTx">
+              <dgm:varLst/>
+              <dgm:alg type="tx">
+                <dgm:param type="txAnchorVertCh" val="mid"/>
+                <dgm:param type="parTxLTRAlign" val="l"/>
+                <dgm:param type="shpTxLTRAlignCh" val="l"/>
+                <dgm:param type="parTxRTLAlign" val="r"/>
+                <dgm:param type="shpTxRTLAlignCh" val="r"/>
+                <dgm:param type="stBulletLvl" val="0"/>
+              </dgm:alg>
+              <dgm:shape xmlns:r="http://schemas.openxmlformats.org/officeDocument/2006/relationships" type="rect" r:blip="">
+                <dgm:adjLst/>
+              </dgm:shape>
+              <dgm:presOf axis="des" ptType="node"/>
+              <dgm:constrLst>
+                <dgm:constr type="primFontSz" val="18"/>
+                <dgm:constr type="secFontSz" refType="primFontSz"/>
+                <dgm:constr type="lMarg" refType="h" fact="0.3"/>
+                <dgm:constr type="rMarg" refType="h" fact="0.3"/>
+                <dgm:constr type="tMarg" refType="h" fact="0.3"/>
+                <dgm:constr type="bMarg" refType="h" fact="0.3"/>
+              </dgm:constrLst>
+              <dgm:ruleLst>
+                <dgm:rule type="primFontSz" val="11" fact="NaN" max="NaN"/>
+              </dgm:ruleLst>
+            </dgm:layoutNode>
+          </dgm:if>
+          <dgm:else name="Name14"/>
+        </dgm:choose>
+      </dgm:layoutNode>
+      <dgm:forEach name="Name15" axis="followSib" ptType="sibTrans" cnt="1">
+        <dgm:layoutNode name="sibTrans">
+          <dgm:alg type="sp"/>
+          <dgm:shape xmlns:r="http://schemas.openxmlformats.org/officeDocument/2006/relationships" r:blip="">
+            <dgm:adjLst/>
+          </dgm:shape>
+          <dgm:presOf axis="self"/>
+          <dgm:constrLst/>
+          <dgm:ruleLst/>
+        </dgm:layoutNode>
+      </dgm:forEach>
+    </dgm:forEach>
+  </dgm:layoutNode>
+  <dgm:extLst>
+    <a:ext uri="{68A01E43-0DF5-4B5B-8FA6-DAF915123BFB}">
+      <dgm1612:lstStyle xmlns:dgm1612="http://schemas.microsoft.com/office/drawing/2016/12/diagram">
+        <a:lvl1pPr>
+          <a:lnSpc>
+            <a:spcPct val="100000"/>
+          </a:lnSpc>
+        </a:lvl1pPr>
+        <a:lvl2pPr>
+          <a:lnSpc>
+            <a:spcPct val="100000"/>
+          </a:lnSpc>
+        </a:lvl2pPr>
+      </dgm1612:lstStyle>
+    </a:ext>
+  </dgm:extLst>
+</dgm:layoutDef>
+</file>
+
+<file path=ppt/diagrams/quickStyle1.xml><?xml version="1.0" encoding="utf-8"?>
+<dgm:styleDef xmlns:dgm="http://schemas.openxmlformats.org/drawingml/2006/diagram" xmlns:a="http://schemas.openxmlformats.org/drawingml/2006/main" uniqueId="urn:microsoft.com/office/officeart/2005/8/quickstyle/simple1">
+  <dgm:title val=""/>
+  <dgm:desc val=""/>
+  <dgm:catLst>
+    <dgm:cat type="simple" pri="10100"/>
+  </dgm:catLst>
+  <dgm:scene3d>
+    <a:camera prst="orthographicFront"/>
+    <a:lightRig rig="threePt" dir="t"/>
+  </dgm:scene3d>
+  <dgm:styleLbl name="node0">
+    <dgm:scene3d>
+      <a:camera prst="orthographicFront"/>
+      <a:lightRig rig="threePt" dir="t"/>
+    </dgm:scene3d>
+    <dgm:sp3d/>
+    <dgm:txPr/>
+    <dgm:style>
+      <a:lnRef idx="2">
+        <a:scrgbClr r="0" g="0" b="0"/>
+      </a:lnRef>
+      <a:fillRef idx="1">
+        <a:scrgbClr r="0" g="0" b="0"/>
+      </a:fillRef>
+      <a:effectRef idx="0">
+        <a:scrgbClr r="0" g="0" b="0"/>
+      </a:effectRef>
+      <a:fontRef idx="minor">
+        <a:schemeClr val="lt1"/>
+      </a:fontRef>
+    </dgm:style>
+  </dgm:styleLbl>
+  <dgm:styleLbl name="lnNode1">
+    <dgm:scene3d>
+      <a:camera prst="orthographicFront"/>
+      <a:lightRig rig="threePt" dir="t"/>
+    </dgm:scene3d>
+    <dgm:sp3d/>
+    <dgm:txPr/>
+    <dgm:style>
+      <a:lnRef idx="2">
+        <a:scrgbClr r="0" g="0" b="0"/>
+      </a:lnRef>
+      <a:fillRef idx="1">
+        <a:scrgbClr r="0" g="0" b="0"/>
+      </a:fillRef>
+      <a:effectRef idx="0">
+        <a:scrgbClr r="0" g="0" b="0"/>
+      </a:effectRef>
+      <a:fontRef idx="minor">
+        <a:schemeClr val="lt1"/>
+      </a:fontRef>
+    </dgm:style>
+  </dgm:styleLbl>
+  <dgm:styleLbl name="vennNode1">
+    <dgm:scene3d>
+      <a:camera prst="orthographicFront"/>
+      <a:lightRig rig="threePt" dir="t"/>
+    </dgm:scene3d>
+    <dgm:sp3d/>
+    <dgm:txPr/>
+    <dgm:style>
+      <a:lnRef idx="2">
+        <a:scrgbClr r="0" g="0" b="0"/>
+      </a:lnRef>
+      <a:fillRef idx="1">
+        <a:scrgbClr r="0" g="0" b="0"/>
+      </a:fillRef>
+      <a:effectRef idx="0">
+        <a:scrgbClr r="0" g="0" b="0"/>
+      </a:effectRef>
+      <a:fontRef idx="minor">
+        <a:schemeClr val="tx1"/>
+      </a:fontRef>
+    </dgm:style>
+  </dgm:styleLbl>
+  <dgm:styleLbl name="alignNode1">
+    <dgm:scene3d>
+      <a:camera prst="orthographicFront"/>
+      <a:lightRig rig="threePt" dir="t"/>
+    </dgm:scene3d>
+    <dgm:sp3d/>
+    <dgm:txPr/>
+    <dgm:style>
+      <a:lnRef idx="2">
+        <a:scrgbClr r="0" g="0" b="0"/>
+      </a:lnRef>
+      <a:fillRef idx="1">
+        <a:scrgbClr r="0" g="0" b="0"/>
+      </a:fillRef>
+      <a:effectRef idx="0">
+        <a:scrgbClr r="0" g="0" b="0"/>
+      </a:effectRef>
+      <a:fontRef idx="minor">
+        <a:schemeClr val="lt1"/>
+      </a:fontRef>
+    </dgm:style>
+  </dgm:styleLbl>
+  <dgm:styleLbl name="node1">
+    <dgm:scene3d>
+      <a:camera prst="orthographicFront"/>
+      <a:lightRig rig="threePt" dir="t"/>
+    </dgm:scene3d>
+    <dgm:sp3d/>
+    <dgm:txPr/>
+    <dgm:style>
+      <a:lnRef idx="2">
+        <a:scrgbClr r="0" g="0" b="0"/>
+      </a:lnRef>
+      <a:fillRef idx="1">
+        <a:scrgbClr r="0" g="0" b="0"/>
+      </a:fillRef>
+      <a:effectRef idx="0">
+        <a:scrgbClr r="0" g="0" b="0"/>
+      </a:effectRef>
+      <a:fontRef idx="minor">
+        <a:schemeClr val="lt1"/>
+      </a:fontRef>
+    </dgm:style>
+  </dgm:styleLbl>
+  <dgm:styleLbl name="node2">
+    <dgm:scene3d>
+      <a:camera prst="orthographicFront"/>
+      <a:lightRig rig="threePt" dir="t"/>
+    </dgm:scene3d>
+    <dgm:sp3d/>
+    <dgm:txPr/>
+    <dgm:style>
+      <a:lnRef idx="2">
+        <a:scrgbClr r="0" g="0" b="0"/>
+      </a:lnRef>
+      <a:fillRef idx="1">
+        <a:scrgbClr r="0" g="0" b="0"/>
+      </a:fillRef>
+      <a:effectRef idx="0">
+        <a:scrgbClr r="0" g="0" b="0"/>
+      </a:effectRef>
+      <a:fontRef idx="minor">
+        <a:schemeClr val="lt1"/>
+      </a:fontRef>
+    </dgm:style>
+  </dgm:styleLbl>
+  <dgm:styleLbl name="node3">
+    <dgm:scene3d>
+      <a:camera prst="orthographicFront"/>
+      <a:lightRig rig="threePt" dir="t"/>
+    </dgm:scene3d>
+    <dgm:sp3d/>
+    <dgm:txPr/>
+    <dgm:style>
+      <a:lnRef idx="2">
+        <a:scrgbClr r="0" g="0" b="0"/>
+      </a:lnRef>
+      <a:fillRef idx="1">
+        <a:scrgbClr r="0" g="0" b="0"/>
+      </a:fillRef>
+      <a:effectRef idx="0">
+        <a:scrgbClr r="0" g="0" b="0"/>
+      </a:effectRef>
+      <a:fontRef idx="minor">
+        <a:schemeClr val="lt1"/>
+      </a:fontRef>
+    </dgm:style>
+  </dgm:styleLbl>
+  <dgm:styleLbl name="node4">
+    <dgm:scene3d>
+      <a:camera prst="orthographicFront"/>
+      <a:lightRig rig="threePt" dir="t"/>
+    </dgm:scene3d>
+    <dgm:sp3d/>
+    <dgm:txPr/>
+    <dgm:style>
+      <a:lnRef idx="2">
+        <a:scrgbClr r="0" g="0" b="0"/>
+      </a:lnRef>
+      <a:fillRef idx="1">
+        <a:scrgbClr r="0" g="0" b="0"/>
+      </a:fillRef>
+      <a:effectRef idx="0">
+        <a:scrgbClr r="0" g="0" b="0"/>
+      </a:effectRef>
+      <a:fontRef idx="minor">
+        <a:schemeClr val="lt1"/>
+      </a:fontRef>
+    </dgm:style>
+  </dgm:styleLbl>
+  <dgm:styleLbl name="fgImgPlace1">
+    <dgm:scene3d>
+      <a:camera prst="orthographicFront"/>
+      <a:lightRig rig="threePt" dir="t"/>
+    </dgm:scene3d>
+    <dgm:sp3d/>
+    <dgm:txPr/>
+    <dgm:style>
+      <a:lnRef idx="2">
+        <a:scrgbClr r="0" g="0" b="0"/>
+      </a:lnRef>
+      <a:fillRef idx="1">
+        <a:scrgbClr r="0" g="0" b="0"/>
+      </a:fillRef>
+      <a:effectRef idx="0">
+        <a:scrgbClr r="0" g="0" b="0"/>
+      </a:effectRef>
+      <a:fontRef idx="minor"/>
+    </dgm:style>
+  </dgm:styleLbl>
+  <dgm:styleLbl name="alignImgPlace1">
+    <dgm:scene3d>
+      <a:camera prst="orthographicFront"/>
+      <a:lightRig rig="threePt" dir="t"/>
+    </dgm:scene3d>
+    <dgm:sp3d/>
+    <dgm:txPr/>
+    <dgm:style>
+      <a:lnRef idx="2">
+        <a:scrgbClr r="0" g="0" b="0"/>
+      </a:lnRef>
+      <a:fillRef idx="1">
+        <a:scrgbClr r="0" g="0" b="0"/>
+      </a:fillRef>
+      <a:effectRef idx="0">
+        <a:scrgbClr r="0" g="0" b="0"/>
+      </a:effectRef>
+      <a:fontRef idx="minor"/>
+    </dgm:style>
+  </dgm:styleLbl>
+  <dgm:styleLbl name="bgImgPlace1">
+    <dgm:scene3d>
+      <a:camera prst="orthographicFront"/>
+      <a:lightRig rig="threePt" dir="t"/>
+    </dgm:scene3d>
+    <dgm:sp3d/>
+    <dgm:txPr/>
+    <dgm:style>
+      <a:lnRef idx="2">
+        <a:scrgbClr r="0" g="0" b="0"/>
+      </a:lnRef>
+      <a:fillRef idx="1">
+        <a:scrgbClr r="0" g="0" b="0"/>
+      </a:fillRef>
+      <a:effectRef idx="0">
+        <a:scrgbClr r="0" g="0" b="0"/>
+      </a:effectRef>
+      <a:fontRef idx="minor"/>
+    </dgm:style>
+  </dgm:styleLbl>
+  <dgm:styleLbl name="sibTrans2D1">
+    <dgm:scene3d>
+      <a:camera prst="orthographicFront"/>
+      <a:lightRig rig="threePt" dir="t"/>
+    </dgm:scene3d>
+    <dgm:sp3d/>
+    <dgm:txPr/>
+    <dgm:style>
+      <a:lnRef idx="0">
+        <a:scrgbClr r="0" g="0" b="0"/>
+      </a:lnRef>
+      <a:fillRef idx="1">
+        <a:scrgbClr r="0" g="0" b="0"/>
+      </a:fillRef>
+      <a:effectRef idx="0">
+        <a:scrgbClr r="0" g="0" b="0"/>
+      </a:effectRef>
+      <a:fontRef idx="minor">
+        <a:schemeClr val="lt1"/>
+      </a:fontRef>
+    </dgm:style>
+  </dgm:styleLbl>
+  <dgm:styleLbl name="fgSibTrans2D1">
+    <dgm:scene3d>
+      <a:camera prst="orthographicFront"/>
+      <a:lightRig rig="threePt" dir="t"/>
+    </dgm:scene3d>
+    <dgm:sp3d/>
+    <dgm:txPr/>
+    <dgm:style>
+      <a:lnRef idx="0">
+        <a:scrgbClr r="0" g="0" b="0"/>
+      </a:lnRef>
+      <a:fillRef idx="1">
+        <a:scrgbClr r="0" g="0" b="0"/>
+      </a:fillRef>
+      <a:effectRef idx="0">
+        <a:scrgbClr r="0" g="0" b="0"/>
+      </a:effectRef>
+      <a:fontRef idx="minor">
+        <a:schemeClr val="lt1"/>
+      </a:fontRef>
+    </dgm:style>
+  </dgm:styleLbl>
+  <dgm:styleLbl name="bgSibTrans2D1">
+    <dgm:scene3d>
+      <a:camera prst="orthographicFront"/>
+      <a:lightRig rig="threePt" dir="t"/>
+    </dgm:scene3d>
+    <dgm:sp3d/>
+    <dgm:txPr/>
+    <dgm:style>
+      <a:lnRef idx="0">
+        <a:scrgbClr r="0" g="0" b="0"/>
+      </a:lnRef>
+      <a:fillRef idx="1">
+        <a:scrgbClr r="0" g="0" b="0"/>
+      </a:fillRef>
+      <a:effectRef idx="0">
+        <a:scrgbClr r="0" g="0" b="0"/>
+      </a:effectRef>
+      <a:fontRef idx="minor">
+        <a:schemeClr val="lt1"/>
+      </a:fontRef>
+    </dgm:style>
+  </dgm:styleLbl>
+  <dgm:styleLbl name="sibTrans1D1">
+    <dgm:scene3d>
+      <a:camera prst="orthographicFront"/>
+      <a:lightRig rig="threePt" dir="t"/>
+    </dgm:scene3d>
+    <dgm:sp3d/>
+    <dgm:txPr/>
+    <dgm:style>
+      <a:lnRef idx="1">
+        <a:scrgbClr r="0" g="0" b="0"/>
+      </a:lnRef>
+      <a:fillRef idx="0">
+        <a:scrgbClr r="0" g="0" b="0"/>
+      </a:fillRef>
+      <a:effectRef idx="0">
+        <a:scrgbClr r="0" g="0" b="0"/>
+      </a:effectRef>
+      <a:fontRef idx="minor"/>
+    </dgm:style>
+  </dgm:styleLbl>
+  <dgm:styleLbl name="callout">
+    <dgm:scene3d>
+      <a:camera prst="orthographicFront"/>
+      <a:lightRig rig="threePt" dir="t"/>
+    </dgm:scene3d>
+    <dgm:sp3d/>
+    <dgm:txPr/>
+    <dgm:style>
+      <a:lnRef idx="2">
+        <a:scrgbClr r="0" g="0" b="0"/>
+      </a:lnRef>
+      <a:fillRef idx="1">
+        <a:scrgbClr r="0" g="0" b="0"/>
+      </a:fillRef>
+      <a:effectRef idx="0">
+        <a:scrgbClr r="0" g="0" b="0"/>
+      </a:effectRef>
+      <a:fontRef idx="minor"/>
+    </dgm:style>
+  </dgm:styleLbl>
+  <dgm:styleLbl name="asst0">
+    <dgm:scene3d>
+      <a:camera prst="orthographicFront"/>
+      <a:lightRig rig="threePt" dir="t"/>
+    </dgm:scene3d>
+    <dgm:sp3d/>
+    <dgm:txPr/>
+    <dgm:style>
+      <a:lnRef idx="2">
+        <a:scrgbClr r="0" g="0" b="0"/>
+      </a:lnRef>
+      <a:fillRef idx="1">
+        <a:scrgbClr r="0" g="0" b="0"/>
+      </a:fillRef>
+      <a:effectRef idx="0">
+        <a:scrgbClr r="0" g="0" b="0"/>
+      </a:effectRef>
+      <a:fontRef idx="minor">
+        <a:schemeClr val="lt1"/>
+      </a:fontRef>
+    </dgm:style>
+  </dgm:styleLbl>
+  <dgm:styleLbl name="asst1">
+    <dgm:scene3d>
+      <a:camera prst="orthographicFront"/>
+      <a:lightRig rig="threePt" dir="t"/>
+    </dgm:scene3d>
+    <dgm:sp3d/>
+    <dgm:txPr/>
+    <dgm:style>
+      <a:lnRef idx="2">
+        <a:scrgbClr r="0" g="0" b="0"/>
+      </a:lnRef>
+      <a:fillRef idx="1">
+        <a:scrgbClr r="0" g="0" b="0"/>
+      </a:fillRef>
+      <a:effectRef idx="0">
+        <a:scrgbClr r="0" g="0" b="0"/>
+      </a:effectRef>
+      <a:fontRef idx="minor">
+        <a:schemeClr val="lt1"/>
+      </a:fontRef>
+    </dgm:style>
+  </dgm:styleLbl>
+  <dgm:styleLbl name="asst2">
+    <dgm:scene3d>
+      <a:camera prst="orthographicFront"/>
+      <a:lightRig rig="threePt" dir="t"/>
+    </dgm:scene3d>
+    <dgm:sp3d/>
+    <dgm:txPr/>
+    <dgm:style>
+      <a:lnRef idx="2">
+        <a:scrgbClr r="0" g="0" b="0"/>
+      </a:lnRef>
+      <a:fillRef idx="1">
+        <a:scrgbClr r="0" g="0" b="0"/>
+      </a:fillRef>
+      <a:effectRef idx="0">
+        <a:scrgbClr r="0" g="0" b="0"/>
+      </a:effectRef>
+      <a:fontRef idx="minor">
+        <a:schemeClr val="lt1"/>
+      </a:fontRef>
+    </dgm:style>
+  </dgm:styleLbl>
+  <dgm:styleLbl name="asst3">
+    <dgm:scene3d>
+      <a:camera prst="orthographicFront"/>
+      <a:lightRig rig="threePt" dir="t"/>
+    </dgm:scene3d>
+    <dgm:sp3d/>
+    <dgm:txPr/>
+    <dgm:style>
+      <a:lnRef idx="2">
+        <a:scrgbClr r="0" g="0" b="0"/>
+      </a:lnRef>
+      <a:fillRef idx="1">
+        <a:scrgbClr r="0" g="0" b="0"/>
+      </a:fillRef>
+      <a:effectRef idx="0">
+        <a:scrgbClr r="0" g="0" b="0"/>
+      </a:effectRef>
+      <a:fontRef idx="minor">
+        <a:schemeClr val="lt1"/>
+      </a:fontRef>
+    </dgm:style>
+  </dgm:styleLbl>
+  <dgm:styleLbl name="asst4">
+    <dgm:scene3d>
+      <a:camera prst="orthographicFront"/>
+      <a:lightRig rig="threePt" dir="t"/>
+    </dgm:scene3d>
+    <dgm:sp3d/>
+    <dgm:txPr/>
+    <dgm:style>
+      <a:lnRef idx="2">
+        <a:scrgbClr r="0" g="0" b="0"/>
+      </a:lnRef>
+      <a:fillRef idx="1">
+        <a:scrgbClr r="0" g="0" b="0"/>
+      </a:fillRef>
+      <a:effectRef idx="0">
+        <a:scrgbClr r="0" g="0" b="0"/>
+      </a:effectRef>
+      <a:fontRef idx="minor">
+        <a:schemeClr val="lt1"/>
+      </a:fontRef>
+    </dgm:style>
+  </dgm:styleLbl>
+  <dgm:styleLbl name="parChTrans2D1">
+    <dgm:scene3d>
+      <a:camera prst="orthographicFront"/>
+      <a:lightRig rig="threePt" dir="t"/>
+    </dgm:scene3d>
+    <dgm:sp3d/>
+    <dgm:txPr/>
+    <dgm:style>
+      <a:lnRef idx="2">
+        <a:scrgbClr r="0" g="0" b="0"/>
+      </a:lnRef>
+      <a:fillRef idx="1">
+        <a:scrgbClr r="0" g="0" b="0"/>
+      </a:fillRef>
+      <a:effectRef idx="0">
+        <a:scrgbClr r="0" g="0" b="0"/>
+      </a:effectRef>
+      <a:fontRef idx="minor">
+        <a:schemeClr val="lt1"/>
+      </a:fontRef>
+    </dgm:style>
+  </dgm:styleLbl>
+  <dgm:styleLbl name="parChTrans2D2">
+    <dgm:scene3d>
+      <a:camera prst="orthographicFront"/>
+      <a:lightRig rig="threePt" dir="t"/>
+    </dgm:scene3d>
+    <dgm:sp3d/>
+    <dgm:txPr/>
+    <dgm:style>
+      <a:lnRef idx="2">
+        <a:scrgbClr r="0" g="0" b="0"/>
+      </a:lnRef>
+      <a:fillRef idx="1">
+        <a:scrgbClr r="0" g="0" b="0"/>
+      </a:fillRef>
+      <a:effectRef idx="0">
+        <a:scrgbClr r="0" g="0" b="0"/>
+      </a:effectRef>
+      <a:fontRef idx="minor">
+        <a:schemeClr val="lt1"/>
+      </a:fontRef>
+    </dgm:style>
+  </dgm:styleLbl>
+  <dgm:styleLbl name="parChTrans2D3">
+    <dgm:scene3d>
+      <a:camera prst="orthographicFront"/>
+      <a:lightRig rig="threePt" dir="t"/>
+    </dgm:scene3d>
+    <dgm:sp3d/>
+    <dgm:txPr/>
+    <dgm:style>
+      <a:lnRef idx="2">
+        <a:scrgbClr r="0" g="0" b="0"/>
+      </a:lnRef>
+      <a:fillRef idx="1">
+        <a:scrgbClr r="0" g="0" b="0"/>
+      </a:fillRef>
+      <a:effectRef idx="0">
+        <a:scrgbClr r="0" g="0" b="0"/>
+      </a:effectRef>
+      <a:fontRef idx="minor">
+        <a:schemeClr val="lt1"/>
+      </a:fontRef>
+    </dgm:style>
+  </dgm:styleLbl>
+  <dgm:styleLbl name="parChTrans2D4">
+    <dgm:scene3d>
+      <a:camera prst="orthographicFront"/>
+      <a:lightRig rig="threePt" dir="t"/>
+    </dgm:scene3d>
+    <dgm:sp3d/>
+    <dgm:txPr/>
+    <dgm:style>
+      <a:lnRef idx="2">
+        <a:scrgbClr r="0" g="0" b="0"/>
+      </a:lnRef>
+      <a:fillRef idx="1">
+        <a:scrgbClr r="0" g="0" b="0"/>
+      </a:fillRef>
+      <a:effectRef idx="0">
+        <a:scrgbClr r="0" g="0" b="0"/>
+      </a:effectRef>
+      <a:fontRef idx="minor">
+        <a:schemeClr val="lt1"/>
+      </a:fontRef>
+    </dgm:style>
+  </dgm:styleLbl>
+  <dgm:styleLbl name="parChTrans1D1">
+    <dgm:scene3d>
+      <a:camera prst="orthographicFront"/>
+      <a:lightRig rig="threePt" dir="t"/>
+    </dgm:scene3d>
+    <dgm:sp3d/>
+    <dgm:txPr/>
+    <dgm:style>
+      <a:lnRef idx="2">
+        <a:scrgbClr r="0" g="0" b="0"/>
+      </a:lnRef>
+      <a:fillRef idx="0">
+        <a:scrgbClr r="0" g="0" b="0"/>
+      </a:fillRef>
+      <a:effectRef idx="0">
+        <a:scrgbClr r="0" g="0" b="0"/>
+      </a:effectRef>
+      <a:fontRef idx="minor"/>
+    </dgm:style>
+  </dgm:styleLbl>
+  <dgm:styleLbl name="parChTrans1D2">
+    <dgm:scene3d>
+      <a:camera prst="orthographicFront"/>
+      <a:lightRig rig="threePt" dir="t"/>
+    </dgm:scene3d>
+    <dgm:sp3d/>
+    <dgm:txPr/>
+    <dgm:style>
+      <a:lnRef idx="2">
+        <a:scrgbClr r="0" g="0" b="0"/>
+      </a:lnRef>
+      <a:fillRef idx="0">
+        <a:scrgbClr r="0" g="0" b="0"/>
+      </a:fillRef>
+      <a:effectRef idx="0">
+        <a:scrgbClr r="0" g="0" b="0"/>
+      </a:effectRef>
+      <a:fontRef idx="minor"/>
+    </dgm:style>
+  </dgm:styleLbl>
+  <dgm:styleLbl name="parChTrans1D3">
+    <dgm:scene3d>
+      <a:camera prst="orthographicFront"/>
+      <a:lightRig rig="threePt" dir="t"/>
+    </dgm:scene3d>
+    <dgm:sp3d/>
+    <dgm:txPr/>
+    <dgm:style>
+      <a:lnRef idx="2">
+        <a:scrgbClr r="0" g="0" b="0"/>
+      </a:lnRef>
+      <a:fillRef idx="0">
+        <a:scrgbClr r="0" g="0" b="0"/>
+      </a:fillRef>
+      <a:effectRef idx="0">
+        <a:scrgbClr r="0" g="0" b="0"/>
+      </a:effectRef>
+      <a:fontRef idx="minor"/>
+    </dgm:style>
+  </dgm:styleLbl>
+  <dgm:styleLbl name="parChTrans1D4">
+    <dgm:scene3d>
+      <a:camera prst="orthographicFront"/>
+      <a:lightRig rig="threePt" dir="t"/>
+    </dgm:scene3d>
+    <dgm:sp3d/>
+    <dgm:txPr/>
+    <dgm:style>
+      <a:lnRef idx="2">
+        <a:scrgbClr r="0" g="0" b="0"/>
+      </a:lnRef>
+      <a:fillRef idx="0">
+        <a:scrgbClr r="0" g="0" b="0"/>
+      </a:fillRef>
+      <a:effectRef idx="0">
+        <a:scrgbClr r="0" g="0" b="0"/>
+      </a:effectRef>
+      <a:fontRef idx="minor"/>
+    </dgm:style>
+  </dgm:styleLbl>
+  <dgm:styleLbl name="fgAcc1">
+    <dgm:scene3d>
+      <a:camera prst="orthographicFront"/>
+      <a:lightRig rig="threePt" dir="t"/>
+    </dgm:scene3d>
+    <dgm:sp3d/>
+    <dgm:txPr/>
+    <dgm:style>
+      <a:lnRef idx="2">
+        <a:scrgbClr r="0" g="0" b="0"/>
+      </a:lnRef>
+      <a:fillRef idx="1">
+        <a:scrgbClr r="0" g="0" b="0"/>
+      </a:fillRef>
+      <a:effectRef idx="0">
+        <a:scrgbClr r="0" g="0" b="0"/>
+      </a:effectRef>
+      <a:fontRef idx="minor"/>
+    </dgm:style>
+  </dgm:styleLbl>
+  <dgm:styleLbl name="conFgAcc1">
+    <dgm:scene3d>
+      <a:camera prst="orthographicFront"/>
+      <a:lightRig rig="threePt" dir="t"/>
+    </dgm:scene3d>
+    <dgm:sp3d/>
+    <dgm:txPr/>
+    <dgm:style>
+      <a:lnRef idx="2">
+        <a:scrgbClr r="0" g="0" b="0"/>
+      </a:lnRef>
+      <a:fillRef idx="1">
+        <a:scrgbClr r="0" g="0" b="0"/>
+      </a:fillRef>
+      <a:effectRef idx="0">
+        <a:scrgbClr r="0" g="0" b="0"/>
+      </a:effectRef>
+      <a:fontRef idx="minor"/>
+    </dgm:style>
+  </dgm:styleLbl>
+  <dgm:styleLbl name="alignAcc1">
+    <dgm:scene3d>
+      <a:camera prst="orthographicFront"/>
+      <a:lightRig rig="threePt" dir="t"/>
+    </dgm:scene3d>
+    <dgm:sp3d/>
+    <dgm:txPr/>
+    <dgm:style>
+      <a:lnRef idx="2">
+        <a:scrgbClr r="0" g="0" b="0"/>
+      </a:lnRef>
+      <a:fillRef idx="1">
+        <a:scrgbClr r="0" g="0" b="0"/>
+      </a:fillRef>
+      <a:effectRef idx="0">
+        <a:scrgbClr r="0" g="0" b="0"/>
+      </a:effectRef>
+      <a:fontRef idx="minor"/>
+    </dgm:style>
+  </dgm:styleLbl>
+  <dgm:styleLbl name="trAlignAcc1">
+    <dgm:scene3d>
+      <a:camera prst="orthographicFront"/>
+      <a:lightRig rig="threePt" dir="t"/>
+    </dgm:scene3d>
+    <dgm:sp3d/>
+    <dgm:txPr/>
+    <dgm:style>
+      <a:lnRef idx="1">
+        <a:scrgbClr r="0" g="0" b="0"/>
+      </a:lnRef>
+      <a:fillRef idx="1">
+        <a:scrgbClr r="0" g="0" b="0"/>
+      </a:fillRef>
+      <a:effectRef idx="0">
+        <a:scrgbClr r="0" g="0" b="0"/>
+      </a:effectRef>
+      <a:fontRef idx="minor"/>
+    </dgm:style>
+  </dgm:styleLbl>
+  <dgm:styleLbl name="bgAcc1">
+    <dgm:scene3d>
+      <a:camera prst="orthographicFront"/>
+      <a:lightRig rig="threePt" dir="t"/>
+    </dgm:scene3d>
+    <dgm:sp3d/>
+    <dgm:txPr/>
+    <dgm:style>
+      <a:lnRef idx="2">
+        <a:scrgbClr r="0" g="0" b="0"/>
+      </a:lnRef>
+      <a:fillRef idx="1">
+        <a:scrgbClr r="0" g="0" b="0"/>
+      </a:fillRef>
+      <a:effectRef idx="0">
+        <a:scrgbClr r="0" g="0" b="0"/>
+      </a:effectRef>
+      <a:fontRef idx="minor"/>
+    </dgm:style>
+  </dgm:styleLbl>
+  <dgm:styleLbl name="solidFgAcc1">
+    <dgm:scene3d>
+      <a:camera prst="orthographicFront"/>
+      <a:lightRig rig="threePt" dir="t"/>
+    </dgm:scene3d>
+    <dgm:sp3d/>
+    <dgm:txPr/>
+    <dgm:style>
+      <a:lnRef idx="2">
+        <a:scrgbClr r="0" g="0" b="0"/>
+      </a:lnRef>
+      <a:fillRef idx="1">
+        <a:scrgbClr r="0" g="0" b="0"/>
+      </a:fillRef>
+      <a:effectRef idx="0">
+        <a:scrgbClr r="0" g="0" b="0"/>
+      </a:effectRef>
+      <a:fontRef idx="minor"/>
+    </dgm:style>
+  </dgm:styleLbl>
+  <dgm:styleLbl name="solidAlignAcc1">
+    <dgm:scene3d>
+      <a:camera prst="orthographicFront"/>
+      <a:lightRig rig="threePt" dir="t"/>
+    </dgm:scene3d>
+    <dgm:sp3d/>
+    <dgm:txPr/>
+    <dgm:style>
+      <a:lnRef idx="2">
+        <a:scrgbClr r="0" g="0" b="0"/>
+      </a:lnRef>
+      <a:fillRef idx="1">
+        <a:scrgbClr r="0" g="0" b="0"/>
+      </a:fillRef>
+      <a:effectRef idx="0">
+        <a:scrgbClr r="0" g="0" b="0"/>
+      </a:effectRef>
+      <a:fontRef idx="minor"/>
+    </dgm:style>
+  </dgm:styleLbl>
+  <dgm:styleLbl name="solidBgAcc1">
+    <dgm:scene3d>
+      <a:camera prst="orthographicFront"/>
+      <a:lightRig rig="threePt" dir="t"/>
+    </dgm:scene3d>
+    <dgm:sp3d/>
+    <dgm:txPr/>
+    <dgm:style>
+      <a:lnRef idx="2">
+        <a:scrgbClr r="0" g="0" b="0"/>
+      </a:lnRef>
+      <a:fillRef idx="1">
+        <a:scrgbClr r="0" g="0" b="0"/>
+      </a:fillRef>
+      <a:effectRef idx="0">
+        <a:scrgbClr r="0" g="0" b="0"/>
+      </a:effectRef>
+      <a:fontRef idx="minor"/>
+    </dgm:style>
+  </dgm:styleLbl>
+  <dgm:styleLbl name="fgAccFollowNode1">
+    <dgm:scene3d>
+      <a:camera prst="orthographicFront"/>
+      <a:lightRig rig="threePt" dir="t"/>
+    </dgm:scene3d>
+    <dgm:sp3d/>
+    <dgm:txPr/>
+    <dgm:style>
+      <a:lnRef idx="2">
+        <a:scrgbClr r="0" g="0" b="0"/>
+      </a:lnRef>
+      <a:fillRef idx="1">
+        <a:scrgbClr r="0" g="0" b="0"/>
+      </a:fillRef>
+      <a:effectRef idx="0">
+        <a:scrgbClr r="0" g="0" b="0"/>
+      </a:effectRef>
+      <a:fontRef idx="minor"/>
+    </dgm:style>
+  </dgm:styleLbl>
+  <dgm:styleLbl name="alignAccFollowNode1">
+    <dgm:scene3d>
+      <a:camera prst="orthographicFront"/>
+      <a:lightRig rig="threePt" dir="t"/>
+    </dgm:scene3d>
+    <dgm:sp3d/>
+    <dgm:txPr/>
+    <dgm:style>
+      <a:lnRef idx="2">
+        <a:scrgbClr r="0" g="0" b="0"/>
+      </a:lnRef>
+      <a:fillRef idx="1">
+        <a:scrgbClr r="0" g="0" b="0"/>
+      </a:fillRef>
+      <a:effectRef idx="0">
+        <a:scrgbClr r="0" g="0" b="0"/>
+      </a:effectRef>
+      <a:fontRef idx="minor"/>
+    </dgm:style>
+  </dgm:styleLbl>
+  <dgm:styleLbl name="bgAccFollowNode1">
+    <dgm:scene3d>
+      <a:camera prst="orthographicFront"/>
+      <a:lightRig rig="threePt" dir="t"/>
+    </dgm:scene3d>
+    <dgm:sp3d/>
+    <dgm:txPr/>
+    <dgm:style>
+      <a:lnRef idx="2">
+        <a:scrgbClr r="0" g="0" b="0"/>
+      </a:lnRef>
+      <a:fillRef idx="1">
+        <a:scrgbClr r="0" g="0" b="0"/>
+      </a:fillRef>
+      <a:effectRef idx="0">
+        <a:scrgbClr r="0" g="0" b="0"/>
+      </a:effectRef>
+      <a:fontRef idx="minor"/>
+    </dgm:style>
+  </dgm:styleLbl>
+  <dgm:styleLbl name="fgAcc0">
+    <dgm:scene3d>
+      <a:camera prst="orthographicFront"/>
+      <a:lightRig rig="threePt" dir="t"/>
+    </dgm:scene3d>
+    <dgm:sp3d/>
+    <dgm:txPr/>
+    <dgm:style>
+      <a:lnRef idx="2">
+        <a:scrgbClr r="0" g="0" b="0"/>
+      </a:lnRef>
+      <a:fillRef idx="1">
+        <a:scrgbClr r="0" g="0" b="0"/>
+      </a:fillRef>
+      <a:effectRef idx="0">
+        <a:scrgbClr r="0" g="0" b="0"/>
+      </a:effectRef>
+      <a:fontRef idx="minor"/>
+    </dgm:style>
+  </dgm:styleLbl>
+  <dgm:styleLbl name="fgAcc2">
+    <dgm:scene3d>
+      <a:camera prst="orthographicFront"/>
+      <a:lightRig rig="threePt" dir="t"/>
+    </dgm:scene3d>
+    <dgm:sp3d/>
+    <dgm:txPr/>
+    <dgm:style>
+      <a:lnRef idx="2">
+        <a:scrgbClr r="0" g="0" b="0"/>
+      </a:lnRef>
+      <a:fillRef idx="1">
+        <a:scrgbClr r="0" g="0" b="0"/>
+      </a:fillRef>
+      <a:effectRef idx="0">
+        <a:scrgbClr r="0" g="0" b="0"/>
+      </a:effectRef>
+      <a:fontRef idx="minor"/>
+    </dgm:style>
+  </dgm:styleLbl>
+  <dgm:styleLbl name="fgAcc3">
+    <dgm:scene3d>
+      <a:camera prst="orthographicFront"/>
+      <a:lightRig rig="threePt" dir="t"/>
+    </dgm:scene3d>
+    <dgm:sp3d/>
+    <dgm:txPr/>
+    <dgm:style>
+      <a:lnRef idx="2">
+        <a:scrgbClr r="0" g="0" b="0"/>
+      </a:lnRef>
+      <a:fillRef idx="1">
+        <a:scrgbClr r="0" g="0" b="0"/>
+      </a:fillRef>
+      <a:effectRef idx="0">
+        <a:scrgbClr r="0" g="0" b="0"/>
+      </a:effectRef>
+      <a:fontRef idx="minor"/>
+    </dgm:style>
+  </dgm:styleLbl>
+  <dgm:styleLbl name="fgAcc4">
+    <dgm:scene3d>
+      <a:camera prst="orthographicFront"/>
+      <a:lightRig rig="threePt" dir="t"/>
+    </dgm:scene3d>
+    <dgm:sp3d/>
+    <dgm:txPr/>
+    <dgm:style>
+      <a:lnRef idx="2">
+        <a:scrgbClr r="0" g="0" b="0"/>
+      </a:lnRef>
+      <a:fillRef idx="1">
+        <a:scrgbClr r="0" g="0" b="0"/>
+      </a:fillRef>
+      <a:effectRef idx="0">
+        <a:scrgbClr r="0" g="0" b="0"/>
+      </a:effectRef>
+      <a:fontRef idx="minor"/>
+    </dgm:style>
+  </dgm:styleLbl>
+  <dgm:styleLbl name="bgShp">
+    <dgm:scene3d>
+      <a:camera prst="orthographicFront"/>
+      <a:lightRig rig="threePt" dir="t"/>
+    </dgm:scene3d>
+    <dgm:sp3d/>
+    <dgm:txPr/>
+    <dgm:style>
+      <a:lnRef idx="0">
+        <a:scrgbClr r="0" g="0" b="0"/>
+      </a:lnRef>
+      <a:fillRef idx="1">
+        <a:scrgbClr r="0" g="0" b="0"/>
+      </a:fillRef>
+      <a:effectRef idx="0">
+        <a:scrgbClr r="0" g="0" b="0"/>
+      </a:effectRef>
+      <a:fontRef idx="minor"/>
+    </dgm:style>
+  </dgm:styleLbl>
+  <dgm:styleLbl name="dkBgShp">
+    <dgm:scene3d>
+      <a:camera prst="orthographicFront"/>
+      <a:lightRig rig="threePt" dir="t"/>
+    </dgm:scene3d>
+    <dgm:sp3d/>
+    <dgm:txPr/>
+    <dgm:style>
+      <a:lnRef idx="0">
+        <a:scrgbClr r="0" g="0" b="0"/>
+      </a:lnRef>
+      <a:fillRef idx="1">
+        <a:scrgbClr r="0" g="0" b="0"/>
+      </a:fillRef>
+      <a:effectRef idx="0">
+        <a:scrgbClr r="0" g="0" b="0"/>
+      </a:effectRef>
+      <a:fontRef idx="minor"/>
+    </dgm:style>
+  </dgm:styleLbl>
+  <dgm:styleLbl name="trBgShp">
+    <dgm:scene3d>
+      <a:camera prst="orthographicFront"/>
+      <a:lightRig rig="threePt" dir="t"/>
+    </dgm:scene3d>
+    <dgm:sp3d/>
+    <dgm:txPr/>
+    <dgm:style>
+      <a:lnRef idx="0">
+        <a:scrgbClr r="0" g="0" b="0"/>
+      </a:lnRef>
+      <a:fillRef idx="1">
+        <a:scrgbClr r="0" g="0" b="0"/>
+      </a:fillRef>
+      <a:effectRef idx="0">
+        <a:scrgbClr r="0" g="0" b="0"/>
+      </a:effectRef>
+      <a:fontRef idx="minor"/>
+    </dgm:style>
+  </dgm:styleLbl>
+  <dgm:styleLbl name="fgShp">
+    <dgm:scene3d>
+      <a:camera prst="orthographicFront"/>
+      <a:lightRig rig="threePt" dir="t"/>
+    </dgm:scene3d>
+    <dgm:sp3d/>
+    <dgm:txPr/>
+    <dgm:style>
+      <a:lnRef idx="2">
+        <a:scrgbClr r="0" g="0" b="0"/>
+      </a:lnRef>
+      <a:fillRef idx="1">
+        <a:scrgbClr r="0" g="0" b="0"/>
+      </a:fillRef>
+      <a:effectRef idx="0">
+        <a:scrgbClr r="0" g="0" b="0"/>
+      </a:effectRef>
+      <a:fontRef idx="minor"/>
+    </dgm:style>
+  </dgm:styleLbl>
+  <dgm:styleLbl name="revTx">
+    <dgm:scene3d>
+      <a:camera prst="orthographicFront"/>
+      <a:lightRig rig="threePt" dir="t"/>
+    </dgm:scene3d>
+    <dgm:sp3d/>
+    <dgm:txPr/>
+    <dgm:style>
+      <a:lnRef idx="0">
+        <a:scrgbClr r="0" g="0" b="0"/>
+      </a:lnRef>
+      <a:fillRef idx="0">
+        <a:scrgbClr r="0" g="0" b="0"/>
+      </a:fillRef>
+      <a:effectRef idx="0">
+        <a:scrgbClr r="0" g="0" b="0"/>
+      </a:effectRef>
+      <a:fontRef idx="minor"/>
+    </dgm:style>
+  </dgm:styleLbl>
+</dgm:styleDef>
+</file>
+
 <file path=ppt/slideLayouts/slideLayout1.xml><?xml version="1.0" encoding="utf-8"?>
 <p:sldLayout xmlns:a="http://schemas.openxmlformats.org/drawingml/2006/main" xmlns:r="http://schemas.openxmlformats.org/officeDocument/2006/relationships" xmlns:p="http://schemas.openxmlformats.org/presentationml/2006/main" type="title" preserve="1">
   <p:cSld name="Diapositive de titre">
@@ -294,7 +3730,7 @@
           <a:p>
             <a:fld id="{0717AEF8-1597-4679-8926-916E82E12B07}" type="datetimeFigureOut">
               <a:rPr lang="fr-FR" smtClean="0"/>
-              <a:t>07/06/2019</a:t>
+              <a:t>13/06/2019</a:t>
             </a:fld>
             <a:endParaRPr lang="fr-FR"/>
           </a:p>
@@ -492,7 +3928,7 @@
           <a:p>
             <a:fld id="{0717AEF8-1597-4679-8926-916E82E12B07}" type="datetimeFigureOut">
               <a:rPr lang="fr-FR" smtClean="0"/>
-              <a:t>07/06/2019</a:t>
+              <a:t>13/06/2019</a:t>
             </a:fld>
             <a:endParaRPr lang="fr-FR"/>
           </a:p>
@@ -700,7 +4136,7 @@
           <a:p>
             <a:fld id="{0717AEF8-1597-4679-8926-916E82E12B07}" type="datetimeFigureOut">
               <a:rPr lang="fr-FR" smtClean="0"/>
-              <a:t>07/06/2019</a:t>
+              <a:t>13/06/2019</a:t>
             </a:fld>
             <a:endParaRPr lang="fr-FR"/>
           </a:p>
@@ -898,7 +4334,7 @@
           <a:p>
             <a:fld id="{0717AEF8-1597-4679-8926-916E82E12B07}" type="datetimeFigureOut">
               <a:rPr lang="fr-FR" smtClean="0"/>
-              <a:t>07/06/2019</a:t>
+              <a:t>13/06/2019</a:t>
             </a:fld>
             <a:endParaRPr lang="fr-FR"/>
           </a:p>
@@ -1173,7 +4609,7 @@
           <a:p>
             <a:fld id="{0717AEF8-1597-4679-8926-916E82E12B07}" type="datetimeFigureOut">
               <a:rPr lang="fr-FR" smtClean="0"/>
-              <a:t>07/06/2019</a:t>
+              <a:t>13/06/2019</a:t>
             </a:fld>
             <a:endParaRPr lang="fr-FR"/>
           </a:p>
@@ -1438,7 +4874,7 @@
           <a:p>
             <a:fld id="{0717AEF8-1597-4679-8926-916E82E12B07}" type="datetimeFigureOut">
               <a:rPr lang="fr-FR" smtClean="0"/>
-              <a:t>07/06/2019</a:t>
+              <a:t>13/06/2019</a:t>
             </a:fld>
             <a:endParaRPr lang="fr-FR"/>
           </a:p>
@@ -1850,7 +5286,7 @@
           <a:p>
             <a:fld id="{0717AEF8-1597-4679-8926-916E82E12B07}" type="datetimeFigureOut">
               <a:rPr lang="fr-FR" smtClean="0"/>
-              <a:t>07/06/2019</a:t>
+              <a:t>13/06/2019</a:t>
             </a:fld>
             <a:endParaRPr lang="fr-FR"/>
           </a:p>
@@ -1991,7 +5427,7 @@
           <a:p>
             <a:fld id="{0717AEF8-1597-4679-8926-916E82E12B07}" type="datetimeFigureOut">
               <a:rPr lang="fr-FR" smtClean="0"/>
-              <a:t>07/06/2019</a:t>
+              <a:t>13/06/2019</a:t>
             </a:fld>
             <a:endParaRPr lang="fr-FR"/>
           </a:p>
@@ -2104,7 +5540,7 @@
           <a:p>
             <a:fld id="{0717AEF8-1597-4679-8926-916E82E12B07}" type="datetimeFigureOut">
               <a:rPr lang="fr-FR" smtClean="0"/>
-              <a:t>07/06/2019</a:t>
+              <a:t>13/06/2019</a:t>
             </a:fld>
             <a:endParaRPr lang="fr-FR"/>
           </a:p>
@@ -2415,7 +5851,7 @@
           <a:p>
             <a:fld id="{0717AEF8-1597-4679-8926-916E82E12B07}" type="datetimeFigureOut">
               <a:rPr lang="fr-FR" smtClean="0"/>
-              <a:t>07/06/2019</a:t>
+              <a:t>13/06/2019</a:t>
             </a:fld>
             <a:endParaRPr lang="fr-FR"/>
           </a:p>
@@ -2703,7 +6139,7 @@
           <a:p>
             <a:fld id="{0717AEF8-1597-4679-8926-916E82E12B07}" type="datetimeFigureOut">
               <a:rPr lang="fr-FR" smtClean="0"/>
-              <a:t>07/06/2019</a:t>
+              <a:t>13/06/2019</a:t>
             </a:fld>
             <a:endParaRPr lang="fr-FR"/>
           </a:p>
@@ -2944,7 +6380,7 @@
           <a:p>
             <a:fld id="{0717AEF8-1597-4679-8926-916E82E12B07}" type="datetimeFigureOut">
               <a:rPr lang="fr-FR" smtClean="0"/>
-              <a:t>07/06/2019</a:t>
+              <a:t>13/06/2019</a:t>
             </a:fld>
             <a:endParaRPr lang="fr-FR"/>
           </a:p>
@@ -3412,42 +6848,24 @@
           <a:p>
             <a:pPr algn="ctr"/>
             <a:r>
-              <a:rPr lang="en-US" dirty="0" err="1">
+              <a:rPr lang="en-US">
                 <a:solidFill>
                   <a:schemeClr val="tx1"/>
                 </a:solidFill>
               </a:rPr>
               <a:t>Lipo</a:t>
             </a:r>
-            <a:endParaRPr lang="en-US" dirty="0">
-              <a:solidFill>
-                <a:schemeClr val="tx1"/>
-              </a:solidFill>
-            </a:endParaRPr>
           </a:p>
           <a:p>
             <a:pPr algn="ctr"/>
             <a:r>
-              <a:rPr lang="en-US" dirty="0">
+              <a:rPr lang="en-US">
                 <a:solidFill>
                   <a:schemeClr val="tx1"/>
                 </a:solidFill>
               </a:rPr>
-              <a:t>1500 </a:t>
-            </a:r>
-            <a:r>
-              <a:rPr lang="en-US" dirty="0" err="1">
-                <a:solidFill>
-                  <a:schemeClr val="tx1"/>
-                </a:solidFill>
-              </a:rPr>
-              <a:t>mAh</a:t>
-            </a:r>
-            <a:endParaRPr lang="en-US" dirty="0">
-              <a:solidFill>
-                <a:schemeClr val="tx1"/>
-              </a:solidFill>
-            </a:endParaRPr>
+              <a:t>3000 mAh</a:t>
+            </a:r>
           </a:p>
         </p:txBody>
       </p:sp>
@@ -3494,7 +6912,7 @@
           <a:p>
             <a:pPr algn="ctr"/>
             <a:r>
-              <a:rPr lang="fr-FR" sz="2800" dirty="0"/>
+              <a:rPr lang="en-US" sz="2800"/>
               <a:t>Arduino MEGA2560</a:t>
             </a:r>
           </a:p>
@@ -3549,26 +6967,13 @@
           <a:p>
             <a:pPr algn="ctr"/>
             <a:r>
-              <a:rPr lang="fr-FR" dirty="0">
+              <a:rPr lang="en-US">
                 <a:solidFill>
                   <a:schemeClr val="tx1"/>
                 </a:solidFill>
               </a:rPr>
-              <a:t>SD </a:t>
-            </a:r>
-            <a:r>
-              <a:rPr lang="fr-FR" dirty="0" err="1">
-                <a:solidFill>
-                  <a:schemeClr val="tx1"/>
-                </a:solidFill>
-              </a:rPr>
-              <a:t>card</a:t>
-            </a:r>
-            <a:endParaRPr lang="fr-FR" dirty="0">
-              <a:solidFill>
-                <a:schemeClr val="tx1"/>
-              </a:solidFill>
-            </a:endParaRPr>
+              <a:t>SD card</a:t>
+            </a:r>
           </a:p>
         </p:txBody>
       </p:sp>
@@ -3620,7 +7025,7 @@
           <a:p>
             <a:pPr algn="ctr"/>
             <a:r>
-              <a:rPr lang="fr-FR" sz="900" dirty="0">
+              <a:rPr lang="en-US" sz="900">
                 <a:solidFill>
                   <a:schemeClr val="tx1"/>
                 </a:solidFill>
@@ -3678,7 +7083,7 @@
           <a:p>
             <a:pPr algn="ctr"/>
             <a:r>
-              <a:rPr lang="fr-FR" sz="900" dirty="0">
+              <a:rPr lang="en-US" sz="900">
                 <a:solidFill>
                   <a:schemeClr val="tx1"/>
                 </a:solidFill>
@@ -3736,7 +7141,7 @@
           <a:p>
             <a:pPr algn="ctr"/>
             <a:r>
-              <a:rPr lang="fr-FR" sz="900" dirty="0">
+              <a:rPr lang="en-US" sz="900">
                 <a:solidFill>
                   <a:schemeClr val="tx1"/>
                 </a:solidFill>
@@ -3875,7 +7280,7 @@
           <a:p>
             <a:pPr algn="ctr"/>
             <a:r>
-              <a:rPr lang="fr-FR" sz="1200" dirty="0"/>
+              <a:rPr lang="en-US" sz="1200"/>
               <a:t>I2C</a:t>
             </a:r>
           </a:p>
@@ -3929,7 +7334,7 @@
           <a:p>
             <a:pPr algn="ctr"/>
             <a:r>
-              <a:rPr lang="fr-FR" sz="900" dirty="0">
+              <a:rPr lang="en-US" sz="900">
                 <a:solidFill>
                   <a:schemeClr val="tx1"/>
                 </a:solidFill>
@@ -3940,7 +7345,7 @@
           <a:p>
             <a:pPr algn="ctr"/>
             <a:r>
-              <a:rPr lang="fr-FR" sz="900" dirty="0">
+              <a:rPr lang="en-US" sz="900">
                 <a:solidFill>
                   <a:schemeClr val="tx1"/>
                 </a:solidFill>
@@ -3998,7 +7403,7 @@
           <a:p>
             <a:pPr algn="ctr"/>
             <a:r>
-              <a:rPr lang="fr-FR" sz="900" dirty="0">
+              <a:rPr lang="en-US" sz="900">
                 <a:solidFill>
                   <a:schemeClr val="tx1"/>
                 </a:solidFill>
@@ -4009,7 +7414,7 @@
           <a:p>
             <a:pPr algn="ctr"/>
             <a:r>
-              <a:rPr lang="fr-FR" sz="900" dirty="0">
+              <a:rPr lang="en-US" sz="900">
                 <a:solidFill>
                   <a:schemeClr val="tx1"/>
                 </a:solidFill>
@@ -4054,13 +7459,13 @@
           <a:p>
             <a:pPr algn="ctr"/>
             <a:r>
-              <a:rPr lang="fr-FR" sz="1200" dirty="0"/>
+              <a:rPr lang="en-US" sz="1200"/>
               <a:t>SPI</a:t>
             </a:r>
           </a:p>
           <a:p>
             <a:pPr algn="ctr"/>
-            <a:endParaRPr lang="fr-FR" sz="1200" dirty="0"/>
+            <a:endParaRPr lang="en-US" sz="1200"/>
           </a:p>
         </p:txBody>
       </p:sp>
@@ -4099,7 +7504,7 @@
           <a:p>
             <a:pPr algn="ctr"/>
             <a:r>
-              <a:rPr lang="fr-FR" sz="1200" dirty="0"/>
+              <a:rPr lang="en-US" sz="1200"/>
               <a:t>SPI</a:t>
             </a:r>
           </a:p>
@@ -4183,7 +7588,7 @@
           <a:lstStyle/>
           <a:p>
             <a:r>
-              <a:rPr lang="fr-FR" sz="800" dirty="0">
+              <a:rPr lang="en-US" sz="800">
                 <a:latin typeface="Arial" panose="020B0604020202020204" pitchFamily="34" charset="0"/>
                 <a:cs typeface="Arial" panose="020B0604020202020204" pitchFamily="34" charset="0"/>
               </a:rPr>
@@ -4221,7 +7626,7 @@
           <a:lstStyle/>
           <a:p>
             <a:r>
-              <a:rPr lang="fr-FR" sz="800" dirty="0">
+              <a:rPr lang="en-US" sz="800">
                 <a:latin typeface="Arial" panose="020B0604020202020204" pitchFamily="34" charset="0"/>
                 <a:cs typeface="Arial" panose="020B0604020202020204" pitchFamily="34" charset="0"/>
               </a:rPr>
@@ -4278,7 +7683,7 @@
           <a:p>
             <a:pPr algn="ctr"/>
             <a:r>
-              <a:rPr lang="fr-FR" sz="900" dirty="0">
+              <a:rPr lang="en-US" sz="900">
                 <a:solidFill>
                   <a:schemeClr val="tx1"/>
                 </a:solidFill>
@@ -4317,7 +7722,7 @@
           <a:lstStyle/>
           <a:p>
             <a:r>
-              <a:rPr lang="fr-FR" sz="800" dirty="0">
+              <a:rPr lang="en-US" sz="800">
                 <a:latin typeface="Arial" panose="020B0604020202020204" pitchFamily="34" charset="0"/>
                 <a:cs typeface="Arial" panose="020B0604020202020204" pitchFamily="34" charset="0"/>
               </a:rPr>
@@ -4374,7 +7779,7 @@
           <a:p>
             <a:pPr algn="ctr"/>
             <a:r>
-              <a:rPr lang="fr-FR" sz="900" dirty="0">
+              <a:rPr lang="en-US" sz="900">
                 <a:solidFill>
                   <a:schemeClr val="tx1"/>
                 </a:solidFill>
@@ -4432,7 +7837,7 @@
           <a:p>
             <a:pPr algn="ctr"/>
             <a:r>
-              <a:rPr lang="fr-FR" sz="900" dirty="0">
+              <a:rPr lang="en-US" sz="900">
                 <a:solidFill>
                   <a:schemeClr val="tx1"/>
                 </a:solidFill>
@@ -4490,7 +7895,7 @@
           <a:p>
             <a:pPr algn="ctr"/>
             <a:r>
-              <a:rPr lang="fr-FR" sz="900" dirty="0">
+              <a:rPr lang="en-US" sz="900">
                 <a:solidFill>
                   <a:schemeClr val="tx1"/>
                 </a:solidFill>
@@ -4789,7 +8194,7 @@
           <a:lstStyle/>
           <a:p>
             <a:r>
-              <a:rPr lang="fr-FR" sz="800" dirty="0">
+              <a:rPr lang="en-US" sz="800">
                 <a:latin typeface="Arial" panose="020B0604020202020204" pitchFamily="34" charset="0"/>
                 <a:cs typeface="Arial" panose="020B0604020202020204" pitchFamily="34" charset="0"/>
               </a:rPr>
@@ -4888,49 +8293,6 @@
           </a:fontRef>
         </p:style>
       </p:cxnSp>
-      <p:cxnSp>
-        <p:nvCxnSpPr>
-          <p:cNvPr id="165" name="Connecteur droit 164">
-            <a:extLst>
-              <a:ext uri="{FF2B5EF4-FFF2-40B4-BE49-F238E27FC236}">
-                <a16:creationId xmlns:a16="http://schemas.microsoft.com/office/drawing/2014/main" id="{498E8255-5918-471C-95B2-454D0D41077B}"/>
-              </a:ext>
-            </a:extLst>
-          </p:cNvPr>
-          <p:cNvCxnSpPr>
-            <a:cxnSpLocks/>
-          </p:cNvCxnSpPr>
-          <p:nvPr/>
-        </p:nvCxnSpPr>
-        <p:spPr>
-          <a:xfrm flipV="1">
-            <a:off x="105377" y="76738"/>
-            <a:ext cx="11923237" cy="12960"/>
-          </a:xfrm>
-          <a:prstGeom prst="line">
-            <a:avLst/>
-          </a:prstGeom>
-          <a:ln w="19050">
-            <a:solidFill>
-              <a:srgbClr val="FF0000"/>
-            </a:solidFill>
-          </a:ln>
-        </p:spPr>
-        <p:style>
-          <a:lnRef idx="1">
-            <a:schemeClr val="accent1"/>
-          </a:lnRef>
-          <a:fillRef idx="0">
-            <a:schemeClr val="accent1"/>
-          </a:fillRef>
-          <a:effectRef idx="0">
-            <a:schemeClr val="accent1"/>
-          </a:effectRef>
-          <a:fontRef idx="minor">
-            <a:schemeClr val="tx1"/>
-          </a:fontRef>
-        </p:style>
-      </p:cxnSp>
       <p:sp>
         <p:nvSpPr>
           <p:cNvPr id="170" name="ZoneTexte 169">
@@ -4960,7 +8322,7 @@
           <a:lstStyle/>
           <a:p>
             <a:r>
-              <a:rPr lang="fr-FR" b="1" dirty="0">
+              <a:rPr lang="en-US" b="1">
                 <a:solidFill>
                   <a:srgbClr val="FF0000"/>
                 </a:solidFill>
@@ -4968,7 +8330,7 @@
               <a:t>+7.5</a:t>
             </a:r>
             <a:r>
-              <a:rPr lang="fr-FR" sz="1200" b="1" dirty="0">
+              <a:rPr lang="en-US" sz="1200" b="1">
                 <a:solidFill>
                   <a:srgbClr val="FF0000"/>
                 </a:solidFill>
@@ -5007,11 +8369,11 @@
           <a:lstStyle/>
           <a:p>
             <a:r>
-              <a:rPr lang="fr-FR" b="1" dirty="0"/>
+              <a:rPr lang="en-US" b="1"/>
               <a:t>0</a:t>
             </a:r>
             <a:r>
-              <a:rPr lang="fr-FR" sz="1200" b="1" dirty="0"/>
+              <a:rPr lang="en-US" sz="1200" b="1"/>
               <a:t>V</a:t>
             </a:r>
           </a:p>
@@ -5019,10 +8381,10 @@
       </p:sp>
       <p:cxnSp>
         <p:nvCxnSpPr>
-          <p:cNvPr id="172" name="Connecteur droit 171">
-            <a:extLst>
-              <a:ext uri="{FF2B5EF4-FFF2-40B4-BE49-F238E27FC236}">
-                <a16:creationId xmlns:a16="http://schemas.microsoft.com/office/drawing/2014/main" id="{4ECA0ED2-79E0-4D5A-917E-31115CBBF56D}"/>
+          <p:cNvPr id="176" name="Connecteur droit 175">
+            <a:extLst>
+              <a:ext uri="{FF2B5EF4-FFF2-40B4-BE49-F238E27FC236}">
+                <a16:creationId xmlns:a16="http://schemas.microsoft.com/office/drawing/2014/main" id="{060C03BF-95D6-4A38-B40E-A2400F099E53}"/>
               </a:ext>
             </a:extLst>
           </p:cNvPr>
@@ -5032,93 +8394,9 @@
           <p:nvPr/>
         </p:nvCxnSpPr>
         <p:spPr>
-          <a:xfrm>
-            <a:off x="105377" y="273358"/>
-            <a:ext cx="11790897" cy="12278"/>
-          </a:xfrm>
-          <a:prstGeom prst="line">
-            <a:avLst/>
-          </a:prstGeom>
-          <a:ln w="19050">
-            <a:solidFill>
-              <a:schemeClr val="tx1"/>
-            </a:solidFill>
-          </a:ln>
-        </p:spPr>
-        <p:style>
-          <a:lnRef idx="1">
-            <a:schemeClr val="accent1"/>
-          </a:lnRef>
-          <a:fillRef idx="0">
-            <a:schemeClr val="accent1"/>
-          </a:fillRef>
-          <a:effectRef idx="0">
-            <a:schemeClr val="accent1"/>
-          </a:effectRef>
-          <a:fontRef idx="minor">
-            <a:schemeClr val="tx1"/>
-          </a:fontRef>
-        </p:style>
-      </p:cxnSp>
-      <p:cxnSp>
-        <p:nvCxnSpPr>
-          <p:cNvPr id="176" name="Connecteur droit 175">
-            <a:extLst>
-              <a:ext uri="{FF2B5EF4-FFF2-40B4-BE49-F238E27FC236}">
-                <a16:creationId xmlns:a16="http://schemas.microsoft.com/office/drawing/2014/main" id="{060C03BF-95D6-4A38-B40E-A2400F099E53}"/>
-              </a:ext>
-            </a:extLst>
-          </p:cNvPr>
-          <p:cNvCxnSpPr/>
-          <p:nvPr/>
-        </p:nvCxnSpPr>
-        <p:spPr>
-          <a:xfrm flipV="1">
-            <a:off x="10642432" y="92233"/>
-            <a:ext cx="0" cy="291876"/>
-          </a:xfrm>
-          <a:prstGeom prst="line">
-            <a:avLst/>
-          </a:prstGeom>
-          <a:ln w="19050">
-            <a:solidFill>
-              <a:srgbClr val="FF0000"/>
-            </a:solidFill>
-          </a:ln>
-        </p:spPr>
-        <p:style>
-          <a:lnRef idx="1">
-            <a:schemeClr val="accent1"/>
-          </a:lnRef>
-          <a:fillRef idx="0">
-            <a:schemeClr val="accent1"/>
-          </a:fillRef>
-          <a:effectRef idx="0">
-            <a:schemeClr val="accent1"/>
-          </a:effectRef>
-          <a:fontRef idx="minor">
-            <a:schemeClr val="tx1"/>
-          </a:fontRef>
-        </p:style>
-      </p:cxnSp>
-      <p:cxnSp>
-        <p:nvCxnSpPr>
-          <p:cNvPr id="181" name="Connecteur droit 180">
-            <a:extLst>
-              <a:ext uri="{FF2B5EF4-FFF2-40B4-BE49-F238E27FC236}">
-                <a16:creationId xmlns:a16="http://schemas.microsoft.com/office/drawing/2014/main" id="{6E67D4A9-2442-4176-917A-BEE41F94EF5D}"/>
-              </a:ext>
-            </a:extLst>
-          </p:cNvPr>
-          <p:cNvCxnSpPr>
-            <a:cxnSpLocks/>
-          </p:cNvCxnSpPr>
-          <p:nvPr/>
-        </p:nvCxnSpPr>
-        <p:spPr>
-          <a:xfrm flipV="1">
-            <a:off x="10526419" y="280896"/>
-            <a:ext cx="0" cy="97552"/>
+          <a:xfrm flipH="1" flipV="1">
+            <a:off x="2086899" y="86372"/>
+            <a:ext cx="9918312" cy="7776"/>
           </a:xfrm>
           <a:prstGeom prst="line">
             <a:avLst/>
@@ -5192,7 +8470,7 @@
           <a:p>
             <a:pPr algn="ctr"/>
             <a:r>
-              <a:rPr lang="fr-FR" sz="900" dirty="0">
+              <a:rPr lang="en-US" sz="900">
                 <a:solidFill>
                   <a:schemeClr val="tx1"/>
                 </a:solidFill>
@@ -5250,7 +8528,7 @@
           <a:p>
             <a:pPr algn="ctr"/>
             <a:r>
-              <a:rPr lang="fr-FR" sz="900" dirty="0">
+              <a:rPr lang="en-US" sz="900">
                 <a:solidFill>
                   <a:schemeClr val="tx1"/>
                 </a:solidFill>
@@ -5349,20 +8627,20 @@
           <a:p>
             <a:pPr algn="ctr"/>
             <a:r>
-              <a:rPr lang="fr-FR" sz="1200" dirty="0"/>
+              <a:rPr lang="en-US" sz="1200"/>
               <a:t>RTC</a:t>
             </a:r>
           </a:p>
           <a:p>
             <a:pPr algn="ctr"/>
             <a:r>
-              <a:rPr lang="fr-FR" sz="1200" dirty="0"/>
+              <a:rPr lang="en-US" sz="1200"/>
               <a:t>DS1307</a:t>
             </a:r>
           </a:p>
           <a:p>
             <a:pPr algn="ctr"/>
-            <a:endParaRPr lang="fr-FR" sz="1200" dirty="0"/>
+            <a:endParaRPr lang="en-US" sz="1200"/>
           </a:p>
         </p:txBody>
       </p:sp>
@@ -5442,7 +8720,7 @@
           <a:lstStyle/>
           <a:p>
             <a:r>
-              <a:rPr lang="fr-FR" sz="1000" dirty="0"/>
+              <a:rPr lang="en-US" sz="1000"/>
               <a:t>SCL</a:t>
             </a:r>
           </a:p>
@@ -5477,7 +8755,7 @@
           <a:lstStyle/>
           <a:p>
             <a:r>
-              <a:rPr lang="fr-FR" sz="1000" dirty="0"/>
+              <a:rPr lang="en-US" sz="1000"/>
               <a:t>SDA</a:t>
             </a:r>
           </a:p>
@@ -5512,14 +8790,13 @@
           <a:lstStyle/>
           <a:p>
             <a:r>
-              <a:rPr lang="fr-FR" sz="800" dirty="0" err="1"/>
+              <a:rPr lang="en-US" sz="800"/>
               <a:t>Address</a:t>
             </a:r>
-            <a:endParaRPr lang="fr-FR" sz="800" dirty="0"/>
-          </a:p>
-          <a:p>
-            <a:r>
-              <a:rPr lang="fr-FR" sz="800" dirty="0"/>
+          </a:p>
+          <a:p>
+            <a:r>
+              <a:rPr lang="en-US" sz="800"/>
               <a:t>0x68 </a:t>
             </a:r>
           </a:p>
@@ -5555,15 +8832,14 @@
           <a:p>
             <a:pPr algn="ctr"/>
             <a:r>
-              <a:rPr lang="fr-FR" sz="800" dirty="0" err="1"/>
+              <a:rPr lang="en-US" sz="800" dirty="0"/>
               <a:t>Address</a:t>
             </a:r>
-            <a:endParaRPr lang="fr-FR" sz="800" dirty="0"/>
           </a:p>
           <a:p>
             <a:pPr algn="ctr"/>
             <a:r>
-              <a:rPr lang="fr-FR" sz="800" dirty="0"/>
+              <a:rPr lang="en-US" sz="800" dirty="0"/>
               <a:t>0x60 </a:t>
             </a:r>
           </a:p>
@@ -5604,7 +8880,7 @@
           <a:p>
             <a:pPr algn="ctr"/>
             <a:r>
-              <a:rPr lang="fr-FR" sz="1200" dirty="0"/>
+              <a:rPr lang="en-US" sz="1200"/>
               <a:t>PWM</a:t>
             </a:r>
           </a:p>
@@ -5658,7 +8934,7 @@
           <a:p>
             <a:pPr algn="ctr"/>
             <a:r>
-              <a:rPr lang="fr-FR" sz="900" dirty="0">
+              <a:rPr lang="en-US" sz="900">
                 <a:solidFill>
                   <a:schemeClr val="tx1"/>
                 </a:solidFill>
@@ -5716,7 +8992,7 @@
           <a:p>
             <a:pPr algn="ctr"/>
             <a:r>
-              <a:rPr lang="fr-FR" sz="900" dirty="0">
+              <a:rPr lang="en-US" sz="900">
                 <a:solidFill>
                   <a:schemeClr val="tx1"/>
                 </a:solidFill>
@@ -5774,7 +9050,7 @@
           <a:p>
             <a:pPr algn="ctr"/>
             <a:r>
-              <a:rPr lang="fr-FR" sz="900" dirty="0">
+              <a:rPr lang="en-US" sz="900">
                 <a:solidFill>
                   <a:schemeClr val="tx1"/>
                 </a:solidFill>
@@ -5832,7 +9108,7 @@
           <a:p>
             <a:pPr algn="ctr"/>
             <a:r>
-              <a:rPr lang="fr-FR" sz="900" dirty="0">
+              <a:rPr lang="en-US" sz="900">
                 <a:solidFill>
                   <a:schemeClr val="tx1"/>
                 </a:solidFill>
@@ -5890,7 +9166,7 @@
           <a:p>
             <a:pPr algn="ctr"/>
             <a:r>
-              <a:rPr lang="fr-FR" sz="900" dirty="0">
+              <a:rPr lang="en-US" sz="900">
                 <a:solidFill>
                   <a:schemeClr val="tx1"/>
                 </a:solidFill>
@@ -5948,7 +9224,7 @@
           <a:p>
             <a:pPr algn="ctr"/>
             <a:r>
-              <a:rPr lang="fr-FR" sz="900" dirty="0">
+              <a:rPr lang="en-US" sz="900">
                 <a:solidFill>
                   <a:schemeClr val="tx1"/>
                 </a:solidFill>
@@ -6006,7 +9282,7 @@
           <a:p>
             <a:pPr algn="ctr"/>
             <a:r>
-              <a:rPr lang="fr-FR" sz="900" dirty="0">
+              <a:rPr lang="en-US" sz="900">
                 <a:solidFill>
                   <a:schemeClr val="tx1"/>
                 </a:solidFill>
@@ -6064,7 +9340,7 @@
           <a:p>
             <a:pPr algn="ctr"/>
             <a:r>
-              <a:rPr lang="fr-FR" sz="900" dirty="0">
+              <a:rPr lang="en-US" sz="900">
                 <a:solidFill>
                   <a:schemeClr val="tx1"/>
                 </a:solidFill>
@@ -6122,7 +9398,7 @@
           <a:p>
             <a:pPr algn="ctr"/>
             <a:r>
-              <a:rPr lang="fr-FR" sz="900" dirty="0">
+              <a:rPr lang="en-US" sz="900">
                 <a:solidFill>
                   <a:schemeClr val="tx1"/>
                 </a:solidFill>
@@ -6180,7 +9456,7 @@
           <a:p>
             <a:pPr algn="ctr"/>
             <a:r>
-              <a:rPr lang="fr-FR" sz="900" dirty="0">
+              <a:rPr lang="en-US" sz="900">
                 <a:solidFill>
                   <a:schemeClr val="tx1"/>
                 </a:solidFill>
@@ -6230,7 +9506,7 @@
           <a:lstStyle/>
           <a:p>
             <a:pPr algn="ctr"/>
-            <a:endParaRPr lang="fr-FR" sz="1200" dirty="0"/>
+            <a:endParaRPr lang="en-US" sz="1200"/>
           </a:p>
         </p:txBody>
       </p:sp>
@@ -6274,7 +9550,7 @@
           <a:p>
             <a:pPr algn="ctr"/>
             <a:r>
-              <a:rPr lang="en-GB" sz="900" dirty="0">
+              <a:rPr lang="en-US" sz="900">
                 <a:solidFill>
                   <a:schemeClr val="tx1"/>
                 </a:solidFill>
@@ -6324,7 +9600,7 @@
           <a:p>
             <a:pPr algn="ctr"/>
             <a:r>
-              <a:rPr lang="en-GB" sz="900" dirty="0">
+              <a:rPr lang="en-US" sz="900">
                 <a:solidFill>
                   <a:schemeClr val="tx1"/>
                 </a:solidFill>
@@ -6374,7 +9650,7 @@
           <a:p>
             <a:pPr algn="ctr"/>
             <a:r>
-              <a:rPr lang="en-GB" sz="900" dirty="0">
+              <a:rPr lang="en-US" sz="900">
                 <a:solidFill>
                   <a:schemeClr val="tx1"/>
                 </a:solidFill>
@@ -6424,7 +9700,7 @@
           <a:p>
             <a:pPr algn="ctr"/>
             <a:r>
-              <a:rPr lang="en-GB" sz="900" dirty="0">
+              <a:rPr lang="en-US" sz="900">
                 <a:solidFill>
                   <a:schemeClr val="tx1"/>
                 </a:solidFill>
@@ -6474,7 +9750,7 @@
           <a:p>
             <a:pPr algn="ctr"/>
             <a:r>
-              <a:rPr lang="en-GB" sz="900" dirty="0">
+              <a:rPr lang="en-US" sz="900">
                 <a:solidFill>
                   <a:schemeClr val="tx1"/>
                 </a:solidFill>
@@ -6524,7 +9800,7 @@
           <a:p>
             <a:pPr algn="ctr"/>
             <a:r>
-              <a:rPr lang="en-GB" sz="900" dirty="0">
+              <a:rPr lang="en-US" sz="900">
                 <a:solidFill>
                   <a:schemeClr val="tx1"/>
                 </a:solidFill>
@@ -6812,7 +10088,7 @@
           <a:lstStyle/>
           <a:p>
             <a:r>
-              <a:rPr lang="en-GB" dirty="0"/>
+              <a:rPr lang="en-US"/>
               <a:t>RC</a:t>
             </a:r>
           </a:p>
@@ -6834,8 +10110,51 @@
         </p:nvCxnSpPr>
         <p:spPr>
           <a:xfrm>
-            <a:off x="702841" y="6661672"/>
+            <a:off x="702841" y="6644332"/>
             <a:ext cx="11268072" cy="42118"/>
+          </a:xfrm>
+          <a:prstGeom prst="line">
+            <a:avLst/>
+          </a:prstGeom>
+          <a:ln w="19050">
+            <a:solidFill>
+              <a:schemeClr val="tx1"/>
+            </a:solidFill>
+          </a:ln>
+        </p:spPr>
+        <p:style>
+          <a:lnRef idx="1">
+            <a:schemeClr val="accent1"/>
+          </a:lnRef>
+          <a:fillRef idx="0">
+            <a:schemeClr val="accent1"/>
+          </a:fillRef>
+          <a:effectRef idx="0">
+            <a:schemeClr val="accent1"/>
+          </a:effectRef>
+          <a:fontRef idx="minor">
+            <a:schemeClr val="tx1"/>
+          </a:fontRef>
+        </p:style>
+      </p:cxnSp>
+      <p:cxnSp>
+        <p:nvCxnSpPr>
+          <p:cNvPr id="80" name="Connecteur droit 79">
+            <a:extLst>
+              <a:ext uri="{FF2B5EF4-FFF2-40B4-BE49-F238E27FC236}">
+                <a16:creationId xmlns:a16="http://schemas.microsoft.com/office/drawing/2014/main" id="{498E8255-5918-471C-95B2-454D0D41077B}"/>
+              </a:ext>
+            </a:extLst>
+          </p:cNvPr>
+          <p:cNvCxnSpPr>
+            <a:cxnSpLocks/>
+          </p:cNvCxnSpPr>
+          <p:nvPr/>
+        </p:nvCxnSpPr>
+        <p:spPr>
+          <a:xfrm>
+            <a:off x="1093985" y="6424165"/>
+            <a:ext cx="10718311" cy="68023"/>
           </a:xfrm>
           <a:prstGeom prst="line">
             <a:avLst/>
@@ -6863,10 +10182,10 @@
       </p:cxnSp>
       <p:cxnSp>
         <p:nvCxnSpPr>
-          <p:cNvPr id="80" name="Connecteur droit 79">
-            <a:extLst>
-              <a:ext uri="{FF2B5EF4-FFF2-40B4-BE49-F238E27FC236}">
-                <a16:creationId xmlns:a16="http://schemas.microsoft.com/office/drawing/2014/main" id="{498E8255-5918-471C-95B2-454D0D41077B}"/>
+          <p:cNvPr id="82" name="Connecteur droit 81">
+            <a:extLst>
+              <a:ext uri="{FF2B5EF4-FFF2-40B4-BE49-F238E27FC236}">
+                <a16:creationId xmlns:a16="http://schemas.microsoft.com/office/drawing/2014/main" id="{060C03BF-95D6-4A38-B40E-A2400F099E53}"/>
               </a:ext>
             </a:extLst>
           </p:cNvPr>
@@ -6876,57 +10195,16 @@
           <p:nvPr/>
         </p:nvCxnSpPr>
         <p:spPr>
-          <a:xfrm>
-            <a:off x="1093985" y="6424165"/>
-            <a:ext cx="10739950" cy="63282"/>
+          <a:xfrm flipV="1">
+            <a:off x="4154407" y="6068667"/>
+            <a:ext cx="0" cy="389509"/>
           </a:xfrm>
           <a:prstGeom prst="line">
             <a:avLst/>
           </a:prstGeom>
           <a:ln w="19050">
             <a:solidFill>
-              <a:schemeClr val="tx1"/>
-            </a:solidFill>
-          </a:ln>
-        </p:spPr>
-        <p:style>
-          <a:lnRef idx="1">
-            <a:schemeClr val="accent1"/>
-          </a:lnRef>
-          <a:fillRef idx="0">
-            <a:schemeClr val="accent1"/>
-          </a:fillRef>
-          <a:effectRef idx="0">
-            <a:schemeClr val="accent1"/>
-          </a:effectRef>
-          <a:fontRef idx="minor">
-            <a:schemeClr val="tx1"/>
-          </a:fontRef>
-        </p:style>
-      </p:cxnSp>
-      <p:cxnSp>
-        <p:nvCxnSpPr>
-          <p:cNvPr id="82" name="Connecteur droit 81">
-            <a:extLst>
-              <a:ext uri="{FF2B5EF4-FFF2-40B4-BE49-F238E27FC236}">
-                <a16:creationId xmlns:a16="http://schemas.microsoft.com/office/drawing/2014/main" id="{060C03BF-95D6-4A38-B40E-A2400F099E53}"/>
-              </a:ext>
-            </a:extLst>
-          </p:cNvPr>
-          <p:cNvCxnSpPr/>
-          <p:nvPr/>
-        </p:nvCxnSpPr>
-        <p:spPr>
-          <a:xfrm flipV="1">
-            <a:off x="4154407" y="6068666"/>
-            <a:ext cx="0" cy="355499"/>
-          </a:xfrm>
-          <a:prstGeom prst="line">
-            <a:avLst/>
-          </a:prstGeom>
-          <a:ln w="19050">
-            <a:solidFill>
-              <a:schemeClr val="tx1"/>
+              <a:srgbClr val="FF0000"/>
             </a:solidFill>
           </a:ln>
         </p:spPr>
@@ -6954,20 +10232,22 @@
               </a:ext>
             </a:extLst>
           </p:cNvPr>
-          <p:cNvCxnSpPr/>
+          <p:cNvCxnSpPr>
+            <a:cxnSpLocks/>
+          </p:cNvCxnSpPr>
           <p:nvPr/>
         </p:nvCxnSpPr>
         <p:spPr>
           <a:xfrm flipV="1">
-            <a:off x="4780584" y="6070006"/>
-            <a:ext cx="0" cy="355499"/>
+            <a:off x="4780584" y="6070007"/>
+            <a:ext cx="0" cy="388169"/>
           </a:xfrm>
           <a:prstGeom prst="line">
             <a:avLst/>
           </a:prstGeom>
           <a:ln w="19050">
             <a:solidFill>
-              <a:schemeClr val="tx1"/>
+              <a:srgbClr val="FF0000"/>
             </a:solidFill>
           </a:ln>
         </p:spPr>
@@ -6995,20 +10275,22 @@
               </a:ext>
             </a:extLst>
           </p:cNvPr>
-          <p:cNvCxnSpPr/>
+          <p:cNvCxnSpPr>
+            <a:cxnSpLocks/>
+          </p:cNvCxnSpPr>
           <p:nvPr/>
         </p:nvCxnSpPr>
         <p:spPr>
           <a:xfrm flipV="1">
-            <a:off x="5418011" y="6078191"/>
-            <a:ext cx="0" cy="355499"/>
+            <a:off x="5414835" y="6061841"/>
+            <a:ext cx="0" cy="396335"/>
           </a:xfrm>
           <a:prstGeom prst="line">
             <a:avLst/>
           </a:prstGeom>
           <a:ln w="19050">
             <a:solidFill>
-              <a:schemeClr val="tx1"/>
+              <a:srgbClr val="FF0000"/>
             </a:solidFill>
           </a:ln>
         </p:spPr>
@@ -7036,20 +10318,22 @@
               </a:ext>
             </a:extLst>
           </p:cNvPr>
-          <p:cNvCxnSpPr/>
+          <p:cNvCxnSpPr>
+            <a:cxnSpLocks/>
+          </p:cNvCxnSpPr>
           <p:nvPr/>
         </p:nvCxnSpPr>
         <p:spPr>
           <a:xfrm flipV="1">
-            <a:off x="5990909" y="6078190"/>
-            <a:ext cx="0" cy="355499"/>
+            <a:off x="5990909" y="6078191"/>
+            <a:ext cx="0" cy="379985"/>
           </a:xfrm>
           <a:prstGeom prst="line">
             <a:avLst/>
           </a:prstGeom>
           <a:ln w="19050">
             <a:solidFill>
-              <a:schemeClr val="tx1"/>
+              <a:srgbClr val="FF0000"/>
             </a:solidFill>
           </a:ln>
         </p:spPr>
@@ -7077,20 +10361,22 @@
               </a:ext>
             </a:extLst>
           </p:cNvPr>
-          <p:cNvCxnSpPr/>
+          <p:cNvCxnSpPr>
+            <a:cxnSpLocks/>
+          </p:cNvCxnSpPr>
           <p:nvPr/>
         </p:nvCxnSpPr>
         <p:spPr>
           <a:xfrm flipV="1">
-            <a:off x="6667869" y="6078189"/>
-            <a:ext cx="0" cy="355499"/>
+            <a:off x="6652595" y="6061841"/>
+            <a:ext cx="0" cy="396335"/>
           </a:xfrm>
           <a:prstGeom prst="line">
             <a:avLst/>
           </a:prstGeom>
           <a:ln w="19050">
             <a:solidFill>
-              <a:schemeClr val="tx1"/>
+              <a:srgbClr val="FF0000"/>
             </a:solidFill>
           </a:ln>
         </p:spPr>
@@ -7118,20 +10404,22 @@
               </a:ext>
             </a:extLst>
           </p:cNvPr>
-          <p:cNvCxnSpPr/>
+          <p:cNvCxnSpPr>
+            <a:cxnSpLocks/>
+          </p:cNvCxnSpPr>
           <p:nvPr/>
         </p:nvCxnSpPr>
         <p:spPr>
           <a:xfrm flipV="1">
-            <a:off x="7295666" y="6075488"/>
-            <a:ext cx="0" cy="355499"/>
+            <a:off x="7295666" y="6075490"/>
+            <a:ext cx="0" cy="382686"/>
           </a:xfrm>
           <a:prstGeom prst="line">
             <a:avLst/>
           </a:prstGeom>
           <a:ln w="19050">
             <a:solidFill>
-              <a:schemeClr val="tx1"/>
+              <a:srgbClr val="FF0000"/>
             </a:solidFill>
           </a:ln>
         </p:spPr>
@@ -7172,7 +10460,7 @@
           </a:prstGeom>
           <a:ln w="19050">
             <a:solidFill>
-              <a:srgbClr val="FF0000"/>
+              <a:schemeClr val="tx1"/>
             </a:solidFill>
           </a:ln>
         </p:spPr>
@@ -7213,7 +10501,7 @@
           </a:prstGeom>
           <a:ln w="19050">
             <a:solidFill>
-              <a:srgbClr val="FF0000"/>
+              <a:schemeClr val="tx1"/>
             </a:solidFill>
           </a:ln>
         </p:spPr>
@@ -7254,7 +10542,7 @@
           </a:prstGeom>
           <a:ln w="19050">
             <a:solidFill>
-              <a:srgbClr val="FF0000"/>
+              <a:schemeClr val="tx1"/>
             </a:solidFill>
           </a:ln>
         </p:spPr>
@@ -7295,7 +10583,7 @@
           </a:prstGeom>
           <a:ln w="19050">
             <a:solidFill>
-              <a:srgbClr val="FF0000"/>
+              <a:schemeClr val="tx1"/>
             </a:solidFill>
           </a:ln>
         </p:spPr>
@@ -7336,7 +10624,7 @@
           </a:prstGeom>
           <a:ln w="19050">
             <a:solidFill>
-              <a:srgbClr val="FF0000"/>
+              <a:schemeClr val="tx1"/>
             </a:solidFill>
           </a:ln>
         </p:spPr>
@@ -7377,7 +10665,7 @@
           </a:prstGeom>
           <a:ln w="19050">
             <a:solidFill>
-              <a:srgbClr val="FF0000"/>
+              <a:schemeClr val="tx1"/>
             </a:solidFill>
           </a:ln>
         </p:spPr>
@@ -7586,7 +10874,7 @@
           </a:prstGeom>
           <a:ln w="19050">
             <a:solidFill>
-              <a:srgbClr val="FF0000"/>
+              <a:schemeClr val="tx1"/>
             </a:solidFill>
           </a:ln>
         </p:spPr>
@@ -7627,7 +10915,7 @@
           </a:prstGeom>
           <a:ln w="19050">
             <a:solidFill>
-              <a:srgbClr val="FF0000"/>
+              <a:schemeClr val="tx1"/>
             </a:solidFill>
           </a:ln>
         </p:spPr>
@@ -7668,48 +10956,7 @@
           </a:prstGeom>
           <a:ln w="19050">
             <a:solidFill>
-              <a:srgbClr val="FF0000"/>
-            </a:solidFill>
-          </a:ln>
-        </p:spPr>
-        <p:style>
-          <a:lnRef idx="1">
-            <a:schemeClr val="accent1"/>
-          </a:lnRef>
-          <a:fillRef idx="0">
-            <a:schemeClr val="accent1"/>
-          </a:fillRef>
-          <a:effectRef idx="0">
-            <a:schemeClr val="accent1"/>
-          </a:effectRef>
-          <a:fontRef idx="minor">
-            <a:schemeClr val="tx1"/>
-          </a:fontRef>
-        </p:style>
-      </p:cxnSp>
-      <p:cxnSp>
-        <p:nvCxnSpPr>
-          <p:cNvPr id="110" name="Connecteur droit 109">
-            <a:extLst>
-              <a:ext uri="{FF2B5EF4-FFF2-40B4-BE49-F238E27FC236}">
-                <a16:creationId xmlns:a16="http://schemas.microsoft.com/office/drawing/2014/main" id="{060C03BF-95D6-4A38-B40E-A2400F099E53}"/>
-              </a:ext>
-            </a:extLst>
-          </p:cNvPr>
-          <p:cNvCxnSpPr/>
-          <p:nvPr/>
-        </p:nvCxnSpPr>
-        <p:spPr>
-          <a:xfrm flipV="1">
-            <a:off x="2055245" y="86135"/>
-            <a:ext cx="0" cy="972725"/>
-          </a:xfrm>
-          <a:prstGeom prst="line">
-            <a:avLst/>
-          </a:prstGeom>
-          <a:ln w="19050">
-            <a:solidFill>
-              <a:srgbClr val="FF0000"/>
+              <a:schemeClr val="tx1"/>
             </a:solidFill>
           </a:ln>
         </p:spPr>
@@ -7750,7 +10997,7 @@
           </a:prstGeom>
           <a:ln w="19050">
             <a:solidFill>
-              <a:schemeClr val="tx1"/>
+              <a:srgbClr val="FF0000"/>
             </a:solidFill>
           </a:ln>
         </p:spPr>
@@ -7791,7 +11038,7 @@
           </a:prstGeom>
           <a:ln w="19050">
             <a:solidFill>
-              <a:schemeClr val="tx1"/>
+              <a:srgbClr val="FF0000"/>
             </a:solidFill>
           </a:ln>
         </p:spPr>
@@ -7832,7 +11079,7 @@
           </a:prstGeom>
           <a:ln w="19050">
             <a:solidFill>
-              <a:schemeClr val="tx1"/>
+              <a:srgbClr val="FF0000"/>
             </a:solidFill>
           </a:ln>
         </p:spPr>
@@ -7861,6 +11108,7 @@
             </a:extLst>
           </p:cNvPr>
           <p:cNvCxnSpPr>
+            <a:cxnSpLocks/>
             <a:stCxn id="10" idx="0"/>
           </p:cNvCxnSpPr>
           <p:nvPr/>
@@ -7875,7 +11123,7 @@
           </a:prstGeom>
           <a:ln w="19050">
             <a:solidFill>
-              <a:schemeClr val="tx1"/>
+              <a:srgbClr val="FF0000"/>
             </a:solidFill>
           </a:ln>
         </p:spPr>
@@ -8873,7 +12121,7 @@
           <a:p>
             <a:pPr algn="ctr"/>
             <a:r>
-              <a:rPr lang="en-GB" sz="900" dirty="0">
+              <a:rPr lang="en-US" sz="900">
                 <a:solidFill>
                   <a:schemeClr val="tx1"/>
                 </a:solidFill>
@@ -8884,34 +12132,13 @@
           <a:p>
             <a:pPr algn="ctr"/>
             <a:r>
-              <a:rPr lang="fr-FR" sz="900" dirty="0" err="1">
+              <a:rPr lang="en-US" sz="900">
                 <a:solidFill>
                   <a:schemeClr val="tx1"/>
                 </a:solidFill>
               </a:rPr>
-              <a:t>Rear</a:t>
-            </a:r>
-            <a:r>
-              <a:rPr lang="fr-FR" sz="900" dirty="0">
-                <a:solidFill>
-                  <a:schemeClr val="tx1"/>
-                </a:solidFill>
-              </a:rPr>
-              <a:t> </a:t>
-            </a:r>
-            <a:r>
-              <a:rPr lang="fr-FR" sz="900" dirty="0" err="1">
-                <a:solidFill>
-                  <a:schemeClr val="tx1"/>
-                </a:solidFill>
-              </a:rPr>
-              <a:t>Left</a:t>
-            </a:r>
-            <a:endParaRPr lang="en-GB" sz="900" dirty="0">
-              <a:solidFill>
-                <a:schemeClr val="tx1"/>
-              </a:solidFill>
-            </a:endParaRPr>
+              <a:t>Rear Left</a:t>
+            </a:r>
           </a:p>
         </p:txBody>
       </p:sp>
@@ -8960,7 +12187,7 @@
           <a:p>
             <a:pPr algn="ctr"/>
             <a:r>
-              <a:rPr lang="en-GB" sz="900" dirty="0">
+              <a:rPr lang="en-US" sz="900">
                 <a:solidFill>
                   <a:schemeClr val="tx1"/>
                 </a:solidFill>
@@ -8971,26 +12198,13 @@
           <a:p>
             <a:pPr algn="ctr"/>
             <a:r>
-              <a:rPr lang="fr-FR" sz="900" dirty="0" err="1">
+              <a:rPr lang="en-US" sz="900">
                 <a:solidFill>
                   <a:schemeClr val="tx1"/>
                 </a:solidFill>
               </a:rPr>
-              <a:t>Rear</a:t>
-            </a:r>
-            <a:r>
-              <a:rPr lang="fr-FR" sz="900" dirty="0">
-                <a:solidFill>
-                  <a:schemeClr val="tx1"/>
-                </a:solidFill>
-              </a:rPr>
-              <a:t> Right</a:t>
-            </a:r>
-            <a:endParaRPr lang="en-GB" sz="900" dirty="0">
-              <a:solidFill>
-                <a:schemeClr val="tx1"/>
-              </a:solidFill>
-            </a:endParaRPr>
+              <a:t>Rear Right</a:t>
+            </a:r>
           </a:p>
         </p:txBody>
       </p:sp>
@@ -9039,7 +12253,7 @@
           <a:p>
             <a:pPr algn="ctr"/>
             <a:r>
-              <a:rPr lang="en-GB" sz="900" dirty="0">
+              <a:rPr lang="en-US" sz="900">
                 <a:solidFill>
                   <a:schemeClr val="tx1"/>
                 </a:solidFill>
@@ -9050,18 +12264,13 @@
           <a:p>
             <a:pPr algn="ctr"/>
             <a:r>
-              <a:rPr lang="fr-FR" sz="900" dirty="0">
+              <a:rPr lang="en-US" sz="900">
                 <a:solidFill>
                   <a:schemeClr val="tx1"/>
                 </a:solidFill>
               </a:rPr>
               <a:t>Front Right</a:t>
             </a:r>
-            <a:endParaRPr lang="en-GB" sz="900" dirty="0">
-              <a:solidFill>
-                <a:schemeClr val="tx1"/>
-              </a:solidFill>
-            </a:endParaRPr>
           </a:p>
         </p:txBody>
       </p:sp>
@@ -9110,7 +12319,7 @@
           <a:p>
             <a:pPr algn="ctr"/>
             <a:r>
-              <a:rPr lang="en-GB" sz="900" dirty="0">
+              <a:rPr lang="en-US" sz="900">
                 <a:solidFill>
                   <a:schemeClr val="tx1"/>
                 </a:solidFill>
@@ -9121,26 +12330,13 @@
           <a:p>
             <a:pPr algn="ctr"/>
             <a:r>
-              <a:rPr lang="fr-FR" sz="900" dirty="0">
+              <a:rPr lang="en-US" sz="900">
                 <a:solidFill>
                   <a:schemeClr val="tx1"/>
                 </a:solidFill>
               </a:rPr>
-              <a:t>Front </a:t>
-            </a:r>
-            <a:r>
-              <a:rPr lang="fr-FR" sz="900" dirty="0" err="1">
-                <a:solidFill>
-                  <a:schemeClr val="tx1"/>
-                </a:solidFill>
-              </a:rPr>
-              <a:t>Left</a:t>
-            </a:r>
-            <a:endParaRPr lang="en-GB" sz="900" dirty="0">
-              <a:solidFill>
-                <a:schemeClr val="tx1"/>
-              </a:solidFill>
-            </a:endParaRPr>
+              <a:t>Front Left</a:t>
+            </a:r>
           </a:p>
         </p:txBody>
       </p:sp>
@@ -9189,7 +12385,7 @@
           <a:p>
             <a:pPr algn="ctr"/>
             <a:r>
-              <a:rPr lang="en-GB" sz="900" dirty="0">
+              <a:rPr lang="en-US" sz="900">
                 <a:solidFill>
                   <a:schemeClr val="tx1"/>
                 </a:solidFill>
@@ -9200,26 +12396,13 @@
           <a:p>
             <a:pPr algn="ctr"/>
             <a:r>
-              <a:rPr lang="fr-FR" sz="900" dirty="0">
+              <a:rPr lang="en-US" sz="900">
                 <a:solidFill>
                   <a:schemeClr val="tx1"/>
                 </a:solidFill>
               </a:rPr>
-              <a:t>Front </a:t>
-            </a:r>
-            <a:r>
-              <a:rPr lang="fr-FR" sz="900" dirty="0" err="1">
-                <a:solidFill>
-                  <a:schemeClr val="tx1"/>
-                </a:solidFill>
-              </a:rPr>
-              <a:t>Left</a:t>
-            </a:r>
-            <a:endParaRPr lang="en-GB" sz="900" dirty="0">
-              <a:solidFill>
-                <a:schemeClr val="tx1"/>
-              </a:solidFill>
-            </a:endParaRPr>
+              <a:t>Front Left</a:t>
+            </a:r>
           </a:p>
         </p:txBody>
       </p:sp>
@@ -9268,7 +12451,7 @@
           <a:p>
             <a:pPr algn="ctr"/>
             <a:r>
-              <a:rPr lang="en-GB" sz="900" dirty="0">
+              <a:rPr lang="en-US" sz="900">
                 <a:solidFill>
                   <a:schemeClr val="tx1"/>
                 </a:solidFill>
@@ -9279,18 +12462,13 @@
           <a:p>
             <a:pPr algn="ctr"/>
             <a:r>
-              <a:rPr lang="fr-FR" sz="900" dirty="0">
+              <a:rPr lang="en-US" sz="900">
                 <a:solidFill>
                   <a:schemeClr val="tx1"/>
                 </a:solidFill>
               </a:rPr>
               <a:t>Front Right</a:t>
             </a:r>
-            <a:endParaRPr lang="en-GB" sz="900" dirty="0">
-              <a:solidFill>
-                <a:schemeClr val="tx1"/>
-              </a:solidFill>
-            </a:endParaRPr>
           </a:p>
         </p:txBody>
       </p:sp>
@@ -9339,7 +12517,7 @@
           <a:p>
             <a:pPr algn="ctr"/>
             <a:r>
-              <a:rPr lang="en-GB" sz="900" dirty="0">
+              <a:rPr lang="en-US" sz="900">
                 <a:solidFill>
                   <a:schemeClr val="tx1"/>
                 </a:solidFill>
@@ -9350,26 +12528,13 @@
           <a:p>
             <a:pPr algn="ctr"/>
             <a:r>
-              <a:rPr lang="fr-FR" sz="900" dirty="0" err="1">
+              <a:rPr lang="en-US" sz="900">
                 <a:solidFill>
                   <a:schemeClr val="tx1"/>
                 </a:solidFill>
               </a:rPr>
-              <a:t>Rear</a:t>
-            </a:r>
-            <a:r>
-              <a:rPr lang="fr-FR" sz="900" dirty="0">
-                <a:solidFill>
-                  <a:schemeClr val="tx1"/>
-                </a:solidFill>
-              </a:rPr>
-              <a:t> Right</a:t>
-            </a:r>
-            <a:endParaRPr lang="en-GB" sz="900" dirty="0">
-              <a:solidFill>
-                <a:schemeClr val="tx1"/>
-              </a:solidFill>
-            </a:endParaRPr>
+              <a:t>Rear Right</a:t>
+            </a:r>
           </a:p>
         </p:txBody>
       </p:sp>
@@ -9418,7 +12583,7 @@
           <a:p>
             <a:pPr algn="ctr"/>
             <a:r>
-              <a:rPr lang="en-GB" sz="900" dirty="0">
+              <a:rPr lang="en-US" sz="900">
                 <a:solidFill>
                   <a:schemeClr val="tx1"/>
                 </a:solidFill>
@@ -9429,34 +12594,13 @@
           <a:p>
             <a:pPr algn="ctr"/>
             <a:r>
-              <a:rPr lang="fr-FR" sz="900" dirty="0" err="1">
+              <a:rPr lang="en-US" sz="900">
                 <a:solidFill>
                   <a:schemeClr val="tx1"/>
                 </a:solidFill>
               </a:rPr>
-              <a:t>Rear</a:t>
-            </a:r>
-            <a:r>
-              <a:rPr lang="fr-FR" sz="900" dirty="0">
-                <a:solidFill>
-                  <a:schemeClr val="tx1"/>
-                </a:solidFill>
-              </a:rPr>
-              <a:t> </a:t>
-            </a:r>
-            <a:r>
-              <a:rPr lang="fr-FR" sz="900" dirty="0" err="1">
-                <a:solidFill>
-                  <a:schemeClr val="tx1"/>
-                </a:solidFill>
-              </a:rPr>
-              <a:t>Left</a:t>
-            </a:r>
-            <a:endParaRPr lang="en-GB" sz="900" dirty="0">
-              <a:solidFill>
-                <a:schemeClr val="tx1"/>
-              </a:solidFill>
-            </a:endParaRPr>
+              <a:t>Rear Left</a:t>
+            </a:r>
           </a:p>
         </p:txBody>
       </p:sp>
@@ -9501,14 +12645,14 @@
           <a:p>
             <a:pPr algn="ctr"/>
             <a:r>
-              <a:rPr lang="fr-FR" sz="1200" dirty="0"/>
+              <a:rPr lang="en-US" sz="1200"/>
               <a:t>IMU</a:t>
             </a:r>
           </a:p>
           <a:p>
             <a:pPr algn="ctr"/>
             <a:r>
-              <a:rPr lang="fr-FR" sz="1200" dirty="0"/>
+              <a:rPr lang="en-US" sz="1200"/>
               <a:t>CMPS12</a:t>
             </a:r>
           </a:p>
@@ -9543,7 +12687,7 @@
           <a:lstStyle/>
           <a:p>
             <a:r>
-              <a:rPr lang="fr-FR" b="1" dirty="0">
+              <a:rPr lang="en-US" b="1">
                 <a:solidFill>
                   <a:srgbClr val="FF0000"/>
                 </a:solidFill>
@@ -9582,10 +12726,10 @@
           <a:lstStyle/>
           <a:p>
             <a:r>
-              <a:rPr lang="fr-FR" b="1" dirty="0"/>
+              <a:rPr lang="en-US" b="1"/>
               <a:t>0v</a:t>
             </a:r>
-            <a:endParaRPr lang="fr-FR" dirty="0"/>
+            <a:endParaRPr lang="en-US"/>
           </a:p>
         </p:txBody>
       </p:sp>
@@ -9643,7 +12787,7 @@
           <a:p>
             <a:pPr algn="ctr"/>
             <a:r>
-              <a:rPr lang="en-US" dirty="0">
+              <a:rPr lang="en-US">
                 <a:solidFill>
                   <a:schemeClr val="tx1"/>
                 </a:solidFill>
@@ -9654,28 +12798,12 @@
           <a:p>
             <a:pPr algn="ctr"/>
             <a:r>
-              <a:rPr lang="en-US" dirty="0">
+              <a:rPr lang="en-US">
                 <a:solidFill>
                   <a:schemeClr val="tx1"/>
                 </a:solidFill>
               </a:rPr>
-              <a:t> 2600 </a:t>
-            </a:r>
-            <a:r>
-              <a:rPr lang="en-US" dirty="0" err="1">
-                <a:solidFill>
-                  <a:schemeClr val="tx1"/>
-                </a:solidFill>
-              </a:rPr>
-              <a:t>mAh</a:t>
-            </a:r>
-            <a:r>
-              <a:rPr lang="en-US" dirty="0">
-                <a:solidFill>
-                  <a:schemeClr val="tx1"/>
-                </a:solidFill>
-              </a:rPr>
-              <a:t> </a:t>
+              <a:t> 2600 mAh </a:t>
             </a:r>
           </a:p>
         </p:txBody>
@@ -9696,8 +12824,51 @@
         </p:nvCxnSpPr>
         <p:spPr>
           <a:xfrm flipV="1">
-            <a:off x="11970913" y="73459"/>
-            <a:ext cx="57701" cy="6596379"/>
+            <a:off x="11970913" y="86373"/>
+            <a:ext cx="51640" cy="6583467"/>
+          </a:xfrm>
+          <a:prstGeom prst="line">
+            <a:avLst/>
+          </a:prstGeom>
+          <a:ln w="19050">
+            <a:solidFill>
+              <a:schemeClr val="tx1"/>
+            </a:solidFill>
+          </a:ln>
+        </p:spPr>
+        <p:style>
+          <a:lnRef idx="1">
+            <a:schemeClr val="accent1"/>
+          </a:lnRef>
+          <a:fillRef idx="0">
+            <a:schemeClr val="accent1"/>
+          </a:fillRef>
+          <a:effectRef idx="0">
+            <a:schemeClr val="accent1"/>
+          </a:effectRef>
+          <a:fontRef idx="minor">
+            <a:schemeClr val="tx1"/>
+          </a:fontRef>
+        </p:style>
+      </p:cxnSp>
+      <p:cxnSp>
+        <p:nvCxnSpPr>
+          <p:cNvPr id="157" name="Connecteur droit 156">
+            <a:extLst>
+              <a:ext uri="{FF2B5EF4-FFF2-40B4-BE49-F238E27FC236}">
+                <a16:creationId xmlns:a16="http://schemas.microsoft.com/office/drawing/2014/main" id="{A6AD0292-0A98-4A99-BDBB-265EDF0CC217}"/>
+              </a:ext>
+            </a:extLst>
+          </p:cNvPr>
+          <p:cNvCxnSpPr>
+            <a:cxnSpLocks/>
+          </p:cNvCxnSpPr>
+          <p:nvPr/>
+        </p:nvCxnSpPr>
+        <p:spPr>
+          <a:xfrm flipV="1">
+            <a:off x="11812296" y="692116"/>
+            <a:ext cx="67190" cy="5800833"/>
           </a:xfrm>
           <a:prstGeom prst="line">
             <a:avLst/>
@@ -9725,10 +12896,10 @@
       </p:cxnSp>
       <p:cxnSp>
         <p:nvCxnSpPr>
-          <p:cNvPr id="157" name="Connecteur droit 156">
-            <a:extLst>
-              <a:ext uri="{FF2B5EF4-FFF2-40B4-BE49-F238E27FC236}">
-                <a16:creationId xmlns:a16="http://schemas.microsoft.com/office/drawing/2014/main" id="{A6AD0292-0A98-4A99-BDBB-265EDF0CC217}"/>
+          <p:cNvPr id="168" name="Connecteur droit 167">
+            <a:extLst>
+              <a:ext uri="{FF2B5EF4-FFF2-40B4-BE49-F238E27FC236}">
+                <a16:creationId xmlns:a16="http://schemas.microsoft.com/office/drawing/2014/main" id="{26D53CE7-799C-4F16-A8CE-07BEE28A3493}"/>
               </a:ext>
             </a:extLst>
           </p:cNvPr>
@@ -9739,8 +12910,8 @@
         </p:nvCxnSpPr>
         <p:spPr>
           <a:xfrm flipV="1">
-            <a:off x="11812296" y="275931"/>
-            <a:ext cx="82155" cy="6217018"/>
+            <a:off x="694976" y="5316006"/>
+            <a:ext cx="0" cy="1324869"/>
           </a:xfrm>
           <a:prstGeom prst="line">
             <a:avLst/>
@@ -9768,10 +12939,10 @@
       </p:cxnSp>
       <p:cxnSp>
         <p:nvCxnSpPr>
-          <p:cNvPr id="168" name="Connecteur droit 167">
-            <a:extLst>
-              <a:ext uri="{FF2B5EF4-FFF2-40B4-BE49-F238E27FC236}">
-                <a16:creationId xmlns:a16="http://schemas.microsoft.com/office/drawing/2014/main" id="{26D53CE7-799C-4F16-A8CE-07BEE28A3493}"/>
+          <p:cNvPr id="195" name="Connecteur droit 194">
+            <a:extLst>
+              <a:ext uri="{FF2B5EF4-FFF2-40B4-BE49-F238E27FC236}">
+                <a16:creationId xmlns:a16="http://schemas.microsoft.com/office/drawing/2014/main" id="{076D2D0F-6397-47ED-9470-5B64DB4C7045}"/>
               </a:ext>
             </a:extLst>
           </p:cNvPr>
@@ -9782,8 +12953,8 @@
         </p:nvCxnSpPr>
         <p:spPr>
           <a:xfrm flipV="1">
-            <a:off x="716882" y="5336803"/>
-            <a:ext cx="0" cy="1324869"/>
+            <a:off x="1093985" y="5330338"/>
+            <a:ext cx="0" cy="1093827"/>
           </a:xfrm>
           <a:prstGeom prst="line">
             <a:avLst/>
@@ -9809,49 +12980,6 @@
           </a:fontRef>
         </p:style>
       </p:cxnSp>
-      <p:cxnSp>
-        <p:nvCxnSpPr>
-          <p:cNvPr id="195" name="Connecteur droit 194">
-            <a:extLst>
-              <a:ext uri="{FF2B5EF4-FFF2-40B4-BE49-F238E27FC236}">
-                <a16:creationId xmlns:a16="http://schemas.microsoft.com/office/drawing/2014/main" id="{076D2D0F-6397-47ED-9470-5B64DB4C7045}"/>
-              </a:ext>
-            </a:extLst>
-          </p:cNvPr>
-          <p:cNvCxnSpPr>
-            <a:cxnSpLocks/>
-          </p:cNvCxnSpPr>
-          <p:nvPr/>
-        </p:nvCxnSpPr>
-        <p:spPr>
-          <a:xfrm flipV="1">
-            <a:off x="1093985" y="5316508"/>
-            <a:ext cx="0" cy="1093827"/>
-          </a:xfrm>
-          <a:prstGeom prst="line">
-            <a:avLst/>
-          </a:prstGeom>
-          <a:ln w="19050">
-            <a:solidFill>
-              <a:schemeClr val="tx1"/>
-            </a:solidFill>
-          </a:ln>
-        </p:spPr>
-        <p:style>
-          <a:lnRef idx="1">
-            <a:schemeClr val="accent1"/>
-          </a:lnRef>
-          <a:fillRef idx="0">
-            <a:schemeClr val="accent1"/>
-          </a:fillRef>
-          <a:effectRef idx="0">
-            <a:schemeClr val="accent1"/>
-          </a:effectRef>
-          <a:fontRef idx="minor">
-            <a:schemeClr val="tx1"/>
-          </a:fontRef>
-        </p:style>
-      </p:cxnSp>
       <p:sp>
         <p:nvSpPr>
           <p:cNvPr id="199" name="ZoneTexte 198">
@@ -9866,7 +12994,7 @@
         </p:nvSpPr>
         <p:spPr>
           <a:xfrm>
-            <a:off x="1034949" y="5277818"/>
+            <a:off x="701994" y="5316006"/>
             <a:ext cx="590765" cy="369332"/>
           </a:xfrm>
           <a:prstGeom prst="rect">
@@ -9881,11 +13009,11 @@
           <a:lstStyle/>
           <a:p>
             <a:r>
-              <a:rPr lang="fr-FR" dirty="0"/>
+              <a:rPr lang="en-US" dirty="0"/>
               <a:t>0</a:t>
             </a:r>
             <a:r>
-              <a:rPr lang="fr-FR" sz="1200" dirty="0"/>
+              <a:rPr lang="en-US" sz="1200" dirty="0"/>
               <a:t>V</a:t>
             </a:r>
           </a:p>
@@ -9905,7 +13033,7 @@
         </p:nvSpPr>
         <p:spPr>
           <a:xfrm>
-            <a:off x="623907" y="5302371"/>
+            <a:off x="1021331" y="5321365"/>
             <a:ext cx="590765" cy="369332"/>
           </a:xfrm>
           <a:prstGeom prst="rect">
@@ -9920,7 +13048,7 @@
           <a:lstStyle/>
           <a:p>
             <a:r>
-              <a:rPr lang="fr-FR" dirty="0">
+              <a:rPr lang="en-US" dirty="0">
                 <a:solidFill>
                   <a:srgbClr val="FF0000"/>
                 </a:solidFill>
@@ -9928,7 +13056,7 @@
               <a:t>+5</a:t>
             </a:r>
             <a:r>
-              <a:rPr lang="fr-FR" sz="1200" dirty="0">
+              <a:rPr lang="en-US" sz="1200" dirty="0">
                 <a:solidFill>
                   <a:srgbClr val="FF0000"/>
                 </a:solidFill>
@@ -10004,6 +13132,296 @@
             <a:avLst/>
           </a:prstGeom>
           <a:ln w="38100">
+            <a:solidFill>
+              <a:schemeClr val="tx1"/>
+            </a:solidFill>
+          </a:ln>
+        </p:spPr>
+        <p:style>
+          <a:lnRef idx="1">
+            <a:schemeClr val="accent1"/>
+          </a:lnRef>
+          <a:fillRef idx="0">
+            <a:schemeClr val="accent1"/>
+          </a:fillRef>
+          <a:effectRef idx="0">
+            <a:schemeClr val="accent1"/>
+          </a:effectRef>
+          <a:fontRef idx="minor">
+            <a:schemeClr val="tx1"/>
+          </a:fontRef>
+        </p:style>
+      </p:cxnSp>
+      <p:cxnSp>
+        <p:nvCxnSpPr>
+          <p:cNvPr id="154" name="Connecteur droit 153">
+            <a:extLst>
+              <a:ext uri="{FF2B5EF4-FFF2-40B4-BE49-F238E27FC236}">
+                <a16:creationId xmlns:a16="http://schemas.microsoft.com/office/drawing/2014/main" id="{E99FD839-50F0-4370-9F1A-F2FC77DEE808}"/>
+              </a:ext>
+            </a:extLst>
+          </p:cNvPr>
+          <p:cNvCxnSpPr/>
+          <p:nvPr/>
+        </p:nvCxnSpPr>
+        <p:spPr>
+          <a:xfrm flipV="1">
+            <a:off x="2086899" y="89696"/>
+            <a:ext cx="0" cy="972725"/>
+          </a:xfrm>
+          <a:prstGeom prst="line">
+            <a:avLst/>
+          </a:prstGeom>
+          <a:ln w="19050">
+            <a:solidFill>
+              <a:schemeClr val="tx1"/>
+            </a:solidFill>
+          </a:ln>
+        </p:spPr>
+        <p:style>
+          <a:lnRef idx="1">
+            <a:schemeClr val="accent1"/>
+          </a:lnRef>
+          <a:fillRef idx="0">
+            <a:schemeClr val="accent1"/>
+          </a:fillRef>
+          <a:effectRef idx="0">
+            <a:schemeClr val="accent1"/>
+          </a:effectRef>
+          <a:fontRef idx="minor">
+            <a:schemeClr val="tx1"/>
+          </a:fontRef>
+        </p:style>
+      </p:cxnSp>
+      <p:sp>
+        <p:nvSpPr>
+          <p:cNvPr id="159" name="ZoneTexte 158">
+            <a:extLst>
+              <a:ext uri="{FF2B5EF4-FFF2-40B4-BE49-F238E27FC236}">
+                <a16:creationId xmlns:a16="http://schemas.microsoft.com/office/drawing/2014/main" id="{AC62D47C-AAD1-438A-9BBE-43408566D0F1}"/>
+              </a:ext>
+            </a:extLst>
+          </p:cNvPr>
+          <p:cNvSpPr txBox="1"/>
+          <p:nvPr/>
+        </p:nvSpPr>
+        <p:spPr>
+          <a:xfrm>
+            <a:off x="2074856" y="234253"/>
+            <a:ext cx="928972" cy="215444"/>
+          </a:xfrm>
+          <a:prstGeom prst="rect">
+            <a:avLst/>
+          </a:prstGeom>
+          <a:noFill/>
+          <a:ln>
+            <a:noFill/>
+          </a:ln>
+        </p:spPr>
+        <p:txBody>
+          <a:bodyPr wrap="square" rtlCol="0">
+            <a:spAutoFit/>
+          </a:bodyPr>
+          <a:lstStyle/>
+          <a:p>
+            <a:pPr algn="ctr"/>
+            <a:r>
+              <a:rPr lang="en-US" sz="800" dirty="0">
+                <a:solidFill>
+                  <a:srgbClr val="FF0000"/>
+                </a:solidFill>
+              </a:rPr>
+              <a:t>BEC +5v unused </a:t>
+            </a:r>
+          </a:p>
+        </p:txBody>
+      </p:sp>
+      <p:sp>
+        <p:nvSpPr>
+          <p:cNvPr id="160" name="ZoneTexte 159">
+            <a:extLst>
+              <a:ext uri="{FF2B5EF4-FFF2-40B4-BE49-F238E27FC236}">
+                <a16:creationId xmlns:a16="http://schemas.microsoft.com/office/drawing/2014/main" id="{8886B4FB-52F8-4A2A-8B61-47C369DECCDE}"/>
+              </a:ext>
+            </a:extLst>
+          </p:cNvPr>
+          <p:cNvSpPr txBox="1"/>
+          <p:nvPr/>
+        </p:nvSpPr>
+        <p:spPr>
+          <a:xfrm>
+            <a:off x="3742152" y="243697"/>
+            <a:ext cx="928972" cy="215444"/>
+          </a:xfrm>
+          <a:prstGeom prst="rect">
+            <a:avLst/>
+          </a:prstGeom>
+          <a:noFill/>
+        </p:spPr>
+        <p:txBody>
+          <a:bodyPr wrap="square" rtlCol="0">
+            <a:spAutoFit/>
+          </a:bodyPr>
+          <a:lstStyle/>
+          <a:p>
+            <a:pPr algn="ctr"/>
+            <a:r>
+              <a:rPr lang="en-US" sz="800" dirty="0">
+                <a:solidFill>
+                  <a:srgbClr val="FF0000"/>
+                </a:solidFill>
+              </a:rPr>
+              <a:t>BEC +5v unused </a:t>
+            </a:r>
+          </a:p>
+        </p:txBody>
+      </p:sp>
+      <p:sp>
+        <p:nvSpPr>
+          <p:cNvPr id="162" name="ZoneTexte 161">
+            <a:extLst>
+              <a:ext uri="{FF2B5EF4-FFF2-40B4-BE49-F238E27FC236}">
+                <a16:creationId xmlns:a16="http://schemas.microsoft.com/office/drawing/2014/main" id="{358AA4DC-4FAD-4D19-8DDF-3DF3FD36E087}"/>
+              </a:ext>
+            </a:extLst>
+          </p:cNvPr>
+          <p:cNvSpPr txBox="1"/>
+          <p:nvPr/>
+        </p:nvSpPr>
+        <p:spPr>
+          <a:xfrm>
+            <a:off x="5279546" y="221168"/>
+            <a:ext cx="928972" cy="215444"/>
+          </a:xfrm>
+          <a:prstGeom prst="rect">
+            <a:avLst/>
+          </a:prstGeom>
+          <a:noFill/>
+        </p:spPr>
+        <p:txBody>
+          <a:bodyPr wrap="square" rtlCol="0">
+            <a:spAutoFit/>
+          </a:bodyPr>
+          <a:lstStyle/>
+          <a:p>
+            <a:pPr algn="ctr"/>
+            <a:r>
+              <a:rPr lang="en-US" sz="800" dirty="0">
+                <a:solidFill>
+                  <a:srgbClr val="FF0000"/>
+                </a:solidFill>
+              </a:rPr>
+              <a:t>BEC +5v unused </a:t>
+            </a:r>
+          </a:p>
+        </p:txBody>
+      </p:sp>
+      <p:sp>
+        <p:nvSpPr>
+          <p:cNvPr id="205" name="ZoneTexte 204">
+            <a:extLst>
+              <a:ext uri="{FF2B5EF4-FFF2-40B4-BE49-F238E27FC236}">
+                <a16:creationId xmlns:a16="http://schemas.microsoft.com/office/drawing/2014/main" id="{9CEF8378-E5C7-4F14-8484-42DCB7431717}"/>
+              </a:ext>
+            </a:extLst>
+          </p:cNvPr>
+          <p:cNvSpPr txBox="1"/>
+          <p:nvPr/>
+        </p:nvSpPr>
+        <p:spPr>
+          <a:xfrm>
+            <a:off x="6951891" y="214278"/>
+            <a:ext cx="928972" cy="215444"/>
+          </a:xfrm>
+          <a:prstGeom prst="rect">
+            <a:avLst/>
+          </a:prstGeom>
+          <a:noFill/>
+        </p:spPr>
+        <p:txBody>
+          <a:bodyPr wrap="square" rtlCol="0">
+            <a:spAutoFit/>
+          </a:bodyPr>
+          <a:lstStyle/>
+          <a:p>
+            <a:pPr algn="ctr"/>
+            <a:r>
+              <a:rPr lang="en-US" sz="800" dirty="0">
+                <a:solidFill>
+                  <a:srgbClr val="FF0000"/>
+                </a:solidFill>
+              </a:rPr>
+              <a:t>BEC +5v unused </a:t>
+            </a:r>
+          </a:p>
+        </p:txBody>
+      </p:sp>
+      <p:cxnSp>
+        <p:nvCxnSpPr>
+          <p:cNvPr id="208" name="Connecteur droit 207">
+            <a:extLst>
+              <a:ext uri="{FF2B5EF4-FFF2-40B4-BE49-F238E27FC236}">
+                <a16:creationId xmlns:a16="http://schemas.microsoft.com/office/drawing/2014/main" id="{29D10FC5-55D0-4574-B23B-236C0625047C}"/>
+              </a:ext>
+            </a:extLst>
+          </p:cNvPr>
+          <p:cNvCxnSpPr>
+            <a:cxnSpLocks/>
+          </p:cNvCxnSpPr>
+          <p:nvPr/>
+        </p:nvCxnSpPr>
+        <p:spPr>
+          <a:xfrm flipH="1" flipV="1">
+            <a:off x="10951509" y="698630"/>
+            <a:ext cx="927977" cy="2012"/>
+          </a:xfrm>
+          <a:prstGeom prst="line">
+            <a:avLst/>
+          </a:prstGeom>
+          <a:ln w="19050">
+            <a:solidFill>
+              <a:srgbClr val="FF0000"/>
+            </a:solidFill>
+          </a:ln>
+        </p:spPr>
+        <p:style>
+          <a:lnRef idx="1">
+            <a:schemeClr val="accent1"/>
+          </a:lnRef>
+          <a:fillRef idx="0">
+            <a:schemeClr val="accent1"/>
+          </a:fillRef>
+          <a:effectRef idx="0">
+            <a:schemeClr val="accent1"/>
+          </a:effectRef>
+          <a:fontRef idx="minor">
+            <a:schemeClr val="tx1"/>
+          </a:fontRef>
+        </p:style>
+      </p:cxnSp>
+      <p:cxnSp>
+        <p:nvCxnSpPr>
+          <p:cNvPr id="209" name="Connecteur droit 208">
+            <a:extLst>
+              <a:ext uri="{FF2B5EF4-FFF2-40B4-BE49-F238E27FC236}">
+                <a16:creationId xmlns:a16="http://schemas.microsoft.com/office/drawing/2014/main" id="{28238C15-937A-4670-A892-DB6A965F6445}"/>
+              </a:ext>
+            </a:extLst>
+          </p:cNvPr>
+          <p:cNvCxnSpPr>
+            <a:cxnSpLocks/>
+          </p:cNvCxnSpPr>
+          <p:nvPr/>
+        </p:nvCxnSpPr>
+        <p:spPr>
+          <a:xfrm flipH="1">
+            <a:off x="10946685" y="569059"/>
+            <a:ext cx="1075868" cy="7806"/>
+          </a:xfrm>
+          <a:prstGeom prst="line">
+            <a:avLst/>
+          </a:prstGeom>
+          <a:ln w="19050">
             <a:solidFill>
               <a:schemeClr val="tx1"/>
             </a:solidFill>
@@ -10811,6 +14229,14 @@
 <file path=ppt/slides/slide11.xml><?xml version="1.0" encoding="utf-8"?>
 <p:sld xmlns:a="http://schemas.openxmlformats.org/drawingml/2006/main" xmlns:r="http://schemas.openxmlformats.org/officeDocument/2006/relationships" xmlns:p="http://schemas.openxmlformats.org/presentationml/2006/main">
   <p:cSld>
+    <p:bg>
+      <p:bgPr>
+        <a:solidFill>
+          <a:schemeClr val="bg1"/>
+        </a:solidFill>
+        <a:effectLst/>
+      </p:bgPr>
+    </p:bg>
     <p:spTree>
       <p:nvGrpSpPr>
         <p:cNvPr id="1" name=""/>
@@ -10843,27 +14269,1056 @@
         </p:nvSpPr>
         <p:spPr>
           <a:xfrm>
+            <a:off x="838200" y="365125"/>
+            <a:ext cx="10515600" cy="1325563"/>
+          </a:xfrm>
+        </p:spPr>
+        <p:txBody>
+          <a:bodyPr vert="horz" lIns="91440" tIns="45720" rIns="91440" bIns="45720" rtlCol="0">
+            <a:normAutofit/>
+          </a:bodyPr>
+          <a:lstStyle/>
+          <a:p>
+            <a:br>
+              <a:rPr lang="en-US"/>
+            </a:br>
+            <a:r>
+              <a:rPr lang="en-US"/>
+              <a:t>Motors</a:t>
+            </a:r>
+          </a:p>
+        </p:txBody>
+      </p:sp>
+      <p:graphicFrame>
+        <p:nvGraphicFramePr>
+          <p:cNvPr id="5" name="ZoneTexte 2">
+            <a:extLst>
+              <a:ext uri="{FF2B5EF4-FFF2-40B4-BE49-F238E27FC236}">
+                <a16:creationId xmlns:a16="http://schemas.microsoft.com/office/drawing/2014/main" id="{2FC87C72-0FA2-4748-B865-486A4FF8B3A2}"/>
+              </a:ext>
+            </a:extLst>
+          </p:cNvPr>
+          <p:cNvGraphicFramePr/>
+          <p:nvPr>
+            <p:extLst>
+              <p:ext uri="{D42A27DB-BD31-4B8C-83A1-F6EECF244321}">
+                <p14:modId xmlns:p14="http://schemas.microsoft.com/office/powerpoint/2010/main" val="1465456065"/>
+              </p:ext>
+            </p:extLst>
+          </p:nvPr>
+        </p:nvGraphicFramePr>
+        <p:xfrm>
+          <a:off x="838200" y="1825625"/>
+          <a:ext cx="10515600" cy="4351338"/>
+        </p:xfrm>
+        <a:graphic>
+          <a:graphicData uri="http://schemas.openxmlformats.org/drawingml/2006/diagram">
+            <dgm:relIds xmlns:dgm="http://schemas.openxmlformats.org/drawingml/2006/diagram" xmlns:r="http://schemas.openxmlformats.org/officeDocument/2006/relationships" r:dm="rId2" r:lo="rId3" r:qs="rId4" r:cs="rId5"/>
+          </a:graphicData>
+        </a:graphic>
+      </p:graphicFrame>
+    </p:spTree>
+    <p:extLst>
+      <p:ext uri="{BB962C8B-B14F-4D97-AF65-F5344CB8AC3E}">
+        <p14:creationId xmlns:p14="http://schemas.microsoft.com/office/powerpoint/2010/main" val="1673048748"/>
+      </p:ext>
+    </p:extLst>
+  </p:cSld>
+  <p:clrMapOvr>
+    <a:masterClrMapping/>
+  </p:clrMapOvr>
+</p:sld>
+</file>
+
+<file path=ppt/slides/slide12.xml><?xml version="1.0" encoding="utf-8"?>
+<p:sld xmlns:a="http://schemas.openxmlformats.org/drawingml/2006/main" xmlns:r="http://schemas.openxmlformats.org/officeDocument/2006/relationships" xmlns:p="http://schemas.openxmlformats.org/presentationml/2006/main">
+  <p:cSld>
+    <p:spTree>
+      <p:nvGrpSpPr>
+        <p:cNvPr id="1" name=""/>
+        <p:cNvGrpSpPr/>
+        <p:nvPr/>
+      </p:nvGrpSpPr>
+      <p:grpSpPr>
+        <a:xfrm>
+          <a:off x="0" y="0"/>
+          <a:ext cx="0" cy="0"/>
+          <a:chOff x="0" y="0"/>
+          <a:chExt cx="0" cy="0"/>
+        </a:xfrm>
+      </p:grpSpPr>
+      <p:sp>
+        <p:nvSpPr>
+          <p:cNvPr id="2" name="Titre 1">
+            <a:extLst>
+              <a:ext uri="{FF2B5EF4-FFF2-40B4-BE49-F238E27FC236}">
+                <a16:creationId xmlns:a16="http://schemas.microsoft.com/office/drawing/2014/main" id="{E7E79103-8489-4D3F-B51C-E2763B0CEBFD}"/>
+              </a:ext>
+            </a:extLst>
+          </p:cNvPr>
+          <p:cNvSpPr>
+            <a:spLocks noGrp="1"/>
+          </p:cNvSpPr>
+          <p:nvPr>
+            <p:ph type="title"/>
+          </p:nvPr>
+        </p:nvSpPr>
+        <p:spPr/>
+        <p:txBody>
+          <a:bodyPr>
+            <a:normAutofit fontScale="90000"/>
+          </a:bodyPr>
+          <a:lstStyle/>
+          <a:p>
+            <a:r>
+              <a:rPr lang="en-US" dirty="0"/>
+              <a:t>4 Motors </a:t>
+            </a:r>
+            <a:r>
+              <a:rPr lang="nb-NO" b="1" dirty="0"/>
+              <a:t>Turnigy Aerodrive SK3 de Brushless Outrunner </a:t>
+            </a:r>
+            <a:r>
+              <a:rPr lang="nb-NO" dirty="0"/>
+              <a:t>(Hobby King </a:t>
+            </a:r>
+            <a:r>
+              <a:rPr lang="en-US" dirty="0"/>
+              <a:t>9192000242-0)</a:t>
+            </a:r>
+            <a:br>
+              <a:rPr lang="nb-NO" dirty="0"/>
+            </a:br>
+            <a:endParaRPr lang="en-US" dirty="0"/>
+          </a:p>
+        </p:txBody>
+      </p:sp>
+      <p:sp>
+        <p:nvSpPr>
+          <p:cNvPr id="3" name="Espace réservé du contenu 2">
+            <a:extLst>
+              <a:ext uri="{FF2B5EF4-FFF2-40B4-BE49-F238E27FC236}">
+                <a16:creationId xmlns:a16="http://schemas.microsoft.com/office/drawing/2014/main" id="{24AB464A-4857-4FF5-A7D5-D24B4CF4401F}"/>
+              </a:ext>
+            </a:extLst>
+          </p:cNvPr>
+          <p:cNvSpPr>
+            <a:spLocks noGrp="1"/>
+          </p:cNvSpPr>
+          <p:nvPr>
+            <p:ph idx="1"/>
+          </p:nvPr>
+        </p:nvSpPr>
+        <p:spPr/>
+        <p:txBody>
+          <a:bodyPr>
+            <a:normAutofit fontScale="92500" lnSpcReduction="10000"/>
+          </a:bodyPr>
+          <a:lstStyle/>
+          <a:p>
+            <a:pPr marL="0" indent="0">
+              <a:buNone/>
+            </a:pPr>
+            <a:r>
+              <a:rPr lang="fr-FR" dirty="0"/>
+              <a:t>Tension: </a:t>
+            </a:r>
+            <a:r>
+              <a:rPr lang="fr-FR" b="1" dirty="0"/>
+              <a:t>6.4 ~ 12.6V (2 ~ 3S </a:t>
+            </a:r>
+            <a:r>
+              <a:rPr lang="fr-FR" b="1" dirty="0" err="1"/>
+              <a:t>LiPoly</a:t>
+            </a:r>
+            <a:r>
+              <a:rPr lang="fr-FR" b="1" dirty="0"/>
+              <a:t>)</a:t>
+            </a:r>
+            <a:r>
+              <a:rPr lang="fr-FR" dirty="0"/>
+              <a:t> </a:t>
+            </a:r>
+            <a:br>
+              <a:rPr lang="fr-FR" dirty="0"/>
+            </a:br>
+            <a:r>
+              <a:rPr lang="fr-FR" dirty="0"/>
+              <a:t>RPM / V: </a:t>
+            </a:r>
+            <a:r>
+              <a:rPr lang="fr-FR" b="1" dirty="0"/>
+              <a:t>920kv</a:t>
+            </a:r>
+            <a:r>
+              <a:rPr lang="fr-FR" dirty="0"/>
+              <a:t> </a:t>
+            </a:r>
+            <a:br>
+              <a:rPr lang="fr-FR" dirty="0"/>
+            </a:br>
+            <a:r>
+              <a:rPr lang="fr-FR" dirty="0"/>
+              <a:t>Puissance: </a:t>
+            </a:r>
+            <a:r>
+              <a:rPr lang="fr-FR" b="1" dirty="0"/>
+              <a:t>165W</a:t>
+            </a:r>
+            <a:r>
+              <a:rPr lang="fr-FR" dirty="0"/>
+              <a:t> </a:t>
+            </a:r>
+            <a:br>
+              <a:rPr lang="fr-FR" dirty="0"/>
+            </a:br>
+            <a:r>
+              <a:rPr lang="fr-FR" dirty="0"/>
+              <a:t>Courant max: </a:t>
+            </a:r>
+            <a:r>
+              <a:rPr lang="fr-FR" b="1" dirty="0"/>
+              <a:t>17A</a:t>
+            </a:r>
+            <a:r>
+              <a:rPr lang="fr-FR" dirty="0"/>
+              <a:t> </a:t>
+            </a:r>
+            <a:br>
+              <a:rPr lang="fr-FR" dirty="0"/>
+            </a:br>
+            <a:r>
+              <a:rPr lang="fr-FR" dirty="0"/>
+              <a:t>Courant au repos: </a:t>
+            </a:r>
+            <a:r>
+              <a:rPr lang="fr-FR" b="1" dirty="0"/>
+              <a:t>0.95A</a:t>
+            </a:r>
+            <a:r>
+              <a:rPr lang="fr-FR" dirty="0"/>
+              <a:t> </a:t>
+            </a:r>
+            <a:br>
+              <a:rPr lang="fr-FR" dirty="0"/>
+            </a:br>
+            <a:r>
+              <a:rPr lang="fr-FR" dirty="0"/>
+              <a:t>Résistance: </a:t>
+            </a:r>
+            <a:r>
+              <a:rPr lang="fr-FR" b="1" dirty="0"/>
+              <a:t>140mh</a:t>
+            </a:r>
+            <a:r>
+              <a:rPr lang="fr-FR" dirty="0"/>
+              <a:t> </a:t>
+            </a:r>
+            <a:br>
+              <a:rPr lang="fr-FR" dirty="0"/>
+            </a:br>
+            <a:r>
+              <a:rPr lang="fr-FR" dirty="0" err="1"/>
+              <a:t>Shaft</a:t>
+            </a:r>
+            <a:r>
+              <a:rPr lang="fr-FR" dirty="0"/>
+              <a:t>: </a:t>
+            </a:r>
+            <a:r>
+              <a:rPr lang="fr-FR" b="1" dirty="0"/>
+              <a:t>3mm</a:t>
+            </a:r>
+            <a:r>
+              <a:rPr lang="fr-FR" dirty="0"/>
+              <a:t> </a:t>
+            </a:r>
+            <a:br>
+              <a:rPr lang="fr-FR" dirty="0"/>
+            </a:br>
+            <a:r>
+              <a:rPr lang="fr-FR" dirty="0"/>
+              <a:t>L' espacement des trous de boulons: </a:t>
+            </a:r>
+            <a:r>
+              <a:rPr lang="fr-FR" b="1" dirty="0"/>
+              <a:t>16 x 19mm</a:t>
+            </a:r>
+            <a:r>
+              <a:rPr lang="fr-FR" dirty="0"/>
+              <a:t> </a:t>
+            </a:r>
+            <a:br>
+              <a:rPr lang="fr-FR" dirty="0"/>
+            </a:br>
+            <a:r>
+              <a:rPr lang="fr-FR" dirty="0"/>
+              <a:t>Fil de Bolt: </a:t>
+            </a:r>
+            <a:r>
+              <a:rPr lang="fr-FR" b="1" dirty="0"/>
+              <a:t>M2</a:t>
+            </a:r>
+            <a:r>
+              <a:rPr lang="fr-FR" dirty="0"/>
+              <a:t> </a:t>
+            </a:r>
+            <a:br>
+              <a:rPr lang="fr-FR" dirty="0"/>
+            </a:br>
+            <a:r>
+              <a:rPr lang="fr-FR" dirty="0"/>
+              <a:t>Fiche: </a:t>
+            </a:r>
+            <a:r>
+              <a:rPr lang="fr-FR" b="1" dirty="0"/>
+              <a:t>3.5mm Bullet</a:t>
+            </a:r>
+            <a:r>
+              <a:rPr lang="fr-FR" dirty="0"/>
+              <a:t> </a:t>
+            </a:r>
+            <a:br>
+              <a:rPr lang="fr-FR" dirty="0"/>
+            </a:br>
+            <a:r>
+              <a:rPr lang="fr-FR" dirty="0"/>
+              <a:t>ESC suggérée: </a:t>
+            </a:r>
+            <a:r>
+              <a:rPr lang="fr-FR" b="1" dirty="0"/>
+              <a:t>20A</a:t>
+            </a:r>
+            <a:r>
+              <a:rPr lang="fr-FR" dirty="0"/>
+              <a:t> </a:t>
+            </a:r>
+            <a:br>
+              <a:rPr lang="fr-FR" dirty="0"/>
+            </a:br>
+            <a:r>
+              <a:rPr lang="fr-FR" dirty="0"/>
+              <a:t>Dimensions du moteur: </a:t>
+            </a:r>
+            <a:r>
+              <a:rPr lang="fr-FR" b="1" dirty="0"/>
+              <a:t>30 x 28mm</a:t>
+            </a:r>
+            <a:r>
+              <a:rPr lang="fr-FR" dirty="0"/>
+              <a:t> </a:t>
+            </a:r>
+            <a:br>
+              <a:rPr lang="fr-FR" dirty="0"/>
+            </a:br>
+            <a:r>
+              <a:rPr lang="fr-FR" dirty="0"/>
+              <a:t>Poids: </a:t>
+            </a:r>
+            <a:r>
+              <a:rPr lang="fr-FR" b="1" dirty="0"/>
+              <a:t>55g</a:t>
+            </a:r>
+            <a:endParaRPr lang="fr-FR" dirty="0"/>
+          </a:p>
+          <a:p>
+            <a:endParaRPr lang="en-US" dirty="0"/>
+          </a:p>
+        </p:txBody>
+      </p:sp>
+    </p:spTree>
+    <p:extLst>
+      <p:ext uri="{BB962C8B-B14F-4D97-AF65-F5344CB8AC3E}">
+        <p14:creationId xmlns:p14="http://schemas.microsoft.com/office/powerpoint/2010/main" val="605291087"/>
+      </p:ext>
+    </p:extLst>
+  </p:cSld>
+  <p:clrMapOvr>
+    <a:masterClrMapping/>
+  </p:clrMapOvr>
+</p:sld>
+</file>
+
+<file path=ppt/slides/slide13.xml><?xml version="1.0" encoding="utf-8"?>
+<p:sld xmlns:a="http://schemas.openxmlformats.org/drawingml/2006/main" xmlns:r="http://schemas.openxmlformats.org/officeDocument/2006/relationships" xmlns:p="http://schemas.openxmlformats.org/presentationml/2006/main">
+  <p:cSld>
+    <p:spTree>
+      <p:nvGrpSpPr>
+        <p:cNvPr id="1" name=""/>
+        <p:cNvGrpSpPr/>
+        <p:nvPr/>
+      </p:nvGrpSpPr>
+      <p:grpSpPr>
+        <a:xfrm>
+          <a:off x="0" y="0"/>
+          <a:ext cx="0" cy="0"/>
+          <a:chOff x="0" y="0"/>
+          <a:chExt cx="0" cy="0"/>
+        </a:xfrm>
+      </p:grpSpPr>
+      <p:sp>
+        <p:nvSpPr>
+          <p:cNvPr id="2" name="Titre 1">
+            <a:extLst>
+              <a:ext uri="{FF2B5EF4-FFF2-40B4-BE49-F238E27FC236}">
+                <a16:creationId xmlns:a16="http://schemas.microsoft.com/office/drawing/2014/main" id="{8DDCDBDF-D8CC-44B1-A599-F6FD2A53CCC8}"/>
+              </a:ext>
+            </a:extLst>
+          </p:cNvPr>
+          <p:cNvSpPr>
+            <a:spLocks noGrp="1"/>
+          </p:cNvSpPr>
+          <p:nvPr>
+            <p:ph type="title"/>
+          </p:nvPr>
+        </p:nvSpPr>
+        <p:spPr>
+          <a:xfrm>
             <a:off x="723900" y="190500"/>
             <a:ext cx="10515600" cy="750888"/>
           </a:xfrm>
         </p:spPr>
         <p:txBody>
           <a:bodyPr>
-            <a:normAutofit fontScale="90000"/>
+            <a:normAutofit/>
           </a:bodyPr>
           <a:lstStyle/>
           <a:p>
             <a:r>
               <a:rPr lang="en-US" dirty="0"/>
-              <a:t>4 ESC (Electronic Speed Controller) </a:t>
+              <a:t>Propeller</a:t>
+            </a:r>
+          </a:p>
+        </p:txBody>
+      </p:sp>
+      <p:sp>
+        <p:nvSpPr>
+          <p:cNvPr id="3" name="ZoneTexte 2">
+            <a:extLst>
+              <a:ext uri="{FF2B5EF4-FFF2-40B4-BE49-F238E27FC236}">
+                <a16:creationId xmlns:a16="http://schemas.microsoft.com/office/drawing/2014/main" id="{E15610A9-25FD-4D8B-849D-688F981EBF5B}"/>
+              </a:ext>
+            </a:extLst>
+          </p:cNvPr>
+          <p:cNvSpPr txBox="1"/>
+          <p:nvPr/>
+        </p:nvSpPr>
+        <p:spPr>
+          <a:xfrm>
+            <a:off x="723900" y="1166842"/>
+            <a:ext cx="10799316" cy="5078313"/>
+          </a:xfrm>
+          <a:prstGeom prst="rect">
+            <a:avLst/>
+          </a:prstGeom>
+          <a:noFill/>
+        </p:spPr>
+        <p:txBody>
+          <a:bodyPr wrap="square" rtlCol="0">
+            <a:spAutoFit/>
+          </a:bodyPr>
+          <a:lstStyle/>
+          <a:p>
+            <a:r>
+              <a:rPr lang="fr-FR" u="sng" dirty="0"/>
+              <a:t>Size</a:t>
+            </a:r>
+          </a:p>
+          <a:p>
+            <a:endParaRPr lang="fr-FR" dirty="0"/>
+          </a:p>
+          <a:p>
+            <a:pPr lvl="1"/>
+            <a:r>
+              <a:rPr lang="en-US" dirty="0"/>
+              <a:t>A so-called long propeller will spin slower than a short propeller. Its lift capacity, however, will naturally be more important because of its size. Moreover, its size brings stability in flight.</a:t>
+            </a:r>
+            <a:br>
+              <a:rPr lang="en-US" dirty="0"/>
+            </a:br>
+            <a:r>
+              <a:rPr lang="en-US" dirty="0"/>
+              <a:t>A short propeller will spin faster than a long propeller. It will have less lift but will bring reactivity in flight</a:t>
+            </a:r>
+            <a:endParaRPr lang="fr-FR" dirty="0"/>
+          </a:p>
+          <a:p>
+            <a:endParaRPr lang="fr-FR" dirty="0"/>
+          </a:p>
+          <a:p>
+            <a:r>
+              <a:rPr lang="fr-FR" u="sng" dirty="0"/>
+              <a:t>Pitch</a:t>
+            </a:r>
+          </a:p>
+          <a:p>
+            <a:endParaRPr lang="fr-FR" dirty="0"/>
+          </a:p>
+          <a:p>
+            <a:pPr lvl="1"/>
+            <a:r>
+              <a:rPr lang="en-US" dirty="0"/>
+              <a:t>A high pitch implies a low lift but a high maximum rotation speed. A lower step implies better lift but a limited maximum speed of rotation (by compensation).</a:t>
+            </a:r>
+          </a:p>
+          <a:p>
+            <a:pPr lvl="1"/>
+            <a:endParaRPr lang="en-US" dirty="0"/>
+          </a:p>
+          <a:p>
+            <a:r>
+              <a:rPr lang="en-US" dirty="0"/>
+              <a:t>I have </a:t>
+            </a:r>
+            <a:r>
+              <a:rPr lang="fr-FR" dirty="0" err="1"/>
+              <a:t>selected</a:t>
+            </a:r>
+            <a:r>
+              <a:rPr lang="fr-FR" dirty="0"/>
+              <a:t>:</a:t>
+            </a:r>
+            <a:endParaRPr lang="en-US" dirty="0"/>
+          </a:p>
+          <a:p>
+            <a:pPr lvl="1"/>
+            <a:r>
+              <a:rPr lang="en-US" dirty="0"/>
+              <a:t>size: 	   10 </a:t>
             </a:r>
             <a:r>
               <a:rPr lang="en-US" dirty="0" err="1"/>
+              <a:t>pouces</a:t>
+            </a:r>
+            <a:r>
+              <a:rPr lang="en-US" dirty="0"/>
+              <a:t> (25,4 cm) =&gt; length frame &gt; 23 cm</a:t>
+            </a:r>
+            <a:r>
+              <a:rPr lang="en-US" dirty="0">
+                <a:solidFill>
+                  <a:srgbClr val="434343"/>
+                </a:solidFill>
+                <a:latin typeface="texgyreadventor-regular"/>
+              </a:rPr>
+              <a:t>  </a:t>
+            </a:r>
+            <a:r>
+              <a:rPr lang="en-US" dirty="0">
+                <a:solidFill>
+                  <a:srgbClr val="434343"/>
+                </a:solidFill>
+                <a:latin typeface="MJXc-TeX-math-I"/>
+              </a:rPr>
+              <a:t>length min</a:t>
+            </a:r>
+            <a:r>
+              <a:rPr lang="en-US" dirty="0">
+                <a:solidFill>
+                  <a:srgbClr val="434343"/>
+                </a:solidFill>
+                <a:latin typeface="MJXc-TeX-main-R"/>
+              </a:rPr>
+              <a:t>=(25.4+6.5)√2</a:t>
+            </a:r>
+            <a:endParaRPr lang="en-US" dirty="0"/>
+          </a:p>
+          <a:p>
+            <a:pPr lvl="1"/>
+            <a:r>
+              <a:rPr lang="en-US" dirty="0"/>
+              <a:t>pitch: 4.5 </a:t>
+            </a:r>
+            <a:r>
+              <a:rPr lang="en-US" dirty="0" err="1"/>
+              <a:t>pouces</a:t>
+            </a:r>
+            <a:r>
+              <a:rPr lang="en-US" cap="all" dirty="0"/>
+              <a:t> (10,2 cm)</a:t>
+            </a:r>
+          </a:p>
+          <a:p>
+            <a:endParaRPr lang="en-US" cap="all" dirty="0"/>
+          </a:p>
+          <a:p>
+            <a:pPr marL="285750" indent="-285750">
+              <a:buFont typeface="Arial" panose="020B0604020202020204" pitchFamily="34" charset="0"/>
+              <a:buChar char="•"/>
+            </a:pPr>
+            <a:r>
+              <a:rPr lang="en-US" dirty="0" err="1"/>
+              <a:t>ClockWise</a:t>
+            </a:r>
+            <a:r>
+              <a:rPr lang="en-US" dirty="0"/>
+              <a:t>: </a:t>
+            </a:r>
+            <a:r>
+              <a:rPr lang="en-US" b="1" dirty="0"/>
+              <a:t>GWS style </a:t>
+            </a:r>
+            <a:r>
+              <a:rPr lang="en-US" b="1" dirty="0" err="1"/>
+              <a:t>slowfly</a:t>
+            </a:r>
+            <a:r>
+              <a:rPr lang="en-US" b="1" dirty="0"/>
+              <a:t> </a:t>
+            </a:r>
+            <a:r>
+              <a:rPr lang="en-US" b="1" dirty="0" err="1"/>
+              <a:t>Hélice</a:t>
+            </a:r>
+            <a:r>
+              <a:rPr lang="en-US" b="1" dirty="0"/>
+              <a:t> 10x4.5 Noir (CW)</a:t>
+            </a:r>
+            <a:r>
+              <a:rPr lang="en-US" dirty="0"/>
+              <a:t>(Hobby King 9329000027)</a:t>
+            </a:r>
+          </a:p>
+          <a:p>
+            <a:pPr marL="285750" indent="-285750">
+              <a:buFont typeface="Arial" panose="020B0604020202020204" pitchFamily="34" charset="0"/>
+              <a:buChar char="•"/>
+            </a:pPr>
+            <a:r>
+              <a:rPr lang="en-US" dirty="0" err="1"/>
+              <a:t>CounterClockWise</a:t>
+            </a:r>
+            <a:r>
+              <a:rPr lang="en-US" dirty="0"/>
+              <a:t>: </a:t>
+            </a:r>
+            <a:r>
+              <a:rPr lang="en-US" b="1" dirty="0"/>
+              <a:t>GWS style </a:t>
+            </a:r>
+            <a:r>
+              <a:rPr lang="en-US" b="1" dirty="0" err="1"/>
+              <a:t>slowfly</a:t>
+            </a:r>
+            <a:r>
+              <a:rPr lang="en-US" b="1" dirty="0"/>
+              <a:t> </a:t>
+            </a:r>
+            <a:r>
+              <a:rPr lang="en-US" b="1" dirty="0" err="1"/>
+              <a:t>Hélice</a:t>
+            </a:r>
+            <a:r>
+              <a:rPr lang="en-US" b="1" dirty="0"/>
+              <a:t> 10x4.5 Green (CCW) </a:t>
+            </a:r>
+            <a:r>
+              <a:rPr lang="en-US" dirty="0"/>
+              <a:t>(Hobby King 9329000028)</a:t>
+            </a:r>
+          </a:p>
+          <a:p>
+            <a:endParaRPr lang="en-US" dirty="0"/>
+          </a:p>
+        </p:txBody>
+      </p:sp>
+    </p:spTree>
+    <p:extLst>
+      <p:ext uri="{BB962C8B-B14F-4D97-AF65-F5344CB8AC3E}">
+        <p14:creationId xmlns:p14="http://schemas.microsoft.com/office/powerpoint/2010/main" val="1027070971"/>
+      </p:ext>
+    </p:extLst>
+  </p:cSld>
+  <p:clrMapOvr>
+    <a:masterClrMapping/>
+  </p:clrMapOvr>
+</p:sld>
+</file>
+
+<file path=ppt/slides/slide14.xml><?xml version="1.0" encoding="utf-8"?>
+<p:sld xmlns:a="http://schemas.openxmlformats.org/drawingml/2006/main" xmlns:r="http://schemas.openxmlformats.org/officeDocument/2006/relationships" xmlns:p="http://schemas.openxmlformats.org/presentationml/2006/main">
+  <p:cSld>
+    <p:spTree>
+      <p:nvGrpSpPr>
+        <p:cNvPr id="1" name=""/>
+        <p:cNvGrpSpPr/>
+        <p:nvPr/>
+      </p:nvGrpSpPr>
+      <p:grpSpPr>
+        <a:xfrm>
+          <a:off x="0" y="0"/>
+          <a:ext cx="0" cy="0"/>
+          <a:chOff x="0" y="0"/>
+          <a:chExt cx="0" cy="0"/>
+        </a:xfrm>
+      </p:grpSpPr>
+      <p:sp>
+        <p:nvSpPr>
+          <p:cNvPr id="2" name="Titre 1">
+            <a:extLst>
+              <a:ext uri="{FF2B5EF4-FFF2-40B4-BE49-F238E27FC236}">
+                <a16:creationId xmlns:a16="http://schemas.microsoft.com/office/drawing/2014/main" id="{29EF8B37-1DB7-4A7C-A5A3-90529CB8BC25}"/>
+              </a:ext>
+            </a:extLst>
+          </p:cNvPr>
+          <p:cNvSpPr>
+            <a:spLocks noGrp="1"/>
+          </p:cNvSpPr>
+          <p:nvPr>
+            <p:ph type="title"/>
+          </p:nvPr>
+        </p:nvSpPr>
+        <p:spPr/>
+        <p:txBody>
+          <a:bodyPr/>
+          <a:lstStyle/>
+          <a:p>
+            <a:r>
+              <a:rPr lang="en-US" dirty="0"/>
+              <a:t>Electronic Speed Controller ESC</a:t>
+            </a:r>
+          </a:p>
+        </p:txBody>
+      </p:sp>
+      <p:sp>
+        <p:nvSpPr>
+          <p:cNvPr id="3" name="Espace réservé du contenu 2">
+            <a:extLst>
+              <a:ext uri="{FF2B5EF4-FFF2-40B4-BE49-F238E27FC236}">
+                <a16:creationId xmlns:a16="http://schemas.microsoft.com/office/drawing/2014/main" id="{EB2683F0-B956-49D4-8887-AAE667D4AD14}"/>
+              </a:ext>
+            </a:extLst>
+          </p:cNvPr>
+          <p:cNvSpPr>
+            <a:spLocks noGrp="1"/>
+          </p:cNvSpPr>
+          <p:nvPr>
+            <p:ph idx="1"/>
+          </p:nvPr>
+        </p:nvSpPr>
+        <p:spPr/>
+        <p:txBody>
+          <a:bodyPr>
+            <a:normAutofit fontScale="77500" lnSpcReduction="20000"/>
+          </a:bodyPr>
+          <a:lstStyle/>
+          <a:p>
+            <a:pPr marL="0" indent="0">
+              <a:buNone/>
+            </a:pPr>
+            <a:r>
+              <a:rPr lang="fr-FR" dirty="0"/>
+              <a:t>Courant max </a:t>
+            </a:r>
+            <a:r>
+              <a:rPr lang="fr-FR" dirty="0" err="1"/>
+              <a:t>Motor</a:t>
+            </a:r>
+            <a:r>
+              <a:rPr lang="fr-FR" dirty="0"/>
+              <a:t>: </a:t>
+            </a:r>
+            <a:r>
+              <a:rPr lang="fr-FR" b="1" dirty="0"/>
+              <a:t>17A</a:t>
+            </a:r>
+            <a:r>
+              <a:rPr lang="fr-FR" dirty="0"/>
+              <a:t> </a:t>
+            </a:r>
+          </a:p>
+          <a:p>
+            <a:pPr>
+              <a:buFont typeface="Symbol" panose="05050102010706020507" pitchFamily="18" charset="2"/>
+              <a:buChar char="Þ"/>
+            </a:pPr>
+            <a:r>
+              <a:rPr lang="fr-FR" dirty="0"/>
+              <a:t> ESC 20A</a:t>
+            </a:r>
+          </a:p>
+          <a:p>
+            <a:pPr>
+              <a:buFont typeface="Symbol" panose="05050102010706020507" pitchFamily="18" charset="2"/>
+              <a:buChar char="Þ"/>
+            </a:pPr>
+            <a:endParaRPr lang="fr-FR" dirty="0"/>
+          </a:p>
+          <a:p>
+            <a:pPr marL="0" indent="0">
+              <a:buNone/>
+            </a:pPr>
+            <a:r>
+              <a:rPr lang="fr-FR" dirty="0"/>
+              <a:t>I have </a:t>
+            </a:r>
+            <a:r>
+              <a:rPr lang="fr-FR" dirty="0" err="1"/>
+              <a:t>selected</a:t>
+            </a:r>
+            <a:r>
+              <a:rPr lang="fr-FR" dirty="0"/>
+              <a:t> </a:t>
+            </a:r>
+            <a:r>
+              <a:rPr lang="en-US" b="1" dirty="0" err="1"/>
               <a:t>Turnigy</a:t>
             </a:r>
             <a:r>
+              <a:rPr lang="en-US" b="1" dirty="0"/>
+              <a:t> AE-20A Brushless ESC </a:t>
+            </a:r>
+            <a:r>
               <a:rPr lang="en-US" dirty="0"/>
-              <a:t> AE-20A Brushless ESC</a:t>
+              <a:t>(Hobby king TAE-20A)</a:t>
+            </a:r>
+          </a:p>
+          <a:p>
+            <a:pPr marL="457200" lvl="1" indent="0">
+              <a:buNone/>
+            </a:pPr>
+            <a:r>
+              <a:rPr lang="en-US" dirty="0"/>
+              <a:t>Sortie: 20A continue, </a:t>
+            </a:r>
+            <a:r>
+              <a:rPr lang="en-US" dirty="0" err="1"/>
+              <a:t>éclater</a:t>
+            </a:r>
+            <a:r>
+              <a:rPr lang="en-US" dirty="0"/>
+              <a:t> 25A </a:t>
+            </a:r>
+            <a:r>
+              <a:rPr lang="en-US" dirty="0" err="1"/>
+              <a:t>jusqu'à</a:t>
+            </a:r>
+            <a:r>
+              <a:rPr lang="en-US" dirty="0"/>
+              <a:t> 10 </a:t>
+            </a:r>
+            <a:r>
+              <a:rPr lang="en-US" dirty="0" err="1"/>
+              <a:t>secondes</a:t>
+            </a:r>
+            <a:r>
+              <a:rPr lang="en-US" dirty="0"/>
+              <a:t>. </a:t>
+            </a:r>
+            <a:br>
+              <a:rPr lang="en-US" dirty="0"/>
+            </a:br>
+            <a:r>
+              <a:rPr lang="en-US" dirty="0"/>
+              <a:t>Tension </a:t>
+            </a:r>
+            <a:r>
+              <a:rPr lang="en-US" dirty="0" err="1"/>
+              <a:t>d'entrée</a:t>
+            </a:r>
+            <a:r>
+              <a:rPr lang="en-US" dirty="0"/>
+              <a:t>: 2-4 cellules batterie lithium </a:t>
+            </a:r>
+            <a:r>
+              <a:rPr lang="en-US" dirty="0" err="1"/>
+              <a:t>ou</a:t>
+            </a:r>
+            <a:r>
+              <a:rPr lang="en-US" dirty="0"/>
+              <a:t> 5-12 cellules de batterie NIMH. </a:t>
+            </a:r>
+            <a:br>
+              <a:rPr lang="en-US" dirty="0"/>
+            </a:br>
+            <a:r>
+              <a:rPr lang="en-US" b="1" dirty="0"/>
+              <a:t>BEC: </a:t>
+            </a:r>
+            <a:r>
+              <a:rPr lang="en-US" b="1" dirty="0" err="1"/>
+              <a:t>Linéaire</a:t>
+            </a:r>
+            <a:r>
+              <a:rPr lang="en-US" b="1" dirty="0"/>
+              <a:t> 2A @ 5V</a:t>
+            </a:r>
+            <a:r>
+              <a:rPr lang="en-US" dirty="0"/>
+              <a:t> </a:t>
+            </a:r>
+            <a:br>
+              <a:rPr lang="en-US" dirty="0"/>
+            </a:br>
+            <a:r>
+              <a:rPr lang="en-US" dirty="0"/>
+              <a:t>Transmission Control Signal: </a:t>
+            </a:r>
+            <a:r>
+              <a:rPr lang="en-US" dirty="0" err="1"/>
+              <a:t>système</a:t>
+            </a:r>
+            <a:r>
+              <a:rPr lang="en-US" dirty="0"/>
+              <a:t> </a:t>
+            </a:r>
+            <a:r>
+              <a:rPr lang="en-US" dirty="0" err="1"/>
+              <a:t>opto</a:t>
+            </a:r>
+            <a:r>
+              <a:rPr lang="en-US" dirty="0"/>
+              <a:t> </a:t>
+            </a:r>
+            <a:r>
+              <a:rPr lang="en-US" dirty="0" err="1"/>
+              <a:t>couplé</a:t>
+            </a:r>
+            <a:r>
+              <a:rPr lang="en-US" dirty="0"/>
+              <a:t>. </a:t>
+            </a:r>
+            <a:br>
+              <a:rPr lang="en-US" dirty="0"/>
+            </a:br>
+            <a:r>
+              <a:rPr lang="en-US" dirty="0"/>
+              <a:t>Vitesse </a:t>
+            </a:r>
+            <a:r>
+              <a:rPr lang="en-US" dirty="0" err="1"/>
+              <a:t>maximale</a:t>
+            </a:r>
+            <a:r>
+              <a:rPr lang="en-US" dirty="0"/>
+              <a:t>: </a:t>
+            </a:r>
+            <a:br>
+              <a:rPr lang="en-US" dirty="0"/>
+            </a:br>
+            <a:r>
+              <a:rPr lang="en-US" dirty="0"/>
+              <a:t>	2 Pole: 	210,000rpm </a:t>
+            </a:r>
+            <a:br>
+              <a:rPr lang="en-US" dirty="0"/>
+            </a:br>
+            <a:r>
+              <a:rPr lang="en-US" dirty="0"/>
+              <a:t>	6 Pole: 	70,000rpm </a:t>
+            </a:r>
+            <a:br>
+              <a:rPr lang="en-US" dirty="0"/>
+            </a:br>
+            <a:r>
+              <a:rPr lang="en-US" dirty="0"/>
+              <a:t>	12 Pole: 	35,000rpm </a:t>
+            </a:r>
+            <a:br>
+              <a:rPr lang="en-US" dirty="0"/>
+            </a:br>
+            <a:r>
+              <a:rPr lang="en-US" dirty="0" err="1"/>
+              <a:t>Taille</a:t>
+            </a:r>
+            <a:r>
+              <a:rPr lang="en-US" dirty="0"/>
+              <a:t>: 	50mm (L) * 26mm (W) * 12mm (H). </a:t>
+            </a:r>
+            <a:br>
+              <a:rPr lang="en-US" dirty="0"/>
+            </a:br>
+            <a:r>
+              <a:rPr lang="en-US" b="1" dirty="0" err="1"/>
+              <a:t>Poids</a:t>
+            </a:r>
+            <a:r>
+              <a:rPr lang="en-US" b="1" dirty="0"/>
+              <a:t>: 	19g</a:t>
+            </a:r>
+            <a:r>
+              <a:rPr lang="en-US" dirty="0"/>
+              <a:t>.</a:t>
+            </a:r>
+          </a:p>
+          <a:p>
+            <a:pPr marL="457200" lvl="1" indent="0">
+              <a:buNone/>
+            </a:pPr>
+            <a:endParaRPr lang="en-US" dirty="0"/>
+          </a:p>
+          <a:p>
+            <a:pPr marL="0" indent="0">
+              <a:buNone/>
+            </a:pPr>
+            <a:r>
+              <a:rPr lang="en-US" dirty="0"/>
+              <a:t>The BEC power is 5v &lt; 7v min needed for Arduino MEGA2560, so I don’t use the BEC.</a:t>
+            </a:r>
+          </a:p>
+        </p:txBody>
+      </p:sp>
+    </p:spTree>
+    <p:extLst>
+      <p:ext uri="{BB962C8B-B14F-4D97-AF65-F5344CB8AC3E}">
+        <p14:creationId xmlns:p14="http://schemas.microsoft.com/office/powerpoint/2010/main" val="1519535062"/>
+      </p:ext>
+    </p:extLst>
+  </p:cSld>
+  <p:clrMapOvr>
+    <a:masterClrMapping/>
+  </p:clrMapOvr>
+</p:sld>
+</file>
+
+<file path=ppt/slides/slide15.xml><?xml version="1.0" encoding="utf-8"?>
+<p:sld xmlns:a="http://schemas.openxmlformats.org/drawingml/2006/main" xmlns:r="http://schemas.openxmlformats.org/officeDocument/2006/relationships" xmlns:p="http://schemas.openxmlformats.org/presentationml/2006/main">
+  <p:cSld>
+    <p:spTree>
+      <p:nvGrpSpPr>
+        <p:cNvPr id="1" name=""/>
+        <p:cNvGrpSpPr/>
+        <p:nvPr/>
+      </p:nvGrpSpPr>
+      <p:grpSpPr>
+        <a:xfrm>
+          <a:off x="0" y="0"/>
+          <a:ext cx="0" cy="0"/>
+          <a:chOff x="0" y="0"/>
+          <a:chExt cx="0" cy="0"/>
+        </a:xfrm>
+      </p:grpSpPr>
+      <p:sp>
+        <p:nvSpPr>
+          <p:cNvPr id="2" name="Titre 1">
+            <a:extLst>
+              <a:ext uri="{FF2B5EF4-FFF2-40B4-BE49-F238E27FC236}">
+                <a16:creationId xmlns:a16="http://schemas.microsoft.com/office/drawing/2014/main" id="{8DDCDBDF-D8CC-44B1-A599-F6FD2A53CCC8}"/>
+              </a:ext>
+            </a:extLst>
+          </p:cNvPr>
+          <p:cNvSpPr>
+            <a:spLocks noGrp="1"/>
+          </p:cNvSpPr>
+          <p:nvPr>
+            <p:ph type="title"/>
+          </p:nvPr>
+        </p:nvSpPr>
+        <p:spPr>
+          <a:xfrm>
+            <a:off x="723900" y="190500"/>
+            <a:ext cx="10515600" cy="750888"/>
+          </a:xfrm>
+        </p:spPr>
+        <p:txBody>
+          <a:bodyPr>
+            <a:normAutofit/>
+          </a:bodyPr>
+          <a:lstStyle/>
+          <a:p>
+            <a:r>
+              <a:rPr lang="en-US" dirty="0"/>
+              <a:t>Configuration ESC</a:t>
             </a:r>
           </a:p>
         </p:txBody>
@@ -10884,14 +15339,14 @@
             <p:ph idx="1"/>
             <p:extLst>
               <p:ext uri="{D42A27DB-BD31-4B8C-83A1-F6EECF244321}">
-                <p14:modId xmlns:p14="http://schemas.microsoft.com/office/powerpoint/2010/main" val="1581590379"/>
+                <p14:modId xmlns:p14="http://schemas.microsoft.com/office/powerpoint/2010/main" val="219063334"/>
               </p:ext>
             </p:extLst>
           </p:nvPr>
         </p:nvGraphicFramePr>
         <p:xfrm>
-          <a:off x="870012" y="1362395"/>
-          <a:ext cx="9257444" cy="3969140"/>
+          <a:off x="870012" y="1109651"/>
+          <a:ext cx="10758570" cy="5615060"/>
         </p:xfrm>
         <a:graphic>
           <a:graphicData uri="http://schemas.openxmlformats.org/drawingml/2006/table">
@@ -10907,21 +15362,21 @@
                     </a:ext>
                   </a:extLst>
                 </a:gridCol>
-                <a:gridCol w="3852908">
+                <a:gridCol w="5953027">
                   <a:extLst>
                     <a:ext uri="{9D8B030D-6E8A-4147-A177-3AD203B41FA5}">
                       <a16:colId xmlns:a16="http://schemas.microsoft.com/office/drawing/2014/main" val="3945422049"/>
                     </a:ext>
                   </a:extLst>
                 </a:gridCol>
-                <a:gridCol w="1429305">
+                <a:gridCol w="1145309">
                   <a:extLst>
                     <a:ext uri="{9D8B030D-6E8A-4147-A177-3AD203B41FA5}">
                       <a16:colId xmlns:a16="http://schemas.microsoft.com/office/drawing/2014/main" val="3592764086"/>
                     </a:ext>
                   </a:extLst>
                 </a:gridCol>
-                <a:gridCol w="1192452">
+                <a:gridCol w="877455">
                   <a:extLst>
                     <a:ext uri="{9D8B030D-6E8A-4147-A177-3AD203B41FA5}">
                       <a16:colId xmlns:a16="http://schemas.microsoft.com/office/drawing/2014/main" val="303937432"/>
@@ -11255,8 +15710,16 @@
                     <a:bodyPr/>
                     <a:lstStyle/>
                     <a:p>
+                      <a:pPr marL="0" algn="l" defTabSz="914400" rtl="0" eaLnBrk="1" latinLnBrk="0" hangingPunct="1"/>
                       <a:r>
-                        <a:rPr lang="en-US" dirty="0"/>
+                        <a:rPr lang="en-US" sz="1800" kern="1200" dirty="0">
+                          <a:solidFill>
+                            <a:schemeClr val="dk1"/>
+                          </a:solidFill>
+                          <a:latin typeface="+mn-lt"/>
+                          <a:ea typeface="+mn-ea"/>
+                          <a:cs typeface="+mn-cs"/>
+                        </a:rPr>
                         <a:t>Battery protection voltage threshold</a:t>
                       </a:r>
                     </a:p>
@@ -11274,16 +15737,79 @@
                       </a:r>
                     </a:p>
                     <a:p>
+                      <a:pPr marL="742950" lvl="1" indent="-285750">
+                        <a:buFont typeface="Arial" panose="020B0604020202020204" pitchFamily="34" charset="0"/>
+                        <a:buChar char="•"/>
+                      </a:pPr>
                       <a:r>
                         <a:rPr lang="en-US" dirty="0"/>
                         <a:t>First stage 3V/cell</a:t>
                       </a:r>
                     </a:p>
                     <a:p>
+                      <a:pPr marL="742950" lvl="1" indent="-285750">
+                        <a:buFont typeface="Arial" panose="020B0604020202020204" pitchFamily="34" charset="0"/>
+                        <a:buChar char="•"/>
+                      </a:pPr>
                       <a:r>
                         <a:rPr lang="en-US" dirty="0"/>
                         <a:t>Second stage 2.8V/cell</a:t>
                       </a:r>
+                    </a:p>
+                    <a:p>
+                      <a:r>
+                        <a:rPr lang="en-US" sz="1800" b="0" i="0" u="none" strike="noStrike" kern="1200" dirty="0">
+                          <a:solidFill>
+                            <a:schemeClr val="dk1"/>
+                          </a:solidFill>
+                          <a:effectLst/>
+                          <a:latin typeface="+mn-lt"/>
+                          <a:ea typeface="+mn-ea"/>
+                          <a:cs typeface="+mn-cs"/>
+                        </a:rPr>
+                        <a:t>Do not lower below 2.8v - 3.0V per element.</a:t>
+                      </a:r>
+                      <a:r>
+                        <a:rPr lang="en-US" sz="1800" b="0" i="0" kern="1200" dirty="0">
+                          <a:solidFill>
+                            <a:schemeClr val="dk1"/>
+                          </a:solidFill>
+                          <a:effectLst/>
+                          <a:latin typeface="+mn-lt"/>
+                          <a:ea typeface="+mn-ea"/>
+                          <a:cs typeface="+mn-cs"/>
+                        </a:rPr>
+                        <a:t> </a:t>
+                      </a:r>
+                    </a:p>
+                    <a:p>
+                      <a:r>
+                        <a:rPr lang="en-US" sz="1800" b="0" i="0" u="none" strike="noStrike" kern="1200" dirty="0">
+                          <a:solidFill>
+                            <a:schemeClr val="dk1"/>
+                          </a:solidFill>
+                          <a:effectLst/>
+                          <a:latin typeface="+mn-lt"/>
+                          <a:ea typeface="+mn-ea"/>
+                          <a:cs typeface="+mn-cs"/>
+                        </a:rPr>
+                        <a:t>Destruction voltage is 2.5V (if this threshold is reached, it is trash!) </a:t>
+                      </a:r>
+                    </a:p>
+                    <a:p>
+                      <a:r>
+                        <a:rPr lang="en-US" sz="1800" b="0" i="0" u="none" strike="noStrike" kern="1200" dirty="0">
+                          <a:solidFill>
+                            <a:schemeClr val="dk1"/>
+                          </a:solidFill>
+                          <a:effectLst/>
+                          <a:latin typeface="+mn-lt"/>
+                          <a:ea typeface="+mn-ea"/>
+                          <a:cs typeface="+mn-cs"/>
+                        </a:rPr>
+                        <a:t>LiPo accumulators have a nominal voltage of 3.7V per element</a:t>
+                      </a:r>
+                      <a:endParaRPr lang="en-US" dirty="0"/>
                     </a:p>
                   </a:txBody>
                   <a:tcPr/>
@@ -11688,41 +16214,6 @@
           </a:graphicData>
         </a:graphic>
       </p:graphicFrame>
-      <p:sp>
-        <p:nvSpPr>
-          <p:cNvPr id="3" name="ZoneTexte 2">
-            <a:extLst>
-              <a:ext uri="{FF2B5EF4-FFF2-40B4-BE49-F238E27FC236}">
-                <a16:creationId xmlns:a16="http://schemas.microsoft.com/office/drawing/2014/main" id="{E15610A9-25FD-4D8B-849D-688F981EBF5B}"/>
-              </a:ext>
-            </a:extLst>
-          </p:cNvPr>
-          <p:cNvSpPr txBox="1"/>
-          <p:nvPr/>
-        </p:nvSpPr>
-        <p:spPr>
-          <a:xfrm>
-            <a:off x="870012" y="5442012"/>
-            <a:ext cx="7364004" cy="369332"/>
-          </a:xfrm>
-          <a:prstGeom prst="rect">
-            <a:avLst/>
-          </a:prstGeom>
-          <a:noFill/>
-        </p:spPr>
-        <p:txBody>
-          <a:bodyPr wrap="none" rtlCol="0">
-            <a:spAutoFit/>
-          </a:bodyPr>
-          <a:lstStyle/>
-          <a:p>
-            <a:r>
-              <a:rPr lang="en-US" dirty="0"/>
-              <a:t>Maximum 190 000 rpm (2poles), 63 000 rpm (6 poles), 34 000 rpm (14 poles)</a:t>
-            </a:r>
-          </a:p>
-        </p:txBody>
-      </p:sp>
     </p:spTree>
     <p:extLst>
       <p:ext uri="{BB962C8B-B14F-4D97-AF65-F5344CB8AC3E}">
@@ -11736,7 +16227,7 @@
 </p:sld>
 </file>
 
-<file path=ppt/slides/slide12.xml><?xml version="1.0" encoding="utf-8"?>
+<file path=ppt/slides/slide16.xml><?xml version="1.0" encoding="utf-8"?>
 <p:sld xmlns:a="http://schemas.openxmlformats.org/drawingml/2006/main" xmlns:r="http://schemas.openxmlformats.org/officeDocument/2006/relationships" xmlns:p="http://schemas.openxmlformats.org/presentationml/2006/main">
   <p:cSld>
     <p:spTree>
@@ -11758,7 +16249,7 @@
           <p:cNvPr id="2" name="Titre 1">
             <a:extLst>
               <a:ext uri="{FF2B5EF4-FFF2-40B4-BE49-F238E27FC236}">
-                <a16:creationId xmlns:a16="http://schemas.microsoft.com/office/drawing/2014/main" id="{8DDCDBDF-D8CC-44B1-A599-F6FD2A53CCC8}"/>
+                <a16:creationId xmlns:a16="http://schemas.microsoft.com/office/drawing/2014/main" id="{FE169B9C-4B88-49CF-996F-9AA43AAE11A7}"/>
               </a:ext>
             </a:extLst>
           </p:cNvPr>
@@ -11771,225 +16262,283 @@
         </p:nvSpPr>
         <p:spPr>
           <a:xfrm>
-            <a:off x="723900" y="190500"/>
-            <a:ext cx="10515600" cy="750888"/>
+            <a:off x="838200" y="365125"/>
+            <a:ext cx="10515600" cy="1325563"/>
+          </a:xfrm>
+        </p:spPr>
+        <p:txBody>
+          <a:bodyPr/>
+          <a:lstStyle/>
+          <a:p>
+            <a:r>
+              <a:rPr lang="en-US"/>
+              <a:t>Lipo</a:t>
+            </a:r>
+            <a:endParaRPr lang="en-US" dirty="0"/>
+          </a:p>
+        </p:txBody>
+      </p:sp>
+      <p:sp>
+        <p:nvSpPr>
+          <p:cNvPr id="3" name="Espace réservé du contenu 2">
+            <a:extLst>
+              <a:ext uri="{FF2B5EF4-FFF2-40B4-BE49-F238E27FC236}">
+                <a16:creationId xmlns:a16="http://schemas.microsoft.com/office/drawing/2014/main" id="{13BA1678-4CC9-4D81-80F5-03ACA87BD6C6}"/>
+              </a:ext>
+            </a:extLst>
+          </p:cNvPr>
+          <p:cNvSpPr>
+            <a:spLocks noGrp="1"/>
+          </p:cNvSpPr>
+          <p:nvPr>
+            <p:ph idx="1"/>
+          </p:nvPr>
+        </p:nvSpPr>
+        <p:spPr>
+          <a:xfrm>
+            <a:off x="838200" y="1509204"/>
+            <a:ext cx="10515600" cy="5093887"/>
           </a:xfrm>
         </p:spPr>
         <p:txBody>
           <a:bodyPr>
-            <a:normAutofit fontScale="90000"/>
+            <a:normAutofit fontScale="62500" lnSpcReduction="20000"/>
           </a:bodyPr>
           <a:lstStyle/>
           <a:p>
+            <a:pPr marL="0" indent="0">
+              <a:buNone/>
+            </a:pPr>
             <a:r>
               <a:rPr lang="en-US" dirty="0"/>
-              <a:t>4 Motors </a:t>
-            </a:r>
-            <a:r>
-              <a:rPr lang="en-US" dirty="0" err="1"/>
-              <a:t>Turnigy</a:t>
-            </a:r>
+              <a:t>3S :3*3,7v =11,1v</a:t>
+            </a:r>
+          </a:p>
+          <a:p>
+            <a:pPr marL="0" indent="0">
+              <a:buNone/>
+            </a:pPr>
+            <a:endParaRPr lang="en-US" dirty="0"/>
+          </a:p>
+          <a:p>
+            <a:pPr marL="0" indent="0">
+              <a:buNone/>
+            </a:pPr>
             <a:r>
               <a:rPr lang="en-US" dirty="0"/>
-              <a:t> </a:t>
-            </a:r>
-            <a:r>
-              <a:rPr lang="en-US" dirty="0" err="1"/>
-              <a:t>Aerodrive</a:t>
+              <a:t>4 motors 17A =&gt; </a:t>
+            </a:r>
+            <a:r>
+              <a:rPr lang="en-US" b="1" dirty="0"/>
+              <a:t>68A </a:t>
             </a:r>
             <a:r>
               <a:rPr lang="en-US" dirty="0"/>
-              <a:t> SK3 - 2826-1240kv Brushless </a:t>
-            </a:r>
-            <a:r>
-              <a:rPr lang="en-US" dirty="0" err="1"/>
-              <a:t>Outrunner</a:t>
-            </a:r>
+              <a:t>Max</a:t>
+            </a:r>
+          </a:p>
+          <a:p>
+            <a:pPr marL="0" indent="0">
+              <a:buNone/>
+            </a:pPr>
+            <a:endParaRPr lang="en-US" dirty="0"/>
+          </a:p>
+          <a:p>
+            <a:pPr marL="0" indent="0">
+              <a:buNone/>
+            </a:pPr>
             <a:r>
               <a:rPr lang="en-US" dirty="0"/>
-              <a:t> Motor</a:t>
-            </a:r>
-          </a:p>
-        </p:txBody>
-      </p:sp>
-      <p:sp>
-        <p:nvSpPr>
-          <p:cNvPr id="3" name="ZoneTexte 2">
-            <a:extLst>
-              <a:ext uri="{FF2B5EF4-FFF2-40B4-BE49-F238E27FC236}">
-                <a16:creationId xmlns:a16="http://schemas.microsoft.com/office/drawing/2014/main" id="{E15610A9-25FD-4D8B-849D-688F981EBF5B}"/>
-              </a:ext>
-            </a:extLst>
-          </p:cNvPr>
-          <p:cNvSpPr txBox="1"/>
-          <p:nvPr/>
-        </p:nvSpPr>
-        <p:spPr>
-          <a:xfrm>
-            <a:off x="901454" y="1784411"/>
-            <a:ext cx="3831498" cy="4524315"/>
-          </a:xfrm>
-          <a:prstGeom prst="rect">
-            <a:avLst/>
-          </a:prstGeom>
-          <a:noFill/>
-        </p:spPr>
-        <p:txBody>
-          <a:bodyPr wrap="none" rtlCol="0">
-            <a:spAutoFit/>
-          </a:bodyPr>
-          <a:lstStyle/>
-          <a:p>
+              <a:t>I have selected LiPo 3S </a:t>
+            </a:r>
+            <a:r>
+              <a:rPr lang="en-US" b="1" dirty="0"/>
+              <a:t>3000mA</a:t>
+            </a:r>
             <a:r>
               <a:rPr lang="en-US" dirty="0"/>
-              <a:t>UGSSK3-2826-1240</a:t>
-            </a:r>
-          </a:p>
-          <a:p>
+              <a:t>h 11.1V </a:t>
+            </a:r>
+            <a:r>
+              <a:rPr lang="en-US" b="1" dirty="0"/>
+              <a:t>30C </a:t>
+            </a:r>
             <a:r>
               <a:rPr lang="en-US" dirty="0"/>
-              <a:t>Brand			SK3</a:t>
-            </a:r>
-          </a:p>
-          <a:p>
-            <a:r>
-              <a:rPr lang="en-US" dirty="0" err="1"/>
+              <a:t> not too much heavy with Max discharge = 3*30 = </a:t>
+            </a:r>
+            <a:r>
+              <a:rPr lang="en-US" b="1" dirty="0"/>
+              <a:t>90A</a:t>
+            </a:r>
+            <a:r>
+              <a:rPr lang="en-US" dirty="0"/>
+              <a:t> &gt; </a:t>
+            </a:r>
+            <a:r>
+              <a:rPr lang="en-US" b="1" dirty="0"/>
+              <a:t>68A</a:t>
+            </a:r>
+          </a:p>
+          <a:p>
+            <a:pPr lvl="1">
+              <a:buFont typeface="Symbol" panose="05050102010706020507" pitchFamily="18" charset="2"/>
+              <a:buChar char="Þ"/>
+            </a:pPr>
+            <a:endParaRPr lang="en-US" b="1" dirty="0"/>
+          </a:p>
+          <a:p>
+            <a:pPr marL="0" indent="0">
+              <a:buNone/>
+            </a:pPr>
+            <a:r>
+              <a:rPr lang="en-US" dirty="0"/>
+              <a:t>Specifications</a:t>
+            </a:r>
+          </a:p>
+          <a:p>
+            <a:pPr lvl="1"/>
+            <a:r>
+              <a:rPr lang="fr-FR" dirty="0"/>
+              <a:t>Type de la batterie		</a:t>
+            </a:r>
+            <a:r>
+              <a:rPr lang="fr-FR" dirty="0" err="1"/>
+              <a:t>LiPO</a:t>
+            </a:r>
+            <a:endParaRPr lang="fr-FR" dirty="0"/>
+          </a:p>
+          <a:p>
+            <a:pPr lvl="1"/>
+            <a:r>
+              <a:rPr lang="fr-FR" b="1" dirty="0"/>
+              <a:t>Capacité batterie</a:t>
+            </a:r>
+            <a:r>
+              <a:rPr lang="fr-FR" dirty="0"/>
+              <a:t>		</a:t>
+            </a:r>
+            <a:r>
+              <a:rPr lang="fr-FR" b="1" dirty="0"/>
+              <a:t>3300 (mAh)</a:t>
+            </a:r>
+          </a:p>
+          <a:p>
+            <a:pPr lvl="1"/>
+            <a:r>
+              <a:rPr lang="fr-FR" dirty="0"/>
+              <a:t>Voltage			11.1 (V)</a:t>
+            </a:r>
+          </a:p>
+          <a:p>
+            <a:pPr lvl="1"/>
+            <a:r>
+              <a:rPr lang="fr-FR" b="1" dirty="0"/>
+              <a:t>Courant décharge en continu</a:t>
+            </a:r>
+            <a:r>
+              <a:rPr lang="fr-FR" dirty="0"/>
+              <a:t>	</a:t>
+            </a:r>
+            <a:r>
+              <a:rPr lang="fr-FR" b="1" dirty="0"/>
+              <a:t>30 (C)</a:t>
+            </a:r>
+          </a:p>
+          <a:p>
+            <a:pPr lvl="1"/>
+            <a:r>
+              <a:rPr lang="fr-FR" dirty="0"/>
+              <a:t>Courant de décharge max		60 (C)</a:t>
+            </a:r>
+          </a:p>
+          <a:p>
+            <a:pPr lvl="1"/>
+            <a:r>
+              <a:rPr lang="fr-FR" b="1" dirty="0"/>
               <a:t>Poids</a:t>
             </a:r>
             <a:r>
-              <a:rPr lang="en-US" dirty="0"/>
-              <a:t>			116.0000</a:t>
-            </a:r>
-          </a:p>
-          <a:p>
-            <a:r>
-              <a:rPr lang="en-US" dirty="0"/>
-              <a:t>Longueur			110.00</a:t>
-            </a:r>
-          </a:p>
-          <a:p>
-            <a:r>
-              <a:rPr lang="en-US" dirty="0"/>
-              <a:t>Packaging Width		45.00</a:t>
-            </a:r>
-          </a:p>
-          <a:p>
-            <a:r>
-              <a:rPr lang="en-US" dirty="0"/>
-              <a:t>la </a:t>
-            </a:r>
-            <a:r>
-              <a:rPr lang="en-US" dirty="0" err="1"/>
-              <a:t>taille</a:t>
-            </a:r>
-            <a:r>
-              <a:rPr lang="en-US" dirty="0"/>
-              <a:t>			80.00</a:t>
-            </a:r>
-          </a:p>
-          <a:p>
-            <a:r>
-              <a:rPr lang="en-US" b="1" dirty="0" err="1"/>
-              <a:t>Kv</a:t>
-            </a:r>
-            <a:r>
-              <a:rPr lang="en-US" b="1" dirty="0"/>
-              <a:t> ( rpm / v)		1240.00</a:t>
-            </a:r>
-          </a:p>
-          <a:p>
-            <a:r>
-              <a:rPr lang="en-US" b="1" dirty="0"/>
-              <a:t>Max Current (A)		16.00</a:t>
-            </a:r>
-          </a:p>
-          <a:p>
-            <a:r>
-              <a:rPr lang="en-US" dirty="0"/>
-              <a:t>Résistance ( </a:t>
-            </a:r>
-            <a:r>
-              <a:rPr lang="en-US" dirty="0" err="1"/>
-              <a:t>mh</a:t>
-            </a:r>
-            <a:r>
-              <a:rPr lang="en-US" dirty="0"/>
-              <a:t> )		95.00</a:t>
-            </a:r>
-          </a:p>
-          <a:p>
-            <a:r>
-              <a:rPr lang="en-US" dirty="0"/>
-              <a:t>Max Tension (V)		11.00</a:t>
-            </a:r>
-          </a:p>
-          <a:p>
-            <a:r>
-              <a:rPr lang="en-US" dirty="0"/>
-              <a:t>(W )			150.00</a:t>
-            </a:r>
-          </a:p>
-          <a:p>
-            <a:r>
-              <a:rPr lang="en-US" dirty="0" err="1"/>
-              <a:t>Arbre</a:t>
-            </a:r>
-            <a:r>
-              <a:rPr lang="en-US" dirty="0"/>
-              <a:t> A ( mm )		3.00</a:t>
-            </a:r>
-          </a:p>
-          <a:p>
-            <a:r>
-              <a:rPr lang="en-US" dirty="0"/>
-              <a:t>Longueur B ( mm )</a:t>
-            </a:r>
-            <a:r>
-              <a:rPr lang="en-US"/>
-              <a:t>		28.00</a:t>
-            </a:r>
+              <a:rPr lang="fr-FR" dirty="0"/>
+              <a:t>			</a:t>
+            </a:r>
+            <a:r>
+              <a:rPr lang="fr-FR" b="1" dirty="0"/>
+              <a:t>182 (g)</a:t>
+            </a:r>
+          </a:p>
+          <a:p>
+            <a:pPr lvl="1"/>
+            <a:r>
+              <a:rPr lang="fr-FR" dirty="0"/>
+              <a:t>Longueur			103 (mm)</a:t>
+            </a:r>
+          </a:p>
+          <a:p>
+            <a:pPr lvl="1"/>
+            <a:r>
+              <a:rPr lang="fr-FR" dirty="0"/>
+              <a:t>Largeur			33 (mm)</a:t>
+            </a:r>
+          </a:p>
+          <a:p>
+            <a:pPr lvl="1"/>
+            <a:r>
+              <a:rPr lang="fr-FR" dirty="0"/>
+              <a:t>Hauteur			23 (mm)</a:t>
+            </a:r>
+          </a:p>
+          <a:p>
+            <a:pPr lvl="1"/>
+            <a:r>
+              <a:rPr lang="fr-FR" dirty="0"/>
+              <a:t>Type de prise			Dean / </a:t>
+            </a:r>
+            <a:r>
+              <a:rPr lang="fr-FR" dirty="0" err="1"/>
+              <a:t>Tplug</a:t>
+            </a:r>
+            <a:endParaRPr lang="fr-FR" dirty="0"/>
+          </a:p>
+          <a:p>
+            <a:pPr lvl="1"/>
+            <a:r>
+              <a:rPr lang="fr-FR" dirty="0"/>
+              <a:t>Prise Equilibrage		JST-XH</a:t>
+            </a:r>
+          </a:p>
+          <a:p>
+            <a:pPr lvl="1"/>
+            <a:r>
+              <a:rPr lang="fr-FR" b="1" dirty="0"/>
+              <a:t>Taux de Charge Max</a:t>
+            </a:r>
+            <a:r>
+              <a:rPr lang="fr-FR" dirty="0"/>
+              <a:t>		</a:t>
+            </a:r>
+            <a:r>
+              <a:rPr lang="fr-FR" b="1" dirty="0"/>
+              <a:t>2 (C)</a:t>
+            </a:r>
+          </a:p>
+          <a:p>
+            <a:pPr lvl="1"/>
+            <a:r>
+              <a:rPr lang="fr-FR" dirty="0"/>
+              <a:t>Nombre d'éléments		3 (S)</a:t>
+            </a:r>
+          </a:p>
+          <a:p>
+            <a:pPr lvl="1"/>
             <a:endParaRPr lang="en-US" dirty="0"/>
-          </a:p>
-          <a:p>
-            <a:r>
-              <a:rPr lang="en-US" dirty="0"/>
-              <a:t>Can </a:t>
-            </a:r>
-            <a:r>
-              <a:rPr lang="en-US" dirty="0" err="1"/>
-              <a:t>Diamètre</a:t>
-            </a:r>
-            <a:r>
-              <a:rPr lang="en-US" dirty="0"/>
-              <a:t> C ( mm )	28.00</a:t>
-            </a:r>
-          </a:p>
-          <a:p>
-            <a:r>
-              <a:rPr lang="en-US" dirty="0"/>
-              <a:t>Longueur Can D ( mm )	12.00</a:t>
-            </a:r>
-          </a:p>
-          <a:p>
-            <a:r>
-              <a:rPr lang="en-US" dirty="0"/>
-              <a:t>Longueur </a:t>
-            </a:r>
-            <a:r>
-              <a:rPr lang="en-US" dirty="0" err="1"/>
-              <a:t>totale</a:t>
-            </a:r>
-            <a:r>
-              <a:rPr lang="en-US" dirty="0"/>
-              <a:t> E ( mm )	40.00</a:t>
-            </a:r>
           </a:p>
         </p:txBody>
       </p:sp>
     </p:spTree>
     <p:extLst>
       <p:ext uri="{BB962C8B-B14F-4D97-AF65-F5344CB8AC3E}">
-        <p14:creationId xmlns:p14="http://schemas.microsoft.com/office/powerpoint/2010/main" val="1673048748"/>
+        <p14:creationId xmlns:p14="http://schemas.microsoft.com/office/powerpoint/2010/main" val="550258717"/>
       </p:ext>
     </p:extLst>
   </p:cSld>
@@ -11999,7 +16548,7 @@
 </p:sld>
 </file>
 
-<file path=ppt/slides/slide13.xml><?xml version="1.0" encoding="utf-8"?>
+<file path=ppt/slides/slide17.xml><?xml version="1.0" encoding="utf-8"?>
 <p:sld xmlns:a="http://schemas.openxmlformats.org/drawingml/2006/main" xmlns:r="http://schemas.openxmlformats.org/officeDocument/2006/relationships" xmlns:p="http://schemas.openxmlformats.org/presentationml/2006/main">
   <p:cSld>
     <p:spTree>
@@ -12021,7 +16570,7 @@
           <p:cNvPr id="2" name="Titre 1">
             <a:extLst>
               <a:ext uri="{FF2B5EF4-FFF2-40B4-BE49-F238E27FC236}">
-                <a16:creationId xmlns:a16="http://schemas.microsoft.com/office/drawing/2014/main" id="{7D7887D6-7566-47C9-A25C-3F4F54D9EBDC}"/>
+                <a16:creationId xmlns:a16="http://schemas.microsoft.com/office/drawing/2014/main" id="{FE169B9C-4B88-49CF-996F-9AA43AAE11A7}"/>
               </a:ext>
             </a:extLst>
           </p:cNvPr>
@@ -12032,19 +16581,33 @@
             <p:ph type="title"/>
           </p:nvPr>
         </p:nvSpPr>
-        <p:spPr/>
+        <p:spPr>
+          <a:xfrm>
+            <a:off x="838200" y="365125"/>
+            <a:ext cx="10515600" cy="1325563"/>
+          </a:xfrm>
+        </p:spPr>
         <p:txBody>
           <a:bodyPr/>
           <a:lstStyle/>
           <a:p>
             <a:r>
-              <a:rPr lang="fr-FR" dirty="0" err="1"/>
-              <a:t>Special</a:t>
-            </a:r>
-            <a:r>
-              <a:rPr lang="fr-FR" dirty="0"/>
-              <a:t> pins Arduino MEGA2560</a:t>
-            </a:r>
+              <a:rPr lang="en-US" dirty="0"/>
+              <a:t>Charger </a:t>
+            </a:r>
+            <a:r>
+              <a:rPr lang="en-US" dirty="0" err="1"/>
+              <a:t>Graupner</a:t>
+            </a:r>
+            <a:r>
+              <a:rPr lang="en-US" dirty="0"/>
+              <a:t> </a:t>
+            </a:r>
+            <a:r>
+              <a:rPr lang="en-US"/>
+              <a:t>ULTRAMAT 16</a:t>
+            </a:r>
+            <a:endParaRPr lang="en-US" dirty="0"/>
           </a:p>
         </p:txBody>
       </p:sp>
@@ -12053,7 +16616,7 @@
           <p:cNvPr id="3" name="Espace réservé du contenu 2">
             <a:extLst>
               <a:ext uri="{FF2B5EF4-FFF2-40B4-BE49-F238E27FC236}">
-                <a16:creationId xmlns:a16="http://schemas.microsoft.com/office/drawing/2014/main" id="{570C9186-32F7-45DB-A01D-E527B032981A}"/>
+                <a16:creationId xmlns:a16="http://schemas.microsoft.com/office/drawing/2014/main" id="{13BA1678-4CC9-4D81-80F5-03ACA87BD6C6}"/>
               </a:ext>
             </a:extLst>
           </p:cNvPr>
@@ -12064,7 +16627,254 @@
             <p:ph idx="1"/>
           </p:nvPr>
         </p:nvSpPr>
-        <p:spPr/>
+        <p:spPr>
+          <a:xfrm>
+            <a:off x="838200" y="1509204"/>
+            <a:ext cx="10515600" cy="5093887"/>
+          </a:xfrm>
+        </p:spPr>
+        <p:txBody>
+          <a:bodyPr>
+            <a:normAutofit/>
+          </a:bodyPr>
+          <a:lstStyle/>
+          <a:p>
+            <a:pPr marL="0" indent="0">
+              <a:buNone/>
+            </a:pPr>
+            <a:r>
+              <a:rPr lang="en-US" dirty="0"/>
+              <a:t>Lithium batteries: </a:t>
+            </a:r>
+            <a:r>
+              <a:rPr lang="en-US" dirty="0" err="1"/>
+              <a:t>Lipo</a:t>
+            </a:r>
+            <a:r>
+              <a:rPr lang="en-US" dirty="0"/>
+              <a:t> (motors) and Lilo (Arduino)</a:t>
+            </a:r>
+          </a:p>
+          <a:p>
+            <a:pPr marL="457200" lvl="1" indent="0">
+              <a:buNone/>
+            </a:pPr>
+            <a:r>
+              <a:rPr lang="en-US" dirty="0"/>
+              <a:t>The max. charge voltage for </a:t>
+            </a:r>
+            <a:r>
+              <a:rPr lang="en-US" b="1" dirty="0"/>
+              <a:t>LiPo is 4.2V, </a:t>
+            </a:r>
+            <a:r>
+              <a:rPr lang="en-US" dirty="0"/>
+              <a:t>for </a:t>
+            </a:r>
+            <a:r>
+              <a:rPr lang="en-US" b="1" dirty="0" err="1"/>
+              <a:t>LiIo</a:t>
+            </a:r>
+            <a:r>
+              <a:rPr lang="en-US" b="1" dirty="0"/>
+              <a:t> 4.1V</a:t>
+            </a:r>
+            <a:r>
+              <a:rPr lang="en-US" dirty="0"/>
+              <a:t>, for </a:t>
+            </a:r>
+            <a:r>
+              <a:rPr lang="en-US" dirty="0" err="1"/>
+              <a:t>LiFe</a:t>
+            </a:r>
+            <a:r>
+              <a:rPr lang="en-US" dirty="0"/>
+              <a:t> 3.6V. To store the batteries, adjust the charge voltage about 0.4V lower as the maximum charge voltage</a:t>
+            </a:r>
+          </a:p>
+          <a:p>
+            <a:pPr marL="457200" lvl="1" indent="0">
+              <a:buNone/>
+            </a:pPr>
+            <a:r>
+              <a:rPr lang="en-US" dirty="0"/>
+              <a:t>At charging/discharging the battery types will be displayed as followed:</a:t>
+            </a:r>
+          </a:p>
+          <a:p>
+            <a:pPr marL="914400" lvl="2" indent="0">
+              <a:buNone/>
+            </a:pPr>
+            <a:r>
+              <a:rPr lang="en-US" dirty="0"/>
+              <a:t> LiPo (</a:t>
+            </a:r>
+            <a:r>
+              <a:rPr lang="en-US" dirty="0" err="1"/>
+              <a:t>LiMn</a:t>
+            </a:r>
+            <a:r>
+              <a:rPr lang="en-US" dirty="0"/>
+              <a:t>) = LP</a:t>
+            </a:r>
+          </a:p>
+          <a:p>
+            <a:pPr marL="914400" lvl="2" indent="0">
+              <a:buNone/>
+            </a:pPr>
+            <a:r>
+              <a:rPr lang="en-US" dirty="0"/>
+              <a:t> </a:t>
+            </a:r>
+            <a:r>
+              <a:rPr lang="en-US" dirty="0" err="1"/>
+              <a:t>LiIo</a:t>
+            </a:r>
+            <a:r>
+              <a:rPr lang="en-US" dirty="0"/>
+              <a:t> = LI</a:t>
+            </a:r>
+          </a:p>
+          <a:p>
+            <a:pPr marL="914400" lvl="2" indent="0">
+              <a:buNone/>
+            </a:pPr>
+            <a:r>
+              <a:rPr lang="en-US" dirty="0"/>
+              <a:t> </a:t>
+            </a:r>
+            <a:r>
+              <a:rPr lang="en-US" dirty="0" err="1"/>
+              <a:t>LiFe</a:t>
+            </a:r>
+            <a:r>
+              <a:rPr lang="en-US" dirty="0"/>
+              <a:t> = LF</a:t>
+            </a:r>
+            <a:endParaRPr lang="en-US" b="1" dirty="0"/>
+          </a:p>
+          <a:p>
+            <a:pPr marL="457200" lvl="1" indent="0">
+              <a:buNone/>
+            </a:pPr>
+            <a:r>
+              <a:rPr lang="en-US" dirty="0"/>
+              <a:t>Lithium batteries are usually charged at the 1C rate</a:t>
+            </a:r>
+          </a:p>
+          <a:p>
+            <a:pPr marL="457200" lvl="1" indent="0">
+              <a:buNone/>
+            </a:pPr>
+            <a:endParaRPr lang="en-US" b="1" dirty="0"/>
+          </a:p>
+          <a:p>
+            <a:pPr marL="0" indent="0">
+              <a:buNone/>
+            </a:pPr>
+            <a:r>
+              <a:rPr lang="en-US" dirty="0"/>
+              <a:t>Ni-MH batteries (RC transmitter)</a:t>
+            </a:r>
+            <a:endParaRPr lang="en-US" b="1" dirty="0"/>
+          </a:p>
+          <a:p>
+            <a:pPr lvl="1"/>
+            <a:endParaRPr lang="en-US" dirty="0"/>
+          </a:p>
+          <a:p>
+            <a:pPr marL="457200" lvl="1" indent="0">
+              <a:buNone/>
+            </a:pPr>
+            <a:endParaRPr lang="en-US" dirty="0"/>
+          </a:p>
+        </p:txBody>
+      </p:sp>
+    </p:spTree>
+    <p:extLst>
+      <p:ext uri="{BB962C8B-B14F-4D97-AF65-F5344CB8AC3E}">
+        <p14:creationId xmlns:p14="http://schemas.microsoft.com/office/powerpoint/2010/main" val="2262939316"/>
+      </p:ext>
+    </p:extLst>
+  </p:cSld>
+  <p:clrMapOvr>
+    <a:masterClrMapping/>
+  </p:clrMapOvr>
+</p:sld>
+</file>
+
+<file path=ppt/slides/slide18.xml><?xml version="1.0" encoding="utf-8"?>
+<p:sld xmlns:a="http://schemas.openxmlformats.org/drawingml/2006/main" xmlns:r="http://schemas.openxmlformats.org/officeDocument/2006/relationships" xmlns:p="http://schemas.openxmlformats.org/presentationml/2006/main">
+  <p:cSld>
+    <p:spTree>
+      <p:nvGrpSpPr>
+        <p:cNvPr id="1" name=""/>
+        <p:cNvGrpSpPr/>
+        <p:nvPr/>
+      </p:nvGrpSpPr>
+      <p:grpSpPr>
+        <a:xfrm>
+          <a:off x="0" y="0"/>
+          <a:ext cx="0" cy="0"/>
+          <a:chOff x="0" y="0"/>
+          <a:chExt cx="0" cy="0"/>
+        </a:xfrm>
+      </p:grpSpPr>
+      <p:sp>
+        <p:nvSpPr>
+          <p:cNvPr id="2" name="Titre 1">
+            <a:extLst>
+              <a:ext uri="{FF2B5EF4-FFF2-40B4-BE49-F238E27FC236}">
+                <a16:creationId xmlns:a16="http://schemas.microsoft.com/office/drawing/2014/main" id="{FE169B9C-4B88-49CF-996F-9AA43AAE11A7}"/>
+              </a:ext>
+            </a:extLst>
+          </p:cNvPr>
+          <p:cNvSpPr>
+            <a:spLocks noGrp="1"/>
+          </p:cNvSpPr>
+          <p:nvPr>
+            <p:ph type="title"/>
+          </p:nvPr>
+        </p:nvSpPr>
+        <p:spPr>
+          <a:xfrm>
+            <a:off x="838200" y="365125"/>
+            <a:ext cx="10515600" cy="1325563"/>
+          </a:xfrm>
+        </p:spPr>
+        <p:txBody>
+          <a:bodyPr/>
+          <a:lstStyle/>
+          <a:p>
+            <a:r>
+              <a:rPr lang="en-US" dirty="0"/>
+              <a:t>Receiver</a:t>
+            </a:r>
+          </a:p>
+        </p:txBody>
+      </p:sp>
+      <p:sp>
+        <p:nvSpPr>
+          <p:cNvPr id="3" name="Espace réservé du contenu 2">
+            <a:extLst>
+              <a:ext uri="{FF2B5EF4-FFF2-40B4-BE49-F238E27FC236}">
+                <a16:creationId xmlns:a16="http://schemas.microsoft.com/office/drawing/2014/main" id="{13BA1678-4CC9-4D81-80F5-03ACA87BD6C6}"/>
+              </a:ext>
+            </a:extLst>
+          </p:cNvPr>
+          <p:cNvSpPr>
+            <a:spLocks noGrp="1"/>
+          </p:cNvSpPr>
+          <p:nvPr>
+            <p:ph idx="1"/>
+          </p:nvPr>
+        </p:nvSpPr>
+        <p:spPr>
+          <a:xfrm>
+            <a:off x="838200" y="1509204"/>
+            <a:ext cx="10515600" cy="5093887"/>
+          </a:xfrm>
+        </p:spPr>
         <p:txBody>
           <a:bodyPr>
             <a:normAutofit fontScale="62500" lnSpcReduction="20000"/>
@@ -12075,210 +16885,320 @@
               <a:buNone/>
             </a:pPr>
             <a:r>
-              <a:rPr lang="fr-FR" sz="3500" u="sng" dirty="0"/>
-              <a:t>Pin Change </a:t>
-            </a:r>
-            <a:r>
-              <a:rPr lang="fr-FR" sz="3500" u="sng" dirty="0" err="1"/>
-              <a:t>Interrupt</a:t>
-            </a:r>
-            <a:r>
-              <a:rPr lang="fr-FR" sz="3500" u="sng" dirty="0"/>
-              <a:t> 2 ISR(PCINT2_vect)</a:t>
+              <a:rPr lang="en-US" b="1" dirty="0"/>
+              <a:t>Receiver </a:t>
+            </a:r>
+            <a:r>
+              <a:rPr lang="en-US" b="1" dirty="0" err="1"/>
+              <a:t>Henge</a:t>
+            </a:r>
+            <a:r>
+              <a:rPr lang="en-US" b="1" dirty="0"/>
+              <a:t> RP62L</a:t>
             </a:r>
           </a:p>
           <a:p>
             <a:pPr marL="0" indent="0">
               <a:buNone/>
             </a:pPr>
-            <a:r>
-              <a:rPr lang="da-DK" dirty="0"/>
-              <a:t>For pins PCINT16-PCINT23 (PK0- PK7), PORT K</a:t>
-            </a:r>
+            <a:endParaRPr lang="fr-FR" b="1" dirty="0"/>
           </a:p>
           <a:p>
             <a:pPr marL="0" indent="0">
               <a:buNone/>
             </a:pPr>
             <a:r>
+              <a:rPr lang="fr-FR" b="1" dirty="0"/>
+              <a:t>Spécifications:</a:t>
+            </a:r>
+          </a:p>
+          <a:p>
+            <a:r>
               <a:rPr lang="fr-FR" dirty="0"/>
-              <a:t>Use pin A8 to A13 (PCINT16  to PCINT21 )</a:t>
-            </a:r>
-          </a:p>
-          <a:p>
-            <a:pPr marL="0" indent="0">
-              <a:buNone/>
-            </a:pPr>
-            <a:r>
-              <a:rPr lang="da-DK" dirty="0"/>
-              <a:t>PCMSK2 – Pin Change Mask Register 2 </a:t>
+              <a:t> </a:t>
             </a:r>
             <a:r>
               <a:rPr lang="en-US" dirty="0"/>
-              <a:t>Bit 2 – PCIF2: clear any outstanding interrupts 2</a:t>
-            </a:r>
-            <a:endParaRPr lang="da-DK" dirty="0"/>
-          </a:p>
-          <a:p>
-            <a:pPr marL="0" indent="0">
-              <a:buNone/>
-            </a:pPr>
+              <a:t>Size: 49x24x14mm</a:t>
+            </a:r>
+          </a:p>
+          <a:p>
             <a:r>
               <a:rPr lang="en-US" dirty="0"/>
-              <a:t>PCIFR – Pin Change Interrupt Flag Register =&gt; Bit 2 – PCIF2: clear any outstanding interrupts 2</a:t>
-            </a:r>
-          </a:p>
-          <a:p>
-            <a:pPr marL="0" indent="0">
-              <a:buNone/>
-            </a:pPr>
-            <a:r>
-              <a:rPr lang="fr-FR" dirty="0"/>
-              <a:t>PCICR – Pin Change </a:t>
-            </a:r>
-            <a:r>
-              <a:rPr lang="fr-FR" dirty="0" err="1"/>
-              <a:t>Interrupt</a:t>
-            </a:r>
-            <a:r>
-              <a:rPr lang="fr-FR" dirty="0"/>
-              <a:t> Control </a:t>
-            </a:r>
-            <a:r>
-              <a:rPr lang="fr-FR" dirty="0" err="1"/>
-              <a:t>Register</a:t>
-            </a:r>
-            <a:r>
-              <a:rPr lang="fr-FR" dirty="0"/>
-              <a:t> =&gt; Bit 2 – PCIE2: enable pin change </a:t>
-            </a:r>
-            <a:r>
-              <a:rPr lang="fr-FR" dirty="0" err="1"/>
-              <a:t>interrupts</a:t>
-            </a:r>
-            <a:r>
-              <a:rPr lang="fr-FR" dirty="0"/>
-              <a:t> 2</a:t>
-            </a:r>
-          </a:p>
-          <a:p>
-            <a:pPr marL="0" indent="0">
-              <a:buNone/>
-            </a:pPr>
-            <a:br>
-              <a:rPr lang="fr-FR" dirty="0"/>
-            </a:br>
-            <a:endParaRPr lang="fr-FR" dirty="0"/>
-          </a:p>
-          <a:p>
-            <a:pPr marL="0" indent="0">
-              <a:buNone/>
-            </a:pPr>
-            <a:r>
-              <a:rPr lang="fr-FR" sz="3500" u="sng" dirty="0"/>
-              <a:t>SPI</a:t>
-            </a:r>
-          </a:p>
-          <a:p>
-            <a:pPr marL="0" indent="0">
-              <a:buNone/>
-            </a:pPr>
-            <a:r>
-              <a:rPr lang="fi-FI" dirty="0"/>
-              <a:t>Pin</a:t>
-            </a:r>
-            <a:r>
-              <a:rPr lang="fr-FR" dirty="0"/>
-              <a:t> #</a:t>
-            </a:r>
-            <a:r>
-              <a:rPr lang="fi-FI" dirty="0"/>
-              <a:t>10: CS</a:t>
-            </a:r>
-            <a:endParaRPr lang="fr-FR" dirty="0"/>
-          </a:p>
-          <a:p>
-            <a:pPr marL="0" indent="0">
-              <a:buNone/>
-            </a:pPr>
-            <a:r>
-              <a:rPr lang="fi-FI" dirty="0"/>
-              <a:t>pin</a:t>
-            </a:r>
-            <a:r>
-              <a:rPr lang="fr-FR" dirty="0"/>
-              <a:t> #</a:t>
-            </a:r>
-            <a:r>
-              <a:rPr lang="fi-FI" dirty="0"/>
-              <a:t>11-&gt;pin</a:t>
-            </a:r>
-            <a:r>
-              <a:rPr lang="fr-FR" dirty="0"/>
-              <a:t> #</a:t>
-            </a:r>
-            <a:r>
-              <a:rPr lang="fi-FI" dirty="0"/>
-              <a:t>51</a:t>
-            </a:r>
-          </a:p>
-          <a:p>
-            <a:pPr marL="0" indent="0">
-              <a:buNone/>
-            </a:pPr>
-            <a:r>
-              <a:rPr lang="fi-FI" dirty="0"/>
-              <a:t>pin</a:t>
-            </a:r>
-            <a:r>
-              <a:rPr lang="fr-FR" dirty="0"/>
-              <a:t> #</a:t>
-            </a:r>
-            <a:r>
-              <a:rPr lang="fi-FI" dirty="0"/>
-              <a:t>12-&gt;pin</a:t>
-            </a:r>
-            <a:r>
-              <a:rPr lang="fr-FR" dirty="0"/>
-              <a:t> #</a:t>
-            </a:r>
-            <a:r>
-              <a:rPr lang="fi-FI" dirty="0"/>
-              <a:t>50</a:t>
-            </a:r>
-          </a:p>
-          <a:p>
-            <a:pPr marL="0" indent="0">
-              <a:buNone/>
-            </a:pPr>
-            <a:r>
-              <a:rPr lang="fi-FI" dirty="0"/>
-              <a:t>pin</a:t>
-            </a:r>
-            <a:r>
-              <a:rPr lang="fr-FR" dirty="0"/>
-              <a:t> #</a:t>
-            </a:r>
-            <a:r>
-              <a:rPr lang="fi-FI" dirty="0"/>
-              <a:t>13-&gt;pin</a:t>
-            </a:r>
-            <a:r>
-              <a:rPr lang="fr-FR" dirty="0"/>
-              <a:t> #</a:t>
-            </a:r>
-            <a:r>
-              <a:rPr lang="fi-FI" dirty="0"/>
-              <a:t>52</a:t>
-            </a:r>
-            <a:endParaRPr lang="fr-FR" dirty="0"/>
+              <a:t>Weight: 9.2g (with shrink wrap)</a:t>
+            </a:r>
+          </a:p>
+          <a:p>
+            <a:r>
+              <a:rPr lang="en-US" dirty="0"/>
+              <a:t>Sensitivity: better than 2.0</a:t>
+            </a:r>
+            <a:r>
+              <a:rPr lang="el-GR" dirty="0"/>
+              <a:t>μ</a:t>
+            </a:r>
+            <a:r>
+              <a:rPr lang="en-US" dirty="0"/>
+              <a:t>V</a:t>
+            </a:r>
+          </a:p>
+          <a:p>
+            <a:r>
+              <a:rPr lang="en-US" dirty="0"/>
+              <a:t>Selectivity: ±8kHz at 65dB down</a:t>
+            </a:r>
+          </a:p>
+          <a:p>
+            <a:r>
+              <a:rPr lang="en-US" dirty="0"/>
+              <a:t>No. of channels: 1-6</a:t>
+            </a:r>
+          </a:p>
+          <a:p>
+            <a:r>
+              <a:rPr lang="en-US" dirty="0"/>
+              <a:t>RF technology: Dual tuned RF circuitry</a:t>
+            </a:r>
+          </a:p>
+          <a:p>
+            <a:r>
+              <a:rPr lang="en-US" dirty="0"/>
+              <a:t>Analog filtering: Dual 4 pole ceramic filter</a:t>
+            </a:r>
+          </a:p>
+          <a:p>
+            <a:r>
+              <a:rPr lang="en-US" dirty="0"/>
+              <a:t>Digital filtering: DSP filtering with mild algorithm</a:t>
+            </a:r>
+          </a:p>
+          <a:p>
+            <a:r>
+              <a:rPr lang="en-US" dirty="0"/>
+              <a:t>Modulation: FM/PPM</a:t>
+            </a:r>
+          </a:p>
+          <a:p>
+            <a:r>
+              <a:rPr lang="en-US" dirty="0"/>
+              <a:t>Shift polarity: Positive or Negative (auto detect)</a:t>
+            </a:r>
+          </a:p>
+          <a:p>
+            <a:r>
+              <a:rPr lang="en-US" dirty="0"/>
+              <a:t>Case: Shrink wrap</a:t>
+            </a:r>
+          </a:p>
+          <a:p>
+            <a:r>
+              <a:rPr lang="en-US" dirty="0"/>
+              <a:t>Operating Voltage: 4.8V~6.0VDC</a:t>
+            </a:r>
+          </a:p>
+          <a:p>
+            <a:r>
+              <a:rPr lang="en-US" dirty="0"/>
+              <a:t>Operating Current: 24mA.</a:t>
+            </a:r>
           </a:p>
         </p:txBody>
       </p:sp>
     </p:spTree>
     <p:extLst>
       <p:ext uri="{BB962C8B-B14F-4D97-AF65-F5344CB8AC3E}">
-        <p14:creationId xmlns:p14="http://schemas.microsoft.com/office/powerpoint/2010/main" val="3722056244"/>
+        <p14:creationId xmlns:p14="http://schemas.microsoft.com/office/powerpoint/2010/main" val="3245136954"/>
+      </p:ext>
+    </p:extLst>
+  </p:cSld>
+  <p:clrMapOvr>
+    <a:masterClrMapping/>
+  </p:clrMapOvr>
+</p:sld>
+</file>
+
+<file path=ppt/slides/slide19.xml><?xml version="1.0" encoding="utf-8"?>
+<p:sld xmlns:a="http://schemas.openxmlformats.org/drawingml/2006/main" xmlns:r="http://schemas.openxmlformats.org/officeDocument/2006/relationships" xmlns:p="http://schemas.openxmlformats.org/presentationml/2006/main">
+  <p:cSld>
+    <p:spTree>
+      <p:nvGrpSpPr>
+        <p:cNvPr id="1" name=""/>
+        <p:cNvGrpSpPr/>
+        <p:nvPr/>
+      </p:nvGrpSpPr>
+      <p:grpSpPr>
+        <a:xfrm>
+          <a:off x="0" y="0"/>
+          <a:ext cx="0" cy="0"/>
+          <a:chOff x="0" y="0"/>
+          <a:chExt cx="0" cy="0"/>
+        </a:xfrm>
+      </p:grpSpPr>
+      <p:sp>
+        <p:nvSpPr>
+          <p:cNvPr id="2" name="Titre 1">
+            <a:extLst>
+              <a:ext uri="{FF2B5EF4-FFF2-40B4-BE49-F238E27FC236}">
+                <a16:creationId xmlns:a16="http://schemas.microsoft.com/office/drawing/2014/main" id="{FE169B9C-4B88-49CF-996F-9AA43AAE11A7}"/>
+              </a:ext>
+            </a:extLst>
+          </p:cNvPr>
+          <p:cNvSpPr>
+            <a:spLocks noGrp="1"/>
+          </p:cNvSpPr>
+          <p:nvPr>
+            <p:ph type="title"/>
+          </p:nvPr>
+        </p:nvSpPr>
+        <p:spPr>
+          <a:xfrm>
+            <a:off x="838200" y="365125"/>
+            <a:ext cx="10515600" cy="1325563"/>
+          </a:xfrm>
+        </p:spPr>
+        <p:txBody>
+          <a:bodyPr/>
+          <a:lstStyle/>
+          <a:p>
+            <a:r>
+              <a:rPr lang="en-US" dirty="0"/>
+              <a:t>Frame</a:t>
+            </a:r>
+          </a:p>
+        </p:txBody>
+      </p:sp>
+      <p:sp>
+        <p:nvSpPr>
+          <p:cNvPr id="3" name="Espace réservé du contenu 2">
+            <a:extLst>
+              <a:ext uri="{FF2B5EF4-FFF2-40B4-BE49-F238E27FC236}">
+                <a16:creationId xmlns:a16="http://schemas.microsoft.com/office/drawing/2014/main" id="{13BA1678-4CC9-4D81-80F5-03ACA87BD6C6}"/>
+              </a:ext>
+            </a:extLst>
+          </p:cNvPr>
+          <p:cNvSpPr>
+            <a:spLocks noGrp="1"/>
+          </p:cNvSpPr>
+          <p:nvPr>
+            <p:ph idx="1"/>
+          </p:nvPr>
+        </p:nvSpPr>
+        <p:spPr>
+          <a:xfrm>
+            <a:off x="838200" y="1509204"/>
+            <a:ext cx="10515600" cy="5093887"/>
+          </a:xfrm>
+        </p:spPr>
+        <p:txBody>
+          <a:bodyPr>
+            <a:normAutofit/>
+          </a:bodyPr>
+          <a:lstStyle/>
+          <a:p>
+            <a:pPr marL="0" indent="0">
+              <a:buNone/>
+            </a:pPr>
+            <a:r>
+              <a:rPr lang="fr-FR" b="1" dirty="0" err="1"/>
+              <a:t>HobbyKing</a:t>
+            </a:r>
+            <a:r>
+              <a:rPr lang="fr-FR" b="1" dirty="0"/>
+              <a:t> X550 en fibre de verre </a:t>
+            </a:r>
+            <a:r>
+              <a:rPr lang="fr-FR" b="1" dirty="0" err="1"/>
+              <a:t>Quadcopter</a:t>
+            </a:r>
+            <a:r>
+              <a:rPr lang="fr-FR" b="1" dirty="0"/>
+              <a:t> Cadre 550mm </a:t>
+            </a:r>
+            <a:r>
+              <a:rPr lang="fr-FR" dirty="0"/>
+              <a:t>(</a:t>
+            </a:r>
+            <a:r>
+              <a:rPr lang="en-US" dirty="0"/>
+              <a:t>9323000036)</a:t>
+            </a:r>
+          </a:p>
+          <a:p>
+            <a:pPr marL="0" indent="0">
+              <a:buNone/>
+            </a:pPr>
+            <a:endParaRPr lang="fr-FR" b="1" dirty="0"/>
+          </a:p>
+          <a:p>
+            <a:pPr marL="0" indent="0">
+              <a:buNone/>
+            </a:pPr>
+            <a:r>
+              <a:rPr lang="fr-FR" b="1" dirty="0"/>
+              <a:t>Spécifications:</a:t>
+            </a:r>
+          </a:p>
+          <a:p>
+            <a:pPr marL="457200" lvl="1" indent="0">
+              <a:buNone/>
+            </a:pPr>
+            <a:r>
+              <a:rPr lang="fr-FR" dirty="0"/>
+              <a:t> </a:t>
+            </a:r>
+            <a:br>
+              <a:rPr lang="fr-FR" dirty="0"/>
+            </a:br>
+            <a:r>
+              <a:rPr lang="fr-FR" dirty="0"/>
+              <a:t>Poids: </a:t>
+            </a:r>
+            <a:r>
+              <a:rPr lang="fr-FR" b="1" dirty="0"/>
+              <a:t>312g</a:t>
+            </a:r>
+            <a:br>
+              <a:rPr lang="fr-FR" dirty="0"/>
+            </a:br>
+            <a:r>
+              <a:rPr lang="fr-FR" dirty="0"/>
+              <a:t>Largeur: </a:t>
+            </a:r>
+            <a:r>
+              <a:rPr lang="fr-FR" b="1" dirty="0"/>
+              <a:t>550mm</a:t>
+            </a:r>
+            <a:r>
+              <a:rPr lang="fr-FR" dirty="0"/>
+              <a:t> </a:t>
+            </a:r>
+            <a:br>
+              <a:rPr lang="fr-FR" dirty="0"/>
+            </a:br>
+            <a:r>
+              <a:rPr lang="fr-FR" dirty="0"/>
+              <a:t>Trous </a:t>
+            </a:r>
+            <a:r>
+              <a:rPr lang="fr-FR" dirty="0" err="1"/>
+              <a:t>Motor</a:t>
+            </a:r>
+            <a:r>
+              <a:rPr lang="fr-FR" dirty="0"/>
+              <a:t> Bolt: </a:t>
+            </a:r>
+            <a:r>
+              <a:rPr lang="fr-FR" b="1" dirty="0"/>
+              <a:t>largeur de 19mm</a:t>
+            </a:r>
+            <a:endParaRPr lang="en-US" dirty="0"/>
+          </a:p>
+        </p:txBody>
+      </p:sp>
+    </p:spTree>
+    <p:extLst>
+      <p:ext uri="{BB962C8B-B14F-4D97-AF65-F5344CB8AC3E}">
+        <p14:creationId xmlns:p14="http://schemas.microsoft.com/office/powerpoint/2010/main" val="1070349072"/>
       </p:ext>
     </p:extLst>
   </p:cSld>
@@ -13547,6 +18467,295 @@
 </p:sld>
 </file>
 
+<file path=ppt/slides/slide20.xml><?xml version="1.0" encoding="utf-8"?>
+<p:sld xmlns:a="http://schemas.openxmlformats.org/drawingml/2006/main" xmlns:r="http://schemas.openxmlformats.org/officeDocument/2006/relationships" xmlns:p="http://schemas.openxmlformats.org/presentationml/2006/main">
+  <p:cSld>
+    <p:spTree>
+      <p:nvGrpSpPr>
+        <p:cNvPr id="1" name=""/>
+        <p:cNvGrpSpPr/>
+        <p:nvPr/>
+      </p:nvGrpSpPr>
+      <p:grpSpPr>
+        <a:xfrm>
+          <a:off x="0" y="0"/>
+          <a:ext cx="0" cy="0"/>
+          <a:chOff x="0" y="0"/>
+          <a:chExt cx="0" cy="0"/>
+        </a:xfrm>
+      </p:grpSpPr>
+      <p:sp>
+        <p:nvSpPr>
+          <p:cNvPr id="2" name="Titre 1">
+            <a:extLst>
+              <a:ext uri="{FF2B5EF4-FFF2-40B4-BE49-F238E27FC236}">
+                <a16:creationId xmlns:a16="http://schemas.microsoft.com/office/drawing/2014/main" id="{7D7887D6-7566-47C9-A25C-3F4F54D9EBDC}"/>
+              </a:ext>
+            </a:extLst>
+          </p:cNvPr>
+          <p:cNvSpPr>
+            <a:spLocks noGrp="1"/>
+          </p:cNvSpPr>
+          <p:nvPr>
+            <p:ph type="title"/>
+          </p:nvPr>
+        </p:nvSpPr>
+        <p:spPr/>
+        <p:txBody>
+          <a:bodyPr/>
+          <a:lstStyle/>
+          <a:p>
+            <a:r>
+              <a:rPr lang="fr-FR" dirty="0" err="1"/>
+              <a:t>Special</a:t>
+            </a:r>
+            <a:r>
+              <a:rPr lang="fr-FR" dirty="0"/>
+              <a:t> pins Arduino MEGA2560</a:t>
+            </a:r>
+          </a:p>
+        </p:txBody>
+      </p:sp>
+      <p:sp>
+        <p:nvSpPr>
+          <p:cNvPr id="3" name="Espace réservé du contenu 2">
+            <a:extLst>
+              <a:ext uri="{FF2B5EF4-FFF2-40B4-BE49-F238E27FC236}">
+                <a16:creationId xmlns:a16="http://schemas.microsoft.com/office/drawing/2014/main" id="{570C9186-32F7-45DB-A01D-E527B032981A}"/>
+              </a:ext>
+            </a:extLst>
+          </p:cNvPr>
+          <p:cNvSpPr>
+            <a:spLocks noGrp="1"/>
+          </p:cNvSpPr>
+          <p:nvPr>
+            <p:ph idx="1"/>
+          </p:nvPr>
+        </p:nvSpPr>
+        <p:spPr/>
+        <p:txBody>
+          <a:bodyPr>
+            <a:normAutofit fontScale="62500" lnSpcReduction="20000"/>
+          </a:bodyPr>
+          <a:lstStyle/>
+          <a:p>
+            <a:pPr marL="0" indent="0">
+              <a:buNone/>
+            </a:pPr>
+            <a:r>
+              <a:rPr lang="fr-FR" sz="3500" u="sng" dirty="0"/>
+              <a:t>Pin Change </a:t>
+            </a:r>
+            <a:r>
+              <a:rPr lang="fr-FR" sz="3500" u="sng" dirty="0" err="1"/>
+              <a:t>Interrupt</a:t>
+            </a:r>
+            <a:r>
+              <a:rPr lang="fr-FR" sz="3500" u="sng" dirty="0"/>
+              <a:t> 2 ISR(PCINT2_vect)</a:t>
+            </a:r>
+          </a:p>
+          <a:p>
+            <a:pPr marL="0" indent="0">
+              <a:buNone/>
+            </a:pPr>
+            <a:r>
+              <a:rPr lang="da-DK" dirty="0"/>
+              <a:t>For pins PCINT16-PCINT23 (PK0- PK7), PORT K</a:t>
+            </a:r>
+          </a:p>
+          <a:p>
+            <a:pPr marL="0" indent="0">
+              <a:buNone/>
+            </a:pPr>
+            <a:r>
+              <a:rPr lang="fr-FR" dirty="0"/>
+              <a:t>Use pin A8 to A13 (PCINT16  to PCINT21 )</a:t>
+            </a:r>
+          </a:p>
+          <a:p>
+            <a:pPr marL="0" indent="0">
+              <a:buNone/>
+            </a:pPr>
+            <a:r>
+              <a:rPr lang="da-DK" dirty="0"/>
+              <a:t>PCMSK2 – Pin Change Mask Register 2 </a:t>
+            </a:r>
+            <a:r>
+              <a:rPr lang="en-US" dirty="0"/>
+              <a:t>Bit 2 – PCIF2: clear any outstanding interrupts 2</a:t>
+            </a:r>
+            <a:endParaRPr lang="da-DK" dirty="0"/>
+          </a:p>
+          <a:p>
+            <a:pPr marL="0" indent="0">
+              <a:buNone/>
+            </a:pPr>
+            <a:r>
+              <a:rPr lang="en-US" dirty="0"/>
+              <a:t>PCIFR – Pin Change Interrupt Flag Register =&gt; Bit 2 – PCIF2: clear any outstanding interrupts 2</a:t>
+            </a:r>
+          </a:p>
+          <a:p>
+            <a:pPr marL="0" indent="0">
+              <a:buNone/>
+            </a:pPr>
+            <a:r>
+              <a:rPr lang="fr-FR" dirty="0"/>
+              <a:t>PCICR – Pin Change </a:t>
+            </a:r>
+            <a:r>
+              <a:rPr lang="fr-FR" dirty="0" err="1"/>
+              <a:t>Interrupt</a:t>
+            </a:r>
+            <a:r>
+              <a:rPr lang="fr-FR" dirty="0"/>
+              <a:t> Control </a:t>
+            </a:r>
+            <a:r>
+              <a:rPr lang="fr-FR" dirty="0" err="1"/>
+              <a:t>Register</a:t>
+            </a:r>
+            <a:r>
+              <a:rPr lang="fr-FR" dirty="0"/>
+              <a:t> =&gt; Bit 2 – PCIE2: enable pin change </a:t>
+            </a:r>
+            <a:r>
+              <a:rPr lang="fr-FR" dirty="0" err="1"/>
+              <a:t>interrupts</a:t>
+            </a:r>
+            <a:r>
+              <a:rPr lang="fr-FR" dirty="0"/>
+              <a:t> 2</a:t>
+            </a:r>
+          </a:p>
+          <a:p>
+            <a:pPr marL="0" indent="0">
+              <a:buNone/>
+            </a:pPr>
+            <a:br>
+              <a:rPr lang="fr-FR" dirty="0"/>
+            </a:br>
+            <a:endParaRPr lang="fr-FR" dirty="0"/>
+          </a:p>
+          <a:p>
+            <a:pPr marL="0" indent="0">
+              <a:buNone/>
+            </a:pPr>
+            <a:r>
+              <a:rPr lang="fr-FR" sz="3500" u="sng" dirty="0"/>
+              <a:t>SPI</a:t>
+            </a:r>
+          </a:p>
+          <a:p>
+            <a:pPr marL="0" indent="0">
+              <a:buNone/>
+            </a:pPr>
+            <a:r>
+              <a:rPr lang="fi-FI" dirty="0"/>
+              <a:t>Pin</a:t>
+            </a:r>
+            <a:r>
+              <a:rPr lang="fr-FR" dirty="0"/>
+              <a:t> #</a:t>
+            </a:r>
+            <a:r>
+              <a:rPr lang="fi-FI" dirty="0"/>
+              <a:t>10: CS</a:t>
+            </a:r>
+            <a:endParaRPr lang="fr-FR" dirty="0"/>
+          </a:p>
+          <a:p>
+            <a:pPr marL="0" indent="0">
+              <a:buNone/>
+            </a:pPr>
+            <a:r>
+              <a:rPr lang="fi-FI" dirty="0"/>
+              <a:t>pin</a:t>
+            </a:r>
+            <a:r>
+              <a:rPr lang="fr-FR" dirty="0"/>
+              <a:t> #</a:t>
+            </a:r>
+            <a:r>
+              <a:rPr lang="fi-FI" dirty="0"/>
+              <a:t>11-&gt;pin</a:t>
+            </a:r>
+            <a:r>
+              <a:rPr lang="fr-FR" dirty="0"/>
+              <a:t> #</a:t>
+            </a:r>
+            <a:r>
+              <a:rPr lang="fi-FI" dirty="0"/>
+              <a:t>51</a:t>
+            </a:r>
+          </a:p>
+          <a:p>
+            <a:pPr marL="0" indent="0">
+              <a:buNone/>
+            </a:pPr>
+            <a:r>
+              <a:rPr lang="fi-FI" dirty="0"/>
+              <a:t>pin</a:t>
+            </a:r>
+            <a:r>
+              <a:rPr lang="fr-FR" dirty="0"/>
+              <a:t> #</a:t>
+            </a:r>
+            <a:r>
+              <a:rPr lang="fi-FI" dirty="0"/>
+              <a:t>12-&gt;pin</a:t>
+            </a:r>
+            <a:r>
+              <a:rPr lang="fr-FR" dirty="0"/>
+              <a:t> #</a:t>
+            </a:r>
+            <a:r>
+              <a:rPr lang="fi-FI" dirty="0"/>
+              <a:t>50</a:t>
+            </a:r>
+          </a:p>
+          <a:p>
+            <a:pPr marL="0" indent="0">
+              <a:buNone/>
+            </a:pPr>
+            <a:r>
+              <a:rPr lang="fi-FI" dirty="0"/>
+              <a:t>pin</a:t>
+            </a:r>
+            <a:r>
+              <a:rPr lang="fr-FR" dirty="0"/>
+              <a:t> #</a:t>
+            </a:r>
+            <a:r>
+              <a:rPr lang="fi-FI" dirty="0"/>
+              <a:t>13-&gt;pin</a:t>
+            </a:r>
+            <a:r>
+              <a:rPr lang="fr-FR" dirty="0"/>
+              <a:t> #</a:t>
+            </a:r>
+            <a:r>
+              <a:rPr lang="fi-FI" dirty="0"/>
+              <a:t>52</a:t>
+            </a:r>
+            <a:endParaRPr lang="fr-FR" dirty="0"/>
+          </a:p>
+        </p:txBody>
+      </p:sp>
+    </p:spTree>
+    <p:extLst>
+      <p:ext uri="{BB962C8B-B14F-4D97-AF65-F5344CB8AC3E}">
+        <p14:creationId xmlns:p14="http://schemas.microsoft.com/office/powerpoint/2010/main" val="3722056244"/>
+      </p:ext>
+    </p:extLst>
+  </p:cSld>
+  <p:clrMapOvr>
+    <a:masterClrMapping/>
+  </p:clrMapOvr>
+</p:sld>
+</file>
+
 <file path=ppt/slides/slide3.xml><?xml version="1.0" encoding="utf-8"?>
 <p:sld xmlns:a="http://schemas.openxmlformats.org/drawingml/2006/main" xmlns:r="http://schemas.openxmlformats.org/officeDocument/2006/relationships" xmlns:p="http://schemas.openxmlformats.org/presentationml/2006/main">
   <p:cSld>
@@ -15872,8 +21081,8 @@
         </p:nvSpPr>
         <p:spPr>
           <a:xfrm>
-            <a:off x="5582874" y="2181532"/>
-            <a:ext cx="930126" cy="369332"/>
+            <a:off x="5651463" y="2199119"/>
+            <a:ext cx="744178" cy="369332"/>
           </a:xfrm>
           <a:prstGeom prst="rect">
             <a:avLst/>
@@ -15888,7 +21097,7 @@
           <a:p>
             <a:r>
               <a:rPr lang="en-US" dirty="0"/>
-              <a:t>+  Roll  -</a:t>
+              <a:t>  Roll  </a:t>
             </a:r>
           </a:p>
         </p:txBody>
@@ -16051,10 +21260,7 @@
           </a:bodyPr>
           <a:lstStyle/>
           <a:p>
-            <a:r>
-              <a:rPr lang="en-US" dirty="0"/>
-              <a:t>-</a:t>
-            </a:r>
+            <a:endParaRPr lang="en-US" dirty="0"/>
           </a:p>
           <a:p>
             <a:r>
@@ -16063,10 +21269,7 @@
             </a:r>
           </a:p>
           <a:p>
-            <a:r>
-              <a:rPr lang="en-US" dirty="0"/>
-              <a:t>+</a:t>
-            </a:r>
+            <a:endParaRPr lang="en-US" dirty="0"/>
           </a:p>
         </p:txBody>
       </p:sp>
@@ -16183,10 +21386,7 @@
           </a:bodyPr>
           <a:lstStyle/>
           <a:p>
-            <a:r>
-              <a:rPr lang="en-US" dirty="0"/>
-              <a:t>-</a:t>
-            </a:r>
+            <a:endParaRPr lang="en-US" dirty="0"/>
           </a:p>
           <a:p>
             <a:r>
@@ -16195,10 +21395,7 @@
             </a:r>
           </a:p>
           <a:p>
-            <a:r>
-              <a:rPr lang="en-US" dirty="0"/>
-              <a:t>+</a:t>
-            </a:r>
+            <a:endParaRPr lang="en-US" dirty="0"/>
           </a:p>
         </p:txBody>
       </p:sp>

--- a/libraries/Diagramm Drone.pptx
+++ b/libraries/Diagramm Drone.pptx
@@ -3730,7 +3730,7 @@
           <a:p>
             <a:fld id="{0717AEF8-1597-4679-8926-916E82E12B07}" type="datetimeFigureOut">
               <a:rPr lang="fr-FR" smtClean="0"/>
-              <a:t>13/06/2019</a:t>
+              <a:t>05/07/2019</a:t>
             </a:fld>
             <a:endParaRPr lang="fr-FR"/>
           </a:p>
@@ -3928,7 +3928,7 @@
           <a:p>
             <a:fld id="{0717AEF8-1597-4679-8926-916E82E12B07}" type="datetimeFigureOut">
               <a:rPr lang="fr-FR" smtClean="0"/>
-              <a:t>13/06/2019</a:t>
+              <a:t>05/07/2019</a:t>
             </a:fld>
             <a:endParaRPr lang="fr-FR"/>
           </a:p>
@@ -4136,7 +4136,7 @@
           <a:p>
             <a:fld id="{0717AEF8-1597-4679-8926-916E82E12B07}" type="datetimeFigureOut">
               <a:rPr lang="fr-FR" smtClean="0"/>
-              <a:t>13/06/2019</a:t>
+              <a:t>05/07/2019</a:t>
             </a:fld>
             <a:endParaRPr lang="fr-FR"/>
           </a:p>
@@ -4334,7 +4334,7 @@
           <a:p>
             <a:fld id="{0717AEF8-1597-4679-8926-916E82E12B07}" type="datetimeFigureOut">
               <a:rPr lang="fr-FR" smtClean="0"/>
-              <a:t>13/06/2019</a:t>
+              <a:t>05/07/2019</a:t>
             </a:fld>
             <a:endParaRPr lang="fr-FR"/>
           </a:p>
@@ -4609,7 +4609,7 @@
           <a:p>
             <a:fld id="{0717AEF8-1597-4679-8926-916E82E12B07}" type="datetimeFigureOut">
               <a:rPr lang="fr-FR" smtClean="0"/>
-              <a:t>13/06/2019</a:t>
+              <a:t>05/07/2019</a:t>
             </a:fld>
             <a:endParaRPr lang="fr-FR"/>
           </a:p>
@@ -4874,7 +4874,7 @@
           <a:p>
             <a:fld id="{0717AEF8-1597-4679-8926-916E82E12B07}" type="datetimeFigureOut">
               <a:rPr lang="fr-FR" smtClean="0"/>
-              <a:t>13/06/2019</a:t>
+              <a:t>05/07/2019</a:t>
             </a:fld>
             <a:endParaRPr lang="fr-FR"/>
           </a:p>
@@ -5286,7 +5286,7 @@
           <a:p>
             <a:fld id="{0717AEF8-1597-4679-8926-916E82E12B07}" type="datetimeFigureOut">
               <a:rPr lang="fr-FR" smtClean="0"/>
-              <a:t>13/06/2019</a:t>
+              <a:t>05/07/2019</a:t>
             </a:fld>
             <a:endParaRPr lang="fr-FR"/>
           </a:p>
@@ -5427,7 +5427,7 @@
           <a:p>
             <a:fld id="{0717AEF8-1597-4679-8926-916E82E12B07}" type="datetimeFigureOut">
               <a:rPr lang="fr-FR" smtClean="0"/>
-              <a:t>13/06/2019</a:t>
+              <a:t>05/07/2019</a:t>
             </a:fld>
             <a:endParaRPr lang="fr-FR"/>
           </a:p>
@@ -5540,7 +5540,7 @@
           <a:p>
             <a:fld id="{0717AEF8-1597-4679-8926-916E82E12B07}" type="datetimeFigureOut">
               <a:rPr lang="fr-FR" smtClean="0"/>
-              <a:t>13/06/2019</a:t>
+              <a:t>05/07/2019</a:t>
             </a:fld>
             <a:endParaRPr lang="fr-FR"/>
           </a:p>
@@ -5851,7 +5851,7 @@
           <a:p>
             <a:fld id="{0717AEF8-1597-4679-8926-916E82E12B07}" type="datetimeFigureOut">
               <a:rPr lang="fr-FR" smtClean="0"/>
-              <a:t>13/06/2019</a:t>
+              <a:t>05/07/2019</a:t>
             </a:fld>
             <a:endParaRPr lang="fr-FR"/>
           </a:p>
@@ -6139,7 +6139,7 @@
           <a:p>
             <a:fld id="{0717AEF8-1597-4679-8926-916E82E12B07}" type="datetimeFigureOut">
               <a:rPr lang="fr-FR" smtClean="0"/>
-              <a:t>13/06/2019</a:t>
+              <a:t>05/07/2019</a:t>
             </a:fld>
             <a:endParaRPr lang="fr-FR"/>
           </a:p>
@@ -6380,7 +6380,7 @@
           <a:p>
             <a:fld id="{0717AEF8-1597-4679-8926-916E82E12B07}" type="datetimeFigureOut">
               <a:rPr lang="fr-FR" smtClean="0"/>
-              <a:t>13/06/2019</a:t>
+              <a:t>05/07/2019</a:t>
             </a:fld>
             <a:endParaRPr lang="fr-FR"/>
           </a:p>
@@ -14523,7 +14523,7 @@
             </a:r>
             <a:r>
               <a:rPr lang="fr-FR" dirty="0"/>
-              <a:t>: </a:t>
+              <a:t> (arbre): </a:t>
             </a:r>
             <a:r>
               <a:rPr lang="fr-FR" b="1" dirty="0"/>
@@ -14553,7 +14553,15 @@
             </a:br>
             <a:r>
               <a:rPr lang="fr-FR" dirty="0"/>
-              <a:t>Fil de Bolt: </a:t>
+              <a:t>Fil de Bolt </a:t>
+            </a:r>
+            <a:r>
+              <a:rPr lang="fr-FR"/>
+              <a:t>(boulon):</a:t>
+            </a:r>
+            <a:r>
+              <a:rPr lang="fr-FR" dirty="0"/>
+              <a:t> </a:t>
             </a:r>
             <a:r>
               <a:rPr lang="fr-FR" b="1" dirty="0"/>

--- a/libraries/Diagramm Drone.pptx
+++ b/libraries/Diagramm Drone.pptx
@@ -7,24 +7,25 @@
   <p:sldIdLst>
     <p:sldId id="259" r:id="rId2"/>
     <p:sldId id="261" r:id="rId3"/>
-    <p:sldId id="262" r:id="rId4"/>
-    <p:sldId id="269" r:id="rId5"/>
-    <p:sldId id="272" r:id="rId6"/>
-    <p:sldId id="273" r:id="rId7"/>
-    <p:sldId id="270" r:id="rId8"/>
-    <p:sldId id="271" r:id="rId9"/>
-    <p:sldId id="274" r:id="rId10"/>
-    <p:sldId id="275" r:id="rId11"/>
-    <p:sldId id="277" r:id="rId12"/>
-    <p:sldId id="279" r:id="rId13"/>
-    <p:sldId id="278" r:id="rId14"/>
-    <p:sldId id="280" r:id="rId15"/>
-    <p:sldId id="276" r:id="rId16"/>
-    <p:sldId id="281" r:id="rId17"/>
-    <p:sldId id="284" r:id="rId18"/>
-    <p:sldId id="282" r:id="rId19"/>
-    <p:sldId id="283" r:id="rId20"/>
-    <p:sldId id="260" r:id="rId21"/>
+    <p:sldId id="285" r:id="rId4"/>
+    <p:sldId id="262" r:id="rId5"/>
+    <p:sldId id="269" r:id="rId6"/>
+    <p:sldId id="272" r:id="rId7"/>
+    <p:sldId id="273" r:id="rId8"/>
+    <p:sldId id="270" r:id="rId9"/>
+    <p:sldId id="271" r:id="rId10"/>
+    <p:sldId id="274" r:id="rId11"/>
+    <p:sldId id="275" r:id="rId12"/>
+    <p:sldId id="277" r:id="rId13"/>
+    <p:sldId id="279" r:id="rId14"/>
+    <p:sldId id="278" r:id="rId15"/>
+    <p:sldId id="280" r:id="rId16"/>
+    <p:sldId id="276" r:id="rId17"/>
+    <p:sldId id="281" r:id="rId18"/>
+    <p:sldId id="284" r:id="rId19"/>
+    <p:sldId id="282" r:id="rId20"/>
+    <p:sldId id="283" r:id="rId21"/>
+    <p:sldId id="260" r:id="rId22"/>
   </p:sldIdLst>
   <p:sldSz cx="12192000" cy="6858000"/>
   <p:notesSz cx="6888163" cy="10020300"/>
@@ -3730,7 +3731,7 @@
           <a:p>
             <a:fld id="{0717AEF8-1597-4679-8926-916E82E12B07}" type="datetimeFigureOut">
               <a:rPr lang="fr-FR" smtClean="0"/>
-              <a:t>05/07/2019</a:t>
+              <a:t>22/09/2019</a:t>
             </a:fld>
             <a:endParaRPr lang="fr-FR"/>
           </a:p>
@@ -3928,7 +3929,7 @@
           <a:p>
             <a:fld id="{0717AEF8-1597-4679-8926-916E82E12B07}" type="datetimeFigureOut">
               <a:rPr lang="fr-FR" smtClean="0"/>
-              <a:t>05/07/2019</a:t>
+              <a:t>22/09/2019</a:t>
             </a:fld>
             <a:endParaRPr lang="fr-FR"/>
           </a:p>
@@ -4136,7 +4137,7 @@
           <a:p>
             <a:fld id="{0717AEF8-1597-4679-8926-916E82E12B07}" type="datetimeFigureOut">
               <a:rPr lang="fr-FR" smtClean="0"/>
-              <a:t>05/07/2019</a:t>
+              <a:t>22/09/2019</a:t>
             </a:fld>
             <a:endParaRPr lang="fr-FR"/>
           </a:p>
@@ -4334,7 +4335,7 @@
           <a:p>
             <a:fld id="{0717AEF8-1597-4679-8926-916E82E12B07}" type="datetimeFigureOut">
               <a:rPr lang="fr-FR" smtClean="0"/>
-              <a:t>05/07/2019</a:t>
+              <a:t>22/09/2019</a:t>
             </a:fld>
             <a:endParaRPr lang="fr-FR"/>
           </a:p>
@@ -4609,7 +4610,7 @@
           <a:p>
             <a:fld id="{0717AEF8-1597-4679-8926-916E82E12B07}" type="datetimeFigureOut">
               <a:rPr lang="fr-FR" smtClean="0"/>
-              <a:t>05/07/2019</a:t>
+              <a:t>22/09/2019</a:t>
             </a:fld>
             <a:endParaRPr lang="fr-FR"/>
           </a:p>
@@ -4874,7 +4875,7 @@
           <a:p>
             <a:fld id="{0717AEF8-1597-4679-8926-916E82E12B07}" type="datetimeFigureOut">
               <a:rPr lang="fr-FR" smtClean="0"/>
-              <a:t>05/07/2019</a:t>
+              <a:t>22/09/2019</a:t>
             </a:fld>
             <a:endParaRPr lang="fr-FR"/>
           </a:p>
@@ -5286,7 +5287,7 @@
           <a:p>
             <a:fld id="{0717AEF8-1597-4679-8926-916E82E12B07}" type="datetimeFigureOut">
               <a:rPr lang="fr-FR" smtClean="0"/>
-              <a:t>05/07/2019</a:t>
+              <a:t>22/09/2019</a:t>
             </a:fld>
             <a:endParaRPr lang="fr-FR"/>
           </a:p>
@@ -5427,7 +5428,7 @@
           <a:p>
             <a:fld id="{0717AEF8-1597-4679-8926-916E82E12B07}" type="datetimeFigureOut">
               <a:rPr lang="fr-FR" smtClean="0"/>
-              <a:t>05/07/2019</a:t>
+              <a:t>22/09/2019</a:t>
             </a:fld>
             <a:endParaRPr lang="fr-FR"/>
           </a:p>
@@ -5540,7 +5541,7 @@
           <a:p>
             <a:fld id="{0717AEF8-1597-4679-8926-916E82E12B07}" type="datetimeFigureOut">
               <a:rPr lang="fr-FR" smtClean="0"/>
-              <a:t>05/07/2019</a:t>
+              <a:t>22/09/2019</a:t>
             </a:fld>
             <a:endParaRPr lang="fr-FR"/>
           </a:p>
@@ -5851,7 +5852,7 @@
           <a:p>
             <a:fld id="{0717AEF8-1597-4679-8926-916E82E12B07}" type="datetimeFigureOut">
               <a:rPr lang="fr-FR" smtClean="0"/>
-              <a:t>05/07/2019</a:t>
+              <a:t>22/09/2019</a:t>
             </a:fld>
             <a:endParaRPr lang="fr-FR"/>
           </a:p>
@@ -6139,7 +6140,7 @@
           <a:p>
             <a:fld id="{0717AEF8-1597-4679-8926-916E82E12B07}" type="datetimeFigureOut">
               <a:rPr lang="fr-FR" smtClean="0"/>
-              <a:t>05/07/2019</a:t>
+              <a:t>22/09/2019</a:t>
             </a:fld>
             <a:endParaRPr lang="fr-FR"/>
           </a:p>
@@ -6380,7 +6381,7 @@
           <a:p>
             <a:fld id="{0717AEF8-1597-4679-8926-916E82E12B07}" type="datetimeFigureOut">
               <a:rPr lang="fr-FR" smtClean="0"/>
-              <a:t>05/07/2019</a:t>
+              <a:t>22/09/2019</a:t>
             </a:fld>
             <a:endParaRPr lang="fr-FR"/>
           </a:p>
@@ -10977,173 +10978,6 @@
       </p:cxnSp>
       <p:cxnSp>
         <p:nvCxnSpPr>
-          <p:cNvPr id="111" name="Connecteur droit 110">
-            <a:extLst>
-              <a:ext uri="{FF2B5EF4-FFF2-40B4-BE49-F238E27FC236}">
-                <a16:creationId xmlns:a16="http://schemas.microsoft.com/office/drawing/2014/main" id="{060C03BF-95D6-4A38-B40E-A2400F099E53}"/>
-              </a:ext>
-            </a:extLst>
-          </p:cNvPr>
-          <p:cNvCxnSpPr/>
-          <p:nvPr/>
-        </p:nvCxnSpPr>
-        <p:spPr>
-          <a:xfrm flipH="1" flipV="1">
-            <a:off x="7048946" y="292071"/>
-            <a:ext cx="1" cy="756785"/>
-          </a:xfrm>
-          <a:prstGeom prst="line">
-            <a:avLst/>
-          </a:prstGeom>
-          <a:ln w="19050">
-            <a:solidFill>
-              <a:srgbClr val="FF0000"/>
-            </a:solidFill>
-          </a:ln>
-        </p:spPr>
-        <p:style>
-          <a:lnRef idx="1">
-            <a:schemeClr val="accent1"/>
-          </a:lnRef>
-          <a:fillRef idx="0">
-            <a:schemeClr val="accent1"/>
-          </a:fillRef>
-          <a:effectRef idx="0">
-            <a:schemeClr val="accent1"/>
-          </a:effectRef>
-          <a:fontRef idx="minor">
-            <a:schemeClr val="tx1"/>
-          </a:fontRef>
-        </p:style>
-      </p:cxnSp>
-      <p:cxnSp>
-        <p:nvCxnSpPr>
-          <p:cNvPr id="112" name="Connecteur droit 111">
-            <a:extLst>
-              <a:ext uri="{FF2B5EF4-FFF2-40B4-BE49-F238E27FC236}">
-                <a16:creationId xmlns:a16="http://schemas.microsoft.com/office/drawing/2014/main" id="{060C03BF-95D6-4A38-B40E-A2400F099E53}"/>
-              </a:ext>
-            </a:extLst>
-          </p:cNvPr>
-          <p:cNvCxnSpPr/>
-          <p:nvPr/>
-        </p:nvCxnSpPr>
-        <p:spPr>
-          <a:xfrm flipH="1" flipV="1">
-            <a:off x="5391757" y="280896"/>
-            <a:ext cx="1" cy="756785"/>
-          </a:xfrm>
-          <a:prstGeom prst="line">
-            <a:avLst/>
-          </a:prstGeom>
-          <a:ln w="19050">
-            <a:solidFill>
-              <a:srgbClr val="FF0000"/>
-            </a:solidFill>
-          </a:ln>
-        </p:spPr>
-        <p:style>
-          <a:lnRef idx="1">
-            <a:schemeClr val="accent1"/>
-          </a:lnRef>
-          <a:fillRef idx="0">
-            <a:schemeClr val="accent1"/>
-          </a:fillRef>
-          <a:effectRef idx="0">
-            <a:schemeClr val="accent1"/>
-          </a:effectRef>
-          <a:fontRef idx="minor">
-            <a:schemeClr val="tx1"/>
-          </a:fontRef>
-        </p:style>
-      </p:cxnSp>
-      <p:cxnSp>
-        <p:nvCxnSpPr>
-          <p:cNvPr id="113" name="Connecteur droit 112">
-            <a:extLst>
-              <a:ext uri="{FF2B5EF4-FFF2-40B4-BE49-F238E27FC236}">
-                <a16:creationId xmlns:a16="http://schemas.microsoft.com/office/drawing/2014/main" id="{060C03BF-95D6-4A38-B40E-A2400F099E53}"/>
-              </a:ext>
-            </a:extLst>
-          </p:cNvPr>
-          <p:cNvCxnSpPr/>
-          <p:nvPr/>
-        </p:nvCxnSpPr>
-        <p:spPr>
-          <a:xfrm flipH="1" flipV="1">
-            <a:off x="3805237" y="280895"/>
-            <a:ext cx="1" cy="756785"/>
-          </a:xfrm>
-          <a:prstGeom prst="line">
-            <a:avLst/>
-          </a:prstGeom>
-          <a:ln w="19050">
-            <a:solidFill>
-              <a:srgbClr val="FF0000"/>
-            </a:solidFill>
-          </a:ln>
-        </p:spPr>
-        <p:style>
-          <a:lnRef idx="1">
-            <a:schemeClr val="accent1"/>
-          </a:lnRef>
-          <a:fillRef idx="0">
-            <a:schemeClr val="accent1"/>
-          </a:fillRef>
-          <a:effectRef idx="0">
-            <a:schemeClr val="accent1"/>
-          </a:effectRef>
-          <a:fontRef idx="minor">
-            <a:schemeClr val="tx1"/>
-          </a:fontRef>
-        </p:style>
-      </p:cxnSp>
-      <p:cxnSp>
-        <p:nvCxnSpPr>
-          <p:cNvPr id="121" name="Connecteur droit 120">
-            <a:extLst>
-              <a:ext uri="{FF2B5EF4-FFF2-40B4-BE49-F238E27FC236}">
-                <a16:creationId xmlns:a16="http://schemas.microsoft.com/office/drawing/2014/main" id="{060C03BF-95D6-4A38-B40E-A2400F099E53}"/>
-              </a:ext>
-            </a:extLst>
-          </p:cNvPr>
-          <p:cNvCxnSpPr>
-            <a:cxnSpLocks/>
-            <a:stCxn id="10" idx="0"/>
-          </p:cNvCxnSpPr>
-          <p:nvPr/>
-        </p:nvCxnSpPr>
-        <p:spPr>
-          <a:xfrm flipH="1" flipV="1">
-            <a:off x="2164617" y="274550"/>
-            <a:ext cx="1" cy="787872"/>
-          </a:xfrm>
-          <a:prstGeom prst="line">
-            <a:avLst/>
-          </a:prstGeom>
-          <a:ln w="19050">
-            <a:solidFill>
-              <a:srgbClr val="FF0000"/>
-            </a:solidFill>
-          </a:ln>
-        </p:spPr>
-        <p:style>
-          <a:lnRef idx="1">
-            <a:schemeClr val="accent1"/>
-          </a:lnRef>
-          <a:fillRef idx="0">
-            <a:schemeClr val="accent1"/>
-          </a:fillRef>
-          <a:effectRef idx="0">
-            <a:schemeClr val="accent1"/>
-          </a:effectRef>
-          <a:fontRef idx="minor">
-            <a:schemeClr val="tx1"/>
-          </a:fontRef>
-        </p:style>
-      </p:cxnSp>
-      <p:cxnSp>
-        <p:nvCxnSpPr>
           <p:cNvPr id="127" name="Connecteur droit 126">
             <a:extLst>
               <a:ext uri="{FF2B5EF4-FFF2-40B4-BE49-F238E27FC236}">
@@ -13193,169 +13027,6 @@
           </a:fontRef>
         </p:style>
       </p:cxnSp>
-      <p:sp>
-        <p:nvSpPr>
-          <p:cNvPr id="159" name="ZoneTexte 158">
-            <a:extLst>
-              <a:ext uri="{FF2B5EF4-FFF2-40B4-BE49-F238E27FC236}">
-                <a16:creationId xmlns:a16="http://schemas.microsoft.com/office/drawing/2014/main" id="{AC62D47C-AAD1-438A-9BBE-43408566D0F1}"/>
-              </a:ext>
-            </a:extLst>
-          </p:cNvPr>
-          <p:cNvSpPr txBox="1"/>
-          <p:nvPr/>
-        </p:nvSpPr>
-        <p:spPr>
-          <a:xfrm>
-            <a:off x="2074856" y="234253"/>
-            <a:ext cx="928972" cy="215444"/>
-          </a:xfrm>
-          <a:prstGeom prst="rect">
-            <a:avLst/>
-          </a:prstGeom>
-          <a:noFill/>
-          <a:ln>
-            <a:noFill/>
-          </a:ln>
-        </p:spPr>
-        <p:txBody>
-          <a:bodyPr wrap="square" rtlCol="0">
-            <a:spAutoFit/>
-          </a:bodyPr>
-          <a:lstStyle/>
-          <a:p>
-            <a:pPr algn="ctr"/>
-            <a:r>
-              <a:rPr lang="en-US" sz="800" dirty="0">
-                <a:solidFill>
-                  <a:srgbClr val="FF0000"/>
-                </a:solidFill>
-              </a:rPr>
-              <a:t>BEC +5v unused </a:t>
-            </a:r>
-          </a:p>
-        </p:txBody>
-      </p:sp>
-      <p:sp>
-        <p:nvSpPr>
-          <p:cNvPr id="160" name="ZoneTexte 159">
-            <a:extLst>
-              <a:ext uri="{FF2B5EF4-FFF2-40B4-BE49-F238E27FC236}">
-                <a16:creationId xmlns:a16="http://schemas.microsoft.com/office/drawing/2014/main" id="{8886B4FB-52F8-4A2A-8B61-47C369DECCDE}"/>
-              </a:ext>
-            </a:extLst>
-          </p:cNvPr>
-          <p:cNvSpPr txBox="1"/>
-          <p:nvPr/>
-        </p:nvSpPr>
-        <p:spPr>
-          <a:xfrm>
-            <a:off x="3742152" y="243697"/>
-            <a:ext cx="928972" cy="215444"/>
-          </a:xfrm>
-          <a:prstGeom prst="rect">
-            <a:avLst/>
-          </a:prstGeom>
-          <a:noFill/>
-        </p:spPr>
-        <p:txBody>
-          <a:bodyPr wrap="square" rtlCol="0">
-            <a:spAutoFit/>
-          </a:bodyPr>
-          <a:lstStyle/>
-          <a:p>
-            <a:pPr algn="ctr"/>
-            <a:r>
-              <a:rPr lang="en-US" sz="800" dirty="0">
-                <a:solidFill>
-                  <a:srgbClr val="FF0000"/>
-                </a:solidFill>
-              </a:rPr>
-              <a:t>BEC +5v unused </a:t>
-            </a:r>
-          </a:p>
-        </p:txBody>
-      </p:sp>
-      <p:sp>
-        <p:nvSpPr>
-          <p:cNvPr id="162" name="ZoneTexte 161">
-            <a:extLst>
-              <a:ext uri="{FF2B5EF4-FFF2-40B4-BE49-F238E27FC236}">
-                <a16:creationId xmlns:a16="http://schemas.microsoft.com/office/drawing/2014/main" id="{358AA4DC-4FAD-4D19-8DDF-3DF3FD36E087}"/>
-              </a:ext>
-            </a:extLst>
-          </p:cNvPr>
-          <p:cNvSpPr txBox="1"/>
-          <p:nvPr/>
-        </p:nvSpPr>
-        <p:spPr>
-          <a:xfrm>
-            <a:off x="5279546" y="221168"/>
-            <a:ext cx="928972" cy="215444"/>
-          </a:xfrm>
-          <a:prstGeom prst="rect">
-            <a:avLst/>
-          </a:prstGeom>
-          <a:noFill/>
-        </p:spPr>
-        <p:txBody>
-          <a:bodyPr wrap="square" rtlCol="0">
-            <a:spAutoFit/>
-          </a:bodyPr>
-          <a:lstStyle/>
-          <a:p>
-            <a:pPr algn="ctr"/>
-            <a:r>
-              <a:rPr lang="en-US" sz="800" dirty="0">
-                <a:solidFill>
-                  <a:srgbClr val="FF0000"/>
-                </a:solidFill>
-              </a:rPr>
-              <a:t>BEC +5v unused </a:t>
-            </a:r>
-          </a:p>
-        </p:txBody>
-      </p:sp>
-      <p:sp>
-        <p:nvSpPr>
-          <p:cNvPr id="205" name="ZoneTexte 204">
-            <a:extLst>
-              <a:ext uri="{FF2B5EF4-FFF2-40B4-BE49-F238E27FC236}">
-                <a16:creationId xmlns:a16="http://schemas.microsoft.com/office/drawing/2014/main" id="{9CEF8378-E5C7-4F14-8484-42DCB7431717}"/>
-              </a:ext>
-            </a:extLst>
-          </p:cNvPr>
-          <p:cNvSpPr txBox="1"/>
-          <p:nvPr/>
-        </p:nvSpPr>
-        <p:spPr>
-          <a:xfrm>
-            <a:off x="6951891" y="214278"/>
-            <a:ext cx="928972" cy="215444"/>
-          </a:xfrm>
-          <a:prstGeom prst="rect">
-            <a:avLst/>
-          </a:prstGeom>
-          <a:noFill/>
-        </p:spPr>
-        <p:txBody>
-          <a:bodyPr wrap="square" rtlCol="0">
-            <a:spAutoFit/>
-          </a:bodyPr>
-          <a:lstStyle/>
-          <a:p>
-            <a:pPr algn="ctr"/>
-            <a:r>
-              <a:rPr lang="en-US" sz="800" dirty="0">
-                <a:solidFill>
-                  <a:srgbClr val="FF0000"/>
-                </a:solidFill>
-              </a:rPr>
-              <a:t>BEC +5v unused </a:t>
-            </a:r>
-          </a:p>
-        </p:txBody>
-      </p:sp>
       <p:cxnSp>
         <p:nvCxnSpPr>
           <p:cNvPr id="208" name="Connecteur droit 207">
@@ -13477,6 +13148,289 @@
           <p:cNvPr id="2" name="Titre 1">
             <a:extLst>
               <a:ext uri="{FF2B5EF4-FFF2-40B4-BE49-F238E27FC236}">
+                <a16:creationId xmlns:a16="http://schemas.microsoft.com/office/drawing/2014/main" id="{7D7887D6-7566-47C9-A25C-3F4F54D9EBDC}"/>
+              </a:ext>
+            </a:extLst>
+          </p:cNvPr>
+          <p:cNvSpPr>
+            <a:spLocks noGrp="1"/>
+          </p:cNvSpPr>
+          <p:nvPr>
+            <p:ph type="title"/>
+          </p:nvPr>
+        </p:nvSpPr>
+        <p:spPr/>
+        <p:txBody>
+          <a:bodyPr/>
+          <a:lstStyle/>
+          <a:p>
+            <a:r>
+              <a:rPr lang="fr-FR" dirty="0"/>
+              <a:t>Drone </a:t>
+            </a:r>
+            <a:r>
+              <a:rPr lang="fr-FR" dirty="0" err="1"/>
+              <a:t>processing</a:t>
+            </a:r>
+            <a:r>
+              <a:rPr lang="fr-FR" dirty="0"/>
+              <a:t> (3/3)</a:t>
+            </a:r>
+          </a:p>
+        </p:txBody>
+      </p:sp>
+      <p:sp>
+        <p:nvSpPr>
+          <p:cNvPr id="3" name="Espace réservé du contenu 2">
+            <a:extLst>
+              <a:ext uri="{FF2B5EF4-FFF2-40B4-BE49-F238E27FC236}">
+                <a16:creationId xmlns:a16="http://schemas.microsoft.com/office/drawing/2014/main" id="{570C9186-32F7-45DB-A01D-E527B032981A}"/>
+              </a:ext>
+            </a:extLst>
+          </p:cNvPr>
+          <p:cNvSpPr>
+            <a:spLocks noGrp="1"/>
+          </p:cNvSpPr>
+          <p:nvPr>
+            <p:ph idx="1"/>
+          </p:nvPr>
+        </p:nvSpPr>
+        <p:spPr/>
+        <p:txBody>
+          <a:bodyPr>
+            <a:normAutofit/>
+          </a:bodyPr>
+          <a:lstStyle/>
+          <a:p>
+            <a:pPr>
+              <a:lnSpc>
+                <a:spcPct val="80000"/>
+              </a:lnSpc>
+            </a:pPr>
+            <a:r>
+              <a:rPr lang="fr-FR" sz="2400" dirty="0" err="1"/>
+              <a:t>MotorESC_RunMotors</a:t>
+            </a:r>
+            <a:r>
+              <a:rPr lang="fr-FR" sz="2400" dirty="0"/>
+              <a:t> (</a:t>
+            </a:r>
+            <a:r>
+              <a:rPr lang="fr-FR" sz="2400" dirty="0" err="1"/>
+              <a:t>continued</a:t>
+            </a:r>
+            <a:r>
+              <a:rPr lang="fr-FR" sz="2400" dirty="0"/>
+              <a:t>)</a:t>
+            </a:r>
+          </a:p>
+          <a:p>
+            <a:pPr marL="457200" lvl="1" indent="0">
+              <a:buNone/>
+            </a:pPr>
+            <a:endParaRPr lang="en-US" sz="1700" dirty="0"/>
+          </a:p>
+          <a:p>
+            <a:pPr marL="457200" lvl="1" indent="0">
+              <a:buNone/>
+            </a:pPr>
+            <a:r>
+              <a:rPr lang="fr-FR" sz="1700" dirty="0"/>
+              <a:t>For all </a:t>
+            </a:r>
+            <a:r>
+              <a:rPr lang="fr-FR" sz="1700" dirty="0" err="1"/>
+              <a:t>motors</a:t>
+            </a:r>
+            <a:r>
+              <a:rPr lang="fr-FR" sz="1700" dirty="0"/>
+              <a:t> c</a:t>
+            </a:r>
+            <a:r>
+              <a:rPr lang="en-US" sz="1700" dirty="0" err="1"/>
+              <a:t>ompute</a:t>
+            </a:r>
+            <a:r>
+              <a:rPr lang="en-US" sz="1700" dirty="0"/>
+              <a:t>:</a:t>
+            </a:r>
+          </a:p>
+          <a:p>
+            <a:pPr marL="914400" lvl="2" indent="0">
+              <a:buNone/>
+            </a:pPr>
+            <a:r>
+              <a:rPr lang="fr-FR" sz="1300" dirty="0" err="1"/>
+              <a:t>maxMotor</a:t>
+            </a:r>
+            <a:r>
+              <a:rPr lang="fr-FR" sz="1300" dirty="0"/>
+              <a:t> = max (</a:t>
+            </a:r>
+            <a:r>
+              <a:rPr lang="fr-FR" sz="1300" dirty="0" err="1"/>
+              <a:t>motor</a:t>
+            </a:r>
+            <a:r>
+              <a:rPr lang="fr-FR" sz="1300" dirty="0"/>
+              <a:t>[i]- MAXPWM )</a:t>
+            </a:r>
+          </a:p>
+          <a:p>
+            <a:pPr marL="914400" lvl="2" indent="0">
+              <a:buNone/>
+            </a:pPr>
+            <a:r>
+              <a:rPr lang="en-US" sz="1300" dirty="0" err="1"/>
+              <a:t>minMotor</a:t>
+            </a:r>
+            <a:r>
+              <a:rPr lang="en-US" sz="1300" dirty="0"/>
+              <a:t> </a:t>
+            </a:r>
+            <a:r>
+              <a:rPr lang="fr-FR" sz="1300" dirty="0"/>
+              <a:t>= max (MINPWM - _</a:t>
+            </a:r>
+            <a:r>
+              <a:rPr lang="fr-FR" sz="1300" dirty="0" err="1"/>
+              <a:t>motor</a:t>
+            </a:r>
+            <a:r>
+              <a:rPr lang="fr-FR" sz="1300" dirty="0"/>
+              <a:t>[i]) </a:t>
+            </a:r>
+          </a:p>
+          <a:p>
+            <a:pPr marL="457200" lvl="1" indent="0">
+              <a:buNone/>
+            </a:pPr>
+            <a:endParaRPr lang="en-US" sz="1700" dirty="0"/>
+          </a:p>
+          <a:p>
+            <a:pPr marL="457200" lvl="1" indent="0">
+              <a:buNone/>
+            </a:pPr>
+            <a:r>
+              <a:rPr lang="en-US" sz="1700" dirty="0"/>
+              <a:t>If  </a:t>
+            </a:r>
+            <a:r>
+              <a:rPr lang="en-US" sz="1700" dirty="0" err="1"/>
+              <a:t>maxMotor</a:t>
+            </a:r>
+            <a:r>
+              <a:rPr lang="en-US" sz="1700" dirty="0"/>
+              <a:t> &gt;0, then Subtract </a:t>
+            </a:r>
+            <a:r>
+              <a:rPr lang="en-US" sz="1700" dirty="0" err="1"/>
+              <a:t>maxMotor</a:t>
+            </a:r>
+            <a:r>
+              <a:rPr lang="en-US" sz="1700" dirty="0"/>
+              <a:t> from all motors</a:t>
+            </a:r>
+          </a:p>
+          <a:p>
+            <a:pPr marL="457200" lvl="1" indent="0">
+              <a:buNone/>
+            </a:pPr>
+            <a:endParaRPr lang="en-US" sz="1700" dirty="0"/>
+          </a:p>
+          <a:p>
+            <a:pPr marL="457200" lvl="1" indent="0">
+              <a:buNone/>
+            </a:pPr>
+            <a:r>
+              <a:rPr lang="en-US" sz="1700" dirty="0"/>
+              <a:t>If  </a:t>
+            </a:r>
+            <a:r>
+              <a:rPr lang="en-US" sz="1700" dirty="0" err="1"/>
+              <a:t>minMotor</a:t>
+            </a:r>
+            <a:r>
+              <a:rPr lang="en-US" sz="1700" dirty="0"/>
+              <a:t> &gt;0, then Add </a:t>
+            </a:r>
+            <a:r>
+              <a:rPr lang="en-US" sz="1700" dirty="0" err="1"/>
+              <a:t>minMotor</a:t>
+            </a:r>
+            <a:r>
+              <a:rPr lang="en-US" sz="1700" dirty="0"/>
+              <a:t> to all motors</a:t>
+            </a:r>
+          </a:p>
+          <a:p>
+            <a:pPr marL="457200" lvl="1" indent="0">
+              <a:buNone/>
+            </a:pPr>
+            <a:endParaRPr lang="en-US" sz="1700" dirty="0"/>
+          </a:p>
+          <a:p>
+            <a:pPr marL="457200" lvl="1" indent="0">
+              <a:buNone/>
+            </a:pPr>
+            <a:r>
+              <a:rPr lang="en-US" sz="1700" dirty="0"/>
+              <a:t> If  </a:t>
+            </a:r>
+            <a:r>
+              <a:rPr lang="en-US" sz="1700" dirty="0" err="1"/>
+              <a:t>maxMotor</a:t>
+            </a:r>
+            <a:r>
+              <a:rPr lang="en-US" sz="1700" dirty="0"/>
+              <a:t> &gt;0 or </a:t>
+            </a:r>
+            <a:r>
+              <a:rPr lang="en-US" sz="1700" dirty="0" err="1"/>
+              <a:t>minMotor</a:t>
+            </a:r>
+            <a:r>
+              <a:rPr lang="en-US" sz="1700" dirty="0"/>
+              <a:t> &gt;0 , then Cap all motors between MINPWM and MAXPWM</a:t>
+            </a:r>
+          </a:p>
+        </p:txBody>
+      </p:sp>
+    </p:spTree>
+    <p:extLst>
+      <p:ext uri="{BB962C8B-B14F-4D97-AF65-F5344CB8AC3E}">
+        <p14:creationId xmlns:p14="http://schemas.microsoft.com/office/powerpoint/2010/main" val="562448934"/>
+      </p:ext>
+    </p:extLst>
+  </p:cSld>
+  <p:clrMapOvr>
+    <a:masterClrMapping/>
+  </p:clrMapOvr>
+</p:sld>
+</file>
+
+<file path=ppt/slides/slide11.xml><?xml version="1.0" encoding="utf-8"?>
+<p:sld xmlns:a="http://schemas.openxmlformats.org/drawingml/2006/main" xmlns:r="http://schemas.openxmlformats.org/officeDocument/2006/relationships" xmlns:p="http://schemas.openxmlformats.org/presentationml/2006/main">
+  <p:cSld>
+    <p:spTree>
+      <p:nvGrpSpPr>
+        <p:cNvPr id="1" name=""/>
+        <p:cNvGrpSpPr/>
+        <p:nvPr/>
+      </p:nvGrpSpPr>
+      <p:grpSpPr>
+        <a:xfrm>
+          <a:off x="0" y="0"/>
+          <a:ext cx="0" cy="0"/>
+          <a:chOff x="0" y="0"/>
+          <a:chExt cx="0" cy="0"/>
+        </a:xfrm>
+      </p:grpSpPr>
+      <p:sp>
+        <p:nvSpPr>
+          <p:cNvPr id="2" name="Titre 1">
+            <a:extLst>
+              <a:ext uri="{FF2B5EF4-FFF2-40B4-BE49-F238E27FC236}">
                 <a16:creationId xmlns:a16="http://schemas.microsoft.com/office/drawing/2014/main" id="{B2E95FC8-98C1-4761-96A0-FCEBFB8AD3C7}"/>
               </a:ext>
             </a:extLst>
@@ -14226,7 +14180,7 @@
 </p:sld>
 </file>
 
-<file path=ppt/slides/slide11.xml><?xml version="1.0" encoding="utf-8"?>
+<file path=ppt/slides/slide12.xml><?xml version="1.0" encoding="utf-8"?>
 <p:sld xmlns:a="http://schemas.openxmlformats.org/drawingml/2006/main" xmlns:r="http://schemas.openxmlformats.org/officeDocument/2006/relationships" xmlns:p="http://schemas.openxmlformats.org/presentationml/2006/main">
   <p:cSld>
     <p:bg>
@@ -14330,323 +14284,6 @@
 </p:sld>
 </file>
 
-<file path=ppt/slides/slide12.xml><?xml version="1.0" encoding="utf-8"?>
-<p:sld xmlns:a="http://schemas.openxmlformats.org/drawingml/2006/main" xmlns:r="http://schemas.openxmlformats.org/officeDocument/2006/relationships" xmlns:p="http://schemas.openxmlformats.org/presentationml/2006/main">
-  <p:cSld>
-    <p:spTree>
-      <p:nvGrpSpPr>
-        <p:cNvPr id="1" name=""/>
-        <p:cNvGrpSpPr/>
-        <p:nvPr/>
-      </p:nvGrpSpPr>
-      <p:grpSpPr>
-        <a:xfrm>
-          <a:off x="0" y="0"/>
-          <a:ext cx="0" cy="0"/>
-          <a:chOff x="0" y="0"/>
-          <a:chExt cx="0" cy="0"/>
-        </a:xfrm>
-      </p:grpSpPr>
-      <p:sp>
-        <p:nvSpPr>
-          <p:cNvPr id="2" name="Titre 1">
-            <a:extLst>
-              <a:ext uri="{FF2B5EF4-FFF2-40B4-BE49-F238E27FC236}">
-                <a16:creationId xmlns:a16="http://schemas.microsoft.com/office/drawing/2014/main" id="{E7E79103-8489-4D3F-B51C-E2763B0CEBFD}"/>
-              </a:ext>
-            </a:extLst>
-          </p:cNvPr>
-          <p:cNvSpPr>
-            <a:spLocks noGrp="1"/>
-          </p:cNvSpPr>
-          <p:nvPr>
-            <p:ph type="title"/>
-          </p:nvPr>
-        </p:nvSpPr>
-        <p:spPr/>
-        <p:txBody>
-          <a:bodyPr>
-            <a:normAutofit fontScale="90000"/>
-          </a:bodyPr>
-          <a:lstStyle/>
-          <a:p>
-            <a:r>
-              <a:rPr lang="en-US" dirty="0"/>
-              <a:t>4 Motors </a:t>
-            </a:r>
-            <a:r>
-              <a:rPr lang="nb-NO" b="1" dirty="0"/>
-              <a:t>Turnigy Aerodrive SK3 de Brushless Outrunner </a:t>
-            </a:r>
-            <a:r>
-              <a:rPr lang="nb-NO" dirty="0"/>
-              <a:t>(Hobby King </a:t>
-            </a:r>
-            <a:r>
-              <a:rPr lang="en-US" dirty="0"/>
-              <a:t>9192000242-0)</a:t>
-            </a:r>
-            <a:br>
-              <a:rPr lang="nb-NO" dirty="0"/>
-            </a:br>
-            <a:endParaRPr lang="en-US" dirty="0"/>
-          </a:p>
-        </p:txBody>
-      </p:sp>
-      <p:sp>
-        <p:nvSpPr>
-          <p:cNvPr id="3" name="Espace réservé du contenu 2">
-            <a:extLst>
-              <a:ext uri="{FF2B5EF4-FFF2-40B4-BE49-F238E27FC236}">
-                <a16:creationId xmlns:a16="http://schemas.microsoft.com/office/drawing/2014/main" id="{24AB464A-4857-4FF5-A7D5-D24B4CF4401F}"/>
-              </a:ext>
-            </a:extLst>
-          </p:cNvPr>
-          <p:cNvSpPr>
-            <a:spLocks noGrp="1"/>
-          </p:cNvSpPr>
-          <p:nvPr>
-            <p:ph idx="1"/>
-          </p:nvPr>
-        </p:nvSpPr>
-        <p:spPr/>
-        <p:txBody>
-          <a:bodyPr>
-            <a:normAutofit fontScale="92500" lnSpcReduction="10000"/>
-          </a:bodyPr>
-          <a:lstStyle/>
-          <a:p>
-            <a:pPr marL="0" indent="0">
-              <a:buNone/>
-            </a:pPr>
-            <a:r>
-              <a:rPr lang="fr-FR" dirty="0"/>
-              <a:t>Tension: </a:t>
-            </a:r>
-            <a:r>
-              <a:rPr lang="fr-FR" b="1" dirty="0"/>
-              <a:t>6.4 ~ 12.6V (2 ~ 3S </a:t>
-            </a:r>
-            <a:r>
-              <a:rPr lang="fr-FR" b="1" dirty="0" err="1"/>
-              <a:t>LiPoly</a:t>
-            </a:r>
-            <a:r>
-              <a:rPr lang="fr-FR" b="1" dirty="0"/>
-              <a:t>)</a:t>
-            </a:r>
-            <a:r>
-              <a:rPr lang="fr-FR" dirty="0"/>
-              <a:t> </a:t>
-            </a:r>
-            <a:br>
-              <a:rPr lang="fr-FR" dirty="0"/>
-            </a:br>
-            <a:r>
-              <a:rPr lang="fr-FR" dirty="0"/>
-              <a:t>RPM / V: </a:t>
-            </a:r>
-            <a:r>
-              <a:rPr lang="fr-FR" b="1" dirty="0"/>
-              <a:t>920kv</a:t>
-            </a:r>
-            <a:r>
-              <a:rPr lang="fr-FR" dirty="0"/>
-              <a:t> </a:t>
-            </a:r>
-            <a:br>
-              <a:rPr lang="fr-FR" dirty="0"/>
-            </a:br>
-            <a:r>
-              <a:rPr lang="fr-FR" dirty="0"/>
-              <a:t>Puissance: </a:t>
-            </a:r>
-            <a:r>
-              <a:rPr lang="fr-FR" b="1" dirty="0"/>
-              <a:t>165W</a:t>
-            </a:r>
-            <a:r>
-              <a:rPr lang="fr-FR" dirty="0"/>
-              <a:t> </a:t>
-            </a:r>
-            <a:br>
-              <a:rPr lang="fr-FR" dirty="0"/>
-            </a:br>
-            <a:r>
-              <a:rPr lang="fr-FR" dirty="0"/>
-              <a:t>Courant max: </a:t>
-            </a:r>
-            <a:r>
-              <a:rPr lang="fr-FR" b="1" dirty="0"/>
-              <a:t>17A</a:t>
-            </a:r>
-            <a:r>
-              <a:rPr lang="fr-FR" dirty="0"/>
-              <a:t> </a:t>
-            </a:r>
-            <a:br>
-              <a:rPr lang="fr-FR" dirty="0"/>
-            </a:br>
-            <a:r>
-              <a:rPr lang="fr-FR" dirty="0"/>
-              <a:t>Courant au repos: </a:t>
-            </a:r>
-            <a:r>
-              <a:rPr lang="fr-FR" b="1" dirty="0"/>
-              <a:t>0.95A</a:t>
-            </a:r>
-            <a:r>
-              <a:rPr lang="fr-FR" dirty="0"/>
-              <a:t> </a:t>
-            </a:r>
-            <a:br>
-              <a:rPr lang="fr-FR" dirty="0"/>
-            </a:br>
-            <a:r>
-              <a:rPr lang="fr-FR" dirty="0"/>
-              <a:t>Résistance: </a:t>
-            </a:r>
-            <a:r>
-              <a:rPr lang="fr-FR" b="1" dirty="0"/>
-              <a:t>140mh</a:t>
-            </a:r>
-            <a:r>
-              <a:rPr lang="fr-FR" dirty="0"/>
-              <a:t> </a:t>
-            </a:r>
-            <a:br>
-              <a:rPr lang="fr-FR" dirty="0"/>
-            </a:br>
-            <a:r>
-              <a:rPr lang="fr-FR" dirty="0" err="1"/>
-              <a:t>Shaft</a:t>
-            </a:r>
-            <a:r>
-              <a:rPr lang="fr-FR" dirty="0"/>
-              <a:t> (arbre): </a:t>
-            </a:r>
-            <a:r>
-              <a:rPr lang="fr-FR" b="1" dirty="0"/>
-              <a:t>3mm</a:t>
-            </a:r>
-            <a:r>
-              <a:rPr lang="fr-FR" dirty="0"/>
-              <a:t> </a:t>
-            </a:r>
-            <a:br>
-              <a:rPr lang="fr-FR" dirty="0"/>
-            </a:br>
-            <a:r>
-              <a:rPr lang="fr-FR" dirty="0"/>
-              <a:t>L' espacement des trous de boulons: </a:t>
-            </a:r>
-            <a:r>
-              <a:rPr lang="fr-FR" b="1" dirty="0"/>
-              <a:t>16 x 19mm</a:t>
-            </a:r>
-            <a:r>
-              <a:rPr lang="fr-FR" dirty="0"/>
-              <a:t> </a:t>
-            </a:r>
-            <a:br>
-              <a:rPr lang="fr-FR" dirty="0"/>
-            </a:br>
-            <a:r>
-              <a:rPr lang="fr-FR" dirty="0"/>
-              <a:t>Fil de Bolt </a:t>
-            </a:r>
-            <a:r>
-              <a:rPr lang="fr-FR"/>
-              <a:t>(boulon):</a:t>
-            </a:r>
-            <a:r>
-              <a:rPr lang="fr-FR" dirty="0"/>
-              <a:t> </a:t>
-            </a:r>
-            <a:r>
-              <a:rPr lang="fr-FR" b="1" dirty="0"/>
-              <a:t>M2</a:t>
-            </a:r>
-            <a:r>
-              <a:rPr lang="fr-FR" dirty="0"/>
-              <a:t> </a:t>
-            </a:r>
-            <a:br>
-              <a:rPr lang="fr-FR" dirty="0"/>
-            </a:br>
-            <a:r>
-              <a:rPr lang="fr-FR" dirty="0"/>
-              <a:t>Fiche: </a:t>
-            </a:r>
-            <a:r>
-              <a:rPr lang="fr-FR" b="1" dirty="0"/>
-              <a:t>3.5mm Bullet</a:t>
-            </a:r>
-            <a:r>
-              <a:rPr lang="fr-FR" dirty="0"/>
-              <a:t> </a:t>
-            </a:r>
-            <a:br>
-              <a:rPr lang="fr-FR" dirty="0"/>
-            </a:br>
-            <a:r>
-              <a:rPr lang="fr-FR" dirty="0"/>
-              <a:t>ESC suggérée: </a:t>
-            </a:r>
-            <a:r>
-              <a:rPr lang="fr-FR" b="1" dirty="0"/>
-              <a:t>20A</a:t>
-            </a:r>
-            <a:r>
-              <a:rPr lang="fr-FR" dirty="0"/>
-              <a:t> </a:t>
-            </a:r>
-            <a:br>
-              <a:rPr lang="fr-FR" dirty="0"/>
-            </a:br>
-            <a:r>
-              <a:rPr lang="fr-FR" dirty="0"/>
-              <a:t>Dimensions du moteur: </a:t>
-            </a:r>
-            <a:r>
-              <a:rPr lang="fr-FR" b="1" dirty="0"/>
-              <a:t>30 x 28mm</a:t>
-            </a:r>
-            <a:r>
-              <a:rPr lang="fr-FR" dirty="0"/>
-              <a:t> </a:t>
-            </a:r>
-            <a:br>
-              <a:rPr lang="fr-FR" dirty="0"/>
-            </a:br>
-            <a:r>
-              <a:rPr lang="fr-FR" dirty="0"/>
-              <a:t>Poids: </a:t>
-            </a:r>
-            <a:r>
-              <a:rPr lang="fr-FR" b="1" dirty="0"/>
-              <a:t>55g</a:t>
-            </a:r>
-            <a:endParaRPr lang="fr-FR" dirty="0"/>
-          </a:p>
-          <a:p>
-            <a:endParaRPr lang="en-US" dirty="0"/>
-          </a:p>
-        </p:txBody>
-      </p:sp>
-    </p:spTree>
-    <p:extLst>
-      <p:ext uri="{BB962C8B-B14F-4D97-AF65-F5344CB8AC3E}">
-        <p14:creationId xmlns:p14="http://schemas.microsoft.com/office/powerpoint/2010/main" val="605291087"/>
-      </p:ext>
-    </p:extLst>
-  </p:cSld>
-  <p:clrMapOvr>
-    <a:masterClrMapping/>
-  </p:clrMapOvr>
-</p:sld>
-</file>
-
 <file path=ppt/slides/slide13.xml><?xml version="1.0" encoding="utf-8"?>
 <p:sld xmlns:a="http://schemas.openxmlformats.org/drawingml/2006/main" xmlns:r="http://schemas.openxmlformats.org/officeDocument/2006/relationships" xmlns:p="http://schemas.openxmlformats.org/presentationml/2006/main">
   <p:cSld>
@@ -14669,7 +14306,7 @@
           <p:cNvPr id="2" name="Titre 1">
             <a:extLst>
               <a:ext uri="{FF2B5EF4-FFF2-40B4-BE49-F238E27FC236}">
-                <a16:creationId xmlns:a16="http://schemas.microsoft.com/office/drawing/2014/main" id="{8DDCDBDF-D8CC-44B1-A599-F6FD2A53CCC8}"/>
+                <a16:creationId xmlns:a16="http://schemas.microsoft.com/office/drawing/2014/main" id="{E7E79103-8489-4D3F-B51C-E2763B0CEBFD}"/>
               </a:ext>
             </a:extLst>
           </p:cNvPr>
@@ -14680,250 +14317,271 @@
             <p:ph type="title"/>
           </p:nvPr>
         </p:nvSpPr>
-        <p:spPr>
-          <a:xfrm>
-            <a:off x="723900" y="190500"/>
-            <a:ext cx="10515600" cy="750888"/>
-          </a:xfrm>
-        </p:spPr>
+        <p:spPr/>
         <p:txBody>
           <a:bodyPr>
-            <a:normAutofit/>
+            <a:normAutofit fontScale="90000"/>
           </a:bodyPr>
           <a:lstStyle/>
           <a:p>
             <a:r>
               <a:rPr lang="en-US" dirty="0"/>
-              <a:t>Propeller</a:t>
-            </a:r>
+              <a:t>4 Motors </a:t>
+            </a:r>
+            <a:r>
+              <a:rPr lang="nb-NO" b="1" dirty="0"/>
+              <a:t>Turnigy Aerodrive SK3 de Brushless Outrunner </a:t>
+            </a:r>
+            <a:r>
+              <a:rPr lang="nb-NO" dirty="0"/>
+              <a:t>(Hobby King </a:t>
+            </a:r>
+            <a:r>
+              <a:rPr lang="en-US" dirty="0"/>
+              <a:t>9192000242-0)</a:t>
+            </a:r>
+            <a:br>
+              <a:rPr lang="nb-NO" dirty="0"/>
+            </a:br>
+            <a:endParaRPr lang="en-US" dirty="0"/>
           </a:p>
         </p:txBody>
       </p:sp>
       <p:sp>
         <p:nvSpPr>
-          <p:cNvPr id="3" name="ZoneTexte 2">
-            <a:extLst>
-              <a:ext uri="{FF2B5EF4-FFF2-40B4-BE49-F238E27FC236}">
-                <a16:creationId xmlns:a16="http://schemas.microsoft.com/office/drawing/2014/main" id="{E15610A9-25FD-4D8B-849D-688F981EBF5B}"/>
-              </a:ext>
-            </a:extLst>
-          </p:cNvPr>
-          <p:cNvSpPr txBox="1"/>
-          <p:nvPr/>
+          <p:cNvPr id="3" name="Espace réservé du contenu 2">
+            <a:extLst>
+              <a:ext uri="{FF2B5EF4-FFF2-40B4-BE49-F238E27FC236}">
+                <a16:creationId xmlns:a16="http://schemas.microsoft.com/office/drawing/2014/main" id="{24AB464A-4857-4FF5-A7D5-D24B4CF4401F}"/>
+              </a:ext>
+            </a:extLst>
+          </p:cNvPr>
+          <p:cNvSpPr>
+            <a:spLocks noGrp="1"/>
+          </p:cNvSpPr>
+          <p:nvPr>
+            <p:ph idx="1"/>
+          </p:nvPr>
         </p:nvSpPr>
-        <p:spPr>
-          <a:xfrm>
-            <a:off x="723900" y="1166842"/>
-            <a:ext cx="10799316" cy="5078313"/>
-          </a:xfrm>
-          <a:prstGeom prst="rect">
-            <a:avLst/>
-          </a:prstGeom>
-          <a:noFill/>
-        </p:spPr>
+        <p:spPr/>
         <p:txBody>
-          <a:bodyPr wrap="square" rtlCol="0">
-            <a:spAutoFit/>
+          <a:bodyPr>
+            <a:normAutofit fontScale="92500" lnSpcReduction="10000"/>
           </a:bodyPr>
           <a:lstStyle/>
           <a:p>
-            <a:r>
-              <a:rPr lang="fr-FR" u="sng" dirty="0"/>
-              <a:t>Size</a:t>
-            </a:r>
-          </a:p>
-          <a:p>
+            <a:pPr marL="0" indent="0">
+              <a:buNone/>
+            </a:pPr>
+            <a:r>
+              <a:rPr lang="fr-FR" dirty="0"/>
+              <a:t>Tension: </a:t>
+            </a:r>
+            <a:r>
+              <a:rPr lang="fr-FR" b="1" dirty="0"/>
+              <a:t>6.4 ~ 12.6V (2 ~ 3S </a:t>
+            </a:r>
+            <a:r>
+              <a:rPr lang="fr-FR" b="1" dirty="0" err="1"/>
+              <a:t>LiPoly</a:t>
+            </a:r>
+            <a:r>
+              <a:rPr lang="fr-FR" b="1" dirty="0"/>
+              <a:t>)</a:t>
+            </a:r>
+            <a:r>
+              <a:rPr lang="fr-FR" dirty="0"/>
+              <a:t> </a:t>
+            </a:r>
+            <a:br>
+              <a:rPr lang="fr-FR" dirty="0"/>
+            </a:br>
+            <a:r>
+              <a:rPr lang="fr-FR" dirty="0"/>
+              <a:t>RPM / V: </a:t>
+            </a:r>
+            <a:r>
+              <a:rPr lang="fr-FR" b="1" dirty="0"/>
+              <a:t>920kv</a:t>
+            </a:r>
+            <a:r>
+              <a:rPr lang="fr-FR" dirty="0"/>
+              <a:t> </a:t>
+            </a:r>
+            <a:br>
+              <a:rPr lang="fr-FR" dirty="0"/>
+            </a:br>
+            <a:r>
+              <a:rPr lang="fr-FR" dirty="0"/>
+              <a:t>Puissance: </a:t>
+            </a:r>
+            <a:r>
+              <a:rPr lang="fr-FR" b="1" dirty="0"/>
+              <a:t>165W</a:t>
+            </a:r>
+            <a:r>
+              <a:rPr lang="fr-FR" dirty="0"/>
+              <a:t> </a:t>
+            </a:r>
+            <a:br>
+              <a:rPr lang="fr-FR" dirty="0"/>
+            </a:br>
+            <a:r>
+              <a:rPr lang="fr-FR" dirty="0"/>
+              <a:t>Courant max: </a:t>
+            </a:r>
+            <a:r>
+              <a:rPr lang="fr-FR" b="1" dirty="0"/>
+              <a:t>17A</a:t>
+            </a:r>
+            <a:r>
+              <a:rPr lang="fr-FR" dirty="0"/>
+              <a:t> </a:t>
+            </a:r>
+            <a:br>
+              <a:rPr lang="fr-FR" dirty="0"/>
+            </a:br>
+            <a:r>
+              <a:rPr lang="fr-FR" dirty="0"/>
+              <a:t>Courant au repos: </a:t>
+            </a:r>
+            <a:r>
+              <a:rPr lang="fr-FR" b="1" dirty="0"/>
+              <a:t>0.95A</a:t>
+            </a:r>
+            <a:r>
+              <a:rPr lang="fr-FR" dirty="0"/>
+              <a:t> </a:t>
+            </a:r>
+            <a:br>
+              <a:rPr lang="fr-FR" dirty="0"/>
+            </a:br>
+            <a:r>
+              <a:rPr lang="fr-FR" dirty="0"/>
+              <a:t>Résistance: </a:t>
+            </a:r>
+            <a:r>
+              <a:rPr lang="fr-FR" b="1" dirty="0"/>
+              <a:t>140mh</a:t>
+            </a:r>
+            <a:r>
+              <a:rPr lang="fr-FR" dirty="0"/>
+              <a:t> </a:t>
+            </a:r>
+            <a:br>
+              <a:rPr lang="fr-FR" dirty="0"/>
+            </a:br>
+            <a:r>
+              <a:rPr lang="fr-FR" dirty="0" err="1"/>
+              <a:t>Shaft</a:t>
+            </a:r>
+            <a:r>
+              <a:rPr lang="fr-FR" dirty="0"/>
+              <a:t> (arbre): </a:t>
+            </a:r>
+            <a:r>
+              <a:rPr lang="fr-FR" b="1" dirty="0"/>
+              <a:t>3mm</a:t>
+            </a:r>
+            <a:r>
+              <a:rPr lang="fr-FR" dirty="0"/>
+              <a:t> </a:t>
+            </a:r>
+            <a:br>
+              <a:rPr lang="fr-FR" dirty="0"/>
+            </a:br>
+            <a:r>
+              <a:rPr lang="fr-FR" dirty="0"/>
+              <a:t>L' espacement des trous de boulons: </a:t>
+            </a:r>
+            <a:r>
+              <a:rPr lang="fr-FR" b="1" dirty="0"/>
+              <a:t>16 x 19mm</a:t>
+            </a:r>
+            <a:r>
+              <a:rPr lang="fr-FR" dirty="0"/>
+              <a:t> </a:t>
+            </a:r>
+            <a:br>
+              <a:rPr lang="fr-FR" dirty="0"/>
+            </a:br>
+            <a:r>
+              <a:rPr lang="fr-FR" dirty="0"/>
+              <a:t>Fil de Bolt </a:t>
+            </a:r>
+            <a:r>
+              <a:rPr lang="fr-FR"/>
+              <a:t>(boulon):</a:t>
+            </a:r>
+            <a:r>
+              <a:rPr lang="fr-FR" dirty="0"/>
+              <a:t> </a:t>
+            </a:r>
+            <a:r>
+              <a:rPr lang="fr-FR" b="1" dirty="0"/>
+              <a:t>M2</a:t>
+            </a:r>
+            <a:r>
+              <a:rPr lang="fr-FR" dirty="0"/>
+              <a:t> </a:t>
+            </a:r>
+            <a:br>
+              <a:rPr lang="fr-FR" dirty="0"/>
+            </a:br>
+            <a:r>
+              <a:rPr lang="fr-FR" dirty="0"/>
+              <a:t>Fiche: </a:t>
+            </a:r>
+            <a:r>
+              <a:rPr lang="fr-FR" b="1" dirty="0"/>
+              <a:t>3.5mm Bullet</a:t>
+            </a:r>
+            <a:r>
+              <a:rPr lang="fr-FR" dirty="0"/>
+              <a:t> </a:t>
+            </a:r>
+            <a:br>
+              <a:rPr lang="fr-FR" dirty="0"/>
+            </a:br>
+            <a:r>
+              <a:rPr lang="fr-FR" dirty="0"/>
+              <a:t>ESC suggérée: </a:t>
+            </a:r>
+            <a:r>
+              <a:rPr lang="fr-FR" b="1" dirty="0"/>
+              <a:t>20A</a:t>
+            </a:r>
+            <a:r>
+              <a:rPr lang="fr-FR" dirty="0"/>
+              <a:t> </a:t>
+            </a:r>
+            <a:br>
+              <a:rPr lang="fr-FR" dirty="0"/>
+            </a:br>
+            <a:r>
+              <a:rPr lang="fr-FR" dirty="0"/>
+              <a:t>Dimensions du moteur: </a:t>
+            </a:r>
+            <a:r>
+              <a:rPr lang="fr-FR" b="1" dirty="0"/>
+              <a:t>30 x 28mm</a:t>
+            </a:r>
+            <a:r>
+              <a:rPr lang="fr-FR" dirty="0"/>
+              <a:t> </a:t>
+            </a:r>
+            <a:br>
+              <a:rPr lang="fr-FR" dirty="0"/>
+            </a:br>
+            <a:r>
+              <a:rPr lang="fr-FR" dirty="0"/>
+              <a:t>Poids: </a:t>
+            </a:r>
+            <a:r>
+              <a:rPr lang="fr-FR" b="1" dirty="0"/>
+              <a:t>55g</a:t>
+            </a:r>
             <a:endParaRPr lang="fr-FR" dirty="0"/>
-          </a:p>
-          <a:p>
-            <a:pPr lvl="1"/>
-            <a:r>
-              <a:rPr lang="en-US" dirty="0"/>
-              <a:t>A so-called long propeller will spin slower than a short propeller. Its lift capacity, however, will naturally be more important because of its size. Moreover, its size brings stability in flight.</a:t>
-            </a:r>
-            <a:br>
-              <a:rPr lang="en-US" dirty="0"/>
-            </a:br>
-            <a:r>
-              <a:rPr lang="en-US" dirty="0"/>
-              <a:t>A short propeller will spin faster than a long propeller. It will have less lift but will bring reactivity in flight</a:t>
-            </a:r>
-            <a:endParaRPr lang="fr-FR" dirty="0"/>
-          </a:p>
-          <a:p>
-            <a:endParaRPr lang="fr-FR" dirty="0"/>
-          </a:p>
-          <a:p>
-            <a:r>
-              <a:rPr lang="fr-FR" u="sng" dirty="0"/>
-              <a:t>Pitch</a:t>
-            </a:r>
-          </a:p>
-          <a:p>
-            <a:endParaRPr lang="fr-FR" dirty="0"/>
-          </a:p>
-          <a:p>
-            <a:pPr lvl="1"/>
-            <a:r>
-              <a:rPr lang="en-US" dirty="0"/>
-              <a:t>A high pitch implies a low lift but a high maximum rotation speed. A lower step implies better lift but a limited maximum speed of rotation (by compensation).</a:t>
-            </a:r>
-          </a:p>
-          <a:p>
-            <a:pPr lvl="1"/>
-            <a:endParaRPr lang="en-US" dirty="0"/>
-          </a:p>
-          <a:p>
-            <a:r>
-              <a:rPr lang="en-US" dirty="0"/>
-              <a:t>I have </a:t>
-            </a:r>
-            <a:r>
-              <a:rPr lang="fr-FR" dirty="0" err="1"/>
-              <a:t>selected</a:t>
-            </a:r>
-            <a:r>
-              <a:rPr lang="fr-FR" dirty="0"/>
-              <a:t>:</a:t>
-            </a:r>
-            <a:endParaRPr lang="en-US" dirty="0"/>
-          </a:p>
-          <a:p>
-            <a:pPr lvl="1"/>
-            <a:r>
-              <a:rPr lang="en-US" dirty="0"/>
-              <a:t>size: 	   10 </a:t>
-            </a:r>
-            <a:r>
-              <a:rPr lang="en-US" dirty="0" err="1"/>
-              <a:t>pouces</a:t>
-            </a:r>
-            <a:r>
-              <a:rPr lang="en-US" dirty="0"/>
-              <a:t> (25,4 cm) =&gt; length frame &gt; 23 cm</a:t>
-            </a:r>
-            <a:r>
-              <a:rPr lang="en-US" dirty="0">
-                <a:solidFill>
-                  <a:srgbClr val="434343"/>
-                </a:solidFill>
-                <a:latin typeface="texgyreadventor-regular"/>
-              </a:rPr>
-              <a:t>  </a:t>
-            </a:r>
-            <a:r>
-              <a:rPr lang="en-US" dirty="0">
-                <a:solidFill>
-                  <a:srgbClr val="434343"/>
-                </a:solidFill>
-                <a:latin typeface="MJXc-TeX-math-I"/>
-              </a:rPr>
-              <a:t>length min</a:t>
-            </a:r>
-            <a:r>
-              <a:rPr lang="en-US" dirty="0">
-                <a:solidFill>
-                  <a:srgbClr val="434343"/>
-                </a:solidFill>
-                <a:latin typeface="MJXc-TeX-main-R"/>
-              </a:rPr>
-              <a:t>=(25.4+6.5)√2</a:t>
-            </a:r>
-            <a:endParaRPr lang="en-US" dirty="0"/>
-          </a:p>
-          <a:p>
-            <a:pPr lvl="1"/>
-            <a:r>
-              <a:rPr lang="en-US" dirty="0"/>
-              <a:t>pitch: 4.5 </a:t>
-            </a:r>
-            <a:r>
-              <a:rPr lang="en-US" dirty="0" err="1"/>
-              <a:t>pouces</a:t>
-            </a:r>
-            <a:r>
-              <a:rPr lang="en-US" cap="all" dirty="0"/>
-              <a:t> (10,2 cm)</a:t>
-            </a:r>
-          </a:p>
-          <a:p>
-            <a:endParaRPr lang="en-US" cap="all" dirty="0"/>
-          </a:p>
-          <a:p>
-            <a:pPr marL="285750" indent="-285750">
-              <a:buFont typeface="Arial" panose="020B0604020202020204" pitchFamily="34" charset="0"/>
-              <a:buChar char="•"/>
-            </a:pPr>
-            <a:r>
-              <a:rPr lang="en-US" dirty="0" err="1"/>
-              <a:t>ClockWise</a:t>
-            </a:r>
-            <a:r>
-              <a:rPr lang="en-US" dirty="0"/>
-              <a:t>: </a:t>
-            </a:r>
-            <a:r>
-              <a:rPr lang="en-US" b="1" dirty="0"/>
-              <a:t>GWS style </a:t>
-            </a:r>
-            <a:r>
-              <a:rPr lang="en-US" b="1" dirty="0" err="1"/>
-              <a:t>slowfly</a:t>
-            </a:r>
-            <a:r>
-              <a:rPr lang="en-US" b="1" dirty="0"/>
-              <a:t> </a:t>
-            </a:r>
-            <a:r>
-              <a:rPr lang="en-US" b="1" dirty="0" err="1"/>
-              <a:t>Hélice</a:t>
-            </a:r>
-            <a:r>
-              <a:rPr lang="en-US" b="1" dirty="0"/>
-              <a:t> 10x4.5 Noir (CW)</a:t>
-            </a:r>
-            <a:r>
-              <a:rPr lang="en-US" dirty="0"/>
-              <a:t>(Hobby King 9329000027)</a:t>
-            </a:r>
-          </a:p>
-          <a:p>
-            <a:pPr marL="285750" indent="-285750">
-              <a:buFont typeface="Arial" panose="020B0604020202020204" pitchFamily="34" charset="0"/>
-              <a:buChar char="•"/>
-            </a:pPr>
-            <a:r>
-              <a:rPr lang="en-US" dirty="0" err="1"/>
-              <a:t>CounterClockWise</a:t>
-            </a:r>
-            <a:r>
-              <a:rPr lang="en-US" dirty="0"/>
-              <a:t>: </a:t>
-            </a:r>
-            <a:r>
-              <a:rPr lang="en-US" b="1" dirty="0"/>
-              <a:t>GWS style </a:t>
-            </a:r>
-            <a:r>
-              <a:rPr lang="en-US" b="1" dirty="0" err="1"/>
-              <a:t>slowfly</a:t>
-            </a:r>
-            <a:r>
-              <a:rPr lang="en-US" b="1" dirty="0"/>
-              <a:t> </a:t>
-            </a:r>
-            <a:r>
-              <a:rPr lang="en-US" b="1" dirty="0" err="1"/>
-              <a:t>Hélice</a:t>
-            </a:r>
-            <a:r>
-              <a:rPr lang="en-US" b="1" dirty="0"/>
-              <a:t> 10x4.5 Green (CCW) </a:t>
-            </a:r>
-            <a:r>
-              <a:rPr lang="en-US" dirty="0"/>
-              <a:t>(Hobby King 9329000028)</a:t>
-            </a:r>
           </a:p>
           <a:p>
             <a:endParaRPr lang="en-US" dirty="0"/>
@@ -14933,7 +14591,7 @@
     </p:spTree>
     <p:extLst>
       <p:ext uri="{BB962C8B-B14F-4D97-AF65-F5344CB8AC3E}">
-        <p14:creationId xmlns:p14="http://schemas.microsoft.com/office/powerpoint/2010/main" val="1027070971"/>
+        <p14:creationId xmlns:p14="http://schemas.microsoft.com/office/powerpoint/2010/main" val="605291087"/>
       </p:ext>
     </p:extLst>
   </p:cSld>
@@ -14965,6 +14623,302 @@
           <p:cNvPr id="2" name="Titre 1">
             <a:extLst>
               <a:ext uri="{FF2B5EF4-FFF2-40B4-BE49-F238E27FC236}">
+                <a16:creationId xmlns:a16="http://schemas.microsoft.com/office/drawing/2014/main" id="{8DDCDBDF-D8CC-44B1-A599-F6FD2A53CCC8}"/>
+              </a:ext>
+            </a:extLst>
+          </p:cNvPr>
+          <p:cNvSpPr>
+            <a:spLocks noGrp="1"/>
+          </p:cNvSpPr>
+          <p:nvPr>
+            <p:ph type="title"/>
+          </p:nvPr>
+        </p:nvSpPr>
+        <p:spPr>
+          <a:xfrm>
+            <a:off x="723900" y="190500"/>
+            <a:ext cx="10515600" cy="750888"/>
+          </a:xfrm>
+        </p:spPr>
+        <p:txBody>
+          <a:bodyPr>
+            <a:normAutofit/>
+          </a:bodyPr>
+          <a:lstStyle/>
+          <a:p>
+            <a:r>
+              <a:rPr lang="en-US" dirty="0"/>
+              <a:t>Propeller</a:t>
+            </a:r>
+          </a:p>
+        </p:txBody>
+      </p:sp>
+      <p:sp>
+        <p:nvSpPr>
+          <p:cNvPr id="3" name="ZoneTexte 2">
+            <a:extLst>
+              <a:ext uri="{FF2B5EF4-FFF2-40B4-BE49-F238E27FC236}">
+                <a16:creationId xmlns:a16="http://schemas.microsoft.com/office/drawing/2014/main" id="{E15610A9-25FD-4D8B-849D-688F981EBF5B}"/>
+              </a:ext>
+            </a:extLst>
+          </p:cNvPr>
+          <p:cNvSpPr txBox="1"/>
+          <p:nvPr/>
+        </p:nvSpPr>
+        <p:spPr>
+          <a:xfrm>
+            <a:off x="723900" y="1166842"/>
+            <a:ext cx="10799316" cy="5078313"/>
+          </a:xfrm>
+          <a:prstGeom prst="rect">
+            <a:avLst/>
+          </a:prstGeom>
+          <a:noFill/>
+        </p:spPr>
+        <p:txBody>
+          <a:bodyPr wrap="square" rtlCol="0">
+            <a:spAutoFit/>
+          </a:bodyPr>
+          <a:lstStyle/>
+          <a:p>
+            <a:r>
+              <a:rPr lang="fr-FR" u="sng" dirty="0"/>
+              <a:t>Size</a:t>
+            </a:r>
+          </a:p>
+          <a:p>
+            <a:endParaRPr lang="fr-FR" dirty="0"/>
+          </a:p>
+          <a:p>
+            <a:pPr lvl="1"/>
+            <a:r>
+              <a:rPr lang="en-US" dirty="0"/>
+              <a:t>A so-called long propeller will spin slower than a short propeller. Its lift capacity, however, will naturally be more important because of its size. Moreover, its size brings stability in flight.</a:t>
+            </a:r>
+            <a:br>
+              <a:rPr lang="en-US" dirty="0"/>
+            </a:br>
+            <a:r>
+              <a:rPr lang="en-US" dirty="0"/>
+              <a:t>A short propeller will spin faster than a long propeller. It will have less lift but will bring reactivity in flight</a:t>
+            </a:r>
+            <a:endParaRPr lang="fr-FR" dirty="0"/>
+          </a:p>
+          <a:p>
+            <a:endParaRPr lang="fr-FR" dirty="0"/>
+          </a:p>
+          <a:p>
+            <a:r>
+              <a:rPr lang="fr-FR" u="sng" dirty="0"/>
+              <a:t>Pitch</a:t>
+            </a:r>
+          </a:p>
+          <a:p>
+            <a:endParaRPr lang="fr-FR" dirty="0"/>
+          </a:p>
+          <a:p>
+            <a:pPr lvl="1"/>
+            <a:r>
+              <a:rPr lang="en-US" dirty="0"/>
+              <a:t>A high pitch implies a low lift but a high maximum rotation speed. A lower step implies better lift but a limited maximum speed of rotation (by compensation).</a:t>
+            </a:r>
+          </a:p>
+          <a:p>
+            <a:pPr lvl="1"/>
+            <a:endParaRPr lang="en-US" dirty="0"/>
+          </a:p>
+          <a:p>
+            <a:r>
+              <a:rPr lang="en-US" dirty="0"/>
+              <a:t>I have </a:t>
+            </a:r>
+            <a:r>
+              <a:rPr lang="fr-FR" dirty="0" err="1"/>
+              <a:t>selected</a:t>
+            </a:r>
+            <a:r>
+              <a:rPr lang="fr-FR" dirty="0"/>
+              <a:t>:</a:t>
+            </a:r>
+            <a:endParaRPr lang="en-US" dirty="0"/>
+          </a:p>
+          <a:p>
+            <a:pPr lvl="1"/>
+            <a:r>
+              <a:rPr lang="en-US" dirty="0"/>
+              <a:t>size: 	   10 </a:t>
+            </a:r>
+            <a:r>
+              <a:rPr lang="en-US" dirty="0" err="1"/>
+              <a:t>pouces</a:t>
+            </a:r>
+            <a:r>
+              <a:rPr lang="en-US" dirty="0"/>
+              <a:t> (25,4 cm) =&gt; length frame &gt; 23 cm</a:t>
+            </a:r>
+            <a:r>
+              <a:rPr lang="en-US" dirty="0">
+                <a:solidFill>
+                  <a:srgbClr val="434343"/>
+                </a:solidFill>
+                <a:latin typeface="texgyreadventor-regular"/>
+              </a:rPr>
+              <a:t>  </a:t>
+            </a:r>
+            <a:r>
+              <a:rPr lang="en-US" dirty="0">
+                <a:solidFill>
+                  <a:srgbClr val="434343"/>
+                </a:solidFill>
+                <a:latin typeface="MJXc-TeX-math-I"/>
+              </a:rPr>
+              <a:t>length min</a:t>
+            </a:r>
+            <a:r>
+              <a:rPr lang="en-US" dirty="0">
+                <a:solidFill>
+                  <a:srgbClr val="434343"/>
+                </a:solidFill>
+                <a:latin typeface="MJXc-TeX-main-R"/>
+              </a:rPr>
+              <a:t>=(25.4+6.5)√2</a:t>
+            </a:r>
+            <a:endParaRPr lang="en-US" dirty="0"/>
+          </a:p>
+          <a:p>
+            <a:pPr lvl="1"/>
+            <a:r>
+              <a:rPr lang="en-US" dirty="0"/>
+              <a:t>pitch: 4.5 </a:t>
+            </a:r>
+            <a:r>
+              <a:rPr lang="en-US" dirty="0" err="1"/>
+              <a:t>pouces</a:t>
+            </a:r>
+            <a:r>
+              <a:rPr lang="en-US" cap="all" dirty="0"/>
+              <a:t> (10,2 cm)</a:t>
+            </a:r>
+          </a:p>
+          <a:p>
+            <a:endParaRPr lang="en-US" cap="all" dirty="0"/>
+          </a:p>
+          <a:p>
+            <a:pPr marL="285750" indent="-285750">
+              <a:buFont typeface="Arial" panose="020B0604020202020204" pitchFamily="34" charset="0"/>
+              <a:buChar char="•"/>
+            </a:pPr>
+            <a:r>
+              <a:rPr lang="en-US" dirty="0" err="1"/>
+              <a:t>ClockWise</a:t>
+            </a:r>
+            <a:r>
+              <a:rPr lang="en-US" dirty="0"/>
+              <a:t>: </a:t>
+            </a:r>
+            <a:r>
+              <a:rPr lang="en-US" b="1" dirty="0"/>
+              <a:t>GWS style </a:t>
+            </a:r>
+            <a:r>
+              <a:rPr lang="en-US" b="1" dirty="0" err="1"/>
+              <a:t>slowfly</a:t>
+            </a:r>
+            <a:r>
+              <a:rPr lang="en-US" b="1" dirty="0"/>
+              <a:t> </a:t>
+            </a:r>
+            <a:r>
+              <a:rPr lang="en-US" b="1" dirty="0" err="1"/>
+              <a:t>Hélice</a:t>
+            </a:r>
+            <a:r>
+              <a:rPr lang="en-US" b="1" dirty="0"/>
+              <a:t> 10x4.5 Noir (CW)</a:t>
+            </a:r>
+            <a:r>
+              <a:rPr lang="en-US" dirty="0"/>
+              <a:t>(Hobby King 9329000027)</a:t>
+            </a:r>
+          </a:p>
+          <a:p>
+            <a:pPr marL="285750" indent="-285750">
+              <a:buFont typeface="Arial" panose="020B0604020202020204" pitchFamily="34" charset="0"/>
+              <a:buChar char="•"/>
+            </a:pPr>
+            <a:r>
+              <a:rPr lang="en-US" dirty="0" err="1"/>
+              <a:t>CounterClockWise</a:t>
+            </a:r>
+            <a:r>
+              <a:rPr lang="en-US" dirty="0"/>
+              <a:t>: </a:t>
+            </a:r>
+            <a:r>
+              <a:rPr lang="en-US" b="1" dirty="0"/>
+              <a:t>GWS style </a:t>
+            </a:r>
+            <a:r>
+              <a:rPr lang="en-US" b="1" dirty="0" err="1"/>
+              <a:t>slowfly</a:t>
+            </a:r>
+            <a:r>
+              <a:rPr lang="en-US" b="1" dirty="0"/>
+              <a:t> </a:t>
+            </a:r>
+            <a:r>
+              <a:rPr lang="en-US" b="1" dirty="0" err="1"/>
+              <a:t>Hélice</a:t>
+            </a:r>
+            <a:r>
+              <a:rPr lang="en-US" b="1" dirty="0"/>
+              <a:t> 10x4.5 Green (CCW) </a:t>
+            </a:r>
+            <a:r>
+              <a:rPr lang="en-US" dirty="0"/>
+              <a:t>(Hobby King 9329000028)</a:t>
+            </a:r>
+          </a:p>
+          <a:p>
+            <a:endParaRPr lang="en-US" dirty="0"/>
+          </a:p>
+        </p:txBody>
+      </p:sp>
+    </p:spTree>
+    <p:extLst>
+      <p:ext uri="{BB962C8B-B14F-4D97-AF65-F5344CB8AC3E}">
+        <p14:creationId xmlns:p14="http://schemas.microsoft.com/office/powerpoint/2010/main" val="1027070971"/>
+      </p:ext>
+    </p:extLst>
+  </p:cSld>
+  <p:clrMapOvr>
+    <a:masterClrMapping/>
+  </p:clrMapOvr>
+</p:sld>
+</file>
+
+<file path=ppt/slides/slide15.xml><?xml version="1.0" encoding="utf-8"?>
+<p:sld xmlns:a="http://schemas.openxmlformats.org/drawingml/2006/main" xmlns:r="http://schemas.openxmlformats.org/officeDocument/2006/relationships" xmlns:p="http://schemas.openxmlformats.org/presentationml/2006/main">
+  <p:cSld>
+    <p:spTree>
+      <p:nvGrpSpPr>
+        <p:cNvPr id="1" name=""/>
+        <p:cNvGrpSpPr/>
+        <p:nvPr/>
+      </p:nvGrpSpPr>
+      <p:grpSpPr>
+        <a:xfrm>
+          <a:off x="0" y="0"/>
+          <a:ext cx="0" cy="0"/>
+          <a:chOff x="0" y="0"/>
+          <a:chExt cx="0" cy="0"/>
+        </a:xfrm>
+      </p:grpSpPr>
+      <p:sp>
+        <p:nvSpPr>
+          <p:cNvPr id="2" name="Titre 1">
+            <a:extLst>
+              <a:ext uri="{FF2B5EF4-FFF2-40B4-BE49-F238E27FC236}">
                 <a16:creationId xmlns:a16="http://schemas.microsoft.com/office/drawing/2014/main" id="{29EF8B37-1DB7-4A7C-A5A3-90529CB8BC25}"/>
               </a:ext>
             </a:extLst>
@@ -15279,7 +15233,7 @@
 </p:sld>
 </file>
 
-<file path=ppt/slides/slide15.xml><?xml version="1.0" encoding="utf-8"?>
+<file path=ppt/slides/slide16.xml><?xml version="1.0" encoding="utf-8"?>
 <p:sld xmlns:a="http://schemas.openxmlformats.org/drawingml/2006/main" xmlns:r="http://schemas.openxmlformats.org/officeDocument/2006/relationships" xmlns:p="http://schemas.openxmlformats.org/presentationml/2006/main">
   <p:cSld>
     <p:spTree>
@@ -16235,327 +16189,6 @@
 </p:sld>
 </file>
 
-<file path=ppt/slides/slide16.xml><?xml version="1.0" encoding="utf-8"?>
-<p:sld xmlns:a="http://schemas.openxmlformats.org/drawingml/2006/main" xmlns:r="http://schemas.openxmlformats.org/officeDocument/2006/relationships" xmlns:p="http://schemas.openxmlformats.org/presentationml/2006/main">
-  <p:cSld>
-    <p:spTree>
-      <p:nvGrpSpPr>
-        <p:cNvPr id="1" name=""/>
-        <p:cNvGrpSpPr/>
-        <p:nvPr/>
-      </p:nvGrpSpPr>
-      <p:grpSpPr>
-        <a:xfrm>
-          <a:off x="0" y="0"/>
-          <a:ext cx="0" cy="0"/>
-          <a:chOff x="0" y="0"/>
-          <a:chExt cx="0" cy="0"/>
-        </a:xfrm>
-      </p:grpSpPr>
-      <p:sp>
-        <p:nvSpPr>
-          <p:cNvPr id="2" name="Titre 1">
-            <a:extLst>
-              <a:ext uri="{FF2B5EF4-FFF2-40B4-BE49-F238E27FC236}">
-                <a16:creationId xmlns:a16="http://schemas.microsoft.com/office/drawing/2014/main" id="{FE169B9C-4B88-49CF-996F-9AA43AAE11A7}"/>
-              </a:ext>
-            </a:extLst>
-          </p:cNvPr>
-          <p:cNvSpPr>
-            <a:spLocks noGrp="1"/>
-          </p:cNvSpPr>
-          <p:nvPr>
-            <p:ph type="title"/>
-          </p:nvPr>
-        </p:nvSpPr>
-        <p:spPr>
-          <a:xfrm>
-            <a:off x="838200" y="365125"/>
-            <a:ext cx="10515600" cy="1325563"/>
-          </a:xfrm>
-        </p:spPr>
-        <p:txBody>
-          <a:bodyPr/>
-          <a:lstStyle/>
-          <a:p>
-            <a:r>
-              <a:rPr lang="en-US"/>
-              <a:t>Lipo</a:t>
-            </a:r>
-            <a:endParaRPr lang="en-US" dirty="0"/>
-          </a:p>
-        </p:txBody>
-      </p:sp>
-      <p:sp>
-        <p:nvSpPr>
-          <p:cNvPr id="3" name="Espace réservé du contenu 2">
-            <a:extLst>
-              <a:ext uri="{FF2B5EF4-FFF2-40B4-BE49-F238E27FC236}">
-                <a16:creationId xmlns:a16="http://schemas.microsoft.com/office/drawing/2014/main" id="{13BA1678-4CC9-4D81-80F5-03ACA87BD6C6}"/>
-              </a:ext>
-            </a:extLst>
-          </p:cNvPr>
-          <p:cNvSpPr>
-            <a:spLocks noGrp="1"/>
-          </p:cNvSpPr>
-          <p:nvPr>
-            <p:ph idx="1"/>
-          </p:nvPr>
-        </p:nvSpPr>
-        <p:spPr>
-          <a:xfrm>
-            <a:off x="838200" y="1509204"/>
-            <a:ext cx="10515600" cy="5093887"/>
-          </a:xfrm>
-        </p:spPr>
-        <p:txBody>
-          <a:bodyPr>
-            <a:normAutofit fontScale="62500" lnSpcReduction="20000"/>
-          </a:bodyPr>
-          <a:lstStyle/>
-          <a:p>
-            <a:pPr marL="0" indent="0">
-              <a:buNone/>
-            </a:pPr>
-            <a:r>
-              <a:rPr lang="en-US" dirty="0"/>
-              <a:t>3S :3*3,7v =11,1v</a:t>
-            </a:r>
-          </a:p>
-          <a:p>
-            <a:pPr marL="0" indent="0">
-              <a:buNone/>
-            </a:pPr>
-            <a:endParaRPr lang="en-US" dirty="0"/>
-          </a:p>
-          <a:p>
-            <a:pPr marL="0" indent="0">
-              <a:buNone/>
-            </a:pPr>
-            <a:r>
-              <a:rPr lang="en-US" dirty="0"/>
-              <a:t>4 motors 17A =&gt; </a:t>
-            </a:r>
-            <a:r>
-              <a:rPr lang="en-US" b="1" dirty="0"/>
-              <a:t>68A </a:t>
-            </a:r>
-            <a:r>
-              <a:rPr lang="en-US" dirty="0"/>
-              <a:t>Max</a:t>
-            </a:r>
-          </a:p>
-          <a:p>
-            <a:pPr marL="0" indent="0">
-              <a:buNone/>
-            </a:pPr>
-            <a:endParaRPr lang="en-US" dirty="0"/>
-          </a:p>
-          <a:p>
-            <a:pPr marL="0" indent="0">
-              <a:buNone/>
-            </a:pPr>
-            <a:r>
-              <a:rPr lang="en-US" dirty="0"/>
-              <a:t>I have selected LiPo 3S </a:t>
-            </a:r>
-            <a:r>
-              <a:rPr lang="en-US" b="1" dirty="0"/>
-              <a:t>3000mA</a:t>
-            </a:r>
-            <a:r>
-              <a:rPr lang="en-US" dirty="0"/>
-              <a:t>h 11.1V </a:t>
-            </a:r>
-            <a:r>
-              <a:rPr lang="en-US" b="1" dirty="0"/>
-              <a:t>30C </a:t>
-            </a:r>
-            <a:r>
-              <a:rPr lang="en-US" dirty="0"/>
-              <a:t> not too much heavy with Max discharge = 3*30 = </a:t>
-            </a:r>
-            <a:r>
-              <a:rPr lang="en-US" b="1" dirty="0"/>
-              <a:t>90A</a:t>
-            </a:r>
-            <a:r>
-              <a:rPr lang="en-US" dirty="0"/>
-              <a:t> &gt; </a:t>
-            </a:r>
-            <a:r>
-              <a:rPr lang="en-US" b="1" dirty="0"/>
-              <a:t>68A</a:t>
-            </a:r>
-          </a:p>
-          <a:p>
-            <a:pPr lvl="1">
-              <a:buFont typeface="Symbol" panose="05050102010706020507" pitchFamily="18" charset="2"/>
-              <a:buChar char="Þ"/>
-            </a:pPr>
-            <a:endParaRPr lang="en-US" b="1" dirty="0"/>
-          </a:p>
-          <a:p>
-            <a:pPr marL="0" indent="0">
-              <a:buNone/>
-            </a:pPr>
-            <a:r>
-              <a:rPr lang="en-US" dirty="0"/>
-              <a:t>Specifications</a:t>
-            </a:r>
-          </a:p>
-          <a:p>
-            <a:pPr lvl="1"/>
-            <a:r>
-              <a:rPr lang="fr-FR" dirty="0"/>
-              <a:t>Type de la batterie		</a:t>
-            </a:r>
-            <a:r>
-              <a:rPr lang="fr-FR" dirty="0" err="1"/>
-              <a:t>LiPO</a:t>
-            </a:r>
-            <a:endParaRPr lang="fr-FR" dirty="0"/>
-          </a:p>
-          <a:p>
-            <a:pPr lvl="1"/>
-            <a:r>
-              <a:rPr lang="fr-FR" b="1" dirty="0"/>
-              <a:t>Capacité batterie</a:t>
-            </a:r>
-            <a:r>
-              <a:rPr lang="fr-FR" dirty="0"/>
-              <a:t>		</a:t>
-            </a:r>
-            <a:r>
-              <a:rPr lang="fr-FR" b="1" dirty="0"/>
-              <a:t>3300 (mAh)</a:t>
-            </a:r>
-          </a:p>
-          <a:p>
-            <a:pPr lvl="1"/>
-            <a:r>
-              <a:rPr lang="fr-FR" dirty="0"/>
-              <a:t>Voltage			11.1 (V)</a:t>
-            </a:r>
-          </a:p>
-          <a:p>
-            <a:pPr lvl="1"/>
-            <a:r>
-              <a:rPr lang="fr-FR" b="1" dirty="0"/>
-              <a:t>Courant décharge en continu</a:t>
-            </a:r>
-            <a:r>
-              <a:rPr lang="fr-FR" dirty="0"/>
-              <a:t>	</a:t>
-            </a:r>
-            <a:r>
-              <a:rPr lang="fr-FR" b="1" dirty="0"/>
-              <a:t>30 (C)</a:t>
-            </a:r>
-          </a:p>
-          <a:p>
-            <a:pPr lvl="1"/>
-            <a:r>
-              <a:rPr lang="fr-FR" dirty="0"/>
-              <a:t>Courant de décharge max		60 (C)</a:t>
-            </a:r>
-          </a:p>
-          <a:p>
-            <a:pPr lvl="1"/>
-            <a:r>
-              <a:rPr lang="fr-FR" b="1" dirty="0"/>
-              <a:t>Poids</a:t>
-            </a:r>
-            <a:r>
-              <a:rPr lang="fr-FR" dirty="0"/>
-              <a:t>			</a:t>
-            </a:r>
-            <a:r>
-              <a:rPr lang="fr-FR" b="1" dirty="0"/>
-              <a:t>182 (g)</a:t>
-            </a:r>
-          </a:p>
-          <a:p>
-            <a:pPr lvl="1"/>
-            <a:r>
-              <a:rPr lang="fr-FR" dirty="0"/>
-              <a:t>Longueur			103 (mm)</a:t>
-            </a:r>
-          </a:p>
-          <a:p>
-            <a:pPr lvl="1"/>
-            <a:r>
-              <a:rPr lang="fr-FR" dirty="0"/>
-              <a:t>Largeur			33 (mm)</a:t>
-            </a:r>
-          </a:p>
-          <a:p>
-            <a:pPr lvl="1"/>
-            <a:r>
-              <a:rPr lang="fr-FR" dirty="0"/>
-              <a:t>Hauteur			23 (mm)</a:t>
-            </a:r>
-          </a:p>
-          <a:p>
-            <a:pPr lvl="1"/>
-            <a:r>
-              <a:rPr lang="fr-FR" dirty="0"/>
-              <a:t>Type de prise			Dean / </a:t>
-            </a:r>
-            <a:r>
-              <a:rPr lang="fr-FR" dirty="0" err="1"/>
-              <a:t>Tplug</a:t>
-            </a:r>
-            <a:endParaRPr lang="fr-FR" dirty="0"/>
-          </a:p>
-          <a:p>
-            <a:pPr lvl="1"/>
-            <a:r>
-              <a:rPr lang="fr-FR" dirty="0"/>
-              <a:t>Prise Equilibrage		JST-XH</a:t>
-            </a:r>
-          </a:p>
-          <a:p>
-            <a:pPr lvl="1"/>
-            <a:r>
-              <a:rPr lang="fr-FR" b="1" dirty="0"/>
-              <a:t>Taux de Charge Max</a:t>
-            </a:r>
-            <a:r>
-              <a:rPr lang="fr-FR" dirty="0"/>
-              <a:t>		</a:t>
-            </a:r>
-            <a:r>
-              <a:rPr lang="fr-FR" b="1" dirty="0"/>
-              <a:t>2 (C)</a:t>
-            </a:r>
-          </a:p>
-          <a:p>
-            <a:pPr lvl="1"/>
-            <a:r>
-              <a:rPr lang="fr-FR" dirty="0"/>
-              <a:t>Nombre d'éléments		3 (S)</a:t>
-            </a:r>
-          </a:p>
-          <a:p>
-            <a:pPr lvl="1"/>
-            <a:endParaRPr lang="en-US" dirty="0"/>
-          </a:p>
-        </p:txBody>
-      </p:sp>
-    </p:spTree>
-    <p:extLst>
-      <p:ext uri="{BB962C8B-B14F-4D97-AF65-F5344CB8AC3E}">
-        <p14:creationId xmlns:p14="http://schemas.microsoft.com/office/powerpoint/2010/main" val="550258717"/>
-      </p:ext>
-    </p:extLst>
-  </p:cSld>
-  <p:clrMapOvr>
-    <a:masterClrMapping/>
-  </p:clrMapOvr>
-</p:sld>
-</file>
-
 <file path=ppt/slides/slide17.xml><?xml version="1.0" encoding="utf-8"?>
 <p:sld xmlns:a="http://schemas.openxmlformats.org/drawingml/2006/main" xmlns:r="http://schemas.openxmlformats.org/officeDocument/2006/relationships" xmlns:p="http://schemas.openxmlformats.org/presentationml/2006/main">
   <p:cSld>
@@ -16600,20 +16233,8 @@
           <a:lstStyle/>
           <a:p>
             <a:r>
-              <a:rPr lang="en-US" dirty="0"/>
-              <a:t>Charger </a:t>
-            </a:r>
-            <a:r>
-              <a:rPr lang="en-US" dirty="0" err="1"/>
-              <a:t>Graupner</a:t>
-            </a:r>
-            <a:r>
-              <a:rPr lang="en-US" dirty="0"/>
-              <a:t> </a:t>
-            </a:r>
-            <a:r>
               <a:rPr lang="en-US"/>
-              <a:t>ULTRAMAT 16</a:t>
+              <a:t>Lipo</a:t>
             </a:r>
             <a:endParaRPr lang="en-US" dirty="0"/>
           </a:p>
@@ -16643,7 +16264,7 @@
         </p:spPr>
         <p:txBody>
           <a:bodyPr>
-            <a:normAutofit/>
+            <a:normAutofit fontScale="62500" lnSpcReduction="20000"/>
           </a:bodyPr>
           <a:lstStyle/>
           <a:p>
@@ -16652,148 +16273,226 @@
             </a:pPr>
             <a:r>
               <a:rPr lang="en-US" dirty="0"/>
-              <a:t>Lithium batteries: </a:t>
-            </a:r>
-            <a:r>
-              <a:rPr lang="en-US" dirty="0" err="1"/>
-              <a:t>Lipo</a:t>
-            </a:r>
-            <a:r>
-              <a:rPr lang="en-US" dirty="0"/>
-              <a:t> (motors) and Lilo (Arduino)</a:t>
-            </a:r>
-          </a:p>
-          <a:p>
-            <a:pPr marL="457200" lvl="1" indent="0">
-              <a:buNone/>
-            </a:pPr>
-            <a:r>
-              <a:rPr lang="en-US" dirty="0"/>
-              <a:t>The max. charge voltage for </a:t>
-            </a:r>
-            <a:r>
-              <a:rPr lang="en-US" b="1" dirty="0"/>
-              <a:t>LiPo is 4.2V, </a:t>
-            </a:r>
-            <a:r>
-              <a:rPr lang="en-US" dirty="0"/>
-              <a:t>for </a:t>
-            </a:r>
-            <a:r>
-              <a:rPr lang="en-US" b="1" dirty="0" err="1"/>
-              <a:t>LiIo</a:t>
-            </a:r>
-            <a:r>
-              <a:rPr lang="en-US" b="1" dirty="0"/>
-              <a:t> 4.1V</a:t>
-            </a:r>
-            <a:r>
-              <a:rPr lang="en-US" dirty="0"/>
-              <a:t>, for </a:t>
-            </a:r>
-            <a:r>
-              <a:rPr lang="en-US" dirty="0" err="1"/>
-              <a:t>LiFe</a:t>
-            </a:r>
-            <a:r>
-              <a:rPr lang="en-US" dirty="0"/>
-              <a:t> 3.6V. To store the batteries, adjust the charge voltage about 0.4V lower as the maximum charge voltage</a:t>
-            </a:r>
-          </a:p>
-          <a:p>
-            <a:pPr marL="457200" lvl="1" indent="0">
-              <a:buNone/>
-            </a:pPr>
-            <a:r>
-              <a:rPr lang="en-US" dirty="0"/>
-              <a:t>At charging/discharging the battery types will be displayed as followed:</a:t>
-            </a:r>
-          </a:p>
-          <a:p>
-            <a:pPr marL="914400" lvl="2" indent="0">
-              <a:buNone/>
-            </a:pPr>
-            <a:r>
-              <a:rPr lang="en-US" dirty="0"/>
-              <a:t> LiPo (</a:t>
-            </a:r>
-            <a:r>
-              <a:rPr lang="en-US" dirty="0" err="1"/>
-              <a:t>LiMn</a:t>
-            </a:r>
-            <a:r>
-              <a:rPr lang="en-US" dirty="0"/>
-              <a:t>) = LP</a:t>
-            </a:r>
-          </a:p>
-          <a:p>
-            <a:pPr marL="914400" lvl="2" indent="0">
-              <a:buNone/>
-            </a:pPr>
-            <a:r>
-              <a:rPr lang="en-US" dirty="0"/>
-              <a:t> </a:t>
-            </a:r>
-            <a:r>
-              <a:rPr lang="en-US" dirty="0" err="1"/>
-              <a:t>LiIo</a:t>
-            </a:r>
-            <a:r>
-              <a:rPr lang="en-US" dirty="0"/>
-              <a:t> = LI</a:t>
-            </a:r>
-          </a:p>
-          <a:p>
-            <a:pPr marL="914400" lvl="2" indent="0">
-              <a:buNone/>
-            </a:pPr>
-            <a:r>
-              <a:rPr lang="en-US" dirty="0"/>
-              <a:t> </a:t>
-            </a:r>
-            <a:r>
-              <a:rPr lang="en-US" dirty="0" err="1"/>
-              <a:t>LiFe</a:t>
-            </a:r>
-            <a:r>
-              <a:rPr lang="en-US" dirty="0"/>
-              <a:t> = LF</a:t>
-            </a:r>
-            <a:endParaRPr lang="en-US" b="1" dirty="0"/>
-          </a:p>
-          <a:p>
-            <a:pPr marL="457200" lvl="1" indent="0">
-              <a:buNone/>
-            </a:pPr>
-            <a:r>
-              <a:rPr lang="en-US" dirty="0"/>
-              <a:t>Lithium batteries are usually charged at the 1C rate</a:t>
-            </a:r>
-          </a:p>
-          <a:p>
-            <a:pPr marL="457200" lvl="1" indent="0">
-              <a:buNone/>
-            </a:pPr>
-            <a:endParaRPr lang="en-US" b="1" dirty="0"/>
+              <a:t>3S :3*3,7v =11,1v</a:t>
+            </a:r>
           </a:p>
           <a:p>
             <a:pPr marL="0" indent="0">
               <a:buNone/>
             </a:pPr>
-            <a:r>
-              <a:rPr lang="en-US" dirty="0"/>
-              <a:t>Ni-MH batteries (RC transmitter)</a:t>
-            </a:r>
-            <a:endParaRPr lang="en-US" b="1" dirty="0"/>
-          </a:p>
-          <a:p>
-            <a:pPr lvl="1"/>
             <a:endParaRPr lang="en-US" dirty="0"/>
           </a:p>
           <a:p>
-            <a:pPr marL="457200" lvl="1" indent="0">
+            <a:pPr marL="0" indent="0">
               <a:buNone/>
             </a:pPr>
+            <a:r>
+              <a:rPr lang="en-US" dirty="0"/>
+              <a:t>4 motors 17A =&gt; </a:t>
+            </a:r>
+            <a:r>
+              <a:rPr lang="en-US" b="1" dirty="0"/>
+              <a:t>68A </a:t>
+            </a:r>
+            <a:r>
+              <a:rPr lang="en-US" dirty="0"/>
+              <a:t>Max</a:t>
+            </a:r>
+          </a:p>
+          <a:p>
+            <a:pPr marL="0" indent="0">
+              <a:buNone/>
+            </a:pPr>
+            <a:endParaRPr lang="en-US" dirty="0"/>
+          </a:p>
+          <a:p>
+            <a:pPr marL="0" indent="0">
+              <a:buNone/>
+            </a:pPr>
+            <a:r>
+              <a:rPr lang="en-US" dirty="0"/>
+              <a:t>I have selected LiPo 3S </a:t>
+            </a:r>
+            <a:r>
+              <a:rPr lang="en-US" b="1" dirty="0"/>
+              <a:t>3000mA</a:t>
+            </a:r>
+            <a:r>
+              <a:rPr lang="en-US" dirty="0"/>
+              <a:t>h 11.1V </a:t>
+            </a:r>
+            <a:r>
+              <a:rPr lang="en-US" b="1" dirty="0"/>
+              <a:t>30C </a:t>
+            </a:r>
+            <a:r>
+              <a:rPr lang="en-US" dirty="0"/>
+              <a:t> not too much heavy with Max discharge = 3*30 = </a:t>
+            </a:r>
+            <a:r>
+              <a:rPr lang="en-US" b="1" dirty="0"/>
+              <a:t>90A</a:t>
+            </a:r>
+            <a:r>
+              <a:rPr lang="en-US" dirty="0"/>
+              <a:t> &gt; </a:t>
+            </a:r>
+            <a:r>
+              <a:rPr lang="en-US" b="1" dirty="0"/>
+              <a:t>68A</a:t>
+            </a:r>
+          </a:p>
+          <a:p>
+            <a:pPr lvl="1">
+              <a:buFont typeface="Symbol" panose="05050102010706020507" pitchFamily="18" charset="2"/>
+              <a:buChar char="Þ"/>
+            </a:pPr>
+            <a:endParaRPr lang="en-US" b="1" dirty="0"/>
+          </a:p>
+          <a:p>
+            <a:pPr marL="0" indent="0">
+              <a:buNone/>
+            </a:pPr>
+            <a:r>
+              <a:rPr lang="en-US" dirty="0"/>
+              <a:t>Specifications</a:t>
+            </a:r>
+          </a:p>
+          <a:p>
+            <a:pPr lvl="1"/>
+            <a:r>
+              <a:rPr lang="fr-FR" dirty="0"/>
+              <a:t>Type de la batterie		</a:t>
+            </a:r>
+            <a:r>
+              <a:rPr lang="fr-FR" dirty="0" err="1"/>
+              <a:t>LiPO</a:t>
+            </a:r>
+            <a:endParaRPr lang="fr-FR" dirty="0"/>
+          </a:p>
+          <a:p>
+            <a:pPr lvl="1"/>
+            <a:r>
+              <a:rPr lang="fr-FR" b="1" dirty="0"/>
+              <a:t>Capacité batterie</a:t>
+            </a:r>
+            <a:r>
+              <a:rPr lang="fr-FR" dirty="0"/>
+              <a:t>		</a:t>
+            </a:r>
+            <a:r>
+              <a:rPr lang="fr-FR" b="1" dirty="0"/>
+              <a:t>3300 (mAh)</a:t>
+            </a:r>
+          </a:p>
+          <a:p>
+            <a:pPr lvl="1"/>
+            <a:r>
+              <a:rPr lang="fr-FR" dirty="0"/>
+              <a:t>Voltage			11.1 (V)</a:t>
+            </a:r>
+          </a:p>
+          <a:p>
+            <a:pPr lvl="1"/>
+            <a:r>
+              <a:rPr lang="fr-FR" b="1" dirty="0"/>
+              <a:t>Courant décharge en continu</a:t>
+            </a:r>
+            <a:r>
+              <a:rPr lang="fr-FR" dirty="0"/>
+              <a:t>	</a:t>
+            </a:r>
+            <a:r>
+              <a:rPr lang="fr-FR" b="1" dirty="0"/>
+              <a:t>30 (C)</a:t>
+            </a:r>
+          </a:p>
+          <a:p>
+            <a:pPr lvl="1"/>
+            <a:r>
+              <a:rPr lang="fr-FR" dirty="0"/>
+              <a:t>Courant de décharge max		60 (C)</a:t>
+            </a:r>
+          </a:p>
+          <a:p>
+            <a:pPr lvl="1"/>
+            <a:r>
+              <a:rPr lang="fr-FR" b="1" dirty="0"/>
+              <a:t>Poids</a:t>
+            </a:r>
+            <a:r>
+              <a:rPr lang="fr-FR" dirty="0"/>
+              <a:t>			</a:t>
+            </a:r>
+            <a:r>
+              <a:rPr lang="fr-FR" b="1" dirty="0"/>
+              <a:t>182 (g)</a:t>
+            </a:r>
+          </a:p>
+          <a:p>
+            <a:pPr lvl="1"/>
+            <a:r>
+              <a:rPr lang="fr-FR" dirty="0"/>
+              <a:t>Longueur			103 (mm)</a:t>
+            </a:r>
+          </a:p>
+          <a:p>
+            <a:pPr lvl="1"/>
+            <a:r>
+              <a:rPr lang="fr-FR" dirty="0"/>
+              <a:t>Largeur			33 (mm)</a:t>
+            </a:r>
+          </a:p>
+          <a:p>
+            <a:pPr lvl="1"/>
+            <a:r>
+              <a:rPr lang="fr-FR" dirty="0"/>
+              <a:t>Hauteur			23 (mm)</a:t>
+            </a:r>
+          </a:p>
+          <a:p>
+            <a:pPr lvl="1"/>
+            <a:r>
+              <a:rPr lang="fr-FR" dirty="0"/>
+              <a:t>Type de prise			Dean / </a:t>
+            </a:r>
+            <a:r>
+              <a:rPr lang="fr-FR" dirty="0" err="1"/>
+              <a:t>Tplug</a:t>
+            </a:r>
+            <a:endParaRPr lang="fr-FR" dirty="0"/>
+          </a:p>
+          <a:p>
+            <a:pPr lvl="1"/>
+            <a:r>
+              <a:rPr lang="fr-FR" dirty="0"/>
+              <a:t>Prise Equilibrage		JST-XH</a:t>
+            </a:r>
+          </a:p>
+          <a:p>
+            <a:pPr lvl="1"/>
+            <a:r>
+              <a:rPr lang="fr-FR" b="1" dirty="0"/>
+              <a:t>Taux de Charge Max</a:t>
+            </a:r>
+            <a:r>
+              <a:rPr lang="fr-FR" dirty="0"/>
+              <a:t>		</a:t>
+            </a:r>
+            <a:r>
+              <a:rPr lang="fr-FR" b="1" dirty="0"/>
+              <a:t>2 (C)</a:t>
+            </a:r>
+          </a:p>
+          <a:p>
+            <a:pPr lvl="1"/>
+            <a:r>
+              <a:rPr lang="fr-FR" dirty="0"/>
+              <a:t>Nombre d'éléments		3 (S)</a:t>
+            </a:r>
+          </a:p>
+          <a:p>
+            <a:pPr lvl="1"/>
             <a:endParaRPr lang="en-US" dirty="0"/>
           </a:p>
         </p:txBody>
@@ -16801,7 +16500,7 @@
     </p:spTree>
     <p:extLst>
       <p:ext uri="{BB962C8B-B14F-4D97-AF65-F5344CB8AC3E}">
-        <p14:creationId xmlns:p14="http://schemas.microsoft.com/office/powerpoint/2010/main" val="2262939316"/>
+        <p14:creationId xmlns:p14="http://schemas.microsoft.com/office/powerpoint/2010/main" val="550258717"/>
       </p:ext>
     </p:extLst>
   </p:cSld>
@@ -16856,8 +16555,21 @@
           <a:p>
             <a:r>
               <a:rPr lang="en-US" dirty="0"/>
-              <a:t>Receiver</a:t>
-            </a:r>
+              <a:t>Charger </a:t>
+            </a:r>
+            <a:r>
+              <a:rPr lang="en-US" dirty="0" err="1"/>
+              <a:t>Graupner</a:t>
+            </a:r>
+            <a:r>
+              <a:rPr lang="en-US" dirty="0"/>
+              <a:t> </a:t>
+            </a:r>
+            <a:r>
+              <a:rPr lang="en-US"/>
+              <a:t>ULTRAMAT 16</a:t>
+            </a:r>
+            <a:endParaRPr lang="en-US" dirty="0"/>
           </a:p>
         </p:txBody>
       </p:sp>
@@ -16885,7 +16597,7 @@
         </p:spPr>
         <p:txBody>
           <a:bodyPr>
-            <a:normAutofit fontScale="62500" lnSpcReduction="20000"/>
+            <a:normAutofit/>
           </a:bodyPr>
           <a:lstStyle/>
           <a:p>
@@ -16893,129 +16605,157 @@
               <a:buNone/>
             </a:pPr>
             <a:r>
+              <a:rPr lang="en-US" dirty="0"/>
+              <a:t>Lithium batteries: </a:t>
+            </a:r>
+            <a:r>
+              <a:rPr lang="en-US" dirty="0" err="1"/>
+              <a:t>Lipo</a:t>
+            </a:r>
+            <a:r>
+              <a:rPr lang="en-US" dirty="0"/>
+              <a:t> (motors) and Lilo (Arduino)</a:t>
+            </a:r>
+          </a:p>
+          <a:p>
+            <a:pPr marL="457200" lvl="1" indent="0">
+              <a:buNone/>
+            </a:pPr>
+            <a:r>
+              <a:rPr lang="en-US" dirty="0"/>
+              <a:t>The max. charge voltage for </a:t>
+            </a:r>
+            <a:r>
               <a:rPr lang="en-US" b="1" dirty="0"/>
-              <a:t>Receiver </a:t>
+              <a:t>LiPo is 4.2V, </a:t>
+            </a:r>
+            <a:r>
+              <a:rPr lang="en-US" dirty="0"/>
+              <a:t>for </a:t>
             </a:r>
             <a:r>
               <a:rPr lang="en-US" b="1" dirty="0" err="1"/>
-              <a:t>Henge</a:t>
+              <a:t>LiIo</a:t>
             </a:r>
             <a:r>
               <a:rPr lang="en-US" b="1" dirty="0"/>
-              <a:t> RP62L</a:t>
-            </a:r>
+              <a:t> 4.1V</a:t>
+            </a:r>
+            <a:r>
+              <a:rPr lang="en-US" dirty="0"/>
+              <a:t>, for </a:t>
+            </a:r>
+            <a:r>
+              <a:rPr lang="en-US" dirty="0" err="1"/>
+              <a:t>LiFe</a:t>
+            </a:r>
+            <a:r>
+              <a:rPr lang="en-US" dirty="0"/>
+              <a:t> 3.6V. To store the batteries, adjust the charge voltage about 0.4V lower as the maximum charge voltage</a:t>
+            </a:r>
+          </a:p>
+          <a:p>
+            <a:pPr marL="457200" lvl="1" indent="0">
+              <a:buNone/>
+            </a:pPr>
+            <a:r>
+              <a:rPr lang="en-US" dirty="0"/>
+              <a:t>At charging/discharging the battery types will be displayed as followed:</a:t>
+            </a:r>
+          </a:p>
+          <a:p>
+            <a:pPr marL="914400" lvl="2" indent="0">
+              <a:buNone/>
+            </a:pPr>
+            <a:r>
+              <a:rPr lang="en-US" dirty="0"/>
+              <a:t> LiPo (</a:t>
+            </a:r>
+            <a:r>
+              <a:rPr lang="en-US" dirty="0" err="1"/>
+              <a:t>LiMn</a:t>
+            </a:r>
+            <a:r>
+              <a:rPr lang="en-US" dirty="0"/>
+              <a:t>) = LP</a:t>
+            </a:r>
+          </a:p>
+          <a:p>
+            <a:pPr marL="914400" lvl="2" indent="0">
+              <a:buNone/>
+            </a:pPr>
+            <a:r>
+              <a:rPr lang="en-US" dirty="0"/>
+              <a:t> </a:t>
+            </a:r>
+            <a:r>
+              <a:rPr lang="en-US" dirty="0" err="1"/>
+              <a:t>LiIo</a:t>
+            </a:r>
+            <a:r>
+              <a:rPr lang="en-US" dirty="0"/>
+              <a:t> = LI</a:t>
+            </a:r>
+          </a:p>
+          <a:p>
+            <a:pPr marL="914400" lvl="2" indent="0">
+              <a:buNone/>
+            </a:pPr>
+            <a:r>
+              <a:rPr lang="en-US" dirty="0"/>
+              <a:t> </a:t>
+            </a:r>
+            <a:r>
+              <a:rPr lang="en-US" dirty="0" err="1"/>
+              <a:t>LiFe</a:t>
+            </a:r>
+            <a:r>
+              <a:rPr lang="en-US" dirty="0"/>
+              <a:t> = LF</a:t>
+            </a:r>
+            <a:endParaRPr lang="en-US" b="1" dirty="0"/>
+          </a:p>
+          <a:p>
+            <a:pPr marL="457200" lvl="1" indent="0">
+              <a:buNone/>
+            </a:pPr>
+            <a:r>
+              <a:rPr lang="en-US" dirty="0"/>
+              <a:t>Lithium batteries are usually charged at the 1C rate</a:t>
+            </a:r>
+          </a:p>
+          <a:p>
+            <a:pPr marL="457200" lvl="1" indent="0">
+              <a:buNone/>
+            </a:pPr>
+            <a:endParaRPr lang="en-US" b="1" dirty="0"/>
           </a:p>
           <a:p>
             <a:pPr marL="0" indent="0">
               <a:buNone/>
             </a:pPr>
-            <a:endParaRPr lang="fr-FR" b="1" dirty="0"/>
-          </a:p>
-          <a:p>
-            <a:pPr marL="0" indent="0">
+            <a:r>
+              <a:rPr lang="en-US" dirty="0"/>
+              <a:t>Ni-MH batteries (RC transmitter)</a:t>
+            </a:r>
+            <a:endParaRPr lang="en-US" b="1" dirty="0"/>
+          </a:p>
+          <a:p>
+            <a:pPr lvl="1"/>
+            <a:endParaRPr lang="en-US" dirty="0"/>
+          </a:p>
+          <a:p>
+            <a:pPr marL="457200" lvl="1" indent="0">
               <a:buNone/>
             </a:pPr>
-            <a:r>
-              <a:rPr lang="fr-FR" b="1" dirty="0"/>
-              <a:t>Spécifications:</a:t>
-            </a:r>
-          </a:p>
-          <a:p>
-            <a:r>
-              <a:rPr lang="fr-FR" dirty="0"/>
-              <a:t> </a:t>
-            </a:r>
-            <a:r>
-              <a:rPr lang="en-US" dirty="0"/>
-              <a:t>Size: 49x24x14mm</a:t>
-            </a:r>
-          </a:p>
-          <a:p>
-            <a:r>
-              <a:rPr lang="en-US" dirty="0"/>
-              <a:t>Weight: 9.2g (with shrink wrap)</a:t>
-            </a:r>
-          </a:p>
-          <a:p>
-            <a:r>
-              <a:rPr lang="en-US" dirty="0"/>
-              <a:t>Sensitivity: better than 2.0</a:t>
-            </a:r>
-            <a:r>
-              <a:rPr lang="el-GR" dirty="0"/>
-              <a:t>μ</a:t>
-            </a:r>
-            <a:r>
-              <a:rPr lang="en-US" dirty="0"/>
-              <a:t>V</a:t>
-            </a:r>
-          </a:p>
-          <a:p>
-            <a:r>
-              <a:rPr lang="en-US" dirty="0"/>
-              <a:t>Selectivity: ±8kHz at 65dB down</a:t>
-            </a:r>
-          </a:p>
-          <a:p>
-            <a:r>
-              <a:rPr lang="en-US" dirty="0"/>
-              <a:t>No. of channels: 1-6</a:t>
-            </a:r>
-          </a:p>
-          <a:p>
-            <a:r>
-              <a:rPr lang="en-US" dirty="0"/>
-              <a:t>RF technology: Dual tuned RF circuitry</a:t>
-            </a:r>
-          </a:p>
-          <a:p>
-            <a:r>
-              <a:rPr lang="en-US" dirty="0"/>
-              <a:t>Analog filtering: Dual 4 pole ceramic filter</a:t>
-            </a:r>
-          </a:p>
-          <a:p>
-            <a:r>
-              <a:rPr lang="en-US" dirty="0"/>
-              <a:t>Digital filtering: DSP filtering with mild algorithm</a:t>
-            </a:r>
-          </a:p>
-          <a:p>
-            <a:r>
-              <a:rPr lang="en-US" dirty="0"/>
-              <a:t>Modulation: FM/PPM</a:t>
-            </a:r>
-          </a:p>
-          <a:p>
-            <a:r>
-              <a:rPr lang="en-US" dirty="0"/>
-              <a:t>Shift polarity: Positive or Negative (auto detect)</a:t>
-            </a:r>
-          </a:p>
-          <a:p>
-            <a:r>
-              <a:rPr lang="en-US" dirty="0"/>
-              <a:t>Case: Shrink wrap</a:t>
-            </a:r>
-          </a:p>
-          <a:p>
-            <a:r>
-              <a:rPr lang="en-US" dirty="0"/>
-              <a:t>Operating Voltage: 4.8V~6.0VDC</a:t>
-            </a:r>
-          </a:p>
-          <a:p>
-            <a:r>
-              <a:rPr lang="en-US" dirty="0"/>
-              <a:t>Operating Current: 24mA.</a:t>
-            </a:r>
+            <a:endParaRPr lang="en-US" dirty="0"/>
           </a:p>
         </p:txBody>
       </p:sp>
     </p:spTree>
     <p:extLst>
       <p:ext uri="{BB962C8B-B14F-4D97-AF65-F5344CB8AC3E}">
-        <p14:creationId xmlns:p14="http://schemas.microsoft.com/office/powerpoint/2010/main" val="3245136954"/>
+        <p14:creationId xmlns:p14="http://schemas.microsoft.com/office/powerpoint/2010/main" val="2262939316"/>
       </p:ext>
     </p:extLst>
   </p:cSld>
@@ -17070,7 +16810,7 @@
           <a:p>
             <a:r>
               <a:rPr lang="en-US" dirty="0"/>
-              <a:t>Frame</a:t>
+              <a:t>Receiver</a:t>
             </a:r>
           </a:p>
         </p:txBody>
@@ -17099,7 +16839,7 @@
         </p:spPr>
         <p:txBody>
           <a:bodyPr>
-            <a:normAutofit/>
+            <a:normAutofit fontScale="62500" lnSpcReduction="20000"/>
           </a:bodyPr>
           <a:lstStyle/>
           <a:p>
@@ -17107,28 +16847,16 @@
               <a:buNone/>
             </a:pPr>
             <a:r>
-              <a:rPr lang="fr-FR" b="1" dirty="0" err="1"/>
-              <a:t>HobbyKing</a:t>
-            </a:r>
-            <a:r>
-              <a:rPr lang="fr-FR" b="1" dirty="0"/>
-              <a:t> X550 en fibre de verre </a:t>
-            </a:r>
-            <a:r>
-              <a:rPr lang="fr-FR" b="1" dirty="0" err="1"/>
-              <a:t>Quadcopter</a:t>
-            </a:r>
-            <a:r>
-              <a:rPr lang="fr-FR" b="1" dirty="0"/>
-              <a:t> Cadre 550mm </a:t>
-            </a:r>
-            <a:r>
-              <a:rPr lang="fr-FR" dirty="0"/>
-              <a:t>(</a:t>
-            </a:r>
-            <a:r>
-              <a:rPr lang="en-US" dirty="0"/>
-              <a:t>9323000036)</a:t>
+              <a:rPr lang="en-US" b="1" dirty="0"/>
+              <a:t>Receiver </a:t>
+            </a:r>
+            <a:r>
+              <a:rPr lang="en-US" b="1" dirty="0" err="1"/>
+              <a:t>Henge</a:t>
+            </a:r>
+            <a:r>
+              <a:rPr lang="en-US" b="1" dirty="0"/>
+              <a:t> RP62L</a:t>
             </a:r>
           </a:p>
           <a:p>
@@ -17147,66 +16875,101 @@
             </a:r>
           </a:p>
           <a:p>
-            <a:pPr marL="457200" lvl="1" indent="0">
-              <a:buNone/>
-            </a:pPr>
             <a:r>
               <a:rPr lang="fr-FR" dirty="0"/>
               <a:t> </a:t>
             </a:r>
-            <a:br>
-              <a:rPr lang="fr-FR" dirty="0"/>
-            </a:br>
-            <a:r>
-              <a:rPr lang="fr-FR" dirty="0"/>
-              <a:t>Poids: </a:t>
-            </a:r>
-            <a:r>
-              <a:rPr lang="fr-FR" b="1" dirty="0"/>
-              <a:t>312g</a:t>
-            </a:r>
-            <a:br>
-              <a:rPr lang="fr-FR" dirty="0"/>
-            </a:br>
-            <a:r>
-              <a:rPr lang="fr-FR" dirty="0"/>
-              <a:t>Largeur: </a:t>
-            </a:r>
-            <a:r>
-              <a:rPr lang="fr-FR" b="1" dirty="0"/>
-              <a:t>550mm</a:t>
-            </a:r>
-            <a:r>
-              <a:rPr lang="fr-FR" dirty="0"/>
-              <a:t> </a:t>
-            </a:r>
-            <a:br>
-              <a:rPr lang="fr-FR" dirty="0"/>
-            </a:br>
-            <a:r>
-              <a:rPr lang="fr-FR" dirty="0"/>
-              <a:t>Trous </a:t>
-            </a:r>
-            <a:r>
-              <a:rPr lang="fr-FR" dirty="0" err="1"/>
-              <a:t>Motor</a:t>
-            </a:r>
-            <a:r>
-              <a:rPr lang="fr-FR" dirty="0"/>
-              <a:t> Bolt: </a:t>
-            </a:r>
-            <a:r>
-              <a:rPr lang="fr-FR" b="1" dirty="0"/>
-              <a:t>largeur de 19mm</a:t>
-            </a:r>
-            <a:endParaRPr lang="en-US" dirty="0"/>
+            <a:r>
+              <a:rPr lang="en-US" dirty="0"/>
+              <a:t>Size: 49x24x14mm</a:t>
+            </a:r>
+          </a:p>
+          <a:p>
+            <a:r>
+              <a:rPr lang="en-US" dirty="0"/>
+              <a:t>Weight: 9.2g (with shrink wrap)</a:t>
+            </a:r>
+          </a:p>
+          <a:p>
+            <a:r>
+              <a:rPr lang="en-US" dirty="0"/>
+              <a:t>Sensitivity: better than 2.0</a:t>
+            </a:r>
+            <a:r>
+              <a:rPr lang="el-GR" dirty="0"/>
+              <a:t>μ</a:t>
+            </a:r>
+            <a:r>
+              <a:rPr lang="en-US" dirty="0"/>
+              <a:t>V</a:t>
+            </a:r>
+          </a:p>
+          <a:p>
+            <a:r>
+              <a:rPr lang="en-US" dirty="0"/>
+              <a:t>Selectivity: ±8kHz at 65dB down</a:t>
+            </a:r>
+          </a:p>
+          <a:p>
+            <a:r>
+              <a:rPr lang="en-US" dirty="0"/>
+              <a:t>No. of channels: 1-6</a:t>
+            </a:r>
+          </a:p>
+          <a:p>
+            <a:r>
+              <a:rPr lang="en-US" dirty="0"/>
+              <a:t>RF technology: Dual tuned RF circuitry</a:t>
+            </a:r>
+          </a:p>
+          <a:p>
+            <a:r>
+              <a:rPr lang="en-US" dirty="0"/>
+              <a:t>Analog filtering: Dual 4 pole ceramic filter</a:t>
+            </a:r>
+          </a:p>
+          <a:p>
+            <a:r>
+              <a:rPr lang="en-US" dirty="0"/>
+              <a:t>Digital filtering: DSP filtering with mild algorithm</a:t>
+            </a:r>
+          </a:p>
+          <a:p>
+            <a:r>
+              <a:rPr lang="en-US" dirty="0"/>
+              <a:t>Modulation: FM/PPM</a:t>
+            </a:r>
+          </a:p>
+          <a:p>
+            <a:r>
+              <a:rPr lang="en-US" dirty="0"/>
+              <a:t>Shift polarity: Positive or Negative (auto detect)</a:t>
+            </a:r>
+          </a:p>
+          <a:p>
+            <a:r>
+              <a:rPr lang="en-US" dirty="0"/>
+              <a:t>Case: Shrink wrap</a:t>
+            </a:r>
+          </a:p>
+          <a:p>
+            <a:r>
+              <a:rPr lang="en-US" dirty="0"/>
+              <a:t>Operating Voltage: 4.8V~6.0VDC</a:t>
+            </a:r>
+          </a:p>
+          <a:p>
+            <a:r>
+              <a:rPr lang="en-US" dirty="0"/>
+              <a:t>Operating Current: 24mA.</a:t>
+            </a:r>
           </a:p>
         </p:txBody>
       </p:sp>
     </p:spTree>
     <p:extLst>
       <p:ext uri="{BB962C8B-B14F-4D97-AF65-F5344CB8AC3E}">
-        <p14:creationId xmlns:p14="http://schemas.microsoft.com/office/powerpoint/2010/main" val="1070349072"/>
+        <p14:creationId xmlns:p14="http://schemas.microsoft.com/office/powerpoint/2010/main" val="3245136954"/>
       </p:ext>
     </p:extLst>
   </p:cSld>
@@ -18497,6 +18260,197 @@
           <p:cNvPr id="2" name="Titre 1">
             <a:extLst>
               <a:ext uri="{FF2B5EF4-FFF2-40B4-BE49-F238E27FC236}">
+                <a16:creationId xmlns:a16="http://schemas.microsoft.com/office/drawing/2014/main" id="{FE169B9C-4B88-49CF-996F-9AA43AAE11A7}"/>
+              </a:ext>
+            </a:extLst>
+          </p:cNvPr>
+          <p:cNvSpPr>
+            <a:spLocks noGrp="1"/>
+          </p:cNvSpPr>
+          <p:nvPr>
+            <p:ph type="title"/>
+          </p:nvPr>
+        </p:nvSpPr>
+        <p:spPr>
+          <a:xfrm>
+            <a:off x="838200" y="365125"/>
+            <a:ext cx="10515600" cy="1325563"/>
+          </a:xfrm>
+        </p:spPr>
+        <p:txBody>
+          <a:bodyPr/>
+          <a:lstStyle/>
+          <a:p>
+            <a:r>
+              <a:rPr lang="en-US" dirty="0"/>
+              <a:t>Frame</a:t>
+            </a:r>
+          </a:p>
+        </p:txBody>
+      </p:sp>
+      <p:sp>
+        <p:nvSpPr>
+          <p:cNvPr id="3" name="Espace réservé du contenu 2">
+            <a:extLst>
+              <a:ext uri="{FF2B5EF4-FFF2-40B4-BE49-F238E27FC236}">
+                <a16:creationId xmlns:a16="http://schemas.microsoft.com/office/drawing/2014/main" id="{13BA1678-4CC9-4D81-80F5-03ACA87BD6C6}"/>
+              </a:ext>
+            </a:extLst>
+          </p:cNvPr>
+          <p:cNvSpPr>
+            <a:spLocks noGrp="1"/>
+          </p:cNvSpPr>
+          <p:nvPr>
+            <p:ph idx="1"/>
+          </p:nvPr>
+        </p:nvSpPr>
+        <p:spPr>
+          <a:xfrm>
+            <a:off x="838200" y="1509204"/>
+            <a:ext cx="10515600" cy="5093887"/>
+          </a:xfrm>
+        </p:spPr>
+        <p:txBody>
+          <a:bodyPr>
+            <a:normAutofit/>
+          </a:bodyPr>
+          <a:lstStyle/>
+          <a:p>
+            <a:pPr marL="0" indent="0">
+              <a:buNone/>
+            </a:pPr>
+            <a:r>
+              <a:rPr lang="fr-FR" b="1" dirty="0" err="1"/>
+              <a:t>HobbyKing</a:t>
+            </a:r>
+            <a:r>
+              <a:rPr lang="fr-FR" b="1" dirty="0"/>
+              <a:t> X550 en fibre de verre </a:t>
+            </a:r>
+            <a:r>
+              <a:rPr lang="fr-FR" b="1" dirty="0" err="1"/>
+              <a:t>Quadcopter</a:t>
+            </a:r>
+            <a:r>
+              <a:rPr lang="fr-FR" b="1" dirty="0"/>
+              <a:t> Cadre 550mm </a:t>
+            </a:r>
+            <a:r>
+              <a:rPr lang="fr-FR" dirty="0"/>
+              <a:t>(</a:t>
+            </a:r>
+            <a:r>
+              <a:rPr lang="en-US" dirty="0"/>
+              <a:t>9323000036)</a:t>
+            </a:r>
+          </a:p>
+          <a:p>
+            <a:pPr marL="0" indent="0">
+              <a:buNone/>
+            </a:pPr>
+            <a:endParaRPr lang="fr-FR" b="1" dirty="0"/>
+          </a:p>
+          <a:p>
+            <a:pPr marL="0" indent="0">
+              <a:buNone/>
+            </a:pPr>
+            <a:r>
+              <a:rPr lang="fr-FR" b="1" dirty="0"/>
+              <a:t>Spécifications:</a:t>
+            </a:r>
+          </a:p>
+          <a:p>
+            <a:pPr marL="457200" lvl="1" indent="0">
+              <a:buNone/>
+            </a:pPr>
+            <a:r>
+              <a:rPr lang="fr-FR" dirty="0"/>
+              <a:t> </a:t>
+            </a:r>
+            <a:br>
+              <a:rPr lang="fr-FR" dirty="0"/>
+            </a:br>
+            <a:r>
+              <a:rPr lang="fr-FR" dirty="0"/>
+              <a:t>Poids: </a:t>
+            </a:r>
+            <a:r>
+              <a:rPr lang="fr-FR" b="1" dirty="0"/>
+              <a:t>312g</a:t>
+            </a:r>
+            <a:br>
+              <a:rPr lang="fr-FR" dirty="0"/>
+            </a:br>
+            <a:r>
+              <a:rPr lang="fr-FR" dirty="0"/>
+              <a:t>Largeur: </a:t>
+            </a:r>
+            <a:r>
+              <a:rPr lang="fr-FR" b="1" dirty="0"/>
+              <a:t>550mm</a:t>
+            </a:r>
+            <a:r>
+              <a:rPr lang="fr-FR" dirty="0"/>
+              <a:t> </a:t>
+            </a:r>
+            <a:br>
+              <a:rPr lang="fr-FR" dirty="0"/>
+            </a:br>
+            <a:r>
+              <a:rPr lang="fr-FR" dirty="0"/>
+              <a:t>Trous </a:t>
+            </a:r>
+            <a:r>
+              <a:rPr lang="fr-FR" dirty="0" err="1"/>
+              <a:t>Motor</a:t>
+            </a:r>
+            <a:r>
+              <a:rPr lang="fr-FR" dirty="0"/>
+              <a:t> Bolt: </a:t>
+            </a:r>
+            <a:r>
+              <a:rPr lang="fr-FR" b="1" dirty="0"/>
+              <a:t>largeur de 19mm</a:t>
+            </a:r>
+            <a:endParaRPr lang="en-US" dirty="0"/>
+          </a:p>
+        </p:txBody>
+      </p:sp>
+    </p:spTree>
+    <p:extLst>
+      <p:ext uri="{BB962C8B-B14F-4D97-AF65-F5344CB8AC3E}">
+        <p14:creationId xmlns:p14="http://schemas.microsoft.com/office/powerpoint/2010/main" val="1070349072"/>
+      </p:ext>
+    </p:extLst>
+  </p:cSld>
+  <p:clrMapOvr>
+    <a:masterClrMapping/>
+  </p:clrMapOvr>
+</p:sld>
+</file>
+
+<file path=ppt/slides/slide21.xml><?xml version="1.0" encoding="utf-8"?>
+<p:sld xmlns:a="http://schemas.openxmlformats.org/drawingml/2006/main" xmlns:r="http://schemas.openxmlformats.org/officeDocument/2006/relationships" xmlns:p="http://schemas.openxmlformats.org/presentationml/2006/main">
+  <p:cSld>
+    <p:spTree>
+      <p:nvGrpSpPr>
+        <p:cNvPr id="1" name=""/>
+        <p:cNvGrpSpPr/>
+        <p:nvPr/>
+      </p:nvGrpSpPr>
+      <p:grpSpPr>
+        <a:xfrm>
+          <a:off x="0" y="0"/>
+          <a:ext cx="0" cy="0"/>
+          <a:chOff x="0" y="0"/>
+          <a:chExt cx="0" cy="0"/>
+        </a:xfrm>
+      </p:grpSpPr>
+      <p:sp>
+        <p:nvSpPr>
+          <p:cNvPr id="2" name="Titre 1">
+            <a:extLst>
+              <a:ext uri="{FF2B5EF4-FFF2-40B4-BE49-F238E27FC236}">
                 <a16:creationId xmlns:a16="http://schemas.microsoft.com/office/drawing/2014/main" id="{7D7887D6-7566-47C9-A25C-3F4F54D9EBDC}"/>
               </a:ext>
             </a:extLst>
@@ -18765,6 +18719,114 @@
 </file>
 
 <file path=ppt/slides/slide3.xml><?xml version="1.0" encoding="utf-8"?>
+<p:sld xmlns:a="http://schemas.openxmlformats.org/drawingml/2006/main" xmlns:r="http://schemas.openxmlformats.org/officeDocument/2006/relationships" xmlns:p="http://schemas.openxmlformats.org/presentationml/2006/main">
+  <p:cSld>
+    <p:spTree>
+      <p:nvGrpSpPr>
+        <p:cNvPr id="1" name=""/>
+        <p:cNvGrpSpPr/>
+        <p:nvPr/>
+      </p:nvGrpSpPr>
+      <p:grpSpPr>
+        <a:xfrm>
+          <a:off x="0" y="0"/>
+          <a:ext cx="0" cy="0"/>
+          <a:chOff x="0" y="0"/>
+          <a:chExt cx="0" cy="0"/>
+        </a:xfrm>
+      </p:grpSpPr>
+      <p:sp>
+        <p:nvSpPr>
+          <p:cNvPr id="2" name="Titre 1">
+            <a:extLst>
+              <a:ext uri="{FF2B5EF4-FFF2-40B4-BE49-F238E27FC236}">
+                <a16:creationId xmlns:a16="http://schemas.microsoft.com/office/drawing/2014/main" id="{75206C84-6522-4FEE-A9A3-330077FE3E75}"/>
+              </a:ext>
+            </a:extLst>
+          </p:cNvPr>
+          <p:cNvSpPr>
+            <a:spLocks noGrp="1"/>
+          </p:cNvSpPr>
+          <p:nvPr>
+            <p:ph type="title"/>
+          </p:nvPr>
+        </p:nvSpPr>
+        <p:spPr/>
+        <p:txBody>
+          <a:bodyPr/>
+          <a:lstStyle/>
+          <a:p>
+            <a:r>
+              <a:rPr lang="fr-FR" dirty="0"/>
+              <a:t>PWM</a:t>
+            </a:r>
+            <a:endParaRPr lang="en-US" dirty="0"/>
+          </a:p>
+        </p:txBody>
+      </p:sp>
+      <p:pic>
+        <p:nvPicPr>
+          <p:cNvPr id="1026" name="Picture 2">
+            <a:extLst>
+              <a:ext uri="{FF2B5EF4-FFF2-40B4-BE49-F238E27FC236}">
+                <a16:creationId xmlns:a16="http://schemas.microsoft.com/office/drawing/2014/main" id="{7B48101F-8D68-4692-9BCD-3A298F6A0F20}"/>
+              </a:ext>
+            </a:extLst>
+          </p:cNvPr>
+          <p:cNvPicPr>
+            <a:picLocks noGrp="1" noChangeAspect="1" noChangeArrowheads="1"/>
+          </p:cNvPicPr>
+          <p:nvPr>
+            <p:ph idx="1"/>
+          </p:nvPr>
+        </p:nvPicPr>
+        <p:blipFill>
+          <a:blip r:embed="rId2">
+            <a:extLst>
+              <a:ext uri="{28A0092B-C50C-407E-A947-70E740481C1C}">
+                <a14:useLocalDpi xmlns:a14="http://schemas.microsoft.com/office/drawing/2010/main" val="0"/>
+              </a:ext>
+            </a:extLst>
+          </a:blip>
+          <a:srcRect/>
+          <a:stretch>
+            <a:fillRect/>
+          </a:stretch>
+        </p:blipFill>
+        <p:spPr bwMode="auto">
+          <a:xfrm>
+            <a:off x="2412328" y="1825625"/>
+            <a:ext cx="7367344" cy="4351338"/>
+          </a:xfrm>
+          <a:prstGeom prst="rect">
+            <a:avLst/>
+          </a:prstGeom>
+          <a:noFill/>
+          <a:extLst>
+            <a:ext uri="{909E8E84-426E-40DD-AFC4-6F175D3DCCD1}">
+              <a14:hiddenFill xmlns:a14="http://schemas.microsoft.com/office/drawing/2010/main">
+                <a:solidFill>
+                  <a:srgbClr val="FFFFFF"/>
+                </a:solidFill>
+              </a14:hiddenFill>
+            </a:ext>
+          </a:extLst>
+        </p:spPr>
+      </p:pic>
+    </p:spTree>
+    <p:extLst>
+      <p:ext uri="{BB962C8B-B14F-4D97-AF65-F5344CB8AC3E}">
+        <p14:creationId xmlns:p14="http://schemas.microsoft.com/office/powerpoint/2010/main" val="3812796145"/>
+      </p:ext>
+    </p:extLst>
+  </p:cSld>
+  <p:clrMapOvr>
+    <a:masterClrMapping/>
+  </p:clrMapOvr>
+</p:sld>
+</file>
+
+<file path=ppt/slides/slide4.xml><?xml version="1.0" encoding="utf-8"?>
 <p:sld xmlns:a="http://schemas.openxmlformats.org/drawingml/2006/main" xmlns:r="http://schemas.openxmlformats.org/officeDocument/2006/relationships" xmlns:p="http://schemas.openxmlformats.org/presentationml/2006/main">
   <p:cSld>
     <p:spTree>
@@ -19356,7 +19418,7 @@
 </p:sld>
 </file>
 
-<file path=ppt/slides/slide4.xml><?xml version="1.0" encoding="utf-8"?>
+<file path=ppt/slides/slide5.xml><?xml version="1.0" encoding="utf-8"?>
 <p:sld xmlns:a="http://schemas.openxmlformats.org/drawingml/2006/main" xmlns:r="http://schemas.openxmlformats.org/officeDocument/2006/relationships" xmlns:p="http://schemas.openxmlformats.org/presentationml/2006/main">
   <p:cSld>
     <p:spTree>
@@ -19422,7 +19484,7 @@
             <p:ph idx="1"/>
             <p:extLst>
               <p:ext uri="{D42A27DB-BD31-4B8C-83A1-F6EECF244321}">
-                <p14:modId xmlns:p14="http://schemas.microsoft.com/office/powerpoint/2010/main" val="555640812"/>
+                <p14:modId xmlns:p14="http://schemas.microsoft.com/office/powerpoint/2010/main" val="3471358877"/>
               </p:ext>
             </p:extLst>
           </p:nvPr>
@@ -19633,7 +19695,7 @@
                         <a:defRPr/>
                       </a:pPr>
                       <a:r>
-                        <a:rPr kumimoji="0" lang="en-US" sz="1800" b="0" i="0" u="none" strike="noStrike" kern="1200" cap="none" spc="0" normalizeH="0" baseline="0" noProof="0" dirty="0">
+                        <a:rPr kumimoji="0" lang="fr-FR" sz="1800" b="0" i="0" u="none" strike="noStrike" kern="1200" cap="none" spc="0" normalizeH="0" baseline="0" noProof="0" dirty="0">
                           <a:ln>
                             <a:noFill/>
                           </a:ln>
@@ -19647,8 +19709,22 @@
                           <a:ea typeface="+mn-ea"/>
                           <a:cs typeface="+mn-cs"/>
                         </a:rPr>
-                        <a:t>3</a:t>
+                        <a:t>5</a:t>
                       </a:r>
+                      <a:endParaRPr kumimoji="0" lang="en-US" sz="1800" b="0" i="0" u="none" strike="noStrike" kern="1200" cap="none" spc="0" normalizeH="0" baseline="0" noProof="0" dirty="0">
+                        <a:ln>
+                          <a:noFill/>
+                        </a:ln>
+                        <a:solidFill>
+                          <a:srgbClr val="FF0000"/>
+                        </a:solidFill>
+                        <a:effectLst/>
+                        <a:uLnTx/>
+                        <a:uFillTx/>
+                        <a:latin typeface="Calibri" panose="020F0502020204030204"/>
+                        <a:ea typeface="+mn-ea"/>
+                        <a:cs typeface="+mn-cs"/>
+                      </a:endParaRPr>
                     </a:p>
                   </a:txBody>
                   <a:tcPr/>
@@ -19752,7 +19828,7 @@
                         <a:defRPr/>
                       </a:pPr>
                       <a:r>
-                        <a:rPr kumimoji="0" lang="en-US" sz="1800" b="0" i="0" u="none" strike="noStrike" kern="1200" cap="none" spc="0" normalizeH="0" baseline="0" noProof="0" dirty="0">
+                        <a:rPr kumimoji="0" lang="fr-FR" sz="1800" b="0" i="0" u="none" strike="noStrike" kern="1200" cap="none" spc="0" normalizeH="0" baseline="0" noProof="0" dirty="0">
                           <a:ln>
                             <a:noFill/>
                           </a:ln>
@@ -19766,8 +19842,22 @@
                           <a:ea typeface="+mn-ea"/>
                           <a:cs typeface="+mn-cs"/>
                         </a:rPr>
-                        <a:t>4</a:t>
+                        <a:t>6</a:t>
                       </a:r>
+                      <a:endParaRPr kumimoji="0" lang="en-US" sz="1800" b="0" i="0" u="none" strike="noStrike" kern="1200" cap="none" spc="0" normalizeH="0" baseline="0" noProof="0" dirty="0">
+                        <a:ln>
+                          <a:noFill/>
+                        </a:ln>
+                        <a:solidFill>
+                          <a:srgbClr val="FF0000"/>
+                        </a:solidFill>
+                        <a:effectLst/>
+                        <a:uLnTx/>
+                        <a:uFillTx/>
+                        <a:latin typeface="+mn-lt"/>
+                        <a:ea typeface="+mn-ea"/>
+                        <a:cs typeface="+mn-cs"/>
+                      </a:endParaRPr>
                     </a:p>
                   </a:txBody>
                   <a:tcPr/>
@@ -19904,7 +19994,7 @@
                         <a:defRPr/>
                       </a:pPr>
                       <a:r>
-                        <a:rPr kumimoji="0" lang="en-US" sz="1800" b="0" i="0" u="none" strike="noStrike" kern="1200" cap="none" spc="0" normalizeH="0" baseline="0" noProof="0" dirty="0">
+                        <a:rPr kumimoji="0" lang="fr-FR" sz="1800" b="0" i="0" u="none" strike="noStrike" kern="1200" cap="none" spc="0" normalizeH="0" baseline="0" noProof="0" dirty="0">
                           <a:ln>
                             <a:noFill/>
                           </a:ln>
@@ -19918,8 +20008,22 @@
                           <a:ea typeface="+mn-ea"/>
                           <a:cs typeface="+mn-cs"/>
                         </a:rPr>
-                        <a:t>5</a:t>
+                        <a:t>7</a:t>
                       </a:r>
+                      <a:endParaRPr kumimoji="0" lang="en-US" sz="1800" b="0" i="0" u="none" strike="noStrike" kern="1200" cap="none" spc="0" normalizeH="0" baseline="0" noProof="0" dirty="0">
+                        <a:ln>
+                          <a:noFill/>
+                        </a:ln>
+                        <a:solidFill>
+                          <a:srgbClr val="FF0000"/>
+                        </a:solidFill>
+                        <a:effectLst/>
+                        <a:uLnTx/>
+                        <a:uFillTx/>
+                        <a:latin typeface="+mn-lt"/>
+                        <a:ea typeface="+mn-ea"/>
+                        <a:cs typeface="+mn-cs"/>
+                      </a:endParaRPr>
                     </a:p>
                   </a:txBody>
                   <a:tcPr/>
@@ -20056,7 +20160,7 @@
                         <a:defRPr/>
                       </a:pPr>
                       <a:r>
-                        <a:rPr kumimoji="0" lang="en-US" sz="1800" b="0" i="0" u="none" strike="noStrike" kern="1200" cap="none" spc="0" normalizeH="0" baseline="0" noProof="0" dirty="0">
+                        <a:rPr kumimoji="0" lang="fr-FR" sz="1800" b="0" i="0" u="none" strike="noStrike" kern="1200" cap="none" spc="0" normalizeH="0" baseline="0" noProof="0">
                           <a:ln>
                             <a:noFill/>
                           </a:ln>
@@ -20070,8 +20174,22 @@
                           <a:ea typeface="+mn-ea"/>
                           <a:cs typeface="+mn-cs"/>
                         </a:rPr>
-                        <a:t>6</a:t>
+                        <a:t>8</a:t>
                       </a:r>
+                      <a:endParaRPr kumimoji="0" lang="en-US" sz="1800" b="0" i="0" u="none" strike="noStrike" kern="1200" cap="none" spc="0" normalizeH="0" baseline="0" noProof="0" dirty="0">
+                        <a:ln>
+                          <a:noFill/>
+                        </a:ln>
+                        <a:solidFill>
+                          <a:srgbClr val="FF0000"/>
+                        </a:solidFill>
+                        <a:effectLst/>
+                        <a:uLnTx/>
+                        <a:uFillTx/>
+                        <a:latin typeface="+mn-lt"/>
+                        <a:ea typeface="+mn-ea"/>
+                        <a:cs typeface="+mn-cs"/>
+                      </a:endParaRPr>
                     </a:p>
                   </a:txBody>
                   <a:tcPr/>
@@ -20099,7 +20217,7 @@
 </p:sld>
 </file>
 
-<file path=ppt/slides/slide5.xml><?xml version="1.0" encoding="utf-8"?>
+<file path=ppt/slides/slide6.xml><?xml version="1.0" encoding="utf-8"?>
 <p:sld xmlns:a="http://schemas.openxmlformats.org/drawingml/2006/main" xmlns:r="http://schemas.openxmlformats.org/officeDocument/2006/relationships" xmlns:p="http://schemas.openxmlformats.org/presentationml/2006/main">
   <p:cSld>
     <p:spTree>
@@ -21420,264 +21538,6 @@
 </p:sld>
 </file>
 
-<file path=ppt/slides/slide6.xml><?xml version="1.0" encoding="utf-8"?>
-<p:sld xmlns:a="http://schemas.openxmlformats.org/drawingml/2006/main" xmlns:r="http://schemas.openxmlformats.org/officeDocument/2006/relationships" xmlns:p="http://schemas.openxmlformats.org/presentationml/2006/main">
-  <p:cSld>
-    <p:spTree>
-      <p:nvGrpSpPr>
-        <p:cNvPr id="1" name=""/>
-        <p:cNvGrpSpPr/>
-        <p:nvPr/>
-      </p:nvGrpSpPr>
-      <p:grpSpPr>
-        <a:xfrm>
-          <a:off x="0" y="0"/>
-          <a:ext cx="0" cy="0"/>
-          <a:chOff x="0" y="0"/>
-          <a:chExt cx="0" cy="0"/>
-        </a:xfrm>
-      </p:grpSpPr>
-      <p:sp>
-        <p:nvSpPr>
-          <p:cNvPr id="2" name="Titre 1">
-            <a:extLst>
-              <a:ext uri="{FF2B5EF4-FFF2-40B4-BE49-F238E27FC236}">
-                <a16:creationId xmlns:a16="http://schemas.microsoft.com/office/drawing/2014/main" id="{C3A54A01-5167-4086-A1BC-77733497AAAC}"/>
-              </a:ext>
-            </a:extLst>
-          </p:cNvPr>
-          <p:cNvSpPr>
-            <a:spLocks noGrp="1"/>
-          </p:cNvSpPr>
-          <p:nvPr>
-            <p:ph type="title"/>
-          </p:nvPr>
-        </p:nvSpPr>
-        <p:spPr/>
-        <p:txBody>
-          <a:bodyPr/>
-          <a:lstStyle/>
-          <a:p>
-            <a:pPr algn="ctr"/>
-            <a:r>
-              <a:rPr lang="en-US" dirty="0"/>
-              <a:t>Motors Rotation (2/2)</a:t>
-            </a:r>
-          </a:p>
-        </p:txBody>
-      </p:sp>
-      <p:sp>
-        <p:nvSpPr>
-          <p:cNvPr id="3" name="Espace réservé du contenu 2">
-            <a:extLst>
-              <a:ext uri="{FF2B5EF4-FFF2-40B4-BE49-F238E27FC236}">
-                <a16:creationId xmlns:a16="http://schemas.microsoft.com/office/drawing/2014/main" id="{81AD70D4-3C34-4229-95D1-25CD0E010131}"/>
-              </a:ext>
-            </a:extLst>
-          </p:cNvPr>
-          <p:cNvSpPr>
-            <a:spLocks noGrp="1"/>
-          </p:cNvSpPr>
-          <p:nvPr>
-            <p:ph idx="1"/>
-          </p:nvPr>
-        </p:nvSpPr>
-        <p:spPr/>
-        <p:txBody>
-          <a:bodyPr>
-            <a:normAutofit fontScale="40000" lnSpcReduction="20000"/>
-          </a:bodyPr>
-          <a:lstStyle/>
-          <a:p>
-            <a:r>
-              <a:rPr lang="en-US" dirty="0"/>
-              <a:t>Roll: left/right side tilt.</a:t>
-            </a:r>
-          </a:p>
-          <a:p>
-            <a:pPr lvl="1"/>
-            <a:r>
-              <a:rPr lang="en-US" dirty="0"/>
-              <a:t> + tilted side right, speed 2 Right, slow 2 Left</a:t>
-            </a:r>
-          </a:p>
-          <a:p>
-            <a:pPr lvl="1"/>
-            <a:r>
-              <a:rPr lang="en-US" dirty="0"/>
-              <a:t> - left, speed 2 Left, slow 2 Right</a:t>
-            </a:r>
-          </a:p>
-          <a:p>
-            <a:endParaRPr lang="en-US" dirty="0"/>
-          </a:p>
-          <a:p>
-            <a:r>
-              <a:rPr lang="en-US" dirty="0"/>
-              <a:t>Pitch: up/down tilt.</a:t>
-            </a:r>
-          </a:p>
-          <a:p>
-            <a:pPr lvl="1"/>
-            <a:r>
-              <a:rPr lang="en-US" dirty="0"/>
-              <a:t> + tilted skyward, speed 2 Front, slow 2 Rear</a:t>
-            </a:r>
-          </a:p>
-          <a:p>
-            <a:pPr lvl="1"/>
-            <a:r>
-              <a:rPr lang="en-US" dirty="0"/>
-              <a:t> - ground, speed 2 Rear, slow 2 Front</a:t>
-            </a:r>
-          </a:p>
-          <a:p>
-            <a:pPr lvl="1"/>
-            <a:endParaRPr lang="en-US" dirty="0"/>
-          </a:p>
-          <a:p>
-            <a:pPr lvl="1"/>
-            <a:endParaRPr lang="en-US" dirty="0"/>
-          </a:p>
-          <a:p>
-            <a:r>
-              <a:rPr lang="en-US" dirty="0"/>
-              <a:t>Yaw: rotation.</a:t>
-            </a:r>
-          </a:p>
-          <a:p>
-            <a:pPr lvl="1"/>
-            <a:r>
-              <a:rPr lang="en-US" dirty="0"/>
-              <a:t> + Clockwise, speed Front Left &amp; Rear Right, slow Front Right &amp; Rear Left</a:t>
-            </a:r>
-          </a:p>
-          <a:p>
-            <a:pPr lvl="1"/>
-            <a:r>
-              <a:rPr lang="en-US" dirty="0"/>
-              <a:t> - Counter clockwise, speed Front Right &amp; Rear Left, slow Front Left &amp; Rear Right</a:t>
-            </a:r>
-          </a:p>
-          <a:p>
-            <a:pPr lvl="1"/>
-            <a:endParaRPr lang="en-US" dirty="0"/>
-          </a:p>
-          <a:p>
-            <a:r>
-              <a:rPr lang="en-US" dirty="0"/>
-              <a:t>Mix result.</a:t>
-            </a:r>
-          </a:p>
-          <a:p>
-            <a:pPr marL="457200" lvl="1" indent="0">
-              <a:buNone/>
-            </a:pPr>
-            <a:r>
-              <a:rPr lang="en-US" dirty="0" err="1"/>
-              <a:t>ESC_command</a:t>
-            </a:r>
-            <a:r>
-              <a:rPr lang="en-US" dirty="0"/>
-              <a:t> = PID = measure - command </a:t>
-            </a:r>
-          </a:p>
-          <a:p>
-            <a:pPr marL="457200" lvl="1" indent="0">
-              <a:buNone/>
-            </a:pPr>
-            <a:r>
-              <a:rPr lang="en-US" dirty="0"/>
-              <a:t>#define PIDMIX(X,Y,Z) </a:t>
-            </a:r>
-            <a:r>
-              <a:rPr lang="en-US" dirty="0" err="1"/>
-              <a:t>ESC_command</a:t>
-            </a:r>
-            <a:r>
-              <a:rPr lang="en-US" dirty="0"/>
-              <a:t>[ROLL]*X + </a:t>
-            </a:r>
-            <a:r>
-              <a:rPr lang="en-US" dirty="0" err="1"/>
-              <a:t>ESC_command</a:t>
-            </a:r>
-            <a:r>
-              <a:rPr lang="en-US" dirty="0"/>
-              <a:t>[PITCH]*Y + </a:t>
-            </a:r>
-            <a:r>
-              <a:rPr lang="en-US" dirty="0" err="1"/>
-              <a:t>ESC_command</a:t>
-            </a:r>
-            <a:r>
-              <a:rPr lang="en-US" dirty="0"/>
-              <a:t>[YAW]*Z</a:t>
-            </a:r>
-          </a:p>
-          <a:p>
-            <a:pPr marL="457200" lvl="1" indent="0">
-              <a:buNone/>
-            </a:pPr>
-            <a:r>
-              <a:rPr lang="en-US" dirty="0"/>
-              <a:t> motor[0] = PIDMIX(-1,-1,-1); //Front Left Increase speed if ROLL PID &lt; 0 (drone too much tilted right, measure &lt;0) or Increase speed if PITCH PID &lt; 0 (drone too much tilted ground, measure &lt;0) or Increase speed if YAW PID &lt; 0 (drone too much Counter clockwise, measure &lt;0) </a:t>
-            </a:r>
-          </a:p>
-          <a:p>
-            <a:pPr marL="457200" lvl="1" indent="0">
-              <a:buNone/>
-            </a:pPr>
-            <a:r>
-              <a:rPr lang="en-US" dirty="0"/>
-              <a:t> motor[1] = PIDMIX(+1,-1,+1); //Front Right Increase speed if ROLL PID &gt; 0 (drone too much tilted left, measure &gt;0) or Increase speed if PITCH PID &lt; 0 (drone too much tilted ground, measure &lt;0) or Increase speed if YAW PID &gt; 0 (drone too much clockwise, measure &gt;0) </a:t>
-            </a:r>
-          </a:p>
-          <a:p>
-            <a:pPr marL="457200" lvl="1" indent="0">
-              <a:buNone/>
-            </a:pPr>
-            <a:r>
-              <a:rPr lang="en-US" dirty="0"/>
-              <a:t> motor[2] = PIDMIX(+1,+1,-1); //Rear Right Increase speed if ROLL PID &gt; 0 (drone too much tilted left, measure &gt;0) or Increase speed if PITCH PID &gt; 0 (drone too much tilted skyward, measure &gt;0) or Increase speed if YAW PID &lt; 0 (drone too much Counter clockwise, measure &lt;0) </a:t>
-            </a:r>
-          </a:p>
-          <a:p>
-            <a:pPr marL="457200" lvl="1" indent="0">
-              <a:buNone/>
-            </a:pPr>
-            <a:r>
-              <a:rPr lang="en-US" dirty="0"/>
-              <a:t> motor[3] = PIDMIX(-1,+1,+1); //Rear Left Increase speed if ROLL PID &lt; 0 (drone too much tilted right, measure &lt;0) or Increase speed if PITCH PID &gt; 0 (drone too much tilted skyward, measure &gt;0) or Increase speed if YAW PID &gt; 0 (drone too much clockwise, measure &gt;0) </a:t>
-            </a:r>
-          </a:p>
-          <a:p>
-            <a:pPr marL="457200" lvl="1" indent="0">
-              <a:buNone/>
-            </a:pPr>
-            <a:endParaRPr lang="en-US" dirty="0"/>
-          </a:p>
-          <a:p>
-            <a:pPr marL="457200" lvl="1" indent="0">
-              <a:buNone/>
-            </a:pPr>
-            <a:endParaRPr lang="en-US" dirty="0"/>
-          </a:p>
-        </p:txBody>
-      </p:sp>
-    </p:spTree>
-    <p:extLst>
-      <p:ext uri="{BB962C8B-B14F-4D97-AF65-F5344CB8AC3E}">
-        <p14:creationId xmlns:p14="http://schemas.microsoft.com/office/powerpoint/2010/main" val="2882794799"/>
-      </p:ext>
-    </p:extLst>
-  </p:cSld>
-  <p:clrMapOvr>
-    <a:masterClrMapping/>
-  </p:clrMapOvr>
-</p:sld>
-</file>
-
 <file path=ppt/slides/slide7.xml><?xml version="1.0" encoding="utf-8"?>
 <p:sld xmlns:a="http://schemas.openxmlformats.org/drawingml/2006/main" xmlns:r="http://schemas.openxmlformats.org/officeDocument/2006/relationships" xmlns:p="http://schemas.openxmlformats.org/presentationml/2006/main">
   <p:cSld>
@@ -21700,7 +21560,7 @@
           <p:cNvPr id="2" name="Titre 1">
             <a:extLst>
               <a:ext uri="{FF2B5EF4-FFF2-40B4-BE49-F238E27FC236}">
-                <a16:creationId xmlns:a16="http://schemas.microsoft.com/office/drawing/2014/main" id="{7D7887D6-7566-47C9-A25C-3F4F54D9EBDC}"/>
+                <a16:creationId xmlns:a16="http://schemas.microsoft.com/office/drawing/2014/main" id="{C3A54A01-5167-4086-A1BC-77733497AAAC}"/>
               </a:ext>
             </a:extLst>
           </p:cNvPr>
@@ -21716,17 +21576,10 @@
           <a:bodyPr/>
           <a:lstStyle/>
           <a:p>
-            <a:r>
-              <a:rPr lang="fr-FR" dirty="0"/>
-              <a:t>Drone </a:t>
-            </a:r>
-            <a:r>
-              <a:rPr lang="fr-FR" dirty="0" err="1"/>
-              <a:t>processing</a:t>
-            </a:r>
-            <a:r>
-              <a:rPr lang="fr-FR" dirty="0"/>
-              <a:t> (1/3)</a:t>
+            <a:pPr algn="ctr"/>
+            <a:r>
+              <a:rPr lang="en-US" dirty="0"/>
+              <a:t>Motors Rotation (2/2)</a:t>
             </a:r>
           </a:p>
         </p:txBody>
@@ -21736,7 +21589,7 @@
           <p:cNvPr id="3" name="Espace réservé du contenu 2">
             <a:extLst>
               <a:ext uri="{FF2B5EF4-FFF2-40B4-BE49-F238E27FC236}">
-                <a16:creationId xmlns:a16="http://schemas.microsoft.com/office/drawing/2014/main" id="{570C9186-32F7-45DB-A01D-E527B032981A}"/>
+                <a16:creationId xmlns:a16="http://schemas.microsoft.com/office/drawing/2014/main" id="{81AD70D4-3C34-4229-95D1-25CD0E010131}"/>
               </a:ext>
             </a:extLst>
           </p:cNvPr>
@@ -21747,43 +21600,91 @@
             <p:ph idx="1"/>
           </p:nvPr>
         </p:nvSpPr>
-        <p:spPr>
-          <a:xfrm>
-            <a:off x="838200" y="1478280"/>
-            <a:ext cx="10515600" cy="5273040"/>
-          </a:xfrm>
-        </p:spPr>
+        <p:spPr/>
         <p:txBody>
           <a:bodyPr>
-            <a:normAutofit fontScale="85000" lnSpcReduction="20000"/>
+            <a:normAutofit fontScale="40000" lnSpcReduction="20000"/>
           </a:bodyPr>
           <a:lstStyle/>
           <a:p>
             <a:r>
-              <a:rPr lang="en-US" sz="1300" dirty="0"/>
-              <a:t>This processing usually occurs every 20 </a:t>
-            </a:r>
-            <a:r>
-              <a:rPr lang="en-US" sz="1300" dirty="0" err="1"/>
-              <a:t>ms</a:t>
-            </a:r>
-            <a:r>
-              <a:rPr lang="en-US" sz="1300" dirty="0"/>
-              <a:t> (</a:t>
-            </a:r>
-            <a:r>
-              <a:rPr lang="en-US" sz="1300" dirty="0" err="1"/>
-              <a:t>samplePeriod</a:t>
-            </a:r>
-            <a:r>
-              <a:rPr lang="en-US" sz="1300" dirty="0"/>
-              <a:t>), any latency is logged.</a:t>
-            </a:r>
-          </a:p>
-          <a:p>
-            <a:r>
-              <a:rPr lang="en-US" sz="1300" dirty="0"/>
-              <a:t>RC Command</a:t>
+              <a:rPr lang="en-US" dirty="0"/>
+              <a:t>Roll: left/right side tilt.</a:t>
+            </a:r>
+          </a:p>
+          <a:p>
+            <a:pPr lvl="1"/>
+            <a:r>
+              <a:rPr lang="en-US" dirty="0"/>
+              <a:t> + tilted side right, speed 2 Right, slow 2 Left</a:t>
+            </a:r>
+          </a:p>
+          <a:p>
+            <a:pPr lvl="1"/>
+            <a:r>
+              <a:rPr lang="en-US" dirty="0"/>
+              <a:t> - left, speed 2 Left, slow 2 Right</a:t>
+            </a:r>
+          </a:p>
+          <a:p>
+            <a:endParaRPr lang="en-US" dirty="0"/>
+          </a:p>
+          <a:p>
+            <a:r>
+              <a:rPr lang="en-US" dirty="0"/>
+              <a:t>Pitch: up/down tilt.</a:t>
+            </a:r>
+          </a:p>
+          <a:p>
+            <a:pPr lvl="1"/>
+            <a:r>
+              <a:rPr lang="en-US" dirty="0"/>
+              <a:t> + tilted skyward, speed 2 Front, slow 2 Rear</a:t>
+            </a:r>
+          </a:p>
+          <a:p>
+            <a:pPr lvl="1"/>
+            <a:r>
+              <a:rPr lang="en-US" dirty="0"/>
+              <a:t> - ground, speed 2 Rear, slow 2 Front</a:t>
+            </a:r>
+          </a:p>
+          <a:p>
+            <a:pPr lvl="1"/>
+            <a:endParaRPr lang="en-US" dirty="0"/>
+          </a:p>
+          <a:p>
+            <a:pPr lvl="1"/>
+            <a:endParaRPr lang="en-US" dirty="0"/>
+          </a:p>
+          <a:p>
+            <a:r>
+              <a:rPr lang="en-US" dirty="0"/>
+              <a:t>Yaw: rotation.</a:t>
+            </a:r>
+          </a:p>
+          <a:p>
+            <a:pPr lvl="1"/>
+            <a:r>
+              <a:rPr lang="en-US" dirty="0"/>
+              <a:t> + Clockwise, speed Front Left &amp; Rear Right, slow Front Right &amp; Rear Left</a:t>
+            </a:r>
+          </a:p>
+          <a:p>
+            <a:pPr lvl="1"/>
+            <a:r>
+              <a:rPr lang="en-US" dirty="0"/>
+              <a:t> - Counter clockwise, speed Front Right &amp; Rear Left, slow Front Left &amp; Rear Right</a:t>
+            </a:r>
+          </a:p>
+          <a:p>
+            <a:pPr lvl="1"/>
+            <a:endParaRPr lang="en-US" dirty="0"/>
+          </a:p>
+          <a:p>
+            <a:r>
+              <a:rPr lang="en-US" dirty="0"/>
+              <a:t>Mix result.</a:t>
             </a:r>
           </a:p>
           <a:p>
@@ -21791,8 +21692,12 @@
               <a:buNone/>
             </a:pPr>
             <a:r>
-              <a:rPr lang="en-US" sz="1300" dirty="0"/>
-              <a:t>ROLL, PITCH: range [-45;+45] </a:t>
+              <a:rPr lang="en-US" dirty="0" err="1"/>
+              <a:t>ESC_command</a:t>
+            </a:r>
+            <a:r>
+              <a:rPr lang="en-US" dirty="0"/>
+              <a:t> = PID = measure - command </a:t>
             </a:r>
           </a:p>
           <a:p>
@@ -21800,8 +21705,32 @@
               <a:buNone/>
             </a:pPr>
             <a:r>
-              <a:rPr lang="en-US" sz="1300" dirty="0"/>
-              <a:t>YAW: range [-90;+90] </a:t>
+              <a:rPr lang="en-US" dirty="0"/>
+              <a:t>#define PIDMIX(X,Y,Z) </a:t>
+            </a:r>
+            <a:r>
+              <a:rPr lang="en-US" dirty="0" err="1"/>
+              <a:t>ESC_command</a:t>
+            </a:r>
+            <a:r>
+              <a:rPr lang="en-US" dirty="0"/>
+              <a:t>[ROLL]*X + </a:t>
+            </a:r>
+            <a:r>
+              <a:rPr lang="en-US" dirty="0" err="1"/>
+              <a:t>ESC_command</a:t>
+            </a:r>
+            <a:r>
+              <a:rPr lang="en-US" dirty="0"/>
+              <a:t>[PITCH]*Y + </a:t>
+            </a:r>
+            <a:r>
+              <a:rPr lang="en-US" dirty="0" err="1"/>
+              <a:t>ESC_command</a:t>
+            </a:r>
+            <a:r>
+              <a:rPr lang="en-US" dirty="0"/>
+              <a:t>[YAW]*Z</a:t>
             </a:r>
           </a:p>
           <a:p>
@@ -21809,12 +21738,8 @@
               <a:buNone/>
             </a:pPr>
             <a:r>
-              <a:rPr lang="en-US" sz="1300" dirty="0"/>
-              <a:t>THROTTLE:   0 if &lt; 1.1*MINPPM else value included in [1.1*MINPPM;MAXPPM] </a:t>
-            </a:r>
-            <a:r>
-              <a:rPr lang="fr-FR" sz="1300" dirty="0"/>
-              <a:t> </a:t>
+              <a:rPr lang="en-US" dirty="0"/>
+              <a:t> motor[0] = PIDMIX(-1,-1,-1); //Front Left Increase speed if ROLL PID &lt; 0 (drone too much tilted right, measure &lt;0) or Increase speed if PITCH PID &lt; 0 (drone too much tilted ground, measure &lt;0) or Increase speed if YAW PID &lt; 0 (drone too much Counter clockwise, measure &lt;0) </a:t>
             </a:r>
           </a:p>
           <a:p>
@@ -21822,24 +21747,8 @@
               <a:buNone/>
             </a:pPr>
             <a:r>
-              <a:rPr lang="fr-FR" sz="1300" dirty="0"/>
-              <a:t>AUX1:            0 </a:t>
-            </a:r>
-            <a:r>
-              <a:rPr lang="en-US" sz="1300" dirty="0"/>
-              <a:t>if &lt; 0.9*MAXPPM </a:t>
-            </a:r>
-            <a:r>
-              <a:rPr lang="fr-FR" sz="1300" dirty="0"/>
-              <a:t> </a:t>
-            </a:r>
-            <a:r>
-              <a:rPr lang="fr-FR" sz="1300" dirty="0" err="1"/>
-              <a:t>else</a:t>
-            </a:r>
-            <a:r>
-              <a:rPr lang="fr-FR" sz="1300" dirty="0"/>
-              <a:t> 1</a:t>
+              <a:rPr lang="en-US" dirty="0"/>
+              <a:t> motor[1] = PIDMIX(+1,-1,+1); //Front Right Increase speed if ROLL PID &gt; 0 (drone too much tilted left, measure &gt;0) or Increase speed if PITCH PID &lt; 0 (drone too much tilted ground, measure &lt;0) or Increase speed if YAW PID &gt; 0 (drone too much clockwise, measure &gt;0) </a:t>
             </a:r>
           </a:p>
           <a:p>
@@ -21847,32 +21756,8 @@
               <a:buNone/>
             </a:pPr>
             <a:r>
-              <a:rPr lang="fr-FR" sz="1300" dirty="0"/>
-              <a:t>AUX2:            0 </a:t>
-            </a:r>
-            <a:r>
-              <a:rPr lang="en-US" sz="1300" dirty="0"/>
-              <a:t>if &lt; 0,9* MAXPPMAUX2 </a:t>
-            </a:r>
-            <a:r>
-              <a:rPr lang="fr-FR" sz="1300" dirty="0" err="1"/>
-              <a:t>else</a:t>
-            </a:r>
-            <a:r>
-              <a:rPr lang="fr-FR" sz="1300" dirty="0"/>
-              <a:t> 1</a:t>
-            </a:r>
-          </a:p>
-          <a:p>
-            <a:pPr marL="0" indent="0">
-              <a:buNone/>
-            </a:pPr>
-            <a:endParaRPr lang="fr-FR" sz="1300" dirty="0"/>
-          </a:p>
-          <a:p>
-            <a:r>
-              <a:rPr lang="en-US" sz="1300" dirty="0"/>
-              <a:t>CMPS12</a:t>
+              <a:rPr lang="en-US" dirty="0"/>
+              <a:t> motor[2] = PIDMIX(+1,+1,-1); //Rear Right Increase speed if ROLL PID &gt; 0 (drone too much tilted left, measure &gt;0) or Increase speed if PITCH PID &gt; 0 (drone too much tilted skyward, measure &gt;0) or Increase speed if YAW PID &lt; 0 (drone too much Counter clockwise, measure &lt;0) </a:t>
             </a:r>
           </a:p>
           <a:p>
@@ -21880,221 +21765,28 @@
               <a:buNone/>
             </a:pPr>
             <a:r>
-              <a:rPr lang="en-US" sz="1300" dirty="0"/>
-              <a:t>ROLL, PITCH: range [-90;+90] </a:t>
+              <a:rPr lang="en-US" dirty="0"/>
+              <a:t> motor[3] = PIDMIX(-1,+1,+1); //Rear Left Increase speed if ROLL PID &lt; 0 (drone too much tilted right, measure &lt;0) or Increase speed if PITCH PID &gt; 0 (drone too much tilted skyward, measure &gt;0) or Increase speed if YAW PID &gt; 0 (drone too much clockwise, measure &gt;0) </a:t>
             </a:r>
           </a:p>
           <a:p>
             <a:pPr marL="457200" lvl="1" indent="0">
               <a:buNone/>
             </a:pPr>
-            <a:r>
-              <a:rPr lang="en-US" sz="1300" dirty="0"/>
-              <a:t>YAW:  range [0;+359] </a:t>
-            </a:r>
-          </a:p>
-          <a:p>
-            <a:pPr marL="0" indent="0">
-              <a:buNone/>
-            </a:pPr>
-            <a:endParaRPr lang="fr-FR" sz="1300" dirty="0"/>
-          </a:p>
-          <a:p>
-            <a:r>
-              <a:rPr lang="fr-FR" sz="1300" dirty="0"/>
-              <a:t>PID </a:t>
-            </a:r>
-            <a:r>
-              <a:rPr lang="fr-FR" sz="1300" dirty="0" err="1"/>
-              <a:t>computed</a:t>
-            </a:r>
-            <a:r>
-              <a:rPr lang="fr-FR" sz="1300" dirty="0"/>
-              <a:t> for Roll and Pitch </a:t>
-            </a:r>
-            <a:r>
-              <a:rPr lang="fr-FR" sz="1300" dirty="0" err="1"/>
-              <a:t>based</a:t>
-            </a:r>
-            <a:r>
-              <a:rPr lang="fr-FR" sz="1300" dirty="0"/>
-              <a:t> on RC Command vs CMPS12 </a:t>
-            </a:r>
-            <a:r>
-              <a:rPr lang="fr-FR" sz="1300" dirty="0" err="1"/>
-              <a:t>measures</a:t>
-            </a:r>
-            <a:endParaRPr lang="fr-FR" sz="1300" dirty="0"/>
+            <a:endParaRPr lang="en-US" dirty="0"/>
           </a:p>
           <a:p>
             <a:pPr marL="457200" lvl="1" indent="0">
               <a:buNone/>
             </a:pPr>
-            <a:r>
-              <a:rPr lang="da-DK" sz="1300" dirty="0"/>
-              <a:t>error =  measure - command</a:t>
-            </a:r>
-            <a:endParaRPr lang="nb-NO" sz="1300" dirty="0"/>
-          </a:p>
-          <a:p>
-            <a:pPr marL="457200" lvl="1" indent="0">
-              <a:buNone/>
-            </a:pPr>
-            <a:r>
-              <a:rPr lang="nb-NO" sz="1300" dirty="0"/>
-              <a:t>PID = (0.6*error) + (0.1*sum_error*sampleTime) + (0.3*delta_error/ sampleTime)</a:t>
-            </a:r>
-          </a:p>
-          <a:p>
-            <a:pPr marL="457200" lvl="1" indent="0">
-              <a:buNone/>
-            </a:pPr>
-            <a:r>
-              <a:rPr lang="nb-NO" sz="1300" dirty="0"/>
-              <a:t>NB:</a:t>
-            </a:r>
-          </a:p>
-          <a:p>
-            <a:pPr marL="1371600" lvl="2" indent="-457200">
-              <a:buFont typeface="+mj-lt"/>
-              <a:buAutoNum type="arabicPeriod"/>
-            </a:pPr>
-            <a:r>
-              <a:rPr lang="nb-NO" sz="1300" dirty="0"/>
-              <a:t>The Integral component is capped to 5</a:t>
-            </a:r>
-          </a:p>
-          <a:p>
-            <a:pPr marL="1371600" lvl="2" indent="-457200">
-              <a:buFont typeface="+mj-lt"/>
-              <a:buAutoNum type="arabicPeriod"/>
-            </a:pPr>
-            <a:r>
-              <a:rPr lang="en-US" sz="1300" dirty="0"/>
-              <a:t>Low pass filter cut frequency at 20 Hz for the Derivative component, cuts out the high frequency noise that can drive the controller </a:t>
-            </a:r>
-            <a:r>
-              <a:rPr lang="en-US" sz="1300" dirty="0" err="1"/>
-              <a:t>crasy</a:t>
-            </a:r>
-            <a:endParaRPr lang="en-US" sz="1300" dirty="0"/>
-          </a:p>
-          <a:p>
-            <a:pPr marL="1371600" lvl="2" indent="-457200">
-              <a:buFont typeface="+mj-lt"/>
-              <a:buAutoNum type="arabicPeriod"/>
-            </a:pPr>
-            <a:r>
-              <a:rPr lang="nb-NO" sz="1300" dirty="0"/>
-              <a:t>Initial Yaw (YawInit) is subtracted from Yaw and Yaw is converted from [</a:t>
-            </a:r>
-            <a:r>
-              <a:rPr lang="en-US" sz="1300" dirty="0"/>
-              <a:t>0;+359]  to range [-180;+180] </a:t>
-            </a:r>
-            <a:endParaRPr lang="nb-NO" sz="1300" dirty="0"/>
-          </a:p>
-          <a:p>
-            <a:pPr marL="0" indent="0">
-              <a:buNone/>
-            </a:pPr>
-            <a:endParaRPr lang="nb-NO" sz="1300" dirty="0"/>
-          </a:p>
-          <a:p>
-            <a:r>
-              <a:rPr lang="fr-FR" sz="1300" dirty="0"/>
-              <a:t>Call </a:t>
-            </a:r>
-            <a:r>
-              <a:rPr lang="fr-FR" sz="1300" dirty="0" err="1"/>
-              <a:t>MotorESC_RunMotors</a:t>
-            </a:r>
-            <a:endParaRPr lang="fr-FR" sz="1300" dirty="0"/>
-          </a:p>
-          <a:p>
-            <a:pPr marL="457200" lvl="1" indent="0">
-              <a:buNone/>
-            </a:pPr>
-            <a:r>
-              <a:rPr lang="en-US" sz="1300" dirty="0" err="1"/>
-              <a:t>ESC_command</a:t>
-            </a:r>
-            <a:r>
-              <a:rPr lang="en-US" sz="1300" dirty="0"/>
-              <a:t>[THROTTLE] = </a:t>
-            </a:r>
-            <a:r>
-              <a:rPr lang="en-US" sz="1300" dirty="0" err="1"/>
-              <a:t>RC_command</a:t>
-            </a:r>
-            <a:r>
-              <a:rPr lang="en-US" sz="1300" dirty="0"/>
-              <a:t> Throttle</a:t>
-            </a:r>
-          </a:p>
-          <a:p>
-            <a:pPr marL="457200" lvl="1" indent="0">
-              <a:buNone/>
-            </a:pPr>
-            <a:r>
-              <a:rPr lang="en-US" sz="1300" dirty="0" err="1"/>
-              <a:t>ESC_command</a:t>
-            </a:r>
-            <a:r>
-              <a:rPr lang="en-US" sz="1300" dirty="0"/>
-              <a:t>[ROLL]     = PID Roll</a:t>
-            </a:r>
-          </a:p>
-          <a:p>
-            <a:pPr marL="457200" lvl="1" indent="0">
-              <a:buNone/>
-            </a:pPr>
-            <a:r>
-              <a:rPr lang="en-US" sz="1300" dirty="0" err="1"/>
-              <a:t>ESC_command</a:t>
-            </a:r>
-            <a:r>
-              <a:rPr lang="en-US" sz="1300" dirty="0"/>
-              <a:t>[PITCH]    = PID Pitch</a:t>
-            </a:r>
-          </a:p>
-          <a:p>
-            <a:pPr marL="457200" lvl="1" indent="0">
-              <a:buNone/>
-            </a:pPr>
-            <a:r>
-              <a:rPr lang="en-US" sz="1300" dirty="0" err="1"/>
-              <a:t>ESC_command</a:t>
-            </a:r>
-            <a:r>
-              <a:rPr lang="en-US" sz="1300" dirty="0"/>
-              <a:t>[YAW]      =</a:t>
-            </a:r>
-            <a:r>
-              <a:rPr lang="en-US" sz="1300" b="1" dirty="0">
-                <a:solidFill>
-                  <a:srgbClr val="FF0000"/>
-                </a:solidFill>
-              </a:rPr>
-              <a:t> </a:t>
-            </a:r>
-            <a:r>
-              <a:rPr lang="en-US" sz="1300" dirty="0"/>
-              <a:t>PID Yaw</a:t>
-            </a:r>
-          </a:p>
-          <a:p>
-            <a:pPr marL="0" indent="0">
-              <a:buNone/>
-            </a:pPr>
-            <a:endParaRPr lang="fr-FR" sz="1800" dirty="0"/>
+            <a:endParaRPr lang="en-US" dirty="0"/>
           </a:p>
         </p:txBody>
       </p:sp>
     </p:spTree>
     <p:extLst>
       <p:ext uri="{BB962C8B-B14F-4D97-AF65-F5344CB8AC3E}">
-        <p14:creationId xmlns:p14="http://schemas.microsoft.com/office/powerpoint/2010/main" val="1215779965"/>
+        <p14:creationId xmlns:p14="http://schemas.microsoft.com/office/powerpoint/2010/main" val="2882794799"/>
       </p:ext>
     </p:extLst>
   </p:cSld>
@@ -22152,7 +21844,7 @@
             </a:r>
             <a:r>
               <a:rPr lang="fr-FR" dirty="0"/>
-              <a:t> (2/3)</a:t>
+              <a:t> (1/3)</a:t>
             </a:r>
           </a:p>
         </p:txBody>
@@ -22173,7 +21865,12 @@
             <p:ph idx="1"/>
           </p:nvPr>
         </p:nvSpPr>
-        <p:spPr/>
+        <p:spPr>
+          <a:xfrm>
+            <a:off x="838200" y="1478280"/>
+            <a:ext cx="10515600" cy="5273040"/>
+          </a:xfrm>
+        </p:spPr>
         <p:txBody>
           <a:bodyPr>
             <a:normAutofit fontScale="85000" lnSpcReduction="20000"/>
@@ -22181,84 +21878,119 @@
           <a:lstStyle/>
           <a:p>
             <a:r>
-              <a:rPr lang="fr-FR" dirty="0" err="1"/>
-              <a:t>MotorESC_RunMotors</a:t>
-            </a:r>
-            <a:endParaRPr lang="fr-FR" dirty="0"/>
+              <a:rPr lang="en-US" sz="1300" dirty="0"/>
+              <a:t>This processing usually occurs every 20 </a:t>
+            </a:r>
+            <a:r>
+              <a:rPr lang="en-US" sz="1300" dirty="0" err="1"/>
+              <a:t>ms</a:t>
+            </a:r>
+            <a:r>
+              <a:rPr lang="en-US" sz="1300" dirty="0"/>
+              <a:t> (</a:t>
+            </a:r>
+            <a:r>
+              <a:rPr lang="en-US" sz="1300" dirty="0" err="1"/>
+              <a:t>samplePeriod</a:t>
+            </a:r>
+            <a:r>
+              <a:rPr lang="en-US" sz="1300" dirty="0"/>
+              <a:t>), any latency is logged.</a:t>
+            </a:r>
+          </a:p>
+          <a:p>
+            <a:r>
+              <a:rPr lang="en-US" sz="1300" dirty="0"/>
+              <a:t>RC Command</a:t>
+            </a:r>
           </a:p>
           <a:p>
             <a:pPr marL="457200" lvl="1" indent="0">
               <a:buNone/>
             </a:pPr>
             <a:r>
-              <a:rPr lang="en-US" sz="1700" dirty="0"/>
-              <a:t>if </a:t>
-            </a:r>
-            <a:r>
-              <a:rPr lang="en-US" sz="1700" dirty="0" err="1"/>
-              <a:t>ESC_command</a:t>
-            </a:r>
-            <a:r>
-              <a:rPr lang="en-US" sz="1700" dirty="0"/>
-              <a:t>[THROTTLE] = 0 =&gt; Motors = MINPWM</a:t>
+              <a:rPr lang="en-US" sz="1300" dirty="0"/>
+              <a:t>ROLL, PITCH: range [-45;+45] </a:t>
             </a:r>
           </a:p>
           <a:p>
             <a:pPr marL="457200" lvl="1" indent="0">
               <a:buNone/>
             </a:pPr>
-            <a:endParaRPr lang="fr-FR" sz="1700" dirty="0"/>
+            <a:r>
+              <a:rPr lang="en-US" sz="1300" dirty="0"/>
+              <a:t>YAW: range [-90;+90] </a:t>
+            </a:r>
           </a:p>
           <a:p>
             <a:pPr marL="457200" lvl="1" indent="0">
               <a:buNone/>
             </a:pPr>
             <a:r>
-              <a:rPr lang="fr-FR" sz="1700" dirty="0" err="1"/>
-              <a:t>else</a:t>
-            </a:r>
-            <a:r>
-              <a:rPr lang="fr-FR" sz="1700" dirty="0"/>
-              <a:t>:</a:t>
+              <a:rPr lang="en-US" sz="1300" dirty="0"/>
+              <a:t>THROTTLE:   0 if &lt; 1.1*MINPPM else value included in [1.1*MINPPM;MAXPPM] </a:t>
+            </a:r>
+            <a:r>
+              <a:rPr lang="fr-FR" sz="1300" dirty="0"/>
+              <a:t> </a:t>
             </a:r>
           </a:p>
           <a:p>
             <a:pPr marL="457200" lvl="1" indent="0">
               <a:buNone/>
             </a:pPr>
-            <a:endParaRPr lang="fr-FR" sz="1700" dirty="0"/>
+            <a:r>
+              <a:rPr lang="fr-FR" sz="1300" dirty="0"/>
+              <a:t>AUX1:            0 </a:t>
+            </a:r>
+            <a:r>
+              <a:rPr lang="en-US" sz="1300" dirty="0"/>
+              <a:t>if &lt; 0.9*MAXPPM </a:t>
+            </a:r>
+            <a:r>
+              <a:rPr lang="fr-FR" sz="1300" dirty="0"/>
+              <a:t> </a:t>
+            </a:r>
+            <a:r>
+              <a:rPr lang="fr-FR" sz="1300" dirty="0" err="1"/>
+              <a:t>else</a:t>
+            </a:r>
+            <a:r>
+              <a:rPr lang="fr-FR" sz="1300" dirty="0"/>
+              <a:t> 1</a:t>
+            </a:r>
           </a:p>
           <a:p>
             <a:pPr marL="457200" lvl="1" indent="0">
               <a:buNone/>
             </a:pPr>
             <a:r>
-              <a:rPr lang="fr-FR" sz="1700" dirty="0"/>
-              <a:t>    </a:t>
-            </a:r>
-            <a:r>
-              <a:rPr lang="fr-FR" sz="1700" dirty="0" err="1"/>
-              <a:t>throttle</a:t>
-            </a:r>
-            <a:r>
-              <a:rPr lang="fr-FR" sz="1700" dirty="0"/>
-              <a:t> = </a:t>
-            </a:r>
-            <a:r>
-              <a:rPr lang="fr-FR" sz="1700" dirty="0" err="1"/>
-              <a:t>map</a:t>
-            </a:r>
-            <a:r>
-              <a:rPr lang="fr-FR" sz="1700" dirty="0"/>
-              <a:t>(</a:t>
-            </a:r>
-            <a:r>
-              <a:rPr lang="fr-FR" sz="1700" dirty="0" err="1"/>
-              <a:t>ESC_command</a:t>
-            </a:r>
-            <a:r>
-              <a:rPr lang="fr-FR" sz="1700" dirty="0"/>
-              <a:t>[THROTTLE], MINPPM, MAXPPM, MINPWM, MAXPWM);</a:t>
+              <a:rPr lang="fr-FR" sz="1300" dirty="0"/>
+              <a:t>AUX2:            0 </a:t>
+            </a:r>
+            <a:r>
+              <a:rPr lang="en-US" sz="1300" dirty="0"/>
+              <a:t>if &lt; 0,9* MAXPPMAUX2 </a:t>
+            </a:r>
+            <a:r>
+              <a:rPr lang="fr-FR" sz="1300" dirty="0" err="1"/>
+              <a:t>else</a:t>
+            </a:r>
+            <a:r>
+              <a:rPr lang="fr-FR" sz="1300" dirty="0"/>
+              <a:t> 1</a:t>
+            </a:r>
+          </a:p>
+          <a:p>
+            <a:pPr marL="0" indent="0">
+              <a:buNone/>
+            </a:pPr>
+            <a:endParaRPr lang="fr-FR" sz="1300" dirty="0"/>
+          </a:p>
+          <a:p>
+            <a:r>
+              <a:rPr lang="en-US" sz="1300" dirty="0"/>
+              <a:t>CMPS12</a:t>
             </a:r>
           </a:p>
           <a:p>
@@ -22266,143 +21998,156 @@
               <a:buNone/>
             </a:pPr>
             <a:r>
-              <a:rPr lang="fr-FR" sz="1700" dirty="0"/>
-              <a:t>    </a:t>
-            </a:r>
-            <a:r>
-              <a:rPr lang="fr-FR" sz="1700" dirty="0" err="1"/>
-              <a:t>throttle</a:t>
-            </a:r>
-            <a:r>
-              <a:rPr lang="fr-FR" sz="1700" dirty="0"/>
-              <a:t> = </a:t>
-            </a:r>
-            <a:r>
-              <a:rPr lang="fr-FR" sz="1700" dirty="0" err="1"/>
-              <a:t>constrain</a:t>
-            </a:r>
-            <a:r>
-              <a:rPr lang="fr-FR" sz="1700" dirty="0"/>
-              <a:t>(</a:t>
-            </a:r>
-            <a:r>
-              <a:rPr lang="fr-FR" sz="1700" dirty="0" err="1"/>
-              <a:t>throttle</a:t>
-            </a:r>
-            <a:r>
-              <a:rPr lang="fr-FR" sz="1700" dirty="0"/>
-              <a:t>, MINPWM, MAXPWMTHRO);  // to </a:t>
-            </a:r>
-            <a:r>
-              <a:rPr lang="fr-FR" sz="1700" dirty="0" err="1"/>
-              <a:t>give</a:t>
-            </a:r>
-            <a:r>
-              <a:rPr lang="fr-FR" sz="1700" dirty="0"/>
-              <a:t> room for PID ajustement</a:t>
+              <a:rPr lang="en-US" sz="1300" dirty="0"/>
+              <a:t>ROLL, PITCH: range [-90;+90] </a:t>
             </a:r>
           </a:p>
           <a:p>
             <a:pPr marL="457200" lvl="1" indent="0">
               <a:buNone/>
             </a:pPr>
-            <a:endParaRPr lang="fr-FR" sz="1700" dirty="0"/>
+            <a:r>
+              <a:rPr lang="en-US" sz="1300" dirty="0"/>
+              <a:t>YAW:  range [0;+359] </a:t>
+            </a:r>
+          </a:p>
+          <a:p>
+            <a:pPr marL="0" indent="0">
+              <a:buNone/>
+            </a:pPr>
+            <a:endParaRPr lang="fr-FR" sz="1300" dirty="0"/>
+          </a:p>
+          <a:p>
+            <a:r>
+              <a:rPr lang="fr-FR" sz="1300" dirty="0"/>
+              <a:t>PID </a:t>
+            </a:r>
+            <a:r>
+              <a:rPr lang="fr-FR" sz="1300" dirty="0" err="1"/>
+              <a:t>computed</a:t>
+            </a:r>
+            <a:r>
+              <a:rPr lang="fr-FR" sz="1300" dirty="0"/>
+              <a:t> for Roll and Pitch </a:t>
+            </a:r>
+            <a:r>
+              <a:rPr lang="fr-FR" sz="1300" dirty="0" err="1"/>
+              <a:t>based</a:t>
+            </a:r>
+            <a:r>
+              <a:rPr lang="fr-FR" sz="1300" dirty="0"/>
+              <a:t> on RC Command vs CMPS12 </a:t>
+            </a:r>
+            <a:r>
+              <a:rPr lang="fr-FR" sz="1300" dirty="0" err="1"/>
+              <a:t>measures</a:t>
+            </a:r>
+            <a:endParaRPr lang="fr-FR" sz="1300" dirty="0"/>
           </a:p>
           <a:p>
             <a:pPr marL="457200" lvl="1" indent="0">
               <a:buNone/>
             </a:pPr>
             <a:r>
-              <a:rPr lang="fr-FR" sz="1700" dirty="0"/>
-              <a:t>    PIDMIX(X,Y,Z) </a:t>
-            </a:r>
-            <a:r>
-              <a:rPr lang="fr-FR" sz="1700" dirty="0" err="1"/>
-              <a:t>ESC_command</a:t>
-            </a:r>
-            <a:r>
-              <a:rPr lang="fr-FR" sz="1700" dirty="0"/>
-              <a:t>[ROLL]*X + </a:t>
-            </a:r>
-            <a:r>
-              <a:rPr lang="fr-FR" sz="1700" dirty="0" err="1"/>
-              <a:t>ESC_command</a:t>
-            </a:r>
-            <a:r>
-              <a:rPr lang="fr-FR" sz="1700" dirty="0"/>
-              <a:t>[PITCH]*Y + </a:t>
-            </a:r>
-            <a:r>
-              <a:rPr lang="fr-FR" sz="1700" dirty="0" err="1"/>
-              <a:t>ESC_command</a:t>
-            </a:r>
-            <a:r>
-              <a:rPr lang="fr-FR" sz="1700" dirty="0"/>
-              <a:t>[YAW]*Z</a:t>
-            </a:r>
+              <a:rPr lang="da-DK" sz="1300" dirty="0"/>
+              <a:t>error =  measure - command</a:t>
+            </a:r>
+            <a:endParaRPr lang="nb-NO" sz="1300" dirty="0"/>
           </a:p>
           <a:p>
             <a:pPr marL="457200" lvl="1" indent="0">
               <a:buNone/>
             </a:pPr>
             <a:r>
-              <a:rPr lang="fr-FR" sz="1700" dirty="0"/>
-              <a:t>    </a:t>
-            </a:r>
-            <a:r>
-              <a:rPr lang="fr-FR" sz="1700" dirty="0" err="1"/>
-              <a:t>motor</a:t>
-            </a:r>
-            <a:r>
-              <a:rPr lang="fr-FR" sz="1700" dirty="0"/>
-              <a:t>[0] = PIDMIX(+1,-1,-1); //Front </a:t>
-            </a:r>
-            <a:r>
-              <a:rPr lang="fr-FR" sz="1700" dirty="0" err="1"/>
-              <a:t>Left</a:t>
-            </a:r>
-            <a:endParaRPr lang="fr-FR" sz="1700" dirty="0"/>
+              <a:rPr lang="nb-NO" sz="1300" dirty="0"/>
+              <a:t>PID = (0.6*error) + (0.1*sum_error*sampleTime) + (0.3*delta_error/ sampleTime)</a:t>
+            </a:r>
           </a:p>
           <a:p>
             <a:pPr marL="457200" lvl="1" indent="0">
               <a:buNone/>
             </a:pPr>
             <a:r>
-              <a:rPr lang="fr-FR" sz="1700" dirty="0"/>
-              <a:t>    </a:t>
-            </a:r>
-            <a:r>
-              <a:rPr lang="fr-FR" sz="1700" dirty="0" err="1"/>
-              <a:t>motor</a:t>
-            </a:r>
-            <a:r>
-              <a:rPr lang="fr-FR" sz="1700" dirty="0"/>
-              <a:t>[1] = PIDMIX(-1,-1,+1); //Front Right</a:t>
-            </a:r>
+              <a:rPr lang="nb-NO" sz="1300" dirty="0"/>
+              <a:t>NB:</a:t>
+            </a:r>
+          </a:p>
+          <a:p>
+            <a:pPr marL="1371600" lvl="2" indent="-457200">
+              <a:buFont typeface="+mj-lt"/>
+              <a:buAutoNum type="arabicPeriod"/>
+            </a:pPr>
+            <a:r>
+              <a:rPr lang="nb-NO" sz="1300" dirty="0"/>
+              <a:t>The Integral component is capped to 5</a:t>
+            </a:r>
+          </a:p>
+          <a:p>
+            <a:pPr marL="1371600" lvl="2" indent="-457200">
+              <a:buFont typeface="+mj-lt"/>
+              <a:buAutoNum type="arabicPeriod"/>
+            </a:pPr>
+            <a:r>
+              <a:rPr lang="en-US" sz="1300" dirty="0"/>
+              <a:t>Low pass filter cut frequency at 20 Hz for the Derivative component, cuts out the high frequency noise that can drive the controller </a:t>
+            </a:r>
+            <a:r>
+              <a:rPr lang="en-US" sz="1300" dirty="0" err="1"/>
+              <a:t>crasy</a:t>
+            </a:r>
+            <a:endParaRPr lang="en-US" sz="1300" dirty="0"/>
+          </a:p>
+          <a:p>
+            <a:pPr marL="1371600" lvl="2" indent="-457200">
+              <a:buFont typeface="+mj-lt"/>
+              <a:buAutoNum type="arabicPeriod"/>
+            </a:pPr>
+            <a:r>
+              <a:rPr lang="nb-NO" sz="1300" dirty="0"/>
+              <a:t>Initial Yaw (YawInit) is subtracted from Yaw and Yaw is converted from [</a:t>
+            </a:r>
+            <a:r>
+              <a:rPr lang="en-US" sz="1300" dirty="0"/>
+              <a:t>0;+359]  to range [-180;+180] </a:t>
+            </a:r>
+            <a:endParaRPr lang="nb-NO" sz="1300" dirty="0"/>
+          </a:p>
+          <a:p>
+            <a:pPr marL="0" indent="0">
+              <a:buNone/>
+            </a:pPr>
+            <a:endParaRPr lang="nb-NO" sz="1300" dirty="0"/>
+          </a:p>
+          <a:p>
+            <a:r>
+              <a:rPr lang="fr-FR" sz="1300" dirty="0"/>
+              <a:t>Call </a:t>
+            </a:r>
+            <a:r>
+              <a:rPr lang="fr-FR" sz="1300" dirty="0" err="1"/>
+              <a:t>MotorESC_RunMotors</a:t>
+            </a:r>
+            <a:endParaRPr lang="fr-FR" sz="1300" dirty="0"/>
           </a:p>
           <a:p>
             <a:pPr marL="457200" lvl="1" indent="0">
               <a:buNone/>
             </a:pPr>
             <a:r>
-              <a:rPr lang="fr-FR" sz="1700" dirty="0"/>
-              <a:t>    </a:t>
-            </a:r>
-            <a:r>
-              <a:rPr lang="fr-FR" sz="1700" dirty="0" err="1"/>
-              <a:t>motor</a:t>
-            </a:r>
-            <a:r>
-              <a:rPr lang="fr-FR" sz="1700" dirty="0"/>
-              <a:t>[2] = PIDMIX(-1,+1,-1); //</a:t>
-            </a:r>
-            <a:r>
-              <a:rPr lang="fr-FR" sz="1700" dirty="0" err="1"/>
-              <a:t>Rear</a:t>
-            </a:r>
-            <a:r>
-              <a:rPr lang="fr-FR" sz="1700" dirty="0"/>
-              <a:t> Right</a:t>
+              <a:rPr lang="en-US" sz="1300" dirty="0" err="1"/>
+              <a:t>ESC_command</a:t>
+            </a:r>
+            <a:r>
+              <a:rPr lang="en-US" sz="1300" dirty="0"/>
+              <a:t>[THROTTLE] = </a:t>
+            </a:r>
+            <a:r>
+              <a:rPr lang="en-US" sz="1300" dirty="0" err="1"/>
+              <a:t>RC_command</a:t>
+            </a:r>
+            <a:r>
+              <a:rPr lang="en-US" sz="1300" dirty="0"/>
+              <a:t> Throttle</a:t>
             </a:r>
           </a:p>
           <a:p>
@@ -22410,127 +22155,64 @@
               <a:buNone/>
             </a:pPr>
             <a:r>
-              <a:rPr lang="fr-FR" sz="1700" dirty="0"/>
-              <a:t>    </a:t>
-            </a:r>
-            <a:r>
-              <a:rPr lang="fr-FR" sz="1700" dirty="0" err="1"/>
-              <a:t>motor</a:t>
-            </a:r>
-            <a:r>
-              <a:rPr lang="fr-FR" sz="1700" dirty="0"/>
-              <a:t>[3] = PIDMIX(+1,+1,+1); //</a:t>
-            </a:r>
-            <a:r>
-              <a:rPr lang="fr-FR" sz="1700" dirty="0" err="1"/>
-              <a:t>Rear</a:t>
-            </a:r>
-            <a:r>
-              <a:rPr lang="fr-FR" sz="1700" dirty="0"/>
-              <a:t> </a:t>
-            </a:r>
-            <a:r>
-              <a:rPr lang="fr-FR" sz="1700" dirty="0" err="1"/>
-              <a:t>Left</a:t>
-            </a:r>
-            <a:endParaRPr lang="fr-FR" sz="1700" dirty="0"/>
+              <a:rPr lang="en-US" sz="1300" dirty="0" err="1"/>
+              <a:t>ESC_command</a:t>
+            </a:r>
+            <a:r>
+              <a:rPr lang="en-US" sz="1300" dirty="0"/>
+              <a:t>[ROLL]     = PID Roll</a:t>
+            </a:r>
           </a:p>
           <a:p>
             <a:pPr marL="457200" lvl="1" indent="0">
               <a:buNone/>
             </a:pPr>
-            <a:endParaRPr lang="fr-FR" sz="1700" dirty="0"/>
+            <a:r>
+              <a:rPr lang="en-US" sz="1300" dirty="0" err="1"/>
+              <a:t>ESC_command</a:t>
+            </a:r>
+            <a:r>
+              <a:rPr lang="en-US" sz="1300" dirty="0"/>
+              <a:t>[PITCH]    = PID Pitch</a:t>
+            </a:r>
           </a:p>
           <a:p>
             <a:pPr marL="457200" lvl="1" indent="0">
               <a:buNone/>
             </a:pPr>
             <a:r>
-              <a:rPr lang="fr-FR" sz="1700" dirty="0"/>
-              <a:t>    for(i=0; i&lt; NBMOTORS; i++) {</a:t>
-            </a:r>
-          </a:p>
-          <a:p>
-            <a:pPr marL="457200" lvl="1" indent="0">
+              <a:rPr lang="en-US" sz="1300" dirty="0" err="1"/>
+              <a:t>ESC_command</a:t>
+            </a:r>
+            <a:r>
+              <a:rPr lang="en-US" sz="1300" dirty="0"/>
+              <a:t>[YAW]      =</a:t>
+            </a:r>
+            <a:r>
+              <a:rPr lang="en-US" sz="1300" b="1" dirty="0">
+                <a:solidFill>
+                  <a:srgbClr val="FF0000"/>
+                </a:solidFill>
+              </a:rPr>
+              <a:t> </a:t>
+            </a:r>
+            <a:r>
+              <a:rPr lang="en-US" sz="1300" dirty="0"/>
+              <a:t>PID Yaw</a:t>
+            </a:r>
+          </a:p>
+          <a:p>
+            <a:pPr marL="0" indent="0">
               <a:buNone/>
             </a:pPr>
-            <a:r>
-              <a:rPr lang="fr-FR" sz="1700" dirty="0"/>
-              <a:t>       _</a:t>
-            </a:r>
-            <a:r>
-              <a:rPr lang="fr-FR" sz="1700" dirty="0" err="1"/>
-              <a:t>motor</a:t>
-            </a:r>
-            <a:r>
-              <a:rPr lang="fr-FR" sz="1700" dirty="0"/>
-              <a:t>[i] = </a:t>
-            </a:r>
-            <a:r>
-              <a:rPr lang="fr-FR" sz="1700" dirty="0" err="1"/>
-              <a:t>map</a:t>
-            </a:r>
-            <a:r>
-              <a:rPr lang="fr-FR" sz="1700" dirty="0"/>
-              <a:t>(_</a:t>
-            </a:r>
-            <a:r>
-              <a:rPr lang="fr-FR" sz="1700" dirty="0" err="1"/>
-              <a:t>motor</a:t>
-            </a:r>
-            <a:r>
-              <a:rPr lang="fr-FR" sz="1700" dirty="0"/>
-              <a:t>[i], -90, 90, -(MAXPWM-MINPWM)/2, (MAXPWM-MINPWM)/2);</a:t>
-            </a:r>
-          </a:p>
-          <a:p>
-            <a:pPr marL="457200" lvl="1" indent="0">
-              <a:buNone/>
-            </a:pPr>
-            <a:r>
-              <a:rPr lang="fr-FR" sz="1700" dirty="0"/>
-              <a:t>       _</a:t>
-            </a:r>
-            <a:r>
-              <a:rPr lang="fr-FR" sz="1700" dirty="0" err="1"/>
-              <a:t>motor</a:t>
-            </a:r>
-            <a:r>
-              <a:rPr lang="fr-FR" sz="1700" dirty="0"/>
-              <a:t>[i] = _</a:t>
-            </a:r>
-            <a:r>
-              <a:rPr lang="fr-FR" sz="1700" dirty="0" err="1"/>
-              <a:t>motor</a:t>
-            </a:r>
-            <a:r>
-              <a:rPr lang="fr-FR" sz="1700" dirty="0"/>
-              <a:t>[i] + </a:t>
-            </a:r>
-            <a:r>
-              <a:rPr lang="fr-FR" sz="1700" dirty="0" err="1"/>
-              <a:t>throttle</a:t>
-            </a:r>
-            <a:r>
-              <a:rPr lang="fr-FR" sz="1700" dirty="0"/>
-              <a:t>;</a:t>
-            </a:r>
-          </a:p>
-          <a:p>
-            <a:pPr marL="457200" lvl="1" indent="0">
-              <a:buNone/>
-            </a:pPr>
-            <a:r>
-              <a:rPr lang="fr-FR" sz="1700" dirty="0"/>
-              <a:t>}</a:t>
-            </a:r>
+            <a:endParaRPr lang="fr-FR" sz="1800" dirty="0"/>
           </a:p>
         </p:txBody>
       </p:sp>
     </p:spTree>
     <p:extLst>
       <p:ext uri="{BB962C8B-B14F-4D97-AF65-F5344CB8AC3E}">
-        <p14:creationId xmlns:p14="http://schemas.microsoft.com/office/powerpoint/2010/main" val="2221460608"/>
+        <p14:creationId xmlns:p14="http://schemas.microsoft.com/office/powerpoint/2010/main" val="1215779965"/>
       </p:ext>
     </p:extLst>
   </p:cSld>
@@ -22588,7 +22270,7 @@
             </a:r>
             <a:r>
               <a:rPr lang="fr-FR" dirty="0"/>
-              <a:t> (3/3)</a:t>
+              <a:t> (2/3)</a:t>
             </a:r>
           </a:p>
         </p:txBody>
@@ -22612,200 +22294,353 @@
         <p:spPr/>
         <p:txBody>
           <a:bodyPr>
-            <a:normAutofit/>
+            <a:normAutofit fontScale="85000" lnSpcReduction="20000"/>
           </a:bodyPr>
           <a:lstStyle/>
           <a:p>
-            <a:pPr>
-              <a:lnSpc>
-                <a:spcPct val="80000"/>
-              </a:lnSpc>
-            </a:pPr>
-            <a:r>
-              <a:rPr lang="fr-FR" sz="2400" dirty="0" err="1"/>
+            <a:r>
+              <a:rPr lang="fr-FR" dirty="0" err="1"/>
               <a:t>MotorESC_RunMotors</a:t>
             </a:r>
-            <a:r>
-              <a:rPr lang="fr-FR" sz="2400" dirty="0"/>
-              <a:t> (</a:t>
-            </a:r>
-            <a:r>
-              <a:rPr lang="fr-FR" sz="2400" dirty="0" err="1"/>
-              <a:t>continued</a:t>
-            </a:r>
-            <a:r>
-              <a:rPr lang="fr-FR" sz="2400" dirty="0"/>
-              <a:t>)</a:t>
-            </a:r>
+            <a:endParaRPr lang="fr-FR" dirty="0"/>
           </a:p>
           <a:p>
             <a:pPr marL="457200" lvl="1" indent="0">
               <a:buNone/>
             </a:pPr>
-            <a:endParaRPr lang="en-US" sz="1700" dirty="0"/>
+            <a:r>
+              <a:rPr lang="en-US" sz="1700" dirty="0"/>
+              <a:t>if </a:t>
+            </a:r>
+            <a:r>
+              <a:rPr lang="en-US" sz="1700" dirty="0" err="1"/>
+              <a:t>ESC_command</a:t>
+            </a:r>
+            <a:r>
+              <a:rPr lang="en-US" sz="1700" dirty="0"/>
+              <a:t>[THROTTLE] = 0 =&gt; Motors = MINPWM</a:t>
+            </a:r>
           </a:p>
           <a:p>
             <a:pPr marL="457200" lvl="1" indent="0">
               <a:buNone/>
             </a:pPr>
-            <a:r>
-              <a:rPr lang="fr-FR" sz="1700" dirty="0"/>
-              <a:t>For all </a:t>
-            </a:r>
-            <a:r>
-              <a:rPr lang="fr-FR" sz="1700" dirty="0" err="1"/>
-              <a:t>motors</a:t>
-            </a:r>
-            <a:r>
-              <a:rPr lang="fr-FR" sz="1700" dirty="0"/>
-              <a:t> c</a:t>
-            </a:r>
-            <a:r>
-              <a:rPr lang="en-US" sz="1700" dirty="0" err="1"/>
-              <a:t>ompute</a:t>
-            </a:r>
-            <a:r>
-              <a:rPr lang="en-US" sz="1700" dirty="0"/>
-              <a:t>:</a:t>
-            </a:r>
-          </a:p>
-          <a:p>
-            <a:pPr marL="914400" lvl="2" indent="0">
-              <a:buNone/>
-            </a:pPr>
-            <a:r>
-              <a:rPr lang="fr-FR" sz="1300" dirty="0" err="1"/>
-              <a:t>maxMotor</a:t>
-            </a:r>
-            <a:r>
-              <a:rPr lang="fr-FR" sz="1300" dirty="0"/>
-              <a:t> = max (</a:t>
-            </a:r>
-            <a:r>
-              <a:rPr lang="fr-FR" sz="1300" dirty="0" err="1"/>
-              <a:t>motor</a:t>
-            </a:r>
-            <a:r>
-              <a:rPr lang="fr-FR" sz="1300" dirty="0"/>
-              <a:t>[i]- MAXPWM )</a:t>
-            </a:r>
-          </a:p>
-          <a:p>
-            <a:pPr marL="914400" lvl="2" indent="0">
-              <a:buNone/>
-            </a:pPr>
-            <a:r>
-              <a:rPr lang="en-US" sz="1300" dirty="0" err="1"/>
-              <a:t>minMotor</a:t>
-            </a:r>
-            <a:r>
-              <a:rPr lang="en-US" sz="1300" dirty="0"/>
-              <a:t> </a:t>
-            </a:r>
-            <a:r>
-              <a:rPr lang="fr-FR" sz="1300" dirty="0"/>
-              <a:t>= max (MINPWM - _</a:t>
-            </a:r>
-            <a:r>
-              <a:rPr lang="fr-FR" sz="1300" dirty="0" err="1"/>
-              <a:t>motor</a:t>
-            </a:r>
-            <a:r>
-              <a:rPr lang="fr-FR" sz="1300" dirty="0"/>
-              <a:t>[i]) </a:t>
-            </a:r>
+            <a:endParaRPr lang="fr-FR" sz="1700" dirty="0"/>
           </a:p>
           <a:p>
             <a:pPr marL="457200" lvl="1" indent="0">
               <a:buNone/>
             </a:pPr>
-            <a:endParaRPr lang="en-US" sz="1700" dirty="0"/>
+            <a:r>
+              <a:rPr lang="fr-FR" sz="1700" dirty="0" err="1"/>
+              <a:t>else</a:t>
+            </a:r>
+            <a:r>
+              <a:rPr lang="fr-FR" sz="1700" dirty="0"/>
+              <a:t>:</a:t>
+            </a:r>
           </a:p>
           <a:p>
             <a:pPr marL="457200" lvl="1" indent="0">
               <a:buNone/>
             </a:pPr>
-            <a:r>
-              <a:rPr lang="en-US" sz="1700" dirty="0"/>
-              <a:t>If  </a:t>
-            </a:r>
-            <a:r>
-              <a:rPr lang="en-US" sz="1700" dirty="0" err="1"/>
-              <a:t>maxMotor</a:t>
-            </a:r>
-            <a:r>
-              <a:rPr lang="en-US" sz="1700" dirty="0"/>
-              <a:t> &gt;0, then Subtract </a:t>
-            </a:r>
-            <a:r>
-              <a:rPr lang="en-US" sz="1700" dirty="0" err="1"/>
-              <a:t>maxMotor</a:t>
-            </a:r>
-            <a:r>
-              <a:rPr lang="en-US" sz="1700" dirty="0"/>
-              <a:t> from all motors</a:t>
-            </a:r>
+            <a:endParaRPr lang="fr-FR" sz="1700" dirty="0"/>
           </a:p>
           <a:p>
             <a:pPr marL="457200" lvl="1" indent="0">
               <a:buNone/>
             </a:pPr>
-            <a:endParaRPr lang="en-US" sz="1700" dirty="0"/>
+            <a:r>
+              <a:rPr lang="fr-FR" sz="1700" dirty="0"/>
+              <a:t>    </a:t>
+            </a:r>
+            <a:r>
+              <a:rPr lang="fr-FR" sz="1700" dirty="0" err="1"/>
+              <a:t>throttle</a:t>
+            </a:r>
+            <a:r>
+              <a:rPr lang="fr-FR" sz="1700" dirty="0"/>
+              <a:t> = </a:t>
+            </a:r>
+            <a:r>
+              <a:rPr lang="fr-FR" sz="1700" dirty="0" err="1"/>
+              <a:t>map</a:t>
+            </a:r>
+            <a:r>
+              <a:rPr lang="fr-FR" sz="1700" dirty="0"/>
+              <a:t>(</a:t>
+            </a:r>
+            <a:r>
+              <a:rPr lang="fr-FR" sz="1700" dirty="0" err="1"/>
+              <a:t>ESC_command</a:t>
+            </a:r>
+            <a:r>
+              <a:rPr lang="fr-FR" sz="1700" dirty="0"/>
+              <a:t>[THROTTLE], MINPPM, MAXPPM, MINPWM, MAXPWM);</a:t>
+            </a:r>
           </a:p>
           <a:p>
             <a:pPr marL="457200" lvl="1" indent="0">
               <a:buNone/>
             </a:pPr>
             <a:r>
-              <a:rPr lang="en-US" sz="1700" dirty="0"/>
-              <a:t>If  </a:t>
-            </a:r>
-            <a:r>
-              <a:rPr lang="en-US" sz="1700" dirty="0" err="1"/>
-              <a:t>minMotor</a:t>
-            </a:r>
-            <a:r>
-              <a:rPr lang="en-US" sz="1700" dirty="0"/>
-              <a:t> &gt;0, then Add </a:t>
-            </a:r>
-            <a:r>
-              <a:rPr lang="en-US" sz="1700" dirty="0" err="1"/>
-              <a:t>minMotor</a:t>
-            </a:r>
-            <a:r>
-              <a:rPr lang="en-US" sz="1700" dirty="0"/>
-              <a:t> to all motors</a:t>
+              <a:rPr lang="fr-FR" sz="1700" dirty="0"/>
+              <a:t>    </a:t>
+            </a:r>
+            <a:r>
+              <a:rPr lang="fr-FR" sz="1700" dirty="0" err="1"/>
+              <a:t>throttle</a:t>
+            </a:r>
+            <a:r>
+              <a:rPr lang="fr-FR" sz="1700" dirty="0"/>
+              <a:t> = </a:t>
+            </a:r>
+            <a:r>
+              <a:rPr lang="fr-FR" sz="1700" dirty="0" err="1"/>
+              <a:t>constrain</a:t>
+            </a:r>
+            <a:r>
+              <a:rPr lang="fr-FR" sz="1700" dirty="0"/>
+              <a:t>(</a:t>
+            </a:r>
+            <a:r>
+              <a:rPr lang="fr-FR" sz="1700" dirty="0" err="1"/>
+              <a:t>throttle</a:t>
+            </a:r>
+            <a:r>
+              <a:rPr lang="fr-FR" sz="1700" dirty="0"/>
+              <a:t>, MINPWM, MAXPWMTHRO);  // to </a:t>
+            </a:r>
+            <a:r>
+              <a:rPr lang="fr-FR" sz="1700" dirty="0" err="1"/>
+              <a:t>give</a:t>
+            </a:r>
+            <a:r>
+              <a:rPr lang="fr-FR" sz="1700" dirty="0"/>
+              <a:t> room for PID ajustement</a:t>
             </a:r>
           </a:p>
           <a:p>
             <a:pPr marL="457200" lvl="1" indent="0">
               <a:buNone/>
             </a:pPr>
-            <a:endParaRPr lang="en-US" sz="1700" dirty="0"/>
+            <a:endParaRPr lang="fr-FR" sz="1700" dirty="0"/>
           </a:p>
           <a:p>
             <a:pPr marL="457200" lvl="1" indent="0">
               <a:buNone/>
             </a:pPr>
             <a:r>
-              <a:rPr lang="en-US" sz="1700" dirty="0"/>
-              <a:t> If  </a:t>
-            </a:r>
-            <a:r>
-              <a:rPr lang="en-US" sz="1700" dirty="0" err="1"/>
-              <a:t>maxMotor</a:t>
-            </a:r>
-            <a:r>
-              <a:rPr lang="en-US" sz="1700" dirty="0"/>
-              <a:t> &gt;0 or </a:t>
-            </a:r>
-            <a:r>
-              <a:rPr lang="en-US" sz="1700" dirty="0" err="1"/>
-              <a:t>minMotor</a:t>
-            </a:r>
-            <a:r>
-              <a:rPr lang="en-US" sz="1700" dirty="0"/>
-              <a:t> &gt;0 , then Cap all motors between MINPWM and MAXPWM</a:t>
+              <a:rPr lang="fr-FR" sz="1700" dirty="0"/>
+              <a:t>    PIDMIX(X,Y,Z) </a:t>
+            </a:r>
+            <a:r>
+              <a:rPr lang="fr-FR" sz="1700" dirty="0" err="1"/>
+              <a:t>ESC_command</a:t>
+            </a:r>
+            <a:r>
+              <a:rPr lang="fr-FR" sz="1700" dirty="0"/>
+              <a:t>[ROLL]*X + </a:t>
+            </a:r>
+            <a:r>
+              <a:rPr lang="fr-FR" sz="1700" dirty="0" err="1"/>
+              <a:t>ESC_command</a:t>
+            </a:r>
+            <a:r>
+              <a:rPr lang="fr-FR" sz="1700" dirty="0"/>
+              <a:t>[PITCH]*Y + </a:t>
+            </a:r>
+            <a:r>
+              <a:rPr lang="fr-FR" sz="1700" dirty="0" err="1"/>
+              <a:t>ESC_command</a:t>
+            </a:r>
+            <a:r>
+              <a:rPr lang="fr-FR" sz="1700" dirty="0"/>
+              <a:t>[YAW]*Z</a:t>
+            </a:r>
+          </a:p>
+          <a:p>
+            <a:pPr marL="457200" lvl="1" indent="0">
+              <a:buNone/>
+            </a:pPr>
+            <a:r>
+              <a:rPr lang="fr-FR" sz="1700" dirty="0"/>
+              <a:t>    </a:t>
+            </a:r>
+            <a:r>
+              <a:rPr lang="fr-FR" sz="1700" dirty="0" err="1"/>
+              <a:t>motor</a:t>
+            </a:r>
+            <a:r>
+              <a:rPr lang="fr-FR" sz="1700" dirty="0"/>
+              <a:t>[0] = PIDMIX(+1,-1,-1); //Front </a:t>
+            </a:r>
+            <a:r>
+              <a:rPr lang="fr-FR" sz="1700" dirty="0" err="1"/>
+              <a:t>Left</a:t>
+            </a:r>
+            <a:endParaRPr lang="fr-FR" sz="1700" dirty="0"/>
+          </a:p>
+          <a:p>
+            <a:pPr marL="457200" lvl="1" indent="0">
+              <a:buNone/>
+            </a:pPr>
+            <a:r>
+              <a:rPr lang="fr-FR" sz="1700" dirty="0"/>
+              <a:t>    </a:t>
+            </a:r>
+            <a:r>
+              <a:rPr lang="fr-FR" sz="1700" dirty="0" err="1"/>
+              <a:t>motor</a:t>
+            </a:r>
+            <a:r>
+              <a:rPr lang="fr-FR" sz="1700" dirty="0"/>
+              <a:t>[1] = PIDMIX(-1,-1,+1); //Front Right</a:t>
+            </a:r>
+          </a:p>
+          <a:p>
+            <a:pPr marL="457200" lvl="1" indent="0">
+              <a:buNone/>
+            </a:pPr>
+            <a:r>
+              <a:rPr lang="fr-FR" sz="1700" dirty="0"/>
+              <a:t>    </a:t>
+            </a:r>
+            <a:r>
+              <a:rPr lang="fr-FR" sz="1700" dirty="0" err="1"/>
+              <a:t>motor</a:t>
+            </a:r>
+            <a:r>
+              <a:rPr lang="fr-FR" sz="1700" dirty="0"/>
+              <a:t>[2] = PIDMIX(-1,+1,-1); //</a:t>
+            </a:r>
+            <a:r>
+              <a:rPr lang="fr-FR" sz="1700" dirty="0" err="1"/>
+              <a:t>Rear</a:t>
+            </a:r>
+            <a:r>
+              <a:rPr lang="fr-FR" sz="1700" dirty="0"/>
+              <a:t> Right</a:t>
+            </a:r>
+          </a:p>
+          <a:p>
+            <a:pPr marL="457200" lvl="1" indent="0">
+              <a:buNone/>
+            </a:pPr>
+            <a:r>
+              <a:rPr lang="fr-FR" sz="1700" dirty="0"/>
+              <a:t>    </a:t>
+            </a:r>
+            <a:r>
+              <a:rPr lang="fr-FR" sz="1700" dirty="0" err="1"/>
+              <a:t>motor</a:t>
+            </a:r>
+            <a:r>
+              <a:rPr lang="fr-FR" sz="1700" dirty="0"/>
+              <a:t>[3] = PIDMIX(+1,+1,+1); //</a:t>
+            </a:r>
+            <a:r>
+              <a:rPr lang="fr-FR" sz="1700" dirty="0" err="1"/>
+              <a:t>Rear</a:t>
+            </a:r>
+            <a:r>
+              <a:rPr lang="fr-FR" sz="1700" dirty="0"/>
+              <a:t> </a:t>
+            </a:r>
+            <a:r>
+              <a:rPr lang="fr-FR" sz="1700" dirty="0" err="1"/>
+              <a:t>Left</a:t>
+            </a:r>
+            <a:endParaRPr lang="fr-FR" sz="1700" dirty="0"/>
+          </a:p>
+          <a:p>
+            <a:pPr marL="457200" lvl="1" indent="0">
+              <a:buNone/>
+            </a:pPr>
+            <a:endParaRPr lang="fr-FR" sz="1700" dirty="0"/>
+          </a:p>
+          <a:p>
+            <a:pPr marL="457200" lvl="1" indent="0">
+              <a:buNone/>
+            </a:pPr>
+            <a:r>
+              <a:rPr lang="fr-FR" sz="1700" dirty="0"/>
+              <a:t>    for(i=0; i&lt; NBMOTORS; i++) {</a:t>
+            </a:r>
+          </a:p>
+          <a:p>
+            <a:pPr marL="457200" lvl="1" indent="0">
+              <a:buNone/>
+            </a:pPr>
+            <a:r>
+              <a:rPr lang="fr-FR" sz="1700" dirty="0"/>
+              <a:t>       _</a:t>
+            </a:r>
+            <a:r>
+              <a:rPr lang="fr-FR" sz="1700" dirty="0" err="1"/>
+              <a:t>motor</a:t>
+            </a:r>
+            <a:r>
+              <a:rPr lang="fr-FR" sz="1700" dirty="0"/>
+              <a:t>[i] = </a:t>
+            </a:r>
+            <a:r>
+              <a:rPr lang="fr-FR" sz="1700" dirty="0" err="1"/>
+              <a:t>map</a:t>
+            </a:r>
+            <a:r>
+              <a:rPr lang="fr-FR" sz="1700" dirty="0"/>
+              <a:t>(_</a:t>
+            </a:r>
+            <a:r>
+              <a:rPr lang="fr-FR" sz="1700" dirty="0" err="1"/>
+              <a:t>motor</a:t>
+            </a:r>
+            <a:r>
+              <a:rPr lang="fr-FR" sz="1700" dirty="0"/>
+              <a:t>[i], -90, 90, -(MAXPWM-MINPWM)/2, (MAXPWM-MINPWM)/2);</a:t>
+            </a:r>
+          </a:p>
+          <a:p>
+            <a:pPr marL="457200" lvl="1" indent="0">
+              <a:buNone/>
+            </a:pPr>
+            <a:r>
+              <a:rPr lang="fr-FR" sz="1700" dirty="0"/>
+              <a:t>       _</a:t>
+            </a:r>
+            <a:r>
+              <a:rPr lang="fr-FR" sz="1700" dirty="0" err="1"/>
+              <a:t>motor</a:t>
+            </a:r>
+            <a:r>
+              <a:rPr lang="fr-FR" sz="1700" dirty="0"/>
+              <a:t>[i] = _</a:t>
+            </a:r>
+            <a:r>
+              <a:rPr lang="fr-FR" sz="1700" dirty="0" err="1"/>
+              <a:t>motor</a:t>
+            </a:r>
+            <a:r>
+              <a:rPr lang="fr-FR" sz="1700" dirty="0"/>
+              <a:t>[i] + </a:t>
+            </a:r>
+            <a:r>
+              <a:rPr lang="fr-FR" sz="1700" dirty="0" err="1"/>
+              <a:t>throttle</a:t>
+            </a:r>
+            <a:r>
+              <a:rPr lang="fr-FR" sz="1700" dirty="0"/>
+              <a:t>;</a:t>
+            </a:r>
+          </a:p>
+          <a:p>
+            <a:pPr marL="457200" lvl="1" indent="0">
+              <a:buNone/>
+            </a:pPr>
+            <a:r>
+              <a:rPr lang="fr-FR" sz="1700" dirty="0"/>
+              <a:t>}</a:t>
             </a:r>
           </a:p>
         </p:txBody>
@@ -22813,7 +22648,7 @@
     </p:spTree>
     <p:extLst>
       <p:ext uri="{BB962C8B-B14F-4D97-AF65-F5344CB8AC3E}">
-        <p14:creationId xmlns:p14="http://schemas.microsoft.com/office/powerpoint/2010/main" val="562448934"/>
+        <p14:creationId xmlns:p14="http://schemas.microsoft.com/office/powerpoint/2010/main" val="2221460608"/>
       </p:ext>
     </p:extLst>
   </p:cSld>

--- a/libraries/Diagramm Drone.pptx
+++ b/libraries/Diagramm Drone.pptx
@@ -7,9 +7,9 @@
   <p:sldIdLst>
     <p:sldId id="259" r:id="rId2"/>
     <p:sldId id="261" r:id="rId3"/>
-    <p:sldId id="285" r:id="rId4"/>
-    <p:sldId id="262" r:id="rId5"/>
-    <p:sldId id="269" r:id="rId6"/>
+    <p:sldId id="262" r:id="rId4"/>
+    <p:sldId id="269" r:id="rId5"/>
+    <p:sldId id="285" r:id="rId6"/>
     <p:sldId id="272" r:id="rId7"/>
     <p:sldId id="273" r:id="rId8"/>
     <p:sldId id="270" r:id="rId9"/>
@@ -3731,7 +3731,7 @@
           <a:p>
             <a:fld id="{0717AEF8-1597-4679-8926-916E82E12B07}" type="datetimeFigureOut">
               <a:rPr lang="fr-FR" smtClean="0"/>
-              <a:t>22/09/2019</a:t>
+              <a:t>24/09/2019</a:t>
             </a:fld>
             <a:endParaRPr lang="fr-FR"/>
           </a:p>
@@ -3929,7 +3929,7 @@
           <a:p>
             <a:fld id="{0717AEF8-1597-4679-8926-916E82E12B07}" type="datetimeFigureOut">
               <a:rPr lang="fr-FR" smtClean="0"/>
-              <a:t>22/09/2019</a:t>
+              <a:t>24/09/2019</a:t>
             </a:fld>
             <a:endParaRPr lang="fr-FR"/>
           </a:p>
@@ -4137,7 +4137,7 @@
           <a:p>
             <a:fld id="{0717AEF8-1597-4679-8926-916E82E12B07}" type="datetimeFigureOut">
               <a:rPr lang="fr-FR" smtClean="0"/>
-              <a:t>22/09/2019</a:t>
+              <a:t>24/09/2019</a:t>
             </a:fld>
             <a:endParaRPr lang="fr-FR"/>
           </a:p>
@@ -4335,7 +4335,7 @@
           <a:p>
             <a:fld id="{0717AEF8-1597-4679-8926-916E82E12B07}" type="datetimeFigureOut">
               <a:rPr lang="fr-FR" smtClean="0"/>
-              <a:t>22/09/2019</a:t>
+              <a:t>24/09/2019</a:t>
             </a:fld>
             <a:endParaRPr lang="fr-FR"/>
           </a:p>
@@ -4610,7 +4610,7 @@
           <a:p>
             <a:fld id="{0717AEF8-1597-4679-8926-916E82E12B07}" type="datetimeFigureOut">
               <a:rPr lang="fr-FR" smtClean="0"/>
-              <a:t>22/09/2019</a:t>
+              <a:t>24/09/2019</a:t>
             </a:fld>
             <a:endParaRPr lang="fr-FR"/>
           </a:p>
@@ -4875,7 +4875,7 @@
           <a:p>
             <a:fld id="{0717AEF8-1597-4679-8926-916E82E12B07}" type="datetimeFigureOut">
               <a:rPr lang="fr-FR" smtClean="0"/>
-              <a:t>22/09/2019</a:t>
+              <a:t>24/09/2019</a:t>
             </a:fld>
             <a:endParaRPr lang="fr-FR"/>
           </a:p>
@@ -5287,7 +5287,7 @@
           <a:p>
             <a:fld id="{0717AEF8-1597-4679-8926-916E82E12B07}" type="datetimeFigureOut">
               <a:rPr lang="fr-FR" smtClean="0"/>
-              <a:t>22/09/2019</a:t>
+              <a:t>24/09/2019</a:t>
             </a:fld>
             <a:endParaRPr lang="fr-FR"/>
           </a:p>
@@ -5428,7 +5428,7 @@
           <a:p>
             <a:fld id="{0717AEF8-1597-4679-8926-916E82E12B07}" type="datetimeFigureOut">
               <a:rPr lang="fr-FR" smtClean="0"/>
-              <a:t>22/09/2019</a:t>
+              <a:t>24/09/2019</a:t>
             </a:fld>
             <a:endParaRPr lang="fr-FR"/>
           </a:p>
@@ -5541,7 +5541,7 @@
           <a:p>
             <a:fld id="{0717AEF8-1597-4679-8926-916E82E12B07}" type="datetimeFigureOut">
               <a:rPr lang="fr-FR" smtClean="0"/>
-              <a:t>22/09/2019</a:t>
+              <a:t>24/09/2019</a:t>
             </a:fld>
             <a:endParaRPr lang="fr-FR"/>
           </a:p>
@@ -5852,7 +5852,7 @@
           <a:p>
             <a:fld id="{0717AEF8-1597-4679-8926-916E82E12B07}" type="datetimeFigureOut">
               <a:rPr lang="fr-FR" smtClean="0"/>
-              <a:t>22/09/2019</a:t>
+              <a:t>24/09/2019</a:t>
             </a:fld>
             <a:endParaRPr lang="fr-FR"/>
           </a:p>
@@ -6140,7 +6140,7 @@
           <a:p>
             <a:fld id="{0717AEF8-1597-4679-8926-916E82E12B07}" type="datetimeFigureOut">
               <a:rPr lang="fr-FR" smtClean="0"/>
-              <a:t>22/09/2019</a:t>
+              <a:t>24/09/2019</a:t>
             </a:fld>
             <a:endParaRPr lang="fr-FR"/>
           </a:p>
@@ -6381,7 +6381,7 @@
           <a:p>
             <a:fld id="{0717AEF8-1597-4679-8926-916E82E12B07}" type="datetimeFigureOut">
               <a:rPr lang="fr-FR" smtClean="0"/>
-              <a:t>22/09/2019</a:t>
+              <a:t>24/09/2019</a:t>
             </a:fld>
             <a:endParaRPr lang="fr-FR"/>
           </a:p>
@@ -17047,14 +17047,14 @@
             <p:ph idx="1"/>
             <p:extLst>
               <p:ext uri="{D42A27DB-BD31-4B8C-83A1-F6EECF244321}">
-                <p14:modId xmlns:p14="http://schemas.microsoft.com/office/powerpoint/2010/main" val="1536901833"/>
+                <p14:modId xmlns:p14="http://schemas.microsoft.com/office/powerpoint/2010/main" val="3425735376"/>
               </p:ext>
             </p:extLst>
           </p:nvPr>
         </p:nvGraphicFramePr>
         <p:xfrm>
           <a:off x="897467" y="843380"/>
-          <a:ext cx="9562954" cy="5150226"/>
+          <a:ext cx="9562954" cy="5149194"/>
         </p:xfrm>
         <a:graphic>
           <a:graphicData uri="http://schemas.openxmlformats.org/drawingml/2006/table">
@@ -17661,42 +17661,7 @@
                       </a:pPr>
                       <a:r>
                         <a:rPr lang="en-US" noProof="0" dirty="0"/>
-                        <a:t>PWM pin 5 Timer 3* </a:t>
-                      </a:r>
-                    </a:p>
-                    <a:p>
-                      <a:pPr marL="0" marR="0" lvl="0" indent="0" algn="l" defTabSz="914400" rtl="0" eaLnBrk="1" fontAlgn="auto" latinLnBrk="0" hangingPunct="1">
-                        <a:lnSpc>
-                          <a:spcPct val="100000"/>
-                        </a:lnSpc>
-                        <a:spcBef>
-                          <a:spcPts val="0"/>
-                        </a:spcBef>
-                        <a:spcAft>
-                          <a:spcPts val="0"/>
-                        </a:spcAft>
-                        <a:buClrTx/>
-                        <a:buSzTx/>
-                        <a:buFontTx/>
-                        <a:buNone/>
-                        <a:tabLst/>
-                        <a:defRPr/>
-                      </a:pPr>
-                      <a:r>
-                        <a:rPr lang="en-US" noProof="0" dirty="0" err="1"/>
-                        <a:t>prescaler</a:t>
-                      </a:r>
-                      <a:r>
-                        <a:rPr lang="en-US" noProof="0" dirty="0"/>
-                        <a:t>=64 =&gt; </a:t>
-                      </a:r>
-                      <a:r>
-                        <a:rPr lang="en-US" noProof="0" dirty="0" err="1"/>
-                        <a:t>freq</a:t>
-                      </a:r>
-                      <a:r>
-                        <a:rPr lang="en-US" noProof="0" dirty="0"/>
-                        <a:t> PWM 490 Hz</a:t>
+                        <a:t>PWM using servo lib</a:t>
                       </a:r>
                     </a:p>
                   </a:txBody>
@@ -17815,50 +17780,7 @@
                       </a:pPr>
                       <a:r>
                         <a:rPr lang="en-US" noProof="0" dirty="0"/>
-                        <a:t>PWM pin</a:t>
-                      </a:r>
-                      <a:r>
-                        <a:rPr lang="en-US" baseline="0" noProof="0" dirty="0"/>
-                        <a:t> 6 </a:t>
-                      </a:r>
-                      <a:r>
-                        <a:rPr lang="en-US" noProof="0" dirty="0"/>
-                        <a:t>Timer 4</a:t>
-                      </a:r>
-                    </a:p>
-                    <a:p>
-                      <a:pPr marL="0" marR="0" lvl="0" indent="0" algn="l" defTabSz="914400" rtl="0" eaLnBrk="1" fontAlgn="auto" latinLnBrk="0" hangingPunct="1">
-                        <a:lnSpc>
-                          <a:spcPct val="100000"/>
-                        </a:lnSpc>
-                        <a:spcBef>
-                          <a:spcPts val="0"/>
-                        </a:spcBef>
-                        <a:spcAft>
-                          <a:spcPts val="0"/>
-                        </a:spcAft>
-                        <a:buClrTx/>
-                        <a:buSzTx/>
-                        <a:buFontTx/>
-                        <a:buNone/>
-                        <a:tabLst/>
-                        <a:defRPr/>
-                      </a:pPr>
-                      <a:r>
-                        <a:rPr lang="en-US" noProof="0" dirty="0" err="1"/>
-                        <a:t>prescaler</a:t>
-                      </a:r>
-                      <a:r>
-                        <a:rPr lang="en-US" noProof="0" dirty="0"/>
-                        <a:t>=64 =&gt; </a:t>
-                      </a:r>
-                      <a:r>
-                        <a:rPr lang="en-US" noProof="0" dirty="0" err="1"/>
-                        <a:t>freq</a:t>
-                      </a:r>
-                      <a:r>
-                        <a:rPr lang="en-US" noProof="0" dirty="0"/>
-                        <a:t> PWM 490 Hz</a:t>
+                        <a:t>PWM using servo lib</a:t>
                       </a:r>
                     </a:p>
                   </a:txBody>
@@ -17977,42 +17899,7 @@
                       </a:pPr>
                       <a:r>
                         <a:rPr lang="en-US" noProof="0" dirty="0"/>
-                        <a:t>PWM pin 7 Timer 4</a:t>
-                      </a:r>
-                    </a:p>
-                    <a:p>
-                      <a:pPr marL="0" marR="0" lvl="0" indent="0" algn="l" defTabSz="914400" rtl="0" eaLnBrk="1" fontAlgn="auto" latinLnBrk="0" hangingPunct="1">
-                        <a:lnSpc>
-                          <a:spcPct val="100000"/>
-                        </a:lnSpc>
-                        <a:spcBef>
-                          <a:spcPts val="0"/>
-                        </a:spcBef>
-                        <a:spcAft>
-                          <a:spcPts val="0"/>
-                        </a:spcAft>
-                        <a:buClrTx/>
-                        <a:buSzTx/>
-                        <a:buFontTx/>
-                        <a:buNone/>
-                        <a:tabLst/>
-                        <a:defRPr/>
-                      </a:pPr>
-                      <a:r>
-                        <a:rPr lang="en-US" noProof="0" dirty="0" err="1"/>
-                        <a:t>prescaler</a:t>
-                      </a:r>
-                      <a:r>
-                        <a:rPr lang="en-US" noProof="0" dirty="0"/>
-                        <a:t>=64 =&gt; </a:t>
-                      </a:r>
-                      <a:r>
-                        <a:rPr lang="en-US" noProof="0" dirty="0" err="1"/>
-                        <a:t>freq</a:t>
-                      </a:r>
-                      <a:r>
-                        <a:rPr lang="en-US" noProof="0" dirty="0"/>
-                        <a:t> PWM 490 Hz</a:t>
+                        <a:t>PWM using servo lib</a:t>
                       </a:r>
                     </a:p>
                   </a:txBody>
@@ -18131,42 +18018,7 @@
                       </a:pPr>
                       <a:r>
                         <a:rPr lang="en-US" noProof="0" dirty="0"/>
-                        <a:t>PWM pin 8 Timer 4</a:t>
-                      </a:r>
-                    </a:p>
-                    <a:p>
-                      <a:pPr marL="0" marR="0" lvl="0" indent="0" algn="l" defTabSz="914400" rtl="0" eaLnBrk="1" fontAlgn="auto" latinLnBrk="0" hangingPunct="1">
-                        <a:lnSpc>
-                          <a:spcPct val="100000"/>
-                        </a:lnSpc>
-                        <a:spcBef>
-                          <a:spcPts val="0"/>
-                        </a:spcBef>
-                        <a:spcAft>
-                          <a:spcPts val="0"/>
-                        </a:spcAft>
-                        <a:buClrTx/>
-                        <a:buSzTx/>
-                        <a:buFontTx/>
-                        <a:buNone/>
-                        <a:tabLst/>
-                        <a:defRPr/>
-                      </a:pPr>
-                      <a:r>
-                        <a:rPr lang="en-US" noProof="0" dirty="0" err="1"/>
-                        <a:t>prescaler</a:t>
-                      </a:r>
-                      <a:r>
-                        <a:rPr lang="en-US" noProof="0" dirty="0"/>
-                        <a:t>=64 =&gt; </a:t>
-                      </a:r>
-                      <a:r>
-                        <a:rPr lang="en-US" noProof="0" dirty="0" err="1"/>
-                        <a:t>freq</a:t>
-                      </a:r>
-                      <a:r>
-                        <a:rPr lang="en-US" noProof="0" dirty="0"/>
-                        <a:t> PWM 490 Hz</a:t>
+                        <a:t>PWM using servo lib</a:t>
                       </a:r>
                     </a:p>
                   </a:txBody>
@@ -18182,49 +18034,6 @@
           </a:graphicData>
         </a:graphic>
       </p:graphicFrame>
-      <p:sp>
-        <p:nvSpPr>
-          <p:cNvPr id="3" name="ZoneTexte 2">
-            <a:extLst>
-              <a:ext uri="{FF2B5EF4-FFF2-40B4-BE49-F238E27FC236}">
-                <a16:creationId xmlns:a16="http://schemas.microsoft.com/office/drawing/2014/main" id="{AB3E04CB-0F5A-4DF6-B967-A7A48EA9B462}"/>
-              </a:ext>
-            </a:extLst>
-          </p:cNvPr>
-          <p:cNvSpPr txBox="1"/>
-          <p:nvPr/>
-        </p:nvSpPr>
-        <p:spPr>
-          <a:xfrm flipH="1">
-            <a:off x="1339498" y="6108970"/>
-            <a:ext cx="9253923" cy="369332"/>
-          </a:xfrm>
-          <a:prstGeom prst="rect">
-            <a:avLst/>
-          </a:prstGeom>
-          <a:noFill/>
-        </p:spPr>
-        <p:txBody>
-          <a:bodyPr wrap="square" rtlCol="0">
-            <a:spAutoFit/>
-          </a:bodyPr>
-          <a:lstStyle/>
-          <a:p>
-            <a:r>
-              <a:rPr lang="en-US" dirty="0"/>
-              <a:t>*Not use pin 4 as linked to Timer 0 which is already use for </a:t>
-            </a:r>
-            <a:r>
-              <a:rPr lang="en-US" dirty="0" err="1"/>
-              <a:t>millis</a:t>
-            </a:r>
-            <a:r>
-              <a:rPr lang="en-US" dirty="0"/>
-              <a:t>()</a:t>
-            </a:r>
-          </a:p>
-        </p:txBody>
-      </p:sp>
     </p:spTree>
     <p:extLst>
       <p:ext uri="{BB962C8B-B14F-4D97-AF65-F5344CB8AC3E}">
@@ -18719,114 +18528,6 @@
 </file>
 
 <file path=ppt/slides/slide3.xml><?xml version="1.0" encoding="utf-8"?>
-<p:sld xmlns:a="http://schemas.openxmlformats.org/drawingml/2006/main" xmlns:r="http://schemas.openxmlformats.org/officeDocument/2006/relationships" xmlns:p="http://schemas.openxmlformats.org/presentationml/2006/main">
-  <p:cSld>
-    <p:spTree>
-      <p:nvGrpSpPr>
-        <p:cNvPr id="1" name=""/>
-        <p:cNvGrpSpPr/>
-        <p:nvPr/>
-      </p:nvGrpSpPr>
-      <p:grpSpPr>
-        <a:xfrm>
-          <a:off x="0" y="0"/>
-          <a:ext cx="0" cy="0"/>
-          <a:chOff x="0" y="0"/>
-          <a:chExt cx="0" cy="0"/>
-        </a:xfrm>
-      </p:grpSpPr>
-      <p:sp>
-        <p:nvSpPr>
-          <p:cNvPr id="2" name="Titre 1">
-            <a:extLst>
-              <a:ext uri="{FF2B5EF4-FFF2-40B4-BE49-F238E27FC236}">
-                <a16:creationId xmlns:a16="http://schemas.microsoft.com/office/drawing/2014/main" id="{75206C84-6522-4FEE-A9A3-330077FE3E75}"/>
-              </a:ext>
-            </a:extLst>
-          </p:cNvPr>
-          <p:cNvSpPr>
-            <a:spLocks noGrp="1"/>
-          </p:cNvSpPr>
-          <p:nvPr>
-            <p:ph type="title"/>
-          </p:nvPr>
-        </p:nvSpPr>
-        <p:spPr/>
-        <p:txBody>
-          <a:bodyPr/>
-          <a:lstStyle/>
-          <a:p>
-            <a:r>
-              <a:rPr lang="fr-FR" dirty="0"/>
-              <a:t>PWM</a:t>
-            </a:r>
-            <a:endParaRPr lang="en-US" dirty="0"/>
-          </a:p>
-        </p:txBody>
-      </p:sp>
-      <p:pic>
-        <p:nvPicPr>
-          <p:cNvPr id="1026" name="Picture 2">
-            <a:extLst>
-              <a:ext uri="{FF2B5EF4-FFF2-40B4-BE49-F238E27FC236}">
-                <a16:creationId xmlns:a16="http://schemas.microsoft.com/office/drawing/2014/main" id="{7B48101F-8D68-4692-9BCD-3A298F6A0F20}"/>
-              </a:ext>
-            </a:extLst>
-          </p:cNvPr>
-          <p:cNvPicPr>
-            <a:picLocks noGrp="1" noChangeAspect="1" noChangeArrowheads="1"/>
-          </p:cNvPicPr>
-          <p:nvPr>
-            <p:ph idx="1"/>
-          </p:nvPr>
-        </p:nvPicPr>
-        <p:blipFill>
-          <a:blip r:embed="rId2">
-            <a:extLst>
-              <a:ext uri="{28A0092B-C50C-407E-A947-70E740481C1C}">
-                <a14:useLocalDpi xmlns:a14="http://schemas.microsoft.com/office/drawing/2010/main" val="0"/>
-              </a:ext>
-            </a:extLst>
-          </a:blip>
-          <a:srcRect/>
-          <a:stretch>
-            <a:fillRect/>
-          </a:stretch>
-        </p:blipFill>
-        <p:spPr bwMode="auto">
-          <a:xfrm>
-            <a:off x="2412328" y="1825625"/>
-            <a:ext cx="7367344" cy="4351338"/>
-          </a:xfrm>
-          <a:prstGeom prst="rect">
-            <a:avLst/>
-          </a:prstGeom>
-          <a:noFill/>
-          <a:extLst>
-            <a:ext uri="{909E8E84-426E-40DD-AFC4-6F175D3DCCD1}">
-              <a14:hiddenFill xmlns:a14="http://schemas.microsoft.com/office/drawing/2010/main">
-                <a:solidFill>
-                  <a:srgbClr val="FFFFFF"/>
-                </a:solidFill>
-              </a14:hiddenFill>
-            </a:ext>
-          </a:extLst>
-        </p:spPr>
-      </p:pic>
-    </p:spTree>
-    <p:extLst>
-      <p:ext uri="{BB962C8B-B14F-4D97-AF65-F5344CB8AC3E}">
-        <p14:creationId xmlns:p14="http://schemas.microsoft.com/office/powerpoint/2010/main" val="3812796145"/>
-      </p:ext>
-    </p:extLst>
-  </p:cSld>
-  <p:clrMapOvr>
-    <a:masterClrMapping/>
-  </p:clrMapOvr>
-</p:sld>
-</file>
-
-<file path=ppt/slides/slide4.xml><?xml version="1.0" encoding="utf-8"?>
 <p:sld xmlns:a="http://schemas.openxmlformats.org/drawingml/2006/main" xmlns:r="http://schemas.openxmlformats.org/officeDocument/2006/relationships" xmlns:p="http://schemas.openxmlformats.org/presentationml/2006/main">
   <p:cSld>
     <p:spTree>
@@ -19418,7 +19119,7 @@
 </p:sld>
 </file>
 
-<file path=ppt/slides/slide5.xml><?xml version="1.0" encoding="utf-8"?>
+<file path=ppt/slides/slide4.xml><?xml version="1.0" encoding="utf-8"?>
 <p:sld xmlns:a="http://schemas.openxmlformats.org/drawingml/2006/main" xmlns:r="http://schemas.openxmlformats.org/officeDocument/2006/relationships" xmlns:p="http://schemas.openxmlformats.org/presentationml/2006/main">
   <p:cSld>
     <p:spTree>
@@ -20217,6 +19918,114 @@
 </p:sld>
 </file>
 
+<file path=ppt/slides/slide5.xml><?xml version="1.0" encoding="utf-8"?>
+<p:sld xmlns:a="http://schemas.openxmlformats.org/drawingml/2006/main" xmlns:r="http://schemas.openxmlformats.org/officeDocument/2006/relationships" xmlns:p="http://schemas.openxmlformats.org/presentationml/2006/main">
+  <p:cSld>
+    <p:spTree>
+      <p:nvGrpSpPr>
+        <p:cNvPr id="1" name=""/>
+        <p:cNvGrpSpPr/>
+        <p:nvPr/>
+      </p:nvGrpSpPr>
+      <p:grpSpPr>
+        <a:xfrm>
+          <a:off x="0" y="0"/>
+          <a:ext cx="0" cy="0"/>
+          <a:chOff x="0" y="0"/>
+          <a:chExt cx="0" cy="0"/>
+        </a:xfrm>
+      </p:grpSpPr>
+      <p:sp>
+        <p:nvSpPr>
+          <p:cNvPr id="2" name="Titre 1">
+            <a:extLst>
+              <a:ext uri="{FF2B5EF4-FFF2-40B4-BE49-F238E27FC236}">
+                <a16:creationId xmlns:a16="http://schemas.microsoft.com/office/drawing/2014/main" id="{75206C84-6522-4FEE-A9A3-330077FE3E75}"/>
+              </a:ext>
+            </a:extLst>
+          </p:cNvPr>
+          <p:cNvSpPr>
+            <a:spLocks noGrp="1"/>
+          </p:cNvSpPr>
+          <p:nvPr>
+            <p:ph type="title"/>
+          </p:nvPr>
+        </p:nvSpPr>
+        <p:spPr/>
+        <p:txBody>
+          <a:bodyPr/>
+          <a:lstStyle/>
+          <a:p>
+            <a:r>
+              <a:rPr lang="fr-FR" dirty="0"/>
+              <a:t>PWM</a:t>
+            </a:r>
+            <a:endParaRPr lang="en-US" dirty="0"/>
+          </a:p>
+        </p:txBody>
+      </p:sp>
+      <p:pic>
+        <p:nvPicPr>
+          <p:cNvPr id="1026" name="Picture 2">
+            <a:extLst>
+              <a:ext uri="{FF2B5EF4-FFF2-40B4-BE49-F238E27FC236}">
+                <a16:creationId xmlns:a16="http://schemas.microsoft.com/office/drawing/2014/main" id="{7B48101F-8D68-4692-9BCD-3A298F6A0F20}"/>
+              </a:ext>
+            </a:extLst>
+          </p:cNvPr>
+          <p:cNvPicPr>
+            <a:picLocks noGrp="1" noChangeAspect="1" noChangeArrowheads="1"/>
+          </p:cNvPicPr>
+          <p:nvPr>
+            <p:ph idx="1"/>
+          </p:nvPr>
+        </p:nvPicPr>
+        <p:blipFill>
+          <a:blip r:embed="rId2">
+            <a:extLst>
+              <a:ext uri="{28A0092B-C50C-407E-A947-70E740481C1C}">
+                <a14:useLocalDpi xmlns:a14="http://schemas.microsoft.com/office/drawing/2010/main" val="0"/>
+              </a:ext>
+            </a:extLst>
+          </a:blip>
+          <a:srcRect/>
+          <a:stretch>
+            <a:fillRect/>
+          </a:stretch>
+        </p:blipFill>
+        <p:spPr bwMode="auto">
+          <a:xfrm>
+            <a:off x="2412328" y="1825625"/>
+            <a:ext cx="7367344" cy="4351338"/>
+          </a:xfrm>
+          <a:prstGeom prst="rect">
+            <a:avLst/>
+          </a:prstGeom>
+          <a:noFill/>
+          <a:extLst>
+            <a:ext uri="{909E8E84-426E-40DD-AFC4-6F175D3DCCD1}">
+              <a14:hiddenFill xmlns:a14="http://schemas.microsoft.com/office/drawing/2010/main">
+                <a:solidFill>
+                  <a:srgbClr val="FFFFFF"/>
+                </a:solidFill>
+              </a14:hiddenFill>
+            </a:ext>
+          </a:extLst>
+        </p:spPr>
+      </p:pic>
+    </p:spTree>
+    <p:extLst>
+      <p:ext uri="{BB962C8B-B14F-4D97-AF65-F5344CB8AC3E}">
+        <p14:creationId xmlns:p14="http://schemas.microsoft.com/office/powerpoint/2010/main" val="3812796145"/>
+      </p:ext>
+    </p:extLst>
+  </p:cSld>
+  <p:clrMapOvr>
+    <a:masterClrMapping/>
+  </p:clrMapOvr>
+</p:sld>
+</file>
+
 <file path=ppt/slides/slide6.xml><?xml version="1.0" encoding="utf-8"?>
 <p:sld xmlns:a="http://schemas.openxmlformats.org/drawingml/2006/main" xmlns:r="http://schemas.openxmlformats.org/officeDocument/2006/relationships" xmlns:p="http://schemas.openxmlformats.org/presentationml/2006/main">
   <p:cSld>
@@ -20254,6 +20063,9 @@
           <a:prstGeom prst="upArrow">
             <a:avLst/>
           </a:prstGeom>
+          <a:solidFill>
+            <a:srgbClr val="FF0000"/>
+          </a:solidFill>
         </p:spPr>
         <p:style>
           <a:lnRef idx="2">
@@ -21087,7 +20899,7 @@
           </a:prstGeom>
           <a:ln w="22225">
             <a:solidFill>
-              <a:schemeClr val="accent1"/>
+              <a:schemeClr val="tx1"/>
             </a:solidFill>
             <a:prstDash val="sysDash"/>
           </a:ln>
@@ -21252,7 +21064,7 @@
           </a:prstGeom>
           <a:ln w="22225">
             <a:solidFill>
-              <a:schemeClr val="accent1"/>
+              <a:schemeClr val="tx1"/>
             </a:solidFill>
             <a:prstDash val="sysDash"/>
           </a:ln>

--- a/libraries/Diagramm Drone.pptx
+++ b/libraries/Diagramm Drone.pptx
@@ -3731,7 +3731,7 @@
           <a:p>
             <a:fld id="{0717AEF8-1597-4679-8926-916E82E12B07}" type="datetimeFigureOut">
               <a:rPr lang="fr-FR" smtClean="0"/>
-              <a:t>24/09/2019</a:t>
+              <a:t>04/10/2019</a:t>
             </a:fld>
             <a:endParaRPr lang="fr-FR"/>
           </a:p>
@@ -3929,7 +3929,7 @@
           <a:p>
             <a:fld id="{0717AEF8-1597-4679-8926-916E82E12B07}" type="datetimeFigureOut">
               <a:rPr lang="fr-FR" smtClean="0"/>
-              <a:t>24/09/2019</a:t>
+              <a:t>04/10/2019</a:t>
             </a:fld>
             <a:endParaRPr lang="fr-FR"/>
           </a:p>
@@ -4137,7 +4137,7 @@
           <a:p>
             <a:fld id="{0717AEF8-1597-4679-8926-916E82E12B07}" type="datetimeFigureOut">
               <a:rPr lang="fr-FR" smtClean="0"/>
-              <a:t>24/09/2019</a:t>
+              <a:t>04/10/2019</a:t>
             </a:fld>
             <a:endParaRPr lang="fr-FR"/>
           </a:p>
@@ -4335,7 +4335,7 @@
           <a:p>
             <a:fld id="{0717AEF8-1597-4679-8926-916E82E12B07}" type="datetimeFigureOut">
               <a:rPr lang="fr-FR" smtClean="0"/>
-              <a:t>24/09/2019</a:t>
+              <a:t>04/10/2019</a:t>
             </a:fld>
             <a:endParaRPr lang="fr-FR"/>
           </a:p>
@@ -4610,7 +4610,7 @@
           <a:p>
             <a:fld id="{0717AEF8-1597-4679-8926-916E82E12B07}" type="datetimeFigureOut">
               <a:rPr lang="fr-FR" smtClean="0"/>
-              <a:t>24/09/2019</a:t>
+              <a:t>04/10/2019</a:t>
             </a:fld>
             <a:endParaRPr lang="fr-FR"/>
           </a:p>
@@ -4875,7 +4875,7 @@
           <a:p>
             <a:fld id="{0717AEF8-1597-4679-8926-916E82E12B07}" type="datetimeFigureOut">
               <a:rPr lang="fr-FR" smtClean="0"/>
-              <a:t>24/09/2019</a:t>
+              <a:t>04/10/2019</a:t>
             </a:fld>
             <a:endParaRPr lang="fr-FR"/>
           </a:p>
@@ -5287,7 +5287,7 @@
           <a:p>
             <a:fld id="{0717AEF8-1597-4679-8926-916E82E12B07}" type="datetimeFigureOut">
               <a:rPr lang="fr-FR" smtClean="0"/>
-              <a:t>24/09/2019</a:t>
+              <a:t>04/10/2019</a:t>
             </a:fld>
             <a:endParaRPr lang="fr-FR"/>
           </a:p>
@@ -5428,7 +5428,7 @@
           <a:p>
             <a:fld id="{0717AEF8-1597-4679-8926-916E82E12B07}" type="datetimeFigureOut">
               <a:rPr lang="fr-FR" smtClean="0"/>
-              <a:t>24/09/2019</a:t>
+              <a:t>04/10/2019</a:t>
             </a:fld>
             <a:endParaRPr lang="fr-FR"/>
           </a:p>
@@ -5541,7 +5541,7 @@
           <a:p>
             <a:fld id="{0717AEF8-1597-4679-8926-916E82E12B07}" type="datetimeFigureOut">
               <a:rPr lang="fr-FR" smtClean="0"/>
-              <a:t>24/09/2019</a:t>
+              <a:t>04/10/2019</a:t>
             </a:fld>
             <a:endParaRPr lang="fr-FR"/>
           </a:p>
@@ -5852,7 +5852,7 @@
           <a:p>
             <a:fld id="{0717AEF8-1597-4679-8926-916E82E12B07}" type="datetimeFigureOut">
               <a:rPr lang="fr-FR" smtClean="0"/>
-              <a:t>24/09/2019</a:t>
+              <a:t>04/10/2019</a:t>
             </a:fld>
             <a:endParaRPr lang="fr-FR"/>
           </a:p>
@@ -6140,7 +6140,7 @@
           <a:p>
             <a:fld id="{0717AEF8-1597-4679-8926-916E82E12B07}" type="datetimeFigureOut">
               <a:rPr lang="fr-FR" smtClean="0"/>
-              <a:t>24/09/2019</a:t>
+              <a:t>04/10/2019</a:t>
             </a:fld>
             <a:endParaRPr lang="fr-FR"/>
           </a:p>
@@ -6381,7 +6381,7 @@
           <a:p>
             <a:fld id="{0717AEF8-1597-4679-8926-916E82E12B07}" type="datetimeFigureOut">
               <a:rPr lang="fr-FR" smtClean="0"/>
-              <a:t>24/09/2019</a:t>
+              <a:t>04/10/2019</a:t>
             </a:fld>
             <a:endParaRPr lang="fr-FR"/>
           </a:p>
@@ -14961,7 +14961,7 @@
         <p:spPr/>
         <p:txBody>
           <a:bodyPr>
-            <a:normAutofit fontScale="77500" lnSpcReduction="20000"/>
+            <a:normAutofit fontScale="92500" lnSpcReduction="20000"/>
           </a:bodyPr>
           <a:lstStyle/>
           <a:p>
@@ -15028,12 +15028,44 @@
             </a:r>
             <a:r>
               <a:rPr lang="en-US" b="1" dirty="0"/>
-              <a:t> AE-20A Brushless ESC </a:t>
-            </a:r>
+              <a:t> </a:t>
+            </a:r>
+            <a:r>
+              <a:rPr lang="en-US" b="1" dirty="0" err="1"/>
+              <a:t>MultiStar</a:t>
+            </a:r>
+            <a:r>
+              <a:rPr lang="en-US" b="1" dirty="0"/>
+              <a:t> 20A </a:t>
+            </a:r>
+            <a:r>
+              <a:rPr lang="en-US" b="1" dirty="0" err="1"/>
+              <a:t>BLHeli</a:t>
+            </a:r>
+            <a:r>
+              <a:rPr lang="en-US" b="1" dirty="0"/>
+              <a:t>-S Rev16 V3 ESC 2~4S </a:t>
+            </a:r>
+            <a:r>
+              <a:rPr lang="en-US" b="1" dirty="0" err="1"/>
+              <a:t>Opto</a:t>
+            </a:r>
+            <a:endParaRPr lang="en-US" b="1" dirty="0"/>
+          </a:p>
+          <a:p>
+            <a:pPr marL="0" indent="0">
+              <a:buNone/>
+            </a:pPr>
             <a:r>
               <a:rPr lang="en-US" dirty="0"/>
-              <a:t>(Hobby king TAE-20A)</a:t>
-            </a:r>
+              <a:t>(Hobby king 9351000086-0)</a:t>
+            </a:r>
+          </a:p>
+          <a:p>
+            <a:pPr marL="0" indent="0">
+              <a:buNone/>
+            </a:pPr>
+            <a:endParaRPr lang="en-US" dirty="0"/>
           </a:p>
           <a:p>
             <a:pPr marL="457200" lvl="1" indent="0">
@@ -15041,181 +15073,56 @@
             </a:pPr>
             <a:r>
               <a:rPr lang="en-US" dirty="0"/>
-              <a:t>Sortie: 20A continue, </a:t>
-            </a:r>
-            <a:r>
-              <a:rPr lang="en-US" dirty="0" err="1"/>
-              <a:t>éclater</a:t>
-            </a:r>
-            <a:r>
-              <a:rPr lang="en-US" dirty="0"/>
-              <a:t> 25A </a:t>
-            </a:r>
-            <a:r>
-              <a:rPr lang="en-US" dirty="0" err="1"/>
-              <a:t>jusqu'à</a:t>
-            </a:r>
-            <a:r>
-              <a:rPr lang="en-US" dirty="0"/>
-              <a:t> 10 </a:t>
-            </a:r>
-            <a:r>
-              <a:rPr lang="en-US" dirty="0" err="1"/>
-              <a:t>secondes</a:t>
-            </a:r>
-            <a:r>
-              <a:rPr lang="en-US" dirty="0"/>
-              <a:t>. </a:t>
-            </a:r>
-            <a:br>
-              <a:rPr lang="en-US" dirty="0"/>
-            </a:br>
-            <a:r>
-              <a:rPr lang="en-US" dirty="0"/>
-              <a:t>Tension </a:t>
-            </a:r>
-            <a:r>
-              <a:rPr lang="en-US" dirty="0" err="1"/>
-              <a:t>d'entrée</a:t>
-            </a:r>
-            <a:r>
-              <a:rPr lang="en-US" dirty="0"/>
-              <a:t>: 2-4 cellules batterie lithium </a:t>
-            </a:r>
-            <a:r>
-              <a:rPr lang="en-US" dirty="0" err="1"/>
-              <a:t>ou</a:t>
-            </a:r>
-            <a:r>
-              <a:rPr lang="en-US" dirty="0"/>
-              <a:t> 5-12 cellules de batterie NIMH. </a:t>
-            </a:r>
-            <a:br>
-              <a:rPr lang="en-US" dirty="0"/>
-            </a:br>
-            <a:r>
-              <a:rPr lang="en-US" b="1" dirty="0"/>
-              <a:t>BEC: </a:t>
-            </a:r>
-            <a:r>
-              <a:rPr lang="en-US" b="1" dirty="0" err="1"/>
-              <a:t>Linéaire</a:t>
-            </a:r>
-            <a:r>
-              <a:rPr lang="en-US" b="1" dirty="0"/>
-              <a:t> 2A @ 5V</a:t>
-            </a:r>
-            <a:r>
-              <a:rPr lang="en-US" dirty="0"/>
-              <a:t> </a:t>
-            </a:r>
-            <a:br>
-              <a:rPr lang="en-US" dirty="0"/>
-            </a:br>
-            <a:r>
-              <a:rPr lang="en-US" dirty="0"/>
-              <a:t>Transmission Control Signal: </a:t>
-            </a:r>
-            <a:r>
-              <a:rPr lang="en-US" dirty="0" err="1"/>
-              <a:t>système</a:t>
-            </a:r>
-            <a:r>
-              <a:rPr lang="en-US" dirty="0"/>
-              <a:t> </a:t>
-            </a:r>
-            <a:r>
-              <a:rPr lang="en-US" dirty="0" err="1"/>
-              <a:t>opto</a:t>
-            </a:r>
-            <a:r>
-              <a:rPr lang="en-US" dirty="0"/>
-              <a:t> </a:t>
-            </a:r>
-            <a:r>
-              <a:rPr lang="en-US" dirty="0" err="1"/>
-              <a:t>couplé</a:t>
-            </a:r>
-            <a:r>
-              <a:rPr lang="en-US" dirty="0"/>
-              <a:t>. </a:t>
-            </a:r>
-            <a:br>
-              <a:rPr lang="en-US" dirty="0"/>
-            </a:br>
-            <a:r>
-              <a:rPr lang="en-US" dirty="0"/>
-              <a:t>Vitesse </a:t>
-            </a:r>
-            <a:r>
-              <a:rPr lang="en-US" dirty="0" err="1"/>
-              <a:t>maximale</a:t>
-            </a:r>
-            <a:r>
-              <a:rPr lang="en-US" dirty="0"/>
-              <a:t>: </a:t>
-            </a:r>
-            <a:br>
-              <a:rPr lang="en-US" dirty="0"/>
-            </a:br>
-            <a:r>
-              <a:rPr lang="en-US" dirty="0"/>
-              <a:t>	2 Pole: 	210,000rpm </a:t>
-            </a:r>
-            <a:br>
-              <a:rPr lang="en-US" dirty="0"/>
-            </a:br>
-            <a:r>
-              <a:rPr lang="en-US" dirty="0"/>
-              <a:t>	6 Pole: 	70,000rpm </a:t>
-            </a:r>
-            <a:br>
-              <a:rPr lang="en-US" dirty="0"/>
-            </a:br>
-            <a:r>
-              <a:rPr lang="en-US" dirty="0"/>
-              <a:t>	12 Pole: 	35,000rpm </a:t>
-            </a:r>
-            <a:br>
-              <a:rPr lang="en-US" dirty="0"/>
-            </a:br>
-            <a:r>
-              <a:rPr lang="en-US" dirty="0" err="1"/>
-              <a:t>Taille</a:t>
-            </a:r>
-            <a:r>
-              <a:rPr lang="en-US" dirty="0"/>
-              <a:t>: 	50mm (L) * 26mm (W) * 12mm (H). </a:t>
-            </a:r>
-            <a:br>
-              <a:rPr lang="en-US" dirty="0"/>
-            </a:br>
-            <a:r>
-              <a:rPr lang="en-US" b="1" dirty="0" err="1"/>
-              <a:t>Poids</a:t>
-            </a:r>
-            <a:r>
-              <a:rPr lang="en-US" b="1" dirty="0"/>
-              <a:t>: 	19g</a:t>
-            </a:r>
-            <a:r>
-              <a:rPr lang="en-US" dirty="0"/>
-              <a:t>.</a:t>
+              <a:t>Constant Current: 20A</a:t>
             </a:r>
           </a:p>
           <a:p>
             <a:pPr marL="457200" lvl="1" indent="0">
               <a:buNone/>
             </a:pPr>
-            <a:endParaRPr lang="en-US" dirty="0"/>
-          </a:p>
-          <a:p>
-            <a:pPr marL="0" indent="0">
+            <a:r>
+              <a:rPr lang="en-US" dirty="0"/>
+              <a:t>Peak Current: 25A</a:t>
+            </a:r>
+          </a:p>
+          <a:p>
+            <a:pPr marL="457200" lvl="1" indent="0">
               <a:buNone/>
             </a:pPr>
             <a:r>
               <a:rPr lang="en-US" dirty="0"/>
-              <a:t>The BEC power is 5v &lt; 7v min needed for Arduino MEGA2560, so I don’t use the BEC.</a:t>
+              <a:t>Input Voltage: 2~4S (7.4~14.8V)</a:t>
+            </a:r>
+          </a:p>
+          <a:p>
+            <a:pPr marL="457200" lvl="1" indent="0">
+              <a:buNone/>
+            </a:pPr>
+            <a:r>
+              <a:rPr lang="en-US" dirty="0"/>
+              <a:t>BEC: </a:t>
+            </a:r>
+            <a:r>
+              <a:rPr lang="en-US" b="1" dirty="0"/>
+              <a:t>None</a:t>
+            </a:r>
+          </a:p>
+          <a:p>
+            <a:pPr marL="457200" lvl="1" indent="0">
+              <a:buNone/>
+            </a:pPr>
+            <a:r>
+              <a:rPr lang="en-US" dirty="0"/>
+              <a:t>Dimensions: 27 x 12mm</a:t>
+            </a:r>
+          </a:p>
+          <a:p>
+            <a:pPr marL="457200" lvl="1" indent="0">
+              <a:buNone/>
+            </a:pPr>
+            <a:r>
+              <a:rPr lang="en-US" dirty="0"/>
+              <a:t>Weight: 7.9g</a:t>
             </a:r>
           </a:p>
         </p:txBody>
@@ -15285,897 +15192,41 @@
           </a:p>
         </p:txBody>
       </p:sp>
-      <p:graphicFrame>
-        <p:nvGraphicFramePr>
-          <p:cNvPr id="4" name="Espace réservé du contenu 3">
-            <a:extLst>
-              <a:ext uri="{FF2B5EF4-FFF2-40B4-BE49-F238E27FC236}">
-                <a16:creationId xmlns:a16="http://schemas.microsoft.com/office/drawing/2014/main" id="{003D9151-9798-4FFF-84EB-CA24DBFE390D}"/>
-              </a:ext>
-            </a:extLst>
-          </p:cNvPr>
-          <p:cNvGraphicFramePr>
-            <a:graphicFrameLocks noGrp="1"/>
-          </p:cNvGraphicFramePr>
+      <p:pic>
+        <p:nvPicPr>
+          <p:cNvPr id="7" name="Espace réservé du contenu 6" descr="Une image contenant capture d’écran&#10;&#10;Description générée automatiquement">
+            <a:extLst>
+              <a:ext uri="{FF2B5EF4-FFF2-40B4-BE49-F238E27FC236}">
+                <a16:creationId xmlns:a16="http://schemas.microsoft.com/office/drawing/2014/main" id="{D191BEC6-1CC5-4DA4-87DC-43EB6B7ED225}"/>
+              </a:ext>
+            </a:extLst>
+          </p:cNvPr>
+          <p:cNvPicPr>
+            <a:picLocks noGrp="1" noChangeAspect="1"/>
+          </p:cNvPicPr>
           <p:nvPr>
             <p:ph idx="1"/>
-            <p:extLst>
-              <p:ext uri="{D42A27DB-BD31-4B8C-83A1-F6EECF244321}">
-                <p14:modId xmlns:p14="http://schemas.microsoft.com/office/powerpoint/2010/main" val="219063334"/>
-              </p:ext>
-            </p:extLst>
           </p:nvPr>
-        </p:nvGraphicFramePr>
-        <p:xfrm>
-          <a:off x="870012" y="1109651"/>
-          <a:ext cx="10758570" cy="5615060"/>
-        </p:xfrm>
-        <a:graphic>
-          <a:graphicData uri="http://schemas.openxmlformats.org/drawingml/2006/table">
-            <a:tbl>
-              <a:tblPr firstRow="1" bandRow="1">
-                <a:tableStyleId>{5C22544A-7EE6-4342-B048-85BDC9FD1C3A}</a:tableStyleId>
-              </a:tblPr>
-              <a:tblGrid>
-                <a:gridCol w="2782779">
-                  <a:extLst>
-                    <a:ext uri="{9D8B030D-6E8A-4147-A177-3AD203B41FA5}">
-                      <a16:colId xmlns:a16="http://schemas.microsoft.com/office/drawing/2014/main" val="2232030455"/>
-                    </a:ext>
-                  </a:extLst>
-                </a:gridCol>
-                <a:gridCol w="5953027">
-                  <a:extLst>
-                    <a:ext uri="{9D8B030D-6E8A-4147-A177-3AD203B41FA5}">
-                      <a16:colId xmlns:a16="http://schemas.microsoft.com/office/drawing/2014/main" val="3945422049"/>
-                    </a:ext>
-                  </a:extLst>
-                </a:gridCol>
-                <a:gridCol w="1145309">
-                  <a:extLst>
-                    <a:ext uri="{9D8B030D-6E8A-4147-A177-3AD203B41FA5}">
-                      <a16:colId xmlns:a16="http://schemas.microsoft.com/office/drawing/2014/main" val="3592764086"/>
-                    </a:ext>
-                  </a:extLst>
-                </a:gridCol>
-                <a:gridCol w="877455">
-                  <a:extLst>
-                    <a:ext uri="{9D8B030D-6E8A-4147-A177-3AD203B41FA5}">
-                      <a16:colId xmlns:a16="http://schemas.microsoft.com/office/drawing/2014/main" val="303937432"/>
-                    </a:ext>
-                  </a:extLst>
-                </a:gridCol>
-              </a:tblGrid>
-              <a:tr h="342118">
-                <a:tc>
-                  <a:txBody>
-                    <a:bodyPr/>
-                    <a:lstStyle/>
-                    <a:p>
-                      <a:r>
-                        <a:rPr lang="fr-FR" dirty="0"/>
-                        <a:t>Configuration</a:t>
-                      </a:r>
-                    </a:p>
-                  </a:txBody>
-                  <a:tcPr/>
-                </a:tc>
-                <a:tc>
-                  <a:txBody>
-                    <a:bodyPr/>
-                    <a:lstStyle/>
-                    <a:p>
-                      <a:r>
-                        <a:rPr lang="fr-FR" dirty="0"/>
-                        <a:t>Value</a:t>
-                      </a:r>
-                    </a:p>
-                  </a:txBody>
-                  <a:tcPr/>
-                </a:tc>
-                <a:tc>
-                  <a:txBody>
-                    <a:bodyPr/>
-                    <a:lstStyle/>
-                    <a:p>
-                      <a:r>
-                        <a:rPr lang="fr-FR" dirty="0" err="1"/>
-                        <a:t>Throttle</a:t>
-                      </a:r>
-                      <a:r>
-                        <a:rPr lang="fr-FR" dirty="0"/>
-                        <a:t> stick</a:t>
-                      </a:r>
-                    </a:p>
-                  </a:txBody>
-                  <a:tcPr/>
-                </a:tc>
-                <a:tc>
-                  <a:txBody>
-                    <a:bodyPr/>
-                    <a:lstStyle/>
-                    <a:p>
-                      <a:r>
-                        <a:rPr lang="fr-FR" dirty="0"/>
-                        <a:t>Nb </a:t>
-                      </a:r>
-                      <a:r>
-                        <a:rPr lang="fr-FR" dirty="0" err="1"/>
-                        <a:t>beeps</a:t>
-                      </a:r>
-                      <a:endParaRPr lang="fr-FR" dirty="0"/>
-                    </a:p>
-                  </a:txBody>
-                  <a:tcPr/>
-                </a:tc>
-                <a:extLst>
-                  <a:ext uri="{0D108BD9-81ED-4DB2-BD59-A6C34878D82A}">
-                    <a16:rowId xmlns:a16="http://schemas.microsoft.com/office/drawing/2014/main" val="3930063906"/>
-                  </a:ext>
-                </a:extLst>
-              </a:tr>
-              <a:tr h="672245">
-                <a:tc>
-                  <a:txBody>
-                    <a:bodyPr/>
-                    <a:lstStyle/>
-                    <a:p>
-                      <a:r>
-                        <a:rPr lang="en-US" dirty="0"/>
-                        <a:t>Brake</a:t>
-                      </a:r>
-                    </a:p>
-                  </a:txBody>
-                  <a:tcPr/>
-                </a:tc>
-                <a:tc>
-                  <a:txBody>
-                    <a:bodyPr/>
-                    <a:lstStyle/>
-                    <a:p>
-                      <a:r>
-                        <a:rPr lang="en-US" dirty="0"/>
-                        <a:t>Off</a:t>
-                      </a:r>
-                    </a:p>
-                  </a:txBody>
-                  <a:tcPr/>
-                </a:tc>
-                <a:tc>
-                  <a:txBody>
-                    <a:bodyPr/>
-                    <a:lstStyle/>
-                    <a:p>
-                      <a:pPr marL="0" marR="0" lvl="0" indent="0" algn="l" defTabSz="914400" rtl="0" eaLnBrk="1" fontAlgn="auto" latinLnBrk="0" hangingPunct="1">
-                        <a:lnSpc>
-                          <a:spcPct val="100000"/>
-                        </a:lnSpc>
-                        <a:spcBef>
-                          <a:spcPts val="0"/>
-                        </a:spcBef>
-                        <a:spcAft>
-                          <a:spcPts val="0"/>
-                        </a:spcAft>
-                        <a:buClrTx/>
-                        <a:buSzTx/>
-                        <a:buFont typeface="Wingdings" panose="05000000000000000000" pitchFamily="2" charset="2"/>
-                        <a:buNone/>
-                        <a:tabLst/>
-                        <a:defRPr/>
-                      </a:pPr>
-                      <a:r>
-                        <a:rPr kumimoji="0" lang="en-US" sz="1800" b="0" i="0" u="none" strike="noStrike" kern="1200" cap="none" spc="0" normalizeH="0" baseline="0" noProof="0" dirty="0">
-                          <a:ln>
-                            <a:noFill/>
-                          </a:ln>
-                          <a:solidFill>
-                            <a:schemeClr val="tx1"/>
-                          </a:solidFill>
-                          <a:effectLst/>
-                          <a:uLnTx/>
-                          <a:uFillTx/>
-                          <a:latin typeface="+mn-lt"/>
-                          <a:ea typeface="+mn-ea"/>
-                          <a:cs typeface="+mn-cs"/>
-                        </a:rPr>
-                        <a:t>Low</a:t>
-                      </a:r>
-                      <a:endParaRPr kumimoji="0" lang="en-US" sz="1800" b="0" i="0" u="none" strike="noStrike" kern="1200" cap="none" spc="0" normalizeH="0" baseline="0" noProof="0" dirty="0">
-                        <a:ln>
-                          <a:noFill/>
-                        </a:ln>
-                        <a:solidFill>
-                          <a:schemeClr val="tx1"/>
-                        </a:solidFill>
-                        <a:effectLst/>
-                        <a:uLnTx/>
-                        <a:uFillTx/>
-                        <a:latin typeface="Calibri" panose="020F0502020204030204"/>
-                        <a:ea typeface="+mn-ea"/>
-                        <a:cs typeface="+mn-cs"/>
-                      </a:endParaRPr>
-                    </a:p>
-                  </a:txBody>
-                  <a:tcPr/>
-                </a:tc>
-                <a:tc>
-                  <a:txBody>
-                    <a:bodyPr/>
-                    <a:lstStyle/>
-                    <a:p>
-                      <a:pPr marL="0" marR="0" lvl="0" indent="0" algn="l" defTabSz="914400" rtl="0" eaLnBrk="1" fontAlgn="auto" latinLnBrk="0" hangingPunct="1">
-                        <a:lnSpc>
-                          <a:spcPct val="100000"/>
-                        </a:lnSpc>
-                        <a:spcBef>
-                          <a:spcPts val="0"/>
-                        </a:spcBef>
-                        <a:spcAft>
-                          <a:spcPts val="0"/>
-                        </a:spcAft>
-                        <a:buClrTx/>
-                        <a:buSzTx/>
-                        <a:buFont typeface="Wingdings" panose="05000000000000000000" pitchFamily="2" charset="2"/>
-                        <a:buNone/>
-                        <a:tabLst/>
-                        <a:defRPr/>
-                      </a:pPr>
-                      <a:r>
-                        <a:rPr kumimoji="0" lang="en-US" sz="1800" b="0" i="0" u="none" strike="noStrike" kern="1200" cap="none" spc="0" normalizeH="0" baseline="0" noProof="0" dirty="0">
-                          <a:ln>
-                            <a:noFill/>
-                          </a:ln>
-                          <a:solidFill>
-                            <a:srgbClr val="FF0000"/>
-                          </a:solidFill>
-                          <a:effectLst/>
-                          <a:uLnTx/>
-                          <a:uFillTx/>
-                          <a:latin typeface="Calibri" panose="020F0502020204030204"/>
-                          <a:ea typeface="+mn-ea"/>
-                          <a:cs typeface="+mn-cs"/>
-                        </a:rPr>
-                        <a:t>1</a:t>
-                      </a:r>
-                    </a:p>
-                  </a:txBody>
-                  <a:tcPr/>
-                </a:tc>
-                <a:extLst>
-                  <a:ext uri="{0D108BD9-81ED-4DB2-BD59-A6C34878D82A}">
-                    <a16:rowId xmlns:a16="http://schemas.microsoft.com/office/drawing/2014/main" val="3459295351"/>
-                  </a:ext>
-                </a:extLst>
-              </a:tr>
-              <a:tr h="672245">
-                <a:tc>
-                  <a:txBody>
-                    <a:bodyPr/>
-                    <a:lstStyle/>
-                    <a:p>
-                      <a:r>
-                        <a:rPr lang="en-US" dirty="0"/>
-                        <a:t>Timing</a:t>
-                      </a:r>
-                    </a:p>
-                  </a:txBody>
-                  <a:tcPr/>
-                </a:tc>
-                <a:tc>
-                  <a:txBody>
-                    <a:bodyPr/>
-                    <a:lstStyle/>
-                    <a:p>
-                      <a:r>
-                        <a:rPr lang="en-US" dirty="0"/>
-                        <a:t>Medium (for motors with more than 6 poles)</a:t>
-                      </a:r>
-                    </a:p>
-                  </a:txBody>
-                  <a:tcPr/>
-                </a:tc>
-                <a:tc>
-                  <a:txBody>
-                    <a:bodyPr/>
-                    <a:lstStyle/>
-                    <a:p>
-                      <a:pPr marL="0" marR="0" lvl="0" indent="0" algn="l" defTabSz="914400" rtl="0" eaLnBrk="1" fontAlgn="auto" latinLnBrk="0" hangingPunct="1">
-                        <a:lnSpc>
-                          <a:spcPct val="100000"/>
-                        </a:lnSpc>
-                        <a:spcBef>
-                          <a:spcPts val="0"/>
-                        </a:spcBef>
-                        <a:spcAft>
-                          <a:spcPts val="0"/>
-                        </a:spcAft>
-                        <a:buClrTx/>
-                        <a:buSzTx/>
-                        <a:buFont typeface="Wingdings" panose="05000000000000000000" pitchFamily="2" charset="2"/>
-                        <a:buNone/>
-                        <a:tabLst/>
-                        <a:defRPr/>
-                      </a:pPr>
-                      <a:r>
-                        <a:rPr kumimoji="0" lang="en-US" sz="1800" b="0" i="0" u="none" strike="noStrike" kern="1200" cap="none" spc="0" normalizeH="0" baseline="0" noProof="0" dirty="0">
-                          <a:ln>
-                            <a:noFill/>
-                          </a:ln>
-                          <a:solidFill>
-                            <a:schemeClr val="tx1"/>
-                          </a:solidFill>
-                          <a:effectLst/>
-                          <a:uLnTx/>
-                          <a:uFillTx/>
-                          <a:latin typeface="+mn-lt"/>
-                          <a:ea typeface="+mn-ea"/>
-                          <a:cs typeface="+mn-cs"/>
-                        </a:rPr>
-                        <a:t>Medium</a:t>
-                      </a:r>
-                    </a:p>
-                  </a:txBody>
-                  <a:tcPr/>
-                </a:tc>
-                <a:tc>
-                  <a:txBody>
-                    <a:bodyPr/>
-                    <a:lstStyle/>
-                    <a:p>
-                      <a:pPr marL="0" marR="0" lvl="0" indent="0" algn="l" defTabSz="914400" rtl="0" eaLnBrk="1" fontAlgn="auto" latinLnBrk="0" hangingPunct="1">
-                        <a:lnSpc>
-                          <a:spcPct val="100000"/>
-                        </a:lnSpc>
-                        <a:spcBef>
-                          <a:spcPts val="0"/>
-                        </a:spcBef>
-                        <a:spcAft>
-                          <a:spcPts val="0"/>
-                        </a:spcAft>
-                        <a:buClrTx/>
-                        <a:buSzTx/>
-                        <a:buFont typeface="Wingdings" panose="05000000000000000000" pitchFamily="2" charset="2"/>
-                        <a:buNone/>
-                        <a:tabLst/>
-                        <a:defRPr/>
-                      </a:pPr>
-                      <a:r>
-                        <a:rPr kumimoji="0" lang="en-US" sz="1800" b="0" i="0" u="none" strike="noStrike" kern="1200" cap="none" spc="0" normalizeH="0" baseline="0" noProof="0" dirty="0">
-                          <a:ln>
-                            <a:noFill/>
-                          </a:ln>
-                          <a:solidFill>
-                            <a:srgbClr val="FF0000"/>
-                          </a:solidFill>
-                          <a:effectLst/>
-                          <a:uLnTx/>
-                          <a:uFillTx/>
-                          <a:latin typeface="+mn-lt"/>
-                          <a:ea typeface="+mn-ea"/>
-                          <a:cs typeface="+mn-cs"/>
-                        </a:rPr>
-                        <a:t>2</a:t>
-                      </a:r>
-                    </a:p>
-                  </a:txBody>
-                  <a:tcPr/>
-                </a:tc>
-                <a:extLst>
-                  <a:ext uri="{0D108BD9-81ED-4DB2-BD59-A6C34878D82A}">
-                    <a16:rowId xmlns:a16="http://schemas.microsoft.com/office/drawing/2014/main" val="11531206"/>
-                  </a:ext>
-                </a:extLst>
-              </a:tr>
-              <a:tr h="672245">
-                <a:tc>
-                  <a:txBody>
-                    <a:bodyPr/>
-                    <a:lstStyle/>
-                    <a:p>
-                      <a:pPr marL="0" algn="l" defTabSz="914400" rtl="0" eaLnBrk="1" latinLnBrk="0" hangingPunct="1"/>
-                      <a:r>
-                        <a:rPr lang="en-US" sz="1800" kern="1200" dirty="0">
-                          <a:solidFill>
-                            <a:schemeClr val="dk1"/>
-                          </a:solidFill>
-                          <a:latin typeface="+mn-lt"/>
-                          <a:ea typeface="+mn-ea"/>
-                          <a:cs typeface="+mn-cs"/>
-                        </a:rPr>
-                        <a:t>Battery protection voltage threshold</a:t>
-                      </a:r>
-                    </a:p>
-                  </a:txBody>
-                  <a:tcPr/>
-                </a:tc>
-                <a:tc>
-                  <a:txBody>
-                    <a:bodyPr/>
-                    <a:lstStyle/>
-                    <a:p>
-                      <a:r>
-                        <a:rPr lang="en-US" dirty="0"/>
-                        <a:t>Medium cut-off threshold: </a:t>
-                      </a:r>
-                    </a:p>
-                    <a:p>
-                      <a:pPr marL="742950" lvl="1" indent="-285750">
-                        <a:buFont typeface="Arial" panose="020B0604020202020204" pitchFamily="34" charset="0"/>
-                        <a:buChar char="•"/>
-                      </a:pPr>
-                      <a:r>
-                        <a:rPr lang="en-US" dirty="0"/>
-                        <a:t>First stage 3V/cell</a:t>
-                      </a:r>
-                    </a:p>
-                    <a:p>
-                      <a:pPr marL="742950" lvl="1" indent="-285750">
-                        <a:buFont typeface="Arial" panose="020B0604020202020204" pitchFamily="34" charset="0"/>
-                        <a:buChar char="•"/>
-                      </a:pPr>
-                      <a:r>
-                        <a:rPr lang="en-US" dirty="0"/>
-                        <a:t>Second stage 2.8V/cell</a:t>
-                      </a:r>
-                    </a:p>
-                    <a:p>
-                      <a:r>
-                        <a:rPr lang="en-US" sz="1800" b="0" i="0" u="none" strike="noStrike" kern="1200" dirty="0">
-                          <a:solidFill>
-                            <a:schemeClr val="dk1"/>
-                          </a:solidFill>
-                          <a:effectLst/>
-                          <a:latin typeface="+mn-lt"/>
-                          <a:ea typeface="+mn-ea"/>
-                          <a:cs typeface="+mn-cs"/>
-                        </a:rPr>
-                        <a:t>Do not lower below 2.8v - 3.0V per element.</a:t>
-                      </a:r>
-                      <a:r>
-                        <a:rPr lang="en-US" sz="1800" b="0" i="0" kern="1200" dirty="0">
-                          <a:solidFill>
-                            <a:schemeClr val="dk1"/>
-                          </a:solidFill>
-                          <a:effectLst/>
-                          <a:latin typeface="+mn-lt"/>
-                          <a:ea typeface="+mn-ea"/>
-                          <a:cs typeface="+mn-cs"/>
-                        </a:rPr>
-                        <a:t> </a:t>
-                      </a:r>
-                    </a:p>
-                    <a:p>
-                      <a:r>
-                        <a:rPr lang="en-US" sz="1800" b="0" i="0" u="none" strike="noStrike" kern="1200" dirty="0">
-                          <a:solidFill>
-                            <a:schemeClr val="dk1"/>
-                          </a:solidFill>
-                          <a:effectLst/>
-                          <a:latin typeface="+mn-lt"/>
-                          <a:ea typeface="+mn-ea"/>
-                          <a:cs typeface="+mn-cs"/>
-                        </a:rPr>
-                        <a:t>Destruction voltage is 2.5V (if this threshold is reached, it is trash!) </a:t>
-                      </a:r>
-                    </a:p>
-                    <a:p>
-                      <a:r>
-                        <a:rPr lang="en-US" sz="1800" b="0" i="0" u="none" strike="noStrike" kern="1200" dirty="0">
-                          <a:solidFill>
-                            <a:schemeClr val="dk1"/>
-                          </a:solidFill>
-                          <a:effectLst/>
-                          <a:latin typeface="+mn-lt"/>
-                          <a:ea typeface="+mn-ea"/>
-                          <a:cs typeface="+mn-cs"/>
-                        </a:rPr>
-                        <a:t>LiPo accumulators have a nominal voltage of 3.7V per element</a:t>
-                      </a:r>
-                      <a:endParaRPr lang="en-US" dirty="0"/>
-                    </a:p>
-                  </a:txBody>
-                  <a:tcPr/>
-                </a:tc>
-                <a:tc>
-                  <a:txBody>
-                    <a:bodyPr/>
-                    <a:lstStyle/>
-                    <a:p>
-                      <a:pPr marL="0" marR="0" lvl="0" indent="0" algn="l" defTabSz="914400" rtl="0" eaLnBrk="1" fontAlgn="auto" latinLnBrk="0" hangingPunct="1">
-                        <a:lnSpc>
-                          <a:spcPct val="100000"/>
-                        </a:lnSpc>
-                        <a:spcBef>
-                          <a:spcPts val="0"/>
-                        </a:spcBef>
-                        <a:spcAft>
-                          <a:spcPts val="0"/>
-                        </a:spcAft>
-                        <a:buClrTx/>
-                        <a:buSzTx/>
-                        <a:buFont typeface="Wingdings" panose="05000000000000000000" pitchFamily="2" charset="2"/>
-                        <a:buNone/>
-                        <a:tabLst/>
-                        <a:defRPr/>
-                      </a:pPr>
-                      <a:r>
-                        <a:rPr kumimoji="0" lang="en-US" sz="1800" b="0" i="0" u="none" strike="noStrike" kern="1200" cap="none" spc="0" normalizeH="0" baseline="0" noProof="0" dirty="0">
-                          <a:ln>
-                            <a:noFill/>
-                          </a:ln>
-                          <a:solidFill>
-                            <a:schemeClr val="tx1"/>
-                          </a:solidFill>
-                          <a:effectLst/>
-                          <a:uLnTx/>
-                          <a:uFillTx/>
-                          <a:latin typeface="+mn-lt"/>
-                          <a:ea typeface="+mn-ea"/>
-                          <a:cs typeface="+mn-cs"/>
-                        </a:rPr>
-                        <a:t>Medium</a:t>
-                      </a:r>
-                    </a:p>
-                    <a:p>
-                      <a:pPr marL="285750" marR="0" lvl="0" indent="-285750" algn="l" defTabSz="914400" rtl="0" eaLnBrk="1" fontAlgn="auto" latinLnBrk="0" hangingPunct="1">
-                        <a:lnSpc>
-                          <a:spcPct val="100000"/>
-                        </a:lnSpc>
-                        <a:spcBef>
-                          <a:spcPts val="0"/>
-                        </a:spcBef>
-                        <a:spcAft>
-                          <a:spcPts val="0"/>
-                        </a:spcAft>
-                        <a:buClrTx/>
-                        <a:buSzTx/>
-                        <a:buFont typeface="Wingdings" panose="05000000000000000000" pitchFamily="2" charset="2"/>
-                        <a:buChar char="ü"/>
-                        <a:tabLst/>
-                        <a:defRPr/>
-                      </a:pPr>
-                      <a:endParaRPr kumimoji="0" lang="en-US" sz="1800" b="0" i="0" u="none" strike="noStrike" kern="1200" cap="none" spc="0" normalizeH="0" baseline="0" noProof="0" dirty="0">
-                        <a:ln>
-                          <a:noFill/>
-                        </a:ln>
-                        <a:solidFill>
-                          <a:schemeClr val="tx1"/>
-                        </a:solidFill>
-                        <a:effectLst/>
-                        <a:uLnTx/>
-                        <a:uFillTx/>
-                        <a:latin typeface="+mn-lt"/>
-                        <a:ea typeface="+mn-ea"/>
-                        <a:cs typeface="+mn-cs"/>
-                      </a:endParaRPr>
-                    </a:p>
-                  </a:txBody>
-                  <a:tcPr/>
-                </a:tc>
-                <a:tc>
-                  <a:txBody>
-                    <a:bodyPr/>
-                    <a:lstStyle/>
-                    <a:p>
-                      <a:pPr marL="0" marR="0" lvl="0" indent="0" algn="l" defTabSz="914400" rtl="0" eaLnBrk="1" fontAlgn="auto" latinLnBrk="0" hangingPunct="1">
-                        <a:lnSpc>
-                          <a:spcPct val="100000"/>
-                        </a:lnSpc>
-                        <a:spcBef>
-                          <a:spcPts val="0"/>
-                        </a:spcBef>
-                        <a:spcAft>
-                          <a:spcPts val="0"/>
-                        </a:spcAft>
-                        <a:buClrTx/>
-                        <a:buSzTx/>
-                        <a:buFont typeface="Wingdings" panose="05000000000000000000" pitchFamily="2" charset="2"/>
-                        <a:buNone/>
-                        <a:tabLst/>
-                        <a:defRPr/>
-                      </a:pPr>
-                      <a:r>
-                        <a:rPr kumimoji="0" lang="en-US" sz="1800" b="0" i="0" u="none" strike="noStrike" kern="1200" cap="none" spc="0" normalizeH="0" baseline="0" noProof="0" dirty="0">
-                          <a:ln>
-                            <a:noFill/>
-                          </a:ln>
-                          <a:solidFill>
-                            <a:srgbClr val="FF0000"/>
-                          </a:solidFill>
-                          <a:effectLst/>
-                          <a:uLnTx/>
-                          <a:uFillTx/>
-                          <a:latin typeface="+mn-lt"/>
-                          <a:ea typeface="+mn-ea"/>
-                          <a:cs typeface="+mn-cs"/>
-                        </a:rPr>
-                        <a:t>2</a:t>
-                      </a:r>
-                    </a:p>
-                  </a:txBody>
-                  <a:tcPr/>
-                </a:tc>
-                <a:extLst>
-                  <a:ext uri="{0D108BD9-81ED-4DB2-BD59-A6C34878D82A}">
-                    <a16:rowId xmlns:a16="http://schemas.microsoft.com/office/drawing/2014/main" val="1140387248"/>
-                  </a:ext>
-                </a:extLst>
-              </a:tr>
-              <a:tr h="672245">
-                <a:tc>
-                  <a:txBody>
-                    <a:bodyPr/>
-                    <a:lstStyle/>
-                    <a:p>
-                      <a:r>
-                        <a:rPr lang="en-US" dirty="0"/>
-                        <a:t>Plane mode</a:t>
-                      </a:r>
-                    </a:p>
-                  </a:txBody>
-                  <a:tcPr/>
-                </a:tc>
-                <a:tc>
-                  <a:txBody>
-                    <a:bodyPr/>
-                    <a:lstStyle/>
-                    <a:p>
-                      <a:r>
-                        <a:rPr lang="en-US" dirty="0"/>
-                        <a:t>Fixed-wing aircrafts</a:t>
-                      </a:r>
-                    </a:p>
-                  </a:txBody>
-                  <a:tcPr/>
-                </a:tc>
-                <a:tc>
-                  <a:txBody>
-                    <a:bodyPr/>
-                    <a:lstStyle/>
-                    <a:p>
-                      <a:pPr marL="0" marR="0" lvl="0" indent="0" algn="l" defTabSz="914400" rtl="0" eaLnBrk="1" fontAlgn="auto" latinLnBrk="0" hangingPunct="1">
-                        <a:lnSpc>
-                          <a:spcPct val="100000"/>
-                        </a:lnSpc>
-                        <a:spcBef>
-                          <a:spcPts val="0"/>
-                        </a:spcBef>
-                        <a:spcAft>
-                          <a:spcPts val="0"/>
-                        </a:spcAft>
-                        <a:buClrTx/>
-                        <a:buSzTx/>
-                        <a:buFont typeface="Wingdings" panose="05000000000000000000" pitchFamily="2" charset="2"/>
-                        <a:buNone/>
-                        <a:tabLst/>
-                        <a:defRPr/>
-                      </a:pPr>
-                      <a:r>
-                        <a:rPr kumimoji="0" lang="en-US" sz="1800" b="0" i="0" u="none" strike="noStrike" kern="1200" cap="none" spc="0" normalizeH="0" baseline="0" noProof="0" dirty="0">
-                          <a:ln>
-                            <a:noFill/>
-                          </a:ln>
-                          <a:solidFill>
-                            <a:schemeClr val="tx1"/>
-                          </a:solidFill>
-                          <a:effectLst/>
-                          <a:uLnTx/>
-                          <a:uFillTx/>
-                          <a:latin typeface="+mn-lt"/>
-                          <a:ea typeface="+mn-ea"/>
-                          <a:cs typeface="+mn-cs"/>
-                        </a:rPr>
-                        <a:t>Low</a:t>
-                      </a:r>
-                    </a:p>
-                    <a:p>
-                      <a:pPr marL="285750" marR="0" lvl="0" indent="-285750" algn="l" defTabSz="914400" rtl="0" eaLnBrk="1" fontAlgn="auto" latinLnBrk="0" hangingPunct="1">
-                        <a:lnSpc>
-                          <a:spcPct val="100000"/>
-                        </a:lnSpc>
-                        <a:spcBef>
-                          <a:spcPts val="0"/>
-                        </a:spcBef>
-                        <a:spcAft>
-                          <a:spcPts val="0"/>
-                        </a:spcAft>
-                        <a:buClrTx/>
-                        <a:buSzTx/>
-                        <a:buFont typeface="Wingdings" panose="05000000000000000000" pitchFamily="2" charset="2"/>
-                        <a:buChar char="ü"/>
-                        <a:tabLst/>
-                        <a:defRPr/>
-                      </a:pPr>
-                      <a:endParaRPr kumimoji="0" lang="en-US" sz="1800" b="0" i="0" u="none" strike="noStrike" kern="1200" cap="none" spc="0" normalizeH="0" baseline="0" noProof="0" dirty="0">
-                        <a:ln>
-                          <a:noFill/>
-                        </a:ln>
-                        <a:solidFill>
-                          <a:schemeClr val="tx1"/>
-                        </a:solidFill>
-                        <a:effectLst/>
-                        <a:uLnTx/>
-                        <a:uFillTx/>
-                        <a:latin typeface="+mn-lt"/>
-                        <a:ea typeface="+mn-ea"/>
-                        <a:cs typeface="+mn-cs"/>
-                      </a:endParaRPr>
-                    </a:p>
-                  </a:txBody>
-                  <a:tcPr/>
-                </a:tc>
-                <a:tc>
-                  <a:txBody>
-                    <a:bodyPr/>
-                    <a:lstStyle/>
-                    <a:p>
-                      <a:pPr marL="0" marR="0" lvl="0" indent="0" algn="l" defTabSz="914400" rtl="0" eaLnBrk="1" fontAlgn="auto" latinLnBrk="0" hangingPunct="1">
-                        <a:lnSpc>
-                          <a:spcPct val="100000"/>
-                        </a:lnSpc>
-                        <a:spcBef>
-                          <a:spcPts val="0"/>
-                        </a:spcBef>
-                        <a:spcAft>
-                          <a:spcPts val="0"/>
-                        </a:spcAft>
-                        <a:buClrTx/>
-                        <a:buSzTx/>
-                        <a:buFont typeface="Wingdings" panose="05000000000000000000" pitchFamily="2" charset="2"/>
-                        <a:buNone/>
-                        <a:tabLst/>
-                        <a:defRPr/>
-                      </a:pPr>
-                      <a:r>
-                        <a:rPr kumimoji="0" lang="en-US" sz="1800" b="0" i="0" u="none" strike="noStrike" kern="1200" cap="none" spc="0" normalizeH="0" baseline="0" noProof="0" dirty="0">
-                          <a:ln>
-                            <a:noFill/>
-                          </a:ln>
-                          <a:solidFill>
-                            <a:srgbClr val="FF0000"/>
-                          </a:solidFill>
-                          <a:effectLst/>
-                          <a:uLnTx/>
-                          <a:uFillTx/>
-                          <a:latin typeface="+mn-lt"/>
-                          <a:ea typeface="+mn-ea"/>
-                          <a:cs typeface="+mn-cs"/>
-                        </a:rPr>
-                        <a:t>1</a:t>
-                      </a:r>
-                    </a:p>
-                  </a:txBody>
-                  <a:tcPr/>
-                </a:tc>
-                <a:extLst>
-                  <a:ext uri="{0D108BD9-81ED-4DB2-BD59-A6C34878D82A}">
-                    <a16:rowId xmlns:a16="http://schemas.microsoft.com/office/drawing/2014/main" val="4031062607"/>
-                  </a:ext>
-                </a:extLst>
-              </a:tr>
-              <a:tr h="672245">
-                <a:tc>
-                  <a:txBody>
-                    <a:bodyPr/>
-                    <a:lstStyle/>
-                    <a:p>
-                      <a:r>
-                        <a:rPr lang="en-US" dirty="0"/>
-                        <a:t>Throttle response speed</a:t>
-                      </a:r>
-                    </a:p>
-                  </a:txBody>
-                  <a:tcPr/>
-                </a:tc>
-                <a:tc>
-                  <a:txBody>
-                    <a:bodyPr/>
-                    <a:lstStyle/>
-                    <a:p>
-                      <a:r>
-                        <a:rPr lang="en-US" dirty="0"/>
-                        <a:t>Normal</a:t>
-                      </a:r>
-                    </a:p>
-                  </a:txBody>
-                  <a:tcPr/>
-                </a:tc>
-                <a:tc>
-                  <a:txBody>
-                    <a:bodyPr/>
-                    <a:lstStyle/>
-                    <a:p>
-                      <a:pPr marL="0" marR="0" lvl="0" indent="0" algn="l" defTabSz="914400" rtl="0" eaLnBrk="1" fontAlgn="auto" latinLnBrk="0" hangingPunct="1">
-                        <a:lnSpc>
-                          <a:spcPct val="100000"/>
-                        </a:lnSpc>
-                        <a:spcBef>
-                          <a:spcPts val="0"/>
-                        </a:spcBef>
-                        <a:spcAft>
-                          <a:spcPts val="0"/>
-                        </a:spcAft>
-                        <a:buClrTx/>
-                        <a:buSzTx/>
-                        <a:buFont typeface="Wingdings" panose="05000000000000000000" pitchFamily="2" charset="2"/>
-                        <a:buNone/>
-                        <a:tabLst/>
-                        <a:defRPr/>
-                      </a:pPr>
-                      <a:r>
-                        <a:rPr kumimoji="0" lang="en-US" sz="1800" b="0" i="0" u="none" strike="noStrike" kern="1200" cap="none" spc="0" normalizeH="0" baseline="0" noProof="0" dirty="0">
-                          <a:ln>
-                            <a:noFill/>
-                          </a:ln>
-                          <a:solidFill>
-                            <a:schemeClr val="tx1"/>
-                          </a:solidFill>
-                          <a:effectLst/>
-                          <a:uLnTx/>
-                          <a:uFillTx/>
-                          <a:latin typeface="+mn-lt"/>
-                          <a:ea typeface="+mn-ea"/>
-                          <a:cs typeface="+mn-cs"/>
-                        </a:rPr>
-                        <a:t>Low</a:t>
-                      </a:r>
-                    </a:p>
-                  </a:txBody>
-                  <a:tcPr/>
-                </a:tc>
-                <a:tc>
-                  <a:txBody>
-                    <a:bodyPr/>
-                    <a:lstStyle/>
-                    <a:p>
-                      <a:pPr marL="0" marR="0" lvl="0" indent="0" algn="l" defTabSz="914400" rtl="0" eaLnBrk="1" fontAlgn="auto" latinLnBrk="0" hangingPunct="1">
-                        <a:lnSpc>
-                          <a:spcPct val="100000"/>
-                        </a:lnSpc>
-                        <a:spcBef>
-                          <a:spcPts val="0"/>
-                        </a:spcBef>
-                        <a:spcAft>
-                          <a:spcPts val="0"/>
-                        </a:spcAft>
-                        <a:buClrTx/>
-                        <a:buSzTx/>
-                        <a:buFont typeface="Wingdings" panose="05000000000000000000" pitchFamily="2" charset="2"/>
-                        <a:buNone/>
-                        <a:tabLst/>
-                        <a:defRPr/>
-                      </a:pPr>
-                      <a:r>
-                        <a:rPr kumimoji="0" lang="en-US" sz="1800" b="0" i="0" u="none" strike="noStrike" kern="1200" cap="none" spc="0" normalizeH="0" baseline="0" noProof="0" dirty="0">
-                          <a:ln>
-                            <a:noFill/>
-                          </a:ln>
-                          <a:solidFill>
-                            <a:srgbClr val="FF0000"/>
-                          </a:solidFill>
-                          <a:effectLst/>
-                          <a:uLnTx/>
-                          <a:uFillTx/>
-                          <a:latin typeface="+mn-lt"/>
-                          <a:ea typeface="+mn-ea"/>
-                          <a:cs typeface="+mn-cs"/>
-                        </a:rPr>
-                        <a:t>1</a:t>
-                      </a:r>
-                    </a:p>
-                  </a:txBody>
-                  <a:tcPr/>
-                </a:tc>
-                <a:extLst>
-                  <a:ext uri="{0D108BD9-81ED-4DB2-BD59-A6C34878D82A}">
-                    <a16:rowId xmlns:a16="http://schemas.microsoft.com/office/drawing/2014/main" val="3783122878"/>
-                  </a:ext>
-                </a:extLst>
-              </a:tr>
-            </a:tbl>
-          </a:graphicData>
-        </a:graphic>
-      </p:graphicFrame>
+        </p:nvPicPr>
+        <p:blipFill>
+          <a:blip r:embed="rId2">
+            <a:extLst>
+              <a:ext uri="{28A0092B-C50C-407E-A947-70E740481C1C}">
+                <a14:useLocalDpi xmlns:a14="http://schemas.microsoft.com/office/drawing/2010/main" val="0"/>
+              </a:ext>
+            </a:extLst>
+          </a:blip>
+          <a:stretch>
+            <a:fillRect/>
+          </a:stretch>
+        </p:blipFill>
+        <p:spPr>
+          <a:xfrm>
+            <a:off x="2768506" y="1825625"/>
+            <a:ext cx="6654987" cy="4351338"/>
+          </a:xfrm>
+        </p:spPr>
+      </p:pic>
     </p:spTree>
     <p:extLst>
       <p:ext uri="{BB962C8B-B14F-4D97-AF65-F5344CB8AC3E}">
@@ -17047,7 +16098,7 @@
             <p:ph idx="1"/>
             <p:extLst>
               <p:ext uri="{D42A27DB-BD31-4B8C-83A1-F6EECF244321}">
-                <p14:modId xmlns:p14="http://schemas.microsoft.com/office/powerpoint/2010/main" val="3425735376"/>
+                <p14:modId xmlns:p14="http://schemas.microsoft.com/office/powerpoint/2010/main" val="1461351312"/>
               </p:ext>
             </p:extLst>
           </p:nvPr>
@@ -17661,7 +16712,7 @@
                       </a:pPr>
                       <a:r>
                         <a:rPr lang="en-US" noProof="0" dirty="0"/>
-                        <a:t>PWM using servo lib</a:t>
+                        <a:t>PWM using servo lib pin 5</a:t>
                       </a:r>
                     </a:p>
                   </a:txBody>
@@ -17780,7 +16831,7 @@
                       </a:pPr>
                       <a:r>
                         <a:rPr lang="en-US" noProof="0" dirty="0"/>
-                        <a:t>PWM using servo lib</a:t>
+                        <a:t>PWM using servo lib pin 6</a:t>
                       </a:r>
                     </a:p>
                   </a:txBody>
@@ -17899,7 +16950,7 @@
                       </a:pPr>
                       <a:r>
                         <a:rPr lang="en-US" noProof="0" dirty="0"/>
-                        <a:t>PWM using servo lib</a:t>
+                        <a:t>PWM using servo lib pin 7</a:t>
                       </a:r>
                     </a:p>
                   </a:txBody>
@@ -18018,7 +17069,7 @@
                       </a:pPr>
                       <a:r>
                         <a:rPr lang="en-US" noProof="0" dirty="0"/>
-                        <a:t>PWM using servo lib</a:t>
+                        <a:t>PWM using servo lib pin 8</a:t>
                       </a:r>
                     </a:p>
                   </a:txBody>
@@ -18220,6 +17271,53 @@
             <a:r>
               <a:rPr lang="fr-FR" b="1" dirty="0"/>
               <a:t>largeur de 19mm</a:t>
+            </a:r>
+          </a:p>
+          <a:p>
+            <a:pPr marL="457200" lvl="1" indent="0">
+              <a:buNone/>
+            </a:pPr>
+            <a:endParaRPr lang="fr-FR" b="1" dirty="0"/>
+          </a:p>
+          <a:p>
+            <a:pPr marL="457200" lvl="1" indent="0">
+              <a:buNone/>
+            </a:pPr>
+            <a:r>
+              <a:rPr lang="fr-FR" b="1" dirty="0"/>
+              <a:t>But the frame has </a:t>
+            </a:r>
+            <a:r>
+              <a:rPr lang="fr-FR" b="1" dirty="0" err="1"/>
+              <a:t>reduced</a:t>
+            </a:r>
+            <a:r>
+              <a:rPr lang="fr-FR" b="1" dirty="0"/>
+              <a:t> </a:t>
+            </a:r>
+            <a:r>
+              <a:rPr lang="fr-FR" b="1" dirty="0" err="1"/>
+              <a:t>from</a:t>
+            </a:r>
+            <a:r>
+              <a:rPr lang="fr-FR" b="1"/>
+              <a:t> 10cm, </a:t>
+            </a:r>
+            <a:r>
+              <a:rPr lang="fr-FR" b="1" dirty="0"/>
+              <a:t>new </a:t>
+            </a:r>
+            <a:r>
+              <a:rPr lang="fr-FR" dirty="0"/>
+              <a:t>Largeur: </a:t>
+            </a:r>
+            <a:r>
+              <a:rPr lang="fr-FR" b="1" dirty="0"/>
+              <a:t>450mm</a:t>
+            </a:r>
+            <a:r>
+              <a:rPr lang="fr-FR" dirty="0"/>
+              <a:t> </a:t>
             </a:r>
             <a:endParaRPr lang="en-US" dirty="0"/>
           </a:p>
@@ -19958,7 +19056,7 @@
           <a:p>
             <a:r>
               <a:rPr lang="fr-FR" dirty="0"/>
-              <a:t>PWM</a:t>
+              <a:t>ESC PWM</a:t>
             </a:r>
             <a:endParaRPr lang="en-US" dirty="0"/>
           </a:p>
@@ -19995,7 +19093,7 @@
         </p:blipFill>
         <p:spPr bwMode="auto">
           <a:xfrm>
-            <a:off x="2412328" y="1825625"/>
+            <a:off x="2412328" y="2345578"/>
             <a:ext cx="7367344" cy="4351338"/>
           </a:xfrm>
           <a:prstGeom prst="rect">
@@ -20013,6 +19111,72 @@
           </a:extLst>
         </p:spPr>
       </p:pic>
+      <p:sp>
+        <p:nvSpPr>
+          <p:cNvPr id="4" name="ZoneTexte 3">
+            <a:extLst>
+              <a:ext uri="{FF2B5EF4-FFF2-40B4-BE49-F238E27FC236}">
+                <a16:creationId xmlns:a16="http://schemas.microsoft.com/office/drawing/2014/main" id="{1E92978D-D270-4B57-83C7-0C8B0B13DF7C}"/>
+              </a:ext>
+            </a:extLst>
+          </p:cNvPr>
+          <p:cNvSpPr txBox="1"/>
+          <p:nvPr/>
+        </p:nvSpPr>
+        <p:spPr>
+          <a:xfrm>
+            <a:off x="1515035" y="1622612"/>
+            <a:ext cx="5291128" cy="646331"/>
+          </a:xfrm>
+          <a:prstGeom prst="rect">
+            <a:avLst/>
+          </a:prstGeom>
+          <a:noFill/>
+        </p:spPr>
+        <p:txBody>
+          <a:bodyPr wrap="none" rtlCol="0">
+            <a:spAutoFit/>
+          </a:bodyPr>
+          <a:lstStyle/>
+          <a:p>
+            <a:r>
+              <a:rPr lang="fr-FR" dirty="0" err="1"/>
+              <a:t>Configured</a:t>
+            </a:r>
+            <a:r>
+              <a:rPr lang="fr-FR" dirty="0"/>
+              <a:t> </a:t>
+            </a:r>
+            <a:r>
+              <a:rPr lang="fr-FR" dirty="0" err="1"/>
+              <a:t>using</a:t>
+            </a:r>
+            <a:r>
+              <a:rPr lang="fr-FR" dirty="0"/>
+              <a:t> BHELI suite </a:t>
+            </a:r>
+            <a:r>
+              <a:rPr lang="fr-FR" dirty="0" err="1"/>
+              <a:t>with</a:t>
+            </a:r>
+            <a:r>
+              <a:rPr lang="fr-FR" dirty="0"/>
+              <a:t> a range 1148 - 1832.</a:t>
+            </a:r>
+          </a:p>
+          <a:p>
+            <a:r>
+              <a:rPr lang="fr-FR" dirty="0" err="1"/>
+              <a:t>Firmware</a:t>
+            </a:r>
+            <a:r>
+              <a:rPr lang="fr-FR" dirty="0"/>
+              <a:t> 16.6 GH30 </a:t>
+            </a:r>
+            <a:endParaRPr lang="en-US" dirty="0"/>
+          </a:p>
+        </p:txBody>
+      </p:sp>
     </p:spTree>
     <p:extLst>
       <p:ext uri="{BB962C8B-B14F-4D97-AF65-F5344CB8AC3E}">

--- a/libraries/Diagramm Drone.pptx
+++ b/libraries/Diagramm Drone.pptx
@@ -21,11 +21,12 @@
     <p:sldId id="278" r:id="rId15"/>
     <p:sldId id="280" r:id="rId16"/>
     <p:sldId id="276" r:id="rId17"/>
-    <p:sldId id="281" r:id="rId18"/>
-    <p:sldId id="284" r:id="rId19"/>
-    <p:sldId id="282" r:id="rId20"/>
-    <p:sldId id="283" r:id="rId21"/>
-    <p:sldId id="260" r:id="rId22"/>
+    <p:sldId id="286" r:id="rId18"/>
+    <p:sldId id="281" r:id="rId19"/>
+    <p:sldId id="284" r:id="rId20"/>
+    <p:sldId id="282" r:id="rId21"/>
+    <p:sldId id="283" r:id="rId22"/>
+    <p:sldId id="260" r:id="rId23"/>
   </p:sldIdLst>
   <p:sldSz cx="12192000" cy="6858000"/>
   <p:notesSz cx="6888163" cy="10020300"/>
@@ -3731,7 +3732,7 @@
           <a:p>
             <a:fld id="{0717AEF8-1597-4679-8926-916E82E12B07}" type="datetimeFigureOut">
               <a:rPr lang="fr-FR" smtClean="0"/>
-              <a:t>04/10/2019</a:t>
+              <a:t>15/10/2019</a:t>
             </a:fld>
             <a:endParaRPr lang="fr-FR"/>
           </a:p>
@@ -3929,7 +3930,7 @@
           <a:p>
             <a:fld id="{0717AEF8-1597-4679-8926-916E82E12B07}" type="datetimeFigureOut">
               <a:rPr lang="fr-FR" smtClean="0"/>
-              <a:t>04/10/2019</a:t>
+              <a:t>15/10/2019</a:t>
             </a:fld>
             <a:endParaRPr lang="fr-FR"/>
           </a:p>
@@ -4137,7 +4138,7 @@
           <a:p>
             <a:fld id="{0717AEF8-1597-4679-8926-916E82E12B07}" type="datetimeFigureOut">
               <a:rPr lang="fr-FR" smtClean="0"/>
-              <a:t>04/10/2019</a:t>
+              <a:t>15/10/2019</a:t>
             </a:fld>
             <a:endParaRPr lang="fr-FR"/>
           </a:p>
@@ -4335,7 +4336,7 @@
           <a:p>
             <a:fld id="{0717AEF8-1597-4679-8926-916E82E12B07}" type="datetimeFigureOut">
               <a:rPr lang="fr-FR" smtClean="0"/>
-              <a:t>04/10/2019</a:t>
+              <a:t>15/10/2019</a:t>
             </a:fld>
             <a:endParaRPr lang="fr-FR"/>
           </a:p>
@@ -4610,7 +4611,7 @@
           <a:p>
             <a:fld id="{0717AEF8-1597-4679-8926-916E82E12B07}" type="datetimeFigureOut">
               <a:rPr lang="fr-FR" smtClean="0"/>
-              <a:t>04/10/2019</a:t>
+              <a:t>15/10/2019</a:t>
             </a:fld>
             <a:endParaRPr lang="fr-FR"/>
           </a:p>
@@ -4875,7 +4876,7 @@
           <a:p>
             <a:fld id="{0717AEF8-1597-4679-8926-916E82E12B07}" type="datetimeFigureOut">
               <a:rPr lang="fr-FR" smtClean="0"/>
-              <a:t>04/10/2019</a:t>
+              <a:t>15/10/2019</a:t>
             </a:fld>
             <a:endParaRPr lang="fr-FR"/>
           </a:p>
@@ -5287,7 +5288,7 @@
           <a:p>
             <a:fld id="{0717AEF8-1597-4679-8926-916E82E12B07}" type="datetimeFigureOut">
               <a:rPr lang="fr-FR" smtClean="0"/>
-              <a:t>04/10/2019</a:t>
+              <a:t>15/10/2019</a:t>
             </a:fld>
             <a:endParaRPr lang="fr-FR"/>
           </a:p>
@@ -5428,7 +5429,7 @@
           <a:p>
             <a:fld id="{0717AEF8-1597-4679-8926-916E82E12B07}" type="datetimeFigureOut">
               <a:rPr lang="fr-FR" smtClean="0"/>
-              <a:t>04/10/2019</a:t>
+              <a:t>15/10/2019</a:t>
             </a:fld>
             <a:endParaRPr lang="fr-FR"/>
           </a:p>
@@ -5541,7 +5542,7 @@
           <a:p>
             <a:fld id="{0717AEF8-1597-4679-8926-916E82E12B07}" type="datetimeFigureOut">
               <a:rPr lang="fr-FR" smtClean="0"/>
-              <a:t>04/10/2019</a:t>
+              <a:t>15/10/2019</a:t>
             </a:fld>
             <a:endParaRPr lang="fr-FR"/>
           </a:p>
@@ -5852,7 +5853,7 @@
           <a:p>
             <a:fld id="{0717AEF8-1597-4679-8926-916E82E12B07}" type="datetimeFigureOut">
               <a:rPr lang="fr-FR" smtClean="0"/>
-              <a:t>04/10/2019</a:t>
+              <a:t>15/10/2019</a:t>
             </a:fld>
             <a:endParaRPr lang="fr-FR"/>
           </a:p>
@@ -6140,7 +6141,7 @@
           <a:p>
             <a:fld id="{0717AEF8-1597-4679-8926-916E82E12B07}" type="datetimeFigureOut">
               <a:rPr lang="fr-FR" smtClean="0"/>
-              <a:t>04/10/2019</a:t>
+              <a:t>15/10/2019</a:t>
             </a:fld>
             <a:endParaRPr lang="fr-FR"/>
           </a:p>
@@ -6381,7 +6382,7 @@
           <a:p>
             <a:fld id="{0717AEF8-1597-4679-8926-916E82E12B07}" type="datetimeFigureOut">
               <a:rPr lang="fr-FR" smtClean="0"/>
-              <a:t>04/10/2019</a:t>
+              <a:t>15/10/2019</a:t>
             </a:fld>
             <a:endParaRPr lang="fr-FR"/>
           </a:p>
@@ -15187,7 +15188,7 @@
           <a:p>
             <a:r>
               <a:rPr lang="en-US" dirty="0"/>
-              <a:t>Configuration ESC</a:t>
+              <a:t>Configuration ESC (except ESC #3)</a:t>
             </a:r>
           </a:p>
         </p:txBody>
@@ -15222,11 +15223,123 @@
         </p:blipFill>
         <p:spPr>
           <a:xfrm>
-            <a:off x="2768506" y="1825625"/>
+            <a:off x="5217216" y="1849234"/>
             <a:ext cx="6654987" cy="4351338"/>
           </a:xfrm>
         </p:spPr>
       </p:pic>
+      <p:sp>
+        <p:nvSpPr>
+          <p:cNvPr id="3" name="ZoneTexte 2">
+            <a:extLst>
+              <a:ext uri="{FF2B5EF4-FFF2-40B4-BE49-F238E27FC236}">
+                <a16:creationId xmlns:a16="http://schemas.microsoft.com/office/drawing/2014/main" id="{352BF9D4-A34A-46F0-A9AE-2BB3D2B34A28}"/>
+              </a:ext>
+            </a:extLst>
+          </p:cNvPr>
+          <p:cNvSpPr txBox="1"/>
+          <p:nvPr/>
+        </p:nvSpPr>
+        <p:spPr>
+          <a:xfrm>
+            <a:off x="659455" y="1077575"/>
+            <a:ext cx="10808645" cy="2031325"/>
+          </a:xfrm>
+          <a:prstGeom prst="rect">
+            <a:avLst/>
+          </a:prstGeom>
+          <a:noFill/>
+        </p:spPr>
+        <p:txBody>
+          <a:bodyPr wrap="square" rtlCol="0">
+            <a:spAutoFit/>
+          </a:bodyPr>
+          <a:lstStyle/>
+          <a:p>
+            <a:pPr marL="285750" indent="-285750">
+              <a:buFont typeface="Arial" panose="020B0604020202020204" pitchFamily="34" charset="0"/>
+              <a:buChar char="•"/>
+            </a:pPr>
+            <a:r>
+              <a:rPr lang="en-US" dirty="0"/>
+              <a:t>Run BLHeliSuite16714901\</a:t>
+            </a:r>
+            <a:r>
+              <a:rPr lang="en-US" dirty="0" err="1"/>
+              <a:t>BLHeliSuite</a:t>
+            </a:r>
+            <a:endParaRPr lang="en-US" dirty="0"/>
+          </a:p>
+          <a:p>
+            <a:pPr marL="285750" indent="-285750">
+              <a:buFont typeface="Arial" panose="020B0604020202020204" pitchFamily="34" charset="0"/>
+              <a:buChar char="•"/>
+            </a:pPr>
+            <a:r>
+              <a:rPr lang="en-US" dirty="0"/>
+              <a:t>Select SILABS </a:t>
+            </a:r>
+            <a:r>
+              <a:rPr lang="en-US" dirty="0" err="1"/>
+              <a:t>BLHeli</a:t>
+            </a:r>
+            <a:r>
+              <a:rPr lang="en-US" dirty="0"/>
+              <a:t> Bootloader (USB/Com) in tab ATMEL/SILABS Interface</a:t>
+            </a:r>
+          </a:p>
+          <a:p>
+            <a:pPr marL="285750" indent="-285750">
+              <a:buFont typeface="Arial" panose="020B0604020202020204" pitchFamily="34" charset="0"/>
+              <a:buChar char="•"/>
+            </a:pPr>
+            <a:r>
+              <a:rPr lang="en-US" dirty="0"/>
+              <a:t>Select port and baud 19200</a:t>
+            </a:r>
+          </a:p>
+          <a:p>
+            <a:pPr marL="285750" indent="-285750">
+              <a:buFont typeface="Arial" panose="020B0604020202020204" pitchFamily="34" charset="0"/>
+              <a:buChar char="•"/>
+            </a:pPr>
+            <a:r>
+              <a:rPr lang="en-US" dirty="0"/>
+              <a:t>Click on Connect</a:t>
+            </a:r>
+          </a:p>
+          <a:p>
+            <a:pPr marL="285750" indent="-285750">
+              <a:buFont typeface="Arial" panose="020B0604020202020204" pitchFamily="34" charset="0"/>
+              <a:buChar char="•"/>
+            </a:pPr>
+            <a:r>
+              <a:rPr lang="en-US" dirty="0"/>
+              <a:t>Click on  Read Setup</a:t>
+            </a:r>
+          </a:p>
+          <a:p>
+            <a:pPr marL="285750" indent="-285750">
+              <a:buFont typeface="Arial" panose="020B0604020202020204" pitchFamily="34" charset="0"/>
+              <a:buChar char="•"/>
+            </a:pPr>
+            <a:r>
+              <a:rPr lang="en-US" dirty="0"/>
+              <a:t>Make changes if needed</a:t>
+            </a:r>
+          </a:p>
+          <a:p>
+            <a:pPr marL="285750" indent="-285750">
+              <a:buFont typeface="Arial" panose="020B0604020202020204" pitchFamily="34" charset="0"/>
+              <a:buChar char="•"/>
+            </a:pPr>
+            <a:r>
+              <a:rPr lang="en-US" dirty="0"/>
+              <a:t>Click on Write Setup</a:t>
+            </a:r>
+          </a:p>
+        </p:txBody>
+      </p:sp>
     </p:spTree>
     <p:extLst>
       <p:ext uri="{BB962C8B-B14F-4D97-AF65-F5344CB8AC3E}">
@@ -15262,7 +15375,7 @@
           <p:cNvPr id="2" name="Titre 1">
             <a:extLst>
               <a:ext uri="{FF2B5EF4-FFF2-40B4-BE49-F238E27FC236}">
-                <a16:creationId xmlns:a16="http://schemas.microsoft.com/office/drawing/2014/main" id="{FE169B9C-4B88-49CF-996F-9AA43AAE11A7}"/>
+                <a16:creationId xmlns:a16="http://schemas.microsoft.com/office/drawing/2014/main" id="{8DDCDBDF-D8CC-44B1-A599-F6FD2A53CCC8}"/>
               </a:ext>
             </a:extLst>
           </p:cNvPr>
@@ -15275,275 +15388,181 @@
         </p:nvSpPr>
         <p:spPr>
           <a:xfrm>
-            <a:off x="838200" y="365125"/>
-            <a:ext cx="10515600" cy="1325563"/>
-          </a:xfrm>
-        </p:spPr>
-        <p:txBody>
-          <a:bodyPr/>
-          <a:lstStyle/>
-          <a:p>
-            <a:r>
-              <a:rPr lang="en-US"/>
-              <a:t>Lipo</a:t>
-            </a:r>
-            <a:endParaRPr lang="en-US" dirty="0"/>
-          </a:p>
-        </p:txBody>
-      </p:sp>
-      <p:sp>
-        <p:nvSpPr>
-          <p:cNvPr id="3" name="Espace réservé du contenu 2">
-            <a:extLst>
-              <a:ext uri="{FF2B5EF4-FFF2-40B4-BE49-F238E27FC236}">
-                <a16:creationId xmlns:a16="http://schemas.microsoft.com/office/drawing/2014/main" id="{13BA1678-4CC9-4D81-80F5-03ACA87BD6C6}"/>
-              </a:ext>
-            </a:extLst>
-          </p:cNvPr>
-          <p:cNvSpPr>
-            <a:spLocks noGrp="1"/>
-          </p:cNvSpPr>
-          <p:nvPr>
-            <p:ph idx="1"/>
-          </p:nvPr>
-        </p:nvSpPr>
-        <p:spPr>
-          <a:xfrm>
-            <a:off x="838200" y="1509204"/>
-            <a:ext cx="10515600" cy="5093887"/>
+            <a:off x="723900" y="190500"/>
+            <a:ext cx="10515600" cy="750888"/>
           </a:xfrm>
         </p:spPr>
         <p:txBody>
           <a:bodyPr>
-            <a:normAutofit fontScale="62500" lnSpcReduction="20000"/>
+            <a:normAutofit/>
           </a:bodyPr>
           <a:lstStyle/>
           <a:p>
-            <a:pPr marL="0" indent="0">
-              <a:buNone/>
-            </a:pPr>
             <a:r>
               <a:rPr lang="en-US" dirty="0"/>
-              <a:t>3S :3*3,7v =11,1v</a:t>
-            </a:r>
-          </a:p>
-          <a:p>
-            <a:pPr marL="0" indent="0">
-              <a:buNone/>
-            </a:pPr>
-            <a:endParaRPr lang="en-US" dirty="0"/>
-          </a:p>
-          <a:p>
-            <a:pPr marL="0" indent="0">
-              <a:buNone/>
-            </a:pPr>
-            <a:r>
-              <a:rPr lang="en-US" dirty="0"/>
-              <a:t>4 motors 17A =&gt; </a:t>
-            </a:r>
-            <a:r>
-              <a:rPr lang="en-US" b="1" dirty="0"/>
-              <a:t>68A </a:t>
-            </a:r>
-            <a:r>
-              <a:rPr lang="en-US" dirty="0"/>
-              <a:t>Max</a:t>
-            </a:r>
-          </a:p>
-          <a:p>
-            <a:pPr marL="0" indent="0">
-              <a:buNone/>
-            </a:pPr>
-            <a:endParaRPr lang="en-US" dirty="0"/>
-          </a:p>
-          <a:p>
-            <a:pPr marL="0" indent="0">
-              <a:buNone/>
-            </a:pPr>
-            <a:r>
-              <a:rPr lang="en-US" dirty="0"/>
-              <a:t>I have selected LiPo 3S </a:t>
-            </a:r>
-            <a:r>
-              <a:rPr lang="en-US" b="1" dirty="0"/>
-              <a:t>3000mA</a:t>
-            </a:r>
-            <a:r>
-              <a:rPr lang="en-US" dirty="0"/>
-              <a:t>h 11.1V </a:t>
-            </a:r>
-            <a:r>
-              <a:rPr lang="en-US" b="1" dirty="0"/>
-              <a:t>30C </a:t>
-            </a:r>
-            <a:r>
-              <a:rPr lang="en-US" dirty="0"/>
-              <a:t> not too much heavy with Max discharge = 3*30 = </a:t>
-            </a:r>
-            <a:r>
-              <a:rPr lang="en-US" b="1" dirty="0"/>
-              <a:t>90A</a:t>
-            </a:r>
-            <a:r>
-              <a:rPr lang="en-US" dirty="0"/>
-              <a:t> &gt; </a:t>
-            </a:r>
-            <a:r>
-              <a:rPr lang="en-US" b="1" dirty="0"/>
-              <a:t>68A</a:t>
-            </a:r>
-          </a:p>
-          <a:p>
-            <a:pPr lvl="1">
-              <a:buFont typeface="Symbol" panose="05050102010706020507" pitchFamily="18" charset="2"/>
-              <a:buChar char="Þ"/>
-            </a:pPr>
-            <a:endParaRPr lang="en-US" b="1" dirty="0"/>
-          </a:p>
-          <a:p>
-            <a:pPr marL="0" indent="0">
-              <a:buNone/>
-            </a:pPr>
-            <a:r>
-              <a:rPr lang="en-US" dirty="0"/>
-              <a:t>Specifications</a:t>
-            </a:r>
-          </a:p>
-          <a:p>
-            <a:pPr lvl="1"/>
+              <a:t>Configuration ESC #3</a:t>
+            </a:r>
+          </a:p>
+        </p:txBody>
+      </p:sp>
+      <p:pic>
+        <p:nvPicPr>
+          <p:cNvPr id="6" name="Espace réservé du contenu 5" descr="Une image contenant capture d’écran&#10;&#10;Description générée automatiquement">
+            <a:extLst>
+              <a:ext uri="{FF2B5EF4-FFF2-40B4-BE49-F238E27FC236}">
+                <a16:creationId xmlns:a16="http://schemas.microsoft.com/office/drawing/2014/main" id="{3F6EE8B9-853B-49EF-9F3D-B81A55DCC4EE}"/>
+              </a:ext>
+            </a:extLst>
+          </p:cNvPr>
+          <p:cNvPicPr>
+            <a:picLocks noGrp="1" noChangeAspect="1"/>
+          </p:cNvPicPr>
+          <p:nvPr>
+            <p:ph idx="1"/>
+          </p:nvPr>
+        </p:nvPicPr>
+        <p:blipFill>
+          <a:blip r:embed="rId2">
+            <a:extLst>
+              <a:ext uri="{28A0092B-C50C-407E-A947-70E740481C1C}">
+                <a14:useLocalDpi xmlns:a14="http://schemas.microsoft.com/office/drawing/2010/main" val="0"/>
+              </a:ext>
+            </a:extLst>
+          </a:blip>
+          <a:stretch>
+            <a:fillRect/>
+          </a:stretch>
+        </p:blipFill>
+        <p:spPr>
+          <a:xfrm>
+            <a:off x="2768506" y="1825625"/>
+            <a:ext cx="6654987" cy="4351338"/>
+          </a:xfrm>
+        </p:spPr>
+      </p:pic>
+      <p:sp>
+        <p:nvSpPr>
+          <p:cNvPr id="8" name="ZoneTexte 7">
+            <a:extLst>
+              <a:ext uri="{FF2B5EF4-FFF2-40B4-BE49-F238E27FC236}">
+                <a16:creationId xmlns:a16="http://schemas.microsoft.com/office/drawing/2014/main" id="{71AD99FA-65BF-446E-971A-B0D3A10C0E90}"/>
+              </a:ext>
+            </a:extLst>
+          </p:cNvPr>
+          <p:cNvSpPr txBox="1"/>
+          <p:nvPr/>
+        </p:nvSpPr>
+        <p:spPr>
+          <a:xfrm>
+            <a:off x="1906622" y="1060341"/>
+            <a:ext cx="7938263" cy="646331"/>
+          </a:xfrm>
+          <a:prstGeom prst="rect">
+            <a:avLst/>
+          </a:prstGeom>
+          <a:noFill/>
+        </p:spPr>
+        <p:txBody>
+          <a:bodyPr wrap="none" rtlCol="0">
+            <a:spAutoFit/>
+          </a:bodyPr>
+          <a:lstStyle/>
+          <a:p>
             <a:r>
               <a:rPr lang="fr-FR" dirty="0"/>
-              <a:t>Type de la batterie		</a:t>
+              <a:t>The </a:t>
             </a:r>
             <a:r>
               <a:rPr lang="fr-FR" dirty="0" err="1"/>
-              <a:t>LiPO</a:t>
+              <a:t>only</a:t>
+            </a:r>
+            <a:r>
+              <a:rPr lang="fr-FR" dirty="0"/>
+              <a:t> </a:t>
+            </a:r>
+            <a:r>
+              <a:rPr lang="fr-FR" dirty="0" err="1"/>
+              <a:t>difference</a:t>
+            </a:r>
+            <a:r>
+              <a:rPr lang="fr-FR" dirty="0"/>
+              <a:t> </a:t>
+            </a:r>
+            <a:r>
+              <a:rPr lang="fr-FR" dirty="0" err="1"/>
+              <a:t>with</a:t>
+            </a:r>
+            <a:r>
+              <a:rPr lang="fr-FR" dirty="0"/>
+              <a:t> the </a:t>
+            </a:r>
+            <a:r>
+              <a:rPr lang="fr-FR" dirty="0" err="1"/>
+              <a:t>other</a:t>
+            </a:r>
+            <a:r>
+              <a:rPr lang="fr-FR" dirty="0"/>
+              <a:t> ESC </a:t>
+            </a:r>
+            <a:r>
+              <a:rPr lang="fr-FR" dirty="0" err="1"/>
+              <a:t>is</a:t>
             </a:r>
             <a:endParaRPr lang="fr-FR" dirty="0"/>
           </a:p>
           <a:p>
-            <a:pPr lvl="1"/>
+            <a:r>
+              <a:rPr lang="fr-FR" dirty="0"/>
+              <a:t> Min PPM = </a:t>
+            </a:r>
             <a:r>
               <a:rPr lang="fr-FR" b="1" dirty="0"/>
-              <a:t>Capacité batterie</a:t>
+              <a:t>1156</a:t>
             </a:r>
             <a:r>
               <a:rPr lang="fr-FR" dirty="0"/>
-              <a:t>		</a:t>
-            </a:r>
-            <a:r>
-              <a:rPr lang="fr-FR" b="1" dirty="0"/>
-              <a:t>3300 (mAh)</a:t>
-            </a:r>
-          </a:p>
-          <a:p>
-            <a:pPr lvl="1"/>
+              <a:t> </a:t>
+            </a:r>
+            <a:r>
+              <a:rPr lang="fr-FR" dirty="0" err="1"/>
+              <a:t>instead</a:t>
+            </a:r>
             <a:r>
               <a:rPr lang="fr-FR" dirty="0"/>
-              <a:t>Voltage			11.1 (V)</a:t>
-            </a:r>
-          </a:p>
-          <a:p>
-            <a:pPr lvl="1"/>
-            <a:r>
-              <a:rPr lang="fr-FR" b="1" dirty="0"/>
-              <a:t>Courant décharge en continu</a:t>
+              <a:t> of 1148 in </a:t>
+            </a:r>
+            <a:r>
+              <a:rPr lang="fr-FR" dirty="0" err="1"/>
+              <a:t>order</a:t>
             </a:r>
             <a:r>
               <a:rPr lang="fr-FR" dirty="0"/>
-              <a:t>	</a:t>
-            </a:r>
-            <a:r>
-              <a:rPr lang="fr-FR" b="1" dirty="0"/>
-              <a:t>30 (C)</a:t>
-            </a:r>
-          </a:p>
-          <a:p>
-            <a:pPr lvl="1"/>
+              <a:t> to stop the </a:t>
+            </a:r>
+            <a:r>
+              <a:rPr lang="fr-FR" dirty="0" err="1"/>
+              <a:t>motor</a:t>
+            </a:r>
             <a:r>
               <a:rPr lang="fr-FR" dirty="0"/>
-              <a:t>Courant de décharge max		60 (C)</a:t>
-            </a:r>
-          </a:p>
-          <a:p>
-            <a:pPr lvl="1"/>
-            <a:r>
-              <a:rPr lang="fr-FR" b="1" dirty="0"/>
-              <a:t>Poids</a:t>
+              <a:t> </a:t>
+            </a:r>
+            <a:r>
+              <a:rPr lang="fr-FR" dirty="0" err="1"/>
+              <a:t>when</a:t>
             </a:r>
             <a:r>
               <a:rPr lang="fr-FR" dirty="0"/>
-              <a:t>			</a:t>
-            </a:r>
-            <a:r>
-              <a:rPr lang="fr-FR" b="1" dirty="0"/>
-              <a:t>182 (g)</a:t>
-            </a:r>
-          </a:p>
-          <a:p>
-            <a:pPr lvl="1"/>
+              <a:t> the stick </a:t>
+            </a:r>
+            <a:r>
+              <a:rPr lang="fr-FR" dirty="0" err="1"/>
+              <a:t>is</a:t>
+            </a:r>
             <a:r>
               <a:rPr lang="fr-FR" dirty="0"/>
-              <a:t>Longueur			103 (mm)</a:t>
-            </a:r>
-          </a:p>
-          <a:p>
-            <a:pPr lvl="1"/>
-            <a:r>
-              <a:rPr lang="fr-FR" dirty="0"/>
-              <a:t>Largeur			33 (mm)</a:t>
-            </a:r>
-          </a:p>
-          <a:p>
-            <a:pPr lvl="1"/>
-            <a:r>
-              <a:rPr lang="fr-FR" dirty="0"/>
-              <a:t>Hauteur			23 (mm)</a:t>
-            </a:r>
-          </a:p>
-          <a:p>
-            <a:pPr lvl="1"/>
-            <a:r>
-              <a:rPr lang="fr-FR" dirty="0"/>
-              <a:t>Type de prise			Dean / </a:t>
-            </a:r>
-            <a:r>
-              <a:rPr lang="fr-FR" dirty="0" err="1"/>
-              <a:t>Tplug</a:t>
-            </a:r>
-            <a:endParaRPr lang="fr-FR" dirty="0"/>
-          </a:p>
-          <a:p>
-            <a:pPr lvl="1"/>
-            <a:r>
-              <a:rPr lang="fr-FR" dirty="0"/>
-              <a:t>Prise Equilibrage		JST-XH</a:t>
-            </a:r>
-          </a:p>
-          <a:p>
-            <a:pPr lvl="1"/>
-            <a:r>
-              <a:rPr lang="fr-FR" b="1" dirty="0"/>
-              <a:t>Taux de Charge Max</a:t>
-            </a:r>
-            <a:r>
-              <a:rPr lang="fr-FR" dirty="0"/>
-              <a:t>		</a:t>
-            </a:r>
-            <a:r>
-              <a:rPr lang="fr-FR" b="1" dirty="0"/>
-              <a:t>2 (C)</a:t>
-            </a:r>
-          </a:p>
-          <a:p>
-            <a:pPr lvl="1"/>
-            <a:r>
-              <a:rPr lang="fr-FR" dirty="0"/>
-              <a:t>Nombre d'éléments		3 (S)</a:t>
-            </a:r>
-          </a:p>
-          <a:p>
-            <a:pPr lvl="1"/>
+              <a:t> down</a:t>
+            </a:r>
             <a:endParaRPr lang="en-US" dirty="0"/>
           </a:p>
         </p:txBody>
@@ -15551,7 +15570,7 @@
     </p:spTree>
     <p:extLst>
       <p:ext uri="{BB962C8B-B14F-4D97-AF65-F5344CB8AC3E}">
-        <p14:creationId xmlns:p14="http://schemas.microsoft.com/office/powerpoint/2010/main" val="550258717"/>
+        <p14:creationId xmlns:p14="http://schemas.microsoft.com/office/powerpoint/2010/main" val="2775998168"/>
       </p:ext>
     </p:extLst>
   </p:cSld>
@@ -15605,20 +15624,8 @@
           <a:lstStyle/>
           <a:p>
             <a:r>
-              <a:rPr lang="en-US" dirty="0"/>
-              <a:t>Charger </a:t>
-            </a:r>
-            <a:r>
-              <a:rPr lang="en-US" dirty="0" err="1"/>
-              <a:t>Graupner</a:t>
-            </a:r>
-            <a:r>
-              <a:rPr lang="en-US" dirty="0"/>
-              <a:t> </a:t>
-            </a:r>
-            <a:r>
               <a:rPr lang="en-US"/>
-              <a:t>ULTRAMAT 16</a:t>
+              <a:t>Lipo</a:t>
             </a:r>
             <a:endParaRPr lang="en-US" dirty="0"/>
           </a:p>
@@ -15648,7 +15655,7 @@
         </p:spPr>
         <p:txBody>
           <a:bodyPr>
-            <a:normAutofit/>
+            <a:normAutofit fontScale="62500" lnSpcReduction="20000"/>
           </a:bodyPr>
           <a:lstStyle/>
           <a:p>
@@ -15657,148 +15664,226 @@
             </a:pPr>
             <a:r>
               <a:rPr lang="en-US" dirty="0"/>
-              <a:t>Lithium batteries: </a:t>
-            </a:r>
-            <a:r>
-              <a:rPr lang="en-US" dirty="0" err="1"/>
-              <a:t>Lipo</a:t>
-            </a:r>
-            <a:r>
-              <a:rPr lang="en-US" dirty="0"/>
-              <a:t> (motors) and Lilo (Arduino)</a:t>
-            </a:r>
-          </a:p>
-          <a:p>
-            <a:pPr marL="457200" lvl="1" indent="0">
-              <a:buNone/>
-            </a:pPr>
-            <a:r>
-              <a:rPr lang="en-US" dirty="0"/>
-              <a:t>The max. charge voltage for </a:t>
-            </a:r>
-            <a:r>
-              <a:rPr lang="en-US" b="1" dirty="0"/>
-              <a:t>LiPo is 4.2V, </a:t>
-            </a:r>
-            <a:r>
-              <a:rPr lang="en-US" dirty="0"/>
-              <a:t>for </a:t>
-            </a:r>
-            <a:r>
-              <a:rPr lang="en-US" b="1" dirty="0" err="1"/>
-              <a:t>LiIo</a:t>
-            </a:r>
-            <a:r>
-              <a:rPr lang="en-US" b="1" dirty="0"/>
-              <a:t> 4.1V</a:t>
-            </a:r>
-            <a:r>
-              <a:rPr lang="en-US" dirty="0"/>
-              <a:t>, for </a:t>
-            </a:r>
-            <a:r>
-              <a:rPr lang="en-US" dirty="0" err="1"/>
-              <a:t>LiFe</a:t>
-            </a:r>
-            <a:r>
-              <a:rPr lang="en-US" dirty="0"/>
-              <a:t> 3.6V. To store the batteries, adjust the charge voltage about 0.4V lower as the maximum charge voltage</a:t>
-            </a:r>
-          </a:p>
-          <a:p>
-            <a:pPr marL="457200" lvl="1" indent="0">
-              <a:buNone/>
-            </a:pPr>
-            <a:r>
-              <a:rPr lang="en-US" dirty="0"/>
-              <a:t>At charging/discharging the battery types will be displayed as followed:</a:t>
-            </a:r>
-          </a:p>
-          <a:p>
-            <a:pPr marL="914400" lvl="2" indent="0">
-              <a:buNone/>
-            </a:pPr>
-            <a:r>
-              <a:rPr lang="en-US" dirty="0"/>
-              <a:t> LiPo (</a:t>
-            </a:r>
-            <a:r>
-              <a:rPr lang="en-US" dirty="0" err="1"/>
-              <a:t>LiMn</a:t>
-            </a:r>
-            <a:r>
-              <a:rPr lang="en-US" dirty="0"/>
-              <a:t>) = LP</a:t>
-            </a:r>
-          </a:p>
-          <a:p>
-            <a:pPr marL="914400" lvl="2" indent="0">
-              <a:buNone/>
-            </a:pPr>
-            <a:r>
-              <a:rPr lang="en-US" dirty="0"/>
-              <a:t> </a:t>
-            </a:r>
-            <a:r>
-              <a:rPr lang="en-US" dirty="0" err="1"/>
-              <a:t>LiIo</a:t>
-            </a:r>
-            <a:r>
-              <a:rPr lang="en-US" dirty="0"/>
-              <a:t> = LI</a:t>
-            </a:r>
-          </a:p>
-          <a:p>
-            <a:pPr marL="914400" lvl="2" indent="0">
-              <a:buNone/>
-            </a:pPr>
-            <a:r>
-              <a:rPr lang="en-US" dirty="0"/>
-              <a:t> </a:t>
-            </a:r>
-            <a:r>
-              <a:rPr lang="en-US" dirty="0" err="1"/>
-              <a:t>LiFe</a:t>
-            </a:r>
-            <a:r>
-              <a:rPr lang="en-US" dirty="0"/>
-              <a:t> = LF</a:t>
-            </a:r>
-            <a:endParaRPr lang="en-US" b="1" dirty="0"/>
-          </a:p>
-          <a:p>
-            <a:pPr marL="457200" lvl="1" indent="0">
-              <a:buNone/>
-            </a:pPr>
-            <a:r>
-              <a:rPr lang="en-US" dirty="0"/>
-              <a:t>Lithium batteries are usually charged at the 1C rate</a:t>
-            </a:r>
-          </a:p>
-          <a:p>
-            <a:pPr marL="457200" lvl="1" indent="0">
-              <a:buNone/>
-            </a:pPr>
-            <a:endParaRPr lang="en-US" b="1" dirty="0"/>
+              <a:t>3S :3*3,7v =11,1v</a:t>
+            </a:r>
           </a:p>
           <a:p>
             <a:pPr marL="0" indent="0">
               <a:buNone/>
             </a:pPr>
-            <a:r>
-              <a:rPr lang="en-US" dirty="0"/>
-              <a:t>Ni-MH batteries (RC transmitter)</a:t>
-            </a:r>
-            <a:endParaRPr lang="en-US" b="1" dirty="0"/>
-          </a:p>
-          <a:p>
-            <a:pPr lvl="1"/>
             <a:endParaRPr lang="en-US" dirty="0"/>
           </a:p>
           <a:p>
-            <a:pPr marL="457200" lvl="1" indent="0">
+            <a:pPr marL="0" indent="0">
               <a:buNone/>
             </a:pPr>
+            <a:r>
+              <a:rPr lang="en-US" dirty="0"/>
+              <a:t>4 motors 17A =&gt; </a:t>
+            </a:r>
+            <a:r>
+              <a:rPr lang="en-US" b="1" dirty="0"/>
+              <a:t>68A </a:t>
+            </a:r>
+            <a:r>
+              <a:rPr lang="en-US" dirty="0"/>
+              <a:t>Max</a:t>
+            </a:r>
+          </a:p>
+          <a:p>
+            <a:pPr marL="0" indent="0">
+              <a:buNone/>
+            </a:pPr>
+            <a:endParaRPr lang="en-US" dirty="0"/>
+          </a:p>
+          <a:p>
+            <a:pPr marL="0" indent="0">
+              <a:buNone/>
+            </a:pPr>
+            <a:r>
+              <a:rPr lang="en-US" dirty="0"/>
+              <a:t>I have selected LiPo 3S </a:t>
+            </a:r>
+            <a:r>
+              <a:rPr lang="en-US" b="1" dirty="0"/>
+              <a:t>3000mA</a:t>
+            </a:r>
+            <a:r>
+              <a:rPr lang="en-US" dirty="0"/>
+              <a:t>h 11.1V </a:t>
+            </a:r>
+            <a:r>
+              <a:rPr lang="en-US" b="1" dirty="0"/>
+              <a:t>30C </a:t>
+            </a:r>
+            <a:r>
+              <a:rPr lang="en-US" dirty="0"/>
+              <a:t> not too much heavy with Max discharge = 3*30 = </a:t>
+            </a:r>
+            <a:r>
+              <a:rPr lang="en-US" b="1" dirty="0"/>
+              <a:t>90A</a:t>
+            </a:r>
+            <a:r>
+              <a:rPr lang="en-US" dirty="0"/>
+              <a:t> &gt; </a:t>
+            </a:r>
+            <a:r>
+              <a:rPr lang="en-US" b="1" dirty="0"/>
+              <a:t>68A</a:t>
+            </a:r>
+          </a:p>
+          <a:p>
+            <a:pPr lvl="1">
+              <a:buFont typeface="Symbol" panose="05050102010706020507" pitchFamily="18" charset="2"/>
+              <a:buChar char="Þ"/>
+            </a:pPr>
+            <a:endParaRPr lang="en-US" b="1" dirty="0"/>
+          </a:p>
+          <a:p>
+            <a:pPr marL="0" indent="0">
+              <a:buNone/>
+            </a:pPr>
+            <a:r>
+              <a:rPr lang="en-US" dirty="0"/>
+              <a:t>Specifications</a:t>
+            </a:r>
+          </a:p>
+          <a:p>
+            <a:pPr lvl="1"/>
+            <a:r>
+              <a:rPr lang="fr-FR" dirty="0"/>
+              <a:t>Type de la batterie		</a:t>
+            </a:r>
+            <a:r>
+              <a:rPr lang="fr-FR" dirty="0" err="1"/>
+              <a:t>LiPO</a:t>
+            </a:r>
+            <a:endParaRPr lang="fr-FR" dirty="0"/>
+          </a:p>
+          <a:p>
+            <a:pPr lvl="1"/>
+            <a:r>
+              <a:rPr lang="fr-FR" b="1" dirty="0"/>
+              <a:t>Capacité batterie</a:t>
+            </a:r>
+            <a:r>
+              <a:rPr lang="fr-FR" dirty="0"/>
+              <a:t>		</a:t>
+            </a:r>
+            <a:r>
+              <a:rPr lang="fr-FR" b="1" dirty="0"/>
+              <a:t>3300 (mAh)</a:t>
+            </a:r>
+          </a:p>
+          <a:p>
+            <a:pPr lvl="1"/>
+            <a:r>
+              <a:rPr lang="fr-FR" dirty="0"/>
+              <a:t>Voltage			11.1 (V)</a:t>
+            </a:r>
+          </a:p>
+          <a:p>
+            <a:pPr lvl="1"/>
+            <a:r>
+              <a:rPr lang="fr-FR" b="1" dirty="0"/>
+              <a:t>Courant décharge en continu</a:t>
+            </a:r>
+            <a:r>
+              <a:rPr lang="fr-FR" dirty="0"/>
+              <a:t>	</a:t>
+            </a:r>
+            <a:r>
+              <a:rPr lang="fr-FR" b="1" dirty="0"/>
+              <a:t>30 (C)</a:t>
+            </a:r>
+          </a:p>
+          <a:p>
+            <a:pPr lvl="1"/>
+            <a:r>
+              <a:rPr lang="fr-FR" dirty="0"/>
+              <a:t>Courant de décharge max		60 (C)</a:t>
+            </a:r>
+          </a:p>
+          <a:p>
+            <a:pPr lvl="1"/>
+            <a:r>
+              <a:rPr lang="fr-FR" b="1" dirty="0"/>
+              <a:t>Poids</a:t>
+            </a:r>
+            <a:r>
+              <a:rPr lang="fr-FR" dirty="0"/>
+              <a:t>			</a:t>
+            </a:r>
+            <a:r>
+              <a:rPr lang="fr-FR" b="1" dirty="0"/>
+              <a:t>182 (g)</a:t>
+            </a:r>
+          </a:p>
+          <a:p>
+            <a:pPr lvl="1"/>
+            <a:r>
+              <a:rPr lang="fr-FR" dirty="0"/>
+              <a:t>Longueur			103 (mm)</a:t>
+            </a:r>
+          </a:p>
+          <a:p>
+            <a:pPr lvl="1"/>
+            <a:r>
+              <a:rPr lang="fr-FR" dirty="0"/>
+              <a:t>Largeur			33 (mm)</a:t>
+            </a:r>
+          </a:p>
+          <a:p>
+            <a:pPr lvl="1"/>
+            <a:r>
+              <a:rPr lang="fr-FR" dirty="0"/>
+              <a:t>Hauteur			23 (mm)</a:t>
+            </a:r>
+          </a:p>
+          <a:p>
+            <a:pPr lvl="1"/>
+            <a:r>
+              <a:rPr lang="fr-FR" dirty="0"/>
+              <a:t>Type de prise			Dean / </a:t>
+            </a:r>
+            <a:r>
+              <a:rPr lang="fr-FR" dirty="0" err="1"/>
+              <a:t>Tplug</a:t>
+            </a:r>
+            <a:endParaRPr lang="fr-FR" dirty="0"/>
+          </a:p>
+          <a:p>
+            <a:pPr lvl="1"/>
+            <a:r>
+              <a:rPr lang="fr-FR" dirty="0"/>
+              <a:t>Prise Equilibrage		JST-XH</a:t>
+            </a:r>
+          </a:p>
+          <a:p>
+            <a:pPr lvl="1"/>
+            <a:r>
+              <a:rPr lang="fr-FR" b="1" dirty="0"/>
+              <a:t>Taux de Charge Max</a:t>
+            </a:r>
+            <a:r>
+              <a:rPr lang="fr-FR" dirty="0"/>
+              <a:t>		</a:t>
+            </a:r>
+            <a:r>
+              <a:rPr lang="fr-FR" b="1" dirty="0"/>
+              <a:t>2 (C)</a:t>
+            </a:r>
+          </a:p>
+          <a:p>
+            <a:pPr lvl="1"/>
+            <a:r>
+              <a:rPr lang="fr-FR" dirty="0"/>
+              <a:t>Nombre d'éléments		3 (S)</a:t>
+            </a:r>
+          </a:p>
+          <a:p>
+            <a:pPr lvl="1"/>
             <a:endParaRPr lang="en-US" dirty="0"/>
           </a:p>
         </p:txBody>
@@ -15806,7 +15891,7 @@
     </p:spTree>
     <p:extLst>
       <p:ext uri="{BB962C8B-B14F-4D97-AF65-F5344CB8AC3E}">
-        <p14:creationId xmlns:p14="http://schemas.microsoft.com/office/powerpoint/2010/main" val="2262939316"/>
+        <p14:creationId xmlns:p14="http://schemas.microsoft.com/office/powerpoint/2010/main" val="550258717"/>
       </p:ext>
     </p:extLst>
   </p:cSld>
@@ -15861,8 +15946,21 @@
           <a:p>
             <a:r>
               <a:rPr lang="en-US" dirty="0"/>
-              <a:t>Receiver</a:t>
-            </a:r>
+              <a:t>Charger </a:t>
+            </a:r>
+            <a:r>
+              <a:rPr lang="en-US" dirty="0" err="1"/>
+              <a:t>Graupner</a:t>
+            </a:r>
+            <a:r>
+              <a:rPr lang="en-US" dirty="0"/>
+              <a:t> </a:t>
+            </a:r>
+            <a:r>
+              <a:rPr lang="en-US"/>
+              <a:t>ULTRAMAT 16</a:t>
+            </a:r>
+            <a:endParaRPr lang="en-US" dirty="0"/>
           </a:p>
         </p:txBody>
       </p:sp>
@@ -15890,7 +15988,7 @@
         </p:spPr>
         <p:txBody>
           <a:bodyPr>
-            <a:normAutofit fontScale="62500" lnSpcReduction="20000"/>
+            <a:normAutofit/>
           </a:bodyPr>
           <a:lstStyle/>
           <a:p>
@@ -15898,129 +15996,157 @@
               <a:buNone/>
             </a:pPr>
             <a:r>
+              <a:rPr lang="en-US" dirty="0"/>
+              <a:t>Lithium batteries: </a:t>
+            </a:r>
+            <a:r>
+              <a:rPr lang="en-US" dirty="0" err="1"/>
+              <a:t>Lipo</a:t>
+            </a:r>
+            <a:r>
+              <a:rPr lang="en-US" dirty="0"/>
+              <a:t> (motors) and Lilo (Arduino)</a:t>
+            </a:r>
+          </a:p>
+          <a:p>
+            <a:pPr marL="457200" lvl="1" indent="0">
+              <a:buNone/>
+            </a:pPr>
+            <a:r>
+              <a:rPr lang="en-US" dirty="0"/>
+              <a:t>The max. charge voltage for </a:t>
+            </a:r>
+            <a:r>
               <a:rPr lang="en-US" b="1" dirty="0"/>
-              <a:t>Receiver </a:t>
+              <a:t>LiPo is 4.2V, </a:t>
+            </a:r>
+            <a:r>
+              <a:rPr lang="en-US" dirty="0"/>
+              <a:t>for </a:t>
             </a:r>
             <a:r>
               <a:rPr lang="en-US" b="1" dirty="0" err="1"/>
-              <a:t>Henge</a:t>
+              <a:t>LiIo</a:t>
             </a:r>
             <a:r>
               <a:rPr lang="en-US" b="1" dirty="0"/>
-              <a:t> RP62L</a:t>
-            </a:r>
+              <a:t> 4.1V</a:t>
+            </a:r>
+            <a:r>
+              <a:rPr lang="en-US" dirty="0"/>
+              <a:t>, for </a:t>
+            </a:r>
+            <a:r>
+              <a:rPr lang="en-US" dirty="0" err="1"/>
+              <a:t>LiFe</a:t>
+            </a:r>
+            <a:r>
+              <a:rPr lang="en-US" dirty="0"/>
+              <a:t> 3.6V. To store the batteries, adjust the charge voltage about 0.4V lower as the maximum charge voltage</a:t>
+            </a:r>
+          </a:p>
+          <a:p>
+            <a:pPr marL="457200" lvl="1" indent="0">
+              <a:buNone/>
+            </a:pPr>
+            <a:r>
+              <a:rPr lang="en-US" dirty="0"/>
+              <a:t>At charging/discharging the battery types will be displayed as followed:</a:t>
+            </a:r>
+          </a:p>
+          <a:p>
+            <a:pPr marL="914400" lvl="2" indent="0">
+              <a:buNone/>
+            </a:pPr>
+            <a:r>
+              <a:rPr lang="en-US" dirty="0"/>
+              <a:t> LiPo (</a:t>
+            </a:r>
+            <a:r>
+              <a:rPr lang="en-US" dirty="0" err="1"/>
+              <a:t>LiMn</a:t>
+            </a:r>
+            <a:r>
+              <a:rPr lang="en-US" dirty="0"/>
+              <a:t>) = LP</a:t>
+            </a:r>
+          </a:p>
+          <a:p>
+            <a:pPr marL="914400" lvl="2" indent="0">
+              <a:buNone/>
+            </a:pPr>
+            <a:r>
+              <a:rPr lang="en-US" dirty="0"/>
+              <a:t> </a:t>
+            </a:r>
+            <a:r>
+              <a:rPr lang="en-US" dirty="0" err="1"/>
+              <a:t>LiIo</a:t>
+            </a:r>
+            <a:r>
+              <a:rPr lang="en-US" dirty="0"/>
+              <a:t> = LI</a:t>
+            </a:r>
+          </a:p>
+          <a:p>
+            <a:pPr marL="914400" lvl="2" indent="0">
+              <a:buNone/>
+            </a:pPr>
+            <a:r>
+              <a:rPr lang="en-US" dirty="0"/>
+              <a:t> </a:t>
+            </a:r>
+            <a:r>
+              <a:rPr lang="en-US" dirty="0" err="1"/>
+              <a:t>LiFe</a:t>
+            </a:r>
+            <a:r>
+              <a:rPr lang="en-US" dirty="0"/>
+              <a:t> = LF</a:t>
+            </a:r>
+            <a:endParaRPr lang="en-US" b="1" dirty="0"/>
+          </a:p>
+          <a:p>
+            <a:pPr marL="457200" lvl="1" indent="0">
+              <a:buNone/>
+            </a:pPr>
+            <a:r>
+              <a:rPr lang="en-US" dirty="0"/>
+              <a:t>Lithium batteries are usually charged at the 1C rate</a:t>
+            </a:r>
+          </a:p>
+          <a:p>
+            <a:pPr marL="457200" lvl="1" indent="0">
+              <a:buNone/>
+            </a:pPr>
+            <a:endParaRPr lang="en-US" b="1" dirty="0"/>
           </a:p>
           <a:p>
             <a:pPr marL="0" indent="0">
               <a:buNone/>
             </a:pPr>
-            <a:endParaRPr lang="fr-FR" b="1" dirty="0"/>
-          </a:p>
-          <a:p>
-            <a:pPr marL="0" indent="0">
+            <a:r>
+              <a:rPr lang="en-US" dirty="0"/>
+              <a:t>Ni-MH batteries (RC transmitter)</a:t>
+            </a:r>
+            <a:endParaRPr lang="en-US" b="1" dirty="0"/>
+          </a:p>
+          <a:p>
+            <a:pPr lvl="1"/>
+            <a:endParaRPr lang="en-US" dirty="0"/>
+          </a:p>
+          <a:p>
+            <a:pPr marL="457200" lvl="1" indent="0">
               <a:buNone/>
             </a:pPr>
-            <a:r>
-              <a:rPr lang="fr-FR" b="1" dirty="0"/>
-              <a:t>Spécifications:</a:t>
-            </a:r>
-          </a:p>
-          <a:p>
-            <a:r>
-              <a:rPr lang="fr-FR" dirty="0"/>
-              <a:t> </a:t>
-            </a:r>
-            <a:r>
-              <a:rPr lang="en-US" dirty="0"/>
-              <a:t>Size: 49x24x14mm</a:t>
-            </a:r>
-          </a:p>
-          <a:p>
-            <a:r>
-              <a:rPr lang="en-US" dirty="0"/>
-              <a:t>Weight: 9.2g (with shrink wrap)</a:t>
-            </a:r>
-          </a:p>
-          <a:p>
-            <a:r>
-              <a:rPr lang="en-US" dirty="0"/>
-              <a:t>Sensitivity: better than 2.0</a:t>
-            </a:r>
-            <a:r>
-              <a:rPr lang="el-GR" dirty="0"/>
-              <a:t>μ</a:t>
-            </a:r>
-            <a:r>
-              <a:rPr lang="en-US" dirty="0"/>
-              <a:t>V</a:t>
-            </a:r>
-          </a:p>
-          <a:p>
-            <a:r>
-              <a:rPr lang="en-US" dirty="0"/>
-              <a:t>Selectivity: ±8kHz at 65dB down</a:t>
-            </a:r>
-          </a:p>
-          <a:p>
-            <a:r>
-              <a:rPr lang="en-US" dirty="0"/>
-              <a:t>No. of channels: 1-6</a:t>
-            </a:r>
-          </a:p>
-          <a:p>
-            <a:r>
-              <a:rPr lang="en-US" dirty="0"/>
-              <a:t>RF technology: Dual tuned RF circuitry</a:t>
-            </a:r>
-          </a:p>
-          <a:p>
-            <a:r>
-              <a:rPr lang="en-US" dirty="0"/>
-              <a:t>Analog filtering: Dual 4 pole ceramic filter</a:t>
-            </a:r>
-          </a:p>
-          <a:p>
-            <a:r>
-              <a:rPr lang="en-US" dirty="0"/>
-              <a:t>Digital filtering: DSP filtering with mild algorithm</a:t>
-            </a:r>
-          </a:p>
-          <a:p>
-            <a:r>
-              <a:rPr lang="en-US" dirty="0"/>
-              <a:t>Modulation: FM/PPM</a:t>
-            </a:r>
-          </a:p>
-          <a:p>
-            <a:r>
-              <a:rPr lang="en-US" dirty="0"/>
-              <a:t>Shift polarity: Positive or Negative (auto detect)</a:t>
-            </a:r>
-          </a:p>
-          <a:p>
-            <a:r>
-              <a:rPr lang="en-US" dirty="0"/>
-              <a:t>Case: Shrink wrap</a:t>
-            </a:r>
-          </a:p>
-          <a:p>
-            <a:r>
-              <a:rPr lang="en-US" dirty="0"/>
-              <a:t>Operating Voltage: 4.8V~6.0VDC</a:t>
-            </a:r>
-          </a:p>
-          <a:p>
-            <a:r>
-              <a:rPr lang="en-US" dirty="0"/>
-              <a:t>Operating Current: 24mA.</a:t>
-            </a:r>
+            <a:endParaRPr lang="en-US" dirty="0"/>
           </a:p>
         </p:txBody>
       </p:sp>
     </p:spTree>
     <p:extLst>
       <p:ext uri="{BB962C8B-B14F-4D97-AF65-F5344CB8AC3E}">
-        <p14:creationId xmlns:p14="http://schemas.microsoft.com/office/powerpoint/2010/main" val="3245136954"/>
+        <p14:creationId xmlns:p14="http://schemas.microsoft.com/office/powerpoint/2010/main" val="2262939316"/>
       </p:ext>
     </p:extLst>
   </p:cSld>
@@ -17143,6 +17269,220 @@
           <a:p>
             <a:r>
               <a:rPr lang="en-US" dirty="0"/>
+              <a:t>Receiver</a:t>
+            </a:r>
+          </a:p>
+        </p:txBody>
+      </p:sp>
+      <p:sp>
+        <p:nvSpPr>
+          <p:cNvPr id="3" name="Espace réservé du contenu 2">
+            <a:extLst>
+              <a:ext uri="{FF2B5EF4-FFF2-40B4-BE49-F238E27FC236}">
+                <a16:creationId xmlns:a16="http://schemas.microsoft.com/office/drawing/2014/main" id="{13BA1678-4CC9-4D81-80F5-03ACA87BD6C6}"/>
+              </a:ext>
+            </a:extLst>
+          </p:cNvPr>
+          <p:cNvSpPr>
+            <a:spLocks noGrp="1"/>
+          </p:cNvSpPr>
+          <p:nvPr>
+            <p:ph idx="1"/>
+          </p:nvPr>
+        </p:nvSpPr>
+        <p:spPr>
+          <a:xfrm>
+            <a:off x="838200" y="1509204"/>
+            <a:ext cx="10515600" cy="5093887"/>
+          </a:xfrm>
+        </p:spPr>
+        <p:txBody>
+          <a:bodyPr>
+            <a:normAutofit fontScale="62500" lnSpcReduction="20000"/>
+          </a:bodyPr>
+          <a:lstStyle/>
+          <a:p>
+            <a:pPr marL="0" indent="0">
+              <a:buNone/>
+            </a:pPr>
+            <a:r>
+              <a:rPr lang="en-US" b="1" dirty="0"/>
+              <a:t>Receiver </a:t>
+            </a:r>
+            <a:r>
+              <a:rPr lang="en-US" b="1" dirty="0" err="1"/>
+              <a:t>Henge</a:t>
+            </a:r>
+            <a:r>
+              <a:rPr lang="en-US" b="1" dirty="0"/>
+              <a:t> RP62L</a:t>
+            </a:r>
+          </a:p>
+          <a:p>
+            <a:pPr marL="0" indent="0">
+              <a:buNone/>
+            </a:pPr>
+            <a:endParaRPr lang="fr-FR" b="1" dirty="0"/>
+          </a:p>
+          <a:p>
+            <a:pPr marL="0" indent="0">
+              <a:buNone/>
+            </a:pPr>
+            <a:r>
+              <a:rPr lang="fr-FR" b="1" dirty="0"/>
+              <a:t>Spécifications:</a:t>
+            </a:r>
+          </a:p>
+          <a:p>
+            <a:r>
+              <a:rPr lang="fr-FR" dirty="0"/>
+              <a:t> </a:t>
+            </a:r>
+            <a:r>
+              <a:rPr lang="en-US" dirty="0"/>
+              <a:t>Size: 49x24x14mm</a:t>
+            </a:r>
+          </a:p>
+          <a:p>
+            <a:r>
+              <a:rPr lang="en-US" dirty="0"/>
+              <a:t>Weight: 9.2g (with shrink wrap)</a:t>
+            </a:r>
+          </a:p>
+          <a:p>
+            <a:r>
+              <a:rPr lang="en-US" dirty="0"/>
+              <a:t>Sensitivity: better than 2.0</a:t>
+            </a:r>
+            <a:r>
+              <a:rPr lang="el-GR" dirty="0"/>
+              <a:t>μ</a:t>
+            </a:r>
+            <a:r>
+              <a:rPr lang="en-US" dirty="0"/>
+              <a:t>V</a:t>
+            </a:r>
+          </a:p>
+          <a:p>
+            <a:r>
+              <a:rPr lang="en-US" dirty="0"/>
+              <a:t>Selectivity: ±8kHz at 65dB down</a:t>
+            </a:r>
+          </a:p>
+          <a:p>
+            <a:r>
+              <a:rPr lang="en-US" dirty="0"/>
+              <a:t>No. of channels: 1-6</a:t>
+            </a:r>
+          </a:p>
+          <a:p>
+            <a:r>
+              <a:rPr lang="en-US" dirty="0"/>
+              <a:t>RF technology: Dual tuned RF circuitry</a:t>
+            </a:r>
+          </a:p>
+          <a:p>
+            <a:r>
+              <a:rPr lang="en-US" dirty="0"/>
+              <a:t>Analog filtering: Dual 4 pole ceramic filter</a:t>
+            </a:r>
+          </a:p>
+          <a:p>
+            <a:r>
+              <a:rPr lang="en-US" dirty="0"/>
+              <a:t>Digital filtering: DSP filtering with mild algorithm</a:t>
+            </a:r>
+          </a:p>
+          <a:p>
+            <a:r>
+              <a:rPr lang="en-US" dirty="0"/>
+              <a:t>Modulation: FM/PPM</a:t>
+            </a:r>
+          </a:p>
+          <a:p>
+            <a:r>
+              <a:rPr lang="en-US" dirty="0"/>
+              <a:t>Shift polarity: Positive or Negative (auto detect)</a:t>
+            </a:r>
+          </a:p>
+          <a:p>
+            <a:r>
+              <a:rPr lang="en-US" dirty="0"/>
+              <a:t>Case: Shrink wrap</a:t>
+            </a:r>
+          </a:p>
+          <a:p>
+            <a:r>
+              <a:rPr lang="en-US" dirty="0"/>
+              <a:t>Operating Voltage: 4.8V~6.0VDC</a:t>
+            </a:r>
+          </a:p>
+          <a:p>
+            <a:r>
+              <a:rPr lang="en-US" dirty="0"/>
+              <a:t>Operating Current: 24mA.</a:t>
+            </a:r>
+          </a:p>
+        </p:txBody>
+      </p:sp>
+    </p:spTree>
+    <p:extLst>
+      <p:ext uri="{BB962C8B-B14F-4D97-AF65-F5344CB8AC3E}">
+        <p14:creationId xmlns:p14="http://schemas.microsoft.com/office/powerpoint/2010/main" val="3245136954"/>
+      </p:ext>
+    </p:extLst>
+  </p:cSld>
+  <p:clrMapOvr>
+    <a:masterClrMapping/>
+  </p:clrMapOvr>
+</p:sld>
+</file>
+
+<file path=ppt/slides/slide21.xml><?xml version="1.0" encoding="utf-8"?>
+<p:sld xmlns:a="http://schemas.openxmlformats.org/drawingml/2006/main" xmlns:r="http://schemas.openxmlformats.org/officeDocument/2006/relationships" xmlns:p="http://schemas.openxmlformats.org/presentationml/2006/main">
+  <p:cSld>
+    <p:spTree>
+      <p:nvGrpSpPr>
+        <p:cNvPr id="1" name=""/>
+        <p:cNvGrpSpPr/>
+        <p:nvPr/>
+      </p:nvGrpSpPr>
+      <p:grpSpPr>
+        <a:xfrm>
+          <a:off x="0" y="0"/>
+          <a:ext cx="0" cy="0"/>
+          <a:chOff x="0" y="0"/>
+          <a:chExt cx="0" cy="0"/>
+        </a:xfrm>
+      </p:grpSpPr>
+      <p:sp>
+        <p:nvSpPr>
+          <p:cNvPr id="2" name="Titre 1">
+            <a:extLst>
+              <a:ext uri="{FF2B5EF4-FFF2-40B4-BE49-F238E27FC236}">
+                <a16:creationId xmlns:a16="http://schemas.microsoft.com/office/drawing/2014/main" id="{FE169B9C-4B88-49CF-996F-9AA43AAE11A7}"/>
+              </a:ext>
+            </a:extLst>
+          </p:cNvPr>
+          <p:cNvSpPr>
+            <a:spLocks noGrp="1"/>
+          </p:cNvSpPr>
+          <p:nvPr>
+            <p:ph type="title"/>
+          </p:nvPr>
+        </p:nvSpPr>
+        <p:spPr>
+          <a:xfrm>
+            <a:off x="838200" y="365125"/>
+            <a:ext cx="10515600" cy="1325563"/>
+          </a:xfrm>
+        </p:spPr>
+        <p:txBody>
+          <a:bodyPr/>
+          <a:lstStyle/>
+          <a:p>
+            <a:r>
+              <a:rPr lang="en-US" dirty="0"/>
               <a:t>Frame</a:t>
             </a:r>
           </a:p>
@@ -17336,7 +17676,7 @@
 </p:sld>
 </file>
 
-<file path=ppt/slides/slide21.xml><?xml version="1.0" encoding="utf-8"?>
+<file path=ppt/slides/slide22.xml><?xml version="1.0" encoding="utf-8"?>
 <p:sld xmlns:a="http://schemas.openxmlformats.org/drawingml/2006/main" xmlns:r="http://schemas.openxmlformats.org/officeDocument/2006/relationships" xmlns:p="http://schemas.openxmlformats.org/presentationml/2006/main">
   <p:cSld>
     <p:spTree>
@@ -19126,7 +19466,7 @@
         <p:spPr>
           <a:xfrm>
             <a:off x="1515035" y="1622612"/>
-            <a:ext cx="5291128" cy="646331"/>
+            <a:ext cx="8462253" cy="646331"/>
           </a:xfrm>
           <a:prstGeom prst="rect">
             <a:avLst/>
@@ -19161,7 +19501,39 @@
             </a:r>
             <a:r>
               <a:rPr lang="fr-FR" dirty="0"/>
-              <a:t> a range 1148 - 1832.</a:t>
+              <a:t> a range 1148 (</a:t>
+            </a:r>
+            <a:r>
+              <a:rPr lang="fr-FR" dirty="0" err="1"/>
+              <a:t>except</a:t>
+            </a:r>
+            <a:r>
+              <a:rPr lang="fr-FR" dirty="0"/>
+              <a:t> </a:t>
+            </a:r>
+            <a:r>
+              <a:rPr lang="fr-FR" dirty="0" err="1"/>
+              <a:t>motor</a:t>
+            </a:r>
+            <a:r>
+              <a:rPr lang="fr-FR" dirty="0"/>
+              <a:t> </a:t>
+            </a:r>
+            <a:r>
+              <a:rPr lang="fr-FR" dirty="0" err="1"/>
+              <a:t>that</a:t>
+            </a:r>
+            <a:r>
+              <a:rPr lang="fr-FR" dirty="0"/>
+              <a:t> </a:t>
+            </a:r>
+            <a:r>
+              <a:rPr lang="fr-FR" dirty="0" err="1"/>
+              <a:t>need</a:t>
+            </a:r>
+            <a:r>
+              <a:rPr lang="fr-FR" dirty="0"/>
+              <a:t> 1156!!!) - 1832.</a:t>
             </a:r>
           </a:p>
           <a:p>

--- a/libraries/Diagramm Drone.pptx
+++ b/libraries/Diagramm Drone.pptx
@@ -3732,7 +3732,7 @@
           <a:p>
             <a:fld id="{0717AEF8-1597-4679-8926-916E82E12B07}" type="datetimeFigureOut">
               <a:rPr lang="fr-FR" smtClean="0"/>
-              <a:t>15/10/2019</a:t>
+              <a:t>17/10/2019</a:t>
             </a:fld>
             <a:endParaRPr lang="fr-FR"/>
           </a:p>
@@ -3930,7 +3930,7 @@
           <a:p>
             <a:fld id="{0717AEF8-1597-4679-8926-916E82E12B07}" type="datetimeFigureOut">
               <a:rPr lang="fr-FR" smtClean="0"/>
-              <a:t>15/10/2019</a:t>
+              <a:t>17/10/2019</a:t>
             </a:fld>
             <a:endParaRPr lang="fr-FR"/>
           </a:p>
@@ -4138,7 +4138,7 @@
           <a:p>
             <a:fld id="{0717AEF8-1597-4679-8926-916E82E12B07}" type="datetimeFigureOut">
               <a:rPr lang="fr-FR" smtClean="0"/>
-              <a:t>15/10/2019</a:t>
+              <a:t>17/10/2019</a:t>
             </a:fld>
             <a:endParaRPr lang="fr-FR"/>
           </a:p>
@@ -4336,7 +4336,7 @@
           <a:p>
             <a:fld id="{0717AEF8-1597-4679-8926-916E82E12B07}" type="datetimeFigureOut">
               <a:rPr lang="fr-FR" smtClean="0"/>
-              <a:t>15/10/2019</a:t>
+              <a:t>17/10/2019</a:t>
             </a:fld>
             <a:endParaRPr lang="fr-FR"/>
           </a:p>
@@ -4611,7 +4611,7 @@
           <a:p>
             <a:fld id="{0717AEF8-1597-4679-8926-916E82E12B07}" type="datetimeFigureOut">
               <a:rPr lang="fr-FR" smtClean="0"/>
-              <a:t>15/10/2019</a:t>
+              <a:t>17/10/2019</a:t>
             </a:fld>
             <a:endParaRPr lang="fr-FR"/>
           </a:p>
@@ -4876,7 +4876,7 @@
           <a:p>
             <a:fld id="{0717AEF8-1597-4679-8926-916E82E12B07}" type="datetimeFigureOut">
               <a:rPr lang="fr-FR" smtClean="0"/>
-              <a:t>15/10/2019</a:t>
+              <a:t>17/10/2019</a:t>
             </a:fld>
             <a:endParaRPr lang="fr-FR"/>
           </a:p>
@@ -5288,7 +5288,7 @@
           <a:p>
             <a:fld id="{0717AEF8-1597-4679-8926-916E82E12B07}" type="datetimeFigureOut">
               <a:rPr lang="fr-FR" smtClean="0"/>
-              <a:t>15/10/2019</a:t>
+              <a:t>17/10/2019</a:t>
             </a:fld>
             <a:endParaRPr lang="fr-FR"/>
           </a:p>
@@ -5429,7 +5429,7 @@
           <a:p>
             <a:fld id="{0717AEF8-1597-4679-8926-916E82E12B07}" type="datetimeFigureOut">
               <a:rPr lang="fr-FR" smtClean="0"/>
-              <a:t>15/10/2019</a:t>
+              <a:t>17/10/2019</a:t>
             </a:fld>
             <a:endParaRPr lang="fr-FR"/>
           </a:p>
@@ -5542,7 +5542,7 @@
           <a:p>
             <a:fld id="{0717AEF8-1597-4679-8926-916E82E12B07}" type="datetimeFigureOut">
               <a:rPr lang="fr-FR" smtClean="0"/>
-              <a:t>15/10/2019</a:t>
+              <a:t>17/10/2019</a:t>
             </a:fld>
             <a:endParaRPr lang="fr-FR"/>
           </a:p>
@@ -5853,7 +5853,7 @@
           <a:p>
             <a:fld id="{0717AEF8-1597-4679-8926-916E82E12B07}" type="datetimeFigureOut">
               <a:rPr lang="fr-FR" smtClean="0"/>
-              <a:t>15/10/2019</a:t>
+              <a:t>17/10/2019</a:t>
             </a:fld>
             <a:endParaRPr lang="fr-FR"/>
           </a:p>
@@ -6141,7 +6141,7 @@
           <a:p>
             <a:fld id="{0717AEF8-1597-4679-8926-916E82E12B07}" type="datetimeFigureOut">
               <a:rPr lang="fr-FR" smtClean="0"/>
-              <a:t>15/10/2019</a:t>
+              <a:t>17/10/2019</a:t>
             </a:fld>
             <a:endParaRPr lang="fr-FR"/>
           </a:p>
@@ -6382,7 +6382,7 @@
           <a:p>
             <a:fld id="{0717AEF8-1597-4679-8926-916E82E12B07}" type="datetimeFigureOut">
               <a:rPr lang="fr-FR" smtClean="0"/>
-              <a:t>15/10/2019</a:t>
+              <a:t>17/10/2019</a:t>
             </a:fld>
             <a:endParaRPr lang="fr-FR"/>
           </a:p>
@@ -13612,7 +13612,7 @@
         <p:spPr>
           <a:xfrm>
             <a:off x="400893" y="3573902"/>
-            <a:ext cx="958211" cy="369332"/>
+            <a:ext cx="1053558" cy="369332"/>
           </a:xfrm>
           <a:prstGeom prst="rect">
             <a:avLst/>
@@ -13627,7 +13627,11 @@
           <a:p>
             <a:r>
               <a:rPr lang="en-US" dirty="0"/>
-              <a:t>+90 Yaw</a:t>
+              <a:t>+90° </a:t>
+            </a:r>
+            <a:r>
+              <a:rPr lang="en-US" b="1" dirty="0"/>
+              <a:t>Yaw</a:t>
             </a:r>
           </a:p>
         </p:txBody>
@@ -13647,7 +13651,7 @@
         <p:spPr>
           <a:xfrm>
             <a:off x="4715746" y="3504243"/>
-            <a:ext cx="913327" cy="369332"/>
+            <a:ext cx="1008674" cy="369332"/>
           </a:xfrm>
           <a:prstGeom prst="rect">
             <a:avLst/>
@@ -13662,7 +13666,11 @@
           <a:p>
             <a:r>
               <a:rPr lang="en-US" dirty="0"/>
-              <a:t>-90 Yaw</a:t>
+              <a:t>-90° </a:t>
+            </a:r>
+            <a:r>
+              <a:rPr lang="en-US" b="1" dirty="0"/>
+              <a:t>Yaw</a:t>
             </a:r>
           </a:p>
         </p:txBody>
@@ -13831,7 +13839,11 @@
           <a:p>
             <a:r>
               <a:rPr lang="en-US" dirty="0"/>
-              <a:t>+90 Roll</a:t>
+              <a:t>+45° </a:t>
+            </a:r>
+            <a:r>
+              <a:rPr lang="en-US" b="1" dirty="0"/>
+              <a:t>Roll</a:t>
             </a:r>
           </a:p>
           <a:p>
@@ -13878,7 +13890,11 @@
           <a:p>
             <a:r>
               <a:rPr lang="en-US" dirty="0"/>
-              <a:t>-90 Roll</a:t>
+              <a:t>-45° </a:t>
+            </a:r>
+            <a:r>
+              <a:rPr lang="en-US" b="1" dirty="0"/>
+              <a:t>Roll</a:t>
             </a:r>
           </a:p>
           <a:p>
@@ -13910,7 +13926,7 @@
         <p:spPr>
           <a:xfrm>
             <a:off x="9030533" y="5958159"/>
-            <a:ext cx="1105816" cy="369332"/>
+            <a:ext cx="1796582" cy="369332"/>
           </a:xfrm>
           <a:prstGeom prst="rect">
             <a:avLst/>
@@ -13925,7 +13941,11 @@
           <a:p>
             <a:r>
               <a:rPr lang="en-US" dirty="0"/>
-              <a:t>0 Throttle</a:t>
+              <a:t>+1100/0 </a:t>
+            </a:r>
+            <a:r>
+              <a:rPr lang="en-US" b="1" dirty="0"/>
+              <a:t>Throttle</a:t>
             </a:r>
           </a:p>
         </p:txBody>
@@ -13945,7 +13965,7 @@
         <p:spPr>
           <a:xfrm>
             <a:off x="9101122" y="1201215"/>
-            <a:ext cx="1572290" cy="369332"/>
+            <a:ext cx="1589794" cy="369332"/>
           </a:xfrm>
           <a:prstGeom prst="rect">
             <a:avLst/>
@@ -13960,7 +13980,11 @@
           <a:p>
             <a:r>
               <a:rPr lang="en-US" dirty="0"/>
-              <a:t>+1920 Throttle</a:t>
+              <a:t>+1920 </a:t>
+            </a:r>
+            <a:r>
+              <a:rPr lang="en-US" b="1" dirty="0"/>
+              <a:t>Throttle</a:t>
             </a:r>
           </a:p>
         </p:txBody>
@@ -13995,7 +14019,11 @@
           <a:p>
             <a:r>
               <a:rPr lang="en-US" dirty="0"/>
-              <a:t>-90 Pitch</a:t>
+              <a:t>-45° </a:t>
+            </a:r>
+            <a:r>
+              <a:rPr lang="en-US" b="1" dirty="0"/>
+              <a:t>Pitch</a:t>
             </a:r>
           </a:p>
           <a:p>
@@ -14042,7 +14070,11 @@
           <a:p>
             <a:r>
               <a:rPr lang="en-US" dirty="0"/>
-              <a:t>+90 Pitch</a:t>
+              <a:t>+45° </a:t>
+            </a:r>
+            <a:r>
+              <a:rPr lang="en-US" b="1" dirty="0"/>
+              <a:t>Pitch</a:t>
             </a:r>
           </a:p>
           <a:p>
@@ -21221,7 +21253,7 @@
         </p:spPr>
         <p:txBody>
           <a:bodyPr>
-            <a:normAutofit fontScale="85000" lnSpcReduction="20000"/>
+            <a:normAutofit fontScale="62500" lnSpcReduction="20000"/>
           </a:bodyPr>
           <a:lstStyle/>
           <a:p>
@@ -21408,13 +21440,77 @@
             </a:pPr>
             <a:r>
               <a:rPr lang="nb-NO" sz="1300" dirty="0"/>
-              <a:t>PID = (0.6*error) + (0.1*sum_error*sampleTime) + (0.3*delta_error/ sampleTime)</a:t>
+              <a:t>PID = (KP*error) + (KI*sum_error*sampleTime) + (KD*delta_error/ sampleTime)</a:t>
             </a:r>
           </a:p>
           <a:p>
             <a:pPr marL="457200" lvl="1" indent="0">
               <a:buNone/>
             </a:pPr>
+            <a:r>
+              <a:rPr lang="nb-NO" sz="1300" dirty="0"/>
+              <a:t>With</a:t>
+            </a:r>
+          </a:p>
+          <a:p>
+            <a:pPr lvl="2"/>
+            <a:r>
+              <a:rPr lang="en-US" sz="1300" dirty="0" err="1"/>
+              <a:t>Kp</a:t>
+            </a:r>
+            <a:r>
+              <a:rPr lang="en-US" sz="1300" dirty="0"/>
+              <a:t>[3] = {0.6,   0.6,   2.4};</a:t>
+            </a:r>
+          </a:p>
+          <a:p>
+            <a:pPr lvl="2"/>
+            <a:r>
+              <a:rPr lang="en-US" sz="1300" dirty="0"/>
+              <a:t>Ki[3] = {0.02, 0.02, 0.01};  // values for 50hz (20 </a:t>
+            </a:r>
+            <a:r>
+              <a:rPr lang="en-US" sz="1300" dirty="0" err="1"/>
+              <a:t>ms</a:t>
+            </a:r>
+            <a:r>
+              <a:rPr lang="en-US" sz="1300" dirty="0"/>
+              <a:t>)</a:t>
+            </a:r>
+          </a:p>
+          <a:p>
+            <a:pPr lvl="2"/>
+            <a:r>
+              <a:rPr lang="en-US" sz="1300" dirty="0" err="1"/>
+              <a:t>Kd</a:t>
+            </a:r>
+            <a:r>
+              <a:rPr lang="en-US" sz="1300" dirty="0"/>
+              <a:t>[3] = {12.0,  12.0,  0.0}; // values for 50hz (20 </a:t>
+            </a:r>
+            <a:r>
+              <a:rPr lang="en-US" sz="1300" dirty="0" err="1"/>
+              <a:t>ms</a:t>
+            </a:r>
+            <a:r>
+              <a:rPr lang="en-US" sz="1300" dirty="0"/>
+              <a:t>)</a:t>
+            </a:r>
+          </a:p>
+          <a:p>
+            <a:pPr marL="457200" lvl="1" indent="0">
+              <a:buNone/>
+            </a:pPr>
+            <a:endParaRPr lang="en-US" sz="1300" dirty="0"/>
+          </a:p>
+          <a:p>
+            <a:pPr marL="457200" lvl="1" indent="0">
+              <a:buNone/>
+            </a:pPr>
+            <a:r>
+              <a:rPr lang="en-US" sz="1300" dirty="0"/>
+              <a:t> </a:t>
+            </a:r>
             <a:r>
               <a:rPr lang="nb-NO" sz="1300" dirty="0"/>
               <a:t>NB:</a:t>
@@ -21427,7 +21523,7 @@
             </a:pPr>
             <a:r>
               <a:rPr lang="nb-NO" sz="1300" dirty="0"/>
-              <a:t>The Integral component is capped to 5</a:t>
+              <a:t>The Integral sum_error is capped to _IMax = 5</a:t>
             </a:r>
           </a:p>
           <a:p>
@@ -21461,8 +21557,19 @@
             <a:endParaRPr lang="nb-NO" sz="1300" dirty="0"/>
           </a:p>
           <a:p>
-            <a:pPr marL="0" indent="0">
-              <a:buNone/>
+            <a:pPr marL="1371600" lvl="2" indent="-457200">
+              <a:buFont typeface="+mj-lt"/>
+              <a:buAutoNum type="arabicPeriod"/>
+            </a:pPr>
+            <a:r>
+              <a:rPr lang="nb-NO" sz="1300" dirty="0"/>
+              <a:t>Considering error max = 20, Integral max = 5 and delta error max = 20 =&gt; |PID| &lt; 26.</a:t>
+            </a:r>
+          </a:p>
+          <a:p>
+            <a:pPr marL="1371600" lvl="2" indent="-457200">
+              <a:buFont typeface="+mj-lt"/>
+              <a:buAutoNum type="arabicPeriod"/>
             </a:pPr>
             <a:endParaRPr lang="nb-NO" sz="1300" dirty="0"/>
           </a:p>
@@ -21642,7 +21749,7 @@
         <p:spPr/>
         <p:txBody>
           <a:bodyPr>
-            <a:normAutofit fontScale="85000" lnSpcReduction="20000"/>
+            <a:normAutofit/>
           </a:bodyPr>
           <a:lstStyle/>
           <a:p>
@@ -21657,34 +21764,34 @@
               <a:buNone/>
             </a:pPr>
             <a:r>
-              <a:rPr lang="en-US" sz="1700" dirty="0"/>
+              <a:rPr lang="en-US" sz="1400" dirty="0"/>
               <a:t>if </a:t>
             </a:r>
             <a:r>
-              <a:rPr lang="en-US" sz="1700" dirty="0" err="1"/>
+              <a:rPr lang="en-US" sz="1400" dirty="0" err="1"/>
               <a:t>ESC_command</a:t>
             </a:r>
             <a:r>
-              <a:rPr lang="en-US" sz="1700" dirty="0"/>
-              <a:t>[THROTTLE] = 0 =&gt; Motors = MINPWM</a:t>
+              <a:rPr lang="en-US" sz="1400" dirty="0"/>
+              <a:t>[THROTTLE] = 0 =&gt; Motors = STOPPWM</a:t>
             </a:r>
           </a:p>
           <a:p>
             <a:pPr marL="457200" lvl="1" indent="0">
               <a:buNone/>
             </a:pPr>
-            <a:endParaRPr lang="fr-FR" sz="1700" dirty="0"/>
+            <a:endParaRPr lang="fr-FR" sz="1400" dirty="0"/>
           </a:p>
           <a:p>
             <a:pPr marL="457200" lvl="1" indent="0">
               <a:buNone/>
             </a:pPr>
             <a:r>
-              <a:rPr lang="fr-FR" sz="1700" dirty="0" err="1"/>
+              <a:rPr lang="fr-FR" sz="1400" dirty="0" err="1"/>
               <a:t>else</a:t>
             </a:r>
             <a:r>
-              <a:rPr lang="fr-FR" sz="1700" dirty="0"/>
+              <a:rPr lang="fr-FR" sz="1400" dirty="0"/>
               <a:t>:</a:t>
             </a:r>
           </a:p>
@@ -21692,158 +21799,205 @@
             <a:pPr marL="457200" lvl="1" indent="0">
               <a:buNone/>
             </a:pPr>
-            <a:endParaRPr lang="fr-FR" sz="1700" dirty="0"/>
+            <a:r>
+              <a:rPr lang="fr-FR" sz="1400" dirty="0"/>
+              <a:t>   // assure </a:t>
+            </a:r>
+            <a:r>
+              <a:rPr lang="fr-FR" sz="1400" dirty="0" err="1"/>
+              <a:t>consistency</a:t>
+            </a:r>
+            <a:r>
+              <a:rPr lang="fr-FR" sz="1400" dirty="0"/>
+              <a:t> </a:t>
+            </a:r>
+            <a:r>
+              <a:rPr lang="fr-FR" sz="1400" dirty="0" err="1"/>
+              <a:t>between</a:t>
+            </a:r>
+            <a:r>
+              <a:rPr lang="fr-FR" sz="1400" dirty="0"/>
+              <a:t> the impact of the </a:t>
+            </a:r>
+            <a:r>
+              <a:rPr lang="fr-FR" sz="1400" dirty="0" err="1"/>
+              <a:t>throttle</a:t>
+            </a:r>
+            <a:r>
+              <a:rPr lang="fr-FR" sz="1400" dirty="0"/>
+              <a:t> and of the PID</a:t>
+            </a:r>
           </a:p>
           <a:p>
             <a:pPr marL="457200" lvl="1" indent="0">
               <a:buNone/>
             </a:pPr>
             <a:r>
-              <a:rPr lang="fr-FR" sz="1700" dirty="0"/>
+              <a:rPr lang="fr-FR" sz="1400" dirty="0"/>
               <a:t>    </a:t>
             </a:r>
             <a:r>
-              <a:rPr lang="fr-FR" sz="1700" dirty="0" err="1"/>
+              <a:rPr lang="fr-FR" sz="1400" dirty="0" err="1"/>
               <a:t>throttle</a:t>
             </a:r>
             <a:r>
-              <a:rPr lang="fr-FR" sz="1700" dirty="0"/>
+              <a:rPr lang="fr-FR" sz="1400" dirty="0"/>
               <a:t> = </a:t>
             </a:r>
             <a:r>
-              <a:rPr lang="fr-FR" sz="1700" dirty="0" err="1"/>
+              <a:rPr lang="fr-FR" sz="1400" dirty="0" err="1"/>
               <a:t>map</a:t>
             </a:r>
             <a:r>
-              <a:rPr lang="fr-FR" sz="1700" dirty="0"/>
+              <a:rPr lang="fr-FR" sz="1400" dirty="0"/>
               <a:t>(</a:t>
             </a:r>
             <a:r>
-              <a:rPr lang="fr-FR" sz="1700" dirty="0" err="1"/>
+              <a:rPr lang="fr-FR" sz="1400" dirty="0" err="1"/>
               <a:t>ESC_command</a:t>
             </a:r>
             <a:r>
-              <a:rPr lang="fr-FR" sz="1700" dirty="0"/>
-              <a:t>[THROTTLE], MINPPM, MAXPPM, MINPWM, MAXPWM);</a:t>
+              <a:rPr lang="fr-FR" sz="1400" dirty="0"/>
+              <a:t>[THROTTLE], MINPPM, MAXPPM, MINPWMTHRO, MAXPWMTHRO);  // to </a:t>
+            </a:r>
+            <a:r>
+              <a:rPr lang="fr-FR" sz="1400" dirty="0" err="1"/>
+              <a:t>give</a:t>
+            </a:r>
+            <a:r>
+              <a:rPr lang="fr-FR" sz="1400" dirty="0"/>
+              <a:t> room for PID ajustement</a:t>
             </a:r>
           </a:p>
           <a:p>
             <a:pPr marL="457200" lvl="1" indent="0">
               <a:buNone/>
             </a:pPr>
-            <a:r>
-              <a:rPr lang="fr-FR" sz="1700" dirty="0"/>
-              <a:t>    </a:t>
-            </a:r>
-            <a:r>
-              <a:rPr lang="fr-FR" sz="1700" dirty="0" err="1"/>
-              <a:t>throttle</a:t>
-            </a:r>
-            <a:r>
-              <a:rPr lang="fr-FR" sz="1700" dirty="0"/>
-              <a:t> = </a:t>
-            </a:r>
-            <a:r>
-              <a:rPr lang="fr-FR" sz="1700" dirty="0" err="1"/>
-              <a:t>constrain</a:t>
-            </a:r>
-            <a:r>
-              <a:rPr lang="fr-FR" sz="1700" dirty="0"/>
-              <a:t>(</a:t>
-            </a:r>
-            <a:r>
-              <a:rPr lang="fr-FR" sz="1700" dirty="0" err="1"/>
-              <a:t>throttle</a:t>
-            </a:r>
-            <a:r>
-              <a:rPr lang="fr-FR" sz="1700" dirty="0"/>
-              <a:t>, MINPWM, MAXPWMTHRO);  // to </a:t>
-            </a:r>
-            <a:r>
-              <a:rPr lang="fr-FR" sz="1700" dirty="0" err="1"/>
-              <a:t>give</a:t>
-            </a:r>
-            <a:r>
-              <a:rPr lang="fr-FR" sz="1700" dirty="0"/>
-              <a:t> room for PID ajustement</a:t>
-            </a:r>
+            <a:endParaRPr lang="fr-FR" sz="1400" dirty="0"/>
           </a:p>
           <a:p>
             <a:pPr marL="457200" lvl="1" indent="0">
               <a:buNone/>
             </a:pPr>
-            <a:endParaRPr lang="fr-FR" sz="1700" dirty="0"/>
+            <a:r>
+              <a:rPr lang="fr-FR" sz="1400"/>
+              <a:t> </a:t>
+            </a:r>
+            <a:r>
+              <a:rPr lang="fr-FR" sz="1400" dirty="0"/>
+              <a:t>#</a:t>
+            </a:r>
+            <a:r>
+              <a:rPr lang="fr-FR" sz="1400" dirty="0" err="1"/>
+              <a:t>define</a:t>
+            </a:r>
+            <a:r>
+              <a:rPr lang="fr-FR" sz="1400" dirty="0"/>
+              <a:t> PIDMIX(X,Y,Z) </a:t>
+            </a:r>
+            <a:r>
+              <a:rPr lang="fr-FR" sz="1400" dirty="0" err="1"/>
+              <a:t>ESC_command</a:t>
+            </a:r>
+            <a:r>
+              <a:rPr lang="fr-FR" sz="1400" dirty="0"/>
+              <a:t>[ROLL]*X + </a:t>
+            </a:r>
+            <a:r>
+              <a:rPr lang="fr-FR" sz="1400" dirty="0" err="1"/>
+              <a:t>ESC_command</a:t>
+            </a:r>
+            <a:r>
+              <a:rPr lang="fr-FR" sz="1400" dirty="0"/>
+              <a:t>[PITCH]*Y + </a:t>
+            </a:r>
+            <a:r>
+              <a:rPr lang="fr-FR" sz="1400" dirty="0" err="1"/>
+              <a:t>ESC_command</a:t>
+            </a:r>
+            <a:r>
+              <a:rPr lang="fr-FR" sz="1400" dirty="0"/>
+              <a:t>[YAW]*Z</a:t>
+            </a:r>
           </a:p>
           <a:p>
             <a:pPr marL="457200" lvl="1" indent="0">
               <a:buNone/>
             </a:pPr>
             <a:r>
-              <a:rPr lang="fr-FR" sz="1700" dirty="0"/>
-              <a:t>    PIDMIX(X,Y,Z) </a:t>
-            </a:r>
-            <a:r>
-              <a:rPr lang="fr-FR" sz="1700" dirty="0" err="1"/>
-              <a:t>ESC_command</a:t>
-            </a:r>
-            <a:r>
-              <a:rPr lang="fr-FR" sz="1700" dirty="0"/>
-              <a:t>[ROLL]*X + </a:t>
-            </a:r>
-            <a:r>
-              <a:rPr lang="fr-FR" sz="1700" dirty="0" err="1"/>
-              <a:t>ESC_command</a:t>
-            </a:r>
-            <a:r>
-              <a:rPr lang="fr-FR" sz="1700" dirty="0"/>
-              <a:t>[PITCH]*Y + </a:t>
-            </a:r>
-            <a:r>
-              <a:rPr lang="fr-FR" sz="1700" dirty="0" err="1"/>
-              <a:t>ESC_command</a:t>
-            </a:r>
-            <a:r>
-              <a:rPr lang="fr-FR" sz="1700" dirty="0"/>
-              <a:t>[YAW]*Z</a:t>
-            </a:r>
+              <a:rPr lang="fr-FR" sz="1400" dirty="0"/>
+              <a:t>     </a:t>
+            </a:r>
+            <a:r>
+              <a:rPr lang="fr-FR" sz="1400" dirty="0" err="1"/>
+              <a:t>pid</a:t>
+            </a:r>
+            <a:r>
+              <a:rPr lang="fr-FR" sz="1400" dirty="0"/>
+              <a:t> = PIDMIX(-1,-1,-1); //Front </a:t>
+            </a:r>
+            <a:r>
+              <a:rPr lang="fr-FR" sz="1400" dirty="0" err="1"/>
+              <a:t>Left</a:t>
+            </a:r>
+            <a:endParaRPr lang="fr-FR" sz="1400" dirty="0"/>
           </a:p>
           <a:p>
             <a:pPr marL="457200" lvl="1" indent="0">
               <a:buNone/>
             </a:pPr>
             <a:r>
-              <a:rPr lang="fr-FR" sz="1700" dirty="0"/>
-              <a:t>    </a:t>
-            </a:r>
-            <a:r>
-              <a:rPr lang="fr-FR" sz="1700" dirty="0" err="1"/>
+              <a:rPr lang="fr-FR" sz="1400" dirty="0"/>
+              <a:t>     _</a:t>
+            </a:r>
+            <a:r>
+              <a:rPr lang="fr-FR" sz="1400" dirty="0" err="1"/>
               <a:t>motor</a:t>
             </a:r>
             <a:r>
-              <a:rPr lang="fr-FR" sz="1700" dirty="0"/>
-              <a:t>[0] = PIDMIX(+1,-1,-1); //Front </a:t>
-            </a:r>
-            <a:r>
-              <a:rPr lang="fr-FR" sz="1700" dirty="0" err="1"/>
-              <a:t>Left</a:t>
-            </a:r>
-            <a:endParaRPr lang="fr-FR" sz="1700" dirty="0"/>
+              <a:rPr lang="fr-FR" sz="1400" dirty="0"/>
+              <a:t>[0] = </a:t>
+            </a:r>
+            <a:r>
+              <a:rPr lang="fr-FR" sz="1400" dirty="0" err="1"/>
+              <a:t>map</a:t>
+            </a:r>
+            <a:r>
+              <a:rPr lang="fr-FR" sz="1400" dirty="0"/>
+              <a:t>(</a:t>
+            </a:r>
+            <a:r>
+              <a:rPr lang="fr-FR" sz="1400" dirty="0" err="1"/>
+              <a:t>pid</a:t>
+            </a:r>
+            <a:r>
+              <a:rPr lang="fr-FR" sz="1400" dirty="0"/>
+              <a:t>, -MAXABSPID, MAXABSPID, MINPWMPID, MAXPWMPID) + </a:t>
+            </a:r>
+            <a:r>
+              <a:rPr lang="fr-FR" sz="1400" dirty="0" err="1"/>
+              <a:t>throttle</a:t>
+            </a:r>
+            <a:r>
+              <a:rPr lang="fr-FR" sz="1400" dirty="0"/>
+              <a:t>; </a:t>
+            </a:r>
           </a:p>
           <a:p>
             <a:pPr marL="457200" lvl="1" indent="0">
               <a:buNone/>
             </a:pPr>
             <a:r>
-              <a:rPr lang="fr-FR" sz="1700" dirty="0"/>
-              <a:t>    </a:t>
-            </a:r>
-            <a:r>
-              <a:rPr lang="fr-FR" sz="1700" dirty="0" err="1"/>
-              <a:t>motor</a:t>
-            </a:r>
-            <a:r>
-              <a:rPr lang="fr-FR" sz="1700" dirty="0"/>
-              <a:t>[1] = PIDMIX(-1,-1,+1); //Front Right</a:t>
+              <a:rPr lang="fr-FR" sz="1400" dirty="0"/>
+              <a:t>     </a:t>
+            </a:r>
+            <a:r>
+              <a:rPr lang="fr-FR" sz="1400" dirty="0" err="1"/>
+              <a:t>pid</a:t>
+            </a:r>
+            <a:r>
+              <a:rPr lang="fr-FR" sz="1400" dirty="0"/>
+              <a:t> = PIDMIX(+1,-1,+1); //Front Right</a:t>
             </a:r>
           </a:p>
           <a:p>
@@ -21851,24 +22005,40 @@
               <a:buNone/>
             </a:pPr>
             <a:r>
-              <a:rPr lang="fr-FR" sz="1700" dirty="0"/>
-              <a:t>    </a:t>
-            </a:r>
-            <a:r>
-              <a:rPr lang="fr-FR" sz="1700" dirty="0" err="1"/>
+              <a:rPr lang="fr-FR" sz="1400" dirty="0"/>
+              <a:t>     _</a:t>
+            </a:r>
+            <a:r>
+              <a:rPr lang="fr-FR" sz="1400" dirty="0" err="1"/>
               <a:t>motor</a:t>
             </a:r>
             <a:r>
-              <a:rPr lang="fr-FR" sz="1700" dirty="0"/>
-              <a:t>[2] = PIDMIX(-1,+1,-1); //</a:t>
-            </a:r>
-            <a:r>
-              <a:rPr lang="fr-FR" sz="1700" dirty="0" err="1"/>
-              <a:t>Rear</a:t>
-            </a:r>
-            <a:r>
-              <a:rPr lang="fr-FR" sz="1700" dirty="0"/>
-              <a:t> Right</a:t>
+              <a:rPr lang="fr-FR" sz="1400" dirty="0"/>
+              <a:t>[1] = </a:t>
+            </a:r>
+            <a:r>
+              <a:rPr lang="fr-FR" sz="1400" dirty="0" err="1"/>
+              <a:t>map</a:t>
+            </a:r>
+            <a:r>
+              <a:rPr lang="fr-FR" sz="1400" dirty="0"/>
+              <a:t>(</a:t>
+            </a:r>
+            <a:r>
+              <a:rPr lang="fr-FR" sz="1400" dirty="0" err="1"/>
+              <a:t>pid</a:t>
+            </a:r>
+            <a:r>
+              <a:rPr lang="fr-FR" sz="1400" dirty="0"/>
+              <a:t>, -MAXABSPID, MAXABSPID, MINPWMPID, MAXPWMPID) + </a:t>
+            </a:r>
+            <a:r>
+              <a:rPr lang="fr-FR" sz="1400" dirty="0" err="1"/>
+              <a:t>throttle</a:t>
+            </a:r>
+            <a:r>
+              <a:rPr lang="fr-FR" sz="1400" dirty="0"/>
+              <a:t>;</a:t>
             </a:r>
           </a:p>
           <a:p>
@@ -21876,119 +22046,136 @@
               <a:buNone/>
             </a:pPr>
             <a:r>
-              <a:rPr lang="fr-FR" sz="1700" dirty="0"/>
-              <a:t>    </a:t>
-            </a:r>
-            <a:r>
-              <a:rPr lang="fr-FR" sz="1700" dirty="0" err="1"/>
-              <a:t>motor</a:t>
-            </a:r>
-            <a:r>
-              <a:rPr lang="fr-FR" sz="1700" dirty="0"/>
-              <a:t>[3] = PIDMIX(+1,+1,+1); //</a:t>
-            </a:r>
-            <a:r>
-              <a:rPr lang="fr-FR" sz="1700" dirty="0" err="1"/>
+              <a:rPr lang="fr-FR" sz="1400" dirty="0"/>
+              <a:t>     </a:t>
+            </a:r>
+            <a:r>
+              <a:rPr lang="fr-FR" sz="1400" dirty="0" err="1"/>
+              <a:t>pid</a:t>
+            </a:r>
+            <a:r>
+              <a:rPr lang="fr-FR" sz="1400" dirty="0"/>
+              <a:t> = PIDMIX(+1,+1,-1); //</a:t>
+            </a:r>
+            <a:r>
+              <a:rPr lang="fr-FR" sz="1400" dirty="0" err="1"/>
               <a:t>Rear</a:t>
             </a:r>
             <a:r>
-              <a:rPr lang="fr-FR" sz="1700" dirty="0"/>
-              <a:t> </a:t>
-            </a:r>
-            <a:r>
-              <a:rPr lang="fr-FR" sz="1700" dirty="0" err="1"/>
-              <a:t>Left</a:t>
-            </a:r>
-            <a:endParaRPr lang="fr-FR" sz="1700" dirty="0"/>
+              <a:rPr lang="fr-FR" sz="1400" dirty="0"/>
+              <a:t> Right</a:t>
+            </a:r>
           </a:p>
           <a:p>
             <a:pPr marL="457200" lvl="1" indent="0">
               <a:buNone/>
             </a:pPr>
-            <a:endParaRPr lang="fr-FR" sz="1700" dirty="0"/>
+            <a:r>
+              <a:rPr lang="fr-FR" sz="1400" dirty="0"/>
+              <a:t>     _</a:t>
+            </a:r>
+            <a:r>
+              <a:rPr lang="fr-FR" sz="1400" dirty="0" err="1"/>
+              <a:t>motor</a:t>
+            </a:r>
+            <a:r>
+              <a:rPr lang="fr-FR" sz="1400" dirty="0"/>
+              <a:t>[2] = </a:t>
+            </a:r>
+            <a:r>
+              <a:rPr lang="fr-FR" sz="1400" dirty="0" err="1"/>
+              <a:t>map</a:t>
+            </a:r>
+            <a:r>
+              <a:rPr lang="fr-FR" sz="1400" dirty="0"/>
+              <a:t>(</a:t>
+            </a:r>
+            <a:r>
+              <a:rPr lang="fr-FR" sz="1400" dirty="0" err="1"/>
+              <a:t>pid</a:t>
+            </a:r>
+            <a:r>
+              <a:rPr lang="fr-FR" sz="1400" dirty="0"/>
+              <a:t>, -MAXABSPID, MAXABSPID, MINPWMPID, MAXPWMPID) + </a:t>
+            </a:r>
+            <a:r>
+              <a:rPr lang="fr-FR" sz="1400" dirty="0" err="1"/>
+              <a:t>throttle</a:t>
+            </a:r>
+            <a:r>
+              <a:rPr lang="fr-FR" sz="1400" dirty="0"/>
+              <a:t>;</a:t>
+            </a:r>
           </a:p>
           <a:p>
             <a:pPr marL="457200" lvl="1" indent="0">
               <a:buNone/>
             </a:pPr>
             <a:r>
-              <a:rPr lang="fr-FR" sz="1700" dirty="0"/>
-              <a:t>    for(i=0; i&lt; NBMOTORS; i++) {</a:t>
-            </a:r>
+              <a:rPr lang="fr-FR" sz="1400" dirty="0"/>
+              <a:t>     </a:t>
+            </a:r>
+            <a:r>
+              <a:rPr lang="fr-FR" sz="1400" dirty="0" err="1"/>
+              <a:t>pid</a:t>
+            </a:r>
+            <a:r>
+              <a:rPr lang="fr-FR" sz="1400" dirty="0"/>
+              <a:t> = PIDMIX(-1,+1,+1); //</a:t>
+            </a:r>
+            <a:r>
+              <a:rPr lang="fr-FR" sz="1400" dirty="0" err="1"/>
+              <a:t>Rear</a:t>
+            </a:r>
+            <a:r>
+              <a:rPr lang="fr-FR" sz="1400" dirty="0"/>
+              <a:t> </a:t>
+            </a:r>
+            <a:r>
+              <a:rPr lang="fr-FR" sz="1400" dirty="0" err="1"/>
+              <a:t>Left</a:t>
+            </a:r>
+            <a:endParaRPr lang="fr-FR" sz="1400" dirty="0"/>
           </a:p>
           <a:p>
             <a:pPr marL="457200" lvl="1" indent="0">
               <a:buNone/>
             </a:pPr>
             <a:r>
-              <a:rPr lang="fr-FR" sz="1700" dirty="0"/>
-              <a:t>       _</a:t>
-            </a:r>
-            <a:r>
-              <a:rPr lang="fr-FR" sz="1700" dirty="0" err="1"/>
+              <a:rPr lang="fr-FR" sz="1400" dirty="0"/>
+              <a:t>     _</a:t>
+            </a:r>
+            <a:r>
+              <a:rPr lang="fr-FR" sz="1400" dirty="0" err="1"/>
               <a:t>motor</a:t>
             </a:r>
             <a:r>
-              <a:rPr lang="fr-FR" sz="1700" dirty="0"/>
-              <a:t>[i] = </a:t>
-            </a:r>
-            <a:r>
-              <a:rPr lang="fr-FR" sz="1700" dirty="0" err="1"/>
+              <a:rPr lang="fr-FR" sz="1400" dirty="0"/>
+              <a:t>[3] = </a:t>
+            </a:r>
+            <a:r>
+              <a:rPr lang="fr-FR" sz="1400" dirty="0" err="1"/>
               <a:t>map</a:t>
             </a:r>
             <a:r>
-              <a:rPr lang="fr-FR" sz="1700" dirty="0"/>
-              <a:t>(_</a:t>
-            </a:r>
-            <a:r>
-              <a:rPr lang="fr-FR" sz="1700" dirty="0" err="1"/>
-              <a:t>motor</a:t>
-            </a:r>
-            <a:r>
-              <a:rPr lang="fr-FR" sz="1700" dirty="0"/>
-              <a:t>[i], -90, 90, -(MAXPWM-MINPWM)/2, (MAXPWM-MINPWM)/2);</a:t>
-            </a:r>
-          </a:p>
-          <a:p>
-            <a:pPr marL="457200" lvl="1" indent="0">
-              <a:buNone/>
-            </a:pPr>
-            <a:r>
-              <a:rPr lang="fr-FR" sz="1700" dirty="0"/>
-              <a:t>       _</a:t>
-            </a:r>
-            <a:r>
-              <a:rPr lang="fr-FR" sz="1700" dirty="0" err="1"/>
-              <a:t>motor</a:t>
-            </a:r>
-            <a:r>
-              <a:rPr lang="fr-FR" sz="1700" dirty="0"/>
-              <a:t>[i] = _</a:t>
-            </a:r>
-            <a:r>
-              <a:rPr lang="fr-FR" sz="1700" dirty="0" err="1"/>
-              <a:t>motor</a:t>
-            </a:r>
-            <a:r>
-              <a:rPr lang="fr-FR" sz="1700" dirty="0"/>
-              <a:t>[i] + </a:t>
-            </a:r>
-            <a:r>
-              <a:rPr lang="fr-FR" sz="1700" dirty="0" err="1"/>
+              <a:rPr lang="fr-FR" sz="1400" dirty="0"/>
+              <a:t>(</a:t>
+            </a:r>
+            <a:r>
+              <a:rPr lang="fr-FR" sz="1400" dirty="0" err="1"/>
+              <a:t>pid</a:t>
+            </a:r>
+            <a:r>
+              <a:rPr lang="fr-FR" sz="1400" dirty="0"/>
+              <a:t>, -MAXABSPID, MAXABSPID, MINPWMPID, MAXPWMPID) + </a:t>
+            </a:r>
+            <a:r>
+              <a:rPr lang="fr-FR" sz="1400" dirty="0" err="1"/>
               <a:t>throttle</a:t>
             </a:r>
             <a:r>
-              <a:rPr lang="fr-FR" sz="1700" dirty="0"/>
+              <a:rPr lang="fr-FR" sz="1400" dirty="0"/>
               <a:t>;</a:t>
-            </a:r>
-          </a:p>
-          <a:p>
-            <a:pPr marL="457200" lvl="1" indent="0">
-              <a:buNone/>
-            </a:pPr>
-            <a:r>
-              <a:rPr lang="fr-FR" sz="1700" dirty="0"/>
-              <a:t>}</a:t>
             </a:r>
           </a:p>
         </p:txBody>

--- a/libraries/Diagramm Drone.pptx
+++ b/libraries/Diagramm Drone.pptx
@@ -21880,12 +21880,8 @@
               <a:buNone/>
             </a:pPr>
             <a:r>
-              <a:rPr lang="fr-FR" sz="1400"/>
-              <a:t> </a:t>
-            </a:r>
-            <a:r>
               <a:rPr lang="fr-FR" sz="1400" dirty="0"/>
-              <a:t>#</a:t>
+              <a:t> #</a:t>
             </a:r>
             <a:r>
               <a:rPr lang="fr-FR" sz="1400" dirty="0" err="1"/>
@@ -22177,6 +22173,93 @@
               <a:rPr lang="fr-FR" sz="1400" dirty="0"/>
               <a:t>;</a:t>
             </a:r>
+          </a:p>
+        </p:txBody>
+      </p:sp>
+      <p:sp>
+        <p:nvSpPr>
+          <p:cNvPr id="4" name="ZoneTexte 3">
+            <a:extLst>
+              <a:ext uri="{FF2B5EF4-FFF2-40B4-BE49-F238E27FC236}">
+                <a16:creationId xmlns:a16="http://schemas.microsoft.com/office/drawing/2014/main" id="{7203BC04-E8B9-4351-97B7-06F37CB1AEAA}"/>
+              </a:ext>
+            </a:extLst>
+          </p:cNvPr>
+          <p:cNvSpPr txBox="1"/>
+          <p:nvPr/>
+        </p:nvSpPr>
+        <p:spPr>
+          <a:xfrm>
+            <a:off x="8092440" y="1633448"/>
+            <a:ext cx="3642360" cy="1338828"/>
+          </a:xfrm>
+          <a:prstGeom prst="rect">
+            <a:avLst/>
+          </a:prstGeom>
+          <a:solidFill>
+            <a:schemeClr val="accent2">
+              <a:lumMod val="60000"/>
+              <a:lumOff val="40000"/>
+            </a:schemeClr>
+          </a:solidFill>
+        </p:spPr>
+        <p:txBody>
+          <a:bodyPr wrap="square" rtlCol="0">
+            <a:spAutoFit/>
+          </a:bodyPr>
+          <a:lstStyle/>
+          <a:p>
+            <a:r>
+              <a:rPr lang="en-US" sz="900" dirty="0"/>
+              <a:t>#define STOPPWM 1140</a:t>
+            </a:r>
+          </a:p>
+          <a:p>
+            <a:r>
+              <a:rPr lang="en-US" sz="900" dirty="0"/>
+              <a:t>#define MINPWM 1148</a:t>
+            </a:r>
+          </a:p>
+          <a:p>
+            <a:r>
+              <a:rPr lang="en-US" sz="900" dirty="0"/>
+              <a:t>#define MAXPWM 1832</a:t>
+            </a:r>
+          </a:p>
+          <a:p>
+            <a:r>
+              <a:rPr lang="en-US" sz="900" dirty="0"/>
+              <a:t>#define MINPWMTHRO 1250</a:t>
+            </a:r>
+          </a:p>
+          <a:p>
+            <a:r>
+              <a:rPr lang="en-US" sz="900" dirty="0"/>
+              <a:t>#define MAXPWMTHRO 1750</a:t>
+            </a:r>
+          </a:p>
+          <a:p>
+            <a:r>
+              <a:rPr lang="en-US" sz="900" dirty="0"/>
+              <a:t>#define MAXABSPWMPID 200</a:t>
+            </a:r>
+          </a:p>
+          <a:p>
+            <a:r>
+              <a:rPr lang="en-US" sz="900" dirty="0"/>
+              <a:t>#define MAXABSPID 79 // computed based on value of the </a:t>
+            </a:r>
+            <a:r>
+              <a:rPr lang="en-US" sz="900" dirty="0" err="1"/>
+              <a:t>coeff</a:t>
+            </a:r>
+            <a:r>
+              <a:rPr lang="en-US" sz="900" dirty="0"/>
+              <a:t> and max error for PID</a:t>
+            </a:r>
+          </a:p>
+          <a:p>
+            <a:endParaRPr lang="en-US" sz="900" dirty="0"/>
           </a:p>
         </p:txBody>
       </p:sp>

--- a/libraries/Diagramm Drone.pptx
+++ b/libraries/Diagramm Drone.pptx
@@ -19,14 +19,16 @@
     <p:sldId id="277" r:id="rId13"/>
     <p:sldId id="279" r:id="rId14"/>
     <p:sldId id="278" r:id="rId15"/>
-    <p:sldId id="280" r:id="rId16"/>
-    <p:sldId id="276" r:id="rId17"/>
-    <p:sldId id="286" r:id="rId18"/>
-    <p:sldId id="281" r:id="rId19"/>
-    <p:sldId id="284" r:id="rId20"/>
-    <p:sldId id="282" r:id="rId21"/>
-    <p:sldId id="283" r:id="rId22"/>
-    <p:sldId id="260" r:id="rId23"/>
+    <p:sldId id="287" r:id="rId16"/>
+    <p:sldId id="288" r:id="rId17"/>
+    <p:sldId id="280" r:id="rId18"/>
+    <p:sldId id="276" r:id="rId19"/>
+    <p:sldId id="286" r:id="rId20"/>
+    <p:sldId id="281" r:id="rId21"/>
+    <p:sldId id="284" r:id="rId22"/>
+    <p:sldId id="282" r:id="rId23"/>
+    <p:sldId id="283" r:id="rId24"/>
+    <p:sldId id="260" r:id="rId25"/>
   </p:sldIdLst>
   <p:sldSz cx="12192000" cy="6858000"/>
   <p:notesSz cx="6888163" cy="10020300"/>
@@ -3732,7 +3734,7 @@
           <a:p>
             <a:fld id="{0717AEF8-1597-4679-8926-916E82E12B07}" type="datetimeFigureOut">
               <a:rPr lang="fr-FR" smtClean="0"/>
-              <a:t>17/10/2019</a:t>
+              <a:t>18/10/2019</a:t>
             </a:fld>
             <a:endParaRPr lang="fr-FR"/>
           </a:p>
@@ -3930,7 +3932,7 @@
           <a:p>
             <a:fld id="{0717AEF8-1597-4679-8926-916E82E12B07}" type="datetimeFigureOut">
               <a:rPr lang="fr-FR" smtClean="0"/>
-              <a:t>17/10/2019</a:t>
+              <a:t>18/10/2019</a:t>
             </a:fld>
             <a:endParaRPr lang="fr-FR"/>
           </a:p>
@@ -4138,7 +4140,7 @@
           <a:p>
             <a:fld id="{0717AEF8-1597-4679-8926-916E82E12B07}" type="datetimeFigureOut">
               <a:rPr lang="fr-FR" smtClean="0"/>
-              <a:t>17/10/2019</a:t>
+              <a:t>18/10/2019</a:t>
             </a:fld>
             <a:endParaRPr lang="fr-FR"/>
           </a:p>
@@ -4336,7 +4338,7 @@
           <a:p>
             <a:fld id="{0717AEF8-1597-4679-8926-916E82E12B07}" type="datetimeFigureOut">
               <a:rPr lang="fr-FR" smtClean="0"/>
-              <a:t>17/10/2019</a:t>
+              <a:t>18/10/2019</a:t>
             </a:fld>
             <a:endParaRPr lang="fr-FR"/>
           </a:p>
@@ -4611,7 +4613,7 @@
           <a:p>
             <a:fld id="{0717AEF8-1597-4679-8926-916E82E12B07}" type="datetimeFigureOut">
               <a:rPr lang="fr-FR" smtClean="0"/>
-              <a:t>17/10/2019</a:t>
+              <a:t>18/10/2019</a:t>
             </a:fld>
             <a:endParaRPr lang="fr-FR"/>
           </a:p>
@@ -4876,7 +4878,7 @@
           <a:p>
             <a:fld id="{0717AEF8-1597-4679-8926-916E82E12B07}" type="datetimeFigureOut">
               <a:rPr lang="fr-FR" smtClean="0"/>
-              <a:t>17/10/2019</a:t>
+              <a:t>18/10/2019</a:t>
             </a:fld>
             <a:endParaRPr lang="fr-FR"/>
           </a:p>
@@ -5288,7 +5290,7 @@
           <a:p>
             <a:fld id="{0717AEF8-1597-4679-8926-916E82E12B07}" type="datetimeFigureOut">
               <a:rPr lang="fr-FR" smtClean="0"/>
-              <a:t>17/10/2019</a:t>
+              <a:t>18/10/2019</a:t>
             </a:fld>
             <a:endParaRPr lang="fr-FR"/>
           </a:p>
@@ -5429,7 +5431,7 @@
           <a:p>
             <a:fld id="{0717AEF8-1597-4679-8926-916E82E12B07}" type="datetimeFigureOut">
               <a:rPr lang="fr-FR" smtClean="0"/>
-              <a:t>17/10/2019</a:t>
+              <a:t>18/10/2019</a:t>
             </a:fld>
             <a:endParaRPr lang="fr-FR"/>
           </a:p>
@@ -5542,7 +5544,7 @@
           <a:p>
             <a:fld id="{0717AEF8-1597-4679-8926-916E82E12B07}" type="datetimeFigureOut">
               <a:rPr lang="fr-FR" smtClean="0"/>
-              <a:t>17/10/2019</a:t>
+              <a:t>18/10/2019</a:t>
             </a:fld>
             <a:endParaRPr lang="fr-FR"/>
           </a:p>
@@ -5853,7 +5855,7 @@
           <a:p>
             <a:fld id="{0717AEF8-1597-4679-8926-916E82E12B07}" type="datetimeFigureOut">
               <a:rPr lang="fr-FR" smtClean="0"/>
-              <a:t>17/10/2019</a:t>
+              <a:t>18/10/2019</a:t>
             </a:fld>
             <a:endParaRPr lang="fr-FR"/>
           </a:p>
@@ -6141,7 +6143,7 @@
           <a:p>
             <a:fld id="{0717AEF8-1597-4679-8926-916E82E12B07}" type="datetimeFigureOut">
               <a:rPr lang="fr-FR" smtClean="0"/>
-              <a:t>17/10/2019</a:t>
+              <a:t>18/10/2019</a:t>
             </a:fld>
             <a:endParaRPr lang="fr-FR"/>
           </a:p>
@@ -6382,7 +6384,7 @@
           <a:p>
             <a:fld id="{0717AEF8-1597-4679-8926-916E82E12B07}" type="datetimeFigureOut">
               <a:rPr lang="fr-FR" smtClean="0"/>
-              <a:t>17/10/2019</a:t>
+              <a:t>18/10/2019</a:t>
             </a:fld>
             <a:endParaRPr lang="fr-FR"/>
           </a:p>
@@ -14949,24 +14951,50 @@
       </p:grpSpPr>
       <p:sp>
         <p:nvSpPr>
-          <p:cNvPr id="2" name="Titre 1">
-            <a:extLst>
-              <a:ext uri="{FF2B5EF4-FFF2-40B4-BE49-F238E27FC236}">
-                <a16:creationId xmlns:a16="http://schemas.microsoft.com/office/drawing/2014/main" id="{29EF8B37-1DB7-4A7C-A5A3-90529CB8BC25}"/>
-              </a:ext>
-            </a:extLst>
-          </p:cNvPr>
-          <p:cNvSpPr>
-            <a:spLocks noGrp="1"/>
+          <p:cNvPr id="4" name="Titre 1">
+            <a:extLst>
+              <a:ext uri="{FF2B5EF4-FFF2-40B4-BE49-F238E27FC236}">
+                <a16:creationId xmlns:a16="http://schemas.microsoft.com/office/drawing/2014/main" id="{D3E52F22-3B0D-4FB2-AECF-447BA823A5A1}"/>
+              </a:ext>
+            </a:extLst>
+          </p:cNvPr>
+          <p:cNvSpPr txBox="1">
+            <a:spLocks/>
           </p:cNvSpPr>
-          <p:nvPr>
-            <p:ph type="title"/>
-          </p:nvPr>
+          <p:nvPr/>
         </p:nvSpPr>
-        <p:spPr/>
+        <p:spPr>
+          <a:xfrm>
+            <a:off x="990600" y="517525"/>
+            <a:ext cx="10515600" cy="1325563"/>
+          </a:xfrm>
+          <a:prstGeom prst="rect">
+            <a:avLst/>
+          </a:prstGeom>
+        </p:spPr>
         <p:txBody>
-          <a:bodyPr/>
-          <a:lstStyle/>
+          <a:bodyPr vert="horz" lIns="91440" tIns="45720" rIns="91440" bIns="45720" rtlCol="0" anchor="ctr">
+            <a:normAutofit/>
+          </a:bodyPr>
+          <a:lstStyle>
+            <a:lvl1pPr algn="l" defTabSz="914400" rtl="0" eaLnBrk="1" latinLnBrk="0" hangingPunct="1">
+              <a:lnSpc>
+                <a:spcPct val="90000"/>
+              </a:lnSpc>
+              <a:spcBef>
+                <a:spcPct val="0"/>
+              </a:spcBef>
+              <a:buNone/>
+              <a:defRPr sz="4400" kern="1200">
+                <a:solidFill>
+                  <a:schemeClr val="tx1"/>
+                </a:solidFill>
+                <a:latin typeface="+mj-lt"/>
+                <a:ea typeface="+mj-ea"/>
+                <a:cs typeface="+mj-cs"/>
+              </a:defRPr>
+            </a:lvl1pPr>
+          </a:lstStyle>
           <a:p>
             <a:r>
               <a:rPr lang="en-US" dirty="0"/>
@@ -14977,28 +15005,198 @@
       </p:sp>
       <p:sp>
         <p:nvSpPr>
-          <p:cNvPr id="3" name="Espace réservé du contenu 2">
-            <a:extLst>
-              <a:ext uri="{FF2B5EF4-FFF2-40B4-BE49-F238E27FC236}">
-                <a16:creationId xmlns:a16="http://schemas.microsoft.com/office/drawing/2014/main" id="{EB2683F0-B956-49D4-8887-AAE667D4AD14}"/>
-              </a:ext>
-            </a:extLst>
-          </p:cNvPr>
-          <p:cNvSpPr>
-            <a:spLocks noGrp="1"/>
+          <p:cNvPr id="5" name="Espace réservé du contenu 2">
+            <a:extLst>
+              <a:ext uri="{FF2B5EF4-FFF2-40B4-BE49-F238E27FC236}">
+                <a16:creationId xmlns:a16="http://schemas.microsoft.com/office/drawing/2014/main" id="{EB797194-7ADC-480F-9A4D-5DE0B11DBC46}"/>
+              </a:ext>
+            </a:extLst>
+          </p:cNvPr>
+          <p:cNvSpPr txBox="1">
+            <a:spLocks/>
           </p:cNvSpPr>
-          <p:nvPr>
-            <p:ph idx="1"/>
-          </p:nvPr>
+          <p:nvPr/>
         </p:nvSpPr>
-        <p:spPr/>
+        <p:spPr>
+          <a:xfrm>
+            <a:off x="990600" y="1978025"/>
+            <a:ext cx="10515600" cy="4351338"/>
+          </a:xfrm>
+          <a:prstGeom prst="rect">
+            <a:avLst/>
+          </a:prstGeom>
+        </p:spPr>
         <p:txBody>
-          <a:bodyPr>
-            <a:normAutofit fontScale="92500" lnSpcReduction="20000"/>
+          <a:bodyPr vert="horz" lIns="91440" tIns="45720" rIns="91440" bIns="45720" rtlCol="0">
+            <a:normAutofit fontScale="77500" lnSpcReduction="20000"/>
           </a:bodyPr>
-          <a:lstStyle/>
+          <a:lstStyle>
+            <a:lvl1pPr marL="228600" indent="-228600" algn="l" defTabSz="914400" rtl="0" eaLnBrk="1" latinLnBrk="0" hangingPunct="1">
+              <a:lnSpc>
+                <a:spcPct val="90000"/>
+              </a:lnSpc>
+              <a:spcBef>
+                <a:spcPts val="1000"/>
+              </a:spcBef>
+              <a:buFont typeface="Arial" panose="020B0604020202020204" pitchFamily="34" charset="0"/>
+              <a:buChar char="•"/>
+              <a:defRPr sz="2800" kern="1200">
+                <a:solidFill>
+                  <a:schemeClr val="tx1"/>
+                </a:solidFill>
+                <a:latin typeface="+mn-lt"/>
+                <a:ea typeface="+mn-ea"/>
+                <a:cs typeface="+mn-cs"/>
+              </a:defRPr>
+            </a:lvl1pPr>
+            <a:lvl2pPr marL="685800" indent="-228600" algn="l" defTabSz="914400" rtl="0" eaLnBrk="1" latinLnBrk="0" hangingPunct="1">
+              <a:lnSpc>
+                <a:spcPct val="90000"/>
+              </a:lnSpc>
+              <a:spcBef>
+                <a:spcPts val="500"/>
+              </a:spcBef>
+              <a:buFont typeface="Arial" panose="020B0604020202020204" pitchFamily="34" charset="0"/>
+              <a:buChar char="•"/>
+              <a:defRPr sz="2400" kern="1200">
+                <a:solidFill>
+                  <a:schemeClr val="tx1"/>
+                </a:solidFill>
+                <a:latin typeface="+mn-lt"/>
+                <a:ea typeface="+mn-ea"/>
+                <a:cs typeface="+mn-cs"/>
+              </a:defRPr>
+            </a:lvl2pPr>
+            <a:lvl3pPr marL="1143000" indent="-228600" algn="l" defTabSz="914400" rtl="0" eaLnBrk="1" latinLnBrk="0" hangingPunct="1">
+              <a:lnSpc>
+                <a:spcPct val="90000"/>
+              </a:lnSpc>
+              <a:spcBef>
+                <a:spcPts val="500"/>
+              </a:spcBef>
+              <a:buFont typeface="Arial" panose="020B0604020202020204" pitchFamily="34" charset="0"/>
+              <a:buChar char="•"/>
+              <a:defRPr sz="2000" kern="1200">
+                <a:solidFill>
+                  <a:schemeClr val="tx1"/>
+                </a:solidFill>
+                <a:latin typeface="+mn-lt"/>
+                <a:ea typeface="+mn-ea"/>
+                <a:cs typeface="+mn-cs"/>
+              </a:defRPr>
+            </a:lvl3pPr>
+            <a:lvl4pPr marL="1600200" indent="-228600" algn="l" defTabSz="914400" rtl="0" eaLnBrk="1" latinLnBrk="0" hangingPunct="1">
+              <a:lnSpc>
+                <a:spcPct val="90000"/>
+              </a:lnSpc>
+              <a:spcBef>
+                <a:spcPts val="500"/>
+              </a:spcBef>
+              <a:buFont typeface="Arial" panose="020B0604020202020204" pitchFamily="34" charset="0"/>
+              <a:buChar char="•"/>
+              <a:defRPr sz="1800" kern="1200">
+                <a:solidFill>
+                  <a:schemeClr val="tx1"/>
+                </a:solidFill>
+                <a:latin typeface="+mn-lt"/>
+                <a:ea typeface="+mn-ea"/>
+                <a:cs typeface="+mn-cs"/>
+              </a:defRPr>
+            </a:lvl4pPr>
+            <a:lvl5pPr marL="2057400" indent="-228600" algn="l" defTabSz="914400" rtl="0" eaLnBrk="1" latinLnBrk="0" hangingPunct="1">
+              <a:lnSpc>
+                <a:spcPct val="90000"/>
+              </a:lnSpc>
+              <a:spcBef>
+                <a:spcPts val="500"/>
+              </a:spcBef>
+              <a:buFont typeface="Arial" panose="020B0604020202020204" pitchFamily="34" charset="0"/>
+              <a:buChar char="•"/>
+              <a:defRPr sz="1800" kern="1200">
+                <a:solidFill>
+                  <a:schemeClr val="tx1"/>
+                </a:solidFill>
+                <a:latin typeface="+mn-lt"/>
+                <a:ea typeface="+mn-ea"/>
+                <a:cs typeface="+mn-cs"/>
+              </a:defRPr>
+            </a:lvl5pPr>
+            <a:lvl6pPr marL="2514600" indent="-228600" algn="l" defTabSz="914400" rtl="0" eaLnBrk="1" latinLnBrk="0" hangingPunct="1">
+              <a:lnSpc>
+                <a:spcPct val="90000"/>
+              </a:lnSpc>
+              <a:spcBef>
+                <a:spcPts val="500"/>
+              </a:spcBef>
+              <a:buFont typeface="Arial" panose="020B0604020202020204" pitchFamily="34" charset="0"/>
+              <a:buChar char="•"/>
+              <a:defRPr sz="1800" kern="1200">
+                <a:solidFill>
+                  <a:schemeClr val="tx1"/>
+                </a:solidFill>
+                <a:latin typeface="+mn-lt"/>
+                <a:ea typeface="+mn-ea"/>
+                <a:cs typeface="+mn-cs"/>
+              </a:defRPr>
+            </a:lvl6pPr>
+            <a:lvl7pPr marL="2971800" indent="-228600" algn="l" defTabSz="914400" rtl="0" eaLnBrk="1" latinLnBrk="0" hangingPunct="1">
+              <a:lnSpc>
+                <a:spcPct val="90000"/>
+              </a:lnSpc>
+              <a:spcBef>
+                <a:spcPts val="500"/>
+              </a:spcBef>
+              <a:buFont typeface="Arial" panose="020B0604020202020204" pitchFamily="34" charset="0"/>
+              <a:buChar char="•"/>
+              <a:defRPr sz="1800" kern="1200">
+                <a:solidFill>
+                  <a:schemeClr val="tx1"/>
+                </a:solidFill>
+                <a:latin typeface="+mn-lt"/>
+                <a:ea typeface="+mn-ea"/>
+                <a:cs typeface="+mn-cs"/>
+              </a:defRPr>
+            </a:lvl7pPr>
+            <a:lvl8pPr marL="3429000" indent="-228600" algn="l" defTabSz="914400" rtl="0" eaLnBrk="1" latinLnBrk="0" hangingPunct="1">
+              <a:lnSpc>
+                <a:spcPct val="90000"/>
+              </a:lnSpc>
+              <a:spcBef>
+                <a:spcPts val="500"/>
+              </a:spcBef>
+              <a:buFont typeface="Arial" panose="020B0604020202020204" pitchFamily="34" charset="0"/>
+              <a:buChar char="•"/>
+              <a:defRPr sz="1800" kern="1200">
+                <a:solidFill>
+                  <a:schemeClr val="tx1"/>
+                </a:solidFill>
+                <a:latin typeface="+mn-lt"/>
+                <a:ea typeface="+mn-ea"/>
+                <a:cs typeface="+mn-cs"/>
+              </a:defRPr>
+            </a:lvl8pPr>
+            <a:lvl9pPr marL="3886200" indent="-228600" algn="l" defTabSz="914400" rtl="0" eaLnBrk="1" latinLnBrk="0" hangingPunct="1">
+              <a:lnSpc>
+                <a:spcPct val="90000"/>
+              </a:lnSpc>
+              <a:spcBef>
+                <a:spcPts val="500"/>
+              </a:spcBef>
+              <a:buFont typeface="Arial" panose="020B0604020202020204" pitchFamily="34" charset="0"/>
+              <a:buChar char="•"/>
+              <a:defRPr sz="1800" kern="1200">
+                <a:solidFill>
+                  <a:schemeClr val="tx1"/>
+                </a:solidFill>
+                <a:latin typeface="+mn-lt"/>
+                <a:ea typeface="+mn-ea"/>
+                <a:cs typeface="+mn-cs"/>
+              </a:defRPr>
+            </a:lvl9pPr>
+          </a:lstStyle>
           <a:p>
             <a:pPr marL="0" indent="0">
+              <a:buFont typeface="Arial" panose="020B0604020202020204" pitchFamily="34" charset="0"/>
               <a:buNone/>
             </a:pPr>
             <a:r>
@@ -15041,6 +15239,7 @@
           </a:p>
           <a:p>
             <a:pPr marL="0" indent="0">
+              <a:buFont typeface="Arial" panose="020B0604020202020204" pitchFamily="34" charset="0"/>
               <a:buNone/>
             </a:pPr>
             <a:r>
@@ -15061,101 +15260,197 @@
             </a:r>
             <a:r>
               <a:rPr lang="en-US" b="1" dirty="0"/>
-              <a:t> </a:t>
-            </a:r>
-            <a:r>
-              <a:rPr lang="en-US" b="1" dirty="0" err="1"/>
-              <a:t>MultiStar</a:t>
-            </a:r>
-            <a:r>
-              <a:rPr lang="en-US" b="1" dirty="0"/>
-              <a:t> 20A </a:t>
-            </a:r>
-            <a:r>
-              <a:rPr lang="en-US" b="1" dirty="0" err="1"/>
-              <a:t>BLHeli</a:t>
-            </a:r>
-            <a:r>
-              <a:rPr lang="en-US" b="1" dirty="0"/>
-              <a:t>-S Rev16 V3 ESC 2~4S </a:t>
-            </a:r>
-            <a:r>
-              <a:rPr lang="en-US" b="1" dirty="0" err="1"/>
-              <a:t>Opto</a:t>
-            </a:r>
-            <a:endParaRPr lang="en-US" b="1" dirty="0"/>
-          </a:p>
-          <a:p>
-            <a:pPr marL="0" indent="0">
+              <a:t> AE-20A Brushless ESC </a:t>
+            </a:r>
+            <a:r>
+              <a:rPr lang="en-US" dirty="0"/>
+              <a:t>(Hobby king TAE-20A)</a:t>
+            </a:r>
+          </a:p>
+          <a:p>
+            <a:pPr marL="457200" lvl="1" indent="0">
+              <a:buFont typeface="Arial" panose="020B0604020202020204" pitchFamily="34" charset="0"/>
               <a:buNone/>
             </a:pPr>
             <a:r>
               <a:rPr lang="en-US" dirty="0"/>
-              <a:t>(Hobby king 9351000086-0)</a:t>
-            </a:r>
-          </a:p>
-          <a:p>
-            <a:pPr marL="0" indent="0">
+              <a:t>Sortie: 20A continue, </a:t>
+            </a:r>
+            <a:r>
+              <a:rPr lang="en-US" dirty="0" err="1"/>
+              <a:t>éclater</a:t>
+            </a:r>
+            <a:r>
+              <a:rPr lang="en-US" dirty="0"/>
+              <a:t> 25A </a:t>
+            </a:r>
+            <a:r>
+              <a:rPr lang="en-US" dirty="0" err="1"/>
+              <a:t>jusqu'à</a:t>
+            </a:r>
+            <a:r>
+              <a:rPr lang="en-US" dirty="0"/>
+              <a:t> 10 </a:t>
+            </a:r>
+            <a:r>
+              <a:rPr lang="en-US" dirty="0" err="1"/>
+              <a:t>secondes</a:t>
+            </a:r>
+            <a:r>
+              <a:rPr lang="en-US" dirty="0"/>
+              <a:t>. </a:t>
+            </a:r>
+            <a:br>
+              <a:rPr lang="en-US" dirty="0"/>
+            </a:br>
+            <a:r>
+              <a:rPr lang="en-US" dirty="0"/>
+              <a:t>Tension </a:t>
+            </a:r>
+            <a:r>
+              <a:rPr lang="en-US" dirty="0" err="1"/>
+              <a:t>d'entrée</a:t>
+            </a:r>
+            <a:r>
+              <a:rPr lang="en-US" dirty="0"/>
+              <a:t>: 2-4 cellules batterie lithium </a:t>
+            </a:r>
+            <a:r>
+              <a:rPr lang="en-US" dirty="0" err="1"/>
+              <a:t>ou</a:t>
+            </a:r>
+            <a:r>
+              <a:rPr lang="en-US" dirty="0"/>
+              <a:t> 5-12 cellules de batterie NIMH. </a:t>
+            </a:r>
+            <a:br>
+              <a:rPr lang="en-US" dirty="0"/>
+            </a:br>
+            <a:r>
+              <a:rPr lang="en-US" b="1" dirty="0"/>
+              <a:t>BEC: </a:t>
+            </a:r>
+            <a:r>
+              <a:rPr lang="en-US" b="1" dirty="0" err="1"/>
+              <a:t>Linéaire</a:t>
+            </a:r>
+            <a:r>
+              <a:rPr lang="en-US" b="1" dirty="0"/>
+              <a:t> 2A @ 5V</a:t>
+            </a:r>
+            <a:r>
+              <a:rPr lang="en-US" dirty="0"/>
+              <a:t> </a:t>
+            </a:r>
+            <a:br>
+              <a:rPr lang="en-US" dirty="0"/>
+            </a:br>
+            <a:r>
+              <a:rPr lang="en-US" dirty="0"/>
+              <a:t>Transmission Control Signal: </a:t>
+            </a:r>
+            <a:r>
+              <a:rPr lang="en-US" dirty="0" err="1"/>
+              <a:t>système</a:t>
+            </a:r>
+            <a:r>
+              <a:rPr lang="en-US" dirty="0"/>
+              <a:t> </a:t>
+            </a:r>
+            <a:r>
+              <a:rPr lang="en-US" dirty="0" err="1"/>
+              <a:t>opto</a:t>
+            </a:r>
+            <a:r>
+              <a:rPr lang="en-US" dirty="0"/>
+              <a:t> </a:t>
+            </a:r>
+            <a:r>
+              <a:rPr lang="en-US" dirty="0" err="1"/>
+              <a:t>couplé</a:t>
+            </a:r>
+            <a:r>
+              <a:rPr lang="en-US" dirty="0"/>
+              <a:t>. </a:t>
+            </a:r>
+            <a:br>
+              <a:rPr lang="en-US" dirty="0"/>
+            </a:br>
+            <a:r>
+              <a:rPr lang="en-US" dirty="0"/>
+              <a:t>Vitesse </a:t>
+            </a:r>
+            <a:r>
+              <a:rPr lang="en-US" dirty="0" err="1"/>
+              <a:t>maximale</a:t>
+            </a:r>
+            <a:r>
+              <a:rPr lang="en-US" dirty="0"/>
+              <a:t>: </a:t>
+            </a:r>
+            <a:br>
+              <a:rPr lang="en-US" dirty="0"/>
+            </a:br>
+            <a:r>
+              <a:rPr lang="en-US" dirty="0"/>
+              <a:t>	2 Pole: 	210,000rpm </a:t>
+            </a:r>
+            <a:br>
+              <a:rPr lang="en-US" dirty="0"/>
+            </a:br>
+            <a:r>
+              <a:rPr lang="en-US" dirty="0"/>
+              <a:t>	6 Pole: 	70,000rpm </a:t>
+            </a:r>
+            <a:br>
+              <a:rPr lang="en-US" dirty="0"/>
+            </a:br>
+            <a:r>
+              <a:rPr lang="en-US" dirty="0"/>
+              <a:t>	12 Pole: 	35,000rpm </a:t>
+            </a:r>
+            <a:br>
+              <a:rPr lang="en-US" dirty="0"/>
+            </a:br>
+            <a:r>
+              <a:rPr lang="en-US" dirty="0" err="1"/>
+              <a:t>Taille</a:t>
+            </a:r>
+            <a:r>
+              <a:rPr lang="en-US" dirty="0"/>
+              <a:t>: 	50mm (L) * 26mm (W) * 12mm (H). </a:t>
+            </a:r>
+            <a:br>
+              <a:rPr lang="en-US" dirty="0"/>
+            </a:br>
+            <a:r>
+              <a:rPr lang="en-US" b="1" dirty="0" err="1"/>
+              <a:t>Poids</a:t>
+            </a:r>
+            <a:r>
+              <a:rPr lang="en-US" b="1" dirty="0"/>
+              <a:t>: 	19g</a:t>
+            </a:r>
+            <a:r>
+              <a:rPr lang="en-US" dirty="0"/>
+              <a:t>.</a:t>
+            </a:r>
+          </a:p>
+          <a:p>
+            <a:pPr marL="457200" lvl="1" indent="0">
+              <a:buFont typeface="Arial" panose="020B0604020202020204" pitchFamily="34" charset="0"/>
               <a:buNone/>
             </a:pPr>
             <a:endParaRPr lang="en-US" dirty="0"/>
           </a:p>
           <a:p>
-            <a:pPr marL="457200" lvl="1" indent="0">
+            <a:pPr marL="0" indent="0">
+              <a:buFont typeface="Arial" panose="020B0604020202020204" pitchFamily="34" charset="0"/>
               <a:buNone/>
             </a:pPr>
             <a:r>
               <a:rPr lang="en-US" dirty="0"/>
-              <a:t>Constant Current: 20A</a:t>
-            </a:r>
-          </a:p>
-          <a:p>
-            <a:pPr marL="457200" lvl="1" indent="0">
-              <a:buNone/>
-            </a:pPr>
-            <a:r>
-              <a:rPr lang="en-US" dirty="0"/>
-              <a:t>Peak Current: 25A</a:t>
-            </a:r>
-          </a:p>
-          <a:p>
-            <a:pPr marL="457200" lvl="1" indent="0">
-              <a:buNone/>
-            </a:pPr>
-            <a:r>
-              <a:rPr lang="en-US" dirty="0"/>
-              <a:t>Input Voltage: 2~4S (7.4~14.8V)</a:t>
-            </a:r>
-          </a:p>
-          <a:p>
-            <a:pPr marL="457200" lvl="1" indent="0">
-              <a:buNone/>
-            </a:pPr>
-            <a:r>
-              <a:rPr lang="en-US" dirty="0"/>
-              <a:t>BEC: </a:t>
-            </a:r>
-            <a:r>
-              <a:rPr lang="en-US" b="1" dirty="0"/>
-              <a:t>None</a:t>
-            </a:r>
-          </a:p>
-          <a:p>
-            <a:pPr marL="457200" lvl="1" indent="0">
-              <a:buNone/>
-            </a:pPr>
-            <a:r>
-              <a:rPr lang="en-US" dirty="0"/>
-              <a:t>Dimensions: 27 x 12mm</a:t>
-            </a:r>
-          </a:p>
-          <a:p>
-            <a:pPr marL="457200" lvl="1" indent="0">
-              <a:buNone/>
-            </a:pPr>
-            <a:r>
-              <a:rPr lang="en-US" dirty="0"/>
-              <a:t>Weight: 7.9g</a:t>
+              <a:t>The BEC power is 5v &lt; 7v min needed for Arduino MEGA2560, so I don’t use the BEC.</a:t>
             </a:r>
           </a:p>
         </p:txBody>
@@ -15163,7 +15458,7 @@
     </p:spTree>
     <p:extLst>
       <p:ext uri="{BB962C8B-B14F-4D97-AF65-F5344CB8AC3E}">
-        <p14:creationId xmlns:p14="http://schemas.microsoft.com/office/powerpoint/2010/main" val="1519535062"/>
+        <p14:creationId xmlns:p14="http://schemas.microsoft.com/office/powerpoint/2010/main" val="1647128075"/>
       </p:ext>
     </p:extLst>
   </p:cSld>
@@ -15195,7 +15490,7 @@
           <p:cNvPr id="2" name="Titre 1">
             <a:extLst>
               <a:ext uri="{FF2B5EF4-FFF2-40B4-BE49-F238E27FC236}">
-                <a16:creationId xmlns:a16="http://schemas.microsoft.com/office/drawing/2014/main" id="{8DDCDBDF-D8CC-44B1-A599-F6FD2A53CCC8}"/>
+                <a16:creationId xmlns:a16="http://schemas.microsoft.com/office/drawing/2014/main" id="{EABA2033-018F-4B7C-A70E-BCB695638D08}"/>
               </a:ext>
             </a:extLst>
           </p:cNvPr>
@@ -15206,31 +15501,24 @@
             <p:ph type="title"/>
           </p:nvPr>
         </p:nvSpPr>
-        <p:spPr>
-          <a:xfrm>
-            <a:off x="723900" y="190500"/>
-            <a:ext cx="10515600" cy="750888"/>
-          </a:xfrm>
-        </p:spPr>
+        <p:spPr/>
         <p:txBody>
-          <a:bodyPr>
-            <a:normAutofit/>
-          </a:bodyPr>
+          <a:bodyPr/>
           <a:lstStyle/>
           <a:p>
             <a:r>
               <a:rPr lang="en-US" dirty="0"/>
-              <a:t>Configuration ESC (except ESC #3)</a:t>
+              <a:t>Configuration ESC</a:t>
             </a:r>
           </a:p>
         </p:txBody>
       </p:sp>
       <p:pic>
         <p:nvPicPr>
-          <p:cNvPr id="7" name="Espace réservé du contenu 6" descr="Une image contenant capture d’écran&#10;&#10;Description générée automatiquement">
-            <a:extLst>
-              <a:ext uri="{FF2B5EF4-FFF2-40B4-BE49-F238E27FC236}">
-                <a16:creationId xmlns:a16="http://schemas.microsoft.com/office/drawing/2014/main" id="{D191BEC6-1CC5-4DA4-87DC-43EB6B7ED225}"/>
+          <p:cNvPr id="6" name="Espace réservé du contenu 5">
+            <a:extLst>
+              <a:ext uri="{FF2B5EF4-FFF2-40B4-BE49-F238E27FC236}">
+                <a16:creationId xmlns:a16="http://schemas.microsoft.com/office/drawing/2014/main" id="{9B9CA81F-BB8C-4B69-8348-792A6DBEC532}"/>
               </a:ext>
             </a:extLst>
           </p:cNvPr>
@@ -15242,140 +15530,25 @@
           </p:nvPr>
         </p:nvPicPr>
         <p:blipFill>
-          <a:blip r:embed="rId2">
-            <a:extLst>
-              <a:ext uri="{28A0092B-C50C-407E-A947-70E740481C1C}">
-                <a14:useLocalDpi xmlns:a14="http://schemas.microsoft.com/office/drawing/2010/main" val="0"/>
-              </a:ext>
-            </a:extLst>
-          </a:blip>
+          <a:blip r:embed="rId2"/>
           <a:stretch>
             <a:fillRect/>
           </a:stretch>
         </p:blipFill>
         <p:spPr>
           <a:xfrm>
-            <a:off x="5217216" y="1849234"/>
-            <a:ext cx="6654987" cy="4351338"/>
-          </a:xfrm>
-        </p:spPr>
-      </p:pic>
-      <p:sp>
-        <p:nvSpPr>
-          <p:cNvPr id="3" name="ZoneTexte 2">
-            <a:extLst>
-              <a:ext uri="{FF2B5EF4-FFF2-40B4-BE49-F238E27FC236}">
-                <a16:creationId xmlns:a16="http://schemas.microsoft.com/office/drawing/2014/main" id="{352BF9D4-A34A-46F0-A9AE-2BB3D2B34A28}"/>
-              </a:ext>
-            </a:extLst>
-          </p:cNvPr>
-          <p:cNvSpPr txBox="1"/>
-          <p:nvPr/>
-        </p:nvSpPr>
-        <p:spPr>
-          <a:xfrm>
-            <a:off x="659455" y="1077575"/>
-            <a:ext cx="10808645" cy="2031325"/>
+            <a:off x="838201" y="1243250"/>
+            <a:ext cx="9405388" cy="4933713"/>
           </a:xfrm>
           <a:prstGeom prst="rect">
             <a:avLst/>
           </a:prstGeom>
-          <a:noFill/>
         </p:spPr>
-        <p:txBody>
-          <a:bodyPr wrap="square" rtlCol="0">
-            <a:spAutoFit/>
-          </a:bodyPr>
-          <a:lstStyle/>
-          <a:p>
-            <a:pPr marL="285750" indent="-285750">
-              <a:buFont typeface="Arial" panose="020B0604020202020204" pitchFamily="34" charset="0"/>
-              <a:buChar char="•"/>
-            </a:pPr>
-            <a:r>
-              <a:rPr lang="en-US" dirty="0"/>
-              <a:t>Run BLHeliSuite16714901\</a:t>
-            </a:r>
-            <a:r>
-              <a:rPr lang="en-US" dirty="0" err="1"/>
-              <a:t>BLHeliSuite</a:t>
-            </a:r>
-            <a:endParaRPr lang="en-US" dirty="0"/>
-          </a:p>
-          <a:p>
-            <a:pPr marL="285750" indent="-285750">
-              <a:buFont typeface="Arial" panose="020B0604020202020204" pitchFamily="34" charset="0"/>
-              <a:buChar char="•"/>
-            </a:pPr>
-            <a:r>
-              <a:rPr lang="en-US" dirty="0"/>
-              <a:t>Select SILABS </a:t>
-            </a:r>
-            <a:r>
-              <a:rPr lang="en-US" dirty="0" err="1"/>
-              <a:t>BLHeli</a:t>
-            </a:r>
-            <a:r>
-              <a:rPr lang="en-US" dirty="0"/>
-              <a:t> Bootloader (USB/Com) in tab ATMEL/SILABS Interface</a:t>
-            </a:r>
-          </a:p>
-          <a:p>
-            <a:pPr marL="285750" indent="-285750">
-              <a:buFont typeface="Arial" panose="020B0604020202020204" pitchFamily="34" charset="0"/>
-              <a:buChar char="•"/>
-            </a:pPr>
-            <a:r>
-              <a:rPr lang="en-US" dirty="0"/>
-              <a:t>Select port and baud 19200</a:t>
-            </a:r>
-          </a:p>
-          <a:p>
-            <a:pPr marL="285750" indent="-285750">
-              <a:buFont typeface="Arial" panose="020B0604020202020204" pitchFamily="34" charset="0"/>
-              <a:buChar char="•"/>
-            </a:pPr>
-            <a:r>
-              <a:rPr lang="en-US" dirty="0"/>
-              <a:t>Click on Connect</a:t>
-            </a:r>
-          </a:p>
-          <a:p>
-            <a:pPr marL="285750" indent="-285750">
-              <a:buFont typeface="Arial" panose="020B0604020202020204" pitchFamily="34" charset="0"/>
-              <a:buChar char="•"/>
-            </a:pPr>
-            <a:r>
-              <a:rPr lang="en-US" dirty="0"/>
-              <a:t>Click on  Read Setup</a:t>
-            </a:r>
-          </a:p>
-          <a:p>
-            <a:pPr marL="285750" indent="-285750">
-              <a:buFont typeface="Arial" panose="020B0604020202020204" pitchFamily="34" charset="0"/>
-              <a:buChar char="•"/>
-            </a:pPr>
-            <a:r>
-              <a:rPr lang="en-US" dirty="0"/>
-              <a:t>Make changes if needed</a:t>
-            </a:r>
-          </a:p>
-          <a:p>
-            <a:pPr marL="285750" indent="-285750">
-              <a:buFont typeface="Arial" panose="020B0604020202020204" pitchFamily="34" charset="0"/>
-              <a:buChar char="•"/>
-            </a:pPr>
-            <a:r>
-              <a:rPr lang="en-US" dirty="0"/>
-              <a:t>Click on Write Setup</a:t>
-            </a:r>
-          </a:p>
-        </p:txBody>
-      </p:sp>
+      </p:pic>
     </p:spTree>
     <p:extLst>
       <p:ext uri="{BB962C8B-B14F-4D97-AF65-F5344CB8AC3E}">
-        <p14:creationId xmlns:p14="http://schemas.microsoft.com/office/powerpoint/2010/main" val="3332172527"/>
+        <p14:creationId xmlns:p14="http://schemas.microsoft.com/office/powerpoint/2010/main" val="348887714"/>
       </p:ext>
     </p:extLst>
   </p:cSld>
@@ -15407,7 +15580,7 @@
           <p:cNvPr id="2" name="Titre 1">
             <a:extLst>
               <a:ext uri="{FF2B5EF4-FFF2-40B4-BE49-F238E27FC236}">
-                <a16:creationId xmlns:a16="http://schemas.microsoft.com/office/drawing/2014/main" id="{8DDCDBDF-D8CC-44B1-A599-F6FD2A53CCC8}"/>
+                <a16:creationId xmlns:a16="http://schemas.microsoft.com/office/drawing/2014/main" id="{29EF8B37-1DB7-4A7C-A5A3-90529CB8BC25}"/>
               </a:ext>
             </a:extLst>
           </p:cNvPr>
@@ -15418,191 +15591,207 @@
             <p:ph type="title"/>
           </p:nvPr>
         </p:nvSpPr>
-        <p:spPr>
-          <a:xfrm>
-            <a:off x="723900" y="190500"/>
-            <a:ext cx="10515600" cy="750888"/>
-          </a:xfrm>
-        </p:spPr>
+        <p:spPr/>
         <p:txBody>
-          <a:bodyPr>
-            <a:normAutofit/>
-          </a:bodyPr>
+          <a:bodyPr/>
           <a:lstStyle/>
           <a:p>
             <a:r>
               <a:rPr lang="en-US" dirty="0"/>
-              <a:t>Configuration ESC #3</a:t>
+              <a:t>Electronic Speed Controller ESC</a:t>
             </a:r>
           </a:p>
         </p:txBody>
       </p:sp>
-      <p:pic>
-        <p:nvPicPr>
-          <p:cNvPr id="6" name="Espace réservé du contenu 5" descr="Une image contenant capture d’écran&#10;&#10;Description générée automatiquement">
-            <a:extLst>
-              <a:ext uri="{FF2B5EF4-FFF2-40B4-BE49-F238E27FC236}">
-                <a16:creationId xmlns:a16="http://schemas.microsoft.com/office/drawing/2014/main" id="{3F6EE8B9-853B-49EF-9F3D-B81A55DCC4EE}"/>
-              </a:ext>
-            </a:extLst>
-          </p:cNvPr>
-          <p:cNvPicPr>
-            <a:picLocks noGrp="1" noChangeAspect="1"/>
-          </p:cNvPicPr>
+      <p:sp>
+        <p:nvSpPr>
+          <p:cNvPr id="3" name="Espace réservé du contenu 2">
+            <a:extLst>
+              <a:ext uri="{FF2B5EF4-FFF2-40B4-BE49-F238E27FC236}">
+                <a16:creationId xmlns:a16="http://schemas.microsoft.com/office/drawing/2014/main" id="{EB2683F0-B956-49D4-8887-AAE667D4AD14}"/>
+              </a:ext>
+            </a:extLst>
+          </p:cNvPr>
+          <p:cNvSpPr>
+            <a:spLocks noGrp="1"/>
+          </p:cNvSpPr>
           <p:nvPr>
             <p:ph idx="1"/>
           </p:nvPr>
-        </p:nvPicPr>
-        <p:blipFill>
-          <a:blip r:embed="rId2">
-            <a:extLst>
-              <a:ext uri="{28A0092B-C50C-407E-A947-70E740481C1C}">
-                <a14:useLocalDpi xmlns:a14="http://schemas.microsoft.com/office/drawing/2010/main" val="0"/>
-              </a:ext>
-            </a:extLst>
-          </a:blip>
-          <a:stretch>
-            <a:fillRect/>
-          </a:stretch>
-        </p:blipFill>
-        <p:spPr>
-          <a:xfrm>
-            <a:off x="2768506" y="1825625"/>
-            <a:ext cx="6654987" cy="4351338"/>
-          </a:xfrm>
-        </p:spPr>
-      </p:pic>
-      <p:sp>
-        <p:nvSpPr>
-          <p:cNvPr id="8" name="ZoneTexte 7">
-            <a:extLst>
-              <a:ext uri="{FF2B5EF4-FFF2-40B4-BE49-F238E27FC236}">
-                <a16:creationId xmlns:a16="http://schemas.microsoft.com/office/drawing/2014/main" id="{71AD99FA-65BF-446E-971A-B0D3A10C0E90}"/>
-              </a:ext>
-            </a:extLst>
-          </p:cNvPr>
-          <p:cNvSpPr txBox="1"/>
-          <p:nvPr/>
         </p:nvSpPr>
-        <p:spPr>
-          <a:xfrm>
-            <a:off x="1906622" y="1060341"/>
-            <a:ext cx="7938263" cy="646331"/>
-          </a:xfrm>
-          <a:prstGeom prst="rect">
-            <a:avLst/>
-          </a:prstGeom>
-          <a:noFill/>
-        </p:spPr>
+        <p:spPr/>
         <p:txBody>
-          <a:bodyPr wrap="none" rtlCol="0">
-            <a:spAutoFit/>
+          <a:bodyPr>
+            <a:normAutofit fontScale="92500" lnSpcReduction="20000"/>
           </a:bodyPr>
           <a:lstStyle/>
           <a:p>
+            <a:pPr marL="0" indent="0">
+              <a:buNone/>
+            </a:pPr>
             <a:r>
               <a:rPr lang="fr-FR" dirty="0"/>
-              <a:t>The </a:t>
+              <a:t>Courant max </a:t>
             </a:r>
             <a:r>
               <a:rPr lang="fr-FR" dirty="0" err="1"/>
-              <a:t>only</a:t>
+              <a:t>Motor</a:t>
+            </a:r>
+            <a:r>
+              <a:rPr lang="fr-FR" dirty="0"/>
+              <a:t>: </a:t>
+            </a:r>
+            <a:r>
+              <a:rPr lang="fr-FR" b="1" dirty="0"/>
+              <a:t>17A</a:t>
+            </a:r>
+            <a:r>
+              <a:rPr lang="fr-FR" dirty="0"/>
+              <a:t> </a:t>
+            </a:r>
+          </a:p>
+          <a:p>
+            <a:pPr>
+              <a:buFont typeface="Symbol" panose="05050102010706020507" pitchFamily="18" charset="2"/>
+              <a:buChar char="Þ"/>
+            </a:pPr>
+            <a:r>
+              <a:rPr lang="fr-FR" dirty="0"/>
+              <a:t> ESC 20A</a:t>
+            </a:r>
+          </a:p>
+          <a:p>
+            <a:pPr>
+              <a:buFont typeface="Symbol" panose="05050102010706020507" pitchFamily="18" charset="2"/>
+              <a:buChar char="Þ"/>
+            </a:pPr>
+            <a:endParaRPr lang="fr-FR" dirty="0"/>
+          </a:p>
+          <a:p>
+            <a:pPr marL="0" indent="0">
+              <a:buNone/>
+            </a:pPr>
+            <a:r>
+              <a:rPr lang="fr-FR" dirty="0"/>
+              <a:t>I have </a:t>
+            </a:r>
+            <a:r>
+              <a:rPr lang="fr-FR" dirty="0" err="1"/>
+              <a:t>selected</a:t>
             </a:r>
             <a:r>
               <a:rPr lang="fr-FR" dirty="0"/>
               <a:t> </a:t>
             </a:r>
             <a:r>
-              <a:rPr lang="fr-FR" dirty="0" err="1"/>
-              <a:t>difference</a:t>
-            </a:r>
-            <a:r>
-              <a:rPr lang="fr-FR" dirty="0"/>
+              <a:rPr lang="en-US" b="1" dirty="0" err="1"/>
+              <a:t>Turnigy</a:t>
+            </a:r>
+            <a:r>
+              <a:rPr lang="en-US" b="1" dirty="0"/>
               <a:t> </a:t>
             </a:r>
             <a:r>
-              <a:rPr lang="fr-FR" dirty="0" err="1"/>
-              <a:t>with</a:t>
-            </a:r>
-            <a:r>
-              <a:rPr lang="fr-FR" dirty="0"/>
-              <a:t> the </a:t>
-            </a:r>
-            <a:r>
-              <a:rPr lang="fr-FR" dirty="0" err="1"/>
-              <a:t>other</a:t>
-            </a:r>
-            <a:r>
-              <a:rPr lang="fr-FR" dirty="0"/>
-              <a:t> ESC </a:t>
-            </a:r>
-            <a:r>
-              <a:rPr lang="fr-FR" dirty="0" err="1"/>
-              <a:t>is</a:t>
-            </a:r>
-            <a:endParaRPr lang="fr-FR" dirty="0"/>
-          </a:p>
-          <a:p>
-            <a:r>
-              <a:rPr lang="fr-FR" dirty="0"/>
-              <a:t> Min PPM = </a:t>
-            </a:r>
-            <a:r>
-              <a:rPr lang="fr-FR" b="1" dirty="0"/>
-              <a:t>1156</a:t>
-            </a:r>
-            <a:r>
-              <a:rPr lang="fr-FR" dirty="0"/>
-              <a:t> </a:t>
-            </a:r>
-            <a:r>
-              <a:rPr lang="fr-FR" dirty="0" err="1"/>
-              <a:t>instead</a:t>
-            </a:r>
-            <a:r>
-              <a:rPr lang="fr-FR" dirty="0"/>
-              <a:t> of 1148 in </a:t>
-            </a:r>
-            <a:r>
-              <a:rPr lang="fr-FR" dirty="0" err="1"/>
-              <a:t>order</a:t>
-            </a:r>
-            <a:r>
-              <a:rPr lang="fr-FR" dirty="0"/>
-              <a:t> to stop the </a:t>
-            </a:r>
-            <a:r>
-              <a:rPr lang="fr-FR" dirty="0" err="1"/>
-              <a:t>motor</a:t>
-            </a:r>
-            <a:r>
-              <a:rPr lang="fr-FR" dirty="0"/>
-              <a:t> </a:t>
-            </a:r>
-            <a:r>
-              <a:rPr lang="fr-FR" dirty="0" err="1"/>
-              <a:t>when</a:t>
-            </a:r>
-            <a:r>
-              <a:rPr lang="fr-FR" dirty="0"/>
-              <a:t> the stick </a:t>
-            </a:r>
-            <a:r>
-              <a:rPr lang="fr-FR" dirty="0" err="1"/>
-              <a:t>is</a:t>
-            </a:r>
-            <a:r>
-              <a:rPr lang="fr-FR" dirty="0"/>
-              <a:t> down</a:t>
-            </a:r>
+              <a:rPr lang="en-US" b="1" dirty="0" err="1"/>
+              <a:t>MultiStar</a:t>
+            </a:r>
+            <a:r>
+              <a:rPr lang="en-US" b="1" dirty="0"/>
+              <a:t> 20A </a:t>
+            </a:r>
+            <a:r>
+              <a:rPr lang="en-US" b="1" dirty="0" err="1"/>
+              <a:t>BLHeli</a:t>
+            </a:r>
+            <a:r>
+              <a:rPr lang="en-US" b="1" dirty="0"/>
+              <a:t>-S Rev16 V3 ESC 2~4S </a:t>
+            </a:r>
+            <a:r>
+              <a:rPr lang="en-US" b="1" dirty="0" err="1"/>
+              <a:t>Opto</a:t>
+            </a:r>
+            <a:endParaRPr lang="en-US" b="1" dirty="0"/>
+          </a:p>
+          <a:p>
+            <a:pPr marL="0" indent="0">
+              <a:buNone/>
+            </a:pPr>
+            <a:r>
+              <a:rPr lang="en-US" dirty="0"/>
+              <a:t>(Hobby king 9351000086-0)</a:t>
+            </a:r>
+          </a:p>
+          <a:p>
+            <a:pPr marL="0" indent="0">
+              <a:buNone/>
+            </a:pPr>
             <a:endParaRPr lang="en-US" dirty="0"/>
+          </a:p>
+          <a:p>
+            <a:pPr marL="457200" lvl="1" indent="0">
+              <a:buNone/>
+            </a:pPr>
+            <a:r>
+              <a:rPr lang="en-US" dirty="0"/>
+              <a:t>Constant Current: 20A</a:t>
+            </a:r>
+          </a:p>
+          <a:p>
+            <a:pPr marL="457200" lvl="1" indent="0">
+              <a:buNone/>
+            </a:pPr>
+            <a:r>
+              <a:rPr lang="en-US" dirty="0"/>
+              <a:t>Peak Current: 25A</a:t>
+            </a:r>
+          </a:p>
+          <a:p>
+            <a:pPr marL="457200" lvl="1" indent="0">
+              <a:buNone/>
+            </a:pPr>
+            <a:r>
+              <a:rPr lang="en-US" dirty="0"/>
+              <a:t>Input Voltage: 2~4S (7.4~14.8V)</a:t>
+            </a:r>
+          </a:p>
+          <a:p>
+            <a:pPr marL="457200" lvl="1" indent="0">
+              <a:buNone/>
+            </a:pPr>
+            <a:r>
+              <a:rPr lang="en-US" dirty="0"/>
+              <a:t>BEC: </a:t>
+            </a:r>
+            <a:r>
+              <a:rPr lang="en-US" b="1" dirty="0"/>
+              <a:t>None</a:t>
+            </a:r>
+          </a:p>
+          <a:p>
+            <a:pPr marL="457200" lvl="1" indent="0">
+              <a:buNone/>
+            </a:pPr>
+            <a:r>
+              <a:rPr lang="en-US" dirty="0"/>
+              <a:t>Dimensions: 27 x 12mm</a:t>
+            </a:r>
+          </a:p>
+          <a:p>
+            <a:pPr marL="457200" lvl="1" indent="0">
+              <a:buNone/>
+            </a:pPr>
+            <a:r>
+              <a:rPr lang="en-US" dirty="0"/>
+              <a:t>Weight: 7.9g</a:t>
+            </a:r>
           </a:p>
         </p:txBody>
       </p:sp>
     </p:spTree>
     <p:extLst>
       <p:ext uri="{BB962C8B-B14F-4D97-AF65-F5344CB8AC3E}">
-        <p14:creationId xmlns:p14="http://schemas.microsoft.com/office/powerpoint/2010/main" val="2775998168"/>
+        <p14:creationId xmlns:p14="http://schemas.microsoft.com/office/powerpoint/2010/main" val="1519535062"/>
       </p:ext>
     </p:extLst>
   </p:cSld>
@@ -15634,7 +15823,7 @@
           <p:cNvPr id="2" name="Titre 1">
             <a:extLst>
               <a:ext uri="{FF2B5EF4-FFF2-40B4-BE49-F238E27FC236}">
-                <a16:creationId xmlns:a16="http://schemas.microsoft.com/office/drawing/2014/main" id="{FE169B9C-4B88-49CF-996F-9AA43AAE11A7}"/>
+                <a16:creationId xmlns:a16="http://schemas.microsoft.com/office/drawing/2014/main" id="{8DDCDBDF-D8CC-44B1-A599-F6FD2A53CCC8}"/>
               </a:ext>
             </a:extLst>
           </p:cNvPr>
@@ -15647,283 +15836,174 @@
         </p:nvSpPr>
         <p:spPr>
           <a:xfrm>
-            <a:off x="838200" y="365125"/>
-            <a:ext cx="10515600" cy="1325563"/>
-          </a:xfrm>
-        </p:spPr>
-        <p:txBody>
-          <a:bodyPr/>
-          <a:lstStyle/>
-          <a:p>
-            <a:r>
-              <a:rPr lang="en-US"/>
-              <a:t>Lipo</a:t>
-            </a:r>
-            <a:endParaRPr lang="en-US" dirty="0"/>
-          </a:p>
-        </p:txBody>
-      </p:sp>
-      <p:sp>
-        <p:nvSpPr>
-          <p:cNvPr id="3" name="Espace réservé du contenu 2">
-            <a:extLst>
-              <a:ext uri="{FF2B5EF4-FFF2-40B4-BE49-F238E27FC236}">
-                <a16:creationId xmlns:a16="http://schemas.microsoft.com/office/drawing/2014/main" id="{13BA1678-4CC9-4D81-80F5-03ACA87BD6C6}"/>
-              </a:ext>
-            </a:extLst>
-          </p:cNvPr>
-          <p:cNvSpPr>
-            <a:spLocks noGrp="1"/>
-          </p:cNvSpPr>
-          <p:nvPr>
-            <p:ph idx="1"/>
-          </p:nvPr>
-        </p:nvSpPr>
-        <p:spPr>
-          <a:xfrm>
-            <a:off x="838200" y="1509204"/>
-            <a:ext cx="10515600" cy="5093887"/>
+            <a:off x="723900" y="190500"/>
+            <a:ext cx="10515600" cy="750888"/>
           </a:xfrm>
         </p:spPr>
         <p:txBody>
           <a:bodyPr>
-            <a:normAutofit fontScale="62500" lnSpcReduction="20000"/>
+            <a:normAutofit/>
           </a:bodyPr>
           <a:lstStyle/>
           <a:p>
-            <a:pPr marL="0" indent="0">
-              <a:buNone/>
+            <a:r>
+              <a:rPr lang="en-US" dirty="0"/>
+              <a:t>Configuration ESC (except ESC #3)</a:t>
+            </a:r>
+          </a:p>
+        </p:txBody>
+      </p:sp>
+      <p:pic>
+        <p:nvPicPr>
+          <p:cNvPr id="7" name="Espace réservé du contenu 6" descr="Une image contenant capture d’écran&#10;&#10;Description générée automatiquement">
+            <a:extLst>
+              <a:ext uri="{FF2B5EF4-FFF2-40B4-BE49-F238E27FC236}">
+                <a16:creationId xmlns:a16="http://schemas.microsoft.com/office/drawing/2014/main" id="{D191BEC6-1CC5-4DA4-87DC-43EB6B7ED225}"/>
+              </a:ext>
+            </a:extLst>
+          </p:cNvPr>
+          <p:cNvPicPr>
+            <a:picLocks noGrp="1" noChangeAspect="1"/>
+          </p:cNvPicPr>
+          <p:nvPr>
+            <p:ph idx="1"/>
+          </p:nvPr>
+        </p:nvPicPr>
+        <p:blipFill>
+          <a:blip r:embed="rId2">
+            <a:extLst>
+              <a:ext uri="{28A0092B-C50C-407E-A947-70E740481C1C}">
+                <a14:useLocalDpi xmlns:a14="http://schemas.microsoft.com/office/drawing/2010/main" val="0"/>
+              </a:ext>
+            </a:extLst>
+          </a:blip>
+          <a:stretch>
+            <a:fillRect/>
+          </a:stretch>
+        </p:blipFill>
+        <p:spPr>
+          <a:xfrm>
+            <a:off x="5217216" y="1849234"/>
+            <a:ext cx="6654987" cy="4351338"/>
+          </a:xfrm>
+        </p:spPr>
+      </p:pic>
+      <p:sp>
+        <p:nvSpPr>
+          <p:cNvPr id="3" name="ZoneTexte 2">
+            <a:extLst>
+              <a:ext uri="{FF2B5EF4-FFF2-40B4-BE49-F238E27FC236}">
+                <a16:creationId xmlns:a16="http://schemas.microsoft.com/office/drawing/2014/main" id="{352BF9D4-A34A-46F0-A9AE-2BB3D2B34A28}"/>
+              </a:ext>
+            </a:extLst>
+          </p:cNvPr>
+          <p:cNvSpPr txBox="1"/>
+          <p:nvPr/>
+        </p:nvSpPr>
+        <p:spPr>
+          <a:xfrm>
+            <a:off x="659455" y="1077575"/>
+            <a:ext cx="10808645" cy="2031325"/>
+          </a:xfrm>
+          <a:prstGeom prst="rect">
+            <a:avLst/>
+          </a:prstGeom>
+          <a:noFill/>
+        </p:spPr>
+        <p:txBody>
+          <a:bodyPr wrap="square" rtlCol="0">
+            <a:spAutoFit/>
+          </a:bodyPr>
+          <a:lstStyle/>
+          <a:p>
+            <a:pPr marL="285750" indent="-285750">
+              <a:buFont typeface="Arial" panose="020B0604020202020204" pitchFamily="34" charset="0"/>
+              <a:buChar char="•"/>
             </a:pPr>
             <a:r>
               <a:rPr lang="en-US" dirty="0"/>
-              <a:t>3S :3*3,7v =11,1v</a:t>
-            </a:r>
-          </a:p>
-          <a:p>
-            <a:pPr marL="0" indent="0">
-              <a:buNone/>
+              <a:t>Run BLHeliSuite16714901\</a:t>
+            </a:r>
+            <a:r>
+              <a:rPr lang="en-US" dirty="0" err="1"/>
+              <a:t>BLHeliSuite</a:t>
+            </a:r>
+            <a:endParaRPr lang="en-US" dirty="0"/>
+          </a:p>
+          <a:p>
+            <a:pPr marL="285750" indent="-285750">
+              <a:buFont typeface="Arial" panose="020B0604020202020204" pitchFamily="34" charset="0"/>
+              <a:buChar char="•"/>
             </a:pPr>
-            <a:endParaRPr lang="en-US" dirty="0"/>
-          </a:p>
-          <a:p>
-            <a:pPr marL="0" indent="0">
-              <a:buNone/>
+            <a:r>
+              <a:rPr lang="en-US" dirty="0"/>
+              <a:t>Select SILABS </a:t>
+            </a:r>
+            <a:r>
+              <a:rPr lang="en-US" dirty="0" err="1"/>
+              <a:t>BLHeli</a:t>
+            </a:r>
+            <a:r>
+              <a:rPr lang="en-US" dirty="0"/>
+              <a:t> Bootloader (USB/Com) in tab ATMEL/SILABS Interface</a:t>
+            </a:r>
+          </a:p>
+          <a:p>
+            <a:pPr marL="285750" indent="-285750">
+              <a:buFont typeface="Arial" panose="020B0604020202020204" pitchFamily="34" charset="0"/>
+              <a:buChar char="•"/>
             </a:pPr>
             <a:r>
               <a:rPr lang="en-US" dirty="0"/>
-              <a:t>4 motors 17A =&gt; </a:t>
-            </a:r>
-            <a:r>
-              <a:rPr lang="en-US" b="1" dirty="0"/>
-              <a:t>68A </a:t>
-            </a:r>
+              <a:t>Select port and baud 19200</a:t>
+            </a:r>
+          </a:p>
+          <a:p>
+            <a:pPr marL="285750" indent="-285750">
+              <a:buFont typeface="Arial" panose="020B0604020202020204" pitchFamily="34" charset="0"/>
+              <a:buChar char="•"/>
+            </a:pPr>
             <a:r>
               <a:rPr lang="en-US" dirty="0"/>
-              <a:t>Max</a:t>
-            </a:r>
-          </a:p>
-          <a:p>
-            <a:pPr marL="0" indent="0">
-              <a:buNone/>
+              <a:t>Click on Connect</a:t>
+            </a:r>
+          </a:p>
+          <a:p>
+            <a:pPr marL="285750" indent="-285750">
+              <a:buFont typeface="Arial" panose="020B0604020202020204" pitchFamily="34" charset="0"/>
+              <a:buChar char="•"/>
             </a:pPr>
-            <a:endParaRPr lang="en-US" dirty="0"/>
-          </a:p>
-          <a:p>
-            <a:pPr marL="0" indent="0">
-              <a:buNone/>
+            <a:r>
+              <a:rPr lang="en-US" dirty="0"/>
+              <a:t>Click on  Read Setup</a:t>
+            </a:r>
+          </a:p>
+          <a:p>
+            <a:pPr marL="285750" indent="-285750">
+              <a:buFont typeface="Arial" panose="020B0604020202020204" pitchFamily="34" charset="0"/>
+              <a:buChar char="•"/>
             </a:pPr>
             <a:r>
               <a:rPr lang="en-US" dirty="0"/>
-              <a:t>I have selected LiPo 3S </a:t>
-            </a:r>
-            <a:r>
-              <a:rPr lang="en-US" b="1" dirty="0"/>
-              <a:t>3000mA</a:t>
-            </a:r>
+              <a:t>Make changes if needed</a:t>
+            </a:r>
+          </a:p>
+          <a:p>
+            <a:pPr marL="285750" indent="-285750">
+              <a:buFont typeface="Arial" panose="020B0604020202020204" pitchFamily="34" charset="0"/>
+              <a:buChar char="•"/>
+            </a:pPr>
             <a:r>
               <a:rPr lang="en-US" dirty="0"/>
-              <a:t>h 11.1V </a:t>
-            </a:r>
-            <a:r>
-              <a:rPr lang="en-US" b="1" dirty="0"/>
-              <a:t>30C </a:t>
-            </a:r>
-            <a:r>
-              <a:rPr lang="en-US" dirty="0"/>
-              <a:t> not too much heavy with Max discharge = 3*30 = </a:t>
-            </a:r>
-            <a:r>
-              <a:rPr lang="en-US" b="1" dirty="0"/>
-              <a:t>90A</a:t>
-            </a:r>
-            <a:r>
-              <a:rPr lang="en-US" dirty="0"/>
-              <a:t> &gt; </a:t>
-            </a:r>
-            <a:r>
-              <a:rPr lang="en-US" b="1" dirty="0"/>
-              <a:t>68A</a:t>
-            </a:r>
-          </a:p>
-          <a:p>
-            <a:pPr lvl="1">
-              <a:buFont typeface="Symbol" panose="05050102010706020507" pitchFamily="18" charset="2"/>
-              <a:buChar char="Þ"/>
-            </a:pPr>
-            <a:endParaRPr lang="en-US" b="1" dirty="0"/>
-          </a:p>
-          <a:p>
-            <a:pPr marL="0" indent="0">
-              <a:buNone/>
-            </a:pPr>
-            <a:r>
-              <a:rPr lang="en-US" dirty="0"/>
-              <a:t>Specifications</a:t>
-            </a:r>
-          </a:p>
-          <a:p>
-            <a:pPr lvl="1"/>
-            <a:r>
-              <a:rPr lang="fr-FR" dirty="0"/>
-              <a:t>Type de la batterie		</a:t>
-            </a:r>
-            <a:r>
-              <a:rPr lang="fr-FR" dirty="0" err="1"/>
-              <a:t>LiPO</a:t>
-            </a:r>
-            <a:endParaRPr lang="fr-FR" dirty="0"/>
-          </a:p>
-          <a:p>
-            <a:pPr lvl="1"/>
-            <a:r>
-              <a:rPr lang="fr-FR" b="1" dirty="0"/>
-              <a:t>Capacité batterie</a:t>
-            </a:r>
-            <a:r>
-              <a:rPr lang="fr-FR" dirty="0"/>
-              <a:t>		</a:t>
-            </a:r>
-            <a:r>
-              <a:rPr lang="fr-FR" b="1" dirty="0"/>
-              <a:t>3300 (mAh)</a:t>
-            </a:r>
-          </a:p>
-          <a:p>
-            <a:pPr lvl="1"/>
-            <a:r>
-              <a:rPr lang="fr-FR" dirty="0"/>
-              <a:t>Voltage			11.1 (V)</a:t>
-            </a:r>
-          </a:p>
-          <a:p>
-            <a:pPr lvl="1"/>
-            <a:r>
-              <a:rPr lang="fr-FR" b="1" dirty="0"/>
-              <a:t>Courant décharge en continu</a:t>
-            </a:r>
-            <a:r>
-              <a:rPr lang="fr-FR" dirty="0"/>
-              <a:t>	</a:t>
-            </a:r>
-            <a:r>
-              <a:rPr lang="fr-FR" b="1" dirty="0"/>
-              <a:t>30 (C)</a:t>
-            </a:r>
-          </a:p>
-          <a:p>
-            <a:pPr lvl="1"/>
-            <a:r>
-              <a:rPr lang="fr-FR" dirty="0"/>
-              <a:t>Courant de décharge max		60 (C)</a:t>
-            </a:r>
-          </a:p>
-          <a:p>
-            <a:pPr lvl="1"/>
-            <a:r>
-              <a:rPr lang="fr-FR" b="1" dirty="0"/>
-              <a:t>Poids</a:t>
-            </a:r>
-            <a:r>
-              <a:rPr lang="fr-FR" dirty="0"/>
-              <a:t>			</a:t>
-            </a:r>
-            <a:r>
-              <a:rPr lang="fr-FR" b="1" dirty="0"/>
-              <a:t>182 (g)</a:t>
-            </a:r>
-          </a:p>
-          <a:p>
-            <a:pPr lvl="1"/>
-            <a:r>
-              <a:rPr lang="fr-FR" dirty="0"/>
-              <a:t>Longueur			103 (mm)</a:t>
-            </a:r>
-          </a:p>
-          <a:p>
-            <a:pPr lvl="1"/>
-            <a:r>
-              <a:rPr lang="fr-FR" dirty="0"/>
-              <a:t>Largeur			33 (mm)</a:t>
-            </a:r>
-          </a:p>
-          <a:p>
-            <a:pPr lvl="1"/>
-            <a:r>
-              <a:rPr lang="fr-FR" dirty="0"/>
-              <a:t>Hauteur			23 (mm)</a:t>
-            </a:r>
-          </a:p>
-          <a:p>
-            <a:pPr lvl="1"/>
-            <a:r>
-              <a:rPr lang="fr-FR" dirty="0"/>
-              <a:t>Type de prise			Dean / </a:t>
-            </a:r>
-            <a:r>
-              <a:rPr lang="fr-FR" dirty="0" err="1"/>
-              <a:t>Tplug</a:t>
-            </a:r>
-            <a:endParaRPr lang="fr-FR" dirty="0"/>
-          </a:p>
-          <a:p>
-            <a:pPr lvl="1"/>
-            <a:r>
-              <a:rPr lang="fr-FR" dirty="0"/>
-              <a:t>Prise Equilibrage		JST-XH</a:t>
-            </a:r>
-          </a:p>
-          <a:p>
-            <a:pPr lvl="1"/>
-            <a:r>
-              <a:rPr lang="fr-FR" b="1" dirty="0"/>
-              <a:t>Taux de Charge Max</a:t>
-            </a:r>
-            <a:r>
-              <a:rPr lang="fr-FR" dirty="0"/>
-              <a:t>		</a:t>
-            </a:r>
-            <a:r>
-              <a:rPr lang="fr-FR" b="1" dirty="0"/>
-              <a:t>2 (C)</a:t>
-            </a:r>
-          </a:p>
-          <a:p>
-            <a:pPr lvl="1"/>
-            <a:r>
-              <a:rPr lang="fr-FR" dirty="0"/>
-              <a:t>Nombre d'éléments		3 (S)</a:t>
-            </a:r>
-          </a:p>
-          <a:p>
-            <a:pPr lvl="1"/>
-            <a:endParaRPr lang="en-US" dirty="0"/>
+              <a:t>Click on Write Setup</a:t>
+            </a:r>
           </a:p>
         </p:txBody>
       </p:sp>
     </p:spTree>
     <p:extLst>
       <p:ext uri="{BB962C8B-B14F-4D97-AF65-F5344CB8AC3E}">
-        <p14:creationId xmlns:p14="http://schemas.microsoft.com/office/powerpoint/2010/main" val="550258717"/>
+        <p14:creationId xmlns:p14="http://schemas.microsoft.com/office/powerpoint/2010/main" val="3332172527"/>
       </p:ext>
     </p:extLst>
   </p:cSld>
@@ -15955,7 +16035,7 @@
           <p:cNvPr id="2" name="Titre 1">
             <a:extLst>
               <a:ext uri="{FF2B5EF4-FFF2-40B4-BE49-F238E27FC236}">
-                <a16:creationId xmlns:a16="http://schemas.microsoft.com/office/drawing/2014/main" id="{FE169B9C-4B88-49CF-996F-9AA43AAE11A7}"/>
+                <a16:creationId xmlns:a16="http://schemas.microsoft.com/office/drawing/2014/main" id="{8DDCDBDF-D8CC-44B1-A599-F6FD2A53CCC8}"/>
               </a:ext>
             </a:extLst>
           </p:cNvPr>
@@ -15968,54 +16048,8 @@
         </p:nvSpPr>
         <p:spPr>
           <a:xfrm>
-            <a:off x="838200" y="365125"/>
-            <a:ext cx="10515600" cy="1325563"/>
-          </a:xfrm>
-        </p:spPr>
-        <p:txBody>
-          <a:bodyPr/>
-          <a:lstStyle/>
-          <a:p>
-            <a:r>
-              <a:rPr lang="en-US" dirty="0"/>
-              <a:t>Charger </a:t>
-            </a:r>
-            <a:r>
-              <a:rPr lang="en-US" dirty="0" err="1"/>
-              <a:t>Graupner</a:t>
-            </a:r>
-            <a:r>
-              <a:rPr lang="en-US" dirty="0"/>
-              <a:t> </a:t>
-            </a:r>
-            <a:r>
-              <a:rPr lang="en-US"/>
-              <a:t>ULTRAMAT 16</a:t>
-            </a:r>
-            <a:endParaRPr lang="en-US" dirty="0"/>
-          </a:p>
-        </p:txBody>
-      </p:sp>
-      <p:sp>
-        <p:nvSpPr>
-          <p:cNvPr id="3" name="Espace réservé du contenu 2">
-            <a:extLst>
-              <a:ext uri="{FF2B5EF4-FFF2-40B4-BE49-F238E27FC236}">
-                <a16:creationId xmlns:a16="http://schemas.microsoft.com/office/drawing/2014/main" id="{13BA1678-4CC9-4D81-80F5-03ACA87BD6C6}"/>
-              </a:ext>
-            </a:extLst>
-          </p:cNvPr>
-          <p:cNvSpPr>
-            <a:spLocks noGrp="1"/>
-          </p:cNvSpPr>
-          <p:nvPr>
-            <p:ph idx="1"/>
-          </p:nvPr>
-        </p:nvSpPr>
-        <p:spPr>
-          <a:xfrm>
-            <a:off x="838200" y="1509204"/>
-            <a:ext cx="10515600" cy="5093887"/>
+            <a:off x="723900" y="190500"/>
+            <a:ext cx="10515600" cy="750888"/>
           </a:xfrm>
         </p:spPr>
         <p:txBody>
@@ -16024,153 +16058,171 @@
           </a:bodyPr>
           <a:lstStyle/>
           <a:p>
-            <a:pPr marL="0" indent="0">
-              <a:buNone/>
-            </a:pPr>
             <a:r>
               <a:rPr lang="en-US" dirty="0"/>
-              <a:t>Lithium batteries: </a:t>
-            </a:r>
-            <a:r>
-              <a:rPr lang="en-US" dirty="0" err="1"/>
-              <a:t>Lipo</a:t>
-            </a:r>
-            <a:r>
-              <a:rPr lang="en-US" dirty="0"/>
-              <a:t> (motors) and Lilo (Arduino)</a:t>
-            </a:r>
-          </a:p>
-          <a:p>
-            <a:pPr marL="457200" lvl="1" indent="0">
-              <a:buNone/>
-            </a:pPr>
-            <a:r>
-              <a:rPr lang="en-US" dirty="0"/>
-              <a:t>The max. charge voltage for </a:t>
-            </a:r>
-            <a:r>
-              <a:rPr lang="en-US" b="1" dirty="0"/>
-              <a:t>LiPo is 4.2V, </a:t>
-            </a:r>
-            <a:r>
-              <a:rPr lang="en-US" dirty="0"/>
-              <a:t>for </a:t>
-            </a:r>
-            <a:r>
-              <a:rPr lang="en-US" b="1" dirty="0" err="1"/>
-              <a:t>LiIo</a:t>
-            </a:r>
-            <a:r>
-              <a:rPr lang="en-US" b="1" dirty="0"/>
-              <a:t> 4.1V</a:t>
-            </a:r>
-            <a:r>
-              <a:rPr lang="en-US" dirty="0"/>
-              <a:t>, for </a:t>
-            </a:r>
-            <a:r>
-              <a:rPr lang="en-US" dirty="0" err="1"/>
-              <a:t>LiFe</a:t>
-            </a:r>
-            <a:r>
-              <a:rPr lang="en-US" dirty="0"/>
-              <a:t> 3.6V. To store the batteries, adjust the charge voltage about 0.4V lower as the maximum charge voltage</a:t>
-            </a:r>
-          </a:p>
-          <a:p>
-            <a:pPr marL="457200" lvl="1" indent="0">
-              <a:buNone/>
-            </a:pPr>
-            <a:r>
-              <a:rPr lang="en-US" dirty="0"/>
-              <a:t>At charging/discharging the battery types will be displayed as followed:</a:t>
-            </a:r>
-          </a:p>
-          <a:p>
-            <a:pPr marL="914400" lvl="2" indent="0">
-              <a:buNone/>
-            </a:pPr>
-            <a:r>
-              <a:rPr lang="en-US" dirty="0"/>
-              <a:t> LiPo (</a:t>
-            </a:r>
-            <a:r>
-              <a:rPr lang="en-US" dirty="0" err="1"/>
-              <a:t>LiMn</a:t>
-            </a:r>
-            <a:r>
-              <a:rPr lang="en-US" dirty="0"/>
-              <a:t>) = LP</a:t>
-            </a:r>
-          </a:p>
-          <a:p>
-            <a:pPr marL="914400" lvl="2" indent="0">
-              <a:buNone/>
-            </a:pPr>
-            <a:r>
-              <a:rPr lang="en-US" dirty="0"/>
+              <a:t>Configuration ESC #3</a:t>
+            </a:r>
+          </a:p>
+        </p:txBody>
+      </p:sp>
+      <p:pic>
+        <p:nvPicPr>
+          <p:cNvPr id="6" name="Espace réservé du contenu 5" descr="Une image contenant capture d’écran&#10;&#10;Description générée automatiquement">
+            <a:extLst>
+              <a:ext uri="{FF2B5EF4-FFF2-40B4-BE49-F238E27FC236}">
+                <a16:creationId xmlns:a16="http://schemas.microsoft.com/office/drawing/2014/main" id="{3F6EE8B9-853B-49EF-9F3D-B81A55DCC4EE}"/>
+              </a:ext>
+            </a:extLst>
+          </p:cNvPr>
+          <p:cNvPicPr>
+            <a:picLocks noGrp="1" noChangeAspect="1"/>
+          </p:cNvPicPr>
+          <p:nvPr>
+            <p:ph idx="1"/>
+          </p:nvPr>
+        </p:nvPicPr>
+        <p:blipFill>
+          <a:blip r:embed="rId2">
+            <a:extLst>
+              <a:ext uri="{28A0092B-C50C-407E-A947-70E740481C1C}">
+                <a14:useLocalDpi xmlns:a14="http://schemas.microsoft.com/office/drawing/2010/main" val="0"/>
+              </a:ext>
+            </a:extLst>
+          </a:blip>
+          <a:stretch>
+            <a:fillRect/>
+          </a:stretch>
+        </p:blipFill>
+        <p:spPr>
+          <a:xfrm>
+            <a:off x="2768506" y="1825625"/>
+            <a:ext cx="6654987" cy="4351338"/>
+          </a:xfrm>
+        </p:spPr>
+      </p:pic>
+      <p:sp>
+        <p:nvSpPr>
+          <p:cNvPr id="8" name="ZoneTexte 7">
+            <a:extLst>
+              <a:ext uri="{FF2B5EF4-FFF2-40B4-BE49-F238E27FC236}">
+                <a16:creationId xmlns:a16="http://schemas.microsoft.com/office/drawing/2014/main" id="{71AD99FA-65BF-446E-971A-B0D3A10C0E90}"/>
+              </a:ext>
+            </a:extLst>
+          </p:cNvPr>
+          <p:cNvSpPr txBox="1"/>
+          <p:nvPr/>
+        </p:nvSpPr>
+        <p:spPr>
+          <a:xfrm>
+            <a:off x="1906622" y="1060341"/>
+            <a:ext cx="7938263" cy="646331"/>
+          </a:xfrm>
+          <a:prstGeom prst="rect">
+            <a:avLst/>
+          </a:prstGeom>
+          <a:noFill/>
+        </p:spPr>
+        <p:txBody>
+          <a:bodyPr wrap="none" rtlCol="0">
+            <a:spAutoFit/>
+          </a:bodyPr>
+          <a:lstStyle/>
+          <a:p>
+            <a:r>
+              <a:rPr lang="fr-FR" dirty="0"/>
+              <a:t>The </a:t>
+            </a:r>
+            <a:r>
+              <a:rPr lang="fr-FR" dirty="0" err="1"/>
+              <a:t>only</a:t>
+            </a:r>
+            <a:r>
+              <a:rPr lang="fr-FR" dirty="0"/>
               <a:t> </a:t>
             </a:r>
             <a:r>
-              <a:rPr lang="en-US" dirty="0" err="1"/>
-              <a:t>LiIo</a:t>
-            </a:r>
-            <a:r>
-              <a:rPr lang="en-US" dirty="0"/>
-              <a:t> = LI</a:t>
-            </a:r>
-          </a:p>
-          <a:p>
-            <a:pPr marL="914400" lvl="2" indent="0">
-              <a:buNone/>
-            </a:pPr>
-            <a:r>
-              <a:rPr lang="en-US" dirty="0"/>
+              <a:rPr lang="fr-FR" dirty="0" err="1"/>
+              <a:t>difference</a:t>
+            </a:r>
+            <a:r>
+              <a:rPr lang="fr-FR" dirty="0"/>
               <a:t> </a:t>
             </a:r>
             <a:r>
-              <a:rPr lang="en-US" dirty="0" err="1"/>
-              <a:t>LiFe</a:t>
-            </a:r>
-            <a:r>
-              <a:rPr lang="en-US" dirty="0"/>
-              <a:t> = LF</a:t>
-            </a:r>
-            <a:endParaRPr lang="en-US" b="1" dirty="0"/>
-          </a:p>
-          <a:p>
-            <a:pPr marL="457200" lvl="1" indent="0">
-              <a:buNone/>
-            </a:pPr>
-            <a:r>
-              <a:rPr lang="en-US" dirty="0"/>
-              <a:t>Lithium batteries are usually charged at the 1C rate</a:t>
-            </a:r>
-          </a:p>
-          <a:p>
-            <a:pPr marL="457200" lvl="1" indent="0">
-              <a:buNone/>
-            </a:pPr>
-            <a:endParaRPr lang="en-US" b="1" dirty="0"/>
-          </a:p>
-          <a:p>
-            <a:pPr marL="0" indent="0">
-              <a:buNone/>
-            </a:pPr>
-            <a:r>
-              <a:rPr lang="en-US" dirty="0"/>
-              <a:t>Ni-MH batteries (RC transmitter)</a:t>
-            </a:r>
-            <a:endParaRPr lang="en-US" b="1" dirty="0"/>
-          </a:p>
-          <a:p>
-            <a:pPr lvl="1"/>
-            <a:endParaRPr lang="en-US" dirty="0"/>
-          </a:p>
-          <a:p>
-            <a:pPr marL="457200" lvl="1" indent="0">
-              <a:buNone/>
-            </a:pPr>
+              <a:rPr lang="fr-FR" dirty="0" err="1"/>
+              <a:t>with</a:t>
+            </a:r>
+            <a:r>
+              <a:rPr lang="fr-FR" dirty="0"/>
+              <a:t> the </a:t>
+            </a:r>
+            <a:r>
+              <a:rPr lang="fr-FR" dirty="0" err="1"/>
+              <a:t>other</a:t>
+            </a:r>
+            <a:r>
+              <a:rPr lang="fr-FR" dirty="0"/>
+              <a:t> ESC </a:t>
+            </a:r>
+            <a:r>
+              <a:rPr lang="fr-FR" dirty="0" err="1"/>
+              <a:t>is</a:t>
+            </a:r>
+            <a:endParaRPr lang="fr-FR" dirty="0"/>
+          </a:p>
+          <a:p>
+            <a:r>
+              <a:rPr lang="fr-FR" dirty="0"/>
+              <a:t> Min PPM = </a:t>
+            </a:r>
+            <a:r>
+              <a:rPr lang="fr-FR" b="1" dirty="0"/>
+              <a:t>1156</a:t>
+            </a:r>
+            <a:r>
+              <a:rPr lang="fr-FR" dirty="0"/>
+              <a:t> </a:t>
+            </a:r>
+            <a:r>
+              <a:rPr lang="fr-FR" dirty="0" err="1"/>
+              <a:t>instead</a:t>
+            </a:r>
+            <a:r>
+              <a:rPr lang="fr-FR" dirty="0"/>
+              <a:t> of 1148 in </a:t>
+            </a:r>
+            <a:r>
+              <a:rPr lang="fr-FR" dirty="0" err="1"/>
+              <a:t>order</a:t>
+            </a:r>
+            <a:r>
+              <a:rPr lang="fr-FR" dirty="0"/>
+              <a:t> to stop the </a:t>
+            </a:r>
+            <a:r>
+              <a:rPr lang="fr-FR" dirty="0" err="1"/>
+              <a:t>motor</a:t>
+            </a:r>
+            <a:r>
+              <a:rPr lang="fr-FR" dirty="0"/>
+              <a:t> </a:t>
+            </a:r>
+            <a:r>
+              <a:rPr lang="fr-FR" dirty="0" err="1"/>
+              <a:t>when</a:t>
+            </a:r>
+            <a:r>
+              <a:rPr lang="fr-FR" dirty="0"/>
+              <a:t> the stick </a:t>
+            </a:r>
+            <a:r>
+              <a:rPr lang="fr-FR" dirty="0" err="1"/>
+              <a:t>is</a:t>
+            </a:r>
+            <a:r>
+              <a:rPr lang="fr-FR" dirty="0"/>
+              <a:t> down</a:t>
+            </a:r>
             <a:endParaRPr lang="en-US" dirty="0"/>
           </a:p>
         </p:txBody>
@@ -16178,7 +16230,7 @@
     </p:spTree>
     <p:extLst>
       <p:ext uri="{BB962C8B-B14F-4D97-AF65-F5344CB8AC3E}">
-        <p14:creationId xmlns:p14="http://schemas.microsoft.com/office/powerpoint/2010/main" val="2262939316"/>
+        <p14:creationId xmlns:p14="http://schemas.microsoft.com/office/powerpoint/2010/main" val="2775998168"/>
       </p:ext>
     </p:extLst>
   </p:cSld>
@@ -17300,9 +17352,10 @@
           <a:lstStyle/>
           <a:p>
             <a:r>
-              <a:rPr lang="en-US" dirty="0"/>
-              <a:t>Receiver</a:t>
-            </a:r>
+              <a:rPr lang="en-US"/>
+              <a:t>Lipo</a:t>
+            </a:r>
+            <a:endParaRPr lang="en-US" dirty="0"/>
           </a:p>
         </p:txBody>
       </p:sp>
@@ -17338,129 +17391,235 @@
               <a:buNone/>
             </a:pPr>
             <a:r>
-              <a:rPr lang="en-US" b="1" dirty="0"/>
-              <a:t>Receiver </a:t>
-            </a:r>
-            <a:r>
-              <a:rPr lang="en-US" b="1" dirty="0" err="1"/>
-              <a:t>Henge</a:t>
-            </a:r>
-            <a:r>
-              <a:rPr lang="en-US" b="1" dirty="0"/>
-              <a:t> RP62L</a:t>
+              <a:rPr lang="en-US" dirty="0"/>
+              <a:t>3S :3*3,7v =11,1v</a:t>
             </a:r>
           </a:p>
           <a:p>
             <a:pPr marL="0" indent="0">
               <a:buNone/>
             </a:pPr>
-            <a:endParaRPr lang="fr-FR" b="1" dirty="0"/>
+            <a:endParaRPr lang="en-US" dirty="0"/>
           </a:p>
           <a:p>
             <a:pPr marL="0" indent="0">
               <a:buNone/>
             </a:pPr>
             <a:r>
+              <a:rPr lang="en-US" dirty="0"/>
+              <a:t>4 motors 17A =&gt; </a:t>
+            </a:r>
+            <a:r>
+              <a:rPr lang="en-US" b="1" dirty="0"/>
+              <a:t>68A </a:t>
+            </a:r>
+            <a:r>
+              <a:rPr lang="en-US" dirty="0"/>
+              <a:t>Max</a:t>
+            </a:r>
+          </a:p>
+          <a:p>
+            <a:pPr marL="0" indent="0">
+              <a:buNone/>
+            </a:pPr>
+            <a:endParaRPr lang="en-US" dirty="0"/>
+          </a:p>
+          <a:p>
+            <a:pPr marL="0" indent="0">
+              <a:buNone/>
+            </a:pPr>
+            <a:r>
+              <a:rPr lang="en-US" dirty="0"/>
+              <a:t>I have selected LiPo 3S </a:t>
+            </a:r>
+            <a:r>
+              <a:rPr lang="en-US" b="1" dirty="0"/>
+              <a:t>3000mA</a:t>
+            </a:r>
+            <a:r>
+              <a:rPr lang="en-US" dirty="0"/>
+              <a:t>h 11.1V </a:t>
+            </a:r>
+            <a:r>
+              <a:rPr lang="en-US" b="1" dirty="0"/>
+              <a:t>30C </a:t>
+            </a:r>
+            <a:r>
+              <a:rPr lang="en-US" dirty="0"/>
+              <a:t> not too much heavy with Max discharge = 3*30 = </a:t>
+            </a:r>
+            <a:r>
+              <a:rPr lang="en-US" b="1" dirty="0"/>
+              <a:t>90A</a:t>
+            </a:r>
+            <a:r>
+              <a:rPr lang="en-US" dirty="0"/>
+              <a:t> &gt; </a:t>
+            </a:r>
+            <a:r>
+              <a:rPr lang="en-US" b="1" dirty="0"/>
+              <a:t>68A</a:t>
+            </a:r>
+          </a:p>
+          <a:p>
+            <a:pPr lvl="1">
+              <a:buFont typeface="Symbol" panose="05050102010706020507" pitchFamily="18" charset="2"/>
+              <a:buChar char="Þ"/>
+            </a:pPr>
+            <a:endParaRPr lang="en-US" b="1" dirty="0"/>
+          </a:p>
+          <a:p>
+            <a:pPr marL="0" indent="0">
+              <a:buNone/>
+            </a:pPr>
+            <a:r>
+              <a:rPr lang="en-US" dirty="0"/>
+              <a:t>Specifications</a:t>
+            </a:r>
+          </a:p>
+          <a:p>
+            <a:pPr lvl="1"/>
+            <a:r>
+              <a:rPr lang="fr-FR" dirty="0"/>
+              <a:t>Type de la batterie		</a:t>
+            </a:r>
+            <a:r>
+              <a:rPr lang="fr-FR" dirty="0" err="1"/>
+              <a:t>LiPO</a:t>
+            </a:r>
+            <a:endParaRPr lang="fr-FR" dirty="0"/>
+          </a:p>
+          <a:p>
+            <a:pPr lvl="1"/>
+            <a:r>
               <a:rPr lang="fr-FR" b="1" dirty="0"/>
-              <a:t>Spécifications:</a:t>
-            </a:r>
-          </a:p>
-          <a:p>
+              <a:t>Capacité batterie</a:t>
+            </a:r>
             <a:r>
               <a:rPr lang="fr-FR" dirty="0"/>
-              <a:t> </a:t>
-            </a:r>
-            <a:r>
-              <a:rPr lang="en-US" dirty="0"/>
-              <a:t>Size: 49x24x14mm</a:t>
-            </a:r>
-          </a:p>
-          <a:p>
-            <a:r>
-              <a:rPr lang="en-US" dirty="0"/>
-              <a:t>Weight: 9.2g (with shrink wrap)</a:t>
-            </a:r>
-          </a:p>
-          <a:p>
-            <a:r>
-              <a:rPr lang="en-US" dirty="0"/>
-              <a:t>Sensitivity: better than 2.0</a:t>
-            </a:r>
-            <a:r>
-              <a:rPr lang="el-GR" dirty="0"/>
-              <a:t>μ</a:t>
-            </a:r>
-            <a:r>
-              <a:rPr lang="en-US" dirty="0"/>
-              <a:t>V</a:t>
-            </a:r>
-          </a:p>
-          <a:p>
-            <a:r>
-              <a:rPr lang="en-US" dirty="0"/>
-              <a:t>Selectivity: ±8kHz at 65dB down</a:t>
-            </a:r>
-          </a:p>
-          <a:p>
-            <a:r>
-              <a:rPr lang="en-US" dirty="0"/>
-              <a:t>No. of channels: 1-6</a:t>
-            </a:r>
-          </a:p>
-          <a:p>
-            <a:r>
-              <a:rPr lang="en-US" dirty="0"/>
-              <a:t>RF technology: Dual tuned RF circuitry</a:t>
-            </a:r>
-          </a:p>
-          <a:p>
-            <a:r>
-              <a:rPr lang="en-US" dirty="0"/>
-              <a:t>Analog filtering: Dual 4 pole ceramic filter</a:t>
-            </a:r>
-          </a:p>
-          <a:p>
-            <a:r>
-              <a:rPr lang="en-US" dirty="0"/>
-              <a:t>Digital filtering: DSP filtering with mild algorithm</a:t>
-            </a:r>
-          </a:p>
-          <a:p>
-            <a:r>
-              <a:rPr lang="en-US" dirty="0"/>
-              <a:t>Modulation: FM/PPM</a:t>
-            </a:r>
-          </a:p>
-          <a:p>
-            <a:r>
-              <a:rPr lang="en-US" dirty="0"/>
-              <a:t>Shift polarity: Positive or Negative (auto detect)</a:t>
-            </a:r>
-          </a:p>
-          <a:p>
-            <a:r>
-              <a:rPr lang="en-US" dirty="0"/>
-              <a:t>Case: Shrink wrap</a:t>
-            </a:r>
-          </a:p>
-          <a:p>
-            <a:r>
-              <a:rPr lang="en-US" dirty="0"/>
-              <a:t>Operating Voltage: 4.8V~6.0VDC</a:t>
-            </a:r>
-          </a:p>
-          <a:p>
-            <a:r>
-              <a:rPr lang="en-US" dirty="0"/>
-              <a:t>Operating Current: 24mA.</a:t>
-            </a:r>
+              <a:t>		</a:t>
+            </a:r>
+            <a:r>
+              <a:rPr lang="fr-FR" b="1" dirty="0"/>
+              <a:t>3300 (mAh)</a:t>
+            </a:r>
+          </a:p>
+          <a:p>
+            <a:pPr lvl="1"/>
+            <a:r>
+              <a:rPr lang="fr-FR" dirty="0"/>
+              <a:t>Voltage			11.1 (V)</a:t>
+            </a:r>
+          </a:p>
+          <a:p>
+            <a:pPr lvl="1"/>
+            <a:r>
+              <a:rPr lang="fr-FR" b="1" dirty="0"/>
+              <a:t>Courant décharge en continu</a:t>
+            </a:r>
+            <a:r>
+              <a:rPr lang="fr-FR" dirty="0"/>
+              <a:t>	</a:t>
+            </a:r>
+            <a:r>
+              <a:rPr lang="fr-FR" b="1" dirty="0"/>
+              <a:t>30 (C)</a:t>
+            </a:r>
+          </a:p>
+          <a:p>
+            <a:pPr lvl="1"/>
+            <a:r>
+              <a:rPr lang="fr-FR" dirty="0"/>
+              <a:t>Courant de décharge max		60 (C)</a:t>
+            </a:r>
+          </a:p>
+          <a:p>
+            <a:pPr lvl="1"/>
+            <a:r>
+              <a:rPr lang="fr-FR" b="1" dirty="0"/>
+              <a:t>Poids</a:t>
+            </a:r>
+            <a:r>
+              <a:rPr lang="fr-FR" dirty="0"/>
+              <a:t>			</a:t>
+            </a:r>
+            <a:r>
+              <a:rPr lang="fr-FR" b="1" dirty="0"/>
+              <a:t>182 (g)</a:t>
+            </a:r>
+          </a:p>
+          <a:p>
+            <a:pPr lvl="1"/>
+            <a:r>
+              <a:rPr lang="fr-FR" dirty="0"/>
+              <a:t>Longueur			103 (mm)</a:t>
+            </a:r>
+          </a:p>
+          <a:p>
+            <a:pPr lvl="1"/>
+            <a:r>
+              <a:rPr lang="fr-FR" dirty="0"/>
+              <a:t>Largeur			33 (mm)</a:t>
+            </a:r>
+          </a:p>
+          <a:p>
+            <a:pPr lvl="1"/>
+            <a:r>
+              <a:rPr lang="fr-FR" dirty="0"/>
+              <a:t>Hauteur			23 (mm)</a:t>
+            </a:r>
+          </a:p>
+          <a:p>
+            <a:pPr lvl="1"/>
+            <a:r>
+              <a:rPr lang="fr-FR" dirty="0"/>
+              <a:t>Type de prise			Dean / </a:t>
+            </a:r>
+            <a:r>
+              <a:rPr lang="fr-FR" dirty="0" err="1"/>
+              <a:t>Tplug</a:t>
+            </a:r>
+            <a:endParaRPr lang="fr-FR" dirty="0"/>
+          </a:p>
+          <a:p>
+            <a:pPr lvl="1"/>
+            <a:r>
+              <a:rPr lang="fr-FR" dirty="0"/>
+              <a:t>Prise Equilibrage		JST-XH</a:t>
+            </a:r>
+          </a:p>
+          <a:p>
+            <a:pPr lvl="1"/>
+            <a:r>
+              <a:rPr lang="fr-FR" b="1" dirty="0"/>
+              <a:t>Taux de Charge Max</a:t>
+            </a:r>
+            <a:r>
+              <a:rPr lang="fr-FR" dirty="0"/>
+              <a:t>		</a:t>
+            </a:r>
+            <a:r>
+              <a:rPr lang="fr-FR" b="1" dirty="0"/>
+              <a:t>2 (C)</a:t>
+            </a:r>
+          </a:p>
+          <a:p>
+            <a:pPr lvl="1"/>
+            <a:r>
+              <a:rPr lang="fr-FR" dirty="0"/>
+              <a:t>Nombre d'éléments		3 (S)</a:t>
+            </a:r>
+          </a:p>
+          <a:p>
+            <a:pPr lvl="1"/>
+            <a:endParaRPr lang="en-US" dirty="0"/>
           </a:p>
         </p:txBody>
       </p:sp>
     </p:spTree>
     <p:extLst>
       <p:ext uri="{BB962C8B-B14F-4D97-AF65-F5344CB8AC3E}">
-        <p14:creationId xmlns:p14="http://schemas.microsoft.com/office/powerpoint/2010/main" val="3245136954"/>
+        <p14:creationId xmlns:p14="http://schemas.microsoft.com/office/powerpoint/2010/main" val="550258717"/>
       </p:ext>
     </p:extLst>
   </p:cSld>
@@ -17515,8 +17674,21 @@
           <a:p>
             <a:r>
               <a:rPr lang="en-US" dirty="0"/>
-              <a:t>Frame</a:t>
-            </a:r>
+              <a:t>Charger </a:t>
+            </a:r>
+            <a:r>
+              <a:rPr lang="en-US" dirty="0" err="1"/>
+              <a:t>Graupner</a:t>
+            </a:r>
+            <a:r>
+              <a:rPr lang="en-US" dirty="0"/>
+              <a:t> </a:t>
+            </a:r>
+            <a:r>
+              <a:rPr lang="en-US"/>
+              <a:t>ULTRAMAT 16</a:t>
+            </a:r>
+            <a:endParaRPr lang="en-US" dirty="0"/>
           </a:p>
         </p:txBody>
       </p:sp>
@@ -17552,28 +17724,258 @@
               <a:buNone/>
             </a:pPr>
             <a:r>
-              <a:rPr lang="fr-FR" b="1" dirty="0" err="1"/>
-              <a:t>HobbyKing</a:t>
-            </a:r>
-            <a:r>
-              <a:rPr lang="fr-FR" b="1" dirty="0"/>
-              <a:t> X550 en fibre de verre </a:t>
-            </a:r>
-            <a:r>
-              <a:rPr lang="fr-FR" b="1" dirty="0" err="1"/>
-              <a:t>Quadcopter</a:t>
-            </a:r>
-            <a:r>
-              <a:rPr lang="fr-FR" b="1" dirty="0"/>
-              <a:t> Cadre 550mm </a:t>
-            </a:r>
-            <a:r>
-              <a:rPr lang="fr-FR" dirty="0"/>
-              <a:t>(</a:t>
-            </a:r>
-            <a:r>
               <a:rPr lang="en-US" dirty="0"/>
-              <a:t>9323000036)</a:t>
+              <a:t>Lithium batteries: </a:t>
+            </a:r>
+            <a:r>
+              <a:rPr lang="en-US" dirty="0" err="1"/>
+              <a:t>Lipo</a:t>
+            </a:r>
+            <a:r>
+              <a:rPr lang="en-US" dirty="0"/>
+              <a:t> (motors) and Lilo (Arduino)</a:t>
+            </a:r>
+          </a:p>
+          <a:p>
+            <a:pPr marL="457200" lvl="1" indent="0">
+              <a:buNone/>
+            </a:pPr>
+            <a:r>
+              <a:rPr lang="en-US" dirty="0"/>
+              <a:t>The max. charge voltage for </a:t>
+            </a:r>
+            <a:r>
+              <a:rPr lang="en-US" b="1" dirty="0"/>
+              <a:t>LiPo is 4.2V, </a:t>
+            </a:r>
+            <a:r>
+              <a:rPr lang="en-US" dirty="0"/>
+              <a:t>for </a:t>
+            </a:r>
+            <a:r>
+              <a:rPr lang="en-US" b="1" dirty="0" err="1"/>
+              <a:t>LiIo</a:t>
+            </a:r>
+            <a:r>
+              <a:rPr lang="en-US" b="1" dirty="0"/>
+              <a:t> 4.1V</a:t>
+            </a:r>
+            <a:r>
+              <a:rPr lang="en-US" dirty="0"/>
+              <a:t>, for </a:t>
+            </a:r>
+            <a:r>
+              <a:rPr lang="en-US" dirty="0" err="1"/>
+              <a:t>LiFe</a:t>
+            </a:r>
+            <a:r>
+              <a:rPr lang="en-US" dirty="0"/>
+              <a:t> 3.6V. To store the batteries, adjust the charge voltage about 0.4V lower as the maximum charge voltage</a:t>
+            </a:r>
+          </a:p>
+          <a:p>
+            <a:pPr marL="457200" lvl="1" indent="0">
+              <a:buNone/>
+            </a:pPr>
+            <a:r>
+              <a:rPr lang="en-US" dirty="0"/>
+              <a:t>At charging/discharging the battery types will be displayed as followed:</a:t>
+            </a:r>
+          </a:p>
+          <a:p>
+            <a:pPr marL="914400" lvl="2" indent="0">
+              <a:buNone/>
+            </a:pPr>
+            <a:r>
+              <a:rPr lang="en-US" dirty="0"/>
+              <a:t> LiPo (</a:t>
+            </a:r>
+            <a:r>
+              <a:rPr lang="en-US" dirty="0" err="1"/>
+              <a:t>LiMn</a:t>
+            </a:r>
+            <a:r>
+              <a:rPr lang="en-US" dirty="0"/>
+              <a:t>) = LP</a:t>
+            </a:r>
+          </a:p>
+          <a:p>
+            <a:pPr marL="914400" lvl="2" indent="0">
+              <a:buNone/>
+            </a:pPr>
+            <a:r>
+              <a:rPr lang="en-US" dirty="0"/>
+              <a:t> </a:t>
+            </a:r>
+            <a:r>
+              <a:rPr lang="en-US" dirty="0" err="1"/>
+              <a:t>LiIo</a:t>
+            </a:r>
+            <a:r>
+              <a:rPr lang="en-US" dirty="0"/>
+              <a:t> = LI</a:t>
+            </a:r>
+          </a:p>
+          <a:p>
+            <a:pPr marL="914400" lvl="2" indent="0">
+              <a:buNone/>
+            </a:pPr>
+            <a:r>
+              <a:rPr lang="en-US" dirty="0"/>
+              <a:t> </a:t>
+            </a:r>
+            <a:r>
+              <a:rPr lang="en-US" dirty="0" err="1"/>
+              <a:t>LiFe</a:t>
+            </a:r>
+            <a:r>
+              <a:rPr lang="en-US" dirty="0"/>
+              <a:t> = LF</a:t>
+            </a:r>
+            <a:endParaRPr lang="en-US" b="1" dirty="0"/>
+          </a:p>
+          <a:p>
+            <a:pPr marL="457200" lvl="1" indent="0">
+              <a:buNone/>
+            </a:pPr>
+            <a:r>
+              <a:rPr lang="en-US" dirty="0"/>
+              <a:t>Lithium batteries are usually charged at the 1C rate</a:t>
+            </a:r>
+          </a:p>
+          <a:p>
+            <a:pPr marL="457200" lvl="1" indent="0">
+              <a:buNone/>
+            </a:pPr>
+            <a:endParaRPr lang="en-US" b="1" dirty="0"/>
+          </a:p>
+          <a:p>
+            <a:pPr marL="0" indent="0">
+              <a:buNone/>
+            </a:pPr>
+            <a:r>
+              <a:rPr lang="en-US" dirty="0"/>
+              <a:t>Ni-MH batteries (RC transmitter)</a:t>
+            </a:r>
+            <a:endParaRPr lang="en-US" b="1" dirty="0"/>
+          </a:p>
+          <a:p>
+            <a:pPr lvl="1"/>
+            <a:endParaRPr lang="en-US" dirty="0"/>
+          </a:p>
+          <a:p>
+            <a:pPr marL="457200" lvl="1" indent="0">
+              <a:buNone/>
+            </a:pPr>
+            <a:endParaRPr lang="en-US" dirty="0"/>
+          </a:p>
+        </p:txBody>
+      </p:sp>
+    </p:spTree>
+    <p:extLst>
+      <p:ext uri="{BB962C8B-B14F-4D97-AF65-F5344CB8AC3E}">
+        <p14:creationId xmlns:p14="http://schemas.microsoft.com/office/powerpoint/2010/main" val="2262939316"/>
+      </p:ext>
+    </p:extLst>
+  </p:cSld>
+  <p:clrMapOvr>
+    <a:masterClrMapping/>
+  </p:clrMapOvr>
+</p:sld>
+</file>
+
+<file path=ppt/slides/slide22.xml><?xml version="1.0" encoding="utf-8"?>
+<p:sld xmlns:a="http://schemas.openxmlformats.org/drawingml/2006/main" xmlns:r="http://schemas.openxmlformats.org/officeDocument/2006/relationships" xmlns:p="http://schemas.openxmlformats.org/presentationml/2006/main">
+  <p:cSld>
+    <p:spTree>
+      <p:nvGrpSpPr>
+        <p:cNvPr id="1" name=""/>
+        <p:cNvGrpSpPr/>
+        <p:nvPr/>
+      </p:nvGrpSpPr>
+      <p:grpSpPr>
+        <a:xfrm>
+          <a:off x="0" y="0"/>
+          <a:ext cx="0" cy="0"/>
+          <a:chOff x="0" y="0"/>
+          <a:chExt cx="0" cy="0"/>
+        </a:xfrm>
+      </p:grpSpPr>
+      <p:sp>
+        <p:nvSpPr>
+          <p:cNvPr id="2" name="Titre 1">
+            <a:extLst>
+              <a:ext uri="{FF2B5EF4-FFF2-40B4-BE49-F238E27FC236}">
+                <a16:creationId xmlns:a16="http://schemas.microsoft.com/office/drawing/2014/main" id="{FE169B9C-4B88-49CF-996F-9AA43AAE11A7}"/>
+              </a:ext>
+            </a:extLst>
+          </p:cNvPr>
+          <p:cNvSpPr>
+            <a:spLocks noGrp="1"/>
+          </p:cNvSpPr>
+          <p:nvPr>
+            <p:ph type="title"/>
+          </p:nvPr>
+        </p:nvSpPr>
+        <p:spPr>
+          <a:xfrm>
+            <a:off x="838200" y="365125"/>
+            <a:ext cx="10515600" cy="1325563"/>
+          </a:xfrm>
+        </p:spPr>
+        <p:txBody>
+          <a:bodyPr/>
+          <a:lstStyle/>
+          <a:p>
+            <a:r>
+              <a:rPr lang="en-US" dirty="0"/>
+              <a:t>Receiver</a:t>
+            </a:r>
+          </a:p>
+        </p:txBody>
+      </p:sp>
+      <p:sp>
+        <p:nvSpPr>
+          <p:cNvPr id="3" name="Espace réservé du contenu 2">
+            <a:extLst>
+              <a:ext uri="{FF2B5EF4-FFF2-40B4-BE49-F238E27FC236}">
+                <a16:creationId xmlns:a16="http://schemas.microsoft.com/office/drawing/2014/main" id="{13BA1678-4CC9-4D81-80F5-03ACA87BD6C6}"/>
+              </a:ext>
+            </a:extLst>
+          </p:cNvPr>
+          <p:cNvSpPr>
+            <a:spLocks noGrp="1"/>
+          </p:cNvSpPr>
+          <p:nvPr>
+            <p:ph idx="1"/>
+          </p:nvPr>
+        </p:nvSpPr>
+        <p:spPr>
+          <a:xfrm>
+            <a:off x="838200" y="1509204"/>
+            <a:ext cx="10515600" cy="5093887"/>
+          </a:xfrm>
+        </p:spPr>
+        <p:txBody>
+          <a:bodyPr>
+            <a:normAutofit fontScale="62500" lnSpcReduction="20000"/>
+          </a:bodyPr>
+          <a:lstStyle/>
+          <a:p>
+            <a:pPr marL="0" indent="0">
+              <a:buNone/>
+            </a:pPr>
+            <a:r>
+              <a:rPr lang="en-US" b="1" dirty="0"/>
+              <a:t>Receiver </a:t>
+            </a:r>
+            <a:r>
+              <a:rPr lang="en-US" b="1" dirty="0" err="1"/>
+              <a:t>Henge</a:t>
+            </a:r>
+            <a:r>
+              <a:rPr lang="en-US" b="1" dirty="0"/>
+              <a:t> RP62L</a:t>
             </a:r>
           </a:p>
           <a:p>
@@ -17592,6 +17994,232 @@
             </a:r>
           </a:p>
           <a:p>
+            <a:r>
+              <a:rPr lang="fr-FR" dirty="0"/>
+              <a:t> </a:t>
+            </a:r>
+            <a:r>
+              <a:rPr lang="en-US" dirty="0"/>
+              <a:t>Size: 49x24x14mm</a:t>
+            </a:r>
+          </a:p>
+          <a:p>
+            <a:r>
+              <a:rPr lang="en-US" dirty="0"/>
+              <a:t>Weight: 9.2g (with shrink wrap)</a:t>
+            </a:r>
+          </a:p>
+          <a:p>
+            <a:r>
+              <a:rPr lang="en-US" dirty="0"/>
+              <a:t>Sensitivity: better than 2.0</a:t>
+            </a:r>
+            <a:r>
+              <a:rPr lang="el-GR" dirty="0"/>
+              <a:t>μ</a:t>
+            </a:r>
+            <a:r>
+              <a:rPr lang="en-US" dirty="0"/>
+              <a:t>V</a:t>
+            </a:r>
+          </a:p>
+          <a:p>
+            <a:r>
+              <a:rPr lang="en-US" dirty="0"/>
+              <a:t>Selectivity: ±8kHz at 65dB down</a:t>
+            </a:r>
+          </a:p>
+          <a:p>
+            <a:r>
+              <a:rPr lang="en-US" dirty="0"/>
+              <a:t>No. of channels: 1-6</a:t>
+            </a:r>
+          </a:p>
+          <a:p>
+            <a:r>
+              <a:rPr lang="en-US" dirty="0"/>
+              <a:t>RF technology: Dual tuned RF circuitry</a:t>
+            </a:r>
+          </a:p>
+          <a:p>
+            <a:r>
+              <a:rPr lang="en-US" dirty="0"/>
+              <a:t>Analog filtering: Dual 4 pole ceramic filter</a:t>
+            </a:r>
+          </a:p>
+          <a:p>
+            <a:r>
+              <a:rPr lang="en-US" dirty="0"/>
+              <a:t>Digital filtering: DSP filtering with mild algorithm</a:t>
+            </a:r>
+          </a:p>
+          <a:p>
+            <a:r>
+              <a:rPr lang="en-US" dirty="0"/>
+              <a:t>Modulation: FM/PPM</a:t>
+            </a:r>
+          </a:p>
+          <a:p>
+            <a:r>
+              <a:rPr lang="en-US" dirty="0"/>
+              <a:t>Shift polarity: Positive or Negative (auto detect)</a:t>
+            </a:r>
+          </a:p>
+          <a:p>
+            <a:r>
+              <a:rPr lang="en-US" dirty="0"/>
+              <a:t>Case: Shrink wrap</a:t>
+            </a:r>
+          </a:p>
+          <a:p>
+            <a:r>
+              <a:rPr lang="en-US" dirty="0"/>
+              <a:t>Operating Voltage: 4.8V~6.0VDC</a:t>
+            </a:r>
+          </a:p>
+          <a:p>
+            <a:r>
+              <a:rPr lang="en-US" dirty="0"/>
+              <a:t>Operating Current: 24mA.</a:t>
+            </a:r>
+          </a:p>
+        </p:txBody>
+      </p:sp>
+    </p:spTree>
+    <p:extLst>
+      <p:ext uri="{BB962C8B-B14F-4D97-AF65-F5344CB8AC3E}">
+        <p14:creationId xmlns:p14="http://schemas.microsoft.com/office/powerpoint/2010/main" val="3245136954"/>
+      </p:ext>
+    </p:extLst>
+  </p:cSld>
+  <p:clrMapOvr>
+    <a:masterClrMapping/>
+  </p:clrMapOvr>
+</p:sld>
+</file>
+
+<file path=ppt/slides/slide23.xml><?xml version="1.0" encoding="utf-8"?>
+<p:sld xmlns:a="http://schemas.openxmlformats.org/drawingml/2006/main" xmlns:r="http://schemas.openxmlformats.org/officeDocument/2006/relationships" xmlns:p="http://schemas.openxmlformats.org/presentationml/2006/main">
+  <p:cSld>
+    <p:spTree>
+      <p:nvGrpSpPr>
+        <p:cNvPr id="1" name=""/>
+        <p:cNvGrpSpPr/>
+        <p:nvPr/>
+      </p:nvGrpSpPr>
+      <p:grpSpPr>
+        <a:xfrm>
+          <a:off x="0" y="0"/>
+          <a:ext cx="0" cy="0"/>
+          <a:chOff x="0" y="0"/>
+          <a:chExt cx="0" cy="0"/>
+        </a:xfrm>
+      </p:grpSpPr>
+      <p:sp>
+        <p:nvSpPr>
+          <p:cNvPr id="2" name="Titre 1">
+            <a:extLst>
+              <a:ext uri="{FF2B5EF4-FFF2-40B4-BE49-F238E27FC236}">
+                <a16:creationId xmlns:a16="http://schemas.microsoft.com/office/drawing/2014/main" id="{FE169B9C-4B88-49CF-996F-9AA43AAE11A7}"/>
+              </a:ext>
+            </a:extLst>
+          </p:cNvPr>
+          <p:cNvSpPr>
+            <a:spLocks noGrp="1"/>
+          </p:cNvSpPr>
+          <p:nvPr>
+            <p:ph type="title"/>
+          </p:nvPr>
+        </p:nvSpPr>
+        <p:spPr>
+          <a:xfrm>
+            <a:off x="838200" y="365125"/>
+            <a:ext cx="10515600" cy="1325563"/>
+          </a:xfrm>
+        </p:spPr>
+        <p:txBody>
+          <a:bodyPr/>
+          <a:lstStyle/>
+          <a:p>
+            <a:r>
+              <a:rPr lang="en-US" dirty="0"/>
+              <a:t>Frame</a:t>
+            </a:r>
+          </a:p>
+        </p:txBody>
+      </p:sp>
+      <p:sp>
+        <p:nvSpPr>
+          <p:cNvPr id="3" name="Espace réservé du contenu 2">
+            <a:extLst>
+              <a:ext uri="{FF2B5EF4-FFF2-40B4-BE49-F238E27FC236}">
+                <a16:creationId xmlns:a16="http://schemas.microsoft.com/office/drawing/2014/main" id="{13BA1678-4CC9-4D81-80F5-03ACA87BD6C6}"/>
+              </a:ext>
+            </a:extLst>
+          </p:cNvPr>
+          <p:cNvSpPr>
+            <a:spLocks noGrp="1"/>
+          </p:cNvSpPr>
+          <p:nvPr>
+            <p:ph idx="1"/>
+          </p:nvPr>
+        </p:nvSpPr>
+        <p:spPr>
+          <a:xfrm>
+            <a:off x="838200" y="1509204"/>
+            <a:ext cx="10515600" cy="5093887"/>
+          </a:xfrm>
+        </p:spPr>
+        <p:txBody>
+          <a:bodyPr>
+            <a:normAutofit/>
+          </a:bodyPr>
+          <a:lstStyle/>
+          <a:p>
+            <a:pPr marL="0" indent="0">
+              <a:buNone/>
+            </a:pPr>
+            <a:r>
+              <a:rPr lang="fr-FR" b="1" dirty="0" err="1"/>
+              <a:t>HobbyKing</a:t>
+            </a:r>
+            <a:r>
+              <a:rPr lang="fr-FR" b="1" dirty="0"/>
+              <a:t> X550 en fibre de verre </a:t>
+            </a:r>
+            <a:r>
+              <a:rPr lang="fr-FR" b="1" dirty="0" err="1"/>
+              <a:t>Quadcopter</a:t>
+            </a:r>
+            <a:r>
+              <a:rPr lang="fr-FR" b="1" dirty="0"/>
+              <a:t> Cadre 550mm </a:t>
+            </a:r>
+            <a:r>
+              <a:rPr lang="fr-FR" dirty="0"/>
+              <a:t>(</a:t>
+            </a:r>
+            <a:r>
+              <a:rPr lang="en-US" dirty="0"/>
+              <a:t>9323000036)</a:t>
+            </a:r>
+          </a:p>
+          <a:p>
+            <a:pPr marL="0" indent="0">
+              <a:buNone/>
+            </a:pPr>
+            <a:endParaRPr lang="fr-FR" b="1" dirty="0"/>
+          </a:p>
+          <a:p>
+            <a:pPr marL="0" indent="0">
+              <a:buNone/>
+            </a:pPr>
+            <a:r>
+              <a:rPr lang="fr-FR" b="1" dirty="0"/>
+              <a:t>Spécifications:</a:t>
+            </a:r>
+          </a:p>
+          <a:p>
             <a:pPr marL="457200" lvl="1" indent="0">
               <a:buNone/>
             </a:pPr>
@@ -17657,7 +18285,7 @@
             </a:pPr>
             <a:r>
               <a:rPr lang="fr-FR" b="1" dirty="0"/>
-              <a:t>But the frame has </a:t>
+              <a:t>But the frame has been </a:t>
             </a:r>
             <a:r>
               <a:rPr lang="fr-FR" b="1" dirty="0" err="1"/>
@@ -17672,12 +18300,8 @@
               <a:t>from</a:t>
             </a:r>
             <a:r>
-              <a:rPr lang="fr-FR" b="1"/>
-              <a:t> 10cm, </a:t>
-            </a:r>
-            <a:r>
               <a:rPr lang="fr-FR" b="1" dirty="0"/>
-              <a:t>new </a:t>
+              <a:t> 10cm, new </a:t>
             </a:r>
             <a:r>
               <a:rPr lang="fr-FR" dirty="0"/>
@@ -17708,7 +18332,7 @@
 </p:sld>
 </file>
 
-<file path=ppt/slides/slide22.xml><?xml version="1.0" encoding="utf-8"?>
+<file path=ppt/slides/slide24.xml><?xml version="1.0" encoding="utf-8"?>
 <p:sld xmlns:a="http://schemas.openxmlformats.org/drawingml/2006/main" xmlns:r="http://schemas.openxmlformats.org/officeDocument/2006/relationships" xmlns:p="http://schemas.openxmlformats.org/presentationml/2006/main">
   <p:cSld>
     <p:spTree>
@@ -19860,13 +20484,17 @@
         </p:nvCxnSpPr>
         <p:spPr>
           <a:xfrm>
-            <a:off x="4653240" y="2519560"/>
+            <a:off x="4740403" y="2696972"/>
             <a:ext cx="2875631" cy="2923162"/>
           </a:xfrm>
           <a:prstGeom prst="line">
             <a:avLst/>
           </a:prstGeom>
-          <a:ln w="63500"/>
+          <a:ln w="63500">
+            <a:solidFill>
+              <a:schemeClr val="tx1"/>
+            </a:solidFill>
+          </a:ln>
         </p:spPr>
         <p:style>
           <a:lnRef idx="1">
@@ -19905,7 +20533,11 @@
           <a:prstGeom prst="line">
             <a:avLst/>
           </a:prstGeom>
-          <a:ln w="63500"/>
+          <a:ln w="63500">
+            <a:solidFill>
+              <a:srgbClr val="FF0000"/>
+            </a:solidFill>
+          </a:ln>
         </p:spPr>
         <p:style>
           <a:lnRef idx="1">
@@ -20587,7 +21219,7 @@
         </p:nvSpPr>
         <p:spPr>
           <a:xfrm>
-            <a:off x="5651463" y="2199119"/>
+            <a:off x="5675242" y="1921891"/>
             <a:ext cx="744178" cy="369332"/>
           </a:xfrm>
           <a:prstGeom prst="rect">
@@ -20793,7 +21425,7 @@
         </p:nvSpPr>
         <p:spPr>
           <a:xfrm rot="7603812">
-            <a:off x="6521214" y="4194690"/>
+            <a:off x="6353904" y="4047129"/>
             <a:ext cx="932059" cy="978408"/>
           </a:xfrm>
           <a:prstGeom prst="circularArrow">
@@ -20878,7 +21510,7 @@
         </p:nvSpPr>
         <p:spPr>
           <a:xfrm>
-            <a:off x="6682293" y="4111698"/>
+            <a:off x="6488254" y="3919284"/>
             <a:ext cx="555858" cy="923330"/>
           </a:xfrm>
           <a:prstGeom prst="rect">
@@ -20905,6 +21537,264 @@
           </a:p>
         </p:txBody>
       </p:sp>
+      <p:cxnSp>
+        <p:nvCxnSpPr>
+          <p:cNvPr id="4" name="Connecteur droit 3">
+            <a:extLst>
+              <a:ext uri="{FF2B5EF4-FFF2-40B4-BE49-F238E27FC236}">
+                <a16:creationId xmlns:a16="http://schemas.microsoft.com/office/drawing/2014/main" id="{A4BBD8C1-DB58-4632-87F8-4352AE1A33A1}"/>
+              </a:ext>
+            </a:extLst>
+          </p:cNvPr>
+          <p:cNvCxnSpPr>
+            <a:cxnSpLocks/>
+          </p:cNvCxnSpPr>
+          <p:nvPr/>
+        </p:nvCxnSpPr>
+        <p:spPr>
+          <a:xfrm>
+            <a:off x="6910229" y="5124942"/>
+            <a:ext cx="247161" cy="223137"/>
+          </a:xfrm>
+          <a:prstGeom prst="line">
+            <a:avLst/>
+          </a:prstGeom>
+          <a:ln w="38100">
+            <a:solidFill>
+              <a:schemeClr val="accent1"/>
+            </a:solidFill>
+          </a:ln>
+        </p:spPr>
+        <p:style>
+          <a:lnRef idx="1">
+            <a:schemeClr val="accent1"/>
+          </a:lnRef>
+          <a:fillRef idx="0">
+            <a:schemeClr val="accent1"/>
+          </a:fillRef>
+          <a:effectRef idx="0">
+            <a:schemeClr val="accent1"/>
+          </a:effectRef>
+          <a:fontRef idx="minor">
+            <a:schemeClr val="tx1"/>
+          </a:fontRef>
+        </p:style>
+      </p:cxnSp>
+      <p:cxnSp>
+        <p:nvCxnSpPr>
+          <p:cNvPr id="30" name="Connecteur droit 29">
+            <a:extLst>
+              <a:ext uri="{FF2B5EF4-FFF2-40B4-BE49-F238E27FC236}">
+                <a16:creationId xmlns:a16="http://schemas.microsoft.com/office/drawing/2014/main" id="{37440F3E-4D1B-4C3B-943F-0424BAB255C8}"/>
+              </a:ext>
+            </a:extLst>
+          </p:cNvPr>
+          <p:cNvCxnSpPr>
+            <a:cxnSpLocks/>
+          </p:cNvCxnSpPr>
+          <p:nvPr/>
+        </p:nvCxnSpPr>
+        <p:spPr>
+          <a:xfrm>
+            <a:off x="4748152" y="2478066"/>
+            <a:ext cx="244187" cy="227313"/>
+          </a:xfrm>
+          <a:prstGeom prst="line">
+            <a:avLst/>
+          </a:prstGeom>
+          <a:ln w="38100">
+            <a:solidFill>
+              <a:schemeClr val="accent1"/>
+            </a:solidFill>
+          </a:ln>
+        </p:spPr>
+        <p:style>
+          <a:lnRef idx="1">
+            <a:schemeClr val="accent1"/>
+          </a:lnRef>
+          <a:fillRef idx="0">
+            <a:schemeClr val="accent1"/>
+          </a:fillRef>
+          <a:effectRef idx="0">
+            <a:schemeClr val="accent1"/>
+          </a:effectRef>
+          <a:fontRef idx="minor">
+            <a:schemeClr val="tx1"/>
+          </a:fontRef>
+        </p:style>
+      </p:cxnSp>
+      <p:cxnSp>
+        <p:nvCxnSpPr>
+          <p:cNvPr id="33" name="Connecteur droit 32">
+            <a:extLst>
+              <a:ext uri="{FF2B5EF4-FFF2-40B4-BE49-F238E27FC236}">
+                <a16:creationId xmlns:a16="http://schemas.microsoft.com/office/drawing/2014/main" id="{44BA8CD5-1420-4CC4-AFDE-7EB6D2D61AE3}"/>
+              </a:ext>
+            </a:extLst>
+          </p:cNvPr>
+          <p:cNvCxnSpPr>
+            <a:cxnSpLocks/>
+          </p:cNvCxnSpPr>
+          <p:nvPr/>
+        </p:nvCxnSpPr>
+        <p:spPr>
+          <a:xfrm>
+            <a:off x="6970945" y="5050933"/>
+            <a:ext cx="242373" cy="223803"/>
+          </a:xfrm>
+          <a:prstGeom prst="line">
+            <a:avLst/>
+          </a:prstGeom>
+          <a:ln w="38100">
+            <a:solidFill>
+              <a:schemeClr val="accent1"/>
+            </a:solidFill>
+          </a:ln>
+        </p:spPr>
+        <p:style>
+          <a:lnRef idx="1">
+            <a:schemeClr val="accent1"/>
+          </a:lnRef>
+          <a:fillRef idx="0">
+            <a:schemeClr val="accent1"/>
+          </a:fillRef>
+          <a:effectRef idx="0">
+            <a:schemeClr val="accent1"/>
+          </a:effectRef>
+          <a:fontRef idx="minor">
+            <a:schemeClr val="tx1"/>
+          </a:fontRef>
+        </p:style>
+      </p:cxnSp>
+      <p:cxnSp>
+        <p:nvCxnSpPr>
+          <p:cNvPr id="34" name="Connecteur droit 33">
+            <a:extLst>
+              <a:ext uri="{FF2B5EF4-FFF2-40B4-BE49-F238E27FC236}">
+                <a16:creationId xmlns:a16="http://schemas.microsoft.com/office/drawing/2014/main" id="{54220AF0-6336-4AFD-90E1-8AF13A69E37E}"/>
+              </a:ext>
+            </a:extLst>
+          </p:cNvPr>
+          <p:cNvCxnSpPr>
+            <a:cxnSpLocks/>
+          </p:cNvCxnSpPr>
+          <p:nvPr/>
+        </p:nvCxnSpPr>
+        <p:spPr>
+          <a:xfrm flipV="1">
+            <a:off x="7139284" y="2802702"/>
+            <a:ext cx="306324" cy="264318"/>
+          </a:xfrm>
+          <a:prstGeom prst="line">
+            <a:avLst/>
+          </a:prstGeom>
+          <a:ln w="38100">
+            <a:solidFill>
+              <a:srgbClr val="FF0000"/>
+            </a:solidFill>
+          </a:ln>
+        </p:spPr>
+        <p:style>
+          <a:lnRef idx="1">
+            <a:schemeClr val="accent1"/>
+          </a:lnRef>
+          <a:fillRef idx="0">
+            <a:schemeClr val="accent1"/>
+          </a:fillRef>
+          <a:effectRef idx="0">
+            <a:schemeClr val="accent1"/>
+          </a:effectRef>
+          <a:fontRef idx="minor">
+            <a:schemeClr val="tx1"/>
+          </a:fontRef>
+        </p:style>
+      </p:cxnSp>
+      <p:cxnSp>
+        <p:nvCxnSpPr>
+          <p:cNvPr id="36" name="Connecteur droit 35">
+            <a:extLst>
+              <a:ext uri="{FF2B5EF4-FFF2-40B4-BE49-F238E27FC236}">
+                <a16:creationId xmlns:a16="http://schemas.microsoft.com/office/drawing/2014/main" id="{294543B1-5D25-446F-ABE7-B1A89B13576B}"/>
+              </a:ext>
+            </a:extLst>
+          </p:cNvPr>
+          <p:cNvCxnSpPr>
+            <a:cxnSpLocks/>
+          </p:cNvCxnSpPr>
+          <p:nvPr/>
+        </p:nvCxnSpPr>
+        <p:spPr>
+          <a:xfrm flipV="1">
+            <a:off x="4956743" y="5017715"/>
+            <a:ext cx="237766" cy="254719"/>
+          </a:xfrm>
+          <a:prstGeom prst="line">
+            <a:avLst/>
+          </a:prstGeom>
+          <a:ln w="38100">
+            <a:solidFill>
+              <a:srgbClr val="FF0000"/>
+            </a:solidFill>
+          </a:ln>
+        </p:spPr>
+        <p:style>
+          <a:lnRef idx="1">
+            <a:schemeClr val="accent1"/>
+          </a:lnRef>
+          <a:fillRef idx="0">
+            <a:schemeClr val="accent1"/>
+          </a:fillRef>
+          <a:effectRef idx="0">
+            <a:schemeClr val="accent1"/>
+          </a:effectRef>
+          <a:fontRef idx="minor">
+            <a:schemeClr val="tx1"/>
+          </a:fontRef>
+        </p:style>
+      </p:cxnSp>
+      <p:cxnSp>
+        <p:nvCxnSpPr>
+          <p:cNvPr id="37" name="Connecteur droit 36">
+            <a:extLst>
+              <a:ext uri="{FF2B5EF4-FFF2-40B4-BE49-F238E27FC236}">
+                <a16:creationId xmlns:a16="http://schemas.microsoft.com/office/drawing/2014/main" id="{E956A323-7516-469A-A8E1-3F34032257F2}"/>
+              </a:ext>
+            </a:extLst>
+          </p:cNvPr>
+          <p:cNvCxnSpPr>
+            <a:cxnSpLocks/>
+          </p:cNvCxnSpPr>
+          <p:nvPr/>
+        </p:nvCxnSpPr>
+        <p:spPr>
+          <a:xfrm flipV="1">
+            <a:off x="5035565" y="5075078"/>
+            <a:ext cx="237766" cy="254719"/>
+          </a:xfrm>
+          <a:prstGeom prst="line">
+            <a:avLst/>
+          </a:prstGeom>
+          <a:ln w="38100">
+            <a:solidFill>
+              <a:srgbClr val="FF0000"/>
+            </a:solidFill>
+          </a:ln>
+        </p:spPr>
+        <p:style>
+          <a:lnRef idx="1">
+            <a:schemeClr val="accent1"/>
+          </a:lnRef>
+          <a:fillRef idx="0">
+            <a:schemeClr val="accent1"/>
+          </a:fillRef>
+          <a:effectRef idx="0">
+            <a:schemeClr val="accent1"/>
+          </a:effectRef>
+          <a:fontRef idx="minor">
+            <a:schemeClr val="tx1"/>
+          </a:fontRef>
+        </p:style>
+      </p:cxnSp>
     </p:spTree>
     <p:extLst>
       <p:ext uri="{BB962C8B-B14F-4D97-AF65-F5344CB8AC3E}">

--- a/libraries/Diagramm Drone.pptx
+++ b/libraries/Diagramm Drone.pptx
@@ -21,14 +21,11 @@
     <p:sldId id="278" r:id="rId15"/>
     <p:sldId id="287" r:id="rId16"/>
     <p:sldId id="288" r:id="rId17"/>
-    <p:sldId id="280" r:id="rId18"/>
-    <p:sldId id="276" r:id="rId19"/>
-    <p:sldId id="286" r:id="rId20"/>
-    <p:sldId id="281" r:id="rId21"/>
-    <p:sldId id="284" r:id="rId22"/>
-    <p:sldId id="282" r:id="rId23"/>
-    <p:sldId id="283" r:id="rId24"/>
-    <p:sldId id="260" r:id="rId25"/>
+    <p:sldId id="281" r:id="rId18"/>
+    <p:sldId id="284" r:id="rId19"/>
+    <p:sldId id="282" r:id="rId20"/>
+    <p:sldId id="283" r:id="rId21"/>
+    <p:sldId id="260" r:id="rId22"/>
   </p:sldIdLst>
   <p:sldSz cx="12192000" cy="6858000"/>
   <p:notesSz cx="6888163" cy="10020300"/>
@@ -1322,7 +1319,7 @@
           </a:r>
           <a:r>
             <a:rPr lang="en-US" b="1" dirty="0"/>
-            <a:t>920kv</a:t>
+            <a:t>1240kv</a:t>
           </a:r>
           <a:endParaRPr lang="en-US" dirty="0"/>
         </a:p>
@@ -2245,7 +2242,7 @@
           </a:r>
           <a:r>
             <a:rPr lang="en-US" sz="2500" b="1" kern="1200" dirty="0"/>
-            <a:t>920kv</a:t>
+            <a:t>1240kv</a:t>
           </a:r>
           <a:endParaRPr lang="en-US" sz="2500" kern="1200" dirty="0"/>
         </a:p>
@@ -3734,7 +3731,7 @@
           <a:p>
             <a:fld id="{0717AEF8-1597-4679-8926-916E82E12B07}" type="datetimeFigureOut">
               <a:rPr lang="fr-FR" smtClean="0"/>
-              <a:t>18/10/2019</a:t>
+              <a:t>22/10/2019</a:t>
             </a:fld>
             <a:endParaRPr lang="fr-FR"/>
           </a:p>
@@ -3932,7 +3929,7 @@
           <a:p>
             <a:fld id="{0717AEF8-1597-4679-8926-916E82E12B07}" type="datetimeFigureOut">
               <a:rPr lang="fr-FR" smtClean="0"/>
-              <a:t>18/10/2019</a:t>
+              <a:t>22/10/2019</a:t>
             </a:fld>
             <a:endParaRPr lang="fr-FR"/>
           </a:p>
@@ -4140,7 +4137,7 @@
           <a:p>
             <a:fld id="{0717AEF8-1597-4679-8926-916E82E12B07}" type="datetimeFigureOut">
               <a:rPr lang="fr-FR" smtClean="0"/>
-              <a:t>18/10/2019</a:t>
+              <a:t>22/10/2019</a:t>
             </a:fld>
             <a:endParaRPr lang="fr-FR"/>
           </a:p>
@@ -4338,7 +4335,7 @@
           <a:p>
             <a:fld id="{0717AEF8-1597-4679-8926-916E82E12B07}" type="datetimeFigureOut">
               <a:rPr lang="fr-FR" smtClean="0"/>
-              <a:t>18/10/2019</a:t>
+              <a:t>22/10/2019</a:t>
             </a:fld>
             <a:endParaRPr lang="fr-FR"/>
           </a:p>
@@ -4613,7 +4610,7 @@
           <a:p>
             <a:fld id="{0717AEF8-1597-4679-8926-916E82E12B07}" type="datetimeFigureOut">
               <a:rPr lang="fr-FR" smtClean="0"/>
-              <a:t>18/10/2019</a:t>
+              <a:t>22/10/2019</a:t>
             </a:fld>
             <a:endParaRPr lang="fr-FR"/>
           </a:p>
@@ -4878,7 +4875,7 @@
           <a:p>
             <a:fld id="{0717AEF8-1597-4679-8926-916E82E12B07}" type="datetimeFigureOut">
               <a:rPr lang="fr-FR" smtClean="0"/>
-              <a:t>18/10/2019</a:t>
+              <a:t>22/10/2019</a:t>
             </a:fld>
             <a:endParaRPr lang="fr-FR"/>
           </a:p>
@@ -5290,7 +5287,7 @@
           <a:p>
             <a:fld id="{0717AEF8-1597-4679-8926-916E82E12B07}" type="datetimeFigureOut">
               <a:rPr lang="fr-FR" smtClean="0"/>
-              <a:t>18/10/2019</a:t>
+              <a:t>22/10/2019</a:t>
             </a:fld>
             <a:endParaRPr lang="fr-FR"/>
           </a:p>
@@ -5431,7 +5428,7 @@
           <a:p>
             <a:fld id="{0717AEF8-1597-4679-8926-916E82E12B07}" type="datetimeFigureOut">
               <a:rPr lang="fr-FR" smtClean="0"/>
-              <a:t>18/10/2019</a:t>
+              <a:t>22/10/2019</a:t>
             </a:fld>
             <a:endParaRPr lang="fr-FR"/>
           </a:p>
@@ -5544,7 +5541,7 @@
           <a:p>
             <a:fld id="{0717AEF8-1597-4679-8926-916E82E12B07}" type="datetimeFigureOut">
               <a:rPr lang="fr-FR" smtClean="0"/>
-              <a:t>18/10/2019</a:t>
+              <a:t>22/10/2019</a:t>
             </a:fld>
             <a:endParaRPr lang="fr-FR"/>
           </a:p>
@@ -5855,7 +5852,7 @@
           <a:p>
             <a:fld id="{0717AEF8-1597-4679-8926-916E82E12B07}" type="datetimeFigureOut">
               <a:rPr lang="fr-FR" smtClean="0"/>
-              <a:t>18/10/2019</a:t>
+              <a:t>22/10/2019</a:t>
             </a:fld>
             <a:endParaRPr lang="fr-FR"/>
           </a:p>
@@ -6143,7 +6140,7 @@
           <a:p>
             <a:fld id="{0717AEF8-1597-4679-8926-916E82E12B07}" type="datetimeFigureOut">
               <a:rPr lang="fr-FR" smtClean="0"/>
-              <a:t>18/10/2019</a:t>
+              <a:t>22/10/2019</a:t>
             </a:fld>
             <a:endParaRPr lang="fr-FR"/>
           </a:p>
@@ -6384,7 +6381,7 @@
           <a:p>
             <a:fld id="{0717AEF8-1597-4679-8926-916E82E12B07}" type="datetimeFigureOut">
               <a:rPr lang="fr-FR" smtClean="0"/>
-              <a:t>18/10/2019</a:t>
+              <a:t>22/10/2019</a:t>
             </a:fld>
             <a:endParaRPr lang="fr-FR"/>
           </a:p>
@@ -14291,7 +14288,7 @@
           <p:nvPr>
             <p:extLst>
               <p:ext uri="{D42A27DB-BD31-4B8C-83A1-F6EECF244321}">
-                <p14:modId xmlns:p14="http://schemas.microsoft.com/office/powerpoint/2010/main" val="1465456065"/>
+                <p14:modId xmlns:p14="http://schemas.microsoft.com/office/powerpoint/2010/main" val="3688041983"/>
               </p:ext>
             </p:extLst>
           </p:nvPr>
@@ -14364,8 +14361,28 @@
               <a:t>4 Motors </a:t>
             </a:r>
             <a:r>
-              <a:rPr lang="nb-NO" b="1" dirty="0"/>
-              <a:t>Turnigy Aerodrive SK3 de Brushless Outrunner </a:t>
+              <a:rPr lang="en-US" b="1" dirty="0" err="1"/>
+              <a:t>Turnigy</a:t>
+            </a:r>
+            <a:r>
+              <a:rPr lang="en-US" b="1" dirty="0"/>
+              <a:t> </a:t>
+            </a:r>
+            <a:r>
+              <a:rPr lang="en-US" b="1" dirty="0" err="1"/>
+              <a:t>Aerodrive</a:t>
+            </a:r>
+            <a:r>
+              <a:rPr lang="en-US" b="1" dirty="0"/>
+              <a:t> SK3 - 2826-1240kv Brushless </a:t>
+            </a:r>
+            <a:r>
+              <a:rPr lang="en-US" b="1" dirty="0" err="1"/>
+              <a:t>Outrunner</a:t>
+            </a:r>
+            <a:r>
+              <a:rPr lang="en-US" b="1" dirty="0"/>
+              <a:t> Motor </a:t>
             </a:r>
             <a:r>
               <a:rPr lang="nb-NO" dirty="0"/>
@@ -14373,7 +14390,7 @@
             </a:r>
             <a:r>
               <a:rPr lang="en-US" dirty="0"/>
-              <a:t>9192000242-0)</a:t>
+              <a:t>SK3-2826-1240)</a:t>
             </a:r>
             <a:br>
               <a:rPr lang="nb-NO" dirty="0"/>
@@ -14401,7 +14418,7 @@
         <p:spPr/>
         <p:txBody>
           <a:bodyPr>
-            <a:normAutofit fontScale="92500" lnSpcReduction="10000"/>
+            <a:normAutofit/>
           </a:bodyPr>
           <a:lstStyle/>
           <a:p>
@@ -14409,216 +14426,179 @@
               <a:buNone/>
             </a:pPr>
             <a:r>
-              <a:rPr lang="fr-FR" dirty="0"/>
+              <a:rPr lang="en-US" dirty="0"/>
+              <a:t>Active: </a:t>
+            </a:r>
+            <a:r>
+              <a:rPr lang="en-US" b="1" dirty="0"/>
+              <a:t>22T</a:t>
+            </a:r>
+            <a:br>
+              <a:rPr lang="en-US" b="1" dirty="0"/>
+            </a:br>
+            <a:r>
+              <a:rPr lang="en-US" dirty="0"/>
               <a:t>Tension: </a:t>
             </a:r>
             <a:r>
-              <a:rPr lang="fr-FR" b="1" dirty="0"/>
-              <a:t>6.4 ~ 12.6V (2 ~ 3S </a:t>
-            </a:r>
-            <a:r>
-              <a:rPr lang="fr-FR" b="1" dirty="0" err="1"/>
-              <a:t>LiPoly</a:t>
-            </a:r>
-            <a:r>
-              <a:rPr lang="fr-FR" b="1" dirty="0"/>
-              <a:t>)</a:t>
-            </a:r>
-            <a:r>
-              <a:rPr lang="fr-FR" dirty="0"/>
-              <a:t> </a:t>
+              <a:rPr lang="en-US" b="1" dirty="0"/>
+              <a:t>2 ~ 3S </a:t>
+            </a:r>
+            <a:r>
+              <a:rPr lang="en-US" b="1" dirty="0" err="1"/>
+              <a:t>Lipoly</a:t>
             </a:r>
             <a:br>
-              <a:rPr lang="fr-FR" dirty="0"/>
+              <a:rPr lang="en-US" b="1" dirty="0"/>
             </a:br>
             <a:r>
-              <a:rPr lang="fr-FR" dirty="0"/>
+              <a:rPr lang="en-US" dirty="0"/>
               <a:t>RPM / V: </a:t>
             </a:r>
             <a:r>
-              <a:rPr lang="fr-FR" b="1" dirty="0"/>
-              <a:t>920kv</a:t>
-            </a:r>
-            <a:r>
-              <a:rPr lang="fr-FR" dirty="0"/>
-              <a:t> </a:t>
+              <a:rPr lang="en-US" b="1" dirty="0"/>
+              <a:t>1240 </a:t>
+            </a:r>
+            <a:r>
+              <a:rPr lang="en-US" b="1" dirty="0" err="1"/>
+              <a:t>kv</a:t>
             </a:r>
             <a:br>
-              <a:rPr lang="fr-FR" dirty="0"/>
+              <a:rPr lang="en-US" b="1" dirty="0"/>
             </a:br>
             <a:r>
-              <a:rPr lang="fr-FR" dirty="0"/>
+              <a:rPr lang="en-US" dirty="0"/>
+              <a:t>Résistance interne: </a:t>
+            </a:r>
+            <a:r>
+              <a:rPr lang="en-US" b="1" dirty="0"/>
+              <a:t>0,095 Ohm</a:t>
+            </a:r>
+            <a:br>
+              <a:rPr lang="en-US" b="1" dirty="0"/>
+            </a:br>
+            <a:r>
+              <a:rPr lang="en-US" dirty="0"/>
+              <a:t>Max </a:t>
+            </a:r>
+            <a:r>
+              <a:rPr lang="en-US" dirty="0" err="1"/>
+              <a:t>Chargement</a:t>
+            </a:r>
+            <a:r>
+              <a:rPr lang="en-US" dirty="0"/>
+              <a:t>: </a:t>
+            </a:r>
+            <a:r>
+              <a:rPr lang="en-US" b="1" dirty="0"/>
+              <a:t>16A</a:t>
+            </a:r>
+            <a:br>
+              <a:rPr lang="en-US" b="1" dirty="0"/>
+            </a:br>
+            <a:r>
+              <a:rPr lang="en-US" dirty="0"/>
               <a:t>Puissance: </a:t>
             </a:r>
             <a:r>
-              <a:rPr lang="fr-FR" b="1" dirty="0"/>
-              <a:t>165W</a:t>
-            </a:r>
-            <a:r>
-              <a:rPr lang="fr-FR" dirty="0"/>
-              <a:t> </a:t>
+              <a:rPr lang="en-US" b="1" dirty="0"/>
+              <a:t>150W</a:t>
             </a:r>
             <a:br>
-              <a:rPr lang="fr-FR" dirty="0"/>
+              <a:rPr lang="en-US" b="1" dirty="0"/>
             </a:br>
             <a:r>
-              <a:rPr lang="fr-FR" dirty="0"/>
-              <a:t>Courant max: </a:t>
-            </a:r>
-            <a:r>
-              <a:rPr lang="fr-FR" b="1" dirty="0"/>
-              <a:t>17A</a:t>
-            </a:r>
-            <a:r>
-              <a:rPr lang="fr-FR" dirty="0"/>
-              <a:t> </a:t>
+              <a:rPr lang="en-US" dirty="0"/>
+              <a:t>Shaft </a:t>
+            </a:r>
+            <a:r>
+              <a:rPr lang="en-US" dirty="0" err="1"/>
+              <a:t>Dia</a:t>
+            </a:r>
+            <a:r>
+              <a:rPr lang="en-US" dirty="0"/>
+              <a:t>: </a:t>
+            </a:r>
+            <a:r>
+              <a:rPr lang="en-US" b="1" dirty="0"/>
+              <a:t>3.0mm</a:t>
             </a:r>
             <a:br>
-              <a:rPr lang="fr-FR" dirty="0"/>
+              <a:rPr lang="en-US" b="1" dirty="0"/>
             </a:br>
             <a:r>
-              <a:rPr lang="fr-FR" dirty="0"/>
-              <a:t>Courant au repos: </a:t>
-            </a:r>
-            <a:r>
-              <a:rPr lang="fr-FR" b="1" dirty="0"/>
-              <a:t>0.95A</a:t>
-            </a:r>
-            <a:r>
-              <a:rPr lang="fr-FR" dirty="0"/>
-              <a:t> </a:t>
+              <a:rPr lang="en-US" dirty="0" err="1"/>
+              <a:t>Trous</a:t>
+            </a:r>
+            <a:r>
+              <a:rPr lang="en-US" dirty="0"/>
+              <a:t> de </a:t>
+            </a:r>
+            <a:r>
+              <a:rPr lang="en-US" dirty="0" err="1"/>
+              <a:t>boulons</a:t>
+            </a:r>
+            <a:r>
+              <a:rPr lang="en-US" dirty="0"/>
+              <a:t>: </a:t>
+            </a:r>
+            <a:r>
+              <a:rPr lang="en-US" b="1" dirty="0"/>
+              <a:t>16mm et 19mm</a:t>
             </a:r>
             <a:br>
-              <a:rPr lang="fr-FR" dirty="0"/>
+              <a:rPr lang="en-US" b="1" dirty="0"/>
             </a:br>
             <a:r>
-              <a:rPr lang="fr-FR" dirty="0"/>
-              <a:t>Résistance: </a:t>
-            </a:r>
-            <a:r>
-              <a:rPr lang="fr-FR" b="1" dirty="0"/>
-              <a:t>140mh</a:t>
-            </a:r>
-            <a:r>
-              <a:rPr lang="fr-FR" dirty="0"/>
-              <a:t> </a:t>
+              <a:rPr lang="en-US" dirty="0"/>
+              <a:t>Fil de Bolt: </a:t>
+            </a:r>
+            <a:r>
+              <a:rPr lang="en-US" b="1" dirty="0"/>
+              <a:t>M3</a:t>
             </a:r>
             <a:br>
-              <a:rPr lang="fr-FR" dirty="0"/>
+              <a:rPr lang="en-US" b="1" dirty="0"/>
             </a:br>
             <a:r>
-              <a:rPr lang="fr-FR" dirty="0" err="1"/>
-              <a:t>Shaft</a:t>
-            </a:r>
-            <a:r>
-              <a:rPr lang="fr-FR" dirty="0"/>
-              <a:t> (arbre): </a:t>
-            </a:r>
-            <a:r>
-              <a:rPr lang="fr-FR" b="1" dirty="0"/>
-              <a:t>3mm</a:t>
-            </a:r>
-            <a:r>
-              <a:rPr lang="fr-FR" dirty="0"/>
-              <a:t> </a:t>
+              <a:rPr lang="en-US" dirty="0" err="1"/>
+              <a:t>Poids</a:t>
+            </a:r>
+            <a:r>
+              <a:rPr lang="en-US" dirty="0"/>
+              <a:t>: </a:t>
+            </a:r>
+            <a:r>
+              <a:rPr lang="en-US" b="1" dirty="0"/>
+              <a:t>45g</a:t>
             </a:r>
             <a:br>
-              <a:rPr lang="fr-FR" dirty="0"/>
+              <a:rPr lang="en-US" b="1" dirty="0"/>
             </a:br>
             <a:r>
-              <a:rPr lang="fr-FR" dirty="0"/>
-              <a:t>L' espacement des trous de boulons: </a:t>
-            </a:r>
-            <a:r>
-              <a:rPr lang="fr-FR" b="1" dirty="0"/>
-              <a:t>16 x 19mm</a:t>
-            </a:r>
-            <a:r>
-              <a:rPr lang="fr-FR" dirty="0"/>
-              <a:t> </a:t>
-            </a:r>
-            <a:br>
-              <a:rPr lang="fr-FR" dirty="0"/>
-            </a:br>
-            <a:r>
-              <a:rPr lang="fr-FR" dirty="0"/>
-              <a:t>Fil de Bolt </a:t>
-            </a:r>
-            <a:r>
-              <a:rPr lang="fr-FR"/>
-              <a:t>(boulon):</a:t>
-            </a:r>
-            <a:r>
-              <a:rPr lang="fr-FR" dirty="0"/>
-              <a:t> </a:t>
-            </a:r>
-            <a:r>
-              <a:rPr lang="fr-FR" b="1" dirty="0"/>
-              <a:t>M2</a:t>
-            </a:r>
-            <a:r>
-              <a:rPr lang="fr-FR" dirty="0"/>
-              <a:t> </a:t>
-            </a:r>
-            <a:br>
-              <a:rPr lang="fr-FR" dirty="0"/>
-            </a:br>
-            <a:r>
-              <a:rPr lang="fr-FR" dirty="0"/>
-              <a:t>Fiche: </a:t>
-            </a:r>
-            <a:r>
-              <a:rPr lang="fr-FR" b="1" dirty="0"/>
-              <a:t>3.5mm Bullet</a:t>
-            </a:r>
-            <a:r>
-              <a:rPr lang="fr-FR" dirty="0"/>
-              <a:t> </a:t>
-            </a:r>
-            <a:br>
-              <a:rPr lang="fr-FR" dirty="0"/>
-            </a:br>
-            <a:r>
-              <a:rPr lang="fr-FR" dirty="0"/>
-              <a:t>ESC suggérée: </a:t>
-            </a:r>
-            <a:r>
-              <a:rPr lang="fr-FR" b="1" dirty="0"/>
-              <a:t>20A</a:t>
-            </a:r>
-            <a:r>
-              <a:rPr lang="fr-FR" dirty="0"/>
-              <a:t> </a:t>
-            </a:r>
-            <a:br>
-              <a:rPr lang="fr-FR" dirty="0"/>
-            </a:br>
-            <a:r>
-              <a:rPr lang="fr-FR" dirty="0"/>
-              <a:t>Dimensions du moteur: </a:t>
-            </a:r>
-            <a:r>
-              <a:rPr lang="fr-FR" b="1" dirty="0"/>
-              <a:t>30 x 28mm</a:t>
-            </a:r>
-            <a:r>
-              <a:rPr lang="fr-FR" dirty="0"/>
-              <a:t> </a:t>
-            </a:r>
-            <a:br>
-              <a:rPr lang="fr-FR" dirty="0"/>
-            </a:br>
-            <a:r>
-              <a:rPr lang="fr-FR" dirty="0"/>
-              <a:t>Poids: </a:t>
-            </a:r>
-            <a:r>
-              <a:rPr lang="fr-FR" b="1" dirty="0"/>
-              <a:t>55g</a:t>
-            </a:r>
-            <a:endParaRPr lang="fr-FR" dirty="0"/>
-          </a:p>
-          <a:p>
+              <a:rPr lang="en-US" dirty="0" err="1"/>
+              <a:t>Branchez</a:t>
+            </a:r>
+            <a:r>
+              <a:rPr lang="en-US" dirty="0"/>
+              <a:t> </a:t>
+            </a:r>
+            <a:r>
+              <a:rPr lang="en-US" dirty="0" err="1"/>
+              <a:t>Moteur</a:t>
+            </a:r>
+            <a:r>
+              <a:rPr lang="en-US" dirty="0"/>
+              <a:t>: </a:t>
+            </a:r>
+            <a:r>
+              <a:rPr lang="en-US" b="1" dirty="0"/>
+              <a:t>3.5mm Bullet </a:t>
+            </a:r>
+            <a:r>
+              <a:rPr lang="en-US" b="1" dirty="0" err="1"/>
+              <a:t>Connecto</a:t>
+            </a:r>
             <a:endParaRPr lang="en-US" dirty="0"/>
           </a:p>
         </p:txBody>
@@ -15213,7 +15193,7 @@
             </a:r>
             <a:r>
               <a:rPr lang="fr-FR" b="1" dirty="0"/>
-              <a:t>17A</a:t>
+              <a:t>16A</a:t>
             </a:r>
             <a:r>
               <a:rPr lang="fr-FR" dirty="0"/>
@@ -15327,20 +15307,24 @@
               <a:rPr lang="en-US" dirty="0"/>
             </a:br>
             <a:r>
+              <a:rPr lang="en-US" dirty="0"/>
+              <a:t>BEC: </a:t>
+            </a:r>
+            <a:r>
+              <a:rPr lang="en-US" dirty="0" err="1"/>
+              <a:t>Linéaire</a:t>
+            </a:r>
+            <a:r>
+              <a:rPr lang="en-US" dirty="0"/>
+              <a:t> 2A @ </a:t>
+            </a:r>
+            <a:r>
               <a:rPr lang="en-US" b="1" dirty="0"/>
-              <a:t>BEC: </a:t>
-            </a:r>
-            <a:r>
-              <a:rPr lang="en-US" b="1" dirty="0" err="1"/>
-              <a:t>Linéaire</a:t>
-            </a:r>
-            <a:r>
-              <a:rPr lang="en-US" b="1" dirty="0"/>
-              <a:t> 2A @ 5V</a:t>
+              <a:t>5V</a:t>
             </a:r>
             <a:r>
               <a:rPr lang="en-US" dirty="0"/>
-              <a:t> </a:t>
+              <a:t> (not used)</a:t>
             </a:r>
             <a:br>
               <a:rPr lang="en-US" dirty="0"/>
@@ -15537,7 +15521,7 @@
         </p:blipFill>
         <p:spPr>
           <a:xfrm>
-            <a:off x="838201" y="1243250"/>
+            <a:off x="838200" y="1449438"/>
             <a:ext cx="9405388" cy="4933713"/>
           </a:xfrm>
           <a:prstGeom prst="rect">
@@ -15580,7 +15564,7 @@
           <p:cNvPr id="2" name="Titre 1">
             <a:extLst>
               <a:ext uri="{FF2B5EF4-FFF2-40B4-BE49-F238E27FC236}">
-                <a16:creationId xmlns:a16="http://schemas.microsoft.com/office/drawing/2014/main" id="{29EF8B37-1DB7-4A7C-A5A3-90529CB8BC25}"/>
+                <a16:creationId xmlns:a16="http://schemas.microsoft.com/office/drawing/2014/main" id="{FE169B9C-4B88-49CF-996F-9AA43AAE11A7}"/>
               </a:ext>
             </a:extLst>
           </p:cNvPr>
@@ -15591,15 +15575,21 @@
             <p:ph type="title"/>
           </p:nvPr>
         </p:nvSpPr>
-        <p:spPr/>
+        <p:spPr>
+          <a:xfrm>
+            <a:off x="838200" y="365125"/>
+            <a:ext cx="10515600" cy="1325563"/>
+          </a:xfrm>
+        </p:spPr>
         <p:txBody>
           <a:bodyPr/>
           <a:lstStyle/>
           <a:p>
             <a:r>
-              <a:rPr lang="en-US" dirty="0"/>
-              <a:t>Electronic Speed Controller ESC</a:t>
-            </a:r>
+              <a:rPr lang="en-US"/>
+              <a:t>Lipo</a:t>
+            </a:r>
+            <a:endParaRPr lang="en-US" dirty="0"/>
           </a:p>
         </p:txBody>
       </p:sp>
@@ -15608,7 +15598,7 @@
           <p:cNvPr id="3" name="Espace réservé du contenu 2">
             <a:extLst>
               <a:ext uri="{FF2B5EF4-FFF2-40B4-BE49-F238E27FC236}">
-                <a16:creationId xmlns:a16="http://schemas.microsoft.com/office/drawing/2014/main" id="{EB2683F0-B956-49D4-8887-AAE667D4AD14}"/>
+                <a16:creationId xmlns:a16="http://schemas.microsoft.com/office/drawing/2014/main" id="{13BA1678-4CC9-4D81-80F5-03ACA87BD6C6}"/>
               </a:ext>
             </a:extLst>
           </p:cNvPr>
@@ -15619,10 +15609,15 @@
             <p:ph idx="1"/>
           </p:nvPr>
         </p:nvSpPr>
-        <p:spPr/>
+        <p:spPr>
+          <a:xfrm>
+            <a:off x="838200" y="1509204"/>
+            <a:ext cx="10515600" cy="5093887"/>
+          </a:xfrm>
+        </p:spPr>
         <p:txBody>
           <a:bodyPr>
-            <a:normAutofit fontScale="92500" lnSpcReduction="20000"/>
+            <a:normAutofit fontScale="62500" lnSpcReduction="20000"/>
           </a:bodyPr>
           <a:lstStyle/>
           <a:p>
@@ -15630,96 +15625,8 @@
               <a:buNone/>
             </a:pPr>
             <a:r>
-              <a:rPr lang="fr-FR" dirty="0"/>
-              <a:t>Courant max </a:t>
-            </a:r>
-            <a:r>
-              <a:rPr lang="fr-FR" dirty="0" err="1"/>
-              <a:t>Motor</a:t>
-            </a:r>
-            <a:r>
-              <a:rPr lang="fr-FR" dirty="0"/>
-              <a:t>: </a:t>
-            </a:r>
-            <a:r>
-              <a:rPr lang="fr-FR" b="1" dirty="0"/>
-              <a:t>17A</a:t>
-            </a:r>
-            <a:r>
-              <a:rPr lang="fr-FR" dirty="0"/>
-              <a:t> </a:t>
-            </a:r>
-          </a:p>
-          <a:p>
-            <a:pPr>
-              <a:buFont typeface="Symbol" panose="05050102010706020507" pitchFamily="18" charset="2"/>
-              <a:buChar char="Þ"/>
-            </a:pPr>
-            <a:r>
-              <a:rPr lang="fr-FR" dirty="0"/>
-              <a:t> ESC 20A</a:t>
-            </a:r>
-          </a:p>
-          <a:p>
-            <a:pPr>
-              <a:buFont typeface="Symbol" panose="05050102010706020507" pitchFamily="18" charset="2"/>
-              <a:buChar char="Þ"/>
-            </a:pPr>
-            <a:endParaRPr lang="fr-FR" dirty="0"/>
-          </a:p>
-          <a:p>
-            <a:pPr marL="0" indent="0">
-              <a:buNone/>
-            </a:pPr>
-            <a:r>
-              <a:rPr lang="fr-FR" dirty="0"/>
-              <a:t>I have </a:t>
-            </a:r>
-            <a:r>
-              <a:rPr lang="fr-FR" dirty="0" err="1"/>
-              <a:t>selected</a:t>
-            </a:r>
-            <a:r>
-              <a:rPr lang="fr-FR" dirty="0"/>
-              <a:t> </a:t>
-            </a:r>
-            <a:r>
-              <a:rPr lang="en-US" b="1" dirty="0" err="1"/>
-              <a:t>Turnigy</a:t>
-            </a:r>
-            <a:r>
-              <a:rPr lang="en-US" b="1" dirty="0"/>
-              <a:t> </a:t>
-            </a:r>
-            <a:r>
-              <a:rPr lang="en-US" b="1" dirty="0" err="1"/>
-              <a:t>MultiStar</a:t>
-            </a:r>
-            <a:r>
-              <a:rPr lang="en-US" b="1" dirty="0"/>
-              <a:t> 20A </a:t>
-            </a:r>
-            <a:r>
-              <a:rPr lang="en-US" b="1" dirty="0" err="1"/>
-              <a:t>BLHeli</a:t>
-            </a:r>
-            <a:r>
-              <a:rPr lang="en-US" b="1" dirty="0"/>
-              <a:t>-S Rev16 V3 ESC 2~4S </a:t>
-            </a:r>
-            <a:r>
-              <a:rPr lang="en-US" b="1" dirty="0" err="1"/>
-              <a:t>Opto</a:t>
-            </a:r>
-            <a:endParaRPr lang="en-US" b="1" dirty="0"/>
-          </a:p>
-          <a:p>
-            <a:pPr marL="0" indent="0">
-              <a:buNone/>
-            </a:pPr>
-            <a:r>
               <a:rPr lang="en-US" dirty="0"/>
-              <a:t>(Hobby king 9351000086-0)</a:t>
+              <a:t>3S :3*3,7v =11,1v</a:t>
             </a:r>
           </a:p>
           <a:p>
@@ -15729,69 +15636,229 @@
             <a:endParaRPr lang="en-US" dirty="0"/>
           </a:p>
           <a:p>
-            <a:pPr marL="457200" lvl="1" indent="0">
+            <a:pPr marL="0" indent="0">
               <a:buNone/>
             </a:pPr>
             <a:r>
               <a:rPr lang="en-US" dirty="0"/>
-              <a:t>Constant Current: 20A</a:t>
-            </a:r>
-          </a:p>
-          <a:p>
-            <a:pPr marL="457200" lvl="1" indent="0">
+              <a:t>4 motors 16A =&gt; </a:t>
+            </a:r>
+            <a:r>
+              <a:rPr lang="en-US" b="1" dirty="0"/>
+              <a:t>64A </a:t>
+            </a:r>
+            <a:r>
+              <a:rPr lang="en-US" dirty="0"/>
+              <a:t>Max</a:t>
+            </a:r>
+          </a:p>
+          <a:p>
+            <a:pPr marL="0" indent="0">
               <a:buNone/>
             </a:pPr>
-            <a:r>
-              <a:rPr lang="en-US" dirty="0"/>
-              <a:t>Peak Current: 25A</a:t>
-            </a:r>
-          </a:p>
-          <a:p>
-            <a:pPr marL="457200" lvl="1" indent="0">
+            <a:endParaRPr lang="en-US" dirty="0"/>
+          </a:p>
+          <a:p>
+            <a:pPr marL="0" indent="0">
               <a:buNone/>
             </a:pPr>
             <a:r>
               <a:rPr lang="en-US" dirty="0"/>
-              <a:t>Input Voltage: 2~4S (7.4~14.8V)</a:t>
-            </a:r>
-          </a:p>
-          <a:p>
-            <a:pPr marL="457200" lvl="1" indent="0">
+              <a:t>I have selected LiPo 3S </a:t>
+            </a:r>
+            <a:r>
+              <a:rPr lang="en-US" b="1" dirty="0"/>
+              <a:t>3000mA</a:t>
+            </a:r>
+            <a:r>
+              <a:rPr lang="en-US" dirty="0"/>
+              <a:t>h 11.1V </a:t>
+            </a:r>
+            <a:r>
+              <a:rPr lang="en-US" b="1" dirty="0"/>
+              <a:t>30C </a:t>
+            </a:r>
+            <a:r>
+              <a:rPr lang="en-US" dirty="0"/>
+              <a:t> not too much heavy with Max discharge = 3*30 = </a:t>
+            </a:r>
+            <a:r>
+              <a:rPr lang="en-US" b="1" dirty="0"/>
+              <a:t>90A</a:t>
+            </a:r>
+            <a:r>
+              <a:rPr lang="en-US" dirty="0"/>
+              <a:t> </a:t>
+            </a:r>
+            <a:r>
+              <a:rPr lang="en-US"/>
+              <a:t>&gt; </a:t>
+            </a:r>
+            <a:r>
+              <a:rPr lang="en-US" b="1"/>
+              <a:t>64A</a:t>
+            </a:r>
+            <a:endParaRPr lang="en-US" b="1" dirty="0"/>
+          </a:p>
+          <a:p>
+            <a:pPr lvl="1">
+              <a:buFont typeface="Symbol" panose="05050102010706020507" pitchFamily="18" charset="2"/>
+              <a:buChar char="Þ"/>
+            </a:pPr>
+            <a:endParaRPr lang="en-US" b="1" dirty="0"/>
+          </a:p>
+          <a:p>
+            <a:pPr marL="0" indent="0">
               <a:buNone/>
             </a:pPr>
             <a:r>
               <a:rPr lang="en-US" dirty="0"/>
-              <a:t>BEC: </a:t>
-            </a:r>
-            <a:r>
-              <a:rPr lang="en-US" b="1" dirty="0"/>
-              <a:t>None</a:t>
-            </a:r>
-          </a:p>
-          <a:p>
-            <a:pPr marL="457200" lvl="1" indent="0">
-              <a:buNone/>
-            </a:pPr>
-            <a:r>
-              <a:rPr lang="en-US" dirty="0"/>
-              <a:t>Dimensions: 27 x 12mm</a:t>
-            </a:r>
-          </a:p>
-          <a:p>
-            <a:pPr marL="457200" lvl="1" indent="0">
-              <a:buNone/>
-            </a:pPr>
-            <a:r>
-              <a:rPr lang="en-US" dirty="0"/>
-              <a:t>Weight: 7.9g</a:t>
-            </a:r>
+              <a:t>Specifications</a:t>
+            </a:r>
+          </a:p>
+          <a:p>
+            <a:pPr lvl="1"/>
+            <a:r>
+              <a:rPr lang="fr-FR" dirty="0"/>
+              <a:t>Type de la batterie		</a:t>
+            </a:r>
+            <a:r>
+              <a:rPr lang="fr-FR" dirty="0" err="1"/>
+              <a:t>LiPO</a:t>
+            </a:r>
+            <a:endParaRPr lang="fr-FR" dirty="0"/>
+          </a:p>
+          <a:p>
+            <a:pPr lvl="1"/>
+            <a:r>
+              <a:rPr lang="fr-FR" b="1" dirty="0"/>
+              <a:t>Capacité batterie</a:t>
+            </a:r>
+            <a:r>
+              <a:rPr lang="fr-FR" dirty="0"/>
+              <a:t>		</a:t>
+            </a:r>
+            <a:r>
+              <a:rPr lang="fr-FR" b="1" dirty="0"/>
+              <a:t>3300 (mAh)</a:t>
+            </a:r>
+          </a:p>
+          <a:p>
+            <a:pPr lvl="1"/>
+            <a:r>
+              <a:rPr lang="fr-FR" dirty="0"/>
+              <a:t>Voltage			11.1 (V)</a:t>
+            </a:r>
+          </a:p>
+          <a:p>
+            <a:pPr lvl="1"/>
+            <a:r>
+              <a:rPr lang="fr-FR" b="1" dirty="0"/>
+              <a:t>Courant décharge en continu</a:t>
+            </a:r>
+            <a:r>
+              <a:rPr lang="fr-FR" dirty="0"/>
+              <a:t>	</a:t>
+            </a:r>
+            <a:r>
+              <a:rPr lang="fr-FR" b="1" dirty="0"/>
+              <a:t>30 (C)</a:t>
+            </a:r>
+          </a:p>
+          <a:p>
+            <a:pPr lvl="1"/>
+            <a:r>
+              <a:rPr lang="fr-FR" dirty="0"/>
+              <a:t>Courant de décharge max		60 (C)</a:t>
+            </a:r>
+          </a:p>
+          <a:p>
+            <a:pPr lvl="1"/>
+            <a:r>
+              <a:rPr lang="fr-FR" b="1" dirty="0"/>
+              <a:t>Poids</a:t>
+            </a:r>
+            <a:r>
+              <a:rPr lang="fr-FR" dirty="0"/>
+              <a:t>			</a:t>
+            </a:r>
+            <a:r>
+              <a:rPr lang="fr-FR" b="1" dirty="0"/>
+              <a:t>182 (g)</a:t>
+            </a:r>
+          </a:p>
+          <a:p>
+            <a:pPr lvl="1"/>
+            <a:r>
+              <a:rPr lang="fr-FR" dirty="0"/>
+              <a:t>Longueur			103 (mm)</a:t>
+            </a:r>
+          </a:p>
+          <a:p>
+            <a:pPr lvl="1"/>
+            <a:r>
+              <a:rPr lang="fr-FR" dirty="0"/>
+              <a:t>Largeur			33 (mm)</a:t>
+            </a:r>
+          </a:p>
+          <a:p>
+            <a:pPr lvl="1"/>
+            <a:r>
+              <a:rPr lang="fr-FR" dirty="0"/>
+              <a:t>Hauteur			23 (mm)</a:t>
+            </a:r>
+          </a:p>
+          <a:p>
+            <a:pPr lvl="1"/>
+            <a:r>
+              <a:rPr lang="fr-FR" dirty="0"/>
+              <a:t>Type de prise			Dean / </a:t>
+            </a:r>
+            <a:r>
+              <a:rPr lang="fr-FR" dirty="0" err="1"/>
+              <a:t>Tplug</a:t>
+            </a:r>
+            <a:endParaRPr lang="fr-FR" dirty="0"/>
+          </a:p>
+          <a:p>
+            <a:pPr lvl="1"/>
+            <a:r>
+              <a:rPr lang="fr-FR" dirty="0"/>
+              <a:t>Prise Equilibrage		JST-XH</a:t>
+            </a:r>
+          </a:p>
+          <a:p>
+            <a:pPr lvl="1"/>
+            <a:r>
+              <a:rPr lang="fr-FR" b="1" dirty="0"/>
+              <a:t>Taux de Charge Max</a:t>
+            </a:r>
+            <a:r>
+              <a:rPr lang="fr-FR" dirty="0"/>
+              <a:t>		</a:t>
+            </a:r>
+            <a:r>
+              <a:rPr lang="fr-FR" b="1" dirty="0"/>
+              <a:t>2 (C)</a:t>
+            </a:r>
+          </a:p>
+          <a:p>
+            <a:pPr lvl="1"/>
+            <a:r>
+              <a:rPr lang="fr-FR" dirty="0"/>
+              <a:t>Nombre d'éléments		3 (S)</a:t>
+            </a:r>
+          </a:p>
+          <a:p>
+            <a:pPr lvl="1"/>
+            <a:endParaRPr lang="en-US" dirty="0"/>
           </a:p>
         </p:txBody>
       </p:sp>
     </p:spTree>
     <p:extLst>
       <p:ext uri="{BB962C8B-B14F-4D97-AF65-F5344CB8AC3E}">
-        <p14:creationId xmlns:p14="http://schemas.microsoft.com/office/powerpoint/2010/main" val="1519535062"/>
+        <p14:creationId xmlns:p14="http://schemas.microsoft.com/office/powerpoint/2010/main" val="550258717"/>
       </p:ext>
     </p:extLst>
   </p:cSld>
@@ -15823,7 +15890,7 @@
           <p:cNvPr id="2" name="Titre 1">
             <a:extLst>
               <a:ext uri="{FF2B5EF4-FFF2-40B4-BE49-F238E27FC236}">
-                <a16:creationId xmlns:a16="http://schemas.microsoft.com/office/drawing/2014/main" id="{8DDCDBDF-D8CC-44B1-A599-F6FD2A53CCC8}"/>
+                <a16:creationId xmlns:a16="http://schemas.microsoft.com/office/drawing/2014/main" id="{FE169B9C-4B88-49CF-996F-9AA43AAE11A7}"/>
               </a:ext>
             </a:extLst>
           </p:cNvPr>
@@ -15836,8 +15903,54 @@
         </p:nvSpPr>
         <p:spPr>
           <a:xfrm>
-            <a:off x="723900" y="190500"/>
-            <a:ext cx="10515600" cy="750888"/>
+            <a:off x="838200" y="365125"/>
+            <a:ext cx="10515600" cy="1325563"/>
+          </a:xfrm>
+        </p:spPr>
+        <p:txBody>
+          <a:bodyPr/>
+          <a:lstStyle/>
+          <a:p>
+            <a:r>
+              <a:rPr lang="en-US" dirty="0"/>
+              <a:t>Charger </a:t>
+            </a:r>
+            <a:r>
+              <a:rPr lang="en-US" dirty="0" err="1"/>
+              <a:t>Graupner</a:t>
+            </a:r>
+            <a:r>
+              <a:rPr lang="en-US" dirty="0"/>
+              <a:t> </a:t>
+            </a:r>
+            <a:r>
+              <a:rPr lang="en-US"/>
+              <a:t>ULTRAMAT 16</a:t>
+            </a:r>
+            <a:endParaRPr lang="en-US" dirty="0"/>
+          </a:p>
+        </p:txBody>
+      </p:sp>
+      <p:sp>
+        <p:nvSpPr>
+          <p:cNvPr id="3" name="Espace réservé du contenu 2">
+            <a:extLst>
+              <a:ext uri="{FF2B5EF4-FFF2-40B4-BE49-F238E27FC236}">
+                <a16:creationId xmlns:a16="http://schemas.microsoft.com/office/drawing/2014/main" id="{13BA1678-4CC9-4D81-80F5-03ACA87BD6C6}"/>
+              </a:ext>
+            </a:extLst>
+          </p:cNvPr>
+          <p:cNvSpPr>
+            <a:spLocks noGrp="1"/>
+          </p:cNvSpPr>
+          <p:nvPr>
+            <p:ph idx="1"/>
+          </p:nvPr>
+        </p:nvSpPr>
+        <p:spPr>
+          <a:xfrm>
+            <a:off x="838200" y="1509204"/>
+            <a:ext cx="10515600" cy="5093887"/>
           </a:xfrm>
         </p:spPr>
         <p:txBody>
@@ -15846,164 +15959,161 @@
           </a:bodyPr>
           <a:lstStyle/>
           <a:p>
+            <a:pPr marL="0" indent="0">
+              <a:buNone/>
+            </a:pPr>
             <a:r>
               <a:rPr lang="en-US" dirty="0"/>
-              <a:t>Configuration ESC (except ESC #3)</a:t>
-            </a:r>
-          </a:p>
-        </p:txBody>
-      </p:sp>
-      <p:pic>
-        <p:nvPicPr>
-          <p:cNvPr id="7" name="Espace réservé du contenu 6" descr="Une image contenant capture d’écran&#10;&#10;Description générée automatiquement">
-            <a:extLst>
-              <a:ext uri="{FF2B5EF4-FFF2-40B4-BE49-F238E27FC236}">
-                <a16:creationId xmlns:a16="http://schemas.microsoft.com/office/drawing/2014/main" id="{D191BEC6-1CC5-4DA4-87DC-43EB6B7ED225}"/>
-              </a:ext>
-            </a:extLst>
-          </p:cNvPr>
-          <p:cNvPicPr>
-            <a:picLocks noGrp="1" noChangeAspect="1"/>
-          </p:cNvPicPr>
-          <p:nvPr>
-            <p:ph idx="1"/>
-          </p:nvPr>
-        </p:nvPicPr>
-        <p:blipFill>
-          <a:blip r:embed="rId2">
-            <a:extLst>
-              <a:ext uri="{28A0092B-C50C-407E-A947-70E740481C1C}">
-                <a14:useLocalDpi xmlns:a14="http://schemas.microsoft.com/office/drawing/2010/main" val="0"/>
-              </a:ext>
-            </a:extLst>
-          </a:blip>
-          <a:stretch>
-            <a:fillRect/>
-          </a:stretch>
-        </p:blipFill>
-        <p:spPr>
-          <a:xfrm>
-            <a:off x="5217216" y="1849234"/>
-            <a:ext cx="6654987" cy="4351338"/>
-          </a:xfrm>
-        </p:spPr>
-      </p:pic>
-      <p:sp>
-        <p:nvSpPr>
-          <p:cNvPr id="3" name="ZoneTexte 2">
-            <a:extLst>
-              <a:ext uri="{FF2B5EF4-FFF2-40B4-BE49-F238E27FC236}">
-                <a16:creationId xmlns:a16="http://schemas.microsoft.com/office/drawing/2014/main" id="{352BF9D4-A34A-46F0-A9AE-2BB3D2B34A28}"/>
-              </a:ext>
-            </a:extLst>
-          </p:cNvPr>
-          <p:cNvSpPr txBox="1"/>
-          <p:nvPr/>
-        </p:nvSpPr>
-        <p:spPr>
-          <a:xfrm>
-            <a:off x="659455" y="1077575"/>
-            <a:ext cx="10808645" cy="2031325"/>
-          </a:xfrm>
-          <a:prstGeom prst="rect">
-            <a:avLst/>
-          </a:prstGeom>
-          <a:noFill/>
-        </p:spPr>
-        <p:txBody>
-          <a:bodyPr wrap="square" rtlCol="0">
-            <a:spAutoFit/>
-          </a:bodyPr>
-          <a:lstStyle/>
-          <a:p>
-            <a:pPr marL="285750" indent="-285750">
-              <a:buFont typeface="Arial" panose="020B0604020202020204" pitchFamily="34" charset="0"/>
-              <a:buChar char="•"/>
+              <a:t>Lithium batteries: </a:t>
+            </a:r>
+            <a:r>
+              <a:rPr lang="en-US" dirty="0" err="1"/>
+              <a:t>Lipo</a:t>
+            </a:r>
+            <a:r>
+              <a:rPr lang="en-US" dirty="0"/>
+              <a:t> (motors) and Lilo (Arduino)</a:t>
+            </a:r>
+          </a:p>
+          <a:p>
+            <a:pPr marL="457200" lvl="1" indent="0">
+              <a:buNone/>
             </a:pPr>
             <a:r>
               <a:rPr lang="en-US" dirty="0"/>
-              <a:t>Run BLHeliSuite16714901\</a:t>
+              <a:t>The max. charge voltage for </a:t>
+            </a:r>
+            <a:r>
+              <a:rPr lang="en-US" b="1" dirty="0"/>
+              <a:t>LiPo is 4.2V, </a:t>
+            </a:r>
+            <a:r>
+              <a:rPr lang="en-US" dirty="0"/>
+              <a:t>for </a:t>
+            </a:r>
+            <a:r>
+              <a:rPr lang="en-US" b="1" dirty="0" err="1"/>
+              <a:t>LiIo</a:t>
+            </a:r>
+            <a:r>
+              <a:rPr lang="en-US" b="1" dirty="0"/>
+              <a:t> 4.1V</a:t>
+            </a:r>
+            <a:r>
+              <a:rPr lang="en-US" dirty="0"/>
+              <a:t>, for </a:t>
             </a:r>
             <a:r>
               <a:rPr lang="en-US" dirty="0" err="1"/>
-              <a:t>BLHeliSuite</a:t>
-            </a:r>
+              <a:t>LiFe</a:t>
+            </a:r>
+            <a:r>
+              <a:rPr lang="en-US" dirty="0"/>
+              <a:t> 3.6V. To store the batteries, adjust the charge voltage about 0.4V lower as the maximum charge voltage</a:t>
+            </a:r>
+          </a:p>
+          <a:p>
+            <a:pPr marL="457200" lvl="1" indent="0">
+              <a:buNone/>
+            </a:pPr>
+            <a:r>
+              <a:rPr lang="en-US" dirty="0"/>
+              <a:t>At charging/discharging the battery types will be displayed as followed:</a:t>
+            </a:r>
+          </a:p>
+          <a:p>
+            <a:pPr marL="914400" lvl="2" indent="0">
+              <a:buNone/>
+            </a:pPr>
+            <a:r>
+              <a:rPr lang="en-US" dirty="0"/>
+              <a:t> LiPo (</a:t>
+            </a:r>
+            <a:r>
+              <a:rPr lang="en-US" dirty="0" err="1"/>
+              <a:t>LiMn</a:t>
+            </a:r>
+            <a:r>
+              <a:rPr lang="en-US" dirty="0"/>
+              <a:t>) = LP</a:t>
+            </a:r>
+          </a:p>
+          <a:p>
+            <a:pPr marL="914400" lvl="2" indent="0">
+              <a:buNone/>
+            </a:pPr>
+            <a:r>
+              <a:rPr lang="en-US" dirty="0"/>
+              <a:t> </a:t>
+            </a:r>
+            <a:r>
+              <a:rPr lang="en-US" dirty="0" err="1"/>
+              <a:t>LiIo</a:t>
+            </a:r>
+            <a:r>
+              <a:rPr lang="en-US" dirty="0"/>
+              <a:t> = LI</a:t>
+            </a:r>
+          </a:p>
+          <a:p>
+            <a:pPr marL="914400" lvl="2" indent="0">
+              <a:buNone/>
+            </a:pPr>
+            <a:r>
+              <a:rPr lang="en-US" dirty="0"/>
+              <a:t> </a:t>
+            </a:r>
+            <a:r>
+              <a:rPr lang="en-US" dirty="0" err="1"/>
+              <a:t>LiFe</a:t>
+            </a:r>
+            <a:r>
+              <a:rPr lang="en-US" dirty="0"/>
+              <a:t> = LF</a:t>
+            </a:r>
+            <a:endParaRPr lang="en-US" b="1" dirty="0"/>
+          </a:p>
+          <a:p>
+            <a:pPr marL="457200" lvl="1" indent="0">
+              <a:buNone/>
+            </a:pPr>
+            <a:r>
+              <a:rPr lang="en-US" dirty="0"/>
+              <a:t>Lithium batteries are usually charged at the 1C rate</a:t>
+            </a:r>
+          </a:p>
+          <a:p>
+            <a:pPr marL="457200" lvl="1" indent="0">
+              <a:buNone/>
+            </a:pPr>
+            <a:endParaRPr lang="en-US" b="1" dirty="0"/>
+          </a:p>
+          <a:p>
+            <a:pPr marL="0" indent="0">
+              <a:buNone/>
+            </a:pPr>
+            <a:r>
+              <a:rPr lang="en-US" dirty="0"/>
+              <a:t>Ni-MH batteries (RC transmitter)</a:t>
+            </a:r>
+            <a:endParaRPr lang="en-US" b="1" dirty="0"/>
+          </a:p>
+          <a:p>
+            <a:pPr lvl="1"/>
             <a:endParaRPr lang="en-US" dirty="0"/>
           </a:p>
           <a:p>
-            <a:pPr marL="285750" indent="-285750">
-              <a:buFont typeface="Arial" panose="020B0604020202020204" pitchFamily="34" charset="0"/>
-              <a:buChar char="•"/>
+            <a:pPr marL="457200" lvl="1" indent="0">
+              <a:buNone/>
             </a:pPr>
-            <a:r>
-              <a:rPr lang="en-US" dirty="0"/>
-              <a:t>Select SILABS </a:t>
-            </a:r>
-            <a:r>
-              <a:rPr lang="en-US" dirty="0" err="1"/>
-              <a:t>BLHeli</a:t>
-            </a:r>
-            <a:r>
-              <a:rPr lang="en-US" dirty="0"/>
-              <a:t> Bootloader (USB/Com) in tab ATMEL/SILABS Interface</a:t>
-            </a:r>
-          </a:p>
-          <a:p>
-            <a:pPr marL="285750" indent="-285750">
-              <a:buFont typeface="Arial" panose="020B0604020202020204" pitchFamily="34" charset="0"/>
-              <a:buChar char="•"/>
-            </a:pPr>
-            <a:r>
-              <a:rPr lang="en-US" dirty="0"/>
-              <a:t>Select port and baud 19200</a:t>
-            </a:r>
-          </a:p>
-          <a:p>
-            <a:pPr marL="285750" indent="-285750">
-              <a:buFont typeface="Arial" panose="020B0604020202020204" pitchFamily="34" charset="0"/>
-              <a:buChar char="•"/>
-            </a:pPr>
-            <a:r>
-              <a:rPr lang="en-US" dirty="0"/>
-              <a:t>Click on Connect</a:t>
-            </a:r>
-          </a:p>
-          <a:p>
-            <a:pPr marL="285750" indent="-285750">
-              <a:buFont typeface="Arial" panose="020B0604020202020204" pitchFamily="34" charset="0"/>
-              <a:buChar char="•"/>
-            </a:pPr>
-            <a:r>
-              <a:rPr lang="en-US" dirty="0"/>
-              <a:t>Click on  Read Setup</a:t>
-            </a:r>
-          </a:p>
-          <a:p>
-            <a:pPr marL="285750" indent="-285750">
-              <a:buFont typeface="Arial" panose="020B0604020202020204" pitchFamily="34" charset="0"/>
-              <a:buChar char="•"/>
-            </a:pPr>
-            <a:r>
-              <a:rPr lang="en-US" dirty="0"/>
-              <a:t>Make changes if needed</a:t>
-            </a:r>
-          </a:p>
-          <a:p>
-            <a:pPr marL="285750" indent="-285750">
-              <a:buFont typeface="Arial" panose="020B0604020202020204" pitchFamily="34" charset="0"/>
-              <a:buChar char="•"/>
-            </a:pPr>
-            <a:r>
-              <a:rPr lang="en-US" dirty="0"/>
-              <a:t>Click on Write Setup</a:t>
-            </a:r>
+            <a:endParaRPr lang="en-US" dirty="0"/>
           </a:p>
         </p:txBody>
       </p:sp>
     </p:spTree>
     <p:extLst>
       <p:ext uri="{BB962C8B-B14F-4D97-AF65-F5344CB8AC3E}">
-        <p14:creationId xmlns:p14="http://schemas.microsoft.com/office/powerpoint/2010/main" val="3332172527"/>
+        <p14:creationId xmlns:p14="http://schemas.microsoft.com/office/powerpoint/2010/main" val="2262939316"/>
       </p:ext>
     </p:extLst>
   </p:cSld>
@@ -16035,7 +16145,7 @@
           <p:cNvPr id="2" name="Titre 1">
             <a:extLst>
               <a:ext uri="{FF2B5EF4-FFF2-40B4-BE49-F238E27FC236}">
-                <a16:creationId xmlns:a16="http://schemas.microsoft.com/office/drawing/2014/main" id="{8DDCDBDF-D8CC-44B1-A599-F6FD2A53CCC8}"/>
+                <a16:creationId xmlns:a16="http://schemas.microsoft.com/office/drawing/2014/main" id="{FE169B9C-4B88-49CF-996F-9AA43AAE11A7}"/>
               </a:ext>
             </a:extLst>
           </p:cNvPr>
@@ -16048,189 +16158,176 @@
         </p:nvSpPr>
         <p:spPr>
           <a:xfrm>
-            <a:off x="723900" y="190500"/>
-            <a:ext cx="10515600" cy="750888"/>
+            <a:off x="838200" y="365125"/>
+            <a:ext cx="10515600" cy="1325563"/>
+          </a:xfrm>
+        </p:spPr>
+        <p:txBody>
+          <a:bodyPr/>
+          <a:lstStyle/>
+          <a:p>
+            <a:r>
+              <a:rPr lang="en-US" dirty="0"/>
+              <a:t>Receiver</a:t>
+            </a:r>
+          </a:p>
+        </p:txBody>
+      </p:sp>
+      <p:sp>
+        <p:nvSpPr>
+          <p:cNvPr id="3" name="Espace réservé du contenu 2">
+            <a:extLst>
+              <a:ext uri="{FF2B5EF4-FFF2-40B4-BE49-F238E27FC236}">
+                <a16:creationId xmlns:a16="http://schemas.microsoft.com/office/drawing/2014/main" id="{13BA1678-4CC9-4D81-80F5-03ACA87BD6C6}"/>
+              </a:ext>
+            </a:extLst>
+          </p:cNvPr>
+          <p:cNvSpPr>
+            <a:spLocks noGrp="1"/>
+          </p:cNvSpPr>
+          <p:nvPr>
+            <p:ph idx="1"/>
+          </p:nvPr>
+        </p:nvSpPr>
+        <p:spPr>
+          <a:xfrm>
+            <a:off x="838200" y="1509204"/>
+            <a:ext cx="10515600" cy="5093887"/>
           </a:xfrm>
         </p:spPr>
         <p:txBody>
           <a:bodyPr>
-            <a:normAutofit/>
+            <a:normAutofit fontScale="62500" lnSpcReduction="20000"/>
           </a:bodyPr>
           <a:lstStyle/>
           <a:p>
+            <a:pPr marL="0" indent="0">
+              <a:buNone/>
+            </a:pPr>
+            <a:r>
+              <a:rPr lang="en-US" b="1" dirty="0"/>
+              <a:t>Receiver </a:t>
+            </a:r>
+            <a:r>
+              <a:rPr lang="en-US" b="1" dirty="0" err="1"/>
+              <a:t>Henge</a:t>
+            </a:r>
+            <a:r>
+              <a:rPr lang="en-US" b="1" dirty="0"/>
+              <a:t> RP62L</a:t>
+            </a:r>
+          </a:p>
+          <a:p>
+            <a:pPr marL="0" indent="0">
+              <a:buNone/>
+            </a:pPr>
+            <a:endParaRPr lang="fr-FR" b="1" dirty="0"/>
+          </a:p>
+          <a:p>
+            <a:pPr marL="0" indent="0">
+              <a:buNone/>
+            </a:pPr>
+            <a:r>
+              <a:rPr lang="fr-FR" b="1" dirty="0"/>
+              <a:t>Spécifications:</a:t>
+            </a:r>
+          </a:p>
+          <a:p>
+            <a:r>
+              <a:rPr lang="fr-FR" dirty="0"/>
+              <a:t> </a:t>
+            </a:r>
             <a:r>
               <a:rPr lang="en-US" dirty="0"/>
-              <a:t>Configuration ESC #3</a:t>
-            </a:r>
-          </a:p>
-        </p:txBody>
-      </p:sp>
-      <p:pic>
-        <p:nvPicPr>
-          <p:cNvPr id="6" name="Espace réservé du contenu 5" descr="Une image contenant capture d’écran&#10;&#10;Description générée automatiquement">
-            <a:extLst>
-              <a:ext uri="{FF2B5EF4-FFF2-40B4-BE49-F238E27FC236}">
-                <a16:creationId xmlns:a16="http://schemas.microsoft.com/office/drawing/2014/main" id="{3F6EE8B9-853B-49EF-9F3D-B81A55DCC4EE}"/>
-              </a:ext>
-            </a:extLst>
-          </p:cNvPr>
-          <p:cNvPicPr>
-            <a:picLocks noGrp="1" noChangeAspect="1"/>
-          </p:cNvPicPr>
-          <p:nvPr>
-            <p:ph idx="1"/>
-          </p:nvPr>
-        </p:nvPicPr>
-        <p:blipFill>
-          <a:blip r:embed="rId2">
-            <a:extLst>
-              <a:ext uri="{28A0092B-C50C-407E-A947-70E740481C1C}">
-                <a14:useLocalDpi xmlns:a14="http://schemas.microsoft.com/office/drawing/2010/main" val="0"/>
-              </a:ext>
-            </a:extLst>
-          </a:blip>
-          <a:stretch>
-            <a:fillRect/>
-          </a:stretch>
-        </p:blipFill>
-        <p:spPr>
-          <a:xfrm>
-            <a:off x="2768506" y="1825625"/>
-            <a:ext cx="6654987" cy="4351338"/>
-          </a:xfrm>
-        </p:spPr>
-      </p:pic>
-      <p:sp>
-        <p:nvSpPr>
-          <p:cNvPr id="8" name="ZoneTexte 7">
-            <a:extLst>
-              <a:ext uri="{FF2B5EF4-FFF2-40B4-BE49-F238E27FC236}">
-                <a16:creationId xmlns:a16="http://schemas.microsoft.com/office/drawing/2014/main" id="{71AD99FA-65BF-446E-971A-B0D3A10C0E90}"/>
-              </a:ext>
-            </a:extLst>
-          </p:cNvPr>
-          <p:cNvSpPr txBox="1"/>
-          <p:nvPr/>
-        </p:nvSpPr>
-        <p:spPr>
-          <a:xfrm>
-            <a:off x="1906622" y="1060341"/>
-            <a:ext cx="7938263" cy="646331"/>
-          </a:xfrm>
-          <a:prstGeom prst="rect">
-            <a:avLst/>
-          </a:prstGeom>
-          <a:noFill/>
-        </p:spPr>
-        <p:txBody>
-          <a:bodyPr wrap="none" rtlCol="0">
-            <a:spAutoFit/>
-          </a:bodyPr>
-          <a:lstStyle/>
-          <a:p>
-            <a:r>
-              <a:rPr lang="fr-FR" dirty="0"/>
-              <a:t>The </a:t>
-            </a:r>
-            <a:r>
-              <a:rPr lang="fr-FR" dirty="0" err="1"/>
-              <a:t>only</a:t>
-            </a:r>
-            <a:r>
-              <a:rPr lang="fr-FR" dirty="0"/>
-              <a:t> </a:t>
-            </a:r>
-            <a:r>
-              <a:rPr lang="fr-FR" dirty="0" err="1"/>
-              <a:t>difference</a:t>
-            </a:r>
-            <a:r>
-              <a:rPr lang="fr-FR" dirty="0"/>
-              <a:t> </a:t>
-            </a:r>
-            <a:r>
-              <a:rPr lang="fr-FR" dirty="0" err="1"/>
-              <a:t>with</a:t>
-            </a:r>
-            <a:r>
-              <a:rPr lang="fr-FR" dirty="0"/>
-              <a:t> the </a:t>
-            </a:r>
-            <a:r>
-              <a:rPr lang="fr-FR" dirty="0" err="1"/>
-              <a:t>other</a:t>
-            </a:r>
-            <a:r>
-              <a:rPr lang="fr-FR" dirty="0"/>
-              <a:t> ESC </a:t>
-            </a:r>
-            <a:r>
-              <a:rPr lang="fr-FR" dirty="0" err="1"/>
-              <a:t>is</a:t>
-            </a:r>
-            <a:endParaRPr lang="fr-FR" dirty="0"/>
-          </a:p>
-          <a:p>
-            <a:r>
-              <a:rPr lang="fr-FR" dirty="0"/>
-              <a:t> Min PPM = </a:t>
-            </a:r>
-            <a:r>
-              <a:rPr lang="fr-FR" b="1" dirty="0"/>
-              <a:t>1156</a:t>
-            </a:r>
-            <a:r>
-              <a:rPr lang="fr-FR" dirty="0"/>
-              <a:t> </a:t>
-            </a:r>
-            <a:r>
-              <a:rPr lang="fr-FR" dirty="0" err="1"/>
-              <a:t>instead</a:t>
-            </a:r>
-            <a:r>
-              <a:rPr lang="fr-FR" dirty="0"/>
-              <a:t> of 1148 in </a:t>
-            </a:r>
-            <a:r>
-              <a:rPr lang="fr-FR" dirty="0" err="1"/>
-              <a:t>order</a:t>
-            </a:r>
-            <a:r>
-              <a:rPr lang="fr-FR" dirty="0"/>
-              <a:t> to stop the </a:t>
-            </a:r>
-            <a:r>
-              <a:rPr lang="fr-FR" dirty="0" err="1"/>
-              <a:t>motor</a:t>
-            </a:r>
-            <a:r>
-              <a:rPr lang="fr-FR" dirty="0"/>
-              <a:t> </a:t>
-            </a:r>
-            <a:r>
-              <a:rPr lang="fr-FR" dirty="0" err="1"/>
-              <a:t>when</a:t>
-            </a:r>
-            <a:r>
-              <a:rPr lang="fr-FR" dirty="0"/>
-              <a:t> the stick </a:t>
-            </a:r>
-            <a:r>
-              <a:rPr lang="fr-FR" dirty="0" err="1"/>
-              <a:t>is</a:t>
-            </a:r>
-            <a:r>
-              <a:rPr lang="fr-FR" dirty="0"/>
-              <a:t> down</a:t>
-            </a:r>
-            <a:endParaRPr lang="en-US" dirty="0"/>
+              <a:t>Size: 49x24x14mm</a:t>
+            </a:r>
+          </a:p>
+          <a:p>
+            <a:r>
+              <a:rPr lang="en-US" dirty="0"/>
+              <a:t>Weight: 9.2g (with shrink wrap)</a:t>
+            </a:r>
+          </a:p>
+          <a:p>
+            <a:r>
+              <a:rPr lang="en-US" dirty="0"/>
+              <a:t>Sensitivity: better than 2.0</a:t>
+            </a:r>
+            <a:r>
+              <a:rPr lang="el-GR" dirty="0"/>
+              <a:t>μ</a:t>
+            </a:r>
+            <a:r>
+              <a:rPr lang="en-US" dirty="0"/>
+              <a:t>V</a:t>
+            </a:r>
+          </a:p>
+          <a:p>
+            <a:r>
+              <a:rPr lang="en-US" dirty="0"/>
+              <a:t>Selectivity: ±8kHz at 65dB down</a:t>
+            </a:r>
+          </a:p>
+          <a:p>
+            <a:r>
+              <a:rPr lang="en-US" dirty="0"/>
+              <a:t>No. of channels: 1-6</a:t>
+            </a:r>
+          </a:p>
+          <a:p>
+            <a:r>
+              <a:rPr lang="en-US" dirty="0"/>
+              <a:t>RF technology: Dual tuned RF circuitry</a:t>
+            </a:r>
+          </a:p>
+          <a:p>
+            <a:r>
+              <a:rPr lang="en-US" dirty="0"/>
+              <a:t>Analog filtering: Dual 4 pole ceramic filter</a:t>
+            </a:r>
+          </a:p>
+          <a:p>
+            <a:r>
+              <a:rPr lang="en-US" dirty="0"/>
+              <a:t>Digital filtering: DSP filtering with mild algorithm</a:t>
+            </a:r>
+          </a:p>
+          <a:p>
+            <a:r>
+              <a:rPr lang="en-US" dirty="0"/>
+              <a:t>Modulation: FM/PPM</a:t>
+            </a:r>
+          </a:p>
+          <a:p>
+            <a:r>
+              <a:rPr lang="en-US" dirty="0"/>
+              <a:t>Shift polarity: Positive or Negative (auto detect)</a:t>
+            </a:r>
+          </a:p>
+          <a:p>
+            <a:r>
+              <a:rPr lang="en-US" dirty="0"/>
+              <a:t>Case: Shrink wrap</a:t>
+            </a:r>
+          </a:p>
+          <a:p>
+            <a:r>
+              <a:rPr lang="en-US" dirty="0"/>
+              <a:t>Operating Voltage: 4.8V~6.0VDC</a:t>
+            </a:r>
+          </a:p>
+          <a:p>
+            <a:r>
+              <a:rPr lang="en-US" dirty="0"/>
+              <a:t>Operating Current: 24mA.</a:t>
+            </a:r>
           </a:p>
         </p:txBody>
       </p:sp>
     </p:spTree>
     <p:extLst>
       <p:ext uri="{BB962C8B-B14F-4D97-AF65-F5344CB8AC3E}">
-        <p14:creationId xmlns:p14="http://schemas.microsoft.com/office/powerpoint/2010/main" val="2775998168"/>
+        <p14:creationId xmlns:p14="http://schemas.microsoft.com/office/powerpoint/2010/main" val="3245136954"/>
       </p:ext>
     </p:extLst>
   </p:cSld>
@@ -17352,343 +17449,9 @@
           <a:lstStyle/>
           <a:p>
             <a:r>
-              <a:rPr lang="en-US"/>
-              <a:t>Lipo</a:t>
-            </a:r>
-            <a:endParaRPr lang="en-US" dirty="0"/>
-          </a:p>
-        </p:txBody>
-      </p:sp>
-      <p:sp>
-        <p:nvSpPr>
-          <p:cNvPr id="3" name="Espace réservé du contenu 2">
-            <a:extLst>
-              <a:ext uri="{FF2B5EF4-FFF2-40B4-BE49-F238E27FC236}">
-                <a16:creationId xmlns:a16="http://schemas.microsoft.com/office/drawing/2014/main" id="{13BA1678-4CC9-4D81-80F5-03ACA87BD6C6}"/>
-              </a:ext>
-            </a:extLst>
-          </p:cNvPr>
-          <p:cNvSpPr>
-            <a:spLocks noGrp="1"/>
-          </p:cNvSpPr>
-          <p:nvPr>
-            <p:ph idx="1"/>
-          </p:nvPr>
-        </p:nvSpPr>
-        <p:spPr>
-          <a:xfrm>
-            <a:off x="838200" y="1509204"/>
-            <a:ext cx="10515600" cy="5093887"/>
-          </a:xfrm>
-        </p:spPr>
-        <p:txBody>
-          <a:bodyPr>
-            <a:normAutofit fontScale="62500" lnSpcReduction="20000"/>
-          </a:bodyPr>
-          <a:lstStyle/>
-          <a:p>
-            <a:pPr marL="0" indent="0">
-              <a:buNone/>
-            </a:pPr>
-            <a:r>
               <a:rPr lang="en-US" dirty="0"/>
-              <a:t>3S :3*3,7v =11,1v</a:t>
-            </a:r>
-          </a:p>
-          <a:p>
-            <a:pPr marL="0" indent="0">
-              <a:buNone/>
-            </a:pPr>
-            <a:endParaRPr lang="en-US" dirty="0"/>
-          </a:p>
-          <a:p>
-            <a:pPr marL="0" indent="0">
-              <a:buNone/>
-            </a:pPr>
-            <a:r>
-              <a:rPr lang="en-US" dirty="0"/>
-              <a:t>4 motors 17A =&gt; </a:t>
-            </a:r>
-            <a:r>
-              <a:rPr lang="en-US" b="1" dirty="0"/>
-              <a:t>68A </a:t>
-            </a:r>
-            <a:r>
-              <a:rPr lang="en-US" dirty="0"/>
-              <a:t>Max</a:t>
-            </a:r>
-          </a:p>
-          <a:p>
-            <a:pPr marL="0" indent="0">
-              <a:buNone/>
-            </a:pPr>
-            <a:endParaRPr lang="en-US" dirty="0"/>
-          </a:p>
-          <a:p>
-            <a:pPr marL="0" indent="0">
-              <a:buNone/>
-            </a:pPr>
-            <a:r>
-              <a:rPr lang="en-US" dirty="0"/>
-              <a:t>I have selected LiPo 3S </a:t>
-            </a:r>
-            <a:r>
-              <a:rPr lang="en-US" b="1" dirty="0"/>
-              <a:t>3000mA</a:t>
-            </a:r>
-            <a:r>
-              <a:rPr lang="en-US" dirty="0"/>
-              <a:t>h 11.1V </a:t>
-            </a:r>
-            <a:r>
-              <a:rPr lang="en-US" b="1" dirty="0"/>
-              <a:t>30C </a:t>
-            </a:r>
-            <a:r>
-              <a:rPr lang="en-US" dirty="0"/>
-              <a:t> not too much heavy with Max discharge = 3*30 = </a:t>
-            </a:r>
-            <a:r>
-              <a:rPr lang="en-US" b="1" dirty="0"/>
-              <a:t>90A</a:t>
-            </a:r>
-            <a:r>
-              <a:rPr lang="en-US" dirty="0"/>
-              <a:t> &gt; </a:t>
-            </a:r>
-            <a:r>
-              <a:rPr lang="en-US" b="1" dirty="0"/>
-              <a:t>68A</a:t>
-            </a:r>
-          </a:p>
-          <a:p>
-            <a:pPr lvl="1">
-              <a:buFont typeface="Symbol" panose="05050102010706020507" pitchFamily="18" charset="2"/>
-              <a:buChar char="Þ"/>
-            </a:pPr>
-            <a:endParaRPr lang="en-US" b="1" dirty="0"/>
-          </a:p>
-          <a:p>
-            <a:pPr marL="0" indent="0">
-              <a:buNone/>
-            </a:pPr>
-            <a:r>
-              <a:rPr lang="en-US" dirty="0"/>
-              <a:t>Specifications</a:t>
-            </a:r>
-          </a:p>
-          <a:p>
-            <a:pPr lvl="1"/>
-            <a:r>
-              <a:rPr lang="fr-FR" dirty="0"/>
-              <a:t>Type de la batterie		</a:t>
-            </a:r>
-            <a:r>
-              <a:rPr lang="fr-FR" dirty="0" err="1"/>
-              <a:t>LiPO</a:t>
-            </a:r>
-            <a:endParaRPr lang="fr-FR" dirty="0"/>
-          </a:p>
-          <a:p>
-            <a:pPr lvl="1"/>
-            <a:r>
-              <a:rPr lang="fr-FR" b="1" dirty="0"/>
-              <a:t>Capacité batterie</a:t>
-            </a:r>
-            <a:r>
-              <a:rPr lang="fr-FR" dirty="0"/>
-              <a:t>		</a:t>
-            </a:r>
-            <a:r>
-              <a:rPr lang="fr-FR" b="1" dirty="0"/>
-              <a:t>3300 (mAh)</a:t>
-            </a:r>
-          </a:p>
-          <a:p>
-            <a:pPr lvl="1"/>
-            <a:r>
-              <a:rPr lang="fr-FR" dirty="0"/>
-              <a:t>Voltage			11.1 (V)</a:t>
-            </a:r>
-          </a:p>
-          <a:p>
-            <a:pPr lvl="1"/>
-            <a:r>
-              <a:rPr lang="fr-FR" b="1" dirty="0"/>
-              <a:t>Courant décharge en continu</a:t>
-            </a:r>
-            <a:r>
-              <a:rPr lang="fr-FR" dirty="0"/>
-              <a:t>	</a:t>
-            </a:r>
-            <a:r>
-              <a:rPr lang="fr-FR" b="1" dirty="0"/>
-              <a:t>30 (C)</a:t>
-            </a:r>
-          </a:p>
-          <a:p>
-            <a:pPr lvl="1"/>
-            <a:r>
-              <a:rPr lang="fr-FR" dirty="0"/>
-              <a:t>Courant de décharge max		60 (C)</a:t>
-            </a:r>
-          </a:p>
-          <a:p>
-            <a:pPr lvl="1"/>
-            <a:r>
-              <a:rPr lang="fr-FR" b="1" dirty="0"/>
-              <a:t>Poids</a:t>
-            </a:r>
-            <a:r>
-              <a:rPr lang="fr-FR" dirty="0"/>
-              <a:t>			</a:t>
-            </a:r>
-            <a:r>
-              <a:rPr lang="fr-FR" b="1" dirty="0"/>
-              <a:t>182 (g)</a:t>
-            </a:r>
-          </a:p>
-          <a:p>
-            <a:pPr lvl="1"/>
-            <a:r>
-              <a:rPr lang="fr-FR" dirty="0"/>
-              <a:t>Longueur			103 (mm)</a:t>
-            </a:r>
-          </a:p>
-          <a:p>
-            <a:pPr lvl="1"/>
-            <a:r>
-              <a:rPr lang="fr-FR" dirty="0"/>
-              <a:t>Largeur			33 (mm)</a:t>
-            </a:r>
-          </a:p>
-          <a:p>
-            <a:pPr lvl="1"/>
-            <a:r>
-              <a:rPr lang="fr-FR" dirty="0"/>
-              <a:t>Hauteur			23 (mm)</a:t>
-            </a:r>
-          </a:p>
-          <a:p>
-            <a:pPr lvl="1"/>
-            <a:r>
-              <a:rPr lang="fr-FR" dirty="0"/>
-              <a:t>Type de prise			Dean / </a:t>
-            </a:r>
-            <a:r>
-              <a:rPr lang="fr-FR" dirty="0" err="1"/>
-              <a:t>Tplug</a:t>
-            </a:r>
-            <a:endParaRPr lang="fr-FR" dirty="0"/>
-          </a:p>
-          <a:p>
-            <a:pPr lvl="1"/>
-            <a:r>
-              <a:rPr lang="fr-FR" dirty="0"/>
-              <a:t>Prise Equilibrage		JST-XH</a:t>
-            </a:r>
-          </a:p>
-          <a:p>
-            <a:pPr lvl="1"/>
-            <a:r>
-              <a:rPr lang="fr-FR" b="1" dirty="0"/>
-              <a:t>Taux de Charge Max</a:t>
-            </a:r>
-            <a:r>
-              <a:rPr lang="fr-FR" dirty="0"/>
-              <a:t>		</a:t>
-            </a:r>
-            <a:r>
-              <a:rPr lang="fr-FR" b="1" dirty="0"/>
-              <a:t>2 (C)</a:t>
-            </a:r>
-          </a:p>
-          <a:p>
-            <a:pPr lvl="1"/>
-            <a:r>
-              <a:rPr lang="fr-FR" dirty="0"/>
-              <a:t>Nombre d'éléments		3 (S)</a:t>
-            </a:r>
-          </a:p>
-          <a:p>
-            <a:pPr lvl="1"/>
-            <a:endParaRPr lang="en-US" dirty="0"/>
-          </a:p>
-        </p:txBody>
-      </p:sp>
-    </p:spTree>
-    <p:extLst>
-      <p:ext uri="{BB962C8B-B14F-4D97-AF65-F5344CB8AC3E}">
-        <p14:creationId xmlns:p14="http://schemas.microsoft.com/office/powerpoint/2010/main" val="550258717"/>
-      </p:ext>
-    </p:extLst>
-  </p:cSld>
-  <p:clrMapOvr>
-    <a:masterClrMapping/>
-  </p:clrMapOvr>
-</p:sld>
-</file>
-
-<file path=ppt/slides/slide21.xml><?xml version="1.0" encoding="utf-8"?>
-<p:sld xmlns:a="http://schemas.openxmlformats.org/drawingml/2006/main" xmlns:r="http://schemas.openxmlformats.org/officeDocument/2006/relationships" xmlns:p="http://schemas.openxmlformats.org/presentationml/2006/main">
-  <p:cSld>
-    <p:spTree>
-      <p:nvGrpSpPr>
-        <p:cNvPr id="1" name=""/>
-        <p:cNvGrpSpPr/>
-        <p:nvPr/>
-      </p:nvGrpSpPr>
-      <p:grpSpPr>
-        <a:xfrm>
-          <a:off x="0" y="0"/>
-          <a:ext cx="0" cy="0"/>
-          <a:chOff x="0" y="0"/>
-          <a:chExt cx="0" cy="0"/>
-        </a:xfrm>
-      </p:grpSpPr>
-      <p:sp>
-        <p:nvSpPr>
-          <p:cNvPr id="2" name="Titre 1">
-            <a:extLst>
-              <a:ext uri="{FF2B5EF4-FFF2-40B4-BE49-F238E27FC236}">
-                <a16:creationId xmlns:a16="http://schemas.microsoft.com/office/drawing/2014/main" id="{FE169B9C-4B88-49CF-996F-9AA43AAE11A7}"/>
-              </a:ext>
-            </a:extLst>
-          </p:cNvPr>
-          <p:cNvSpPr>
-            <a:spLocks noGrp="1"/>
-          </p:cNvSpPr>
-          <p:nvPr>
-            <p:ph type="title"/>
-          </p:nvPr>
-        </p:nvSpPr>
-        <p:spPr>
-          <a:xfrm>
-            <a:off x="838200" y="365125"/>
-            <a:ext cx="10515600" cy="1325563"/>
-          </a:xfrm>
-        </p:spPr>
-        <p:txBody>
-          <a:bodyPr/>
-          <a:lstStyle/>
-          <a:p>
-            <a:r>
-              <a:rPr lang="en-US" dirty="0"/>
-              <a:t>Charger </a:t>
-            </a:r>
-            <a:r>
-              <a:rPr lang="en-US" dirty="0" err="1"/>
-              <a:t>Graupner</a:t>
-            </a:r>
-            <a:r>
-              <a:rPr lang="en-US" dirty="0"/>
-              <a:t> </a:t>
-            </a:r>
-            <a:r>
-              <a:rPr lang="en-US"/>
-              <a:t>ULTRAMAT 16</a:t>
-            </a:r>
-            <a:endParaRPr lang="en-US" dirty="0"/>
+              <a:t>Frame</a:t>
+            </a:r>
           </a:p>
         </p:txBody>
       </p:sp>
@@ -17724,462 +17487,6 @@
               <a:buNone/>
             </a:pPr>
             <a:r>
-              <a:rPr lang="en-US" dirty="0"/>
-              <a:t>Lithium batteries: </a:t>
-            </a:r>
-            <a:r>
-              <a:rPr lang="en-US" dirty="0" err="1"/>
-              <a:t>Lipo</a:t>
-            </a:r>
-            <a:r>
-              <a:rPr lang="en-US" dirty="0"/>
-              <a:t> (motors) and Lilo (Arduino)</a:t>
-            </a:r>
-          </a:p>
-          <a:p>
-            <a:pPr marL="457200" lvl="1" indent="0">
-              <a:buNone/>
-            </a:pPr>
-            <a:r>
-              <a:rPr lang="en-US" dirty="0"/>
-              <a:t>The max. charge voltage for </a:t>
-            </a:r>
-            <a:r>
-              <a:rPr lang="en-US" b="1" dirty="0"/>
-              <a:t>LiPo is 4.2V, </a:t>
-            </a:r>
-            <a:r>
-              <a:rPr lang="en-US" dirty="0"/>
-              <a:t>for </a:t>
-            </a:r>
-            <a:r>
-              <a:rPr lang="en-US" b="1" dirty="0" err="1"/>
-              <a:t>LiIo</a:t>
-            </a:r>
-            <a:r>
-              <a:rPr lang="en-US" b="1" dirty="0"/>
-              <a:t> 4.1V</a:t>
-            </a:r>
-            <a:r>
-              <a:rPr lang="en-US" dirty="0"/>
-              <a:t>, for </a:t>
-            </a:r>
-            <a:r>
-              <a:rPr lang="en-US" dirty="0" err="1"/>
-              <a:t>LiFe</a:t>
-            </a:r>
-            <a:r>
-              <a:rPr lang="en-US" dirty="0"/>
-              <a:t> 3.6V. To store the batteries, adjust the charge voltage about 0.4V lower as the maximum charge voltage</a:t>
-            </a:r>
-          </a:p>
-          <a:p>
-            <a:pPr marL="457200" lvl="1" indent="0">
-              <a:buNone/>
-            </a:pPr>
-            <a:r>
-              <a:rPr lang="en-US" dirty="0"/>
-              <a:t>At charging/discharging the battery types will be displayed as followed:</a:t>
-            </a:r>
-          </a:p>
-          <a:p>
-            <a:pPr marL="914400" lvl="2" indent="0">
-              <a:buNone/>
-            </a:pPr>
-            <a:r>
-              <a:rPr lang="en-US" dirty="0"/>
-              <a:t> LiPo (</a:t>
-            </a:r>
-            <a:r>
-              <a:rPr lang="en-US" dirty="0" err="1"/>
-              <a:t>LiMn</a:t>
-            </a:r>
-            <a:r>
-              <a:rPr lang="en-US" dirty="0"/>
-              <a:t>) = LP</a:t>
-            </a:r>
-          </a:p>
-          <a:p>
-            <a:pPr marL="914400" lvl="2" indent="0">
-              <a:buNone/>
-            </a:pPr>
-            <a:r>
-              <a:rPr lang="en-US" dirty="0"/>
-              <a:t> </a:t>
-            </a:r>
-            <a:r>
-              <a:rPr lang="en-US" dirty="0" err="1"/>
-              <a:t>LiIo</a:t>
-            </a:r>
-            <a:r>
-              <a:rPr lang="en-US" dirty="0"/>
-              <a:t> = LI</a:t>
-            </a:r>
-          </a:p>
-          <a:p>
-            <a:pPr marL="914400" lvl="2" indent="0">
-              <a:buNone/>
-            </a:pPr>
-            <a:r>
-              <a:rPr lang="en-US" dirty="0"/>
-              <a:t> </a:t>
-            </a:r>
-            <a:r>
-              <a:rPr lang="en-US" dirty="0" err="1"/>
-              <a:t>LiFe</a:t>
-            </a:r>
-            <a:r>
-              <a:rPr lang="en-US" dirty="0"/>
-              <a:t> = LF</a:t>
-            </a:r>
-            <a:endParaRPr lang="en-US" b="1" dirty="0"/>
-          </a:p>
-          <a:p>
-            <a:pPr marL="457200" lvl="1" indent="0">
-              <a:buNone/>
-            </a:pPr>
-            <a:r>
-              <a:rPr lang="en-US" dirty="0"/>
-              <a:t>Lithium batteries are usually charged at the 1C rate</a:t>
-            </a:r>
-          </a:p>
-          <a:p>
-            <a:pPr marL="457200" lvl="1" indent="0">
-              <a:buNone/>
-            </a:pPr>
-            <a:endParaRPr lang="en-US" b="1" dirty="0"/>
-          </a:p>
-          <a:p>
-            <a:pPr marL="0" indent="0">
-              <a:buNone/>
-            </a:pPr>
-            <a:r>
-              <a:rPr lang="en-US" dirty="0"/>
-              <a:t>Ni-MH batteries (RC transmitter)</a:t>
-            </a:r>
-            <a:endParaRPr lang="en-US" b="1" dirty="0"/>
-          </a:p>
-          <a:p>
-            <a:pPr lvl="1"/>
-            <a:endParaRPr lang="en-US" dirty="0"/>
-          </a:p>
-          <a:p>
-            <a:pPr marL="457200" lvl="1" indent="0">
-              <a:buNone/>
-            </a:pPr>
-            <a:endParaRPr lang="en-US" dirty="0"/>
-          </a:p>
-        </p:txBody>
-      </p:sp>
-    </p:spTree>
-    <p:extLst>
-      <p:ext uri="{BB962C8B-B14F-4D97-AF65-F5344CB8AC3E}">
-        <p14:creationId xmlns:p14="http://schemas.microsoft.com/office/powerpoint/2010/main" val="2262939316"/>
-      </p:ext>
-    </p:extLst>
-  </p:cSld>
-  <p:clrMapOvr>
-    <a:masterClrMapping/>
-  </p:clrMapOvr>
-</p:sld>
-</file>
-
-<file path=ppt/slides/slide22.xml><?xml version="1.0" encoding="utf-8"?>
-<p:sld xmlns:a="http://schemas.openxmlformats.org/drawingml/2006/main" xmlns:r="http://schemas.openxmlformats.org/officeDocument/2006/relationships" xmlns:p="http://schemas.openxmlformats.org/presentationml/2006/main">
-  <p:cSld>
-    <p:spTree>
-      <p:nvGrpSpPr>
-        <p:cNvPr id="1" name=""/>
-        <p:cNvGrpSpPr/>
-        <p:nvPr/>
-      </p:nvGrpSpPr>
-      <p:grpSpPr>
-        <a:xfrm>
-          <a:off x="0" y="0"/>
-          <a:ext cx="0" cy="0"/>
-          <a:chOff x="0" y="0"/>
-          <a:chExt cx="0" cy="0"/>
-        </a:xfrm>
-      </p:grpSpPr>
-      <p:sp>
-        <p:nvSpPr>
-          <p:cNvPr id="2" name="Titre 1">
-            <a:extLst>
-              <a:ext uri="{FF2B5EF4-FFF2-40B4-BE49-F238E27FC236}">
-                <a16:creationId xmlns:a16="http://schemas.microsoft.com/office/drawing/2014/main" id="{FE169B9C-4B88-49CF-996F-9AA43AAE11A7}"/>
-              </a:ext>
-            </a:extLst>
-          </p:cNvPr>
-          <p:cNvSpPr>
-            <a:spLocks noGrp="1"/>
-          </p:cNvSpPr>
-          <p:nvPr>
-            <p:ph type="title"/>
-          </p:nvPr>
-        </p:nvSpPr>
-        <p:spPr>
-          <a:xfrm>
-            <a:off x="838200" y="365125"/>
-            <a:ext cx="10515600" cy="1325563"/>
-          </a:xfrm>
-        </p:spPr>
-        <p:txBody>
-          <a:bodyPr/>
-          <a:lstStyle/>
-          <a:p>
-            <a:r>
-              <a:rPr lang="en-US" dirty="0"/>
-              <a:t>Receiver</a:t>
-            </a:r>
-          </a:p>
-        </p:txBody>
-      </p:sp>
-      <p:sp>
-        <p:nvSpPr>
-          <p:cNvPr id="3" name="Espace réservé du contenu 2">
-            <a:extLst>
-              <a:ext uri="{FF2B5EF4-FFF2-40B4-BE49-F238E27FC236}">
-                <a16:creationId xmlns:a16="http://schemas.microsoft.com/office/drawing/2014/main" id="{13BA1678-4CC9-4D81-80F5-03ACA87BD6C6}"/>
-              </a:ext>
-            </a:extLst>
-          </p:cNvPr>
-          <p:cNvSpPr>
-            <a:spLocks noGrp="1"/>
-          </p:cNvSpPr>
-          <p:nvPr>
-            <p:ph idx="1"/>
-          </p:nvPr>
-        </p:nvSpPr>
-        <p:spPr>
-          <a:xfrm>
-            <a:off x="838200" y="1509204"/>
-            <a:ext cx="10515600" cy="5093887"/>
-          </a:xfrm>
-        </p:spPr>
-        <p:txBody>
-          <a:bodyPr>
-            <a:normAutofit fontScale="62500" lnSpcReduction="20000"/>
-          </a:bodyPr>
-          <a:lstStyle/>
-          <a:p>
-            <a:pPr marL="0" indent="0">
-              <a:buNone/>
-            </a:pPr>
-            <a:r>
-              <a:rPr lang="en-US" b="1" dirty="0"/>
-              <a:t>Receiver </a:t>
-            </a:r>
-            <a:r>
-              <a:rPr lang="en-US" b="1" dirty="0" err="1"/>
-              <a:t>Henge</a:t>
-            </a:r>
-            <a:r>
-              <a:rPr lang="en-US" b="1" dirty="0"/>
-              <a:t> RP62L</a:t>
-            </a:r>
-          </a:p>
-          <a:p>
-            <a:pPr marL="0" indent="0">
-              <a:buNone/>
-            </a:pPr>
-            <a:endParaRPr lang="fr-FR" b="1" dirty="0"/>
-          </a:p>
-          <a:p>
-            <a:pPr marL="0" indent="0">
-              <a:buNone/>
-            </a:pPr>
-            <a:r>
-              <a:rPr lang="fr-FR" b="1" dirty="0"/>
-              <a:t>Spécifications:</a:t>
-            </a:r>
-          </a:p>
-          <a:p>
-            <a:r>
-              <a:rPr lang="fr-FR" dirty="0"/>
-              <a:t> </a:t>
-            </a:r>
-            <a:r>
-              <a:rPr lang="en-US" dirty="0"/>
-              <a:t>Size: 49x24x14mm</a:t>
-            </a:r>
-          </a:p>
-          <a:p>
-            <a:r>
-              <a:rPr lang="en-US" dirty="0"/>
-              <a:t>Weight: 9.2g (with shrink wrap)</a:t>
-            </a:r>
-          </a:p>
-          <a:p>
-            <a:r>
-              <a:rPr lang="en-US" dirty="0"/>
-              <a:t>Sensitivity: better than 2.0</a:t>
-            </a:r>
-            <a:r>
-              <a:rPr lang="el-GR" dirty="0"/>
-              <a:t>μ</a:t>
-            </a:r>
-            <a:r>
-              <a:rPr lang="en-US" dirty="0"/>
-              <a:t>V</a:t>
-            </a:r>
-          </a:p>
-          <a:p>
-            <a:r>
-              <a:rPr lang="en-US" dirty="0"/>
-              <a:t>Selectivity: ±8kHz at 65dB down</a:t>
-            </a:r>
-          </a:p>
-          <a:p>
-            <a:r>
-              <a:rPr lang="en-US" dirty="0"/>
-              <a:t>No. of channels: 1-6</a:t>
-            </a:r>
-          </a:p>
-          <a:p>
-            <a:r>
-              <a:rPr lang="en-US" dirty="0"/>
-              <a:t>RF technology: Dual tuned RF circuitry</a:t>
-            </a:r>
-          </a:p>
-          <a:p>
-            <a:r>
-              <a:rPr lang="en-US" dirty="0"/>
-              <a:t>Analog filtering: Dual 4 pole ceramic filter</a:t>
-            </a:r>
-          </a:p>
-          <a:p>
-            <a:r>
-              <a:rPr lang="en-US" dirty="0"/>
-              <a:t>Digital filtering: DSP filtering with mild algorithm</a:t>
-            </a:r>
-          </a:p>
-          <a:p>
-            <a:r>
-              <a:rPr lang="en-US" dirty="0"/>
-              <a:t>Modulation: FM/PPM</a:t>
-            </a:r>
-          </a:p>
-          <a:p>
-            <a:r>
-              <a:rPr lang="en-US" dirty="0"/>
-              <a:t>Shift polarity: Positive or Negative (auto detect)</a:t>
-            </a:r>
-          </a:p>
-          <a:p>
-            <a:r>
-              <a:rPr lang="en-US" dirty="0"/>
-              <a:t>Case: Shrink wrap</a:t>
-            </a:r>
-          </a:p>
-          <a:p>
-            <a:r>
-              <a:rPr lang="en-US" dirty="0"/>
-              <a:t>Operating Voltage: 4.8V~6.0VDC</a:t>
-            </a:r>
-          </a:p>
-          <a:p>
-            <a:r>
-              <a:rPr lang="en-US" dirty="0"/>
-              <a:t>Operating Current: 24mA.</a:t>
-            </a:r>
-          </a:p>
-        </p:txBody>
-      </p:sp>
-    </p:spTree>
-    <p:extLst>
-      <p:ext uri="{BB962C8B-B14F-4D97-AF65-F5344CB8AC3E}">
-        <p14:creationId xmlns:p14="http://schemas.microsoft.com/office/powerpoint/2010/main" val="3245136954"/>
-      </p:ext>
-    </p:extLst>
-  </p:cSld>
-  <p:clrMapOvr>
-    <a:masterClrMapping/>
-  </p:clrMapOvr>
-</p:sld>
-</file>
-
-<file path=ppt/slides/slide23.xml><?xml version="1.0" encoding="utf-8"?>
-<p:sld xmlns:a="http://schemas.openxmlformats.org/drawingml/2006/main" xmlns:r="http://schemas.openxmlformats.org/officeDocument/2006/relationships" xmlns:p="http://schemas.openxmlformats.org/presentationml/2006/main">
-  <p:cSld>
-    <p:spTree>
-      <p:nvGrpSpPr>
-        <p:cNvPr id="1" name=""/>
-        <p:cNvGrpSpPr/>
-        <p:nvPr/>
-      </p:nvGrpSpPr>
-      <p:grpSpPr>
-        <a:xfrm>
-          <a:off x="0" y="0"/>
-          <a:ext cx="0" cy="0"/>
-          <a:chOff x="0" y="0"/>
-          <a:chExt cx="0" cy="0"/>
-        </a:xfrm>
-      </p:grpSpPr>
-      <p:sp>
-        <p:nvSpPr>
-          <p:cNvPr id="2" name="Titre 1">
-            <a:extLst>
-              <a:ext uri="{FF2B5EF4-FFF2-40B4-BE49-F238E27FC236}">
-                <a16:creationId xmlns:a16="http://schemas.microsoft.com/office/drawing/2014/main" id="{FE169B9C-4B88-49CF-996F-9AA43AAE11A7}"/>
-              </a:ext>
-            </a:extLst>
-          </p:cNvPr>
-          <p:cNvSpPr>
-            <a:spLocks noGrp="1"/>
-          </p:cNvSpPr>
-          <p:nvPr>
-            <p:ph type="title"/>
-          </p:nvPr>
-        </p:nvSpPr>
-        <p:spPr>
-          <a:xfrm>
-            <a:off x="838200" y="365125"/>
-            <a:ext cx="10515600" cy="1325563"/>
-          </a:xfrm>
-        </p:spPr>
-        <p:txBody>
-          <a:bodyPr/>
-          <a:lstStyle/>
-          <a:p>
-            <a:r>
-              <a:rPr lang="en-US" dirty="0"/>
-              <a:t>Frame</a:t>
-            </a:r>
-          </a:p>
-        </p:txBody>
-      </p:sp>
-      <p:sp>
-        <p:nvSpPr>
-          <p:cNvPr id="3" name="Espace réservé du contenu 2">
-            <a:extLst>
-              <a:ext uri="{FF2B5EF4-FFF2-40B4-BE49-F238E27FC236}">
-                <a16:creationId xmlns:a16="http://schemas.microsoft.com/office/drawing/2014/main" id="{13BA1678-4CC9-4D81-80F5-03ACA87BD6C6}"/>
-              </a:ext>
-            </a:extLst>
-          </p:cNvPr>
-          <p:cNvSpPr>
-            <a:spLocks noGrp="1"/>
-          </p:cNvSpPr>
-          <p:nvPr>
-            <p:ph idx="1"/>
-          </p:nvPr>
-        </p:nvSpPr>
-        <p:spPr>
-          <a:xfrm>
-            <a:off x="838200" y="1509204"/>
-            <a:ext cx="10515600" cy="5093887"/>
-          </a:xfrm>
-        </p:spPr>
-        <p:txBody>
-          <a:bodyPr>
-            <a:normAutofit/>
-          </a:bodyPr>
-          <a:lstStyle/>
-          <a:p>
-            <a:pPr marL="0" indent="0">
-              <a:buNone/>
-            </a:pPr>
-            <a:r>
               <a:rPr lang="fr-FR" b="1" dirty="0" err="1"/>
               <a:t>HobbyKing</a:t>
             </a:r>
@@ -18332,7 +17639,7 @@
 </p:sld>
 </file>
 
-<file path=ppt/slides/slide24.xml><?xml version="1.0" encoding="utf-8"?>
+<file path=ppt/slides/slide21.xml><?xml version="1.0" encoding="utf-8"?>
 <p:sld xmlns:a="http://schemas.openxmlformats.org/drawingml/2006/main" xmlns:r="http://schemas.openxmlformats.org/officeDocument/2006/relationships" xmlns:p="http://schemas.openxmlformats.org/presentationml/2006/main">
   <p:cSld>
     <p:spTree>

--- a/libraries/Diagramm Drone.pptx
+++ b/libraries/Diagramm Drone.pptx
@@ -3731,7 +3731,7 @@
           <a:p>
             <a:fld id="{0717AEF8-1597-4679-8926-916E82E12B07}" type="datetimeFigureOut">
               <a:rPr lang="fr-FR" smtClean="0"/>
-              <a:t>22/10/2019</a:t>
+              <a:t>24/10/2019</a:t>
             </a:fld>
             <a:endParaRPr lang="fr-FR"/>
           </a:p>
@@ -3929,7 +3929,7 @@
           <a:p>
             <a:fld id="{0717AEF8-1597-4679-8926-916E82E12B07}" type="datetimeFigureOut">
               <a:rPr lang="fr-FR" smtClean="0"/>
-              <a:t>22/10/2019</a:t>
+              <a:t>24/10/2019</a:t>
             </a:fld>
             <a:endParaRPr lang="fr-FR"/>
           </a:p>
@@ -4137,7 +4137,7 @@
           <a:p>
             <a:fld id="{0717AEF8-1597-4679-8926-916E82E12B07}" type="datetimeFigureOut">
               <a:rPr lang="fr-FR" smtClean="0"/>
-              <a:t>22/10/2019</a:t>
+              <a:t>24/10/2019</a:t>
             </a:fld>
             <a:endParaRPr lang="fr-FR"/>
           </a:p>
@@ -4335,7 +4335,7 @@
           <a:p>
             <a:fld id="{0717AEF8-1597-4679-8926-916E82E12B07}" type="datetimeFigureOut">
               <a:rPr lang="fr-FR" smtClean="0"/>
-              <a:t>22/10/2019</a:t>
+              <a:t>24/10/2019</a:t>
             </a:fld>
             <a:endParaRPr lang="fr-FR"/>
           </a:p>
@@ -4610,7 +4610,7 @@
           <a:p>
             <a:fld id="{0717AEF8-1597-4679-8926-916E82E12B07}" type="datetimeFigureOut">
               <a:rPr lang="fr-FR" smtClean="0"/>
-              <a:t>22/10/2019</a:t>
+              <a:t>24/10/2019</a:t>
             </a:fld>
             <a:endParaRPr lang="fr-FR"/>
           </a:p>
@@ -4875,7 +4875,7 @@
           <a:p>
             <a:fld id="{0717AEF8-1597-4679-8926-916E82E12B07}" type="datetimeFigureOut">
               <a:rPr lang="fr-FR" smtClean="0"/>
-              <a:t>22/10/2019</a:t>
+              <a:t>24/10/2019</a:t>
             </a:fld>
             <a:endParaRPr lang="fr-FR"/>
           </a:p>
@@ -5287,7 +5287,7 @@
           <a:p>
             <a:fld id="{0717AEF8-1597-4679-8926-916E82E12B07}" type="datetimeFigureOut">
               <a:rPr lang="fr-FR" smtClean="0"/>
-              <a:t>22/10/2019</a:t>
+              <a:t>24/10/2019</a:t>
             </a:fld>
             <a:endParaRPr lang="fr-FR"/>
           </a:p>
@@ -5428,7 +5428,7 @@
           <a:p>
             <a:fld id="{0717AEF8-1597-4679-8926-916E82E12B07}" type="datetimeFigureOut">
               <a:rPr lang="fr-FR" smtClean="0"/>
-              <a:t>22/10/2019</a:t>
+              <a:t>24/10/2019</a:t>
             </a:fld>
             <a:endParaRPr lang="fr-FR"/>
           </a:p>
@@ -5541,7 +5541,7 @@
           <a:p>
             <a:fld id="{0717AEF8-1597-4679-8926-916E82E12B07}" type="datetimeFigureOut">
               <a:rPr lang="fr-FR" smtClean="0"/>
-              <a:t>22/10/2019</a:t>
+              <a:t>24/10/2019</a:t>
             </a:fld>
             <a:endParaRPr lang="fr-FR"/>
           </a:p>
@@ -5852,7 +5852,7 @@
           <a:p>
             <a:fld id="{0717AEF8-1597-4679-8926-916E82E12B07}" type="datetimeFigureOut">
               <a:rPr lang="fr-FR" smtClean="0"/>
-              <a:t>22/10/2019</a:t>
+              <a:t>24/10/2019</a:t>
             </a:fld>
             <a:endParaRPr lang="fr-FR"/>
           </a:p>
@@ -6140,7 +6140,7 @@
           <a:p>
             <a:fld id="{0717AEF8-1597-4679-8926-916E82E12B07}" type="datetimeFigureOut">
               <a:rPr lang="fr-FR" smtClean="0"/>
-              <a:t>22/10/2019</a:t>
+              <a:t>24/10/2019</a:t>
             </a:fld>
             <a:endParaRPr lang="fr-FR"/>
           </a:p>
@@ -6381,7 +6381,7 @@
           <a:p>
             <a:fld id="{0717AEF8-1597-4679-8926-916E82E12B07}" type="datetimeFigureOut">
               <a:rPr lang="fr-FR" smtClean="0"/>
-              <a:t>22/10/2019</a:t>
+              <a:t>24/10/2019</a:t>
             </a:fld>
             <a:endParaRPr lang="fr-FR"/>
           </a:p>
@@ -16405,7 +16405,7 @@
             <p:ph idx="1"/>
             <p:extLst>
               <p:ext uri="{D42A27DB-BD31-4B8C-83A1-F6EECF244321}">
-                <p14:modId xmlns:p14="http://schemas.microsoft.com/office/powerpoint/2010/main" val="1461351312"/>
+                <p14:modId xmlns:p14="http://schemas.microsoft.com/office/powerpoint/2010/main" val="460166894"/>
               </p:ext>
             </p:extLst>
           </p:nvPr>
@@ -17019,7 +17019,7 @@
                       </a:pPr>
                       <a:r>
                         <a:rPr lang="en-US" noProof="0" dirty="0"/>
-                        <a:t>PWM using servo lib pin 5</a:t>
+                        <a:t>PWM using servo lib pin 5 - Timer5</a:t>
                       </a:r>
                     </a:p>
                   </a:txBody>
@@ -17138,7 +17138,7 @@
                       </a:pPr>
                       <a:r>
                         <a:rPr lang="en-US" noProof="0" dirty="0"/>
-                        <a:t>PWM using servo lib pin 6</a:t>
+                        <a:t>PWM using servo lib pin 6 - Timer5</a:t>
                       </a:r>
                     </a:p>
                   </a:txBody>
@@ -17257,7 +17257,7 @@
                       </a:pPr>
                       <a:r>
                         <a:rPr lang="en-US" noProof="0" dirty="0"/>
-                        <a:t>PWM using servo lib pin 7</a:t>
+                        <a:t>PWM using servo lib pin 7 - Timer5</a:t>
                       </a:r>
                     </a:p>
                   </a:txBody>
@@ -17376,7 +17376,7 @@
                       </a:pPr>
                       <a:r>
                         <a:rPr lang="en-US" noProof="0" dirty="0"/>
-                        <a:t>PWM using servo lib pin 8</a:t>
+                        <a:t>PWM using servo lib pin 8 - Timer5</a:t>
                       </a:r>
                     </a:p>
                   </a:txBody>
@@ -17989,7 +17989,7 @@
             <p:ph idx="1"/>
             <p:extLst>
               <p:ext uri="{D42A27DB-BD31-4B8C-83A1-F6EECF244321}">
-                <p14:modId xmlns:p14="http://schemas.microsoft.com/office/powerpoint/2010/main" val="1041359360"/>
+                <p14:modId xmlns:p14="http://schemas.microsoft.com/office/powerpoint/2010/main" val="2460161089"/>
               </p:ext>
             </p:extLst>
           </p:nvPr>
@@ -18132,7 +18132,7 @@
                     <a:p>
                       <a:r>
                         <a:rPr lang="en-US" noProof="0" dirty="0"/>
-                        <a:t>I2C 0X60</a:t>
+                        <a:t>I2C 0x60</a:t>
                       </a:r>
                     </a:p>
                   </a:txBody>
@@ -19352,16 +19352,48 @@
             <p:ph type="title"/>
           </p:nvPr>
         </p:nvSpPr>
-        <p:spPr/>
+        <p:spPr>
+          <a:xfrm>
+            <a:off x="838200" y="589243"/>
+            <a:ext cx="10515600" cy="1409887"/>
+          </a:xfrm>
+        </p:spPr>
         <p:txBody>
-          <a:bodyPr/>
+          <a:bodyPr>
+            <a:normAutofit fontScale="90000"/>
+          </a:bodyPr>
           <a:lstStyle/>
           <a:p>
             <a:r>
               <a:rPr lang="fr-FR" dirty="0"/>
-              <a:t>ESC PWM</a:t>
-            </a:r>
-            <a:endParaRPr lang="en-US" dirty="0"/>
+              <a:t>ESC PWM </a:t>
+            </a:r>
+            <a:r>
+              <a:rPr lang="fr-FR" dirty="0" err="1"/>
+              <a:t>using</a:t>
+            </a:r>
+            <a:r>
+              <a:rPr lang="fr-FR" dirty="0"/>
+              <a:t> Servo lib</a:t>
+            </a:r>
+            <a:br>
+              <a:rPr lang="fr-FR" dirty="0"/>
+            </a:br>
+            <a:br>
+              <a:rPr lang="fr-FR" dirty="0"/>
+            </a:br>
+            <a:r>
+              <a:rPr lang="fr-FR" sz="1800" dirty="0"/>
+              <a:t>MINPWM = ?</a:t>
+            </a:r>
+            <a:br>
+              <a:rPr lang="fr-FR" sz="1800" dirty="0"/>
+            </a:br>
+            <a:r>
+              <a:rPr lang="fr-FR" sz="1800" dirty="0"/>
+              <a:t>MAXPWM = ?</a:t>
+            </a:r>
+            <a:endParaRPr lang="en-US" sz="1800" dirty="0"/>
           </a:p>
         </p:txBody>
       </p:sp>
@@ -19414,104 +19446,6 @@
           </a:extLst>
         </p:spPr>
       </p:pic>
-      <p:sp>
-        <p:nvSpPr>
-          <p:cNvPr id="4" name="ZoneTexte 3">
-            <a:extLst>
-              <a:ext uri="{FF2B5EF4-FFF2-40B4-BE49-F238E27FC236}">
-                <a16:creationId xmlns:a16="http://schemas.microsoft.com/office/drawing/2014/main" id="{1E92978D-D270-4B57-83C7-0C8B0B13DF7C}"/>
-              </a:ext>
-            </a:extLst>
-          </p:cNvPr>
-          <p:cNvSpPr txBox="1"/>
-          <p:nvPr/>
-        </p:nvSpPr>
-        <p:spPr>
-          <a:xfrm>
-            <a:off x="1515035" y="1622612"/>
-            <a:ext cx="8462253" cy="646331"/>
-          </a:xfrm>
-          <a:prstGeom prst="rect">
-            <a:avLst/>
-          </a:prstGeom>
-          <a:noFill/>
-        </p:spPr>
-        <p:txBody>
-          <a:bodyPr wrap="none" rtlCol="0">
-            <a:spAutoFit/>
-          </a:bodyPr>
-          <a:lstStyle/>
-          <a:p>
-            <a:r>
-              <a:rPr lang="fr-FR" dirty="0" err="1"/>
-              <a:t>Configured</a:t>
-            </a:r>
-            <a:r>
-              <a:rPr lang="fr-FR" dirty="0"/>
-              <a:t> </a:t>
-            </a:r>
-            <a:r>
-              <a:rPr lang="fr-FR" dirty="0" err="1"/>
-              <a:t>using</a:t>
-            </a:r>
-            <a:r>
-              <a:rPr lang="fr-FR" dirty="0"/>
-              <a:t> BHELI suite </a:t>
-            </a:r>
-            <a:r>
-              <a:rPr lang="fr-FR" dirty="0" err="1"/>
-              <a:t>with</a:t>
-            </a:r>
-            <a:r>
-              <a:rPr lang="fr-FR" dirty="0"/>
-              <a:t> a range 1148 (</a:t>
-            </a:r>
-            <a:r>
-              <a:rPr lang="fr-FR" dirty="0" err="1"/>
-              <a:t>except</a:t>
-            </a:r>
-            <a:r>
-              <a:rPr lang="fr-FR" dirty="0"/>
-              <a:t> </a:t>
-            </a:r>
-            <a:r>
-              <a:rPr lang="fr-FR" dirty="0" err="1"/>
-              <a:t>motor</a:t>
-            </a:r>
-            <a:r>
-              <a:rPr lang="fr-FR" dirty="0"/>
-              <a:t> </a:t>
-            </a:r>
-            <a:r>
-              <a:rPr lang="fr-FR" dirty="0" err="1"/>
-              <a:t>that</a:t>
-            </a:r>
-            <a:r>
-              <a:rPr lang="fr-FR" dirty="0"/>
-              <a:t> </a:t>
-            </a:r>
-            <a:r>
-              <a:rPr lang="fr-FR" dirty="0" err="1"/>
-              <a:t>need</a:t>
-            </a:r>
-            <a:r>
-              <a:rPr lang="fr-FR" dirty="0"/>
-              <a:t> 1156!!!) - 1832.</a:t>
-            </a:r>
-          </a:p>
-          <a:p>
-            <a:r>
-              <a:rPr lang="fr-FR" dirty="0" err="1"/>
-              <a:t>Firmware</a:t>
-            </a:r>
-            <a:r>
-              <a:rPr lang="fr-FR" dirty="0"/>
-              <a:t> 16.6 GH30 </a:t>
-            </a:r>
-            <a:endParaRPr lang="en-US" dirty="0"/>
-          </a:p>
-        </p:txBody>
-      </p:sp>
     </p:spTree>
     <p:extLst>
       <p:ext uri="{BB962C8B-B14F-4D97-AF65-F5344CB8AC3E}">

--- a/libraries/Diagramm Drone.pptx
+++ b/libraries/Diagramm Drone.pptx
@@ -17,10 +17,10 @@
     <p:sldId id="274" r:id="rId11"/>
     <p:sldId id="275" r:id="rId12"/>
     <p:sldId id="277" r:id="rId13"/>
-    <p:sldId id="279" r:id="rId14"/>
+    <p:sldId id="289" r:id="rId14"/>
     <p:sldId id="278" r:id="rId15"/>
     <p:sldId id="287" r:id="rId16"/>
-    <p:sldId id="288" r:id="rId17"/>
+    <p:sldId id="290" r:id="rId17"/>
     <p:sldId id="281" r:id="rId18"/>
     <p:sldId id="284" r:id="rId19"/>
     <p:sldId id="282" r:id="rId20"/>
@@ -1315,11 +1315,11 @@
           </a:r>
           <a:r>
             <a:rPr lang="en-US" dirty="0"/>
-            <a:t> </a:t>
+            <a:t> 920</a:t>
           </a:r>
           <a:r>
             <a:rPr lang="en-US" b="1" dirty="0"/>
-            <a:t>1240kv</a:t>
+            <a:t>kv</a:t>
           </a:r>
           <a:endParaRPr lang="en-US" dirty="0"/>
         </a:p>
@@ -2238,11 +2238,11 @@
           </a:r>
           <a:r>
             <a:rPr lang="en-US" sz="2500" kern="1200" dirty="0"/>
-            <a:t> </a:t>
+            <a:t> 920</a:t>
           </a:r>
           <a:r>
             <a:rPr lang="en-US" sz="2500" b="1" kern="1200" dirty="0"/>
-            <a:t>1240kv</a:t>
+            <a:t>kv</a:t>
           </a:r>
           <a:endParaRPr lang="en-US" sz="2500" kern="1200" dirty="0"/>
         </a:p>
@@ -3731,7 +3731,7 @@
           <a:p>
             <a:fld id="{0717AEF8-1597-4679-8926-916E82E12B07}" type="datetimeFigureOut">
               <a:rPr lang="fr-FR" smtClean="0"/>
-              <a:t>24/10/2019</a:t>
+              <a:t>07/11/2019</a:t>
             </a:fld>
             <a:endParaRPr lang="fr-FR"/>
           </a:p>
@@ -3929,7 +3929,7 @@
           <a:p>
             <a:fld id="{0717AEF8-1597-4679-8926-916E82E12B07}" type="datetimeFigureOut">
               <a:rPr lang="fr-FR" smtClean="0"/>
-              <a:t>24/10/2019</a:t>
+              <a:t>07/11/2019</a:t>
             </a:fld>
             <a:endParaRPr lang="fr-FR"/>
           </a:p>
@@ -4137,7 +4137,7 @@
           <a:p>
             <a:fld id="{0717AEF8-1597-4679-8926-916E82E12B07}" type="datetimeFigureOut">
               <a:rPr lang="fr-FR" smtClean="0"/>
-              <a:t>24/10/2019</a:t>
+              <a:t>07/11/2019</a:t>
             </a:fld>
             <a:endParaRPr lang="fr-FR"/>
           </a:p>
@@ -4335,7 +4335,7 @@
           <a:p>
             <a:fld id="{0717AEF8-1597-4679-8926-916E82E12B07}" type="datetimeFigureOut">
               <a:rPr lang="fr-FR" smtClean="0"/>
-              <a:t>24/10/2019</a:t>
+              <a:t>07/11/2019</a:t>
             </a:fld>
             <a:endParaRPr lang="fr-FR"/>
           </a:p>
@@ -4610,7 +4610,7 @@
           <a:p>
             <a:fld id="{0717AEF8-1597-4679-8926-916E82E12B07}" type="datetimeFigureOut">
               <a:rPr lang="fr-FR" smtClean="0"/>
-              <a:t>24/10/2019</a:t>
+              <a:t>07/11/2019</a:t>
             </a:fld>
             <a:endParaRPr lang="fr-FR"/>
           </a:p>
@@ -4875,7 +4875,7 @@
           <a:p>
             <a:fld id="{0717AEF8-1597-4679-8926-916E82E12B07}" type="datetimeFigureOut">
               <a:rPr lang="fr-FR" smtClean="0"/>
-              <a:t>24/10/2019</a:t>
+              <a:t>07/11/2019</a:t>
             </a:fld>
             <a:endParaRPr lang="fr-FR"/>
           </a:p>
@@ -5287,7 +5287,7 @@
           <a:p>
             <a:fld id="{0717AEF8-1597-4679-8926-916E82E12B07}" type="datetimeFigureOut">
               <a:rPr lang="fr-FR" smtClean="0"/>
-              <a:t>24/10/2019</a:t>
+              <a:t>07/11/2019</a:t>
             </a:fld>
             <a:endParaRPr lang="fr-FR"/>
           </a:p>
@@ -5428,7 +5428,7 @@
           <a:p>
             <a:fld id="{0717AEF8-1597-4679-8926-916E82E12B07}" type="datetimeFigureOut">
               <a:rPr lang="fr-FR" smtClean="0"/>
-              <a:t>24/10/2019</a:t>
+              <a:t>07/11/2019</a:t>
             </a:fld>
             <a:endParaRPr lang="fr-FR"/>
           </a:p>
@@ -5541,7 +5541,7 @@
           <a:p>
             <a:fld id="{0717AEF8-1597-4679-8926-916E82E12B07}" type="datetimeFigureOut">
               <a:rPr lang="fr-FR" smtClean="0"/>
-              <a:t>24/10/2019</a:t>
+              <a:t>07/11/2019</a:t>
             </a:fld>
             <a:endParaRPr lang="fr-FR"/>
           </a:p>
@@ -5852,7 +5852,7 @@
           <a:p>
             <a:fld id="{0717AEF8-1597-4679-8926-916E82E12B07}" type="datetimeFigureOut">
               <a:rPr lang="fr-FR" smtClean="0"/>
-              <a:t>24/10/2019</a:t>
+              <a:t>07/11/2019</a:t>
             </a:fld>
             <a:endParaRPr lang="fr-FR"/>
           </a:p>
@@ -6140,7 +6140,7 @@
           <a:p>
             <a:fld id="{0717AEF8-1597-4679-8926-916E82E12B07}" type="datetimeFigureOut">
               <a:rPr lang="fr-FR" smtClean="0"/>
-              <a:t>24/10/2019</a:t>
+              <a:t>07/11/2019</a:t>
             </a:fld>
             <a:endParaRPr lang="fr-FR"/>
           </a:p>
@@ -6381,7 +6381,7 @@
           <a:p>
             <a:fld id="{0717AEF8-1597-4679-8926-916E82E12B07}" type="datetimeFigureOut">
               <a:rPr lang="fr-FR" smtClean="0"/>
-              <a:t>24/10/2019</a:t>
+              <a:t>07/11/2019</a:t>
             </a:fld>
             <a:endParaRPr lang="fr-FR"/>
           </a:p>
@@ -14288,7 +14288,7 @@
           <p:nvPr>
             <p:extLst>
               <p:ext uri="{D42A27DB-BD31-4B8C-83A1-F6EECF244321}">
-                <p14:modId xmlns:p14="http://schemas.microsoft.com/office/powerpoint/2010/main" val="3688041983"/>
+                <p14:modId xmlns:p14="http://schemas.microsoft.com/office/powerpoint/2010/main" val="4177729087"/>
               </p:ext>
             </p:extLst>
           </p:nvPr>
@@ -14374,7 +14374,7 @@
             </a:r>
             <a:r>
               <a:rPr lang="en-US" b="1" dirty="0"/>
-              <a:t> SK3 - 2826-1240kv Brushless </a:t>
+              <a:t> SK3 2830-920kv Brushless </a:t>
             </a:r>
             <a:r>
               <a:rPr lang="en-US" b="1" dirty="0" err="1"/>
@@ -14386,11 +14386,15 @@
             </a:r>
             <a:r>
               <a:rPr lang="nb-NO" dirty="0"/>
-              <a:t>(Hobby King </a:t>
-            </a:r>
-            <a:r>
-              <a:rPr lang="en-US" dirty="0"/>
-              <a:t>SK3-2826-1240)</a:t>
+              <a:t>(</a:t>
+            </a:r>
+            <a:r>
+              <a:rPr lang="nb-NO"/>
+              <a:t>Hobby King </a:t>
+            </a:r>
+            <a:r>
+              <a:rPr lang="en-US"/>
+              <a:t>9192000242-0)</a:t>
             </a:r>
             <a:br>
               <a:rPr lang="nb-NO" dirty="0"/>
@@ -14418,7 +14422,7 @@
         <p:spPr/>
         <p:txBody>
           <a:bodyPr>
-            <a:normAutofit/>
+            <a:normAutofit fontScale="92500" lnSpcReduction="10000"/>
           </a:bodyPr>
           <a:lstStyle/>
           <a:p>
@@ -14427,177 +14431,151 @@
             </a:pPr>
             <a:r>
               <a:rPr lang="en-US" dirty="0"/>
-              <a:t>Active: </a:t>
+              <a:t>Voltage: </a:t>
             </a:r>
             <a:r>
               <a:rPr lang="en-US" b="1" dirty="0"/>
-              <a:t>22T</a:t>
+              <a:t>6.4~12.6V (2~3S </a:t>
+            </a:r>
+            <a:r>
+              <a:rPr lang="en-US" b="1" dirty="0" err="1"/>
+              <a:t>LiPoly</a:t>
+            </a:r>
+            <a:r>
+              <a:rPr lang="en-US" b="1" dirty="0"/>
+              <a:t>)</a:t>
             </a:r>
             <a:br>
+              <a:rPr lang="en-US" dirty="0"/>
+            </a:br>
+            <a:r>
+              <a:rPr lang="en-US" dirty="0"/>
+              <a:t>RPM/V: </a:t>
+            </a:r>
+            <a:r>
               <a:rPr lang="en-US" b="1" dirty="0"/>
+              <a:t>920kv</a:t>
+            </a:r>
+            <a:br>
+              <a:rPr lang="en-US" dirty="0"/>
             </a:br>
             <a:r>
               <a:rPr lang="en-US" dirty="0"/>
-              <a:t>Tension: </a:t>
+              <a:t>Max Power: </a:t>
             </a:r>
             <a:r>
               <a:rPr lang="en-US" b="1" dirty="0"/>
-              <a:t>2 ~ 3S </a:t>
-            </a:r>
-            <a:r>
-              <a:rPr lang="en-US" b="1" dirty="0" err="1"/>
-              <a:t>Lipoly</a:t>
+              <a:t>165W</a:t>
             </a:r>
             <a:br>
+              <a:rPr lang="en-US" dirty="0"/>
+            </a:br>
+            <a:r>
+              <a:rPr lang="en-US" dirty="0"/>
+              <a:t>Max current: </a:t>
+            </a:r>
+            <a:r>
               <a:rPr lang="en-US" b="1" dirty="0"/>
+              <a:t>17A</a:t>
+            </a:r>
+            <a:br>
+              <a:rPr lang="en-US" dirty="0"/>
             </a:br>
             <a:r>
               <a:rPr lang="en-US" dirty="0"/>
-              <a:t>RPM / V: </a:t>
+              <a:t>Idle current: </a:t>
             </a:r>
             <a:r>
               <a:rPr lang="en-US" b="1" dirty="0"/>
-              <a:t>1240 </a:t>
-            </a:r>
-            <a:r>
-              <a:rPr lang="en-US" b="1" dirty="0" err="1"/>
-              <a:t>kv</a:t>
+              <a:t>0.95A</a:t>
             </a:r>
             <a:br>
+              <a:rPr lang="en-US" dirty="0"/>
+            </a:br>
+            <a:r>
+              <a:rPr lang="en-US" dirty="0"/>
+              <a:t>Resistance: </a:t>
+            </a:r>
+            <a:r>
               <a:rPr lang="en-US" b="1" dirty="0"/>
+              <a:t>140mh</a:t>
+            </a:r>
+            <a:br>
+              <a:rPr lang="en-US" dirty="0"/>
             </a:br>
             <a:r>
               <a:rPr lang="en-US" dirty="0"/>
-              <a:t>Résistance interne: </a:t>
+              <a:t>Shaft: </a:t>
             </a:r>
             <a:r>
               <a:rPr lang="en-US" b="1" dirty="0"/>
-              <a:t>0,095 Ohm</a:t>
+              <a:t>3mm</a:t>
             </a:r>
             <a:br>
+              <a:rPr lang="en-US" dirty="0"/>
+            </a:br>
+            <a:r>
+              <a:rPr lang="en-US" dirty="0"/>
+              <a:t>Bolt holes spacing: </a:t>
+            </a:r>
+            <a:r>
               <a:rPr lang="en-US" b="1" dirty="0"/>
+              <a:t>16 x 19mm</a:t>
+            </a:r>
+            <a:br>
+              <a:rPr lang="en-US" dirty="0"/>
             </a:br>
             <a:r>
               <a:rPr lang="en-US" dirty="0"/>
-              <a:t>Max </a:t>
-            </a:r>
-            <a:r>
-              <a:rPr lang="en-US" dirty="0" err="1"/>
-              <a:t>Chargement</a:t>
-            </a:r>
-            <a:r>
+              <a:t>Bolt thread: </a:t>
+            </a:r>
+            <a:r>
+              <a:rPr lang="en-US" b="1" dirty="0"/>
+              <a:t>M2</a:t>
+            </a:r>
+            <a:br>
               <a:rPr lang="en-US" dirty="0"/>
-              <a:t>: </a:t>
+            </a:br>
+            <a:r>
+              <a:rPr lang="en-US" dirty="0"/>
+              <a:t>Plug: </a:t>
             </a:r>
             <a:r>
               <a:rPr lang="en-US" b="1" dirty="0"/>
-              <a:t>16A</a:t>
+              <a:t>3.5mm Bullet</a:t>
             </a:r>
             <a:br>
+              <a:rPr lang="en-US" dirty="0"/>
+            </a:br>
+            <a:r>
+              <a:rPr lang="en-US" dirty="0"/>
+              <a:t>Suggested ESC: </a:t>
+            </a:r>
+            <a:r>
               <a:rPr lang="en-US" b="1" dirty="0"/>
+              <a:t>20A</a:t>
+            </a:r>
+            <a:br>
+              <a:rPr lang="en-US" dirty="0"/>
             </a:br>
             <a:r>
               <a:rPr lang="en-US" dirty="0"/>
-              <a:t>Puissance: </a:t>
+              <a:t>Motor dimensions: </a:t>
             </a:r>
             <a:r>
               <a:rPr lang="en-US" b="1" dirty="0"/>
-              <a:t>150W</a:t>
+              <a:t>30 x 28mm</a:t>
             </a:r>
             <a:br>
+              <a:rPr lang="en-US" dirty="0"/>
+            </a:br>
+            <a:r>
+              <a:rPr lang="en-US" dirty="0"/>
+              <a:t>Weight: </a:t>
+            </a:r>
+            <a:r>
               <a:rPr lang="en-US" b="1" dirty="0"/>
-            </a:br>
-            <a:r>
-              <a:rPr lang="en-US" dirty="0"/>
-              <a:t>Shaft </a:t>
-            </a:r>
-            <a:r>
-              <a:rPr lang="en-US" dirty="0" err="1"/>
-              <a:t>Dia</a:t>
-            </a:r>
-            <a:r>
-              <a:rPr lang="en-US" dirty="0"/>
-              <a:t>: </a:t>
-            </a:r>
-            <a:r>
-              <a:rPr lang="en-US" b="1" dirty="0"/>
-              <a:t>3.0mm</a:t>
-            </a:r>
-            <a:br>
-              <a:rPr lang="en-US" b="1" dirty="0"/>
-            </a:br>
-            <a:r>
-              <a:rPr lang="en-US" dirty="0" err="1"/>
-              <a:t>Trous</a:t>
-            </a:r>
-            <a:r>
-              <a:rPr lang="en-US" dirty="0"/>
-              <a:t> de </a:t>
-            </a:r>
-            <a:r>
-              <a:rPr lang="en-US" dirty="0" err="1"/>
-              <a:t>boulons</a:t>
-            </a:r>
-            <a:r>
-              <a:rPr lang="en-US" dirty="0"/>
-              <a:t>: </a:t>
-            </a:r>
-            <a:r>
-              <a:rPr lang="en-US" b="1" dirty="0"/>
-              <a:t>16mm et 19mm</a:t>
-            </a:r>
-            <a:br>
-              <a:rPr lang="en-US" b="1" dirty="0"/>
-            </a:br>
-            <a:r>
-              <a:rPr lang="en-US" dirty="0"/>
-              <a:t>Fil de Bolt: </a:t>
-            </a:r>
-            <a:r>
-              <a:rPr lang="en-US" b="1" dirty="0"/>
-              <a:t>M3</a:t>
-            </a:r>
-            <a:br>
-              <a:rPr lang="en-US" b="1" dirty="0"/>
-            </a:br>
-            <a:r>
-              <a:rPr lang="en-US" dirty="0" err="1"/>
-              <a:t>Poids</a:t>
-            </a:r>
-            <a:r>
-              <a:rPr lang="en-US" dirty="0"/>
-              <a:t>: </a:t>
-            </a:r>
-            <a:r>
-              <a:rPr lang="en-US" b="1" dirty="0"/>
-              <a:t>45g</a:t>
-            </a:r>
-            <a:br>
-              <a:rPr lang="en-US" b="1" dirty="0"/>
-            </a:br>
-            <a:r>
-              <a:rPr lang="en-US" dirty="0" err="1"/>
-              <a:t>Branchez</a:t>
-            </a:r>
-            <a:r>
-              <a:rPr lang="en-US" dirty="0"/>
-              <a:t> </a:t>
-            </a:r>
-            <a:r>
-              <a:rPr lang="en-US" dirty="0" err="1"/>
-              <a:t>Moteur</a:t>
-            </a:r>
-            <a:r>
-              <a:rPr lang="en-US" dirty="0"/>
-              <a:t>: </a:t>
-            </a:r>
-            <a:r>
-              <a:rPr lang="en-US" b="1" dirty="0"/>
-              <a:t>3.5mm Bullet </a:t>
-            </a:r>
-            <a:r>
-              <a:rPr lang="en-US" b="1" dirty="0" err="1"/>
-              <a:t>Connecto</a:t>
+              <a:t>55g</a:t>
             </a:r>
             <a:endParaRPr lang="en-US" dirty="0"/>
           </a:p>
@@ -14606,7 +14584,7 @@
     </p:spTree>
     <p:extLst>
       <p:ext uri="{BB962C8B-B14F-4D97-AF65-F5344CB8AC3E}">
-        <p14:creationId xmlns:p14="http://schemas.microsoft.com/office/powerpoint/2010/main" val="605291087"/>
+        <p14:creationId xmlns:p14="http://schemas.microsoft.com/office/powerpoint/2010/main" val="622971204"/>
       </p:ext>
     </p:extLst>
   </p:cSld>
@@ -15008,7 +14986,7 @@
         </p:spPr>
         <p:txBody>
           <a:bodyPr vert="horz" lIns="91440" tIns="45720" rIns="91440" bIns="45720" rtlCol="0">
-            <a:normAutofit fontScale="77500" lnSpcReduction="20000"/>
+            <a:normAutofit fontScale="92500" lnSpcReduction="10000"/>
           </a:bodyPr>
           <a:lstStyle>
             <a:lvl1pPr marL="228600" indent="-228600" algn="l" defTabSz="914400" rtl="0" eaLnBrk="1" latinLnBrk="0" hangingPunct="1">
@@ -15193,7 +15171,7 @@
             </a:r>
             <a:r>
               <a:rPr lang="fr-FR" b="1" dirty="0"/>
-              <a:t>16A</a:t>
+              <a:t>17A</a:t>
             </a:r>
             <a:r>
               <a:rPr lang="fr-FR" dirty="0"/>
@@ -15219,7 +15197,6 @@
           </a:p>
           <a:p>
             <a:pPr marL="0" indent="0">
-              <a:buFont typeface="Arial" panose="020B0604020202020204" pitchFamily="34" charset="0"/>
               <a:buNone/>
             </a:pPr>
             <a:r>
@@ -15240,202 +15217,111 @@
             </a:r>
             <a:r>
               <a:rPr lang="en-US" b="1" dirty="0"/>
-              <a:t> AE-20A Brushless ESC </a:t>
+              <a:t> </a:t>
+            </a:r>
+            <a:r>
+              <a:rPr lang="en-US" b="1" dirty="0" err="1"/>
+              <a:t>MultiStar</a:t>
+            </a:r>
+            <a:r>
+              <a:rPr lang="en-US" b="1" dirty="0"/>
+              <a:t> 20A </a:t>
+            </a:r>
+            <a:r>
+              <a:rPr lang="en-US" b="1" dirty="0" err="1"/>
+              <a:t>BLHeli</a:t>
+            </a:r>
+            <a:r>
+              <a:rPr lang="en-US" b="1" dirty="0"/>
+              <a:t>-S Rev16 V3 ESC 2~4S (</a:t>
+            </a:r>
+            <a:r>
+              <a:rPr lang="en-US" b="1" dirty="0" err="1"/>
+              <a:t>Opto</a:t>
+            </a:r>
+            <a:r>
+              <a:rPr lang="en-US" b="1" dirty="0"/>
+              <a:t>)</a:t>
             </a:r>
             <a:r>
               <a:rPr lang="en-US" dirty="0"/>
-              <a:t>(Hobby king TAE-20A)</a:t>
-            </a:r>
-          </a:p>
-          <a:p>
-            <a:pPr marL="457200" lvl="1" indent="0">
-              <a:buFont typeface="Arial" panose="020B0604020202020204" pitchFamily="34" charset="0"/>
+              <a:t>(Hobby king 9351000086-0)</a:t>
+            </a:r>
+          </a:p>
+          <a:p>
+            <a:pPr marL="0" indent="0">
               <a:buNone/>
             </a:pPr>
+            <a:endParaRPr lang="en-US" dirty="0"/>
+          </a:p>
+          <a:p>
+            <a:pPr marL="457200" lvl="1" indent="0">
+              <a:buNone/>
+            </a:pPr>
             <a:r>
               <a:rPr lang="en-US" dirty="0"/>
-              <a:t>Sortie: 20A continue, </a:t>
-            </a:r>
-            <a:r>
-              <a:rPr lang="en-US" dirty="0" err="1"/>
-              <a:t>éclater</a:t>
-            </a:r>
-            <a:r>
-              <a:rPr lang="en-US" dirty="0"/>
-              <a:t> 25A </a:t>
-            </a:r>
-            <a:r>
-              <a:rPr lang="en-US" dirty="0" err="1"/>
-              <a:t>jusqu'à</a:t>
-            </a:r>
-            <a:r>
-              <a:rPr lang="en-US" dirty="0"/>
-              <a:t> 10 </a:t>
-            </a:r>
-            <a:r>
-              <a:rPr lang="en-US" dirty="0" err="1"/>
-              <a:t>secondes</a:t>
-            </a:r>
-            <a:r>
-              <a:rPr lang="en-US" dirty="0"/>
-              <a:t>. </a:t>
+              <a:t>Constant Current:</a:t>
+            </a:r>
+            <a:r>
+              <a:rPr lang="en-US" b="1" dirty="0"/>
+              <a:t> 20A</a:t>
             </a:r>
             <a:br>
               <a:rPr lang="en-US" dirty="0"/>
             </a:br>
             <a:r>
               <a:rPr lang="en-US" dirty="0"/>
-              <a:t>Tension </a:t>
-            </a:r>
-            <a:r>
-              <a:rPr lang="en-US" dirty="0" err="1"/>
-              <a:t>d'entrée</a:t>
-            </a:r>
-            <a:r>
-              <a:rPr lang="en-US" dirty="0"/>
-              <a:t>: 2-4 cellules batterie lithium </a:t>
-            </a:r>
-            <a:r>
-              <a:rPr lang="en-US" dirty="0" err="1"/>
-              <a:t>ou</a:t>
-            </a:r>
-            <a:r>
-              <a:rPr lang="en-US" dirty="0"/>
-              <a:t> 5-12 cellules de batterie NIMH. </a:t>
+              <a:t>Peak Current: </a:t>
+            </a:r>
+            <a:r>
+              <a:rPr lang="en-US" b="1" dirty="0"/>
+              <a:t>25A</a:t>
             </a:r>
             <a:br>
               <a:rPr lang="en-US" dirty="0"/>
             </a:br>
             <a:r>
               <a:rPr lang="en-US" dirty="0"/>
-              <a:t>BEC: </a:t>
-            </a:r>
-            <a:r>
-              <a:rPr lang="en-US" dirty="0" err="1"/>
-              <a:t>Linéaire</a:t>
-            </a:r>
-            <a:r>
-              <a:rPr lang="en-US" dirty="0"/>
-              <a:t> 2A @ </a:t>
+              <a:t>Input Voltage: </a:t>
             </a:r>
             <a:r>
               <a:rPr lang="en-US" b="1" dirty="0"/>
-              <a:t>5V</a:t>
-            </a:r>
-            <a:r>
-              <a:rPr lang="en-US" dirty="0"/>
-              <a:t> (not used)</a:t>
+              <a:t>2~4S (7.4~14.8V)</a:t>
             </a:r>
             <a:br>
               <a:rPr lang="en-US" dirty="0"/>
             </a:br>
             <a:r>
               <a:rPr lang="en-US" dirty="0"/>
-              <a:t>Transmission Control Signal: </a:t>
-            </a:r>
-            <a:r>
-              <a:rPr lang="en-US" dirty="0" err="1"/>
-              <a:t>système</a:t>
-            </a:r>
-            <a:r>
-              <a:rPr lang="en-US" dirty="0"/>
-              <a:t> </a:t>
-            </a:r>
-            <a:r>
-              <a:rPr lang="en-US" dirty="0" err="1"/>
-              <a:t>opto</a:t>
-            </a:r>
-            <a:r>
-              <a:rPr lang="en-US" dirty="0"/>
-              <a:t> </a:t>
-            </a:r>
-            <a:r>
-              <a:rPr lang="en-US" dirty="0" err="1"/>
-              <a:t>couplé</a:t>
-            </a:r>
-            <a:r>
-              <a:rPr lang="en-US" dirty="0"/>
-              <a:t>. </a:t>
+              <a:t>BEC:</a:t>
+            </a:r>
+            <a:r>
+              <a:rPr lang="en-US" b="1" dirty="0"/>
+              <a:t> None</a:t>
             </a:r>
             <a:br>
               <a:rPr lang="en-US" dirty="0"/>
             </a:br>
             <a:r>
               <a:rPr lang="en-US" dirty="0"/>
-              <a:t>Vitesse </a:t>
-            </a:r>
-            <a:r>
-              <a:rPr lang="en-US" dirty="0" err="1"/>
-              <a:t>maximale</a:t>
-            </a:r>
-            <a:r>
-              <a:rPr lang="en-US" dirty="0"/>
-              <a:t>: </a:t>
+              <a:t>Dimensions: </a:t>
+            </a:r>
+            <a:r>
+              <a:rPr lang="en-US" b="1" dirty="0"/>
+              <a:t>27 x 12mm</a:t>
             </a:r>
             <a:br>
               <a:rPr lang="en-US" dirty="0"/>
             </a:br>
             <a:r>
               <a:rPr lang="en-US" dirty="0"/>
-              <a:t>	2 Pole: 	210,000rpm </a:t>
-            </a:r>
-            <a:br>
-              <a:rPr lang="en-US" dirty="0"/>
-            </a:br>
-            <a:r>
-              <a:rPr lang="en-US" dirty="0"/>
-              <a:t>	6 Pole: 	70,000rpm </a:t>
-            </a:r>
-            <a:br>
-              <a:rPr lang="en-US" dirty="0"/>
-            </a:br>
-            <a:r>
-              <a:rPr lang="en-US" dirty="0"/>
-              <a:t>	12 Pole: 	35,000rpm </a:t>
-            </a:r>
-            <a:br>
-              <a:rPr lang="en-US" dirty="0"/>
-            </a:br>
-            <a:r>
-              <a:rPr lang="en-US" dirty="0" err="1"/>
-              <a:t>Taille</a:t>
-            </a:r>
-            <a:r>
-              <a:rPr lang="en-US" dirty="0"/>
-              <a:t>: 	50mm (L) * 26mm (W) * 12mm (H). </a:t>
-            </a:r>
-            <a:br>
-              <a:rPr lang="en-US" dirty="0"/>
-            </a:br>
-            <a:r>
-              <a:rPr lang="en-US" b="1" dirty="0" err="1"/>
-              <a:t>Poids</a:t>
+              <a:t>Weight: </a:t>
             </a:r>
             <a:r>
               <a:rPr lang="en-US" b="1" dirty="0"/>
-              <a:t>: 	19g</a:t>
-            </a:r>
-            <a:r>
-              <a:rPr lang="en-US" dirty="0"/>
-              <a:t>.</a:t>
-            </a:r>
-          </a:p>
-          <a:p>
-            <a:pPr marL="457200" lvl="1" indent="0">
-              <a:buFont typeface="Arial" panose="020B0604020202020204" pitchFamily="34" charset="0"/>
-              <a:buNone/>
-            </a:pPr>
+              <a:t>7.9g</a:t>
+            </a:r>
             <a:endParaRPr lang="en-US" dirty="0"/>
-          </a:p>
-          <a:p>
-            <a:pPr marL="0" indent="0">
-              <a:buFont typeface="Arial" panose="020B0604020202020204" pitchFamily="34" charset="0"/>
-              <a:buNone/>
-            </a:pPr>
-            <a:r>
-              <a:rPr lang="en-US" dirty="0"/>
-              <a:t>The BEC power is 5v &lt; 7v min needed for Arduino MEGA2560, so I don’t use the BEC.</a:t>
-            </a:r>
           </a:p>
         </p:txBody>
       </p:sp>
@@ -15471,68 +15357,294 @@
       </p:grpSpPr>
       <p:sp>
         <p:nvSpPr>
-          <p:cNvPr id="2" name="Titre 1">
-            <a:extLst>
-              <a:ext uri="{FF2B5EF4-FFF2-40B4-BE49-F238E27FC236}">
-                <a16:creationId xmlns:a16="http://schemas.microsoft.com/office/drawing/2014/main" id="{EABA2033-018F-4B7C-A70E-BCB695638D08}"/>
+          <p:cNvPr id="4" name="Titre 1">
+            <a:extLst>
+              <a:ext uri="{FF2B5EF4-FFF2-40B4-BE49-F238E27FC236}">
+                <a16:creationId xmlns:a16="http://schemas.microsoft.com/office/drawing/2014/main" id="{8DDCDBDF-D8CC-44B1-A599-F6FD2A53CCC8}"/>
               </a:ext>
             </a:extLst>
           </p:cNvPr>
           <p:cNvSpPr>
             <a:spLocks noGrp="1"/>
           </p:cNvSpPr>
-          <p:nvPr>
-            <p:ph type="title"/>
-          </p:nvPr>
+          <p:nvPr/>
         </p:nvSpPr>
-        <p:spPr/>
-        <p:txBody>
-          <a:bodyPr/>
-          <a:lstStyle/>
-          <a:p>
-            <a:r>
-              <a:rPr lang="en-US" dirty="0"/>
-              <a:t>Configuration ESC</a:t>
-            </a:r>
-          </a:p>
-        </p:txBody>
-      </p:sp>
-      <p:pic>
-        <p:nvPicPr>
-          <p:cNvPr id="6" name="Espace réservé du contenu 5">
-            <a:extLst>
-              <a:ext uri="{FF2B5EF4-FFF2-40B4-BE49-F238E27FC236}">
-                <a16:creationId xmlns:a16="http://schemas.microsoft.com/office/drawing/2014/main" id="{9B9CA81F-BB8C-4B69-8348-792A6DBEC532}"/>
-              </a:ext>
-            </a:extLst>
-          </p:cNvPr>
-          <p:cNvPicPr>
-            <a:picLocks noGrp="1" noChangeAspect="1"/>
-          </p:cNvPicPr>
-          <p:nvPr>
-            <p:ph idx="1"/>
-          </p:nvPr>
-        </p:nvPicPr>
-        <p:blipFill>
-          <a:blip r:embed="rId2"/>
-          <a:stretch>
-            <a:fillRect/>
-          </a:stretch>
-        </p:blipFill>
         <p:spPr>
           <a:xfrm>
-            <a:off x="838200" y="1449438"/>
-            <a:ext cx="9405388" cy="4933713"/>
+            <a:off x="554071" y="423964"/>
+            <a:ext cx="10515600" cy="750888"/>
           </a:xfrm>
           <a:prstGeom prst="rect">
             <a:avLst/>
           </a:prstGeom>
         </p:spPr>
-      </p:pic>
+        <p:txBody>
+          <a:bodyPr vert="horz" lIns="91440" tIns="45720" rIns="91440" bIns="45720" rtlCol="0" anchor="ctr">
+            <a:normAutofit/>
+          </a:bodyPr>
+          <a:lstStyle>
+            <a:lvl1pPr algn="l" defTabSz="914400" rtl="0" eaLnBrk="1" latinLnBrk="0" hangingPunct="1">
+              <a:lnSpc>
+                <a:spcPct val="90000"/>
+              </a:lnSpc>
+              <a:spcBef>
+                <a:spcPct val="0"/>
+              </a:spcBef>
+              <a:buNone/>
+              <a:defRPr sz="4400" kern="1200">
+                <a:solidFill>
+                  <a:schemeClr val="tx1"/>
+                </a:solidFill>
+                <a:latin typeface="+mj-lt"/>
+                <a:ea typeface="+mj-ea"/>
+                <a:cs typeface="+mj-cs"/>
+              </a:defRPr>
+            </a:lvl1pPr>
+          </a:lstStyle>
+          <a:p>
+            <a:r>
+              <a:rPr lang="en-US" dirty="0"/>
+              <a:t>Configuration ESC</a:t>
+            </a:r>
+          </a:p>
+        </p:txBody>
+      </p:sp>
+      <p:sp>
+        <p:nvSpPr>
+          <p:cNvPr id="6" name="ZoneTexte 2">
+            <a:extLst>
+              <a:ext uri="{FF2B5EF4-FFF2-40B4-BE49-F238E27FC236}">
+                <a16:creationId xmlns:a16="http://schemas.microsoft.com/office/drawing/2014/main" id="{352BF9D4-A34A-46F0-A9AE-2BB3D2B34A28}"/>
+              </a:ext>
+            </a:extLst>
+          </p:cNvPr>
+          <p:cNvSpPr txBox="1"/>
+          <p:nvPr/>
+        </p:nvSpPr>
+        <p:spPr>
+          <a:xfrm>
+            <a:off x="489626" y="1311039"/>
+            <a:ext cx="10808645" cy="2862322"/>
+          </a:xfrm>
+          <a:prstGeom prst="rect">
+            <a:avLst/>
+          </a:prstGeom>
+          <a:noFill/>
+        </p:spPr>
+        <p:txBody>
+          <a:bodyPr wrap="square" rtlCol="0">
+            <a:spAutoFit/>
+          </a:bodyPr>
+          <a:lstStyle>
+            <a:defPPr>
+              <a:defRPr lang="fr-FR"/>
+            </a:defPPr>
+            <a:lvl1pPr marL="0" algn="l" defTabSz="914400" rtl="0" eaLnBrk="1" latinLnBrk="0" hangingPunct="1">
+              <a:defRPr sz="1800" kern="1200">
+                <a:solidFill>
+                  <a:schemeClr val="tx1"/>
+                </a:solidFill>
+                <a:latin typeface="+mn-lt"/>
+                <a:ea typeface="+mn-ea"/>
+                <a:cs typeface="+mn-cs"/>
+              </a:defRPr>
+            </a:lvl1pPr>
+            <a:lvl2pPr marL="457200" algn="l" defTabSz="914400" rtl="0" eaLnBrk="1" latinLnBrk="0" hangingPunct="1">
+              <a:defRPr sz="1800" kern="1200">
+                <a:solidFill>
+                  <a:schemeClr val="tx1"/>
+                </a:solidFill>
+                <a:latin typeface="+mn-lt"/>
+                <a:ea typeface="+mn-ea"/>
+                <a:cs typeface="+mn-cs"/>
+              </a:defRPr>
+            </a:lvl2pPr>
+            <a:lvl3pPr marL="914400" algn="l" defTabSz="914400" rtl="0" eaLnBrk="1" latinLnBrk="0" hangingPunct="1">
+              <a:defRPr sz="1800" kern="1200">
+                <a:solidFill>
+                  <a:schemeClr val="tx1"/>
+                </a:solidFill>
+                <a:latin typeface="+mn-lt"/>
+                <a:ea typeface="+mn-ea"/>
+                <a:cs typeface="+mn-cs"/>
+              </a:defRPr>
+            </a:lvl3pPr>
+            <a:lvl4pPr marL="1371600" algn="l" defTabSz="914400" rtl="0" eaLnBrk="1" latinLnBrk="0" hangingPunct="1">
+              <a:defRPr sz="1800" kern="1200">
+                <a:solidFill>
+                  <a:schemeClr val="tx1"/>
+                </a:solidFill>
+                <a:latin typeface="+mn-lt"/>
+                <a:ea typeface="+mn-ea"/>
+                <a:cs typeface="+mn-cs"/>
+              </a:defRPr>
+            </a:lvl4pPr>
+            <a:lvl5pPr marL="1828800" algn="l" defTabSz="914400" rtl="0" eaLnBrk="1" latinLnBrk="0" hangingPunct="1">
+              <a:defRPr sz="1800" kern="1200">
+                <a:solidFill>
+                  <a:schemeClr val="tx1"/>
+                </a:solidFill>
+                <a:latin typeface="+mn-lt"/>
+                <a:ea typeface="+mn-ea"/>
+                <a:cs typeface="+mn-cs"/>
+              </a:defRPr>
+            </a:lvl5pPr>
+            <a:lvl6pPr marL="2286000" algn="l" defTabSz="914400" rtl="0" eaLnBrk="1" latinLnBrk="0" hangingPunct="1">
+              <a:defRPr sz="1800" kern="1200">
+                <a:solidFill>
+                  <a:schemeClr val="tx1"/>
+                </a:solidFill>
+                <a:latin typeface="+mn-lt"/>
+                <a:ea typeface="+mn-ea"/>
+                <a:cs typeface="+mn-cs"/>
+              </a:defRPr>
+            </a:lvl6pPr>
+            <a:lvl7pPr marL="2743200" algn="l" defTabSz="914400" rtl="0" eaLnBrk="1" latinLnBrk="0" hangingPunct="1">
+              <a:defRPr sz="1800" kern="1200">
+                <a:solidFill>
+                  <a:schemeClr val="tx1"/>
+                </a:solidFill>
+                <a:latin typeface="+mn-lt"/>
+                <a:ea typeface="+mn-ea"/>
+                <a:cs typeface="+mn-cs"/>
+              </a:defRPr>
+            </a:lvl7pPr>
+            <a:lvl8pPr marL="3200400" algn="l" defTabSz="914400" rtl="0" eaLnBrk="1" latinLnBrk="0" hangingPunct="1">
+              <a:defRPr sz="1800" kern="1200">
+                <a:solidFill>
+                  <a:schemeClr val="tx1"/>
+                </a:solidFill>
+                <a:latin typeface="+mn-lt"/>
+                <a:ea typeface="+mn-ea"/>
+                <a:cs typeface="+mn-cs"/>
+              </a:defRPr>
+            </a:lvl8pPr>
+            <a:lvl9pPr marL="3657600" algn="l" defTabSz="914400" rtl="0" eaLnBrk="1" latinLnBrk="0" hangingPunct="1">
+              <a:defRPr sz="1800" kern="1200">
+                <a:solidFill>
+                  <a:schemeClr val="tx1"/>
+                </a:solidFill>
+                <a:latin typeface="+mn-lt"/>
+                <a:ea typeface="+mn-ea"/>
+                <a:cs typeface="+mn-cs"/>
+              </a:defRPr>
+            </a:lvl9pPr>
+          </a:lstStyle>
+          <a:p>
+            <a:pPr marL="285750" indent="-285750">
+              <a:buFont typeface="Arial" panose="020B0604020202020204" pitchFamily="34" charset="0"/>
+              <a:buChar char="•"/>
+            </a:pPr>
+            <a:r>
+              <a:rPr lang="en-US" dirty="0"/>
+              <a:t>Run BLHeliSuite16714901\</a:t>
+            </a:r>
+            <a:r>
+              <a:rPr lang="en-US" dirty="0" err="1"/>
+              <a:t>BLHeliSuite</a:t>
+            </a:r>
+            <a:endParaRPr lang="en-US" dirty="0"/>
+          </a:p>
+          <a:p>
+            <a:pPr marL="285750" indent="-285750">
+              <a:buFont typeface="Arial" panose="020B0604020202020204" pitchFamily="34" charset="0"/>
+              <a:buChar char="•"/>
+            </a:pPr>
+            <a:r>
+              <a:rPr lang="en-US" dirty="0"/>
+              <a:t>Select SILABS </a:t>
+            </a:r>
+            <a:r>
+              <a:rPr lang="en-US" dirty="0" err="1"/>
+              <a:t>BLHeli</a:t>
+            </a:r>
+            <a:r>
+              <a:rPr lang="en-US" dirty="0"/>
+              <a:t> Bootloader (USB/Com) in tab ATMEL/SILABS Interface</a:t>
+            </a:r>
+          </a:p>
+          <a:p>
+            <a:pPr marL="285750" indent="-285750">
+              <a:buFont typeface="Arial" panose="020B0604020202020204" pitchFamily="34" charset="0"/>
+              <a:buChar char="•"/>
+            </a:pPr>
+            <a:r>
+              <a:rPr lang="en-US" dirty="0"/>
+              <a:t>Select port and baud 19200</a:t>
+            </a:r>
+          </a:p>
+          <a:p>
+            <a:pPr marL="285750" indent="-285750">
+              <a:buFont typeface="Arial" panose="020B0604020202020204" pitchFamily="34" charset="0"/>
+              <a:buChar char="•"/>
+            </a:pPr>
+            <a:r>
+              <a:rPr lang="en-US" dirty="0"/>
+              <a:t>Click on Connect</a:t>
+            </a:r>
+          </a:p>
+          <a:p>
+            <a:pPr marL="285750" indent="-285750">
+              <a:buFont typeface="Arial" panose="020B0604020202020204" pitchFamily="34" charset="0"/>
+              <a:buChar char="•"/>
+            </a:pPr>
+            <a:r>
+              <a:rPr lang="en-US" dirty="0"/>
+              <a:t>Click on  Read Setup</a:t>
+            </a:r>
+          </a:p>
+          <a:p>
+            <a:pPr marL="285750" indent="-285750">
+              <a:buFont typeface="Arial" panose="020B0604020202020204" pitchFamily="34" charset="0"/>
+              <a:buChar char="•"/>
+            </a:pPr>
+            <a:r>
+              <a:rPr lang="en-US" dirty="0"/>
+              <a:t>Click on Flash BLHELI </a:t>
+            </a:r>
+          </a:p>
+          <a:p>
+            <a:r>
+              <a:rPr lang="en-US" dirty="0"/>
+              <a:t>and choose revision 16.7 G-H-30</a:t>
+            </a:r>
+          </a:p>
+          <a:p>
+            <a:pPr marL="285750" indent="-285750">
+              <a:buFont typeface="Arial" panose="020B0604020202020204" pitchFamily="34" charset="0"/>
+              <a:buChar char="•"/>
+            </a:pPr>
+            <a:r>
+              <a:rPr lang="en-US" dirty="0"/>
+              <a:t>Make changes PPM Min = 1000</a:t>
+            </a:r>
+          </a:p>
+          <a:p>
+            <a:pPr marL="285750" indent="-285750">
+              <a:buFont typeface="Arial" panose="020B0604020202020204" pitchFamily="34" charset="0"/>
+              <a:buChar char="•"/>
+            </a:pPr>
+            <a:r>
+              <a:rPr lang="en-US" dirty="0"/>
+              <a:t>Make changes PPM Max = 2000</a:t>
+            </a:r>
+          </a:p>
+          <a:p>
+            <a:pPr marL="285750" indent="-285750">
+              <a:buFont typeface="Arial" panose="020B0604020202020204" pitchFamily="34" charset="0"/>
+              <a:buChar char="•"/>
+            </a:pPr>
+            <a:r>
+              <a:rPr lang="en-US" dirty="0"/>
+              <a:t>Click on Write Setup</a:t>
+            </a:r>
+          </a:p>
+        </p:txBody>
+      </p:sp>
     </p:spTree>
     <p:extLst>
       <p:ext uri="{BB962C8B-B14F-4D97-AF65-F5344CB8AC3E}">
-        <p14:creationId xmlns:p14="http://schemas.microsoft.com/office/powerpoint/2010/main" val="348887714"/>
+        <p14:creationId xmlns:p14="http://schemas.microsoft.com/office/powerpoint/2010/main" val="3883187456"/>
       </p:ext>
     </p:extLst>
   </p:cSld>
@@ -15641,11 +15753,11 @@
             </a:pPr>
             <a:r>
               <a:rPr lang="en-US" dirty="0"/>
-              <a:t>4 motors 16A =&gt; </a:t>
+              <a:t>4 motors 17A =&gt; </a:t>
             </a:r>
             <a:r>
               <a:rPr lang="en-US" b="1" dirty="0"/>
-              <a:t>64A </a:t>
+              <a:t>68A </a:t>
             </a:r>
             <a:r>
               <a:rPr lang="en-US" dirty="0"/>
@@ -15696,7 +15808,7 @@
             </a:r>
             <a:r>
               <a:rPr lang="en-US" b="1"/>
-              <a:t>64A</a:t>
+              <a:t>68A</a:t>
             </a:r>
             <a:endParaRPr lang="en-US" b="1" dirty="0"/>
           </a:p>
@@ -19626,7 +19738,7 @@
             <a:avLst/>
           </a:prstGeom>
           <a:solidFill>
-            <a:srgbClr val="92D050"/>
+            <a:schemeClr val="tx1"/>
           </a:solidFill>
         </p:spPr>
         <p:style>
@@ -19651,9 +19763,10 @@
           <a:p>
             <a:pPr algn="ctr"/>
             <a:r>
-              <a:rPr lang="en-US" dirty="0"/>
+              <a:rPr lang="en-US"/>
               <a:t>0</a:t>
             </a:r>
+            <a:endParaRPr lang="en-US" dirty="0"/>
           </a:p>
         </p:txBody>
       </p:sp>
@@ -19678,7 +19791,7 @@
             <a:avLst/>
           </a:prstGeom>
           <a:solidFill>
-            <a:srgbClr val="FF0000"/>
+            <a:srgbClr val="92D050"/>
           </a:solidFill>
         </p:spPr>
         <p:style>
@@ -19816,7 +19929,7 @@
             <a:avLst/>
           </a:prstGeom>
           <a:solidFill>
-            <a:srgbClr val="FF0000"/>
+            <a:srgbClr val="92D050"/>
           </a:solidFill>
         </p:spPr>
         <p:style>
@@ -19868,7 +19981,7 @@
             <a:avLst/>
           </a:prstGeom>
           <a:solidFill>
-            <a:srgbClr val="92D050"/>
+            <a:schemeClr val="tx1"/>
           </a:solidFill>
         </p:spPr>
         <p:style>
@@ -19893,9 +20006,10 @@
           <a:p>
             <a:pPr algn="ctr"/>
             <a:r>
-              <a:rPr lang="en-US" dirty="0"/>
+              <a:rPr lang="en-US"/>
               <a:t>2</a:t>
             </a:r>
+            <a:endParaRPr lang="en-US" dirty="0"/>
           </a:p>
         </p:txBody>
       </p:sp>
@@ -19929,21 +20043,21 @@
           <a:p>
             <a:pPr algn="ctr"/>
             <a:r>
-              <a:rPr lang="en-US" dirty="0"/>
+              <a:rPr lang="en-US"/>
               <a:t>Front Left</a:t>
             </a:r>
           </a:p>
           <a:p>
             <a:pPr algn="ctr"/>
             <a:r>
-              <a:rPr lang="en-US" dirty="0"/>
+              <a:rPr lang="en-US"/>
               <a:t>CW</a:t>
             </a:r>
           </a:p>
           <a:p>
             <a:pPr algn="ctr"/>
             <a:r>
-              <a:rPr lang="en-US" dirty="0"/>
+              <a:rPr lang="en-US"/>
               <a:t>Propeller Reverse black</a:t>
             </a:r>
           </a:p>
@@ -19983,23 +20097,24 @@
           <a:p>
             <a:pPr algn="ctr"/>
             <a:r>
-              <a:rPr lang="en-US" dirty="0"/>
+              <a:rPr lang="en-US"/>
               <a:t>Rear Left</a:t>
             </a:r>
           </a:p>
           <a:p>
             <a:pPr algn="ctr"/>
             <a:r>
-              <a:rPr lang="en-US" dirty="0"/>
+              <a:rPr lang="en-US"/>
               <a:t>CCW</a:t>
             </a:r>
           </a:p>
           <a:p>
             <a:pPr algn="ctr"/>
             <a:r>
-              <a:rPr lang="en-US" dirty="0"/>
+              <a:rPr lang="en-US"/>
               <a:t>Propeller green</a:t>
             </a:r>
+            <a:endParaRPr lang="en-US" dirty="0"/>
           </a:p>
         </p:txBody>
       </p:sp>
@@ -20124,7 +20239,7 @@
             <a:avLst/>
           </a:prstGeom>
           <a:solidFill>
-            <a:srgbClr val="FF0000"/>
+            <a:srgbClr val="92D050"/>
           </a:solidFill>
         </p:spPr>
         <p:style>
@@ -20148,11 +20263,7 @@
           <a:lstStyle/>
           <a:p>
             <a:pPr algn="ctr"/>
-            <a:endParaRPr lang="en-US">
-              <a:solidFill>
-                <a:schemeClr val="tx1"/>
-              </a:solidFill>
-            </a:endParaRPr>
+            <a:endParaRPr lang="en-US"/>
           </a:p>
         </p:txBody>
       </p:sp>
@@ -20174,59 +20285,6 @@
             <a:ext cx="1023357" cy="515646"/>
           </a:xfrm>
           <a:prstGeom prst="curvedUpArrow">
-            <a:avLst/>
-          </a:prstGeom>
-          <a:solidFill>
-            <a:srgbClr val="FF0000"/>
-          </a:solidFill>
-        </p:spPr>
-        <p:style>
-          <a:lnRef idx="2">
-            <a:schemeClr val="accent1">
-              <a:shade val="50000"/>
-            </a:schemeClr>
-          </a:lnRef>
-          <a:fillRef idx="1">
-            <a:schemeClr val="accent1"/>
-          </a:fillRef>
-          <a:effectRef idx="0">
-            <a:schemeClr val="accent1"/>
-          </a:effectRef>
-          <a:fontRef idx="minor">
-            <a:schemeClr val="lt1"/>
-          </a:fontRef>
-        </p:style>
-        <p:txBody>
-          <a:bodyPr rtlCol="0" anchor="ctr"/>
-          <a:lstStyle/>
-          <a:p>
-            <a:pPr algn="ctr"/>
-            <a:endParaRPr lang="en-US">
-              <a:solidFill>
-                <a:schemeClr val="tx1"/>
-              </a:solidFill>
-            </a:endParaRPr>
-          </a:p>
-        </p:txBody>
-      </p:sp>
-      <p:sp>
-        <p:nvSpPr>
-          <p:cNvPr id="54" name="Flèche : courbe vers le bas 53">
-            <a:extLst>
-              <a:ext uri="{FF2B5EF4-FFF2-40B4-BE49-F238E27FC236}">
-                <a16:creationId xmlns:a16="http://schemas.microsoft.com/office/drawing/2014/main" id="{B5D842F3-37E6-4BB7-8726-8C7E96267ABC}"/>
-              </a:ext>
-            </a:extLst>
-          </p:cNvPr>
-          <p:cNvSpPr/>
-          <p:nvPr/>
-        </p:nvSpPr>
-        <p:spPr>
-          <a:xfrm>
-            <a:off x="3934851" y="1851097"/>
-            <a:ext cx="1148328" cy="581120"/>
-          </a:xfrm>
-          <a:prstGeom prst="curvedDownArrow">
             <a:avLst/>
           </a:prstGeom>
           <a:solidFill>
@@ -20254,6 +20312,55 @@
           <a:lstStyle/>
           <a:p>
             <a:pPr algn="ctr"/>
+            <a:endParaRPr lang="en-US"/>
+          </a:p>
+        </p:txBody>
+      </p:sp>
+      <p:sp>
+        <p:nvSpPr>
+          <p:cNvPr id="54" name="Flèche : courbe vers le bas 53">
+            <a:extLst>
+              <a:ext uri="{FF2B5EF4-FFF2-40B4-BE49-F238E27FC236}">
+                <a16:creationId xmlns:a16="http://schemas.microsoft.com/office/drawing/2014/main" id="{B5D842F3-37E6-4BB7-8726-8C7E96267ABC}"/>
+              </a:ext>
+            </a:extLst>
+          </p:cNvPr>
+          <p:cNvSpPr/>
+          <p:nvPr/>
+        </p:nvSpPr>
+        <p:spPr>
+          <a:xfrm>
+            <a:off x="3934851" y="1851097"/>
+            <a:ext cx="1148328" cy="581120"/>
+          </a:xfrm>
+          <a:prstGeom prst="curvedDownArrow">
+            <a:avLst/>
+          </a:prstGeom>
+          <a:solidFill>
+            <a:schemeClr val="tx1"/>
+          </a:solidFill>
+        </p:spPr>
+        <p:style>
+          <a:lnRef idx="2">
+            <a:schemeClr val="accent1">
+              <a:shade val="50000"/>
+            </a:schemeClr>
+          </a:lnRef>
+          <a:fillRef idx="1">
+            <a:schemeClr val="accent1"/>
+          </a:fillRef>
+          <a:effectRef idx="0">
+            <a:schemeClr val="accent1"/>
+          </a:effectRef>
+          <a:fontRef idx="minor">
+            <a:schemeClr val="lt1"/>
+          </a:fontRef>
+        </p:style>
+        <p:txBody>
+          <a:bodyPr rtlCol="0" anchor="ctr"/>
+          <a:lstStyle/>
+          <a:p>
+            <a:pPr algn="ctr"/>
             <a:endParaRPr lang="en-US">
               <a:solidFill>
                 <a:schemeClr val="tx1"/>
@@ -20283,7 +20390,7 @@
             <a:avLst/>
           </a:prstGeom>
           <a:solidFill>
-            <a:srgbClr val="92D050"/>
+            <a:schemeClr val="tx1"/>
           </a:solidFill>
         </p:spPr>
         <p:style>
@@ -21694,7 +21801,7 @@
             </a:pPr>
             <a:r>
               <a:rPr lang="nb-NO" sz="1300" dirty="0"/>
-              <a:t>Considering error max = 20, Integral max = 5 and delta error max = 20 =&gt; |PID| &lt; 26.</a:t>
+              <a:t>Considering error max = 20, Integral max = 5 and delta error max = 20 =&gt; |PID| &lt; 100.</a:t>
             </a:r>
           </a:p>
           <a:p>
@@ -21904,7 +22011,7 @@
             </a:r>
             <a:r>
               <a:rPr lang="en-US" sz="1400" dirty="0"/>
-              <a:t>[THROTTLE] = 0 =&gt; Motors = STOPPWM</a:t>
+              <a:t>[THROTTLE] = 0 =&gt; Motors = MINPWM</a:t>
             </a:r>
           </a:p>
           <a:p>
@@ -22322,7 +22429,7 @@
         <p:spPr>
           <a:xfrm>
             <a:off x="8092440" y="1633448"/>
-            <a:ext cx="3642360" cy="1338828"/>
+            <a:ext cx="3642360" cy="1200329"/>
           </a:xfrm>
           <a:prstGeom prst="rect">
             <a:avLst/>
@@ -22342,37 +22449,31 @@
           <a:p>
             <a:r>
               <a:rPr lang="en-US" sz="900" dirty="0"/>
-              <a:t>#define STOPPWM 1140</a:t>
+              <a:t>#define MINPWM 1000</a:t>
             </a:r>
           </a:p>
           <a:p>
             <a:r>
               <a:rPr lang="en-US" sz="900" dirty="0"/>
-              <a:t>#define MINPWM 1148</a:t>
+              <a:t>#define MAXPWM 2000</a:t>
             </a:r>
           </a:p>
           <a:p>
             <a:r>
               <a:rPr lang="en-US" sz="900" dirty="0"/>
-              <a:t>#define MAXPWM 1832</a:t>
+              <a:t>#define MINPWMTHRO 1000</a:t>
             </a:r>
           </a:p>
           <a:p>
             <a:r>
               <a:rPr lang="en-US" sz="900" dirty="0"/>
-              <a:t>#define MINPWMTHRO 1250</a:t>
+              <a:t>#define MAXPWMTHRO 2000</a:t>
             </a:r>
           </a:p>
           <a:p>
             <a:r>
               <a:rPr lang="en-US" sz="900" dirty="0"/>
-              <a:t>#define MAXPWMTHRO 1750</a:t>
-            </a:r>
-          </a:p>
-          <a:p>
-            <a:r>
-              <a:rPr lang="en-US" sz="900" dirty="0"/>
-              <a:t>#define MAXABSPWMPID 200</a:t>
+              <a:t>#define MAXABSPWMPID 200 /// to be TESTED</a:t>
             </a:r>
           </a:p>
           <a:p>

--- a/libraries/Diagramm Drone.pptx
+++ b/libraries/Diagramm Drone.pptx
@@ -11,21 +11,22 @@
     <p:sldId id="269" r:id="rId5"/>
     <p:sldId id="285" r:id="rId6"/>
     <p:sldId id="272" r:id="rId7"/>
-    <p:sldId id="273" r:id="rId8"/>
-    <p:sldId id="270" r:id="rId9"/>
-    <p:sldId id="271" r:id="rId10"/>
-    <p:sldId id="274" r:id="rId11"/>
-    <p:sldId id="275" r:id="rId12"/>
-    <p:sldId id="277" r:id="rId13"/>
-    <p:sldId id="289" r:id="rId14"/>
-    <p:sldId id="278" r:id="rId15"/>
-    <p:sldId id="287" r:id="rId16"/>
-    <p:sldId id="290" r:id="rId17"/>
-    <p:sldId id="281" r:id="rId18"/>
-    <p:sldId id="284" r:id="rId19"/>
-    <p:sldId id="282" r:id="rId20"/>
-    <p:sldId id="283" r:id="rId21"/>
-    <p:sldId id="260" r:id="rId22"/>
+    <p:sldId id="291" r:id="rId8"/>
+    <p:sldId id="273" r:id="rId9"/>
+    <p:sldId id="270" r:id="rId10"/>
+    <p:sldId id="271" r:id="rId11"/>
+    <p:sldId id="274" r:id="rId12"/>
+    <p:sldId id="275" r:id="rId13"/>
+    <p:sldId id="277" r:id="rId14"/>
+    <p:sldId id="289" r:id="rId15"/>
+    <p:sldId id="278" r:id="rId16"/>
+    <p:sldId id="287" r:id="rId17"/>
+    <p:sldId id="290" r:id="rId18"/>
+    <p:sldId id="281" r:id="rId19"/>
+    <p:sldId id="284" r:id="rId20"/>
+    <p:sldId id="282" r:id="rId21"/>
+    <p:sldId id="283" r:id="rId22"/>
+    <p:sldId id="260" r:id="rId23"/>
   </p:sldIdLst>
   <p:sldSz cx="12192000" cy="6858000"/>
   <p:notesSz cx="6888163" cy="10020300"/>
@@ -3731,7 +3732,7 @@
           <a:p>
             <a:fld id="{0717AEF8-1597-4679-8926-916E82E12B07}" type="datetimeFigureOut">
               <a:rPr lang="fr-FR" smtClean="0"/>
-              <a:t>07/11/2019</a:t>
+              <a:t>05/12/2019</a:t>
             </a:fld>
             <a:endParaRPr lang="fr-FR"/>
           </a:p>
@@ -3929,7 +3930,7 @@
           <a:p>
             <a:fld id="{0717AEF8-1597-4679-8926-916E82E12B07}" type="datetimeFigureOut">
               <a:rPr lang="fr-FR" smtClean="0"/>
-              <a:t>07/11/2019</a:t>
+              <a:t>05/12/2019</a:t>
             </a:fld>
             <a:endParaRPr lang="fr-FR"/>
           </a:p>
@@ -4137,7 +4138,7 @@
           <a:p>
             <a:fld id="{0717AEF8-1597-4679-8926-916E82E12B07}" type="datetimeFigureOut">
               <a:rPr lang="fr-FR" smtClean="0"/>
-              <a:t>07/11/2019</a:t>
+              <a:t>05/12/2019</a:t>
             </a:fld>
             <a:endParaRPr lang="fr-FR"/>
           </a:p>
@@ -4335,7 +4336,7 @@
           <a:p>
             <a:fld id="{0717AEF8-1597-4679-8926-916E82E12B07}" type="datetimeFigureOut">
               <a:rPr lang="fr-FR" smtClean="0"/>
-              <a:t>07/11/2019</a:t>
+              <a:t>05/12/2019</a:t>
             </a:fld>
             <a:endParaRPr lang="fr-FR"/>
           </a:p>
@@ -4610,7 +4611,7 @@
           <a:p>
             <a:fld id="{0717AEF8-1597-4679-8926-916E82E12B07}" type="datetimeFigureOut">
               <a:rPr lang="fr-FR" smtClean="0"/>
-              <a:t>07/11/2019</a:t>
+              <a:t>05/12/2019</a:t>
             </a:fld>
             <a:endParaRPr lang="fr-FR"/>
           </a:p>
@@ -4875,7 +4876,7 @@
           <a:p>
             <a:fld id="{0717AEF8-1597-4679-8926-916E82E12B07}" type="datetimeFigureOut">
               <a:rPr lang="fr-FR" smtClean="0"/>
-              <a:t>07/11/2019</a:t>
+              <a:t>05/12/2019</a:t>
             </a:fld>
             <a:endParaRPr lang="fr-FR"/>
           </a:p>
@@ -5287,7 +5288,7 @@
           <a:p>
             <a:fld id="{0717AEF8-1597-4679-8926-916E82E12B07}" type="datetimeFigureOut">
               <a:rPr lang="fr-FR" smtClean="0"/>
-              <a:t>07/11/2019</a:t>
+              <a:t>05/12/2019</a:t>
             </a:fld>
             <a:endParaRPr lang="fr-FR"/>
           </a:p>
@@ -5428,7 +5429,7 @@
           <a:p>
             <a:fld id="{0717AEF8-1597-4679-8926-916E82E12B07}" type="datetimeFigureOut">
               <a:rPr lang="fr-FR" smtClean="0"/>
-              <a:t>07/11/2019</a:t>
+              <a:t>05/12/2019</a:t>
             </a:fld>
             <a:endParaRPr lang="fr-FR"/>
           </a:p>
@@ -5541,7 +5542,7 @@
           <a:p>
             <a:fld id="{0717AEF8-1597-4679-8926-916E82E12B07}" type="datetimeFigureOut">
               <a:rPr lang="fr-FR" smtClean="0"/>
-              <a:t>07/11/2019</a:t>
+              <a:t>05/12/2019</a:t>
             </a:fld>
             <a:endParaRPr lang="fr-FR"/>
           </a:p>
@@ -5852,7 +5853,7 @@
           <a:p>
             <a:fld id="{0717AEF8-1597-4679-8926-916E82E12B07}" type="datetimeFigureOut">
               <a:rPr lang="fr-FR" smtClean="0"/>
-              <a:t>07/11/2019</a:t>
+              <a:t>05/12/2019</a:t>
             </a:fld>
             <a:endParaRPr lang="fr-FR"/>
           </a:p>
@@ -6140,7 +6141,7 @@
           <a:p>
             <a:fld id="{0717AEF8-1597-4679-8926-916E82E12B07}" type="datetimeFigureOut">
               <a:rPr lang="fr-FR" smtClean="0"/>
-              <a:t>07/11/2019</a:t>
+              <a:t>05/12/2019</a:t>
             </a:fld>
             <a:endParaRPr lang="fr-FR"/>
           </a:p>
@@ -6381,7 +6382,7 @@
           <a:p>
             <a:fld id="{0717AEF8-1597-4679-8926-916E82E12B07}" type="datetimeFigureOut">
               <a:rPr lang="fr-FR" smtClean="0"/>
-              <a:t>07/11/2019</a:t>
+              <a:t>05/12/2019</a:t>
             </a:fld>
             <a:endParaRPr lang="fr-FR"/>
           </a:p>
@@ -13174,7 +13175,7 @@
             </a:r>
             <a:r>
               <a:rPr lang="fr-FR" dirty="0"/>
-              <a:t> (3/3)</a:t>
+              <a:t> (2/3)</a:t>
             </a:r>
           </a:p>
         </p:txBody>
@@ -13202,204 +13203,514 @@
           </a:bodyPr>
           <a:lstStyle/>
           <a:p>
-            <a:pPr>
-              <a:lnSpc>
-                <a:spcPct val="80000"/>
-              </a:lnSpc>
-            </a:pPr>
-            <a:r>
-              <a:rPr lang="fr-FR" sz="2400" dirty="0" err="1"/>
+            <a:r>
+              <a:rPr lang="fr-FR" dirty="0" err="1"/>
               <a:t>MotorESC_RunMotors</a:t>
             </a:r>
-            <a:r>
-              <a:rPr lang="fr-FR" sz="2400" dirty="0"/>
-              <a:t> (</a:t>
-            </a:r>
-            <a:r>
-              <a:rPr lang="fr-FR" sz="2400" dirty="0" err="1"/>
-              <a:t>continued</a:t>
-            </a:r>
-            <a:r>
-              <a:rPr lang="fr-FR" sz="2400" dirty="0"/>
-              <a:t>)</a:t>
-            </a:r>
+            <a:endParaRPr lang="fr-FR" dirty="0"/>
           </a:p>
           <a:p>
             <a:pPr marL="457200" lvl="1" indent="0">
               <a:buNone/>
             </a:pPr>
-            <a:endParaRPr lang="en-US" sz="1700" dirty="0"/>
+            <a:r>
+              <a:rPr lang="en-US" sz="1400" dirty="0"/>
+              <a:t>if </a:t>
+            </a:r>
+            <a:r>
+              <a:rPr lang="en-US" sz="1400" dirty="0" err="1"/>
+              <a:t>ESC_command</a:t>
+            </a:r>
+            <a:r>
+              <a:rPr lang="en-US" sz="1400" dirty="0"/>
+              <a:t>[THROTTLE] = 0 =&gt; Motors = MINPWM</a:t>
+            </a:r>
           </a:p>
           <a:p>
             <a:pPr marL="457200" lvl="1" indent="0">
               <a:buNone/>
             </a:pPr>
-            <a:r>
-              <a:rPr lang="fr-FR" sz="1700" dirty="0"/>
-              <a:t>For all </a:t>
-            </a:r>
-            <a:r>
-              <a:rPr lang="fr-FR" sz="1700" dirty="0" err="1"/>
-              <a:t>motors</a:t>
-            </a:r>
-            <a:r>
-              <a:rPr lang="fr-FR" sz="1700" dirty="0"/>
-              <a:t> c</a:t>
-            </a:r>
-            <a:r>
-              <a:rPr lang="en-US" sz="1700" dirty="0" err="1"/>
-              <a:t>ompute</a:t>
-            </a:r>
-            <a:r>
-              <a:rPr lang="en-US" sz="1700" dirty="0"/>
-              <a:t>:</a:t>
-            </a:r>
-          </a:p>
-          <a:p>
-            <a:pPr marL="914400" lvl="2" indent="0">
-              <a:buNone/>
-            </a:pPr>
-            <a:r>
-              <a:rPr lang="fr-FR" sz="1300" dirty="0" err="1"/>
-              <a:t>maxMotor</a:t>
-            </a:r>
-            <a:r>
-              <a:rPr lang="fr-FR" sz="1300" dirty="0"/>
-              <a:t> = max (</a:t>
-            </a:r>
-            <a:r>
-              <a:rPr lang="fr-FR" sz="1300" dirty="0" err="1"/>
-              <a:t>motor</a:t>
-            </a:r>
-            <a:r>
-              <a:rPr lang="fr-FR" sz="1300" dirty="0"/>
-              <a:t>[i]- MAXPWM )</a:t>
-            </a:r>
-          </a:p>
-          <a:p>
-            <a:pPr marL="914400" lvl="2" indent="0">
-              <a:buNone/>
-            </a:pPr>
-            <a:r>
-              <a:rPr lang="en-US" sz="1300" dirty="0" err="1"/>
-              <a:t>minMotor</a:t>
-            </a:r>
-            <a:r>
-              <a:rPr lang="en-US" sz="1300" dirty="0"/>
-              <a:t> </a:t>
-            </a:r>
-            <a:r>
-              <a:rPr lang="fr-FR" sz="1300" dirty="0"/>
-              <a:t>= max (MINPWM - _</a:t>
-            </a:r>
-            <a:r>
-              <a:rPr lang="fr-FR" sz="1300" dirty="0" err="1"/>
-              <a:t>motor</a:t>
-            </a:r>
-            <a:r>
-              <a:rPr lang="fr-FR" sz="1300" dirty="0"/>
-              <a:t>[i]) </a:t>
-            </a:r>
+            <a:endParaRPr lang="fr-FR" sz="1400" dirty="0"/>
           </a:p>
           <a:p>
             <a:pPr marL="457200" lvl="1" indent="0">
               <a:buNone/>
             </a:pPr>
-            <a:endParaRPr lang="en-US" sz="1700" dirty="0"/>
+            <a:r>
+              <a:rPr lang="fr-FR" sz="1400" dirty="0" err="1"/>
+              <a:t>else</a:t>
+            </a:r>
+            <a:r>
+              <a:rPr lang="fr-FR" sz="1400" dirty="0"/>
+              <a:t>:</a:t>
+            </a:r>
           </a:p>
           <a:p>
             <a:pPr marL="457200" lvl="1" indent="0">
               <a:buNone/>
             </a:pPr>
             <a:r>
-              <a:rPr lang="en-US" sz="1700" dirty="0"/>
-              <a:t>If  </a:t>
-            </a:r>
-            <a:r>
-              <a:rPr lang="en-US" sz="1700" dirty="0" err="1"/>
-              <a:t>maxMotor</a:t>
-            </a:r>
-            <a:r>
-              <a:rPr lang="en-US" sz="1700" dirty="0"/>
-              <a:t> &gt;0, then Subtract </a:t>
-            </a:r>
-            <a:r>
-              <a:rPr lang="en-US" sz="1700" dirty="0" err="1"/>
-              <a:t>maxMotor</a:t>
-            </a:r>
-            <a:r>
-              <a:rPr lang="en-US" sz="1700" dirty="0"/>
-              <a:t> from all motors</a:t>
+              <a:rPr lang="fr-FR" sz="1400" dirty="0"/>
+              <a:t>   // assure </a:t>
+            </a:r>
+            <a:r>
+              <a:rPr lang="fr-FR" sz="1400" dirty="0" err="1"/>
+              <a:t>consistency</a:t>
+            </a:r>
+            <a:r>
+              <a:rPr lang="fr-FR" sz="1400" dirty="0"/>
+              <a:t> </a:t>
+            </a:r>
+            <a:r>
+              <a:rPr lang="fr-FR" sz="1400" dirty="0" err="1"/>
+              <a:t>between</a:t>
+            </a:r>
+            <a:r>
+              <a:rPr lang="fr-FR" sz="1400" dirty="0"/>
+              <a:t> the impact of the </a:t>
+            </a:r>
+            <a:r>
+              <a:rPr lang="fr-FR" sz="1400" dirty="0" err="1"/>
+              <a:t>throttle</a:t>
+            </a:r>
+            <a:r>
+              <a:rPr lang="fr-FR" sz="1400" dirty="0"/>
+              <a:t> and of the PID</a:t>
             </a:r>
           </a:p>
           <a:p>
             <a:pPr marL="457200" lvl="1" indent="0">
               <a:buNone/>
             </a:pPr>
-            <a:endParaRPr lang="en-US" sz="1700" dirty="0"/>
+            <a:r>
+              <a:rPr lang="fr-FR" sz="1400" dirty="0"/>
+              <a:t>    </a:t>
+            </a:r>
+            <a:r>
+              <a:rPr lang="fr-FR" sz="1400" dirty="0" err="1"/>
+              <a:t>throttle</a:t>
+            </a:r>
+            <a:r>
+              <a:rPr lang="fr-FR" sz="1400" dirty="0"/>
+              <a:t> = </a:t>
+            </a:r>
+            <a:r>
+              <a:rPr lang="fr-FR" sz="1400" dirty="0" err="1"/>
+              <a:t>map</a:t>
+            </a:r>
+            <a:r>
+              <a:rPr lang="fr-FR" sz="1400" dirty="0"/>
+              <a:t>(</a:t>
+            </a:r>
+            <a:r>
+              <a:rPr lang="fr-FR" sz="1400" dirty="0" err="1"/>
+              <a:t>ESC_command</a:t>
+            </a:r>
+            <a:r>
+              <a:rPr lang="fr-FR" sz="1400" dirty="0"/>
+              <a:t>[THROTTLE], MINPPM, MAXPPM, MINPWMTHRO, MAXPWMTHRO);  // to </a:t>
+            </a:r>
+            <a:r>
+              <a:rPr lang="fr-FR" sz="1400" dirty="0" err="1"/>
+              <a:t>give</a:t>
+            </a:r>
+            <a:r>
+              <a:rPr lang="fr-FR" sz="1400" dirty="0"/>
+              <a:t> room for PID ajustement</a:t>
+            </a:r>
           </a:p>
           <a:p>
             <a:pPr marL="457200" lvl="1" indent="0">
               <a:buNone/>
             </a:pPr>
-            <a:r>
-              <a:rPr lang="en-US" sz="1700" dirty="0"/>
-              <a:t>If  </a:t>
-            </a:r>
-            <a:r>
-              <a:rPr lang="en-US" sz="1700" dirty="0" err="1"/>
-              <a:t>minMotor</a:t>
-            </a:r>
-            <a:r>
-              <a:rPr lang="en-US" sz="1700" dirty="0"/>
-              <a:t> &gt;0, then Add </a:t>
-            </a:r>
-            <a:r>
-              <a:rPr lang="en-US" sz="1700" dirty="0" err="1"/>
-              <a:t>minMotor</a:t>
-            </a:r>
-            <a:r>
-              <a:rPr lang="en-US" sz="1700" dirty="0"/>
-              <a:t> to all motors</a:t>
-            </a:r>
+            <a:endParaRPr lang="fr-FR" sz="1400" dirty="0"/>
           </a:p>
           <a:p>
             <a:pPr marL="457200" lvl="1" indent="0">
               <a:buNone/>
             </a:pPr>
-            <a:endParaRPr lang="en-US" sz="1700" dirty="0"/>
+            <a:r>
+              <a:rPr lang="fr-FR" sz="1400" dirty="0"/>
+              <a:t> #</a:t>
+            </a:r>
+            <a:r>
+              <a:rPr lang="fr-FR" sz="1400" dirty="0" err="1"/>
+              <a:t>define</a:t>
+            </a:r>
+            <a:r>
+              <a:rPr lang="fr-FR" sz="1400" dirty="0"/>
+              <a:t> PIDMIX(X,Y,Z) </a:t>
+            </a:r>
+            <a:r>
+              <a:rPr lang="fr-FR" sz="1400" dirty="0" err="1"/>
+              <a:t>ESC_command</a:t>
+            </a:r>
+            <a:r>
+              <a:rPr lang="fr-FR" sz="1400" dirty="0"/>
+              <a:t>[ROLL]*X + </a:t>
+            </a:r>
+            <a:r>
+              <a:rPr lang="fr-FR" sz="1400" dirty="0" err="1"/>
+              <a:t>ESC_command</a:t>
+            </a:r>
+            <a:r>
+              <a:rPr lang="fr-FR" sz="1400" dirty="0"/>
+              <a:t>[PITCH]*Y + </a:t>
+            </a:r>
+            <a:r>
+              <a:rPr lang="fr-FR" sz="1400" dirty="0" err="1"/>
+              <a:t>ESC_command</a:t>
+            </a:r>
+            <a:r>
+              <a:rPr lang="fr-FR" sz="1400" dirty="0"/>
+              <a:t>[YAW]*Z</a:t>
+            </a:r>
           </a:p>
           <a:p>
             <a:pPr marL="457200" lvl="1" indent="0">
               <a:buNone/>
             </a:pPr>
             <a:r>
-              <a:rPr lang="en-US" sz="1700" dirty="0"/>
-              <a:t> If  </a:t>
-            </a:r>
-            <a:r>
-              <a:rPr lang="en-US" sz="1700" dirty="0" err="1"/>
-              <a:t>maxMotor</a:t>
-            </a:r>
-            <a:r>
-              <a:rPr lang="en-US" sz="1700" dirty="0"/>
-              <a:t> &gt;0 or </a:t>
-            </a:r>
-            <a:r>
-              <a:rPr lang="en-US" sz="1700" dirty="0" err="1"/>
-              <a:t>minMotor</a:t>
-            </a:r>
-            <a:r>
-              <a:rPr lang="en-US" sz="1700" dirty="0"/>
-              <a:t> &gt;0 , then Cap all motors between MINPWM and MAXPWM</a:t>
-            </a:r>
+              <a:rPr lang="fr-FR" sz="1400" dirty="0"/>
+              <a:t>     </a:t>
+            </a:r>
+            <a:r>
+              <a:rPr lang="fr-FR" sz="1400" dirty="0" err="1"/>
+              <a:t>pid</a:t>
+            </a:r>
+            <a:r>
+              <a:rPr lang="fr-FR" sz="1400" dirty="0"/>
+              <a:t> = PIDMIX(-1,-1,+1); //Front </a:t>
+            </a:r>
+            <a:r>
+              <a:rPr lang="fr-FR" sz="1400" dirty="0" err="1"/>
+              <a:t>Left</a:t>
+            </a:r>
+            <a:endParaRPr lang="fr-FR" sz="1400" dirty="0"/>
+          </a:p>
+          <a:p>
+            <a:pPr marL="457200" lvl="1" indent="0">
+              <a:buNone/>
+            </a:pPr>
+            <a:r>
+              <a:rPr lang="fr-FR" sz="1400" dirty="0"/>
+              <a:t>     _</a:t>
+            </a:r>
+            <a:r>
+              <a:rPr lang="fr-FR" sz="1400" dirty="0" err="1"/>
+              <a:t>motor</a:t>
+            </a:r>
+            <a:r>
+              <a:rPr lang="fr-FR" sz="1400" dirty="0"/>
+              <a:t>[0] = </a:t>
+            </a:r>
+            <a:r>
+              <a:rPr lang="fr-FR" sz="1400" dirty="0" err="1"/>
+              <a:t>map</a:t>
+            </a:r>
+            <a:r>
+              <a:rPr lang="fr-FR" sz="1400" dirty="0"/>
+              <a:t>(</a:t>
+            </a:r>
+            <a:r>
+              <a:rPr lang="fr-FR" sz="1400" dirty="0" err="1"/>
+              <a:t>pid</a:t>
+            </a:r>
+            <a:r>
+              <a:rPr lang="fr-FR" sz="1400" dirty="0"/>
+              <a:t>, -MAXABSPID, MAXABSPID, MINPWMPID, MAXPWMPID) + </a:t>
+            </a:r>
+            <a:r>
+              <a:rPr lang="fr-FR" sz="1400" dirty="0" err="1"/>
+              <a:t>throttle</a:t>
+            </a:r>
+            <a:r>
+              <a:rPr lang="fr-FR" sz="1400" dirty="0"/>
+              <a:t>; </a:t>
+            </a:r>
+          </a:p>
+          <a:p>
+            <a:pPr marL="457200" lvl="1" indent="0">
+              <a:buNone/>
+            </a:pPr>
+            <a:r>
+              <a:rPr lang="fr-FR" sz="1400" dirty="0"/>
+              <a:t>     </a:t>
+            </a:r>
+            <a:r>
+              <a:rPr lang="fr-FR" sz="1400" dirty="0" err="1"/>
+              <a:t>pid</a:t>
+            </a:r>
+            <a:r>
+              <a:rPr lang="fr-FR" sz="1400" dirty="0"/>
+              <a:t> = PIDMIX(+1,-1,-1); //Front Right</a:t>
+            </a:r>
+          </a:p>
+          <a:p>
+            <a:pPr marL="457200" lvl="1" indent="0">
+              <a:buNone/>
+            </a:pPr>
+            <a:r>
+              <a:rPr lang="fr-FR" sz="1400" dirty="0"/>
+              <a:t>     _</a:t>
+            </a:r>
+            <a:r>
+              <a:rPr lang="fr-FR" sz="1400" dirty="0" err="1"/>
+              <a:t>motor</a:t>
+            </a:r>
+            <a:r>
+              <a:rPr lang="fr-FR" sz="1400" dirty="0"/>
+              <a:t>[1] = </a:t>
+            </a:r>
+            <a:r>
+              <a:rPr lang="fr-FR" sz="1400" dirty="0" err="1"/>
+              <a:t>map</a:t>
+            </a:r>
+            <a:r>
+              <a:rPr lang="fr-FR" sz="1400" dirty="0"/>
+              <a:t>(</a:t>
+            </a:r>
+            <a:r>
+              <a:rPr lang="fr-FR" sz="1400" dirty="0" err="1"/>
+              <a:t>pid</a:t>
+            </a:r>
+            <a:r>
+              <a:rPr lang="fr-FR" sz="1400" dirty="0"/>
+              <a:t>, -MAXABSPID, MAXABSPID, MINPWMPID, MAXPWMPID) + </a:t>
+            </a:r>
+            <a:r>
+              <a:rPr lang="fr-FR" sz="1400" dirty="0" err="1"/>
+              <a:t>throttle</a:t>
+            </a:r>
+            <a:r>
+              <a:rPr lang="fr-FR" sz="1400" dirty="0"/>
+              <a:t>;</a:t>
+            </a:r>
+          </a:p>
+          <a:p>
+            <a:pPr marL="457200" lvl="1" indent="0">
+              <a:buNone/>
+            </a:pPr>
+            <a:r>
+              <a:rPr lang="fr-FR" sz="1400" dirty="0"/>
+              <a:t>     </a:t>
+            </a:r>
+            <a:r>
+              <a:rPr lang="fr-FR" sz="1400" dirty="0" err="1"/>
+              <a:t>pid</a:t>
+            </a:r>
+            <a:r>
+              <a:rPr lang="fr-FR" sz="1400" dirty="0"/>
+              <a:t> = PIDMIX(+1,+1,+1); //</a:t>
+            </a:r>
+            <a:r>
+              <a:rPr lang="fr-FR" sz="1400" dirty="0" err="1"/>
+              <a:t>Rear</a:t>
+            </a:r>
+            <a:r>
+              <a:rPr lang="fr-FR" sz="1400" dirty="0"/>
+              <a:t> Right</a:t>
+            </a:r>
+          </a:p>
+          <a:p>
+            <a:pPr marL="457200" lvl="1" indent="0">
+              <a:buNone/>
+            </a:pPr>
+            <a:r>
+              <a:rPr lang="fr-FR" sz="1400" dirty="0"/>
+              <a:t>     _</a:t>
+            </a:r>
+            <a:r>
+              <a:rPr lang="fr-FR" sz="1400" dirty="0" err="1"/>
+              <a:t>motor</a:t>
+            </a:r>
+            <a:r>
+              <a:rPr lang="fr-FR" sz="1400" dirty="0"/>
+              <a:t>[2] = </a:t>
+            </a:r>
+            <a:r>
+              <a:rPr lang="fr-FR" sz="1400" dirty="0" err="1"/>
+              <a:t>map</a:t>
+            </a:r>
+            <a:r>
+              <a:rPr lang="fr-FR" sz="1400" dirty="0"/>
+              <a:t>(</a:t>
+            </a:r>
+            <a:r>
+              <a:rPr lang="fr-FR" sz="1400" dirty="0" err="1"/>
+              <a:t>pid</a:t>
+            </a:r>
+            <a:r>
+              <a:rPr lang="fr-FR" sz="1400" dirty="0"/>
+              <a:t>, -MAXABSPID, MAXABSPID, MINPWMPID, MAXPWMPID) + </a:t>
+            </a:r>
+            <a:r>
+              <a:rPr lang="fr-FR" sz="1400" dirty="0" err="1"/>
+              <a:t>throttle</a:t>
+            </a:r>
+            <a:r>
+              <a:rPr lang="fr-FR" sz="1400" dirty="0"/>
+              <a:t>;</a:t>
+            </a:r>
+          </a:p>
+          <a:p>
+            <a:pPr marL="457200" lvl="1" indent="0">
+              <a:buNone/>
+            </a:pPr>
+            <a:r>
+              <a:rPr lang="fr-FR" sz="1400" dirty="0"/>
+              <a:t>     </a:t>
+            </a:r>
+            <a:r>
+              <a:rPr lang="fr-FR" sz="1400" dirty="0" err="1"/>
+              <a:t>pid</a:t>
+            </a:r>
+            <a:r>
+              <a:rPr lang="fr-FR" sz="1400" dirty="0"/>
+              <a:t> = PIDMIX(-1,+1,-1); //</a:t>
+            </a:r>
+            <a:r>
+              <a:rPr lang="fr-FR" sz="1400" dirty="0" err="1"/>
+              <a:t>Rear</a:t>
+            </a:r>
+            <a:r>
+              <a:rPr lang="fr-FR" sz="1400" dirty="0"/>
+              <a:t> </a:t>
+            </a:r>
+            <a:r>
+              <a:rPr lang="fr-FR" sz="1400" dirty="0" err="1"/>
+              <a:t>Left</a:t>
+            </a:r>
+            <a:endParaRPr lang="fr-FR" sz="1400" dirty="0"/>
+          </a:p>
+          <a:p>
+            <a:pPr marL="457200" lvl="1" indent="0">
+              <a:buNone/>
+            </a:pPr>
+            <a:r>
+              <a:rPr lang="fr-FR" sz="1400" dirty="0"/>
+              <a:t>     _</a:t>
+            </a:r>
+            <a:r>
+              <a:rPr lang="fr-FR" sz="1400" dirty="0" err="1"/>
+              <a:t>motor</a:t>
+            </a:r>
+            <a:r>
+              <a:rPr lang="fr-FR" sz="1400" dirty="0"/>
+              <a:t>[3] = </a:t>
+            </a:r>
+            <a:r>
+              <a:rPr lang="fr-FR" sz="1400" dirty="0" err="1"/>
+              <a:t>map</a:t>
+            </a:r>
+            <a:r>
+              <a:rPr lang="fr-FR" sz="1400" dirty="0"/>
+              <a:t>(</a:t>
+            </a:r>
+            <a:r>
+              <a:rPr lang="fr-FR" sz="1400" dirty="0" err="1"/>
+              <a:t>pid</a:t>
+            </a:r>
+            <a:r>
+              <a:rPr lang="fr-FR" sz="1400" dirty="0"/>
+              <a:t>, -MAXABSPID, MAXABSPID, MINPWMPID, MAXPWMPID) + </a:t>
+            </a:r>
+            <a:r>
+              <a:rPr lang="fr-FR" sz="1400" dirty="0" err="1"/>
+              <a:t>throttle</a:t>
+            </a:r>
+            <a:r>
+              <a:rPr lang="fr-FR" sz="1400" dirty="0"/>
+              <a:t>;</a:t>
+            </a:r>
+          </a:p>
+        </p:txBody>
+      </p:sp>
+      <p:sp>
+        <p:nvSpPr>
+          <p:cNvPr id="4" name="ZoneTexte 3">
+            <a:extLst>
+              <a:ext uri="{FF2B5EF4-FFF2-40B4-BE49-F238E27FC236}">
+                <a16:creationId xmlns:a16="http://schemas.microsoft.com/office/drawing/2014/main" id="{7203BC04-E8B9-4351-97B7-06F37CB1AEAA}"/>
+              </a:ext>
+            </a:extLst>
+          </p:cNvPr>
+          <p:cNvSpPr txBox="1"/>
+          <p:nvPr/>
+        </p:nvSpPr>
+        <p:spPr>
+          <a:xfrm>
+            <a:off x="8092440" y="1633448"/>
+            <a:ext cx="3642360" cy="1200329"/>
+          </a:xfrm>
+          <a:prstGeom prst="rect">
+            <a:avLst/>
+          </a:prstGeom>
+          <a:solidFill>
+            <a:schemeClr val="accent2">
+              <a:lumMod val="60000"/>
+              <a:lumOff val="40000"/>
+            </a:schemeClr>
+          </a:solidFill>
+        </p:spPr>
+        <p:txBody>
+          <a:bodyPr wrap="square" rtlCol="0">
+            <a:spAutoFit/>
+          </a:bodyPr>
+          <a:lstStyle/>
+          <a:p>
+            <a:r>
+              <a:rPr lang="en-US" sz="900" dirty="0"/>
+              <a:t>#define MINPWM 1000</a:t>
+            </a:r>
+          </a:p>
+          <a:p>
+            <a:r>
+              <a:rPr lang="en-US" sz="900" dirty="0"/>
+              <a:t>#define MAXPWM 2000</a:t>
+            </a:r>
+          </a:p>
+          <a:p>
+            <a:r>
+              <a:rPr lang="en-US" sz="900" dirty="0"/>
+              <a:t>#define MINPWMTHRO 1000</a:t>
+            </a:r>
+          </a:p>
+          <a:p>
+            <a:r>
+              <a:rPr lang="en-US" sz="900" dirty="0"/>
+              <a:t>#define MAXPWMTHRO 2000</a:t>
+            </a:r>
+          </a:p>
+          <a:p>
+            <a:r>
+              <a:rPr lang="en-US" sz="900" dirty="0"/>
+              <a:t>#define MAXABSPWMPID 200 /// to be TESTED</a:t>
+            </a:r>
+          </a:p>
+          <a:p>
+            <a:r>
+              <a:rPr lang="en-US" sz="900" dirty="0"/>
+              <a:t>#define MAXABSPID 79 // computed based on value of the </a:t>
+            </a:r>
+            <a:r>
+              <a:rPr lang="en-US" sz="900" dirty="0" err="1"/>
+              <a:t>coeff</a:t>
+            </a:r>
+            <a:r>
+              <a:rPr lang="en-US" sz="900" dirty="0"/>
+              <a:t> and max error for PID</a:t>
+            </a:r>
+          </a:p>
+          <a:p>
+            <a:endParaRPr lang="en-US" sz="900" dirty="0"/>
           </a:p>
         </p:txBody>
       </p:sp>
     </p:spTree>
     <p:extLst>
       <p:ext uri="{BB962C8B-B14F-4D97-AF65-F5344CB8AC3E}">
-        <p14:creationId xmlns:p14="http://schemas.microsoft.com/office/powerpoint/2010/main" val="562448934"/>
+        <p14:creationId xmlns:p14="http://schemas.microsoft.com/office/powerpoint/2010/main" val="2221460608"/>
       </p:ext>
     </p:extLst>
   </p:cSld>
@@ -13431,6 +13742,289 @@
           <p:cNvPr id="2" name="Titre 1">
             <a:extLst>
               <a:ext uri="{FF2B5EF4-FFF2-40B4-BE49-F238E27FC236}">
+                <a16:creationId xmlns:a16="http://schemas.microsoft.com/office/drawing/2014/main" id="{7D7887D6-7566-47C9-A25C-3F4F54D9EBDC}"/>
+              </a:ext>
+            </a:extLst>
+          </p:cNvPr>
+          <p:cNvSpPr>
+            <a:spLocks noGrp="1"/>
+          </p:cNvSpPr>
+          <p:nvPr>
+            <p:ph type="title"/>
+          </p:nvPr>
+        </p:nvSpPr>
+        <p:spPr/>
+        <p:txBody>
+          <a:bodyPr/>
+          <a:lstStyle/>
+          <a:p>
+            <a:r>
+              <a:rPr lang="fr-FR" dirty="0"/>
+              <a:t>Drone </a:t>
+            </a:r>
+            <a:r>
+              <a:rPr lang="fr-FR" dirty="0" err="1"/>
+              <a:t>processing</a:t>
+            </a:r>
+            <a:r>
+              <a:rPr lang="fr-FR" dirty="0"/>
+              <a:t> (3/3)</a:t>
+            </a:r>
+          </a:p>
+        </p:txBody>
+      </p:sp>
+      <p:sp>
+        <p:nvSpPr>
+          <p:cNvPr id="3" name="Espace réservé du contenu 2">
+            <a:extLst>
+              <a:ext uri="{FF2B5EF4-FFF2-40B4-BE49-F238E27FC236}">
+                <a16:creationId xmlns:a16="http://schemas.microsoft.com/office/drawing/2014/main" id="{570C9186-32F7-45DB-A01D-E527B032981A}"/>
+              </a:ext>
+            </a:extLst>
+          </p:cNvPr>
+          <p:cNvSpPr>
+            <a:spLocks noGrp="1"/>
+          </p:cNvSpPr>
+          <p:nvPr>
+            <p:ph idx="1"/>
+          </p:nvPr>
+        </p:nvSpPr>
+        <p:spPr/>
+        <p:txBody>
+          <a:bodyPr>
+            <a:normAutofit/>
+          </a:bodyPr>
+          <a:lstStyle/>
+          <a:p>
+            <a:pPr>
+              <a:lnSpc>
+                <a:spcPct val="80000"/>
+              </a:lnSpc>
+            </a:pPr>
+            <a:r>
+              <a:rPr lang="fr-FR" sz="2400" dirty="0" err="1"/>
+              <a:t>MotorESC_RunMotors</a:t>
+            </a:r>
+            <a:r>
+              <a:rPr lang="fr-FR" sz="2400" dirty="0"/>
+              <a:t> (</a:t>
+            </a:r>
+            <a:r>
+              <a:rPr lang="fr-FR" sz="2400" dirty="0" err="1"/>
+              <a:t>continued</a:t>
+            </a:r>
+            <a:r>
+              <a:rPr lang="fr-FR" sz="2400" dirty="0"/>
+              <a:t>)</a:t>
+            </a:r>
+          </a:p>
+          <a:p>
+            <a:pPr marL="457200" lvl="1" indent="0">
+              <a:buNone/>
+            </a:pPr>
+            <a:endParaRPr lang="en-US" sz="1700" dirty="0"/>
+          </a:p>
+          <a:p>
+            <a:pPr marL="457200" lvl="1" indent="0">
+              <a:buNone/>
+            </a:pPr>
+            <a:r>
+              <a:rPr lang="fr-FR" sz="1700" dirty="0"/>
+              <a:t>For all </a:t>
+            </a:r>
+            <a:r>
+              <a:rPr lang="fr-FR" sz="1700" dirty="0" err="1"/>
+              <a:t>motors</a:t>
+            </a:r>
+            <a:r>
+              <a:rPr lang="fr-FR" sz="1700" dirty="0"/>
+              <a:t> c</a:t>
+            </a:r>
+            <a:r>
+              <a:rPr lang="en-US" sz="1700" dirty="0" err="1"/>
+              <a:t>ompute</a:t>
+            </a:r>
+            <a:r>
+              <a:rPr lang="en-US" sz="1700" dirty="0"/>
+              <a:t>:</a:t>
+            </a:r>
+          </a:p>
+          <a:p>
+            <a:pPr marL="914400" lvl="2" indent="0">
+              <a:buNone/>
+            </a:pPr>
+            <a:r>
+              <a:rPr lang="fr-FR" sz="1300" dirty="0" err="1"/>
+              <a:t>maxMotor</a:t>
+            </a:r>
+            <a:r>
+              <a:rPr lang="fr-FR" sz="1300" dirty="0"/>
+              <a:t> = max (</a:t>
+            </a:r>
+            <a:r>
+              <a:rPr lang="fr-FR" sz="1300" dirty="0" err="1"/>
+              <a:t>motor</a:t>
+            </a:r>
+            <a:r>
+              <a:rPr lang="fr-FR" sz="1300" dirty="0"/>
+              <a:t>[i]- MAXPWM )</a:t>
+            </a:r>
+          </a:p>
+          <a:p>
+            <a:pPr marL="914400" lvl="2" indent="0">
+              <a:buNone/>
+            </a:pPr>
+            <a:r>
+              <a:rPr lang="en-US" sz="1300" dirty="0" err="1"/>
+              <a:t>minMotor</a:t>
+            </a:r>
+            <a:r>
+              <a:rPr lang="en-US" sz="1300" dirty="0"/>
+              <a:t> </a:t>
+            </a:r>
+            <a:r>
+              <a:rPr lang="fr-FR" sz="1300" dirty="0"/>
+              <a:t>= max (MINPWM - _</a:t>
+            </a:r>
+            <a:r>
+              <a:rPr lang="fr-FR" sz="1300" dirty="0" err="1"/>
+              <a:t>motor</a:t>
+            </a:r>
+            <a:r>
+              <a:rPr lang="fr-FR" sz="1300" dirty="0"/>
+              <a:t>[i]) </a:t>
+            </a:r>
+          </a:p>
+          <a:p>
+            <a:pPr marL="457200" lvl="1" indent="0">
+              <a:buNone/>
+            </a:pPr>
+            <a:endParaRPr lang="en-US" sz="1700" dirty="0"/>
+          </a:p>
+          <a:p>
+            <a:pPr marL="457200" lvl="1" indent="0">
+              <a:buNone/>
+            </a:pPr>
+            <a:r>
+              <a:rPr lang="en-US" sz="1700" dirty="0"/>
+              <a:t>If  </a:t>
+            </a:r>
+            <a:r>
+              <a:rPr lang="en-US" sz="1700" dirty="0" err="1"/>
+              <a:t>maxMotor</a:t>
+            </a:r>
+            <a:r>
+              <a:rPr lang="en-US" sz="1700" dirty="0"/>
+              <a:t> &gt;0, then Subtract </a:t>
+            </a:r>
+            <a:r>
+              <a:rPr lang="en-US" sz="1700" dirty="0" err="1"/>
+              <a:t>maxMotor</a:t>
+            </a:r>
+            <a:r>
+              <a:rPr lang="en-US" sz="1700" dirty="0"/>
+              <a:t> from all motors</a:t>
+            </a:r>
+          </a:p>
+          <a:p>
+            <a:pPr marL="457200" lvl="1" indent="0">
+              <a:buNone/>
+            </a:pPr>
+            <a:endParaRPr lang="en-US" sz="1700" dirty="0"/>
+          </a:p>
+          <a:p>
+            <a:pPr marL="457200" lvl="1" indent="0">
+              <a:buNone/>
+            </a:pPr>
+            <a:r>
+              <a:rPr lang="en-US" sz="1700" dirty="0"/>
+              <a:t>If  </a:t>
+            </a:r>
+            <a:r>
+              <a:rPr lang="en-US" sz="1700" dirty="0" err="1"/>
+              <a:t>minMotor</a:t>
+            </a:r>
+            <a:r>
+              <a:rPr lang="en-US" sz="1700" dirty="0"/>
+              <a:t> &gt;0, then Add </a:t>
+            </a:r>
+            <a:r>
+              <a:rPr lang="en-US" sz="1700" dirty="0" err="1"/>
+              <a:t>minMotor</a:t>
+            </a:r>
+            <a:r>
+              <a:rPr lang="en-US" sz="1700" dirty="0"/>
+              <a:t> to all motors</a:t>
+            </a:r>
+          </a:p>
+          <a:p>
+            <a:pPr marL="457200" lvl="1" indent="0">
+              <a:buNone/>
+            </a:pPr>
+            <a:endParaRPr lang="en-US" sz="1700" dirty="0"/>
+          </a:p>
+          <a:p>
+            <a:pPr marL="457200" lvl="1" indent="0">
+              <a:buNone/>
+            </a:pPr>
+            <a:r>
+              <a:rPr lang="en-US" sz="1700" dirty="0"/>
+              <a:t> If  </a:t>
+            </a:r>
+            <a:r>
+              <a:rPr lang="en-US" sz="1700" dirty="0" err="1"/>
+              <a:t>maxMotor</a:t>
+            </a:r>
+            <a:r>
+              <a:rPr lang="en-US" sz="1700" dirty="0"/>
+              <a:t> &gt;0 or </a:t>
+            </a:r>
+            <a:r>
+              <a:rPr lang="en-US" sz="1700" dirty="0" err="1"/>
+              <a:t>minMotor</a:t>
+            </a:r>
+            <a:r>
+              <a:rPr lang="en-US" sz="1700" dirty="0"/>
+              <a:t> &gt;0 , then Cap all motors between MINPWM and MAXPWM</a:t>
+            </a:r>
+          </a:p>
+        </p:txBody>
+      </p:sp>
+    </p:spTree>
+    <p:extLst>
+      <p:ext uri="{BB962C8B-B14F-4D97-AF65-F5344CB8AC3E}">
+        <p14:creationId xmlns:p14="http://schemas.microsoft.com/office/powerpoint/2010/main" val="562448934"/>
+      </p:ext>
+    </p:extLst>
+  </p:cSld>
+  <p:clrMapOvr>
+    <a:masterClrMapping/>
+  </p:clrMapOvr>
+</p:sld>
+</file>
+
+<file path=ppt/slides/slide12.xml><?xml version="1.0" encoding="utf-8"?>
+<p:sld xmlns:a="http://schemas.openxmlformats.org/drawingml/2006/main" xmlns:r="http://schemas.openxmlformats.org/officeDocument/2006/relationships" xmlns:p="http://schemas.openxmlformats.org/presentationml/2006/main">
+  <p:cSld>
+    <p:spTree>
+      <p:nvGrpSpPr>
+        <p:cNvPr id="1" name=""/>
+        <p:cNvGrpSpPr/>
+        <p:nvPr/>
+      </p:nvGrpSpPr>
+      <p:grpSpPr>
+        <a:xfrm>
+          <a:off x="0" y="0"/>
+          <a:ext cx="0" cy="0"/>
+          <a:chOff x="0" y="0"/>
+          <a:chExt cx="0" cy="0"/>
+        </a:xfrm>
+      </p:grpSpPr>
+      <p:sp>
+        <p:nvSpPr>
+          <p:cNvPr id="2" name="Titre 1">
+            <a:extLst>
+              <a:ext uri="{FF2B5EF4-FFF2-40B4-BE49-F238E27FC236}">
                 <a16:creationId xmlns:a16="http://schemas.microsoft.com/office/drawing/2014/main" id="{B2E95FC8-98C1-4761-96A0-FCEBFB8AD3C7}"/>
               </a:ext>
             </a:extLst>
@@ -14212,7 +14806,7 @@
 </p:sld>
 </file>
 
-<file path=ppt/slides/slide12.xml><?xml version="1.0" encoding="utf-8"?>
+<file path=ppt/slides/slide13.xml><?xml version="1.0" encoding="utf-8"?>
 <p:sld xmlns:a="http://schemas.openxmlformats.org/drawingml/2006/main" xmlns:r="http://schemas.openxmlformats.org/officeDocument/2006/relationships" xmlns:p="http://schemas.openxmlformats.org/presentationml/2006/main">
   <p:cSld>
     <p:bg>
@@ -14316,284 +14910,6 @@
 </p:sld>
 </file>
 
-<file path=ppt/slides/slide13.xml><?xml version="1.0" encoding="utf-8"?>
-<p:sld xmlns:a="http://schemas.openxmlformats.org/drawingml/2006/main" xmlns:r="http://schemas.openxmlformats.org/officeDocument/2006/relationships" xmlns:p="http://schemas.openxmlformats.org/presentationml/2006/main">
-  <p:cSld>
-    <p:spTree>
-      <p:nvGrpSpPr>
-        <p:cNvPr id="1" name=""/>
-        <p:cNvGrpSpPr/>
-        <p:nvPr/>
-      </p:nvGrpSpPr>
-      <p:grpSpPr>
-        <a:xfrm>
-          <a:off x="0" y="0"/>
-          <a:ext cx="0" cy="0"/>
-          <a:chOff x="0" y="0"/>
-          <a:chExt cx="0" cy="0"/>
-        </a:xfrm>
-      </p:grpSpPr>
-      <p:sp>
-        <p:nvSpPr>
-          <p:cNvPr id="2" name="Titre 1">
-            <a:extLst>
-              <a:ext uri="{FF2B5EF4-FFF2-40B4-BE49-F238E27FC236}">
-                <a16:creationId xmlns:a16="http://schemas.microsoft.com/office/drawing/2014/main" id="{E7E79103-8489-4D3F-B51C-E2763B0CEBFD}"/>
-              </a:ext>
-            </a:extLst>
-          </p:cNvPr>
-          <p:cNvSpPr>
-            <a:spLocks noGrp="1"/>
-          </p:cNvSpPr>
-          <p:nvPr>
-            <p:ph type="title"/>
-          </p:nvPr>
-        </p:nvSpPr>
-        <p:spPr/>
-        <p:txBody>
-          <a:bodyPr>
-            <a:normAutofit fontScale="90000"/>
-          </a:bodyPr>
-          <a:lstStyle/>
-          <a:p>
-            <a:r>
-              <a:rPr lang="en-US" dirty="0"/>
-              <a:t>4 Motors </a:t>
-            </a:r>
-            <a:r>
-              <a:rPr lang="en-US" b="1" dirty="0" err="1"/>
-              <a:t>Turnigy</a:t>
-            </a:r>
-            <a:r>
-              <a:rPr lang="en-US" b="1" dirty="0"/>
-              <a:t> </a:t>
-            </a:r>
-            <a:r>
-              <a:rPr lang="en-US" b="1" dirty="0" err="1"/>
-              <a:t>Aerodrive</a:t>
-            </a:r>
-            <a:r>
-              <a:rPr lang="en-US" b="1" dirty="0"/>
-              <a:t> SK3 2830-920kv Brushless </a:t>
-            </a:r>
-            <a:r>
-              <a:rPr lang="en-US" b="1" dirty="0" err="1"/>
-              <a:t>Outrunner</a:t>
-            </a:r>
-            <a:r>
-              <a:rPr lang="en-US" b="1" dirty="0"/>
-              <a:t> Motor </a:t>
-            </a:r>
-            <a:r>
-              <a:rPr lang="nb-NO" dirty="0"/>
-              <a:t>(</a:t>
-            </a:r>
-            <a:r>
-              <a:rPr lang="nb-NO"/>
-              <a:t>Hobby King </a:t>
-            </a:r>
-            <a:r>
-              <a:rPr lang="en-US"/>
-              <a:t>9192000242-0)</a:t>
-            </a:r>
-            <a:br>
-              <a:rPr lang="nb-NO" dirty="0"/>
-            </a:br>
-            <a:endParaRPr lang="en-US" dirty="0"/>
-          </a:p>
-        </p:txBody>
-      </p:sp>
-      <p:sp>
-        <p:nvSpPr>
-          <p:cNvPr id="3" name="Espace réservé du contenu 2">
-            <a:extLst>
-              <a:ext uri="{FF2B5EF4-FFF2-40B4-BE49-F238E27FC236}">
-                <a16:creationId xmlns:a16="http://schemas.microsoft.com/office/drawing/2014/main" id="{24AB464A-4857-4FF5-A7D5-D24B4CF4401F}"/>
-              </a:ext>
-            </a:extLst>
-          </p:cNvPr>
-          <p:cNvSpPr>
-            <a:spLocks noGrp="1"/>
-          </p:cNvSpPr>
-          <p:nvPr>
-            <p:ph idx="1"/>
-          </p:nvPr>
-        </p:nvSpPr>
-        <p:spPr/>
-        <p:txBody>
-          <a:bodyPr>
-            <a:normAutofit fontScale="92500" lnSpcReduction="10000"/>
-          </a:bodyPr>
-          <a:lstStyle/>
-          <a:p>
-            <a:pPr marL="0" indent="0">
-              <a:buNone/>
-            </a:pPr>
-            <a:r>
-              <a:rPr lang="en-US" dirty="0"/>
-              <a:t>Voltage: </a:t>
-            </a:r>
-            <a:r>
-              <a:rPr lang="en-US" b="1" dirty="0"/>
-              <a:t>6.4~12.6V (2~3S </a:t>
-            </a:r>
-            <a:r>
-              <a:rPr lang="en-US" b="1" dirty="0" err="1"/>
-              <a:t>LiPoly</a:t>
-            </a:r>
-            <a:r>
-              <a:rPr lang="en-US" b="1" dirty="0"/>
-              <a:t>)</a:t>
-            </a:r>
-            <a:br>
-              <a:rPr lang="en-US" dirty="0"/>
-            </a:br>
-            <a:r>
-              <a:rPr lang="en-US" dirty="0"/>
-              <a:t>RPM/V: </a:t>
-            </a:r>
-            <a:r>
-              <a:rPr lang="en-US" b="1" dirty="0"/>
-              <a:t>920kv</a:t>
-            </a:r>
-            <a:br>
-              <a:rPr lang="en-US" dirty="0"/>
-            </a:br>
-            <a:r>
-              <a:rPr lang="en-US" dirty="0"/>
-              <a:t>Max Power: </a:t>
-            </a:r>
-            <a:r>
-              <a:rPr lang="en-US" b="1" dirty="0"/>
-              <a:t>165W</a:t>
-            </a:r>
-            <a:br>
-              <a:rPr lang="en-US" dirty="0"/>
-            </a:br>
-            <a:r>
-              <a:rPr lang="en-US" dirty="0"/>
-              <a:t>Max current: </a:t>
-            </a:r>
-            <a:r>
-              <a:rPr lang="en-US" b="1" dirty="0"/>
-              <a:t>17A</a:t>
-            </a:r>
-            <a:br>
-              <a:rPr lang="en-US" dirty="0"/>
-            </a:br>
-            <a:r>
-              <a:rPr lang="en-US" dirty="0"/>
-              <a:t>Idle current: </a:t>
-            </a:r>
-            <a:r>
-              <a:rPr lang="en-US" b="1" dirty="0"/>
-              <a:t>0.95A</a:t>
-            </a:r>
-            <a:br>
-              <a:rPr lang="en-US" dirty="0"/>
-            </a:br>
-            <a:r>
-              <a:rPr lang="en-US" dirty="0"/>
-              <a:t>Resistance: </a:t>
-            </a:r>
-            <a:r>
-              <a:rPr lang="en-US" b="1" dirty="0"/>
-              <a:t>140mh</a:t>
-            </a:r>
-            <a:br>
-              <a:rPr lang="en-US" dirty="0"/>
-            </a:br>
-            <a:r>
-              <a:rPr lang="en-US" dirty="0"/>
-              <a:t>Shaft: </a:t>
-            </a:r>
-            <a:r>
-              <a:rPr lang="en-US" b="1" dirty="0"/>
-              <a:t>3mm</a:t>
-            </a:r>
-            <a:br>
-              <a:rPr lang="en-US" dirty="0"/>
-            </a:br>
-            <a:r>
-              <a:rPr lang="en-US" dirty="0"/>
-              <a:t>Bolt holes spacing: </a:t>
-            </a:r>
-            <a:r>
-              <a:rPr lang="en-US" b="1" dirty="0"/>
-              <a:t>16 x 19mm</a:t>
-            </a:r>
-            <a:br>
-              <a:rPr lang="en-US" dirty="0"/>
-            </a:br>
-            <a:r>
-              <a:rPr lang="en-US" dirty="0"/>
-              <a:t>Bolt thread: </a:t>
-            </a:r>
-            <a:r>
-              <a:rPr lang="en-US" b="1" dirty="0"/>
-              <a:t>M2</a:t>
-            </a:r>
-            <a:br>
-              <a:rPr lang="en-US" dirty="0"/>
-            </a:br>
-            <a:r>
-              <a:rPr lang="en-US" dirty="0"/>
-              <a:t>Plug: </a:t>
-            </a:r>
-            <a:r>
-              <a:rPr lang="en-US" b="1" dirty="0"/>
-              <a:t>3.5mm Bullet</a:t>
-            </a:r>
-            <a:br>
-              <a:rPr lang="en-US" dirty="0"/>
-            </a:br>
-            <a:r>
-              <a:rPr lang="en-US" dirty="0"/>
-              <a:t>Suggested ESC: </a:t>
-            </a:r>
-            <a:r>
-              <a:rPr lang="en-US" b="1" dirty="0"/>
-              <a:t>20A</a:t>
-            </a:r>
-            <a:br>
-              <a:rPr lang="en-US" dirty="0"/>
-            </a:br>
-            <a:r>
-              <a:rPr lang="en-US" dirty="0"/>
-              <a:t>Motor dimensions: </a:t>
-            </a:r>
-            <a:r>
-              <a:rPr lang="en-US" b="1" dirty="0"/>
-              <a:t>30 x 28mm</a:t>
-            </a:r>
-            <a:br>
-              <a:rPr lang="en-US" dirty="0"/>
-            </a:br>
-            <a:r>
-              <a:rPr lang="en-US" dirty="0"/>
-              <a:t>Weight: </a:t>
-            </a:r>
-            <a:r>
-              <a:rPr lang="en-US" b="1" dirty="0"/>
-              <a:t>55g</a:t>
-            </a:r>
-            <a:endParaRPr lang="en-US" dirty="0"/>
-          </a:p>
-        </p:txBody>
-      </p:sp>
-    </p:spTree>
-    <p:extLst>
-      <p:ext uri="{BB962C8B-B14F-4D97-AF65-F5344CB8AC3E}">
-        <p14:creationId xmlns:p14="http://schemas.microsoft.com/office/powerpoint/2010/main" val="622971204"/>
-      </p:ext>
-    </p:extLst>
-  </p:cSld>
-  <p:clrMapOvr>
-    <a:masterClrMapping/>
-  </p:clrMapOvr>
-</p:sld>
-</file>
-
 <file path=ppt/slides/slide14.xml><?xml version="1.0" encoding="utf-8"?>
 <p:sld xmlns:a="http://schemas.openxmlformats.org/drawingml/2006/main" xmlns:r="http://schemas.openxmlformats.org/officeDocument/2006/relationships" xmlns:p="http://schemas.openxmlformats.org/presentationml/2006/main">
   <p:cSld>
@@ -14616,6 +14932,284 @@
           <p:cNvPr id="2" name="Titre 1">
             <a:extLst>
               <a:ext uri="{FF2B5EF4-FFF2-40B4-BE49-F238E27FC236}">
+                <a16:creationId xmlns:a16="http://schemas.microsoft.com/office/drawing/2014/main" id="{E7E79103-8489-4D3F-B51C-E2763B0CEBFD}"/>
+              </a:ext>
+            </a:extLst>
+          </p:cNvPr>
+          <p:cNvSpPr>
+            <a:spLocks noGrp="1"/>
+          </p:cNvSpPr>
+          <p:nvPr>
+            <p:ph type="title"/>
+          </p:nvPr>
+        </p:nvSpPr>
+        <p:spPr/>
+        <p:txBody>
+          <a:bodyPr>
+            <a:normAutofit fontScale="90000"/>
+          </a:bodyPr>
+          <a:lstStyle/>
+          <a:p>
+            <a:r>
+              <a:rPr lang="en-US" dirty="0"/>
+              <a:t>4 Motors </a:t>
+            </a:r>
+            <a:r>
+              <a:rPr lang="en-US" b="1" dirty="0" err="1"/>
+              <a:t>Turnigy</a:t>
+            </a:r>
+            <a:r>
+              <a:rPr lang="en-US" b="1" dirty="0"/>
+              <a:t> </a:t>
+            </a:r>
+            <a:r>
+              <a:rPr lang="en-US" b="1" dirty="0" err="1"/>
+              <a:t>Aerodrive</a:t>
+            </a:r>
+            <a:r>
+              <a:rPr lang="en-US" b="1" dirty="0"/>
+              <a:t> SK3 2830-920kv Brushless </a:t>
+            </a:r>
+            <a:r>
+              <a:rPr lang="en-US" b="1" dirty="0" err="1"/>
+              <a:t>Outrunner</a:t>
+            </a:r>
+            <a:r>
+              <a:rPr lang="en-US" b="1" dirty="0"/>
+              <a:t> Motor </a:t>
+            </a:r>
+            <a:r>
+              <a:rPr lang="nb-NO" dirty="0"/>
+              <a:t>(</a:t>
+            </a:r>
+            <a:r>
+              <a:rPr lang="nb-NO"/>
+              <a:t>Hobby King </a:t>
+            </a:r>
+            <a:r>
+              <a:rPr lang="en-US"/>
+              <a:t>9192000242-0)</a:t>
+            </a:r>
+            <a:br>
+              <a:rPr lang="nb-NO" dirty="0"/>
+            </a:br>
+            <a:endParaRPr lang="en-US" dirty="0"/>
+          </a:p>
+        </p:txBody>
+      </p:sp>
+      <p:sp>
+        <p:nvSpPr>
+          <p:cNvPr id="3" name="Espace réservé du contenu 2">
+            <a:extLst>
+              <a:ext uri="{FF2B5EF4-FFF2-40B4-BE49-F238E27FC236}">
+                <a16:creationId xmlns:a16="http://schemas.microsoft.com/office/drawing/2014/main" id="{24AB464A-4857-4FF5-A7D5-D24B4CF4401F}"/>
+              </a:ext>
+            </a:extLst>
+          </p:cNvPr>
+          <p:cNvSpPr>
+            <a:spLocks noGrp="1"/>
+          </p:cNvSpPr>
+          <p:nvPr>
+            <p:ph idx="1"/>
+          </p:nvPr>
+        </p:nvSpPr>
+        <p:spPr/>
+        <p:txBody>
+          <a:bodyPr>
+            <a:normAutofit fontScale="92500" lnSpcReduction="10000"/>
+          </a:bodyPr>
+          <a:lstStyle/>
+          <a:p>
+            <a:pPr marL="0" indent="0">
+              <a:buNone/>
+            </a:pPr>
+            <a:r>
+              <a:rPr lang="en-US" dirty="0"/>
+              <a:t>Voltage: </a:t>
+            </a:r>
+            <a:r>
+              <a:rPr lang="en-US" b="1" dirty="0"/>
+              <a:t>6.4~12.6V (2~3S </a:t>
+            </a:r>
+            <a:r>
+              <a:rPr lang="en-US" b="1" dirty="0" err="1"/>
+              <a:t>LiPoly</a:t>
+            </a:r>
+            <a:r>
+              <a:rPr lang="en-US" b="1" dirty="0"/>
+              <a:t>)</a:t>
+            </a:r>
+            <a:br>
+              <a:rPr lang="en-US" dirty="0"/>
+            </a:br>
+            <a:r>
+              <a:rPr lang="en-US" dirty="0"/>
+              <a:t>RPM/V: </a:t>
+            </a:r>
+            <a:r>
+              <a:rPr lang="en-US" b="1" dirty="0"/>
+              <a:t>920kv</a:t>
+            </a:r>
+            <a:br>
+              <a:rPr lang="en-US" dirty="0"/>
+            </a:br>
+            <a:r>
+              <a:rPr lang="en-US" dirty="0"/>
+              <a:t>Max Power: </a:t>
+            </a:r>
+            <a:r>
+              <a:rPr lang="en-US" b="1" dirty="0"/>
+              <a:t>165W</a:t>
+            </a:r>
+            <a:br>
+              <a:rPr lang="en-US" dirty="0"/>
+            </a:br>
+            <a:r>
+              <a:rPr lang="en-US" dirty="0"/>
+              <a:t>Max current: </a:t>
+            </a:r>
+            <a:r>
+              <a:rPr lang="en-US" b="1" dirty="0"/>
+              <a:t>17A</a:t>
+            </a:r>
+            <a:br>
+              <a:rPr lang="en-US" dirty="0"/>
+            </a:br>
+            <a:r>
+              <a:rPr lang="en-US" dirty="0"/>
+              <a:t>Idle current: </a:t>
+            </a:r>
+            <a:r>
+              <a:rPr lang="en-US" b="1" dirty="0"/>
+              <a:t>0.95A</a:t>
+            </a:r>
+            <a:br>
+              <a:rPr lang="en-US" dirty="0"/>
+            </a:br>
+            <a:r>
+              <a:rPr lang="en-US" dirty="0"/>
+              <a:t>Resistance: </a:t>
+            </a:r>
+            <a:r>
+              <a:rPr lang="en-US" b="1" dirty="0"/>
+              <a:t>140mh</a:t>
+            </a:r>
+            <a:br>
+              <a:rPr lang="en-US" dirty="0"/>
+            </a:br>
+            <a:r>
+              <a:rPr lang="en-US" dirty="0"/>
+              <a:t>Shaft: </a:t>
+            </a:r>
+            <a:r>
+              <a:rPr lang="en-US" b="1" dirty="0"/>
+              <a:t>3mm</a:t>
+            </a:r>
+            <a:br>
+              <a:rPr lang="en-US" dirty="0"/>
+            </a:br>
+            <a:r>
+              <a:rPr lang="en-US" dirty="0"/>
+              <a:t>Bolt holes spacing: </a:t>
+            </a:r>
+            <a:r>
+              <a:rPr lang="en-US" b="1" dirty="0"/>
+              <a:t>16 x 19mm</a:t>
+            </a:r>
+            <a:br>
+              <a:rPr lang="en-US" dirty="0"/>
+            </a:br>
+            <a:r>
+              <a:rPr lang="en-US" dirty="0"/>
+              <a:t>Bolt thread: </a:t>
+            </a:r>
+            <a:r>
+              <a:rPr lang="en-US" b="1" dirty="0"/>
+              <a:t>M2</a:t>
+            </a:r>
+            <a:br>
+              <a:rPr lang="en-US" dirty="0"/>
+            </a:br>
+            <a:r>
+              <a:rPr lang="en-US" dirty="0"/>
+              <a:t>Plug: </a:t>
+            </a:r>
+            <a:r>
+              <a:rPr lang="en-US" b="1" dirty="0"/>
+              <a:t>3.5mm Bullet</a:t>
+            </a:r>
+            <a:br>
+              <a:rPr lang="en-US" dirty="0"/>
+            </a:br>
+            <a:r>
+              <a:rPr lang="en-US" dirty="0"/>
+              <a:t>Suggested ESC: </a:t>
+            </a:r>
+            <a:r>
+              <a:rPr lang="en-US" b="1" dirty="0"/>
+              <a:t>20A</a:t>
+            </a:r>
+            <a:br>
+              <a:rPr lang="en-US" dirty="0"/>
+            </a:br>
+            <a:r>
+              <a:rPr lang="en-US" dirty="0"/>
+              <a:t>Motor dimensions: </a:t>
+            </a:r>
+            <a:r>
+              <a:rPr lang="en-US" b="1" dirty="0"/>
+              <a:t>30 x 28mm</a:t>
+            </a:r>
+            <a:br>
+              <a:rPr lang="en-US" dirty="0"/>
+            </a:br>
+            <a:r>
+              <a:rPr lang="en-US" dirty="0"/>
+              <a:t>Weight: </a:t>
+            </a:r>
+            <a:r>
+              <a:rPr lang="en-US" b="1" dirty="0"/>
+              <a:t>55g</a:t>
+            </a:r>
+            <a:endParaRPr lang="en-US" dirty="0"/>
+          </a:p>
+        </p:txBody>
+      </p:sp>
+    </p:spTree>
+    <p:extLst>
+      <p:ext uri="{BB962C8B-B14F-4D97-AF65-F5344CB8AC3E}">
+        <p14:creationId xmlns:p14="http://schemas.microsoft.com/office/powerpoint/2010/main" val="622971204"/>
+      </p:ext>
+    </p:extLst>
+  </p:cSld>
+  <p:clrMapOvr>
+    <a:masterClrMapping/>
+  </p:clrMapOvr>
+</p:sld>
+</file>
+
+<file path=ppt/slides/slide15.xml><?xml version="1.0" encoding="utf-8"?>
+<p:sld xmlns:a="http://schemas.openxmlformats.org/drawingml/2006/main" xmlns:r="http://schemas.openxmlformats.org/officeDocument/2006/relationships" xmlns:p="http://schemas.openxmlformats.org/presentationml/2006/main">
+  <p:cSld>
+    <p:spTree>
+      <p:nvGrpSpPr>
+        <p:cNvPr id="1" name=""/>
+        <p:cNvGrpSpPr/>
+        <p:nvPr/>
+      </p:nvGrpSpPr>
+      <p:grpSpPr>
+        <a:xfrm>
+          <a:off x="0" y="0"/>
+          <a:ext cx="0" cy="0"/>
+          <a:chOff x="0" y="0"/>
+          <a:chExt cx="0" cy="0"/>
+        </a:xfrm>
+      </p:grpSpPr>
+      <p:sp>
+        <p:nvSpPr>
+          <p:cNvPr id="2" name="Titre 1">
+            <a:extLst>
+              <a:ext uri="{FF2B5EF4-FFF2-40B4-BE49-F238E27FC236}">
                 <a16:creationId xmlns:a16="http://schemas.microsoft.com/office/drawing/2014/main" id="{8DDCDBDF-D8CC-44B1-A599-F6FD2A53CCC8}"/>
               </a:ext>
             </a:extLst>
@@ -14890,7 +15484,7 @@
 </p:sld>
 </file>
 
-<file path=ppt/slides/slide15.xml><?xml version="1.0" encoding="utf-8"?>
+<file path=ppt/slides/slide16.xml><?xml version="1.0" encoding="utf-8"?>
 <p:sld xmlns:a="http://schemas.openxmlformats.org/drawingml/2006/main" xmlns:r="http://schemas.openxmlformats.org/officeDocument/2006/relationships" xmlns:p="http://schemas.openxmlformats.org/presentationml/2006/main">
   <p:cSld>
     <p:spTree>
@@ -15338,7 +15932,7 @@
 </p:sld>
 </file>
 
-<file path=ppt/slides/slide16.xml><?xml version="1.0" encoding="utf-8"?>
+<file path=ppt/slides/slide17.xml><?xml version="1.0" encoding="utf-8"?>
 <p:sld xmlns:a="http://schemas.openxmlformats.org/drawingml/2006/main" xmlns:r="http://schemas.openxmlformats.org/officeDocument/2006/relationships" xmlns:p="http://schemas.openxmlformats.org/presentationml/2006/main">
   <p:cSld>
     <p:spTree>
@@ -15654,332 +16248,6 @@
 </p:sld>
 </file>
 
-<file path=ppt/slides/slide17.xml><?xml version="1.0" encoding="utf-8"?>
-<p:sld xmlns:a="http://schemas.openxmlformats.org/drawingml/2006/main" xmlns:r="http://schemas.openxmlformats.org/officeDocument/2006/relationships" xmlns:p="http://schemas.openxmlformats.org/presentationml/2006/main">
-  <p:cSld>
-    <p:spTree>
-      <p:nvGrpSpPr>
-        <p:cNvPr id="1" name=""/>
-        <p:cNvGrpSpPr/>
-        <p:nvPr/>
-      </p:nvGrpSpPr>
-      <p:grpSpPr>
-        <a:xfrm>
-          <a:off x="0" y="0"/>
-          <a:ext cx="0" cy="0"/>
-          <a:chOff x="0" y="0"/>
-          <a:chExt cx="0" cy="0"/>
-        </a:xfrm>
-      </p:grpSpPr>
-      <p:sp>
-        <p:nvSpPr>
-          <p:cNvPr id="2" name="Titre 1">
-            <a:extLst>
-              <a:ext uri="{FF2B5EF4-FFF2-40B4-BE49-F238E27FC236}">
-                <a16:creationId xmlns:a16="http://schemas.microsoft.com/office/drawing/2014/main" id="{FE169B9C-4B88-49CF-996F-9AA43AAE11A7}"/>
-              </a:ext>
-            </a:extLst>
-          </p:cNvPr>
-          <p:cNvSpPr>
-            <a:spLocks noGrp="1"/>
-          </p:cNvSpPr>
-          <p:nvPr>
-            <p:ph type="title"/>
-          </p:nvPr>
-        </p:nvSpPr>
-        <p:spPr>
-          <a:xfrm>
-            <a:off x="838200" y="365125"/>
-            <a:ext cx="10515600" cy="1325563"/>
-          </a:xfrm>
-        </p:spPr>
-        <p:txBody>
-          <a:bodyPr/>
-          <a:lstStyle/>
-          <a:p>
-            <a:r>
-              <a:rPr lang="en-US"/>
-              <a:t>Lipo</a:t>
-            </a:r>
-            <a:endParaRPr lang="en-US" dirty="0"/>
-          </a:p>
-        </p:txBody>
-      </p:sp>
-      <p:sp>
-        <p:nvSpPr>
-          <p:cNvPr id="3" name="Espace réservé du contenu 2">
-            <a:extLst>
-              <a:ext uri="{FF2B5EF4-FFF2-40B4-BE49-F238E27FC236}">
-                <a16:creationId xmlns:a16="http://schemas.microsoft.com/office/drawing/2014/main" id="{13BA1678-4CC9-4D81-80F5-03ACA87BD6C6}"/>
-              </a:ext>
-            </a:extLst>
-          </p:cNvPr>
-          <p:cNvSpPr>
-            <a:spLocks noGrp="1"/>
-          </p:cNvSpPr>
-          <p:nvPr>
-            <p:ph idx="1"/>
-          </p:nvPr>
-        </p:nvSpPr>
-        <p:spPr>
-          <a:xfrm>
-            <a:off x="838200" y="1509204"/>
-            <a:ext cx="10515600" cy="5093887"/>
-          </a:xfrm>
-        </p:spPr>
-        <p:txBody>
-          <a:bodyPr>
-            <a:normAutofit fontScale="62500" lnSpcReduction="20000"/>
-          </a:bodyPr>
-          <a:lstStyle/>
-          <a:p>
-            <a:pPr marL="0" indent="0">
-              <a:buNone/>
-            </a:pPr>
-            <a:r>
-              <a:rPr lang="en-US" dirty="0"/>
-              <a:t>3S :3*3,7v =11,1v</a:t>
-            </a:r>
-          </a:p>
-          <a:p>
-            <a:pPr marL="0" indent="0">
-              <a:buNone/>
-            </a:pPr>
-            <a:endParaRPr lang="en-US" dirty="0"/>
-          </a:p>
-          <a:p>
-            <a:pPr marL="0" indent="0">
-              <a:buNone/>
-            </a:pPr>
-            <a:r>
-              <a:rPr lang="en-US" dirty="0"/>
-              <a:t>4 motors 17A =&gt; </a:t>
-            </a:r>
-            <a:r>
-              <a:rPr lang="en-US" b="1" dirty="0"/>
-              <a:t>68A </a:t>
-            </a:r>
-            <a:r>
-              <a:rPr lang="en-US" dirty="0"/>
-              <a:t>Max</a:t>
-            </a:r>
-          </a:p>
-          <a:p>
-            <a:pPr marL="0" indent="0">
-              <a:buNone/>
-            </a:pPr>
-            <a:endParaRPr lang="en-US" dirty="0"/>
-          </a:p>
-          <a:p>
-            <a:pPr marL="0" indent="0">
-              <a:buNone/>
-            </a:pPr>
-            <a:r>
-              <a:rPr lang="en-US" dirty="0"/>
-              <a:t>I have selected LiPo 3S </a:t>
-            </a:r>
-            <a:r>
-              <a:rPr lang="en-US" b="1" dirty="0"/>
-              <a:t>3000mA</a:t>
-            </a:r>
-            <a:r>
-              <a:rPr lang="en-US" dirty="0"/>
-              <a:t>h 11.1V </a:t>
-            </a:r>
-            <a:r>
-              <a:rPr lang="en-US" b="1" dirty="0"/>
-              <a:t>30C </a:t>
-            </a:r>
-            <a:r>
-              <a:rPr lang="en-US" dirty="0"/>
-              <a:t> not too much heavy with Max discharge = 3*30 = </a:t>
-            </a:r>
-            <a:r>
-              <a:rPr lang="en-US" b="1" dirty="0"/>
-              <a:t>90A</a:t>
-            </a:r>
-            <a:r>
-              <a:rPr lang="en-US" dirty="0"/>
-              <a:t> </a:t>
-            </a:r>
-            <a:r>
-              <a:rPr lang="en-US"/>
-              <a:t>&gt; </a:t>
-            </a:r>
-            <a:r>
-              <a:rPr lang="en-US" b="1"/>
-              <a:t>68A</a:t>
-            </a:r>
-            <a:endParaRPr lang="en-US" b="1" dirty="0"/>
-          </a:p>
-          <a:p>
-            <a:pPr lvl="1">
-              <a:buFont typeface="Symbol" panose="05050102010706020507" pitchFamily="18" charset="2"/>
-              <a:buChar char="Þ"/>
-            </a:pPr>
-            <a:endParaRPr lang="en-US" b="1" dirty="0"/>
-          </a:p>
-          <a:p>
-            <a:pPr marL="0" indent="0">
-              <a:buNone/>
-            </a:pPr>
-            <a:r>
-              <a:rPr lang="en-US" dirty="0"/>
-              <a:t>Specifications</a:t>
-            </a:r>
-          </a:p>
-          <a:p>
-            <a:pPr lvl="1"/>
-            <a:r>
-              <a:rPr lang="fr-FR" dirty="0"/>
-              <a:t>Type de la batterie		</a:t>
-            </a:r>
-            <a:r>
-              <a:rPr lang="fr-FR" dirty="0" err="1"/>
-              <a:t>LiPO</a:t>
-            </a:r>
-            <a:endParaRPr lang="fr-FR" dirty="0"/>
-          </a:p>
-          <a:p>
-            <a:pPr lvl="1"/>
-            <a:r>
-              <a:rPr lang="fr-FR" b="1" dirty="0"/>
-              <a:t>Capacité batterie</a:t>
-            </a:r>
-            <a:r>
-              <a:rPr lang="fr-FR" dirty="0"/>
-              <a:t>		</a:t>
-            </a:r>
-            <a:r>
-              <a:rPr lang="fr-FR" b="1" dirty="0"/>
-              <a:t>3300 (mAh)</a:t>
-            </a:r>
-          </a:p>
-          <a:p>
-            <a:pPr lvl="1"/>
-            <a:r>
-              <a:rPr lang="fr-FR" dirty="0"/>
-              <a:t>Voltage			11.1 (V)</a:t>
-            </a:r>
-          </a:p>
-          <a:p>
-            <a:pPr lvl="1"/>
-            <a:r>
-              <a:rPr lang="fr-FR" b="1" dirty="0"/>
-              <a:t>Courant décharge en continu</a:t>
-            </a:r>
-            <a:r>
-              <a:rPr lang="fr-FR" dirty="0"/>
-              <a:t>	</a:t>
-            </a:r>
-            <a:r>
-              <a:rPr lang="fr-FR" b="1" dirty="0"/>
-              <a:t>30 (C)</a:t>
-            </a:r>
-          </a:p>
-          <a:p>
-            <a:pPr lvl="1"/>
-            <a:r>
-              <a:rPr lang="fr-FR" dirty="0"/>
-              <a:t>Courant de décharge max		60 (C)</a:t>
-            </a:r>
-          </a:p>
-          <a:p>
-            <a:pPr lvl="1"/>
-            <a:r>
-              <a:rPr lang="fr-FR" b="1" dirty="0"/>
-              <a:t>Poids</a:t>
-            </a:r>
-            <a:r>
-              <a:rPr lang="fr-FR" dirty="0"/>
-              <a:t>			</a:t>
-            </a:r>
-            <a:r>
-              <a:rPr lang="fr-FR" b="1" dirty="0"/>
-              <a:t>182 (g)</a:t>
-            </a:r>
-          </a:p>
-          <a:p>
-            <a:pPr lvl="1"/>
-            <a:r>
-              <a:rPr lang="fr-FR" dirty="0"/>
-              <a:t>Longueur			103 (mm)</a:t>
-            </a:r>
-          </a:p>
-          <a:p>
-            <a:pPr lvl="1"/>
-            <a:r>
-              <a:rPr lang="fr-FR" dirty="0"/>
-              <a:t>Largeur			33 (mm)</a:t>
-            </a:r>
-          </a:p>
-          <a:p>
-            <a:pPr lvl="1"/>
-            <a:r>
-              <a:rPr lang="fr-FR" dirty="0"/>
-              <a:t>Hauteur			23 (mm)</a:t>
-            </a:r>
-          </a:p>
-          <a:p>
-            <a:pPr lvl="1"/>
-            <a:r>
-              <a:rPr lang="fr-FR" dirty="0"/>
-              <a:t>Type de prise			Dean / </a:t>
-            </a:r>
-            <a:r>
-              <a:rPr lang="fr-FR" dirty="0" err="1"/>
-              <a:t>Tplug</a:t>
-            </a:r>
-            <a:endParaRPr lang="fr-FR" dirty="0"/>
-          </a:p>
-          <a:p>
-            <a:pPr lvl="1"/>
-            <a:r>
-              <a:rPr lang="fr-FR" dirty="0"/>
-              <a:t>Prise Equilibrage		JST-XH</a:t>
-            </a:r>
-          </a:p>
-          <a:p>
-            <a:pPr lvl="1"/>
-            <a:r>
-              <a:rPr lang="fr-FR" b="1" dirty="0"/>
-              <a:t>Taux de Charge Max</a:t>
-            </a:r>
-            <a:r>
-              <a:rPr lang="fr-FR" dirty="0"/>
-              <a:t>		</a:t>
-            </a:r>
-            <a:r>
-              <a:rPr lang="fr-FR" b="1" dirty="0"/>
-              <a:t>2 (C)</a:t>
-            </a:r>
-          </a:p>
-          <a:p>
-            <a:pPr lvl="1"/>
-            <a:r>
-              <a:rPr lang="fr-FR" dirty="0"/>
-              <a:t>Nombre d'éléments		3 (S)</a:t>
-            </a:r>
-          </a:p>
-          <a:p>
-            <a:pPr lvl="1"/>
-            <a:endParaRPr lang="en-US" dirty="0"/>
-          </a:p>
-        </p:txBody>
-      </p:sp>
-    </p:spTree>
-    <p:extLst>
-      <p:ext uri="{BB962C8B-B14F-4D97-AF65-F5344CB8AC3E}">
-        <p14:creationId xmlns:p14="http://schemas.microsoft.com/office/powerpoint/2010/main" val="550258717"/>
-      </p:ext>
-    </p:extLst>
-  </p:cSld>
-  <p:clrMapOvr>
-    <a:masterClrMapping/>
-  </p:clrMapOvr>
-</p:sld>
-</file>
-
 <file path=ppt/slides/slide18.xml><?xml version="1.0" encoding="utf-8"?>
 <p:sld xmlns:a="http://schemas.openxmlformats.org/drawingml/2006/main" xmlns:r="http://schemas.openxmlformats.org/officeDocument/2006/relationships" xmlns:p="http://schemas.openxmlformats.org/presentationml/2006/main">
   <p:cSld>
@@ -16024,20 +16292,8 @@
           <a:lstStyle/>
           <a:p>
             <a:r>
-              <a:rPr lang="en-US" dirty="0"/>
-              <a:t>Charger </a:t>
-            </a:r>
-            <a:r>
-              <a:rPr lang="en-US" dirty="0" err="1"/>
-              <a:t>Graupner</a:t>
-            </a:r>
-            <a:r>
-              <a:rPr lang="en-US" dirty="0"/>
-              <a:t> </a:t>
-            </a:r>
-            <a:r>
               <a:rPr lang="en-US"/>
-              <a:t>ULTRAMAT 16</a:t>
+              <a:t>Lipo</a:t>
             </a:r>
             <a:endParaRPr lang="en-US" dirty="0"/>
           </a:p>
@@ -16067,7 +16323,7 @@
         </p:spPr>
         <p:txBody>
           <a:bodyPr>
-            <a:normAutofit/>
+            <a:normAutofit fontScale="62500" lnSpcReduction="20000"/>
           </a:bodyPr>
           <a:lstStyle/>
           <a:p>
@@ -16076,148 +16332,231 @@
             </a:pPr>
             <a:r>
               <a:rPr lang="en-US" dirty="0"/>
-              <a:t>Lithium batteries: </a:t>
-            </a:r>
-            <a:r>
-              <a:rPr lang="en-US" dirty="0" err="1"/>
-              <a:t>Lipo</a:t>
-            </a:r>
-            <a:r>
-              <a:rPr lang="en-US" dirty="0"/>
-              <a:t> (motors) and Lilo (Arduino)</a:t>
-            </a:r>
-          </a:p>
-          <a:p>
-            <a:pPr marL="457200" lvl="1" indent="0">
-              <a:buNone/>
-            </a:pPr>
-            <a:r>
-              <a:rPr lang="en-US" dirty="0"/>
-              <a:t>The max. charge voltage for </a:t>
-            </a:r>
-            <a:r>
-              <a:rPr lang="en-US" b="1" dirty="0"/>
-              <a:t>LiPo is 4.2V, </a:t>
-            </a:r>
-            <a:r>
-              <a:rPr lang="en-US" dirty="0"/>
-              <a:t>for </a:t>
-            </a:r>
-            <a:r>
-              <a:rPr lang="en-US" b="1" dirty="0" err="1"/>
-              <a:t>LiIo</a:t>
-            </a:r>
-            <a:r>
-              <a:rPr lang="en-US" b="1" dirty="0"/>
-              <a:t> 4.1V</a:t>
-            </a:r>
-            <a:r>
-              <a:rPr lang="en-US" dirty="0"/>
-              <a:t>, for </a:t>
-            </a:r>
-            <a:r>
-              <a:rPr lang="en-US" dirty="0" err="1"/>
-              <a:t>LiFe</a:t>
-            </a:r>
-            <a:r>
-              <a:rPr lang="en-US" dirty="0"/>
-              <a:t> 3.6V. To store the batteries, adjust the charge voltage about 0.4V lower as the maximum charge voltage</a:t>
-            </a:r>
-          </a:p>
-          <a:p>
-            <a:pPr marL="457200" lvl="1" indent="0">
-              <a:buNone/>
-            </a:pPr>
-            <a:r>
-              <a:rPr lang="en-US" dirty="0"/>
-              <a:t>At charging/discharging the battery types will be displayed as followed:</a:t>
-            </a:r>
-          </a:p>
-          <a:p>
-            <a:pPr marL="914400" lvl="2" indent="0">
-              <a:buNone/>
-            </a:pPr>
-            <a:r>
-              <a:rPr lang="en-US" dirty="0"/>
-              <a:t> LiPo (</a:t>
-            </a:r>
-            <a:r>
-              <a:rPr lang="en-US" dirty="0" err="1"/>
-              <a:t>LiMn</a:t>
-            </a:r>
-            <a:r>
-              <a:rPr lang="en-US" dirty="0"/>
-              <a:t>) = LP</a:t>
-            </a:r>
-          </a:p>
-          <a:p>
-            <a:pPr marL="914400" lvl="2" indent="0">
-              <a:buNone/>
-            </a:pPr>
-            <a:r>
-              <a:rPr lang="en-US" dirty="0"/>
-              <a:t> </a:t>
-            </a:r>
-            <a:r>
-              <a:rPr lang="en-US" dirty="0" err="1"/>
-              <a:t>LiIo</a:t>
-            </a:r>
-            <a:r>
-              <a:rPr lang="en-US" dirty="0"/>
-              <a:t> = LI</a:t>
-            </a:r>
-          </a:p>
-          <a:p>
-            <a:pPr marL="914400" lvl="2" indent="0">
-              <a:buNone/>
-            </a:pPr>
-            <a:r>
-              <a:rPr lang="en-US" dirty="0"/>
-              <a:t> </a:t>
-            </a:r>
-            <a:r>
-              <a:rPr lang="en-US" dirty="0" err="1"/>
-              <a:t>LiFe</a:t>
-            </a:r>
-            <a:r>
-              <a:rPr lang="en-US" dirty="0"/>
-              <a:t> = LF</a:t>
-            </a:r>
-            <a:endParaRPr lang="en-US" b="1" dirty="0"/>
-          </a:p>
-          <a:p>
-            <a:pPr marL="457200" lvl="1" indent="0">
-              <a:buNone/>
-            </a:pPr>
-            <a:r>
-              <a:rPr lang="en-US" dirty="0"/>
-              <a:t>Lithium batteries are usually charged at the 1C rate</a:t>
-            </a:r>
-          </a:p>
-          <a:p>
-            <a:pPr marL="457200" lvl="1" indent="0">
-              <a:buNone/>
-            </a:pPr>
-            <a:endParaRPr lang="en-US" b="1" dirty="0"/>
+              <a:t>3S :3*3,7v =11,1v</a:t>
+            </a:r>
           </a:p>
           <a:p>
             <a:pPr marL="0" indent="0">
               <a:buNone/>
             </a:pPr>
-            <a:r>
-              <a:rPr lang="en-US" dirty="0"/>
-              <a:t>Ni-MH batteries (RC transmitter)</a:t>
-            </a:r>
-            <a:endParaRPr lang="en-US" b="1" dirty="0"/>
-          </a:p>
-          <a:p>
-            <a:pPr lvl="1"/>
             <a:endParaRPr lang="en-US" dirty="0"/>
           </a:p>
           <a:p>
-            <a:pPr marL="457200" lvl="1" indent="0">
+            <a:pPr marL="0" indent="0">
               <a:buNone/>
             </a:pPr>
+            <a:r>
+              <a:rPr lang="en-US" dirty="0"/>
+              <a:t>4 motors 17A =&gt; </a:t>
+            </a:r>
+            <a:r>
+              <a:rPr lang="en-US" b="1" dirty="0"/>
+              <a:t>68A </a:t>
+            </a:r>
+            <a:r>
+              <a:rPr lang="en-US" dirty="0"/>
+              <a:t>Max</a:t>
+            </a:r>
+          </a:p>
+          <a:p>
+            <a:pPr marL="0" indent="0">
+              <a:buNone/>
+            </a:pPr>
+            <a:endParaRPr lang="en-US" dirty="0"/>
+          </a:p>
+          <a:p>
+            <a:pPr marL="0" indent="0">
+              <a:buNone/>
+            </a:pPr>
+            <a:r>
+              <a:rPr lang="en-US" dirty="0"/>
+              <a:t>I have selected LiPo 3S </a:t>
+            </a:r>
+            <a:r>
+              <a:rPr lang="en-US" b="1" dirty="0"/>
+              <a:t>3000mA</a:t>
+            </a:r>
+            <a:r>
+              <a:rPr lang="en-US" dirty="0"/>
+              <a:t>h 11.1V </a:t>
+            </a:r>
+            <a:r>
+              <a:rPr lang="en-US" b="1" dirty="0"/>
+              <a:t>30C </a:t>
+            </a:r>
+            <a:r>
+              <a:rPr lang="en-US" dirty="0"/>
+              <a:t> not too much heavy with Max discharge = 3*30 = </a:t>
+            </a:r>
+            <a:r>
+              <a:rPr lang="en-US" b="1" dirty="0"/>
+              <a:t>90A</a:t>
+            </a:r>
+            <a:r>
+              <a:rPr lang="en-US" dirty="0"/>
+              <a:t> </a:t>
+            </a:r>
+            <a:r>
+              <a:rPr lang="en-US"/>
+              <a:t>&gt; </a:t>
+            </a:r>
+            <a:r>
+              <a:rPr lang="en-US" b="1"/>
+              <a:t>68A</a:t>
+            </a:r>
+            <a:endParaRPr lang="en-US" b="1" dirty="0"/>
+          </a:p>
+          <a:p>
+            <a:pPr lvl="1">
+              <a:buFont typeface="Symbol" panose="05050102010706020507" pitchFamily="18" charset="2"/>
+              <a:buChar char="Þ"/>
+            </a:pPr>
+            <a:endParaRPr lang="en-US" b="1" dirty="0"/>
+          </a:p>
+          <a:p>
+            <a:pPr marL="0" indent="0">
+              <a:buNone/>
+            </a:pPr>
+            <a:r>
+              <a:rPr lang="en-US" dirty="0"/>
+              <a:t>Specifications</a:t>
+            </a:r>
+          </a:p>
+          <a:p>
+            <a:pPr lvl="1"/>
+            <a:r>
+              <a:rPr lang="fr-FR" dirty="0"/>
+              <a:t>Type de la batterie		</a:t>
+            </a:r>
+            <a:r>
+              <a:rPr lang="fr-FR" dirty="0" err="1"/>
+              <a:t>LiPO</a:t>
+            </a:r>
+            <a:endParaRPr lang="fr-FR" dirty="0"/>
+          </a:p>
+          <a:p>
+            <a:pPr lvl="1"/>
+            <a:r>
+              <a:rPr lang="fr-FR" b="1" dirty="0"/>
+              <a:t>Capacité batterie</a:t>
+            </a:r>
+            <a:r>
+              <a:rPr lang="fr-FR" dirty="0"/>
+              <a:t>		</a:t>
+            </a:r>
+            <a:r>
+              <a:rPr lang="fr-FR" b="1" dirty="0"/>
+              <a:t>3300 (mAh)</a:t>
+            </a:r>
+          </a:p>
+          <a:p>
+            <a:pPr lvl="1"/>
+            <a:r>
+              <a:rPr lang="fr-FR" dirty="0"/>
+              <a:t>Voltage			11.1 (V)</a:t>
+            </a:r>
+          </a:p>
+          <a:p>
+            <a:pPr lvl="1"/>
+            <a:r>
+              <a:rPr lang="fr-FR" b="1" dirty="0"/>
+              <a:t>Courant décharge en continu</a:t>
+            </a:r>
+            <a:r>
+              <a:rPr lang="fr-FR" dirty="0"/>
+              <a:t>	</a:t>
+            </a:r>
+            <a:r>
+              <a:rPr lang="fr-FR" b="1" dirty="0"/>
+              <a:t>30 (C)</a:t>
+            </a:r>
+          </a:p>
+          <a:p>
+            <a:pPr lvl="1"/>
+            <a:r>
+              <a:rPr lang="fr-FR" dirty="0"/>
+              <a:t>Courant de décharge max		60 (C)</a:t>
+            </a:r>
+          </a:p>
+          <a:p>
+            <a:pPr lvl="1"/>
+            <a:r>
+              <a:rPr lang="fr-FR" b="1" dirty="0"/>
+              <a:t>Poids</a:t>
+            </a:r>
+            <a:r>
+              <a:rPr lang="fr-FR" dirty="0"/>
+              <a:t>			</a:t>
+            </a:r>
+            <a:r>
+              <a:rPr lang="fr-FR" b="1" dirty="0"/>
+              <a:t>182 (g)</a:t>
+            </a:r>
+          </a:p>
+          <a:p>
+            <a:pPr lvl="1"/>
+            <a:r>
+              <a:rPr lang="fr-FR" dirty="0"/>
+              <a:t>Longueur			103 (mm)</a:t>
+            </a:r>
+          </a:p>
+          <a:p>
+            <a:pPr lvl="1"/>
+            <a:r>
+              <a:rPr lang="fr-FR" dirty="0"/>
+              <a:t>Largeur			33 (mm)</a:t>
+            </a:r>
+          </a:p>
+          <a:p>
+            <a:pPr lvl="1"/>
+            <a:r>
+              <a:rPr lang="fr-FR" dirty="0"/>
+              <a:t>Hauteur			23 (mm)</a:t>
+            </a:r>
+          </a:p>
+          <a:p>
+            <a:pPr lvl="1"/>
+            <a:r>
+              <a:rPr lang="fr-FR" dirty="0"/>
+              <a:t>Type de prise			Dean / </a:t>
+            </a:r>
+            <a:r>
+              <a:rPr lang="fr-FR" dirty="0" err="1"/>
+              <a:t>Tplug</a:t>
+            </a:r>
+            <a:endParaRPr lang="fr-FR" dirty="0"/>
+          </a:p>
+          <a:p>
+            <a:pPr lvl="1"/>
+            <a:r>
+              <a:rPr lang="fr-FR" dirty="0"/>
+              <a:t>Prise Equilibrage		JST-XH</a:t>
+            </a:r>
+          </a:p>
+          <a:p>
+            <a:pPr lvl="1"/>
+            <a:r>
+              <a:rPr lang="fr-FR" b="1" dirty="0"/>
+              <a:t>Taux de Charge Max</a:t>
+            </a:r>
+            <a:r>
+              <a:rPr lang="fr-FR" dirty="0"/>
+              <a:t>		</a:t>
+            </a:r>
+            <a:r>
+              <a:rPr lang="fr-FR" b="1" dirty="0"/>
+              <a:t>2 (C)</a:t>
+            </a:r>
+          </a:p>
+          <a:p>
+            <a:pPr lvl="1"/>
+            <a:r>
+              <a:rPr lang="fr-FR" dirty="0"/>
+              <a:t>Nombre d'éléments		3 (S)</a:t>
+            </a:r>
+          </a:p>
+          <a:p>
+            <a:pPr lvl="1"/>
             <a:endParaRPr lang="en-US" dirty="0"/>
           </a:p>
         </p:txBody>
@@ -16225,7 +16564,7 @@
     </p:spTree>
     <p:extLst>
       <p:ext uri="{BB962C8B-B14F-4D97-AF65-F5344CB8AC3E}">
-        <p14:creationId xmlns:p14="http://schemas.microsoft.com/office/powerpoint/2010/main" val="2262939316"/>
+        <p14:creationId xmlns:p14="http://schemas.microsoft.com/office/powerpoint/2010/main" val="550258717"/>
       </p:ext>
     </p:extLst>
   </p:cSld>
@@ -16280,8 +16619,21 @@
           <a:p>
             <a:r>
               <a:rPr lang="en-US" dirty="0"/>
-              <a:t>Receiver</a:t>
-            </a:r>
+              <a:t>Charger </a:t>
+            </a:r>
+            <a:r>
+              <a:rPr lang="en-US" dirty="0" err="1"/>
+              <a:t>Graupner</a:t>
+            </a:r>
+            <a:r>
+              <a:rPr lang="en-US" dirty="0"/>
+              <a:t> </a:t>
+            </a:r>
+            <a:r>
+              <a:rPr lang="en-US"/>
+              <a:t>ULTRAMAT 16</a:t>
+            </a:r>
+            <a:endParaRPr lang="en-US" dirty="0"/>
           </a:p>
         </p:txBody>
       </p:sp>
@@ -16309,7 +16661,7 @@
         </p:spPr>
         <p:txBody>
           <a:bodyPr>
-            <a:normAutofit fontScale="62500" lnSpcReduction="20000"/>
+            <a:normAutofit/>
           </a:bodyPr>
           <a:lstStyle/>
           <a:p>
@@ -16317,129 +16669,157 @@
               <a:buNone/>
             </a:pPr>
             <a:r>
+              <a:rPr lang="en-US" dirty="0"/>
+              <a:t>Lithium batteries: </a:t>
+            </a:r>
+            <a:r>
+              <a:rPr lang="en-US" dirty="0" err="1"/>
+              <a:t>Lipo</a:t>
+            </a:r>
+            <a:r>
+              <a:rPr lang="en-US" dirty="0"/>
+              <a:t> (motors) and Lilo (Arduino)</a:t>
+            </a:r>
+          </a:p>
+          <a:p>
+            <a:pPr marL="457200" lvl="1" indent="0">
+              <a:buNone/>
+            </a:pPr>
+            <a:r>
+              <a:rPr lang="en-US" dirty="0"/>
+              <a:t>The max. charge voltage for </a:t>
+            </a:r>
+            <a:r>
               <a:rPr lang="en-US" b="1" dirty="0"/>
-              <a:t>Receiver </a:t>
+              <a:t>LiPo is 4.2V, </a:t>
+            </a:r>
+            <a:r>
+              <a:rPr lang="en-US" dirty="0"/>
+              <a:t>for </a:t>
             </a:r>
             <a:r>
               <a:rPr lang="en-US" b="1" dirty="0" err="1"/>
-              <a:t>Henge</a:t>
+              <a:t>LiIo</a:t>
             </a:r>
             <a:r>
               <a:rPr lang="en-US" b="1" dirty="0"/>
-              <a:t> RP62L</a:t>
-            </a:r>
+              <a:t> 4.1V</a:t>
+            </a:r>
+            <a:r>
+              <a:rPr lang="en-US" dirty="0"/>
+              <a:t>, for </a:t>
+            </a:r>
+            <a:r>
+              <a:rPr lang="en-US" dirty="0" err="1"/>
+              <a:t>LiFe</a:t>
+            </a:r>
+            <a:r>
+              <a:rPr lang="en-US" dirty="0"/>
+              <a:t> 3.6V. To store the batteries, adjust the charge voltage about 0.4V lower as the maximum charge voltage</a:t>
+            </a:r>
+          </a:p>
+          <a:p>
+            <a:pPr marL="457200" lvl="1" indent="0">
+              <a:buNone/>
+            </a:pPr>
+            <a:r>
+              <a:rPr lang="en-US" dirty="0"/>
+              <a:t>At charging/discharging the battery types will be displayed as followed:</a:t>
+            </a:r>
+          </a:p>
+          <a:p>
+            <a:pPr marL="914400" lvl="2" indent="0">
+              <a:buNone/>
+            </a:pPr>
+            <a:r>
+              <a:rPr lang="en-US" dirty="0"/>
+              <a:t> LiPo (</a:t>
+            </a:r>
+            <a:r>
+              <a:rPr lang="en-US" dirty="0" err="1"/>
+              <a:t>LiMn</a:t>
+            </a:r>
+            <a:r>
+              <a:rPr lang="en-US" dirty="0"/>
+              <a:t>) = LP</a:t>
+            </a:r>
+          </a:p>
+          <a:p>
+            <a:pPr marL="914400" lvl="2" indent="0">
+              <a:buNone/>
+            </a:pPr>
+            <a:r>
+              <a:rPr lang="en-US" dirty="0"/>
+              <a:t> </a:t>
+            </a:r>
+            <a:r>
+              <a:rPr lang="en-US" dirty="0" err="1"/>
+              <a:t>LiIo</a:t>
+            </a:r>
+            <a:r>
+              <a:rPr lang="en-US" dirty="0"/>
+              <a:t> = LI</a:t>
+            </a:r>
+          </a:p>
+          <a:p>
+            <a:pPr marL="914400" lvl="2" indent="0">
+              <a:buNone/>
+            </a:pPr>
+            <a:r>
+              <a:rPr lang="en-US" dirty="0"/>
+              <a:t> </a:t>
+            </a:r>
+            <a:r>
+              <a:rPr lang="en-US" dirty="0" err="1"/>
+              <a:t>LiFe</a:t>
+            </a:r>
+            <a:r>
+              <a:rPr lang="en-US" dirty="0"/>
+              <a:t> = LF</a:t>
+            </a:r>
+            <a:endParaRPr lang="en-US" b="1" dirty="0"/>
+          </a:p>
+          <a:p>
+            <a:pPr marL="457200" lvl="1" indent="0">
+              <a:buNone/>
+            </a:pPr>
+            <a:r>
+              <a:rPr lang="en-US" dirty="0"/>
+              <a:t>Lithium batteries are usually charged at the 1C rate</a:t>
+            </a:r>
+          </a:p>
+          <a:p>
+            <a:pPr marL="457200" lvl="1" indent="0">
+              <a:buNone/>
+            </a:pPr>
+            <a:endParaRPr lang="en-US" b="1" dirty="0"/>
           </a:p>
           <a:p>
             <a:pPr marL="0" indent="0">
               <a:buNone/>
             </a:pPr>
-            <a:endParaRPr lang="fr-FR" b="1" dirty="0"/>
-          </a:p>
-          <a:p>
-            <a:pPr marL="0" indent="0">
+            <a:r>
+              <a:rPr lang="en-US" dirty="0"/>
+              <a:t>Ni-MH batteries (RC transmitter)</a:t>
+            </a:r>
+            <a:endParaRPr lang="en-US" b="1" dirty="0"/>
+          </a:p>
+          <a:p>
+            <a:pPr lvl="1"/>
+            <a:endParaRPr lang="en-US" dirty="0"/>
+          </a:p>
+          <a:p>
+            <a:pPr marL="457200" lvl="1" indent="0">
               <a:buNone/>
             </a:pPr>
-            <a:r>
-              <a:rPr lang="fr-FR" b="1" dirty="0"/>
-              <a:t>Spécifications:</a:t>
-            </a:r>
-          </a:p>
-          <a:p>
-            <a:r>
-              <a:rPr lang="fr-FR" dirty="0"/>
-              <a:t> </a:t>
-            </a:r>
-            <a:r>
-              <a:rPr lang="en-US" dirty="0"/>
-              <a:t>Size: 49x24x14mm</a:t>
-            </a:r>
-          </a:p>
-          <a:p>
-            <a:r>
-              <a:rPr lang="en-US" dirty="0"/>
-              <a:t>Weight: 9.2g (with shrink wrap)</a:t>
-            </a:r>
-          </a:p>
-          <a:p>
-            <a:r>
-              <a:rPr lang="en-US" dirty="0"/>
-              <a:t>Sensitivity: better than 2.0</a:t>
-            </a:r>
-            <a:r>
-              <a:rPr lang="el-GR" dirty="0"/>
-              <a:t>μ</a:t>
-            </a:r>
-            <a:r>
-              <a:rPr lang="en-US" dirty="0"/>
-              <a:t>V</a:t>
-            </a:r>
-          </a:p>
-          <a:p>
-            <a:r>
-              <a:rPr lang="en-US" dirty="0"/>
-              <a:t>Selectivity: ±8kHz at 65dB down</a:t>
-            </a:r>
-          </a:p>
-          <a:p>
-            <a:r>
-              <a:rPr lang="en-US" dirty="0"/>
-              <a:t>No. of channels: 1-6</a:t>
-            </a:r>
-          </a:p>
-          <a:p>
-            <a:r>
-              <a:rPr lang="en-US" dirty="0"/>
-              <a:t>RF technology: Dual tuned RF circuitry</a:t>
-            </a:r>
-          </a:p>
-          <a:p>
-            <a:r>
-              <a:rPr lang="en-US" dirty="0"/>
-              <a:t>Analog filtering: Dual 4 pole ceramic filter</a:t>
-            </a:r>
-          </a:p>
-          <a:p>
-            <a:r>
-              <a:rPr lang="en-US" dirty="0"/>
-              <a:t>Digital filtering: DSP filtering with mild algorithm</a:t>
-            </a:r>
-          </a:p>
-          <a:p>
-            <a:r>
-              <a:rPr lang="en-US" dirty="0"/>
-              <a:t>Modulation: FM/PPM</a:t>
-            </a:r>
-          </a:p>
-          <a:p>
-            <a:r>
-              <a:rPr lang="en-US" dirty="0"/>
-              <a:t>Shift polarity: Positive or Negative (auto detect)</a:t>
-            </a:r>
-          </a:p>
-          <a:p>
-            <a:r>
-              <a:rPr lang="en-US" dirty="0"/>
-              <a:t>Case: Shrink wrap</a:t>
-            </a:r>
-          </a:p>
-          <a:p>
-            <a:r>
-              <a:rPr lang="en-US" dirty="0"/>
-              <a:t>Operating Voltage: 4.8V~6.0VDC</a:t>
-            </a:r>
-          </a:p>
-          <a:p>
-            <a:r>
-              <a:rPr lang="en-US" dirty="0"/>
-              <a:t>Operating Current: 24mA.</a:t>
-            </a:r>
+            <a:endParaRPr lang="en-US" dirty="0"/>
           </a:p>
         </p:txBody>
       </p:sp>
     </p:spTree>
     <p:extLst>
       <p:ext uri="{BB962C8B-B14F-4D97-AF65-F5344CB8AC3E}">
-        <p14:creationId xmlns:p14="http://schemas.microsoft.com/office/powerpoint/2010/main" val="3245136954"/>
+        <p14:creationId xmlns:p14="http://schemas.microsoft.com/office/powerpoint/2010/main" val="2262939316"/>
       </p:ext>
     </p:extLst>
   </p:cSld>
@@ -17562,6 +17942,220 @@
           <a:p>
             <a:r>
               <a:rPr lang="en-US" dirty="0"/>
+              <a:t>Receiver</a:t>
+            </a:r>
+          </a:p>
+        </p:txBody>
+      </p:sp>
+      <p:sp>
+        <p:nvSpPr>
+          <p:cNvPr id="3" name="Espace réservé du contenu 2">
+            <a:extLst>
+              <a:ext uri="{FF2B5EF4-FFF2-40B4-BE49-F238E27FC236}">
+                <a16:creationId xmlns:a16="http://schemas.microsoft.com/office/drawing/2014/main" id="{13BA1678-4CC9-4D81-80F5-03ACA87BD6C6}"/>
+              </a:ext>
+            </a:extLst>
+          </p:cNvPr>
+          <p:cNvSpPr>
+            <a:spLocks noGrp="1"/>
+          </p:cNvSpPr>
+          <p:nvPr>
+            <p:ph idx="1"/>
+          </p:nvPr>
+        </p:nvSpPr>
+        <p:spPr>
+          <a:xfrm>
+            <a:off x="838200" y="1509204"/>
+            <a:ext cx="10515600" cy="5093887"/>
+          </a:xfrm>
+        </p:spPr>
+        <p:txBody>
+          <a:bodyPr>
+            <a:normAutofit fontScale="62500" lnSpcReduction="20000"/>
+          </a:bodyPr>
+          <a:lstStyle/>
+          <a:p>
+            <a:pPr marL="0" indent="0">
+              <a:buNone/>
+            </a:pPr>
+            <a:r>
+              <a:rPr lang="en-US" b="1" dirty="0"/>
+              <a:t>Receiver </a:t>
+            </a:r>
+            <a:r>
+              <a:rPr lang="en-US" b="1" dirty="0" err="1"/>
+              <a:t>Henge</a:t>
+            </a:r>
+            <a:r>
+              <a:rPr lang="en-US" b="1" dirty="0"/>
+              <a:t> RP62L</a:t>
+            </a:r>
+          </a:p>
+          <a:p>
+            <a:pPr marL="0" indent="0">
+              <a:buNone/>
+            </a:pPr>
+            <a:endParaRPr lang="fr-FR" b="1" dirty="0"/>
+          </a:p>
+          <a:p>
+            <a:pPr marL="0" indent="0">
+              <a:buNone/>
+            </a:pPr>
+            <a:r>
+              <a:rPr lang="fr-FR" b="1" dirty="0"/>
+              <a:t>Spécifications:</a:t>
+            </a:r>
+          </a:p>
+          <a:p>
+            <a:r>
+              <a:rPr lang="fr-FR" dirty="0"/>
+              <a:t> </a:t>
+            </a:r>
+            <a:r>
+              <a:rPr lang="en-US" dirty="0"/>
+              <a:t>Size: 49x24x14mm</a:t>
+            </a:r>
+          </a:p>
+          <a:p>
+            <a:r>
+              <a:rPr lang="en-US" dirty="0"/>
+              <a:t>Weight: 9.2g (with shrink wrap)</a:t>
+            </a:r>
+          </a:p>
+          <a:p>
+            <a:r>
+              <a:rPr lang="en-US" dirty="0"/>
+              <a:t>Sensitivity: better than 2.0</a:t>
+            </a:r>
+            <a:r>
+              <a:rPr lang="el-GR" dirty="0"/>
+              <a:t>μ</a:t>
+            </a:r>
+            <a:r>
+              <a:rPr lang="en-US" dirty="0"/>
+              <a:t>V</a:t>
+            </a:r>
+          </a:p>
+          <a:p>
+            <a:r>
+              <a:rPr lang="en-US" dirty="0"/>
+              <a:t>Selectivity: ±8kHz at 65dB down</a:t>
+            </a:r>
+          </a:p>
+          <a:p>
+            <a:r>
+              <a:rPr lang="en-US" dirty="0"/>
+              <a:t>No. of channels: 1-6</a:t>
+            </a:r>
+          </a:p>
+          <a:p>
+            <a:r>
+              <a:rPr lang="en-US" dirty="0"/>
+              <a:t>RF technology: Dual tuned RF circuitry</a:t>
+            </a:r>
+          </a:p>
+          <a:p>
+            <a:r>
+              <a:rPr lang="en-US" dirty="0"/>
+              <a:t>Analog filtering: Dual 4 pole ceramic filter</a:t>
+            </a:r>
+          </a:p>
+          <a:p>
+            <a:r>
+              <a:rPr lang="en-US" dirty="0"/>
+              <a:t>Digital filtering: DSP filtering with mild algorithm</a:t>
+            </a:r>
+          </a:p>
+          <a:p>
+            <a:r>
+              <a:rPr lang="en-US" dirty="0"/>
+              <a:t>Modulation: FM/PPM</a:t>
+            </a:r>
+          </a:p>
+          <a:p>
+            <a:r>
+              <a:rPr lang="en-US" dirty="0"/>
+              <a:t>Shift polarity: Positive or Negative (auto detect)</a:t>
+            </a:r>
+          </a:p>
+          <a:p>
+            <a:r>
+              <a:rPr lang="en-US" dirty="0"/>
+              <a:t>Case: Shrink wrap</a:t>
+            </a:r>
+          </a:p>
+          <a:p>
+            <a:r>
+              <a:rPr lang="en-US" dirty="0"/>
+              <a:t>Operating Voltage: 4.8V~6.0VDC</a:t>
+            </a:r>
+          </a:p>
+          <a:p>
+            <a:r>
+              <a:rPr lang="en-US" dirty="0"/>
+              <a:t>Operating Current: 24mA.</a:t>
+            </a:r>
+          </a:p>
+        </p:txBody>
+      </p:sp>
+    </p:spTree>
+    <p:extLst>
+      <p:ext uri="{BB962C8B-B14F-4D97-AF65-F5344CB8AC3E}">
+        <p14:creationId xmlns:p14="http://schemas.microsoft.com/office/powerpoint/2010/main" val="3245136954"/>
+      </p:ext>
+    </p:extLst>
+  </p:cSld>
+  <p:clrMapOvr>
+    <a:masterClrMapping/>
+  </p:clrMapOvr>
+</p:sld>
+</file>
+
+<file path=ppt/slides/slide21.xml><?xml version="1.0" encoding="utf-8"?>
+<p:sld xmlns:a="http://schemas.openxmlformats.org/drawingml/2006/main" xmlns:r="http://schemas.openxmlformats.org/officeDocument/2006/relationships" xmlns:p="http://schemas.openxmlformats.org/presentationml/2006/main">
+  <p:cSld>
+    <p:spTree>
+      <p:nvGrpSpPr>
+        <p:cNvPr id="1" name=""/>
+        <p:cNvGrpSpPr/>
+        <p:nvPr/>
+      </p:nvGrpSpPr>
+      <p:grpSpPr>
+        <a:xfrm>
+          <a:off x="0" y="0"/>
+          <a:ext cx="0" cy="0"/>
+          <a:chOff x="0" y="0"/>
+          <a:chExt cx="0" cy="0"/>
+        </a:xfrm>
+      </p:grpSpPr>
+      <p:sp>
+        <p:nvSpPr>
+          <p:cNvPr id="2" name="Titre 1">
+            <a:extLst>
+              <a:ext uri="{FF2B5EF4-FFF2-40B4-BE49-F238E27FC236}">
+                <a16:creationId xmlns:a16="http://schemas.microsoft.com/office/drawing/2014/main" id="{FE169B9C-4B88-49CF-996F-9AA43AAE11A7}"/>
+              </a:ext>
+            </a:extLst>
+          </p:cNvPr>
+          <p:cNvSpPr>
+            <a:spLocks noGrp="1"/>
+          </p:cNvSpPr>
+          <p:nvPr>
+            <p:ph type="title"/>
+          </p:nvPr>
+        </p:nvSpPr>
+        <p:spPr>
+          <a:xfrm>
+            <a:off x="838200" y="365125"/>
+            <a:ext cx="10515600" cy="1325563"/>
+          </a:xfrm>
+        </p:spPr>
+        <p:txBody>
+          <a:bodyPr/>
+          <a:lstStyle/>
+          <a:p>
+            <a:r>
+              <a:rPr lang="en-US" dirty="0"/>
               <a:t>Frame</a:t>
             </a:r>
           </a:p>
@@ -17751,7 +18345,7 @@
 </p:sld>
 </file>
 
-<file path=ppt/slides/slide21.xml><?xml version="1.0" encoding="utf-8"?>
+<file path=ppt/slides/slide22.xml><?xml version="1.0" encoding="utf-8"?>
 <p:sld xmlns:a="http://schemas.openxmlformats.org/drawingml/2006/main" xmlns:r="http://schemas.openxmlformats.org/officeDocument/2006/relationships" xmlns:p="http://schemas.openxmlformats.org/presentationml/2006/main">
   <p:cSld>
     <p:spTree>
@@ -21178,7 +21772,7 @@
           <p:cNvPr id="2" name="Titre 1">
             <a:extLst>
               <a:ext uri="{FF2B5EF4-FFF2-40B4-BE49-F238E27FC236}">
-                <a16:creationId xmlns:a16="http://schemas.microsoft.com/office/drawing/2014/main" id="{C3A54A01-5167-4086-A1BC-77733497AAAC}"/>
+                <a16:creationId xmlns:a16="http://schemas.microsoft.com/office/drawing/2014/main" id="{5C55662D-C65A-4D18-A580-09ECCFCCD690}"/>
               </a:ext>
             </a:extLst>
           </p:cNvPr>
@@ -21194,11 +21788,11 @@
           <a:bodyPr/>
           <a:lstStyle/>
           <a:p>
-            <a:pPr algn="ctr"/>
-            <a:r>
-              <a:rPr lang="en-US" dirty="0"/>
-              <a:t>Motors Rotation (2/2)</a:t>
-            </a:r>
+            <a:r>
+              <a:rPr lang="fr-FR" dirty="0"/>
+              <a:t>Forces aérodynamiques</a:t>
+            </a:r>
+            <a:endParaRPr lang="en-US" dirty="0"/>
           </a:p>
         </p:txBody>
       </p:sp>
@@ -21207,7 +21801,7 @@
           <p:cNvPr id="3" name="Espace réservé du contenu 2">
             <a:extLst>
               <a:ext uri="{FF2B5EF4-FFF2-40B4-BE49-F238E27FC236}">
-                <a16:creationId xmlns:a16="http://schemas.microsoft.com/office/drawing/2014/main" id="{81AD70D4-3C34-4229-95D1-25CD0E010131}"/>
+                <a16:creationId xmlns:a16="http://schemas.microsoft.com/office/drawing/2014/main" id="{D7F3D6D1-D8A0-400C-8A93-9A3AC8AA931E}"/>
               </a:ext>
             </a:extLst>
           </p:cNvPr>
@@ -21220,183 +21814,24 @@
         </p:nvSpPr>
         <p:spPr/>
         <p:txBody>
-          <a:bodyPr>
-            <a:normAutofit fontScale="40000" lnSpcReduction="20000"/>
-          </a:bodyPr>
+          <a:bodyPr/>
           <a:lstStyle/>
           <a:p>
-            <a:r>
-              <a:rPr lang="en-US" dirty="0"/>
-              <a:t>Roll: left/right side tilt.</a:t>
-            </a:r>
-          </a:p>
-          <a:p>
-            <a:pPr lvl="1"/>
-            <a:r>
-              <a:rPr lang="en-US" dirty="0"/>
-              <a:t> + tilted side right, speed 2 Right, slow 2 Left</a:t>
-            </a:r>
-          </a:p>
-          <a:p>
-            <a:pPr lvl="1"/>
-            <a:r>
-              <a:rPr lang="en-US" dirty="0"/>
-              <a:t> - left, speed 2 Left, slow 2 Right</a:t>
-            </a:r>
-          </a:p>
-          <a:p>
-            <a:endParaRPr lang="en-US" dirty="0"/>
-          </a:p>
-          <a:p>
-            <a:r>
-              <a:rPr lang="en-US" dirty="0"/>
-              <a:t>Pitch: up/down tilt.</a:t>
-            </a:r>
-          </a:p>
-          <a:p>
-            <a:pPr lvl="1"/>
-            <a:r>
-              <a:rPr lang="en-US" dirty="0"/>
-              <a:t> + tilted skyward, speed 2 Front, slow 2 Rear</a:t>
-            </a:r>
-          </a:p>
-          <a:p>
-            <a:pPr lvl="1"/>
-            <a:r>
-              <a:rPr lang="en-US" dirty="0"/>
-              <a:t> - ground, speed 2 Rear, slow 2 Front</a:t>
-            </a:r>
-          </a:p>
-          <a:p>
-            <a:pPr lvl="1"/>
-            <a:endParaRPr lang="en-US" dirty="0"/>
-          </a:p>
-          <a:p>
-            <a:pPr lvl="1"/>
-            <a:endParaRPr lang="en-US" dirty="0"/>
-          </a:p>
-          <a:p>
-            <a:r>
-              <a:rPr lang="en-US" dirty="0"/>
-              <a:t>Yaw: rotation.</a:t>
-            </a:r>
-          </a:p>
-          <a:p>
-            <a:pPr lvl="1"/>
-            <a:r>
-              <a:rPr lang="en-US" dirty="0"/>
-              <a:t> + Clockwise, speed Front Left &amp; Rear Right, slow Front Right &amp; Rear Left</a:t>
-            </a:r>
-          </a:p>
-          <a:p>
-            <a:pPr lvl="1"/>
-            <a:r>
-              <a:rPr lang="en-US" dirty="0"/>
-              <a:t> - Counter clockwise, speed Front Right &amp; Rear Left, slow Front Left &amp; Rear Right</a:t>
-            </a:r>
-          </a:p>
-          <a:p>
-            <a:pPr lvl="1"/>
-            <a:endParaRPr lang="en-US" dirty="0"/>
-          </a:p>
-          <a:p>
-            <a:r>
-              <a:rPr lang="en-US" dirty="0"/>
-              <a:t>Mix result.</a:t>
-            </a:r>
-          </a:p>
-          <a:p>
-            <a:pPr marL="457200" lvl="1" indent="0">
+            <a:pPr marL="0" indent="0">
               <a:buNone/>
             </a:pPr>
             <a:r>
-              <a:rPr lang="en-US" dirty="0" err="1"/>
-              <a:t>ESC_command</a:t>
-            </a:r>
-            <a:r>
-              <a:rPr lang="en-US" dirty="0"/>
-              <a:t> = PID = measure - command </a:t>
-            </a:r>
-          </a:p>
-          <a:p>
-            <a:pPr marL="457200" lvl="1" indent="0">
-              <a:buNone/>
-            </a:pPr>
-            <a:r>
-              <a:rPr lang="en-US" dirty="0"/>
-              <a:t>#define PIDMIX(X,Y,Z) </a:t>
-            </a:r>
-            <a:r>
-              <a:rPr lang="en-US" dirty="0" err="1"/>
-              <a:t>ESC_command</a:t>
-            </a:r>
-            <a:r>
-              <a:rPr lang="en-US" dirty="0"/>
-              <a:t>[ROLL]*X + </a:t>
-            </a:r>
-            <a:r>
-              <a:rPr lang="en-US" dirty="0" err="1"/>
-              <a:t>ESC_command</a:t>
-            </a:r>
-            <a:r>
-              <a:rPr lang="en-US" dirty="0"/>
-              <a:t>[PITCH]*Y + </a:t>
-            </a:r>
-            <a:r>
-              <a:rPr lang="en-US" dirty="0" err="1"/>
-              <a:t>ESC_command</a:t>
-            </a:r>
-            <a:r>
-              <a:rPr lang="en-US" dirty="0"/>
-              <a:t>[YAW]*Z</a:t>
-            </a:r>
-          </a:p>
-          <a:p>
-            <a:pPr marL="457200" lvl="1" indent="0">
-              <a:buNone/>
-            </a:pPr>
-            <a:r>
-              <a:rPr lang="en-US" dirty="0"/>
-              <a:t> motor[0] = PIDMIX(-1,-1,-1); //Front Left Increase speed if ROLL PID &lt; 0 (drone too much tilted right, measure &lt;0) or Increase speed if PITCH PID &lt; 0 (drone too much tilted ground, measure &lt;0) or Increase speed if YAW PID &lt; 0 (drone too much Counter clockwise, measure &lt;0) </a:t>
-            </a:r>
-          </a:p>
-          <a:p>
-            <a:pPr marL="457200" lvl="1" indent="0">
-              <a:buNone/>
-            </a:pPr>
-            <a:r>
-              <a:rPr lang="en-US" dirty="0"/>
-              <a:t> motor[1] = PIDMIX(+1,-1,+1); //Front Right Increase speed if ROLL PID &gt; 0 (drone too much tilted left, measure &gt;0) or Increase speed if PITCH PID &lt; 0 (drone too much tilted ground, measure &lt;0) or Increase speed if YAW PID &gt; 0 (drone too much clockwise, measure &gt;0) </a:t>
-            </a:r>
-          </a:p>
-          <a:p>
-            <a:pPr marL="457200" lvl="1" indent="0">
-              <a:buNone/>
-            </a:pPr>
-            <a:r>
-              <a:rPr lang="en-US" dirty="0"/>
-              <a:t> motor[2] = PIDMIX(+1,+1,-1); //Rear Right Increase speed if ROLL PID &gt; 0 (drone too much tilted left, measure &gt;0) or Increase speed if PITCH PID &gt; 0 (drone too much tilted skyward, measure &gt;0) or Increase speed if YAW PID &lt; 0 (drone too much Counter clockwise, measure &lt;0) </a:t>
-            </a:r>
-          </a:p>
-          <a:p>
-            <a:pPr marL="457200" lvl="1" indent="0">
-              <a:buNone/>
-            </a:pPr>
-            <a:r>
-              <a:rPr lang="en-US" dirty="0"/>
-              <a:t> motor[3] = PIDMIX(-1,+1,+1); //Rear Left Increase speed if ROLL PID &lt; 0 (drone too much tilted right, measure &lt;0) or Increase speed if PITCH PID &gt; 0 (drone too much tilted skyward, measure &gt;0) or Increase speed if YAW PID &gt; 0 (drone too much clockwise, measure &gt;0) </a:t>
-            </a:r>
-          </a:p>
-          <a:p>
-            <a:pPr marL="457200" lvl="1" indent="0">
-              <a:buNone/>
-            </a:pPr>
-            <a:endParaRPr lang="en-US" dirty="0"/>
-          </a:p>
-          <a:p>
-            <a:pPr marL="457200" lvl="1" indent="0">
-              <a:buNone/>
-            </a:pPr>
+              <a:rPr lang="fr-FR" dirty="0"/>
+              <a:t>Lorsqu’on projette les forces aérodynamiques exercées par l’air sur la pale, on s’aperçoit qu’un rotor a toujours tendance à faire tourner le </a:t>
+            </a:r>
+            <a:r>
+              <a:rPr lang="fr-FR" dirty="0" err="1"/>
+              <a:t>quadcopter</a:t>
+            </a:r>
+            <a:r>
+              <a:rPr lang="fr-FR" dirty="0"/>
+              <a:t> dans le sens inverse de sa rotation.</a:t>
+            </a:r>
             <a:endParaRPr lang="en-US" dirty="0"/>
           </a:p>
         </p:txBody>
@@ -21404,7 +21839,7 @@
     </p:spTree>
     <p:extLst>
       <p:ext uri="{BB962C8B-B14F-4D97-AF65-F5344CB8AC3E}">
-        <p14:creationId xmlns:p14="http://schemas.microsoft.com/office/powerpoint/2010/main" val="2882794799"/>
+        <p14:creationId xmlns:p14="http://schemas.microsoft.com/office/powerpoint/2010/main" val="4186881262"/>
       </p:ext>
     </p:extLst>
   </p:cSld>
@@ -21436,7 +21871,7 @@
           <p:cNvPr id="2" name="Titre 1">
             <a:extLst>
               <a:ext uri="{FF2B5EF4-FFF2-40B4-BE49-F238E27FC236}">
-                <a16:creationId xmlns:a16="http://schemas.microsoft.com/office/drawing/2014/main" id="{7D7887D6-7566-47C9-A25C-3F4F54D9EBDC}"/>
+                <a16:creationId xmlns:a16="http://schemas.microsoft.com/office/drawing/2014/main" id="{C3A54A01-5167-4086-A1BC-77733497AAAC}"/>
               </a:ext>
             </a:extLst>
           </p:cNvPr>
@@ -21452,17 +21887,10 @@
           <a:bodyPr/>
           <a:lstStyle/>
           <a:p>
-            <a:r>
-              <a:rPr lang="fr-FR" dirty="0"/>
-              <a:t>Drone </a:t>
-            </a:r>
-            <a:r>
-              <a:rPr lang="fr-FR" dirty="0" err="1"/>
-              <a:t>processing</a:t>
-            </a:r>
-            <a:r>
-              <a:rPr lang="fr-FR" dirty="0"/>
-              <a:t> (1/3)</a:t>
+            <a:pPr algn="ctr"/>
+            <a:r>
+              <a:rPr lang="en-US" dirty="0"/>
+              <a:t>Motors Rotation (2/2)</a:t>
             </a:r>
           </a:p>
         </p:txBody>
@@ -21472,7 +21900,7 @@
           <p:cNvPr id="3" name="Espace réservé du contenu 2">
             <a:extLst>
               <a:ext uri="{FF2B5EF4-FFF2-40B4-BE49-F238E27FC236}">
-                <a16:creationId xmlns:a16="http://schemas.microsoft.com/office/drawing/2014/main" id="{570C9186-32F7-45DB-A01D-E527B032981A}"/>
+                <a16:creationId xmlns:a16="http://schemas.microsoft.com/office/drawing/2014/main" id="{81AD70D4-3C34-4229-95D1-25CD0E010131}"/>
               </a:ext>
             </a:extLst>
           </p:cNvPr>
@@ -21483,43 +21911,91 @@
             <p:ph idx="1"/>
           </p:nvPr>
         </p:nvSpPr>
-        <p:spPr>
-          <a:xfrm>
-            <a:off x="838200" y="1478280"/>
-            <a:ext cx="10515600" cy="5273040"/>
-          </a:xfrm>
-        </p:spPr>
+        <p:spPr/>
         <p:txBody>
           <a:bodyPr>
-            <a:normAutofit fontScale="62500" lnSpcReduction="20000"/>
+            <a:normAutofit fontScale="40000" lnSpcReduction="20000"/>
           </a:bodyPr>
           <a:lstStyle/>
           <a:p>
             <a:r>
-              <a:rPr lang="en-US" sz="1300" dirty="0"/>
-              <a:t>This processing usually occurs every 20 </a:t>
-            </a:r>
-            <a:r>
-              <a:rPr lang="en-US" sz="1300" dirty="0" err="1"/>
-              <a:t>ms</a:t>
-            </a:r>
-            <a:r>
-              <a:rPr lang="en-US" sz="1300" dirty="0"/>
-              <a:t> (</a:t>
-            </a:r>
-            <a:r>
-              <a:rPr lang="en-US" sz="1300" dirty="0" err="1"/>
-              <a:t>samplePeriod</a:t>
-            </a:r>
-            <a:r>
-              <a:rPr lang="en-US" sz="1300" dirty="0"/>
-              <a:t>), any latency is logged.</a:t>
-            </a:r>
-          </a:p>
-          <a:p>
-            <a:r>
-              <a:rPr lang="en-US" sz="1300" dirty="0"/>
-              <a:t>RC Command</a:t>
+              <a:rPr lang="en-US" dirty="0"/>
+              <a:t>Roll: left/right side tilt.</a:t>
+            </a:r>
+          </a:p>
+          <a:p>
+            <a:pPr lvl="1"/>
+            <a:r>
+              <a:rPr lang="en-US" dirty="0"/>
+              <a:t> + tilted side right, speed 2 Right, slow 2 Left</a:t>
+            </a:r>
+          </a:p>
+          <a:p>
+            <a:pPr lvl="1"/>
+            <a:r>
+              <a:rPr lang="en-US" dirty="0"/>
+              <a:t> - left, speed 2 Left, slow 2 Right</a:t>
+            </a:r>
+          </a:p>
+          <a:p>
+            <a:endParaRPr lang="en-US" dirty="0"/>
+          </a:p>
+          <a:p>
+            <a:r>
+              <a:rPr lang="en-US" dirty="0"/>
+              <a:t>Pitch: up/down tilt.</a:t>
+            </a:r>
+          </a:p>
+          <a:p>
+            <a:pPr lvl="1"/>
+            <a:r>
+              <a:rPr lang="en-US" dirty="0"/>
+              <a:t> + tilted skyward, speed 2 Front, slow 2 Rear</a:t>
+            </a:r>
+          </a:p>
+          <a:p>
+            <a:pPr lvl="1"/>
+            <a:r>
+              <a:rPr lang="en-US" dirty="0"/>
+              <a:t> - ground, speed 2 Rear, slow 2 Front</a:t>
+            </a:r>
+          </a:p>
+          <a:p>
+            <a:pPr lvl="1"/>
+            <a:endParaRPr lang="en-US" dirty="0"/>
+          </a:p>
+          <a:p>
+            <a:pPr lvl="1"/>
+            <a:endParaRPr lang="en-US" dirty="0"/>
+          </a:p>
+          <a:p>
+            <a:r>
+              <a:rPr lang="en-US" dirty="0"/>
+              <a:t>Yaw: rotation.</a:t>
+            </a:r>
+          </a:p>
+          <a:p>
+            <a:pPr lvl="1"/>
+            <a:r>
+              <a:rPr lang="en-US" dirty="0"/>
+              <a:t> + Clockwise, speed Front Right &amp; Rear Left, slow Front Left &amp; Rear Right</a:t>
+            </a:r>
+          </a:p>
+          <a:p>
+            <a:pPr lvl="1"/>
+            <a:r>
+              <a:rPr lang="en-US" dirty="0"/>
+              <a:t> - Counter clockwise, speed Front Left &amp; Rear Right, slow Front Right &amp; Rear Left</a:t>
+            </a:r>
+          </a:p>
+          <a:p>
+            <a:pPr lvl="1"/>
+            <a:endParaRPr lang="en-US" dirty="0"/>
+          </a:p>
+          <a:p>
+            <a:r>
+              <a:rPr lang="en-US" dirty="0"/>
+              <a:t>Mix result.</a:t>
             </a:r>
           </a:p>
           <a:p>
@@ -21527,8 +22003,12 @@
               <a:buNone/>
             </a:pPr>
             <a:r>
-              <a:rPr lang="en-US" sz="1300" dirty="0"/>
-              <a:t>ROLL, PITCH: range [-45;+45] </a:t>
+              <a:rPr lang="en-US" dirty="0" err="1"/>
+              <a:t>ESC_command</a:t>
+            </a:r>
+            <a:r>
+              <a:rPr lang="en-US" dirty="0"/>
+              <a:t> = PID = measure - command </a:t>
             </a:r>
           </a:p>
           <a:p>
@@ -21536,8 +22016,32 @@
               <a:buNone/>
             </a:pPr>
             <a:r>
-              <a:rPr lang="en-US" sz="1300" dirty="0"/>
-              <a:t>YAW: range [-90;+90] </a:t>
+              <a:rPr lang="en-US" dirty="0"/>
+              <a:t>#define PIDMIX(X,Y,Z) </a:t>
+            </a:r>
+            <a:r>
+              <a:rPr lang="en-US" dirty="0" err="1"/>
+              <a:t>ESC_command</a:t>
+            </a:r>
+            <a:r>
+              <a:rPr lang="en-US" dirty="0"/>
+              <a:t>[ROLL]*X + </a:t>
+            </a:r>
+            <a:r>
+              <a:rPr lang="en-US" dirty="0" err="1"/>
+              <a:t>ESC_command</a:t>
+            </a:r>
+            <a:r>
+              <a:rPr lang="en-US" dirty="0"/>
+              <a:t>[PITCH]*Y + </a:t>
+            </a:r>
+            <a:r>
+              <a:rPr lang="en-US" dirty="0" err="1"/>
+              <a:t>ESC_command</a:t>
+            </a:r>
+            <a:r>
+              <a:rPr lang="en-US" dirty="0"/>
+              <a:t>[YAW]*Z</a:t>
             </a:r>
           </a:p>
           <a:p>
@@ -21545,12 +22049,8 @@
               <a:buNone/>
             </a:pPr>
             <a:r>
-              <a:rPr lang="en-US" sz="1300" dirty="0"/>
-              <a:t>THROTTLE:   0 if &lt; 1.1*MINPPM else value included in [1.1*MINPPM;MAXPPM] </a:t>
-            </a:r>
-            <a:r>
-              <a:rPr lang="fr-FR" sz="1300" dirty="0"/>
-              <a:t> </a:t>
+              <a:rPr lang="en-US" dirty="0"/>
+              <a:t> motor[0] = PIDMIX(-1,-1,+1); //Front Left Increase speed if ROLL PID &lt; 0 (drone too much tilted right, measure &lt;0) or Increase speed if PITCH PID &lt; 0 (drone too much tilted ground, measure &lt;0) or Increase speed if YAW PID &gt; 0 (drone too much clockwise, measure &gt;0) </a:t>
             </a:r>
           </a:p>
           <a:p>
@@ -21558,24 +22058,8 @@
               <a:buNone/>
             </a:pPr>
             <a:r>
-              <a:rPr lang="fr-FR" sz="1300" dirty="0"/>
-              <a:t>AUX1:            0 </a:t>
-            </a:r>
-            <a:r>
-              <a:rPr lang="en-US" sz="1300" dirty="0"/>
-              <a:t>if &lt; 0.9*MAXPPM </a:t>
-            </a:r>
-            <a:r>
-              <a:rPr lang="fr-FR" sz="1300" dirty="0"/>
-              <a:t> </a:t>
-            </a:r>
-            <a:r>
-              <a:rPr lang="fr-FR" sz="1300" dirty="0" err="1"/>
-              <a:t>else</a:t>
-            </a:r>
-            <a:r>
-              <a:rPr lang="fr-FR" sz="1300" dirty="0"/>
-              <a:t> 1</a:t>
+              <a:rPr lang="en-US" dirty="0"/>
+              <a:t> motor[1] = PIDMIX(+1,-1,-1); //Front Right Increase speed if ROLL PID &gt; 0 (drone too much tilted left, measure &gt;0) or Increase speed if PITCH PID &lt; 0 (drone too much tilted ground, measure &lt;0) or Increase speed if YAW PID &lt; 0 (drone too much Counter clockwise, measure &lt;0) </a:t>
             </a:r>
           </a:p>
           <a:p>
@@ -21583,32 +22067,8 @@
               <a:buNone/>
             </a:pPr>
             <a:r>
-              <a:rPr lang="fr-FR" sz="1300" dirty="0"/>
-              <a:t>AUX2:            0 </a:t>
-            </a:r>
-            <a:r>
-              <a:rPr lang="en-US" sz="1300" dirty="0"/>
-              <a:t>if &lt; 0,9* MAXPPMAUX2 </a:t>
-            </a:r>
-            <a:r>
-              <a:rPr lang="fr-FR" sz="1300" dirty="0" err="1"/>
-              <a:t>else</a:t>
-            </a:r>
-            <a:r>
-              <a:rPr lang="fr-FR" sz="1300" dirty="0"/>
-              <a:t> 1</a:t>
-            </a:r>
-          </a:p>
-          <a:p>
-            <a:pPr marL="0" indent="0">
-              <a:buNone/>
-            </a:pPr>
-            <a:endParaRPr lang="fr-FR" sz="1300" dirty="0"/>
-          </a:p>
-          <a:p>
-            <a:r>
-              <a:rPr lang="en-US" sz="1300" dirty="0"/>
-              <a:t>CMPS12</a:t>
+              <a:rPr lang="en-US" dirty="0"/>
+              <a:t> motor[2] = PIDMIX(+1,+1,+1); //Rear Right Increase speed if ROLL PID &gt; 0 (drone too much tilted left, measure &gt;0) or Increase speed if PITCH PID &gt; 0 (drone too much tilted skyward, measure &gt;0) or Increase speed if YAW PID &gt; 0 (drone too much clockwise, measure &gt;0) </a:t>
             </a:r>
           </a:p>
           <a:p>
@@ -21616,296 +22076,28 @@
               <a:buNone/>
             </a:pPr>
             <a:r>
-              <a:rPr lang="en-US" sz="1300" dirty="0"/>
-              <a:t>ROLL, PITCH: range [-90;+90] </a:t>
+              <a:rPr lang="en-US" dirty="0"/>
+              <a:t> motor[3] = PIDMIX(-1,+1,-1); //Rear Left Increase speed if ROLL PID &lt; 0 (drone too much tilted right, measure &lt;0) or Increase speed if PITCH PID &gt; 0 (drone too much tilted skyward, measure &gt;0) or Increase speed if YAW PID &lt; 0 (drone too much Counter clockwise, measure &lt;0) </a:t>
             </a:r>
           </a:p>
           <a:p>
             <a:pPr marL="457200" lvl="1" indent="0">
               <a:buNone/>
             </a:pPr>
-            <a:r>
-              <a:rPr lang="en-US" sz="1300" dirty="0"/>
-              <a:t>YAW:  range [0;+359] </a:t>
-            </a:r>
-          </a:p>
-          <a:p>
-            <a:pPr marL="0" indent="0">
-              <a:buNone/>
-            </a:pPr>
-            <a:endParaRPr lang="fr-FR" sz="1300" dirty="0"/>
-          </a:p>
-          <a:p>
-            <a:r>
-              <a:rPr lang="fr-FR" sz="1300" dirty="0"/>
-              <a:t>PID </a:t>
-            </a:r>
-            <a:r>
-              <a:rPr lang="fr-FR" sz="1300" dirty="0" err="1"/>
-              <a:t>computed</a:t>
-            </a:r>
-            <a:r>
-              <a:rPr lang="fr-FR" sz="1300" dirty="0"/>
-              <a:t> for Roll and Pitch </a:t>
-            </a:r>
-            <a:r>
-              <a:rPr lang="fr-FR" sz="1300" dirty="0" err="1"/>
-              <a:t>based</a:t>
-            </a:r>
-            <a:r>
-              <a:rPr lang="fr-FR" sz="1300" dirty="0"/>
-              <a:t> on RC Command vs CMPS12 </a:t>
-            </a:r>
-            <a:r>
-              <a:rPr lang="fr-FR" sz="1300" dirty="0" err="1"/>
-              <a:t>measures</a:t>
-            </a:r>
-            <a:endParaRPr lang="fr-FR" sz="1300" dirty="0"/>
+            <a:endParaRPr lang="en-US" dirty="0"/>
           </a:p>
           <a:p>
             <a:pPr marL="457200" lvl="1" indent="0">
               <a:buNone/>
             </a:pPr>
-            <a:r>
-              <a:rPr lang="da-DK" sz="1300" dirty="0"/>
-              <a:t>error =  measure - command</a:t>
-            </a:r>
-            <a:endParaRPr lang="nb-NO" sz="1300" dirty="0"/>
-          </a:p>
-          <a:p>
-            <a:pPr marL="457200" lvl="1" indent="0">
-              <a:buNone/>
-            </a:pPr>
-            <a:r>
-              <a:rPr lang="nb-NO" sz="1300" dirty="0"/>
-              <a:t>PID = (KP*error) + (KI*sum_error*sampleTime) + (KD*delta_error/ sampleTime)</a:t>
-            </a:r>
-          </a:p>
-          <a:p>
-            <a:pPr marL="457200" lvl="1" indent="0">
-              <a:buNone/>
-            </a:pPr>
-            <a:r>
-              <a:rPr lang="nb-NO" sz="1300" dirty="0"/>
-              <a:t>With</a:t>
-            </a:r>
-          </a:p>
-          <a:p>
-            <a:pPr lvl="2"/>
-            <a:r>
-              <a:rPr lang="en-US" sz="1300" dirty="0" err="1"/>
-              <a:t>Kp</a:t>
-            </a:r>
-            <a:r>
-              <a:rPr lang="en-US" sz="1300" dirty="0"/>
-              <a:t>[3] = {0.6,   0.6,   2.4};</a:t>
-            </a:r>
-          </a:p>
-          <a:p>
-            <a:pPr lvl="2"/>
-            <a:r>
-              <a:rPr lang="en-US" sz="1300" dirty="0"/>
-              <a:t>Ki[3] = {0.02, 0.02, 0.01};  // values for 50hz (20 </a:t>
-            </a:r>
-            <a:r>
-              <a:rPr lang="en-US" sz="1300" dirty="0" err="1"/>
-              <a:t>ms</a:t>
-            </a:r>
-            <a:r>
-              <a:rPr lang="en-US" sz="1300" dirty="0"/>
-              <a:t>)</a:t>
-            </a:r>
-          </a:p>
-          <a:p>
-            <a:pPr lvl="2"/>
-            <a:r>
-              <a:rPr lang="en-US" sz="1300" dirty="0" err="1"/>
-              <a:t>Kd</a:t>
-            </a:r>
-            <a:r>
-              <a:rPr lang="en-US" sz="1300" dirty="0"/>
-              <a:t>[3] = {12.0,  12.0,  0.0}; // values for 50hz (20 </a:t>
-            </a:r>
-            <a:r>
-              <a:rPr lang="en-US" sz="1300" dirty="0" err="1"/>
-              <a:t>ms</a:t>
-            </a:r>
-            <a:r>
-              <a:rPr lang="en-US" sz="1300" dirty="0"/>
-              <a:t>)</a:t>
-            </a:r>
-          </a:p>
-          <a:p>
-            <a:pPr marL="457200" lvl="1" indent="0">
-              <a:buNone/>
-            </a:pPr>
-            <a:endParaRPr lang="en-US" sz="1300" dirty="0"/>
-          </a:p>
-          <a:p>
-            <a:pPr marL="457200" lvl="1" indent="0">
-              <a:buNone/>
-            </a:pPr>
-            <a:r>
-              <a:rPr lang="en-US" sz="1300" dirty="0"/>
-              <a:t> </a:t>
-            </a:r>
-            <a:r>
-              <a:rPr lang="nb-NO" sz="1300" dirty="0"/>
-              <a:t>NB:</a:t>
-            </a:r>
-          </a:p>
-          <a:p>
-            <a:pPr marL="1371600" lvl="2" indent="-457200">
-              <a:buFont typeface="+mj-lt"/>
-              <a:buAutoNum type="arabicPeriod"/>
-            </a:pPr>
-            <a:r>
-              <a:rPr lang="nb-NO" sz="1300" dirty="0"/>
-              <a:t>The Integral sum_error is capped to _IMax = 5</a:t>
-            </a:r>
-          </a:p>
-          <a:p>
-            <a:pPr marL="1371600" lvl="2" indent="-457200">
-              <a:buFont typeface="+mj-lt"/>
-              <a:buAutoNum type="arabicPeriod"/>
-            </a:pPr>
-            <a:r>
-              <a:rPr lang="en-US" sz="1300" dirty="0"/>
-              <a:t>Low pass filter cut frequency at 20 Hz for the Derivative component, cuts out the high frequency noise that can drive the controller </a:t>
-            </a:r>
-            <a:r>
-              <a:rPr lang="en-US" sz="1300" dirty="0" err="1"/>
-              <a:t>crasy</a:t>
-            </a:r>
-            <a:endParaRPr lang="en-US" sz="1300" dirty="0"/>
-          </a:p>
-          <a:p>
-            <a:pPr marL="1371600" lvl="2" indent="-457200">
-              <a:buFont typeface="+mj-lt"/>
-              <a:buAutoNum type="arabicPeriod"/>
-            </a:pPr>
-            <a:r>
-              <a:rPr lang="nb-NO" sz="1300" dirty="0"/>
-              <a:t>Initial Yaw (YawInit) is subtracted from Yaw and Yaw is converted from [</a:t>
-            </a:r>
-            <a:r>
-              <a:rPr lang="en-US" sz="1300" dirty="0"/>
-              <a:t>0;+359]  to range [-180;+180] </a:t>
-            </a:r>
-            <a:endParaRPr lang="nb-NO" sz="1300" dirty="0"/>
-          </a:p>
-          <a:p>
-            <a:pPr marL="1371600" lvl="2" indent="-457200">
-              <a:buFont typeface="+mj-lt"/>
-              <a:buAutoNum type="arabicPeriod"/>
-            </a:pPr>
-            <a:r>
-              <a:rPr lang="nb-NO" sz="1300" dirty="0"/>
-              <a:t>Considering error max = 20, Integral max = 5 and delta error max = 20 =&gt; |PID| &lt; 100.</a:t>
-            </a:r>
-          </a:p>
-          <a:p>
-            <a:pPr marL="1371600" lvl="2" indent="-457200">
-              <a:buFont typeface="+mj-lt"/>
-              <a:buAutoNum type="arabicPeriod"/>
-            </a:pPr>
-            <a:endParaRPr lang="nb-NO" sz="1300" dirty="0"/>
-          </a:p>
-          <a:p>
-            <a:r>
-              <a:rPr lang="fr-FR" sz="1300" dirty="0"/>
-              <a:t>Call </a:t>
-            </a:r>
-            <a:r>
-              <a:rPr lang="fr-FR" sz="1300" dirty="0" err="1"/>
-              <a:t>MotorESC_RunMotors</a:t>
-            </a:r>
-            <a:endParaRPr lang="fr-FR" sz="1300" dirty="0"/>
-          </a:p>
-          <a:p>
-            <a:pPr marL="457200" lvl="1" indent="0">
-              <a:buNone/>
-            </a:pPr>
-            <a:r>
-              <a:rPr lang="en-US" sz="1300" dirty="0" err="1"/>
-              <a:t>ESC_command</a:t>
-            </a:r>
-            <a:r>
-              <a:rPr lang="en-US" sz="1300" dirty="0"/>
-              <a:t>[THROTTLE] = </a:t>
-            </a:r>
-            <a:r>
-              <a:rPr lang="en-US" sz="1300" dirty="0" err="1"/>
-              <a:t>RC_command</a:t>
-            </a:r>
-            <a:r>
-              <a:rPr lang="en-US" sz="1300" dirty="0"/>
-              <a:t> Throttle</a:t>
-            </a:r>
-          </a:p>
-          <a:p>
-            <a:pPr marL="457200" lvl="1" indent="0">
-              <a:buNone/>
-            </a:pPr>
-            <a:r>
-              <a:rPr lang="en-US" sz="1300" dirty="0" err="1"/>
-              <a:t>ESC_command</a:t>
-            </a:r>
-            <a:r>
-              <a:rPr lang="en-US" sz="1300" dirty="0"/>
-              <a:t>[ROLL]     = PID Roll</a:t>
-            </a:r>
-          </a:p>
-          <a:p>
-            <a:pPr marL="457200" lvl="1" indent="0">
-              <a:buNone/>
-            </a:pPr>
-            <a:r>
-              <a:rPr lang="en-US" sz="1300" dirty="0" err="1"/>
-              <a:t>ESC_command</a:t>
-            </a:r>
-            <a:r>
-              <a:rPr lang="en-US" sz="1300" dirty="0"/>
-              <a:t>[PITCH]    = PID Pitch</a:t>
-            </a:r>
-          </a:p>
-          <a:p>
-            <a:pPr marL="457200" lvl="1" indent="0">
-              <a:buNone/>
-            </a:pPr>
-            <a:r>
-              <a:rPr lang="en-US" sz="1300" dirty="0" err="1"/>
-              <a:t>ESC_command</a:t>
-            </a:r>
-            <a:r>
-              <a:rPr lang="en-US" sz="1300" dirty="0"/>
-              <a:t>[YAW]      =</a:t>
-            </a:r>
-            <a:r>
-              <a:rPr lang="en-US" sz="1300" b="1" dirty="0">
-                <a:solidFill>
-                  <a:srgbClr val="FF0000"/>
-                </a:solidFill>
-              </a:rPr>
-              <a:t> </a:t>
-            </a:r>
-            <a:r>
-              <a:rPr lang="en-US" sz="1300" dirty="0"/>
-              <a:t>PID Yaw</a:t>
-            </a:r>
-          </a:p>
-          <a:p>
-            <a:pPr marL="0" indent="0">
-              <a:buNone/>
-            </a:pPr>
-            <a:endParaRPr lang="fr-FR" sz="1800" dirty="0"/>
+            <a:endParaRPr lang="en-US" dirty="0"/>
           </a:p>
         </p:txBody>
       </p:sp>
     </p:spTree>
     <p:extLst>
       <p:ext uri="{BB962C8B-B14F-4D97-AF65-F5344CB8AC3E}">
-        <p14:creationId xmlns:p14="http://schemas.microsoft.com/office/powerpoint/2010/main" val="1215779965"/>
+        <p14:creationId xmlns:p14="http://schemas.microsoft.com/office/powerpoint/2010/main" val="2882794799"/>
       </p:ext>
     </p:extLst>
   </p:cSld>
@@ -21963,7 +22155,7 @@
             </a:r>
             <a:r>
               <a:rPr lang="fr-FR" dirty="0"/>
-              <a:t> (2/3)</a:t>
+              <a:t> (1/3)</a:t>
             </a:r>
           </a:p>
         </p:txBody>
@@ -21984,53 +22176,74 @@
             <p:ph idx="1"/>
           </p:nvPr>
         </p:nvSpPr>
-        <p:spPr/>
+        <p:spPr>
+          <a:xfrm>
+            <a:off x="838200" y="1478280"/>
+            <a:ext cx="10515600" cy="5273040"/>
+          </a:xfrm>
+        </p:spPr>
         <p:txBody>
           <a:bodyPr>
-            <a:normAutofit/>
+            <a:normAutofit fontScale="62500" lnSpcReduction="20000"/>
           </a:bodyPr>
           <a:lstStyle/>
           <a:p>
             <a:r>
-              <a:rPr lang="fr-FR" dirty="0" err="1"/>
-              <a:t>MotorESC_RunMotors</a:t>
-            </a:r>
-            <a:endParaRPr lang="fr-FR" dirty="0"/>
+              <a:rPr lang="en-US" sz="1300" dirty="0"/>
+              <a:t>This processing usually occurs every 20 </a:t>
+            </a:r>
+            <a:r>
+              <a:rPr lang="en-US" sz="1300" dirty="0" err="1"/>
+              <a:t>ms</a:t>
+            </a:r>
+            <a:r>
+              <a:rPr lang="en-US" sz="1300" dirty="0"/>
+              <a:t> (</a:t>
+            </a:r>
+            <a:r>
+              <a:rPr lang="en-US" sz="1300" dirty="0" err="1"/>
+              <a:t>samplePeriod</a:t>
+            </a:r>
+            <a:r>
+              <a:rPr lang="en-US" sz="1300" dirty="0"/>
+              <a:t>), any latency is logged.</a:t>
+            </a:r>
+          </a:p>
+          <a:p>
+            <a:r>
+              <a:rPr lang="en-US" sz="1300" dirty="0"/>
+              <a:t>RC Command</a:t>
+            </a:r>
           </a:p>
           <a:p>
             <a:pPr marL="457200" lvl="1" indent="0">
               <a:buNone/>
             </a:pPr>
             <a:r>
-              <a:rPr lang="en-US" sz="1400" dirty="0"/>
-              <a:t>if </a:t>
-            </a:r>
-            <a:r>
-              <a:rPr lang="en-US" sz="1400" dirty="0" err="1"/>
-              <a:t>ESC_command</a:t>
-            </a:r>
-            <a:r>
-              <a:rPr lang="en-US" sz="1400" dirty="0"/>
-              <a:t>[THROTTLE] = 0 =&gt; Motors = MINPWM</a:t>
+              <a:rPr lang="en-US" sz="1300" dirty="0"/>
+              <a:t>ROLL, PITCH: range [-45;+45] </a:t>
             </a:r>
           </a:p>
           <a:p>
             <a:pPr marL="457200" lvl="1" indent="0">
               <a:buNone/>
             </a:pPr>
-            <a:endParaRPr lang="fr-FR" sz="1400" dirty="0"/>
+            <a:r>
+              <a:rPr lang="en-US" sz="1300" dirty="0"/>
+              <a:t>YAW: range [-90;+90] </a:t>
+            </a:r>
           </a:p>
           <a:p>
             <a:pPr marL="457200" lvl="1" indent="0">
               <a:buNone/>
             </a:pPr>
             <a:r>
-              <a:rPr lang="fr-FR" sz="1400" dirty="0" err="1"/>
-              <a:t>else</a:t>
-            </a:r>
-            <a:r>
-              <a:rPr lang="fr-FR" sz="1400" dirty="0"/>
-              <a:t>:</a:t>
+              <a:rPr lang="en-US" sz="1300" dirty="0"/>
+              <a:t>THROTTLE:   0 if &lt; 1.1*MINPPM else value included in [1.1*MINPPM;MAXPPM] </a:t>
+            </a:r>
+            <a:r>
+              <a:rPr lang="fr-FR" sz="1300" dirty="0"/>
+              <a:t> </a:t>
             </a:r>
           </a:p>
           <a:p>
@@ -22038,32 +22251,24 @@
               <a:buNone/>
             </a:pPr>
             <a:r>
-              <a:rPr lang="fr-FR" sz="1400" dirty="0"/>
-              <a:t>   // assure </a:t>
-            </a:r>
-            <a:r>
-              <a:rPr lang="fr-FR" sz="1400" dirty="0" err="1"/>
-              <a:t>consistency</a:t>
-            </a:r>
-            <a:r>
-              <a:rPr lang="fr-FR" sz="1400" dirty="0"/>
+              <a:rPr lang="fr-FR" sz="1300" dirty="0"/>
+              <a:t>AUX1:            0 </a:t>
+            </a:r>
+            <a:r>
+              <a:rPr lang="en-US" sz="1300" dirty="0"/>
+              <a:t>if &lt; 0.9*MAXPPM </a:t>
+            </a:r>
+            <a:r>
+              <a:rPr lang="fr-FR" sz="1300" dirty="0"/>
               <a:t> </a:t>
             </a:r>
             <a:r>
-              <a:rPr lang="fr-FR" sz="1400" dirty="0" err="1"/>
-              <a:t>between</a:t>
-            </a:r>
-            <a:r>
-              <a:rPr lang="fr-FR" sz="1400" dirty="0"/>
-              <a:t> the impact of the </a:t>
-            </a:r>
-            <a:r>
-              <a:rPr lang="fr-FR" sz="1400" dirty="0" err="1"/>
-              <a:t>throttle</a:t>
-            </a:r>
-            <a:r>
-              <a:rPr lang="fr-FR" sz="1400" dirty="0"/>
-              <a:t> and of the PID</a:t>
+              <a:rPr lang="fr-FR" sz="1300" dirty="0" err="1"/>
+              <a:t>else</a:t>
+            </a:r>
+            <a:r>
+              <a:rPr lang="fr-FR" sz="1300" dirty="0"/>
+              <a:t> 1</a:t>
             </a:r>
           </a:p>
           <a:p>
@@ -22071,150 +22276,102 @@
               <a:buNone/>
             </a:pPr>
             <a:r>
-              <a:rPr lang="fr-FR" sz="1400" dirty="0"/>
-              <a:t>    </a:t>
-            </a:r>
-            <a:r>
-              <a:rPr lang="fr-FR" sz="1400" dirty="0" err="1"/>
-              <a:t>throttle</a:t>
-            </a:r>
-            <a:r>
-              <a:rPr lang="fr-FR" sz="1400" dirty="0"/>
-              <a:t> = </a:t>
-            </a:r>
-            <a:r>
-              <a:rPr lang="fr-FR" sz="1400" dirty="0" err="1"/>
-              <a:t>map</a:t>
-            </a:r>
-            <a:r>
-              <a:rPr lang="fr-FR" sz="1400" dirty="0"/>
-              <a:t>(</a:t>
-            </a:r>
-            <a:r>
-              <a:rPr lang="fr-FR" sz="1400" dirty="0" err="1"/>
-              <a:t>ESC_command</a:t>
-            </a:r>
-            <a:r>
-              <a:rPr lang="fr-FR" sz="1400" dirty="0"/>
-              <a:t>[THROTTLE], MINPPM, MAXPPM, MINPWMTHRO, MAXPWMTHRO);  // to </a:t>
-            </a:r>
-            <a:r>
-              <a:rPr lang="fr-FR" sz="1400" dirty="0" err="1"/>
-              <a:t>give</a:t>
-            </a:r>
-            <a:r>
-              <a:rPr lang="fr-FR" sz="1400" dirty="0"/>
-              <a:t> room for PID ajustement</a:t>
+              <a:rPr lang="fr-FR" sz="1300" dirty="0"/>
+              <a:t>AUX2:            0 </a:t>
+            </a:r>
+            <a:r>
+              <a:rPr lang="en-US" sz="1300" dirty="0"/>
+              <a:t>if &lt; 0,9* MAXPPMAUX2 </a:t>
+            </a:r>
+            <a:r>
+              <a:rPr lang="fr-FR" sz="1300" dirty="0" err="1"/>
+              <a:t>else</a:t>
+            </a:r>
+            <a:r>
+              <a:rPr lang="fr-FR" sz="1300" dirty="0"/>
+              <a:t> 1</a:t>
+            </a:r>
+          </a:p>
+          <a:p>
+            <a:pPr marL="0" indent="0">
+              <a:buNone/>
+            </a:pPr>
+            <a:endParaRPr lang="fr-FR" sz="1300" dirty="0"/>
+          </a:p>
+          <a:p>
+            <a:r>
+              <a:rPr lang="en-US" sz="1300" dirty="0"/>
+              <a:t>CMPS12</a:t>
             </a:r>
           </a:p>
           <a:p>
             <a:pPr marL="457200" lvl="1" indent="0">
               <a:buNone/>
             </a:pPr>
-            <a:endParaRPr lang="fr-FR" sz="1400" dirty="0"/>
+            <a:r>
+              <a:rPr lang="en-US" sz="1300" dirty="0"/>
+              <a:t>ROLL, PITCH: range [-90;+90] </a:t>
+            </a:r>
           </a:p>
           <a:p>
             <a:pPr marL="457200" lvl="1" indent="0">
               <a:buNone/>
             </a:pPr>
             <a:r>
-              <a:rPr lang="fr-FR" sz="1400" dirty="0"/>
-              <a:t> #</a:t>
-            </a:r>
-            <a:r>
-              <a:rPr lang="fr-FR" sz="1400" dirty="0" err="1"/>
-              <a:t>define</a:t>
-            </a:r>
-            <a:r>
-              <a:rPr lang="fr-FR" sz="1400" dirty="0"/>
-              <a:t> PIDMIX(X,Y,Z) </a:t>
-            </a:r>
-            <a:r>
-              <a:rPr lang="fr-FR" sz="1400" dirty="0" err="1"/>
-              <a:t>ESC_command</a:t>
-            </a:r>
-            <a:r>
-              <a:rPr lang="fr-FR" sz="1400" dirty="0"/>
-              <a:t>[ROLL]*X + </a:t>
-            </a:r>
-            <a:r>
-              <a:rPr lang="fr-FR" sz="1400" dirty="0" err="1"/>
-              <a:t>ESC_command</a:t>
-            </a:r>
-            <a:r>
-              <a:rPr lang="fr-FR" sz="1400" dirty="0"/>
-              <a:t>[PITCH]*Y + </a:t>
-            </a:r>
-            <a:r>
-              <a:rPr lang="fr-FR" sz="1400" dirty="0" err="1"/>
-              <a:t>ESC_command</a:t>
-            </a:r>
-            <a:r>
-              <a:rPr lang="fr-FR" sz="1400" dirty="0"/>
-              <a:t>[YAW]*Z</a:t>
-            </a:r>
+              <a:rPr lang="en-US" sz="1300" dirty="0"/>
+              <a:t>YAW:  range [0;+359] </a:t>
+            </a:r>
+          </a:p>
+          <a:p>
+            <a:pPr marL="0" indent="0">
+              <a:buNone/>
+            </a:pPr>
+            <a:endParaRPr lang="fr-FR" sz="1300" dirty="0"/>
+          </a:p>
+          <a:p>
+            <a:r>
+              <a:rPr lang="fr-FR" sz="1300" dirty="0"/>
+              <a:t>PID </a:t>
+            </a:r>
+            <a:r>
+              <a:rPr lang="fr-FR" sz="1300" dirty="0" err="1"/>
+              <a:t>computed</a:t>
+            </a:r>
+            <a:r>
+              <a:rPr lang="fr-FR" sz="1300" dirty="0"/>
+              <a:t> for Roll and Pitch </a:t>
+            </a:r>
+            <a:r>
+              <a:rPr lang="fr-FR" sz="1300" dirty="0" err="1"/>
+              <a:t>based</a:t>
+            </a:r>
+            <a:r>
+              <a:rPr lang="fr-FR" sz="1300" dirty="0"/>
+              <a:t> on RC Command vs CMPS12 </a:t>
+            </a:r>
+            <a:r>
+              <a:rPr lang="fr-FR" sz="1300" dirty="0" err="1"/>
+              <a:t>measures</a:t>
+            </a:r>
+            <a:endParaRPr lang="fr-FR" sz="1300" dirty="0"/>
           </a:p>
           <a:p>
             <a:pPr marL="457200" lvl="1" indent="0">
               <a:buNone/>
             </a:pPr>
             <a:r>
-              <a:rPr lang="fr-FR" sz="1400" dirty="0"/>
-              <a:t>     </a:t>
-            </a:r>
-            <a:r>
-              <a:rPr lang="fr-FR" sz="1400" dirty="0" err="1"/>
-              <a:t>pid</a:t>
-            </a:r>
-            <a:r>
-              <a:rPr lang="fr-FR" sz="1400" dirty="0"/>
-              <a:t> = PIDMIX(-1,-1,-1); //Front </a:t>
-            </a:r>
-            <a:r>
-              <a:rPr lang="fr-FR" sz="1400" dirty="0" err="1"/>
-              <a:t>Left</a:t>
-            </a:r>
-            <a:endParaRPr lang="fr-FR" sz="1400" dirty="0"/>
+              <a:rPr lang="da-DK" sz="1300" dirty="0"/>
+              <a:t>error =  measure - command</a:t>
+            </a:r>
+            <a:endParaRPr lang="nb-NO" sz="1300" dirty="0"/>
           </a:p>
           <a:p>
             <a:pPr marL="457200" lvl="1" indent="0">
               <a:buNone/>
             </a:pPr>
             <a:r>
-              <a:rPr lang="fr-FR" sz="1400" dirty="0"/>
-              <a:t>     _</a:t>
-            </a:r>
-            <a:r>
-              <a:rPr lang="fr-FR" sz="1400" dirty="0" err="1"/>
-              <a:t>motor</a:t>
-            </a:r>
-            <a:r>
-              <a:rPr lang="fr-FR" sz="1400" dirty="0"/>
-              <a:t>[0] = </a:t>
-            </a:r>
-            <a:r>
-              <a:rPr lang="fr-FR" sz="1400" dirty="0" err="1"/>
-              <a:t>map</a:t>
-            </a:r>
-            <a:r>
-              <a:rPr lang="fr-FR" sz="1400" dirty="0"/>
-              <a:t>(</a:t>
-            </a:r>
-            <a:r>
-              <a:rPr lang="fr-FR" sz="1400" dirty="0" err="1"/>
-              <a:t>pid</a:t>
-            </a:r>
-            <a:r>
-              <a:rPr lang="fr-FR" sz="1400" dirty="0"/>
-              <a:t>, -MAXABSPID, MAXABSPID, MINPWMPID, MAXPWMPID) + </a:t>
-            </a:r>
-            <a:r>
-              <a:rPr lang="fr-FR" sz="1400" dirty="0" err="1"/>
-              <a:t>throttle</a:t>
-            </a:r>
-            <a:r>
-              <a:rPr lang="fr-FR" sz="1400" dirty="0"/>
-              <a:t>; </a:t>
+              <a:rPr lang="nb-NO" sz="1300" dirty="0"/>
+              <a:t>PID = (KP*error) + (KI*sum_error*sampleTime) + (KD*delta_error/ sampleTime)</a:t>
             </a:r>
           </a:p>
           <a:p>
@@ -22222,123 +22379,161 @@
               <a:buNone/>
             </a:pPr>
             <a:r>
-              <a:rPr lang="fr-FR" sz="1400" dirty="0"/>
-              <a:t>     </a:t>
-            </a:r>
-            <a:r>
-              <a:rPr lang="fr-FR" sz="1400" dirty="0" err="1"/>
-              <a:t>pid</a:t>
-            </a:r>
-            <a:r>
-              <a:rPr lang="fr-FR" sz="1400" dirty="0"/>
-              <a:t> = PIDMIX(+1,-1,+1); //Front Right</a:t>
+              <a:rPr lang="nb-NO" sz="1300" dirty="0"/>
+              <a:t>With</a:t>
+            </a:r>
+          </a:p>
+          <a:p>
+            <a:pPr lvl="2"/>
+            <a:r>
+              <a:rPr lang="en-US" sz="1300" dirty="0" err="1"/>
+              <a:t>Kp</a:t>
+            </a:r>
+            <a:r>
+              <a:rPr lang="en-US" sz="1300" dirty="0"/>
+              <a:t>[3] = {0.6,   0.6,   2.4};</a:t>
+            </a:r>
+          </a:p>
+          <a:p>
+            <a:pPr lvl="2"/>
+            <a:r>
+              <a:rPr lang="en-US" sz="1300" dirty="0"/>
+              <a:t>Ki[3] = {0.02, 0.02, 0.01};  // values for 50hz (20 </a:t>
+            </a:r>
+            <a:r>
+              <a:rPr lang="en-US" sz="1300" dirty="0" err="1"/>
+              <a:t>ms</a:t>
+            </a:r>
+            <a:r>
+              <a:rPr lang="en-US" sz="1300" dirty="0"/>
+              <a:t>)</a:t>
+            </a:r>
+          </a:p>
+          <a:p>
+            <a:pPr lvl="2"/>
+            <a:r>
+              <a:rPr lang="en-US" sz="1300" dirty="0" err="1"/>
+              <a:t>Kd</a:t>
+            </a:r>
+            <a:r>
+              <a:rPr lang="en-US" sz="1300" dirty="0"/>
+              <a:t>[3] = {12.0,  12.0,  0.0}; // values for 50hz (20 </a:t>
+            </a:r>
+            <a:r>
+              <a:rPr lang="en-US" sz="1300" dirty="0" err="1"/>
+              <a:t>ms</a:t>
+            </a:r>
+            <a:r>
+              <a:rPr lang="en-US" sz="1300" dirty="0"/>
+              <a:t>)</a:t>
             </a:r>
           </a:p>
           <a:p>
             <a:pPr marL="457200" lvl="1" indent="0">
               <a:buNone/>
             </a:pPr>
-            <a:r>
-              <a:rPr lang="fr-FR" sz="1400" dirty="0"/>
-              <a:t>     _</a:t>
-            </a:r>
-            <a:r>
-              <a:rPr lang="fr-FR" sz="1400" dirty="0" err="1"/>
-              <a:t>motor</a:t>
-            </a:r>
-            <a:r>
-              <a:rPr lang="fr-FR" sz="1400" dirty="0"/>
-              <a:t>[1] = </a:t>
-            </a:r>
-            <a:r>
-              <a:rPr lang="fr-FR" sz="1400" dirty="0" err="1"/>
-              <a:t>map</a:t>
-            </a:r>
-            <a:r>
-              <a:rPr lang="fr-FR" sz="1400" dirty="0"/>
-              <a:t>(</a:t>
-            </a:r>
-            <a:r>
-              <a:rPr lang="fr-FR" sz="1400" dirty="0" err="1"/>
-              <a:t>pid</a:t>
-            </a:r>
-            <a:r>
-              <a:rPr lang="fr-FR" sz="1400" dirty="0"/>
-              <a:t>, -MAXABSPID, MAXABSPID, MINPWMPID, MAXPWMPID) + </a:t>
-            </a:r>
-            <a:r>
-              <a:rPr lang="fr-FR" sz="1400" dirty="0" err="1"/>
-              <a:t>throttle</a:t>
-            </a:r>
-            <a:r>
-              <a:rPr lang="fr-FR" sz="1400" dirty="0"/>
-              <a:t>;</a:t>
-            </a:r>
+            <a:endParaRPr lang="en-US" sz="1300" dirty="0"/>
           </a:p>
           <a:p>
             <a:pPr marL="457200" lvl="1" indent="0">
               <a:buNone/>
             </a:pPr>
             <a:r>
-              <a:rPr lang="fr-FR" sz="1400" dirty="0"/>
-              <a:t>     </a:t>
-            </a:r>
-            <a:r>
-              <a:rPr lang="fr-FR" sz="1400" dirty="0" err="1"/>
-              <a:t>pid</a:t>
-            </a:r>
-            <a:r>
-              <a:rPr lang="fr-FR" sz="1400" dirty="0"/>
-              <a:t> = PIDMIX(+1,+1,-1); //</a:t>
-            </a:r>
-            <a:r>
-              <a:rPr lang="fr-FR" sz="1400" dirty="0" err="1"/>
-              <a:t>Rear</a:t>
-            </a:r>
-            <a:r>
-              <a:rPr lang="fr-FR" sz="1400" dirty="0"/>
-              <a:t> Right</a:t>
-            </a:r>
+              <a:rPr lang="en-US" sz="1300" dirty="0"/>
+              <a:t> </a:t>
+            </a:r>
+            <a:r>
+              <a:rPr lang="nb-NO" sz="1300" dirty="0"/>
+              <a:t>NB:</a:t>
+            </a:r>
+          </a:p>
+          <a:p>
+            <a:pPr marL="1371600" lvl="2" indent="-457200">
+              <a:buFont typeface="+mj-lt"/>
+              <a:buAutoNum type="arabicPeriod"/>
+            </a:pPr>
+            <a:r>
+              <a:rPr lang="nb-NO" sz="1300" dirty="0"/>
+              <a:t>The Integral sum_error is capped to _IMax = 5</a:t>
+            </a:r>
+          </a:p>
+          <a:p>
+            <a:pPr marL="1371600" lvl="2" indent="-457200">
+              <a:buFont typeface="+mj-lt"/>
+              <a:buAutoNum type="arabicPeriod"/>
+            </a:pPr>
+            <a:r>
+              <a:rPr lang="en-US" sz="1300" dirty="0"/>
+              <a:t>Low pass filter cut frequency at 20 Hz for the Derivative component, cuts out the high frequency noise that can drive the controller </a:t>
+            </a:r>
+            <a:r>
+              <a:rPr lang="en-US" sz="1300" dirty="0" err="1"/>
+              <a:t>crasy</a:t>
+            </a:r>
+            <a:endParaRPr lang="en-US" sz="1300" dirty="0"/>
+          </a:p>
+          <a:p>
+            <a:pPr marL="1371600" lvl="2" indent="-457200">
+              <a:buFont typeface="+mj-lt"/>
+              <a:buAutoNum type="arabicPeriod"/>
+            </a:pPr>
+            <a:r>
+              <a:rPr lang="nb-NO" sz="1300" dirty="0"/>
+              <a:t>Initial Yaw (YawInit) is subtracted from Yaw and Yaw is converted from [</a:t>
+            </a:r>
+            <a:r>
+              <a:rPr lang="en-US" sz="1300" dirty="0"/>
+              <a:t>0;+359]  to range [-180;+180] </a:t>
+            </a:r>
+            <a:endParaRPr lang="nb-NO" sz="1300" dirty="0"/>
+          </a:p>
+          <a:p>
+            <a:pPr marL="1371600" lvl="2" indent="-457200">
+              <a:buFont typeface="+mj-lt"/>
+              <a:buAutoNum type="arabicPeriod"/>
+            </a:pPr>
+            <a:r>
+              <a:rPr lang="nb-NO" sz="1300" dirty="0"/>
+              <a:t>Considering error max = 20, Integral max = 5 and delta error max = 20 =&gt; |PID| &lt; 100.</a:t>
+            </a:r>
+          </a:p>
+          <a:p>
+            <a:pPr marL="1371600" lvl="2" indent="-457200">
+              <a:buFont typeface="+mj-lt"/>
+              <a:buAutoNum type="arabicPeriod"/>
+            </a:pPr>
+            <a:endParaRPr lang="nb-NO" sz="1300" dirty="0"/>
+          </a:p>
+          <a:p>
+            <a:r>
+              <a:rPr lang="fr-FR" sz="1300" dirty="0"/>
+              <a:t>Call </a:t>
+            </a:r>
+            <a:r>
+              <a:rPr lang="fr-FR" sz="1300" dirty="0" err="1"/>
+              <a:t>MotorESC_RunMotors</a:t>
+            </a:r>
+            <a:endParaRPr lang="fr-FR" sz="1300" dirty="0"/>
           </a:p>
           <a:p>
             <a:pPr marL="457200" lvl="1" indent="0">
               <a:buNone/>
             </a:pPr>
             <a:r>
-              <a:rPr lang="fr-FR" sz="1400" dirty="0"/>
-              <a:t>     _</a:t>
-            </a:r>
-            <a:r>
-              <a:rPr lang="fr-FR" sz="1400" dirty="0" err="1"/>
-              <a:t>motor</a:t>
-            </a:r>
-            <a:r>
-              <a:rPr lang="fr-FR" sz="1400" dirty="0"/>
-              <a:t>[2] = </a:t>
-            </a:r>
-            <a:r>
-              <a:rPr lang="fr-FR" sz="1400" dirty="0" err="1"/>
-              <a:t>map</a:t>
-            </a:r>
-            <a:r>
-              <a:rPr lang="fr-FR" sz="1400" dirty="0"/>
-              <a:t>(</a:t>
-            </a:r>
-            <a:r>
-              <a:rPr lang="fr-FR" sz="1400" dirty="0" err="1"/>
-              <a:t>pid</a:t>
-            </a:r>
-            <a:r>
-              <a:rPr lang="fr-FR" sz="1400" dirty="0"/>
-              <a:t>, -MAXABSPID, MAXABSPID, MINPWMPID, MAXPWMPID) + </a:t>
-            </a:r>
-            <a:r>
-              <a:rPr lang="fr-FR" sz="1400" dirty="0" err="1"/>
-              <a:t>throttle</a:t>
-            </a:r>
-            <a:r>
-              <a:rPr lang="fr-FR" sz="1400" dirty="0"/>
-              <a:t>;</a:t>
+              <a:rPr lang="en-US" sz="1300" dirty="0" err="1"/>
+              <a:t>ESC_command</a:t>
+            </a:r>
+            <a:r>
+              <a:rPr lang="en-US" sz="1300" dirty="0"/>
+              <a:t>[THROTTLE] = </a:t>
+            </a:r>
+            <a:r>
+              <a:rPr lang="en-US" sz="1300" dirty="0" err="1"/>
+              <a:t>RC_command</a:t>
+            </a:r>
+            <a:r>
+              <a:rPr lang="en-US" sz="1300" dirty="0"/>
+              <a:t> Throttle</a:t>
             </a:r>
           </a:p>
           <a:p>
@@ -22346,159 +22541,64 @@
               <a:buNone/>
             </a:pPr>
             <a:r>
-              <a:rPr lang="fr-FR" sz="1400" dirty="0"/>
-              <a:t>     </a:t>
-            </a:r>
-            <a:r>
-              <a:rPr lang="fr-FR" sz="1400" dirty="0" err="1"/>
-              <a:t>pid</a:t>
-            </a:r>
-            <a:r>
-              <a:rPr lang="fr-FR" sz="1400" dirty="0"/>
-              <a:t> = PIDMIX(-1,+1,+1); //</a:t>
-            </a:r>
-            <a:r>
-              <a:rPr lang="fr-FR" sz="1400" dirty="0" err="1"/>
-              <a:t>Rear</a:t>
-            </a:r>
-            <a:r>
-              <a:rPr lang="fr-FR" sz="1400" dirty="0"/>
-              <a:t> </a:t>
-            </a:r>
-            <a:r>
-              <a:rPr lang="fr-FR" sz="1400" dirty="0" err="1"/>
-              <a:t>Left</a:t>
-            </a:r>
-            <a:endParaRPr lang="fr-FR" sz="1400" dirty="0"/>
+              <a:rPr lang="en-US" sz="1300" dirty="0" err="1"/>
+              <a:t>ESC_command</a:t>
+            </a:r>
+            <a:r>
+              <a:rPr lang="en-US" sz="1300" dirty="0"/>
+              <a:t>[ROLL]     = PID Roll</a:t>
+            </a:r>
           </a:p>
           <a:p>
             <a:pPr marL="457200" lvl="1" indent="0">
               <a:buNone/>
             </a:pPr>
             <a:r>
-              <a:rPr lang="fr-FR" sz="1400" dirty="0"/>
-              <a:t>     _</a:t>
-            </a:r>
-            <a:r>
-              <a:rPr lang="fr-FR" sz="1400" dirty="0" err="1"/>
-              <a:t>motor</a:t>
-            </a:r>
-            <a:r>
-              <a:rPr lang="fr-FR" sz="1400" dirty="0"/>
-              <a:t>[3] = </a:t>
-            </a:r>
-            <a:r>
-              <a:rPr lang="fr-FR" sz="1400" dirty="0" err="1"/>
-              <a:t>map</a:t>
-            </a:r>
-            <a:r>
-              <a:rPr lang="fr-FR" sz="1400" dirty="0"/>
-              <a:t>(</a:t>
-            </a:r>
-            <a:r>
-              <a:rPr lang="fr-FR" sz="1400" dirty="0" err="1"/>
-              <a:t>pid</a:t>
-            </a:r>
-            <a:r>
-              <a:rPr lang="fr-FR" sz="1400" dirty="0"/>
-              <a:t>, -MAXABSPID, MAXABSPID, MINPWMPID, MAXPWMPID) + </a:t>
-            </a:r>
-            <a:r>
-              <a:rPr lang="fr-FR" sz="1400" dirty="0" err="1"/>
-              <a:t>throttle</a:t>
-            </a:r>
-            <a:r>
-              <a:rPr lang="fr-FR" sz="1400" dirty="0"/>
-              <a:t>;</a:t>
-            </a:r>
-          </a:p>
-        </p:txBody>
-      </p:sp>
-      <p:sp>
-        <p:nvSpPr>
-          <p:cNvPr id="4" name="ZoneTexte 3">
-            <a:extLst>
-              <a:ext uri="{FF2B5EF4-FFF2-40B4-BE49-F238E27FC236}">
-                <a16:creationId xmlns:a16="http://schemas.microsoft.com/office/drawing/2014/main" id="{7203BC04-E8B9-4351-97B7-06F37CB1AEAA}"/>
-              </a:ext>
-            </a:extLst>
-          </p:cNvPr>
-          <p:cNvSpPr txBox="1"/>
-          <p:nvPr/>
-        </p:nvSpPr>
-        <p:spPr>
-          <a:xfrm>
-            <a:off x="8092440" y="1633448"/>
-            <a:ext cx="3642360" cy="1200329"/>
-          </a:xfrm>
-          <a:prstGeom prst="rect">
-            <a:avLst/>
-          </a:prstGeom>
-          <a:solidFill>
-            <a:schemeClr val="accent2">
-              <a:lumMod val="60000"/>
-              <a:lumOff val="40000"/>
-            </a:schemeClr>
-          </a:solidFill>
-        </p:spPr>
-        <p:txBody>
-          <a:bodyPr wrap="square" rtlCol="0">
-            <a:spAutoFit/>
-          </a:bodyPr>
-          <a:lstStyle/>
-          <a:p>
-            <a:r>
-              <a:rPr lang="en-US" sz="900" dirty="0"/>
-              <a:t>#define MINPWM 1000</a:t>
-            </a:r>
-          </a:p>
-          <a:p>
-            <a:r>
-              <a:rPr lang="en-US" sz="900" dirty="0"/>
-              <a:t>#define MAXPWM 2000</a:t>
-            </a:r>
-          </a:p>
-          <a:p>
-            <a:r>
-              <a:rPr lang="en-US" sz="900" dirty="0"/>
-              <a:t>#define MINPWMTHRO 1000</a:t>
-            </a:r>
-          </a:p>
-          <a:p>
-            <a:r>
-              <a:rPr lang="en-US" sz="900" dirty="0"/>
-              <a:t>#define MAXPWMTHRO 2000</a:t>
-            </a:r>
-          </a:p>
-          <a:p>
-            <a:r>
-              <a:rPr lang="en-US" sz="900" dirty="0"/>
-              <a:t>#define MAXABSPWMPID 200 /// to be TESTED</a:t>
-            </a:r>
-          </a:p>
-          <a:p>
-            <a:r>
-              <a:rPr lang="en-US" sz="900" dirty="0"/>
-              <a:t>#define MAXABSPID 79 // computed based on value of the </a:t>
-            </a:r>
-            <a:r>
-              <a:rPr lang="en-US" sz="900" dirty="0" err="1"/>
-              <a:t>coeff</a:t>
-            </a:r>
-            <a:r>
-              <a:rPr lang="en-US" sz="900" dirty="0"/>
-              <a:t> and max error for PID</a:t>
-            </a:r>
-          </a:p>
-          <a:p>
-            <a:endParaRPr lang="en-US" sz="900" dirty="0"/>
+              <a:rPr lang="en-US" sz="1300" dirty="0" err="1"/>
+              <a:t>ESC_command</a:t>
+            </a:r>
+            <a:r>
+              <a:rPr lang="en-US" sz="1300" dirty="0"/>
+              <a:t>[PITCH]    = PID Pitch</a:t>
+            </a:r>
+          </a:p>
+          <a:p>
+            <a:pPr marL="457200" lvl="1" indent="0">
+              <a:buNone/>
+            </a:pPr>
+            <a:r>
+              <a:rPr lang="en-US" sz="1300" dirty="0" err="1"/>
+              <a:t>ESC_command</a:t>
+            </a:r>
+            <a:r>
+              <a:rPr lang="en-US" sz="1300" dirty="0"/>
+              <a:t>[YAW]      =</a:t>
+            </a:r>
+            <a:r>
+              <a:rPr lang="en-US" sz="1300" b="1" dirty="0">
+                <a:solidFill>
+                  <a:srgbClr val="FF0000"/>
+                </a:solidFill>
+              </a:rPr>
+              <a:t> </a:t>
+            </a:r>
+            <a:r>
+              <a:rPr lang="en-US" sz="1300" dirty="0"/>
+              <a:t>PID Yaw</a:t>
+            </a:r>
+          </a:p>
+          <a:p>
+            <a:pPr marL="0" indent="0">
+              <a:buNone/>
+            </a:pPr>
+            <a:endParaRPr lang="fr-FR" sz="1800" dirty="0"/>
           </a:p>
         </p:txBody>
       </p:sp>
     </p:spTree>
     <p:extLst>
       <p:ext uri="{BB962C8B-B14F-4D97-AF65-F5344CB8AC3E}">
-        <p14:creationId xmlns:p14="http://schemas.microsoft.com/office/powerpoint/2010/main" val="2221460608"/>
+        <p14:creationId xmlns:p14="http://schemas.microsoft.com/office/powerpoint/2010/main" val="1215779965"/>
       </p:ext>
     </p:extLst>
   </p:cSld>

--- a/libraries/Diagramm Drone.pptx
+++ b/libraries/Diagramm Drone.pptx
@@ -3732,7 +3732,7 @@
           <a:p>
             <a:fld id="{0717AEF8-1597-4679-8926-916E82E12B07}" type="datetimeFigureOut">
               <a:rPr lang="fr-FR" smtClean="0"/>
-              <a:t>05/12/2019</a:t>
+              <a:t>13/10/2020</a:t>
             </a:fld>
             <a:endParaRPr lang="fr-FR"/>
           </a:p>
@@ -3930,7 +3930,7 @@
           <a:p>
             <a:fld id="{0717AEF8-1597-4679-8926-916E82E12B07}" type="datetimeFigureOut">
               <a:rPr lang="fr-FR" smtClean="0"/>
-              <a:t>05/12/2019</a:t>
+              <a:t>13/10/2020</a:t>
             </a:fld>
             <a:endParaRPr lang="fr-FR"/>
           </a:p>
@@ -4138,7 +4138,7 @@
           <a:p>
             <a:fld id="{0717AEF8-1597-4679-8926-916E82E12B07}" type="datetimeFigureOut">
               <a:rPr lang="fr-FR" smtClean="0"/>
-              <a:t>05/12/2019</a:t>
+              <a:t>13/10/2020</a:t>
             </a:fld>
             <a:endParaRPr lang="fr-FR"/>
           </a:p>
@@ -4336,7 +4336,7 @@
           <a:p>
             <a:fld id="{0717AEF8-1597-4679-8926-916E82E12B07}" type="datetimeFigureOut">
               <a:rPr lang="fr-FR" smtClean="0"/>
-              <a:t>05/12/2019</a:t>
+              <a:t>13/10/2020</a:t>
             </a:fld>
             <a:endParaRPr lang="fr-FR"/>
           </a:p>
@@ -4611,7 +4611,7 @@
           <a:p>
             <a:fld id="{0717AEF8-1597-4679-8926-916E82E12B07}" type="datetimeFigureOut">
               <a:rPr lang="fr-FR" smtClean="0"/>
-              <a:t>05/12/2019</a:t>
+              <a:t>13/10/2020</a:t>
             </a:fld>
             <a:endParaRPr lang="fr-FR"/>
           </a:p>
@@ -4876,7 +4876,7 @@
           <a:p>
             <a:fld id="{0717AEF8-1597-4679-8926-916E82E12B07}" type="datetimeFigureOut">
               <a:rPr lang="fr-FR" smtClean="0"/>
-              <a:t>05/12/2019</a:t>
+              <a:t>13/10/2020</a:t>
             </a:fld>
             <a:endParaRPr lang="fr-FR"/>
           </a:p>
@@ -5288,7 +5288,7 @@
           <a:p>
             <a:fld id="{0717AEF8-1597-4679-8926-916E82E12B07}" type="datetimeFigureOut">
               <a:rPr lang="fr-FR" smtClean="0"/>
-              <a:t>05/12/2019</a:t>
+              <a:t>13/10/2020</a:t>
             </a:fld>
             <a:endParaRPr lang="fr-FR"/>
           </a:p>
@@ -5429,7 +5429,7 @@
           <a:p>
             <a:fld id="{0717AEF8-1597-4679-8926-916E82E12B07}" type="datetimeFigureOut">
               <a:rPr lang="fr-FR" smtClean="0"/>
-              <a:t>05/12/2019</a:t>
+              <a:t>13/10/2020</a:t>
             </a:fld>
             <a:endParaRPr lang="fr-FR"/>
           </a:p>
@@ -5542,7 +5542,7 @@
           <a:p>
             <a:fld id="{0717AEF8-1597-4679-8926-916E82E12B07}" type="datetimeFigureOut">
               <a:rPr lang="fr-FR" smtClean="0"/>
-              <a:t>05/12/2019</a:t>
+              <a:t>13/10/2020</a:t>
             </a:fld>
             <a:endParaRPr lang="fr-FR"/>
           </a:p>
@@ -5853,7 +5853,7 @@
           <a:p>
             <a:fld id="{0717AEF8-1597-4679-8926-916E82E12B07}" type="datetimeFigureOut">
               <a:rPr lang="fr-FR" smtClean="0"/>
-              <a:t>05/12/2019</a:t>
+              <a:t>13/10/2020</a:t>
             </a:fld>
             <a:endParaRPr lang="fr-FR"/>
           </a:p>
@@ -6141,7 +6141,7 @@
           <a:p>
             <a:fld id="{0717AEF8-1597-4679-8926-916E82E12B07}" type="datetimeFigureOut">
               <a:rPr lang="fr-FR" smtClean="0"/>
-              <a:t>05/12/2019</a:t>
+              <a:t>13/10/2020</a:t>
             </a:fld>
             <a:endParaRPr lang="fr-FR"/>
           </a:p>
@@ -6382,7 +6382,7 @@
           <a:p>
             <a:fld id="{0717AEF8-1597-4679-8926-916E82E12B07}" type="datetimeFigureOut">
               <a:rPr lang="fr-FR" smtClean="0"/>
-              <a:t>05/12/2019</a:t>
+              <a:t>13/10/2020</a:t>
             </a:fld>
             <a:endParaRPr lang="fr-FR"/>
           </a:p>
@@ -22595,6 +22595,165 @@
           </a:p>
         </p:txBody>
       </p:sp>
+      <p:sp>
+        <p:nvSpPr>
+          <p:cNvPr id="5" name="ZoneTexte 4">
+            <a:extLst>
+              <a:ext uri="{FF2B5EF4-FFF2-40B4-BE49-F238E27FC236}">
+                <a16:creationId xmlns:a16="http://schemas.microsoft.com/office/drawing/2014/main" id="{2D3C049E-F439-4AF6-AF0B-E4C3600DA875}"/>
+              </a:ext>
+            </a:extLst>
+          </p:cNvPr>
+          <p:cNvSpPr txBox="1"/>
+          <p:nvPr/>
+        </p:nvSpPr>
+        <p:spPr>
+          <a:xfrm>
+            <a:off x="7195795" y="1802123"/>
+            <a:ext cx="3642360" cy="646331"/>
+          </a:xfrm>
+          <a:prstGeom prst="rect">
+            <a:avLst/>
+          </a:prstGeom>
+          <a:solidFill>
+            <a:schemeClr val="accent2">
+              <a:lumMod val="60000"/>
+              <a:lumOff val="40000"/>
+            </a:schemeClr>
+          </a:solidFill>
+        </p:spPr>
+        <p:txBody>
+          <a:bodyPr wrap="square" rtlCol="0">
+            <a:spAutoFit/>
+          </a:bodyPr>
+          <a:lstStyle/>
+          <a:p>
+            <a:r>
+              <a:rPr lang="en-US" sz="900" dirty="0"/>
+              <a:t>#define MAXPPM      1920.0</a:t>
+            </a:r>
+          </a:p>
+          <a:p>
+            <a:r>
+              <a:rPr lang="en-US" sz="900" dirty="0"/>
+              <a:t>#define MAXPPMAUX2  1520.0</a:t>
+            </a:r>
+          </a:p>
+          <a:p>
+            <a:r>
+              <a:rPr lang="en-US" sz="900" dirty="0"/>
+              <a:t>#define MINPPM      1100.0 </a:t>
+            </a:r>
+          </a:p>
+          <a:p>
+            <a:r>
+              <a:rPr lang="en-US" sz="900" dirty="0"/>
+              <a:t>#define MIDPPM      1510.0 //(MINPPM+MAXPPM)/2 </a:t>
+            </a:r>
+          </a:p>
+        </p:txBody>
+      </p:sp>
+      <p:sp>
+        <p:nvSpPr>
+          <p:cNvPr id="7" name="ZoneTexte 6">
+            <a:extLst>
+              <a:ext uri="{FF2B5EF4-FFF2-40B4-BE49-F238E27FC236}">
+                <a16:creationId xmlns:a16="http://schemas.microsoft.com/office/drawing/2014/main" id="{FDB6C678-DC89-4195-965E-145FC26ABD8E}"/>
+              </a:ext>
+            </a:extLst>
+          </p:cNvPr>
+          <p:cNvSpPr txBox="1"/>
+          <p:nvPr/>
+        </p:nvSpPr>
+        <p:spPr>
+          <a:xfrm>
+            <a:off x="7195795" y="2629226"/>
+            <a:ext cx="3642360" cy="1061829"/>
+          </a:xfrm>
+          <a:prstGeom prst="rect">
+            <a:avLst/>
+          </a:prstGeom>
+          <a:solidFill>
+            <a:schemeClr val="accent2">
+              <a:lumMod val="60000"/>
+              <a:lumOff val="40000"/>
+            </a:schemeClr>
+          </a:solidFill>
+        </p:spPr>
+        <p:txBody>
+          <a:bodyPr wrap="square" rtlCol="0">
+            <a:spAutoFit/>
+          </a:bodyPr>
+          <a:lstStyle/>
+          <a:p>
+            <a:pPr algn="ctr"/>
+            <a:r>
+              <a:rPr lang="en-US" sz="900" b="1" u="sng" dirty="0"/>
+              <a:t> INIT</a:t>
+            </a:r>
+          </a:p>
+          <a:p>
+            <a:r>
+              <a:rPr lang="en-US" sz="900" dirty="0" err="1"/>
+              <a:t>rcValue</a:t>
+            </a:r>
+            <a:r>
+              <a:rPr lang="en-US" sz="900" dirty="0"/>
+              <a:t>[THROTTLE] = MINPPM;</a:t>
+            </a:r>
+          </a:p>
+          <a:p>
+            <a:r>
+              <a:rPr lang="en-US" sz="900" dirty="0" err="1"/>
+              <a:t>rcValue</a:t>
+            </a:r>
+            <a:r>
+              <a:rPr lang="en-US" sz="900" dirty="0"/>
+              <a:t>[ROLL]     = MIDPPM;</a:t>
+            </a:r>
+          </a:p>
+          <a:p>
+            <a:r>
+              <a:rPr lang="en-US" sz="900" dirty="0" err="1"/>
+              <a:t>rcValue</a:t>
+            </a:r>
+            <a:r>
+              <a:rPr lang="en-US" sz="900" dirty="0"/>
+              <a:t>[PITCH]    = MIDPPM;</a:t>
+            </a:r>
+          </a:p>
+          <a:p>
+            <a:r>
+              <a:rPr lang="en-US" sz="900" dirty="0" err="1"/>
+              <a:t>rcValue</a:t>
+            </a:r>
+            <a:r>
+              <a:rPr lang="en-US" sz="900" dirty="0"/>
+              <a:t>[YAW]      = MIDPPM;</a:t>
+            </a:r>
+          </a:p>
+          <a:p>
+            <a:r>
+              <a:rPr lang="en-US" sz="900" dirty="0" err="1"/>
+              <a:t>rcValue</a:t>
+            </a:r>
+            <a:r>
+              <a:rPr lang="en-US" sz="900" dirty="0"/>
+              <a:t>[AUX1]     = MINPPM;</a:t>
+            </a:r>
+          </a:p>
+          <a:p>
+            <a:r>
+              <a:rPr lang="en-US" sz="900" dirty="0" err="1"/>
+              <a:t>rcValue</a:t>
+            </a:r>
+            <a:r>
+              <a:rPr lang="en-US" sz="900" dirty="0"/>
+              <a:t>[AUX2]     = MINPPM;</a:t>
+            </a:r>
+          </a:p>
+        </p:txBody>
+      </p:sp>
     </p:spTree>
     <p:extLst>
       <p:ext uri="{BB962C8B-B14F-4D97-AF65-F5344CB8AC3E}">
